--- a/figures/fig.pptx
+++ b/figures/fig.pptx
@@ -7,6 +7,7 @@
   <p:sldIdLst>
     <p:sldId id="256" r:id="rId2"/>
     <p:sldId id="257" r:id="rId3"/>
+    <p:sldId id="258" r:id="rId4"/>
   </p:sldIdLst>
   <p:sldSz cx="12192000" cy="6858000"/>
   <p:notesSz cx="6858000" cy="9144000"/>
@@ -105,6 +106,11 @@
       </a:defRPr>
     </a:lvl9pPr>
   </p:defaultTextStyle>
+  <p:extLst>
+    <p:ext uri="{EFAFB233-063F-42B5-8137-9DF3F51BA10A}">
+      <p15:sldGuideLst xmlns:p15="http://schemas.microsoft.com/office/powerpoint/2012/main"/>
+    </p:ext>
+  </p:extLst>
 </p:presentation>
 </file>
 
@@ -255,7 +261,7 @@
           <a:p>
             <a:fld id="{BA5A1584-706A-4ABE-803B-792AD84DBA31}" type="datetimeFigureOut">
               <a:rPr lang="en-US" smtClean="0"/>
-              <a:t>1/8/2025</a:t>
+              <a:t>1/9/2025</a:t>
             </a:fld>
             <a:endParaRPr lang="en-US"/>
           </a:p>
@@ -453,7 +459,7 @@
           <a:p>
             <a:fld id="{BA5A1584-706A-4ABE-803B-792AD84DBA31}" type="datetimeFigureOut">
               <a:rPr lang="en-US" smtClean="0"/>
-              <a:t>1/8/2025</a:t>
+              <a:t>1/9/2025</a:t>
             </a:fld>
             <a:endParaRPr lang="en-US"/>
           </a:p>
@@ -661,7 +667,7 @@
           <a:p>
             <a:fld id="{BA5A1584-706A-4ABE-803B-792AD84DBA31}" type="datetimeFigureOut">
               <a:rPr lang="en-US" smtClean="0"/>
-              <a:t>1/8/2025</a:t>
+              <a:t>1/9/2025</a:t>
             </a:fld>
             <a:endParaRPr lang="en-US"/>
           </a:p>
@@ -859,7 +865,7 @@
           <a:p>
             <a:fld id="{BA5A1584-706A-4ABE-803B-792AD84DBA31}" type="datetimeFigureOut">
               <a:rPr lang="en-US" smtClean="0"/>
-              <a:t>1/8/2025</a:t>
+              <a:t>1/9/2025</a:t>
             </a:fld>
             <a:endParaRPr lang="en-US"/>
           </a:p>
@@ -1134,7 +1140,7 @@
           <a:p>
             <a:fld id="{BA5A1584-706A-4ABE-803B-792AD84DBA31}" type="datetimeFigureOut">
               <a:rPr lang="en-US" smtClean="0"/>
-              <a:t>1/8/2025</a:t>
+              <a:t>1/9/2025</a:t>
             </a:fld>
             <a:endParaRPr lang="en-US"/>
           </a:p>
@@ -1399,7 +1405,7 @@
           <a:p>
             <a:fld id="{BA5A1584-706A-4ABE-803B-792AD84DBA31}" type="datetimeFigureOut">
               <a:rPr lang="en-US" smtClean="0"/>
-              <a:t>1/8/2025</a:t>
+              <a:t>1/9/2025</a:t>
             </a:fld>
             <a:endParaRPr lang="en-US"/>
           </a:p>
@@ -1811,7 +1817,7 @@
           <a:p>
             <a:fld id="{BA5A1584-706A-4ABE-803B-792AD84DBA31}" type="datetimeFigureOut">
               <a:rPr lang="en-US" smtClean="0"/>
-              <a:t>1/8/2025</a:t>
+              <a:t>1/9/2025</a:t>
             </a:fld>
             <a:endParaRPr lang="en-US"/>
           </a:p>
@@ -1952,7 +1958,7 @@
           <a:p>
             <a:fld id="{BA5A1584-706A-4ABE-803B-792AD84DBA31}" type="datetimeFigureOut">
               <a:rPr lang="en-US" smtClean="0"/>
-              <a:t>1/8/2025</a:t>
+              <a:t>1/9/2025</a:t>
             </a:fld>
             <a:endParaRPr lang="en-US"/>
           </a:p>
@@ -2065,7 +2071,7 @@
           <a:p>
             <a:fld id="{BA5A1584-706A-4ABE-803B-792AD84DBA31}" type="datetimeFigureOut">
               <a:rPr lang="en-US" smtClean="0"/>
-              <a:t>1/8/2025</a:t>
+              <a:t>1/9/2025</a:t>
             </a:fld>
             <a:endParaRPr lang="en-US"/>
           </a:p>
@@ -2376,7 +2382,7 @@
           <a:p>
             <a:fld id="{BA5A1584-706A-4ABE-803B-792AD84DBA31}" type="datetimeFigureOut">
               <a:rPr lang="en-US" smtClean="0"/>
-              <a:t>1/8/2025</a:t>
+              <a:t>1/9/2025</a:t>
             </a:fld>
             <a:endParaRPr lang="en-US"/>
           </a:p>
@@ -2664,7 +2670,7 @@
           <a:p>
             <a:fld id="{BA5A1584-706A-4ABE-803B-792AD84DBA31}" type="datetimeFigureOut">
               <a:rPr lang="en-US" smtClean="0"/>
-              <a:t>1/8/2025</a:t>
+              <a:t>1/9/2025</a:t>
             </a:fld>
             <a:endParaRPr lang="en-US"/>
           </a:p>
@@ -2905,7 +2911,7 @@
           <a:p>
             <a:fld id="{BA5A1584-706A-4ABE-803B-792AD84DBA31}" type="datetimeFigureOut">
               <a:rPr lang="en-US" smtClean="0"/>
-              <a:t>1/8/2025</a:t>
+              <a:t>1/9/2025</a:t>
             </a:fld>
             <a:endParaRPr lang="en-US"/>
           </a:p>
@@ -3749,8 +3755,8 @@
             </a:fontRef>
           </p:style>
         </p:cxnSp>
-        <mc:AlternateContent xmlns:mc="http://schemas.openxmlformats.org/markup-compatibility/2006">
-          <mc:Choice xmlns:a14="http://schemas.microsoft.com/office/drawing/2010/main" Requires="a14">
+        <mc:AlternateContent xmlns:mc="http://schemas.openxmlformats.org/markup-compatibility/2006" xmlns:a14="http://schemas.microsoft.com/office/drawing/2010/main">
+          <mc:Choice Requires="a14">
             <p:sp>
               <p:nvSpPr>
                 <p:cNvPr id="19" name="TextBox 18">
@@ -3779,6 +3785,7 @@
                 </a:bodyPr>
                 <a:lstStyle/>
                 <a:p>
+                  <a:pPr/>
                   <a14:m>
                     <m:oMathPara xmlns:m="http://schemas.openxmlformats.org/officeDocument/2006/math">
                       <m:oMathParaPr>
@@ -3808,7 +3815,7 @@
               </p:txBody>
             </p:sp>
           </mc:Choice>
-          <mc:Fallback>
+          <mc:Fallback xmlns="">
             <p:sp>
               <p:nvSpPr>
                 <p:cNvPr id="19" name="TextBox 18">
@@ -3853,8 +3860,8 @@
             </p:sp>
           </mc:Fallback>
         </mc:AlternateContent>
-        <mc:AlternateContent xmlns:mc="http://schemas.openxmlformats.org/markup-compatibility/2006">
-          <mc:Choice xmlns:a14="http://schemas.microsoft.com/office/drawing/2010/main" Requires="a14">
+        <mc:AlternateContent xmlns:mc="http://schemas.openxmlformats.org/markup-compatibility/2006" xmlns:a14="http://schemas.microsoft.com/office/drawing/2010/main">
+          <mc:Choice Requires="a14">
             <p:sp>
               <p:nvSpPr>
                 <p:cNvPr id="20" name="TextBox 19">
@@ -3883,6 +3890,7 @@
                 </a:bodyPr>
                 <a:lstStyle/>
                 <a:p>
+                  <a:pPr/>
                   <a14:m>
                     <m:oMathPara xmlns:m="http://schemas.openxmlformats.org/officeDocument/2006/math">
                       <m:oMathParaPr>
@@ -3922,7 +3930,7 @@
               </p:txBody>
             </p:sp>
           </mc:Choice>
-          <mc:Fallback>
+          <mc:Fallback xmlns="">
             <p:sp>
               <p:nvSpPr>
                 <p:cNvPr id="20" name="TextBox 19">
@@ -3967,8 +3975,8 @@
             </p:sp>
           </mc:Fallback>
         </mc:AlternateContent>
-        <mc:AlternateContent xmlns:mc="http://schemas.openxmlformats.org/markup-compatibility/2006">
-          <mc:Choice xmlns:a14="http://schemas.microsoft.com/office/drawing/2010/main" Requires="a14">
+        <mc:AlternateContent xmlns:mc="http://schemas.openxmlformats.org/markup-compatibility/2006" xmlns:a14="http://schemas.microsoft.com/office/drawing/2010/main">
+          <mc:Choice Requires="a14">
             <p:sp>
               <p:nvSpPr>
                 <p:cNvPr id="21" name="TextBox 20">
@@ -3997,6 +4005,7 @@
                 </a:bodyPr>
                 <a:lstStyle/>
                 <a:p>
+                  <a:pPr/>
                   <a14:m>
                     <m:oMathPara xmlns:m="http://schemas.openxmlformats.org/officeDocument/2006/math">
                       <m:oMathParaPr>
@@ -4026,7 +4035,7 @@
               </p:txBody>
             </p:sp>
           </mc:Choice>
-          <mc:Fallback>
+          <mc:Fallback xmlns="">
             <p:sp>
               <p:nvSpPr>
                 <p:cNvPr id="21" name="TextBox 20">
@@ -4111,8 +4120,8 @@
             </a:fontRef>
           </p:style>
         </p:cxnSp>
-        <mc:AlternateContent xmlns:mc="http://schemas.openxmlformats.org/markup-compatibility/2006">
-          <mc:Choice xmlns:a14="http://schemas.microsoft.com/office/drawing/2010/main" Requires="a14">
+        <mc:AlternateContent xmlns:mc="http://schemas.openxmlformats.org/markup-compatibility/2006" xmlns:a14="http://schemas.microsoft.com/office/drawing/2010/main">
+          <mc:Choice Requires="a14">
             <p:sp>
               <p:nvSpPr>
                 <p:cNvPr id="24" name="TextBox 23">
@@ -4141,6 +4150,7 @@
                 </a:bodyPr>
                 <a:lstStyle/>
                 <a:p>
+                  <a:pPr/>
                   <a14:m>
                     <m:oMathPara xmlns:m="http://schemas.openxmlformats.org/officeDocument/2006/math">
                       <m:oMathParaPr>
@@ -4161,7 +4171,7 @@
               </p:txBody>
             </p:sp>
           </mc:Choice>
-          <mc:Fallback>
+          <mc:Fallback xmlns="">
             <p:sp>
               <p:nvSpPr>
                 <p:cNvPr id="24" name="TextBox 23">
@@ -4248,8 +4258,8 @@
             </a:fontRef>
           </p:style>
         </p:cxnSp>
-        <mc:AlternateContent xmlns:mc="http://schemas.openxmlformats.org/markup-compatibility/2006">
-          <mc:Choice xmlns:a14="http://schemas.microsoft.com/office/drawing/2010/main" Requires="a14">
+        <mc:AlternateContent xmlns:mc="http://schemas.openxmlformats.org/markup-compatibility/2006" xmlns:a14="http://schemas.microsoft.com/office/drawing/2010/main">
+          <mc:Choice Requires="a14">
             <p:sp>
               <p:nvSpPr>
                 <p:cNvPr id="29" name="TextBox 28">
@@ -4278,6 +4288,7 @@
                 </a:bodyPr>
                 <a:lstStyle/>
                 <a:p>
+                  <a:pPr/>
                   <a14:m>
                     <m:oMathPara xmlns:m="http://schemas.openxmlformats.org/officeDocument/2006/math">
                       <m:oMathParaPr>
@@ -4298,7 +4309,7 @@
               </p:txBody>
             </p:sp>
           </mc:Choice>
-          <mc:Fallback>
+          <mc:Fallback xmlns="">
             <p:sp>
               <p:nvSpPr>
                 <p:cNvPr id="29" name="TextBox 28">
@@ -4385,8 +4396,8 @@
             </a:fontRef>
           </p:style>
         </p:cxnSp>
-        <mc:AlternateContent xmlns:mc="http://schemas.openxmlformats.org/markup-compatibility/2006">
-          <mc:Choice xmlns:a14="http://schemas.microsoft.com/office/drawing/2010/main" Requires="a14">
+        <mc:AlternateContent xmlns:mc="http://schemas.openxmlformats.org/markup-compatibility/2006" xmlns:a14="http://schemas.microsoft.com/office/drawing/2010/main">
+          <mc:Choice Requires="a14">
             <p:sp>
               <p:nvSpPr>
                 <p:cNvPr id="36" name="TextBox 35">
@@ -4415,6 +4426,7 @@
                 </a:bodyPr>
                 <a:lstStyle/>
                 <a:p>
+                  <a:pPr/>
                   <a14:m>
                     <m:oMathPara xmlns:m="http://schemas.openxmlformats.org/officeDocument/2006/math">
                       <m:oMathParaPr>
@@ -4435,7 +4447,7 @@
               </p:txBody>
             </p:sp>
           </mc:Choice>
-          <mc:Fallback>
+          <mc:Fallback xmlns="">
             <p:sp>
               <p:nvSpPr>
                 <p:cNvPr id="36" name="TextBox 35">
@@ -4520,6 +4532,1397 @@
     <p:extLst>
       <p:ext uri="{BB962C8B-B14F-4D97-AF65-F5344CB8AC3E}">
         <p14:creationId xmlns:p14="http://schemas.microsoft.com/office/powerpoint/2010/main" val="4036697413"/>
+      </p:ext>
+    </p:extLst>
+  </p:cSld>
+  <p:clrMapOvr>
+    <a:masterClrMapping/>
+  </p:clrMapOvr>
+</p:sld>
+</file>
+
+<file path=ppt/slides/slide3.xml><?xml version="1.0" encoding="utf-8"?>
+<p:sld xmlns:a="http://schemas.openxmlformats.org/drawingml/2006/main" xmlns:r="http://schemas.openxmlformats.org/officeDocument/2006/relationships" xmlns:p="http://schemas.openxmlformats.org/presentationml/2006/main">
+  <p:cSld>
+    <p:spTree>
+      <p:nvGrpSpPr>
+        <p:cNvPr id="1" name=""/>
+        <p:cNvGrpSpPr/>
+        <p:nvPr/>
+      </p:nvGrpSpPr>
+      <p:grpSpPr>
+        <a:xfrm>
+          <a:off x="0" y="0"/>
+          <a:ext cx="0" cy="0"/>
+          <a:chOff x="0" y="0"/>
+          <a:chExt cx="0" cy="0"/>
+        </a:xfrm>
+      </p:grpSpPr>
+      <p:grpSp>
+        <p:nvGrpSpPr>
+          <p:cNvPr id="27" name="Group 26">
+            <a:extLst>
+              <a:ext uri="{FF2B5EF4-FFF2-40B4-BE49-F238E27FC236}">
+                <a16:creationId xmlns:a16="http://schemas.microsoft.com/office/drawing/2014/main" id="{7B043C84-3FD7-953E-E8CA-EBD6C09074BE}"/>
+              </a:ext>
+            </a:extLst>
+          </p:cNvPr>
+          <p:cNvGrpSpPr/>
+          <p:nvPr/>
+        </p:nvGrpSpPr>
+        <p:grpSpPr>
+          <a:xfrm>
+            <a:off x="4437758" y="1854925"/>
+            <a:ext cx="2659594" cy="982394"/>
+            <a:chOff x="4437758" y="1854925"/>
+            <a:chExt cx="2659594" cy="982394"/>
+          </a:xfrm>
+        </p:grpSpPr>
+        <p:sp>
+          <p:nvSpPr>
+            <p:cNvPr id="2" name="Cube 1">
+              <a:extLst>
+                <a:ext uri="{FF2B5EF4-FFF2-40B4-BE49-F238E27FC236}">
+                  <a16:creationId xmlns:a16="http://schemas.microsoft.com/office/drawing/2014/main" id="{AD67F03C-2851-1A05-2DEC-57380E4AB899}"/>
+                </a:ext>
+              </a:extLst>
+            </p:cNvPr>
+            <p:cNvSpPr/>
+            <p:nvPr/>
+          </p:nvSpPr>
+          <p:spPr>
+            <a:xfrm>
+              <a:off x="4781006" y="2090057"/>
+              <a:ext cx="2272937" cy="470263"/>
+            </a:xfrm>
+            <a:prstGeom prst="cube">
+              <a:avLst>
+                <a:gd name="adj" fmla="val 86603"/>
+              </a:avLst>
+            </a:prstGeom>
+            <a:solidFill>
+              <a:schemeClr val="bg1"/>
+            </a:solidFill>
+            <a:ln w="19050"/>
+          </p:spPr>
+          <p:style>
+            <a:lnRef idx="2">
+              <a:schemeClr val="accent1">
+                <a:shade val="15000"/>
+              </a:schemeClr>
+            </a:lnRef>
+            <a:fillRef idx="1">
+              <a:schemeClr val="accent1"/>
+            </a:fillRef>
+            <a:effectRef idx="0">
+              <a:schemeClr val="accent1"/>
+            </a:effectRef>
+            <a:fontRef idx="minor">
+              <a:schemeClr val="lt1"/>
+            </a:fontRef>
+          </p:style>
+          <p:txBody>
+            <a:bodyPr rtlCol="0" anchor="ctr"/>
+            <a:lstStyle/>
+            <a:p>
+              <a:pPr algn="ctr"/>
+              <a:endParaRPr lang="en-US"/>
+            </a:p>
+          </p:txBody>
+        </p:sp>
+        <p:cxnSp>
+          <p:nvCxnSpPr>
+            <p:cNvPr id="6" name="Straight Arrow Connector 5">
+              <a:extLst>
+                <a:ext uri="{FF2B5EF4-FFF2-40B4-BE49-F238E27FC236}">
+                  <a16:creationId xmlns:a16="http://schemas.microsoft.com/office/drawing/2014/main" id="{5C38E99E-775D-26D7-6CA4-E8ABD6D79B34}"/>
+                </a:ext>
+              </a:extLst>
+            </p:cNvPr>
+            <p:cNvCxnSpPr>
+              <a:stCxn id="4" idx="2"/>
+              <a:endCxn id="2" idx="2"/>
+            </p:cNvCxnSpPr>
+            <p:nvPr/>
+          </p:nvCxnSpPr>
+          <p:spPr>
+            <a:xfrm>
+              <a:off x="4781006" y="2293687"/>
+              <a:ext cx="0" cy="235132"/>
+            </a:xfrm>
+            <a:prstGeom prst="straightConnector1">
+              <a:avLst/>
+            </a:prstGeom>
+            <a:ln>
+              <a:tailEnd type="triangle"/>
+            </a:ln>
+          </p:spPr>
+          <p:style>
+            <a:lnRef idx="1">
+              <a:schemeClr val="dk1"/>
+            </a:lnRef>
+            <a:fillRef idx="0">
+              <a:schemeClr val="dk1"/>
+            </a:fillRef>
+            <a:effectRef idx="0">
+              <a:schemeClr val="dk1"/>
+            </a:effectRef>
+            <a:fontRef idx="minor">
+              <a:schemeClr val="tx1"/>
+            </a:fontRef>
+          </p:style>
+        </p:cxnSp>
+        <p:cxnSp>
+          <p:nvCxnSpPr>
+            <p:cNvPr id="7" name="Straight Arrow Connector 6">
+              <a:extLst>
+                <a:ext uri="{FF2B5EF4-FFF2-40B4-BE49-F238E27FC236}">
+                  <a16:creationId xmlns:a16="http://schemas.microsoft.com/office/drawing/2014/main" id="{12238B54-570F-5D3F-798C-8B92927F7ED9}"/>
+                </a:ext>
+              </a:extLst>
+            </p:cNvPr>
+            <p:cNvCxnSpPr/>
+            <p:nvPr/>
+          </p:nvCxnSpPr>
+          <p:spPr>
+            <a:xfrm>
+              <a:off x="4971506" y="2293687"/>
+              <a:ext cx="0" cy="235132"/>
+            </a:xfrm>
+            <a:prstGeom prst="straightConnector1">
+              <a:avLst/>
+            </a:prstGeom>
+            <a:ln>
+              <a:tailEnd type="triangle"/>
+            </a:ln>
+          </p:spPr>
+          <p:style>
+            <a:lnRef idx="1">
+              <a:schemeClr val="dk1"/>
+            </a:lnRef>
+            <a:fillRef idx="0">
+              <a:schemeClr val="dk1"/>
+            </a:fillRef>
+            <a:effectRef idx="0">
+              <a:schemeClr val="dk1"/>
+            </a:effectRef>
+            <a:fontRef idx="minor">
+              <a:schemeClr val="tx1"/>
+            </a:fontRef>
+          </p:style>
+        </p:cxnSp>
+        <p:cxnSp>
+          <p:nvCxnSpPr>
+            <p:cNvPr id="8" name="Straight Arrow Connector 7">
+              <a:extLst>
+                <a:ext uri="{FF2B5EF4-FFF2-40B4-BE49-F238E27FC236}">
+                  <a16:creationId xmlns:a16="http://schemas.microsoft.com/office/drawing/2014/main" id="{C62176D3-AEE8-AD98-B933-53786B2F27F7}"/>
+                </a:ext>
+              </a:extLst>
+            </p:cNvPr>
+            <p:cNvCxnSpPr/>
+            <p:nvPr/>
+          </p:nvCxnSpPr>
+          <p:spPr>
+            <a:xfrm>
+              <a:off x="5114381" y="2293687"/>
+              <a:ext cx="0" cy="235132"/>
+            </a:xfrm>
+            <a:prstGeom prst="straightConnector1">
+              <a:avLst/>
+            </a:prstGeom>
+            <a:ln>
+              <a:tailEnd type="triangle"/>
+            </a:ln>
+          </p:spPr>
+          <p:style>
+            <a:lnRef idx="1">
+              <a:schemeClr val="dk1"/>
+            </a:lnRef>
+            <a:fillRef idx="0">
+              <a:schemeClr val="dk1"/>
+            </a:fillRef>
+            <a:effectRef idx="0">
+              <a:schemeClr val="dk1"/>
+            </a:effectRef>
+            <a:fontRef idx="minor">
+              <a:schemeClr val="tx1"/>
+            </a:fontRef>
+          </p:style>
+        </p:cxnSp>
+        <p:cxnSp>
+          <p:nvCxnSpPr>
+            <p:cNvPr id="9" name="Straight Arrow Connector 8">
+              <a:extLst>
+                <a:ext uri="{FF2B5EF4-FFF2-40B4-BE49-F238E27FC236}">
+                  <a16:creationId xmlns:a16="http://schemas.microsoft.com/office/drawing/2014/main" id="{3B1D4E08-3BD0-9AEE-127B-3420189674E1}"/>
+                </a:ext>
+              </a:extLst>
+            </p:cNvPr>
+            <p:cNvCxnSpPr/>
+            <p:nvPr/>
+          </p:nvCxnSpPr>
+          <p:spPr>
+            <a:xfrm>
+              <a:off x="5262018" y="2293687"/>
+              <a:ext cx="0" cy="235132"/>
+            </a:xfrm>
+            <a:prstGeom prst="straightConnector1">
+              <a:avLst/>
+            </a:prstGeom>
+            <a:ln>
+              <a:tailEnd type="triangle"/>
+            </a:ln>
+          </p:spPr>
+          <p:style>
+            <a:lnRef idx="1">
+              <a:schemeClr val="dk1"/>
+            </a:lnRef>
+            <a:fillRef idx="0">
+              <a:schemeClr val="dk1"/>
+            </a:fillRef>
+            <a:effectRef idx="0">
+              <a:schemeClr val="dk1"/>
+            </a:effectRef>
+            <a:fontRef idx="minor">
+              <a:schemeClr val="tx1"/>
+            </a:fontRef>
+          </p:style>
+        </p:cxnSp>
+        <p:cxnSp>
+          <p:nvCxnSpPr>
+            <p:cNvPr id="10" name="Straight Arrow Connector 9">
+              <a:extLst>
+                <a:ext uri="{FF2B5EF4-FFF2-40B4-BE49-F238E27FC236}">
+                  <a16:creationId xmlns:a16="http://schemas.microsoft.com/office/drawing/2014/main" id="{2C1A2A41-9DD0-6A23-CD43-396EDBD61AEF}"/>
+                </a:ext>
+              </a:extLst>
+            </p:cNvPr>
+            <p:cNvCxnSpPr/>
+            <p:nvPr/>
+          </p:nvCxnSpPr>
+          <p:spPr>
+            <a:xfrm>
+              <a:off x="5414418" y="2293687"/>
+              <a:ext cx="0" cy="235132"/>
+            </a:xfrm>
+            <a:prstGeom prst="straightConnector1">
+              <a:avLst/>
+            </a:prstGeom>
+            <a:ln>
+              <a:tailEnd type="triangle"/>
+            </a:ln>
+          </p:spPr>
+          <p:style>
+            <a:lnRef idx="1">
+              <a:schemeClr val="dk1"/>
+            </a:lnRef>
+            <a:fillRef idx="0">
+              <a:schemeClr val="dk1"/>
+            </a:fillRef>
+            <a:effectRef idx="0">
+              <a:schemeClr val="dk1"/>
+            </a:effectRef>
+            <a:fontRef idx="minor">
+              <a:schemeClr val="tx1"/>
+            </a:fontRef>
+          </p:style>
+        </p:cxnSp>
+        <p:cxnSp>
+          <p:nvCxnSpPr>
+            <p:cNvPr id="11" name="Straight Arrow Connector 10">
+              <a:extLst>
+                <a:ext uri="{FF2B5EF4-FFF2-40B4-BE49-F238E27FC236}">
+                  <a16:creationId xmlns:a16="http://schemas.microsoft.com/office/drawing/2014/main" id="{80153CAB-DC5D-4C90-94E6-3E76C7582249}"/>
+                </a:ext>
+              </a:extLst>
+            </p:cNvPr>
+            <p:cNvCxnSpPr/>
+            <p:nvPr/>
+          </p:nvCxnSpPr>
+          <p:spPr>
+            <a:xfrm>
+              <a:off x="5557293" y="2293687"/>
+              <a:ext cx="0" cy="235132"/>
+            </a:xfrm>
+            <a:prstGeom prst="straightConnector1">
+              <a:avLst/>
+            </a:prstGeom>
+            <a:ln>
+              <a:tailEnd type="triangle"/>
+            </a:ln>
+          </p:spPr>
+          <p:style>
+            <a:lnRef idx="1">
+              <a:schemeClr val="dk1"/>
+            </a:lnRef>
+            <a:fillRef idx="0">
+              <a:schemeClr val="dk1"/>
+            </a:fillRef>
+            <a:effectRef idx="0">
+              <a:schemeClr val="dk1"/>
+            </a:effectRef>
+            <a:fontRef idx="minor">
+              <a:schemeClr val="tx1"/>
+            </a:fontRef>
+          </p:style>
+        </p:cxnSp>
+        <p:cxnSp>
+          <p:nvCxnSpPr>
+            <p:cNvPr id="12" name="Straight Arrow Connector 11">
+              <a:extLst>
+                <a:ext uri="{FF2B5EF4-FFF2-40B4-BE49-F238E27FC236}">
+                  <a16:creationId xmlns:a16="http://schemas.microsoft.com/office/drawing/2014/main" id="{87E78B82-ACDA-FF66-4EBC-2F16BA2A82E4}"/>
+                </a:ext>
+              </a:extLst>
+            </p:cNvPr>
+            <p:cNvCxnSpPr/>
+            <p:nvPr/>
+          </p:nvCxnSpPr>
+          <p:spPr>
+            <a:xfrm>
+              <a:off x="5704930" y="2293687"/>
+              <a:ext cx="0" cy="235132"/>
+            </a:xfrm>
+            <a:prstGeom prst="straightConnector1">
+              <a:avLst/>
+            </a:prstGeom>
+            <a:ln>
+              <a:tailEnd type="triangle"/>
+            </a:ln>
+          </p:spPr>
+          <p:style>
+            <a:lnRef idx="1">
+              <a:schemeClr val="dk1"/>
+            </a:lnRef>
+            <a:fillRef idx="0">
+              <a:schemeClr val="dk1"/>
+            </a:fillRef>
+            <a:effectRef idx="0">
+              <a:schemeClr val="dk1"/>
+            </a:effectRef>
+            <a:fontRef idx="minor">
+              <a:schemeClr val="tx1"/>
+            </a:fontRef>
+          </p:style>
+        </p:cxnSp>
+        <p:cxnSp>
+          <p:nvCxnSpPr>
+            <p:cNvPr id="13" name="Straight Arrow Connector 12">
+              <a:extLst>
+                <a:ext uri="{FF2B5EF4-FFF2-40B4-BE49-F238E27FC236}">
+                  <a16:creationId xmlns:a16="http://schemas.microsoft.com/office/drawing/2014/main" id="{88EEF89C-2EEB-9517-D2E5-535E3D9F9364}"/>
+                </a:ext>
+              </a:extLst>
+            </p:cNvPr>
+            <p:cNvCxnSpPr/>
+            <p:nvPr/>
+          </p:nvCxnSpPr>
+          <p:spPr>
+            <a:xfrm>
+              <a:off x="5862094" y="2293687"/>
+              <a:ext cx="0" cy="235132"/>
+            </a:xfrm>
+            <a:prstGeom prst="straightConnector1">
+              <a:avLst/>
+            </a:prstGeom>
+            <a:ln>
+              <a:tailEnd type="triangle"/>
+            </a:ln>
+          </p:spPr>
+          <p:style>
+            <a:lnRef idx="1">
+              <a:schemeClr val="dk1"/>
+            </a:lnRef>
+            <a:fillRef idx="0">
+              <a:schemeClr val="dk1"/>
+            </a:fillRef>
+            <a:effectRef idx="0">
+              <a:schemeClr val="dk1"/>
+            </a:effectRef>
+            <a:fontRef idx="minor">
+              <a:schemeClr val="tx1"/>
+            </a:fontRef>
+          </p:style>
+        </p:cxnSp>
+        <p:cxnSp>
+          <p:nvCxnSpPr>
+            <p:cNvPr id="14" name="Straight Arrow Connector 13">
+              <a:extLst>
+                <a:ext uri="{FF2B5EF4-FFF2-40B4-BE49-F238E27FC236}">
+                  <a16:creationId xmlns:a16="http://schemas.microsoft.com/office/drawing/2014/main" id="{67838BF4-4124-4328-C5E7-DFAD84B7A9FF}"/>
+                </a:ext>
+              </a:extLst>
+            </p:cNvPr>
+            <p:cNvCxnSpPr/>
+            <p:nvPr/>
+          </p:nvCxnSpPr>
+          <p:spPr>
+            <a:xfrm>
+              <a:off x="6004969" y="2293687"/>
+              <a:ext cx="0" cy="235132"/>
+            </a:xfrm>
+            <a:prstGeom prst="straightConnector1">
+              <a:avLst/>
+            </a:prstGeom>
+            <a:ln>
+              <a:tailEnd type="triangle"/>
+            </a:ln>
+          </p:spPr>
+          <p:style>
+            <a:lnRef idx="1">
+              <a:schemeClr val="dk1"/>
+            </a:lnRef>
+            <a:fillRef idx="0">
+              <a:schemeClr val="dk1"/>
+            </a:fillRef>
+            <a:effectRef idx="0">
+              <a:schemeClr val="dk1"/>
+            </a:effectRef>
+            <a:fontRef idx="minor">
+              <a:schemeClr val="tx1"/>
+            </a:fontRef>
+          </p:style>
+        </p:cxnSp>
+        <p:cxnSp>
+          <p:nvCxnSpPr>
+            <p:cNvPr id="15" name="Straight Arrow Connector 14">
+              <a:extLst>
+                <a:ext uri="{FF2B5EF4-FFF2-40B4-BE49-F238E27FC236}">
+                  <a16:creationId xmlns:a16="http://schemas.microsoft.com/office/drawing/2014/main" id="{03A3575D-E4AB-59A5-707E-9F07E6AB9000}"/>
+                </a:ext>
+              </a:extLst>
+            </p:cNvPr>
+            <p:cNvCxnSpPr/>
+            <p:nvPr/>
+          </p:nvCxnSpPr>
+          <p:spPr>
+            <a:xfrm>
+              <a:off x="6152606" y="2293687"/>
+              <a:ext cx="0" cy="235132"/>
+            </a:xfrm>
+            <a:prstGeom prst="straightConnector1">
+              <a:avLst/>
+            </a:prstGeom>
+            <a:ln>
+              <a:tailEnd type="triangle"/>
+            </a:ln>
+          </p:spPr>
+          <p:style>
+            <a:lnRef idx="1">
+              <a:schemeClr val="dk1"/>
+            </a:lnRef>
+            <a:fillRef idx="0">
+              <a:schemeClr val="dk1"/>
+            </a:fillRef>
+            <a:effectRef idx="0">
+              <a:schemeClr val="dk1"/>
+            </a:effectRef>
+            <a:fontRef idx="minor">
+              <a:schemeClr val="tx1"/>
+            </a:fontRef>
+          </p:style>
+        </p:cxnSp>
+        <p:cxnSp>
+          <p:nvCxnSpPr>
+            <p:cNvPr id="16" name="Straight Arrow Connector 15">
+              <a:extLst>
+                <a:ext uri="{FF2B5EF4-FFF2-40B4-BE49-F238E27FC236}">
+                  <a16:creationId xmlns:a16="http://schemas.microsoft.com/office/drawing/2014/main" id="{B1025B92-8DAF-4819-BCF4-77C386B65F7B}"/>
+                </a:ext>
+              </a:extLst>
+            </p:cNvPr>
+            <p:cNvCxnSpPr/>
+            <p:nvPr/>
+          </p:nvCxnSpPr>
+          <p:spPr>
+            <a:xfrm>
+              <a:off x="6305006" y="2293687"/>
+              <a:ext cx="0" cy="235132"/>
+            </a:xfrm>
+            <a:prstGeom prst="straightConnector1">
+              <a:avLst/>
+            </a:prstGeom>
+            <a:ln>
+              <a:tailEnd type="triangle"/>
+            </a:ln>
+          </p:spPr>
+          <p:style>
+            <a:lnRef idx="1">
+              <a:schemeClr val="dk1"/>
+            </a:lnRef>
+            <a:fillRef idx="0">
+              <a:schemeClr val="dk1"/>
+            </a:fillRef>
+            <a:effectRef idx="0">
+              <a:schemeClr val="dk1"/>
+            </a:effectRef>
+            <a:fontRef idx="minor">
+              <a:schemeClr val="tx1"/>
+            </a:fontRef>
+          </p:style>
+        </p:cxnSp>
+        <p:cxnSp>
+          <p:nvCxnSpPr>
+            <p:cNvPr id="17" name="Straight Arrow Connector 16">
+              <a:extLst>
+                <a:ext uri="{FF2B5EF4-FFF2-40B4-BE49-F238E27FC236}">
+                  <a16:creationId xmlns:a16="http://schemas.microsoft.com/office/drawing/2014/main" id="{948870F9-97ED-B2EC-CD24-EC9E7F116480}"/>
+                </a:ext>
+              </a:extLst>
+            </p:cNvPr>
+            <p:cNvCxnSpPr/>
+            <p:nvPr/>
+          </p:nvCxnSpPr>
+          <p:spPr>
+            <a:xfrm>
+              <a:off x="6447881" y="2293687"/>
+              <a:ext cx="0" cy="235132"/>
+            </a:xfrm>
+            <a:prstGeom prst="straightConnector1">
+              <a:avLst/>
+            </a:prstGeom>
+            <a:ln>
+              <a:tailEnd type="triangle"/>
+            </a:ln>
+          </p:spPr>
+          <p:style>
+            <a:lnRef idx="1">
+              <a:schemeClr val="dk1"/>
+            </a:lnRef>
+            <a:fillRef idx="0">
+              <a:schemeClr val="dk1"/>
+            </a:fillRef>
+            <a:effectRef idx="0">
+              <a:schemeClr val="dk1"/>
+            </a:effectRef>
+            <a:fontRef idx="minor">
+              <a:schemeClr val="tx1"/>
+            </a:fontRef>
+          </p:style>
+        </p:cxnSp>
+        <p:cxnSp>
+          <p:nvCxnSpPr>
+            <p:cNvPr id="18" name="Straight Arrow Connector 17">
+              <a:extLst>
+                <a:ext uri="{FF2B5EF4-FFF2-40B4-BE49-F238E27FC236}">
+                  <a16:creationId xmlns:a16="http://schemas.microsoft.com/office/drawing/2014/main" id="{F5228195-1EEF-375F-2980-A548BBE3449D}"/>
+                </a:ext>
+              </a:extLst>
+            </p:cNvPr>
+            <p:cNvCxnSpPr/>
+            <p:nvPr/>
+          </p:nvCxnSpPr>
+          <p:spPr>
+            <a:xfrm>
+              <a:off x="6595518" y="2293687"/>
+              <a:ext cx="0" cy="235132"/>
+            </a:xfrm>
+            <a:prstGeom prst="straightConnector1">
+              <a:avLst/>
+            </a:prstGeom>
+            <a:ln>
+              <a:tailEnd type="triangle"/>
+            </a:ln>
+          </p:spPr>
+          <p:style>
+            <a:lnRef idx="1">
+              <a:schemeClr val="dk1"/>
+            </a:lnRef>
+            <a:fillRef idx="0">
+              <a:schemeClr val="dk1"/>
+            </a:fillRef>
+            <a:effectRef idx="0">
+              <a:schemeClr val="dk1"/>
+            </a:effectRef>
+            <a:fontRef idx="minor">
+              <a:schemeClr val="tx1"/>
+            </a:fontRef>
+          </p:style>
+        </p:cxnSp>
+        <mc:AlternateContent xmlns:mc="http://schemas.openxmlformats.org/markup-compatibility/2006">
+          <mc:Choice xmlns:a14="http://schemas.microsoft.com/office/drawing/2010/main" Requires="a14">
+            <p:sp>
+              <p:nvSpPr>
+                <p:cNvPr id="21" name="TextBox 20">
+                  <a:extLst>
+                    <a:ext uri="{FF2B5EF4-FFF2-40B4-BE49-F238E27FC236}">
+                      <a16:creationId xmlns:a16="http://schemas.microsoft.com/office/drawing/2014/main" id="{CEA522CC-9727-E486-9398-79CB569D49E5}"/>
+                    </a:ext>
+                  </a:extLst>
+                </p:cNvPr>
+                <p:cNvSpPr txBox="1"/>
+                <p:nvPr/>
+              </p:nvSpPr>
+              <p:spPr>
+                <a:xfrm>
+                  <a:off x="5227602" y="2551046"/>
+                  <a:ext cx="285656" cy="276999"/>
+                </a:xfrm>
+                <a:prstGeom prst="rect">
+                  <a:avLst/>
+                </a:prstGeom>
+                <a:noFill/>
+              </p:spPr>
+              <p:txBody>
+                <a:bodyPr wrap="none" lIns="0" tIns="0" rIns="0" bIns="0" rtlCol="0">
+                  <a:spAutoFit/>
+                </a:bodyPr>
+                <a:lstStyle/>
+                <a:p>
+                  <a14:m>
+                    <m:oMathPara xmlns:m="http://schemas.openxmlformats.org/officeDocument/2006/math">
+                      <m:oMathParaPr>
+                        <m:jc m:val="centerGroup"/>
+                      </m:oMathParaPr>
+                      <m:oMath xmlns:m="http://schemas.openxmlformats.org/officeDocument/2006/math">
+                        <m:r>
+                          <a:rPr lang="en-US" i="1">
+                            <a:latin typeface="Cambria Math" panose="02040503050406030204" pitchFamily="18" charset="0"/>
+                          </a:rPr>
+                          <m:t>-</m:t>
+                        </m:r>
+                        <m:r>
+                          <a:rPr lang="en-US" b="0" i="1" smtClean="0">
+                            <a:latin typeface="Cambria Math" panose="02040503050406030204" pitchFamily="18" charset="0"/>
+                          </a:rPr>
+                          <m:t>𝑄</m:t>
+                        </m:r>
+                      </m:oMath>
+                    </m:oMathPara>
+                  </a14:m>
+                  <a:endParaRPr lang="en-US" dirty="0"/>
+                </a:p>
+              </p:txBody>
+            </p:sp>
+          </mc:Choice>
+          <mc:Fallback>
+            <p:sp>
+              <p:nvSpPr>
+                <p:cNvPr id="21" name="TextBox 20">
+                  <a:extLst>
+                    <a:ext uri="{FF2B5EF4-FFF2-40B4-BE49-F238E27FC236}">
+                      <a16:creationId xmlns:a16="http://schemas.microsoft.com/office/drawing/2014/main" id="{CEA522CC-9727-E486-9398-79CB569D49E5}"/>
+                    </a:ext>
+                  </a:extLst>
+                </p:cNvPr>
+                <p:cNvSpPr txBox="1">
+                  <a:spLocks noRot="1" noChangeAspect="1" noMove="1" noResize="1" noEditPoints="1" noAdjustHandles="1" noChangeArrowheads="1" noChangeShapeType="1" noTextEdit="1"/>
+                </p:cNvSpPr>
+                <p:nvPr/>
+              </p:nvSpPr>
+              <p:spPr>
+                <a:xfrm>
+                  <a:off x="5227602" y="2551046"/>
+                  <a:ext cx="285656" cy="276999"/>
+                </a:xfrm>
+                <a:prstGeom prst="rect">
+                  <a:avLst/>
+                </a:prstGeom>
+                <a:blipFill>
+                  <a:blip r:embed="rId2"/>
+                  <a:stretch>
+                    <a:fillRect l="-4348" r="-30435" b="-28261"/>
+                  </a:stretch>
+                </a:blipFill>
+              </p:spPr>
+              <p:txBody>
+                <a:bodyPr/>
+                <a:lstStyle/>
+                <a:p>
+                  <a:r>
+                    <a:rPr lang="en-US">
+                      <a:noFill/>
+                    </a:rPr>
+                    <a:t> </a:t>
+                  </a:r>
+                </a:p>
+              </p:txBody>
+            </p:sp>
+          </mc:Fallback>
+        </mc:AlternateContent>
+        <mc:AlternateContent xmlns:mc="http://schemas.openxmlformats.org/markup-compatibility/2006">
+          <mc:Choice xmlns:a14="http://schemas.microsoft.com/office/drawing/2010/main" Requires="a14">
+            <p:sp>
+              <p:nvSpPr>
+                <p:cNvPr id="22" name="TextBox 21">
+                  <a:extLst>
+                    <a:ext uri="{FF2B5EF4-FFF2-40B4-BE49-F238E27FC236}">
+                      <a16:creationId xmlns:a16="http://schemas.microsoft.com/office/drawing/2014/main" id="{EB0DB056-7A99-1382-FBF9-1B988CB1DEDE}"/>
+                    </a:ext>
+                  </a:extLst>
+                </p:cNvPr>
+                <p:cNvSpPr txBox="1"/>
+                <p:nvPr/>
+              </p:nvSpPr>
+              <p:spPr>
+                <a:xfrm>
+                  <a:off x="5808729" y="2560320"/>
+                  <a:ext cx="267445" cy="276999"/>
+                </a:xfrm>
+                <a:prstGeom prst="rect">
+                  <a:avLst/>
+                </a:prstGeom>
+                <a:noFill/>
+              </p:spPr>
+              <p:txBody>
+                <a:bodyPr wrap="none" lIns="0" tIns="0" rIns="0" bIns="0" rtlCol="0">
+                  <a:spAutoFit/>
+                </a:bodyPr>
+                <a:lstStyle/>
+                <a:p>
+                  <a14:m>
+                    <m:oMathPara xmlns:m="http://schemas.openxmlformats.org/officeDocument/2006/math">
+                      <m:oMathParaPr>
+                        <m:jc m:val="centerGroup"/>
+                      </m:oMathParaPr>
+                      <m:oMath xmlns:m="http://schemas.openxmlformats.org/officeDocument/2006/math">
+                        <m:sSub>
+                          <m:sSubPr>
+                            <m:ctrlPr>
+                              <a:rPr lang="en-US" b="0" i="1" smtClean="0">
+                                <a:latin typeface="Cambria Math" panose="02040503050406030204" pitchFamily="18" charset="0"/>
+                              </a:rPr>
+                            </m:ctrlPr>
+                          </m:sSubPr>
+                          <m:e>
+                            <m:r>
+                              <a:rPr lang="en-US" b="0" i="1" smtClean="0">
+                                <a:latin typeface="Cambria Math" panose="02040503050406030204" pitchFamily="18" charset="0"/>
+                              </a:rPr>
+                              <m:t>𝑉</m:t>
+                            </m:r>
+                          </m:e>
+                          <m:sub>
+                            <m:r>
+                              <a:rPr lang="en-US" b="0" i="1" smtClean="0">
+                                <a:latin typeface="Cambria Math" panose="02040503050406030204" pitchFamily="18" charset="0"/>
+                              </a:rPr>
+                              <m:t>2</m:t>
+                            </m:r>
+                          </m:sub>
+                        </m:sSub>
+                      </m:oMath>
+                    </m:oMathPara>
+                  </a14:m>
+                  <a:endParaRPr lang="en-US" dirty="0"/>
+                </a:p>
+              </p:txBody>
+            </p:sp>
+          </mc:Choice>
+          <mc:Fallback>
+            <p:sp>
+              <p:nvSpPr>
+                <p:cNvPr id="22" name="TextBox 21">
+                  <a:extLst>
+                    <a:ext uri="{FF2B5EF4-FFF2-40B4-BE49-F238E27FC236}">
+                      <a16:creationId xmlns:a16="http://schemas.microsoft.com/office/drawing/2014/main" id="{EB0DB056-7A99-1382-FBF9-1B988CB1DEDE}"/>
+                    </a:ext>
+                  </a:extLst>
+                </p:cNvPr>
+                <p:cNvSpPr txBox="1">
+                  <a:spLocks noRot="1" noChangeAspect="1" noMove="1" noResize="1" noEditPoints="1" noAdjustHandles="1" noChangeArrowheads="1" noChangeShapeType="1" noTextEdit="1"/>
+                </p:cNvSpPr>
+                <p:nvPr/>
+              </p:nvSpPr>
+              <p:spPr>
+                <a:xfrm>
+                  <a:off x="5808729" y="2560320"/>
+                  <a:ext cx="267445" cy="276999"/>
+                </a:xfrm>
+                <a:prstGeom prst="rect">
+                  <a:avLst/>
+                </a:prstGeom>
+                <a:blipFill>
+                  <a:blip r:embed="rId3"/>
+                  <a:stretch>
+                    <a:fillRect l="-22727" r="-9091" b="-15556"/>
+                  </a:stretch>
+                </a:blipFill>
+              </p:spPr>
+              <p:txBody>
+                <a:bodyPr/>
+                <a:lstStyle/>
+                <a:p>
+                  <a:r>
+                    <a:rPr lang="en-US">
+                      <a:noFill/>
+                    </a:rPr>
+                    <a:t> </a:t>
+                  </a:r>
+                </a:p>
+              </p:txBody>
+            </p:sp>
+          </mc:Fallback>
+        </mc:AlternateContent>
+        <p:sp>
+          <p:nvSpPr>
+            <p:cNvPr id="24" name="Cube 23">
+              <a:extLst>
+                <a:ext uri="{FF2B5EF4-FFF2-40B4-BE49-F238E27FC236}">
+                  <a16:creationId xmlns:a16="http://schemas.microsoft.com/office/drawing/2014/main" id="{A324108A-801B-3673-1751-0D82ADD33061}"/>
+                </a:ext>
+              </a:extLst>
+            </p:cNvPr>
+            <p:cNvSpPr/>
+            <p:nvPr/>
+          </p:nvSpPr>
+          <p:spPr>
+            <a:xfrm>
+              <a:off x="4655414" y="2050352"/>
+              <a:ext cx="2441938" cy="681038"/>
+            </a:xfrm>
+            <a:prstGeom prst="cube">
+              <a:avLst>
+                <a:gd name="adj" fmla="val 48447"/>
+              </a:avLst>
+            </a:prstGeom>
+            <a:solidFill>
+              <a:schemeClr val="bg1">
+                <a:lumMod val="85000"/>
+                <a:alpha val="20000"/>
+              </a:schemeClr>
+            </a:solidFill>
+            <a:ln w="6350">
+              <a:solidFill>
+                <a:schemeClr val="tx1"/>
+              </a:solidFill>
+            </a:ln>
+          </p:spPr>
+          <p:style>
+            <a:lnRef idx="2">
+              <a:schemeClr val="accent1">
+                <a:shade val="15000"/>
+              </a:schemeClr>
+            </a:lnRef>
+            <a:fillRef idx="1">
+              <a:schemeClr val="accent1"/>
+            </a:fillRef>
+            <a:effectRef idx="0">
+              <a:schemeClr val="accent1"/>
+            </a:effectRef>
+            <a:fontRef idx="minor">
+              <a:schemeClr val="lt1"/>
+            </a:fontRef>
+          </p:style>
+          <p:txBody>
+            <a:bodyPr rtlCol="0" anchor="ctr"/>
+            <a:lstStyle/>
+            <a:p>
+              <a:pPr algn="ctr"/>
+              <a:endParaRPr lang="en-US" dirty="0"/>
+            </a:p>
+          </p:txBody>
+        </p:sp>
+        <mc:AlternateContent xmlns:mc="http://schemas.openxmlformats.org/markup-compatibility/2006">
+          <mc:Choice xmlns:a14="http://schemas.microsoft.com/office/drawing/2010/main" Requires="a14">
+            <p:sp>
+              <p:nvSpPr>
+                <p:cNvPr id="26" name="TextBox 25">
+                  <a:extLst>
+                    <a:ext uri="{FF2B5EF4-FFF2-40B4-BE49-F238E27FC236}">
+                      <a16:creationId xmlns:a16="http://schemas.microsoft.com/office/drawing/2014/main" id="{67B5ABFA-5CDB-3320-F936-270FF5619800}"/>
+                    </a:ext>
+                  </a:extLst>
+                </p:cNvPr>
+                <p:cNvSpPr txBox="1"/>
+                <p:nvPr/>
+              </p:nvSpPr>
+              <p:spPr>
+                <a:xfrm>
+                  <a:off x="4437758" y="2252371"/>
+                  <a:ext cx="199798" cy="310598"/>
+                </a:xfrm>
+                <a:prstGeom prst="rect">
+                  <a:avLst/>
+                </a:prstGeom>
+                <a:noFill/>
+              </p:spPr>
+              <p:txBody>
+                <a:bodyPr wrap="none" lIns="0" tIns="0" rIns="0" bIns="0" rtlCol="0">
+                  <a:spAutoFit/>
+                </a:bodyPr>
+                <a:lstStyle/>
+                <a:p>
+                  <a14:m>
+                    <m:oMathPara xmlns:m="http://schemas.openxmlformats.org/officeDocument/2006/math">
+                      <m:oMathParaPr>
+                        <m:jc m:val="centerGroup"/>
+                      </m:oMathParaPr>
+                      <m:oMath xmlns:m="http://schemas.openxmlformats.org/officeDocument/2006/math">
+                        <m:acc>
+                          <m:accPr>
+                            <m:chr m:val="⃗"/>
+                            <m:ctrlPr>
+                              <a:rPr lang="en-US" b="0" i="1" smtClean="0">
+                                <a:latin typeface="Cambria Math" panose="02040503050406030204" pitchFamily="18" charset="0"/>
+                              </a:rPr>
+                            </m:ctrlPr>
+                          </m:accPr>
+                          <m:e>
+                            <m:r>
+                              <a:rPr lang="en-US" b="0" i="1" smtClean="0">
+                                <a:latin typeface="Cambria Math" panose="02040503050406030204" pitchFamily="18" charset="0"/>
+                              </a:rPr>
+                              <m:t>𝐸</m:t>
+                            </m:r>
+                          </m:e>
+                        </m:acc>
+                      </m:oMath>
+                    </m:oMathPara>
+                  </a14:m>
+                  <a:endParaRPr lang="en-US" dirty="0"/>
+                </a:p>
+              </p:txBody>
+            </p:sp>
+          </mc:Choice>
+          <mc:Fallback>
+            <p:sp>
+              <p:nvSpPr>
+                <p:cNvPr id="26" name="TextBox 25">
+                  <a:extLst>
+                    <a:ext uri="{FF2B5EF4-FFF2-40B4-BE49-F238E27FC236}">
+                      <a16:creationId xmlns:a16="http://schemas.microsoft.com/office/drawing/2014/main" id="{67B5ABFA-5CDB-3320-F936-270FF5619800}"/>
+                    </a:ext>
+                  </a:extLst>
+                </p:cNvPr>
+                <p:cNvSpPr txBox="1">
+                  <a:spLocks noRot="1" noChangeAspect="1" noMove="1" noResize="1" noEditPoints="1" noAdjustHandles="1" noChangeArrowheads="1" noChangeShapeType="1" noTextEdit="1"/>
+                </p:cNvSpPr>
+                <p:nvPr/>
+              </p:nvSpPr>
+              <p:spPr>
+                <a:xfrm>
+                  <a:off x="4437758" y="2252371"/>
+                  <a:ext cx="199798" cy="310598"/>
+                </a:xfrm>
+                <a:prstGeom prst="rect">
+                  <a:avLst/>
+                </a:prstGeom>
+                <a:blipFill>
+                  <a:blip r:embed="rId4"/>
+                  <a:stretch>
+                    <a:fillRect l="-30303" r="-24242" b="-5882"/>
+                  </a:stretch>
+                </a:blipFill>
+              </p:spPr>
+              <p:txBody>
+                <a:bodyPr/>
+                <a:lstStyle/>
+                <a:p>
+                  <a:r>
+                    <a:rPr lang="en-US">
+                      <a:noFill/>
+                    </a:rPr>
+                    <a:t> </a:t>
+                  </a:r>
+                </a:p>
+              </p:txBody>
+            </p:sp>
+          </mc:Fallback>
+        </mc:AlternateContent>
+        <p:sp>
+          <p:nvSpPr>
+            <p:cNvPr id="4" name="Cube 3">
+              <a:extLst>
+                <a:ext uri="{FF2B5EF4-FFF2-40B4-BE49-F238E27FC236}">
+                  <a16:creationId xmlns:a16="http://schemas.microsoft.com/office/drawing/2014/main" id="{B58BEA02-61AE-3FFD-3389-0F9D3D0AEBE7}"/>
+                </a:ext>
+              </a:extLst>
+            </p:cNvPr>
+            <p:cNvSpPr/>
+            <p:nvPr/>
+          </p:nvSpPr>
+          <p:spPr>
+            <a:xfrm>
+              <a:off x="4781006" y="1854925"/>
+              <a:ext cx="2272937" cy="470263"/>
+            </a:xfrm>
+            <a:prstGeom prst="cube">
+              <a:avLst>
+                <a:gd name="adj" fmla="val 86603"/>
+              </a:avLst>
+            </a:prstGeom>
+            <a:solidFill>
+              <a:schemeClr val="bg1"/>
+            </a:solidFill>
+            <a:ln w="19050"/>
+          </p:spPr>
+          <p:style>
+            <a:lnRef idx="2">
+              <a:schemeClr val="accent1">
+                <a:shade val="15000"/>
+              </a:schemeClr>
+            </a:lnRef>
+            <a:fillRef idx="1">
+              <a:schemeClr val="accent1"/>
+            </a:fillRef>
+            <a:effectRef idx="0">
+              <a:schemeClr val="accent1"/>
+            </a:effectRef>
+            <a:fontRef idx="minor">
+              <a:schemeClr val="lt1"/>
+            </a:fontRef>
+          </p:style>
+          <p:txBody>
+            <a:bodyPr rtlCol="0" anchor="ctr"/>
+            <a:lstStyle/>
+            <a:p>
+              <a:pPr algn="ctr"/>
+              <a:endParaRPr lang="en-US" dirty="0"/>
+            </a:p>
+          </p:txBody>
+        </p:sp>
+        <mc:AlternateContent xmlns:mc="http://schemas.openxmlformats.org/markup-compatibility/2006">
+          <mc:Choice xmlns:a14="http://schemas.microsoft.com/office/drawing/2010/main" Requires="a14">
+            <p:sp>
+              <p:nvSpPr>
+                <p:cNvPr id="19" name="TextBox 18">
+                  <a:extLst>
+                    <a:ext uri="{FF2B5EF4-FFF2-40B4-BE49-F238E27FC236}">
+                      <a16:creationId xmlns:a16="http://schemas.microsoft.com/office/drawing/2014/main" id="{AB5DDE78-249D-8071-07EB-081C23A9037B}"/>
+                    </a:ext>
+                  </a:extLst>
+                </p:cNvPr>
+                <p:cNvSpPr txBox="1"/>
+                <p:nvPr/>
+              </p:nvSpPr>
+              <p:spPr>
+                <a:xfrm>
+                  <a:off x="5179513" y="1896891"/>
+                  <a:ext cx="381835" cy="276999"/>
+                </a:xfrm>
+                <a:prstGeom prst="rect">
+                  <a:avLst/>
+                </a:prstGeom>
+                <a:noFill/>
+              </p:spPr>
+              <p:txBody>
+                <a:bodyPr wrap="none" lIns="0" tIns="0" rIns="0" bIns="0" rtlCol="0">
+                  <a:spAutoFit/>
+                </a:bodyPr>
+                <a:lstStyle/>
+                <a:p>
+                  <a14:m>
+                    <m:oMathPara xmlns:m="http://schemas.openxmlformats.org/officeDocument/2006/math">
+                      <m:oMathParaPr>
+                        <m:jc m:val="centerGroup"/>
+                      </m:oMathParaPr>
+                      <m:oMath xmlns:m="http://schemas.openxmlformats.org/officeDocument/2006/math">
+                        <m:r>
+                          <a:rPr lang="en-US" b="0" i="1" smtClean="0">
+                            <a:latin typeface="Cambria Math" panose="02040503050406030204" pitchFamily="18" charset="0"/>
+                          </a:rPr>
+                          <m:t>+</m:t>
+                        </m:r>
+                        <m:r>
+                          <a:rPr lang="en-US" b="0" i="1" smtClean="0">
+                            <a:latin typeface="Cambria Math" panose="02040503050406030204" pitchFamily="18" charset="0"/>
+                          </a:rPr>
+                          <m:t>𝑄</m:t>
+                        </m:r>
+                      </m:oMath>
+                    </m:oMathPara>
+                  </a14:m>
+                  <a:endParaRPr lang="en-US" dirty="0"/>
+                </a:p>
+              </p:txBody>
+            </p:sp>
+          </mc:Choice>
+          <mc:Fallback>
+            <p:sp>
+              <p:nvSpPr>
+                <p:cNvPr id="19" name="TextBox 18">
+                  <a:extLst>
+                    <a:ext uri="{FF2B5EF4-FFF2-40B4-BE49-F238E27FC236}">
+                      <a16:creationId xmlns:a16="http://schemas.microsoft.com/office/drawing/2014/main" id="{AB5DDE78-249D-8071-07EB-081C23A9037B}"/>
+                    </a:ext>
+                  </a:extLst>
+                </p:cNvPr>
+                <p:cNvSpPr txBox="1">
+                  <a:spLocks noRot="1" noChangeAspect="1" noMove="1" noResize="1" noEditPoints="1" noAdjustHandles="1" noChangeArrowheads="1" noChangeShapeType="1" noTextEdit="1"/>
+                </p:cNvSpPr>
+                <p:nvPr/>
+              </p:nvSpPr>
+              <p:spPr>
+                <a:xfrm>
+                  <a:off x="5179513" y="1896891"/>
+                  <a:ext cx="381835" cy="276999"/>
+                </a:xfrm>
+                <a:prstGeom prst="rect">
+                  <a:avLst/>
+                </a:prstGeom>
+                <a:blipFill>
+                  <a:blip r:embed="rId5"/>
+                  <a:stretch>
+                    <a:fillRect l="-14516" r="-20968" b="-28261"/>
+                  </a:stretch>
+                </a:blipFill>
+              </p:spPr>
+              <p:txBody>
+                <a:bodyPr/>
+                <a:lstStyle/>
+                <a:p>
+                  <a:r>
+                    <a:rPr lang="en-US">
+                      <a:noFill/>
+                    </a:rPr>
+                    <a:t> </a:t>
+                  </a:r>
+                </a:p>
+              </p:txBody>
+            </p:sp>
+          </mc:Fallback>
+        </mc:AlternateContent>
+        <mc:AlternateContent xmlns:mc="http://schemas.openxmlformats.org/markup-compatibility/2006">
+          <mc:Choice xmlns:a14="http://schemas.microsoft.com/office/drawing/2010/main" Requires="a14">
+            <p:sp>
+              <p:nvSpPr>
+                <p:cNvPr id="20" name="TextBox 19">
+                  <a:extLst>
+                    <a:ext uri="{FF2B5EF4-FFF2-40B4-BE49-F238E27FC236}">
+                      <a16:creationId xmlns:a16="http://schemas.microsoft.com/office/drawing/2014/main" id="{C15DAA38-3271-28C2-78AE-D6DF0AC2E555}"/>
+                    </a:ext>
+                  </a:extLst>
+                </p:cNvPr>
+                <p:cNvSpPr txBox="1"/>
+                <p:nvPr/>
+              </p:nvSpPr>
+              <p:spPr>
+                <a:xfrm>
+                  <a:off x="5814051" y="1896891"/>
+                  <a:ext cx="262123" cy="276999"/>
+                </a:xfrm>
+                <a:prstGeom prst="rect">
+                  <a:avLst/>
+                </a:prstGeom>
+                <a:noFill/>
+              </p:spPr>
+              <p:txBody>
+                <a:bodyPr wrap="none" lIns="0" tIns="0" rIns="0" bIns="0" rtlCol="0">
+                  <a:spAutoFit/>
+                </a:bodyPr>
+                <a:lstStyle/>
+                <a:p>
+                  <a14:m>
+                    <m:oMathPara xmlns:m="http://schemas.openxmlformats.org/officeDocument/2006/math">
+                      <m:oMathParaPr>
+                        <m:jc m:val="centerGroup"/>
+                      </m:oMathParaPr>
+                      <m:oMath xmlns:m="http://schemas.openxmlformats.org/officeDocument/2006/math">
+                        <m:sSub>
+                          <m:sSubPr>
+                            <m:ctrlPr>
+                              <a:rPr lang="en-US" b="0" i="1" smtClean="0">
+                                <a:latin typeface="Cambria Math" panose="02040503050406030204" pitchFamily="18" charset="0"/>
+                              </a:rPr>
+                            </m:ctrlPr>
+                          </m:sSubPr>
+                          <m:e>
+                            <m:r>
+                              <a:rPr lang="en-US" b="0" i="1" smtClean="0">
+                                <a:latin typeface="Cambria Math" panose="02040503050406030204" pitchFamily="18" charset="0"/>
+                              </a:rPr>
+                              <m:t>𝑉</m:t>
+                            </m:r>
+                          </m:e>
+                          <m:sub>
+                            <m:r>
+                              <a:rPr lang="en-US" b="0" i="1" smtClean="0">
+                                <a:latin typeface="Cambria Math" panose="02040503050406030204" pitchFamily="18" charset="0"/>
+                              </a:rPr>
+                              <m:t>1</m:t>
+                            </m:r>
+                          </m:sub>
+                        </m:sSub>
+                      </m:oMath>
+                    </m:oMathPara>
+                  </a14:m>
+                  <a:endParaRPr lang="en-US" dirty="0"/>
+                </a:p>
+              </p:txBody>
+            </p:sp>
+          </mc:Choice>
+          <mc:Fallback>
+            <p:sp>
+              <p:nvSpPr>
+                <p:cNvPr id="20" name="TextBox 19">
+                  <a:extLst>
+                    <a:ext uri="{FF2B5EF4-FFF2-40B4-BE49-F238E27FC236}">
+                      <a16:creationId xmlns:a16="http://schemas.microsoft.com/office/drawing/2014/main" id="{C15DAA38-3271-28C2-78AE-D6DF0AC2E555}"/>
+                    </a:ext>
+                  </a:extLst>
+                </p:cNvPr>
+                <p:cNvSpPr txBox="1">
+                  <a:spLocks noRot="1" noChangeAspect="1" noMove="1" noResize="1" noEditPoints="1" noAdjustHandles="1" noChangeArrowheads="1" noChangeShapeType="1" noTextEdit="1"/>
+                </p:cNvSpPr>
+                <p:nvPr/>
+              </p:nvSpPr>
+              <p:spPr>
+                <a:xfrm>
+                  <a:off x="5814051" y="1896891"/>
+                  <a:ext cx="262123" cy="276999"/>
+                </a:xfrm>
+                <a:prstGeom prst="rect">
+                  <a:avLst/>
+                </a:prstGeom>
+                <a:blipFill>
+                  <a:blip r:embed="rId6"/>
+                  <a:stretch>
+                    <a:fillRect l="-23256" r="-9302" b="-15217"/>
+                  </a:stretch>
+                </a:blipFill>
+              </p:spPr>
+              <p:txBody>
+                <a:bodyPr/>
+                <a:lstStyle/>
+                <a:p>
+                  <a:r>
+                    <a:rPr lang="en-US">
+                      <a:noFill/>
+                    </a:rPr>
+                    <a:t> </a:t>
+                  </a:r>
+                </a:p>
+              </p:txBody>
+            </p:sp>
+          </mc:Fallback>
+        </mc:AlternateContent>
+        <mc:AlternateContent xmlns:mc="http://schemas.openxmlformats.org/markup-compatibility/2006">
+          <mc:Choice xmlns:a14="http://schemas.microsoft.com/office/drawing/2010/main" Requires="a14">
+            <p:sp>
+              <p:nvSpPr>
+                <p:cNvPr id="25" name="TextBox 24">
+                  <a:extLst>
+                    <a:ext uri="{FF2B5EF4-FFF2-40B4-BE49-F238E27FC236}">
+                      <a16:creationId xmlns:a16="http://schemas.microsoft.com/office/drawing/2014/main" id="{1EE100C4-6821-758C-C621-AE7C7C977D1E}"/>
+                    </a:ext>
+                  </a:extLst>
+                </p:cNvPr>
+                <p:cNvSpPr txBox="1"/>
+                <p:nvPr/>
+              </p:nvSpPr>
+              <p:spPr>
+                <a:xfrm>
+                  <a:off x="6328877" y="1901353"/>
+                  <a:ext cx="194604" cy="276999"/>
+                </a:xfrm>
+                <a:prstGeom prst="rect">
+                  <a:avLst/>
+                </a:prstGeom>
+                <a:noFill/>
+              </p:spPr>
+              <p:txBody>
+                <a:bodyPr wrap="none" lIns="0" tIns="0" rIns="0" bIns="0" rtlCol="0">
+                  <a:spAutoFit/>
+                </a:bodyPr>
+                <a:lstStyle/>
+                <a:p>
+                  <a14:m>
+                    <m:oMathPara xmlns:m="http://schemas.openxmlformats.org/officeDocument/2006/math">
+                      <m:oMathParaPr>
+                        <m:jc m:val="centerGroup"/>
+                      </m:oMathParaPr>
+                      <m:oMath xmlns:m="http://schemas.openxmlformats.org/officeDocument/2006/math">
+                        <m:r>
+                          <a:rPr lang="en-US" b="0" i="1" smtClean="0">
+                            <a:latin typeface="Cambria Math" panose="02040503050406030204" pitchFamily="18" charset="0"/>
+                          </a:rPr>
+                          <m:t>𝐴</m:t>
+                        </m:r>
+                      </m:oMath>
+                    </m:oMathPara>
+                  </a14:m>
+                  <a:endParaRPr lang="en-US" dirty="0"/>
+                </a:p>
+              </p:txBody>
+            </p:sp>
+          </mc:Choice>
+          <mc:Fallback>
+            <p:sp>
+              <p:nvSpPr>
+                <p:cNvPr id="25" name="TextBox 24">
+                  <a:extLst>
+                    <a:ext uri="{FF2B5EF4-FFF2-40B4-BE49-F238E27FC236}">
+                      <a16:creationId xmlns:a16="http://schemas.microsoft.com/office/drawing/2014/main" id="{1EE100C4-6821-758C-C621-AE7C7C977D1E}"/>
+                    </a:ext>
+                  </a:extLst>
+                </p:cNvPr>
+                <p:cNvSpPr txBox="1">
+                  <a:spLocks noRot="1" noChangeAspect="1" noMove="1" noResize="1" noEditPoints="1" noAdjustHandles="1" noChangeArrowheads="1" noChangeShapeType="1" noTextEdit="1"/>
+                </p:cNvSpPr>
+                <p:nvPr/>
+              </p:nvSpPr>
+              <p:spPr>
+                <a:xfrm>
+                  <a:off x="6328877" y="1901353"/>
+                  <a:ext cx="194604" cy="276999"/>
+                </a:xfrm>
+                <a:prstGeom prst="rect">
+                  <a:avLst/>
+                </a:prstGeom>
+                <a:blipFill>
+                  <a:blip r:embed="rId7"/>
+                  <a:stretch>
+                    <a:fillRect l="-28125" r="-31250" b="-6667"/>
+                  </a:stretch>
+                </a:blipFill>
+              </p:spPr>
+              <p:txBody>
+                <a:bodyPr/>
+                <a:lstStyle/>
+                <a:p>
+                  <a:r>
+                    <a:rPr lang="en-US">
+                      <a:noFill/>
+                    </a:rPr>
+                    <a:t> </a:t>
+                  </a:r>
+                </a:p>
+              </p:txBody>
+            </p:sp>
+          </mc:Fallback>
+        </mc:AlternateContent>
+      </p:grpSp>
+      <p:sp>
+        <p:nvSpPr>
+          <p:cNvPr id="28" name="TextBox 27">
+            <a:extLst>
+              <a:ext uri="{FF2B5EF4-FFF2-40B4-BE49-F238E27FC236}">
+                <a16:creationId xmlns:a16="http://schemas.microsoft.com/office/drawing/2014/main" id="{03CC14AE-B075-8E90-DE1B-6D89D69D5A80}"/>
+              </a:ext>
+            </a:extLst>
+          </p:cNvPr>
+          <p:cNvSpPr txBox="1"/>
+          <p:nvPr/>
+        </p:nvSpPr>
+        <p:spPr>
+          <a:xfrm>
+            <a:off x="731708" y="5793450"/>
+            <a:ext cx="3596241" cy="369332"/>
+          </a:xfrm>
+          <a:prstGeom prst="rect">
+            <a:avLst/>
+          </a:prstGeom>
+          <a:noFill/>
+        </p:spPr>
+        <p:txBody>
+          <a:bodyPr wrap="none" rtlCol="0">
+            <a:spAutoFit/>
+          </a:bodyPr>
+          <a:lstStyle/>
+          <a:p>
+            <a:r>
+              <a:rPr lang="en-US" dirty="0"/>
+              <a:t>Fig-passives-cap.png  R0 01/09/25</a:t>
+            </a:r>
+          </a:p>
+        </p:txBody>
+      </p:sp>
+    </p:spTree>
+    <p:extLst>
+      <p:ext uri="{BB962C8B-B14F-4D97-AF65-F5344CB8AC3E}">
+        <p14:creationId xmlns:p14="http://schemas.microsoft.com/office/powerpoint/2010/main" val="2071056138"/>
       </p:ext>
     </p:extLst>
   </p:cSld>

--- a/figures/fig.pptx
+++ b/figures/fig.pptx
@@ -12,6 +12,9 @@
     <p:sldId id="262" r:id="rId6"/>
     <p:sldId id="259" r:id="rId7"/>
     <p:sldId id="260" r:id="rId8"/>
+    <p:sldId id="263" r:id="rId9"/>
+    <p:sldId id="264" r:id="rId10"/>
+    <p:sldId id="265" r:id="rId11"/>
   </p:sldIdLst>
   <p:sldSz cx="12192000" cy="6858000"/>
   <p:notesSz cx="6858000" cy="9144000"/>
@@ -265,7 +268,7 @@
           <a:p>
             <a:fld id="{BA5A1584-706A-4ABE-803B-792AD84DBA31}" type="datetimeFigureOut">
               <a:rPr lang="en-US" smtClean="0"/>
-              <a:t>1/10/2025</a:t>
+              <a:t>1/12/2025</a:t>
             </a:fld>
             <a:endParaRPr lang="en-US"/>
           </a:p>
@@ -463,7 +466,7 @@
           <a:p>
             <a:fld id="{BA5A1584-706A-4ABE-803B-792AD84DBA31}" type="datetimeFigureOut">
               <a:rPr lang="en-US" smtClean="0"/>
-              <a:t>1/10/2025</a:t>
+              <a:t>1/12/2025</a:t>
             </a:fld>
             <a:endParaRPr lang="en-US"/>
           </a:p>
@@ -671,7 +674,7 @@
           <a:p>
             <a:fld id="{BA5A1584-706A-4ABE-803B-792AD84DBA31}" type="datetimeFigureOut">
               <a:rPr lang="en-US" smtClean="0"/>
-              <a:t>1/10/2025</a:t>
+              <a:t>1/12/2025</a:t>
             </a:fld>
             <a:endParaRPr lang="en-US"/>
           </a:p>
@@ -869,7 +872,7 @@
           <a:p>
             <a:fld id="{BA5A1584-706A-4ABE-803B-792AD84DBA31}" type="datetimeFigureOut">
               <a:rPr lang="en-US" smtClean="0"/>
-              <a:t>1/10/2025</a:t>
+              <a:t>1/12/2025</a:t>
             </a:fld>
             <a:endParaRPr lang="en-US"/>
           </a:p>
@@ -1144,7 +1147,7 @@
           <a:p>
             <a:fld id="{BA5A1584-706A-4ABE-803B-792AD84DBA31}" type="datetimeFigureOut">
               <a:rPr lang="en-US" smtClean="0"/>
-              <a:t>1/10/2025</a:t>
+              <a:t>1/12/2025</a:t>
             </a:fld>
             <a:endParaRPr lang="en-US"/>
           </a:p>
@@ -1409,7 +1412,7 @@
           <a:p>
             <a:fld id="{BA5A1584-706A-4ABE-803B-792AD84DBA31}" type="datetimeFigureOut">
               <a:rPr lang="en-US" smtClean="0"/>
-              <a:t>1/10/2025</a:t>
+              <a:t>1/12/2025</a:t>
             </a:fld>
             <a:endParaRPr lang="en-US"/>
           </a:p>
@@ -1821,7 +1824,7 @@
           <a:p>
             <a:fld id="{BA5A1584-706A-4ABE-803B-792AD84DBA31}" type="datetimeFigureOut">
               <a:rPr lang="en-US" smtClean="0"/>
-              <a:t>1/10/2025</a:t>
+              <a:t>1/12/2025</a:t>
             </a:fld>
             <a:endParaRPr lang="en-US"/>
           </a:p>
@@ -1962,7 +1965,7 @@
           <a:p>
             <a:fld id="{BA5A1584-706A-4ABE-803B-792AD84DBA31}" type="datetimeFigureOut">
               <a:rPr lang="en-US" smtClean="0"/>
-              <a:t>1/10/2025</a:t>
+              <a:t>1/12/2025</a:t>
             </a:fld>
             <a:endParaRPr lang="en-US"/>
           </a:p>
@@ -2075,7 +2078,7 @@
           <a:p>
             <a:fld id="{BA5A1584-706A-4ABE-803B-792AD84DBA31}" type="datetimeFigureOut">
               <a:rPr lang="en-US" smtClean="0"/>
-              <a:t>1/10/2025</a:t>
+              <a:t>1/12/2025</a:t>
             </a:fld>
             <a:endParaRPr lang="en-US"/>
           </a:p>
@@ -2386,7 +2389,7 @@
           <a:p>
             <a:fld id="{BA5A1584-706A-4ABE-803B-792AD84DBA31}" type="datetimeFigureOut">
               <a:rPr lang="en-US" smtClean="0"/>
-              <a:t>1/10/2025</a:t>
+              <a:t>1/12/2025</a:t>
             </a:fld>
             <a:endParaRPr lang="en-US"/>
           </a:p>
@@ -2674,7 +2677,7 @@
           <a:p>
             <a:fld id="{BA5A1584-706A-4ABE-803B-792AD84DBA31}" type="datetimeFigureOut">
               <a:rPr lang="en-US" smtClean="0"/>
-              <a:t>1/10/2025</a:t>
+              <a:t>1/12/2025</a:t>
             </a:fld>
             <a:endParaRPr lang="en-US"/>
           </a:p>
@@ -2915,7 +2918,7 @@
           <a:p>
             <a:fld id="{BA5A1584-706A-4ABE-803B-792AD84DBA31}" type="datetimeFigureOut">
               <a:rPr lang="en-US" smtClean="0"/>
-              <a:t>1/10/2025</a:t>
+              <a:t>1/12/2025</a:t>
             </a:fld>
             <a:endParaRPr lang="en-US"/>
           </a:p>
@@ -3386,6 +3389,101 @@
     <p:extLst>
       <p:ext uri="{BB962C8B-B14F-4D97-AF65-F5344CB8AC3E}">
         <p14:creationId xmlns:p14="http://schemas.microsoft.com/office/powerpoint/2010/main" val="1984512125"/>
+      </p:ext>
+    </p:extLst>
+  </p:cSld>
+  <p:clrMapOvr>
+    <a:masterClrMapping/>
+  </p:clrMapOvr>
+</p:sld>
+</file>
+
+<file path=ppt/slides/slide10.xml><?xml version="1.0" encoding="utf-8"?>
+<p:sld xmlns:a="http://schemas.openxmlformats.org/drawingml/2006/main" xmlns:r="http://schemas.openxmlformats.org/officeDocument/2006/relationships" xmlns:p="http://schemas.openxmlformats.org/presentationml/2006/main">
+  <p:cSld>
+    <p:spTree>
+      <p:nvGrpSpPr>
+        <p:cNvPr id="1" name=""/>
+        <p:cNvGrpSpPr/>
+        <p:nvPr/>
+      </p:nvGrpSpPr>
+      <p:grpSpPr>
+        <a:xfrm>
+          <a:off x="0" y="0"/>
+          <a:ext cx="0" cy="0"/>
+          <a:chOff x="0" y="0"/>
+          <a:chExt cx="0" cy="0"/>
+        </a:xfrm>
+      </p:grpSpPr>
+      <p:pic>
+        <p:nvPicPr>
+          <p:cNvPr id="3" name="Picture 2">
+            <a:extLst>
+              <a:ext uri="{FF2B5EF4-FFF2-40B4-BE49-F238E27FC236}">
+                <a16:creationId xmlns:a16="http://schemas.microsoft.com/office/drawing/2014/main" id="{ABF156F5-D9A0-F416-3625-C7FE7F11B473}"/>
+              </a:ext>
+            </a:extLst>
+          </p:cNvPr>
+          <p:cNvPicPr>
+            <a:picLocks noChangeAspect="1"/>
+          </p:cNvPicPr>
+          <p:nvPr/>
+        </p:nvPicPr>
+        <p:blipFill>
+          <a:blip r:embed="rId2"/>
+          <a:stretch>
+            <a:fillRect/>
+          </a:stretch>
+        </p:blipFill>
+        <p:spPr>
+          <a:xfrm>
+            <a:off x="545327" y="2037750"/>
+            <a:ext cx="3457575" cy="2209800"/>
+          </a:xfrm>
+          <a:prstGeom prst="rect">
+            <a:avLst/>
+          </a:prstGeom>
+        </p:spPr>
+      </p:pic>
+      <p:sp>
+        <p:nvSpPr>
+          <p:cNvPr id="4" name="TextBox 3">
+            <a:extLst>
+              <a:ext uri="{FF2B5EF4-FFF2-40B4-BE49-F238E27FC236}">
+                <a16:creationId xmlns:a16="http://schemas.microsoft.com/office/drawing/2014/main" id="{2A597447-C3A4-724A-AEE2-0D640135F051}"/>
+              </a:ext>
+            </a:extLst>
+          </p:cNvPr>
+          <p:cNvSpPr txBox="1"/>
+          <p:nvPr/>
+        </p:nvSpPr>
+        <p:spPr>
+          <a:xfrm>
+            <a:off x="545327" y="4854987"/>
+            <a:ext cx="3694729" cy="369332"/>
+          </a:xfrm>
+          <a:prstGeom prst="rect">
+            <a:avLst/>
+          </a:prstGeom>
+          <a:noFill/>
+        </p:spPr>
+        <p:txBody>
+          <a:bodyPr wrap="none" rtlCol="0">
+            <a:spAutoFit/>
+          </a:bodyPr>
+          <a:lstStyle/>
+          <a:p>
+            <a:r>
+              <a:rPr lang="en-US" dirty="0"/>
+              <a:t>Fig-circuits-nodev.png  R0 01/12/25</a:t>
+            </a:r>
+          </a:p>
+        </p:txBody>
+      </p:sp>
+    </p:spTree>
+    <p:extLst>
+      <p:ext uri="{BB962C8B-B14F-4D97-AF65-F5344CB8AC3E}">
+        <p14:creationId xmlns:p14="http://schemas.microsoft.com/office/powerpoint/2010/main" val="510399274"/>
       </p:ext>
     </p:extLst>
   </p:cSld>
@@ -6838,8 +6936,8 @@
             </a:p>
           </p:txBody>
         </p:sp>
-        <mc:AlternateContent xmlns:mc="http://schemas.openxmlformats.org/markup-compatibility/2006">
-          <mc:Choice xmlns:a14="http://schemas.microsoft.com/office/drawing/2010/main" Requires="a14">
+        <mc:AlternateContent xmlns:mc="http://schemas.openxmlformats.org/markup-compatibility/2006" xmlns:a14="http://schemas.microsoft.com/office/drawing/2010/main">
+          <mc:Choice Requires="a14">
             <p:sp>
               <p:nvSpPr>
                 <p:cNvPr id="49" name="TextBox 48">
@@ -6895,7 +6993,7 @@
               </p:txBody>
             </p:sp>
           </mc:Choice>
-          <mc:Fallback>
+          <mc:Fallback xmlns="">
             <p:sp>
               <p:nvSpPr>
                 <p:cNvPr id="49" name="TextBox 48">
@@ -6940,8 +7038,8 @@
             </p:sp>
           </mc:Fallback>
         </mc:AlternateContent>
-        <mc:AlternateContent xmlns:mc="http://schemas.openxmlformats.org/markup-compatibility/2006">
-          <mc:Choice xmlns:a14="http://schemas.microsoft.com/office/drawing/2010/main" Requires="a14">
+        <mc:AlternateContent xmlns:mc="http://schemas.openxmlformats.org/markup-compatibility/2006" xmlns:a14="http://schemas.microsoft.com/office/drawing/2010/main">
+          <mc:Choice Requires="a14">
             <p:sp>
               <p:nvSpPr>
                 <p:cNvPr id="50" name="TextBox 49">
@@ -6997,7 +7095,7 @@
               </p:txBody>
             </p:sp>
           </mc:Choice>
-          <mc:Fallback>
+          <mc:Fallback xmlns="">
             <p:sp>
               <p:nvSpPr>
                 <p:cNvPr id="50" name="TextBox 49">
@@ -7123,8 +7221,8 @@
             </a:fontRef>
           </p:style>
         </p:cxnSp>
-        <mc:AlternateContent xmlns:mc="http://schemas.openxmlformats.org/markup-compatibility/2006">
-          <mc:Choice xmlns:a14="http://schemas.microsoft.com/office/drawing/2010/main" Requires="a14">
+        <mc:AlternateContent xmlns:mc="http://schemas.openxmlformats.org/markup-compatibility/2006" xmlns:a14="http://schemas.microsoft.com/office/drawing/2010/main">
+          <mc:Choice Requires="a14">
             <p:sp>
               <p:nvSpPr>
                 <p:cNvPr id="53" name="TextBox 52">
@@ -7186,7 +7284,7 @@
               </p:txBody>
             </p:sp>
           </mc:Choice>
-          <mc:Fallback>
+          <mc:Fallback xmlns="">
             <p:sp>
               <p:nvSpPr>
                 <p:cNvPr id="53" name="TextBox 52">
@@ -7391,8 +7489,8 @@
             </a:fontRef>
           </p:style>
         </p:cxnSp>
-        <mc:AlternateContent xmlns:mc="http://schemas.openxmlformats.org/markup-compatibility/2006">
-          <mc:Choice xmlns:a14="http://schemas.microsoft.com/office/drawing/2010/main" Requires="a14">
+        <mc:AlternateContent xmlns:mc="http://schemas.openxmlformats.org/markup-compatibility/2006" xmlns:a14="http://schemas.microsoft.com/office/drawing/2010/main">
+          <mc:Choice Requires="a14">
             <p:sp>
               <p:nvSpPr>
                 <p:cNvPr id="58" name="TextBox 57">
@@ -7442,7 +7540,7 @@
               </p:txBody>
             </p:sp>
           </mc:Choice>
-          <mc:Fallback>
+          <mc:Fallback xmlns="">
             <p:sp>
               <p:nvSpPr>
                 <p:cNvPr id="58" name="TextBox 57">
@@ -8026,8 +8124,8 @@
             </mc:Fallback>
           </mc:AlternateContent>
         </p:grpSp>
-        <mc:AlternateContent xmlns:mc="http://schemas.openxmlformats.org/markup-compatibility/2006">
-          <mc:Choice xmlns:a14="http://schemas.microsoft.com/office/drawing/2010/main" Requires="a14">
+        <mc:AlternateContent xmlns:mc="http://schemas.openxmlformats.org/markup-compatibility/2006" xmlns:a14="http://schemas.microsoft.com/office/drawing/2010/main">
+          <mc:Choice Requires="a14">
             <p:sp>
               <p:nvSpPr>
                 <p:cNvPr id="72" name="TextBox 71">
@@ -8096,7 +8194,7 @@
               </p:txBody>
             </p:sp>
           </mc:Choice>
-          <mc:Fallback>
+          <mc:Fallback xmlns="">
             <p:sp>
               <p:nvSpPr>
                 <p:cNvPr id="72" name="TextBox 71">
@@ -8141,8 +8239,8 @@
             </p:sp>
           </mc:Fallback>
         </mc:AlternateContent>
-        <mc:AlternateContent xmlns:mc="http://schemas.openxmlformats.org/markup-compatibility/2006">
-          <mc:Choice xmlns:a14="http://schemas.microsoft.com/office/drawing/2010/main" Requires="a14">
+        <mc:AlternateContent xmlns:mc="http://schemas.openxmlformats.org/markup-compatibility/2006" xmlns:a14="http://schemas.microsoft.com/office/drawing/2010/main">
+          <mc:Choice Requires="a14">
             <p:sp>
               <p:nvSpPr>
                 <p:cNvPr id="73" name="TextBox 72">
@@ -8211,7 +8309,7 @@
               </p:txBody>
             </p:sp>
           </mc:Choice>
-          <mc:Fallback>
+          <mc:Fallback xmlns="">
             <p:sp>
               <p:nvSpPr>
                 <p:cNvPr id="73" name="TextBox 72">
@@ -8796,8 +8894,8 @@
             </a:p>
           </p:txBody>
         </p:sp>
-        <mc:AlternateContent xmlns:mc="http://schemas.openxmlformats.org/markup-compatibility/2006">
-          <mc:Choice xmlns:a14="http://schemas.microsoft.com/office/drawing/2010/main" Requires="a14">
+        <mc:AlternateContent xmlns:mc="http://schemas.openxmlformats.org/markup-compatibility/2006" xmlns:a14="http://schemas.microsoft.com/office/drawing/2010/main">
+          <mc:Choice Requires="a14">
             <p:sp>
               <p:nvSpPr>
                 <p:cNvPr id="96" name="TextBox 95">
@@ -8878,7 +8976,7 @@
               </p:txBody>
             </p:sp>
           </mc:Choice>
-          <mc:Fallback>
+          <mc:Fallback xmlns="">
             <p:sp>
               <p:nvSpPr>
                 <p:cNvPr id="96" name="TextBox 95">
@@ -8923,8 +9021,8 @@
             </p:sp>
           </mc:Fallback>
         </mc:AlternateContent>
-        <mc:AlternateContent xmlns:mc="http://schemas.openxmlformats.org/markup-compatibility/2006">
-          <mc:Choice xmlns:a14="http://schemas.microsoft.com/office/drawing/2010/main" Requires="a14">
+        <mc:AlternateContent xmlns:mc="http://schemas.openxmlformats.org/markup-compatibility/2006" xmlns:a14="http://schemas.microsoft.com/office/drawing/2010/main">
+          <mc:Choice Requires="a14">
             <p:sp>
               <p:nvSpPr>
                 <p:cNvPr id="97" name="TextBox 96">
@@ -8986,7 +9084,7 @@
               </p:txBody>
             </p:sp>
           </mc:Choice>
-          <mc:Fallback>
+          <mc:Fallback xmlns="">
             <p:sp>
               <p:nvSpPr>
                 <p:cNvPr id="97" name="TextBox 96">
@@ -9971,8 +10069,8 @@
               </a:p>
             </p:txBody>
           </p:sp>
-          <mc:AlternateContent xmlns:mc="http://schemas.openxmlformats.org/markup-compatibility/2006">
-            <mc:Choice xmlns:a14="http://schemas.microsoft.com/office/drawing/2010/main" Requires="a14">
+          <mc:AlternateContent xmlns:mc="http://schemas.openxmlformats.org/markup-compatibility/2006" xmlns:a14="http://schemas.microsoft.com/office/drawing/2010/main">
+            <mc:Choice Requires="a14">
               <p:sp>
                 <p:nvSpPr>
                   <p:cNvPr id="29" name="TextBox 28">
@@ -10028,7 +10126,7 @@
                 </p:txBody>
               </p:sp>
             </mc:Choice>
-            <mc:Fallback>
+            <mc:Fallback xmlns="">
               <p:sp>
                 <p:nvSpPr>
                   <p:cNvPr id="29" name="TextBox 28">
@@ -10073,8 +10171,8 @@
               </p:sp>
             </mc:Fallback>
           </mc:AlternateContent>
-          <mc:AlternateContent xmlns:mc="http://schemas.openxmlformats.org/markup-compatibility/2006">
-            <mc:Choice xmlns:a14="http://schemas.microsoft.com/office/drawing/2010/main" Requires="a14">
+          <mc:AlternateContent xmlns:mc="http://schemas.openxmlformats.org/markup-compatibility/2006" xmlns:a14="http://schemas.microsoft.com/office/drawing/2010/main">
+            <mc:Choice Requires="a14">
               <p:sp>
                 <p:nvSpPr>
                   <p:cNvPr id="30" name="TextBox 29">
@@ -10130,7 +10228,7 @@
                 </p:txBody>
               </p:sp>
             </mc:Choice>
-            <mc:Fallback>
+            <mc:Fallback xmlns="">
               <p:sp>
                 <p:nvSpPr>
                   <p:cNvPr id="30" name="TextBox 29">
@@ -11773,8 +11871,8 @@
             </a:fontRef>
           </p:style>
         </p:cxnSp>
-        <mc:AlternateContent xmlns:mc="http://schemas.openxmlformats.org/markup-compatibility/2006">
-          <mc:Choice xmlns:a14="http://schemas.microsoft.com/office/drawing/2010/main" Requires="a14">
+        <mc:AlternateContent xmlns:mc="http://schemas.openxmlformats.org/markup-compatibility/2006" xmlns:a14="http://schemas.microsoft.com/office/drawing/2010/main">
+          <mc:Choice Requires="a14">
             <p:sp>
               <p:nvSpPr>
                 <p:cNvPr id="67" name="TextBox 66">
@@ -11836,7 +11934,7 @@
               </p:txBody>
             </p:sp>
           </mc:Choice>
-          <mc:Fallback>
+          <mc:Fallback xmlns="">
             <p:sp>
               <p:nvSpPr>
                 <p:cNvPr id="67" name="TextBox 66">
@@ -12856,8 +12954,8 @@
               </a:fontRef>
             </p:style>
           </p:cxnSp>
-          <mc:AlternateContent xmlns:mc="http://schemas.openxmlformats.org/markup-compatibility/2006">
-            <mc:Choice xmlns:a14="http://schemas.microsoft.com/office/drawing/2010/main" Requires="a14">
+          <mc:AlternateContent xmlns:mc="http://schemas.openxmlformats.org/markup-compatibility/2006" xmlns:a14="http://schemas.microsoft.com/office/drawing/2010/main">
+            <mc:Choice Requires="a14">
               <p:sp>
                 <p:nvSpPr>
                   <p:cNvPr id="60" name="TextBox 59">
@@ -12886,6 +12984,7 @@
                   </a:bodyPr>
                   <a:lstStyle/>
                   <a:p>
+                    <a:pPr/>
                     <a14:m>
                       <m:oMathPara xmlns:m="http://schemas.openxmlformats.org/officeDocument/2006/math">
                         <m:oMathParaPr>
@@ -12918,7 +13017,7 @@
                 </p:txBody>
               </p:sp>
             </mc:Choice>
-            <mc:Fallback>
+            <mc:Fallback xmlns="">
               <p:sp>
                 <p:nvSpPr>
                   <p:cNvPr id="60" name="TextBox 59">
@@ -12963,8 +13062,8 @@
               </p:sp>
             </mc:Fallback>
           </mc:AlternateContent>
-          <mc:AlternateContent xmlns:mc="http://schemas.openxmlformats.org/markup-compatibility/2006">
-            <mc:Choice xmlns:a14="http://schemas.microsoft.com/office/drawing/2010/main" Requires="a14">
+          <mc:AlternateContent xmlns:mc="http://schemas.openxmlformats.org/markup-compatibility/2006" xmlns:a14="http://schemas.microsoft.com/office/drawing/2010/main">
+            <mc:Choice Requires="a14">
               <p:sp>
                 <p:nvSpPr>
                   <p:cNvPr id="61" name="TextBox 60">
@@ -12993,6 +13092,7 @@
                   </a:bodyPr>
                   <a:lstStyle/>
                   <a:p>
+                    <a:pPr/>
                     <a14:m>
                       <m:oMathPara xmlns:m="http://schemas.openxmlformats.org/officeDocument/2006/math">
                         <m:oMathParaPr>
@@ -13013,7 +13113,7 @@
                 </p:txBody>
               </p:sp>
             </mc:Choice>
-            <mc:Fallback>
+            <mc:Fallback xmlns="">
               <p:sp>
                 <p:nvSpPr>
                   <p:cNvPr id="61" name="TextBox 60">
@@ -13058,8 +13158,8 @@
               </p:sp>
             </mc:Fallback>
           </mc:AlternateContent>
-          <mc:AlternateContent xmlns:mc="http://schemas.openxmlformats.org/markup-compatibility/2006">
-            <mc:Choice xmlns:a14="http://schemas.microsoft.com/office/drawing/2010/main" Requires="a14">
+          <mc:AlternateContent xmlns:mc="http://schemas.openxmlformats.org/markup-compatibility/2006" xmlns:a14="http://schemas.microsoft.com/office/drawing/2010/main">
+            <mc:Choice Requires="a14">
               <p:sp>
                 <p:nvSpPr>
                   <p:cNvPr id="62" name="TextBox 61">
@@ -13088,6 +13188,7 @@
                   </a:bodyPr>
                   <a:lstStyle/>
                   <a:p>
+                    <a:pPr/>
                     <a14:m>
                       <m:oMathPara xmlns:m="http://schemas.openxmlformats.org/officeDocument/2006/math">
                         <m:oMathParaPr>
@@ -13108,7 +13209,7 @@
                 </p:txBody>
               </p:sp>
             </mc:Choice>
-            <mc:Fallback>
+            <mc:Fallback xmlns="">
               <p:sp>
                 <p:nvSpPr>
                   <p:cNvPr id="62" name="TextBox 61">
@@ -13153,8 +13254,8 @@
               </p:sp>
             </mc:Fallback>
           </mc:AlternateContent>
-          <mc:AlternateContent xmlns:mc="http://schemas.openxmlformats.org/markup-compatibility/2006">
-            <mc:Choice xmlns:a14="http://schemas.microsoft.com/office/drawing/2010/main" Requires="a14">
+          <mc:AlternateContent xmlns:mc="http://schemas.openxmlformats.org/markup-compatibility/2006" xmlns:a14="http://schemas.microsoft.com/office/drawing/2010/main">
+            <mc:Choice Requires="a14">
               <p:sp>
                 <p:nvSpPr>
                   <p:cNvPr id="63" name="TextBox 62">
@@ -13183,6 +13284,7 @@
                   </a:bodyPr>
                   <a:lstStyle/>
                   <a:p>
+                    <a:pPr/>
                     <a14:m>
                       <m:oMathPara xmlns:m="http://schemas.openxmlformats.org/officeDocument/2006/math">
                         <m:oMathParaPr>
@@ -13203,7 +13305,7 @@
                 </p:txBody>
               </p:sp>
             </mc:Choice>
-            <mc:Fallback>
+            <mc:Fallback xmlns="">
               <p:sp>
                 <p:nvSpPr>
                   <p:cNvPr id="63" name="TextBox 62">
@@ -13248,8 +13350,8 @@
               </p:sp>
             </mc:Fallback>
           </mc:AlternateContent>
-          <mc:AlternateContent xmlns:mc="http://schemas.openxmlformats.org/markup-compatibility/2006">
-            <mc:Choice xmlns:a14="http://schemas.microsoft.com/office/drawing/2010/main" Requires="a14">
+          <mc:AlternateContent xmlns:mc="http://schemas.openxmlformats.org/markup-compatibility/2006" xmlns:a14="http://schemas.microsoft.com/office/drawing/2010/main">
+            <mc:Choice Requires="a14">
               <p:sp>
                 <p:nvSpPr>
                   <p:cNvPr id="67" name="TextBox 66">
@@ -13278,6 +13380,7 @@
                   </a:bodyPr>
                   <a:lstStyle/>
                   <a:p>
+                    <a:pPr/>
                     <a14:m>
                       <m:oMathPara xmlns:m="http://schemas.openxmlformats.org/officeDocument/2006/math">
                         <m:oMathParaPr>
@@ -13298,7 +13401,7 @@
                 </p:txBody>
               </p:sp>
             </mc:Choice>
-            <mc:Fallback>
+            <mc:Fallback xmlns="">
               <p:sp>
                 <p:nvSpPr>
                   <p:cNvPr id="67" name="TextBox 66">
@@ -13343,8 +13446,8 @@
               </p:sp>
             </mc:Fallback>
           </mc:AlternateContent>
-          <mc:AlternateContent xmlns:mc="http://schemas.openxmlformats.org/markup-compatibility/2006">
-            <mc:Choice xmlns:a14="http://schemas.microsoft.com/office/drawing/2010/main" Requires="a14">
+          <mc:AlternateContent xmlns:mc="http://schemas.openxmlformats.org/markup-compatibility/2006" xmlns:a14="http://schemas.microsoft.com/office/drawing/2010/main">
+            <mc:Choice Requires="a14">
               <p:sp>
                 <p:nvSpPr>
                   <p:cNvPr id="70" name="TextBox 69">
@@ -13373,6 +13476,7 @@
                   </a:bodyPr>
                   <a:lstStyle/>
                   <a:p>
+                    <a:pPr/>
                     <a14:m>
                       <m:oMathPara xmlns:m="http://schemas.openxmlformats.org/officeDocument/2006/math">
                         <m:oMathParaPr>
@@ -13430,7 +13534,7 @@
                 </p:txBody>
               </p:sp>
             </mc:Choice>
-            <mc:Fallback>
+            <mc:Fallback xmlns="">
               <p:sp>
                 <p:nvSpPr>
                   <p:cNvPr id="70" name="TextBox 69">
@@ -13475,8 +13579,8 @@
               </p:sp>
             </mc:Fallback>
           </mc:AlternateContent>
-          <mc:AlternateContent xmlns:mc="http://schemas.openxmlformats.org/markup-compatibility/2006">
-            <mc:Choice xmlns:a14="http://schemas.microsoft.com/office/drawing/2010/main" Requires="a14">
+          <mc:AlternateContent xmlns:mc="http://schemas.openxmlformats.org/markup-compatibility/2006" xmlns:a14="http://schemas.microsoft.com/office/drawing/2010/main">
+            <mc:Choice Requires="a14">
               <p:sp>
                 <p:nvSpPr>
                   <p:cNvPr id="71" name="TextBox 70">
@@ -13505,6 +13609,7 @@
                   </a:bodyPr>
                   <a:lstStyle/>
                   <a:p>
+                    <a:pPr/>
                     <a14:m>
                       <m:oMathPara xmlns:m="http://schemas.openxmlformats.org/officeDocument/2006/math">
                         <m:oMathParaPr>
@@ -13562,7 +13667,7 @@
                 </p:txBody>
               </p:sp>
             </mc:Choice>
-            <mc:Fallback>
+            <mc:Fallback xmlns="">
               <p:sp>
                 <p:nvSpPr>
                   <p:cNvPr id="71" name="TextBox 70">
@@ -14307,8 +14412,8 @@
               </a:fontRef>
             </p:style>
           </p:cxnSp>
-          <mc:AlternateContent xmlns:mc="http://schemas.openxmlformats.org/markup-compatibility/2006">
-            <mc:Choice xmlns:a14="http://schemas.microsoft.com/office/drawing/2010/main" Requires="a14">
+          <mc:AlternateContent xmlns:mc="http://schemas.openxmlformats.org/markup-compatibility/2006" xmlns:a14="http://schemas.microsoft.com/office/drawing/2010/main">
+            <mc:Choice Requires="a14">
               <p:sp>
                 <p:nvSpPr>
                   <p:cNvPr id="64" name="TextBox 63">
@@ -14337,6 +14442,7 @@
                   </a:bodyPr>
                   <a:lstStyle/>
                   <a:p>
+                    <a:pPr/>
                     <a14:m>
                       <m:oMathPara xmlns:m="http://schemas.openxmlformats.org/officeDocument/2006/math">
                         <m:oMathParaPr>
@@ -14357,7 +14463,7 @@
                 </p:txBody>
               </p:sp>
             </mc:Choice>
-            <mc:Fallback>
+            <mc:Fallback xmlns="">
               <p:sp>
                 <p:nvSpPr>
                   <p:cNvPr id="64" name="TextBox 63">
@@ -14402,8 +14508,8 @@
               </p:sp>
             </mc:Fallback>
           </mc:AlternateContent>
-          <mc:AlternateContent xmlns:mc="http://schemas.openxmlformats.org/markup-compatibility/2006">
-            <mc:Choice xmlns:a14="http://schemas.microsoft.com/office/drawing/2010/main" Requires="a14">
+          <mc:AlternateContent xmlns:mc="http://schemas.openxmlformats.org/markup-compatibility/2006" xmlns:a14="http://schemas.microsoft.com/office/drawing/2010/main">
+            <mc:Choice Requires="a14">
               <p:sp>
                 <p:nvSpPr>
                   <p:cNvPr id="65" name="TextBox 64">
@@ -14432,6 +14538,7 @@
                   </a:bodyPr>
                   <a:lstStyle/>
                   <a:p>
+                    <a:pPr/>
                     <a14:m>
                       <m:oMathPara xmlns:m="http://schemas.openxmlformats.org/officeDocument/2006/math">
                         <m:oMathParaPr>
@@ -14452,7 +14559,7 @@
                 </p:txBody>
               </p:sp>
             </mc:Choice>
-            <mc:Fallback>
+            <mc:Fallback xmlns="">
               <p:sp>
                 <p:nvSpPr>
                   <p:cNvPr id="65" name="TextBox 64">
@@ -14497,8 +14604,8 @@
               </p:sp>
             </mc:Fallback>
           </mc:AlternateContent>
-          <mc:AlternateContent xmlns:mc="http://schemas.openxmlformats.org/markup-compatibility/2006">
-            <mc:Choice xmlns:a14="http://schemas.microsoft.com/office/drawing/2010/main" Requires="a14">
+          <mc:AlternateContent xmlns:mc="http://schemas.openxmlformats.org/markup-compatibility/2006" xmlns:a14="http://schemas.microsoft.com/office/drawing/2010/main">
+            <mc:Choice Requires="a14">
               <p:sp>
                 <p:nvSpPr>
                   <p:cNvPr id="66" name="TextBox 65">
@@ -14527,6 +14634,7 @@
                   </a:bodyPr>
                   <a:lstStyle/>
                   <a:p>
+                    <a:pPr/>
                     <a14:m>
                       <m:oMathPara xmlns:m="http://schemas.openxmlformats.org/officeDocument/2006/math">
                         <m:oMathParaPr>
@@ -14547,7 +14655,7 @@
                 </p:txBody>
               </p:sp>
             </mc:Choice>
-            <mc:Fallback>
+            <mc:Fallback xmlns="">
               <p:sp>
                 <p:nvSpPr>
                   <p:cNvPr id="66" name="TextBox 65">
@@ -14592,8 +14700,8 @@
               </p:sp>
             </mc:Fallback>
           </mc:AlternateContent>
-          <mc:AlternateContent xmlns:mc="http://schemas.openxmlformats.org/markup-compatibility/2006">
-            <mc:Choice xmlns:a14="http://schemas.microsoft.com/office/drawing/2010/main" Requires="a14">
+          <mc:AlternateContent xmlns:mc="http://schemas.openxmlformats.org/markup-compatibility/2006" xmlns:a14="http://schemas.microsoft.com/office/drawing/2010/main">
+            <mc:Choice Requires="a14">
               <p:sp>
                 <p:nvSpPr>
                   <p:cNvPr id="68" name="TextBox 67">
@@ -14622,6 +14730,7 @@
                   </a:bodyPr>
                   <a:lstStyle/>
                   <a:p>
+                    <a:pPr/>
                     <a14:m>
                       <m:oMathPara xmlns:m="http://schemas.openxmlformats.org/officeDocument/2006/math">
                         <m:oMathParaPr>
@@ -14642,7 +14751,7 @@
                 </p:txBody>
               </p:sp>
             </mc:Choice>
-            <mc:Fallback>
+            <mc:Fallback xmlns="">
               <p:sp>
                 <p:nvSpPr>
                   <p:cNvPr id="68" name="TextBox 67">
@@ -14687,8 +14796,8 @@
               </p:sp>
             </mc:Fallback>
           </mc:AlternateContent>
-          <mc:AlternateContent xmlns:mc="http://schemas.openxmlformats.org/markup-compatibility/2006">
-            <mc:Choice xmlns:a14="http://schemas.microsoft.com/office/drawing/2010/main" Requires="a14">
+          <mc:AlternateContent xmlns:mc="http://schemas.openxmlformats.org/markup-compatibility/2006" xmlns:a14="http://schemas.microsoft.com/office/drawing/2010/main">
+            <mc:Choice Requires="a14">
               <p:sp>
                 <p:nvSpPr>
                   <p:cNvPr id="69" name="TextBox 68">
@@ -14717,6 +14826,7 @@
                   </a:bodyPr>
                   <a:lstStyle/>
                   <a:p>
+                    <a:pPr/>
                     <a14:m>
                       <m:oMathPara xmlns:m="http://schemas.openxmlformats.org/officeDocument/2006/math">
                         <m:oMathParaPr>
@@ -14754,13 +14864,7 @@
                                 <a:rPr lang="en-US" sz="1600" b="0" i="1" smtClean="0">
                                   <a:latin typeface="Cambria Math" panose="02040503050406030204" pitchFamily="18" charset="0"/>
                                 </a:rPr>
-                                <m:t>𝑑</m:t>
-                              </m:r>
-                              <m:r>
-                                <a:rPr lang="en-US" sz="1600" b="0" i="1" smtClean="0">
-                                  <a:latin typeface="Cambria Math" panose="02040503050406030204" pitchFamily="18" charset="0"/>
-                                </a:rPr>
-                                <m:t>𝐼</m:t>
+                                <m:t>𝑑𝐼</m:t>
                               </m:r>
                             </m:num>
                             <m:den>
@@ -14780,7 +14884,7 @@
                 </p:txBody>
               </p:sp>
             </mc:Choice>
-            <mc:Fallback>
+            <mc:Fallback xmlns="">
               <p:sp>
                 <p:nvSpPr>
                   <p:cNvPr id="69" name="TextBox 68">
@@ -14825,8 +14929,8 @@
               </p:sp>
             </mc:Fallback>
           </mc:AlternateContent>
-          <mc:AlternateContent xmlns:mc="http://schemas.openxmlformats.org/markup-compatibility/2006">
-            <mc:Choice xmlns:a14="http://schemas.microsoft.com/office/drawing/2010/main" Requires="a14">
+          <mc:AlternateContent xmlns:mc="http://schemas.openxmlformats.org/markup-compatibility/2006" xmlns:a14="http://schemas.microsoft.com/office/drawing/2010/main">
+            <mc:Choice Requires="a14">
               <p:sp>
                 <p:nvSpPr>
                   <p:cNvPr id="72" name="TextBox 71">
@@ -14855,6 +14959,7 @@
                   </a:bodyPr>
                   <a:lstStyle/>
                   <a:p>
+                    <a:pPr/>
                     <a14:m>
                       <m:oMathPara xmlns:m="http://schemas.openxmlformats.org/officeDocument/2006/math">
                         <m:oMathParaPr>
@@ -14892,13 +14997,7 @@
                                 <a:rPr lang="en-US" sz="1600" b="0" i="1" smtClean="0">
                                   <a:latin typeface="Cambria Math" panose="02040503050406030204" pitchFamily="18" charset="0"/>
                                 </a:rPr>
-                                <m:t>𝑑</m:t>
-                              </m:r>
-                              <m:r>
-                                <a:rPr lang="en-US" sz="1600" b="0" i="1" smtClean="0">
-                                  <a:latin typeface="Cambria Math" panose="02040503050406030204" pitchFamily="18" charset="0"/>
-                                </a:rPr>
-                                <m:t>𝐼</m:t>
+                                <m:t>𝑑𝐼</m:t>
                               </m:r>
                             </m:num>
                             <m:den>
@@ -14918,7 +15017,7 @@
                 </p:txBody>
               </p:sp>
             </mc:Choice>
-            <mc:Fallback>
+            <mc:Fallback xmlns="">
               <p:sp>
                 <p:nvSpPr>
                   <p:cNvPr id="72" name="TextBox 71">
@@ -14963,8 +15062,8 @@
               </p:sp>
             </mc:Fallback>
           </mc:AlternateContent>
-          <mc:AlternateContent xmlns:mc="http://schemas.openxmlformats.org/markup-compatibility/2006">
-            <mc:Choice xmlns:a14="http://schemas.microsoft.com/office/drawing/2010/main" Requires="a14">
+          <mc:AlternateContent xmlns:mc="http://schemas.openxmlformats.org/markup-compatibility/2006" xmlns:a14="http://schemas.microsoft.com/office/drawing/2010/main">
+            <mc:Choice Requires="a14">
               <p:sp>
                 <p:nvSpPr>
                   <p:cNvPr id="73" name="TextBox 72">
@@ -14993,6 +15092,7 @@
                   </a:bodyPr>
                   <a:lstStyle/>
                   <a:p>
+                    <a:pPr/>
                     <a14:m>
                       <m:oMathPara xmlns:m="http://schemas.openxmlformats.org/officeDocument/2006/math">
                         <m:oMathParaPr>
@@ -15013,7 +15113,7 @@
                 </p:txBody>
               </p:sp>
             </mc:Choice>
-            <mc:Fallback>
+            <mc:Fallback xmlns="">
               <p:sp>
                 <p:nvSpPr>
                   <p:cNvPr id="73" name="TextBox 72">
@@ -15322,8 +15422,8 @@
             </a:fontRef>
           </p:style>
         </p:cxnSp>
-        <mc:AlternateContent xmlns:mc="http://schemas.openxmlformats.org/markup-compatibility/2006">
-          <mc:Choice xmlns:a14="http://schemas.microsoft.com/office/drawing/2010/main" Requires="a14">
+        <mc:AlternateContent xmlns:mc="http://schemas.openxmlformats.org/markup-compatibility/2006" xmlns:a14="http://schemas.microsoft.com/office/drawing/2010/main">
+          <mc:Choice Requires="a14">
             <p:sp>
               <p:nvSpPr>
                 <p:cNvPr id="60" name="TextBox 59">
@@ -15404,7 +15504,7 @@
               </p:txBody>
             </p:sp>
           </mc:Choice>
-          <mc:Fallback>
+          <mc:Fallback xmlns="">
             <p:sp>
               <p:nvSpPr>
                 <p:cNvPr id="60" name="TextBox 59">
@@ -15449,8 +15549,8 @@
             </p:sp>
           </mc:Fallback>
         </mc:AlternateContent>
-        <mc:AlternateContent xmlns:mc="http://schemas.openxmlformats.org/markup-compatibility/2006">
-          <mc:Choice xmlns:a14="http://schemas.microsoft.com/office/drawing/2010/main" Requires="a14">
+        <mc:AlternateContent xmlns:mc="http://schemas.openxmlformats.org/markup-compatibility/2006" xmlns:a14="http://schemas.microsoft.com/office/drawing/2010/main">
+          <mc:Choice Requires="a14">
             <p:sp>
               <p:nvSpPr>
                 <p:cNvPr id="71" name="TextBox 70">
@@ -15556,7 +15656,7 @@
               </p:txBody>
             </p:sp>
           </mc:Choice>
-          <mc:Fallback>
+          <mc:Fallback xmlns="">
             <p:sp>
               <p:nvSpPr>
                 <p:cNvPr id="71" name="TextBox 70">
@@ -15924,8 +16024,8 @@
             </a:fontRef>
           </p:style>
         </p:cxnSp>
-        <mc:AlternateContent xmlns:mc="http://schemas.openxmlformats.org/markup-compatibility/2006">
-          <mc:Choice xmlns:a14="http://schemas.microsoft.com/office/drawing/2010/main" Requires="a14">
+        <mc:AlternateContent xmlns:mc="http://schemas.openxmlformats.org/markup-compatibility/2006" xmlns:a14="http://schemas.microsoft.com/office/drawing/2010/main">
+          <mc:Choice Requires="a14">
             <p:sp>
               <p:nvSpPr>
                 <p:cNvPr id="64" name="TextBox 63">
@@ -15994,7 +16094,7 @@
               </p:txBody>
             </p:sp>
           </mc:Choice>
-          <mc:Fallback>
+          <mc:Fallback xmlns="">
             <p:sp>
               <p:nvSpPr>
                 <p:cNvPr id="64" name="TextBox 63">
@@ -16039,8 +16139,8 @@
             </p:sp>
           </mc:Fallback>
         </mc:AlternateContent>
-        <mc:AlternateContent xmlns:mc="http://schemas.openxmlformats.org/markup-compatibility/2006">
-          <mc:Choice xmlns:a14="http://schemas.microsoft.com/office/drawing/2010/main" Requires="a14">
+        <mc:AlternateContent xmlns:mc="http://schemas.openxmlformats.org/markup-compatibility/2006" xmlns:a14="http://schemas.microsoft.com/office/drawing/2010/main">
+          <mc:Choice Requires="a14">
             <p:sp>
               <p:nvSpPr>
                 <p:cNvPr id="68" name="TextBox 67">
@@ -16109,7 +16209,7 @@
               </p:txBody>
             </p:sp>
           </mc:Choice>
-          <mc:Fallback>
+          <mc:Fallback xmlns="">
             <p:sp>
               <p:nvSpPr>
                 <p:cNvPr id="68" name="TextBox 67">
@@ -16799,8 +16899,8 @@
             </p:style>
           </p:cxnSp>
         </p:grpSp>
-        <mc:AlternateContent xmlns:mc="http://schemas.openxmlformats.org/markup-compatibility/2006">
-          <mc:Choice xmlns:a14="http://schemas.microsoft.com/office/drawing/2010/main" Requires="a14">
+        <mc:AlternateContent xmlns:mc="http://schemas.openxmlformats.org/markup-compatibility/2006" xmlns:a14="http://schemas.microsoft.com/office/drawing/2010/main">
+          <mc:Choice Requires="a14">
             <p:sp>
               <p:nvSpPr>
                 <p:cNvPr id="79" name="TextBox 78">
@@ -16869,7 +16969,7 @@
               </p:txBody>
             </p:sp>
           </mc:Choice>
-          <mc:Fallback>
+          <mc:Fallback xmlns="">
             <p:sp>
               <p:nvSpPr>
                 <p:cNvPr id="79" name="TextBox 78">
@@ -16914,8 +17014,8 @@
             </p:sp>
           </mc:Fallback>
         </mc:AlternateContent>
-        <mc:AlternateContent xmlns:mc="http://schemas.openxmlformats.org/markup-compatibility/2006">
-          <mc:Choice xmlns:a14="http://schemas.microsoft.com/office/drawing/2010/main" Requires="a14">
+        <mc:AlternateContent xmlns:mc="http://schemas.openxmlformats.org/markup-compatibility/2006" xmlns:a14="http://schemas.microsoft.com/office/drawing/2010/main">
+          <mc:Choice Requires="a14">
             <p:sp>
               <p:nvSpPr>
                 <p:cNvPr id="80" name="TextBox 79">
@@ -17040,7 +17140,7 @@
               </p:txBody>
             </p:sp>
           </mc:Choice>
-          <mc:Fallback>
+          <mc:Fallback xmlns="">
             <p:sp>
               <p:nvSpPr>
                 <p:cNvPr id="80" name="TextBox 79">
@@ -17085,8 +17185,8 @@
             </p:sp>
           </mc:Fallback>
         </mc:AlternateContent>
-        <mc:AlternateContent xmlns:mc="http://schemas.openxmlformats.org/markup-compatibility/2006">
-          <mc:Choice xmlns:a14="http://schemas.microsoft.com/office/drawing/2010/main" Requires="a14">
+        <mc:AlternateContent xmlns:mc="http://schemas.openxmlformats.org/markup-compatibility/2006" xmlns:a14="http://schemas.microsoft.com/office/drawing/2010/main">
+          <mc:Choice Requires="a14">
             <p:sp>
               <p:nvSpPr>
                 <p:cNvPr id="81" name="TextBox 80">
@@ -17155,7 +17255,7 @@
               </p:txBody>
             </p:sp>
           </mc:Choice>
-          <mc:Fallback>
+          <mc:Fallback xmlns="">
             <p:sp>
               <p:nvSpPr>
                 <p:cNvPr id="81" name="TextBox 80">
@@ -17205,6 +17305,202 @@
     <p:extLst>
       <p:ext uri="{BB962C8B-B14F-4D97-AF65-F5344CB8AC3E}">
         <p14:creationId xmlns:p14="http://schemas.microsoft.com/office/powerpoint/2010/main" val="471652234"/>
+      </p:ext>
+    </p:extLst>
+  </p:cSld>
+  <p:clrMapOvr>
+    <a:masterClrMapping/>
+  </p:clrMapOvr>
+</p:sld>
+</file>
+
+<file path=ppt/slides/slide8.xml><?xml version="1.0" encoding="utf-8"?>
+<p:sld xmlns:a="http://schemas.openxmlformats.org/drawingml/2006/main" xmlns:r="http://schemas.openxmlformats.org/officeDocument/2006/relationships" xmlns:p="http://schemas.openxmlformats.org/presentationml/2006/main">
+  <p:cSld>
+    <p:spTree>
+      <p:nvGrpSpPr>
+        <p:cNvPr id="1" name=""/>
+        <p:cNvGrpSpPr/>
+        <p:nvPr/>
+      </p:nvGrpSpPr>
+      <p:grpSpPr>
+        <a:xfrm>
+          <a:off x="0" y="0"/>
+          <a:ext cx="0" cy="0"/>
+          <a:chOff x="0" y="0"/>
+          <a:chExt cx="0" cy="0"/>
+        </a:xfrm>
+      </p:grpSpPr>
+      <p:pic>
+        <p:nvPicPr>
+          <p:cNvPr id="3" name="Picture 2">
+            <a:extLst>
+              <a:ext uri="{FF2B5EF4-FFF2-40B4-BE49-F238E27FC236}">
+                <a16:creationId xmlns:a16="http://schemas.microsoft.com/office/drawing/2014/main" id="{7D218E3B-7DB7-D72B-6535-E6682DB791A5}"/>
+              </a:ext>
+            </a:extLst>
+          </p:cNvPr>
+          <p:cNvPicPr>
+            <a:picLocks noChangeAspect="1"/>
+          </p:cNvPicPr>
+          <p:nvPr/>
+        </p:nvPicPr>
+        <p:blipFill>
+          <a:blip r:embed="rId2"/>
+          <a:stretch>
+            <a:fillRect/>
+          </a:stretch>
+        </p:blipFill>
+        <p:spPr>
+          <a:xfrm>
+            <a:off x="559217" y="1645068"/>
+            <a:ext cx="4723761" cy="2421606"/>
+          </a:xfrm>
+          <a:prstGeom prst="rect">
+            <a:avLst/>
+          </a:prstGeom>
+        </p:spPr>
+      </p:pic>
+      <p:sp>
+        <p:nvSpPr>
+          <p:cNvPr id="4" name="TextBox 3">
+            <a:extLst>
+              <a:ext uri="{FF2B5EF4-FFF2-40B4-BE49-F238E27FC236}">
+                <a16:creationId xmlns:a16="http://schemas.microsoft.com/office/drawing/2014/main" id="{239D46CE-806B-6AA5-4817-DCF36D911A3C}"/>
+              </a:ext>
+            </a:extLst>
+          </p:cNvPr>
+          <p:cNvSpPr txBox="1"/>
+          <p:nvPr/>
+        </p:nvSpPr>
+        <p:spPr>
+          <a:xfrm>
+            <a:off x="815929" y="4277471"/>
+            <a:ext cx="3501151" cy="369332"/>
+          </a:xfrm>
+          <a:prstGeom prst="rect">
+            <a:avLst/>
+          </a:prstGeom>
+          <a:noFill/>
+        </p:spPr>
+        <p:txBody>
+          <a:bodyPr wrap="none" rtlCol="0">
+            <a:spAutoFit/>
+          </a:bodyPr>
+          <a:lstStyle/>
+          <a:p>
+            <a:r>
+              <a:rPr lang="en-US" dirty="0"/>
+              <a:t>Fig-circuits-KCL.png  R0 01/12/25</a:t>
+            </a:r>
+          </a:p>
+        </p:txBody>
+      </p:sp>
+    </p:spTree>
+    <p:extLst>
+      <p:ext uri="{BB962C8B-B14F-4D97-AF65-F5344CB8AC3E}">
+        <p14:creationId xmlns:p14="http://schemas.microsoft.com/office/powerpoint/2010/main" val="2538798713"/>
+      </p:ext>
+    </p:extLst>
+  </p:cSld>
+  <p:clrMapOvr>
+    <a:masterClrMapping/>
+  </p:clrMapOvr>
+</p:sld>
+</file>
+
+<file path=ppt/slides/slide9.xml><?xml version="1.0" encoding="utf-8"?>
+<p:sld xmlns:a="http://schemas.openxmlformats.org/drawingml/2006/main" xmlns:r="http://schemas.openxmlformats.org/officeDocument/2006/relationships" xmlns:p="http://schemas.openxmlformats.org/presentationml/2006/main">
+  <p:cSld>
+    <p:spTree>
+      <p:nvGrpSpPr>
+        <p:cNvPr id="1" name="">
+          <a:extLst>
+            <a:ext uri="{FF2B5EF4-FFF2-40B4-BE49-F238E27FC236}">
+              <a16:creationId xmlns:a16="http://schemas.microsoft.com/office/drawing/2014/main" id="{10C9D134-5E5B-92C9-6FDC-9EECA08803FE}"/>
+            </a:ext>
+          </a:extLst>
+        </p:cNvPr>
+        <p:cNvGrpSpPr/>
+        <p:nvPr/>
+      </p:nvGrpSpPr>
+      <p:grpSpPr>
+        <a:xfrm>
+          <a:off x="0" y="0"/>
+          <a:ext cx="0" cy="0"/>
+          <a:chOff x="0" y="0"/>
+          <a:chExt cx="0" cy="0"/>
+        </a:xfrm>
+      </p:grpSpPr>
+      <p:sp>
+        <p:nvSpPr>
+          <p:cNvPr id="4" name="TextBox 3">
+            <a:extLst>
+              <a:ext uri="{FF2B5EF4-FFF2-40B4-BE49-F238E27FC236}">
+                <a16:creationId xmlns:a16="http://schemas.microsoft.com/office/drawing/2014/main" id="{6BB24459-8C49-56FD-0B7B-AB6557ACE033}"/>
+              </a:ext>
+            </a:extLst>
+          </p:cNvPr>
+          <p:cNvSpPr txBox="1"/>
+          <p:nvPr/>
+        </p:nvSpPr>
+        <p:spPr>
+          <a:xfrm>
+            <a:off x="815929" y="4277471"/>
+            <a:ext cx="3482107" cy="369332"/>
+          </a:xfrm>
+          <a:prstGeom prst="rect">
+            <a:avLst/>
+          </a:prstGeom>
+          <a:noFill/>
+        </p:spPr>
+        <p:txBody>
+          <a:bodyPr wrap="none" rtlCol="0">
+            <a:spAutoFit/>
+          </a:bodyPr>
+          <a:lstStyle/>
+          <a:p>
+            <a:r>
+              <a:rPr lang="en-US" dirty="0"/>
+              <a:t>Fig-circuits-KVL.png  R0 01/12/25</a:t>
+            </a:r>
+          </a:p>
+        </p:txBody>
+      </p:sp>
+      <p:pic>
+        <p:nvPicPr>
+          <p:cNvPr id="5" name="Picture 4">
+            <a:extLst>
+              <a:ext uri="{FF2B5EF4-FFF2-40B4-BE49-F238E27FC236}">
+                <a16:creationId xmlns:a16="http://schemas.microsoft.com/office/drawing/2014/main" id="{D688EEC3-1033-631B-A4D5-611235559257}"/>
+              </a:ext>
+            </a:extLst>
+          </p:cNvPr>
+          <p:cNvPicPr>
+            <a:picLocks noChangeAspect="1"/>
+          </p:cNvPicPr>
+          <p:nvPr/>
+        </p:nvPicPr>
+        <p:blipFill>
+          <a:blip r:embed="rId2"/>
+          <a:stretch>
+            <a:fillRect/>
+          </a:stretch>
+        </p:blipFill>
+        <p:spPr>
+          <a:xfrm>
+            <a:off x="435644" y="2094993"/>
+            <a:ext cx="4726818" cy="2182478"/>
+          </a:xfrm>
+          <a:prstGeom prst="rect">
+            <a:avLst/>
+          </a:prstGeom>
+        </p:spPr>
+      </p:pic>
+    </p:spTree>
+    <p:extLst>
+      <p:ext uri="{BB962C8B-B14F-4D97-AF65-F5344CB8AC3E}">
+        <p14:creationId xmlns:p14="http://schemas.microsoft.com/office/powerpoint/2010/main" val="3643633011"/>
       </p:ext>
     </p:extLst>
   </p:cSld>

--- a/figures/fig.pptx
+++ b/figures/fig.pptx
@@ -15,6 +15,7 @@
     <p:sldId id="263" r:id="rId9"/>
     <p:sldId id="264" r:id="rId10"/>
     <p:sldId id="265" r:id="rId11"/>
+    <p:sldId id="266" r:id="rId12"/>
   </p:sldIdLst>
   <p:sldSz cx="12192000" cy="6858000"/>
   <p:notesSz cx="6858000" cy="9144000"/>
@@ -3484,6 +3485,101 @@
     <p:extLst>
       <p:ext uri="{BB962C8B-B14F-4D97-AF65-F5344CB8AC3E}">
         <p14:creationId xmlns:p14="http://schemas.microsoft.com/office/powerpoint/2010/main" val="510399274"/>
+      </p:ext>
+    </p:extLst>
+  </p:cSld>
+  <p:clrMapOvr>
+    <a:masterClrMapping/>
+  </p:clrMapOvr>
+</p:sld>
+</file>
+
+<file path=ppt/slides/slide11.xml><?xml version="1.0" encoding="utf-8"?>
+<p:sld xmlns:a="http://schemas.openxmlformats.org/drawingml/2006/main" xmlns:r="http://schemas.openxmlformats.org/officeDocument/2006/relationships" xmlns:p="http://schemas.openxmlformats.org/presentationml/2006/main">
+  <p:cSld>
+    <p:spTree>
+      <p:nvGrpSpPr>
+        <p:cNvPr id="1" name=""/>
+        <p:cNvGrpSpPr/>
+        <p:nvPr/>
+      </p:nvGrpSpPr>
+      <p:grpSpPr>
+        <a:xfrm>
+          <a:off x="0" y="0"/>
+          <a:ext cx="0" cy="0"/>
+          <a:chOff x="0" y="0"/>
+          <a:chExt cx="0" cy="0"/>
+        </a:xfrm>
+      </p:grpSpPr>
+      <p:pic>
+        <p:nvPicPr>
+          <p:cNvPr id="3" name="Picture 2">
+            <a:extLst>
+              <a:ext uri="{FF2B5EF4-FFF2-40B4-BE49-F238E27FC236}">
+                <a16:creationId xmlns:a16="http://schemas.microsoft.com/office/drawing/2014/main" id="{B0EF27B2-94D7-AF53-B7D7-C505D891C611}"/>
+              </a:ext>
+            </a:extLst>
+          </p:cNvPr>
+          <p:cNvPicPr>
+            <a:picLocks noChangeAspect="1"/>
+          </p:cNvPicPr>
+          <p:nvPr/>
+        </p:nvPicPr>
+        <p:blipFill>
+          <a:blip r:embed="rId2"/>
+          <a:stretch>
+            <a:fillRect/>
+          </a:stretch>
+        </p:blipFill>
+        <p:spPr>
+          <a:xfrm>
+            <a:off x="985837" y="1772431"/>
+            <a:ext cx="4390535" cy="2349864"/>
+          </a:xfrm>
+          <a:prstGeom prst="rect">
+            <a:avLst/>
+          </a:prstGeom>
+        </p:spPr>
+      </p:pic>
+      <p:sp>
+        <p:nvSpPr>
+          <p:cNvPr id="4" name="TextBox 3">
+            <a:extLst>
+              <a:ext uri="{FF2B5EF4-FFF2-40B4-BE49-F238E27FC236}">
+                <a16:creationId xmlns:a16="http://schemas.microsoft.com/office/drawing/2014/main" id="{DD1D81B7-1164-AE0F-D97B-844610076921}"/>
+              </a:ext>
+            </a:extLst>
+          </p:cNvPr>
+          <p:cNvSpPr txBox="1"/>
+          <p:nvPr/>
+        </p:nvSpPr>
+        <p:spPr>
+          <a:xfrm>
+            <a:off x="545327" y="4854987"/>
+            <a:ext cx="3714991" cy="369332"/>
+          </a:xfrm>
+          <a:prstGeom prst="rect">
+            <a:avLst/>
+          </a:prstGeom>
+          <a:noFill/>
+        </p:spPr>
+        <p:txBody>
+          <a:bodyPr wrap="none" rtlCol="0">
+            <a:spAutoFit/>
+          </a:bodyPr>
+          <a:lstStyle/>
+          <a:p>
+            <a:r>
+              <a:rPr lang="en-US" dirty="0"/>
+              <a:t>Fig-circuits-meshi.png  R0 01/14/25</a:t>
+            </a:r>
+          </a:p>
+        </p:txBody>
+      </p:sp>
+    </p:spTree>
+    <p:extLst>
+      <p:ext uri="{BB962C8B-B14F-4D97-AF65-F5344CB8AC3E}">
+        <p14:creationId xmlns:p14="http://schemas.microsoft.com/office/powerpoint/2010/main" val="903642792"/>
       </p:ext>
     </p:extLst>
   </p:cSld>

--- a/figures/fig.pptx
+++ b/figures/fig.pptx
@@ -16,6 +16,7 @@
     <p:sldId id="264" r:id="rId10"/>
     <p:sldId id="265" r:id="rId11"/>
     <p:sldId id="266" r:id="rId12"/>
+    <p:sldId id="267" r:id="rId13"/>
   </p:sldIdLst>
   <p:sldSz cx="12192000" cy="6858000"/>
   <p:notesSz cx="6858000" cy="9144000"/>
@@ -269,7 +270,7 @@
           <a:p>
             <a:fld id="{BA5A1584-706A-4ABE-803B-792AD84DBA31}" type="datetimeFigureOut">
               <a:rPr lang="en-US" smtClean="0"/>
-              <a:t>1/12/2025</a:t>
+              <a:t>1/18/2025</a:t>
             </a:fld>
             <a:endParaRPr lang="en-US"/>
           </a:p>
@@ -467,7 +468,7 @@
           <a:p>
             <a:fld id="{BA5A1584-706A-4ABE-803B-792AD84DBA31}" type="datetimeFigureOut">
               <a:rPr lang="en-US" smtClean="0"/>
-              <a:t>1/12/2025</a:t>
+              <a:t>1/18/2025</a:t>
             </a:fld>
             <a:endParaRPr lang="en-US"/>
           </a:p>
@@ -675,7 +676,7 @@
           <a:p>
             <a:fld id="{BA5A1584-706A-4ABE-803B-792AD84DBA31}" type="datetimeFigureOut">
               <a:rPr lang="en-US" smtClean="0"/>
-              <a:t>1/12/2025</a:t>
+              <a:t>1/18/2025</a:t>
             </a:fld>
             <a:endParaRPr lang="en-US"/>
           </a:p>
@@ -873,7 +874,7 @@
           <a:p>
             <a:fld id="{BA5A1584-706A-4ABE-803B-792AD84DBA31}" type="datetimeFigureOut">
               <a:rPr lang="en-US" smtClean="0"/>
-              <a:t>1/12/2025</a:t>
+              <a:t>1/18/2025</a:t>
             </a:fld>
             <a:endParaRPr lang="en-US"/>
           </a:p>
@@ -1148,7 +1149,7 @@
           <a:p>
             <a:fld id="{BA5A1584-706A-4ABE-803B-792AD84DBA31}" type="datetimeFigureOut">
               <a:rPr lang="en-US" smtClean="0"/>
-              <a:t>1/12/2025</a:t>
+              <a:t>1/18/2025</a:t>
             </a:fld>
             <a:endParaRPr lang="en-US"/>
           </a:p>
@@ -1413,7 +1414,7 @@
           <a:p>
             <a:fld id="{BA5A1584-706A-4ABE-803B-792AD84DBA31}" type="datetimeFigureOut">
               <a:rPr lang="en-US" smtClean="0"/>
-              <a:t>1/12/2025</a:t>
+              <a:t>1/18/2025</a:t>
             </a:fld>
             <a:endParaRPr lang="en-US"/>
           </a:p>
@@ -1825,7 +1826,7 @@
           <a:p>
             <a:fld id="{BA5A1584-706A-4ABE-803B-792AD84DBA31}" type="datetimeFigureOut">
               <a:rPr lang="en-US" smtClean="0"/>
-              <a:t>1/12/2025</a:t>
+              <a:t>1/18/2025</a:t>
             </a:fld>
             <a:endParaRPr lang="en-US"/>
           </a:p>
@@ -1966,7 +1967,7 @@
           <a:p>
             <a:fld id="{BA5A1584-706A-4ABE-803B-792AD84DBA31}" type="datetimeFigureOut">
               <a:rPr lang="en-US" smtClean="0"/>
-              <a:t>1/12/2025</a:t>
+              <a:t>1/18/2025</a:t>
             </a:fld>
             <a:endParaRPr lang="en-US"/>
           </a:p>
@@ -2079,7 +2080,7 @@
           <a:p>
             <a:fld id="{BA5A1584-706A-4ABE-803B-792AD84DBA31}" type="datetimeFigureOut">
               <a:rPr lang="en-US" smtClean="0"/>
-              <a:t>1/12/2025</a:t>
+              <a:t>1/18/2025</a:t>
             </a:fld>
             <a:endParaRPr lang="en-US"/>
           </a:p>
@@ -2390,7 +2391,7 @@
           <a:p>
             <a:fld id="{BA5A1584-706A-4ABE-803B-792AD84DBA31}" type="datetimeFigureOut">
               <a:rPr lang="en-US" smtClean="0"/>
-              <a:t>1/12/2025</a:t>
+              <a:t>1/18/2025</a:t>
             </a:fld>
             <a:endParaRPr lang="en-US"/>
           </a:p>
@@ -2678,7 +2679,7 @@
           <a:p>
             <a:fld id="{BA5A1584-706A-4ABE-803B-792AD84DBA31}" type="datetimeFigureOut">
               <a:rPr lang="en-US" smtClean="0"/>
-              <a:t>1/12/2025</a:t>
+              <a:t>1/18/2025</a:t>
             </a:fld>
             <a:endParaRPr lang="en-US"/>
           </a:p>
@@ -2919,7 +2920,7 @@
           <a:p>
             <a:fld id="{BA5A1584-706A-4ABE-803B-792AD84DBA31}" type="datetimeFigureOut">
               <a:rPr lang="en-US" smtClean="0"/>
-              <a:t>1/12/2025</a:t>
+              <a:t>1/18/2025</a:t>
             </a:fld>
             <a:endParaRPr lang="en-US"/>
           </a:p>
@@ -3580,6 +3581,107 @@
     <p:extLst>
       <p:ext uri="{BB962C8B-B14F-4D97-AF65-F5344CB8AC3E}">
         <p14:creationId xmlns:p14="http://schemas.microsoft.com/office/powerpoint/2010/main" val="903642792"/>
+      </p:ext>
+    </p:extLst>
+  </p:cSld>
+  <p:clrMapOvr>
+    <a:masterClrMapping/>
+  </p:clrMapOvr>
+</p:sld>
+</file>
+
+<file path=ppt/slides/slide12.xml><?xml version="1.0" encoding="utf-8"?>
+<p:sld xmlns:a="http://schemas.openxmlformats.org/drawingml/2006/main" xmlns:r="http://schemas.openxmlformats.org/officeDocument/2006/relationships" xmlns:p="http://schemas.openxmlformats.org/presentationml/2006/main">
+  <p:cSld>
+    <p:spTree>
+      <p:nvGrpSpPr>
+        <p:cNvPr id="1" name="">
+          <a:extLst>
+            <a:ext uri="{FF2B5EF4-FFF2-40B4-BE49-F238E27FC236}">
+              <a16:creationId xmlns:a16="http://schemas.microsoft.com/office/drawing/2014/main" id="{0BE0EBED-C1B9-C616-3C01-E0E579E5066A}"/>
+            </a:ext>
+          </a:extLst>
+        </p:cNvPr>
+        <p:cNvGrpSpPr/>
+        <p:nvPr/>
+      </p:nvGrpSpPr>
+      <p:grpSpPr>
+        <a:xfrm>
+          <a:off x="0" y="0"/>
+          <a:ext cx="0" cy="0"/>
+          <a:chOff x="0" y="0"/>
+          <a:chExt cx="0" cy="0"/>
+        </a:xfrm>
+      </p:grpSpPr>
+      <p:sp>
+        <p:nvSpPr>
+          <p:cNvPr id="4" name="TextBox 3">
+            <a:extLst>
+              <a:ext uri="{FF2B5EF4-FFF2-40B4-BE49-F238E27FC236}">
+                <a16:creationId xmlns:a16="http://schemas.microsoft.com/office/drawing/2014/main" id="{1C18ED12-B7D5-1794-EC55-D56B716A978E}"/>
+              </a:ext>
+            </a:extLst>
+          </p:cNvPr>
+          <p:cNvSpPr txBox="1"/>
+          <p:nvPr/>
+        </p:nvSpPr>
+        <p:spPr>
+          <a:xfrm>
+            <a:off x="545327" y="4854987"/>
+            <a:ext cx="4021165" cy="369332"/>
+          </a:xfrm>
+          <a:prstGeom prst="rect">
+            <a:avLst/>
+          </a:prstGeom>
+          <a:noFill/>
+        </p:spPr>
+        <p:txBody>
+          <a:bodyPr wrap="none" rtlCol="0">
+            <a:spAutoFit/>
+          </a:bodyPr>
+          <a:lstStyle/>
+          <a:p>
+            <a:r>
+              <a:rPr lang="en-US" dirty="0"/>
+              <a:t>Fig-circuits-sposition.png  R0 01/18/25</a:t>
+            </a:r>
+          </a:p>
+        </p:txBody>
+      </p:sp>
+      <p:pic>
+        <p:nvPicPr>
+          <p:cNvPr id="5" name="Picture 4">
+            <a:extLst>
+              <a:ext uri="{FF2B5EF4-FFF2-40B4-BE49-F238E27FC236}">
+                <a16:creationId xmlns:a16="http://schemas.microsoft.com/office/drawing/2014/main" id="{6CAE0374-7888-712C-9EBE-F735360190E5}"/>
+              </a:ext>
+            </a:extLst>
+          </p:cNvPr>
+          <p:cNvPicPr>
+            <a:picLocks noChangeAspect="1"/>
+          </p:cNvPicPr>
+          <p:nvPr/>
+        </p:nvPicPr>
+        <p:blipFill>
+          <a:blip r:embed="rId2"/>
+          <a:stretch>
+            <a:fillRect/>
+          </a:stretch>
+        </p:blipFill>
+        <p:spPr>
+          <a:xfrm>
+            <a:off x="246623" y="2572638"/>
+            <a:ext cx="4013695" cy="2091169"/>
+          </a:xfrm>
+          <a:prstGeom prst="rect">
+            <a:avLst/>
+          </a:prstGeom>
+        </p:spPr>
+      </p:pic>
+    </p:spTree>
+    <p:extLst>
+      <p:ext uri="{BB962C8B-B14F-4D97-AF65-F5344CB8AC3E}">
+        <p14:creationId xmlns:p14="http://schemas.microsoft.com/office/powerpoint/2010/main" val="2436477439"/>
       </p:ext>
     </p:extLst>
   </p:cSld>

--- a/figures/fig.pptx
+++ b/figures/fig.pptx
@@ -17,6 +17,9 @@
     <p:sldId id="265" r:id="rId11"/>
     <p:sldId id="266" r:id="rId12"/>
     <p:sldId id="267" r:id="rId13"/>
+    <p:sldId id="268" r:id="rId14"/>
+    <p:sldId id="269" r:id="rId15"/>
+    <p:sldId id="270" r:id="rId16"/>
   </p:sldIdLst>
   <p:sldSz cx="12192000" cy="6858000"/>
   <p:notesSz cx="6858000" cy="9144000"/>
@@ -3627,7 +3630,7 @@
         </p:nvSpPr>
         <p:spPr>
           <a:xfrm>
-            <a:off x="545327" y="4854987"/>
+            <a:off x="155583" y="5946420"/>
             <a:ext cx="4021165" cy="369332"/>
           </a:xfrm>
           <a:prstGeom prst="rect">
@@ -3650,10 +3653,10 @@
       </p:sp>
       <p:pic>
         <p:nvPicPr>
-          <p:cNvPr id="5" name="Picture 4">
+          <p:cNvPr id="3" name="Picture 2">
             <a:extLst>
               <a:ext uri="{FF2B5EF4-FFF2-40B4-BE49-F238E27FC236}">
-                <a16:creationId xmlns:a16="http://schemas.microsoft.com/office/drawing/2014/main" id="{6CAE0374-7888-712C-9EBE-F735360190E5}"/>
+                <a16:creationId xmlns:a16="http://schemas.microsoft.com/office/drawing/2014/main" id="{B248C840-095A-6C16-AF28-89087A80140F}"/>
               </a:ext>
             </a:extLst>
           </p:cNvPr>
@@ -3670,8 +3673,8 @@
         </p:blipFill>
         <p:spPr>
           <a:xfrm>
-            <a:off x="246623" y="2572638"/>
-            <a:ext cx="4013695" cy="2091169"/>
+            <a:off x="359921" y="1131648"/>
+            <a:ext cx="3387620" cy="4526732"/>
           </a:xfrm>
           <a:prstGeom prst="rect">
             <a:avLst/>
@@ -3682,6 +3685,416 @@
     <p:extLst>
       <p:ext uri="{BB962C8B-B14F-4D97-AF65-F5344CB8AC3E}">
         <p14:creationId xmlns:p14="http://schemas.microsoft.com/office/powerpoint/2010/main" val="2436477439"/>
+      </p:ext>
+    </p:extLst>
+  </p:cSld>
+  <p:clrMapOvr>
+    <a:masterClrMapping/>
+  </p:clrMapOvr>
+</p:sld>
+</file>
+
+<file path=ppt/slides/slide13.xml><?xml version="1.0" encoding="utf-8"?>
+<p:sld xmlns:a="http://schemas.openxmlformats.org/drawingml/2006/main" xmlns:r="http://schemas.openxmlformats.org/officeDocument/2006/relationships" xmlns:p="http://schemas.openxmlformats.org/presentationml/2006/main">
+  <p:cSld>
+    <p:spTree>
+      <p:nvGrpSpPr>
+        <p:cNvPr id="1" name=""/>
+        <p:cNvGrpSpPr/>
+        <p:nvPr/>
+      </p:nvGrpSpPr>
+      <p:grpSpPr>
+        <a:xfrm>
+          <a:off x="0" y="0"/>
+          <a:ext cx="0" cy="0"/>
+          <a:chOff x="0" y="0"/>
+          <a:chExt cx="0" cy="0"/>
+        </a:xfrm>
+      </p:grpSpPr>
+      <p:pic>
+        <p:nvPicPr>
+          <p:cNvPr id="3" name="Picture 2">
+            <a:extLst>
+              <a:ext uri="{FF2B5EF4-FFF2-40B4-BE49-F238E27FC236}">
+                <a16:creationId xmlns:a16="http://schemas.microsoft.com/office/drawing/2014/main" id="{035AE8EB-5E62-8955-E410-EF83CA56AB06}"/>
+              </a:ext>
+            </a:extLst>
+          </p:cNvPr>
+          <p:cNvPicPr>
+            <a:picLocks noChangeAspect="1"/>
+          </p:cNvPicPr>
+          <p:nvPr/>
+        </p:nvPicPr>
+        <p:blipFill>
+          <a:blip r:embed="rId2"/>
+          <a:stretch>
+            <a:fillRect/>
+          </a:stretch>
+        </p:blipFill>
+        <p:spPr>
+          <a:xfrm>
+            <a:off x="407962" y="2467643"/>
+            <a:ext cx="3914775" cy="1495425"/>
+          </a:xfrm>
+          <a:prstGeom prst="rect">
+            <a:avLst/>
+          </a:prstGeom>
+        </p:spPr>
+      </p:pic>
+      <p:sp>
+        <p:nvSpPr>
+          <p:cNvPr id="4" name="TextBox 3">
+            <a:extLst>
+              <a:ext uri="{FF2B5EF4-FFF2-40B4-BE49-F238E27FC236}">
+                <a16:creationId xmlns:a16="http://schemas.microsoft.com/office/drawing/2014/main" id="{A8282026-CCDC-E776-02D3-164D6D01621B}"/>
+              </a:ext>
+            </a:extLst>
+          </p:cNvPr>
+          <p:cNvSpPr txBox="1"/>
+          <p:nvPr/>
+        </p:nvSpPr>
+        <p:spPr>
+          <a:xfrm>
+            <a:off x="407962" y="5949334"/>
+            <a:ext cx="10579828" cy="646331"/>
+          </a:xfrm>
+          <a:prstGeom prst="rect">
+            <a:avLst/>
+          </a:prstGeom>
+          <a:noFill/>
+        </p:spPr>
+        <p:txBody>
+          <a:bodyPr wrap="square" rtlCol="0">
+            <a:spAutoFit/>
+          </a:bodyPr>
+          <a:lstStyle/>
+          <a:p>
+            <a:r>
+              <a:rPr lang="en-US" dirty="0"/>
+              <a:t>A linear circuit with resistors and both dependent and independent sources is connected to a linear or non-linear load</a:t>
+            </a:r>
+          </a:p>
+        </p:txBody>
+      </p:sp>
+      <p:sp>
+        <p:nvSpPr>
+          <p:cNvPr id="5" name="TextBox 4">
+            <a:extLst>
+              <a:ext uri="{FF2B5EF4-FFF2-40B4-BE49-F238E27FC236}">
+                <a16:creationId xmlns:a16="http://schemas.microsoft.com/office/drawing/2014/main" id="{6E28CE42-32E2-07B4-98E8-721849E7D74A}"/>
+              </a:ext>
+            </a:extLst>
+          </p:cNvPr>
+          <p:cNvSpPr txBox="1"/>
+          <p:nvPr/>
+        </p:nvSpPr>
+        <p:spPr>
+          <a:xfrm>
+            <a:off x="407962" y="4586869"/>
+            <a:ext cx="3650999" cy="369332"/>
+          </a:xfrm>
+          <a:prstGeom prst="rect">
+            <a:avLst/>
+          </a:prstGeom>
+          <a:noFill/>
+        </p:spPr>
+        <p:txBody>
+          <a:bodyPr wrap="none" rtlCol="0">
+            <a:spAutoFit/>
+          </a:bodyPr>
+          <a:lstStyle/>
+          <a:p>
+            <a:r>
+              <a:rPr lang="en-US" dirty="0"/>
+              <a:t>Fig-circuits-linckt.png  R0 01/19/25</a:t>
+            </a:r>
+          </a:p>
+        </p:txBody>
+      </p:sp>
+    </p:spTree>
+    <p:extLst>
+      <p:ext uri="{BB962C8B-B14F-4D97-AF65-F5344CB8AC3E}">
+        <p14:creationId xmlns:p14="http://schemas.microsoft.com/office/powerpoint/2010/main" val="2898292114"/>
+      </p:ext>
+    </p:extLst>
+  </p:cSld>
+  <p:clrMapOvr>
+    <a:masterClrMapping/>
+  </p:clrMapOvr>
+</p:sld>
+</file>
+
+<file path=ppt/slides/slide14.xml><?xml version="1.0" encoding="utf-8"?>
+<p:sld xmlns:a="http://schemas.openxmlformats.org/drawingml/2006/main" xmlns:r="http://schemas.openxmlformats.org/officeDocument/2006/relationships" xmlns:p="http://schemas.openxmlformats.org/presentationml/2006/main">
+  <p:cSld>
+    <p:spTree>
+      <p:nvGrpSpPr>
+        <p:cNvPr id="1" name="">
+          <a:extLst>
+            <a:ext uri="{FF2B5EF4-FFF2-40B4-BE49-F238E27FC236}">
+              <a16:creationId xmlns:a16="http://schemas.microsoft.com/office/drawing/2014/main" id="{2B4F0F6D-4BF9-D53E-9FFC-92363D446FF2}"/>
+            </a:ext>
+          </a:extLst>
+        </p:cNvPr>
+        <p:cNvGrpSpPr/>
+        <p:nvPr/>
+      </p:nvGrpSpPr>
+      <p:grpSpPr>
+        <a:xfrm>
+          <a:off x="0" y="0"/>
+          <a:ext cx="0" cy="0"/>
+          <a:chOff x="0" y="0"/>
+          <a:chExt cx="0" cy="0"/>
+        </a:xfrm>
+      </p:grpSpPr>
+      <p:sp>
+        <p:nvSpPr>
+          <p:cNvPr id="4" name="TextBox 3">
+            <a:extLst>
+              <a:ext uri="{FF2B5EF4-FFF2-40B4-BE49-F238E27FC236}">
+                <a16:creationId xmlns:a16="http://schemas.microsoft.com/office/drawing/2014/main" id="{5FD6F168-59DF-4F49-310E-1ED7C365EC38}"/>
+              </a:ext>
+            </a:extLst>
+          </p:cNvPr>
+          <p:cNvSpPr txBox="1"/>
+          <p:nvPr/>
+        </p:nvSpPr>
+        <p:spPr>
+          <a:xfrm>
+            <a:off x="273935" y="5445847"/>
+            <a:ext cx="11644130" cy="923330"/>
+          </a:xfrm>
+          <a:prstGeom prst="rect">
+            <a:avLst/>
+          </a:prstGeom>
+          <a:noFill/>
+        </p:spPr>
+        <p:txBody>
+          <a:bodyPr wrap="square" rtlCol="0">
+            <a:spAutoFit/>
+          </a:bodyPr>
+          <a:lstStyle/>
+          <a:p>
+            <a:r>
+              <a:rPr lang="en-US" dirty="0"/>
+              <a:t>Thevenin Equivalent: (a) Disconnect the load and measure the open-circuit voltage. (b) Zero all independent sources to find the equivalent resistance. (c) The </a:t>
+            </a:r>
+            <a:r>
+              <a:rPr lang="en-US" dirty="0" err="1"/>
+              <a:t>Thévenin</a:t>
+            </a:r>
+            <a:r>
+              <a:rPr lang="en-US" dirty="0"/>
+              <a:t> circuit combines the open-circuit voltage in series with the equivalent resistance.</a:t>
+            </a:r>
+          </a:p>
+        </p:txBody>
+      </p:sp>
+      <p:sp>
+        <p:nvSpPr>
+          <p:cNvPr id="5" name="TextBox 4">
+            <a:extLst>
+              <a:ext uri="{FF2B5EF4-FFF2-40B4-BE49-F238E27FC236}">
+                <a16:creationId xmlns:a16="http://schemas.microsoft.com/office/drawing/2014/main" id="{B6CF9A34-3EC7-26D6-C826-B1A6E8D50C16}"/>
+              </a:ext>
+            </a:extLst>
+          </p:cNvPr>
+          <p:cNvSpPr txBox="1"/>
+          <p:nvPr/>
+        </p:nvSpPr>
+        <p:spPr>
+          <a:xfrm>
+            <a:off x="273935" y="4955560"/>
+            <a:ext cx="3957750" cy="369332"/>
+          </a:xfrm>
+          <a:prstGeom prst="rect">
+            <a:avLst/>
+          </a:prstGeom>
+          <a:noFill/>
+        </p:spPr>
+        <p:txBody>
+          <a:bodyPr wrap="none" rtlCol="0">
+            <a:spAutoFit/>
+          </a:bodyPr>
+          <a:lstStyle/>
+          <a:p>
+            <a:r>
+              <a:rPr lang="en-US" dirty="0"/>
+              <a:t>Fig-circuits-thevenin.png  R0 01/19/25</a:t>
+            </a:r>
+          </a:p>
+        </p:txBody>
+      </p:sp>
+      <p:pic>
+        <p:nvPicPr>
+          <p:cNvPr id="6" name="Picture 5">
+            <a:extLst>
+              <a:ext uri="{FF2B5EF4-FFF2-40B4-BE49-F238E27FC236}">
+                <a16:creationId xmlns:a16="http://schemas.microsoft.com/office/drawing/2014/main" id="{254078C1-84E5-A79C-93FF-04A6092950FD}"/>
+              </a:ext>
+            </a:extLst>
+          </p:cNvPr>
+          <p:cNvPicPr>
+            <a:picLocks noChangeAspect="1"/>
+          </p:cNvPicPr>
+          <p:nvPr/>
+        </p:nvPicPr>
+        <p:blipFill>
+          <a:blip r:embed="rId2"/>
+          <a:stretch>
+            <a:fillRect/>
+          </a:stretch>
+        </p:blipFill>
+        <p:spPr>
+          <a:xfrm>
+            <a:off x="725226" y="100680"/>
+            <a:ext cx="2466975" cy="4733925"/>
+          </a:xfrm>
+          <a:prstGeom prst="rect">
+            <a:avLst/>
+          </a:prstGeom>
+        </p:spPr>
+      </p:pic>
+    </p:spTree>
+    <p:extLst>
+      <p:ext uri="{BB962C8B-B14F-4D97-AF65-F5344CB8AC3E}">
+        <p14:creationId xmlns:p14="http://schemas.microsoft.com/office/powerpoint/2010/main" val="2602897984"/>
+      </p:ext>
+    </p:extLst>
+  </p:cSld>
+  <p:clrMapOvr>
+    <a:masterClrMapping/>
+  </p:clrMapOvr>
+</p:sld>
+</file>
+
+<file path=ppt/slides/slide15.xml><?xml version="1.0" encoding="utf-8"?>
+<p:sld xmlns:a="http://schemas.openxmlformats.org/drawingml/2006/main" xmlns:r="http://schemas.openxmlformats.org/officeDocument/2006/relationships" xmlns:p="http://schemas.openxmlformats.org/presentationml/2006/main">
+  <p:cSld>
+    <p:spTree>
+      <p:nvGrpSpPr>
+        <p:cNvPr id="1" name="">
+          <a:extLst>
+            <a:ext uri="{FF2B5EF4-FFF2-40B4-BE49-F238E27FC236}">
+              <a16:creationId xmlns:a16="http://schemas.microsoft.com/office/drawing/2014/main" id="{C8C98928-B4ED-D72B-56C2-0F53528FBC21}"/>
+            </a:ext>
+          </a:extLst>
+        </p:cNvPr>
+        <p:cNvGrpSpPr/>
+        <p:nvPr/>
+      </p:nvGrpSpPr>
+      <p:grpSpPr>
+        <a:xfrm>
+          <a:off x="0" y="0"/>
+          <a:ext cx="0" cy="0"/>
+          <a:chOff x="0" y="0"/>
+          <a:chExt cx="0" cy="0"/>
+        </a:xfrm>
+      </p:grpSpPr>
+      <p:sp>
+        <p:nvSpPr>
+          <p:cNvPr id="4" name="TextBox 3">
+            <a:extLst>
+              <a:ext uri="{FF2B5EF4-FFF2-40B4-BE49-F238E27FC236}">
+                <a16:creationId xmlns:a16="http://schemas.microsoft.com/office/drawing/2014/main" id="{5327C984-D9DB-6B6B-F3E4-9564B39A5CF6}"/>
+              </a:ext>
+            </a:extLst>
+          </p:cNvPr>
+          <p:cNvSpPr txBox="1"/>
+          <p:nvPr/>
+        </p:nvSpPr>
+        <p:spPr>
+          <a:xfrm>
+            <a:off x="273935" y="5625728"/>
+            <a:ext cx="11644130" cy="923330"/>
+          </a:xfrm>
+          <a:prstGeom prst="rect">
+            <a:avLst/>
+          </a:prstGeom>
+          <a:noFill/>
+        </p:spPr>
+        <p:txBody>
+          <a:bodyPr wrap="square" rtlCol="0">
+            <a:spAutoFit/>
+          </a:bodyPr>
+          <a:lstStyle/>
+          <a:p>
+            <a:r>
+              <a:rPr lang="en-US" dirty="0"/>
+              <a:t>(a) To determine the short circuit current at the output, we short the load and measure its current. (b) To determine the equivalent resistance, we zero all the independent sources inside the block. (c) The Norton equivalent circuit is formed by putting the short circuit current  in parallel with the equivalent resistance, as determined in (a) and (b).</a:t>
+            </a:r>
+          </a:p>
+        </p:txBody>
+      </p:sp>
+      <p:sp>
+        <p:nvSpPr>
+          <p:cNvPr id="5" name="TextBox 4">
+            <a:extLst>
+              <a:ext uri="{FF2B5EF4-FFF2-40B4-BE49-F238E27FC236}">
+                <a16:creationId xmlns:a16="http://schemas.microsoft.com/office/drawing/2014/main" id="{3172ACA9-65E7-5ED4-C652-21FE9ADBC4EC}"/>
+              </a:ext>
+            </a:extLst>
+          </p:cNvPr>
+          <p:cNvSpPr txBox="1"/>
+          <p:nvPr/>
+        </p:nvSpPr>
+        <p:spPr>
+          <a:xfrm>
+            <a:off x="273935" y="5105978"/>
+            <a:ext cx="3760325" cy="369332"/>
+          </a:xfrm>
+          <a:prstGeom prst="rect">
+            <a:avLst/>
+          </a:prstGeom>
+          <a:noFill/>
+        </p:spPr>
+        <p:txBody>
+          <a:bodyPr wrap="none" rtlCol="0">
+            <a:spAutoFit/>
+          </a:bodyPr>
+          <a:lstStyle/>
+          <a:p>
+            <a:r>
+              <a:rPr lang="en-US" dirty="0"/>
+              <a:t>Fig-circuits-norton.png  R0 01/19/25</a:t>
+            </a:r>
+          </a:p>
+        </p:txBody>
+      </p:sp>
+      <p:pic>
+        <p:nvPicPr>
+          <p:cNvPr id="3" name="Picture 2">
+            <a:extLst>
+              <a:ext uri="{FF2B5EF4-FFF2-40B4-BE49-F238E27FC236}">
+                <a16:creationId xmlns:a16="http://schemas.microsoft.com/office/drawing/2014/main" id="{3DB93653-6427-83C9-C9EE-426CFC09CB3A}"/>
+              </a:ext>
+            </a:extLst>
+          </p:cNvPr>
+          <p:cNvPicPr>
+            <a:picLocks noChangeAspect="1"/>
+          </p:cNvPicPr>
+          <p:nvPr/>
+        </p:nvPicPr>
+        <p:blipFill>
+          <a:blip r:embed="rId2"/>
+          <a:stretch>
+            <a:fillRect/>
+          </a:stretch>
+        </p:blipFill>
+        <p:spPr>
+          <a:xfrm>
+            <a:off x="638800" y="308942"/>
+            <a:ext cx="2609850" cy="4752975"/>
+          </a:xfrm>
+          <a:prstGeom prst="rect">
+            <a:avLst/>
+          </a:prstGeom>
+        </p:spPr>
+      </p:pic>
+    </p:spTree>
+    <p:extLst>
+      <p:ext uri="{BB962C8B-B14F-4D97-AF65-F5344CB8AC3E}">
+        <p14:creationId xmlns:p14="http://schemas.microsoft.com/office/powerpoint/2010/main" val="3823938512"/>
       </p:ext>
     </p:extLst>
   </p:cSld>

--- a/figures/fig.pptx
+++ b/figures/fig.pptx
@@ -20,6 +20,8 @@
     <p:sldId id="268" r:id="rId14"/>
     <p:sldId id="269" r:id="rId15"/>
     <p:sldId id="270" r:id="rId16"/>
+    <p:sldId id="271" r:id="rId17"/>
+    <p:sldId id="272" r:id="rId18"/>
   </p:sldIdLst>
   <p:sldSz cx="12192000" cy="6858000"/>
   <p:notesSz cx="6858000" cy="9144000"/>
@@ -273,7 +275,7 @@
           <a:p>
             <a:fld id="{BA5A1584-706A-4ABE-803B-792AD84DBA31}" type="datetimeFigureOut">
               <a:rPr lang="en-US" smtClean="0"/>
-              <a:t>1/18/2025</a:t>
+              <a:t>1/21/2025</a:t>
             </a:fld>
             <a:endParaRPr lang="en-US"/>
           </a:p>
@@ -471,7 +473,7 @@
           <a:p>
             <a:fld id="{BA5A1584-706A-4ABE-803B-792AD84DBA31}" type="datetimeFigureOut">
               <a:rPr lang="en-US" smtClean="0"/>
-              <a:t>1/18/2025</a:t>
+              <a:t>1/21/2025</a:t>
             </a:fld>
             <a:endParaRPr lang="en-US"/>
           </a:p>
@@ -679,7 +681,7 @@
           <a:p>
             <a:fld id="{BA5A1584-706A-4ABE-803B-792AD84DBA31}" type="datetimeFigureOut">
               <a:rPr lang="en-US" smtClean="0"/>
-              <a:t>1/18/2025</a:t>
+              <a:t>1/21/2025</a:t>
             </a:fld>
             <a:endParaRPr lang="en-US"/>
           </a:p>
@@ -877,7 +879,7 @@
           <a:p>
             <a:fld id="{BA5A1584-706A-4ABE-803B-792AD84DBA31}" type="datetimeFigureOut">
               <a:rPr lang="en-US" smtClean="0"/>
-              <a:t>1/18/2025</a:t>
+              <a:t>1/21/2025</a:t>
             </a:fld>
             <a:endParaRPr lang="en-US"/>
           </a:p>
@@ -1152,7 +1154,7 @@
           <a:p>
             <a:fld id="{BA5A1584-706A-4ABE-803B-792AD84DBA31}" type="datetimeFigureOut">
               <a:rPr lang="en-US" smtClean="0"/>
-              <a:t>1/18/2025</a:t>
+              <a:t>1/21/2025</a:t>
             </a:fld>
             <a:endParaRPr lang="en-US"/>
           </a:p>
@@ -1417,7 +1419,7 @@
           <a:p>
             <a:fld id="{BA5A1584-706A-4ABE-803B-792AD84DBA31}" type="datetimeFigureOut">
               <a:rPr lang="en-US" smtClean="0"/>
-              <a:t>1/18/2025</a:t>
+              <a:t>1/21/2025</a:t>
             </a:fld>
             <a:endParaRPr lang="en-US"/>
           </a:p>
@@ -1829,7 +1831,7 @@
           <a:p>
             <a:fld id="{BA5A1584-706A-4ABE-803B-792AD84DBA31}" type="datetimeFigureOut">
               <a:rPr lang="en-US" smtClean="0"/>
-              <a:t>1/18/2025</a:t>
+              <a:t>1/21/2025</a:t>
             </a:fld>
             <a:endParaRPr lang="en-US"/>
           </a:p>
@@ -1970,7 +1972,7 @@
           <a:p>
             <a:fld id="{BA5A1584-706A-4ABE-803B-792AD84DBA31}" type="datetimeFigureOut">
               <a:rPr lang="en-US" smtClean="0"/>
-              <a:t>1/18/2025</a:t>
+              <a:t>1/21/2025</a:t>
             </a:fld>
             <a:endParaRPr lang="en-US"/>
           </a:p>
@@ -2083,7 +2085,7 @@
           <a:p>
             <a:fld id="{BA5A1584-706A-4ABE-803B-792AD84DBA31}" type="datetimeFigureOut">
               <a:rPr lang="en-US" smtClean="0"/>
-              <a:t>1/18/2025</a:t>
+              <a:t>1/21/2025</a:t>
             </a:fld>
             <a:endParaRPr lang="en-US"/>
           </a:p>
@@ -2394,7 +2396,7 @@
           <a:p>
             <a:fld id="{BA5A1584-706A-4ABE-803B-792AD84DBA31}" type="datetimeFigureOut">
               <a:rPr lang="en-US" smtClean="0"/>
-              <a:t>1/18/2025</a:t>
+              <a:t>1/21/2025</a:t>
             </a:fld>
             <a:endParaRPr lang="en-US"/>
           </a:p>
@@ -2682,7 +2684,7 @@
           <a:p>
             <a:fld id="{BA5A1584-706A-4ABE-803B-792AD84DBA31}" type="datetimeFigureOut">
               <a:rPr lang="en-US" smtClean="0"/>
-              <a:t>1/18/2025</a:t>
+              <a:t>1/21/2025</a:t>
             </a:fld>
             <a:endParaRPr lang="en-US"/>
           </a:p>
@@ -2923,7 +2925,7 @@
           <a:p>
             <a:fld id="{BA5A1584-706A-4ABE-803B-792AD84DBA31}" type="datetimeFigureOut">
               <a:rPr lang="en-US" smtClean="0"/>
-              <a:t>1/18/2025</a:t>
+              <a:t>1/21/2025</a:t>
             </a:fld>
             <a:endParaRPr lang="en-US"/>
           </a:p>
@@ -4095,6 +4097,403 @@
     <p:extLst>
       <p:ext uri="{BB962C8B-B14F-4D97-AF65-F5344CB8AC3E}">
         <p14:creationId xmlns:p14="http://schemas.microsoft.com/office/powerpoint/2010/main" val="3823938512"/>
+      </p:ext>
+    </p:extLst>
+  </p:cSld>
+  <p:clrMapOvr>
+    <a:masterClrMapping/>
+  </p:clrMapOvr>
+</p:sld>
+</file>
+
+<file path=ppt/slides/slide16.xml><?xml version="1.0" encoding="utf-8"?>
+<p:sld xmlns:a="http://schemas.openxmlformats.org/drawingml/2006/main" xmlns:r="http://schemas.openxmlformats.org/officeDocument/2006/relationships" xmlns:p="http://schemas.openxmlformats.org/presentationml/2006/main">
+  <p:cSld>
+    <p:spTree>
+      <p:nvGrpSpPr>
+        <p:cNvPr id="1" name=""/>
+        <p:cNvGrpSpPr/>
+        <p:nvPr/>
+      </p:nvGrpSpPr>
+      <p:grpSpPr>
+        <a:xfrm>
+          <a:off x="0" y="0"/>
+          <a:ext cx="0" cy="0"/>
+          <a:chOff x="0" y="0"/>
+          <a:chExt cx="0" cy="0"/>
+        </a:xfrm>
+      </p:grpSpPr>
+      <p:grpSp>
+        <p:nvGrpSpPr>
+          <p:cNvPr id="12" name="Group 11">
+            <a:extLst>
+              <a:ext uri="{FF2B5EF4-FFF2-40B4-BE49-F238E27FC236}">
+                <a16:creationId xmlns:a16="http://schemas.microsoft.com/office/drawing/2014/main" id="{C6BED7B3-404E-F909-337B-2D5E2EECECAD}"/>
+              </a:ext>
+            </a:extLst>
+          </p:cNvPr>
+          <p:cNvGrpSpPr/>
+          <p:nvPr/>
+        </p:nvGrpSpPr>
+        <p:grpSpPr>
+          <a:xfrm>
+            <a:off x="544644" y="2794004"/>
+            <a:ext cx="7962431" cy="2571201"/>
+            <a:chOff x="544644" y="2910196"/>
+            <a:chExt cx="7962431" cy="2571201"/>
+          </a:xfrm>
+        </p:grpSpPr>
+        <p:pic>
+          <p:nvPicPr>
+            <p:cNvPr id="3" name="Picture 2">
+              <a:extLst>
+                <a:ext uri="{FF2B5EF4-FFF2-40B4-BE49-F238E27FC236}">
+                  <a16:creationId xmlns:a16="http://schemas.microsoft.com/office/drawing/2014/main" id="{EB3AA168-E145-799E-D9F2-600006C6AFBA}"/>
+                </a:ext>
+              </a:extLst>
+            </p:cNvPr>
+            <p:cNvPicPr>
+              <a:picLocks noChangeAspect="1"/>
+            </p:cNvPicPr>
+            <p:nvPr/>
+          </p:nvPicPr>
+          <p:blipFill>
+            <a:blip r:embed="rId2"/>
+            <a:stretch>
+              <a:fillRect/>
+            </a:stretch>
+          </p:blipFill>
+          <p:spPr>
+            <a:xfrm>
+              <a:off x="544645" y="2910196"/>
+              <a:ext cx="3705224" cy="2571201"/>
+            </a:xfrm>
+            <a:prstGeom prst="rect">
+              <a:avLst/>
+            </a:prstGeom>
+          </p:spPr>
+        </p:pic>
+        <p:pic>
+          <p:nvPicPr>
+            <p:cNvPr id="5" name="Picture 4">
+              <a:extLst>
+                <a:ext uri="{FF2B5EF4-FFF2-40B4-BE49-F238E27FC236}">
+                  <a16:creationId xmlns:a16="http://schemas.microsoft.com/office/drawing/2014/main" id="{751C139A-1196-9B92-1891-D47E93450C33}"/>
+                </a:ext>
+              </a:extLst>
+            </p:cNvPr>
+            <p:cNvPicPr>
+              <a:picLocks noChangeAspect="1"/>
+            </p:cNvPicPr>
+            <p:nvPr/>
+          </p:nvPicPr>
+          <p:blipFill>
+            <a:blip r:embed="rId3"/>
+            <a:stretch>
+              <a:fillRect/>
+            </a:stretch>
+          </p:blipFill>
+          <p:spPr>
+            <a:xfrm>
+              <a:off x="4801850" y="3069680"/>
+              <a:ext cx="3705225" cy="2295525"/>
+            </a:xfrm>
+            <a:prstGeom prst="rect">
+              <a:avLst/>
+            </a:prstGeom>
+          </p:spPr>
+        </p:pic>
+        <p:sp>
+          <p:nvSpPr>
+            <p:cNvPr id="6" name="TextBox 5">
+              <a:extLst>
+                <a:ext uri="{FF2B5EF4-FFF2-40B4-BE49-F238E27FC236}">
+                  <a16:creationId xmlns:a16="http://schemas.microsoft.com/office/drawing/2014/main" id="{C902FCFB-0168-E2BE-6C16-831B54755504}"/>
+                </a:ext>
+              </a:extLst>
+            </p:cNvPr>
+            <p:cNvSpPr txBox="1"/>
+            <p:nvPr/>
+          </p:nvSpPr>
+          <p:spPr>
+            <a:xfrm>
+              <a:off x="544644" y="4789521"/>
+              <a:ext cx="460382" cy="400110"/>
+            </a:xfrm>
+            <a:prstGeom prst="rect">
+              <a:avLst/>
+            </a:prstGeom>
+            <a:noFill/>
+          </p:spPr>
+          <p:txBody>
+            <a:bodyPr wrap="none" rtlCol="0">
+              <a:spAutoFit/>
+            </a:bodyPr>
+            <a:lstStyle/>
+            <a:p>
+              <a:r>
+                <a:rPr lang="en-US" b="1" dirty="0"/>
+                <a:t>(</a:t>
+              </a:r>
+              <a:r>
+                <a:rPr lang="en-US" sz="2000" b="1" dirty="0"/>
+                <a:t>a</a:t>
+              </a:r>
+              <a:r>
+                <a:rPr lang="en-US" b="1" dirty="0"/>
+                <a:t>)</a:t>
+              </a:r>
+            </a:p>
+          </p:txBody>
+        </p:sp>
+        <p:sp>
+          <p:nvSpPr>
+            <p:cNvPr id="8" name="TextBox 7">
+              <a:extLst>
+                <a:ext uri="{FF2B5EF4-FFF2-40B4-BE49-F238E27FC236}">
+                  <a16:creationId xmlns:a16="http://schemas.microsoft.com/office/drawing/2014/main" id="{C912DCC6-32D0-2F1C-7822-A0157D509D23}"/>
+                </a:ext>
+              </a:extLst>
+            </p:cNvPr>
+            <p:cNvSpPr txBox="1"/>
+            <p:nvPr/>
+          </p:nvSpPr>
+          <p:spPr>
+            <a:xfrm>
+              <a:off x="4801850" y="4615339"/>
+              <a:ext cx="470000" cy="400110"/>
+            </a:xfrm>
+            <a:prstGeom prst="rect">
+              <a:avLst/>
+            </a:prstGeom>
+            <a:noFill/>
+          </p:spPr>
+          <p:txBody>
+            <a:bodyPr wrap="none" rtlCol="0">
+              <a:spAutoFit/>
+            </a:bodyPr>
+            <a:lstStyle/>
+            <a:p>
+              <a:r>
+                <a:rPr lang="en-US" b="1" dirty="0"/>
+                <a:t>(</a:t>
+              </a:r>
+              <a:r>
+                <a:rPr lang="en-US" sz="2000" b="1" dirty="0"/>
+                <a:t>b</a:t>
+              </a:r>
+              <a:r>
+                <a:rPr lang="en-US" b="1" dirty="0"/>
+                <a:t>)</a:t>
+              </a:r>
+            </a:p>
+          </p:txBody>
+        </p:sp>
+      </p:grpSp>
+      <p:sp>
+        <p:nvSpPr>
+          <p:cNvPr id="9" name="TextBox 8">
+            <a:extLst>
+              <a:ext uri="{FF2B5EF4-FFF2-40B4-BE49-F238E27FC236}">
+                <a16:creationId xmlns:a16="http://schemas.microsoft.com/office/drawing/2014/main" id="{E37F5C56-D43C-A057-AA1E-36AE18CC352A}"/>
+              </a:ext>
+            </a:extLst>
+          </p:cNvPr>
+          <p:cNvSpPr txBox="1"/>
+          <p:nvPr/>
+        </p:nvSpPr>
+        <p:spPr>
+          <a:xfrm>
+            <a:off x="544644" y="5481397"/>
+            <a:ext cx="4124847" cy="369332"/>
+          </a:xfrm>
+          <a:prstGeom prst="rect">
+            <a:avLst/>
+          </a:prstGeom>
+          <a:noFill/>
+        </p:spPr>
+        <p:txBody>
+          <a:bodyPr wrap="none" rtlCol="0">
+            <a:spAutoFit/>
+          </a:bodyPr>
+          <a:lstStyle/>
+          <a:p>
+            <a:r>
+              <a:rPr lang="en-US" dirty="0"/>
+              <a:t>Fig-circuits-maxpower.png  R0 01/21/25</a:t>
+            </a:r>
+          </a:p>
+        </p:txBody>
+      </p:sp>
+      <p:sp>
+        <p:nvSpPr>
+          <p:cNvPr id="11" name="TextBox 10">
+            <a:extLst>
+              <a:ext uri="{FF2B5EF4-FFF2-40B4-BE49-F238E27FC236}">
+                <a16:creationId xmlns:a16="http://schemas.microsoft.com/office/drawing/2014/main" id="{E57E9174-8835-7805-8F49-B95575465680}"/>
+              </a:ext>
+            </a:extLst>
+          </p:cNvPr>
+          <p:cNvSpPr txBox="1"/>
+          <p:nvPr/>
+        </p:nvSpPr>
+        <p:spPr>
+          <a:xfrm>
+            <a:off x="334832" y="6083113"/>
+            <a:ext cx="11120480" cy="369332"/>
+          </a:xfrm>
+          <a:prstGeom prst="rect">
+            <a:avLst/>
+          </a:prstGeom>
+          <a:noFill/>
+        </p:spPr>
+        <p:txBody>
+          <a:bodyPr wrap="none" rtlCol="0">
+            <a:spAutoFit/>
+          </a:bodyPr>
+          <a:lstStyle/>
+          <a:p>
+            <a:r>
+              <a:rPr lang="en-US" dirty="0"/>
+              <a:t>(a) Circuit used for max power transfer analysis. (b) Sketch of power delivered to the load as a function of $R_L$</a:t>
+            </a:r>
+          </a:p>
+        </p:txBody>
+      </p:sp>
+    </p:spTree>
+    <p:extLst>
+      <p:ext uri="{BB962C8B-B14F-4D97-AF65-F5344CB8AC3E}">
+        <p14:creationId xmlns:p14="http://schemas.microsoft.com/office/powerpoint/2010/main" val="2578523865"/>
+      </p:ext>
+    </p:extLst>
+  </p:cSld>
+  <p:clrMapOvr>
+    <a:masterClrMapping/>
+  </p:clrMapOvr>
+</p:sld>
+</file>
+
+<file path=ppt/slides/slide17.xml><?xml version="1.0" encoding="utf-8"?>
+<p:sld xmlns:a="http://schemas.openxmlformats.org/drawingml/2006/main" xmlns:r="http://schemas.openxmlformats.org/officeDocument/2006/relationships" xmlns:p="http://schemas.openxmlformats.org/presentationml/2006/main">
+  <p:cSld>
+    <p:spTree>
+      <p:nvGrpSpPr>
+        <p:cNvPr id="1" name=""/>
+        <p:cNvGrpSpPr/>
+        <p:nvPr/>
+      </p:nvGrpSpPr>
+      <p:grpSpPr>
+        <a:xfrm>
+          <a:off x="0" y="0"/>
+          <a:ext cx="0" cy="0"/>
+          <a:chOff x="0" y="0"/>
+          <a:chExt cx="0" cy="0"/>
+        </a:xfrm>
+      </p:grpSpPr>
+      <p:pic>
+        <p:nvPicPr>
+          <p:cNvPr id="3" name="Picture 2">
+            <a:extLst>
+              <a:ext uri="{FF2B5EF4-FFF2-40B4-BE49-F238E27FC236}">
+                <a16:creationId xmlns:a16="http://schemas.microsoft.com/office/drawing/2014/main" id="{4EC50A68-A0DD-BA5E-91B2-24DB3F14E23E}"/>
+              </a:ext>
+            </a:extLst>
+          </p:cNvPr>
+          <p:cNvPicPr>
+            <a:picLocks noChangeAspect="1"/>
+          </p:cNvPicPr>
+          <p:nvPr/>
+        </p:nvPicPr>
+        <p:blipFill>
+          <a:blip r:embed="rId2"/>
+          <a:stretch>
+            <a:fillRect/>
+          </a:stretch>
+        </p:blipFill>
+        <p:spPr>
+          <a:xfrm>
+            <a:off x="334832" y="2103557"/>
+            <a:ext cx="6786269" cy="2575576"/>
+          </a:xfrm>
+          <a:prstGeom prst="rect">
+            <a:avLst/>
+          </a:prstGeom>
+        </p:spPr>
+      </p:pic>
+      <p:sp>
+        <p:nvSpPr>
+          <p:cNvPr id="4" name="TextBox 3">
+            <a:extLst>
+              <a:ext uri="{FF2B5EF4-FFF2-40B4-BE49-F238E27FC236}">
+                <a16:creationId xmlns:a16="http://schemas.microsoft.com/office/drawing/2014/main" id="{E2E93786-2806-872F-035D-A416670198B3}"/>
+              </a:ext>
+            </a:extLst>
+          </p:cNvPr>
+          <p:cNvSpPr txBox="1"/>
+          <p:nvPr/>
+        </p:nvSpPr>
+        <p:spPr>
+          <a:xfrm>
+            <a:off x="544644" y="5481397"/>
+            <a:ext cx="3981603" cy="369332"/>
+          </a:xfrm>
+          <a:prstGeom prst="rect">
+            <a:avLst/>
+          </a:prstGeom>
+          <a:noFill/>
+        </p:spPr>
+        <p:txBody>
+          <a:bodyPr wrap="none" rtlCol="0">
+            <a:spAutoFit/>
+          </a:bodyPr>
+          <a:lstStyle/>
+          <a:p>
+            <a:r>
+              <a:rPr lang="en-US" dirty="0"/>
+              <a:t>Fig-circuits-interface.png  R0 01/22/25</a:t>
+            </a:r>
+          </a:p>
+        </p:txBody>
+      </p:sp>
+      <p:sp>
+        <p:nvSpPr>
+          <p:cNvPr id="5" name="TextBox 4">
+            <a:extLst>
+              <a:ext uri="{FF2B5EF4-FFF2-40B4-BE49-F238E27FC236}">
+                <a16:creationId xmlns:a16="http://schemas.microsoft.com/office/drawing/2014/main" id="{3A0CC8F5-FD51-D136-F391-D5E6C83AF451}"/>
+              </a:ext>
+            </a:extLst>
+          </p:cNvPr>
+          <p:cNvSpPr txBox="1"/>
+          <p:nvPr/>
+        </p:nvSpPr>
+        <p:spPr>
+          <a:xfrm>
+            <a:off x="139960" y="6006662"/>
+            <a:ext cx="11117653" cy="646331"/>
+          </a:xfrm>
+          <a:prstGeom prst="rect">
+            <a:avLst/>
+          </a:prstGeom>
+          <a:noFill/>
+        </p:spPr>
+        <p:txBody>
+          <a:bodyPr wrap="square" rtlCol="0">
+            <a:spAutoFit/>
+          </a:bodyPr>
+          <a:lstStyle/>
+          <a:p>
+            <a:r>
+              <a:rPr lang="en-US" dirty="0"/>
+              <a:t>A general interface circuit and a few examples: (a) Simple pass-through (often omitted), (b) series resistor, (c) parallel resistor, (d) L-pad left, (e) L-pad right</a:t>
+            </a:r>
+          </a:p>
+        </p:txBody>
+      </p:sp>
+    </p:spTree>
+    <p:extLst>
+      <p:ext uri="{BB962C8B-B14F-4D97-AF65-F5344CB8AC3E}">
+        <p14:creationId xmlns:p14="http://schemas.microsoft.com/office/powerpoint/2010/main" val="221423601"/>
       </p:ext>
     </p:extLst>
   </p:cSld>

--- a/figures/fig.pptx
+++ b/figures/fig.pptx
@@ -6,22 +6,26 @@
   </p:sldMasterIdLst>
   <p:sldIdLst>
     <p:sldId id="256" r:id="rId2"/>
-    <p:sldId id="257" r:id="rId3"/>
-    <p:sldId id="258" r:id="rId4"/>
-    <p:sldId id="261" r:id="rId5"/>
-    <p:sldId id="262" r:id="rId6"/>
-    <p:sldId id="259" r:id="rId7"/>
-    <p:sldId id="260" r:id="rId8"/>
-    <p:sldId id="263" r:id="rId9"/>
-    <p:sldId id="264" r:id="rId10"/>
-    <p:sldId id="265" r:id="rId11"/>
-    <p:sldId id="266" r:id="rId12"/>
-    <p:sldId id="267" r:id="rId13"/>
-    <p:sldId id="268" r:id="rId14"/>
-    <p:sldId id="269" r:id="rId15"/>
-    <p:sldId id="270" r:id="rId16"/>
-    <p:sldId id="271" r:id="rId17"/>
-    <p:sldId id="272" r:id="rId18"/>
+    <p:sldId id="275" r:id="rId3"/>
+    <p:sldId id="276" r:id="rId4"/>
+    <p:sldId id="274" r:id="rId5"/>
+    <p:sldId id="257" r:id="rId6"/>
+    <p:sldId id="258" r:id="rId7"/>
+    <p:sldId id="261" r:id="rId8"/>
+    <p:sldId id="262" r:id="rId9"/>
+    <p:sldId id="259" r:id="rId10"/>
+    <p:sldId id="260" r:id="rId11"/>
+    <p:sldId id="273" r:id="rId12"/>
+    <p:sldId id="263" r:id="rId13"/>
+    <p:sldId id="264" r:id="rId14"/>
+    <p:sldId id="265" r:id="rId15"/>
+    <p:sldId id="266" r:id="rId16"/>
+    <p:sldId id="267" r:id="rId17"/>
+    <p:sldId id="268" r:id="rId18"/>
+    <p:sldId id="269" r:id="rId19"/>
+    <p:sldId id="270" r:id="rId20"/>
+    <p:sldId id="271" r:id="rId21"/>
+    <p:sldId id="272" r:id="rId22"/>
   </p:sldIdLst>
   <p:sldSz cx="12192000" cy="6858000"/>
   <p:notesSz cx="6858000" cy="9144000"/>
@@ -275,7 +279,7 @@
           <a:p>
             <a:fld id="{BA5A1584-706A-4ABE-803B-792AD84DBA31}" type="datetimeFigureOut">
               <a:rPr lang="en-US" smtClean="0"/>
-              <a:t>1/21/2025</a:t>
+              <a:t>2/18/2025</a:t>
             </a:fld>
             <a:endParaRPr lang="en-US"/>
           </a:p>
@@ -473,7 +477,7 @@
           <a:p>
             <a:fld id="{BA5A1584-706A-4ABE-803B-792AD84DBA31}" type="datetimeFigureOut">
               <a:rPr lang="en-US" smtClean="0"/>
-              <a:t>1/21/2025</a:t>
+              <a:t>2/18/2025</a:t>
             </a:fld>
             <a:endParaRPr lang="en-US"/>
           </a:p>
@@ -681,7 +685,7 @@
           <a:p>
             <a:fld id="{BA5A1584-706A-4ABE-803B-792AD84DBA31}" type="datetimeFigureOut">
               <a:rPr lang="en-US" smtClean="0"/>
-              <a:t>1/21/2025</a:t>
+              <a:t>2/18/2025</a:t>
             </a:fld>
             <a:endParaRPr lang="en-US"/>
           </a:p>
@@ -879,7 +883,7 @@
           <a:p>
             <a:fld id="{BA5A1584-706A-4ABE-803B-792AD84DBA31}" type="datetimeFigureOut">
               <a:rPr lang="en-US" smtClean="0"/>
-              <a:t>1/21/2025</a:t>
+              <a:t>2/18/2025</a:t>
             </a:fld>
             <a:endParaRPr lang="en-US"/>
           </a:p>
@@ -1154,7 +1158,7 @@
           <a:p>
             <a:fld id="{BA5A1584-706A-4ABE-803B-792AD84DBA31}" type="datetimeFigureOut">
               <a:rPr lang="en-US" smtClean="0"/>
-              <a:t>1/21/2025</a:t>
+              <a:t>2/18/2025</a:t>
             </a:fld>
             <a:endParaRPr lang="en-US"/>
           </a:p>
@@ -1419,7 +1423,7 @@
           <a:p>
             <a:fld id="{BA5A1584-706A-4ABE-803B-792AD84DBA31}" type="datetimeFigureOut">
               <a:rPr lang="en-US" smtClean="0"/>
-              <a:t>1/21/2025</a:t>
+              <a:t>2/18/2025</a:t>
             </a:fld>
             <a:endParaRPr lang="en-US"/>
           </a:p>
@@ -1831,7 +1835,7 @@
           <a:p>
             <a:fld id="{BA5A1584-706A-4ABE-803B-792AD84DBA31}" type="datetimeFigureOut">
               <a:rPr lang="en-US" smtClean="0"/>
-              <a:t>1/21/2025</a:t>
+              <a:t>2/18/2025</a:t>
             </a:fld>
             <a:endParaRPr lang="en-US"/>
           </a:p>
@@ -1972,7 +1976,7 @@
           <a:p>
             <a:fld id="{BA5A1584-706A-4ABE-803B-792AD84DBA31}" type="datetimeFigureOut">
               <a:rPr lang="en-US" smtClean="0"/>
-              <a:t>1/21/2025</a:t>
+              <a:t>2/18/2025</a:t>
             </a:fld>
             <a:endParaRPr lang="en-US"/>
           </a:p>
@@ -2085,7 +2089,7 @@
           <a:p>
             <a:fld id="{BA5A1584-706A-4ABE-803B-792AD84DBA31}" type="datetimeFigureOut">
               <a:rPr lang="en-US" smtClean="0"/>
-              <a:t>1/21/2025</a:t>
+              <a:t>2/18/2025</a:t>
             </a:fld>
             <a:endParaRPr lang="en-US"/>
           </a:p>
@@ -2396,7 +2400,7 @@
           <a:p>
             <a:fld id="{BA5A1584-706A-4ABE-803B-792AD84DBA31}" type="datetimeFigureOut">
               <a:rPr lang="en-US" smtClean="0"/>
-              <a:t>1/21/2025</a:t>
+              <a:t>2/18/2025</a:t>
             </a:fld>
             <a:endParaRPr lang="en-US"/>
           </a:p>
@@ -2684,7 +2688,7 @@
           <a:p>
             <a:fld id="{BA5A1584-706A-4ABE-803B-792AD84DBA31}" type="datetimeFigureOut">
               <a:rPr lang="en-US" smtClean="0"/>
-              <a:t>1/21/2025</a:t>
+              <a:t>2/18/2025</a:t>
             </a:fld>
             <a:endParaRPr lang="en-US"/>
           </a:p>
@@ -2925,7 +2929,7 @@
           <a:p>
             <a:fld id="{BA5A1584-706A-4ABE-803B-792AD84DBA31}" type="datetimeFigureOut">
               <a:rPr lang="en-US" smtClean="0"/>
-              <a:t>1/21/2025</a:t>
+              <a:t>2/18/2025</a:t>
             </a:fld>
             <a:endParaRPr lang="en-US"/>
           </a:p>
@@ -3410,6 +3414,2396 @@
   <p:cSld>
     <p:spTree>
       <p:nvGrpSpPr>
+        <p:cNvPr id="1" name="">
+          <a:extLst>
+            <a:ext uri="{FF2B5EF4-FFF2-40B4-BE49-F238E27FC236}">
+              <a16:creationId xmlns:a16="http://schemas.microsoft.com/office/drawing/2014/main" id="{A1C8936D-7A6D-401F-6CD9-EE9A951293B0}"/>
+            </a:ext>
+          </a:extLst>
+        </p:cNvPr>
+        <p:cNvGrpSpPr/>
+        <p:nvPr/>
+      </p:nvGrpSpPr>
+      <p:grpSpPr>
+        <a:xfrm>
+          <a:off x="0" y="0"/>
+          <a:ext cx="0" cy="0"/>
+          <a:chOff x="0" y="0"/>
+          <a:chExt cx="0" cy="0"/>
+        </a:xfrm>
+      </p:grpSpPr>
+      <p:sp>
+        <p:nvSpPr>
+          <p:cNvPr id="77" name="TextBox 76">
+            <a:extLst>
+              <a:ext uri="{FF2B5EF4-FFF2-40B4-BE49-F238E27FC236}">
+                <a16:creationId xmlns:a16="http://schemas.microsoft.com/office/drawing/2014/main" id="{FE829A4A-D96D-91C8-9273-E11530DAA5E8}"/>
+              </a:ext>
+            </a:extLst>
+          </p:cNvPr>
+          <p:cNvSpPr txBox="1"/>
+          <p:nvPr/>
+        </p:nvSpPr>
+        <p:spPr>
+          <a:xfrm>
+            <a:off x="731708" y="5793450"/>
+            <a:ext cx="3663888" cy="369332"/>
+          </a:xfrm>
+          <a:prstGeom prst="rect">
+            <a:avLst/>
+          </a:prstGeom>
+          <a:noFill/>
+        </p:spPr>
+        <p:txBody>
+          <a:bodyPr wrap="none" rtlCol="0">
+            <a:spAutoFit/>
+          </a:bodyPr>
+          <a:lstStyle/>
+          <a:p>
+            <a:r>
+              <a:rPr lang="en-US" dirty="0"/>
+              <a:t>Fig-passives-ind2.png  R0 01/09/25</a:t>
+            </a:r>
+          </a:p>
+        </p:txBody>
+      </p:sp>
+      <p:grpSp>
+        <p:nvGrpSpPr>
+          <p:cNvPr id="83" name="Group 82">
+            <a:extLst>
+              <a:ext uri="{FF2B5EF4-FFF2-40B4-BE49-F238E27FC236}">
+                <a16:creationId xmlns:a16="http://schemas.microsoft.com/office/drawing/2014/main" id="{BFCE75E9-74F3-C002-5ECF-7EC8522F15E6}"/>
+              </a:ext>
+            </a:extLst>
+          </p:cNvPr>
+          <p:cNvGrpSpPr/>
+          <p:nvPr/>
+        </p:nvGrpSpPr>
+        <p:grpSpPr>
+          <a:xfrm>
+            <a:off x="3580838" y="1308043"/>
+            <a:ext cx="3534391" cy="3558107"/>
+            <a:chOff x="3580838" y="1308043"/>
+            <a:chExt cx="3534391" cy="3558107"/>
+          </a:xfrm>
+        </p:grpSpPr>
+        <p:sp>
+          <p:nvSpPr>
+            <p:cNvPr id="46" name="Oval 45">
+              <a:extLst>
+                <a:ext uri="{FF2B5EF4-FFF2-40B4-BE49-F238E27FC236}">
+                  <a16:creationId xmlns:a16="http://schemas.microsoft.com/office/drawing/2014/main" id="{24FE27F0-E4E2-5C05-A0F3-9CD9F871A720}"/>
+                </a:ext>
+              </a:extLst>
+            </p:cNvPr>
+            <p:cNvSpPr/>
+            <p:nvPr/>
+          </p:nvSpPr>
+          <p:spPr>
+            <a:xfrm>
+              <a:off x="6083264" y="4164340"/>
+              <a:ext cx="140701" cy="271502"/>
+            </a:xfrm>
+            <a:prstGeom prst="ellipse">
+              <a:avLst/>
+            </a:prstGeom>
+            <a:solidFill>
+              <a:schemeClr val="bg1"/>
+            </a:solidFill>
+          </p:spPr>
+          <p:style>
+            <a:lnRef idx="2">
+              <a:schemeClr val="accent1">
+                <a:shade val="15000"/>
+              </a:schemeClr>
+            </a:lnRef>
+            <a:fillRef idx="1">
+              <a:schemeClr val="accent1"/>
+            </a:fillRef>
+            <a:effectRef idx="0">
+              <a:schemeClr val="accent1"/>
+            </a:effectRef>
+            <a:fontRef idx="minor">
+              <a:schemeClr val="lt1"/>
+            </a:fontRef>
+          </p:style>
+          <p:txBody>
+            <a:bodyPr rtlCol="0" anchor="ctr"/>
+            <a:lstStyle/>
+            <a:p>
+              <a:pPr algn="ctr"/>
+              <a:endParaRPr lang="en-US"/>
+            </a:p>
+          </p:txBody>
+        </p:sp>
+        <p:cxnSp>
+          <p:nvCxnSpPr>
+            <p:cNvPr id="49" name="Straight Arrow Connector 48">
+              <a:extLst>
+                <a:ext uri="{FF2B5EF4-FFF2-40B4-BE49-F238E27FC236}">
+                  <a16:creationId xmlns:a16="http://schemas.microsoft.com/office/drawing/2014/main" id="{7491D0B1-9997-7463-4DB3-FD6A650A6F9B}"/>
+                </a:ext>
+              </a:extLst>
+            </p:cNvPr>
+            <p:cNvCxnSpPr>
+              <a:cxnSpLocks/>
+              <a:endCxn id="46" idx="1"/>
+            </p:cNvCxnSpPr>
+            <p:nvPr/>
+          </p:nvCxnSpPr>
+          <p:spPr>
+            <a:xfrm flipV="1">
+              <a:off x="6080315" y="4204101"/>
+              <a:ext cx="23554" cy="42802"/>
+            </a:xfrm>
+            <a:prstGeom prst="straightConnector1">
+              <a:avLst/>
+            </a:prstGeom>
+            <a:ln w="12700">
+              <a:tailEnd type="triangle"/>
+            </a:ln>
+          </p:spPr>
+          <p:style>
+            <a:lnRef idx="2">
+              <a:schemeClr val="dk1"/>
+            </a:lnRef>
+            <a:fillRef idx="0">
+              <a:schemeClr val="dk1"/>
+            </a:fillRef>
+            <a:effectRef idx="1">
+              <a:schemeClr val="dk1"/>
+            </a:effectRef>
+            <a:fontRef idx="minor">
+              <a:schemeClr val="tx1"/>
+            </a:fontRef>
+          </p:style>
+        </p:cxnSp>
+        <p:cxnSp>
+          <p:nvCxnSpPr>
+            <p:cNvPr id="59" name="Straight Arrow Connector 58">
+              <a:extLst>
+                <a:ext uri="{FF2B5EF4-FFF2-40B4-BE49-F238E27FC236}">
+                  <a16:creationId xmlns:a16="http://schemas.microsoft.com/office/drawing/2014/main" id="{579C332E-037A-ED08-8DA9-B71DA4825122}"/>
+                </a:ext>
+              </a:extLst>
+            </p:cNvPr>
+            <p:cNvCxnSpPr>
+              <a:cxnSpLocks/>
+            </p:cNvCxnSpPr>
+            <p:nvPr/>
+          </p:nvCxnSpPr>
+          <p:spPr>
+            <a:xfrm flipV="1">
+              <a:off x="6344642" y="2976162"/>
+              <a:ext cx="0" cy="876582"/>
+            </a:xfrm>
+            <a:prstGeom prst="straightConnector1">
+              <a:avLst/>
+            </a:prstGeom>
+            <a:ln>
+              <a:solidFill>
+                <a:schemeClr val="tx1"/>
+              </a:solidFill>
+              <a:headEnd type="none" w="med" len="med"/>
+              <a:tailEnd type="none" w="med" len="med"/>
+            </a:ln>
+          </p:spPr>
+          <p:style>
+            <a:lnRef idx="2">
+              <a:schemeClr val="accent1"/>
+            </a:lnRef>
+            <a:fillRef idx="0">
+              <a:schemeClr val="accent1"/>
+            </a:fillRef>
+            <a:effectRef idx="1">
+              <a:schemeClr val="accent1"/>
+            </a:effectRef>
+            <a:fontRef idx="minor">
+              <a:schemeClr val="tx1"/>
+            </a:fontRef>
+          </p:style>
+        </p:cxnSp>
+        <mc:AlternateContent xmlns:mc="http://schemas.openxmlformats.org/markup-compatibility/2006" xmlns:a14="http://schemas.microsoft.com/office/drawing/2010/main">
+          <mc:Choice Requires="a14">
+            <p:sp>
+              <p:nvSpPr>
+                <p:cNvPr id="60" name="TextBox 59">
+                  <a:extLst>
+                    <a:ext uri="{FF2B5EF4-FFF2-40B4-BE49-F238E27FC236}">
+                      <a16:creationId xmlns:a16="http://schemas.microsoft.com/office/drawing/2014/main" id="{B07A5767-105B-A8E7-496A-543F783A8E4F}"/>
+                    </a:ext>
+                  </a:extLst>
+                </p:cNvPr>
+                <p:cNvSpPr txBox="1"/>
+                <p:nvPr/>
+              </p:nvSpPr>
+              <p:spPr>
+                <a:xfrm>
+                  <a:off x="6357915" y="3059250"/>
+                  <a:ext cx="388440" cy="310598"/>
+                </a:xfrm>
+                <a:prstGeom prst="rect">
+                  <a:avLst/>
+                </a:prstGeom>
+                <a:noFill/>
+              </p:spPr>
+              <p:txBody>
+                <a:bodyPr wrap="none" lIns="0" tIns="0" rIns="0" bIns="0" rtlCol="0">
+                  <a:spAutoFit/>
+                </a:bodyPr>
+                <a:lstStyle/>
+                <a:p>
+                  <a:pPr/>
+                  <a14:m>
+                    <m:oMathPara xmlns:m="http://schemas.openxmlformats.org/officeDocument/2006/math">
+                      <m:oMathParaPr>
+                        <m:jc m:val="centerGroup"/>
+                      </m:oMathParaPr>
+                      <m:oMath xmlns:m="http://schemas.openxmlformats.org/officeDocument/2006/math">
+                        <m:acc>
+                          <m:accPr>
+                            <m:chr m:val="⃗"/>
+                            <m:ctrlPr>
+                              <a:rPr lang="en-US" b="0" i="1" smtClean="0">
+                                <a:latin typeface="Cambria Math" panose="02040503050406030204" pitchFamily="18" charset="0"/>
+                              </a:rPr>
+                            </m:ctrlPr>
+                          </m:accPr>
+                          <m:e>
+                            <m:sSub>
+                              <m:sSubPr>
+                                <m:ctrlPr>
+                                  <a:rPr lang="en-US" b="0" i="1" smtClean="0">
+                                    <a:latin typeface="Cambria Math" panose="02040503050406030204" pitchFamily="18" charset="0"/>
+                                  </a:rPr>
+                                </m:ctrlPr>
+                              </m:sSubPr>
+                              <m:e>
+                                <m:r>
+                                  <a:rPr lang="en-US" b="0" i="1" smtClean="0">
+                                    <a:latin typeface="Cambria Math" panose="02040503050406030204" pitchFamily="18" charset="0"/>
+                                  </a:rPr>
+                                  <m:t>𝐵</m:t>
+                                </m:r>
+                              </m:e>
+                              <m:sub>
+                                <m:r>
+                                  <a:rPr lang="en-US" b="0" i="1" smtClean="0">
+                                    <a:latin typeface="Cambria Math" panose="02040503050406030204" pitchFamily="18" charset="0"/>
+                                  </a:rPr>
+                                  <m:t>12</m:t>
+                                </m:r>
+                              </m:sub>
+                            </m:sSub>
+                          </m:e>
+                        </m:acc>
+                      </m:oMath>
+                    </m:oMathPara>
+                  </a14:m>
+                  <a:endParaRPr lang="en-US" dirty="0"/>
+                </a:p>
+              </p:txBody>
+            </p:sp>
+          </mc:Choice>
+          <mc:Fallback xmlns="">
+            <p:sp>
+              <p:nvSpPr>
+                <p:cNvPr id="60" name="TextBox 59">
+                  <a:extLst>
+                    <a:ext uri="{FF2B5EF4-FFF2-40B4-BE49-F238E27FC236}">
+                      <a16:creationId xmlns:a16="http://schemas.microsoft.com/office/drawing/2014/main" id="{B07A5767-105B-A8E7-496A-543F783A8E4F}"/>
+                    </a:ext>
+                  </a:extLst>
+                </p:cNvPr>
+                <p:cNvSpPr txBox="1">
+                  <a:spLocks noRot="1" noChangeAspect="1" noMove="1" noResize="1" noEditPoints="1" noAdjustHandles="1" noChangeArrowheads="1" noChangeShapeType="1" noTextEdit="1"/>
+                </p:cNvSpPr>
+                <p:nvPr/>
+              </p:nvSpPr>
+              <p:spPr>
+                <a:xfrm>
+                  <a:off x="6357915" y="3059250"/>
+                  <a:ext cx="388440" cy="310598"/>
+                </a:xfrm>
+                <a:prstGeom prst="rect">
+                  <a:avLst/>
+                </a:prstGeom>
+                <a:blipFill>
+                  <a:blip r:embed="rId2"/>
+                  <a:stretch>
+                    <a:fillRect l="-15625" r="-4688" b="-11765"/>
+                  </a:stretch>
+                </a:blipFill>
+              </p:spPr>
+              <p:txBody>
+                <a:bodyPr/>
+                <a:lstStyle/>
+                <a:p>
+                  <a:r>
+                    <a:rPr lang="en-US">
+                      <a:noFill/>
+                    </a:rPr>
+                    <a:t> </a:t>
+                  </a:r>
+                </a:p>
+              </p:txBody>
+            </p:sp>
+          </mc:Fallback>
+        </mc:AlternateContent>
+        <mc:AlternateContent xmlns:mc="http://schemas.openxmlformats.org/markup-compatibility/2006" xmlns:a14="http://schemas.microsoft.com/office/drawing/2010/main">
+          <mc:Choice Requires="a14">
+            <p:sp>
+              <p:nvSpPr>
+                <p:cNvPr id="71" name="TextBox 70">
+                  <a:extLst>
+                    <a:ext uri="{FF2B5EF4-FFF2-40B4-BE49-F238E27FC236}">
+                      <a16:creationId xmlns:a16="http://schemas.microsoft.com/office/drawing/2014/main" id="{5AFBC34C-D4F7-1AA0-5CAF-EC076F70284B}"/>
+                    </a:ext>
+                  </a:extLst>
+                </p:cNvPr>
+                <p:cNvSpPr txBox="1"/>
+                <p:nvPr/>
+              </p:nvSpPr>
+              <p:spPr>
+                <a:xfrm>
+                  <a:off x="3580838" y="2476408"/>
+                  <a:ext cx="808876" cy="467500"/>
+                </a:xfrm>
+                <a:prstGeom prst="rect">
+                  <a:avLst/>
+                </a:prstGeom>
+                <a:noFill/>
+              </p:spPr>
+              <p:txBody>
+                <a:bodyPr wrap="none" lIns="0" tIns="0" rIns="0" bIns="0" rtlCol="0">
+                  <a:spAutoFit/>
+                </a:bodyPr>
+                <a:lstStyle/>
+                <a:p>
+                  <a:pPr/>
+                  <a14:m>
+                    <m:oMathPara xmlns:m="http://schemas.openxmlformats.org/officeDocument/2006/math">
+                      <m:oMathParaPr>
+                        <m:jc m:val="centerGroup"/>
+                      </m:oMathParaPr>
+                      <m:oMath xmlns:m="http://schemas.openxmlformats.org/officeDocument/2006/math">
+                        <m:r>
+                          <a:rPr lang="en-US" sz="1600" b="0" i="1" smtClean="0">
+                            <a:latin typeface="Cambria Math" panose="02040503050406030204" pitchFamily="18" charset="0"/>
+                          </a:rPr>
+                          <m:t>𝑉</m:t>
+                        </m:r>
+                        <m:r>
+                          <a:rPr lang="en-US" sz="1600" b="0" i="1" smtClean="0">
+                            <a:latin typeface="Cambria Math" panose="02040503050406030204" pitchFamily="18" charset="0"/>
+                          </a:rPr>
+                          <m:t>=</m:t>
+                        </m:r>
+                        <m:f>
+                          <m:fPr>
+                            <m:ctrlPr>
+                              <a:rPr lang="en-US" sz="1600" i="1" smtClean="0">
+                                <a:latin typeface="Cambria Math" panose="02040503050406030204" pitchFamily="18" charset="0"/>
+                              </a:rPr>
+                            </m:ctrlPr>
+                          </m:fPr>
+                          <m:num>
+                            <m:r>
+                              <a:rPr lang="en-US" sz="1600" b="0" i="1" smtClean="0">
+                                <a:latin typeface="Cambria Math" panose="02040503050406030204" pitchFamily="18" charset="0"/>
+                              </a:rPr>
+                              <m:t>𝑑</m:t>
+                            </m:r>
+                            <m:sSub>
+                              <m:sSubPr>
+                                <m:ctrlPr>
+                                  <a:rPr lang="en-US" sz="1600" b="0" i="1" smtClean="0">
+                                    <a:latin typeface="Cambria Math" panose="02040503050406030204" pitchFamily="18" charset="0"/>
+                                  </a:rPr>
+                                </m:ctrlPr>
+                              </m:sSubPr>
+                              <m:e>
+                                <m:r>
+                                  <a:rPr lang="en-US" sz="1600" b="0" i="1" smtClean="0">
+                                    <a:latin typeface="Cambria Math" panose="02040503050406030204" pitchFamily="18" charset="0"/>
+                                  </a:rPr>
+                                  <m:t>𝜓</m:t>
+                                </m:r>
+                              </m:e>
+                              <m:sub>
+                                <m:r>
+                                  <a:rPr lang="en-US" sz="1600" b="0" i="1" smtClean="0">
+                                    <a:latin typeface="Cambria Math" panose="02040503050406030204" pitchFamily="18" charset="0"/>
+                                  </a:rPr>
+                                  <m:t>2</m:t>
+                                </m:r>
+                              </m:sub>
+                            </m:sSub>
+                          </m:num>
+                          <m:den>
+                            <m:r>
+                              <a:rPr lang="en-US" sz="1600" b="0" i="1" smtClean="0">
+                                <a:latin typeface="Cambria Math" panose="02040503050406030204" pitchFamily="18" charset="0"/>
+                              </a:rPr>
+                              <m:t>𝑑𝑡</m:t>
+                            </m:r>
+                          </m:den>
+                        </m:f>
+                      </m:oMath>
+                    </m:oMathPara>
+                  </a14:m>
+                  <a:endParaRPr lang="en-US" dirty="0"/>
+                </a:p>
+              </p:txBody>
+            </p:sp>
+          </mc:Choice>
+          <mc:Fallback xmlns="">
+            <p:sp>
+              <p:nvSpPr>
+                <p:cNvPr id="71" name="TextBox 70">
+                  <a:extLst>
+                    <a:ext uri="{FF2B5EF4-FFF2-40B4-BE49-F238E27FC236}">
+                      <a16:creationId xmlns:a16="http://schemas.microsoft.com/office/drawing/2014/main" id="{5AFBC34C-D4F7-1AA0-5CAF-EC076F70284B}"/>
+                    </a:ext>
+                  </a:extLst>
+                </p:cNvPr>
+                <p:cNvSpPr txBox="1">
+                  <a:spLocks noRot="1" noChangeAspect="1" noMove="1" noResize="1" noEditPoints="1" noAdjustHandles="1" noChangeArrowheads="1" noChangeShapeType="1" noTextEdit="1"/>
+                </p:cNvSpPr>
+                <p:nvPr/>
+              </p:nvSpPr>
+              <p:spPr>
+                <a:xfrm>
+                  <a:off x="3580838" y="2476408"/>
+                  <a:ext cx="808876" cy="467500"/>
+                </a:xfrm>
+                <a:prstGeom prst="rect">
+                  <a:avLst/>
+                </a:prstGeom>
+                <a:blipFill>
+                  <a:blip r:embed="rId3"/>
+                  <a:stretch>
+                    <a:fillRect/>
+                  </a:stretch>
+                </a:blipFill>
+              </p:spPr>
+              <p:txBody>
+                <a:bodyPr/>
+                <a:lstStyle/>
+                <a:p>
+                  <a:r>
+                    <a:rPr lang="en-US">
+                      <a:noFill/>
+                    </a:rPr>
+                    <a:t> </a:t>
+                  </a:r>
+                </a:p>
+              </p:txBody>
+            </p:sp>
+          </mc:Fallback>
+        </mc:AlternateContent>
+        <p:grpSp>
+          <p:nvGrpSpPr>
+            <p:cNvPr id="21" name="Group 20">
+              <a:extLst>
+                <a:ext uri="{FF2B5EF4-FFF2-40B4-BE49-F238E27FC236}">
+                  <a16:creationId xmlns:a16="http://schemas.microsoft.com/office/drawing/2014/main" id="{04FE0D56-231B-3F0B-E43F-17E449E11BC4}"/>
+                </a:ext>
+              </a:extLst>
+            </p:cNvPr>
+            <p:cNvGrpSpPr/>
+            <p:nvPr/>
+          </p:nvGrpSpPr>
+          <p:grpSpPr>
+            <a:xfrm>
+              <a:off x="4731846" y="3002456"/>
+              <a:ext cx="2052881" cy="1863694"/>
+              <a:chOff x="4414346" y="3785404"/>
+              <a:chExt cx="2052881" cy="1863694"/>
+            </a:xfrm>
+            <a:scene3d>
+              <a:camera prst="isometricOffAxis2Top">
+                <a:rot lat="18448671" lon="2370244" rev="18834421"/>
+              </a:camera>
+              <a:lightRig rig="threePt" dir="t"/>
+            </a:scene3d>
+          </p:grpSpPr>
+          <p:cxnSp>
+            <p:nvCxnSpPr>
+              <p:cNvPr id="14" name="Straight Connector 13">
+                <a:extLst>
+                  <a:ext uri="{FF2B5EF4-FFF2-40B4-BE49-F238E27FC236}">
+                    <a16:creationId xmlns:a16="http://schemas.microsoft.com/office/drawing/2014/main" id="{77350FC2-9269-0EA7-BB3C-5CEBCEF326C1}"/>
+                  </a:ext>
+                </a:extLst>
+              </p:cNvPr>
+              <p:cNvCxnSpPr/>
+              <p:nvPr/>
+            </p:nvCxnSpPr>
+            <p:spPr>
+              <a:xfrm flipH="1">
+                <a:off x="4761185" y="5270725"/>
+                <a:ext cx="457201" cy="378373"/>
+              </a:xfrm>
+              <a:prstGeom prst="line">
+                <a:avLst/>
+              </a:prstGeom>
+              <a:ln w="57150">
+                <a:solidFill>
+                  <a:schemeClr val="tx1"/>
+                </a:solidFill>
+              </a:ln>
+            </p:spPr>
+            <p:style>
+              <a:lnRef idx="2">
+                <a:schemeClr val="accent1"/>
+              </a:lnRef>
+              <a:fillRef idx="0">
+                <a:schemeClr val="accent1"/>
+              </a:fillRef>
+              <a:effectRef idx="1">
+                <a:schemeClr val="accent1"/>
+              </a:effectRef>
+              <a:fontRef idx="minor">
+                <a:schemeClr val="tx1"/>
+              </a:fontRef>
+            </p:style>
+          </p:cxnSp>
+          <p:sp>
+            <p:nvSpPr>
+              <p:cNvPr id="15" name="Arc 14">
+                <a:extLst>
+                  <a:ext uri="{FF2B5EF4-FFF2-40B4-BE49-F238E27FC236}">
+                    <a16:creationId xmlns:a16="http://schemas.microsoft.com/office/drawing/2014/main" id="{F0BCF515-1157-F4D6-DB7D-9CE50953DBA3}"/>
+                  </a:ext>
+                </a:extLst>
+              </p:cNvPr>
+              <p:cNvSpPr/>
+              <p:nvPr/>
+            </p:nvSpPr>
+            <p:spPr>
+              <a:xfrm>
+                <a:off x="4824249" y="3785404"/>
+                <a:ext cx="1642978" cy="1642978"/>
+              </a:xfrm>
+              <a:prstGeom prst="arc">
+                <a:avLst>
+                  <a:gd name="adj1" fmla="val 9615740"/>
+                  <a:gd name="adj2" fmla="val 7409857"/>
+                </a:avLst>
+              </a:prstGeom>
+              <a:ln w="57150">
+                <a:solidFill>
+                  <a:schemeClr val="tx1"/>
+                </a:solidFill>
+              </a:ln>
+            </p:spPr>
+            <p:style>
+              <a:lnRef idx="2">
+                <a:schemeClr val="accent1"/>
+              </a:lnRef>
+              <a:fillRef idx="0">
+                <a:schemeClr val="accent1"/>
+              </a:fillRef>
+              <a:effectRef idx="1">
+                <a:schemeClr val="accent1"/>
+              </a:effectRef>
+              <a:fontRef idx="minor">
+                <a:schemeClr val="tx1"/>
+              </a:fontRef>
+            </p:style>
+            <p:txBody>
+              <a:bodyPr rtlCol="0" anchor="ctr"/>
+              <a:lstStyle/>
+              <a:p>
+                <a:pPr algn="ctr"/>
+                <a:endParaRPr lang="en-US"/>
+              </a:p>
+            </p:txBody>
+          </p:sp>
+          <p:cxnSp>
+            <p:nvCxnSpPr>
+              <p:cNvPr id="16" name="Straight Connector 15">
+                <a:extLst>
+                  <a:ext uri="{FF2B5EF4-FFF2-40B4-BE49-F238E27FC236}">
+                    <a16:creationId xmlns:a16="http://schemas.microsoft.com/office/drawing/2014/main" id="{9A664D9E-DDB1-6BCC-E2B5-F02E2E68D2D6}"/>
+                  </a:ext>
+                </a:extLst>
+              </p:cNvPr>
+              <p:cNvCxnSpPr/>
+              <p:nvPr/>
+            </p:nvCxnSpPr>
+            <p:spPr>
+              <a:xfrm flipH="1">
+                <a:off x="4414346" y="4845056"/>
+                <a:ext cx="457201" cy="378373"/>
+              </a:xfrm>
+              <a:prstGeom prst="line">
+                <a:avLst/>
+              </a:prstGeom>
+              <a:ln w="57150">
+                <a:solidFill>
+                  <a:schemeClr val="tx1"/>
+                </a:solidFill>
+              </a:ln>
+            </p:spPr>
+            <p:style>
+              <a:lnRef idx="2">
+                <a:schemeClr val="accent1"/>
+              </a:lnRef>
+              <a:fillRef idx="0">
+                <a:schemeClr val="accent1"/>
+              </a:fillRef>
+              <a:effectRef idx="1">
+                <a:schemeClr val="accent1"/>
+              </a:effectRef>
+              <a:fontRef idx="minor">
+                <a:schemeClr val="tx1"/>
+              </a:fontRef>
+            </p:style>
+          </p:cxnSp>
+        </p:grpSp>
+        <p:cxnSp>
+          <p:nvCxnSpPr>
+            <p:cNvPr id="41" name="Straight Arrow Connector 40">
+              <a:extLst>
+                <a:ext uri="{FF2B5EF4-FFF2-40B4-BE49-F238E27FC236}">
+                  <a16:creationId xmlns:a16="http://schemas.microsoft.com/office/drawing/2014/main" id="{152F5323-85CE-DFC8-55F3-6D643D3DDD1B}"/>
+                </a:ext>
+              </a:extLst>
+            </p:cNvPr>
+            <p:cNvCxnSpPr>
+              <a:cxnSpLocks/>
+            </p:cNvCxnSpPr>
+            <p:nvPr/>
+          </p:nvCxnSpPr>
+          <p:spPr>
+            <a:xfrm flipH="1">
+              <a:off x="5833416" y="3545092"/>
+              <a:ext cx="167921" cy="0"/>
+            </a:xfrm>
+            <a:prstGeom prst="straightConnector1">
+              <a:avLst/>
+            </a:prstGeom>
+            <a:ln w="38100">
+              <a:tailEnd type="triangle"/>
+            </a:ln>
+          </p:spPr>
+          <p:style>
+            <a:lnRef idx="2">
+              <a:schemeClr val="dk1"/>
+            </a:lnRef>
+            <a:fillRef idx="0">
+              <a:schemeClr val="dk1"/>
+            </a:fillRef>
+            <a:effectRef idx="1">
+              <a:schemeClr val="dk1"/>
+            </a:effectRef>
+            <a:fontRef idx="minor">
+              <a:schemeClr val="tx1"/>
+            </a:fontRef>
+          </p:style>
+        </p:cxnSp>
+        <p:cxnSp>
+          <p:nvCxnSpPr>
+            <p:cNvPr id="42" name="Straight Arrow Connector 41">
+              <a:extLst>
+                <a:ext uri="{FF2B5EF4-FFF2-40B4-BE49-F238E27FC236}">
+                  <a16:creationId xmlns:a16="http://schemas.microsoft.com/office/drawing/2014/main" id="{B0AA9B7B-E8E0-0A39-C2FF-554C6F56E5DA}"/>
+                </a:ext>
+              </a:extLst>
+            </p:cNvPr>
+            <p:cNvCxnSpPr>
+              <a:cxnSpLocks/>
+            </p:cNvCxnSpPr>
+            <p:nvPr/>
+          </p:nvCxnSpPr>
+          <p:spPr>
+            <a:xfrm>
+              <a:off x="5903498" y="4311990"/>
+              <a:ext cx="140701" cy="0"/>
+            </a:xfrm>
+            <a:prstGeom prst="straightConnector1">
+              <a:avLst/>
+            </a:prstGeom>
+            <a:ln w="38100">
+              <a:tailEnd type="triangle"/>
+            </a:ln>
+          </p:spPr>
+          <p:style>
+            <a:lnRef idx="2">
+              <a:schemeClr val="dk1"/>
+            </a:lnRef>
+            <a:fillRef idx="0">
+              <a:schemeClr val="dk1"/>
+            </a:fillRef>
+            <a:effectRef idx="1">
+              <a:schemeClr val="dk1"/>
+            </a:effectRef>
+            <a:fontRef idx="minor">
+              <a:schemeClr val="tx1"/>
+            </a:fontRef>
+          </p:style>
+        </p:cxnSp>
+        <p:cxnSp>
+          <p:nvCxnSpPr>
+            <p:cNvPr id="43" name="Straight Arrow Connector 42">
+              <a:extLst>
+                <a:ext uri="{FF2B5EF4-FFF2-40B4-BE49-F238E27FC236}">
+                  <a16:creationId xmlns:a16="http://schemas.microsoft.com/office/drawing/2014/main" id="{3E8D7706-9B45-C990-6867-E319DB3E05DF}"/>
+                </a:ext>
+              </a:extLst>
+            </p:cNvPr>
+            <p:cNvCxnSpPr/>
+            <p:nvPr/>
+          </p:nvCxnSpPr>
+          <p:spPr>
+            <a:xfrm flipV="1">
+              <a:off x="4936256" y="4139552"/>
+              <a:ext cx="172319" cy="21431"/>
+            </a:xfrm>
+            <a:prstGeom prst="straightConnector1">
+              <a:avLst/>
+            </a:prstGeom>
+            <a:ln w="38100">
+              <a:tailEnd type="triangle"/>
+            </a:ln>
+          </p:spPr>
+          <p:style>
+            <a:lnRef idx="2">
+              <a:schemeClr val="dk1"/>
+            </a:lnRef>
+            <a:fillRef idx="0">
+              <a:schemeClr val="dk1"/>
+            </a:fillRef>
+            <a:effectRef idx="1">
+              <a:schemeClr val="dk1"/>
+            </a:effectRef>
+            <a:fontRef idx="minor">
+              <a:schemeClr val="tx1"/>
+            </a:fontRef>
+          </p:style>
+        </p:cxnSp>
+        <p:cxnSp>
+          <p:nvCxnSpPr>
+            <p:cNvPr id="44" name="Straight Arrow Connector 43">
+              <a:extLst>
+                <a:ext uri="{FF2B5EF4-FFF2-40B4-BE49-F238E27FC236}">
+                  <a16:creationId xmlns:a16="http://schemas.microsoft.com/office/drawing/2014/main" id="{9E01D1D9-A78F-DA89-A0BE-3F2974645298}"/>
+                </a:ext>
+              </a:extLst>
+            </p:cNvPr>
+            <p:cNvCxnSpPr>
+              <a:cxnSpLocks/>
+            </p:cNvCxnSpPr>
+            <p:nvPr/>
+          </p:nvCxnSpPr>
+          <p:spPr>
+            <a:xfrm flipH="1">
+              <a:off x="4896382" y="3882124"/>
+              <a:ext cx="167921" cy="21685"/>
+            </a:xfrm>
+            <a:prstGeom prst="straightConnector1">
+              <a:avLst/>
+            </a:prstGeom>
+            <a:ln w="38100">
+              <a:tailEnd type="triangle"/>
+            </a:ln>
+          </p:spPr>
+          <p:style>
+            <a:lnRef idx="2">
+              <a:schemeClr val="dk1"/>
+            </a:lnRef>
+            <a:fillRef idx="0">
+              <a:schemeClr val="dk1"/>
+            </a:fillRef>
+            <a:effectRef idx="1">
+              <a:schemeClr val="dk1"/>
+            </a:effectRef>
+            <a:fontRef idx="minor">
+              <a:schemeClr val="tx1"/>
+            </a:fontRef>
+          </p:style>
+        </p:cxnSp>
+        <mc:AlternateContent xmlns:mc="http://schemas.openxmlformats.org/markup-compatibility/2006" xmlns:a14="http://schemas.microsoft.com/office/drawing/2010/main">
+          <mc:Choice Requires="a14">
+            <p:sp>
+              <p:nvSpPr>
+                <p:cNvPr id="64" name="TextBox 63">
+                  <a:extLst>
+                    <a:ext uri="{FF2B5EF4-FFF2-40B4-BE49-F238E27FC236}">
+                      <a16:creationId xmlns:a16="http://schemas.microsoft.com/office/drawing/2014/main" id="{0D31AC89-A73E-B246-516A-07358808AB59}"/>
+                    </a:ext>
+                  </a:extLst>
+                </p:cNvPr>
+                <p:cNvSpPr txBox="1"/>
+                <p:nvPr/>
+              </p:nvSpPr>
+              <p:spPr>
+                <a:xfrm>
+                  <a:off x="4949101" y="3603485"/>
+                  <a:ext cx="223138" cy="276999"/>
+                </a:xfrm>
+                <a:prstGeom prst="rect">
+                  <a:avLst/>
+                </a:prstGeom>
+                <a:noFill/>
+              </p:spPr>
+              <p:txBody>
+                <a:bodyPr wrap="none" lIns="0" tIns="0" rIns="0" bIns="0" rtlCol="0">
+                  <a:spAutoFit/>
+                </a:bodyPr>
+                <a:lstStyle/>
+                <a:p>
+                  <a:pPr/>
+                  <a14:m>
+                    <m:oMathPara xmlns:m="http://schemas.openxmlformats.org/officeDocument/2006/math">
+                      <m:oMathParaPr>
+                        <m:jc m:val="centerGroup"/>
+                      </m:oMathParaPr>
+                      <m:oMath xmlns:m="http://schemas.openxmlformats.org/officeDocument/2006/math">
+                        <m:sSub>
+                          <m:sSubPr>
+                            <m:ctrlPr>
+                              <a:rPr lang="en-US" b="0" i="1" smtClean="0">
+                                <a:latin typeface="Cambria Math" panose="02040503050406030204" pitchFamily="18" charset="0"/>
+                              </a:rPr>
+                            </m:ctrlPr>
+                          </m:sSubPr>
+                          <m:e>
+                            <m:r>
+                              <a:rPr lang="en-US" b="0" i="1" smtClean="0">
+                                <a:latin typeface="Cambria Math" panose="02040503050406030204" pitchFamily="18" charset="0"/>
+                              </a:rPr>
+                              <m:t>𝐼</m:t>
+                            </m:r>
+                          </m:e>
+                          <m:sub>
+                            <m:r>
+                              <a:rPr lang="en-US" b="0" i="1" smtClean="0">
+                                <a:latin typeface="Cambria Math" panose="02040503050406030204" pitchFamily="18" charset="0"/>
+                              </a:rPr>
+                              <m:t>1</m:t>
+                            </m:r>
+                          </m:sub>
+                        </m:sSub>
+                      </m:oMath>
+                    </m:oMathPara>
+                  </a14:m>
+                  <a:endParaRPr lang="en-US" dirty="0"/>
+                </a:p>
+              </p:txBody>
+            </p:sp>
+          </mc:Choice>
+          <mc:Fallback xmlns="">
+            <p:sp>
+              <p:nvSpPr>
+                <p:cNvPr id="64" name="TextBox 63">
+                  <a:extLst>
+                    <a:ext uri="{FF2B5EF4-FFF2-40B4-BE49-F238E27FC236}">
+                      <a16:creationId xmlns:a16="http://schemas.microsoft.com/office/drawing/2014/main" id="{0D31AC89-A73E-B246-516A-07358808AB59}"/>
+                    </a:ext>
+                  </a:extLst>
+                </p:cNvPr>
+                <p:cNvSpPr txBox="1">
+                  <a:spLocks noRot="1" noChangeAspect="1" noMove="1" noResize="1" noEditPoints="1" noAdjustHandles="1" noChangeArrowheads="1" noChangeShapeType="1" noTextEdit="1"/>
+                </p:cNvSpPr>
+                <p:nvPr/>
+              </p:nvSpPr>
+              <p:spPr>
+                <a:xfrm>
+                  <a:off x="4949101" y="3603485"/>
+                  <a:ext cx="223138" cy="276999"/>
+                </a:xfrm>
+                <a:prstGeom prst="rect">
+                  <a:avLst/>
+                </a:prstGeom>
+                <a:blipFill>
+                  <a:blip r:embed="rId4"/>
+                  <a:stretch>
+                    <a:fillRect l="-27778" r="-11111" b="-15217"/>
+                  </a:stretch>
+                </a:blipFill>
+              </p:spPr>
+              <p:txBody>
+                <a:bodyPr/>
+                <a:lstStyle/>
+                <a:p>
+                  <a:r>
+                    <a:rPr lang="en-US">
+                      <a:noFill/>
+                    </a:rPr>
+                    <a:t> </a:t>
+                  </a:r>
+                </a:p>
+              </p:txBody>
+            </p:sp>
+          </mc:Fallback>
+        </mc:AlternateContent>
+        <mc:AlternateContent xmlns:mc="http://schemas.openxmlformats.org/markup-compatibility/2006" xmlns:a14="http://schemas.microsoft.com/office/drawing/2010/main">
+          <mc:Choice Requires="a14">
+            <p:sp>
+              <p:nvSpPr>
+                <p:cNvPr id="68" name="TextBox 67">
+                  <a:extLst>
+                    <a:ext uri="{FF2B5EF4-FFF2-40B4-BE49-F238E27FC236}">
+                      <a16:creationId xmlns:a16="http://schemas.microsoft.com/office/drawing/2014/main" id="{84362C0B-3291-7F1E-0AAA-51C42D166148}"/>
+                    </a:ext>
+                  </a:extLst>
+                </p:cNvPr>
+                <p:cNvSpPr txBox="1"/>
+                <p:nvPr/>
+              </p:nvSpPr>
+              <p:spPr>
+                <a:xfrm>
+                  <a:off x="6200290" y="3949252"/>
+                  <a:ext cx="250261" cy="276999"/>
+                </a:xfrm>
+                <a:prstGeom prst="rect">
+                  <a:avLst/>
+                </a:prstGeom>
+                <a:noFill/>
+              </p:spPr>
+              <p:txBody>
+                <a:bodyPr wrap="none" lIns="0" tIns="0" rIns="0" bIns="0" rtlCol="0">
+                  <a:spAutoFit/>
+                </a:bodyPr>
+                <a:lstStyle/>
+                <a:p>
+                  <a:pPr/>
+                  <a14:m>
+                    <m:oMathPara xmlns:m="http://schemas.openxmlformats.org/officeDocument/2006/math">
+                      <m:oMathParaPr>
+                        <m:jc m:val="centerGroup"/>
+                      </m:oMathParaPr>
+                      <m:oMath xmlns:m="http://schemas.openxmlformats.org/officeDocument/2006/math">
+                        <m:sSub>
+                          <m:sSubPr>
+                            <m:ctrlPr>
+                              <a:rPr lang="en-US" b="0" i="1" smtClean="0">
+                                <a:latin typeface="Cambria Math" panose="02040503050406030204" pitchFamily="18" charset="0"/>
+                              </a:rPr>
+                            </m:ctrlPr>
+                          </m:sSubPr>
+                          <m:e>
+                            <m:r>
+                              <a:rPr lang="en-US" b="0" i="1" smtClean="0">
+                                <a:latin typeface="Cambria Math" panose="02040503050406030204" pitchFamily="18" charset="0"/>
+                              </a:rPr>
+                              <m:t>𝑠</m:t>
+                            </m:r>
+                          </m:e>
+                          <m:sub>
+                            <m:r>
+                              <a:rPr lang="en-US" b="0" i="1" smtClean="0">
+                                <a:latin typeface="Cambria Math" panose="02040503050406030204" pitchFamily="18" charset="0"/>
+                              </a:rPr>
+                              <m:t>1</m:t>
+                            </m:r>
+                          </m:sub>
+                        </m:sSub>
+                      </m:oMath>
+                    </m:oMathPara>
+                  </a14:m>
+                  <a:endParaRPr lang="en-US" dirty="0"/>
+                </a:p>
+              </p:txBody>
+            </p:sp>
+          </mc:Choice>
+          <mc:Fallback xmlns="">
+            <p:sp>
+              <p:nvSpPr>
+                <p:cNvPr id="68" name="TextBox 67">
+                  <a:extLst>
+                    <a:ext uri="{FF2B5EF4-FFF2-40B4-BE49-F238E27FC236}">
+                      <a16:creationId xmlns:a16="http://schemas.microsoft.com/office/drawing/2014/main" id="{84362C0B-3291-7F1E-0AAA-51C42D166148}"/>
+                    </a:ext>
+                  </a:extLst>
+                </p:cNvPr>
+                <p:cNvSpPr txBox="1">
+                  <a:spLocks noRot="1" noChangeAspect="1" noMove="1" noResize="1" noEditPoints="1" noAdjustHandles="1" noChangeArrowheads="1" noChangeShapeType="1" noTextEdit="1"/>
+                </p:cNvSpPr>
+                <p:nvPr/>
+              </p:nvSpPr>
+              <p:spPr>
+                <a:xfrm>
+                  <a:off x="6200290" y="3949252"/>
+                  <a:ext cx="250261" cy="276999"/>
+                </a:xfrm>
+                <a:prstGeom prst="rect">
+                  <a:avLst/>
+                </a:prstGeom>
+                <a:blipFill>
+                  <a:blip r:embed="rId5"/>
+                  <a:stretch>
+                    <a:fillRect l="-14634" r="-12195" b="-15556"/>
+                  </a:stretch>
+                </a:blipFill>
+              </p:spPr>
+              <p:txBody>
+                <a:bodyPr/>
+                <a:lstStyle/>
+                <a:p>
+                  <a:r>
+                    <a:rPr lang="en-US">
+                      <a:noFill/>
+                    </a:rPr>
+                    <a:t> </a:t>
+                  </a:r>
+                </a:p>
+              </p:txBody>
+            </p:sp>
+          </mc:Fallback>
+        </mc:AlternateContent>
+        <p:grpSp>
+          <p:nvGrpSpPr>
+            <p:cNvPr id="4" name="Group 3">
+              <a:extLst>
+                <a:ext uri="{FF2B5EF4-FFF2-40B4-BE49-F238E27FC236}">
+                  <a16:creationId xmlns:a16="http://schemas.microsoft.com/office/drawing/2014/main" id="{233C9428-4A34-D928-5754-D10981393E5A}"/>
+                </a:ext>
+              </a:extLst>
+            </p:cNvPr>
+            <p:cNvGrpSpPr/>
+            <p:nvPr/>
+          </p:nvGrpSpPr>
+          <p:grpSpPr>
+            <a:xfrm>
+              <a:off x="4579489" y="1308043"/>
+              <a:ext cx="2535740" cy="2347321"/>
+              <a:chOff x="4580895" y="1133794"/>
+              <a:chExt cx="2535740" cy="2347321"/>
+            </a:xfrm>
+            <a:scene3d>
+              <a:camera prst="isometricOffAxis2Top">
+                <a:rot lat="18448671" lon="2370244" rev="18834421"/>
+              </a:camera>
+              <a:lightRig rig="threePt" dir="t"/>
+            </a:scene3d>
+          </p:grpSpPr>
+          <p:cxnSp>
+            <p:nvCxnSpPr>
+              <p:cNvPr id="9" name="Straight Connector 8">
+                <a:extLst>
+                  <a:ext uri="{FF2B5EF4-FFF2-40B4-BE49-F238E27FC236}">
+                    <a16:creationId xmlns:a16="http://schemas.microsoft.com/office/drawing/2014/main" id="{BE19425A-7B5F-C818-F11F-BFABE22555A2}"/>
+                  </a:ext>
+                </a:extLst>
+              </p:cNvPr>
+              <p:cNvCxnSpPr/>
+              <p:nvPr/>
+            </p:nvCxnSpPr>
+            <p:spPr>
+              <a:xfrm flipH="1">
+                <a:off x="4580895" y="2537898"/>
+                <a:ext cx="457201" cy="378373"/>
+              </a:xfrm>
+              <a:prstGeom prst="line">
+                <a:avLst/>
+              </a:prstGeom>
+              <a:ln w="57150">
+                <a:solidFill>
+                  <a:schemeClr val="tx1"/>
+                </a:solidFill>
+              </a:ln>
+            </p:spPr>
+            <p:style>
+              <a:lnRef idx="2">
+                <a:schemeClr val="accent1"/>
+              </a:lnRef>
+              <a:fillRef idx="0">
+                <a:schemeClr val="accent1"/>
+              </a:fillRef>
+              <a:effectRef idx="1">
+                <a:schemeClr val="accent1"/>
+              </a:effectRef>
+              <a:fontRef idx="minor">
+                <a:schemeClr val="tx1"/>
+              </a:fontRef>
+            </p:style>
+          </p:cxnSp>
+          <p:sp>
+            <p:nvSpPr>
+              <p:cNvPr id="6" name="Arc 5">
+                <a:extLst>
+                  <a:ext uri="{FF2B5EF4-FFF2-40B4-BE49-F238E27FC236}">
+                    <a16:creationId xmlns:a16="http://schemas.microsoft.com/office/drawing/2014/main" id="{FD108AFB-02A4-A162-7C01-A212C45A3F2B}"/>
+                  </a:ext>
+                </a:extLst>
+              </p:cNvPr>
+              <p:cNvSpPr/>
+              <p:nvPr/>
+            </p:nvSpPr>
+            <p:spPr>
+              <a:xfrm>
+                <a:off x="4960446" y="1133794"/>
+                <a:ext cx="2156189" cy="2156189"/>
+              </a:xfrm>
+              <a:prstGeom prst="arc">
+                <a:avLst>
+                  <a:gd name="adj1" fmla="val 9615740"/>
+                  <a:gd name="adj2" fmla="val 7409857"/>
+                </a:avLst>
+              </a:prstGeom>
+              <a:noFill/>
+              <a:ln w="57150">
+                <a:solidFill>
+                  <a:schemeClr val="tx1"/>
+                </a:solidFill>
+              </a:ln>
+            </p:spPr>
+            <p:style>
+              <a:lnRef idx="2">
+                <a:schemeClr val="accent1"/>
+              </a:lnRef>
+              <a:fillRef idx="0">
+                <a:schemeClr val="accent1"/>
+              </a:fillRef>
+              <a:effectRef idx="1">
+                <a:schemeClr val="accent1"/>
+              </a:effectRef>
+              <a:fontRef idx="minor">
+                <a:schemeClr val="tx1"/>
+              </a:fontRef>
+            </p:style>
+            <p:txBody>
+              <a:bodyPr rtlCol="0" anchor="ctr"/>
+              <a:lstStyle/>
+              <a:p>
+                <a:pPr algn="ctr"/>
+                <a:endParaRPr lang="en-US"/>
+              </a:p>
+            </p:txBody>
+          </p:sp>
+          <p:cxnSp>
+            <p:nvCxnSpPr>
+              <p:cNvPr id="3" name="Straight Connector 2">
+                <a:extLst>
+                  <a:ext uri="{FF2B5EF4-FFF2-40B4-BE49-F238E27FC236}">
+                    <a16:creationId xmlns:a16="http://schemas.microsoft.com/office/drawing/2014/main" id="{72726B58-0A94-D87D-46B7-1831D99EFB5F}"/>
+                  </a:ext>
+                </a:extLst>
+              </p:cNvPr>
+              <p:cNvCxnSpPr/>
+              <p:nvPr/>
+            </p:nvCxnSpPr>
+            <p:spPr>
+              <a:xfrm flipH="1">
+                <a:off x="5013188" y="3102742"/>
+                <a:ext cx="457201" cy="378373"/>
+              </a:xfrm>
+              <a:prstGeom prst="line">
+                <a:avLst/>
+              </a:prstGeom>
+              <a:ln w="57150">
+                <a:solidFill>
+                  <a:schemeClr val="tx1"/>
+                </a:solidFill>
+              </a:ln>
+            </p:spPr>
+            <p:style>
+              <a:lnRef idx="2">
+                <a:schemeClr val="accent1"/>
+              </a:lnRef>
+              <a:fillRef idx="0">
+                <a:schemeClr val="accent1"/>
+              </a:fillRef>
+              <a:effectRef idx="1">
+                <a:schemeClr val="accent1"/>
+              </a:effectRef>
+              <a:fontRef idx="minor">
+                <a:schemeClr val="tx1"/>
+              </a:fontRef>
+            </p:style>
+          </p:cxnSp>
+        </p:grpSp>
+        <p:cxnSp>
+          <p:nvCxnSpPr>
+            <p:cNvPr id="5" name="Straight Arrow Connector 4">
+              <a:extLst>
+                <a:ext uri="{FF2B5EF4-FFF2-40B4-BE49-F238E27FC236}">
+                  <a16:creationId xmlns:a16="http://schemas.microsoft.com/office/drawing/2014/main" id="{EA101C69-D4A7-4AE0-4D7E-E7931CD721BE}"/>
+                </a:ext>
+              </a:extLst>
+            </p:cNvPr>
+            <p:cNvCxnSpPr/>
+            <p:nvPr/>
+          </p:nvCxnSpPr>
+          <p:spPr>
+            <a:xfrm flipV="1">
+              <a:off x="6344642" y="1689490"/>
+              <a:ext cx="0" cy="876582"/>
+            </a:xfrm>
+            <a:prstGeom prst="straightConnector1">
+              <a:avLst/>
+            </a:prstGeom>
+            <a:ln>
+              <a:solidFill>
+                <a:schemeClr val="tx1"/>
+              </a:solidFill>
+              <a:tailEnd type="triangle"/>
+            </a:ln>
+          </p:spPr>
+          <p:style>
+            <a:lnRef idx="2">
+              <a:schemeClr val="accent1"/>
+            </a:lnRef>
+            <a:fillRef idx="0">
+              <a:schemeClr val="accent1"/>
+            </a:fillRef>
+            <a:effectRef idx="1">
+              <a:schemeClr val="accent1"/>
+            </a:effectRef>
+            <a:fontRef idx="minor">
+              <a:schemeClr val="tx1"/>
+            </a:fontRef>
+          </p:style>
+        </p:cxnSp>
+        <p:cxnSp>
+          <p:nvCxnSpPr>
+            <p:cNvPr id="10" name="Straight Arrow Connector 9">
+              <a:extLst>
+                <a:ext uri="{FF2B5EF4-FFF2-40B4-BE49-F238E27FC236}">
+                  <a16:creationId xmlns:a16="http://schemas.microsoft.com/office/drawing/2014/main" id="{0EB653F3-4CF6-F6BD-C404-5B4677DC4C8B}"/>
+                </a:ext>
+              </a:extLst>
+            </p:cNvPr>
+            <p:cNvCxnSpPr>
+              <a:cxnSpLocks/>
+            </p:cNvCxnSpPr>
+            <p:nvPr/>
+          </p:nvCxnSpPr>
+          <p:spPr>
+            <a:xfrm flipV="1">
+              <a:off x="5833416" y="2976162"/>
+              <a:ext cx="0" cy="876582"/>
+            </a:xfrm>
+            <a:prstGeom prst="straightConnector1">
+              <a:avLst/>
+            </a:prstGeom>
+            <a:ln>
+              <a:solidFill>
+                <a:schemeClr val="tx1"/>
+              </a:solidFill>
+              <a:headEnd type="none" w="med" len="med"/>
+              <a:tailEnd type="none" w="med" len="med"/>
+            </a:ln>
+          </p:spPr>
+          <p:style>
+            <a:lnRef idx="2">
+              <a:schemeClr val="accent1"/>
+            </a:lnRef>
+            <a:fillRef idx="0">
+              <a:schemeClr val="accent1"/>
+            </a:fillRef>
+            <a:effectRef idx="1">
+              <a:schemeClr val="accent1"/>
+            </a:effectRef>
+            <a:fontRef idx="minor">
+              <a:schemeClr val="tx1"/>
+            </a:fontRef>
+          </p:style>
+        </p:cxnSp>
+        <p:cxnSp>
+          <p:nvCxnSpPr>
+            <p:cNvPr id="11" name="Straight Arrow Connector 10">
+              <a:extLst>
+                <a:ext uri="{FF2B5EF4-FFF2-40B4-BE49-F238E27FC236}">
+                  <a16:creationId xmlns:a16="http://schemas.microsoft.com/office/drawing/2014/main" id="{C850777E-2C11-942F-A920-4448B7051488}"/>
+                </a:ext>
+              </a:extLst>
+            </p:cNvPr>
+            <p:cNvCxnSpPr/>
+            <p:nvPr/>
+          </p:nvCxnSpPr>
+          <p:spPr>
+            <a:xfrm flipV="1">
+              <a:off x="5833416" y="1689490"/>
+              <a:ext cx="0" cy="876582"/>
+            </a:xfrm>
+            <a:prstGeom prst="straightConnector1">
+              <a:avLst/>
+            </a:prstGeom>
+            <a:ln>
+              <a:solidFill>
+                <a:schemeClr val="tx1"/>
+              </a:solidFill>
+              <a:tailEnd type="triangle"/>
+            </a:ln>
+          </p:spPr>
+          <p:style>
+            <a:lnRef idx="2">
+              <a:schemeClr val="accent1"/>
+            </a:lnRef>
+            <a:fillRef idx="0">
+              <a:schemeClr val="accent1"/>
+            </a:fillRef>
+            <a:effectRef idx="1">
+              <a:schemeClr val="accent1"/>
+            </a:effectRef>
+            <a:fontRef idx="minor">
+              <a:schemeClr val="tx1"/>
+            </a:fontRef>
+          </p:style>
+        </p:cxnSp>
+        <p:cxnSp>
+          <p:nvCxnSpPr>
+            <p:cNvPr id="18" name="Straight Arrow Connector 17">
+              <a:extLst>
+                <a:ext uri="{FF2B5EF4-FFF2-40B4-BE49-F238E27FC236}">
+                  <a16:creationId xmlns:a16="http://schemas.microsoft.com/office/drawing/2014/main" id="{8234043B-0E8D-7F8F-F295-6DF961365C6A}"/>
+                </a:ext>
+              </a:extLst>
+            </p:cNvPr>
+            <p:cNvCxnSpPr>
+              <a:cxnSpLocks/>
+            </p:cNvCxnSpPr>
+            <p:nvPr/>
+          </p:nvCxnSpPr>
+          <p:spPr>
+            <a:xfrm flipV="1">
+              <a:off x="6081834" y="2976162"/>
+              <a:ext cx="0" cy="876582"/>
+            </a:xfrm>
+            <a:prstGeom prst="straightConnector1">
+              <a:avLst/>
+            </a:prstGeom>
+            <a:ln>
+              <a:solidFill>
+                <a:schemeClr val="tx1"/>
+              </a:solidFill>
+              <a:headEnd type="none" w="med" len="med"/>
+              <a:tailEnd type="none" w="med" len="med"/>
+            </a:ln>
+          </p:spPr>
+          <p:style>
+            <a:lnRef idx="2">
+              <a:schemeClr val="accent1"/>
+            </a:lnRef>
+            <a:fillRef idx="0">
+              <a:schemeClr val="accent1"/>
+            </a:fillRef>
+            <a:effectRef idx="1">
+              <a:schemeClr val="accent1"/>
+            </a:effectRef>
+            <a:fontRef idx="minor">
+              <a:schemeClr val="tx1"/>
+            </a:fontRef>
+          </p:style>
+        </p:cxnSp>
+        <p:cxnSp>
+          <p:nvCxnSpPr>
+            <p:cNvPr id="26" name="Straight Arrow Connector 25">
+              <a:extLst>
+                <a:ext uri="{FF2B5EF4-FFF2-40B4-BE49-F238E27FC236}">
+                  <a16:creationId xmlns:a16="http://schemas.microsoft.com/office/drawing/2014/main" id="{258F009F-008B-7BA2-AF5B-B7218CD5A9D0}"/>
+                </a:ext>
+              </a:extLst>
+            </p:cNvPr>
+            <p:cNvCxnSpPr/>
+            <p:nvPr/>
+          </p:nvCxnSpPr>
+          <p:spPr>
+            <a:xfrm flipV="1">
+              <a:off x="6082260" y="1689490"/>
+              <a:ext cx="0" cy="876582"/>
+            </a:xfrm>
+            <a:prstGeom prst="straightConnector1">
+              <a:avLst/>
+            </a:prstGeom>
+            <a:ln>
+              <a:solidFill>
+                <a:schemeClr val="tx1"/>
+              </a:solidFill>
+              <a:tailEnd type="triangle"/>
+            </a:ln>
+          </p:spPr>
+          <p:style>
+            <a:lnRef idx="2">
+              <a:schemeClr val="accent1"/>
+            </a:lnRef>
+            <a:fillRef idx="0">
+              <a:schemeClr val="accent1"/>
+            </a:fillRef>
+            <a:effectRef idx="1">
+              <a:schemeClr val="accent1"/>
+            </a:effectRef>
+            <a:fontRef idx="minor">
+              <a:schemeClr val="tx1"/>
+            </a:fontRef>
+          </p:style>
+        </p:cxnSp>
+        <p:grpSp>
+          <p:nvGrpSpPr>
+            <p:cNvPr id="37" name="Group 36">
+              <a:extLst>
+                <a:ext uri="{FF2B5EF4-FFF2-40B4-BE49-F238E27FC236}">
+                  <a16:creationId xmlns:a16="http://schemas.microsoft.com/office/drawing/2014/main" id="{EF0262C9-538D-A260-EB43-39AC96293F76}"/>
+                </a:ext>
+              </a:extLst>
+            </p:cNvPr>
+            <p:cNvGrpSpPr/>
+            <p:nvPr/>
+          </p:nvGrpSpPr>
+          <p:grpSpPr>
+            <a:xfrm>
+              <a:off x="4504677" y="3838857"/>
+              <a:ext cx="385992" cy="454083"/>
+              <a:chOff x="4097264" y="3780621"/>
+              <a:chExt cx="385992" cy="454083"/>
+            </a:xfrm>
+            <a:scene3d>
+              <a:camera prst="isometricOffAxis2Top">
+                <a:rot lat="18448671" lon="2370244" rev="18834421"/>
+              </a:camera>
+              <a:lightRig rig="threePt" dir="t"/>
+            </a:scene3d>
+          </p:grpSpPr>
+          <p:sp>
+            <p:nvSpPr>
+              <p:cNvPr id="13" name="Oval 12">
+                <a:extLst>
+                  <a:ext uri="{FF2B5EF4-FFF2-40B4-BE49-F238E27FC236}">
+                    <a16:creationId xmlns:a16="http://schemas.microsoft.com/office/drawing/2014/main" id="{557758A2-4FE9-3EE9-5C69-520194D0399E}"/>
+                  </a:ext>
+                </a:extLst>
+              </p:cNvPr>
+              <p:cNvSpPr/>
+              <p:nvPr/>
+            </p:nvSpPr>
+            <p:spPr>
+              <a:xfrm>
+                <a:off x="4141950" y="3851184"/>
+                <a:ext cx="312957" cy="312957"/>
+              </a:xfrm>
+              <a:prstGeom prst="ellipse">
+                <a:avLst/>
+              </a:prstGeom>
+              <a:solidFill>
+                <a:schemeClr val="bg1"/>
+              </a:solidFill>
+              <a:ln w="38100">
+                <a:solidFill>
+                  <a:schemeClr val="tx1"/>
+                </a:solidFill>
+              </a:ln>
+            </p:spPr>
+            <p:style>
+              <a:lnRef idx="2">
+                <a:schemeClr val="accent1">
+                  <a:shade val="15000"/>
+                </a:schemeClr>
+              </a:lnRef>
+              <a:fillRef idx="1">
+                <a:schemeClr val="accent1"/>
+              </a:fillRef>
+              <a:effectRef idx="0">
+                <a:schemeClr val="accent1"/>
+              </a:effectRef>
+              <a:fontRef idx="minor">
+                <a:schemeClr val="lt1"/>
+              </a:fontRef>
+            </p:style>
+            <p:txBody>
+              <a:bodyPr rtlCol="0" anchor="ctr"/>
+              <a:lstStyle/>
+              <a:p>
+                <a:pPr algn="ctr"/>
+                <a:endParaRPr lang="en-US"/>
+              </a:p>
+            </p:txBody>
+          </p:sp>
+          <p:cxnSp>
+            <p:nvCxnSpPr>
+              <p:cNvPr id="28" name="Straight Connector 27">
+                <a:extLst>
+                  <a:ext uri="{FF2B5EF4-FFF2-40B4-BE49-F238E27FC236}">
+                    <a16:creationId xmlns:a16="http://schemas.microsoft.com/office/drawing/2014/main" id="{05633C51-B2C7-DF29-D6ED-B3CADBC1067C}"/>
+                  </a:ext>
+                </a:extLst>
+              </p:cNvPr>
+              <p:cNvCxnSpPr>
+                <a:cxnSpLocks/>
+              </p:cNvCxnSpPr>
+              <p:nvPr/>
+            </p:nvCxnSpPr>
+            <p:spPr>
+              <a:xfrm flipH="1" flipV="1">
+                <a:off x="4097264" y="3780621"/>
+                <a:ext cx="95021" cy="106721"/>
+              </a:xfrm>
+              <a:prstGeom prst="line">
+                <a:avLst/>
+              </a:prstGeom>
+              <a:ln w="38100">
+                <a:solidFill>
+                  <a:schemeClr val="tx1"/>
+                </a:solidFill>
+              </a:ln>
+            </p:spPr>
+            <p:style>
+              <a:lnRef idx="2">
+                <a:schemeClr val="accent1"/>
+              </a:lnRef>
+              <a:fillRef idx="0">
+                <a:schemeClr val="accent1"/>
+              </a:fillRef>
+              <a:effectRef idx="1">
+                <a:schemeClr val="accent1"/>
+              </a:effectRef>
+              <a:fontRef idx="minor">
+                <a:schemeClr val="tx1"/>
+              </a:fontRef>
+            </p:style>
+          </p:cxnSp>
+          <p:sp>
+            <p:nvSpPr>
+              <p:cNvPr id="31" name="Freeform: Shape 30">
+                <a:extLst>
+                  <a:ext uri="{FF2B5EF4-FFF2-40B4-BE49-F238E27FC236}">
+                    <a16:creationId xmlns:a16="http://schemas.microsoft.com/office/drawing/2014/main" id="{9D34C0E0-99D7-1B62-EC01-0EACFEBD476A}"/>
+                  </a:ext>
+                </a:extLst>
+              </p:cNvPr>
+              <p:cNvSpPr/>
+              <p:nvPr/>
+            </p:nvSpPr>
+            <p:spPr>
+              <a:xfrm>
+                <a:off x="4191000" y="3941332"/>
+                <a:ext cx="196850" cy="141932"/>
+              </a:xfrm>
+              <a:custGeom>
+                <a:avLst/>
+                <a:gdLst>
+                  <a:gd name="connsiteX0" fmla="*/ 0 w 196850"/>
+                  <a:gd name="connsiteY0" fmla="*/ 71868 h 141932"/>
+                  <a:gd name="connsiteX1" fmla="*/ 57150 w 196850"/>
+                  <a:gd name="connsiteY1" fmla="*/ 2018 h 141932"/>
+                  <a:gd name="connsiteX2" fmla="*/ 120650 w 196850"/>
+                  <a:gd name="connsiteY2" fmla="*/ 141718 h 141932"/>
+                  <a:gd name="connsiteX3" fmla="*/ 196850 w 196850"/>
+                  <a:gd name="connsiteY3" fmla="*/ 27418 h 141932"/>
+                </a:gdLst>
+                <a:ahLst/>
+                <a:cxnLst>
+                  <a:cxn ang="0">
+                    <a:pos x="connsiteX0" y="connsiteY0"/>
+                  </a:cxn>
+                  <a:cxn ang="0">
+                    <a:pos x="connsiteX1" y="connsiteY1"/>
+                  </a:cxn>
+                  <a:cxn ang="0">
+                    <a:pos x="connsiteX2" y="connsiteY2"/>
+                  </a:cxn>
+                  <a:cxn ang="0">
+                    <a:pos x="connsiteX3" y="connsiteY3"/>
+                  </a:cxn>
+                </a:cxnLst>
+                <a:rect l="l" t="t" r="r" b="b"/>
+                <a:pathLst>
+                  <a:path w="196850" h="141932">
+                    <a:moveTo>
+                      <a:pt x="0" y="71868"/>
+                    </a:moveTo>
+                    <a:cubicBezTo>
+                      <a:pt x="18521" y="31122"/>
+                      <a:pt x="37042" y="-9624"/>
+                      <a:pt x="57150" y="2018"/>
+                    </a:cubicBezTo>
+                    <a:cubicBezTo>
+                      <a:pt x="77258" y="13660"/>
+                      <a:pt x="97367" y="137485"/>
+                      <a:pt x="120650" y="141718"/>
+                    </a:cubicBezTo>
+                    <a:cubicBezTo>
+                      <a:pt x="143933" y="145951"/>
+                      <a:pt x="170391" y="86684"/>
+                      <a:pt x="196850" y="27418"/>
+                    </a:cubicBezTo>
+                  </a:path>
+                </a:pathLst>
+              </a:custGeom>
+              <a:noFill/>
+              <a:ln w="38100">
+                <a:solidFill>
+                  <a:schemeClr val="tx1"/>
+                </a:solidFill>
+              </a:ln>
+            </p:spPr>
+            <p:style>
+              <a:lnRef idx="2">
+                <a:schemeClr val="accent1">
+                  <a:shade val="15000"/>
+                </a:schemeClr>
+              </a:lnRef>
+              <a:fillRef idx="1">
+                <a:schemeClr val="accent1"/>
+              </a:fillRef>
+              <a:effectRef idx="0">
+                <a:schemeClr val="accent1"/>
+              </a:effectRef>
+              <a:fontRef idx="minor">
+                <a:schemeClr val="lt1"/>
+              </a:fontRef>
+            </p:style>
+            <p:txBody>
+              <a:bodyPr rtlCol="0" anchor="ctr"/>
+              <a:lstStyle/>
+              <a:p>
+                <a:pPr algn="ctr"/>
+                <a:endParaRPr lang="en-US" dirty="0"/>
+              </a:p>
+            </p:txBody>
+          </p:sp>
+          <p:cxnSp>
+            <p:nvCxnSpPr>
+              <p:cNvPr id="35" name="Straight Connector 34">
+                <a:extLst>
+                  <a:ext uri="{FF2B5EF4-FFF2-40B4-BE49-F238E27FC236}">
+                    <a16:creationId xmlns:a16="http://schemas.microsoft.com/office/drawing/2014/main" id="{AC9A7898-A12C-8982-15AE-5B0C974D5098}"/>
+                  </a:ext>
+                </a:extLst>
+              </p:cNvPr>
+              <p:cNvCxnSpPr>
+                <a:cxnSpLocks/>
+              </p:cNvCxnSpPr>
+              <p:nvPr/>
+            </p:nvCxnSpPr>
+            <p:spPr>
+              <a:xfrm flipH="1" flipV="1">
+                <a:off x="4393679" y="4138447"/>
+                <a:ext cx="89577" cy="96257"/>
+              </a:xfrm>
+              <a:prstGeom prst="line">
+                <a:avLst/>
+              </a:prstGeom>
+              <a:ln w="38100">
+                <a:solidFill>
+                  <a:schemeClr val="tx1"/>
+                </a:solidFill>
+              </a:ln>
+            </p:spPr>
+            <p:style>
+              <a:lnRef idx="2">
+                <a:schemeClr val="accent1"/>
+              </a:lnRef>
+              <a:fillRef idx="0">
+                <a:schemeClr val="accent1"/>
+              </a:fillRef>
+              <a:effectRef idx="1">
+                <a:schemeClr val="accent1"/>
+              </a:effectRef>
+              <a:fontRef idx="minor">
+                <a:schemeClr val="tx1"/>
+              </a:fontRef>
+            </p:style>
+          </p:cxnSp>
+        </p:grpSp>
+        <mc:AlternateContent xmlns:mc="http://schemas.openxmlformats.org/markup-compatibility/2006" xmlns:a14="http://schemas.microsoft.com/office/drawing/2010/main">
+          <mc:Choice Requires="a14">
+            <p:sp>
+              <p:nvSpPr>
+                <p:cNvPr id="79" name="TextBox 78">
+                  <a:extLst>
+                    <a:ext uri="{FF2B5EF4-FFF2-40B4-BE49-F238E27FC236}">
+                      <a16:creationId xmlns:a16="http://schemas.microsoft.com/office/drawing/2014/main" id="{694FF0E7-F4E7-8CAF-FD85-457F4942242B}"/>
+                    </a:ext>
+                  </a:extLst>
+                </p:cNvPr>
+                <p:cNvSpPr txBox="1"/>
+                <p:nvPr/>
+              </p:nvSpPr>
+              <p:spPr>
+                <a:xfrm>
+                  <a:off x="6504441" y="2571659"/>
+                  <a:ext cx="255583" cy="276999"/>
+                </a:xfrm>
+                <a:prstGeom prst="rect">
+                  <a:avLst/>
+                </a:prstGeom>
+                <a:noFill/>
+              </p:spPr>
+              <p:txBody>
+                <a:bodyPr wrap="none" lIns="0" tIns="0" rIns="0" bIns="0" rtlCol="0">
+                  <a:spAutoFit/>
+                </a:bodyPr>
+                <a:lstStyle/>
+                <a:p>
+                  <a:pPr/>
+                  <a14:m>
+                    <m:oMathPara xmlns:m="http://schemas.openxmlformats.org/officeDocument/2006/math">
+                      <m:oMathParaPr>
+                        <m:jc m:val="centerGroup"/>
+                      </m:oMathParaPr>
+                      <m:oMath xmlns:m="http://schemas.openxmlformats.org/officeDocument/2006/math">
+                        <m:sSub>
+                          <m:sSubPr>
+                            <m:ctrlPr>
+                              <a:rPr lang="en-US" b="0" i="1" smtClean="0">
+                                <a:latin typeface="Cambria Math" panose="02040503050406030204" pitchFamily="18" charset="0"/>
+                              </a:rPr>
+                            </m:ctrlPr>
+                          </m:sSubPr>
+                          <m:e>
+                            <m:r>
+                              <a:rPr lang="en-US" b="0" i="1" smtClean="0">
+                                <a:latin typeface="Cambria Math" panose="02040503050406030204" pitchFamily="18" charset="0"/>
+                              </a:rPr>
+                              <m:t>𝑠</m:t>
+                            </m:r>
+                          </m:e>
+                          <m:sub>
+                            <m:r>
+                              <a:rPr lang="en-US" b="0" i="1" smtClean="0">
+                                <a:latin typeface="Cambria Math" panose="02040503050406030204" pitchFamily="18" charset="0"/>
+                              </a:rPr>
+                              <m:t>2</m:t>
+                            </m:r>
+                          </m:sub>
+                        </m:sSub>
+                      </m:oMath>
+                    </m:oMathPara>
+                  </a14:m>
+                  <a:endParaRPr lang="en-US" dirty="0"/>
+                </a:p>
+              </p:txBody>
+            </p:sp>
+          </mc:Choice>
+          <mc:Fallback xmlns="">
+            <p:sp>
+              <p:nvSpPr>
+                <p:cNvPr id="79" name="TextBox 78">
+                  <a:extLst>
+                    <a:ext uri="{FF2B5EF4-FFF2-40B4-BE49-F238E27FC236}">
+                      <a16:creationId xmlns:a16="http://schemas.microsoft.com/office/drawing/2014/main" id="{694FF0E7-F4E7-8CAF-FD85-457F4942242B}"/>
+                    </a:ext>
+                  </a:extLst>
+                </p:cNvPr>
+                <p:cNvSpPr txBox="1">
+                  <a:spLocks noRot="1" noChangeAspect="1" noMove="1" noResize="1" noEditPoints="1" noAdjustHandles="1" noChangeArrowheads="1" noChangeShapeType="1" noTextEdit="1"/>
+                </p:cNvSpPr>
+                <p:nvPr/>
+              </p:nvSpPr>
+              <p:spPr>
+                <a:xfrm>
+                  <a:off x="6504441" y="2571659"/>
+                  <a:ext cx="255583" cy="276999"/>
+                </a:xfrm>
+                <a:prstGeom prst="rect">
+                  <a:avLst/>
+                </a:prstGeom>
+                <a:blipFill>
+                  <a:blip r:embed="rId6"/>
+                  <a:stretch>
+                    <a:fillRect l="-14286" r="-11905" b="-15556"/>
+                  </a:stretch>
+                </a:blipFill>
+              </p:spPr>
+              <p:txBody>
+                <a:bodyPr/>
+                <a:lstStyle/>
+                <a:p>
+                  <a:r>
+                    <a:rPr lang="en-US">
+                      <a:noFill/>
+                    </a:rPr>
+                    <a:t> </a:t>
+                  </a:r>
+                </a:p>
+              </p:txBody>
+            </p:sp>
+          </mc:Fallback>
+        </mc:AlternateContent>
+        <mc:AlternateContent xmlns:mc="http://schemas.openxmlformats.org/markup-compatibility/2006" xmlns:a14="http://schemas.microsoft.com/office/drawing/2010/main">
+          <mc:Choice Requires="a14">
+            <p:sp>
+              <p:nvSpPr>
+                <p:cNvPr id="80" name="TextBox 79">
+                  <a:extLst>
+                    <a:ext uri="{FF2B5EF4-FFF2-40B4-BE49-F238E27FC236}">
+                      <a16:creationId xmlns:a16="http://schemas.microsoft.com/office/drawing/2014/main" id="{9723A7A8-4CF8-C89C-D566-C13F48D3EE61}"/>
+                    </a:ext>
+                  </a:extLst>
+                </p:cNvPr>
+                <p:cNvSpPr txBox="1"/>
+                <p:nvPr/>
+              </p:nvSpPr>
+              <p:spPr>
+                <a:xfrm>
+                  <a:off x="3770660" y="2900181"/>
+                  <a:ext cx="908454" cy="467500"/>
+                </a:xfrm>
+                <a:prstGeom prst="rect">
+                  <a:avLst/>
+                </a:prstGeom>
+                <a:noFill/>
+              </p:spPr>
+              <p:txBody>
+                <a:bodyPr wrap="none" lIns="0" tIns="0" rIns="0" bIns="0" rtlCol="0">
+                  <a:spAutoFit/>
+                </a:bodyPr>
+                <a:lstStyle/>
+                <a:p>
+                  <a:pPr/>
+                  <a14:m>
+                    <m:oMathPara xmlns:m="http://schemas.openxmlformats.org/officeDocument/2006/math">
+                      <m:oMathParaPr>
+                        <m:jc m:val="centerGroup"/>
+                      </m:oMathParaPr>
+                      <m:oMath xmlns:m="http://schemas.openxmlformats.org/officeDocument/2006/math">
+                        <m:r>
+                          <a:rPr lang="en-US" sz="1600" b="0" i="1" smtClean="0">
+                            <a:latin typeface="Cambria Math" panose="02040503050406030204" pitchFamily="18" charset="0"/>
+                          </a:rPr>
+                          <m:t>=</m:t>
+                        </m:r>
+                        <m:sSub>
+                          <m:sSubPr>
+                            <m:ctrlPr>
+                              <a:rPr lang="en-US" sz="1600" b="0" i="1" smtClean="0">
+                                <a:latin typeface="Cambria Math" panose="02040503050406030204" pitchFamily="18" charset="0"/>
+                              </a:rPr>
+                            </m:ctrlPr>
+                          </m:sSubPr>
+                          <m:e>
+                            <m:r>
+                              <a:rPr lang="en-US" sz="1600" b="0" i="1" smtClean="0">
+                                <a:latin typeface="Cambria Math" panose="02040503050406030204" pitchFamily="18" charset="0"/>
+                              </a:rPr>
+                              <m:t>𝑀</m:t>
+                            </m:r>
+                          </m:e>
+                          <m:sub>
+                            <m:r>
+                              <a:rPr lang="en-US" sz="1600" b="0" i="1" smtClean="0">
+                                <a:latin typeface="Cambria Math" panose="02040503050406030204" pitchFamily="18" charset="0"/>
+                              </a:rPr>
+                              <m:t>12</m:t>
+                            </m:r>
+                          </m:sub>
+                        </m:sSub>
+                        <m:f>
+                          <m:fPr>
+                            <m:ctrlPr>
+                              <a:rPr lang="en-US" sz="1600" i="1" smtClean="0">
+                                <a:latin typeface="Cambria Math" panose="02040503050406030204" pitchFamily="18" charset="0"/>
+                              </a:rPr>
+                            </m:ctrlPr>
+                          </m:fPr>
+                          <m:num>
+                            <m:r>
+                              <a:rPr lang="en-US" sz="1600" b="0" i="1" smtClean="0">
+                                <a:latin typeface="Cambria Math" panose="02040503050406030204" pitchFamily="18" charset="0"/>
+                              </a:rPr>
+                              <m:t>𝑑</m:t>
+                            </m:r>
+                            <m:sSub>
+                              <m:sSubPr>
+                                <m:ctrlPr>
+                                  <a:rPr lang="en-US" sz="1600" b="0" i="1" smtClean="0">
+                                    <a:latin typeface="Cambria Math" panose="02040503050406030204" pitchFamily="18" charset="0"/>
+                                  </a:rPr>
+                                </m:ctrlPr>
+                              </m:sSubPr>
+                              <m:e>
+                                <m:r>
+                                  <a:rPr lang="en-US" sz="1600" b="0" i="1" smtClean="0">
+                                    <a:latin typeface="Cambria Math" panose="02040503050406030204" pitchFamily="18" charset="0"/>
+                                  </a:rPr>
+                                  <m:t>𝐼</m:t>
+                                </m:r>
+                              </m:e>
+                              <m:sub>
+                                <m:r>
+                                  <a:rPr lang="en-US" sz="1600" b="0" i="1" smtClean="0">
+                                    <a:latin typeface="Cambria Math" panose="02040503050406030204" pitchFamily="18" charset="0"/>
+                                  </a:rPr>
+                                  <m:t>1</m:t>
+                                </m:r>
+                              </m:sub>
+                            </m:sSub>
+                          </m:num>
+                          <m:den>
+                            <m:r>
+                              <a:rPr lang="en-US" sz="1600" b="0" i="1" smtClean="0">
+                                <a:latin typeface="Cambria Math" panose="02040503050406030204" pitchFamily="18" charset="0"/>
+                              </a:rPr>
+                              <m:t>𝑑𝑡</m:t>
+                            </m:r>
+                          </m:den>
+                        </m:f>
+                      </m:oMath>
+                    </m:oMathPara>
+                  </a14:m>
+                  <a:endParaRPr lang="en-US" dirty="0"/>
+                </a:p>
+              </p:txBody>
+            </p:sp>
+          </mc:Choice>
+          <mc:Fallback xmlns="">
+            <p:sp>
+              <p:nvSpPr>
+                <p:cNvPr id="80" name="TextBox 79">
+                  <a:extLst>
+                    <a:ext uri="{FF2B5EF4-FFF2-40B4-BE49-F238E27FC236}">
+                      <a16:creationId xmlns:a16="http://schemas.microsoft.com/office/drawing/2014/main" id="{9723A7A8-4CF8-C89C-D566-C13F48D3EE61}"/>
+                    </a:ext>
+                  </a:extLst>
+                </p:cNvPr>
+                <p:cNvSpPr txBox="1">
+                  <a:spLocks noRot="1" noChangeAspect="1" noMove="1" noResize="1" noEditPoints="1" noAdjustHandles="1" noChangeArrowheads="1" noChangeShapeType="1" noTextEdit="1"/>
+                </p:cNvSpPr>
+                <p:nvPr/>
+              </p:nvSpPr>
+              <p:spPr>
+                <a:xfrm>
+                  <a:off x="3770660" y="2900181"/>
+                  <a:ext cx="908454" cy="467500"/>
+                </a:xfrm>
+                <a:prstGeom prst="rect">
+                  <a:avLst/>
+                </a:prstGeom>
+                <a:blipFill>
+                  <a:blip r:embed="rId7"/>
+                  <a:stretch>
+                    <a:fillRect/>
+                  </a:stretch>
+                </a:blipFill>
+              </p:spPr>
+              <p:txBody>
+                <a:bodyPr/>
+                <a:lstStyle/>
+                <a:p>
+                  <a:r>
+                    <a:rPr lang="en-US">
+                      <a:noFill/>
+                    </a:rPr>
+                    <a:t> </a:t>
+                  </a:r>
+                </a:p>
+              </p:txBody>
+            </p:sp>
+          </mc:Fallback>
+        </mc:AlternateContent>
+        <mc:AlternateContent xmlns:mc="http://schemas.openxmlformats.org/markup-compatibility/2006" xmlns:a14="http://schemas.microsoft.com/office/drawing/2010/main">
+          <mc:Choice Requires="a14">
+            <p:sp>
+              <p:nvSpPr>
+                <p:cNvPr id="81" name="TextBox 80">
+                  <a:extLst>
+                    <a:ext uri="{FF2B5EF4-FFF2-40B4-BE49-F238E27FC236}">
+                      <a16:creationId xmlns:a16="http://schemas.microsoft.com/office/drawing/2014/main" id="{CCAA7353-C4B3-D30A-8515-075D4A0D04DA}"/>
+                    </a:ext>
+                  </a:extLst>
+                </p:cNvPr>
+                <p:cNvSpPr txBox="1"/>
+                <p:nvPr/>
+              </p:nvSpPr>
+              <p:spPr>
+                <a:xfrm>
+                  <a:off x="4973247" y="4197631"/>
+                  <a:ext cx="223138" cy="276999"/>
+                </a:xfrm>
+                <a:prstGeom prst="rect">
+                  <a:avLst/>
+                </a:prstGeom>
+                <a:noFill/>
+              </p:spPr>
+              <p:txBody>
+                <a:bodyPr wrap="none" lIns="0" tIns="0" rIns="0" bIns="0" rtlCol="0">
+                  <a:spAutoFit/>
+                </a:bodyPr>
+                <a:lstStyle/>
+                <a:p>
+                  <a:pPr/>
+                  <a14:m>
+                    <m:oMathPara xmlns:m="http://schemas.openxmlformats.org/officeDocument/2006/math">
+                      <m:oMathParaPr>
+                        <m:jc m:val="centerGroup"/>
+                      </m:oMathParaPr>
+                      <m:oMath xmlns:m="http://schemas.openxmlformats.org/officeDocument/2006/math">
+                        <m:sSub>
+                          <m:sSubPr>
+                            <m:ctrlPr>
+                              <a:rPr lang="en-US" b="0" i="1" smtClean="0">
+                                <a:latin typeface="Cambria Math" panose="02040503050406030204" pitchFamily="18" charset="0"/>
+                              </a:rPr>
+                            </m:ctrlPr>
+                          </m:sSubPr>
+                          <m:e>
+                            <m:r>
+                              <a:rPr lang="en-US" b="0" i="1" smtClean="0">
+                                <a:latin typeface="Cambria Math" panose="02040503050406030204" pitchFamily="18" charset="0"/>
+                              </a:rPr>
+                              <m:t>𝐼</m:t>
+                            </m:r>
+                          </m:e>
+                          <m:sub>
+                            <m:r>
+                              <a:rPr lang="en-US" b="0" i="1" smtClean="0">
+                                <a:latin typeface="Cambria Math" panose="02040503050406030204" pitchFamily="18" charset="0"/>
+                              </a:rPr>
+                              <m:t>1</m:t>
+                            </m:r>
+                          </m:sub>
+                        </m:sSub>
+                      </m:oMath>
+                    </m:oMathPara>
+                  </a14:m>
+                  <a:endParaRPr lang="en-US" dirty="0"/>
+                </a:p>
+              </p:txBody>
+            </p:sp>
+          </mc:Choice>
+          <mc:Fallback xmlns="">
+            <p:sp>
+              <p:nvSpPr>
+                <p:cNvPr id="81" name="TextBox 80">
+                  <a:extLst>
+                    <a:ext uri="{FF2B5EF4-FFF2-40B4-BE49-F238E27FC236}">
+                      <a16:creationId xmlns:a16="http://schemas.microsoft.com/office/drawing/2014/main" id="{CCAA7353-C4B3-D30A-8515-075D4A0D04DA}"/>
+                    </a:ext>
+                  </a:extLst>
+                </p:cNvPr>
+                <p:cNvSpPr txBox="1">
+                  <a:spLocks noRot="1" noChangeAspect="1" noMove="1" noResize="1" noEditPoints="1" noAdjustHandles="1" noChangeArrowheads="1" noChangeShapeType="1" noTextEdit="1"/>
+                </p:cNvSpPr>
+                <p:nvPr/>
+              </p:nvSpPr>
+              <p:spPr>
+                <a:xfrm>
+                  <a:off x="4973247" y="4197631"/>
+                  <a:ext cx="223138" cy="276999"/>
+                </a:xfrm>
+                <a:prstGeom prst="rect">
+                  <a:avLst/>
+                </a:prstGeom>
+                <a:blipFill>
+                  <a:blip r:embed="rId8"/>
+                  <a:stretch>
+                    <a:fillRect l="-27778" r="-11111" b="-15556"/>
+                  </a:stretch>
+                </a:blipFill>
+              </p:spPr>
+              <p:txBody>
+                <a:bodyPr/>
+                <a:lstStyle/>
+                <a:p>
+                  <a:r>
+                    <a:rPr lang="en-US">
+                      <a:noFill/>
+                    </a:rPr>
+                    <a:t> </a:t>
+                  </a:r>
+                </a:p>
+              </p:txBody>
+            </p:sp>
+          </mc:Fallback>
+        </mc:AlternateContent>
+      </p:grpSp>
+    </p:spTree>
+    <p:extLst>
+      <p:ext uri="{BB962C8B-B14F-4D97-AF65-F5344CB8AC3E}">
+        <p14:creationId xmlns:p14="http://schemas.microsoft.com/office/powerpoint/2010/main" val="471652234"/>
+      </p:ext>
+    </p:extLst>
+  </p:cSld>
+  <p:clrMapOvr>
+    <a:masterClrMapping/>
+  </p:clrMapOvr>
+</p:sld>
+</file>
+
+<file path=ppt/slides/slide11.xml><?xml version="1.0" encoding="utf-8"?>
+<p:sld xmlns:a="http://schemas.openxmlformats.org/drawingml/2006/main" xmlns:r="http://schemas.openxmlformats.org/officeDocument/2006/relationships" xmlns:p="http://schemas.openxmlformats.org/presentationml/2006/main">
+  <p:cSld>
+    <p:spTree>
+      <p:nvGrpSpPr>
+        <p:cNvPr id="1" name=""/>
+        <p:cNvGrpSpPr/>
+        <p:nvPr/>
+      </p:nvGrpSpPr>
+      <p:grpSpPr>
+        <a:xfrm>
+          <a:off x="0" y="0"/>
+          <a:ext cx="0" cy="0"/>
+          <a:chOff x="0" y="0"/>
+          <a:chExt cx="0" cy="0"/>
+        </a:xfrm>
+      </p:grpSpPr>
+      <p:sp>
+        <p:nvSpPr>
+          <p:cNvPr id="2" name="Title 1">
+            <a:extLst>
+              <a:ext uri="{FF2B5EF4-FFF2-40B4-BE49-F238E27FC236}">
+                <a16:creationId xmlns:a16="http://schemas.microsoft.com/office/drawing/2014/main" id="{D0E8A2E9-8009-5E29-D6CA-AB9C34D4C485}"/>
+              </a:ext>
+            </a:extLst>
+          </p:cNvPr>
+          <p:cNvSpPr>
+            <a:spLocks noGrp="1"/>
+          </p:cNvSpPr>
+          <p:nvPr>
+            <p:ph type="title"/>
+          </p:nvPr>
+        </p:nvSpPr>
+        <p:spPr/>
+        <p:txBody>
+          <a:bodyPr/>
+          <a:lstStyle/>
+          <a:p>
+            <a:r>
+              <a:rPr lang="en-US" dirty="0"/>
+              <a:t>Linear </a:t>
+            </a:r>
+            <a:r>
+              <a:rPr lang="en-US" dirty="0" err="1"/>
+              <a:t>Ckts</a:t>
+            </a:r>
+            <a:endParaRPr lang="en-US" dirty="0"/>
+          </a:p>
+        </p:txBody>
+      </p:sp>
+      <p:sp>
+        <p:nvSpPr>
+          <p:cNvPr id="3" name="Text Placeholder 2">
+            <a:extLst>
+              <a:ext uri="{FF2B5EF4-FFF2-40B4-BE49-F238E27FC236}">
+                <a16:creationId xmlns:a16="http://schemas.microsoft.com/office/drawing/2014/main" id="{C206D654-6B08-4256-23D0-7661E1E588A3}"/>
+              </a:ext>
+            </a:extLst>
+          </p:cNvPr>
+          <p:cNvSpPr>
+            <a:spLocks noGrp="1"/>
+          </p:cNvSpPr>
+          <p:nvPr>
+            <p:ph type="body" idx="1"/>
+          </p:nvPr>
+        </p:nvSpPr>
+        <p:spPr/>
+        <p:txBody>
+          <a:bodyPr/>
+          <a:lstStyle/>
+          <a:p>
+            <a:endParaRPr lang="en-US" dirty="0"/>
+          </a:p>
+        </p:txBody>
+      </p:sp>
+    </p:spTree>
+    <p:extLst>
+      <p:ext uri="{BB962C8B-B14F-4D97-AF65-F5344CB8AC3E}">
+        <p14:creationId xmlns:p14="http://schemas.microsoft.com/office/powerpoint/2010/main" val="2223223871"/>
+      </p:ext>
+    </p:extLst>
+  </p:cSld>
+  <p:clrMapOvr>
+    <a:masterClrMapping/>
+  </p:clrMapOvr>
+</p:sld>
+</file>
+
+<file path=ppt/slides/slide12.xml><?xml version="1.0" encoding="utf-8"?>
+<p:sld xmlns:a="http://schemas.openxmlformats.org/drawingml/2006/main" xmlns:r="http://schemas.openxmlformats.org/officeDocument/2006/relationships" xmlns:p="http://schemas.openxmlformats.org/presentationml/2006/main">
+  <p:cSld>
+    <p:spTree>
+      <p:nvGrpSpPr>
+        <p:cNvPr id="1" name=""/>
+        <p:cNvGrpSpPr/>
+        <p:nvPr/>
+      </p:nvGrpSpPr>
+      <p:grpSpPr>
+        <a:xfrm>
+          <a:off x="0" y="0"/>
+          <a:ext cx="0" cy="0"/>
+          <a:chOff x="0" y="0"/>
+          <a:chExt cx="0" cy="0"/>
+        </a:xfrm>
+      </p:grpSpPr>
+      <p:pic>
+        <p:nvPicPr>
+          <p:cNvPr id="3" name="Picture 2">
+            <a:extLst>
+              <a:ext uri="{FF2B5EF4-FFF2-40B4-BE49-F238E27FC236}">
+                <a16:creationId xmlns:a16="http://schemas.microsoft.com/office/drawing/2014/main" id="{7D218E3B-7DB7-D72B-6535-E6682DB791A5}"/>
+              </a:ext>
+            </a:extLst>
+          </p:cNvPr>
+          <p:cNvPicPr>
+            <a:picLocks noChangeAspect="1"/>
+          </p:cNvPicPr>
+          <p:nvPr/>
+        </p:nvPicPr>
+        <p:blipFill>
+          <a:blip r:embed="rId2"/>
+          <a:stretch>
+            <a:fillRect/>
+          </a:stretch>
+        </p:blipFill>
+        <p:spPr>
+          <a:xfrm>
+            <a:off x="559217" y="1645068"/>
+            <a:ext cx="4723761" cy="2421606"/>
+          </a:xfrm>
+          <a:prstGeom prst="rect">
+            <a:avLst/>
+          </a:prstGeom>
+        </p:spPr>
+      </p:pic>
+      <p:sp>
+        <p:nvSpPr>
+          <p:cNvPr id="4" name="TextBox 3">
+            <a:extLst>
+              <a:ext uri="{FF2B5EF4-FFF2-40B4-BE49-F238E27FC236}">
+                <a16:creationId xmlns:a16="http://schemas.microsoft.com/office/drawing/2014/main" id="{239D46CE-806B-6AA5-4817-DCF36D911A3C}"/>
+              </a:ext>
+            </a:extLst>
+          </p:cNvPr>
+          <p:cNvSpPr txBox="1"/>
+          <p:nvPr/>
+        </p:nvSpPr>
+        <p:spPr>
+          <a:xfrm>
+            <a:off x="815929" y="4277471"/>
+            <a:ext cx="3501151" cy="369332"/>
+          </a:xfrm>
+          <a:prstGeom prst="rect">
+            <a:avLst/>
+          </a:prstGeom>
+          <a:noFill/>
+        </p:spPr>
+        <p:txBody>
+          <a:bodyPr wrap="none" rtlCol="0">
+            <a:spAutoFit/>
+          </a:bodyPr>
+          <a:lstStyle/>
+          <a:p>
+            <a:r>
+              <a:rPr lang="en-US" dirty="0"/>
+              <a:t>Fig-circuits-KCL.png  R0 01/12/25</a:t>
+            </a:r>
+          </a:p>
+        </p:txBody>
+      </p:sp>
+    </p:spTree>
+    <p:extLst>
+      <p:ext uri="{BB962C8B-B14F-4D97-AF65-F5344CB8AC3E}">
+        <p14:creationId xmlns:p14="http://schemas.microsoft.com/office/powerpoint/2010/main" val="2538798713"/>
+      </p:ext>
+    </p:extLst>
+  </p:cSld>
+  <p:clrMapOvr>
+    <a:masterClrMapping/>
+  </p:clrMapOvr>
+</p:sld>
+</file>
+
+<file path=ppt/slides/slide13.xml><?xml version="1.0" encoding="utf-8"?>
+<p:sld xmlns:a="http://schemas.openxmlformats.org/drawingml/2006/main" xmlns:r="http://schemas.openxmlformats.org/officeDocument/2006/relationships" xmlns:p="http://schemas.openxmlformats.org/presentationml/2006/main">
+  <p:cSld>
+    <p:spTree>
+      <p:nvGrpSpPr>
+        <p:cNvPr id="1" name="">
+          <a:extLst>
+            <a:ext uri="{FF2B5EF4-FFF2-40B4-BE49-F238E27FC236}">
+              <a16:creationId xmlns:a16="http://schemas.microsoft.com/office/drawing/2014/main" id="{10C9D134-5E5B-92C9-6FDC-9EECA08803FE}"/>
+            </a:ext>
+          </a:extLst>
+        </p:cNvPr>
+        <p:cNvGrpSpPr/>
+        <p:nvPr/>
+      </p:nvGrpSpPr>
+      <p:grpSpPr>
+        <a:xfrm>
+          <a:off x="0" y="0"/>
+          <a:ext cx="0" cy="0"/>
+          <a:chOff x="0" y="0"/>
+          <a:chExt cx="0" cy="0"/>
+        </a:xfrm>
+      </p:grpSpPr>
+      <p:sp>
+        <p:nvSpPr>
+          <p:cNvPr id="4" name="TextBox 3">
+            <a:extLst>
+              <a:ext uri="{FF2B5EF4-FFF2-40B4-BE49-F238E27FC236}">
+                <a16:creationId xmlns:a16="http://schemas.microsoft.com/office/drawing/2014/main" id="{6BB24459-8C49-56FD-0B7B-AB6557ACE033}"/>
+              </a:ext>
+            </a:extLst>
+          </p:cNvPr>
+          <p:cNvSpPr txBox="1"/>
+          <p:nvPr/>
+        </p:nvSpPr>
+        <p:spPr>
+          <a:xfrm>
+            <a:off x="815929" y="4277471"/>
+            <a:ext cx="3482107" cy="369332"/>
+          </a:xfrm>
+          <a:prstGeom prst="rect">
+            <a:avLst/>
+          </a:prstGeom>
+          <a:noFill/>
+        </p:spPr>
+        <p:txBody>
+          <a:bodyPr wrap="none" rtlCol="0">
+            <a:spAutoFit/>
+          </a:bodyPr>
+          <a:lstStyle/>
+          <a:p>
+            <a:r>
+              <a:rPr lang="en-US" dirty="0"/>
+              <a:t>Fig-circuits-KVL.png  R0 01/12/25</a:t>
+            </a:r>
+          </a:p>
+        </p:txBody>
+      </p:sp>
+      <p:pic>
+        <p:nvPicPr>
+          <p:cNvPr id="5" name="Picture 4">
+            <a:extLst>
+              <a:ext uri="{FF2B5EF4-FFF2-40B4-BE49-F238E27FC236}">
+                <a16:creationId xmlns:a16="http://schemas.microsoft.com/office/drawing/2014/main" id="{D688EEC3-1033-631B-A4D5-611235559257}"/>
+              </a:ext>
+            </a:extLst>
+          </p:cNvPr>
+          <p:cNvPicPr>
+            <a:picLocks noChangeAspect="1"/>
+          </p:cNvPicPr>
+          <p:nvPr/>
+        </p:nvPicPr>
+        <p:blipFill>
+          <a:blip r:embed="rId2"/>
+          <a:stretch>
+            <a:fillRect/>
+          </a:stretch>
+        </p:blipFill>
+        <p:spPr>
+          <a:xfrm>
+            <a:off x="435644" y="2094993"/>
+            <a:ext cx="4726818" cy="2182478"/>
+          </a:xfrm>
+          <a:prstGeom prst="rect">
+            <a:avLst/>
+          </a:prstGeom>
+        </p:spPr>
+      </p:pic>
+    </p:spTree>
+    <p:extLst>
+      <p:ext uri="{BB962C8B-B14F-4D97-AF65-F5344CB8AC3E}">
+        <p14:creationId xmlns:p14="http://schemas.microsoft.com/office/powerpoint/2010/main" val="3643633011"/>
+      </p:ext>
+    </p:extLst>
+  </p:cSld>
+  <p:clrMapOvr>
+    <a:masterClrMapping/>
+  </p:clrMapOvr>
+</p:sld>
+</file>
+
+<file path=ppt/slides/slide14.xml><?xml version="1.0" encoding="utf-8"?>
+<p:sld xmlns:a="http://schemas.openxmlformats.org/drawingml/2006/main" xmlns:r="http://schemas.openxmlformats.org/officeDocument/2006/relationships" xmlns:p="http://schemas.openxmlformats.org/presentationml/2006/main">
+  <p:cSld>
+    <p:spTree>
+      <p:nvGrpSpPr>
         <p:cNvPr id="1" name=""/>
         <p:cNvGrpSpPr/>
         <p:nvPr/>
@@ -3500,7 +5894,7 @@
 </p:sld>
 </file>
 
-<file path=ppt/slides/slide11.xml><?xml version="1.0" encoding="utf-8"?>
+<file path=ppt/slides/slide15.xml><?xml version="1.0" encoding="utf-8"?>
 <p:sld xmlns:a="http://schemas.openxmlformats.org/drawingml/2006/main" xmlns:r="http://schemas.openxmlformats.org/officeDocument/2006/relationships" xmlns:p="http://schemas.openxmlformats.org/presentationml/2006/main">
   <p:cSld>
     <p:spTree>
@@ -3595,7 +5989,7 @@
 </p:sld>
 </file>
 
-<file path=ppt/slides/slide12.xml><?xml version="1.0" encoding="utf-8"?>
+<file path=ppt/slides/slide16.xml><?xml version="1.0" encoding="utf-8"?>
 <p:sld xmlns:a="http://schemas.openxmlformats.org/drawingml/2006/main" xmlns:r="http://schemas.openxmlformats.org/officeDocument/2006/relationships" xmlns:p="http://schemas.openxmlformats.org/presentationml/2006/main">
   <p:cSld>
     <p:spTree>
@@ -3696,7 +6090,7 @@
 </p:sld>
 </file>
 
-<file path=ppt/slides/slide13.xml><?xml version="1.0" encoding="utf-8"?>
+<file path=ppt/slides/slide17.xml><?xml version="1.0" encoding="utf-8"?>
 <p:sld xmlns:a="http://schemas.openxmlformats.org/drawingml/2006/main" xmlns:r="http://schemas.openxmlformats.org/officeDocument/2006/relationships" xmlns:p="http://schemas.openxmlformats.org/presentationml/2006/main">
   <p:cSld>
     <p:spTree>
@@ -3826,7 +6220,7 @@
 </p:sld>
 </file>
 
-<file path=ppt/slides/slide14.xml><?xml version="1.0" encoding="utf-8"?>
+<file path=ppt/slides/slide18.xml><?xml version="1.0" encoding="utf-8"?>
 <p:sld xmlns:a="http://schemas.openxmlformats.org/drawingml/2006/main" xmlns:r="http://schemas.openxmlformats.org/officeDocument/2006/relationships" xmlns:p="http://schemas.openxmlformats.org/presentationml/2006/main">
   <p:cSld>
     <p:spTree>
@@ -3970,7 +6364,7 @@
 </p:sld>
 </file>
 
-<file path=ppt/slides/slide15.xml><?xml version="1.0" encoding="utf-8"?>
+<file path=ppt/slides/slide19.xml><?xml version="1.0" encoding="utf-8"?>
 <p:sld xmlns:a="http://schemas.openxmlformats.org/drawingml/2006/main" xmlns:r="http://schemas.openxmlformats.org/officeDocument/2006/relationships" xmlns:p="http://schemas.openxmlformats.org/presentationml/2006/main">
   <p:cSld>
     <p:spTree>
@@ -4106,7 +6500,90 @@
 </p:sld>
 </file>
 
-<file path=ppt/slides/slide16.xml><?xml version="1.0" encoding="utf-8"?>
+<file path=ppt/slides/slide2.xml><?xml version="1.0" encoding="utf-8"?>
+<p:sld xmlns:a="http://schemas.openxmlformats.org/drawingml/2006/main" xmlns:r="http://schemas.openxmlformats.org/officeDocument/2006/relationships" xmlns:p="http://schemas.openxmlformats.org/presentationml/2006/main">
+  <p:cSld>
+    <p:spTree>
+      <p:nvGrpSpPr>
+        <p:cNvPr id="1" name=""/>
+        <p:cNvGrpSpPr/>
+        <p:nvPr/>
+      </p:nvGrpSpPr>
+      <p:grpSpPr>
+        <a:xfrm>
+          <a:off x="0" y="0"/>
+          <a:ext cx="0" cy="0"/>
+          <a:chOff x="0" y="0"/>
+          <a:chExt cx="0" cy="0"/>
+        </a:xfrm>
+      </p:grpSpPr>
+      <p:sp>
+        <p:nvSpPr>
+          <p:cNvPr id="2" name="Title 1">
+            <a:extLst>
+              <a:ext uri="{FF2B5EF4-FFF2-40B4-BE49-F238E27FC236}">
+                <a16:creationId xmlns:a16="http://schemas.microsoft.com/office/drawing/2014/main" id="{98D5B683-2009-BF16-0C1B-AC844D596F87}"/>
+              </a:ext>
+            </a:extLst>
+          </p:cNvPr>
+          <p:cNvSpPr>
+            <a:spLocks noGrp="1"/>
+          </p:cNvSpPr>
+          <p:nvPr>
+            <p:ph type="title"/>
+          </p:nvPr>
+        </p:nvSpPr>
+        <p:spPr/>
+        <p:txBody>
+          <a:bodyPr/>
+          <a:lstStyle/>
+          <a:p>
+            <a:r>
+              <a:rPr lang="en-US" dirty="0"/>
+              <a:t>Semi Devices</a:t>
+            </a:r>
+          </a:p>
+        </p:txBody>
+      </p:sp>
+      <p:sp>
+        <p:nvSpPr>
+          <p:cNvPr id="3" name="Text Placeholder 2">
+            <a:extLst>
+              <a:ext uri="{FF2B5EF4-FFF2-40B4-BE49-F238E27FC236}">
+                <a16:creationId xmlns:a16="http://schemas.microsoft.com/office/drawing/2014/main" id="{81A4FB93-3AC6-259F-CA72-B3115BD73EE6}"/>
+              </a:ext>
+            </a:extLst>
+          </p:cNvPr>
+          <p:cNvSpPr>
+            <a:spLocks noGrp="1"/>
+          </p:cNvSpPr>
+          <p:nvPr>
+            <p:ph type="body" idx="1"/>
+          </p:nvPr>
+        </p:nvSpPr>
+        <p:spPr/>
+        <p:txBody>
+          <a:bodyPr/>
+          <a:lstStyle/>
+          <a:p>
+            <a:endParaRPr lang="en-US"/>
+          </a:p>
+        </p:txBody>
+      </p:sp>
+    </p:spTree>
+    <p:extLst>
+      <p:ext uri="{BB962C8B-B14F-4D97-AF65-F5344CB8AC3E}">
+        <p14:creationId xmlns:p14="http://schemas.microsoft.com/office/powerpoint/2010/main" val="1304473932"/>
+      </p:ext>
+    </p:extLst>
+  </p:cSld>
+  <p:clrMapOvr>
+    <a:masterClrMapping/>
+  </p:clrMapOvr>
+</p:sld>
+</file>
+
+<file path=ppt/slides/slide20.xml><?xml version="1.0" encoding="utf-8"?>
 <p:sld xmlns:a="http://schemas.openxmlformats.org/drawingml/2006/main" xmlns:r="http://schemas.openxmlformats.org/officeDocument/2006/relationships" xmlns:p="http://schemas.openxmlformats.org/presentationml/2006/main">
   <p:cSld>
     <p:spTree>
@@ -4373,7 +6850,7 @@
 </p:sld>
 </file>
 
-<file path=ppt/slides/slide17.xml><?xml version="1.0" encoding="utf-8"?>
+<file path=ppt/slides/slide21.xml><?xml version="1.0" encoding="utf-8"?>
 <p:sld xmlns:a="http://schemas.openxmlformats.org/drawingml/2006/main" xmlns:r="http://schemas.openxmlformats.org/officeDocument/2006/relationships" xmlns:p="http://schemas.openxmlformats.org/presentationml/2006/main">
   <p:cSld>
     <p:spTree>
@@ -4503,7 +6980,3336 @@
 </p:sld>
 </file>
 
-<file path=ppt/slides/slide2.xml><?xml version="1.0" encoding="utf-8"?>
+<file path=ppt/slides/slide3.xml><?xml version="1.0" encoding="utf-8"?>
+<p:sld xmlns:a="http://schemas.openxmlformats.org/drawingml/2006/main" xmlns:r="http://schemas.openxmlformats.org/officeDocument/2006/relationships" xmlns:p="http://schemas.openxmlformats.org/presentationml/2006/main">
+  <p:cSld>
+    <p:spTree>
+      <p:nvGrpSpPr>
+        <p:cNvPr id="1" name=""/>
+        <p:cNvGrpSpPr/>
+        <p:nvPr/>
+      </p:nvGrpSpPr>
+      <p:grpSpPr>
+        <a:xfrm>
+          <a:off x="0" y="0"/>
+          <a:ext cx="0" cy="0"/>
+          <a:chOff x="0" y="0"/>
+          <a:chExt cx="0" cy="0"/>
+        </a:xfrm>
+      </p:grpSpPr>
+      <p:grpSp>
+        <p:nvGrpSpPr>
+          <p:cNvPr id="128" name="Group 127">
+            <a:extLst>
+              <a:ext uri="{FF2B5EF4-FFF2-40B4-BE49-F238E27FC236}">
+                <a16:creationId xmlns:a16="http://schemas.microsoft.com/office/drawing/2014/main" id="{6AD0D0A2-E67D-4056-08A9-42909DA4813D}"/>
+              </a:ext>
+            </a:extLst>
+          </p:cNvPr>
+          <p:cNvGrpSpPr/>
+          <p:nvPr/>
+        </p:nvGrpSpPr>
+        <p:grpSpPr>
+          <a:xfrm>
+            <a:off x="3978451" y="423599"/>
+            <a:ext cx="6355962" cy="6010802"/>
+            <a:chOff x="1517474" y="478226"/>
+            <a:chExt cx="6355962" cy="6010802"/>
+          </a:xfrm>
+        </p:grpSpPr>
+        <p:grpSp>
+          <p:nvGrpSpPr>
+            <p:cNvPr id="127" name="Group 126">
+              <a:extLst>
+                <a:ext uri="{FF2B5EF4-FFF2-40B4-BE49-F238E27FC236}">
+                  <a16:creationId xmlns:a16="http://schemas.microsoft.com/office/drawing/2014/main" id="{8C5B5AE0-AE27-ECD6-F3DC-52B8C394E04C}"/>
+                </a:ext>
+              </a:extLst>
+            </p:cNvPr>
+            <p:cNvGrpSpPr/>
+            <p:nvPr/>
+          </p:nvGrpSpPr>
+          <p:grpSpPr>
+            <a:xfrm>
+              <a:off x="1517474" y="3484193"/>
+              <a:ext cx="4093709" cy="3004835"/>
+              <a:chOff x="1517474" y="3484193"/>
+              <a:chExt cx="4093709" cy="3004835"/>
+            </a:xfrm>
+          </p:grpSpPr>
+          <p:pic>
+            <p:nvPicPr>
+              <p:cNvPr id="3" name="Picture 2">
+                <a:extLst>
+                  <a:ext uri="{FF2B5EF4-FFF2-40B4-BE49-F238E27FC236}">
+                    <a16:creationId xmlns:a16="http://schemas.microsoft.com/office/drawing/2014/main" id="{EB62401B-4828-784B-0D7E-AE9ACDEB5033}"/>
+                  </a:ext>
+                </a:extLst>
+              </p:cNvPr>
+              <p:cNvPicPr>
+                <a:picLocks noChangeAspect="1"/>
+              </p:cNvPicPr>
+              <p:nvPr/>
+            </p:nvPicPr>
+            <p:blipFill>
+              <a:blip r:embed="rId2"/>
+              <a:stretch>
+                <a:fillRect/>
+              </a:stretch>
+            </p:blipFill>
+            <p:spPr>
+              <a:xfrm>
+                <a:off x="1835220" y="3484193"/>
+                <a:ext cx="3735122" cy="2147317"/>
+              </a:xfrm>
+              <a:prstGeom prst="rect">
+                <a:avLst/>
+              </a:prstGeom>
+            </p:spPr>
+          </p:pic>
+          <p:cxnSp>
+            <p:nvCxnSpPr>
+              <p:cNvPr id="5" name="Straight Arrow Connector 4">
+                <a:extLst>
+                  <a:ext uri="{FF2B5EF4-FFF2-40B4-BE49-F238E27FC236}">
+                    <a16:creationId xmlns:a16="http://schemas.microsoft.com/office/drawing/2014/main" id="{DF457D99-9AF5-7300-5E4F-CD83C02F4947}"/>
+                  </a:ext>
+                </a:extLst>
+              </p:cNvPr>
+              <p:cNvCxnSpPr>
+                <a:cxnSpLocks/>
+              </p:cNvCxnSpPr>
+              <p:nvPr/>
+            </p:nvCxnSpPr>
+            <p:spPr>
+              <a:xfrm>
+                <a:off x="2031559" y="5961563"/>
+                <a:ext cx="3579624" cy="0"/>
+              </a:xfrm>
+              <a:prstGeom prst="straightConnector1">
+                <a:avLst/>
+              </a:prstGeom>
+              <a:ln>
+                <a:tailEnd type="triangle"/>
+              </a:ln>
+            </p:spPr>
+            <p:style>
+              <a:lnRef idx="2">
+                <a:schemeClr val="dk1"/>
+              </a:lnRef>
+              <a:fillRef idx="0">
+                <a:schemeClr val="dk1"/>
+              </a:fillRef>
+              <a:effectRef idx="1">
+                <a:schemeClr val="dk1"/>
+              </a:effectRef>
+              <a:fontRef idx="minor">
+                <a:schemeClr val="tx1"/>
+              </a:fontRef>
+            </p:style>
+          </p:cxnSp>
+          <p:sp>
+            <p:nvSpPr>
+              <p:cNvPr id="7" name="TextBox 6">
+                <a:extLst>
+                  <a:ext uri="{FF2B5EF4-FFF2-40B4-BE49-F238E27FC236}">
+                    <a16:creationId xmlns:a16="http://schemas.microsoft.com/office/drawing/2014/main" id="{3F82C24C-C7BD-FFCD-8FC7-50FB8985CB2B}"/>
+                  </a:ext>
+                </a:extLst>
+              </p:cNvPr>
+              <p:cNvSpPr txBox="1"/>
+              <p:nvPr/>
+            </p:nvSpPr>
+            <p:spPr>
+              <a:xfrm>
+                <a:off x="2031559" y="5965808"/>
+                <a:ext cx="923577" cy="523220"/>
+              </a:xfrm>
+              <a:prstGeom prst="rect">
+                <a:avLst/>
+              </a:prstGeom>
+              <a:noFill/>
+            </p:spPr>
+            <p:txBody>
+              <a:bodyPr wrap="square" rtlCol="0">
+                <a:spAutoFit/>
+              </a:bodyPr>
+              <a:lstStyle/>
+              <a:p>
+                <a:r>
+                  <a:rPr lang="en-US" sz="1400" dirty="0"/>
+                  <a:t>Isolated Si atoms</a:t>
+                </a:r>
+              </a:p>
+            </p:txBody>
+          </p:sp>
+          <p:sp>
+            <p:nvSpPr>
+              <p:cNvPr id="8" name="TextBox 7">
+                <a:extLst>
+                  <a:ext uri="{FF2B5EF4-FFF2-40B4-BE49-F238E27FC236}">
+                    <a16:creationId xmlns:a16="http://schemas.microsoft.com/office/drawing/2014/main" id="{90569606-88B8-6362-A363-5F5049A94795}"/>
+                  </a:ext>
+                </a:extLst>
+              </p:cNvPr>
+              <p:cNvSpPr txBox="1"/>
+              <p:nvPr/>
+            </p:nvSpPr>
+            <p:spPr>
+              <a:xfrm>
+                <a:off x="2983444" y="5704198"/>
+                <a:ext cx="1704162" cy="523220"/>
+              </a:xfrm>
+              <a:prstGeom prst="rect">
+                <a:avLst/>
+              </a:prstGeom>
+              <a:noFill/>
+            </p:spPr>
+            <p:txBody>
+              <a:bodyPr wrap="square" rtlCol="0">
+                <a:spAutoFit/>
+              </a:bodyPr>
+              <a:lstStyle/>
+              <a:p>
+                <a:r>
+                  <a:rPr lang="en-US" sz="1400" dirty="0"/>
+                  <a:t>decreasing </a:t>
+                </a:r>
+              </a:p>
+              <a:p>
+                <a:r>
+                  <a:rPr lang="en-US" sz="1400" dirty="0"/>
+                  <a:t>atom spacing</a:t>
+                </a:r>
+              </a:p>
+            </p:txBody>
+          </p:sp>
+          <p:sp>
+            <p:nvSpPr>
+              <p:cNvPr id="9" name="TextBox 8">
+                <a:extLst>
+                  <a:ext uri="{FF2B5EF4-FFF2-40B4-BE49-F238E27FC236}">
+                    <a16:creationId xmlns:a16="http://schemas.microsoft.com/office/drawing/2014/main" id="{BBE3D9BC-0190-BBBA-8169-5AF915B59D25}"/>
+                  </a:ext>
+                </a:extLst>
+              </p:cNvPr>
+              <p:cNvSpPr txBox="1"/>
+              <p:nvPr/>
+            </p:nvSpPr>
+            <p:spPr>
+              <a:xfrm>
+                <a:off x="4687606" y="5965808"/>
+                <a:ext cx="923577" cy="523220"/>
+              </a:xfrm>
+              <a:prstGeom prst="rect">
+                <a:avLst/>
+              </a:prstGeom>
+              <a:noFill/>
+            </p:spPr>
+            <p:txBody>
+              <a:bodyPr wrap="square" rtlCol="0">
+                <a:spAutoFit/>
+              </a:bodyPr>
+              <a:lstStyle/>
+              <a:p>
+                <a:r>
+                  <a:rPr lang="en-US" sz="1400" dirty="0"/>
+                  <a:t>Si lattice spacing</a:t>
+                </a:r>
+              </a:p>
+            </p:txBody>
+          </p:sp>
+          <p:cxnSp>
+            <p:nvCxnSpPr>
+              <p:cNvPr id="11" name="Straight Arrow Connector 10">
+                <a:extLst>
+                  <a:ext uri="{FF2B5EF4-FFF2-40B4-BE49-F238E27FC236}">
+                    <a16:creationId xmlns:a16="http://schemas.microsoft.com/office/drawing/2014/main" id="{A53968FE-EE89-08B3-1D31-4BB4BD44B316}"/>
+                  </a:ext>
+                </a:extLst>
+              </p:cNvPr>
+              <p:cNvCxnSpPr/>
+              <p:nvPr/>
+            </p:nvCxnSpPr>
+            <p:spPr>
+              <a:xfrm flipV="1">
+                <a:off x="1825251" y="4222420"/>
+                <a:ext cx="0" cy="1604889"/>
+              </a:xfrm>
+              <a:prstGeom prst="straightConnector1">
+                <a:avLst/>
+              </a:prstGeom>
+              <a:ln>
+                <a:tailEnd type="triangle"/>
+              </a:ln>
+            </p:spPr>
+            <p:style>
+              <a:lnRef idx="2">
+                <a:schemeClr val="dk1"/>
+              </a:lnRef>
+              <a:fillRef idx="0">
+                <a:schemeClr val="dk1"/>
+              </a:fillRef>
+              <a:effectRef idx="1">
+                <a:schemeClr val="dk1"/>
+              </a:effectRef>
+              <a:fontRef idx="minor">
+                <a:schemeClr val="tx1"/>
+              </a:fontRef>
+            </p:style>
+          </p:cxnSp>
+          <p:sp>
+            <p:nvSpPr>
+              <p:cNvPr id="12" name="TextBox 11">
+                <a:extLst>
+                  <a:ext uri="{FF2B5EF4-FFF2-40B4-BE49-F238E27FC236}">
+                    <a16:creationId xmlns:a16="http://schemas.microsoft.com/office/drawing/2014/main" id="{0E58B66F-6762-A9BD-293A-8B5C238AC0C4}"/>
+                  </a:ext>
+                </a:extLst>
+              </p:cNvPr>
+              <p:cNvSpPr txBox="1"/>
+              <p:nvPr/>
+            </p:nvSpPr>
+            <p:spPr>
+              <a:xfrm rot="16200000">
+                <a:off x="819282" y="4821339"/>
+                <a:ext cx="1704162" cy="307777"/>
+              </a:xfrm>
+              <a:prstGeom prst="rect">
+                <a:avLst/>
+              </a:prstGeom>
+              <a:noFill/>
+            </p:spPr>
+            <p:txBody>
+              <a:bodyPr wrap="square" rtlCol="0">
+                <a:spAutoFit/>
+              </a:bodyPr>
+              <a:lstStyle/>
+              <a:p>
+                <a:r>
+                  <a:rPr lang="en-US" sz="1400" dirty="0"/>
+                  <a:t>Electron energy</a:t>
+                </a:r>
+              </a:p>
+            </p:txBody>
+          </p:sp>
+          <p:cxnSp>
+            <p:nvCxnSpPr>
+              <p:cNvPr id="14" name="Straight Connector 13">
+                <a:extLst>
+                  <a:ext uri="{FF2B5EF4-FFF2-40B4-BE49-F238E27FC236}">
+                    <a16:creationId xmlns:a16="http://schemas.microsoft.com/office/drawing/2014/main" id="{FEE86C1C-273D-AB81-043F-342C408CA654}"/>
+                  </a:ext>
+                </a:extLst>
+              </p:cNvPr>
+              <p:cNvCxnSpPr>
+                <a:cxnSpLocks/>
+              </p:cNvCxnSpPr>
+              <p:nvPr/>
+            </p:nvCxnSpPr>
+            <p:spPr>
+              <a:xfrm flipV="1">
+                <a:off x="2441576" y="4208312"/>
+                <a:ext cx="0" cy="1846762"/>
+              </a:xfrm>
+              <a:prstGeom prst="line">
+                <a:avLst/>
+              </a:prstGeom>
+            </p:spPr>
+            <p:style>
+              <a:lnRef idx="2">
+                <a:schemeClr val="dk1"/>
+              </a:lnRef>
+              <a:fillRef idx="0">
+                <a:schemeClr val="dk1"/>
+              </a:fillRef>
+              <a:effectRef idx="1">
+                <a:schemeClr val="dk1"/>
+              </a:effectRef>
+              <a:fontRef idx="minor">
+                <a:schemeClr val="tx1"/>
+              </a:fontRef>
+            </p:style>
+          </p:cxnSp>
+        </p:grpSp>
+        <p:grpSp>
+          <p:nvGrpSpPr>
+            <p:cNvPr id="122" name="Group 121">
+              <a:extLst>
+                <a:ext uri="{FF2B5EF4-FFF2-40B4-BE49-F238E27FC236}">
+                  <a16:creationId xmlns:a16="http://schemas.microsoft.com/office/drawing/2014/main" id="{9AD5EC65-E5C8-31E8-FD27-D574816AFC70}"/>
+                </a:ext>
+              </a:extLst>
+            </p:cNvPr>
+            <p:cNvGrpSpPr/>
+            <p:nvPr/>
+          </p:nvGrpSpPr>
+          <p:grpSpPr>
+            <a:xfrm>
+              <a:off x="5947198" y="3651093"/>
+              <a:ext cx="1926238" cy="2310470"/>
+              <a:chOff x="8061378" y="923260"/>
+              <a:chExt cx="1926238" cy="2310470"/>
+            </a:xfrm>
+          </p:grpSpPr>
+          <p:sp>
+            <p:nvSpPr>
+              <p:cNvPr id="81" name="TextBox 80">
+                <a:extLst>
+                  <a:ext uri="{FF2B5EF4-FFF2-40B4-BE49-F238E27FC236}">
+                    <a16:creationId xmlns:a16="http://schemas.microsoft.com/office/drawing/2014/main" id="{08F803B8-7166-7420-83A3-7A19A3AAA12A}"/>
+                  </a:ext>
+                </a:extLst>
+              </p:cNvPr>
+              <p:cNvSpPr txBox="1"/>
+              <p:nvPr/>
+            </p:nvSpPr>
+            <p:spPr>
+              <a:xfrm rot="16200000">
+                <a:off x="7363186" y="1850718"/>
+                <a:ext cx="1704162" cy="307777"/>
+              </a:xfrm>
+              <a:prstGeom prst="rect">
+                <a:avLst/>
+              </a:prstGeom>
+              <a:noFill/>
+            </p:spPr>
+            <p:txBody>
+              <a:bodyPr wrap="square" rtlCol="0">
+                <a:spAutoFit/>
+              </a:bodyPr>
+              <a:lstStyle/>
+              <a:p>
+                <a:r>
+                  <a:rPr lang="en-US" sz="1400" dirty="0"/>
+                  <a:t>Electron energy</a:t>
+                </a:r>
+              </a:p>
+            </p:txBody>
+          </p:sp>
+          <p:sp>
+            <p:nvSpPr>
+              <p:cNvPr id="82" name="TextBox 81">
+                <a:extLst>
+                  <a:ext uri="{FF2B5EF4-FFF2-40B4-BE49-F238E27FC236}">
+                    <a16:creationId xmlns:a16="http://schemas.microsoft.com/office/drawing/2014/main" id="{B8CE9C50-5F8F-D2BF-4C47-B089EF8E3E52}"/>
+                  </a:ext>
+                </a:extLst>
+              </p:cNvPr>
+              <p:cNvSpPr txBox="1"/>
+              <p:nvPr/>
+            </p:nvSpPr>
+            <p:spPr>
+              <a:xfrm>
+                <a:off x="8160668" y="923260"/>
+                <a:ext cx="312906" cy="369332"/>
+              </a:xfrm>
+              <a:prstGeom prst="rect">
+                <a:avLst/>
+              </a:prstGeom>
+              <a:noFill/>
+            </p:spPr>
+            <p:txBody>
+              <a:bodyPr wrap="none" rtlCol="0">
+                <a:spAutoFit/>
+              </a:bodyPr>
+              <a:lstStyle/>
+              <a:p>
+                <a:r>
+                  <a:rPr lang="en-US" dirty="0"/>
+                  <a:t>E</a:t>
+                </a:r>
+              </a:p>
+            </p:txBody>
+          </p:sp>
+          <p:cxnSp>
+            <p:nvCxnSpPr>
+              <p:cNvPr id="83" name="Straight Arrow Connector 82">
+                <a:extLst>
+                  <a:ext uri="{FF2B5EF4-FFF2-40B4-BE49-F238E27FC236}">
+                    <a16:creationId xmlns:a16="http://schemas.microsoft.com/office/drawing/2014/main" id="{E4DB9E99-DE8D-B149-F382-1B30DDE5CC2D}"/>
+                  </a:ext>
+                </a:extLst>
+              </p:cNvPr>
+              <p:cNvCxnSpPr/>
+              <p:nvPr/>
+            </p:nvCxnSpPr>
+            <p:spPr>
+              <a:xfrm flipV="1">
+                <a:off x="8369156" y="1251798"/>
+                <a:ext cx="0" cy="1604889"/>
+              </a:xfrm>
+              <a:prstGeom prst="straightConnector1">
+                <a:avLst/>
+              </a:prstGeom>
+              <a:ln>
+                <a:tailEnd type="triangle"/>
+              </a:ln>
+            </p:spPr>
+            <p:style>
+              <a:lnRef idx="2">
+                <a:schemeClr val="dk1"/>
+              </a:lnRef>
+              <a:fillRef idx="0">
+                <a:schemeClr val="dk1"/>
+              </a:fillRef>
+              <a:effectRef idx="1">
+                <a:schemeClr val="dk1"/>
+              </a:effectRef>
+              <a:fontRef idx="minor">
+                <a:schemeClr val="tx1"/>
+              </a:fontRef>
+            </p:style>
+          </p:cxnSp>
+          <p:cxnSp>
+            <p:nvCxnSpPr>
+              <p:cNvPr id="84" name="Straight Connector 83">
+                <a:extLst>
+                  <a:ext uri="{FF2B5EF4-FFF2-40B4-BE49-F238E27FC236}">
+                    <a16:creationId xmlns:a16="http://schemas.microsoft.com/office/drawing/2014/main" id="{ACF8EA36-5197-EBCC-DB32-9A2AC2BA5DAC}"/>
+                  </a:ext>
+                </a:extLst>
+              </p:cNvPr>
+              <p:cNvCxnSpPr>
+                <a:cxnSpLocks/>
+              </p:cNvCxnSpPr>
+              <p:nvPr/>
+            </p:nvCxnSpPr>
+            <p:spPr>
+              <a:xfrm>
+                <a:off x="8701088" y="1231900"/>
+                <a:ext cx="893762" cy="0"/>
+              </a:xfrm>
+              <a:prstGeom prst="line">
+                <a:avLst/>
+              </a:prstGeom>
+            </p:spPr>
+            <p:style>
+              <a:lnRef idx="2">
+                <a:schemeClr val="dk1"/>
+              </a:lnRef>
+              <a:fillRef idx="0">
+                <a:schemeClr val="dk1"/>
+              </a:fillRef>
+              <a:effectRef idx="1">
+                <a:schemeClr val="dk1"/>
+              </a:effectRef>
+              <a:fontRef idx="minor">
+                <a:schemeClr val="tx1"/>
+              </a:fontRef>
+            </p:style>
+          </p:cxnSp>
+          <p:cxnSp>
+            <p:nvCxnSpPr>
+              <p:cNvPr id="85" name="Straight Connector 84">
+                <a:extLst>
+                  <a:ext uri="{FF2B5EF4-FFF2-40B4-BE49-F238E27FC236}">
+                    <a16:creationId xmlns:a16="http://schemas.microsoft.com/office/drawing/2014/main" id="{29B14F6B-AE48-DA2D-E4F7-C1C032450C74}"/>
+                  </a:ext>
+                </a:extLst>
+              </p:cNvPr>
+              <p:cNvCxnSpPr>
+                <a:cxnSpLocks/>
+              </p:cNvCxnSpPr>
+              <p:nvPr/>
+            </p:nvCxnSpPr>
+            <p:spPr>
+              <a:xfrm>
+                <a:off x="8701088" y="1747335"/>
+                <a:ext cx="893762" cy="0"/>
+              </a:xfrm>
+              <a:prstGeom prst="line">
+                <a:avLst/>
+              </a:prstGeom>
+            </p:spPr>
+            <p:style>
+              <a:lnRef idx="2">
+                <a:schemeClr val="dk1"/>
+              </a:lnRef>
+              <a:fillRef idx="0">
+                <a:schemeClr val="dk1"/>
+              </a:fillRef>
+              <a:effectRef idx="1">
+                <a:schemeClr val="dk1"/>
+              </a:effectRef>
+              <a:fontRef idx="minor">
+                <a:schemeClr val="tx1"/>
+              </a:fontRef>
+            </p:style>
+          </p:cxnSp>
+          <p:cxnSp>
+            <p:nvCxnSpPr>
+              <p:cNvPr id="86" name="Straight Connector 85">
+                <a:extLst>
+                  <a:ext uri="{FF2B5EF4-FFF2-40B4-BE49-F238E27FC236}">
+                    <a16:creationId xmlns:a16="http://schemas.microsoft.com/office/drawing/2014/main" id="{B6CB3A88-B0B4-4225-2189-7C982A0B3D55}"/>
+                  </a:ext>
+                </a:extLst>
+              </p:cNvPr>
+              <p:cNvCxnSpPr>
+                <a:cxnSpLocks/>
+              </p:cNvCxnSpPr>
+              <p:nvPr/>
+            </p:nvCxnSpPr>
+            <p:spPr>
+              <a:xfrm>
+                <a:off x="8701088" y="2341251"/>
+                <a:ext cx="893762" cy="0"/>
+              </a:xfrm>
+              <a:prstGeom prst="line">
+                <a:avLst/>
+              </a:prstGeom>
+            </p:spPr>
+            <p:style>
+              <a:lnRef idx="2">
+                <a:schemeClr val="dk1"/>
+              </a:lnRef>
+              <a:fillRef idx="0">
+                <a:schemeClr val="dk1"/>
+              </a:fillRef>
+              <a:effectRef idx="1">
+                <a:schemeClr val="dk1"/>
+              </a:effectRef>
+              <a:fontRef idx="minor">
+                <a:schemeClr val="tx1"/>
+              </a:fontRef>
+            </p:style>
+          </p:cxnSp>
+          <p:cxnSp>
+            <p:nvCxnSpPr>
+              <p:cNvPr id="87" name="Straight Connector 86">
+                <a:extLst>
+                  <a:ext uri="{FF2B5EF4-FFF2-40B4-BE49-F238E27FC236}">
+                    <a16:creationId xmlns:a16="http://schemas.microsoft.com/office/drawing/2014/main" id="{B0B653FF-1A25-40F8-6F19-D3B722292221}"/>
+                  </a:ext>
+                </a:extLst>
+              </p:cNvPr>
+              <p:cNvCxnSpPr>
+                <a:cxnSpLocks/>
+              </p:cNvCxnSpPr>
+              <p:nvPr/>
+            </p:nvCxnSpPr>
+            <p:spPr>
+              <a:xfrm>
+                <a:off x="8701088" y="2856686"/>
+                <a:ext cx="893762" cy="0"/>
+              </a:xfrm>
+              <a:prstGeom prst="line">
+                <a:avLst/>
+              </a:prstGeom>
+            </p:spPr>
+            <p:style>
+              <a:lnRef idx="2">
+                <a:schemeClr val="dk1"/>
+              </a:lnRef>
+              <a:fillRef idx="0">
+                <a:schemeClr val="dk1"/>
+              </a:fillRef>
+              <a:effectRef idx="1">
+                <a:schemeClr val="dk1"/>
+              </a:effectRef>
+              <a:fontRef idx="minor">
+                <a:schemeClr val="tx1"/>
+              </a:fontRef>
+            </p:style>
+          </p:cxnSp>
+          <p:cxnSp>
+            <p:nvCxnSpPr>
+              <p:cNvPr id="104" name="Straight Arrow Connector 103">
+                <a:extLst>
+                  <a:ext uri="{FF2B5EF4-FFF2-40B4-BE49-F238E27FC236}">
+                    <a16:creationId xmlns:a16="http://schemas.microsoft.com/office/drawing/2014/main" id="{1A5336AA-ADCB-0704-9E2F-433D738F1971}"/>
+                  </a:ext>
+                </a:extLst>
+              </p:cNvPr>
+              <p:cNvCxnSpPr>
+                <a:cxnSpLocks/>
+              </p:cNvCxnSpPr>
+              <p:nvPr/>
+            </p:nvCxnSpPr>
+            <p:spPr>
+              <a:xfrm>
+                <a:off x="8838159" y="1790761"/>
+                <a:ext cx="0" cy="534790"/>
+              </a:xfrm>
+              <a:prstGeom prst="straightConnector1">
+                <a:avLst/>
+              </a:prstGeom>
+              <a:ln>
+                <a:headEnd type="triangle"/>
+                <a:tailEnd type="triangle"/>
+              </a:ln>
+            </p:spPr>
+            <p:style>
+              <a:lnRef idx="2">
+                <a:schemeClr val="dk1"/>
+              </a:lnRef>
+              <a:fillRef idx="0">
+                <a:schemeClr val="dk1"/>
+              </a:fillRef>
+              <a:effectRef idx="1">
+                <a:schemeClr val="dk1"/>
+              </a:effectRef>
+              <a:fontRef idx="minor">
+                <a:schemeClr val="tx1"/>
+              </a:fontRef>
+            </p:style>
+          </p:cxnSp>
+          <p:sp>
+            <p:nvSpPr>
+              <p:cNvPr id="107" name="TextBox 106">
+                <a:extLst>
+                  <a:ext uri="{FF2B5EF4-FFF2-40B4-BE49-F238E27FC236}">
+                    <a16:creationId xmlns:a16="http://schemas.microsoft.com/office/drawing/2014/main" id="{F0401A80-4464-0537-6849-B898B9AA2BB3}"/>
+                  </a:ext>
+                </a:extLst>
+              </p:cNvPr>
+              <p:cNvSpPr txBox="1"/>
+              <p:nvPr/>
+            </p:nvSpPr>
+            <p:spPr>
+              <a:xfrm>
+                <a:off x="8742056" y="1190286"/>
+                <a:ext cx="811825" cy="584775"/>
+              </a:xfrm>
+              <a:prstGeom prst="rect">
+                <a:avLst/>
+              </a:prstGeom>
+              <a:noFill/>
+            </p:spPr>
+            <p:txBody>
+              <a:bodyPr wrap="none" rtlCol="0">
+                <a:spAutoFit/>
+              </a:bodyPr>
+              <a:lstStyle/>
+              <a:p>
+                <a:r>
+                  <a:rPr lang="en-US" sz="1600" dirty="0"/>
+                  <a:t>Mostly </a:t>
+                </a:r>
+              </a:p>
+              <a:p>
+                <a:r>
+                  <a:rPr lang="en-US" sz="1600" dirty="0"/>
+                  <a:t>empty</a:t>
+                </a:r>
+              </a:p>
+            </p:txBody>
+          </p:sp>
+          <p:sp>
+            <p:nvSpPr>
+              <p:cNvPr id="108" name="TextBox 107">
+                <a:extLst>
+                  <a:ext uri="{FF2B5EF4-FFF2-40B4-BE49-F238E27FC236}">
+                    <a16:creationId xmlns:a16="http://schemas.microsoft.com/office/drawing/2014/main" id="{12484F34-FAC2-4326-2DB0-12298249E732}"/>
+                  </a:ext>
+                </a:extLst>
+              </p:cNvPr>
+              <p:cNvSpPr txBox="1"/>
+              <p:nvPr/>
+            </p:nvSpPr>
+            <p:spPr>
+              <a:xfrm>
+                <a:off x="8742056" y="2290495"/>
+                <a:ext cx="811825" cy="584775"/>
+              </a:xfrm>
+              <a:prstGeom prst="rect">
+                <a:avLst/>
+              </a:prstGeom>
+              <a:noFill/>
+            </p:spPr>
+            <p:txBody>
+              <a:bodyPr wrap="none" rtlCol="0">
+                <a:spAutoFit/>
+              </a:bodyPr>
+              <a:lstStyle/>
+              <a:p>
+                <a:r>
+                  <a:rPr lang="en-US" sz="1600" dirty="0"/>
+                  <a:t>Mostly </a:t>
+                </a:r>
+              </a:p>
+              <a:p>
+                <a:r>
+                  <a:rPr lang="en-US" sz="1600" dirty="0"/>
+                  <a:t>filled</a:t>
+                </a:r>
+              </a:p>
+            </p:txBody>
+          </p:sp>
+          <mc:AlternateContent xmlns:mc="http://schemas.openxmlformats.org/markup-compatibility/2006">
+            <mc:Choice xmlns:a14="http://schemas.microsoft.com/office/drawing/2010/main" Requires="a14">
+              <p:sp>
+                <p:nvSpPr>
+                  <p:cNvPr id="109" name="TextBox 108">
+                    <a:extLst>
+                      <a:ext uri="{FF2B5EF4-FFF2-40B4-BE49-F238E27FC236}">
+                        <a16:creationId xmlns:a16="http://schemas.microsoft.com/office/drawing/2014/main" id="{12AB2AFE-654A-297B-4DAF-761A4C6A875B}"/>
+                      </a:ext>
+                    </a:extLst>
+                  </p:cNvPr>
+                  <p:cNvSpPr txBox="1"/>
+                  <p:nvPr/>
+                </p:nvSpPr>
+                <p:spPr>
+                  <a:xfrm>
+                    <a:off x="9569938" y="1107925"/>
+                    <a:ext cx="417678" cy="265201"/>
+                  </a:xfrm>
+                  <a:prstGeom prst="rect">
+                    <a:avLst/>
+                  </a:prstGeom>
+                  <a:noFill/>
+                </p:spPr>
+                <p:txBody>
+                  <a:bodyPr wrap="none" lIns="0" tIns="0" rIns="0" bIns="0" rtlCol="0">
+                    <a:spAutoFit/>
+                  </a:bodyPr>
+                  <a:lstStyle/>
+                  <a:p>
+                    <a14:m>
+                      <m:oMathPara xmlns:m="http://schemas.openxmlformats.org/officeDocument/2006/math">
+                        <m:oMathParaPr>
+                          <m:jc m:val="centerGroup"/>
+                        </m:oMathParaPr>
+                        <m:oMath xmlns:m="http://schemas.openxmlformats.org/officeDocument/2006/math">
+                          <m:sSub>
+                            <m:sSubPr>
+                              <m:ctrlPr>
+                                <a:rPr lang="en-US" sz="1600" b="0" i="1" smtClean="0">
+                                  <a:latin typeface="Cambria Math" panose="02040503050406030204" pitchFamily="18" charset="0"/>
+                                </a:rPr>
+                              </m:ctrlPr>
+                            </m:sSubPr>
+                            <m:e>
+                              <m:r>
+                                <a:rPr lang="en-US" sz="1600" b="0" i="1" smtClean="0">
+                                  <a:latin typeface="Cambria Math" panose="02040503050406030204" pitchFamily="18" charset="0"/>
+                                </a:rPr>
+                                <m:t>𝐸</m:t>
+                              </m:r>
+                            </m:e>
+                            <m:sub>
+                              <m:r>
+                                <a:rPr lang="en-US" sz="1600" b="0" i="1" smtClean="0">
+                                  <a:latin typeface="Cambria Math" panose="02040503050406030204" pitchFamily="18" charset="0"/>
+                                </a:rPr>
+                                <m:t>𝑡𝑜𝑝</m:t>
+                              </m:r>
+                            </m:sub>
+                          </m:sSub>
+                        </m:oMath>
+                      </m:oMathPara>
+                    </a14:m>
+                    <a:endParaRPr lang="en-US" dirty="0"/>
+                  </a:p>
+                </p:txBody>
+              </p:sp>
+            </mc:Choice>
+            <mc:Fallback>
+              <p:sp>
+                <p:nvSpPr>
+                  <p:cNvPr id="109" name="TextBox 108">
+                    <a:extLst>
+                      <a:ext uri="{FF2B5EF4-FFF2-40B4-BE49-F238E27FC236}">
+                        <a16:creationId xmlns:a16="http://schemas.microsoft.com/office/drawing/2014/main" id="{12AB2AFE-654A-297B-4DAF-761A4C6A875B}"/>
+                      </a:ext>
+                    </a:extLst>
+                  </p:cNvPr>
+                  <p:cNvSpPr txBox="1">
+                    <a:spLocks noRot="1" noChangeAspect="1" noMove="1" noResize="1" noEditPoints="1" noAdjustHandles="1" noChangeArrowheads="1" noChangeShapeType="1" noTextEdit="1"/>
+                  </p:cNvSpPr>
+                  <p:nvPr/>
+                </p:nvSpPr>
+                <p:spPr>
+                  <a:xfrm>
+                    <a:off x="9569938" y="1107925"/>
+                    <a:ext cx="417678" cy="265201"/>
+                  </a:xfrm>
+                  <a:prstGeom prst="rect">
+                    <a:avLst/>
+                  </a:prstGeom>
+                  <a:blipFill>
+                    <a:blip r:embed="rId3"/>
+                    <a:stretch>
+                      <a:fillRect l="-11765" r="-7353" b="-25000"/>
+                    </a:stretch>
+                  </a:blipFill>
+                </p:spPr>
+                <p:txBody>
+                  <a:bodyPr/>
+                  <a:lstStyle/>
+                  <a:p>
+                    <a:r>
+                      <a:rPr lang="en-US">
+                        <a:noFill/>
+                      </a:rPr>
+                      <a:t> </a:t>
+                    </a:r>
+                  </a:p>
+                </p:txBody>
+              </p:sp>
+            </mc:Fallback>
+          </mc:AlternateContent>
+          <mc:AlternateContent xmlns:mc="http://schemas.openxmlformats.org/markup-compatibility/2006">
+            <mc:Choice xmlns:a14="http://schemas.microsoft.com/office/drawing/2010/main" Requires="a14">
+              <p:sp>
+                <p:nvSpPr>
+                  <p:cNvPr id="110" name="TextBox 109">
+                    <a:extLst>
+                      <a:ext uri="{FF2B5EF4-FFF2-40B4-BE49-F238E27FC236}">
+                        <a16:creationId xmlns:a16="http://schemas.microsoft.com/office/drawing/2014/main" id="{76884A33-7C8F-2E9F-5C53-152314F37746}"/>
+                      </a:ext>
+                    </a:extLst>
+                  </p:cNvPr>
+                  <p:cNvSpPr txBox="1"/>
+                  <p:nvPr/>
+                </p:nvSpPr>
+                <p:spPr>
+                  <a:xfrm>
+                    <a:off x="9569938" y="1614734"/>
+                    <a:ext cx="247504" cy="246221"/>
+                  </a:xfrm>
+                  <a:prstGeom prst="rect">
+                    <a:avLst/>
+                  </a:prstGeom>
+                  <a:noFill/>
+                </p:spPr>
+                <p:txBody>
+                  <a:bodyPr wrap="none" lIns="0" tIns="0" rIns="0" bIns="0" rtlCol="0">
+                    <a:spAutoFit/>
+                  </a:bodyPr>
+                  <a:lstStyle/>
+                  <a:p>
+                    <a14:m>
+                      <m:oMathPara xmlns:m="http://schemas.openxmlformats.org/officeDocument/2006/math">
+                        <m:oMathParaPr>
+                          <m:jc m:val="centerGroup"/>
+                        </m:oMathParaPr>
+                        <m:oMath xmlns:m="http://schemas.openxmlformats.org/officeDocument/2006/math">
+                          <m:sSub>
+                            <m:sSubPr>
+                              <m:ctrlPr>
+                                <a:rPr lang="en-US" sz="1600" b="0" i="1" smtClean="0">
+                                  <a:latin typeface="Cambria Math" panose="02040503050406030204" pitchFamily="18" charset="0"/>
+                                </a:rPr>
+                              </m:ctrlPr>
+                            </m:sSubPr>
+                            <m:e>
+                              <m:r>
+                                <a:rPr lang="en-US" sz="1600" b="0" i="1" smtClean="0">
+                                  <a:latin typeface="Cambria Math" panose="02040503050406030204" pitchFamily="18" charset="0"/>
+                                </a:rPr>
+                                <m:t>𝐸</m:t>
+                              </m:r>
+                            </m:e>
+                            <m:sub>
+                              <m:r>
+                                <a:rPr lang="en-US" sz="1600" b="0" i="1" smtClean="0">
+                                  <a:latin typeface="Cambria Math" panose="02040503050406030204" pitchFamily="18" charset="0"/>
+                                </a:rPr>
+                                <m:t>𝑐</m:t>
+                              </m:r>
+                            </m:sub>
+                          </m:sSub>
+                        </m:oMath>
+                      </m:oMathPara>
+                    </a14:m>
+                    <a:endParaRPr lang="en-US" dirty="0"/>
+                  </a:p>
+                </p:txBody>
+              </p:sp>
+            </mc:Choice>
+            <mc:Fallback>
+              <p:sp>
+                <p:nvSpPr>
+                  <p:cNvPr id="110" name="TextBox 109">
+                    <a:extLst>
+                      <a:ext uri="{FF2B5EF4-FFF2-40B4-BE49-F238E27FC236}">
+                        <a16:creationId xmlns:a16="http://schemas.microsoft.com/office/drawing/2014/main" id="{76884A33-7C8F-2E9F-5C53-152314F37746}"/>
+                      </a:ext>
+                    </a:extLst>
+                  </p:cNvPr>
+                  <p:cNvSpPr txBox="1">
+                    <a:spLocks noRot="1" noChangeAspect="1" noMove="1" noResize="1" noEditPoints="1" noAdjustHandles="1" noChangeArrowheads="1" noChangeShapeType="1" noTextEdit="1"/>
+                  </p:cNvSpPr>
+                  <p:nvPr/>
+                </p:nvSpPr>
+                <p:spPr>
+                  <a:xfrm>
+                    <a:off x="9569938" y="1614734"/>
+                    <a:ext cx="247504" cy="246221"/>
+                  </a:xfrm>
+                  <a:prstGeom prst="rect">
+                    <a:avLst/>
+                  </a:prstGeom>
+                  <a:blipFill>
+                    <a:blip r:embed="rId4"/>
+                    <a:stretch>
+                      <a:fillRect l="-22500" b="-9756"/>
+                    </a:stretch>
+                  </a:blipFill>
+                </p:spPr>
+                <p:txBody>
+                  <a:bodyPr/>
+                  <a:lstStyle/>
+                  <a:p>
+                    <a:r>
+                      <a:rPr lang="en-US">
+                        <a:noFill/>
+                      </a:rPr>
+                      <a:t> </a:t>
+                    </a:r>
+                  </a:p>
+                </p:txBody>
+              </p:sp>
+            </mc:Fallback>
+          </mc:AlternateContent>
+          <mc:AlternateContent xmlns:mc="http://schemas.openxmlformats.org/markup-compatibility/2006">
+            <mc:Choice xmlns:a14="http://schemas.microsoft.com/office/drawing/2010/main" Requires="a14">
+              <p:sp>
+                <p:nvSpPr>
+                  <p:cNvPr id="111" name="TextBox 110">
+                    <a:extLst>
+                      <a:ext uri="{FF2B5EF4-FFF2-40B4-BE49-F238E27FC236}">
+                        <a16:creationId xmlns:a16="http://schemas.microsoft.com/office/drawing/2014/main" id="{1C8C098F-F99A-46A7-D88C-2F151B8052D2}"/>
+                      </a:ext>
+                    </a:extLst>
+                  </p:cNvPr>
+                  <p:cNvSpPr txBox="1"/>
+                  <p:nvPr/>
+                </p:nvSpPr>
+                <p:spPr>
+                  <a:xfrm>
+                    <a:off x="9569938" y="2209798"/>
+                    <a:ext cx="256159" cy="246221"/>
+                  </a:xfrm>
+                  <a:prstGeom prst="rect">
+                    <a:avLst/>
+                  </a:prstGeom>
+                  <a:noFill/>
+                </p:spPr>
+                <p:txBody>
+                  <a:bodyPr wrap="none" lIns="0" tIns="0" rIns="0" bIns="0" rtlCol="0">
+                    <a:spAutoFit/>
+                  </a:bodyPr>
+                  <a:lstStyle/>
+                  <a:p>
+                    <a14:m>
+                      <m:oMathPara xmlns:m="http://schemas.openxmlformats.org/officeDocument/2006/math">
+                        <m:oMathParaPr>
+                          <m:jc m:val="centerGroup"/>
+                        </m:oMathParaPr>
+                        <m:oMath xmlns:m="http://schemas.openxmlformats.org/officeDocument/2006/math">
+                          <m:sSub>
+                            <m:sSubPr>
+                              <m:ctrlPr>
+                                <a:rPr lang="en-US" sz="1600" b="0" i="1" smtClean="0">
+                                  <a:latin typeface="Cambria Math" panose="02040503050406030204" pitchFamily="18" charset="0"/>
+                                </a:rPr>
+                              </m:ctrlPr>
+                            </m:sSubPr>
+                            <m:e>
+                              <m:r>
+                                <a:rPr lang="en-US" sz="1600" b="0" i="1" smtClean="0">
+                                  <a:latin typeface="Cambria Math" panose="02040503050406030204" pitchFamily="18" charset="0"/>
+                                </a:rPr>
+                                <m:t>𝐸</m:t>
+                              </m:r>
+                            </m:e>
+                            <m:sub>
+                              <m:r>
+                                <a:rPr lang="en-US" sz="1600" b="0" i="1" smtClean="0">
+                                  <a:latin typeface="Cambria Math" panose="02040503050406030204" pitchFamily="18" charset="0"/>
+                                </a:rPr>
+                                <m:t>𝑣</m:t>
+                              </m:r>
+                            </m:sub>
+                          </m:sSub>
+                        </m:oMath>
+                      </m:oMathPara>
+                    </a14:m>
+                    <a:endParaRPr lang="en-US" dirty="0"/>
+                  </a:p>
+                </p:txBody>
+              </p:sp>
+            </mc:Choice>
+            <mc:Fallback>
+              <p:sp>
+                <p:nvSpPr>
+                  <p:cNvPr id="111" name="TextBox 110">
+                    <a:extLst>
+                      <a:ext uri="{FF2B5EF4-FFF2-40B4-BE49-F238E27FC236}">
+                        <a16:creationId xmlns:a16="http://schemas.microsoft.com/office/drawing/2014/main" id="{1C8C098F-F99A-46A7-D88C-2F151B8052D2}"/>
+                      </a:ext>
+                    </a:extLst>
+                  </p:cNvPr>
+                  <p:cNvSpPr txBox="1">
+                    <a:spLocks noRot="1" noChangeAspect="1" noMove="1" noResize="1" noEditPoints="1" noAdjustHandles="1" noChangeArrowheads="1" noChangeShapeType="1" noTextEdit="1"/>
+                  </p:cNvSpPr>
+                  <p:nvPr/>
+                </p:nvSpPr>
+                <p:spPr>
+                  <a:xfrm>
+                    <a:off x="9569938" y="2209798"/>
+                    <a:ext cx="256159" cy="246221"/>
+                  </a:xfrm>
+                  <a:prstGeom prst="rect">
+                    <a:avLst/>
+                  </a:prstGeom>
+                  <a:blipFill>
+                    <a:blip r:embed="rId5"/>
+                    <a:stretch>
+                      <a:fillRect l="-19048" r="-2381" b="-12500"/>
+                    </a:stretch>
+                  </a:blipFill>
+                </p:spPr>
+                <p:txBody>
+                  <a:bodyPr/>
+                  <a:lstStyle/>
+                  <a:p>
+                    <a:r>
+                      <a:rPr lang="en-US">
+                        <a:noFill/>
+                      </a:rPr>
+                      <a:t> </a:t>
+                    </a:r>
+                  </a:p>
+                </p:txBody>
+              </p:sp>
+            </mc:Fallback>
+          </mc:AlternateContent>
+          <mc:AlternateContent xmlns:mc="http://schemas.openxmlformats.org/markup-compatibility/2006">
+            <mc:Choice xmlns:a14="http://schemas.microsoft.com/office/drawing/2010/main" Requires="a14">
+              <p:sp>
+                <p:nvSpPr>
+                  <p:cNvPr id="112" name="TextBox 111">
+                    <a:extLst>
+                      <a:ext uri="{FF2B5EF4-FFF2-40B4-BE49-F238E27FC236}">
+                        <a16:creationId xmlns:a16="http://schemas.microsoft.com/office/drawing/2014/main" id="{63879BB8-A966-7C67-4F7B-293837FA7ECB}"/>
+                      </a:ext>
+                    </a:extLst>
+                  </p:cNvPr>
+                  <p:cNvSpPr txBox="1"/>
+                  <p:nvPr/>
+                </p:nvSpPr>
+                <p:spPr>
+                  <a:xfrm>
+                    <a:off x="9569938" y="2742669"/>
+                    <a:ext cx="415114" cy="246221"/>
+                  </a:xfrm>
+                  <a:prstGeom prst="rect">
+                    <a:avLst/>
+                  </a:prstGeom>
+                  <a:noFill/>
+                </p:spPr>
+                <p:txBody>
+                  <a:bodyPr wrap="none" lIns="0" tIns="0" rIns="0" bIns="0" rtlCol="0">
+                    <a:spAutoFit/>
+                  </a:bodyPr>
+                  <a:lstStyle/>
+                  <a:p>
+                    <a14:m>
+                      <m:oMathPara xmlns:m="http://schemas.openxmlformats.org/officeDocument/2006/math">
+                        <m:oMathParaPr>
+                          <m:jc m:val="centerGroup"/>
+                        </m:oMathParaPr>
+                        <m:oMath xmlns:m="http://schemas.openxmlformats.org/officeDocument/2006/math">
+                          <m:sSub>
+                            <m:sSubPr>
+                              <m:ctrlPr>
+                                <a:rPr lang="en-US" sz="1600" b="0" i="1" smtClean="0">
+                                  <a:latin typeface="Cambria Math" panose="02040503050406030204" pitchFamily="18" charset="0"/>
+                                </a:rPr>
+                              </m:ctrlPr>
+                            </m:sSubPr>
+                            <m:e>
+                              <m:r>
+                                <a:rPr lang="en-US" sz="1600" b="0" i="1" smtClean="0">
+                                  <a:latin typeface="Cambria Math" panose="02040503050406030204" pitchFamily="18" charset="0"/>
+                                </a:rPr>
+                                <m:t>𝐸</m:t>
+                              </m:r>
+                            </m:e>
+                            <m:sub>
+                              <m:r>
+                                <a:rPr lang="en-US" sz="1600" b="0" i="1" smtClean="0">
+                                  <a:latin typeface="Cambria Math" panose="02040503050406030204" pitchFamily="18" charset="0"/>
+                                </a:rPr>
+                                <m:t>𝑏𝑜𝑡</m:t>
+                              </m:r>
+                            </m:sub>
+                          </m:sSub>
+                        </m:oMath>
+                      </m:oMathPara>
+                    </a14:m>
+                    <a:endParaRPr lang="en-US" dirty="0"/>
+                  </a:p>
+                </p:txBody>
+              </p:sp>
+            </mc:Choice>
+            <mc:Fallback>
+              <p:sp>
+                <p:nvSpPr>
+                  <p:cNvPr id="112" name="TextBox 111">
+                    <a:extLst>
+                      <a:ext uri="{FF2B5EF4-FFF2-40B4-BE49-F238E27FC236}">
+                        <a16:creationId xmlns:a16="http://schemas.microsoft.com/office/drawing/2014/main" id="{63879BB8-A966-7C67-4F7B-293837FA7ECB}"/>
+                      </a:ext>
+                    </a:extLst>
+                  </p:cNvPr>
+                  <p:cNvSpPr txBox="1">
+                    <a:spLocks noRot="1" noChangeAspect="1" noMove="1" noResize="1" noEditPoints="1" noAdjustHandles="1" noChangeArrowheads="1" noChangeShapeType="1" noTextEdit="1"/>
+                  </p:cNvSpPr>
+                  <p:nvPr/>
+                </p:nvSpPr>
+                <p:spPr>
+                  <a:xfrm>
+                    <a:off x="9569938" y="2742669"/>
+                    <a:ext cx="415114" cy="246221"/>
+                  </a:xfrm>
+                  <a:prstGeom prst="rect">
+                    <a:avLst/>
+                  </a:prstGeom>
+                  <a:blipFill>
+                    <a:blip r:embed="rId6"/>
+                    <a:stretch>
+                      <a:fillRect l="-11765" r="-2941" b="-14634"/>
+                    </a:stretch>
+                  </a:blipFill>
+                </p:spPr>
+                <p:txBody>
+                  <a:bodyPr/>
+                  <a:lstStyle/>
+                  <a:p>
+                    <a:r>
+                      <a:rPr lang="en-US">
+                        <a:noFill/>
+                      </a:rPr>
+                      <a:t> </a:t>
+                    </a:r>
+                  </a:p>
+                </p:txBody>
+              </p:sp>
+            </mc:Fallback>
+          </mc:AlternateContent>
+          <mc:AlternateContent xmlns:mc="http://schemas.openxmlformats.org/markup-compatibility/2006">
+            <mc:Choice xmlns:a14="http://schemas.microsoft.com/office/drawing/2010/main" Requires="a14">
+              <p:sp>
+                <p:nvSpPr>
+                  <p:cNvPr id="113" name="TextBox 112">
+                    <a:extLst>
+                      <a:ext uri="{FF2B5EF4-FFF2-40B4-BE49-F238E27FC236}">
+                        <a16:creationId xmlns:a16="http://schemas.microsoft.com/office/drawing/2014/main" id="{1D1204D1-3831-FE05-AEE0-4B3E37C4AEAC}"/>
+                      </a:ext>
+                    </a:extLst>
+                  </p:cNvPr>
+                  <p:cNvSpPr txBox="1"/>
+                  <p:nvPr/>
+                </p:nvSpPr>
+                <p:spPr>
+                  <a:xfrm>
+                    <a:off x="8858098" y="1890698"/>
+                    <a:ext cx="271741" cy="246221"/>
+                  </a:xfrm>
+                  <a:prstGeom prst="rect">
+                    <a:avLst/>
+                  </a:prstGeom>
+                  <a:noFill/>
+                </p:spPr>
+                <p:txBody>
+                  <a:bodyPr wrap="none" lIns="0" tIns="0" rIns="0" bIns="0" rtlCol="0">
+                    <a:spAutoFit/>
+                  </a:bodyPr>
+                  <a:lstStyle/>
+                  <a:p>
+                    <a14:m>
+                      <m:oMathPara xmlns:m="http://schemas.openxmlformats.org/officeDocument/2006/math">
+                        <m:oMathParaPr>
+                          <m:jc m:val="centerGroup"/>
+                        </m:oMathParaPr>
+                        <m:oMath xmlns:m="http://schemas.openxmlformats.org/officeDocument/2006/math">
+                          <m:sSub>
+                            <m:sSubPr>
+                              <m:ctrlPr>
+                                <a:rPr lang="en-US" sz="1600" b="0" i="1" smtClean="0">
+                                  <a:latin typeface="Cambria Math" panose="02040503050406030204" pitchFamily="18" charset="0"/>
+                                </a:rPr>
+                              </m:ctrlPr>
+                            </m:sSubPr>
+                            <m:e>
+                              <m:r>
+                                <a:rPr lang="en-US" sz="1600" b="0" i="1" smtClean="0">
+                                  <a:latin typeface="Cambria Math" panose="02040503050406030204" pitchFamily="18" charset="0"/>
+                                </a:rPr>
+                                <m:t>𝐸</m:t>
+                              </m:r>
+                            </m:e>
+                            <m:sub>
+                              <m:r>
+                                <a:rPr lang="en-US" sz="1600" b="0" i="1" smtClean="0">
+                                  <a:latin typeface="Cambria Math" panose="02040503050406030204" pitchFamily="18" charset="0"/>
+                                </a:rPr>
+                                <m:t>𝐺</m:t>
+                              </m:r>
+                            </m:sub>
+                          </m:sSub>
+                        </m:oMath>
+                      </m:oMathPara>
+                    </a14:m>
+                    <a:endParaRPr lang="en-US" dirty="0"/>
+                  </a:p>
+                </p:txBody>
+              </p:sp>
+            </mc:Choice>
+            <mc:Fallback>
+              <p:sp>
+                <p:nvSpPr>
+                  <p:cNvPr id="113" name="TextBox 112">
+                    <a:extLst>
+                      <a:ext uri="{FF2B5EF4-FFF2-40B4-BE49-F238E27FC236}">
+                        <a16:creationId xmlns:a16="http://schemas.microsoft.com/office/drawing/2014/main" id="{1D1204D1-3831-FE05-AEE0-4B3E37C4AEAC}"/>
+                      </a:ext>
+                    </a:extLst>
+                  </p:cNvPr>
+                  <p:cNvSpPr txBox="1">
+                    <a:spLocks noRot="1" noChangeAspect="1" noMove="1" noResize="1" noEditPoints="1" noAdjustHandles="1" noChangeArrowheads="1" noChangeShapeType="1" noTextEdit="1"/>
+                  </p:cNvSpPr>
+                  <p:nvPr/>
+                </p:nvSpPr>
+                <p:spPr>
+                  <a:xfrm>
+                    <a:off x="8858098" y="1890698"/>
+                    <a:ext cx="271741" cy="246221"/>
+                  </a:xfrm>
+                  <a:prstGeom prst="rect">
+                    <a:avLst/>
+                  </a:prstGeom>
+                  <a:blipFill>
+                    <a:blip r:embed="rId7"/>
+                    <a:stretch>
+                      <a:fillRect l="-17778" r="-4444" b="-15000"/>
+                    </a:stretch>
+                  </a:blipFill>
+                </p:spPr>
+                <p:txBody>
+                  <a:bodyPr/>
+                  <a:lstStyle/>
+                  <a:p>
+                    <a:r>
+                      <a:rPr lang="en-US">
+                        <a:noFill/>
+                      </a:rPr>
+                      <a:t> </a:t>
+                    </a:r>
+                  </a:p>
+                </p:txBody>
+              </p:sp>
+            </mc:Fallback>
+          </mc:AlternateContent>
+          <p:cxnSp>
+            <p:nvCxnSpPr>
+              <p:cNvPr id="114" name="Straight Arrow Connector 113">
+                <a:extLst>
+                  <a:ext uri="{FF2B5EF4-FFF2-40B4-BE49-F238E27FC236}">
+                    <a16:creationId xmlns:a16="http://schemas.microsoft.com/office/drawing/2014/main" id="{F491956F-510D-1BA5-59BF-3065367D3361}"/>
+                  </a:ext>
+                </a:extLst>
+              </p:cNvPr>
+              <p:cNvCxnSpPr>
+                <a:cxnSpLocks/>
+              </p:cNvCxnSpPr>
+              <p:nvPr/>
+            </p:nvCxnSpPr>
+            <p:spPr>
+              <a:xfrm>
+                <a:off x="8620913" y="3110620"/>
+                <a:ext cx="835592" cy="0"/>
+              </a:xfrm>
+              <a:prstGeom prst="straightConnector1">
+                <a:avLst/>
+              </a:prstGeom>
+              <a:ln>
+                <a:tailEnd type="triangle"/>
+              </a:ln>
+            </p:spPr>
+            <p:style>
+              <a:lnRef idx="2">
+                <a:schemeClr val="dk1"/>
+              </a:lnRef>
+              <a:fillRef idx="0">
+                <a:schemeClr val="dk1"/>
+              </a:fillRef>
+              <a:effectRef idx="1">
+                <a:schemeClr val="dk1"/>
+              </a:effectRef>
+              <a:fontRef idx="minor">
+                <a:schemeClr val="tx1"/>
+              </a:fontRef>
+            </p:style>
+          </p:cxnSp>
+          <mc:AlternateContent xmlns:mc="http://schemas.openxmlformats.org/markup-compatibility/2006">
+            <mc:Choice xmlns:a14="http://schemas.microsoft.com/office/drawing/2010/main" Requires="a14">
+              <p:sp>
+                <p:nvSpPr>
+                  <p:cNvPr id="117" name="TextBox 116">
+                    <a:extLst>
+                      <a:ext uri="{FF2B5EF4-FFF2-40B4-BE49-F238E27FC236}">
+                        <a16:creationId xmlns:a16="http://schemas.microsoft.com/office/drawing/2014/main" id="{FE7AE9D8-92E8-CCA6-CC35-5B0CD3940C56}"/>
+                      </a:ext>
+                    </a:extLst>
+                  </p:cNvPr>
+                  <p:cNvSpPr txBox="1"/>
+                  <p:nvPr/>
+                </p:nvSpPr>
+                <p:spPr>
+                  <a:xfrm>
+                    <a:off x="9553881" y="2987509"/>
+                    <a:ext cx="156902" cy="246221"/>
+                  </a:xfrm>
+                  <a:prstGeom prst="rect">
+                    <a:avLst/>
+                  </a:prstGeom>
+                  <a:noFill/>
+                </p:spPr>
+                <p:txBody>
+                  <a:bodyPr wrap="none" lIns="0" tIns="0" rIns="0" bIns="0" rtlCol="0">
+                    <a:spAutoFit/>
+                  </a:bodyPr>
+                  <a:lstStyle/>
+                  <a:p>
+                    <a14:m>
+                      <m:oMathPara xmlns:m="http://schemas.openxmlformats.org/officeDocument/2006/math">
+                        <m:oMathParaPr>
+                          <m:jc m:val="centerGroup"/>
+                        </m:oMathParaPr>
+                        <m:oMath xmlns:m="http://schemas.openxmlformats.org/officeDocument/2006/math">
+                          <m:r>
+                            <a:rPr lang="en-US" sz="1600" b="0" i="1" smtClean="0">
+                              <a:latin typeface="Cambria Math" panose="02040503050406030204" pitchFamily="18" charset="0"/>
+                            </a:rPr>
+                            <m:t>𝑥</m:t>
+                          </m:r>
+                        </m:oMath>
+                      </m:oMathPara>
+                    </a14:m>
+                    <a:endParaRPr lang="en-US" dirty="0"/>
+                  </a:p>
+                </p:txBody>
+              </p:sp>
+            </mc:Choice>
+            <mc:Fallback>
+              <p:sp>
+                <p:nvSpPr>
+                  <p:cNvPr id="117" name="TextBox 116">
+                    <a:extLst>
+                      <a:ext uri="{FF2B5EF4-FFF2-40B4-BE49-F238E27FC236}">
+                        <a16:creationId xmlns:a16="http://schemas.microsoft.com/office/drawing/2014/main" id="{FE7AE9D8-92E8-CCA6-CC35-5B0CD3940C56}"/>
+                      </a:ext>
+                    </a:extLst>
+                  </p:cNvPr>
+                  <p:cNvSpPr txBox="1">
+                    <a:spLocks noRot="1" noChangeAspect="1" noMove="1" noResize="1" noEditPoints="1" noAdjustHandles="1" noChangeArrowheads="1" noChangeShapeType="1" noTextEdit="1"/>
+                  </p:cNvSpPr>
+                  <p:nvPr/>
+                </p:nvSpPr>
+                <p:spPr>
+                  <a:xfrm>
+                    <a:off x="9553881" y="2987509"/>
+                    <a:ext cx="156902" cy="246221"/>
+                  </a:xfrm>
+                  <a:prstGeom prst="rect">
+                    <a:avLst/>
+                  </a:prstGeom>
+                  <a:blipFill>
+                    <a:blip r:embed="rId8"/>
+                    <a:stretch>
+                      <a:fillRect l="-19231" r="-15385"/>
+                    </a:stretch>
+                  </a:blipFill>
+                </p:spPr>
+                <p:txBody>
+                  <a:bodyPr/>
+                  <a:lstStyle/>
+                  <a:p>
+                    <a:r>
+                      <a:rPr lang="en-US">
+                        <a:noFill/>
+                      </a:rPr>
+                      <a:t> </a:t>
+                    </a:r>
+                  </a:p>
+                </p:txBody>
+              </p:sp>
+            </mc:Fallback>
+          </mc:AlternateContent>
+        </p:grpSp>
+        <p:grpSp>
+          <p:nvGrpSpPr>
+            <p:cNvPr id="120" name="Group 119">
+              <a:extLst>
+                <a:ext uri="{FF2B5EF4-FFF2-40B4-BE49-F238E27FC236}">
+                  <a16:creationId xmlns:a16="http://schemas.microsoft.com/office/drawing/2014/main" id="{5981F696-31A1-1568-4D49-EC1D484BD9A8}"/>
+                </a:ext>
+              </a:extLst>
+            </p:cNvPr>
+            <p:cNvGrpSpPr/>
+            <p:nvPr/>
+          </p:nvGrpSpPr>
+          <p:grpSpPr>
+            <a:xfrm>
+              <a:off x="1756913" y="478226"/>
+              <a:ext cx="2389076" cy="2539674"/>
+              <a:chOff x="1690007" y="637895"/>
+              <a:chExt cx="2389076" cy="2539674"/>
+            </a:xfrm>
+          </p:grpSpPr>
+          <p:sp>
+            <p:nvSpPr>
+              <p:cNvPr id="16" name="Oval 15">
+                <a:extLst>
+                  <a:ext uri="{FF2B5EF4-FFF2-40B4-BE49-F238E27FC236}">
+                    <a16:creationId xmlns:a16="http://schemas.microsoft.com/office/drawing/2014/main" id="{96970E7F-13D0-1F27-54E2-B42F23FC1A93}"/>
+                  </a:ext>
+                </a:extLst>
+              </p:cNvPr>
+              <p:cNvSpPr/>
+              <p:nvPr/>
+            </p:nvSpPr>
+            <p:spPr>
+              <a:xfrm>
+                <a:off x="2259110" y="1594624"/>
+                <a:ext cx="82399" cy="82399"/>
+              </a:xfrm>
+              <a:prstGeom prst="ellipse">
+                <a:avLst/>
+              </a:prstGeom>
+            </p:spPr>
+            <p:style>
+              <a:lnRef idx="2">
+                <a:schemeClr val="dk1">
+                  <a:shade val="15000"/>
+                </a:schemeClr>
+              </a:lnRef>
+              <a:fillRef idx="1">
+                <a:schemeClr val="dk1"/>
+              </a:fillRef>
+              <a:effectRef idx="0">
+                <a:schemeClr val="dk1"/>
+              </a:effectRef>
+              <a:fontRef idx="minor">
+                <a:schemeClr val="lt1"/>
+              </a:fontRef>
+            </p:style>
+            <p:txBody>
+              <a:bodyPr rtlCol="0" anchor="ctr"/>
+              <a:lstStyle/>
+              <a:p>
+                <a:pPr algn="ctr"/>
+                <a:endParaRPr lang="en-US"/>
+              </a:p>
+            </p:txBody>
+          </p:sp>
+          <p:sp>
+            <p:nvSpPr>
+              <p:cNvPr id="17" name="Oval 16">
+                <a:extLst>
+                  <a:ext uri="{FF2B5EF4-FFF2-40B4-BE49-F238E27FC236}">
+                    <a16:creationId xmlns:a16="http://schemas.microsoft.com/office/drawing/2014/main" id="{86FC018A-E7E2-37B5-F6C4-68E072B295E9}"/>
+                  </a:ext>
+                </a:extLst>
+              </p:cNvPr>
+              <p:cNvSpPr/>
+              <p:nvPr/>
+            </p:nvSpPr>
+            <p:spPr>
+              <a:xfrm>
+                <a:off x="2392923" y="1594624"/>
+                <a:ext cx="82399" cy="82399"/>
+              </a:xfrm>
+              <a:prstGeom prst="ellipse">
+                <a:avLst/>
+              </a:prstGeom>
+            </p:spPr>
+            <p:style>
+              <a:lnRef idx="2">
+                <a:schemeClr val="dk1">
+                  <a:shade val="15000"/>
+                </a:schemeClr>
+              </a:lnRef>
+              <a:fillRef idx="1">
+                <a:schemeClr val="dk1"/>
+              </a:fillRef>
+              <a:effectRef idx="0">
+                <a:schemeClr val="dk1"/>
+              </a:effectRef>
+              <a:fontRef idx="minor">
+                <a:schemeClr val="lt1"/>
+              </a:fontRef>
+            </p:style>
+            <p:txBody>
+              <a:bodyPr rtlCol="0" anchor="ctr"/>
+              <a:lstStyle/>
+              <a:p>
+                <a:pPr algn="ctr"/>
+                <a:endParaRPr lang="en-US"/>
+              </a:p>
+            </p:txBody>
+          </p:sp>
+          <p:sp>
+            <p:nvSpPr>
+              <p:cNvPr id="18" name="Oval 17">
+                <a:extLst>
+                  <a:ext uri="{FF2B5EF4-FFF2-40B4-BE49-F238E27FC236}">
+                    <a16:creationId xmlns:a16="http://schemas.microsoft.com/office/drawing/2014/main" id="{D9E97199-9FC0-0E2F-E185-8D745A4D94A9}"/>
+                  </a:ext>
+                </a:extLst>
+              </p:cNvPr>
+              <p:cNvSpPr/>
+              <p:nvPr/>
+            </p:nvSpPr>
+            <p:spPr>
+              <a:xfrm>
+                <a:off x="2531983" y="1594624"/>
+                <a:ext cx="82399" cy="82399"/>
+              </a:xfrm>
+              <a:prstGeom prst="ellipse">
+                <a:avLst/>
+              </a:prstGeom>
+            </p:spPr>
+            <p:style>
+              <a:lnRef idx="2">
+                <a:schemeClr val="dk1">
+                  <a:shade val="15000"/>
+                </a:schemeClr>
+              </a:lnRef>
+              <a:fillRef idx="1">
+                <a:schemeClr val="dk1"/>
+              </a:fillRef>
+              <a:effectRef idx="0">
+                <a:schemeClr val="dk1"/>
+              </a:effectRef>
+              <a:fontRef idx="minor">
+                <a:schemeClr val="lt1"/>
+              </a:fontRef>
+            </p:style>
+            <p:txBody>
+              <a:bodyPr rtlCol="0" anchor="ctr"/>
+              <a:lstStyle/>
+              <a:p>
+                <a:pPr algn="ctr"/>
+                <a:endParaRPr lang="en-US"/>
+              </a:p>
+            </p:txBody>
+          </p:sp>
+          <p:sp>
+            <p:nvSpPr>
+              <p:cNvPr id="19" name="Oval 18">
+                <a:extLst>
+                  <a:ext uri="{FF2B5EF4-FFF2-40B4-BE49-F238E27FC236}">
+                    <a16:creationId xmlns:a16="http://schemas.microsoft.com/office/drawing/2014/main" id="{BFC1466D-134D-0A6E-9534-D9902C0FF3B5}"/>
+                  </a:ext>
+                </a:extLst>
+              </p:cNvPr>
+              <p:cNvSpPr/>
+              <p:nvPr/>
+            </p:nvSpPr>
+            <p:spPr>
+              <a:xfrm>
+                <a:off x="2672475" y="1594624"/>
+                <a:ext cx="82399" cy="82399"/>
+              </a:xfrm>
+              <a:prstGeom prst="ellipse">
+                <a:avLst/>
+              </a:prstGeom>
+            </p:spPr>
+            <p:style>
+              <a:lnRef idx="2">
+                <a:schemeClr val="dk1">
+                  <a:shade val="15000"/>
+                </a:schemeClr>
+              </a:lnRef>
+              <a:fillRef idx="1">
+                <a:schemeClr val="dk1"/>
+              </a:fillRef>
+              <a:effectRef idx="0">
+                <a:schemeClr val="dk1"/>
+              </a:effectRef>
+              <a:fontRef idx="minor">
+                <a:schemeClr val="lt1"/>
+              </a:fontRef>
+            </p:style>
+            <p:txBody>
+              <a:bodyPr rtlCol="0" anchor="ctr"/>
+              <a:lstStyle/>
+              <a:p>
+                <a:pPr algn="ctr"/>
+                <a:endParaRPr lang="en-US"/>
+              </a:p>
+            </p:txBody>
+          </p:sp>
+          <p:sp>
+            <p:nvSpPr>
+              <p:cNvPr id="20" name="Oval 19">
+                <a:extLst>
+                  <a:ext uri="{FF2B5EF4-FFF2-40B4-BE49-F238E27FC236}">
+                    <a16:creationId xmlns:a16="http://schemas.microsoft.com/office/drawing/2014/main" id="{7D9859E9-AEB6-4638-5F59-D0A2A95E9C65}"/>
+                  </a:ext>
+                </a:extLst>
+              </p:cNvPr>
+              <p:cNvSpPr/>
+              <p:nvPr/>
+            </p:nvSpPr>
+            <p:spPr>
+              <a:xfrm>
+                <a:off x="2259110" y="1747335"/>
+                <a:ext cx="82399" cy="82399"/>
+              </a:xfrm>
+              <a:prstGeom prst="ellipse">
+                <a:avLst/>
+              </a:prstGeom>
+            </p:spPr>
+            <p:style>
+              <a:lnRef idx="2">
+                <a:schemeClr val="dk1">
+                  <a:shade val="15000"/>
+                </a:schemeClr>
+              </a:lnRef>
+              <a:fillRef idx="1">
+                <a:schemeClr val="dk1"/>
+              </a:fillRef>
+              <a:effectRef idx="0">
+                <a:schemeClr val="dk1"/>
+              </a:effectRef>
+              <a:fontRef idx="minor">
+                <a:schemeClr val="lt1"/>
+              </a:fontRef>
+            </p:style>
+            <p:txBody>
+              <a:bodyPr rtlCol="0" anchor="ctr"/>
+              <a:lstStyle/>
+              <a:p>
+                <a:pPr algn="ctr"/>
+                <a:endParaRPr lang="en-US"/>
+              </a:p>
+            </p:txBody>
+          </p:sp>
+          <p:sp>
+            <p:nvSpPr>
+              <p:cNvPr id="21" name="Oval 20">
+                <a:extLst>
+                  <a:ext uri="{FF2B5EF4-FFF2-40B4-BE49-F238E27FC236}">
+                    <a16:creationId xmlns:a16="http://schemas.microsoft.com/office/drawing/2014/main" id="{808555C4-F8A3-538E-1DB9-C782E6A8C2E1}"/>
+                  </a:ext>
+                </a:extLst>
+              </p:cNvPr>
+              <p:cNvSpPr/>
+              <p:nvPr/>
+            </p:nvSpPr>
+            <p:spPr>
+              <a:xfrm>
+                <a:off x="2392923" y="1747335"/>
+                <a:ext cx="82399" cy="82399"/>
+              </a:xfrm>
+              <a:prstGeom prst="ellipse">
+                <a:avLst/>
+              </a:prstGeom>
+            </p:spPr>
+            <p:style>
+              <a:lnRef idx="2">
+                <a:schemeClr val="dk1">
+                  <a:shade val="15000"/>
+                </a:schemeClr>
+              </a:lnRef>
+              <a:fillRef idx="1">
+                <a:schemeClr val="dk1"/>
+              </a:fillRef>
+              <a:effectRef idx="0">
+                <a:schemeClr val="dk1"/>
+              </a:effectRef>
+              <a:fontRef idx="minor">
+                <a:schemeClr val="lt1"/>
+              </a:fontRef>
+            </p:style>
+            <p:txBody>
+              <a:bodyPr rtlCol="0" anchor="ctr"/>
+              <a:lstStyle/>
+              <a:p>
+                <a:pPr algn="ctr"/>
+                <a:endParaRPr lang="en-US"/>
+              </a:p>
+            </p:txBody>
+          </p:sp>
+          <p:sp>
+            <p:nvSpPr>
+              <p:cNvPr id="22" name="Oval 21">
+                <a:extLst>
+                  <a:ext uri="{FF2B5EF4-FFF2-40B4-BE49-F238E27FC236}">
+                    <a16:creationId xmlns:a16="http://schemas.microsoft.com/office/drawing/2014/main" id="{AAC1E904-1786-5043-7BEB-5A65FDCB67C5}"/>
+                  </a:ext>
+                </a:extLst>
+              </p:cNvPr>
+              <p:cNvSpPr/>
+              <p:nvPr/>
+            </p:nvSpPr>
+            <p:spPr>
+              <a:xfrm>
+                <a:off x="2531983" y="1747335"/>
+                <a:ext cx="82399" cy="82399"/>
+              </a:xfrm>
+              <a:prstGeom prst="ellipse">
+                <a:avLst/>
+              </a:prstGeom>
+            </p:spPr>
+            <p:style>
+              <a:lnRef idx="2">
+                <a:schemeClr val="dk1">
+                  <a:shade val="15000"/>
+                </a:schemeClr>
+              </a:lnRef>
+              <a:fillRef idx="1">
+                <a:schemeClr val="dk1"/>
+              </a:fillRef>
+              <a:effectRef idx="0">
+                <a:schemeClr val="dk1"/>
+              </a:effectRef>
+              <a:fontRef idx="minor">
+                <a:schemeClr val="lt1"/>
+              </a:fontRef>
+            </p:style>
+            <p:txBody>
+              <a:bodyPr rtlCol="0" anchor="ctr"/>
+              <a:lstStyle/>
+              <a:p>
+                <a:pPr algn="ctr"/>
+                <a:endParaRPr lang="en-US"/>
+              </a:p>
+            </p:txBody>
+          </p:sp>
+          <p:sp>
+            <p:nvSpPr>
+              <p:cNvPr id="23" name="Oval 22">
+                <a:extLst>
+                  <a:ext uri="{FF2B5EF4-FFF2-40B4-BE49-F238E27FC236}">
+                    <a16:creationId xmlns:a16="http://schemas.microsoft.com/office/drawing/2014/main" id="{7A03758D-A35C-4E58-26AA-2A9C4762B0C7}"/>
+                  </a:ext>
+                </a:extLst>
+              </p:cNvPr>
+              <p:cNvSpPr/>
+              <p:nvPr/>
+            </p:nvSpPr>
+            <p:spPr>
+              <a:xfrm>
+                <a:off x="2672475" y="1747335"/>
+                <a:ext cx="82399" cy="82399"/>
+              </a:xfrm>
+              <a:prstGeom prst="ellipse">
+                <a:avLst/>
+              </a:prstGeom>
+            </p:spPr>
+            <p:style>
+              <a:lnRef idx="2">
+                <a:schemeClr val="dk1">
+                  <a:shade val="15000"/>
+                </a:schemeClr>
+              </a:lnRef>
+              <a:fillRef idx="1">
+                <a:schemeClr val="dk1"/>
+              </a:fillRef>
+              <a:effectRef idx="0">
+                <a:schemeClr val="dk1"/>
+              </a:effectRef>
+              <a:fontRef idx="minor">
+                <a:schemeClr val="lt1"/>
+              </a:fontRef>
+            </p:style>
+            <p:txBody>
+              <a:bodyPr rtlCol="0" anchor="ctr"/>
+              <a:lstStyle/>
+              <a:p>
+                <a:pPr algn="ctr"/>
+                <a:endParaRPr lang="en-US"/>
+              </a:p>
+            </p:txBody>
+          </p:sp>
+          <p:cxnSp>
+            <p:nvCxnSpPr>
+              <p:cNvPr id="25" name="Straight Connector 24">
+                <a:extLst>
+                  <a:ext uri="{FF2B5EF4-FFF2-40B4-BE49-F238E27FC236}">
+                    <a16:creationId xmlns:a16="http://schemas.microsoft.com/office/drawing/2014/main" id="{4C9CA185-D7B4-6E65-867C-15F51493FE84}"/>
+                  </a:ext>
+                </a:extLst>
+              </p:cNvPr>
+              <p:cNvCxnSpPr>
+                <a:cxnSpLocks/>
+              </p:cNvCxnSpPr>
+              <p:nvPr/>
+            </p:nvCxnSpPr>
+            <p:spPr>
+              <a:xfrm>
+                <a:off x="2854712" y="1677023"/>
+                <a:ext cx="383788" cy="0"/>
+              </a:xfrm>
+              <a:prstGeom prst="line">
+                <a:avLst/>
+              </a:prstGeom>
+              <a:ln w="19050" cap="flat" cmpd="sng" algn="ctr">
+                <a:solidFill>
+                  <a:schemeClr val="dk1"/>
+                </a:solidFill>
+                <a:prstDash val="dash"/>
+                <a:round/>
+                <a:headEnd type="none" w="med" len="med"/>
+                <a:tailEnd type="none" w="med" len="med"/>
+              </a:ln>
+            </p:spPr>
+            <p:style>
+              <a:lnRef idx="0">
+                <a:scrgbClr r="0" g="0" b="0"/>
+              </a:lnRef>
+              <a:fillRef idx="0">
+                <a:scrgbClr r="0" g="0" b="0"/>
+              </a:fillRef>
+              <a:effectRef idx="0">
+                <a:scrgbClr r="0" g="0" b="0"/>
+              </a:effectRef>
+              <a:fontRef idx="minor">
+                <a:schemeClr val="tx1"/>
+              </a:fontRef>
+            </p:style>
+          </p:cxnSp>
+          <p:sp>
+            <p:nvSpPr>
+              <p:cNvPr id="29" name="Oval 28">
+                <a:extLst>
+                  <a:ext uri="{FF2B5EF4-FFF2-40B4-BE49-F238E27FC236}">
+                    <a16:creationId xmlns:a16="http://schemas.microsoft.com/office/drawing/2014/main" id="{8D338BED-AA01-9E78-E8CB-D4E8E50C3D8F}"/>
+                  </a:ext>
+                </a:extLst>
+              </p:cNvPr>
+              <p:cNvSpPr/>
+              <p:nvPr/>
+            </p:nvSpPr>
+            <p:spPr>
+              <a:xfrm>
+                <a:off x="3297138" y="1594624"/>
+                <a:ext cx="82399" cy="82399"/>
+              </a:xfrm>
+              <a:prstGeom prst="ellipse">
+                <a:avLst/>
+              </a:prstGeom>
+            </p:spPr>
+            <p:style>
+              <a:lnRef idx="2">
+                <a:schemeClr val="dk1">
+                  <a:shade val="15000"/>
+                </a:schemeClr>
+              </a:lnRef>
+              <a:fillRef idx="1">
+                <a:schemeClr val="dk1"/>
+              </a:fillRef>
+              <a:effectRef idx="0">
+                <a:schemeClr val="dk1"/>
+              </a:effectRef>
+              <a:fontRef idx="minor">
+                <a:schemeClr val="lt1"/>
+              </a:fontRef>
+            </p:style>
+            <p:txBody>
+              <a:bodyPr rtlCol="0" anchor="ctr"/>
+              <a:lstStyle/>
+              <a:p>
+                <a:pPr algn="ctr"/>
+                <a:endParaRPr lang="en-US"/>
+              </a:p>
+            </p:txBody>
+          </p:sp>
+          <p:sp>
+            <p:nvSpPr>
+              <p:cNvPr id="30" name="Oval 29">
+                <a:extLst>
+                  <a:ext uri="{FF2B5EF4-FFF2-40B4-BE49-F238E27FC236}">
+                    <a16:creationId xmlns:a16="http://schemas.microsoft.com/office/drawing/2014/main" id="{0DAA2C40-DEA0-0F13-1700-0337821E9F4D}"/>
+                  </a:ext>
+                </a:extLst>
+              </p:cNvPr>
+              <p:cNvSpPr/>
+              <p:nvPr/>
+            </p:nvSpPr>
+            <p:spPr>
+              <a:xfrm>
+                <a:off x="3430951" y="1594624"/>
+                <a:ext cx="82399" cy="82399"/>
+              </a:xfrm>
+              <a:prstGeom prst="ellipse">
+                <a:avLst/>
+              </a:prstGeom>
+            </p:spPr>
+            <p:style>
+              <a:lnRef idx="2">
+                <a:schemeClr val="dk1">
+                  <a:shade val="15000"/>
+                </a:schemeClr>
+              </a:lnRef>
+              <a:fillRef idx="1">
+                <a:schemeClr val="dk1"/>
+              </a:fillRef>
+              <a:effectRef idx="0">
+                <a:schemeClr val="dk1"/>
+              </a:effectRef>
+              <a:fontRef idx="minor">
+                <a:schemeClr val="lt1"/>
+              </a:fontRef>
+            </p:style>
+            <p:txBody>
+              <a:bodyPr rtlCol="0" anchor="ctr"/>
+              <a:lstStyle/>
+              <a:p>
+                <a:pPr algn="ctr"/>
+                <a:endParaRPr lang="en-US"/>
+              </a:p>
+            </p:txBody>
+          </p:sp>
+          <p:sp>
+            <p:nvSpPr>
+              <p:cNvPr id="31" name="Oval 30">
+                <a:extLst>
+                  <a:ext uri="{FF2B5EF4-FFF2-40B4-BE49-F238E27FC236}">
+                    <a16:creationId xmlns:a16="http://schemas.microsoft.com/office/drawing/2014/main" id="{CABFAE2D-5145-DE55-C246-883C619EDDE2}"/>
+                  </a:ext>
+                </a:extLst>
+              </p:cNvPr>
+              <p:cNvSpPr/>
+              <p:nvPr/>
+            </p:nvSpPr>
+            <p:spPr>
+              <a:xfrm>
+                <a:off x="3297138" y="1747335"/>
+                <a:ext cx="82399" cy="82399"/>
+              </a:xfrm>
+              <a:prstGeom prst="ellipse">
+                <a:avLst/>
+              </a:prstGeom>
+            </p:spPr>
+            <p:style>
+              <a:lnRef idx="2">
+                <a:schemeClr val="dk1">
+                  <a:shade val="15000"/>
+                </a:schemeClr>
+              </a:lnRef>
+              <a:fillRef idx="1">
+                <a:schemeClr val="dk1"/>
+              </a:fillRef>
+              <a:effectRef idx="0">
+                <a:schemeClr val="dk1"/>
+              </a:effectRef>
+              <a:fontRef idx="minor">
+                <a:schemeClr val="lt1"/>
+              </a:fontRef>
+            </p:style>
+            <p:txBody>
+              <a:bodyPr rtlCol="0" anchor="ctr"/>
+              <a:lstStyle/>
+              <a:p>
+                <a:pPr algn="ctr"/>
+                <a:endParaRPr lang="en-US"/>
+              </a:p>
+            </p:txBody>
+          </p:sp>
+          <p:sp>
+            <p:nvSpPr>
+              <p:cNvPr id="32" name="Oval 31">
+                <a:extLst>
+                  <a:ext uri="{FF2B5EF4-FFF2-40B4-BE49-F238E27FC236}">
+                    <a16:creationId xmlns:a16="http://schemas.microsoft.com/office/drawing/2014/main" id="{C951742D-95BC-A660-AB52-100029D40289}"/>
+                  </a:ext>
+                </a:extLst>
+              </p:cNvPr>
+              <p:cNvSpPr/>
+              <p:nvPr/>
+            </p:nvSpPr>
+            <p:spPr>
+              <a:xfrm>
+                <a:off x="3430951" y="1747335"/>
+                <a:ext cx="82399" cy="82399"/>
+              </a:xfrm>
+              <a:prstGeom prst="ellipse">
+                <a:avLst/>
+              </a:prstGeom>
+            </p:spPr>
+            <p:style>
+              <a:lnRef idx="2">
+                <a:schemeClr val="dk1">
+                  <a:shade val="15000"/>
+                </a:schemeClr>
+              </a:lnRef>
+              <a:fillRef idx="1">
+                <a:schemeClr val="dk1"/>
+              </a:fillRef>
+              <a:effectRef idx="0">
+                <a:schemeClr val="dk1"/>
+              </a:effectRef>
+              <a:fontRef idx="minor">
+                <a:schemeClr val="lt1"/>
+              </a:fontRef>
+            </p:style>
+            <p:txBody>
+              <a:bodyPr rtlCol="0" anchor="ctr"/>
+              <a:lstStyle/>
+              <a:p>
+                <a:pPr algn="ctr"/>
+                <a:endParaRPr lang="en-US"/>
+              </a:p>
+            </p:txBody>
+          </p:sp>
+          <p:sp>
+            <p:nvSpPr>
+              <p:cNvPr id="33" name="TextBox 32">
+                <a:extLst>
+                  <a:ext uri="{FF2B5EF4-FFF2-40B4-BE49-F238E27FC236}">
+                    <a16:creationId xmlns:a16="http://schemas.microsoft.com/office/drawing/2014/main" id="{0AB378C0-9032-DCCA-0126-2CA47E5287AA}"/>
+                  </a:ext>
+                </a:extLst>
+              </p:cNvPr>
+              <p:cNvSpPr txBox="1"/>
+              <p:nvPr/>
+            </p:nvSpPr>
+            <p:spPr>
+              <a:xfrm>
+                <a:off x="3522356" y="1386159"/>
+                <a:ext cx="314510" cy="369332"/>
+              </a:xfrm>
+              <a:prstGeom prst="rect">
+                <a:avLst/>
+              </a:prstGeom>
+              <a:noFill/>
+            </p:spPr>
+            <p:txBody>
+              <a:bodyPr wrap="none" rtlCol="0">
+                <a:spAutoFit/>
+              </a:bodyPr>
+              <a:lstStyle/>
+              <a:p>
+                <a:r>
+                  <a:rPr lang="en-US" dirty="0"/>
+                  <a:t>p</a:t>
+                </a:r>
+              </a:p>
+            </p:txBody>
+          </p:sp>
+          <p:sp>
+            <p:nvSpPr>
+              <p:cNvPr id="34" name="TextBox 33">
+                <a:extLst>
+                  <a:ext uri="{FF2B5EF4-FFF2-40B4-BE49-F238E27FC236}">
+                    <a16:creationId xmlns:a16="http://schemas.microsoft.com/office/drawing/2014/main" id="{69D61A0E-21C1-0118-F0E0-BB001D840905}"/>
+                  </a:ext>
+                </a:extLst>
+              </p:cNvPr>
+              <p:cNvSpPr txBox="1"/>
+              <p:nvPr/>
+            </p:nvSpPr>
+            <p:spPr>
+              <a:xfrm>
+                <a:off x="3548996" y="1635272"/>
+                <a:ext cx="296876" cy="369332"/>
+              </a:xfrm>
+              <a:prstGeom prst="rect">
+                <a:avLst/>
+              </a:prstGeom>
+              <a:noFill/>
+            </p:spPr>
+            <p:txBody>
+              <a:bodyPr wrap="none" rtlCol="0">
+                <a:spAutoFit/>
+              </a:bodyPr>
+              <a:lstStyle/>
+              <a:p>
+                <a:r>
+                  <a:rPr lang="en-US" dirty="0"/>
+                  <a:t>s</a:t>
+                </a:r>
+              </a:p>
+            </p:txBody>
+          </p:sp>
+          <p:sp>
+            <p:nvSpPr>
+              <p:cNvPr id="35" name="TextBox 34">
+                <a:extLst>
+                  <a:ext uri="{FF2B5EF4-FFF2-40B4-BE49-F238E27FC236}">
+                    <a16:creationId xmlns:a16="http://schemas.microsoft.com/office/drawing/2014/main" id="{F8DF2E00-CE6A-F457-F60B-948A1AAA9EF1}"/>
+                  </a:ext>
+                </a:extLst>
+              </p:cNvPr>
+              <p:cNvSpPr txBox="1"/>
+              <p:nvPr/>
+            </p:nvSpPr>
+            <p:spPr>
+              <a:xfrm>
+                <a:off x="3397259" y="1048960"/>
+                <a:ext cx="558166" cy="369332"/>
+              </a:xfrm>
+              <a:prstGeom prst="rect">
+                <a:avLst/>
+              </a:prstGeom>
+              <a:noFill/>
+            </p:spPr>
+            <p:txBody>
+              <a:bodyPr wrap="none" rtlCol="0">
+                <a:spAutoFit/>
+              </a:bodyPr>
+              <a:lstStyle/>
+              <a:p>
+                <a:r>
+                  <a:rPr lang="en-US" dirty="0"/>
+                  <a:t>n=3</a:t>
+                </a:r>
+              </a:p>
+            </p:txBody>
+          </p:sp>
+          <p:sp>
+            <p:nvSpPr>
+              <p:cNvPr id="36" name="TextBox 35">
+                <a:extLst>
+                  <a:ext uri="{FF2B5EF4-FFF2-40B4-BE49-F238E27FC236}">
+                    <a16:creationId xmlns:a16="http://schemas.microsoft.com/office/drawing/2014/main" id="{56FB4E5E-7885-B474-74BC-E42052658BA5}"/>
+                  </a:ext>
+                </a:extLst>
+              </p:cNvPr>
+              <p:cNvSpPr txBox="1"/>
+              <p:nvPr/>
+            </p:nvSpPr>
+            <p:spPr>
+              <a:xfrm>
+                <a:off x="2196708" y="1967642"/>
+                <a:ext cx="1654299" cy="338554"/>
+              </a:xfrm>
+              <a:prstGeom prst="rect">
+                <a:avLst/>
+              </a:prstGeom>
+              <a:noFill/>
+            </p:spPr>
+            <p:txBody>
+              <a:bodyPr wrap="none" rtlCol="0">
+                <a:spAutoFit/>
+              </a:bodyPr>
+              <a:lstStyle/>
+              <a:p>
+                <a:r>
+                  <a:rPr lang="en-US" sz="1600" dirty="0"/>
+                  <a:t>6N p-states total</a:t>
+                </a:r>
+              </a:p>
+            </p:txBody>
+          </p:sp>
+          <p:sp>
+            <p:nvSpPr>
+              <p:cNvPr id="37" name="TextBox 36">
+                <a:extLst>
+                  <a:ext uri="{FF2B5EF4-FFF2-40B4-BE49-F238E27FC236}">
+                    <a16:creationId xmlns:a16="http://schemas.microsoft.com/office/drawing/2014/main" id="{8DB61002-8DFD-200E-8307-A82B1C3B54F3}"/>
+                  </a:ext>
+                </a:extLst>
+              </p:cNvPr>
+              <p:cNvSpPr txBox="1"/>
+              <p:nvPr/>
+            </p:nvSpPr>
+            <p:spPr>
+              <a:xfrm>
+                <a:off x="2196708" y="2271059"/>
+                <a:ext cx="1638269" cy="338554"/>
+              </a:xfrm>
+              <a:prstGeom prst="rect">
+                <a:avLst/>
+              </a:prstGeom>
+              <a:noFill/>
+            </p:spPr>
+            <p:txBody>
+              <a:bodyPr wrap="none" rtlCol="0">
+                <a:spAutoFit/>
+              </a:bodyPr>
+              <a:lstStyle/>
+              <a:p>
+                <a:r>
+                  <a:rPr lang="en-US" sz="1600" dirty="0"/>
+                  <a:t>2N s-states total</a:t>
+                </a:r>
+              </a:p>
+            </p:txBody>
+          </p:sp>
+          <p:sp>
+            <p:nvSpPr>
+              <p:cNvPr id="38" name="TextBox 37">
+                <a:extLst>
+                  <a:ext uri="{FF2B5EF4-FFF2-40B4-BE49-F238E27FC236}">
+                    <a16:creationId xmlns:a16="http://schemas.microsoft.com/office/drawing/2014/main" id="{5BFA4C2A-B3D1-6EA4-6D64-D676EB0D5FFC}"/>
+                  </a:ext>
+                </a:extLst>
+              </p:cNvPr>
+              <p:cNvSpPr txBox="1"/>
+              <p:nvPr/>
+            </p:nvSpPr>
+            <p:spPr>
+              <a:xfrm>
+                <a:off x="2196708" y="2638566"/>
+                <a:ext cx="1882375" cy="338554"/>
+              </a:xfrm>
+              <a:prstGeom prst="rect">
+                <a:avLst/>
+              </a:prstGeom>
+              <a:noFill/>
+            </p:spPr>
+            <p:txBody>
+              <a:bodyPr wrap="none" rtlCol="0">
+                <a:spAutoFit/>
+              </a:bodyPr>
+              <a:lstStyle/>
+              <a:p>
+                <a:r>
+                  <a:rPr lang="en-US" sz="1600" dirty="0"/>
+                  <a:t>(4N electrons total)</a:t>
+                </a:r>
+              </a:p>
+            </p:txBody>
+          </p:sp>
+          <p:sp>
+            <p:nvSpPr>
+              <p:cNvPr id="39" name="TextBox 38">
+                <a:extLst>
+                  <a:ext uri="{FF2B5EF4-FFF2-40B4-BE49-F238E27FC236}">
+                    <a16:creationId xmlns:a16="http://schemas.microsoft.com/office/drawing/2014/main" id="{C21C1D4D-A888-0DFD-8BBC-B3AB5CDB4BA2}"/>
+                  </a:ext>
+                </a:extLst>
+              </p:cNvPr>
+              <p:cNvSpPr txBox="1"/>
+              <p:nvPr/>
+            </p:nvSpPr>
+            <p:spPr>
+              <a:xfrm>
+                <a:off x="2448104" y="708680"/>
+                <a:ext cx="1100892" cy="523220"/>
+              </a:xfrm>
+              <a:prstGeom prst="rect">
+                <a:avLst/>
+              </a:prstGeom>
+              <a:noFill/>
+            </p:spPr>
+            <p:txBody>
+              <a:bodyPr wrap="square" rtlCol="0">
+                <a:spAutoFit/>
+              </a:bodyPr>
+              <a:lstStyle/>
+              <a:p>
+                <a:r>
+                  <a:rPr lang="en-US" sz="1400" b="1" u="sng" dirty="0"/>
+                  <a:t>N Isolated Si atoms</a:t>
+                </a:r>
+              </a:p>
+            </p:txBody>
+          </p:sp>
+          <p:cxnSp>
+            <p:nvCxnSpPr>
+              <p:cNvPr id="40" name="Straight Arrow Connector 39">
+                <a:extLst>
+                  <a:ext uri="{FF2B5EF4-FFF2-40B4-BE49-F238E27FC236}">
+                    <a16:creationId xmlns:a16="http://schemas.microsoft.com/office/drawing/2014/main" id="{A2515EBC-C5D0-7568-0026-FE638631CF36}"/>
+                  </a:ext>
+                </a:extLst>
+              </p:cNvPr>
+              <p:cNvCxnSpPr/>
+              <p:nvPr/>
+            </p:nvCxnSpPr>
+            <p:spPr>
+              <a:xfrm flipV="1">
+                <a:off x="2096870" y="1251797"/>
+                <a:ext cx="0" cy="1604889"/>
+              </a:xfrm>
+              <a:prstGeom prst="straightConnector1">
+                <a:avLst/>
+              </a:prstGeom>
+              <a:ln>
+                <a:tailEnd type="triangle"/>
+              </a:ln>
+            </p:spPr>
+            <p:style>
+              <a:lnRef idx="2">
+                <a:schemeClr val="dk1"/>
+              </a:lnRef>
+              <a:fillRef idx="0">
+                <a:schemeClr val="dk1"/>
+              </a:fillRef>
+              <a:effectRef idx="1">
+                <a:schemeClr val="dk1"/>
+              </a:effectRef>
+              <a:fontRef idx="minor">
+                <a:schemeClr val="tx1"/>
+              </a:fontRef>
+            </p:style>
+          </p:cxnSp>
+          <p:sp>
+            <p:nvSpPr>
+              <p:cNvPr id="41" name="TextBox 40">
+                <a:extLst>
+                  <a:ext uri="{FF2B5EF4-FFF2-40B4-BE49-F238E27FC236}">
+                    <a16:creationId xmlns:a16="http://schemas.microsoft.com/office/drawing/2014/main" id="{9A669CA6-CC63-DBC6-7927-2633128E2457}"/>
+                  </a:ext>
+                </a:extLst>
+              </p:cNvPr>
+              <p:cNvSpPr txBox="1"/>
+              <p:nvPr/>
+            </p:nvSpPr>
+            <p:spPr>
+              <a:xfrm rot="16200000">
+                <a:off x="1090901" y="1850716"/>
+                <a:ext cx="1704162" cy="307777"/>
+              </a:xfrm>
+              <a:prstGeom prst="rect">
+                <a:avLst/>
+              </a:prstGeom>
+              <a:noFill/>
+            </p:spPr>
+            <p:txBody>
+              <a:bodyPr wrap="square" rtlCol="0">
+                <a:spAutoFit/>
+              </a:bodyPr>
+              <a:lstStyle/>
+              <a:p>
+                <a:r>
+                  <a:rPr lang="en-US" sz="1400" dirty="0"/>
+                  <a:t>Electron energy</a:t>
+                </a:r>
+              </a:p>
+            </p:txBody>
+          </p:sp>
+          <p:sp>
+            <p:nvSpPr>
+              <p:cNvPr id="66" name="TextBox 65">
+                <a:extLst>
+                  <a:ext uri="{FF2B5EF4-FFF2-40B4-BE49-F238E27FC236}">
+                    <a16:creationId xmlns:a16="http://schemas.microsoft.com/office/drawing/2014/main" id="{9400CA0D-6565-DF06-2FC1-C9BF1C3D46E1}"/>
+                  </a:ext>
+                </a:extLst>
+              </p:cNvPr>
+              <p:cNvSpPr txBox="1"/>
+              <p:nvPr/>
+            </p:nvSpPr>
+            <p:spPr>
+              <a:xfrm>
+                <a:off x="1911145" y="923259"/>
+                <a:ext cx="312906" cy="369332"/>
+              </a:xfrm>
+              <a:prstGeom prst="rect">
+                <a:avLst/>
+              </a:prstGeom>
+              <a:noFill/>
+            </p:spPr>
+            <p:txBody>
+              <a:bodyPr wrap="none" rtlCol="0">
+                <a:spAutoFit/>
+              </a:bodyPr>
+              <a:lstStyle/>
+              <a:p>
+                <a:r>
+                  <a:rPr lang="en-US" dirty="0"/>
+                  <a:t>E</a:t>
+                </a:r>
+              </a:p>
+            </p:txBody>
+          </p:sp>
+          <p:sp>
+            <p:nvSpPr>
+              <p:cNvPr id="118" name="Rectangle 117">
+                <a:extLst>
+                  <a:ext uri="{FF2B5EF4-FFF2-40B4-BE49-F238E27FC236}">
+                    <a16:creationId xmlns:a16="http://schemas.microsoft.com/office/drawing/2014/main" id="{E56F0A2E-5554-2251-F8A0-B5FE0F55DDB5}"/>
+                  </a:ext>
+                </a:extLst>
+              </p:cNvPr>
+              <p:cNvSpPr/>
+              <p:nvPr/>
+            </p:nvSpPr>
+            <p:spPr>
+              <a:xfrm>
+                <a:off x="1690007" y="637895"/>
+                <a:ext cx="2372590" cy="2539674"/>
+              </a:xfrm>
+              <a:prstGeom prst="rect">
+                <a:avLst/>
+              </a:prstGeom>
+              <a:noFill/>
+              <a:ln>
+                <a:solidFill>
+                  <a:schemeClr val="tx1"/>
+                </a:solidFill>
+              </a:ln>
+            </p:spPr>
+            <p:style>
+              <a:lnRef idx="2">
+                <a:schemeClr val="accent1">
+                  <a:shade val="15000"/>
+                </a:schemeClr>
+              </a:lnRef>
+              <a:fillRef idx="1">
+                <a:schemeClr val="accent1"/>
+              </a:fillRef>
+              <a:effectRef idx="0">
+                <a:schemeClr val="accent1"/>
+              </a:effectRef>
+              <a:fontRef idx="minor">
+                <a:schemeClr val="lt1"/>
+              </a:fontRef>
+            </p:style>
+            <p:txBody>
+              <a:bodyPr rtlCol="0" anchor="ctr"/>
+              <a:lstStyle/>
+              <a:p>
+                <a:pPr algn="ctr"/>
+                <a:endParaRPr lang="en-US"/>
+              </a:p>
+            </p:txBody>
+          </p:sp>
+        </p:grpSp>
+        <p:grpSp>
+          <p:nvGrpSpPr>
+            <p:cNvPr id="121" name="Group 120">
+              <a:extLst>
+                <a:ext uri="{FF2B5EF4-FFF2-40B4-BE49-F238E27FC236}">
+                  <a16:creationId xmlns:a16="http://schemas.microsoft.com/office/drawing/2014/main" id="{B200FDE9-EFCE-075B-9EC4-B878C9672F96}"/>
+                </a:ext>
+              </a:extLst>
+            </p:cNvPr>
+            <p:cNvGrpSpPr/>
+            <p:nvPr/>
+          </p:nvGrpSpPr>
+          <p:grpSpPr>
+            <a:xfrm>
+              <a:off x="4415304" y="478226"/>
+              <a:ext cx="2724984" cy="2539674"/>
+              <a:chOff x="4872646" y="637895"/>
+              <a:chExt cx="2724984" cy="2539674"/>
+            </a:xfrm>
+          </p:grpSpPr>
+          <p:cxnSp>
+            <p:nvCxnSpPr>
+              <p:cNvPr id="64" name="Straight Arrow Connector 63">
+                <a:extLst>
+                  <a:ext uri="{FF2B5EF4-FFF2-40B4-BE49-F238E27FC236}">
+                    <a16:creationId xmlns:a16="http://schemas.microsoft.com/office/drawing/2014/main" id="{DB57A34F-87BE-20E7-BD5F-86136D78D130}"/>
+                  </a:ext>
+                </a:extLst>
+              </p:cNvPr>
+              <p:cNvCxnSpPr/>
+              <p:nvPr/>
+            </p:nvCxnSpPr>
+            <p:spPr>
+              <a:xfrm flipV="1">
+                <a:off x="5224049" y="1251798"/>
+                <a:ext cx="0" cy="1604889"/>
+              </a:xfrm>
+              <a:prstGeom prst="straightConnector1">
+                <a:avLst/>
+              </a:prstGeom>
+              <a:ln>
+                <a:tailEnd type="triangle"/>
+              </a:ln>
+            </p:spPr>
+            <p:style>
+              <a:lnRef idx="2">
+                <a:schemeClr val="dk1"/>
+              </a:lnRef>
+              <a:fillRef idx="0">
+                <a:schemeClr val="dk1"/>
+              </a:fillRef>
+              <a:effectRef idx="1">
+                <a:schemeClr val="dk1"/>
+              </a:effectRef>
+              <a:fontRef idx="minor">
+                <a:schemeClr val="tx1"/>
+              </a:fontRef>
+            </p:style>
+          </p:cxnSp>
+          <p:sp>
+            <p:nvSpPr>
+              <p:cNvPr id="65" name="TextBox 64">
+                <a:extLst>
+                  <a:ext uri="{FF2B5EF4-FFF2-40B4-BE49-F238E27FC236}">
+                    <a16:creationId xmlns:a16="http://schemas.microsoft.com/office/drawing/2014/main" id="{7BC3CC36-0978-793A-CB30-AA03258CC64F}"/>
+                  </a:ext>
+                </a:extLst>
+              </p:cNvPr>
+              <p:cNvSpPr txBox="1"/>
+              <p:nvPr/>
+            </p:nvSpPr>
+            <p:spPr>
+              <a:xfrm rot="16200000">
+                <a:off x="4218080" y="1850717"/>
+                <a:ext cx="1704162" cy="307777"/>
+              </a:xfrm>
+              <a:prstGeom prst="rect">
+                <a:avLst/>
+              </a:prstGeom>
+              <a:noFill/>
+            </p:spPr>
+            <p:txBody>
+              <a:bodyPr wrap="square" rtlCol="0">
+                <a:spAutoFit/>
+              </a:bodyPr>
+              <a:lstStyle/>
+              <a:p>
+                <a:r>
+                  <a:rPr lang="en-US" sz="1400" dirty="0"/>
+                  <a:t>Electron energy</a:t>
+                </a:r>
+              </a:p>
+            </p:txBody>
+          </p:sp>
+          <p:sp>
+            <p:nvSpPr>
+              <p:cNvPr id="67" name="TextBox 66">
+                <a:extLst>
+                  <a:ext uri="{FF2B5EF4-FFF2-40B4-BE49-F238E27FC236}">
+                    <a16:creationId xmlns:a16="http://schemas.microsoft.com/office/drawing/2014/main" id="{BFB0B45D-C950-1B28-DBCB-856222EEE42F}"/>
+                  </a:ext>
+                </a:extLst>
+              </p:cNvPr>
+              <p:cNvSpPr txBox="1"/>
+              <p:nvPr/>
+            </p:nvSpPr>
+            <p:spPr>
+              <a:xfrm>
+                <a:off x="5015562" y="923259"/>
+                <a:ext cx="312906" cy="369332"/>
+              </a:xfrm>
+              <a:prstGeom prst="rect">
+                <a:avLst/>
+              </a:prstGeom>
+              <a:noFill/>
+            </p:spPr>
+            <p:txBody>
+              <a:bodyPr wrap="none" rtlCol="0">
+                <a:spAutoFit/>
+              </a:bodyPr>
+              <a:lstStyle/>
+              <a:p>
+                <a:r>
+                  <a:rPr lang="en-US" dirty="0"/>
+                  <a:t>E</a:t>
+                </a:r>
+              </a:p>
+            </p:txBody>
+          </p:sp>
+          <p:cxnSp>
+            <p:nvCxnSpPr>
+              <p:cNvPr id="69" name="Straight Arrow Connector 68">
+                <a:extLst>
+                  <a:ext uri="{FF2B5EF4-FFF2-40B4-BE49-F238E27FC236}">
+                    <a16:creationId xmlns:a16="http://schemas.microsoft.com/office/drawing/2014/main" id="{867BDDAD-56D3-0305-DF39-B2EFCD20A3BC}"/>
+                  </a:ext>
+                </a:extLst>
+              </p:cNvPr>
+              <p:cNvCxnSpPr/>
+              <p:nvPr/>
+            </p:nvCxnSpPr>
+            <p:spPr>
+              <a:xfrm>
+                <a:off x="5510759" y="1231900"/>
+                <a:ext cx="0" cy="515435"/>
+              </a:xfrm>
+              <a:prstGeom prst="straightConnector1">
+                <a:avLst/>
+              </a:prstGeom>
+              <a:ln>
+                <a:headEnd type="triangle"/>
+                <a:tailEnd type="triangle"/>
+              </a:ln>
+            </p:spPr>
+            <p:style>
+              <a:lnRef idx="2">
+                <a:schemeClr val="dk1"/>
+              </a:lnRef>
+              <a:fillRef idx="0">
+                <a:schemeClr val="dk1"/>
+              </a:fillRef>
+              <a:effectRef idx="1">
+                <a:schemeClr val="dk1"/>
+              </a:effectRef>
+              <a:fontRef idx="minor">
+                <a:schemeClr val="tx1"/>
+              </a:fontRef>
+            </p:style>
+          </p:cxnSp>
+          <p:cxnSp>
+            <p:nvCxnSpPr>
+              <p:cNvPr id="71" name="Straight Connector 70">
+                <a:extLst>
+                  <a:ext uri="{FF2B5EF4-FFF2-40B4-BE49-F238E27FC236}">
+                    <a16:creationId xmlns:a16="http://schemas.microsoft.com/office/drawing/2014/main" id="{2C04D775-A350-5727-717D-8E2EB44A5E60}"/>
+                  </a:ext>
+                </a:extLst>
+              </p:cNvPr>
+              <p:cNvCxnSpPr/>
+              <p:nvPr/>
+            </p:nvCxnSpPr>
+            <p:spPr>
+              <a:xfrm>
+                <a:off x="5329238" y="1231900"/>
+                <a:ext cx="347662" cy="0"/>
+              </a:xfrm>
+              <a:prstGeom prst="line">
+                <a:avLst/>
+              </a:prstGeom>
+            </p:spPr>
+            <p:style>
+              <a:lnRef idx="2">
+                <a:schemeClr val="dk1"/>
+              </a:lnRef>
+              <a:fillRef idx="0">
+                <a:schemeClr val="dk1"/>
+              </a:fillRef>
+              <a:effectRef idx="1">
+                <a:schemeClr val="dk1"/>
+              </a:effectRef>
+              <a:fontRef idx="minor">
+                <a:schemeClr val="tx1"/>
+              </a:fontRef>
+            </p:style>
+          </p:cxnSp>
+          <p:cxnSp>
+            <p:nvCxnSpPr>
+              <p:cNvPr id="72" name="Straight Connector 71">
+                <a:extLst>
+                  <a:ext uri="{FF2B5EF4-FFF2-40B4-BE49-F238E27FC236}">
+                    <a16:creationId xmlns:a16="http://schemas.microsoft.com/office/drawing/2014/main" id="{79A2E58C-440F-337E-7B07-EFDF6466D974}"/>
+                  </a:ext>
+                </a:extLst>
+              </p:cNvPr>
+              <p:cNvCxnSpPr/>
+              <p:nvPr/>
+            </p:nvCxnSpPr>
+            <p:spPr>
+              <a:xfrm>
+                <a:off x="5329238" y="1747335"/>
+                <a:ext cx="347662" cy="0"/>
+              </a:xfrm>
+              <a:prstGeom prst="line">
+                <a:avLst/>
+              </a:prstGeom>
+            </p:spPr>
+            <p:style>
+              <a:lnRef idx="2">
+                <a:schemeClr val="dk1"/>
+              </a:lnRef>
+              <a:fillRef idx="0">
+                <a:schemeClr val="dk1"/>
+              </a:fillRef>
+              <a:effectRef idx="1">
+                <a:schemeClr val="dk1"/>
+              </a:effectRef>
+              <a:fontRef idx="minor">
+                <a:schemeClr val="tx1"/>
+              </a:fontRef>
+            </p:style>
+          </p:cxnSp>
+          <p:cxnSp>
+            <p:nvCxnSpPr>
+              <p:cNvPr id="73" name="Straight Arrow Connector 72">
+                <a:extLst>
+                  <a:ext uri="{FF2B5EF4-FFF2-40B4-BE49-F238E27FC236}">
+                    <a16:creationId xmlns:a16="http://schemas.microsoft.com/office/drawing/2014/main" id="{42F2C75C-4D1F-F12D-83C5-B84C2DFFA1FE}"/>
+                  </a:ext>
+                </a:extLst>
+              </p:cNvPr>
+              <p:cNvCxnSpPr/>
+              <p:nvPr/>
+            </p:nvCxnSpPr>
+            <p:spPr>
+              <a:xfrm>
+                <a:off x="5510759" y="2341251"/>
+                <a:ext cx="0" cy="515435"/>
+              </a:xfrm>
+              <a:prstGeom prst="straightConnector1">
+                <a:avLst/>
+              </a:prstGeom>
+              <a:ln>
+                <a:headEnd type="triangle"/>
+                <a:tailEnd type="triangle"/>
+              </a:ln>
+            </p:spPr>
+            <p:style>
+              <a:lnRef idx="2">
+                <a:schemeClr val="dk1"/>
+              </a:lnRef>
+              <a:fillRef idx="0">
+                <a:schemeClr val="dk1"/>
+              </a:fillRef>
+              <a:effectRef idx="1">
+                <a:schemeClr val="dk1"/>
+              </a:effectRef>
+              <a:fontRef idx="minor">
+                <a:schemeClr val="tx1"/>
+              </a:fontRef>
+            </p:style>
+          </p:cxnSp>
+          <p:cxnSp>
+            <p:nvCxnSpPr>
+              <p:cNvPr id="74" name="Straight Connector 73">
+                <a:extLst>
+                  <a:ext uri="{FF2B5EF4-FFF2-40B4-BE49-F238E27FC236}">
+                    <a16:creationId xmlns:a16="http://schemas.microsoft.com/office/drawing/2014/main" id="{79EF31A9-B841-2679-DE90-D8C21D3FFD53}"/>
+                  </a:ext>
+                </a:extLst>
+              </p:cNvPr>
+              <p:cNvCxnSpPr/>
+              <p:nvPr/>
+            </p:nvCxnSpPr>
+            <p:spPr>
+              <a:xfrm>
+                <a:off x="5329238" y="2341251"/>
+                <a:ext cx="347662" cy="0"/>
+              </a:xfrm>
+              <a:prstGeom prst="line">
+                <a:avLst/>
+              </a:prstGeom>
+            </p:spPr>
+            <p:style>
+              <a:lnRef idx="2">
+                <a:schemeClr val="dk1"/>
+              </a:lnRef>
+              <a:fillRef idx="0">
+                <a:schemeClr val="dk1"/>
+              </a:fillRef>
+              <a:effectRef idx="1">
+                <a:schemeClr val="dk1"/>
+              </a:effectRef>
+              <a:fontRef idx="minor">
+                <a:schemeClr val="tx1"/>
+              </a:fontRef>
+            </p:style>
+          </p:cxnSp>
+          <p:cxnSp>
+            <p:nvCxnSpPr>
+              <p:cNvPr id="75" name="Straight Connector 74">
+                <a:extLst>
+                  <a:ext uri="{FF2B5EF4-FFF2-40B4-BE49-F238E27FC236}">
+                    <a16:creationId xmlns:a16="http://schemas.microsoft.com/office/drawing/2014/main" id="{01E03F6C-0D52-160A-17D5-28C2372EFC6B}"/>
+                  </a:ext>
+                </a:extLst>
+              </p:cNvPr>
+              <p:cNvCxnSpPr/>
+              <p:nvPr/>
+            </p:nvCxnSpPr>
+            <p:spPr>
+              <a:xfrm>
+                <a:off x="5329238" y="2856686"/>
+                <a:ext cx="347662" cy="0"/>
+              </a:xfrm>
+              <a:prstGeom prst="line">
+                <a:avLst/>
+              </a:prstGeom>
+            </p:spPr>
+            <p:style>
+              <a:lnRef idx="2">
+                <a:schemeClr val="dk1"/>
+              </a:lnRef>
+              <a:fillRef idx="0">
+                <a:schemeClr val="dk1"/>
+              </a:fillRef>
+              <a:effectRef idx="1">
+                <a:schemeClr val="dk1"/>
+              </a:effectRef>
+              <a:fontRef idx="minor">
+                <a:schemeClr val="tx1"/>
+              </a:fontRef>
+            </p:style>
+          </p:cxnSp>
+          <p:sp>
+            <p:nvSpPr>
+              <p:cNvPr id="76" name="TextBox 75">
+                <a:extLst>
+                  <a:ext uri="{FF2B5EF4-FFF2-40B4-BE49-F238E27FC236}">
+                    <a16:creationId xmlns:a16="http://schemas.microsoft.com/office/drawing/2014/main" id="{5A92A366-E767-5785-CE73-08BE619CB36C}"/>
+                  </a:ext>
+                </a:extLst>
+              </p:cNvPr>
+              <p:cNvSpPr txBox="1"/>
+              <p:nvPr/>
+            </p:nvSpPr>
+            <p:spPr>
+              <a:xfrm>
+                <a:off x="5779504" y="1170716"/>
+                <a:ext cx="1818126" cy="584775"/>
+              </a:xfrm>
+              <a:prstGeom prst="rect">
+                <a:avLst/>
+              </a:prstGeom>
+              <a:noFill/>
+            </p:spPr>
+            <p:txBody>
+              <a:bodyPr wrap="none" rtlCol="0">
+                <a:spAutoFit/>
+              </a:bodyPr>
+              <a:lstStyle/>
+              <a:p>
+                <a:r>
+                  <a:rPr lang="en-US" sz="1600" dirty="0"/>
+                  <a:t>4N allowed states</a:t>
+                </a:r>
+              </a:p>
+              <a:p>
+                <a:r>
+                  <a:rPr lang="en-US" sz="1600" dirty="0"/>
+                  <a:t>(conduction band)</a:t>
+                </a:r>
+              </a:p>
+            </p:txBody>
+          </p:sp>
+          <p:sp>
+            <p:nvSpPr>
+              <p:cNvPr id="77" name="TextBox 76">
+                <a:extLst>
+                  <a:ext uri="{FF2B5EF4-FFF2-40B4-BE49-F238E27FC236}">
+                    <a16:creationId xmlns:a16="http://schemas.microsoft.com/office/drawing/2014/main" id="{2532E835-23C7-E833-5329-A7F37B0418F1}"/>
+                  </a:ext>
+                </a:extLst>
+              </p:cNvPr>
+              <p:cNvSpPr txBox="1"/>
+              <p:nvPr/>
+            </p:nvSpPr>
+            <p:spPr>
+              <a:xfrm>
+                <a:off x="5779504" y="2325551"/>
+                <a:ext cx="1818126" cy="584775"/>
+              </a:xfrm>
+              <a:prstGeom prst="rect">
+                <a:avLst/>
+              </a:prstGeom>
+              <a:noFill/>
+            </p:spPr>
+            <p:txBody>
+              <a:bodyPr wrap="none" rtlCol="0">
+                <a:spAutoFit/>
+              </a:bodyPr>
+              <a:lstStyle/>
+              <a:p>
+                <a:r>
+                  <a:rPr lang="en-US" sz="1600" dirty="0"/>
+                  <a:t>4N allowed states</a:t>
+                </a:r>
+              </a:p>
+              <a:p>
+                <a:r>
+                  <a:rPr lang="en-US" sz="1600" dirty="0"/>
+                  <a:t>(valence band)</a:t>
+                </a:r>
+              </a:p>
+            </p:txBody>
+          </p:sp>
+          <p:sp>
+            <p:nvSpPr>
+              <p:cNvPr id="78" name="Right Brace 77">
+                <a:extLst>
+                  <a:ext uri="{FF2B5EF4-FFF2-40B4-BE49-F238E27FC236}">
+                    <a16:creationId xmlns:a16="http://schemas.microsoft.com/office/drawing/2014/main" id="{E6B4C6B0-2F92-ABA5-9B63-DFF72FE4E1AB}"/>
+                  </a:ext>
+                </a:extLst>
+              </p:cNvPr>
+              <p:cNvSpPr/>
+              <p:nvPr/>
+            </p:nvSpPr>
+            <p:spPr>
+              <a:xfrm>
+                <a:off x="5719762" y="1755490"/>
+                <a:ext cx="189095" cy="584769"/>
+              </a:xfrm>
+              <a:prstGeom prst="rightBrace">
+                <a:avLst>
+                  <a:gd name="adj1" fmla="val 43593"/>
+                  <a:gd name="adj2" fmla="val 50000"/>
+                </a:avLst>
+              </a:prstGeom>
+            </p:spPr>
+            <p:style>
+              <a:lnRef idx="2">
+                <a:schemeClr val="dk1"/>
+              </a:lnRef>
+              <a:fillRef idx="0">
+                <a:schemeClr val="dk1"/>
+              </a:fillRef>
+              <a:effectRef idx="1">
+                <a:schemeClr val="dk1"/>
+              </a:effectRef>
+              <a:fontRef idx="minor">
+                <a:schemeClr val="tx1"/>
+              </a:fontRef>
+            </p:style>
+            <p:txBody>
+              <a:bodyPr rtlCol="0" anchor="ctr"/>
+              <a:lstStyle/>
+              <a:p>
+                <a:pPr algn="ctr"/>
+                <a:endParaRPr lang="en-US"/>
+              </a:p>
+            </p:txBody>
+          </p:sp>
+          <p:sp>
+            <p:nvSpPr>
+              <p:cNvPr id="79" name="TextBox 78">
+                <a:extLst>
+                  <a:ext uri="{FF2B5EF4-FFF2-40B4-BE49-F238E27FC236}">
+                    <a16:creationId xmlns:a16="http://schemas.microsoft.com/office/drawing/2014/main" id="{83282B36-5CDF-AB12-61CF-218EA4E9E842}"/>
+                  </a:ext>
+                </a:extLst>
+              </p:cNvPr>
+              <p:cNvSpPr txBox="1"/>
+              <p:nvPr/>
+            </p:nvSpPr>
+            <p:spPr>
+              <a:xfrm>
+                <a:off x="5852184" y="1871244"/>
+                <a:ext cx="1672766" cy="338554"/>
+              </a:xfrm>
+              <a:prstGeom prst="rect">
+                <a:avLst/>
+              </a:prstGeom>
+              <a:noFill/>
+            </p:spPr>
+            <p:txBody>
+              <a:bodyPr wrap="none" rtlCol="0">
+                <a:spAutoFit/>
+              </a:bodyPr>
+              <a:lstStyle/>
+              <a:p>
+                <a:r>
+                  <a:rPr lang="en-US" sz="1600" dirty="0"/>
+                  <a:t>Forbidden states</a:t>
+                </a:r>
+              </a:p>
+            </p:txBody>
+          </p:sp>
+          <p:sp>
+            <p:nvSpPr>
+              <p:cNvPr id="80" name="TextBox 79">
+                <a:extLst>
+                  <a:ext uri="{FF2B5EF4-FFF2-40B4-BE49-F238E27FC236}">
+                    <a16:creationId xmlns:a16="http://schemas.microsoft.com/office/drawing/2014/main" id="{6BA3BCD9-3A8A-6026-260D-9330FD8B60C2}"/>
+                  </a:ext>
+                </a:extLst>
+              </p:cNvPr>
+              <p:cNvSpPr txBox="1"/>
+              <p:nvPr/>
+            </p:nvSpPr>
+            <p:spPr>
+              <a:xfrm>
+                <a:off x="6001378" y="637895"/>
+                <a:ext cx="1100892" cy="523220"/>
+              </a:xfrm>
+              <a:prstGeom prst="rect">
+                <a:avLst/>
+              </a:prstGeom>
+              <a:noFill/>
+            </p:spPr>
+            <p:txBody>
+              <a:bodyPr wrap="square" rtlCol="0">
+                <a:spAutoFit/>
+              </a:bodyPr>
+              <a:lstStyle/>
+              <a:p>
+                <a:r>
+                  <a:rPr lang="en-US" sz="1400" b="1" u="sng" dirty="0" err="1"/>
+                  <a:t>CrystallineSi</a:t>
+                </a:r>
+                <a:r>
+                  <a:rPr lang="en-US" sz="1400" b="1" u="sng" dirty="0"/>
+                  <a:t> N-atoms</a:t>
+                </a:r>
+              </a:p>
+            </p:txBody>
+          </p:sp>
+          <p:sp>
+            <p:nvSpPr>
+              <p:cNvPr id="119" name="Rectangle 118">
+                <a:extLst>
+                  <a:ext uri="{FF2B5EF4-FFF2-40B4-BE49-F238E27FC236}">
+                    <a16:creationId xmlns:a16="http://schemas.microsoft.com/office/drawing/2014/main" id="{9A274FA0-549D-3869-0EBD-FD068DCD3BC8}"/>
+                  </a:ext>
+                </a:extLst>
+              </p:cNvPr>
+              <p:cNvSpPr/>
+              <p:nvPr/>
+            </p:nvSpPr>
+            <p:spPr>
+              <a:xfrm>
+                <a:off x="4872646" y="637895"/>
+                <a:ext cx="2683826" cy="2539674"/>
+              </a:xfrm>
+              <a:prstGeom prst="rect">
+                <a:avLst/>
+              </a:prstGeom>
+              <a:noFill/>
+              <a:ln>
+                <a:solidFill>
+                  <a:schemeClr val="tx1"/>
+                </a:solidFill>
+              </a:ln>
+            </p:spPr>
+            <p:style>
+              <a:lnRef idx="2">
+                <a:schemeClr val="accent1">
+                  <a:shade val="15000"/>
+                </a:schemeClr>
+              </a:lnRef>
+              <a:fillRef idx="1">
+                <a:schemeClr val="accent1"/>
+              </a:fillRef>
+              <a:effectRef idx="0">
+                <a:schemeClr val="accent1"/>
+              </a:effectRef>
+              <a:fontRef idx="minor">
+                <a:schemeClr val="lt1"/>
+              </a:fontRef>
+            </p:style>
+            <p:txBody>
+              <a:bodyPr rtlCol="0" anchor="ctr"/>
+              <a:lstStyle/>
+              <a:p>
+                <a:pPr algn="ctr"/>
+                <a:endParaRPr lang="en-US"/>
+              </a:p>
+            </p:txBody>
+          </p:sp>
+        </p:grpSp>
+        <p:cxnSp>
+          <p:nvCxnSpPr>
+            <p:cNvPr id="124" name="Straight Arrow Connector 123">
+              <a:extLst>
+                <a:ext uri="{FF2B5EF4-FFF2-40B4-BE49-F238E27FC236}">
+                  <a16:creationId xmlns:a16="http://schemas.microsoft.com/office/drawing/2014/main" id="{CD9024B8-0C66-D396-39C0-C706B8FD1AEA}"/>
+                </a:ext>
+              </a:extLst>
+            </p:cNvPr>
+            <p:cNvCxnSpPr/>
+            <p:nvPr/>
+          </p:nvCxnSpPr>
+          <p:spPr>
+            <a:xfrm flipV="1">
+              <a:off x="2408415" y="3127022"/>
+              <a:ext cx="413365" cy="973937"/>
+            </a:xfrm>
+            <a:prstGeom prst="straightConnector1">
+              <a:avLst/>
+            </a:prstGeom>
+            <a:ln w="57150" cap="flat" cmpd="sng" algn="ctr">
+              <a:solidFill>
+                <a:schemeClr val="dk1"/>
+              </a:solidFill>
+              <a:prstDash val="solid"/>
+              <a:round/>
+              <a:headEnd type="none" w="med" len="med"/>
+              <a:tailEnd type="arrow" w="med" len="med"/>
+            </a:ln>
+          </p:spPr>
+          <p:style>
+            <a:lnRef idx="0">
+              <a:scrgbClr r="0" g="0" b="0"/>
+            </a:lnRef>
+            <a:fillRef idx="0">
+              <a:scrgbClr r="0" g="0" b="0"/>
+            </a:fillRef>
+            <a:effectRef idx="0">
+              <a:scrgbClr r="0" g="0" b="0"/>
+            </a:effectRef>
+            <a:fontRef idx="minor">
+              <a:schemeClr val="tx1"/>
+            </a:fontRef>
+          </p:style>
+        </p:cxnSp>
+        <p:cxnSp>
+          <p:nvCxnSpPr>
+            <p:cNvPr id="125" name="Straight Arrow Connector 124">
+              <a:extLst>
+                <a:ext uri="{FF2B5EF4-FFF2-40B4-BE49-F238E27FC236}">
+                  <a16:creationId xmlns:a16="http://schemas.microsoft.com/office/drawing/2014/main" id="{4DF89D63-1196-522C-9F78-B95E35D801BF}"/>
+                </a:ext>
+              </a:extLst>
+            </p:cNvPr>
+            <p:cNvCxnSpPr>
+              <a:cxnSpLocks/>
+            </p:cNvCxnSpPr>
+            <p:nvPr/>
+          </p:nvCxnSpPr>
+          <p:spPr>
+            <a:xfrm flipV="1">
+              <a:off x="4735859" y="3017900"/>
+              <a:ext cx="349973" cy="824579"/>
+            </a:xfrm>
+            <a:prstGeom prst="straightConnector1">
+              <a:avLst/>
+            </a:prstGeom>
+            <a:ln w="57150" cap="flat" cmpd="sng" algn="ctr">
+              <a:solidFill>
+                <a:schemeClr val="dk1"/>
+              </a:solidFill>
+              <a:prstDash val="solid"/>
+              <a:round/>
+              <a:headEnd type="none" w="med" len="med"/>
+              <a:tailEnd type="arrow" w="med" len="med"/>
+            </a:ln>
+          </p:spPr>
+          <p:style>
+            <a:lnRef idx="0">
+              <a:scrgbClr r="0" g="0" b="0"/>
+            </a:lnRef>
+            <a:fillRef idx="0">
+              <a:scrgbClr r="0" g="0" b="0"/>
+            </a:fillRef>
+            <a:effectRef idx="0">
+              <a:scrgbClr r="0" g="0" b="0"/>
+            </a:effectRef>
+            <a:fontRef idx="minor">
+              <a:schemeClr val="tx1"/>
+            </a:fontRef>
+          </p:style>
+        </p:cxnSp>
+      </p:grpSp>
+      <p:sp>
+        <p:nvSpPr>
+          <p:cNvPr id="129" name="TextBox 128">
+            <a:extLst>
+              <a:ext uri="{FF2B5EF4-FFF2-40B4-BE49-F238E27FC236}">
+                <a16:creationId xmlns:a16="http://schemas.microsoft.com/office/drawing/2014/main" id="{9D52739E-6BC8-C5B4-D426-F0363B82F2C5}"/>
+              </a:ext>
+            </a:extLst>
+          </p:cNvPr>
+          <p:cNvSpPr txBox="1"/>
+          <p:nvPr/>
+        </p:nvSpPr>
+        <p:spPr>
+          <a:xfrm>
+            <a:off x="244431" y="5950101"/>
+            <a:ext cx="2537361" cy="646331"/>
+          </a:xfrm>
+          <a:prstGeom prst="rect">
+            <a:avLst/>
+          </a:prstGeom>
+          <a:noFill/>
+        </p:spPr>
+        <p:txBody>
+          <a:bodyPr wrap="none" rtlCol="0">
+            <a:spAutoFit/>
+          </a:bodyPr>
+          <a:lstStyle/>
+          <a:p>
+            <a:r>
+              <a:rPr lang="en-US" dirty="0"/>
+              <a:t>Fig-semi-dev-band.png </a:t>
+            </a:r>
+          </a:p>
+          <a:p>
+            <a:r>
+              <a:rPr lang="en-US" dirty="0"/>
+              <a:t> R0 02/19/25</a:t>
+            </a:r>
+          </a:p>
+        </p:txBody>
+      </p:sp>
+    </p:spTree>
+    <p:extLst>
+      <p:ext uri="{BB962C8B-B14F-4D97-AF65-F5344CB8AC3E}">
+        <p14:creationId xmlns:p14="http://schemas.microsoft.com/office/powerpoint/2010/main" val="2317606830"/>
+      </p:ext>
+    </p:extLst>
+  </p:cSld>
+  <p:clrMapOvr>
+    <a:masterClrMapping/>
+  </p:clrMapOvr>
+</p:sld>
+</file>
+
+<file path=ppt/slides/slide4.xml><?xml version="1.0" encoding="utf-8"?>
+<p:sld xmlns:a="http://schemas.openxmlformats.org/drawingml/2006/main" xmlns:r="http://schemas.openxmlformats.org/officeDocument/2006/relationships" xmlns:p="http://schemas.openxmlformats.org/presentationml/2006/main">
+  <p:cSld>
+    <p:spTree>
+      <p:nvGrpSpPr>
+        <p:cNvPr id="1" name=""/>
+        <p:cNvGrpSpPr/>
+        <p:nvPr/>
+      </p:nvGrpSpPr>
+      <p:grpSpPr>
+        <a:xfrm>
+          <a:off x="0" y="0"/>
+          <a:ext cx="0" cy="0"/>
+          <a:chOff x="0" y="0"/>
+          <a:chExt cx="0" cy="0"/>
+        </a:xfrm>
+      </p:grpSpPr>
+      <p:sp>
+        <p:nvSpPr>
+          <p:cNvPr id="2" name="Title 1">
+            <a:extLst>
+              <a:ext uri="{FF2B5EF4-FFF2-40B4-BE49-F238E27FC236}">
+                <a16:creationId xmlns:a16="http://schemas.microsoft.com/office/drawing/2014/main" id="{88B573B1-1F62-87AA-AACB-BC3054013749}"/>
+              </a:ext>
+            </a:extLst>
+          </p:cNvPr>
+          <p:cNvSpPr>
+            <a:spLocks noGrp="1"/>
+          </p:cNvSpPr>
+          <p:nvPr>
+            <p:ph type="title"/>
+          </p:nvPr>
+        </p:nvSpPr>
+        <p:spPr/>
+        <p:txBody>
+          <a:bodyPr/>
+          <a:lstStyle/>
+          <a:p>
+            <a:r>
+              <a:rPr lang="en-US" dirty="0"/>
+              <a:t>Passives</a:t>
+            </a:r>
+          </a:p>
+        </p:txBody>
+      </p:sp>
+      <p:sp>
+        <p:nvSpPr>
+          <p:cNvPr id="3" name="Text Placeholder 2">
+            <a:extLst>
+              <a:ext uri="{FF2B5EF4-FFF2-40B4-BE49-F238E27FC236}">
+                <a16:creationId xmlns:a16="http://schemas.microsoft.com/office/drawing/2014/main" id="{467ECDD7-AA66-9C16-689C-559D8DD27298}"/>
+              </a:ext>
+            </a:extLst>
+          </p:cNvPr>
+          <p:cNvSpPr>
+            <a:spLocks noGrp="1"/>
+          </p:cNvSpPr>
+          <p:nvPr>
+            <p:ph type="body" idx="1"/>
+          </p:nvPr>
+        </p:nvSpPr>
+        <p:spPr/>
+        <p:txBody>
+          <a:bodyPr/>
+          <a:lstStyle/>
+          <a:p>
+            <a:endParaRPr lang="en-US" dirty="0"/>
+          </a:p>
+        </p:txBody>
+      </p:sp>
+    </p:spTree>
+    <p:extLst>
+      <p:ext uri="{BB962C8B-B14F-4D97-AF65-F5344CB8AC3E}">
+        <p14:creationId xmlns:p14="http://schemas.microsoft.com/office/powerpoint/2010/main" val="1750843630"/>
+      </p:ext>
+    </p:extLst>
+  </p:cSld>
+  <p:clrMapOvr>
+    <a:masterClrMapping/>
+  </p:clrMapOvr>
+</p:sld>
+</file>
+
+<file path=ppt/slides/slide5.xml><?xml version="1.0" encoding="utf-8"?>
 <p:sld xmlns:a="http://schemas.openxmlformats.org/drawingml/2006/main" xmlns:r="http://schemas.openxmlformats.org/officeDocument/2006/relationships" xmlns:p="http://schemas.openxmlformats.org/presentationml/2006/main">
   <p:cSld>
     <p:spTree>
@@ -5653,7 +11459,7 @@
 </p:sld>
 </file>
 
-<file path=ppt/slides/slide3.xml><?xml version="1.0" encoding="utf-8"?>
+<file path=ppt/slides/slide6.xml><?xml version="1.0" encoding="utf-8"?>
 <p:sld xmlns:a="http://schemas.openxmlformats.org/drawingml/2006/main" xmlns:r="http://schemas.openxmlformats.org/officeDocument/2006/relationships" xmlns:p="http://schemas.openxmlformats.org/presentationml/2006/main">
   <p:cSld>
     <p:spTree>
@@ -7050,7 +12856,7 @@
 </p:sld>
 </file>
 
-<file path=ppt/slides/slide4.xml><?xml version="1.0" encoding="utf-8"?>
+<file path=ppt/slides/slide7.xml><?xml version="1.0" encoding="utf-8"?>
 <p:sld xmlns:a="http://schemas.openxmlformats.org/drawingml/2006/main" xmlns:r="http://schemas.openxmlformats.org/officeDocument/2006/relationships" xmlns:p="http://schemas.openxmlformats.org/presentationml/2006/main">
   <p:cSld>
     <p:spTree>
@@ -10153,7 +15959,7 @@
 </p:sld>
 </file>
 
-<file path=ppt/slides/slide5.xml><?xml version="1.0" encoding="utf-8"?>
+<file path=ppt/slides/slide8.xml><?xml version="1.0" encoding="utf-8"?>
 <p:sld xmlns:a="http://schemas.openxmlformats.org/drawingml/2006/main" xmlns:r="http://schemas.openxmlformats.org/officeDocument/2006/relationships" xmlns:p="http://schemas.openxmlformats.org/presentationml/2006/main">
   <p:cSld>
     <p:spTree>
@@ -13113,7 +18919,7 @@
 </p:sld>
 </file>
 
-<file path=ppt/slides/slide6.xml><?xml version="1.0" encoding="utf-8"?>
+<file path=ppt/slides/slide9.xml><?xml version="1.0" encoding="utf-8"?>
 <p:sld xmlns:a="http://schemas.openxmlformats.org/drawingml/2006/main" xmlns:r="http://schemas.openxmlformats.org/officeDocument/2006/relationships" xmlns:p="http://schemas.openxmlformats.org/presentationml/2006/main">
   <p:cSld>
     <p:spTree>
@@ -16218,2308 +22024,6 @@
 </p:sld>
 </file>
 
-<file path=ppt/slides/slide7.xml><?xml version="1.0" encoding="utf-8"?>
-<p:sld xmlns:a="http://schemas.openxmlformats.org/drawingml/2006/main" xmlns:r="http://schemas.openxmlformats.org/officeDocument/2006/relationships" xmlns:p="http://schemas.openxmlformats.org/presentationml/2006/main">
-  <p:cSld>
-    <p:spTree>
-      <p:nvGrpSpPr>
-        <p:cNvPr id="1" name="">
-          <a:extLst>
-            <a:ext uri="{FF2B5EF4-FFF2-40B4-BE49-F238E27FC236}">
-              <a16:creationId xmlns:a16="http://schemas.microsoft.com/office/drawing/2014/main" id="{A1C8936D-7A6D-401F-6CD9-EE9A951293B0}"/>
-            </a:ext>
-          </a:extLst>
-        </p:cNvPr>
-        <p:cNvGrpSpPr/>
-        <p:nvPr/>
-      </p:nvGrpSpPr>
-      <p:grpSpPr>
-        <a:xfrm>
-          <a:off x="0" y="0"/>
-          <a:ext cx="0" cy="0"/>
-          <a:chOff x="0" y="0"/>
-          <a:chExt cx="0" cy="0"/>
-        </a:xfrm>
-      </p:grpSpPr>
-      <p:sp>
-        <p:nvSpPr>
-          <p:cNvPr id="77" name="TextBox 76">
-            <a:extLst>
-              <a:ext uri="{FF2B5EF4-FFF2-40B4-BE49-F238E27FC236}">
-                <a16:creationId xmlns:a16="http://schemas.microsoft.com/office/drawing/2014/main" id="{FE829A4A-D96D-91C8-9273-E11530DAA5E8}"/>
-              </a:ext>
-            </a:extLst>
-          </p:cNvPr>
-          <p:cNvSpPr txBox="1"/>
-          <p:nvPr/>
-        </p:nvSpPr>
-        <p:spPr>
-          <a:xfrm>
-            <a:off x="731708" y="5793450"/>
-            <a:ext cx="3663888" cy="369332"/>
-          </a:xfrm>
-          <a:prstGeom prst="rect">
-            <a:avLst/>
-          </a:prstGeom>
-          <a:noFill/>
-        </p:spPr>
-        <p:txBody>
-          <a:bodyPr wrap="none" rtlCol="0">
-            <a:spAutoFit/>
-          </a:bodyPr>
-          <a:lstStyle/>
-          <a:p>
-            <a:r>
-              <a:rPr lang="en-US" dirty="0"/>
-              <a:t>Fig-passives-ind2.png  R0 01/09/25</a:t>
-            </a:r>
-          </a:p>
-        </p:txBody>
-      </p:sp>
-      <p:grpSp>
-        <p:nvGrpSpPr>
-          <p:cNvPr id="83" name="Group 82">
-            <a:extLst>
-              <a:ext uri="{FF2B5EF4-FFF2-40B4-BE49-F238E27FC236}">
-                <a16:creationId xmlns:a16="http://schemas.microsoft.com/office/drawing/2014/main" id="{BFCE75E9-74F3-C002-5ECF-7EC8522F15E6}"/>
-              </a:ext>
-            </a:extLst>
-          </p:cNvPr>
-          <p:cNvGrpSpPr/>
-          <p:nvPr/>
-        </p:nvGrpSpPr>
-        <p:grpSpPr>
-          <a:xfrm>
-            <a:off x="3580838" y="1308043"/>
-            <a:ext cx="3534391" cy="3558107"/>
-            <a:chOff x="3580838" y="1308043"/>
-            <a:chExt cx="3534391" cy="3558107"/>
-          </a:xfrm>
-        </p:grpSpPr>
-        <p:sp>
-          <p:nvSpPr>
-            <p:cNvPr id="46" name="Oval 45">
-              <a:extLst>
-                <a:ext uri="{FF2B5EF4-FFF2-40B4-BE49-F238E27FC236}">
-                  <a16:creationId xmlns:a16="http://schemas.microsoft.com/office/drawing/2014/main" id="{24FE27F0-E4E2-5C05-A0F3-9CD9F871A720}"/>
-                </a:ext>
-              </a:extLst>
-            </p:cNvPr>
-            <p:cNvSpPr/>
-            <p:nvPr/>
-          </p:nvSpPr>
-          <p:spPr>
-            <a:xfrm>
-              <a:off x="6083264" y="4164340"/>
-              <a:ext cx="140701" cy="271502"/>
-            </a:xfrm>
-            <a:prstGeom prst="ellipse">
-              <a:avLst/>
-            </a:prstGeom>
-            <a:solidFill>
-              <a:schemeClr val="bg1"/>
-            </a:solidFill>
-          </p:spPr>
-          <p:style>
-            <a:lnRef idx="2">
-              <a:schemeClr val="accent1">
-                <a:shade val="15000"/>
-              </a:schemeClr>
-            </a:lnRef>
-            <a:fillRef idx="1">
-              <a:schemeClr val="accent1"/>
-            </a:fillRef>
-            <a:effectRef idx="0">
-              <a:schemeClr val="accent1"/>
-            </a:effectRef>
-            <a:fontRef idx="minor">
-              <a:schemeClr val="lt1"/>
-            </a:fontRef>
-          </p:style>
-          <p:txBody>
-            <a:bodyPr rtlCol="0" anchor="ctr"/>
-            <a:lstStyle/>
-            <a:p>
-              <a:pPr algn="ctr"/>
-              <a:endParaRPr lang="en-US"/>
-            </a:p>
-          </p:txBody>
-        </p:sp>
-        <p:cxnSp>
-          <p:nvCxnSpPr>
-            <p:cNvPr id="49" name="Straight Arrow Connector 48">
-              <a:extLst>
-                <a:ext uri="{FF2B5EF4-FFF2-40B4-BE49-F238E27FC236}">
-                  <a16:creationId xmlns:a16="http://schemas.microsoft.com/office/drawing/2014/main" id="{7491D0B1-9997-7463-4DB3-FD6A650A6F9B}"/>
-                </a:ext>
-              </a:extLst>
-            </p:cNvPr>
-            <p:cNvCxnSpPr>
-              <a:cxnSpLocks/>
-              <a:endCxn id="46" idx="1"/>
-            </p:cNvCxnSpPr>
-            <p:nvPr/>
-          </p:nvCxnSpPr>
-          <p:spPr>
-            <a:xfrm flipV="1">
-              <a:off x="6080315" y="4204101"/>
-              <a:ext cx="23554" cy="42802"/>
-            </a:xfrm>
-            <a:prstGeom prst="straightConnector1">
-              <a:avLst/>
-            </a:prstGeom>
-            <a:ln w="12700">
-              <a:tailEnd type="triangle"/>
-            </a:ln>
-          </p:spPr>
-          <p:style>
-            <a:lnRef idx="2">
-              <a:schemeClr val="dk1"/>
-            </a:lnRef>
-            <a:fillRef idx="0">
-              <a:schemeClr val="dk1"/>
-            </a:fillRef>
-            <a:effectRef idx="1">
-              <a:schemeClr val="dk1"/>
-            </a:effectRef>
-            <a:fontRef idx="minor">
-              <a:schemeClr val="tx1"/>
-            </a:fontRef>
-          </p:style>
-        </p:cxnSp>
-        <p:cxnSp>
-          <p:nvCxnSpPr>
-            <p:cNvPr id="59" name="Straight Arrow Connector 58">
-              <a:extLst>
-                <a:ext uri="{FF2B5EF4-FFF2-40B4-BE49-F238E27FC236}">
-                  <a16:creationId xmlns:a16="http://schemas.microsoft.com/office/drawing/2014/main" id="{579C332E-037A-ED08-8DA9-B71DA4825122}"/>
-                </a:ext>
-              </a:extLst>
-            </p:cNvPr>
-            <p:cNvCxnSpPr>
-              <a:cxnSpLocks/>
-            </p:cNvCxnSpPr>
-            <p:nvPr/>
-          </p:nvCxnSpPr>
-          <p:spPr>
-            <a:xfrm flipV="1">
-              <a:off x="6344642" y="2976162"/>
-              <a:ext cx="0" cy="876582"/>
-            </a:xfrm>
-            <a:prstGeom prst="straightConnector1">
-              <a:avLst/>
-            </a:prstGeom>
-            <a:ln>
-              <a:solidFill>
-                <a:schemeClr val="tx1"/>
-              </a:solidFill>
-              <a:headEnd type="none" w="med" len="med"/>
-              <a:tailEnd type="none" w="med" len="med"/>
-            </a:ln>
-          </p:spPr>
-          <p:style>
-            <a:lnRef idx="2">
-              <a:schemeClr val="accent1"/>
-            </a:lnRef>
-            <a:fillRef idx="0">
-              <a:schemeClr val="accent1"/>
-            </a:fillRef>
-            <a:effectRef idx="1">
-              <a:schemeClr val="accent1"/>
-            </a:effectRef>
-            <a:fontRef idx="minor">
-              <a:schemeClr val="tx1"/>
-            </a:fontRef>
-          </p:style>
-        </p:cxnSp>
-        <mc:AlternateContent xmlns:mc="http://schemas.openxmlformats.org/markup-compatibility/2006" xmlns:a14="http://schemas.microsoft.com/office/drawing/2010/main">
-          <mc:Choice Requires="a14">
-            <p:sp>
-              <p:nvSpPr>
-                <p:cNvPr id="60" name="TextBox 59">
-                  <a:extLst>
-                    <a:ext uri="{FF2B5EF4-FFF2-40B4-BE49-F238E27FC236}">
-                      <a16:creationId xmlns:a16="http://schemas.microsoft.com/office/drawing/2014/main" id="{B07A5767-105B-A8E7-496A-543F783A8E4F}"/>
-                    </a:ext>
-                  </a:extLst>
-                </p:cNvPr>
-                <p:cNvSpPr txBox="1"/>
-                <p:nvPr/>
-              </p:nvSpPr>
-              <p:spPr>
-                <a:xfrm>
-                  <a:off x="6357915" y="3059250"/>
-                  <a:ext cx="388440" cy="310598"/>
-                </a:xfrm>
-                <a:prstGeom prst="rect">
-                  <a:avLst/>
-                </a:prstGeom>
-                <a:noFill/>
-              </p:spPr>
-              <p:txBody>
-                <a:bodyPr wrap="none" lIns="0" tIns="0" rIns="0" bIns="0" rtlCol="0">
-                  <a:spAutoFit/>
-                </a:bodyPr>
-                <a:lstStyle/>
-                <a:p>
-                  <a:pPr/>
-                  <a14:m>
-                    <m:oMathPara xmlns:m="http://schemas.openxmlformats.org/officeDocument/2006/math">
-                      <m:oMathParaPr>
-                        <m:jc m:val="centerGroup"/>
-                      </m:oMathParaPr>
-                      <m:oMath xmlns:m="http://schemas.openxmlformats.org/officeDocument/2006/math">
-                        <m:acc>
-                          <m:accPr>
-                            <m:chr m:val="⃗"/>
-                            <m:ctrlPr>
-                              <a:rPr lang="en-US" b="0" i="1" smtClean="0">
-                                <a:latin typeface="Cambria Math" panose="02040503050406030204" pitchFamily="18" charset="0"/>
-                              </a:rPr>
-                            </m:ctrlPr>
-                          </m:accPr>
-                          <m:e>
-                            <m:sSub>
-                              <m:sSubPr>
-                                <m:ctrlPr>
-                                  <a:rPr lang="en-US" b="0" i="1" smtClean="0">
-                                    <a:latin typeface="Cambria Math" panose="02040503050406030204" pitchFamily="18" charset="0"/>
-                                  </a:rPr>
-                                </m:ctrlPr>
-                              </m:sSubPr>
-                              <m:e>
-                                <m:r>
-                                  <a:rPr lang="en-US" b="0" i="1" smtClean="0">
-                                    <a:latin typeface="Cambria Math" panose="02040503050406030204" pitchFamily="18" charset="0"/>
-                                  </a:rPr>
-                                  <m:t>𝐵</m:t>
-                                </m:r>
-                              </m:e>
-                              <m:sub>
-                                <m:r>
-                                  <a:rPr lang="en-US" b="0" i="1" smtClean="0">
-                                    <a:latin typeface="Cambria Math" panose="02040503050406030204" pitchFamily="18" charset="0"/>
-                                  </a:rPr>
-                                  <m:t>12</m:t>
-                                </m:r>
-                              </m:sub>
-                            </m:sSub>
-                          </m:e>
-                        </m:acc>
-                      </m:oMath>
-                    </m:oMathPara>
-                  </a14:m>
-                  <a:endParaRPr lang="en-US" dirty="0"/>
-                </a:p>
-              </p:txBody>
-            </p:sp>
-          </mc:Choice>
-          <mc:Fallback xmlns="">
-            <p:sp>
-              <p:nvSpPr>
-                <p:cNvPr id="60" name="TextBox 59">
-                  <a:extLst>
-                    <a:ext uri="{FF2B5EF4-FFF2-40B4-BE49-F238E27FC236}">
-                      <a16:creationId xmlns:a16="http://schemas.microsoft.com/office/drawing/2014/main" id="{B07A5767-105B-A8E7-496A-543F783A8E4F}"/>
-                    </a:ext>
-                  </a:extLst>
-                </p:cNvPr>
-                <p:cNvSpPr txBox="1">
-                  <a:spLocks noRot="1" noChangeAspect="1" noMove="1" noResize="1" noEditPoints="1" noAdjustHandles="1" noChangeArrowheads="1" noChangeShapeType="1" noTextEdit="1"/>
-                </p:cNvSpPr>
-                <p:nvPr/>
-              </p:nvSpPr>
-              <p:spPr>
-                <a:xfrm>
-                  <a:off x="6357915" y="3059250"/>
-                  <a:ext cx="388440" cy="310598"/>
-                </a:xfrm>
-                <a:prstGeom prst="rect">
-                  <a:avLst/>
-                </a:prstGeom>
-                <a:blipFill>
-                  <a:blip r:embed="rId2"/>
-                  <a:stretch>
-                    <a:fillRect l="-15625" r="-4688" b="-11765"/>
-                  </a:stretch>
-                </a:blipFill>
-              </p:spPr>
-              <p:txBody>
-                <a:bodyPr/>
-                <a:lstStyle/>
-                <a:p>
-                  <a:r>
-                    <a:rPr lang="en-US">
-                      <a:noFill/>
-                    </a:rPr>
-                    <a:t> </a:t>
-                  </a:r>
-                </a:p>
-              </p:txBody>
-            </p:sp>
-          </mc:Fallback>
-        </mc:AlternateContent>
-        <mc:AlternateContent xmlns:mc="http://schemas.openxmlformats.org/markup-compatibility/2006" xmlns:a14="http://schemas.microsoft.com/office/drawing/2010/main">
-          <mc:Choice Requires="a14">
-            <p:sp>
-              <p:nvSpPr>
-                <p:cNvPr id="71" name="TextBox 70">
-                  <a:extLst>
-                    <a:ext uri="{FF2B5EF4-FFF2-40B4-BE49-F238E27FC236}">
-                      <a16:creationId xmlns:a16="http://schemas.microsoft.com/office/drawing/2014/main" id="{5AFBC34C-D4F7-1AA0-5CAF-EC076F70284B}"/>
-                    </a:ext>
-                  </a:extLst>
-                </p:cNvPr>
-                <p:cNvSpPr txBox="1"/>
-                <p:nvPr/>
-              </p:nvSpPr>
-              <p:spPr>
-                <a:xfrm>
-                  <a:off x="3580838" y="2476408"/>
-                  <a:ext cx="808876" cy="467500"/>
-                </a:xfrm>
-                <a:prstGeom prst="rect">
-                  <a:avLst/>
-                </a:prstGeom>
-                <a:noFill/>
-              </p:spPr>
-              <p:txBody>
-                <a:bodyPr wrap="none" lIns="0" tIns="0" rIns="0" bIns="0" rtlCol="0">
-                  <a:spAutoFit/>
-                </a:bodyPr>
-                <a:lstStyle/>
-                <a:p>
-                  <a:pPr/>
-                  <a14:m>
-                    <m:oMathPara xmlns:m="http://schemas.openxmlformats.org/officeDocument/2006/math">
-                      <m:oMathParaPr>
-                        <m:jc m:val="centerGroup"/>
-                      </m:oMathParaPr>
-                      <m:oMath xmlns:m="http://schemas.openxmlformats.org/officeDocument/2006/math">
-                        <m:r>
-                          <a:rPr lang="en-US" sz="1600" b="0" i="1" smtClean="0">
-                            <a:latin typeface="Cambria Math" panose="02040503050406030204" pitchFamily="18" charset="0"/>
-                          </a:rPr>
-                          <m:t>𝑉</m:t>
-                        </m:r>
-                        <m:r>
-                          <a:rPr lang="en-US" sz="1600" b="0" i="1" smtClean="0">
-                            <a:latin typeface="Cambria Math" panose="02040503050406030204" pitchFamily="18" charset="0"/>
-                          </a:rPr>
-                          <m:t>=</m:t>
-                        </m:r>
-                        <m:f>
-                          <m:fPr>
-                            <m:ctrlPr>
-                              <a:rPr lang="en-US" sz="1600" i="1" smtClean="0">
-                                <a:latin typeface="Cambria Math" panose="02040503050406030204" pitchFamily="18" charset="0"/>
-                              </a:rPr>
-                            </m:ctrlPr>
-                          </m:fPr>
-                          <m:num>
-                            <m:r>
-                              <a:rPr lang="en-US" sz="1600" b="0" i="1" smtClean="0">
-                                <a:latin typeface="Cambria Math" panose="02040503050406030204" pitchFamily="18" charset="0"/>
-                              </a:rPr>
-                              <m:t>𝑑</m:t>
-                            </m:r>
-                            <m:sSub>
-                              <m:sSubPr>
-                                <m:ctrlPr>
-                                  <a:rPr lang="en-US" sz="1600" b="0" i="1" smtClean="0">
-                                    <a:latin typeface="Cambria Math" panose="02040503050406030204" pitchFamily="18" charset="0"/>
-                                  </a:rPr>
-                                </m:ctrlPr>
-                              </m:sSubPr>
-                              <m:e>
-                                <m:r>
-                                  <a:rPr lang="en-US" sz="1600" b="0" i="1" smtClean="0">
-                                    <a:latin typeface="Cambria Math" panose="02040503050406030204" pitchFamily="18" charset="0"/>
-                                  </a:rPr>
-                                  <m:t>𝜓</m:t>
-                                </m:r>
-                              </m:e>
-                              <m:sub>
-                                <m:r>
-                                  <a:rPr lang="en-US" sz="1600" b="0" i="1" smtClean="0">
-                                    <a:latin typeface="Cambria Math" panose="02040503050406030204" pitchFamily="18" charset="0"/>
-                                  </a:rPr>
-                                  <m:t>2</m:t>
-                                </m:r>
-                              </m:sub>
-                            </m:sSub>
-                          </m:num>
-                          <m:den>
-                            <m:r>
-                              <a:rPr lang="en-US" sz="1600" b="0" i="1" smtClean="0">
-                                <a:latin typeface="Cambria Math" panose="02040503050406030204" pitchFamily="18" charset="0"/>
-                              </a:rPr>
-                              <m:t>𝑑𝑡</m:t>
-                            </m:r>
-                          </m:den>
-                        </m:f>
-                      </m:oMath>
-                    </m:oMathPara>
-                  </a14:m>
-                  <a:endParaRPr lang="en-US" dirty="0"/>
-                </a:p>
-              </p:txBody>
-            </p:sp>
-          </mc:Choice>
-          <mc:Fallback xmlns="">
-            <p:sp>
-              <p:nvSpPr>
-                <p:cNvPr id="71" name="TextBox 70">
-                  <a:extLst>
-                    <a:ext uri="{FF2B5EF4-FFF2-40B4-BE49-F238E27FC236}">
-                      <a16:creationId xmlns:a16="http://schemas.microsoft.com/office/drawing/2014/main" id="{5AFBC34C-D4F7-1AA0-5CAF-EC076F70284B}"/>
-                    </a:ext>
-                  </a:extLst>
-                </p:cNvPr>
-                <p:cNvSpPr txBox="1">
-                  <a:spLocks noRot="1" noChangeAspect="1" noMove="1" noResize="1" noEditPoints="1" noAdjustHandles="1" noChangeArrowheads="1" noChangeShapeType="1" noTextEdit="1"/>
-                </p:cNvSpPr>
-                <p:nvPr/>
-              </p:nvSpPr>
-              <p:spPr>
-                <a:xfrm>
-                  <a:off x="3580838" y="2476408"/>
-                  <a:ext cx="808876" cy="467500"/>
-                </a:xfrm>
-                <a:prstGeom prst="rect">
-                  <a:avLst/>
-                </a:prstGeom>
-                <a:blipFill>
-                  <a:blip r:embed="rId3"/>
-                  <a:stretch>
-                    <a:fillRect/>
-                  </a:stretch>
-                </a:blipFill>
-              </p:spPr>
-              <p:txBody>
-                <a:bodyPr/>
-                <a:lstStyle/>
-                <a:p>
-                  <a:r>
-                    <a:rPr lang="en-US">
-                      <a:noFill/>
-                    </a:rPr>
-                    <a:t> </a:t>
-                  </a:r>
-                </a:p>
-              </p:txBody>
-            </p:sp>
-          </mc:Fallback>
-        </mc:AlternateContent>
-        <p:grpSp>
-          <p:nvGrpSpPr>
-            <p:cNvPr id="21" name="Group 20">
-              <a:extLst>
-                <a:ext uri="{FF2B5EF4-FFF2-40B4-BE49-F238E27FC236}">
-                  <a16:creationId xmlns:a16="http://schemas.microsoft.com/office/drawing/2014/main" id="{04FE0D56-231B-3F0B-E43F-17E449E11BC4}"/>
-                </a:ext>
-              </a:extLst>
-            </p:cNvPr>
-            <p:cNvGrpSpPr/>
-            <p:nvPr/>
-          </p:nvGrpSpPr>
-          <p:grpSpPr>
-            <a:xfrm>
-              <a:off x="4731846" y="3002456"/>
-              <a:ext cx="2052881" cy="1863694"/>
-              <a:chOff x="4414346" y="3785404"/>
-              <a:chExt cx="2052881" cy="1863694"/>
-            </a:xfrm>
-            <a:scene3d>
-              <a:camera prst="isometricOffAxis2Top">
-                <a:rot lat="18448671" lon="2370244" rev="18834421"/>
-              </a:camera>
-              <a:lightRig rig="threePt" dir="t"/>
-            </a:scene3d>
-          </p:grpSpPr>
-          <p:cxnSp>
-            <p:nvCxnSpPr>
-              <p:cNvPr id="14" name="Straight Connector 13">
-                <a:extLst>
-                  <a:ext uri="{FF2B5EF4-FFF2-40B4-BE49-F238E27FC236}">
-                    <a16:creationId xmlns:a16="http://schemas.microsoft.com/office/drawing/2014/main" id="{77350FC2-9269-0EA7-BB3C-5CEBCEF326C1}"/>
-                  </a:ext>
-                </a:extLst>
-              </p:cNvPr>
-              <p:cNvCxnSpPr/>
-              <p:nvPr/>
-            </p:nvCxnSpPr>
-            <p:spPr>
-              <a:xfrm flipH="1">
-                <a:off x="4761185" y="5270725"/>
-                <a:ext cx="457201" cy="378373"/>
-              </a:xfrm>
-              <a:prstGeom prst="line">
-                <a:avLst/>
-              </a:prstGeom>
-              <a:ln w="57150">
-                <a:solidFill>
-                  <a:schemeClr val="tx1"/>
-                </a:solidFill>
-              </a:ln>
-            </p:spPr>
-            <p:style>
-              <a:lnRef idx="2">
-                <a:schemeClr val="accent1"/>
-              </a:lnRef>
-              <a:fillRef idx="0">
-                <a:schemeClr val="accent1"/>
-              </a:fillRef>
-              <a:effectRef idx="1">
-                <a:schemeClr val="accent1"/>
-              </a:effectRef>
-              <a:fontRef idx="minor">
-                <a:schemeClr val="tx1"/>
-              </a:fontRef>
-            </p:style>
-          </p:cxnSp>
-          <p:sp>
-            <p:nvSpPr>
-              <p:cNvPr id="15" name="Arc 14">
-                <a:extLst>
-                  <a:ext uri="{FF2B5EF4-FFF2-40B4-BE49-F238E27FC236}">
-                    <a16:creationId xmlns:a16="http://schemas.microsoft.com/office/drawing/2014/main" id="{F0BCF515-1157-F4D6-DB7D-9CE50953DBA3}"/>
-                  </a:ext>
-                </a:extLst>
-              </p:cNvPr>
-              <p:cNvSpPr/>
-              <p:nvPr/>
-            </p:nvSpPr>
-            <p:spPr>
-              <a:xfrm>
-                <a:off x="4824249" y="3785404"/>
-                <a:ext cx="1642978" cy="1642978"/>
-              </a:xfrm>
-              <a:prstGeom prst="arc">
-                <a:avLst>
-                  <a:gd name="adj1" fmla="val 9615740"/>
-                  <a:gd name="adj2" fmla="val 7409857"/>
-                </a:avLst>
-              </a:prstGeom>
-              <a:ln w="57150">
-                <a:solidFill>
-                  <a:schemeClr val="tx1"/>
-                </a:solidFill>
-              </a:ln>
-            </p:spPr>
-            <p:style>
-              <a:lnRef idx="2">
-                <a:schemeClr val="accent1"/>
-              </a:lnRef>
-              <a:fillRef idx="0">
-                <a:schemeClr val="accent1"/>
-              </a:fillRef>
-              <a:effectRef idx="1">
-                <a:schemeClr val="accent1"/>
-              </a:effectRef>
-              <a:fontRef idx="minor">
-                <a:schemeClr val="tx1"/>
-              </a:fontRef>
-            </p:style>
-            <p:txBody>
-              <a:bodyPr rtlCol="0" anchor="ctr"/>
-              <a:lstStyle/>
-              <a:p>
-                <a:pPr algn="ctr"/>
-                <a:endParaRPr lang="en-US"/>
-              </a:p>
-            </p:txBody>
-          </p:sp>
-          <p:cxnSp>
-            <p:nvCxnSpPr>
-              <p:cNvPr id="16" name="Straight Connector 15">
-                <a:extLst>
-                  <a:ext uri="{FF2B5EF4-FFF2-40B4-BE49-F238E27FC236}">
-                    <a16:creationId xmlns:a16="http://schemas.microsoft.com/office/drawing/2014/main" id="{9A664D9E-DDB1-6BCC-E2B5-F02E2E68D2D6}"/>
-                  </a:ext>
-                </a:extLst>
-              </p:cNvPr>
-              <p:cNvCxnSpPr/>
-              <p:nvPr/>
-            </p:nvCxnSpPr>
-            <p:spPr>
-              <a:xfrm flipH="1">
-                <a:off x="4414346" y="4845056"/>
-                <a:ext cx="457201" cy="378373"/>
-              </a:xfrm>
-              <a:prstGeom prst="line">
-                <a:avLst/>
-              </a:prstGeom>
-              <a:ln w="57150">
-                <a:solidFill>
-                  <a:schemeClr val="tx1"/>
-                </a:solidFill>
-              </a:ln>
-            </p:spPr>
-            <p:style>
-              <a:lnRef idx="2">
-                <a:schemeClr val="accent1"/>
-              </a:lnRef>
-              <a:fillRef idx="0">
-                <a:schemeClr val="accent1"/>
-              </a:fillRef>
-              <a:effectRef idx="1">
-                <a:schemeClr val="accent1"/>
-              </a:effectRef>
-              <a:fontRef idx="minor">
-                <a:schemeClr val="tx1"/>
-              </a:fontRef>
-            </p:style>
-          </p:cxnSp>
-        </p:grpSp>
-        <p:cxnSp>
-          <p:nvCxnSpPr>
-            <p:cNvPr id="41" name="Straight Arrow Connector 40">
-              <a:extLst>
-                <a:ext uri="{FF2B5EF4-FFF2-40B4-BE49-F238E27FC236}">
-                  <a16:creationId xmlns:a16="http://schemas.microsoft.com/office/drawing/2014/main" id="{152F5323-85CE-DFC8-55F3-6D643D3DDD1B}"/>
-                </a:ext>
-              </a:extLst>
-            </p:cNvPr>
-            <p:cNvCxnSpPr>
-              <a:cxnSpLocks/>
-            </p:cNvCxnSpPr>
-            <p:nvPr/>
-          </p:nvCxnSpPr>
-          <p:spPr>
-            <a:xfrm flipH="1">
-              <a:off x="5833416" y="3545092"/>
-              <a:ext cx="167921" cy="0"/>
-            </a:xfrm>
-            <a:prstGeom prst="straightConnector1">
-              <a:avLst/>
-            </a:prstGeom>
-            <a:ln w="38100">
-              <a:tailEnd type="triangle"/>
-            </a:ln>
-          </p:spPr>
-          <p:style>
-            <a:lnRef idx="2">
-              <a:schemeClr val="dk1"/>
-            </a:lnRef>
-            <a:fillRef idx="0">
-              <a:schemeClr val="dk1"/>
-            </a:fillRef>
-            <a:effectRef idx="1">
-              <a:schemeClr val="dk1"/>
-            </a:effectRef>
-            <a:fontRef idx="minor">
-              <a:schemeClr val="tx1"/>
-            </a:fontRef>
-          </p:style>
-        </p:cxnSp>
-        <p:cxnSp>
-          <p:nvCxnSpPr>
-            <p:cNvPr id="42" name="Straight Arrow Connector 41">
-              <a:extLst>
-                <a:ext uri="{FF2B5EF4-FFF2-40B4-BE49-F238E27FC236}">
-                  <a16:creationId xmlns:a16="http://schemas.microsoft.com/office/drawing/2014/main" id="{B0AA9B7B-E8E0-0A39-C2FF-554C6F56E5DA}"/>
-                </a:ext>
-              </a:extLst>
-            </p:cNvPr>
-            <p:cNvCxnSpPr>
-              <a:cxnSpLocks/>
-            </p:cNvCxnSpPr>
-            <p:nvPr/>
-          </p:nvCxnSpPr>
-          <p:spPr>
-            <a:xfrm>
-              <a:off x="5903498" y="4311990"/>
-              <a:ext cx="140701" cy="0"/>
-            </a:xfrm>
-            <a:prstGeom prst="straightConnector1">
-              <a:avLst/>
-            </a:prstGeom>
-            <a:ln w="38100">
-              <a:tailEnd type="triangle"/>
-            </a:ln>
-          </p:spPr>
-          <p:style>
-            <a:lnRef idx="2">
-              <a:schemeClr val="dk1"/>
-            </a:lnRef>
-            <a:fillRef idx="0">
-              <a:schemeClr val="dk1"/>
-            </a:fillRef>
-            <a:effectRef idx="1">
-              <a:schemeClr val="dk1"/>
-            </a:effectRef>
-            <a:fontRef idx="minor">
-              <a:schemeClr val="tx1"/>
-            </a:fontRef>
-          </p:style>
-        </p:cxnSp>
-        <p:cxnSp>
-          <p:nvCxnSpPr>
-            <p:cNvPr id="43" name="Straight Arrow Connector 42">
-              <a:extLst>
-                <a:ext uri="{FF2B5EF4-FFF2-40B4-BE49-F238E27FC236}">
-                  <a16:creationId xmlns:a16="http://schemas.microsoft.com/office/drawing/2014/main" id="{3E8D7706-9B45-C990-6867-E319DB3E05DF}"/>
-                </a:ext>
-              </a:extLst>
-            </p:cNvPr>
-            <p:cNvCxnSpPr/>
-            <p:nvPr/>
-          </p:nvCxnSpPr>
-          <p:spPr>
-            <a:xfrm flipV="1">
-              <a:off x="4936256" y="4139552"/>
-              <a:ext cx="172319" cy="21431"/>
-            </a:xfrm>
-            <a:prstGeom prst="straightConnector1">
-              <a:avLst/>
-            </a:prstGeom>
-            <a:ln w="38100">
-              <a:tailEnd type="triangle"/>
-            </a:ln>
-          </p:spPr>
-          <p:style>
-            <a:lnRef idx="2">
-              <a:schemeClr val="dk1"/>
-            </a:lnRef>
-            <a:fillRef idx="0">
-              <a:schemeClr val="dk1"/>
-            </a:fillRef>
-            <a:effectRef idx="1">
-              <a:schemeClr val="dk1"/>
-            </a:effectRef>
-            <a:fontRef idx="minor">
-              <a:schemeClr val="tx1"/>
-            </a:fontRef>
-          </p:style>
-        </p:cxnSp>
-        <p:cxnSp>
-          <p:nvCxnSpPr>
-            <p:cNvPr id="44" name="Straight Arrow Connector 43">
-              <a:extLst>
-                <a:ext uri="{FF2B5EF4-FFF2-40B4-BE49-F238E27FC236}">
-                  <a16:creationId xmlns:a16="http://schemas.microsoft.com/office/drawing/2014/main" id="{9E01D1D9-A78F-DA89-A0BE-3F2974645298}"/>
-                </a:ext>
-              </a:extLst>
-            </p:cNvPr>
-            <p:cNvCxnSpPr>
-              <a:cxnSpLocks/>
-            </p:cNvCxnSpPr>
-            <p:nvPr/>
-          </p:nvCxnSpPr>
-          <p:spPr>
-            <a:xfrm flipH="1">
-              <a:off x="4896382" y="3882124"/>
-              <a:ext cx="167921" cy="21685"/>
-            </a:xfrm>
-            <a:prstGeom prst="straightConnector1">
-              <a:avLst/>
-            </a:prstGeom>
-            <a:ln w="38100">
-              <a:tailEnd type="triangle"/>
-            </a:ln>
-          </p:spPr>
-          <p:style>
-            <a:lnRef idx="2">
-              <a:schemeClr val="dk1"/>
-            </a:lnRef>
-            <a:fillRef idx="0">
-              <a:schemeClr val="dk1"/>
-            </a:fillRef>
-            <a:effectRef idx="1">
-              <a:schemeClr val="dk1"/>
-            </a:effectRef>
-            <a:fontRef idx="minor">
-              <a:schemeClr val="tx1"/>
-            </a:fontRef>
-          </p:style>
-        </p:cxnSp>
-        <mc:AlternateContent xmlns:mc="http://schemas.openxmlformats.org/markup-compatibility/2006" xmlns:a14="http://schemas.microsoft.com/office/drawing/2010/main">
-          <mc:Choice Requires="a14">
-            <p:sp>
-              <p:nvSpPr>
-                <p:cNvPr id="64" name="TextBox 63">
-                  <a:extLst>
-                    <a:ext uri="{FF2B5EF4-FFF2-40B4-BE49-F238E27FC236}">
-                      <a16:creationId xmlns:a16="http://schemas.microsoft.com/office/drawing/2014/main" id="{0D31AC89-A73E-B246-516A-07358808AB59}"/>
-                    </a:ext>
-                  </a:extLst>
-                </p:cNvPr>
-                <p:cNvSpPr txBox="1"/>
-                <p:nvPr/>
-              </p:nvSpPr>
-              <p:spPr>
-                <a:xfrm>
-                  <a:off x="4949101" y="3603485"/>
-                  <a:ext cx="223138" cy="276999"/>
-                </a:xfrm>
-                <a:prstGeom prst="rect">
-                  <a:avLst/>
-                </a:prstGeom>
-                <a:noFill/>
-              </p:spPr>
-              <p:txBody>
-                <a:bodyPr wrap="none" lIns="0" tIns="0" rIns="0" bIns="0" rtlCol="0">
-                  <a:spAutoFit/>
-                </a:bodyPr>
-                <a:lstStyle/>
-                <a:p>
-                  <a:pPr/>
-                  <a14:m>
-                    <m:oMathPara xmlns:m="http://schemas.openxmlformats.org/officeDocument/2006/math">
-                      <m:oMathParaPr>
-                        <m:jc m:val="centerGroup"/>
-                      </m:oMathParaPr>
-                      <m:oMath xmlns:m="http://schemas.openxmlformats.org/officeDocument/2006/math">
-                        <m:sSub>
-                          <m:sSubPr>
-                            <m:ctrlPr>
-                              <a:rPr lang="en-US" b="0" i="1" smtClean="0">
-                                <a:latin typeface="Cambria Math" panose="02040503050406030204" pitchFamily="18" charset="0"/>
-                              </a:rPr>
-                            </m:ctrlPr>
-                          </m:sSubPr>
-                          <m:e>
-                            <m:r>
-                              <a:rPr lang="en-US" b="0" i="1" smtClean="0">
-                                <a:latin typeface="Cambria Math" panose="02040503050406030204" pitchFamily="18" charset="0"/>
-                              </a:rPr>
-                              <m:t>𝐼</m:t>
-                            </m:r>
-                          </m:e>
-                          <m:sub>
-                            <m:r>
-                              <a:rPr lang="en-US" b="0" i="1" smtClean="0">
-                                <a:latin typeface="Cambria Math" panose="02040503050406030204" pitchFamily="18" charset="0"/>
-                              </a:rPr>
-                              <m:t>1</m:t>
-                            </m:r>
-                          </m:sub>
-                        </m:sSub>
-                      </m:oMath>
-                    </m:oMathPara>
-                  </a14:m>
-                  <a:endParaRPr lang="en-US" dirty="0"/>
-                </a:p>
-              </p:txBody>
-            </p:sp>
-          </mc:Choice>
-          <mc:Fallback xmlns="">
-            <p:sp>
-              <p:nvSpPr>
-                <p:cNvPr id="64" name="TextBox 63">
-                  <a:extLst>
-                    <a:ext uri="{FF2B5EF4-FFF2-40B4-BE49-F238E27FC236}">
-                      <a16:creationId xmlns:a16="http://schemas.microsoft.com/office/drawing/2014/main" id="{0D31AC89-A73E-B246-516A-07358808AB59}"/>
-                    </a:ext>
-                  </a:extLst>
-                </p:cNvPr>
-                <p:cNvSpPr txBox="1">
-                  <a:spLocks noRot="1" noChangeAspect="1" noMove="1" noResize="1" noEditPoints="1" noAdjustHandles="1" noChangeArrowheads="1" noChangeShapeType="1" noTextEdit="1"/>
-                </p:cNvSpPr>
-                <p:nvPr/>
-              </p:nvSpPr>
-              <p:spPr>
-                <a:xfrm>
-                  <a:off x="4949101" y="3603485"/>
-                  <a:ext cx="223138" cy="276999"/>
-                </a:xfrm>
-                <a:prstGeom prst="rect">
-                  <a:avLst/>
-                </a:prstGeom>
-                <a:blipFill>
-                  <a:blip r:embed="rId4"/>
-                  <a:stretch>
-                    <a:fillRect l="-27778" r="-11111" b="-15217"/>
-                  </a:stretch>
-                </a:blipFill>
-              </p:spPr>
-              <p:txBody>
-                <a:bodyPr/>
-                <a:lstStyle/>
-                <a:p>
-                  <a:r>
-                    <a:rPr lang="en-US">
-                      <a:noFill/>
-                    </a:rPr>
-                    <a:t> </a:t>
-                  </a:r>
-                </a:p>
-              </p:txBody>
-            </p:sp>
-          </mc:Fallback>
-        </mc:AlternateContent>
-        <mc:AlternateContent xmlns:mc="http://schemas.openxmlformats.org/markup-compatibility/2006" xmlns:a14="http://schemas.microsoft.com/office/drawing/2010/main">
-          <mc:Choice Requires="a14">
-            <p:sp>
-              <p:nvSpPr>
-                <p:cNvPr id="68" name="TextBox 67">
-                  <a:extLst>
-                    <a:ext uri="{FF2B5EF4-FFF2-40B4-BE49-F238E27FC236}">
-                      <a16:creationId xmlns:a16="http://schemas.microsoft.com/office/drawing/2014/main" id="{84362C0B-3291-7F1E-0AAA-51C42D166148}"/>
-                    </a:ext>
-                  </a:extLst>
-                </p:cNvPr>
-                <p:cNvSpPr txBox="1"/>
-                <p:nvPr/>
-              </p:nvSpPr>
-              <p:spPr>
-                <a:xfrm>
-                  <a:off x="6200290" y="3949252"/>
-                  <a:ext cx="250261" cy="276999"/>
-                </a:xfrm>
-                <a:prstGeom prst="rect">
-                  <a:avLst/>
-                </a:prstGeom>
-                <a:noFill/>
-              </p:spPr>
-              <p:txBody>
-                <a:bodyPr wrap="none" lIns="0" tIns="0" rIns="0" bIns="0" rtlCol="0">
-                  <a:spAutoFit/>
-                </a:bodyPr>
-                <a:lstStyle/>
-                <a:p>
-                  <a:pPr/>
-                  <a14:m>
-                    <m:oMathPara xmlns:m="http://schemas.openxmlformats.org/officeDocument/2006/math">
-                      <m:oMathParaPr>
-                        <m:jc m:val="centerGroup"/>
-                      </m:oMathParaPr>
-                      <m:oMath xmlns:m="http://schemas.openxmlformats.org/officeDocument/2006/math">
-                        <m:sSub>
-                          <m:sSubPr>
-                            <m:ctrlPr>
-                              <a:rPr lang="en-US" b="0" i="1" smtClean="0">
-                                <a:latin typeface="Cambria Math" panose="02040503050406030204" pitchFamily="18" charset="0"/>
-                              </a:rPr>
-                            </m:ctrlPr>
-                          </m:sSubPr>
-                          <m:e>
-                            <m:r>
-                              <a:rPr lang="en-US" b="0" i="1" smtClean="0">
-                                <a:latin typeface="Cambria Math" panose="02040503050406030204" pitchFamily="18" charset="0"/>
-                              </a:rPr>
-                              <m:t>𝑠</m:t>
-                            </m:r>
-                          </m:e>
-                          <m:sub>
-                            <m:r>
-                              <a:rPr lang="en-US" b="0" i="1" smtClean="0">
-                                <a:latin typeface="Cambria Math" panose="02040503050406030204" pitchFamily="18" charset="0"/>
-                              </a:rPr>
-                              <m:t>1</m:t>
-                            </m:r>
-                          </m:sub>
-                        </m:sSub>
-                      </m:oMath>
-                    </m:oMathPara>
-                  </a14:m>
-                  <a:endParaRPr lang="en-US" dirty="0"/>
-                </a:p>
-              </p:txBody>
-            </p:sp>
-          </mc:Choice>
-          <mc:Fallback xmlns="">
-            <p:sp>
-              <p:nvSpPr>
-                <p:cNvPr id="68" name="TextBox 67">
-                  <a:extLst>
-                    <a:ext uri="{FF2B5EF4-FFF2-40B4-BE49-F238E27FC236}">
-                      <a16:creationId xmlns:a16="http://schemas.microsoft.com/office/drawing/2014/main" id="{84362C0B-3291-7F1E-0AAA-51C42D166148}"/>
-                    </a:ext>
-                  </a:extLst>
-                </p:cNvPr>
-                <p:cNvSpPr txBox="1">
-                  <a:spLocks noRot="1" noChangeAspect="1" noMove="1" noResize="1" noEditPoints="1" noAdjustHandles="1" noChangeArrowheads="1" noChangeShapeType="1" noTextEdit="1"/>
-                </p:cNvSpPr>
-                <p:nvPr/>
-              </p:nvSpPr>
-              <p:spPr>
-                <a:xfrm>
-                  <a:off x="6200290" y="3949252"/>
-                  <a:ext cx="250261" cy="276999"/>
-                </a:xfrm>
-                <a:prstGeom prst="rect">
-                  <a:avLst/>
-                </a:prstGeom>
-                <a:blipFill>
-                  <a:blip r:embed="rId5"/>
-                  <a:stretch>
-                    <a:fillRect l="-14634" r="-12195" b="-15556"/>
-                  </a:stretch>
-                </a:blipFill>
-              </p:spPr>
-              <p:txBody>
-                <a:bodyPr/>
-                <a:lstStyle/>
-                <a:p>
-                  <a:r>
-                    <a:rPr lang="en-US">
-                      <a:noFill/>
-                    </a:rPr>
-                    <a:t> </a:t>
-                  </a:r>
-                </a:p>
-              </p:txBody>
-            </p:sp>
-          </mc:Fallback>
-        </mc:AlternateContent>
-        <p:grpSp>
-          <p:nvGrpSpPr>
-            <p:cNvPr id="4" name="Group 3">
-              <a:extLst>
-                <a:ext uri="{FF2B5EF4-FFF2-40B4-BE49-F238E27FC236}">
-                  <a16:creationId xmlns:a16="http://schemas.microsoft.com/office/drawing/2014/main" id="{233C9428-4A34-D928-5754-D10981393E5A}"/>
-                </a:ext>
-              </a:extLst>
-            </p:cNvPr>
-            <p:cNvGrpSpPr/>
-            <p:nvPr/>
-          </p:nvGrpSpPr>
-          <p:grpSpPr>
-            <a:xfrm>
-              <a:off x="4579489" y="1308043"/>
-              <a:ext cx="2535740" cy="2347321"/>
-              <a:chOff x="4580895" y="1133794"/>
-              <a:chExt cx="2535740" cy="2347321"/>
-            </a:xfrm>
-            <a:scene3d>
-              <a:camera prst="isometricOffAxis2Top">
-                <a:rot lat="18448671" lon="2370244" rev="18834421"/>
-              </a:camera>
-              <a:lightRig rig="threePt" dir="t"/>
-            </a:scene3d>
-          </p:grpSpPr>
-          <p:cxnSp>
-            <p:nvCxnSpPr>
-              <p:cNvPr id="9" name="Straight Connector 8">
-                <a:extLst>
-                  <a:ext uri="{FF2B5EF4-FFF2-40B4-BE49-F238E27FC236}">
-                    <a16:creationId xmlns:a16="http://schemas.microsoft.com/office/drawing/2014/main" id="{BE19425A-7B5F-C818-F11F-BFABE22555A2}"/>
-                  </a:ext>
-                </a:extLst>
-              </p:cNvPr>
-              <p:cNvCxnSpPr/>
-              <p:nvPr/>
-            </p:nvCxnSpPr>
-            <p:spPr>
-              <a:xfrm flipH="1">
-                <a:off x="4580895" y="2537898"/>
-                <a:ext cx="457201" cy="378373"/>
-              </a:xfrm>
-              <a:prstGeom prst="line">
-                <a:avLst/>
-              </a:prstGeom>
-              <a:ln w="57150">
-                <a:solidFill>
-                  <a:schemeClr val="tx1"/>
-                </a:solidFill>
-              </a:ln>
-            </p:spPr>
-            <p:style>
-              <a:lnRef idx="2">
-                <a:schemeClr val="accent1"/>
-              </a:lnRef>
-              <a:fillRef idx="0">
-                <a:schemeClr val="accent1"/>
-              </a:fillRef>
-              <a:effectRef idx="1">
-                <a:schemeClr val="accent1"/>
-              </a:effectRef>
-              <a:fontRef idx="minor">
-                <a:schemeClr val="tx1"/>
-              </a:fontRef>
-            </p:style>
-          </p:cxnSp>
-          <p:sp>
-            <p:nvSpPr>
-              <p:cNvPr id="6" name="Arc 5">
-                <a:extLst>
-                  <a:ext uri="{FF2B5EF4-FFF2-40B4-BE49-F238E27FC236}">
-                    <a16:creationId xmlns:a16="http://schemas.microsoft.com/office/drawing/2014/main" id="{FD108AFB-02A4-A162-7C01-A212C45A3F2B}"/>
-                  </a:ext>
-                </a:extLst>
-              </p:cNvPr>
-              <p:cNvSpPr/>
-              <p:nvPr/>
-            </p:nvSpPr>
-            <p:spPr>
-              <a:xfrm>
-                <a:off x="4960446" y="1133794"/>
-                <a:ext cx="2156189" cy="2156189"/>
-              </a:xfrm>
-              <a:prstGeom prst="arc">
-                <a:avLst>
-                  <a:gd name="adj1" fmla="val 9615740"/>
-                  <a:gd name="adj2" fmla="val 7409857"/>
-                </a:avLst>
-              </a:prstGeom>
-              <a:noFill/>
-              <a:ln w="57150">
-                <a:solidFill>
-                  <a:schemeClr val="tx1"/>
-                </a:solidFill>
-              </a:ln>
-            </p:spPr>
-            <p:style>
-              <a:lnRef idx="2">
-                <a:schemeClr val="accent1"/>
-              </a:lnRef>
-              <a:fillRef idx="0">
-                <a:schemeClr val="accent1"/>
-              </a:fillRef>
-              <a:effectRef idx="1">
-                <a:schemeClr val="accent1"/>
-              </a:effectRef>
-              <a:fontRef idx="minor">
-                <a:schemeClr val="tx1"/>
-              </a:fontRef>
-            </p:style>
-            <p:txBody>
-              <a:bodyPr rtlCol="0" anchor="ctr"/>
-              <a:lstStyle/>
-              <a:p>
-                <a:pPr algn="ctr"/>
-                <a:endParaRPr lang="en-US"/>
-              </a:p>
-            </p:txBody>
-          </p:sp>
-          <p:cxnSp>
-            <p:nvCxnSpPr>
-              <p:cNvPr id="3" name="Straight Connector 2">
-                <a:extLst>
-                  <a:ext uri="{FF2B5EF4-FFF2-40B4-BE49-F238E27FC236}">
-                    <a16:creationId xmlns:a16="http://schemas.microsoft.com/office/drawing/2014/main" id="{72726B58-0A94-D87D-46B7-1831D99EFB5F}"/>
-                  </a:ext>
-                </a:extLst>
-              </p:cNvPr>
-              <p:cNvCxnSpPr/>
-              <p:nvPr/>
-            </p:nvCxnSpPr>
-            <p:spPr>
-              <a:xfrm flipH="1">
-                <a:off x="5013188" y="3102742"/>
-                <a:ext cx="457201" cy="378373"/>
-              </a:xfrm>
-              <a:prstGeom prst="line">
-                <a:avLst/>
-              </a:prstGeom>
-              <a:ln w="57150">
-                <a:solidFill>
-                  <a:schemeClr val="tx1"/>
-                </a:solidFill>
-              </a:ln>
-            </p:spPr>
-            <p:style>
-              <a:lnRef idx="2">
-                <a:schemeClr val="accent1"/>
-              </a:lnRef>
-              <a:fillRef idx="0">
-                <a:schemeClr val="accent1"/>
-              </a:fillRef>
-              <a:effectRef idx="1">
-                <a:schemeClr val="accent1"/>
-              </a:effectRef>
-              <a:fontRef idx="minor">
-                <a:schemeClr val="tx1"/>
-              </a:fontRef>
-            </p:style>
-          </p:cxnSp>
-        </p:grpSp>
-        <p:cxnSp>
-          <p:nvCxnSpPr>
-            <p:cNvPr id="5" name="Straight Arrow Connector 4">
-              <a:extLst>
-                <a:ext uri="{FF2B5EF4-FFF2-40B4-BE49-F238E27FC236}">
-                  <a16:creationId xmlns:a16="http://schemas.microsoft.com/office/drawing/2014/main" id="{EA101C69-D4A7-4AE0-4D7E-E7931CD721BE}"/>
-                </a:ext>
-              </a:extLst>
-            </p:cNvPr>
-            <p:cNvCxnSpPr/>
-            <p:nvPr/>
-          </p:nvCxnSpPr>
-          <p:spPr>
-            <a:xfrm flipV="1">
-              <a:off x="6344642" y="1689490"/>
-              <a:ext cx="0" cy="876582"/>
-            </a:xfrm>
-            <a:prstGeom prst="straightConnector1">
-              <a:avLst/>
-            </a:prstGeom>
-            <a:ln>
-              <a:solidFill>
-                <a:schemeClr val="tx1"/>
-              </a:solidFill>
-              <a:tailEnd type="triangle"/>
-            </a:ln>
-          </p:spPr>
-          <p:style>
-            <a:lnRef idx="2">
-              <a:schemeClr val="accent1"/>
-            </a:lnRef>
-            <a:fillRef idx="0">
-              <a:schemeClr val="accent1"/>
-            </a:fillRef>
-            <a:effectRef idx="1">
-              <a:schemeClr val="accent1"/>
-            </a:effectRef>
-            <a:fontRef idx="minor">
-              <a:schemeClr val="tx1"/>
-            </a:fontRef>
-          </p:style>
-        </p:cxnSp>
-        <p:cxnSp>
-          <p:nvCxnSpPr>
-            <p:cNvPr id="10" name="Straight Arrow Connector 9">
-              <a:extLst>
-                <a:ext uri="{FF2B5EF4-FFF2-40B4-BE49-F238E27FC236}">
-                  <a16:creationId xmlns:a16="http://schemas.microsoft.com/office/drawing/2014/main" id="{0EB653F3-4CF6-F6BD-C404-5B4677DC4C8B}"/>
-                </a:ext>
-              </a:extLst>
-            </p:cNvPr>
-            <p:cNvCxnSpPr>
-              <a:cxnSpLocks/>
-            </p:cNvCxnSpPr>
-            <p:nvPr/>
-          </p:nvCxnSpPr>
-          <p:spPr>
-            <a:xfrm flipV="1">
-              <a:off x="5833416" y="2976162"/>
-              <a:ext cx="0" cy="876582"/>
-            </a:xfrm>
-            <a:prstGeom prst="straightConnector1">
-              <a:avLst/>
-            </a:prstGeom>
-            <a:ln>
-              <a:solidFill>
-                <a:schemeClr val="tx1"/>
-              </a:solidFill>
-              <a:headEnd type="none" w="med" len="med"/>
-              <a:tailEnd type="none" w="med" len="med"/>
-            </a:ln>
-          </p:spPr>
-          <p:style>
-            <a:lnRef idx="2">
-              <a:schemeClr val="accent1"/>
-            </a:lnRef>
-            <a:fillRef idx="0">
-              <a:schemeClr val="accent1"/>
-            </a:fillRef>
-            <a:effectRef idx="1">
-              <a:schemeClr val="accent1"/>
-            </a:effectRef>
-            <a:fontRef idx="minor">
-              <a:schemeClr val="tx1"/>
-            </a:fontRef>
-          </p:style>
-        </p:cxnSp>
-        <p:cxnSp>
-          <p:nvCxnSpPr>
-            <p:cNvPr id="11" name="Straight Arrow Connector 10">
-              <a:extLst>
-                <a:ext uri="{FF2B5EF4-FFF2-40B4-BE49-F238E27FC236}">
-                  <a16:creationId xmlns:a16="http://schemas.microsoft.com/office/drawing/2014/main" id="{C850777E-2C11-942F-A920-4448B7051488}"/>
-                </a:ext>
-              </a:extLst>
-            </p:cNvPr>
-            <p:cNvCxnSpPr/>
-            <p:nvPr/>
-          </p:nvCxnSpPr>
-          <p:spPr>
-            <a:xfrm flipV="1">
-              <a:off x="5833416" y="1689490"/>
-              <a:ext cx="0" cy="876582"/>
-            </a:xfrm>
-            <a:prstGeom prst="straightConnector1">
-              <a:avLst/>
-            </a:prstGeom>
-            <a:ln>
-              <a:solidFill>
-                <a:schemeClr val="tx1"/>
-              </a:solidFill>
-              <a:tailEnd type="triangle"/>
-            </a:ln>
-          </p:spPr>
-          <p:style>
-            <a:lnRef idx="2">
-              <a:schemeClr val="accent1"/>
-            </a:lnRef>
-            <a:fillRef idx="0">
-              <a:schemeClr val="accent1"/>
-            </a:fillRef>
-            <a:effectRef idx="1">
-              <a:schemeClr val="accent1"/>
-            </a:effectRef>
-            <a:fontRef idx="minor">
-              <a:schemeClr val="tx1"/>
-            </a:fontRef>
-          </p:style>
-        </p:cxnSp>
-        <p:cxnSp>
-          <p:nvCxnSpPr>
-            <p:cNvPr id="18" name="Straight Arrow Connector 17">
-              <a:extLst>
-                <a:ext uri="{FF2B5EF4-FFF2-40B4-BE49-F238E27FC236}">
-                  <a16:creationId xmlns:a16="http://schemas.microsoft.com/office/drawing/2014/main" id="{8234043B-0E8D-7F8F-F295-6DF961365C6A}"/>
-                </a:ext>
-              </a:extLst>
-            </p:cNvPr>
-            <p:cNvCxnSpPr>
-              <a:cxnSpLocks/>
-            </p:cNvCxnSpPr>
-            <p:nvPr/>
-          </p:nvCxnSpPr>
-          <p:spPr>
-            <a:xfrm flipV="1">
-              <a:off x="6081834" y="2976162"/>
-              <a:ext cx="0" cy="876582"/>
-            </a:xfrm>
-            <a:prstGeom prst="straightConnector1">
-              <a:avLst/>
-            </a:prstGeom>
-            <a:ln>
-              <a:solidFill>
-                <a:schemeClr val="tx1"/>
-              </a:solidFill>
-              <a:headEnd type="none" w="med" len="med"/>
-              <a:tailEnd type="none" w="med" len="med"/>
-            </a:ln>
-          </p:spPr>
-          <p:style>
-            <a:lnRef idx="2">
-              <a:schemeClr val="accent1"/>
-            </a:lnRef>
-            <a:fillRef idx="0">
-              <a:schemeClr val="accent1"/>
-            </a:fillRef>
-            <a:effectRef idx="1">
-              <a:schemeClr val="accent1"/>
-            </a:effectRef>
-            <a:fontRef idx="minor">
-              <a:schemeClr val="tx1"/>
-            </a:fontRef>
-          </p:style>
-        </p:cxnSp>
-        <p:cxnSp>
-          <p:nvCxnSpPr>
-            <p:cNvPr id="26" name="Straight Arrow Connector 25">
-              <a:extLst>
-                <a:ext uri="{FF2B5EF4-FFF2-40B4-BE49-F238E27FC236}">
-                  <a16:creationId xmlns:a16="http://schemas.microsoft.com/office/drawing/2014/main" id="{258F009F-008B-7BA2-AF5B-B7218CD5A9D0}"/>
-                </a:ext>
-              </a:extLst>
-            </p:cNvPr>
-            <p:cNvCxnSpPr/>
-            <p:nvPr/>
-          </p:nvCxnSpPr>
-          <p:spPr>
-            <a:xfrm flipV="1">
-              <a:off x="6082260" y="1689490"/>
-              <a:ext cx="0" cy="876582"/>
-            </a:xfrm>
-            <a:prstGeom prst="straightConnector1">
-              <a:avLst/>
-            </a:prstGeom>
-            <a:ln>
-              <a:solidFill>
-                <a:schemeClr val="tx1"/>
-              </a:solidFill>
-              <a:tailEnd type="triangle"/>
-            </a:ln>
-          </p:spPr>
-          <p:style>
-            <a:lnRef idx="2">
-              <a:schemeClr val="accent1"/>
-            </a:lnRef>
-            <a:fillRef idx="0">
-              <a:schemeClr val="accent1"/>
-            </a:fillRef>
-            <a:effectRef idx="1">
-              <a:schemeClr val="accent1"/>
-            </a:effectRef>
-            <a:fontRef idx="minor">
-              <a:schemeClr val="tx1"/>
-            </a:fontRef>
-          </p:style>
-        </p:cxnSp>
-        <p:grpSp>
-          <p:nvGrpSpPr>
-            <p:cNvPr id="37" name="Group 36">
-              <a:extLst>
-                <a:ext uri="{FF2B5EF4-FFF2-40B4-BE49-F238E27FC236}">
-                  <a16:creationId xmlns:a16="http://schemas.microsoft.com/office/drawing/2014/main" id="{EF0262C9-538D-A260-EB43-39AC96293F76}"/>
-                </a:ext>
-              </a:extLst>
-            </p:cNvPr>
-            <p:cNvGrpSpPr/>
-            <p:nvPr/>
-          </p:nvGrpSpPr>
-          <p:grpSpPr>
-            <a:xfrm>
-              <a:off x="4504677" y="3838857"/>
-              <a:ext cx="385992" cy="454083"/>
-              <a:chOff x="4097264" y="3780621"/>
-              <a:chExt cx="385992" cy="454083"/>
-            </a:xfrm>
-            <a:scene3d>
-              <a:camera prst="isometricOffAxis2Top">
-                <a:rot lat="18448671" lon="2370244" rev="18834421"/>
-              </a:camera>
-              <a:lightRig rig="threePt" dir="t"/>
-            </a:scene3d>
-          </p:grpSpPr>
-          <p:sp>
-            <p:nvSpPr>
-              <p:cNvPr id="13" name="Oval 12">
-                <a:extLst>
-                  <a:ext uri="{FF2B5EF4-FFF2-40B4-BE49-F238E27FC236}">
-                    <a16:creationId xmlns:a16="http://schemas.microsoft.com/office/drawing/2014/main" id="{557758A2-4FE9-3EE9-5C69-520194D0399E}"/>
-                  </a:ext>
-                </a:extLst>
-              </p:cNvPr>
-              <p:cNvSpPr/>
-              <p:nvPr/>
-            </p:nvSpPr>
-            <p:spPr>
-              <a:xfrm>
-                <a:off x="4141950" y="3851184"/>
-                <a:ext cx="312957" cy="312957"/>
-              </a:xfrm>
-              <a:prstGeom prst="ellipse">
-                <a:avLst/>
-              </a:prstGeom>
-              <a:solidFill>
-                <a:schemeClr val="bg1"/>
-              </a:solidFill>
-              <a:ln w="38100">
-                <a:solidFill>
-                  <a:schemeClr val="tx1"/>
-                </a:solidFill>
-              </a:ln>
-            </p:spPr>
-            <p:style>
-              <a:lnRef idx="2">
-                <a:schemeClr val="accent1">
-                  <a:shade val="15000"/>
-                </a:schemeClr>
-              </a:lnRef>
-              <a:fillRef idx="1">
-                <a:schemeClr val="accent1"/>
-              </a:fillRef>
-              <a:effectRef idx="0">
-                <a:schemeClr val="accent1"/>
-              </a:effectRef>
-              <a:fontRef idx="minor">
-                <a:schemeClr val="lt1"/>
-              </a:fontRef>
-            </p:style>
-            <p:txBody>
-              <a:bodyPr rtlCol="0" anchor="ctr"/>
-              <a:lstStyle/>
-              <a:p>
-                <a:pPr algn="ctr"/>
-                <a:endParaRPr lang="en-US"/>
-              </a:p>
-            </p:txBody>
-          </p:sp>
-          <p:cxnSp>
-            <p:nvCxnSpPr>
-              <p:cNvPr id="28" name="Straight Connector 27">
-                <a:extLst>
-                  <a:ext uri="{FF2B5EF4-FFF2-40B4-BE49-F238E27FC236}">
-                    <a16:creationId xmlns:a16="http://schemas.microsoft.com/office/drawing/2014/main" id="{05633C51-B2C7-DF29-D6ED-B3CADBC1067C}"/>
-                  </a:ext>
-                </a:extLst>
-              </p:cNvPr>
-              <p:cNvCxnSpPr>
-                <a:cxnSpLocks/>
-              </p:cNvCxnSpPr>
-              <p:nvPr/>
-            </p:nvCxnSpPr>
-            <p:spPr>
-              <a:xfrm flipH="1" flipV="1">
-                <a:off x="4097264" y="3780621"/>
-                <a:ext cx="95021" cy="106721"/>
-              </a:xfrm>
-              <a:prstGeom prst="line">
-                <a:avLst/>
-              </a:prstGeom>
-              <a:ln w="38100">
-                <a:solidFill>
-                  <a:schemeClr val="tx1"/>
-                </a:solidFill>
-              </a:ln>
-            </p:spPr>
-            <p:style>
-              <a:lnRef idx="2">
-                <a:schemeClr val="accent1"/>
-              </a:lnRef>
-              <a:fillRef idx="0">
-                <a:schemeClr val="accent1"/>
-              </a:fillRef>
-              <a:effectRef idx="1">
-                <a:schemeClr val="accent1"/>
-              </a:effectRef>
-              <a:fontRef idx="minor">
-                <a:schemeClr val="tx1"/>
-              </a:fontRef>
-            </p:style>
-          </p:cxnSp>
-          <p:sp>
-            <p:nvSpPr>
-              <p:cNvPr id="31" name="Freeform: Shape 30">
-                <a:extLst>
-                  <a:ext uri="{FF2B5EF4-FFF2-40B4-BE49-F238E27FC236}">
-                    <a16:creationId xmlns:a16="http://schemas.microsoft.com/office/drawing/2014/main" id="{9D34C0E0-99D7-1B62-EC01-0EACFEBD476A}"/>
-                  </a:ext>
-                </a:extLst>
-              </p:cNvPr>
-              <p:cNvSpPr/>
-              <p:nvPr/>
-            </p:nvSpPr>
-            <p:spPr>
-              <a:xfrm>
-                <a:off x="4191000" y="3941332"/>
-                <a:ext cx="196850" cy="141932"/>
-              </a:xfrm>
-              <a:custGeom>
-                <a:avLst/>
-                <a:gdLst>
-                  <a:gd name="connsiteX0" fmla="*/ 0 w 196850"/>
-                  <a:gd name="connsiteY0" fmla="*/ 71868 h 141932"/>
-                  <a:gd name="connsiteX1" fmla="*/ 57150 w 196850"/>
-                  <a:gd name="connsiteY1" fmla="*/ 2018 h 141932"/>
-                  <a:gd name="connsiteX2" fmla="*/ 120650 w 196850"/>
-                  <a:gd name="connsiteY2" fmla="*/ 141718 h 141932"/>
-                  <a:gd name="connsiteX3" fmla="*/ 196850 w 196850"/>
-                  <a:gd name="connsiteY3" fmla="*/ 27418 h 141932"/>
-                </a:gdLst>
-                <a:ahLst/>
-                <a:cxnLst>
-                  <a:cxn ang="0">
-                    <a:pos x="connsiteX0" y="connsiteY0"/>
-                  </a:cxn>
-                  <a:cxn ang="0">
-                    <a:pos x="connsiteX1" y="connsiteY1"/>
-                  </a:cxn>
-                  <a:cxn ang="0">
-                    <a:pos x="connsiteX2" y="connsiteY2"/>
-                  </a:cxn>
-                  <a:cxn ang="0">
-                    <a:pos x="connsiteX3" y="connsiteY3"/>
-                  </a:cxn>
-                </a:cxnLst>
-                <a:rect l="l" t="t" r="r" b="b"/>
-                <a:pathLst>
-                  <a:path w="196850" h="141932">
-                    <a:moveTo>
-                      <a:pt x="0" y="71868"/>
-                    </a:moveTo>
-                    <a:cubicBezTo>
-                      <a:pt x="18521" y="31122"/>
-                      <a:pt x="37042" y="-9624"/>
-                      <a:pt x="57150" y="2018"/>
-                    </a:cubicBezTo>
-                    <a:cubicBezTo>
-                      <a:pt x="77258" y="13660"/>
-                      <a:pt x="97367" y="137485"/>
-                      <a:pt x="120650" y="141718"/>
-                    </a:cubicBezTo>
-                    <a:cubicBezTo>
-                      <a:pt x="143933" y="145951"/>
-                      <a:pt x="170391" y="86684"/>
-                      <a:pt x="196850" y="27418"/>
-                    </a:cubicBezTo>
-                  </a:path>
-                </a:pathLst>
-              </a:custGeom>
-              <a:noFill/>
-              <a:ln w="38100">
-                <a:solidFill>
-                  <a:schemeClr val="tx1"/>
-                </a:solidFill>
-              </a:ln>
-            </p:spPr>
-            <p:style>
-              <a:lnRef idx="2">
-                <a:schemeClr val="accent1">
-                  <a:shade val="15000"/>
-                </a:schemeClr>
-              </a:lnRef>
-              <a:fillRef idx="1">
-                <a:schemeClr val="accent1"/>
-              </a:fillRef>
-              <a:effectRef idx="0">
-                <a:schemeClr val="accent1"/>
-              </a:effectRef>
-              <a:fontRef idx="minor">
-                <a:schemeClr val="lt1"/>
-              </a:fontRef>
-            </p:style>
-            <p:txBody>
-              <a:bodyPr rtlCol="0" anchor="ctr"/>
-              <a:lstStyle/>
-              <a:p>
-                <a:pPr algn="ctr"/>
-                <a:endParaRPr lang="en-US" dirty="0"/>
-              </a:p>
-            </p:txBody>
-          </p:sp>
-          <p:cxnSp>
-            <p:nvCxnSpPr>
-              <p:cNvPr id="35" name="Straight Connector 34">
-                <a:extLst>
-                  <a:ext uri="{FF2B5EF4-FFF2-40B4-BE49-F238E27FC236}">
-                    <a16:creationId xmlns:a16="http://schemas.microsoft.com/office/drawing/2014/main" id="{AC9A7898-A12C-8982-15AE-5B0C974D5098}"/>
-                  </a:ext>
-                </a:extLst>
-              </p:cNvPr>
-              <p:cNvCxnSpPr>
-                <a:cxnSpLocks/>
-              </p:cNvCxnSpPr>
-              <p:nvPr/>
-            </p:nvCxnSpPr>
-            <p:spPr>
-              <a:xfrm flipH="1" flipV="1">
-                <a:off x="4393679" y="4138447"/>
-                <a:ext cx="89577" cy="96257"/>
-              </a:xfrm>
-              <a:prstGeom prst="line">
-                <a:avLst/>
-              </a:prstGeom>
-              <a:ln w="38100">
-                <a:solidFill>
-                  <a:schemeClr val="tx1"/>
-                </a:solidFill>
-              </a:ln>
-            </p:spPr>
-            <p:style>
-              <a:lnRef idx="2">
-                <a:schemeClr val="accent1"/>
-              </a:lnRef>
-              <a:fillRef idx="0">
-                <a:schemeClr val="accent1"/>
-              </a:fillRef>
-              <a:effectRef idx="1">
-                <a:schemeClr val="accent1"/>
-              </a:effectRef>
-              <a:fontRef idx="minor">
-                <a:schemeClr val="tx1"/>
-              </a:fontRef>
-            </p:style>
-          </p:cxnSp>
-        </p:grpSp>
-        <mc:AlternateContent xmlns:mc="http://schemas.openxmlformats.org/markup-compatibility/2006" xmlns:a14="http://schemas.microsoft.com/office/drawing/2010/main">
-          <mc:Choice Requires="a14">
-            <p:sp>
-              <p:nvSpPr>
-                <p:cNvPr id="79" name="TextBox 78">
-                  <a:extLst>
-                    <a:ext uri="{FF2B5EF4-FFF2-40B4-BE49-F238E27FC236}">
-                      <a16:creationId xmlns:a16="http://schemas.microsoft.com/office/drawing/2014/main" id="{694FF0E7-F4E7-8CAF-FD85-457F4942242B}"/>
-                    </a:ext>
-                  </a:extLst>
-                </p:cNvPr>
-                <p:cNvSpPr txBox="1"/>
-                <p:nvPr/>
-              </p:nvSpPr>
-              <p:spPr>
-                <a:xfrm>
-                  <a:off x="6504441" y="2571659"/>
-                  <a:ext cx="255583" cy="276999"/>
-                </a:xfrm>
-                <a:prstGeom prst="rect">
-                  <a:avLst/>
-                </a:prstGeom>
-                <a:noFill/>
-              </p:spPr>
-              <p:txBody>
-                <a:bodyPr wrap="none" lIns="0" tIns="0" rIns="0" bIns="0" rtlCol="0">
-                  <a:spAutoFit/>
-                </a:bodyPr>
-                <a:lstStyle/>
-                <a:p>
-                  <a:pPr/>
-                  <a14:m>
-                    <m:oMathPara xmlns:m="http://schemas.openxmlformats.org/officeDocument/2006/math">
-                      <m:oMathParaPr>
-                        <m:jc m:val="centerGroup"/>
-                      </m:oMathParaPr>
-                      <m:oMath xmlns:m="http://schemas.openxmlformats.org/officeDocument/2006/math">
-                        <m:sSub>
-                          <m:sSubPr>
-                            <m:ctrlPr>
-                              <a:rPr lang="en-US" b="0" i="1" smtClean="0">
-                                <a:latin typeface="Cambria Math" panose="02040503050406030204" pitchFamily="18" charset="0"/>
-                              </a:rPr>
-                            </m:ctrlPr>
-                          </m:sSubPr>
-                          <m:e>
-                            <m:r>
-                              <a:rPr lang="en-US" b="0" i="1" smtClean="0">
-                                <a:latin typeface="Cambria Math" panose="02040503050406030204" pitchFamily="18" charset="0"/>
-                              </a:rPr>
-                              <m:t>𝑠</m:t>
-                            </m:r>
-                          </m:e>
-                          <m:sub>
-                            <m:r>
-                              <a:rPr lang="en-US" b="0" i="1" smtClean="0">
-                                <a:latin typeface="Cambria Math" panose="02040503050406030204" pitchFamily="18" charset="0"/>
-                              </a:rPr>
-                              <m:t>2</m:t>
-                            </m:r>
-                          </m:sub>
-                        </m:sSub>
-                      </m:oMath>
-                    </m:oMathPara>
-                  </a14:m>
-                  <a:endParaRPr lang="en-US" dirty="0"/>
-                </a:p>
-              </p:txBody>
-            </p:sp>
-          </mc:Choice>
-          <mc:Fallback xmlns="">
-            <p:sp>
-              <p:nvSpPr>
-                <p:cNvPr id="79" name="TextBox 78">
-                  <a:extLst>
-                    <a:ext uri="{FF2B5EF4-FFF2-40B4-BE49-F238E27FC236}">
-                      <a16:creationId xmlns:a16="http://schemas.microsoft.com/office/drawing/2014/main" id="{694FF0E7-F4E7-8CAF-FD85-457F4942242B}"/>
-                    </a:ext>
-                  </a:extLst>
-                </p:cNvPr>
-                <p:cNvSpPr txBox="1">
-                  <a:spLocks noRot="1" noChangeAspect="1" noMove="1" noResize="1" noEditPoints="1" noAdjustHandles="1" noChangeArrowheads="1" noChangeShapeType="1" noTextEdit="1"/>
-                </p:cNvSpPr>
-                <p:nvPr/>
-              </p:nvSpPr>
-              <p:spPr>
-                <a:xfrm>
-                  <a:off x="6504441" y="2571659"/>
-                  <a:ext cx="255583" cy="276999"/>
-                </a:xfrm>
-                <a:prstGeom prst="rect">
-                  <a:avLst/>
-                </a:prstGeom>
-                <a:blipFill>
-                  <a:blip r:embed="rId6"/>
-                  <a:stretch>
-                    <a:fillRect l="-14286" r="-11905" b="-15556"/>
-                  </a:stretch>
-                </a:blipFill>
-              </p:spPr>
-              <p:txBody>
-                <a:bodyPr/>
-                <a:lstStyle/>
-                <a:p>
-                  <a:r>
-                    <a:rPr lang="en-US">
-                      <a:noFill/>
-                    </a:rPr>
-                    <a:t> </a:t>
-                  </a:r>
-                </a:p>
-              </p:txBody>
-            </p:sp>
-          </mc:Fallback>
-        </mc:AlternateContent>
-        <mc:AlternateContent xmlns:mc="http://schemas.openxmlformats.org/markup-compatibility/2006" xmlns:a14="http://schemas.microsoft.com/office/drawing/2010/main">
-          <mc:Choice Requires="a14">
-            <p:sp>
-              <p:nvSpPr>
-                <p:cNvPr id="80" name="TextBox 79">
-                  <a:extLst>
-                    <a:ext uri="{FF2B5EF4-FFF2-40B4-BE49-F238E27FC236}">
-                      <a16:creationId xmlns:a16="http://schemas.microsoft.com/office/drawing/2014/main" id="{9723A7A8-4CF8-C89C-D566-C13F48D3EE61}"/>
-                    </a:ext>
-                  </a:extLst>
-                </p:cNvPr>
-                <p:cNvSpPr txBox="1"/>
-                <p:nvPr/>
-              </p:nvSpPr>
-              <p:spPr>
-                <a:xfrm>
-                  <a:off x="3770660" y="2900181"/>
-                  <a:ext cx="908454" cy="467500"/>
-                </a:xfrm>
-                <a:prstGeom prst="rect">
-                  <a:avLst/>
-                </a:prstGeom>
-                <a:noFill/>
-              </p:spPr>
-              <p:txBody>
-                <a:bodyPr wrap="none" lIns="0" tIns="0" rIns="0" bIns="0" rtlCol="0">
-                  <a:spAutoFit/>
-                </a:bodyPr>
-                <a:lstStyle/>
-                <a:p>
-                  <a:pPr/>
-                  <a14:m>
-                    <m:oMathPara xmlns:m="http://schemas.openxmlformats.org/officeDocument/2006/math">
-                      <m:oMathParaPr>
-                        <m:jc m:val="centerGroup"/>
-                      </m:oMathParaPr>
-                      <m:oMath xmlns:m="http://schemas.openxmlformats.org/officeDocument/2006/math">
-                        <m:r>
-                          <a:rPr lang="en-US" sz="1600" b="0" i="1" smtClean="0">
-                            <a:latin typeface="Cambria Math" panose="02040503050406030204" pitchFamily="18" charset="0"/>
-                          </a:rPr>
-                          <m:t>=</m:t>
-                        </m:r>
-                        <m:sSub>
-                          <m:sSubPr>
-                            <m:ctrlPr>
-                              <a:rPr lang="en-US" sz="1600" b="0" i="1" smtClean="0">
-                                <a:latin typeface="Cambria Math" panose="02040503050406030204" pitchFamily="18" charset="0"/>
-                              </a:rPr>
-                            </m:ctrlPr>
-                          </m:sSubPr>
-                          <m:e>
-                            <m:r>
-                              <a:rPr lang="en-US" sz="1600" b="0" i="1" smtClean="0">
-                                <a:latin typeface="Cambria Math" panose="02040503050406030204" pitchFamily="18" charset="0"/>
-                              </a:rPr>
-                              <m:t>𝑀</m:t>
-                            </m:r>
-                          </m:e>
-                          <m:sub>
-                            <m:r>
-                              <a:rPr lang="en-US" sz="1600" b="0" i="1" smtClean="0">
-                                <a:latin typeface="Cambria Math" panose="02040503050406030204" pitchFamily="18" charset="0"/>
-                              </a:rPr>
-                              <m:t>12</m:t>
-                            </m:r>
-                          </m:sub>
-                        </m:sSub>
-                        <m:f>
-                          <m:fPr>
-                            <m:ctrlPr>
-                              <a:rPr lang="en-US" sz="1600" i="1" smtClean="0">
-                                <a:latin typeface="Cambria Math" panose="02040503050406030204" pitchFamily="18" charset="0"/>
-                              </a:rPr>
-                            </m:ctrlPr>
-                          </m:fPr>
-                          <m:num>
-                            <m:r>
-                              <a:rPr lang="en-US" sz="1600" b="0" i="1" smtClean="0">
-                                <a:latin typeface="Cambria Math" panose="02040503050406030204" pitchFamily="18" charset="0"/>
-                              </a:rPr>
-                              <m:t>𝑑</m:t>
-                            </m:r>
-                            <m:sSub>
-                              <m:sSubPr>
-                                <m:ctrlPr>
-                                  <a:rPr lang="en-US" sz="1600" b="0" i="1" smtClean="0">
-                                    <a:latin typeface="Cambria Math" panose="02040503050406030204" pitchFamily="18" charset="0"/>
-                                  </a:rPr>
-                                </m:ctrlPr>
-                              </m:sSubPr>
-                              <m:e>
-                                <m:r>
-                                  <a:rPr lang="en-US" sz="1600" b="0" i="1" smtClean="0">
-                                    <a:latin typeface="Cambria Math" panose="02040503050406030204" pitchFamily="18" charset="0"/>
-                                  </a:rPr>
-                                  <m:t>𝐼</m:t>
-                                </m:r>
-                              </m:e>
-                              <m:sub>
-                                <m:r>
-                                  <a:rPr lang="en-US" sz="1600" b="0" i="1" smtClean="0">
-                                    <a:latin typeface="Cambria Math" panose="02040503050406030204" pitchFamily="18" charset="0"/>
-                                  </a:rPr>
-                                  <m:t>1</m:t>
-                                </m:r>
-                              </m:sub>
-                            </m:sSub>
-                          </m:num>
-                          <m:den>
-                            <m:r>
-                              <a:rPr lang="en-US" sz="1600" b="0" i="1" smtClean="0">
-                                <a:latin typeface="Cambria Math" panose="02040503050406030204" pitchFamily="18" charset="0"/>
-                              </a:rPr>
-                              <m:t>𝑑𝑡</m:t>
-                            </m:r>
-                          </m:den>
-                        </m:f>
-                      </m:oMath>
-                    </m:oMathPara>
-                  </a14:m>
-                  <a:endParaRPr lang="en-US" dirty="0"/>
-                </a:p>
-              </p:txBody>
-            </p:sp>
-          </mc:Choice>
-          <mc:Fallback xmlns="">
-            <p:sp>
-              <p:nvSpPr>
-                <p:cNvPr id="80" name="TextBox 79">
-                  <a:extLst>
-                    <a:ext uri="{FF2B5EF4-FFF2-40B4-BE49-F238E27FC236}">
-                      <a16:creationId xmlns:a16="http://schemas.microsoft.com/office/drawing/2014/main" id="{9723A7A8-4CF8-C89C-D566-C13F48D3EE61}"/>
-                    </a:ext>
-                  </a:extLst>
-                </p:cNvPr>
-                <p:cNvSpPr txBox="1">
-                  <a:spLocks noRot="1" noChangeAspect="1" noMove="1" noResize="1" noEditPoints="1" noAdjustHandles="1" noChangeArrowheads="1" noChangeShapeType="1" noTextEdit="1"/>
-                </p:cNvSpPr>
-                <p:nvPr/>
-              </p:nvSpPr>
-              <p:spPr>
-                <a:xfrm>
-                  <a:off x="3770660" y="2900181"/>
-                  <a:ext cx="908454" cy="467500"/>
-                </a:xfrm>
-                <a:prstGeom prst="rect">
-                  <a:avLst/>
-                </a:prstGeom>
-                <a:blipFill>
-                  <a:blip r:embed="rId7"/>
-                  <a:stretch>
-                    <a:fillRect/>
-                  </a:stretch>
-                </a:blipFill>
-              </p:spPr>
-              <p:txBody>
-                <a:bodyPr/>
-                <a:lstStyle/>
-                <a:p>
-                  <a:r>
-                    <a:rPr lang="en-US">
-                      <a:noFill/>
-                    </a:rPr>
-                    <a:t> </a:t>
-                  </a:r>
-                </a:p>
-              </p:txBody>
-            </p:sp>
-          </mc:Fallback>
-        </mc:AlternateContent>
-        <mc:AlternateContent xmlns:mc="http://schemas.openxmlformats.org/markup-compatibility/2006" xmlns:a14="http://schemas.microsoft.com/office/drawing/2010/main">
-          <mc:Choice Requires="a14">
-            <p:sp>
-              <p:nvSpPr>
-                <p:cNvPr id="81" name="TextBox 80">
-                  <a:extLst>
-                    <a:ext uri="{FF2B5EF4-FFF2-40B4-BE49-F238E27FC236}">
-                      <a16:creationId xmlns:a16="http://schemas.microsoft.com/office/drawing/2014/main" id="{CCAA7353-C4B3-D30A-8515-075D4A0D04DA}"/>
-                    </a:ext>
-                  </a:extLst>
-                </p:cNvPr>
-                <p:cNvSpPr txBox="1"/>
-                <p:nvPr/>
-              </p:nvSpPr>
-              <p:spPr>
-                <a:xfrm>
-                  <a:off x="4973247" y="4197631"/>
-                  <a:ext cx="223138" cy="276999"/>
-                </a:xfrm>
-                <a:prstGeom prst="rect">
-                  <a:avLst/>
-                </a:prstGeom>
-                <a:noFill/>
-              </p:spPr>
-              <p:txBody>
-                <a:bodyPr wrap="none" lIns="0" tIns="0" rIns="0" bIns="0" rtlCol="0">
-                  <a:spAutoFit/>
-                </a:bodyPr>
-                <a:lstStyle/>
-                <a:p>
-                  <a:pPr/>
-                  <a14:m>
-                    <m:oMathPara xmlns:m="http://schemas.openxmlformats.org/officeDocument/2006/math">
-                      <m:oMathParaPr>
-                        <m:jc m:val="centerGroup"/>
-                      </m:oMathParaPr>
-                      <m:oMath xmlns:m="http://schemas.openxmlformats.org/officeDocument/2006/math">
-                        <m:sSub>
-                          <m:sSubPr>
-                            <m:ctrlPr>
-                              <a:rPr lang="en-US" b="0" i="1" smtClean="0">
-                                <a:latin typeface="Cambria Math" panose="02040503050406030204" pitchFamily="18" charset="0"/>
-                              </a:rPr>
-                            </m:ctrlPr>
-                          </m:sSubPr>
-                          <m:e>
-                            <m:r>
-                              <a:rPr lang="en-US" b="0" i="1" smtClean="0">
-                                <a:latin typeface="Cambria Math" panose="02040503050406030204" pitchFamily="18" charset="0"/>
-                              </a:rPr>
-                              <m:t>𝐼</m:t>
-                            </m:r>
-                          </m:e>
-                          <m:sub>
-                            <m:r>
-                              <a:rPr lang="en-US" b="0" i="1" smtClean="0">
-                                <a:latin typeface="Cambria Math" panose="02040503050406030204" pitchFamily="18" charset="0"/>
-                              </a:rPr>
-                              <m:t>1</m:t>
-                            </m:r>
-                          </m:sub>
-                        </m:sSub>
-                      </m:oMath>
-                    </m:oMathPara>
-                  </a14:m>
-                  <a:endParaRPr lang="en-US" dirty="0"/>
-                </a:p>
-              </p:txBody>
-            </p:sp>
-          </mc:Choice>
-          <mc:Fallback xmlns="">
-            <p:sp>
-              <p:nvSpPr>
-                <p:cNvPr id="81" name="TextBox 80">
-                  <a:extLst>
-                    <a:ext uri="{FF2B5EF4-FFF2-40B4-BE49-F238E27FC236}">
-                      <a16:creationId xmlns:a16="http://schemas.microsoft.com/office/drawing/2014/main" id="{CCAA7353-C4B3-D30A-8515-075D4A0D04DA}"/>
-                    </a:ext>
-                  </a:extLst>
-                </p:cNvPr>
-                <p:cNvSpPr txBox="1">
-                  <a:spLocks noRot="1" noChangeAspect="1" noMove="1" noResize="1" noEditPoints="1" noAdjustHandles="1" noChangeArrowheads="1" noChangeShapeType="1" noTextEdit="1"/>
-                </p:cNvSpPr>
-                <p:nvPr/>
-              </p:nvSpPr>
-              <p:spPr>
-                <a:xfrm>
-                  <a:off x="4973247" y="4197631"/>
-                  <a:ext cx="223138" cy="276999"/>
-                </a:xfrm>
-                <a:prstGeom prst="rect">
-                  <a:avLst/>
-                </a:prstGeom>
-                <a:blipFill>
-                  <a:blip r:embed="rId8"/>
-                  <a:stretch>
-                    <a:fillRect l="-27778" r="-11111" b="-15556"/>
-                  </a:stretch>
-                </a:blipFill>
-              </p:spPr>
-              <p:txBody>
-                <a:bodyPr/>
-                <a:lstStyle/>
-                <a:p>
-                  <a:r>
-                    <a:rPr lang="en-US">
-                      <a:noFill/>
-                    </a:rPr>
-                    <a:t> </a:t>
-                  </a:r>
-                </a:p>
-              </p:txBody>
-            </p:sp>
-          </mc:Fallback>
-        </mc:AlternateContent>
-      </p:grpSp>
-    </p:spTree>
-    <p:extLst>
-      <p:ext uri="{BB962C8B-B14F-4D97-AF65-F5344CB8AC3E}">
-        <p14:creationId xmlns:p14="http://schemas.microsoft.com/office/powerpoint/2010/main" val="471652234"/>
-      </p:ext>
-    </p:extLst>
-  </p:cSld>
-  <p:clrMapOvr>
-    <a:masterClrMapping/>
-  </p:clrMapOvr>
-</p:sld>
-</file>
-
-<file path=ppt/slides/slide8.xml><?xml version="1.0" encoding="utf-8"?>
-<p:sld xmlns:a="http://schemas.openxmlformats.org/drawingml/2006/main" xmlns:r="http://schemas.openxmlformats.org/officeDocument/2006/relationships" xmlns:p="http://schemas.openxmlformats.org/presentationml/2006/main">
-  <p:cSld>
-    <p:spTree>
-      <p:nvGrpSpPr>
-        <p:cNvPr id="1" name=""/>
-        <p:cNvGrpSpPr/>
-        <p:nvPr/>
-      </p:nvGrpSpPr>
-      <p:grpSpPr>
-        <a:xfrm>
-          <a:off x="0" y="0"/>
-          <a:ext cx="0" cy="0"/>
-          <a:chOff x="0" y="0"/>
-          <a:chExt cx="0" cy="0"/>
-        </a:xfrm>
-      </p:grpSpPr>
-      <p:pic>
-        <p:nvPicPr>
-          <p:cNvPr id="3" name="Picture 2">
-            <a:extLst>
-              <a:ext uri="{FF2B5EF4-FFF2-40B4-BE49-F238E27FC236}">
-                <a16:creationId xmlns:a16="http://schemas.microsoft.com/office/drawing/2014/main" id="{7D218E3B-7DB7-D72B-6535-E6682DB791A5}"/>
-              </a:ext>
-            </a:extLst>
-          </p:cNvPr>
-          <p:cNvPicPr>
-            <a:picLocks noChangeAspect="1"/>
-          </p:cNvPicPr>
-          <p:nvPr/>
-        </p:nvPicPr>
-        <p:blipFill>
-          <a:blip r:embed="rId2"/>
-          <a:stretch>
-            <a:fillRect/>
-          </a:stretch>
-        </p:blipFill>
-        <p:spPr>
-          <a:xfrm>
-            <a:off x="559217" y="1645068"/>
-            <a:ext cx="4723761" cy="2421606"/>
-          </a:xfrm>
-          <a:prstGeom prst="rect">
-            <a:avLst/>
-          </a:prstGeom>
-        </p:spPr>
-      </p:pic>
-      <p:sp>
-        <p:nvSpPr>
-          <p:cNvPr id="4" name="TextBox 3">
-            <a:extLst>
-              <a:ext uri="{FF2B5EF4-FFF2-40B4-BE49-F238E27FC236}">
-                <a16:creationId xmlns:a16="http://schemas.microsoft.com/office/drawing/2014/main" id="{239D46CE-806B-6AA5-4817-DCF36D911A3C}"/>
-              </a:ext>
-            </a:extLst>
-          </p:cNvPr>
-          <p:cNvSpPr txBox="1"/>
-          <p:nvPr/>
-        </p:nvSpPr>
-        <p:spPr>
-          <a:xfrm>
-            <a:off x="815929" y="4277471"/>
-            <a:ext cx="3501151" cy="369332"/>
-          </a:xfrm>
-          <a:prstGeom prst="rect">
-            <a:avLst/>
-          </a:prstGeom>
-          <a:noFill/>
-        </p:spPr>
-        <p:txBody>
-          <a:bodyPr wrap="none" rtlCol="0">
-            <a:spAutoFit/>
-          </a:bodyPr>
-          <a:lstStyle/>
-          <a:p>
-            <a:r>
-              <a:rPr lang="en-US" dirty="0"/>
-              <a:t>Fig-circuits-KCL.png  R0 01/12/25</a:t>
-            </a:r>
-          </a:p>
-        </p:txBody>
-      </p:sp>
-    </p:spTree>
-    <p:extLst>
-      <p:ext uri="{BB962C8B-B14F-4D97-AF65-F5344CB8AC3E}">
-        <p14:creationId xmlns:p14="http://schemas.microsoft.com/office/powerpoint/2010/main" val="2538798713"/>
-      </p:ext>
-    </p:extLst>
-  </p:cSld>
-  <p:clrMapOvr>
-    <a:masterClrMapping/>
-  </p:clrMapOvr>
-</p:sld>
-</file>
-
-<file path=ppt/slides/slide9.xml><?xml version="1.0" encoding="utf-8"?>
-<p:sld xmlns:a="http://schemas.openxmlformats.org/drawingml/2006/main" xmlns:r="http://schemas.openxmlformats.org/officeDocument/2006/relationships" xmlns:p="http://schemas.openxmlformats.org/presentationml/2006/main">
-  <p:cSld>
-    <p:spTree>
-      <p:nvGrpSpPr>
-        <p:cNvPr id="1" name="">
-          <a:extLst>
-            <a:ext uri="{FF2B5EF4-FFF2-40B4-BE49-F238E27FC236}">
-              <a16:creationId xmlns:a16="http://schemas.microsoft.com/office/drawing/2014/main" id="{10C9D134-5E5B-92C9-6FDC-9EECA08803FE}"/>
-            </a:ext>
-          </a:extLst>
-        </p:cNvPr>
-        <p:cNvGrpSpPr/>
-        <p:nvPr/>
-      </p:nvGrpSpPr>
-      <p:grpSpPr>
-        <a:xfrm>
-          <a:off x="0" y="0"/>
-          <a:ext cx="0" cy="0"/>
-          <a:chOff x="0" y="0"/>
-          <a:chExt cx="0" cy="0"/>
-        </a:xfrm>
-      </p:grpSpPr>
-      <p:sp>
-        <p:nvSpPr>
-          <p:cNvPr id="4" name="TextBox 3">
-            <a:extLst>
-              <a:ext uri="{FF2B5EF4-FFF2-40B4-BE49-F238E27FC236}">
-                <a16:creationId xmlns:a16="http://schemas.microsoft.com/office/drawing/2014/main" id="{6BB24459-8C49-56FD-0B7B-AB6557ACE033}"/>
-              </a:ext>
-            </a:extLst>
-          </p:cNvPr>
-          <p:cNvSpPr txBox="1"/>
-          <p:nvPr/>
-        </p:nvSpPr>
-        <p:spPr>
-          <a:xfrm>
-            <a:off x="815929" y="4277471"/>
-            <a:ext cx="3482107" cy="369332"/>
-          </a:xfrm>
-          <a:prstGeom prst="rect">
-            <a:avLst/>
-          </a:prstGeom>
-          <a:noFill/>
-        </p:spPr>
-        <p:txBody>
-          <a:bodyPr wrap="none" rtlCol="0">
-            <a:spAutoFit/>
-          </a:bodyPr>
-          <a:lstStyle/>
-          <a:p>
-            <a:r>
-              <a:rPr lang="en-US" dirty="0"/>
-              <a:t>Fig-circuits-KVL.png  R0 01/12/25</a:t>
-            </a:r>
-          </a:p>
-        </p:txBody>
-      </p:sp>
-      <p:pic>
-        <p:nvPicPr>
-          <p:cNvPr id="5" name="Picture 4">
-            <a:extLst>
-              <a:ext uri="{FF2B5EF4-FFF2-40B4-BE49-F238E27FC236}">
-                <a16:creationId xmlns:a16="http://schemas.microsoft.com/office/drawing/2014/main" id="{D688EEC3-1033-631B-A4D5-611235559257}"/>
-              </a:ext>
-            </a:extLst>
-          </p:cNvPr>
-          <p:cNvPicPr>
-            <a:picLocks noChangeAspect="1"/>
-          </p:cNvPicPr>
-          <p:nvPr/>
-        </p:nvPicPr>
-        <p:blipFill>
-          <a:blip r:embed="rId2"/>
-          <a:stretch>
-            <a:fillRect/>
-          </a:stretch>
-        </p:blipFill>
-        <p:spPr>
-          <a:xfrm>
-            <a:off x="435644" y="2094993"/>
-            <a:ext cx="4726818" cy="2182478"/>
-          </a:xfrm>
-          <a:prstGeom prst="rect">
-            <a:avLst/>
-          </a:prstGeom>
-        </p:spPr>
-      </p:pic>
-    </p:spTree>
-    <p:extLst>
-      <p:ext uri="{BB962C8B-B14F-4D97-AF65-F5344CB8AC3E}">
-        <p14:creationId xmlns:p14="http://schemas.microsoft.com/office/powerpoint/2010/main" val="3643633011"/>
-      </p:ext>
-    </p:extLst>
-  </p:cSld>
-  <p:clrMapOvr>
-    <a:masterClrMapping/>
-  </p:clrMapOvr>
-</p:sld>
-</file>
-
 <file path=ppt/theme/theme1.xml><?xml version="1.0" encoding="utf-8"?>
 <a:theme xmlns:a="http://schemas.openxmlformats.org/drawingml/2006/main" name="Office Theme">
   <a:themeElements>

--- a/figures/fig.pptx
+++ b/figures/fig.pptx
@@ -12,24 +12,26 @@
     <p:sldId id="278" r:id="rId6"/>
     <p:sldId id="279" r:id="rId7"/>
     <p:sldId id="280" r:id="rId8"/>
-    <p:sldId id="274" r:id="rId9"/>
-    <p:sldId id="257" r:id="rId10"/>
-    <p:sldId id="258" r:id="rId11"/>
-    <p:sldId id="261" r:id="rId12"/>
-    <p:sldId id="262" r:id="rId13"/>
-    <p:sldId id="259" r:id="rId14"/>
-    <p:sldId id="260" r:id="rId15"/>
-    <p:sldId id="273" r:id="rId16"/>
-    <p:sldId id="263" r:id="rId17"/>
-    <p:sldId id="264" r:id="rId18"/>
-    <p:sldId id="265" r:id="rId19"/>
-    <p:sldId id="266" r:id="rId20"/>
-    <p:sldId id="267" r:id="rId21"/>
-    <p:sldId id="268" r:id="rId22"/>
-    <p:sldId id="269" r:id="rId23"/>
-    <p:sldId id="270" r:id="rId24"/>
-    <p:sldId id="271" r:id="rId25"/>
-    <p:sldId id="272" r:id="rId26"/>
+    <p:sldId id="281" r:id="rId9"/>
+    <p:sldId id="282" r:id="rId10"/>
+    <p:sldId id="274" r:id="rId11"/>
+    <p:sldId id="257" r:id="rId12"/>
+    <p:sldId id="258" r:id="rId13"/>
+    <p:sldId id="261" r:id="rId14"/>
+    <p:sldId id="262" r:id="rId15"/>
+    <p:sldId id="259" r:id="rId16"/>
+    <p:sldId id="260" r:id="rId17"/>
+    <p:sldId id="273" r:id="rId18"/>
+    <p:sldId id="263" r:id="rId19"/>
+    <p:sldId id="264" r:id="rId20"/>
+    <p:sldId id="265" r:id="rId21"/>
+    <p:sldId id="266" r:id="rId22"/>
+    <p:sldId id="267" r:id="rId23"/>
+    <p:sldId id="268" r:id="rId24"/>
+    <p:sldId id="269" r:id="rId25"/>
+    <p:sldId id="270" r:id="rId26"/>
+    <p:sldId id="271" r:id="rId27"/>
+    <p:sldId id="272" r:id="rId28"/>
   </p:sldIdLst>
   <p:sldSz cx="12192000" cy="6858000"/>
   <p:notesSz cx="6858000" cy="9144000"/>
@@ -283,7 +285,7 @@
           <a:p>
             <a:fld id="{BA5A1584-706A-4ABE-803B-792AD84DBA31}" type="datetimeFigureOut">
               <a:rPr lang="en-US" smtClean="0"/>
-              <a:t>2/18/2025</a:t>
+              <a:t>2/22/2025</a:t>
             </a:fld>
             <a:endParaRPr lang="en-US"/>
           </a:p>
@@ -481,7 +483,7 @@
           <a:p>
             <a:fld id="{BA5A1584-706A-4ABE-803B-792AD84DBA31}" type="datetimeFigureOut">
               <a:rPr lang="en-US" smtClean="0"/>
-              <a:t>2/18/2025</a:t>
+              <a:t>2/22/2025</a:t>
             </a:fld>
             <a:endParaRPr lang="en-US"/>
           </a:p>
@@ -689,7 +691,7 @@
           <a:p>
             <a:fld id="{BA5A1584-706A-4ABE-803B-792AD84DBA31}" type="datetimeFigureOut">
               <a:rPr lang="en-US" smtClean="0"/>
-              <a:t>2/18/2025</a:t>
+              <a:t>2/22/2025</a:t>
             </a:fld>
             <a:endParaRPr lang="en-US"/>
           </a:p>
@@ -887,7 +889,7 @@
           <a:p>
             <a:fld id="{BA5A1584-706A-4ABE-803B-792AD84DBA31}" type="datetimeFigureOut">
               <a:rPr lang="en-US" smtClean="0"/>
-              <a:t>2/18/2025</a:t>
+              <a:t>2/22/2025</a:t>
             </a:fld>
             <a:endParaRPr lang="en-US"/>
           </a:p>
@@ -1162,7 +1164,7 @@
           <a:p>
             <a:fld id="{BA5A1584-706A-4ABE-803B-792AD84DBA31}" type="datetimeFigureOut">
               <a:rPr lang="en-US" smtClean="0"/>
-              <a:t>2/18/2025</a:t>
+              <a:t>2/22/2025</a:t>
             </a:fld>
             <a:endParaRPr lang="en-US"/>
           </a:p>
@@ -1427,7 +1429,7 @@
           <a:p>
             <a:fld id="{BA5A1584-706A-4ABE-803B-792AD84DBA31}" type="datetimeFigureOut">
               <a:rPr lang="en-US" smtClean="0"/>
-              <a:t>2/18/2025</a:t>
+              <a:t>2/22/2025</a:t>
             </a:fld>
             <a:endParaRPr lang="en-US"/>
           </a:p>
@@ -1839,7 +1841,7 @@
           <a:p>
             <a:fld id="{BA5A1584-706A-4ABE-803B-792AD84DBA31}" type="datetimeFigureOut">
               <a:rPr lang="en-US" smtClean="0"/>
-              <a:t>2/18/2025</a:t>
+              <a:t>2/22/2025</a:t>
             </a:fld>
             <a:endParaRPr lang="en-US"/>
           </a:p>
@@ -1980,7 +1982,7 @@
           <a:p>
             <a:fld id="{BA5A1584-706A-4ABE-803B-792AD84DBA31}" type="datetimeFigureOut">
               <a:rPr lang="en-US" smtClean="0"/>
-              <a:t>2/18/2025</a:t>
+              <a:t>2/22/2025</a:t>
             </a:fld>
             <a:endParaRPr lang="en-US"/>
           </a:p>
@@ -2093,7 +2095,7 @@
           <a:p>
             <a:fld id="{BA5A1584-706A-4ABE-803B-792AD84DBA31}" type="datetimeFigureOut">
               <a:rPr lang="en-US" smtClean="0"/>
-              <a:t>2/18/2025</a:t>
+              <a:t>2/22/2025</a:t>
             </a:fld>
             <a:endParaRPr lang="en-US"/>
           </a:p>
@@ -2404,7 +2406,7 @@
           <a:p>
             <a:fld id="{BA5A1584-706A-4ABE-803B-792AD84DBA31}" type="datetimeFigureOut">
               <a:rPr lang="en-US" smtClean="0"/>
-              <a:t>2/18/2025</a:t>
+              <a:t>2/22/2025</a:t>
             </a:fld>
             <a:endParaRPr lang="en-US"/>
           </a:p>
@@ -2692,7 +2694,7 @@
           <a:p>
             <a:fld id="{BA5A1584-706A-4ABE-803B-792AD84DBA31}" type="datetimeFigureOut">
               <a:rPr lang="en-US" smtClean="0"/>
-              <a:t>2/18/2025</a:t>
+              <a:t>2/22/2025</a:t>
             </a:fld>
             <a:endParaRPr lang="en-US"/>
           </a:p>
@@ -2933,7 +2935,7 @@
           <a:p>
             <a:fld id="{BA5A1584-706A-4ABE-803B-792AD84DBA31}" type="datetimeFigureOut">
               <a:rPr lang="en-US" smtClean="0"/>
-              <a:t>2/18/2025</a:t>
+              <a:t>2/22/2025</a:t>
             </a:fld>
             <a:endParaRPr lang="en-US"/>
           </a:p>
@@ -3371,7 +3373,10 @@
           <a:bodyPr/>
           <a:lstStyle/>
           <a:p>
-            <a:endParaRPr lang="en-US"/>
+            <a:r>
+              <a:rPr lang="en-US" dirty="0"/>
+              <a:t>IC Engineering 1</a:t>
+            </a:r>
           </a:p>
         </p:txBody>
       </p:sp>
@@ -3396,7 +3401,10 @@
           <a:bodyPr/>
           <a:lstStyle/>
           <a:p>
-            <a:endParaRPr lang="en-US"/>
+            <a:r>
+              <a:rPr lang="en-US" dirty="0"/>
+              <a:t>Figures</a:t>
+            </a:r>
           </a:p>
         </p:txBody>
       </p:sp>
@@ -3414,6 +3422,1239 @@
 </file>
 
 <file path=ppt/slides/slide10.xml><?xml version="1.0" encoding="utf-8"?>
+<p:sld xmlns:a="http://schemas.openxmlformats.org/drawingml/2006/main" xmlns:r="http://schemas.openxmlformats.org/officeDocument/2006/relationships" xmlns:p="http://schemas.openxmlformats.org/presentationml/2006/main">
+  <p:cSld>
+    <p:spTree>
+      <p:nvGrpSpPr>
+        <p:cNvPr id="1" name=""/>
+        <p:cNvGrpSpPr/>
+        <p:nvPr/>
+      </p:nvGrpSpPr>
+      <p:grpSpPr>
+        <a:xfrm>
+          <a:off x="0" y="0"/>
+          <a:ext cx="0" cy="0"/>
+          <a:chOff x="0" y="0"/>
+          <a:chExt cx="0" cy="0"/>
+        </a:xfrm>
+      </p:grpSpPr>
+      <p:sp>
+        <p:nvSpPr>
+          <p:cNvPr id="2" name="Title 1">
+            <a:extLst>
+              <a:ext uri="{FF2B5EF4-FFF2-40B4-BE49-F238E27FC236}">
+                <a16:creationId xmlns:a16="http://schemas.microsoft.com/office/drawing/2014/main" id="{88B573B1-1F62-87AA-AACB-BC3054013749}"/>
+              </a:ext>
+            </a:extLst>
+          </p:cNvPr>
+          <p:cNvSpPr>
+            <a:spLocks noGrp="1"/>
+          </p:cNvSpPr>
+          <p:nvPr>
+            <p:ph type="title"/>
+          </p:nvPr>
+        </p:nvSpPr>
+        <p:spPr/>
+        <p:txBody>
+          <a:bodyPr/>
+          <a:lstStyle/>
+          <a:p>
+            <a:r>
+              <a:rPr lang="en-US" dirty="0"/>
+              <a:t>Passives</a:t>
+            </a:r>
+          </a:p>
+        </p:txBody>
+      </p:sp>
+      <p:sp>
+        <p:nvSpPr>
+          <p:cNvPr id="3" name="Text Placeholder 2">
+            <a:extLst>
+              <a:ext uri="{FF2B5EF4-FFF2-40B4-BE49-F238E27FC236}">
+                <a16:creationId xmlns:a16="http://schemas.microsoft.com/office/drawing/2014/main" id="{467ECDD7-AA66-9C16-689C-559D8DD27298}"/>
+              </a:ext>
+            </a:extLst>
+          </p:cNvPr>
+          <p:cNvSpPr>
+            <a:spLocks noGrp="1"/>
+          </p:cNvSpPr>
+          <p:nvPr>
+            <p:ph type="body" idx="1"/>
+          </p:nvPr>
+        </p:nvSpPr>
+        <p:spPr/>
+        <p:txBody>
+          <a:bodyPr/>
+          <a:lstStyle/>
+          <a:p>
+            <a:endParaRPr lang="en-US" dirty="0"/>
+          </a:p>
+        </p:txBody>
+      </p:sp>
+    </p:spTree>
+    <p:extLst>
+      <p:ext uri="{BB962C8B-B14F-4D97-AF65-F5344CB8AC3E}">
+        <p14:creationId xmlns:p14="http://schemas.microsoft.com/office/powerpoint/2010/main" val="1750843630"/>
+      </p:ext>
+    </p:extLst>
+  </p:cSld>
+  <p:clrMapOvr>
+    <a:masterClrMapping/>
+  </p:clrMapOvr>
+</p:sld>
+</file>
+
+<file path=ppt/slides/slide11.xml><?xml version="1.0" encoding="utf-8"?>
+<p:sld xmlns:a="http://schemas.openxmlformats.org/drawingml/2006/main" xmlns:r="http://schemas.openxmlformats.org/officeDocument/2006/relationships" xmlns:p="http://schemas.openxmlformats.org/presentationml/2006/main">
+  <p:cSld>
+    <p:spTree>
+      <p:nvGrpSpPr>
+        <p:cNvPr id="1" name=""/>
+        <p:cNvGrpSpPr/>
+        <p:nvPr/>
+      </p:nvGrpSpPr>
+      <p:grpSpPr>
+        <a:xfrm>
+          <a:off x="0" y="0"/>
+          <a:ext cx="0" cy="0"/>
+          <a:chOff x="0" y="0"/>
+          <a:chExt cx="0" cy="0"/>
+        </a:xfrm>
+      </p:grpSpPr>
+      <p:grpSp>
+        <p:nvGrpSpPr>
+          <p:cNvPr id="38" name="Group 37">
+            <a:extLst>
+              <a:ext uri="{FF2B5EF4-FFF2-40B4-BE49-F238E27FC236}">
+                <a16:creationId xmlns:a16="http://schemas.microsoft.com/office/drawing/2014/main" id="{FCCB265C-53F8-CBB9-74E0-5CBD0A686868}"/>
+              </a:ext>
+            </a:extLst>
+          </p:cNvPr>
+          <p:cNvGrpSpPr/>
+          <p:nvPr/>
+        </p:nvGrpSpPr>
+        <p:grpSpPr>
+          <a:xfrm>
+            <a:off x="3968272" y="794729"/>
+            <a:ext cx="3597389" cy="2069036"/>
+            <a:chOff x="3777772" y="779489"/>
+            <a:chExt cx="3597389" cy="2069036"/>
+          </a:xfrm>
+        </p:grpSpPr>
+        <p:sp>
+          <p:nvSpPr>
+            <p:cNvPr id="2" name="Cube 1">
+              <a:extLst>
+                <a:ext uri="{FF2B5EF4-FFF2-40B4-BE49-F238E27FC236}">
+                  <a16:creationId xmlns:a16="http://schemas.microsoft.com/office/drawing/2014/main" id="{B9232B02-FE6E-4BBD-7B3E-D9394283E983}"/>
+                </a:ext>
+              </a:extLst>
+            </p:cNvPr>
+            <p:cNvSpPr/>
+            <p:nvPr/>
+          </p:nvSpPr>
+          <p:spPr>
+            <a:xfrm>
+              <a:off x="3837482" y="1693889"/>
+              <a:ext cx="3537679" cy="1154242"/>
+            </a:xfrm>
+            <a:prstGeom prst="cube">
+              <a:avLst>
+                <a:gd name="adj" fmla="val 35390"/>
+              </a:avLst>
+            </a:prstGeom>
+          </p:spPr>
+          <p:style>
+            <a:lnRef idx="1">
+              <a:schemeClr val="dk1"/>
+            </a:lnRef>
+            <a:fillRef idx="2">
+              <a:schemeClr val="dk1"/>
+            </a:fillRef>
+            <a:effectRef idx="1">
+              <a:schemeClr val="dk1"/>
+            </a:effectRef>
+            <a:fontRef idx="minor">
+              <a:schemeClr val="dk1"/>
+            </a:fontRef>
+          </p:style>
+          <p:txBody>
+            <a:bodyPr rtlCol="0" anchor="ctr"/>
+            <a:lstStyle/>
+            <a:p>
+              <a:pPr algn="ctr"/>
+              <a:endParaRPr lang="en-US"/>
+            </a:p>
+          </p:txBody>
+        </p:sp>
+        <p:sp>
+          <p:nvSpPr>
+            <p:cNvPr id="3" name="Oval 2">
+              <a:extLst>
+                <a:ext uri="{FF2B5EF4-FFF2-40B4-BE49-F238E27FC236}">
+                  <a16:creationId xmlns:a16="http://schemas.microsoft.com/office/drawing/2014/main" id="{1C0B418C-C960-E650-6263-7C8CC7D9A270}"/>
+                </a:ext>
+              </a:extLst>
+            </p:cNvPr>
+            <p:cNvSpPr/>
+            <p:nvPr/>
+          </p:nvSpPr>
+          <p:spPr>
+            <a:xfrm>
+              <a:off x="5426440" y="779489"/>
+              <a:ext cx="539646" cy="539646"/>
+            </a:xfrm>
+            <a:prstGeom prst="ellipse">
+              <a:avLst/>
+            </a:prstGeom>
+            <a:noFill/>
+            <a:ln w="38100">
+              <a:solidFill>
+                <a:schemeClr val="tx1"/>
+              </a:solidFill>
+            </a:ln>
+          </p:spPr>
+          <p:style>
+            <a:lnRef idx="2">
+              <a:schemeClr val="accent1">
+                <a:shade val="15000"/>
+              </a:schemeClr>
+            </a:lnRef>
+            <a:fillRef idx="1">
+              <a:schemeClr val="accent1"/>
+            </a:fillRef>
+            <a:effectRef idx="0">
+              <a:schemeClr val="accent1"/>
+            </a:effectRef>
+            <a:fontRef idx="minor">
+              <a:schemeClr val="lt1"/>
+            </a:fontRef>
+          </p:style>
+          <p:txBody>
+            <a:bodyPr rtlCol="0" anchor="ctr"/>
+            <a:lstStyle/>
+            <a:p>
+              <a:pPr algn="ctr"/>
+              <a:endParaRPr lang="en-US"/>
+            </a:p>
+          </p:txBody>
+        </p:sp>
+        <p:cxnSp>
+          <p:nvCxnSpPr>
+            <p:cNvPr id="6" name="Connector: Elbow 5">
+              <a:extLst>
+                <a:ext uri="{FF2B5EF4-FFF2-40B4-BE49-F238E27FC236}">
+                  <a16:creationId xmlns:a16="http://schemas.microsoft.com/office/drawing/2014/main" id="{8161C3A7-F391-9FF3-5CB6-B7889995D8B3}"/>
+                </a:ext>
+              </a:extLst>
+            </p:cNvPr>
+            <p:cNvCxnSpPr>
+              <a:stCxn id="3" idx="2"/>
+              <a:endCxn id="2" idx="2"/>
+            </p:cNvCxnSpPr>
+            <p:nvPr/>
+          </p:nvCxnSpPr>
+          <p:spPr>
+            <a:xfrm rot="10800000" flipV="1">
+              <a:off x="3837482" y="1049311"/>
+              <a:ext cx="1588958" cy="1425941"/>
+            </a:xfrm>
+            <a:prstGeom prst="bentConnector3">
+              <a:avLst>
+                <a:gd name="adj1" fmla="val 125896"/>
+              </a:avLst>
+            </a:prstGeom>
+            <a:ln>
+              <a:solidFill>
+                <a:schemeClr val="tx1"/>
+              </a:solidFill>
+              <a:headEnd type="none" w="med" len="med"/>
+              <a:tailEnd type="triangle" w="med" len="med"/>
+            </a:ln>
+          </p:spPr>
+          <p:style>
+            <a:lnRef idx="2">
+              <a:schemeClr val="accent1"/>
+            </a:lnRef>
+            <a:fillRef idx="0">
+              <a:schemeClr val="accent1"/>
+            </a:fillRef>
+            <a:effectRef idx="1">
+              <a:schemeClr val="accent1"/>
+            </a:effectRef>
+            <a:fontRef idx="minor">
+              <a:schemeClr val="tx1"/>
+            </a:fontRef>
+          </p:style>
+        </p:cxnSp>
+        <p:sp>
+          <p:nvSpPr>
+            <p:cNvPr id="10" name="Oval 9">
+              <a:extLst>
+                <a:ext uri="{FF2B5EF4-FFF2-40B4-BE49-F238E27FC236}">
+                  <a16:creationId xmlns:a16="http://schemas.microsoft.com/office/drawing/2014/main" id="{4565F2F6-496B-C831-ECDE-30327D6A0959}"/>
+                </a:ext>
+              </a:extLst>
+            </p:cNvPr>
+            <p:cNvSpPr/>
+            <p:nvPr/>
+          </p:nvSpPr>
+          <p:spPr>
+            <a:xfrm>
+              <a:off x="7162800" y="2217420"/>
+              <a:ext cx="60960" cy="68580"/>
+            </a:xfrm>
+            <a:prstGeom prst="ellipse">
+              <a:avLst/>
+            </a:prstGeom>
+          </p:spPr>
+          <p:style>
+            <a:lnRef idx="2">
+              <a:schemeClr val="accent1">
+                <a:shade val="15000"/>
+              </a:schemeClr>
+            </a:lnRef>
+            <a:fillRef idx="1">
+              <a:schemeClr val="accent1"/>
+            </a:fillRef>
+            <a:effectRef idx="0">
+              <a:schemeClr val="accent1"/>
+            </a:effectRef>
+            <a:fontRef idx="minor">
+              <a:schemeClr val="lt1"/>
+            </a:fontRef>
+          </p:style>
+          <p:txBody>
+            <a:bodyPr rtlCol="0" anchor="ctr"/>
+            <a:lstStyle/>
+            <a:p>
+              <a:pPr algn="ctr"/>
+              <a:endParaRPr lang="en-US"/>
+            </a:p>
+          </p:txBody>
+        </p:sp>
+        <p:cxnSp>
+          <p:nvCxnSpPr>
+            <p:cNvPr id="12" name="Connector: Elbow 11">
+              <a:extLst>
+                <a:ext uri="{FF2B5EF4-FFF2-40B4-BE49-F238E27FC236}">
+                  <a16:creationId xmlns:a16="http://schemas.microsoft.com/office/drawing/2014/main" id="{EFFCF39A-0708-CFA5-38CC-A75BBCA1E95D}"/>
+                </a:ext>
+              </a:extLst>
+            </p:cNvPr>
+            <p:cNvCxnSpPr>
+              <a:stCxn id="3" idx="6"/>
+              <a:endCxn id="10" idx="6"/>
+            </p:cNvCxnSpPr>
+            <p:nvPr/>
+          </p:nvCxnSpPr>
+          <p:spPr>
+            <a:xfrm>
+              <a:off x="5966086" y="1049312"/>
+              <a:ext cx="1257674" cy="1202398"/>
+            </a:xfrm>
+            <a:prstGeom prst="bentConnector3">
+              <a:avLst>
+                <a:gd name="adj1" fmla="val 136352"/>
+              </a:avLst>
+            </a:prstGeom>
+            <a:ln>
+              <a:solidFill>
+                <a:schemeClr val="tx1"/>
+              </a:solidFill>
+            </a:ln>
+          </p:spPr>
+          <p:style>
+            <a:lnRef idx="2">
+              <a:schemeClr val="accent1"/>
+            </a:lnRef>
+            <a:fillRef idx="0">
+              <a:schemeClr val="accent1"/>
+            </a:fillRef>
+            <a:effectRef idx="1">
+              <a:schemeClr val="accent1"/>
+            </a:effectRef>
+            <a:fontRef idx="minor">
+              <a:schemeClr val="tx1"/>
+            </a:fontRef>
+          </p:style>
+        </p:cxnSp>
+        <p:sp>
+          <p:nvSpPr>
+            <p:cNvPr id="16" name="Cube 15">
+              <a:extLst>
+                <a:ext uri="{FF2B5EF4-FFF2-40B4-BE49-F238E27FC236}">
+                  <a16:creationId xmlns:a16="http://schemas.microsoft.com/office/drawing/2014/main" id="{A8C6D8EF-BB60-1217-ACD4-658A6AB9717B}"/>
+                </a:ext>
+              </a:extLst>
+            </p:cNvPr>
+            <p:cNvSpPr/>
+            <p:nvPr/>
+          </p:nvSpPr>
+          <p:spPr>
+            <a:xfrm>
+              <a:off x="5186848" y="1693889"/>
+              <a:ext cx="779237" cy="1154242"/>
+            </a:xfrm>
+            <a:prstGeom prst="cube">
+              <a:avLst>
+                <a:gd name="adj" fmla="val 53862"/>
+              </a:avLst>
+            </a:prstGeom>
+          </p:spPr>
+          <p:style>
+            <a:lnRef idx="2">
+              <a:schemeClr val="dk1"/>
+            </a:lnRef>
+            <a:fillRef idx="1">
+              <a:schemeClr val="lt1"/>
+            </a:fillRef>
+            <a:effectRef idx="0">
+              <a:schemeClr val="dk1"/>
+            </a:effectRef>
+            <a:fontRef idx="minor">
+              <a:schemeClr val="dk1"/>
+            </a:fontRef>
+          </p:style>
+          <p:txBody>
+            <a:bodyPr rtlCol="0" anchor="ctr"/>
+            <a:lstStyle/>
+            <a:p>
+              <a:pPr algn="ctr"/>
+              <a:endParaRPr lang="en-US"/>
+            </a:p>
+          </p:txBody>
+        </p:sp>
+        <p:cxnSp>
+          <p:nvCxnSpPr>
+            <p:cNvPr id="18" name="Straight Connector 17">
+              <a:extLst>
+                <a:ext uri="{FF2B5EF4-FFF2-40B4-BE49-F238E27FC236}">
+                  <a16:creationId xmlns:a16="http://schemas.microsoft.com/office/drawing/2014/main" id="{F3EDC180-A4AB-7709-6C93-EAC0471F5380}"/>
+                </a:ext>
+              </a:extLst>
+            </p:cNvPr>
+            <p:cNvCxnSpPr>
+              <a:cxnSpLocks/>
+            </p:cNvCxnSpPr>
+            <p:nvPr/>
+          </p:nvCxnSpPr>
+          <p:spPr>
+            <a:xfrm flipH="1" flipV="1">
+              <a:off x="5550982" y="2095150"/>
+              <a:ext cx="459147" cy="7970"/>
+            </a:xfrm>
+            <a:prstGeom prst="line">
+              <a:avLst/>
+            </a:prstGeom>
+            <a:ln>
+              <a:solidFill>
+                <a:schemeClr val="tx1"/>
+              </a:solidFill>
+            </a:ln>
+          </p:spPr>
+          <p:style>
+            <a:lnRef idx="2">
+              <a:schemeClr val="accent1"/>
+            </a:lnRef>
+            <a:fillRef idx="0">
+              <a:schemeClr val="accent1"/>
+            </a:fillRef>
+            <a:effectRef idx="1">
+              <a:schemeClr val="accent1"/>
+            </a:effectRef>
+            <a:fontRef idx="minor">
+              <a:schemeClr val="tx1"/>
+            </a:fontRef>
+          </p:style>
+        </p:cxnSp>
+        <mc:AlternateContent xmlns:mc="http://schemas.openxmlformats.org/markup-compatibility/2006" xmlns:a14="http://schemas.microsoft.com/office/drawing/2010/main">
+          <mc:Choice Requires="a14">
+            <p:sp>
+              <p:nvSpPr>
+                <p:cNvPr id="19" name="TextBox 18">
+                  <a:extLst>
+                    <a:ext uri="{FF2B5EF4-FFF2-40B4-BE49-F238E27FC236}">
+                      <a16:creationId xmlns:a16="http://schemas.microsoft.com/office/drawing/2014/main" id="{A02911BF-BD65-A6F5-F3FA-7FB247061042}"/>
+                    </a:ext>
+                  </a:extLst>
+                </p:cNvPr>
+                <p:cNvSpPr txBox="1"/>
+                <p:nvPr/>
+              </p:nvSpPr>
+              <p:spPr>
+                <a:xfrm>
+                  <a:off x="5224113" y="2208901"/>
+                  <a:ext cx="314766" cy="276999"/>
+                </a:xfrm>
+                <a:prstGeom prst="rect">
+                  <a:avLst/>
+                </a:prstGeom>
+                <a:noFill/>
+              </p:spPr>
+              <p:txBody>
+                <a:bodyPr wrap="none" lIns="0" tIns="0" rIns="0" bIns="0" rtlCol="0">
+                  <a:spAutoFit/>
+                </a:bodyPr>
+                <a:lstStyle/>
+                <a:p>
+                  <a:pPr/>
+                  <a14:m>
+                    <m:oMathPara xmlns:m="http://schemas.openxmlformats.org/officeDocument/2006/math">
+                      <m:oMathParaPr>
+                        <m:jc m:val="centerGroup"/>
+                      </m:oMathParaPr>
+                      <m:oMath xmlns:m="http://schemas.openxmlformats.org/officeDocument/2006/math">
+                        <m:r>
+                          <m:rPr>
+                            <m:sty m:val="p"/>
+                          </m:rPr>
+                          <a:rPr lang="en-US" b="0" i="0" smtClean="0">
+                            <a:latin typeface="Cambria Math" panose="02040503050406030204" pitchFamily="18" charset="0"/>
+                          </a:rPr>
+                          <m:t>Δ</m:t>
+                        </m:r>
+                        <m:r>
+                          <a:rPr lang="en-US" b="0" i="1" smtClean="0">
+                            <a:latin typeface="Cambria Math" panose="02040503050406030204" pitchFamily="18" charset="0"/>
+                          </a:rPr>
+                          <m:t>𝑥</m:t>
+                        </m:r>
+                      </m:oMath>
+                    </m:oMathPara>
+                  </a14:m>
+                  <a:endParaRPr lang="en-US" dirty="0"/>
+                </a:p>
+              </p:txBody>
+            </p:sp>
+          </mc:Choice>
+          <mc:Fallback xmlns="">
+            <p:sp>
+              <p:nvSpPr>
+                <p:cNvPr id="19" name="TextBox 18">
+                  <a:extLst>
+                    <a:ext uri="{FF2B5EF4-FFF2-40B4-BE49-F238E27FC236}">
+                      <a16:creationId xmlns:a16="http://schemas.microsoft.com/office/drawing/2014/main" id="{A02911BF-BD65-A6F5-F3FA-7FB247061042}"/>
+                    </a:ext>
+                  </a:extLst>
+                </p:cNvPr>
+                <p:cNvSpPr txBox="1">
+                  <a:spLocks noRot="1" noChangeAspect="1" noMove="1" noResize="1" noEditPoints="1" noAdjustHandles="1" noChangeArrowheads="1" noChangeShapeType="1" noTextEdit="1"/>
+                </p:cNvSpPr>
+                <p:nvPr/>
+              </p:nvSpPr>
+              <p:spPr>
+                <a:xfrm>
+                  <a:off x="5224113" y="2208901"/>
+                  <a:ext cx="314766" cy="276999"/>
+                </a:xfrm>
+                <a:prstGeom prst="rect">
+                  <a:avLst/>
+                </a:prstGeom>
+                <a:blipFill>
+                  <a:blip r:embed="rId2"/>
+                  <a:stretch>
+                    <a:fillRect l="-17308" r="-9615" b="-6667"/>
+                  </a:stretch>
+                </a:blipFill>
+              </p:spPr>
+              <p:txBody>
+                <a:bodyPr/>
+                <a:lstStyle/>
+                <a:p>
+                  <a:r>
+                    <a:rPr lang="en-US">
+                      <a:noFill/>
+                    </a:rPr>
+                    <a:t> </a:t>
+                  </a:r>
+                </a:p>
+              </p:txBody>
+            </p:sp>
+          </mc:Fallback>
+        </mc:AlternateContent>
+        <mc:AlternateContent xmlns:mc="http://schemas.openxmlformats.org/markup-compatibility/2006" xmlns:a14="http://schemas.microsoft.com/office/drawing/2010/main">
+          <mc:Choice Requires="a14">
+            <p:sp>
+              <p:nvSpPr>
+                <p:cNvPr id="20" name="TextBox 19">
+                  <a:extLst>
+                    <a:ext uri="{FF2B5EF4-FFF2-40B4-BE49-F238E27FC236}">
+                      <a16:creationId xmlns:a16="http://schemas.microsoft.com/office/drawing/2014/main" id="{709A9A52-8879-116D-94C7-598C6C47243D}"/>
+                    </a:ext>
+                  </a:extLst>
+                </p:cNvPr>
+                <p:cNvSpPr txBox="1"/>
+                <p:nvPr/>
+              </p:nvSpPr>
+              <p:spPr>
+                <a:xfrm>
+                  <a:off x="5553595" y="910811"/>
+                  <a:ext cx="285335" cy="276999"/>
+                </a:xfrm>
+                <a:prstGeom prst="rect">
+                  <a:avLst/>
+                </a:prstGeom>
+                <a:noFill/>
+              </p:spPr>
+              <p:txBody>
+                <a:bodyPr wrap="none" lIns="0" tIns="0" rIns="0" bIns="0" rtlCol="0">
+                  <a:spAutoFit/>
+                </a:bodyPr>
+                <a:lstStyle/>
+                <a:p>
+                  <a:pPr/>
+                  <a14:m>
+                    <m:oMathPara xmlns:m="http://schemas.openxmlformats.org/officeDocument/2006/math">
+                      <m:oMathParaPr>
+                        <m:jc m:val="centerGroup"/>
+                      </m:oMathParaPr>
+                      <m:oMath xmlns:m="http://schemas.openxmlformats.org/officeDocument/2006/math">
+                        <m:sSub>
+                          <m:sSubPr>
+                            <m:ctrlPr>
+                              <a:rPr lang="en-US" b="0" i="1" smtClean="0">
+                                <a:latin typeface="Cambria Math" panose="02040503050406030204" pitchFamily="18" charset="0"/>
+                              </a:rPr>
+                            </m:ctrlPr>
+                          </m:sSubPr>
+                          <m:e>
+                            <m:r>
+                              <a:rPr lang="en-US" b="0" i="1" smtClean="0">
+                                <a:latin typeface="Cambria Math" panose="02040503050406030204" pitchFamily="18" charset="0"/>
+                              </a:rPr>
+                              <m:t>𝑉</m:t>
+                            </m:r>
+                          </m:e>
+                          <m:sub>
+                            <m:r>
+                              <a:rPr lang="en-US" b="0" i="1" smtClean="0">
+                                <a:latin typeface="Cambria Math" panose="02040503050406030204" pitchFamily="18" charset="0"/>
+                              </a:rPr>
+                              <m:t>𝑅</m:t>
+                            </m:r>
+                          </m:sub>
+                        </m:sSub>
+                      </m:oMath>
+                    </m:oMathPara>
+                  </a14:m>
+                  <a:endParaRPr lang="en-US" dirty="0"/>
+                </a:p>
+              </p:txBody>
+            </p:sp>
+          </mc:Choice>
+          <mc:Fallback xmlns="">
+            <p:sp>
+              <p:nvSpPr>
+                <p:cNvPr id="20" name="TextBox 19">
+                  <a:extLst>
+                    <a:ext uri="{FF2B5EF4-FFF2-40B4-BE49-F238E27FC236}">
+                      <a16:creationId xmlns:a16="http://schemas.microsoft.com/office/drawing/2014/main" id="{709A9A52-8879-116D-94C7-598C6C47243D}"/>
+                    </a:ext>
+                  </a:extLst>
+                </p:cNvPr>
+                <p:cNvSpPr txBox="1">
+                  <a:spLocks noRot="1" noChangeAspect="1" noMove="1" noResize="1" noEditPoints="1" noAdjustHandles="1" noChangeArrowheads="1" noChangeShapeType="1" noTextEdit="1"/>
+                </p:cNvSpPr>
+                <p:nvPr/>
+              </p:nvSpPr>
+              <p:spPr>
+                <a:xfrm>
+                  <a:off x="5553595" y="910811"/>
+                  <a:ext cx="285335" cy="276999"/>
+                </a:xfrm>
+                <a:prstGeom prst="rect">
+                  <a:avLst/>
+                </a:prstGeom>
+                <a:blipFill>
+                  <a:blip r:embed="rId3"/>
+                  <a:stretch>
+                    <a:fillRect l="-19149" r="-8511" b="-15556"/>
+                  </a:stretch>
+                </a:blipFill>
+              </p:spPr>
+              <p:txBody>
+                <a:bodyPr/>
+                <a:lstStyle/>
+                <a:p>
+                  <a:r>
+                    <a:rPr lang="en-US">
+                      <a:noFill/>
+                    </a:rPr>
+                    <a:t> </a:t>
+                  </a:r>
+                </a:p>
+              </p:txBody>
+            </p:sp>
+          </mc:Fallback>
+        </mc:AlternateContent>
+        <mc:AlternateContent xmlns:mc="http://schemas.openxmlformats.org/markup-compatibility/2006" xmlns:a14="http://schemas.microsoft.com/office/drawing/2010/main">
+          <mc:Choice Requires="a14">
+            <p:sp>
+              <p:nvSpPr>
+                <p:cNvPr id="21" name="TextBox 20">
+                  <a:extLst>
+                    <a:ext uri="{FF2B5EF4-FFF2-40B4-BE49-F238E27FC236}">
+                      <a16:creationId xmlns:a16="http://schemas.microsoft.com/office/drawing/2014/main" id="{80E7F20C-80DB-AC5A-3EE2-2305C594E732}"/>
+                    </a:ext>
+                  </a:extLst>
+                </p:cNvPr>
+                <p:cNvSpPr txBox="1"/>
+                <p:nvPr/>
+              </p:nvSpPr>
+              <p:spPr>
+                <a:xfrm>
+                  <a:off x="5224113" y="2504605"/>
+                  <a:ext cx="314766" cy="276999"/>
+                </a:xfrm>
+                <a:prstGeom prst="rect">
+                  <a:avLst/>
+                </a:prstGeom>
+                <a:noFill/>
+              </p:spPr>
+              <p:txBody>
+                <a:bodyPr wrap="none" lIns="0" tIns="0" rIns="0" bIns="0" rtlCol="0">
+                  <a:spAutoFit/>
+                </a:bodyPr>
+                <a:lstStyle/>
+                <a:p>
+                  <a:pPr/>
+                  <a14:m>
+                    <m:oMathPara xmlns:m="http://schemas.openxmlformats.org/officeDocument/2006/math">
+                      <m:oMathParaPr>
+                        <m:jc m:val="centerGroup"/>
+                      </m:oMathParaPr>
+                      <m:oMath xmlns:m="http://schemas.openxmlformats.org/officeDocument/2006/math">
+                        <m:r>
+                          <m:rPr>
+                            <m:sty m:val="p"/>
+                          </m:rPr>
+                          <a:rPr lang="en-US" b="0" i="0" smtClean="0">
+                            <a:latin typeface="Cambria Math" panose="02040503050406030204" pitchFamily="18" charset="0"/>
+                          </a:rPr>
+                          <m:t>Δ</m:t>
+                        </m:r>
+                        <m:r>
+                          <a:rPr lang="en-US" b="0" i="1" smtClean="0">
+                            <a:latin typeface="Cambria Math" panose="02040503050406030204" pitchFamily="18" charset="0"/>
+                          </a:rPr>
+                          <m:t>𝑣</m:t>
+                        </m:r>
+                      </m:oMath>
+                    </m:oMathPara>
+                  </a14:m>
+                  <a:endParaRPr lang="en-US" dirty="0"/>
+                </a:p>
+              </p:txBody>
+            </p:sp>
+          </mc:Choice>
+          <mc:Fallback xmlns="">
+            <p:sp>
+              <p:nvSpPr>
+                <p:cNvPr id="21" name="TextBox 20">
+                  <a:extLst>
+                    <a:ext uri="{FF2B5EF4-FFF2-40B4-BE49-F238E27FC236}">
+                      <a16:creationId xmlns:a16="http://schemas.microsoft.com/office/drawing/2014/main" id="{80E7F20C-80DB-AC5A-3EE2-2305C594E732}"/>
+                    </a:ext>
+                  </a:extLst>
+                </p:cNvPr>
+                <p:cNvSpPr txBox="1">
+                  <a:spLocks noRot="1" noChangeAspect="1" noMove="1" noResize="1" noEditPoints="1" noAdjustHandles="1" noChangeArrowheads="1" noChangeShapeType="1" noTextEdit="1"/>
+                </p:cNvSpPr>
+                <p:nvPr/>
+              </p:nvSpPr>
+              <p:spPr>
+                <a:xfrm>
+                  <a:off x="5224113" y="2504605"/>
+                  <a:ext cx="314766" cy="276999"/>
+                </a:xfrm>
+                <a:prstGeom prst="rect">
+                  <a:avLst/>
+                </a:prstGeom>
+                <a:blipFill>
+                  <a:blip r:embed="rId4"/>
+                  <a:stretch>
+                    <a:fillRect l="-17308" r="-11538" b="-6522"/>
+                  </a:stretch>
+                </a:blipFill>
+              </p:spPr>
+              <p:txBody>
+                <a:bodyPr/>
+                <a:lstStyle/>
+                <a:p>
+                  <a:r>
+                    <a:rPr lang="en-US">
+                      <a:noFill/>
+                    </a:rPr>
+                    <a:t> </a:t>
+                  </a:r>
+                </a:p>
+              </p:txBody>
+            </p:sp>
+          </mc:Fallback>
+        </mc:AlternateContent>
+        <p:cxnSp>
+          <p:nvCxnSpPr>
+            <p:cNvPr id="23" name="Straight Arrow Connector 22">
+              <a:extLst>
+                <a:ext uri="{FF2B5EF4-FFF2-40B4-BE49-F238E27FC236}">
+                  <a16:creationId xmlns:a16="http://schemas.microsoft.com/office/drawing/2014/main" id="{A6E25C9C-EDBB-79D8-4F5D-CC75C392AAB6}"/>
+                </a:ext>
+              </a:extLst>
+            </p:cNvPr>
+            <p:cNvCxnSpPr/>
+            <p:nvPr/>
+          </p:nvCxnSpPr>
+          <p:spPr>
+            <a:xfrm>
+              <a:off x="4251959" y="1638691"/>
+              <a:ext cx="3123201" cy="0"/>
+            </a:xfrm>
+            <a:prstGeom prst="straightConnector1">
+              <a:avLst/>
+            </a:prstGeom>
+            <a:ln w="12700">
+              <a:headEnd type="triangle"/>
+              <a:tailEnd type="triangle"/>
+            </a:ln>
+          </p:spPr>
+          <p:style>
+            <a:lnRef idx="2">
+              <a:schemeClr val="accent1"/>
+            </a:lnRef>
+            <a:fillRef idx="0">
+              <a:schemeClr val="accent1"/>
+            </a:fillRef>
+            <a:effectRef idx="1">
+              <a:schemeClr val="accent1"/>
+            </a:effectRef>
+            <a:fontRef idx="minor">
+              <a:schemeClr val="tx1"/>
+            </a:fontRef>
+          </p:style>
+        </p:cxnSp>
+        <mc:AlternateContent xmlns:mc="http://schemas.openxmlformats.org/markup-compatibility/2006" xmlns:a14="http://schemas.microsoft.com/office/drawing/2010/main">
+          <mc:Choice Requires="a14">
+            <p:sp>
+              <p:nvSpPr>
+                <p:cNvPr id="24" name="TextBox 23">
+                  <a:extLst>
+                    <a:ext uri="{FF2B5EF4-FFF2-40B4-BE49-F238E27FC236}">
+                      <a16:creationId xmlns:a16="http://schemas.microsoft.com/office/drawing/2014/main" id="{69FA9E66-2404-904A-58E9-AFE00E8E2A9F}"/>
+                    </a:ext>
+                  </a:extLst>
+                </p:cNvPr>
+                <p:cNvSpPr txBox="1"/>
+                <p:nvPr/>
+              </p:nvSpPr>
+              <p:spPr>
+                <a:xfrm>
+                  <a:off x="5598326" y="1372341"/>
+                  <a:ext cx="174663" cy="276999"/>
+                </a:xfrm>
+                <a:prstGeom prst="rect">
+                  <a:avLst/>
+                </a:prstGeom>
+                <a:noFill/>
+              </p:spPr>
+              <p:txBody>
+                <a:bodyPr wrap="none" lIns="0" tIns="0" rIns="0" bIns="0" rtlCol="0">
+                  <a:spAutoFit/>
+                </a:bodyPr>
+                <a:lstStyle/>
+                <a:p>
+                  <a:pPr/>
+                  <a14:m>
+                    <m:oMathPara xmlns:m="http://schemas.openxmlformats.org/officeDocument/2006/math">
+                      <m:oMathParaPr>
+                        <m:jc m:val="centerGroup"/>
+                      </m:oMathParaPr>
+                      <m:oMath xmlns:m="http://schemas.openxmlformats.org/officeDocument/2006/math">
+                        <m:r>
+                          <a:rPr lang="en-US" b="0" i="1" smtClean="0">
+                            <a:latin typeface="Cambria Math" panose="02040503050406030204" pitchFamily="18" charset="0"/>
+                          </a:rPr>
+                          <m:t>𝐿</m:t>
+                        </m:r>
+                      </m:oMath>
+                    </m:oMathPara>
+                  </a14:m>
+                  <a:endParaRPr lang="en-US" dirty="0"/>
+                </a:p>
+              </p:txBody>
+            </p:sp>
+          </mc:Choice>
+          <mc:Fallback xmlns="">
+            <p:sp>
+              <p:nvSpPr>
+                <p:cNvPr id="24" name="TextBox 23">
+                  <a:extLst>
+                    <a:ext uri="{FF2B5EF4-FFF2-40B4-BE49-F238E27FC236}">
+                      <a16:creationId xmlns:a16="http://schemas.microsoft.com/office/drawing/2014/main" id="{69FA9E66-2404-904A-58E9-AFE00E8E2A9F}"/>
+                    </a:ext>
+                  </a:extLst>
+                </p:cNvPr>
+                <p:cNvSpPr txBox="1">
+                  <a:spLocks noRot="1" noChangeAspect="1" noMove="1" noResize="1" noEditPoints="1" noAdjustHandles="1" noChangeArrowheads="1" noChangeShapeType="1" noTextEdit="1"/>
+                </p:cNvSpPr>
+                <p:nvPr/>
+              </p:nvSpPr>
+              <p:spPr>
+                <a:xfrm>
+                  <a:off x="5598326" y="1372341"/>
+                  <a:ext cx="174663" cy="276999"/>
+                </a:xfrm>
+                <a:prstGeom prst="rect">
+                  <a:avLst/>
+                </a:prstGeom>
+                <a:blipFill>
+                  <a:blip r:embed="rId5"/>
+                  <a:stretch>
+                    <a:fillRect l="-35714" r="-32143" b="-6667"/>
+                  </a:stretch>
+                </a:blipFill>
+              </p:spPr>
+              <p:txBody>
+                <a:bodyPr/>
+                <a:lstStyle/>
+                <a:p>
+                  <a:r>
+                    <a:rPr lang="en-US">
+                      <a:noFill/>
+                    </a:rPr>
+                    <a:t> </a:t>
+                  </a:r>
+                </a:p>
+              </p:txBody>
+            </p:sp>
+          </mc:Fallback>
+        </mc:AlternateContent>
+        <p:cxnSp>
+          <p:nvCxnSpPr>
+            <p:cNvPr id="25" name="Straight Arrow Connector 24">
+              <a:extLst>
+                <a:ext uri="{FF2B5EF4-FFF2-40B4-BE49-F238E27FC236}">
+                  <a16:creationId xmlns:a16="http://schemas.microsoft.com/office/drawing/2014/main" id="{53E8713C-A97C-6F57-2AB1-D322936DFB68}"/>
+                </a:ext>
+              </a:extLst>
+            </p:cNvPr>
+            <p:cNvCxnSpPr>
+              <a:cxnSpLocks/>
+            </p:cNvCxnSpPr>
+            <p:nvPr/>
+          </p:nvCxnSpPr>
+          <p:spPr>
+            <a:xfrm flipV="1">
+              <a:off x="3777772" y="1683241"/>
+              <a:ext cx="405608" cy="411909"/>
+            </a:xfrm>
+            <a:prstGeom prst="straightConnector1">
+              <a:avLst/>
+            </a:prstGeom>
+            <a:ln w="12700">
+              <a:headEnd type="triangle"/>
+              <a:tailEnd type="triangle"/>
+            </a:ln>
+          </p:spPr>
+          <p:style>
+            <a:lnRef idx="2">
+              <a:schemeClr val="accent1"/>
+            </a:lnRef>
+            <a:fillRef idx="0">
+              <a:schemeClr val="accent1"/>
+            </a:fillRef>
+            <a:effectRef idx="1">
+              <a:schemeClr val="accent1"/>
+            </a:effectRef>
+            <a:fontRef idx="minor">
+              <a:schemeClr val="tx1"/>
+            </a:fontRef>
+          </p:style>
+        </p:cxnSp>
+        <mc:AlternateContent xmlns:mc="http://schemas.openxmlformats.org/markup-compatibility/2006" xmlns:a14="http://schemas.microsoft.com/office/drawing/2010/main">
+          <mc:Choice Requires="a14">
+            <p:sp>
+              <p:nvSpPr>
+                <p:cNvPr id="29" name="TextBox 28">
+                  <a:extLst>
+                    <a:ext uri="{FF2B5EF4-FFF2-40B4-BE49-F238E27FC236}">
+                      <a16:creationId xmlns:a16="http://schemas.microsoft.com/office/drawing/2014/main" id="{E476D16A-CE2B-407F-23F8-C387305D4A56}"/>
+                    </a:ext>
+                  </a:extLst>
+                </p:cNvPr>
+                <p:cNvSpPr txBox="1"/>
+                <p:nvPr/>
+              </p:nvSpPr>
+              <p:spPr>
+                <a:xfrm>
+                  <a:off x="3837482" y="1612196"/>
+                  <a:ext cx="275140" cy="276999"/>
+                </a:xfrm>
+                <a:prstGeom prst="rect">
+                  <a:avLst/>
+                </a:prstGeom>
+                <a:noFill/>
+              </p:spPr>
+              <p:txBody>
+                <a:bodyPr wrap="none" lIns="0" tIns="0" rIns="0" bIns="0" rtlCol="0">
+                  <a:spAutoFit/>
+                </a:bodyPr>
+                <a:lstStyle/>
+                <a:p>
+                  <a:pPr/>
+                  <a14:m>
+                    <m:oMathPara xmlns:m="http://schemas.openxmlformats.org/officeDocument/2006/math">
+                      <m:oMathParaPr>
+                        <m:jc m:val="centerGroup"/>
+                      </m:oMathParaPr>
+                      <m:oMath xmlns:m="http://schemas.openxmlformats.org/officeDocument/2006/math">
+                        <m:r>
+                          <a:rPr lang="en-US" b="0" i="1" smtClean="0">
+                            <a:latin typeface="Cambria Math" panose="02040503050406030204" pitchFamily="18" charset="0"/>
+                          </a:rPr>
+                          <m:t>𝑊</m:t>
+                        </m:r>
+                      </m:oMath>
+                    </m:oMathPara>
+                  </a14:m>
+                  <a:endParaRPr lang="en-US" dirty="0"/>
+                </a:p>
+              </p:txBody>
+            </p:sp>
+          </mc:Choice>
+          <mc:Fallback xmlns="">
+            <p:sp>
+              <p:nvSpPr>
+                <p:cNvPr id="29" name="TextBox 28">
+                  <a:extLst>
+                    <a:ext uri="{FF2B5EF4-FFF2-40B4-BE49-F238E27FC236}">
+                      <a16:creationId xmlns:a16="http://schemas.microsoft.com/office/drawing/2014/main" id="{E476D16A-CE2B-407F-23F8-C387305D4A56}"/>
+                    </a:ext>
+                  </a:extLst>
+                </p:cNvPr>
+                <p:cNvSpPr txBox="1">
+                  <a:spLocks noRot="1" noChangeAspect="1" noMove="1" noResize="1" noEditPoints="1" noAdjustHandles="1" noChangeArrowheads="1" noChangeShapeType="1" noTextEdit="1"/>
+                </p:cNvSpPr>
+                <p:nvPr/>
+              </p:nvSpPr>
+              <p:spPr>
+                <a:xfrm>
+                  <a:off x="3837482" y="1612196"/>
+                  <a:ext cx="275140" cy="276999"/>
+                </a:xfrm>
+                <a:prstGeom prst="rect">
+                  <a:avLst/>
+                </a:prstGeom>
+                <a:blipFill>
+                  <a:blip r:embed="rId6"/>
+                  <a:stretch>
+                    <a:fillRect l="-22222" r="-17778" b="-6667"/>
+                  </a:stretch>
+                </a:blipFill>
+              </p:spPr>
+              <p:txBody>
+                <a:bodyPr/>
+                <a:lstStyle/>
+                <a:p>
+                  <a:r>
+                    <a:rPr lang="en-US">
+                      <a:noFill/>
+                    </a:rPr>
+                    <a:t> </a:t>
+                  </a:r>
+                </a:p>
+              </p:txBody>
+            </p:sp>
+          </mc:Fallback>
+        </mc:AlternateContent>
+        <p:cxnSp>
+          <p:nvCxnSpPr>
+            <p:cNvPr id="30" name="Straight Arrow Connector 29">
+              <a:extLst>
+                <a:ext uri="{FF2B5EF4-FFF2-40B4-BE49-F238E27FC236}">
+                  <a16:creationId xmlns:a16="http://schemas.microsoft.com/office/drawing/2014/main" id="{0EC9F2B5-32BC-C639-76C1-4E1D6782AC01}"/>
+                </a:ext>
+              </a:extLst>
+            </p:cNvPr>
+            <p:cNvCxnSpPr>
+              <a:cxnSpLocks/>
+            </p:cNvCxnSpPr>
+            <p:nvPr/>
+          </p:nvCxnSpPr>
+          <p:spPr>
+            <a:xfrm flipH="1" flipV="1">
+              <a:off x="3948764" y="2110556"/>
+              <a:ext cx="1" cy="737969"/>
+            </a:xfrm>
+            <a:prstGeom prst="straightConnector1">
+              <a:avLst/>
+            </a:prstGeom>
+            <a:ln w="12700">
+              <a:headEnd type="triangle"/>
+              <a:tailEnd type="triangle"/>
+            </a:ln>
+          </p:spPr>
+          <p:style>
+            <a:lnRef idx="2">
+              <a:schemeClr val="accent1"/>
+            </a:lnRef>
+            <a:fillRef idx="0">
+              <a:schemeClr val="accent1"/>
+            </a:fillRef>
+            <a:effectRef idx="1">
+              <a:schemeClr val="accent1"/>
+            </a:effectRef>
+            <a:fontRef idx="minor">
+              <a:schemeClr val="tx1"/>
+            </a:fontRef>
+          </p:style>
+        </p:cxnSp>
+        <mc:AlternateContent xmlns:mc="http://schemas.openxmlformats.org/markup-compatibility/2006" xmlns:a14="http://schemas.microsoft.com/office/drawing/2010/main">
+          <mc:Choice Requires="a14">
+            <p:sp>
+              <p:nvSpPr>
+                <p:cNvPr id="36" name="TextBox 35">
+                  <a:extLst>
+                    <a:ext uri="{FF2B5EF4-FFF2-40B4-BE49-F238E27FC236}">
+                      <a16:creationId xmlns:a16="http://schemas.microsoft.com/office/drawing/2014/main" id="{D221FCAF-D3A5-D231-9EC1-CDF0997EE86F}"/>
+                    </a:ext>
+                  </a:extLst>
+                </p:cNvPr>
+                <p:cNvSpPr txBox="1"/>
+                <p:nvPr/>
+              </p:nvSpPr>
+              <p:spPr>
+                <a:xfrm>
+                  <a:off x="3986030" y="2388303"/>
+                  <a:ext cx="178702" cy="276999"/>
+                </a:xfrm>
+                <a:prstGeom prst="rect">
+                  <a:avLst/>
+                </a:prstGeom>
+                <a:noFill/>
+              </p:spPr>
+              <p:txBody>
+                <a:bodyPr wrap="none" lIns="0" tIns="0" rIns="0" bIns="0" rtlCol="0">
+                  <a:spAutoFit/>
+                </a:bodyPr>
+                <a:lstStyle/>
+                <a:p>
+                  <a:pPr/>
+                  <a14:m>
+                    <m:oMathPara xmlns:m="http://schemas.openxmlformats.org/officeDocument/2006/math">
+                      <m:oMathParaPr>
+                        <m:jc m:val="centerGroup"/>
+                      </m:oMathParaPr>
+                      <m:oMath xmlns:m="http://schemas.openxmlformats.org/officeDocument/2006/math">
+                        <m:r>
+                          <a:rPr lang="en-US" b="0" i="1" smtClean="0">
+                            <a:latin typeface="Cambria Math" panose="02040503050406030204" pitchFamily="18" charset="0"/>
+                          </a:rPr>
+                          <m:t>h</m:t>
+                        </m:r>
+                      </m:oMath>
+                    </m:oMathPara>
+                  </a14:m>
+                  <a:endParaRPr lang="en-US" dirty="0"/>
+                </a:p>
+              </p:txBody>
+            </p:sp>
+          </mc:Choice>
+          <mc:Fallback xmlns="">
+            <p:sp>
+              <p:nvSpPr>
+                <p:cNvPr id="36" name="TextBox 35">
+                  <a:extLst>
+                    <a:ext uri="{FF2B5EF4-FFF2-40B4-BE49-F238E27FC236}">
+                      <a16:creationId xmlns:a16="http://schemas.microsoft.com/office/drawing/2014/main" id="{D221FCAF-D3A5-D231-9EC1-CDF0997EE86F}"/>
+                    </a:ext>
+                  </a:extLst>
+                </p:cNvPr>
+                <p:cNvSpPr txBox="1">
+                  <a:spLocks noRot="1" noChangeAspect="1" noMove="1" noResize="1" noEditPoints="1" noAdjustHandles="1" noChangeArrowheads="1" noChangeShapeType="1" noTextEdit="1"/>
+                </p:cNvSpPr>
+                <p:nvPr/>
+              </p:nvSpPr>
+              <p:spPr>
+                <a:xfrm>
+                  <a:off x="3986030" y="2388303"/>
+                  <a:ext cx="178702" cy="276999"/>
+                </a:xfrm>
+                <a:prstGeom prst="rect">
+                  <a:avLst/>
+                </a:prstGeom>
+                <a:blipFill>
+                  <a:blip r:embed="rId7"/>
+                  <a:stretch>
+                    <a:fillRect l="-34483" r="-34483" b="-6522"/>
+                  </a:stretch>
+                </a:blipFill>
+              </p:spPr>
+              <p:txBody>
+                <a:bodyPr/>
+                <a:lstStyle/>
+                <a:p>
+                  <a:r>
+                    <a:rPr lang="en-US">
+                      <a:noFill/>
+                    </a:rPr>
+                    <a:t> </a:t>
+                  </a:r>
+                </a:p>
+              </p:txBody>
+            </p:sp>
+          </mc:Fallback>
+        </mc:AlternateContent>
+      </p:grpSp>
+      <p:sp>
+        <p:nvSpPr>
+          <p:cNvPr id="40" name="TextBox 39">
+            <a:extLst>
+              <a:ext uri="{FF2B5EF4-FFF2-40B4-BE49-F238E27FC236}">
+                <a16:creationId xmlns:a16="http://schemas.microsoft.com/office/drawing/2014/main" id="{2F151BFE-35F5-6CE9-3FE7-5722158C14F7}"/>
+              </a:ext>
+            </a:extLst>
+          </p:cNvPr>
+          <p:cNvSpPr txBox="1"/>
+          <p:nvPr/>
+        </p:nvSpPr>
+        <p:spPr>
+          <a:xfrm>
+            <a:off x="731708" y="5793450"/>
+            <a:ext cx="3534173" cy="369332"/>
+          </a:xfrm>
+          <a:prstGeom prst="rect">
+            <a:avLst/>
+          </a:prstGeom>
+          <a:noFill/>
+        </p:spPr>
+        <p:txBody>
+          <a:bodyPr wrap="none" rtlCol="0">
+            <a:spAutoFit/>
+          </a:bodyPr>
+          <a:lstStyle/>
+          <a:p>
+            <a:r>
+              <a:rPr lang="en-US" dirty="0"/>
+              <a:t>Fig-passives-res.png  R0 01/08/25</a:t>
+            </a:r>
+          </a:p>
+        </p:txBody>
+      </p:sp>
+    </p:spTree>
+    <p:extLst>
+      <p:ext uri="{BB962C8B-B14F-4D97-AF65-F5344CB8AC3E}">
+        <p14:creationId xmlns:p14="http://schemas.microsoft.com/office/powerpoint/2010/main" val="4036697413"/>
+      </p:ext>
+    </p:extLst>
+  </p:cSld>
+  <p:clrMapOvr>
+    <a:masterClrMapping/>
+  </p:clrMapOvr>
+</p:sld>
+</file>
+
+<file path=ppt/slides/slide12.xml><?xml version="1.0" encoding="utf-8"?>
 <p:sld xmlns:a="http://schemas.openxmlformats.org/drawingml/2006/main" xmlns:r="http://schemas.openxmlformats.org/officeDocument/2006/relationships" xmlns:p="http://schemas.openxmlformats.org/presentationml/2006/main">
   <p:cSld>
     <p:spTree>
@@ -4810,7 +6051,7 @@
 </p:sld>
 </file>
 
-<file path=ppt/slides/slide11.xml><?xml version="1.0" encoding="utf-8"?>
+<file path=ppt/slides/slide13.xml><?xml version="1.0" encoding="utf-8"?>
 <p:sld xmlns:a="http://schemas.openxmlformats.org/drawingml/2006/main" xmlns:r="http://schemas.openxmlformats.org/officeDocument/2006/relationships" xmlns:p="http://schemas.openxmlformats.org/presentationml/2006/main">
   <p:cSld>
     <p:spTree>
@@ -7913,7 +9154,7 @@
 </p:sld>
 </file>
 
-<file path=ppt/slides/slide12.xml><?xml version="1.0" encoding="utf-8"?>
+<file path=ppt/slides/slide14.xml><?xml version="1.0" encoding="utf-8"?>
 <p:sld xmlns:a="http://schemas.openxmlformats.org/drawingml/2006/main" xmlns:r="http://schemas.openxmlformats.org/officeDocument/2006/relationships" xmlns:p="http://schemas.openxmlformats.org/presentationml/2006/main">
   <p:cSld>
     <p:spTree>
@@ -10873,7 +12114,7 @@
 </p:sld>
 </file>
 
-<file path=ppt/slides/slide13.xml><?xml version="1.0" encoding="utf-8"?>
+<file path=ppt/slides/slide15.xml><?xml version="1.0" encoding="utf-8"?>
 <p:sld xmlns:a="http://schemas.openxmlformats.org/drawingml/2006/main" xmlns:r="http://schemas.openxmlformats.org/officeDocument/2006/relationships" xmlns:p="http://schemas.openxmlformats.org/presentationml/2006/main">
   <p:cSld>
     <p:spTree>
@@ -13978,7 +15219,7 @@
 </p:sld>
 </file>
 
-<file path=ppt/slides/slide14.xml><?xml version="1.0" encoding="utf-8"?>
+<file path=ppt/slides/slide16.xml><?xml version="1.0" encoding="utf-8"?>
 <p:sld xmlns:a="http://schemas.openxmlformats.org/drawingml/2006/main" xmlns:r="http://schemas.openxmlformats.org/officeDocument/2006/relationships" xmlns:p="http://schemas.openxmlformats.org/presentationml/2006/main">
   <p:cSld>
     <p:spTree>
@@ -16084,7 +17325,7 @@
 </p:sld>
 </file>
 
-<file path=ppt/slides/slide15.xml><?xml version="1.0" encoding="utf-8"?>
+<file path=ppt/slides/slide17.xml><?xml version="1.0" encoding="utf-8"?>
 <p:sld xmlns:a="http://schemas.openxmlformats.org/drawingml/2006/main" xmlns:r="http://schemas.openxmlformats.org/officeDocument/2006/relationships" xmlns:p="http://schemas.openxmlformats.org/presentationml/2006/main">
   <p:cSld>
     <p:spTree>
@@ -16172,7 +17413,7 @@
 </p:sld>
 </file>
 
-<file path=ppt/slides/slide16.xml><?xml version="1.0" encoding="utf-8"?>
+<file path=ppt/slides/slide18.xml><?xml version="1.0" encoding="utf-8"?>
 <p:sld xmlns:a="http://schemas.openxmlformats.org/drawingml/2006/main" xmlns:r="http://schemas.openxmlformats.org/officeDocument/2006/relationships" xmlns:p="http://schemas.openxmlformats.org/presentationml/2006/main">
   <p:cSld>
     <p:spTree>
@@ -16267,7 +17508,7 @@
 </p:sld>
 </file>
 
-<file path=ppt/slides/slide17.xml><?xml version="1.0" encoding="utf-8"?>
+<file path=ppt/slides/slide19.xml><?xml version="1.0" encoding="utf-8"?>
 <p:sld xmlns:a="http://schemas.openxmlformats.org/drawingml/2006/main" xmlns:r="http://schemas.openxmlformats.org/officeDocument/2006/relationships" xmlns:p="http://schemas.openxmlformats.org/presentationml/2006/main">
   <p:cSld>
     <p:spTree>
@@ -16368,7 +17609,90 @@
 </p:sld>
 </file>
 
-<file path=ppt/slides/slide18.xml><?xml version="1.0" encoding="utf-8"?>
+<file path=ppt/slides/slide2.xml><?xml version="1.0" encoding="utf-8"?>
+<p:sld xmlns:a="http://schemas.openxmlformats.org/drawingml/2006/main" xmlns:r="http://schemas.openxmlformats.org/officeDocument/2006/relationships" xmlns:p="http://schemas.openxmlformats.org/presentationml/2006/main">
+  <p:cSld>
+    <p:spTree>
+      <p:nvGrpSpPr>
+        <p:cNvPr id="1" name=""/>
+        <p:cNvGrpSpPr/>
+        <p:nvPr/>
+      </p:nvGrpSpPr>
+      <p:grpSpPr>
+        <a:xfrm>
+          <a:off x="0" y="0"/>
+          <a:ext cx="0" cy="0"/>
+          <a:chOff x="0" y="0"/>
+          <a:chExt cx="0" cy="0"/>
+        </a:xfrm>
+      </p:grpSpPr>
+      <p:sp>
+        <p:nvSpPr>
+          <p:cNvPr id="2" name="Title 1">
+            <a:extLst>
+              <a:ext uri="{FF2B5EF4-FFF2-40B4-BE49-F238E27FC236}">
+                <a16:creationId xmlns:a16="http://schemas.microsoft.com/office/drawing/2014/main" id="{98D5B683-2009-BF16-0C1B-AC844D596F87}"/>
+              </a:ext>
+            </a:extLst>
+          </p:cNvPr>
+          <p:cNvSpPr>
+            <a:spLocks noGrp="1"/>
+          </p:cNvSpPr>
+          <p:nvPr>
+            <p:ph type="title"/>
+          </p:nvPr>
+        </p:nvSpPr>
+        <p:spPr/>
+        <p:txBody>
+          <a:bodyPr/>
+          <a:lstStyle/>
+          <a:p>
+            <a:r>
+              <a:rPr lang="en-US" dirty="0"/>
+              <a:t>Semi Devices</a:t>
+            </a:r>
+          </a:p>
+        </p:txBody>
+      </p:sp>
+      <p:sp>
+        <p:nvSpPr>
+          <p:cNvPr id="3" name="Text Placeholder 2">
+            <a:extLst>
+              <a:ext uri="{FF2B5EF4-FFF2-40B4-BE49-F238E27FC236}">
+                <a16:creationId xmlns:a16="http://schemas.microsoft.com/office/drawing/2014/main" id="{81A4FB93-3AC6-259F-CA72-B3115BD73EE6}"/>
+              </a:ext>
+            </a:extLst>
+          </p:cNvPr>
+          <p:cNvSpPr>
+            <a:spLocks noGrp="1"/>
+          </p:cNvSpPr>
+          <p:nvPr>
+            <p:ph type="body" idx="1"/>
+          </p:nvPr>
+        </p:nvSpPr>
+        <p:spPr/>
+        <p:txBody>
+          <a:bodyPr/>
+          <a:lstStyle/>
+          <a:p>
+            <a:endParaRPr lang="en-US"/>
+          </a:p>
+        </p:txBody>
+      </p:sp>
+    </p:spTree>
+    <p:extLst>
+      <p:ext uri="{BB962C8B-B14F-4D97-AF65-F5344CB8AC3E}">
+        <p14:creationId xmlns:p14="http://schemas.microsoft.com/office/powerpoint/2010/main" val="1304473932"/>
+      </p:ext>
+    </p:extLst>
+  </p:cSld>
+  <p:clrMapOvr>
+    <a:masterClrMapping/>
+  </p:clrMapOvr>
+</p:sld>
+</file>
+
+<file path=ppt/slides/slide20.xml><?xml version="1.0" encoding="utf-8"?>
 <p:sld xmlns:a="http://schemas.openxmlformats.org/drawingml/2006/main" xmlns:r="http://schemas.openxmlformats.org/officeDocument/2006/relationships" xmlns:p="http://schemas.openxmlformats.org/presentationml/2006/main">
   <p:cSld>
     <p:spTree>
@@ -16463,7 +17787,7 @@
 </p:sld>
 </file>
 
-<file path=ppt/slides/slide19.xml><?xml version="1.0" encoding="utf-8"?>
+<file path=ppt/slides/slide21.xml><?xml version="1.0" encoding="utf-8"?>
 <p:sld xmlns:a="http://schemas.openxmlformats.org/drawingml/2006/main" xmlns:r="http://schemas.openxmlformats.org/officeDocument/2006/relationships" xmlns:p="http://schemas.openxmlformats.org/presentationml/2006/main">
   <p:cSld>
     <p:spTree>
@@ -16558,90 +17882,7 @@
 </p:sld>
 </file>
 
-<file path=ppt/slides/slide2.xml><?xml version="1.0" encoding="utf-8"?>
-<p:sld xmlns:a="http://schemas.openxmlformats.org/drawingml/2006/main" xmlns:r="http://schemas.openxmlformats.org/officeDocument/2006/relationships" xmlns:p="http://schemas.openxmlformats.org/presentationml/2006/main">
-  <p:cSld>
-    <p:spTree>
-      <p:nvGrpSpPr>
-        <p:cNvPr id="1" name=""/>
-        <p:cNvGrpSpPr/>
-        <p:nvPr/>
-      </p:nvGrpSpPr>
-      <p:grpSpPr>
-        <a:xfrm>
-          <a:off x="0" y="0"/>
-          <a:ext cx="0" cy="0"/>
-          <a:chOff x="0" y="0"/>
-          <a:chExt cx="0" cy="0"/>
-        </a:xfrm>
-      </p:grpSpPr>
-      <p:sp>
-        <p:nvSpPr>
-          <p:cNvPr id="2" name="Title 1">
-            <a:extLst>
-              <a:ext uri="{FF2B5EF4-FFF2-40B4-BE49-F238E27FC236}">
-                <a16:creationId xmlns:a16="http://schemas.microsoft.com/office/drawing/2014/main" id="{98D5B683-2009-BF16-0C1B-AC844D596F87}"/>
-              </a:ext>
-            </a:extLst>
-          </p:cNvPr>
-          <p:cNvSpPr>
-            <a:spLocks noGrp="1"/>
-          </p:cNvSpPr>
-          <p:nvPr>
-            <p:ph type="title"/>
-          </p:nvPr>
-        </p:nvSpPr>
-        <p:spPr/>
-        <p:txBody>
-          <a:bodyPr/>
-          <a:lstStyle/>
-          <a:p>
-            <a:r>
-              <a:rPr lang="en-US" dirty="0"/>
-              <a:t>Semi Devices</a:t>
-            </a:r>
-          </a:p>
-        </p:txBody>
-      </p:sp>
-      <p:sp>
-        <p:nvSpPr>
-          <p:cNvPr id="3" name="Text Placeholder 2">
-            <a:extLst>
-              <a:ext uri="{FF2B5EF4-FFF2-40B4-BE49-F238E27FC236}">
-                <a16:creationId xmlns:a16="http://schemas.microsoft.com/office/drawing/2014/main" id="{81A4FB93-3AC6-259F-CA72-B3115BD73EE6}"/>
-              </a:ext>
-            </a:extLst>
-          </p:cNvPr>
-          <p:cNvSpPr>
-            <a:spLocks noGrp="1"/>
-          </p:cNvSpPr>
-          <p:nvPr>
-            <p:ph type="body" idx="1"/>
-          </p:nvPr>
-        </p:nvSpPr>
-        <p:spPr/>
-        <p:txBody>
-          <a:bodyPr/>
-          <a:lstStyle/>
-          <a:p>
-            <a:endParaRPr lang="en-US"/>
-          </a:p>
-        </p:txBody>
-      </p:sp>
-    </p:spTree>
-    <p:extLst>
-      <p:ext uri="{BB962C8B-B14F-4D97-AF65-F5344CB8AC3E}">
-        <p14:creationId xmlns:p14="http://schemas.microsoft.com/office/powerpoint/2010/main" val="1304473932"/>
-      </p:ext>
-    </p:extLst>
-  </p:cSld>
-  <p:clrMapOvr>
-    <a:masterClrMapping/>
-  </p:clrMapOvr>
-</p:sld>
-</file>
-
-<file path=ppt/slides/slide20.xml><?xml version="1.0" encoding="utf-8"?>
+<file path=ppt/slides/slide22.xml><?xml version="1.0" encoding="utf-8"?>
 <p:sld xmlns:a="http://schemas.openxmlformats.org/drawingml/2006/main" xmlns:r="http://schemas.openxmlformats.org/officeDocument/2006/relationships" xmlns:p="http://schemas.openxmlformats.org/presentationml/2006/main">
   <p:cSld>
     <p:spTree>
@@ -16742,7 +17983,7 @@
 </p:sld>
 </file>
 
-<file path=ppt/slides/slide21.xml><?xml version="1.0" encoding="utf-8"?>
+<file path=ppt/slides/slide23.xml><?xml version="1.0" encoding="utf-8"?>
 <p:sld xmlns:a="http://schemas.openxmlformats.org/drawingml/2006/main" xmlns:r="http://schemas.openxmlformats.org/officeDocument/2006/relationships" xmlns:p="http://schemas.openxmlformats.org/presentationml/2006/main">
   <p:cSld>
     <p:spTree>
@@ -16872,7 +18113,7 @@
 </p:sld>
 </file>
 
-<file path=ppt/slides/slide22.xml><?xml version="1.0" encoding="utf-8"?>
+<file path=ppt/slides/slide24.xml><?xml version="1.0" encoding="utf-8"?>
 <p:sld xmlns:a="http://schemas.openxmlformats.org/drawingml/2006/main" xmlns:r="http://schemas.openxmlformats.org/officeDocument/2006/relationships" xmlns:p="http://schemas.openxmlformats.org/presentationml/2006/main">
   <p:cSld>
     <p:spTree>
@@ -17016,7 +18257,7 @@
 </p:sld>
 </file>
 
-<file path=ppt/slides/slide23.xml><?xml version="1.0" encoding="utf-8"?>
+<file path=ppt/slides/slide25.xml><?xml version="1.0" encoding="utf-8"?>
 <p:sld xmlns:a="http://schemas.openxmlformats.org/drawingml/2006/main" xmlns:r="http://schemas.openxmlformats.org/officeDocument/2006/relationships" xmlns:p="http://schemas.openxmlformats.org/presentationml/2006/main">
   <p:cSld>
     <p:spTree>
@@ -17152,7 +18393,7 @@
 </p:sld>
 </file>
 
-<file path=ppt/slides/slide24.xml><?xml version="1.0" encoding="utf-8"?>
+<file path=ppt/slides/slide26.xml><?xml version="1.0" encoding="utf-8"?>
 <p:sld xmlns:a="http://schemas.openxmlformats.org/drawingml/2006/main" xmlns:r="http://schemas.openxmlformats.org/officeDocument/2006/relationships" xmlns:p="http://schemas.openxmlformats.org/presentationml/2006/main">
   <p:cSld>
     <p:spTree>
@@ -17419,7 +18660,7 @@
 </p:sld>
 </file>
 
-<file path=ppt/slides/slide25.xml><?xml version="1.0" encoding="utf-8"?>
+<file path=ppt/slides/slide27.xml><?xml version="1.0" encoding="utf-8"?>
 <p:sld xmlns:a="http://schemas.openxmlformats.org/drawingml/2006/main" xmlns:r="http://schemas.openxmlformats.org/officeDocument/2006/relationships" xmlns:p="http://schemas.openxmlformats.org/presentationml/2006/main">
   <p:cSld>
     <p:spTree>
@@ -18306,8 +19547,8 @@
               </a:p>
             </p:txBody>
           </p:sp>
-          <mc:AlternateContent xmlns:mc="http://schemas.openxmlformats.org/markup-compatibility/2006">
-            <mc:Choice xmlns:a14="http://schemas.microsoft.com/office/drawing/2010/main" Requires="a14">
+          <mc:AlternateContent xmlns:mc="http://schemas.openxmlformats.org/markup-compatibility/2006" xmlns:a14="http://schemas.microsoft.com/office/drawing/2010/main">
+            <mc:Choice Requires="a14">
               <p:sp>
                 <p:nvSpPr>
                   <p:cNvPr id="109" name="TextBox 108">
@@ -18336,6 +19577,7 @@
                   </a:bodyPr>
                   <a:lstStyle/>
                   <a:p>
+                    <a:pPr/>
                     <a14:m>
                       <m:oMathPara xmlns:m="http://schemas.openxmlformats.org/officeDocument/2006/math">
                         <m:oMathParaPr>
@@ -18375,7 +19617,7 @@
                 </p:txBody>
               </p:sp>
             </mc:Choice>
-            <mc:Fallback>
+            <mc:Fallback xmlns="">
               <p:sp>
                 <p:nvSpPr>
                   <p:cNvPr id="109" name="TextBox 108">
@@ -18420,8 +19662,8 @@
               </p:sp>
             </mc:Fallback>
           </mc:AlternateContent>
-          <mc:AlternateContent xmlns:mc="http://schemas.openxmlformats.org/markup-compatibility/2006">
-            <mc:Choice xmlns:a14="http://schemas.microsoft.com/office/drawing/2010/main" Requires="a14">
+          <mc:AlternateContent xmlns:mc="http://schemas.openxmlformats.org/markup-compatibility/2006" xmlns:a14="http://schemas.microsoft.com/office/drawing/2010/main">
+            <mc:Choice Requires="a14">
               <p:sp>
                 <p:nvSpPr>
                   <p:cNvPr id="110" name="TextBox 109">
@@ -18450,6 +19692,7 @@
                   </a:bodyPr>
                   <a:lstStyle/>
                   <a:p>
+                    <a:pPr/>
                     <a14:m>
                       <m:oMathPara xmlns:m="http://schemas.openxmlformats.org/officeDocument/2006/math">
                         <m:oMathParaPr>
@@ -18489,7 +19732,7 @@
                 </p:txBody>
               </p:sp>
             </mc:Choice>
-            <mc:Fallback>
+            <mc:Fallback xmlns="">
               <p:sp>
                 <p:nvSpPr>
                   <p:cNvPr id="110" name="TextBox 109">
@@ -18534,8 +19777,8 @@
               </p:sp>
             </mc:Fallback>
           </mc:AlternateContent>
-          <mc:AlternateContent xmlns:mc="http://schemas.openxmlformats.org/markup-compatibility/2006">
-            <mc:Choice xmlns:a14="http://schemas.microsoft.com/office/drawing/2010/main" Requires="a14">
+          <mc:AlternateContent xmlns:mc="http://schemas.openxmlformats.org/markup-compatibility/2006" xmlns:a14="http://schemas.microsoft.com/office/drawing/2010/main">
+            <mc:Choice Requires="a14">
               <p:sp>
                 <p:nvSpPr>
                   <p:cNvPr id="111" name="TextBox 110">
@@ -18564,6 +19807,7 @@
                   </a:bodyPr>
                   <a:lstStyle/>
                   <a:p>
+                    <a:pPr/>
                     <a14:m>
                       <m:oMathPara xmlns:m="http://schemas.openxmlformats.org/officeDocument/2006/math">
                         <m:oMathParaPr>
@@ -18603,7 +19847,7 @@
                 </p:txBody>
               </p:sp>
             </mc:Choice>
-            <mc:Fallback>
+            <mc:Fallback xmlns="">
               <p:sp>
                 <p:nvSpPr>
                   <p:cNvPr id="111" name="TextBox 110">
@@ -18648,8 +19892,8 @@
               </p:sp>
             </mc:Fallback>
           </mc:AlternateContent>
-          <mc:AlternateContent xmlns:mc="http://schemas.openxmlformats.org/markup-compatibility/2006">
-            <mc:Choice xmlns:a14="http://schemas.microsoft.com/office/drawing/2010/main" Requires="a14">
+          <mc:AlternateContent xmlns:mc="http://schemas.openxmlformats.org/markup-compatibility/2006" xmlns:a14="http://schemas.microsoft.com/office/drawing/2010/main">
+            <mc:Choice Requires="a14">
               <p:sp>
                 <p:nvSpPr>
                   <p:cNvPr id="112" name="TextBox 111">
@@ -18678,6 +19922,7 @@
                   </a:bodyPr>
                   <a:lstStyle/>
                   <a:p>
+                    <a:pPr/>
                     <a14:m>
                       <m:oMathPara xmlns:m="http://schemas.openxmlformats.org/officeDocument/2006/math">
                         <m:oMathParaPr>
@@ -18717,7 +19962,7 @@
                 </p:txBody>
               </p:sp>
             </mc:Choice>
-            <mc:Fallback>
+            <mc:Fallback xmlns="">
               <p:sp>
                 <p:nvSpPr>
                   <p:cNvPr id="112" name="TextBox 111">
@@ -18762,8 +20007,8 @@
               </p:sp>
             </mc:Fallback>
           </mc:AlternateContent>
-          <mc:AlternateContent xmlns:mc="http://schemas.openxmlformats.org/markup-compatibility/2006">
-            <mc:Choice xmlns:a14="http://schemas.microsoft.com/office/drawing/2010/main" Requires="a14">
+          <mc:AlternateContent xmlns:mc="http://schemas.openxmlformats.org/markup-compatibility/2006" xmlns:a14="http://schemas.microsoft.com/office/drawing/2010/main">
+            <mc:Choice Requires="a14">
               <p:sp>
                 <p:nvSpPr>
                   <p:cNvPr id="113" name="TextBox 112">
@@ -18792,6 +20037,7 @@
                   </a:bodyPr>
                   <a:lstStyle/>
                   <a:p>
+                    <a:pPr/>
                     <a14:m>
                       <m:oMathPara xmlns:m="http://schemas.openxmlformats.org/officeDocument/2006/math">
                         <m:oMathParaPr>
@@ -18831,7 +20077,7 @@
                 </p:txBody>
               </p:sp>
             </mc:Choice>
-            <mc:Fallback>
+            <mc:Fallback xmlns="">
               <p:sp>
                 <p:nvSpPr>
                   <p:cNvPr id="113" name="TextBox 112">
@@ -18917,8 +20163,8 @@
               </a:fontRef>
             </p:style>
           </p:cxnSp>
-          <mc:AlternateContent xmlns:mc="http://schemas.openxmlformats.org/markup-compatibility/2006">
-            <mc:Choice xmlns:a14="http://schemas.microsoft.com/office/drawing/2010/main" Requires="a14">
+          <mc:AlternateContent xmlns:mc="http://schemas.openxmlformats.org/markup-compatibility/2006" xmlns:a14="http://schemas.microsoft.com/office/drawing/2010/main">
+            <mc:Choice Requires="a14">
               <p:sp>
                 <p:nvSpPr>
                   <p:cNvPr id="117" name="TextBox 116">
@@ -18947,6 +20193,7 @@
                   </a:bodyPr>
                   <a:lstStyle/>
                   <a:p>
+                    <a:pPr/>
                     <a14:m>
                       <m:oMathPara xmlns:m="http://schemas.openxmlformats.org/officeDocument/2006/math">
                         <m:oMathParaPr>
@@ -18967,7 +20214,7 @@
                 </p:txBody>
               </p:sp>
             </mc:Choice>
-            <mc:Fallback>
+            <mc:Fallback xmlns="">
               <p:sp>
                 <p:nvSpPr>
                   <p:cNvPr id="117" name="TextBox 116">
@@ -21196,8 +22443,8 @@
               </a:p>
             </p:txBody>
           </p:sp>
-          <mc:AlternateContent xmlns:mc="http://schemas.openxmlformats.org/markup-compatibility/2006">
-            <mc:Choice xmlns:a14="http://schemas.microsoft.com/office/drawing/2010/main" Requires="a14">
+          <mc:AlternateContent xmlns:mc="http://schemas.openxmlformats.org/markup-compatibility/2006" xmlns:a14="http://schemas.microsoft.com/office/drawing/2010/main">
+            <mc:Choice Requires="a14">
               <p:sp>
                 <p:nvSpPr>
                   <p:cNvPr id="12" name="TextBox 11">
@@ -21226,6 +22473,7 @@
                   </a:bodyPr>
                   <a:lstStyle/>
                   <a:p>
+                    <a:pPr/>
                     <a14:m>
                       <m:oMathPara xmlns:m="http://schemas.openxmlformats.org/officeDocument/2006/math">
                         <m:oMathParaPr>
@@ -21339,7 +22587,7 @@
                 </p:txBody>
               </p:sp>
             </mc:Choice>
-            <mc:Fallback>
+            <mc:Fallback xmlns="">
               <p:sp>
                 <p:nvSpPr>
                   <p:cNvPr id="12" name="TextBox 11">
@@ -21384,8 +22632,8 @@
               </p:sp>
             </mc:Fallback>
           </mc:AlternateContent>
-          <mc:AlternateContent xmlns:mc="http://schemas.openxmlformats.org/markup-compatibility/2006">
-            <mc:Choice xmlns:a14="http://schemas.microsoft.com/office/drawing/2010/main" Requires="a14">
+          <mc:AlternateContent xmlns:mc="http://schemas.openxmlformats.org/markup-compatibility/2006" xmlns:a14="http://schemas.microsoft.com/office/drawing/2010/main">
+            <mc:Choice Requires="a14">
               <p:sp>
                 <p:nvSpPr>
                   <p:cNvPr id="13" name="TextBox 12">
@@ -21414,6 +22662,7 @@
                   </a:bodyPr>
                   <a:lstStyle/>
                   <a:p>
+                    <a:pPr/>
                     <a14:m>
                       <m:oMathPara xmlns:m="http://schemas.openxmlformats.org/officeDocument/2006/math">
                         <m:oMathParaPr>
@@ -21483,7 +22732,7 @@
                 </p:txBody>
               </p:sp>
             </mc:Choice>
-            <mc:Fallback>
+            <mc:Fallback xmlns="">
               <p:sp>
                 <p:nvSpPr>
                   <p:cNvPr id="13" name="TextBox 12">
@@ -21528,8 +22777,8 @@
               </p:sp>
             </mc:Fallback>
           </mc:AlternateContent>
-          <mc:AlternateContent xmlns:mc="http://schemas.openxmlformats.org/markup-compatibility/2006">
-            <mc:Choice xmlns:a14="http://schemas.microsoft.com/office/drawing/2010/main" Requires="a14">
+          <mc:AlternateContent xmlns:mc="http://schemas.openxmlformats.org/markup-compatibility/2006" xmlns:a14="http://schemas.microsoft.com/office/drawing/2010/main">
+            <mc:Choice Requires="a14">
               <p:sp>
                 <p:nvSpPr>
                   <p:cNvPr id="14" name="TextBox 13">
@@ -21558,6 +22807,7 @@
                   </a:bodyPr>
                   <a:lstStyle/>
                   <a:p>
+                    <a:pPr/>
                     <a14:m>
                       <m:oMathPara xmlns:m="http://schemas.openxmlformats.org/officeDocument/2006/math">
                         <m:oMathParaPr>
@@ -21597,7 +22847,7 @@
                 </p:txBody>
               </p:sp>
             </mc:Choice>
-            <mc:Fallback>
+            <mc:Fallback xmlns="">
               <p:sp>
                 <p:nvSpPr>
                   <p:cNvPr id="14" name="TextBox 13">
@@ -21642,8 +22892,8 @@
               </p:sp>
             </mc:Fallback>
           </mc:AlternateContent>
-          <mc:AlternateContent xmlns:mc="http://schemas.openxmlformats.org/markup-compatibility/2006">
-            <mc:Choice xmlns:a14="http://schemas.microsoft.com/office/drawing/2010/main" Requires="a14">
+          <mc:AlternateContent xmlns:mc="http://schemas.openxmlformats.org/markup-compatibility/2006" xmlns:a14="http://schemas.microsoft.com/office/drawing/2010/main">
+            <mc:Choice Requires="a14">
               <p:sp>
                 <p:nvSpPr>
                   <p:cNvPr id="15" name="TextBox 14">
@@ -21672,6 +22922,7 @@
                   </a:bodyPr>
                   <a:lstStyle/>
                   <a:p>
+                    <a:pPr/>
                     <a14:m>
                       <m:oMathPara xmlns:m="http://schemas.openxmlformats.org/officeDocument/2006/math">
                         <m:oMathParaPr>
@@ -21711,7 +22962,7 @@
                 </p:txBody>
               </p:sp>
             </mc:Choice>
-            <mc:Fallback>
+            <mc:Fallback xmlns="">
               <p:sp>
                 <p:nvSpPr>
                   <p:cNvPr id="15" name="TextBox 14">
@@ -22012,8 +23263,8 @@
               </a:p>
             </p:txBody>
           </p:sp>
-          <mc:AlternateContent xmlns:mc="http://schemas.openxmlformats.org/markup-compatibility/2006">
-            <mc:Choice xmlns:a14="http://schemas.microsoft.com/office/drawing/2010/main" Requires="a14">
+          <mc:AlternateContent xmlns:mc="http://schemas.openxmlformats.org/markup-compatibility/2006" xmlns:a14="http://schemas.microsoft.com/office/drawing/2010/main">
+            <mc:Choice Requires="a14">
               <p:sp>
                 <p:nvSpPr>
                   <p:cNvPr id="23" name="TextBox 22">
@@ -22042,6 +23293,7 @@
                   </a:bodyPr>
                   <a:lstStyle/>
                   <a:p>
+                    <a:pPr/>
                     <a14:m>
                       <m:oMathPara xmlns:m="http://schemas.openxmlformats.org/officeDocument/2006/math">
                         <m:oMathParaPr>
@@ -22111,7 +23363,7 @@
                 </p:txBody>
               </p:sp>
             </mc:Choice>
-            <mc:Fallback>
+            <mc:Fallback xmlns="">
               <p:sp>
                 <p:nvSpPr>
                   <p:cNvPr id="23" name="TextBox 22">
@@ -22156,8 +23408,8 @@
               </p:sp>
             </mc:Fallback>
           </mc:AlternateContent>
-          <mc:AlternateContent xmlns:mc="http://schemas.openxmlformats.org/markup-compatibility/2006">
-            <mc:Choice xmlns:a14="http://schemas.microsoft.com/office/drawing/2010/main" Requires="a14">
+          <mc:AlternateContent xmlns:mc="http://schemas.openxmlformats.org/markup-compatibility/2006" xmlns:a14="http://schemas.microsoft.com/office/drawing/2010/main">
+            <mc:Choice Requires="a14">
               <p:sp>
                 <p:nvSpPr>
                   <p:cNvPr id="25" name="TextBox 24">
@@ -22186,6 +23438,7 @@
                   </a:bodyPr>
                   <a:lstStyle/>
                   <a:p>
+                    <a:pPr/>
                     <a14:m>
                       <m:oMathPara xmlns:m="http://schemas.openxmlformats.org/officeDocument/2006/math">
                         <m:oMathParaPr>
@@ -22225,7 +23478,7 @@
                 </p:txBody>
               </p:sp>
             </mc:Choice>
-            <mc:Fallback>
+            <mc:Fallback xmlns="">
               <p:sp>
                 <p:nvSpPr>
                   <p:cNvPr id="25" name="TextBox 24">
@@ -22270,8 +23523,8 @@
               </p:sp>
             </mc:Fallback>
           </mc:AlternateContent>
-          <mc:AlternateContent xmlns:mc="http://schemas.openxmlformats.org/markup-compatibility/2006">
-            <mc:Choice xmlns:a14="http://schemas.microsoft.com/office/drawing/2010/main" Requires="a14">
+          <mc:AlternateContent xmlns:mc="http://schemas.openxmlformats.org/markup-compatibility/2006" xmlns:a14="http://schemas.microsoft.com/office/drawing/2010/main">
+            <mc:Choice Requires="a14">
               <p:sp>
                 <p:nvSpPr>
                   <p:cNvPr id="26" name="TextBox 25">
@@ -22300,6 +23553,7 @@
                   </a:bodyPr>
                   <a:lstStyle/>
                   <a:p>
+                    <a:pPr/>
                     <a14:m>
                       <m:oMathPara xmlns:m="http://schemas.openxmlformats.org/officeDocument/2006/math">
                         <m:oMathParaPr>
@@ -22339,7 +23593,7 @@
                 </p:txBody>
               </p:sp>
             </mc:Choice>
-            <mc:Fallback>
+            <mc:Fallback xmlns="">
               <p:sp>
                 <p:nvSpPr>
                   <p:cNvPr id="26" name="TextBox 25">
@@ -22419,8 +23673,8 @@
               </a:p>
             </p:txBody>
           </p:sp>
-          <mc:AlternateContent xmlns:mc="http://schemas.openxmlformats.org/markup-compatibility/2006">
-            <mc:Choice xmlns:a14="http://schemas.microsoft.com/office/drawing/2010/main" Requires="a14">
+          <mc:AlternateContent xmlns:mc="http://schemas.openxmlformats.org/markup-compatibility/2006" xmlns:a14="http://schemas.microsoft.com/office/drawing/2010/main">
+            <mc:Choice Requires="a14">
               <p:sp>
                 <p:nvSpPr>
                   <p:cNvPr id="28" name="TextBox 27">
@@ -22449,6 +23703,7 @@
                   </a:bodyPr>
                   <a:lstStyle/>
                   <a:p>
+                    <a:pPr/>
                     <a14:m>
                       <m:oMathPara xmlns:m="http://schemas.openxmlformats.org/officeDocument/2006/math">
                         <m:oMathParaPr>
@@ -22518,7 +23773,7 @@
                 </p:txBody>
               </p:sp>
             </mc:Choice>
-            <mc:Fallback>
+            <mc:Fallback xmlns="">
               <p:sp>
                 <p:nvSpPr>
                   <p:cNvPr id="28" name="TextBox 27">
@@ -22563,8 +23818,8 @@
               </p:sp>
             </mc:Fallback>
           </mc:AlternateContent>
-          <mc:AlternateContent xmlns:mc="http://schemas.openxmlformats.org/markup-compatibility/2006">
-            <mc:Choice xmlns:a14="http://schemas.microsoft.com/office/drawing/2010/main" Requires="a14">
+          <mc:AlternateContent xmlns:mc="http://schemas.openxmlformats.org/markup-compatibility/2006" xmlns:a14="http://schemas.microsoft.com/office/drawing/2010/main">
+            <mc:Choice Requires="a14">
               <p:sp>
                 <p:nvSpPr>
                   <p:cNvPr id="31" name="TextBox 30">
@@ -22593,6 +23848,7 @@
                   </a:bodyPr>
                   <a:lstStyle/>
                   <a:p>
+                    <a:pPr/>
                     <a14:m>
                       <m:oMathPara xmlns:m="http://schemas.openxmlformats.org/officeDocument/2006/math">
                         <m:oMathParaPr>
@@ -22662,7 +23918,7 @@
                 </p:txBody>
               </p:sp>
             </mc:Choice>
-            <mc:Fallback>
+            <mc:Fallback xmlns="">
               <p:sp>
                 <p:nvSpPr>
                   <p:cNvPr id="31" name="TextBox 30">
@@ -23766,8 +25022,8 @@
               </a:p>
             </p:txBody>
           </p:sp>
-          <mc:AlternateContent xmlns:mc="http://schemas.openxmlformats.org/markup-compatibility/2006">
-            <mc:Choice xmlns:a14="http://schemas.microsoft.com/office/drawing/2010/main" Requires="a14">
+          <mc:AlternateContent xmlns:mc="http://schemas.openxmlformats.org/markup-compatibility/2006" xmlns:a14="http://schemas.microsoft.com/office/drawing/2010/main">
+            <mc:Choice Requires="a14">
               <p:sp>
                 <p:nvSpPr>
                   <p:cNvPr id="57" name="TextBox 56">
@@ -23796,6 +25052,7 @@
                   </a:bodyPr>
                   <a:lstStyle/>
                   <a:p>
+                    <a:pPr/>
                     <a14:m>
                       <m:oMathPara xmlns:m="http://schemas.openxmlformats.org/officeDocument/2006/math">
                         <m:oMathParaPr>
@@ -23835,7 +25092,7 @@
                 </p:txBody>
               </p:sp>
             </mc:Choice>
-            <mc:Fallback>
+            <mc:Fallback xmlns="">
               <p:sp>
                 <p:nvSpPr>
                   <p:cNvPr id="57" name="TextBox 56">
@@ -23880,8 +25137,8 @@
               </p:sp>
             </mc:Fallback>
           </mc:AlternateContent>
-          <mc:AlternateContent xmlns:mc="http://schemas.openxmlformats.org/markup-compatibility/2006">
-            <mc:Choice xmlns:a14="http://schemas.microsoft.com/office/drawing/2010/main" Requires="a14">
+          <mc:AlternateContent xmlns:mc="http://schemas.openxmlformats.org/markup-compatibility/2006" xmlns:a14="http://schemas.microsoft.com/office/drawing/2010/main">
+            <mc:Choice Requires="a14">
               <p:sp>
                 <p:nvSpPr>
                   <p:cNvPr id="58" name="TextBox 57">
@@ -23910,6 +25167,7 @@
                   </a:bodyPr>
                   <a:lstStyle/>
                   <a:p>
+                    <a:pPr/>
                     <a14:m>
                       <m:oMathPara xmlns:m="http://schemas.openxmlformats.org/officeDocument/2006/math">
                         <m:oMathParaPr>
@@ -23949,7 +25207,7 @@
                 </p:txBody>
               </p:sp>
             </mc:Choice>
-            <mc:Fallback>
+            <mc:Fallback xmlns="">
               <p:sp>
                 <p:nvSpPr>
                   <p:cNvPr id="58" name="TextBox 57">
@@ -24736,63 +25994,196 @@
           <a:chExt cx="0" cy="0"/>
         </a:xfrm>
       </p:grpSpPr>
-      <p:sp>
-        <p:nvSpPr>
-          <p:cNvPr id="2" name="Title 1">
+      <p:grpSp>
+        <p:nvGrpSpPr>
+          <p:cNvPr id="8" name="Group 7">
             <a:extLst>
               <a:ext uri="{FF2B5EF4-FFF2-40B4-BE49-F238E27FC236}">
-                <a16:creationId xmlns:a16="http://schemas.microsoft.com/office/drawing/2014/main" id="{88B573B1-1F62-87AA-AACB-BC3054013749}"/>
+                <a16:creationId xmlns:a16="http://schemas.microsoft.com/office/drawing/2014/main" id="{FD84AF2D-DAEC-107E-EFB1-DF5F9A0F0AC3}"/>
               </a:ext>
             </a:extLst>
           </p:cNvPr>
-          <p:cNvSpPr>
-            <a:spLocks noGrp="1"/>
-          </p:cNvSpPr>
-          <p:nvPr>
-            <p:ph type="title"/>
-          </p:nvPr>
+          <p:cNvGrpSpPr/>
+          <p:nvPr/>
+        </p:nvGrpSpPr>
+        <p:grpSpPr>
+          <a:xfrm>
+            <a:off x="5631930" y="1151508"/>
+            <a:ext cx="5228678" cy="4105275"/>
+            <a:chOff x="3743169" y="1046577"/>
+            <a:chExt cx="5228678" cy="4105275"/>
+          </a:xfrm>
+        </p:grpSpPr>
+        <p:pic>
+          <p:nvPicPr>
+            <p:cNvPr id="5" name="Picture 4">
+              <a:extLst>
+                <a:ext uri="{FF2B5EF4-FFF2-40B4-BE49-F238E27FC236}">
+                  <a16:creationId xmlns:a16="http://schemas.microsoft.com/office/drawing/2014/main" id="{59B015CE-C102-9643-7B3D-63B26CAFBE3B}"/>
+                </a:ext>
+              </a:extLst>
+            </p:cNvPr>
+            <p:cNvPicPr>
+              <a:picLocks noChangeAspect="1"/>
+            </p:cNvPicPr>
+            <p:nvPr/>
+          </p:nvPicPr>
+          <p:blipFill>
+            <a:blip r:embed="rId2"/>
+            <a:stretch>
+              <a:fillRect/>
+            </a:stretch>
+          </p:blipFill>
+          <p:spPr>
+            <a:xfrm>
+              <a:off x="3743169" y="1046577"/>
+              <a:ext cx="2667000" cy="4105275"/>
+            </a:xfrm>
+            <a:prstGeom prst="rect">
+              <a:avLst/>
+            </a:prstGeom>
+          </p:spPr>
+        </p:pic>
+        <p:pic>
+          <p:nvPicPr>
+            <p:cNvPr id="7" name="Picture 6">
+              <a:extLst>
+                <a:ext uri="{FF2B5EF4-FFF2-40B4-BE49-F238E27FC236}">
+                  <a16:creationId xmlns:a16="http://schemas.microsoft.com/office/drawing/2014/main" id="{D6111340-BCDC-9304-5633-15DFB112B6C4}"/>
+                </a:ext>
+              </a:extLst>
+            </p:cNvPr>
+            <p:cNvPicPr>
+              <a:picLocks noChangeAspect="1"/>
+            </p:cNvPicPr>
+            <p:nvPr/>
+          </p:nvPicPr>
+          <p:blipFill>
+            <a:blip r:embed="rId3"/>
+            <a:stretch>
+              <a:fillRect/>
+            </a:stretch>
+          </p:blipFill>
+          <p:spPr>
+            <a:xfrm>
+              <a:off x="6847772" y="2799177"/>
+              <a:ext cx="2124075" cy="2352675"/>
+            </a:xfrm>
+            <a:prstGeom prst="rect">
+              <a:avLst/>
+            </a:prstGeom>
+          </p:spPr>
+        </p:pic>
+      </p:grpSp>
+      <p:sp>
+        <p:nvSpPr>
+          <p:cNvPr id="10" name="TextBox 9">
+            <a:extLst>
+              <a:ext uri="{FF2B5EF4-FFF2-40B4-BE49-F238E27FC236}">
+                <a16:creationId xmlns:a16="http://schemas.microsoft.com/office/drawing/2014/main" id="{09A94A5E-BF7A-02EF-930E-B6A7EF6035D0}"/>
+              </a:ext>
+            </a:extLst>
+          </p:cNvPr>
+          <p:cNvSpPr txBox="1"/>
+          <p:nvPr/>
         </p:nvSpPr>
-        <p:spPr/>
+        <p:spPr>
+          <a:xfrm>
+            <a:off x="513413" y="1345288"/>
+            <a:ext cx="3429000" cy="3416320"/>
+          </a:xfrm>
+          <a:prstGeom prst="rect">
+            <a:avLst/>
+          </a:prstGeom>
+          <a:noFill/>
+        </p:spPr>
         <p:txBody>
-          <a:bodyPr/>
+          <a:bodyPr wrap="square">
+            <a:spAutoFit/>
+          </a:bodyPr>
           <a:lstStyle/>
           <a:p>
             <a:r>
               <a:rPr lang="en-US" dirty="0"/>
-              <a:t>Passives</a:t>
+              <a:t>![Relationship between band bending and electrostatic variables in a semiconductor: (a) energy band diagram showing band bending; (b) identification of carrier kinetic energies; (c) electron potential energy; (d) electrostatic potential; (e) electric field vs. position from part (a).](figures/fig-semi-dev-band-electrostatic.png){#fig-semi-dev-band-electrostatic}</a:t>
             </a:r>
           </a:p>
         </p:txBody>
       </p:sp>
       <p:sp>
         <p:nvSpPr>
-          <p:cNvPr id="3" name="Text Placeholder 2">
+          <p:cNvPr id="11" name="TextBox 10">
             <a:extLst>
               <a:ext uri="{FF2B5EF4-FFF2-40B4-BE49-F238E27FC236}">
-                <a16:creationId xmlns:a16="http://schemas.microsoft.com/office/drawing/2014/main" id="{467ECDD7-AA66-9C16-689C-559D8DD27298}"/>
+                <a16:creationId xmlns:a16="http://schemas.microsoft.com/office/drawing/2014/main" id="{33FB2A97-002B-1E59-8717-6D865BBF7834}"/>
               </a:ext>
             </a:extLst>
           </p:cNvPr>
-          <p:cNvSpPr>
-            <a:spLocks noGrp="1"/>
-          </p:cNvSpPr>
-          <p:nvPr>
-            <p:ph type="body" idx="1"/>
-          </p:nvPr>
+          <p:cNvSpPr txBox="1"/>
+          <p:nvPr/>
         </p:nvSpPr>
-        <p:spPr/>
+        <p:spPr>
+          <a:xfrm>
+            <a:off x="244431" y="5597444"/>
+            <a:ext cx="1391728" cy="369332"/>
+          </a:xfrm>
+          <a:prstGeom prst="rect">
+            <a:avLst/>
+          </a:prstGeom>
+          <a:noFill/>
+        </p:spPr>
         <p:txBody>
-          <a:bodyPr/>
+          <a:bodyPr wrap="none" rtlCol="0">
+            <a:spAutoFit/>
+          </a:bodyPr>
           <a:lstStyle/>
           <a:p>
-            <a:endParaRPr lang="en-US" dirty="0"/>
+            <a:r>
+              <a:rPr lang="en-US" dirty="0"/>
+              <a:t>R0 02/20/25</a:t>
+            </a:r>
+          </a:p>
+        </p:txBody>
+      </p:sp>
+      <p:sp>
+        <p:nvSpPr>
+          <p:cNvPr id="12" name="TextBox 11">
+            <a:extLst>
+              <a:ext uri="{FF2B5EF4-FFF2-40B4-BE49-F238E27FC236}">
+                <a16:creationId xmlns:a16="http://schemas.microsoft.com/office/drawing/2014/main" id="{B0846190-062C-7D76-B94D-BB158529272D}"/>
+              </a:ext>
+            </a:extLst>
+          </p:cNvPr>
+          <p:cNvSpPr txBox="1"/>
+          <p:nvPr/>
+        </p:nvSpPr>
+        <p:spPr>
+          <a:xfrm>
+            <a:off x="244431" y="6434401"/>
+            <a:ext cx="2338204" cy="338554"/>
+          </a:xfrm>
+          <a:prstGeom prst="rect">
+            <a:avLst/>
+          </a:prstGeom>
+          <a:noFill/>
+        </p:spPr>
+        <p:txBody>
+          <a:bodyPr wrap="none" rtlCol="0">
+            <a:spAutoFit/>
+          </a:bodyPr>
+          <a:lstStyle/>
+          <a:p>
+            <a:r>
+              <a:rPr lang="en-US" sz="1600" i="1" dirty="0"/>
+              <a:t>Ref: Fig 3.10 p-90 Pierret</a:t>
+            </a:r>
           </a:p>
         </p:txBody>
       </p:sp>
     </p:spTree>
     <p:extLst>
       <p:ext uri="{BB962C8B-B14F-4D97-AF65-F5344CB8AC3E}">
-        <p14:creationId xmlns:p14="http://schemas.microsoft.com/office/powerpoint/2010/main" val="1750843630"/>
+        <p14:creationId xmlns:p14="http://schemas.microsoft.com/office/powerpoint/2010/main" val="2386265098"/>
       </p:ext>
     </p:extLst>
   </p:cSld>
@@ -24819,1097 +26210,42 @@
           <a:chExt cx="0" cy="0"/>
         </a:xfrm>
       </p:grpSpPr>
-      <p:grpSp>
-        <p:nvGrpSpPr>
-          <p:cNvPr id="38" name="Group 37">
+      <p:pic>
+        <p:nvPicPr>
+          <p:cNvPr id="3" name="Picture 2">
             <a:extLst>
               <a:ext uri="{FF2B5EF4-FFF2-40B4-BE49-F238E27FC236}">
-                <a16:creationId xmlns:a16="http://schemas.microsoft.com/office/drawing/2014/main" id="{FCCB265C-53F8-CBB9-74E0-5CBD0A686868}"/>
+                <a16:creationId xmlns:a16="http://schemas.microsoft.com/office/drawing/2014/main" id="{40C03F84-2C5E-72B8-975A-F7C4777E33F9}"/>
               </a:ext>
             </a:extLst>
           </p:cNvPr>
-          <p:cNvGrpSpPr/>
+          <p:cNvPicPr>
+            <a:picLocks noChangeAspect="1"/>
+          </p:cNvPicPr>
           <p:nvPr/>
-        </p:nvGrpSpPr>
-        <p:grpSpPr>
+        </p:nvPicPr>
+        <p:blipFill>
+          <a:blip r:embed="rId2"/>
+          <a:stretch>
+            <a:fillRect/>
+          </a:stretch>
+        </p:blipFill>
+        <p:spPr>
           <a:xfrm>
-            <a:off x="3968272" y="794729"/>
-            <a:ext cx="3597389" cy="2069036"/>
-            <a:chOff x="3777772" y="779489"/>
-            <a:chExt cx="3597389" cy="2069036"/>
+            <a:off x="5380178" y="2531901"/>
+            <a:ext cx="4857750" cy="2581275"/>
           </a:xfrm>
-        </p:grpSpPr>
-        <p:sp>
-          <p:nvSpPr>
-            <p:cNvPr id="2" name="Cube 1">
-              <a:extLst>
-                <a:ext uri="{FF2B5EF4-FFF2-40B4-BE49-F238E27FC236}">
-                  <a16:creationId xmlns:a16="http://schemas.microsoft.com/office/drawing/2014/main" id="{B9232B02-FE6E-4BBD-7B3E-D9394283E983}"/>
-                </a:ext>
-              </a:extLst>
-            </p:cNvPr>
-            <p:cNvSpPr/>
-            <p:nvPr/>
-          </p:nvSpPr>
-          <p:spPr>
-            <a:xfrm>
-              <a:off x="3837482" y="1693889"/>
-              <a:ext cx="3537679" cy="1154242"/>
-            </a:xfrm>
-            <a:prstGeom prst="cube">
-              <a:avLst>
-                <a:gd name="adj" fmla="val 35390"/>
-              </a:avLst>
-            </a:prstGeom>
-          </p:spPr>
-          <p:style>
-            <a:lnRef idx="1">
-              <a:schemeClr val="dk1"/>
-            </a:lnRef>
-            <a:fillRef idx="2">
-              <a:schemeClr val="dk1"/>
-            </a:fillRef>
-            <a:effectRef idx="1">
-              <a:schemeClr val="dk1"/>
-            </a:effectRef>
-            <a:fontRef idx="minor">
-              <a:schemeClr val="dk1"/>
-            </a:fontRef>
-          </p:style>
-          <p:txBody>
-            <a:bodyPr rtlCol="0" anchor="ctr"/>
-            <a:lstStyle/>
-            <a:p>
-              <a:pPr algn="ctr"/>
-              <a:endParaRPr lang="en-US"/>
-            </a:p>
-          </p:txBody>
-        </p:sp>
-        <p:sp>
-          <p:nvSpPr>
-            <p:cNvPr id="3" name="Oval 2">
-              <a:extLst>
-                <a:ext uri="{FF2B5EF4-FFF2-40B4-BE49-F238E27FC236}">
-                  <a16:creationId xmlns:a16="http://schemas.microsoft.com/office/drawing/2014/main" id="{1C0B418C-C960-E650-6263-7C8CC7D9A270}"/>
-                </a:ext>
-              </a:extLst>
-            </p:cNvPr>
-            <p:cNvSpPr/>
-            <p:nvPr/>
-          </p:nvSpPr>
-          <p:spPr>
-            <a:xfrm>
-              <a:off x="5426440" y="779489"/>
-              <a:ext cx="539646" cy="539646"/>
-            </a:xfrm>
-            <a:prstGeom prst="ellipse">
-              <a:avLst/>
-            </a:prstGeom>
-            <a:noFill/>
-            <a:ln w="38100">
-              <a:solidFill>
-                <a:schemeClr val="tx1"/>
-              </a:solidFill>
-            </a:ln>
-          </p:spPr>
-          <p:style>
-            <a:lnRef idx="2">
-              <a:schemeClr val="accent1">
-                <a:shade val="15000"/>
-              </a:schemeClr>
-            </a:lnRef>
-            <a:fillRef idx="1">
-              <a:schemeClr val="accent1"/>
-            </a:fillRef>
-            <a:effectRef idx="0">
-              <a:schemeClr val="accent1"/>
-            </a:effectRef>
-            <a:fontRef idx="minor">
-              <a:schemeClr val="lt1"/>
-            </a:fontRef>
-          </p:style>
-          <p:txBody>
-            <a:bodyPr rtlCol="0" anchor="ctr"/>
-            <a:lstStyle/>
-            <a:p>
-              <a:pPr algn="ctr"/>
-              <a:endParaRPr lang="en-US"/>
-            </a:p>
-          </p:txBody>
-        </p:sp>
-        <p:cxnSp>
-          <p:nvCxnSpPr>
-            <p:cNvPr id="6" name="Connector: Elbow 5">
-              <a:extLst>
-                <a:ext uri="{FF2B5EF4-FFF2-40B4-BE49-F238E27FC236}">
-                  <a16:creationId xmlns:a16="http://schemas.microsoft.com/office/drawing/2014/main" id="{8161C3A7-F391-9FF3-5CB6-B7889995D8B3}"/>
-                </a:ext>
-              </a:extLst>
-            </p:cNvPr>
-            <p:cNvCxnSpPr>
-              <a:stCxn id="3" idx="2"/>
-              <a:endCxn id="2" idx="2"/>
-            </p:cNvCxnSpPr>
-            <p:nvPr/>
-          </p:nvCxnSpPr>
-          <p:spPr>
-            <a:xfrm rot="10800000" flipV="1">
-              <a:off x="3837482" y="1049311"/>
-              <a:ext cx="1588958" cy="1425941"/>
-            </a:xfrm>
-            <a:prstGeom prst="bentConnector3">
-              <a:avLst>
-                <a:gd name="adj1" fmla="val 125896"/>
-              </a:avLst>
-            </a:prstGeom>
-            <a:ln>
-              <a:solidFill>
-                <a:schemeClr val="tx1"/>
-              </a:solidFill>
-              <a:headEnd type="none" w="med" len="med"/>
-              <a:tailEnd type="triangle" w="med" len="med"/>
-            </a:ln>
-          </p:spPr>
-          <p:style>
-            <a:lnRef idx="2">
-              <a:schemeClr val="accent1"/>
-            </a:lnRef>
-            <a:fillRef idx="0">
-              <a:schemeClr val="accent1"/>
-            </a:fillRef>
-            <a:effectRef idx="1">
-              <a:schemeClr val="accent1"/>
-            </a:effectRef>
-            <a:fontRef idx="minor">
-              <a:schemeClr val="tx1"/>
-            </a:fontRef>
-          </p:style>
-        </p:cxnSp>
-        <p:sp>
-          <p:nvSpPr>
-            <p:cNvPr id="10" name="Oval 9">
-              <a:extLst>
-                <a:ext uri="{FF2B5EF4-FFF2-40B4-BE49-F238E27FC236}">
-                  <a16:creationId xmlns:a16="http://schemas.microsoft.com/office/drawing/2014/main" id="{4565F2F6-496B-C831-ECDE-30327D6A0959}"/>
-                </a:ext>
-              </a:extLst>
-            </p:cNvPr>
-            <p:cNvSpPr/>
-            <p:nvPr/>
-          </p:nvSpPr>
-          <p:spPr>
-            <a:xfrm>
-              <a:off x="7162800" y="2217420"/>
-              <a:ext cx="60960" cy="68580"/>
-            </a:xfrm>
-            <a:prstGeom prst="ellipse">
-              <a:avLst/>
-            </a:prstGeom>
-          </p:spPr>
-          <p:style>
-            <a:lnRef idx="2">
-              <a:schemeClr val="accent1">
-                <a:shade val="15000"/>
-              </a:schemeClr>
-            </a:lnRef>
-            <a:fillRef idx="1">
-              <a:schemeClr val="accent1"/>
-            </a:fillRef>
-            <a:effectRef idx="0">
-              <a:schemeClr val="accent1"/>
-            </a:effectRef>
-            <a:fontRef idx="minor">
-              <a:schemeClr val="lt1"/>
-            </a:fontRef>
-          </p:style>
-          <p:txBody>
-            <a:bodyPr rtlCol="0" anchor="ctr"/>
-            <a:lstStyle/>
-            <a:p>
-              <a:pPr algn="ctr"/>
-              <a:endParaRPr lang="en-US"/>
-            </a:p>
-          </p:txBody>
-        </p:sp>
-        <p:cxnSp>
-          <p:nvCxnSpPr>
-            <p:cNvPr id="12" name="Connector: Elbow 11">
-              <a:extLst>
-                <a:ext uri="{FF2B5EF4-FFF2-40B4-BE49-F238E27FC236}">
-                  <a16:creationId xmlns:a16="http://schemas.microsoft.com/office/drawing/2014/main" id="{EFFCF39A-0708-CFA5-38CC-A75BBCA1E95D}"/>
-                </a:ext>
-              </a:extLst>
-            </p:cNvPr>
-            <p:cNvCxnSpPr>
-              <a:stCxn id="3" idx="6"/>
-              <a:endCxn id="10" idx="6"/>
-            </p:cNvCxnSpPr>
-            <p:nvPr/>
-          </p:nvCxnSpPr>
-          <p:spPr>
-            <a:xfrm>
-              <a:off x="5966086" y="1049312"/>
-              <a:ext cx="1257674" cy="1202398"/>
-            </a:xfrm>
-            <a:prstGeom prst="bentConnector3">
-              <a:avLst>
-                <a:gd name="adj1" fmla="val 136352"/>
-              </a:avLst>
-            </a:prstGeom>
-            <a:ln>
-              <a:solidFill>
-                <a:schemeClr val="tx1"/>
-              </a:solidFill>
-            </a:ln>
-          </p:spPr>
-          <p:style>
-            <a:lnRef idx="2">
-              <a:schemeClr val="accent1"/>
-            </a:lnRef>
-            <a:fillRef idx="0">
-              <a:schemeClr val="accent1"/>
-            </a:fillRef>
-            <a:effectRef idx="1">
-              <a:schemeClr val="accent1"/>
-            </a:effectRef>
-            <a:fontRef idx="minor">
-              <a:schemeClr val="tx1"/>
-            </a:fontRef>
-          </p:style>
-        </p:cxnSp>
-        <p:sp>
-          <p:nvSpPr>
-            <p:cNvPr id="16" name="Cube 15">
-              <a:extLst>
-                <a:ext uri="{FF2B5EF4-FFF2-40B4-BE49-F238E27FC236}">
-                  <a16:creationId xmlns:a16="http://schemas.microsoft.com/office/drawing/2014/main" id="{A8C6D8EF-BB60-1217-ACD4-658A6AB9717B}"/>
-                </a:ext>
-              </a:extLst>
-            </p:cNvPr>
-            <p:cNvSpPr/>
-            <p:nvPr/>
-          </p:nvSpPr>
-          <p:spPr>
-            <a:xfrm>
-              <a:off x="5186848" y="1693889"/>
-              <a:ext cx="779237" cy="1154242"/>
-            </a:xfrm>
-            <a:prstGeom prst="cube">
-              <a:avLst>
-                <a:gd name="adj" fmla="val 53862"/>
-              </a:avLst>
-            </a:prstGeom>
-          </p:spPr>
-          <p:style>
-            <a:lnRef idx="2">
-              <a:schemeClr val="dk1"/>
-            </a:lnRef>
-            <a:fillRef idx="1">
-              <a:schemeClr val="lt1"/>
-            </a:fillRef>
-            <a:effectRef idx="0">
-              <a:schemeClr val="dk1"/>
-            </a:effectRef>
-            <a:fontRef idx="minor">
-              <a:schemeClr val="dk1"/>
-            </a:fontRef>
-          </p:style>
-          <p:txBody>
-            <a:bodyPr rtlCol="0" anchor="ctr"/>
-            <a:lstStyle/>
-            <a:p>
-              <a:pPr algn="ctr"/>
-              <a:endParaRPr lang="en-US"/>
-            </a:p>
-          </p:txBody>
-        </p:sp>
-        <p:cxnSp>
-          <p:nvCxnSpPr>
-            <p:cNvPr id="18" name="Straight Connector 17">
-              <a:extLst>
-                <a:ext uri="{FF2B5EF4-FFF2-40B4-BE49-F238E27FC236}">
-                  <a16:creationId xmlns:a16="http://schemas.microsoft.com/office/drawing/2014/main" id="{F3EDC180-A4AB-7709-6C93-EAC0471F5380}"/>
-                </a:ext>
-              </a:extLst>
-            </p:cNvPr>
-            <p:cNvCxnSpPr>
-              <a:cxnSpLocks/>
-            </p:cNvCxnSpPr>
-            <p:nvPr/>
-          </p:nvCxnSpPr>
-          <p:spPr>
-            <a:xfrm flipH="1" flipV="1">
-              <a:off x="5550982" y="2095150"/>
-              <a:ext cx="459147" cy="7970"/>
-            </a:xfrm>
-            <a:prstGeom prst="line">
-              <a:avLst/>
-            </a:prstGeom>
-            <a:ln>
-              <a:solidFill>
-                <a:schemeClr val="tx1"/>
-              </a:solidFill>
-            </a:ln>
-          </p:spPr>
-          <p:style>
-            <a:lnRef idx="2">
-              <a:schemeClr val="accent1"/>
-            </a:lnRef>
-            <a:fillRef idx="0">
-              <a:schemeClr val="accent1"/>
-            </a:fillRef>
-            <a:effectRef idx="1">
-              <a:schemeClr val="accent1"/>
-            </a:effectRef>
-            <a:fontRef idx="minor">
-              <a:schemeClr val="tx1"/>
-            </a:fontRef>
-          </p:style>
-        </p:cxnSp>
-        <mc:AlternateContent xmlns:mc="http://schemas.openxmlformats.org/markup-compatibility/2006" xmlns:a14="http://schemas.microsoft.com/office/drawing/2010/main">
-          <mc:Choice Requires="a14">
-            <p:sp>
-              <p:nvSpPr>
-                <p:cNvPr id="19" name="TextBox 18">
-                  <a:extLst>
-                    <a:ext uri="{FF2B5EF4-FFF2-40B4-BE49-F238E27FC236}">
-                      <a16:creationId xmlns:a16="http://schemas.microsoft.com/office/drawing/2014/main" id="{A02911BF-BD65-A6F5-F3FA-7FB247061042}"/>
-                    </a:ext>
-                  </a:extLst>
-                </p:cNvPr>
-                <p:cNvSpPr txBox="1"/>
-                <p:nvPr/>
-              </p:nvSpPr>
-              <p:spPr>
-                <a:xfrm>
-                  <a:off x="5224113" y="2208901"/>
-                  <a:ext cx="314766" cy="276999"/>
-                </a:xfrm>
-                <a:prstGeom prst="rect">
-                  <a:avLst/>
-                </a:prstGeom>
-                <a:noFill/>
-              </p:spPr>
-              <p:txBody>
-                <a:bodyPr wrap="none" lIns="0" tIns="0" rIns="0" bIns="0" rtlCol="0">
-                  <a:spAutoFit/>
-                </a:bodyPr>
-                <a:lstStyle/>
-                <a:p>
-                  <a:pPr/>
-                  <a14:m>
-                    <m:oMathPara xmlns:m="http://schemas.openxmlformats.org/officeDocument/2006/math">
-                      <m:oMathParaPr>
-                        <m:jc m:val="centerGroup"/>
-                      </m:oMathParaPr>
-                      <m:oMath xmlns:m="http://schemas.openxmlformats.org/officeDocument/2006/math">
-                        <m:r>
-                          <m:rPr>
-                            <m:sty m:val="p"/>
-                          </m:rPr>
-                          <a:rPr lang="en-US" b="0" i="0" smtClean="0">
-                            <a:latin typeface="Cambria Math" panose="02040503050406030204" pitchFamily="18" charset="0"/>
-                          </a:rPr>
-                          <m:t>Δ</m:t>
-                        </m:r>
-                        <m:r>
-                          <a:rPr lang="en-US" b="0" i="1" smtClean="0">
-                            <a:latin typeface="Cambria Math" panose="02040503050406030204" pitchFamily="18" charset="0"/>
-                          </a:rPr>
-                          <m:t>𝑥</m:t>
-                        </m:r>
-                      </m:oMath>
-                    </m:oMathPara>
-                  </a14:m>
-                  <a:endParaRPr lang="en-US" dirty="0"/>
-                </a:p>
-              </p:txBody>
-            </p:sp>
-          </mc:Choice>
-          <mc:Fallback xmlns="">
-            <p:sp>
-              <p:nvSpPr>
-                <p:cNvPr id="19" name="TextBox 18">
-                  <a:extLst>
-                    <a:ext uri="{FF2B5EF4-FFF2-40B4-BE49-F238E27FC236}">
-                      <a16:creationId xmlns:a16="http://schemas.microsoft.com/office/drawing/2014/main" id="{A02911BF-BD65-A6F5-F3FA-7FB247061042}"/>
-                    </a:ext>
-                  </a:extLst>
-                </p:cNvPr>
-                <p:cNvSpPr txBox="1">
-                  <a:spLocks noRot="1" noChangeAspect="1" noMove="1" noResize="1" noEditPoints="1" noAdjustHandles="1" noChangeArrowheads="1" noChangeShapeType="1" noTextEdit="1"/>
-                </p:cNvSpPr>
-                <p:nvPr/>
-              </p:nvSpPr>
-              <p:spPr>
-                <a:xfrm>
-                  <a:off x="5224113" y="2208901"/>
-                  <a:ext cx="314766" cy="276999"/>
-                </a:xfrm>
-                <a:prstGeom prst="rect">
-                  <a:avLst/>
-                </a:prstGeom>
-                <a:blipFill>
-                  <a:blip r:embed="rId2"/>
-                  <a:stretch>
-                    <a:fillRect l="-17308" r="-9615" b="-6667"/>
-                  </a:stretch>
-                </a:blipFill>
-              </p:spPr>
-              <p:txBody>
-                <a:bodyPr/>
-                <a:lstStyle/>
-                <a:p>
-                  <a:r>
-                    <a:rPr lang="en-US">
-                      <a:noFill/>
-                    </a:rPr>
-                    <a:t> </a:t>
-                  </a:r>
-                </a:p>
-              </p:txBody>
-            </p:sp>
-          </mc:Fallback>
-        </mc:AlternateContent>
-        <mc:AlternateContent xmlns:mc="http://schemas.openxmlformats.org/markup-compatibility/2006" xmlns:a14="http://schemas.microsoft.com/office/drawing/2010/main">
-          <mc:Choice Requires="a14">
-            <p:sp>
-              <p:nvSpPr>
-                <p:cNvPr id="20" name="TextBox 19">
-                  <a:extLst>
-                    <a:ext uri="{FF2B5EF4-FFF2-40B4-BE49-F238E27FC236}">
-                      <a16:creationId xmlns:a16="http://schemas.microsoft.com/office/drawing/2014/main" id="{709A9A52-8879-116D-94C7-598C6C47243D}"/>
-                    </a:ext>
-                  </a:extLst>
-                </p:cNvPr>
-                <p:cNvSpPr txBox="1"/>
-                <p:nvPr/>
-              </p:nvSpPr>
-              <p:spPr>
-                <a:xfrm>
-                  <a:off x="5553595" y="910811"/>
-                  <a:ext cx="285335" cy="276999"/>
-                </a:xfrm>
-                <a:prstGeom prst="rect">
-                  <a:avLst/>
-                </a:prstGeom>
-                <a:noFill/>
-              </p:spPr>
-              <p:txBody>
-                <a:bodyPr wrap="none" lIns="0" tIns="0" rIns="0" bIns="0" rtlCol="0">
-                  <a:spAutoFit/>
-                </a:bodyPr>
-                <a:lstStyle/>
-                <a:p>
-                  <a:pPr/>
-                  <a14:m>
-                    <m:oMathPara xmlns:m="http://schemas.openxmlformats.org/officeDocument/2006/math">
-                      <m:oMathParaPr>
-                        <m:jc m:val="centerGroup"/>
-                      </m:oMathParaPr>
-                      <m:oMath xmlns:m="http://schemas.openxmlformats.org/officeDocument/2006/math">
-                        <m:sSub>
-                          <m:sSubPr>
-                            <m:ctrlPr>
-                              <a:rPr lang="en-US" b="0" i="1" smtClean="0">
-                                <a:latin typeface="Cambria Math" panose="02040503050406030204" pitchFamily="18" charset="0"/>
-                              </a:rPr>
-                            </m:ctrlPr>
-                          </m:sSubPr>
-                          <m:e>
-                            <m:r>
-                              <a:rPr lang="en-US" b="0" i="1" smtClean="0">
-                                <a:latin typeface="Cambria Math" panose="02040503050406030204" pitchFamily="18" charset="0"/>
-                              </a:rPr>
-                              <m:t>𝑉</m:t>
-                            </m:r>
-                          </m:e>
-                          <m:sub>
-                            <m:r>
-                              <a:rPr lang="en-US" b="0" i="1" smtClean="0">
-                                <a:latin typeface="Cambria Math" panose="02040503050406030204" pitchFamily="18" charset="0"/>
-                              </a:rPr>
-                              <m:t>𝑅</m:t>
-                            </m:r>
-                          </m:sub>
-                        </m:sSub>
-                      </m:oMath>
-                    </m:oMathPara>
-                  </a14:m>
-                  <a:endParaRPr lang="en-US" dirty="0"/>
-                </a:p>
-              </p:txBody>
-            </p:sp>
-          </mc:Choice>
-          <mc:Fallback xmlns="">
-            <p:sp>
-              <p:nvSpPr>
-                <p:cNvPr id="20" name="TextBox 19">
-                  <a:extLst>
-                    <a:ext uri="{FF2B5EF4-FFF2-40B4-BE49-F238E27FC236}">
-                      <a16:creationId xmlns:a16="http://schemas.microsoft.com/office/drawing/2014/main" id="{709A9A52-8879-116D-94C7-598C6C47243D}"/>
-                    </a:ext>
-                  </a:extLst>
-                </p:cNvPr>
-                <p:cNvSpPr txBox="1">
-                  <a:spLocks noRot="1" noChangeAspect="1" noMove="1" noResize="1" noEditPoints="1" noAdjustHandles="1" noChangeArrowheads="1" noChangeShapeType="1" noTextEdit="1"/>
-                </p:cNvSpPr>
-                <p:nvPr/>
-              </p:nvSpPr>
-              <p:spPr>
-                <a:xfrm>
-                  <a:off x="5553595" y="910811"/>
-                  <a:ext cx="285335" cy="276999"/>
-                </a:xfrm>
-                <a:prstGeom prst="rect">
-                  <a:avLst/>
-                </a:prstGeom>
-                <a:blipFill>
-                  <a:blip r:embed="rId3"/>
-                  <a:stretch>
-                    <a:fillRect l="-19149" r="-8511" b="-15556"/>
-                  </a:stretch>
-                </a:blipFill>
-              </p:spPr>
-              <p:txBody>
-                <a:bodyPr/>
-                <a:lstStyle/>
-                <a:p>
-                  <a:r>
-                    <a:rPr lang="en-US">
-                      <a:noFill/>
-                    </a:rPr>
-                    <a:t> </a:t>
-                  </a:r>
-                </a:p>
-              </p:txBody>
-            </p:sp>
-          </mc:Fallback>
-        </mc:AlternateContent>
-        <mc:AlternateContent xmlns:mc="http://schemas.openxmlformats.org/markup-compatibility/2006" xmlns:a14="http://schemas.microsoft.com/office/drawing/2010/main">
-          <mc:Choice Requires="a14">
-            <p:sp>
-              <p:nvSpPr>
-                <p:cNvPr id="21" name="TextBox 20">
-                  <a:extLst>
-                    <a:ext uri="{FF2B5EF4-FFF2-40B4-BE49-F238E27FC236}">
-                      <a16:creationId xmlns:a16="http://schemas.microsoft.com/office/drawing/2014/main" id="{80E7F20C-80DB-AC5A-3EE2-2305C594E732}"/>
-                    </a:ext>
-                  </a:extLst>
-                </p:cNvPr>
-                <p:cNvSpPr txBox="1"/>
-                <p:nvPr/>
-              </p:nvSpPr>
-              <p:spPr>
-                <a:xfrm>
-                  <a:off x="5224113" y="2504605"/>
-                  <a:ext cx="314766" cy="276999"/>
-                </a:xfrm>
-                <a:prstGeom prst="rect">
-                  <a:avLst/>
-                </a:prstGeom>
-                <a:noFill/>
-              </p:spPr>
-              <p:txBody>
-                <a:bodyPr wrap="none" lIns="0" tIns="0" rIns="0" bIns="0" rtlCol="0">
-                  <a:spAutoFit/>
-                </a:bodyPr>
-                <a:lstStyle/>
-                <a:p>
-                  <a:pPr/>
-                  <a14:m>
-                    <m:oMathPara xmlns:m="http://schemas.openxmlformats.org/officeDocument/2006/math">
-                      <m:oMathParaPr>
-                        <m:jc m:val="centerGroup"/>
-                      </m:oMathParaPr>
-                      <m:oMath xmlns:m="http://schemas.openxmlformats.org/officeDocument/2006/math">
-                        <m:r>
-                          <m:rPr>
-                            <m:sty m:val="p"/>
-                          </m:rPr>
-                          <a:rPr lang="en-US" b="0" i="0" smtClean="0">
-                            <a:latin typeface="Cambria Math" panose="02040503050406030204" pitchFamily="18" charset="0"/>
-                          </a:rPr>
-                          <m:t>Δ</m:t>
-                        </m:r>
-                        <m:r>
-                          <a:rPr lang="en-US" b="0" i="1" smtClean="0">
-                            <a:latin typeface="Cambria Math" panose="02040503050406030204" pitchFamily="18" charset="0"/>
-                          </a:rPr>
-                          <m:t>𝑣</m:t>
-                        </m:r>
-                      </m:oMath>
-                    </m:oMathPara>
-                  </a14:m>
-                  <a:endParaRPr lang="en-US" dirty="0"/>
-                </a:p>
-              </p:txBody>
-            </p:sp>
-          </mc:Choice>
-          <mc:Fallback xmlns="">
-            <p:sp>
-              <p:nvSpPr>
-                <p:cNvPr id="21" name="TextBox 20">
-                  <a:extLst>
-                    <a:ext uri="{FF2B5EF4-FFF2-40B4-BE49-F238E27FC236}">
-                      <a16:creationId xmlns:a16="http://schemas.microsoft.com/office/drawing/2014/main" id="{80E7F20C-80DB-AC5A-3EE2-2305C594E732}"/>
-                    </a:ext>
-                  </a:extLst>
-                </p:cNvPr>
-                <p:cNvSpPr txBox="1">
-                  <a:spLocks noRot="1" noChangeAspect="1" noMove="1" noResize="1" noEditPoints="1" noAdjustHandles="1" noChangeArrowheads="1" noChangeShapeType="1" noTextEdit="1"/>
-                </p:cNvSpPr>
-                <p:nvPr/>
-              </p:nvSpPr>
-              <p:spPr>
-                <a:xfrm>
-                  <a:off x="5224113" y="2504605"/>
-                  <a:ext cx="314766" cy="276999"/>
-                </a:xfrm>
-                <a:prstGeom prst="rect">
-                  <a:avLst/>
-                </a:prstGeom>
-                <a:blipFill>
-                  <a:blip r:embed="rId4"/>
-                  <a:stretch>
-                    <a:fillRect l="-17308" r="-11538" b="-6522"/>
-                  </a:stretch>
-                </a:blipFill>
-              </p:spPr>
-              <p:txBody>
-                <a:bodyPr/>
-                <a:lstStyle/>
-                <a:p>
-                  <a:r>
-                    <a:rPr lang="en-US">
-                      <a:noFill/>
-                    </a:rPr>
-                    <a:t> </a:t>
-                  </a:r>
-                </a:p>
-              </p:txBody>
-            </p:sp>
-          </mc:Fallback>
-        </mc:AlternateContent>
-        <p:cxnSp>
-          <p:nvCxnSpPr>
-            <p:cNvPr id="23" name="Straight Arrow Connector 22">
-              <a:extLst>
-                <a:ext uri="{FF2B5EF4-FFF2-40B4-BE49-F238E27FC236}">
-                  <a16:creationId xmlns:a16="http://schemas.microsoft.com/office/drawing/2014/main" id="{A6E25C9C-EDBB-79D8-4F5D-CC75C392AAB6}"/>
-                </a:ext>
-              </a:extLst>
-            </p:cNvPr>
-            <p:cNvCxnSpPr/>
-            <p:nvPr/>
-          </p:nvCxnSpPr>
-          <p:spPr>
-            <a:xfrm>
-              <a:off x="4251959" y="1638691"/>
-              <a:ext cx="3123201" cy="0"/>
-            </a:xfrm>
-            <a:prstGeom prst="straightConnector1">
-              <a:avLst/>
-            </a:prstGeom>
-            <a:ln w="12700">
-              <a:headEnd type="triangle"/>
-              <a:tailEnd type="triangle"/>
-            </a:ln>
-          </p:spPr>
-          <p:style>
-            <a:lnRef idx="2">
-              <a:schemeClr val="accent1"/>
-            </a:lnRef>
-            <a:fillRef idx="0">
-              <a:schemeClr val="accent1"/>
-            </a:fillRef>
-            <a:effectRef idx="1">
-              <a:schemeClr val="accent1"/>
-            </a:effectRef>
-            <a:fontRef idx="minor">
-              <a:schemeClr val="tx1"/>
-            </a:fontRef>
-          </p:style>
-        </p:cxnSp>
-        <mc:AlternateContent xmlns:mc="http://schemas.openxmlformats.org/markup-compatibility/2006" xmlns:a14="http://schemas.microsoft.com/office/drawing/2010/main">
-          <mc:Choice Requires="a14">
-            <p:sp>
-              <p:nvSpPr>
-                <p:cNvPr id="24" name="TextBox 23">
-                  <a:extLst>
-                    <a:ext uri="{FF2B5EF4-FFF2-40B4-BE49-F238E27FC236}">
-                      <a16:creationId xmlns:a16="http://schemas.microsoft.com/office/drawing/2014/main" id="{69FA9E66-2404-904A-58E9-AFE00E8E2A9F}"/>
-                    </a:ext>
-                  </a:extLst>
-                </p:cNvPr>
-                <p:cNvSpPr txBox="1"/>
-                <p:nvPr/>
-              </p:nvSpPr>
-              <p:spPr>
-                <a:xfrm>
-                  <a:off x="5598326" y="1372341"/>
-                  <a:ext cx="174663" cy="276999"/>
-                </a:xfrm>
-                <a:prstGeom prst="rect">
-                  <a:avLst/>
-                </a:prstGeom>
-                <a:noFill/>
-              </p:spPr>
-              <p:txBody>
-                <a:bodyPr wrap="none" lIns="0" tIns="0" rIns="0" bIns="0" rtlCol="0">
-                  <a:spAutoFit/>
-                </a:bodyPr>
-                <a:lstStyle/>
-                <a:p>
-                  <a:pPr/>
-                  <a14:m>
-                    <m:oMathPara xmlns:m="http://schemas.openxmlformats.org/officeDocument/2006/math">
-                      <m:oMathParaPr>
-                        <m:jc m:val="centerGroup"/>
-                      </m:oMathParaPr>
-                      <m:oMath xmlns:m="http://schemas.openxmlformats.org/officeDocument/2006/math">
-                        <m:r>
-                          <a:rPr lang="en-US" b="0" i="1" smtClean="0">
-                            <a:latin typeface="Cambria Math" panose="02040503050406030204" pitchFamily="18" charset="0"/>
-                          </a:rPr>
-                          <m:t>𝐿</m:t>
-                        </m:r>
-                      </m:oMath>
-                    </m:oMathPara>
-                  </a14:m>
-                  <a:endParaRPr lang="en-US" dirty="0"/>
-                </a:p>
-              </p:txBody>
-            </p:sp>
-          </mc:Choice>
-          <mc:Fallback xmlns="">
-            <p:sp>
-              <p:nvSpPr>
-                <p:cNvPr id="24" name="TextBox 23">
-                  <a:extLst>
-                    <a:ext uri="{FF2B5EF4-FFF2-40B4-BE49-F238E27FC236}">
-                      <a16:creationId xmlns:a16="http://schemas.microsoft.com/office/drawing/2014/main" id="{69FA9E66-2404-904A-58E9-AFE00E8E2A9F}"/>
-                    </a:ext>
-                  </a:extLst>
-                </p:cNvPr>
-                <p:cNvSpPr txBox="1">
-                  <a:spLocks noRot="1" noChangeAspect="1" noMove="1" noResize="1" noEditPoints="1" noAdjustHandles="1" noChangeArrowheads="1" noChangeShapeType="1" noTextEdit="1"/>
-                </p:cNvSpPr>
-                <p:nvPr/>
-              </p:nvSpPr>
-              <p:spPr>
-                <a:xfrm>
-                  <a:off x="5598326" y="1372341"/>
-                  <a:ext cx="174663" cy="276999"/>
-                </a:xfrm>
-                <a:prstGeom prst="rect">
-                  <a:avLst/>
-                </a:prstGeom>
-                <a:blipFill>
-                  <a:blip r:embed="rId5"/>
-                  <a:stretch>
-                    <a:fillRect l="-35714" r="-32143" b="-6667"/>
-                  </a:stretch>
-                </a:blipFill>
-              </p:spPr>
-              <p:txBody>
-                <a:bodyPr/>
-                <a:lstStyle/>
-                <a:p>
-                  <a:r>
-                    <a:rPr lang="en-US">
-                      <a:noFill/>
-                    </a:rPr>
-                    <a:t> </a:t>
-                  </a:r>
-                </a:p>
-              </p:txBody>
-            </p:sp>
-          </mc:Fallback>
-        </mc:AlternateContent>
-        <p:cxnSp>
-          <p:nvCxnSpPr>
-            <p:cNvPr id="25" name="Straight Arrow Connector 24">
-              <a:extLst>
-                <a:ext uri="{FF2B5EF4-FFF2-40B4-BE49-F238E27FC236}">
-                  <a16:creationId xmlns:a16="http://schemas.microsoft.com/office/drawing/2014/main" id="{53E8713C-A97C-6F57-2AB1-D322936DFB68}"/>
-                </a:ext>
-              </a:extLst>
-            </p:cNvPr>
-            <p:cNvCxnSpPr>
-              <a:cxnSpLocks/>
-            </p:cNvCxnSpPr>
-            <p:nvPr/>
-          </p:nvCxnSpPr>
-          <p:spPr>
-            <a:xfrm flipV="1">
-              <a:off x="3777772" y="1683241"/>
-              <a:ext cx="405608" cy="411909"/>
-            </a:xfrm>
-            <a:prstGeom prst="straightConnector1">
-              <a:avLst/>
-            </a:prstGeom>
-            <a:ln w="12700">
-              <a:headEnd type="triangle"/>
-              <a:tailEnd type="triangle"/>
-            </a:ln>
-          </p:spPr>
-          <p:style>
-            <a:lnRef idx="2">
-              <a:schemeClr val="accent1"/>
-            </a:lnRef>
-            <a:fillRef idx="0">
-              <a:schemeClr val="accent1"/>
-            </a:fillRef>
-            <a:effectRef idx="1">
-              <a:schemeClr val="accent1"/>
-            </a:effectRef>
-            <a:fontRef idx="minor">
-              <a:schemeClr val="tx1"/>
-            </a:fontRef>
-          </p:style>
-        </p:cxnSp>
-        <mc:AlternateContent xmlns:mc="http://schemas.openxmlformats.org/markup-compatibility/2006" xmlns:a14="http://schemas.microsoft.com/office/drawing/2010/main">
-          <mc:Choice Requires="a14">
-            <p:sp>
-              <p:nvSpPr>
-                <p:cNvPr id="29" name="TextBox 28">
-                  <a:extLst>
-                    <a:ext uri="{FF2B5EF4-FFF2-40B4-BE49-F238E27FC236}">
-                      <a16:creationId xmlns:a16="http://schemas.microsoft.com/office/drawing/2014/main" id="{E476D16A-CE2B-407F-23F8-C387305D4A56}"/>
-                    </a:ext>
-                  </a:extLst>
-                </p:cNvPr>
-                <p:cNvSpPr txBox="1"/>
-                <p:nvPr/>
-              </p:nvSpPr>
-              <p:spPr>
-                <a:xfrm>
-                  <a:off x="3837482" y="1612196"/>
-                  <a:ext cx="275140" cy="276999"/>
-                </a:xfrm>
-                <a:prstGeom prst="rect">
-                  <a:avLst/>
-                </a:prstGeom>
-                <a:noFill/>
-              </p:spPr>
-              <p:txBody>
-                <a:bodyPr wrap="none" lIns="0" tIns="0" rIns="0" bIns="0" rtlCol="0">
-                  <a:spAutoFit/>
-                </a:bodyPr>
-                <a:lstStyle/>
-                <a:p>
-                  <a:pPr/>
-                  <a14:m>
-                    <m:oMathPara xmlns:m="http://schemas.openxmlformats.org/officeDocument/2006/math">
-                      <m:oMathParaPr>
-                        <m:jc m:val="centerGroup"/>
-                      </m:oMathParaPr>
-                      <m:oMath xmlns:m="http://schemas.openxmlformats.org/officeDocument/2006/math">
-                        <m:r>
-                          <a:rPr lang="en-US" b="0" i="1" smtClean="0">
-                            <a:latin typeface="Cambria Math" panose="02040503050406030204" pitchFamily="18" charset="0"/>
-                          </a:rPr>
-                          <m:t>𝑊</m:t>
-                        </m:r>
-                      </m:oMath>
-                    </m:oMathPara>
-                  </a14:m>
-                  <a:endParaRPr lang="en-US" dirty="0"/>
-                </a:p>
-              </p:txBody>
-            </p:sp>
-          </mc:Choice>
-          <mc:Fallback xmlns="">
-            <p:sp>
-              <p:nvSpPr>
-                <p:cNvPr id="29" name="TextBox 28">
-                  <a:extLst>
-                    <a:ext uri="{FF2B5EF4-FFF2-40B4-BE49-F238E27FC236}">
-                      <a16:creationId xmlns:a16="http://schemas.microsoft.com/office/drawing/2014/main" id="{E476D16A-CE2B-407F-23F8-C387305D4A56}"/>
-                    </a:ext>
-                  </a:extLst>
-                </p:cNvPr>
-                <p:cNvSpPr txBox="1">
-                  <a:spLocks noRot="1" noChangeAspect="1" noMove="1" noResize="1" noEditPoints="1" noAdjustHandles="1" noChangeArrowheads="1" noChangeShapeType="1" noTextEdit="1"/>
-                </p:cNvSpPr>
-                <p:nvPr/>
-              </p:nvSpPr>
-              <p:spPr>
-                <a:xfrm>
-                  <a:off x="3837482" y="1612196"/>
-                  <a:ext cx="275140" cy="276999"/>
-                </a:xfrm>
-                <a:prstGeom prst="rect">
-                  <a:avLst/>
-                </a:prstGeom>
-                <a:blipFill>
-                  <a:blip r:embed="rId6"/>
-                  <a:stretch>
-                    <a:fillRect l="-22222" r="-17778" b="-6667"/>
-                  </a:stretch>
-                </a:blipFill>
-              </p:spPr>
-              <p:txBody>
-                <a:bodyPr/>
-                <a:lstStyle/>
-                <a:p>
-                  <a:r>
-                    <a:rPr lang="en-US">
-                      <a:noFill/>
-                    </a:rPr>
-                    <a:t> </a:t>
-                  </a:r>
-                </a:p>
-              </p:txBody>
-            </p:sp>
-          </mc:Fallback>
-        </mc:AlternateContent>
-        <p:cxnSp>
-          <p:nvCxnSpPr>
-            <p:cNvPr id="30" name="Straight Arrow Connector 29">
-              <a:extLst>
-                <a:ext uri="{FF2B5EF4-FFF2-40B4-BE49-F238E27FC236}">
-                  <a16:creationId xmlns:a16="http://schemas.microsoft.com/office/drawing/2014/main" id="{0EC9F2B5-32BC-C639-76C1-4E1D6782AC01}"/>
-                </a:ext>
-              </a:extLst>
-            </p:cNvPr>
-            <p:cNvCxnSpPr>
-              <a:cxnSpLocks/>
-            </p:cNvCxnSpPr>
-            <p:nvPr/>
-          </p:nvCxnSpPr>
-          <p:spPr>
-            <a:xfrm flipH="1" flipV="1">
-              <a:off x="3948764" y="2110556"/>
-              <a:ext cx="1" cy="737969"/>
-            </a:xfrm>
-            <a:prstGeom prst="straightConnector1">
-              <a:avLst/>
-            </a:prstGeom>
-            <a:ln w="12700">
-              <a:headEnd type="triangle"/>
-              <a:tailEnd type="triangle"/>
-            </a:ln>
-          </p:spPr>
-          <p:style>
-            <a:lnRef idx="2">
-              <a:schemeClr val="accent1"/>
-            </a:lnRef>
-            <a:fillRef idx="0">
-              <a:schemeClr val="accent1"/>
-            </a:fillRef>
-            <a:effectRef idx="1">
-              <a:schemeClr val="accent1"/>
-            </a:effectRef>
-            <a:fontRef idx="minor">
-              <a:schemeClr val="tx1"/>
-            </a:fontRef>
-          </p:style>
-        </p:cxnSp>
-        <mc:AlternateContent xmlns:mc="http://schemas.openxmlformats.org/markup-compatibility/2006" xmlns:a14="http://schemas.microsoft.com/office/drawing/2010/main">
-          <mc:Choice Requires="a14">
-            <p:sp>
-              <p:nvSpPr>
-                <p:cNvPr id="36" name="TextBox 35">
-                  <a:extLst>
-                    <a:ext uri="{FF2B5EF4-FFF2-40B4-BE49-F238E27FC236}">
-                      <a16:creationId xmlns:a16="http://schemas.microsoft.com/office/drawing/2014/main" id="{D221FCAF-D3A5-D231-9EC1-CDF0997EE86F}"/>
-                    </a:ext>
-                  </a:extLst>
-                </p:cNvPr>
-                <p:cNvSpPr txBox="1"/>
-                <p:nvPr/>
-              </p:nvSpPr>
-              <p:spPr>
-                <a:xfrm>
-                  <a:off x="3986030" y="2388303"/>
-                  <a:ext cx="178702" cy="276999"/>
-                </a:xfrm>
-                <a:prstGeom prst="rect">
-                  <a:avLst/>
-                </a:prstGeom>
-                <a:noFill/>
-              </p:spPr>
-              <p:txBody>
-                <a:bodyPr wrap="none" lIns="0" tIns="0" rIns="0" bIns="0" rtlCol="0">
-                  <a:spAutoFit/>
-                </a:bodyPr>
-                <a:lstStyle/>
-                <a:p>
-                  <a:pPr/>
-                  <a14:m>
-                    <m:oMathPara xmlns:m="http://schemas.openxmlformats.org/officeDocument/2006/math">
-                      <m:oMathParaPr>
-                        <m:jc m:val="centerGroup"/>
-                      </m:oMathParaPr>
-                      <m:oMath xmlns:m="http://schemas.openxmlformats.org/officeDocument/2006/math">
-                        <m:r>
-                          <a:rPr lang="en-US" b="0" i="1" smtClean="0">
-                            <a:latin typeface="Cambria Math" panose="02040503050406030204" pitchFamily="18" charset="0"/>
-                          </a:rPr>
-                          <m:t>h</m:t>
-                        </m:r>
-                      </m:oMath>
-                    </m:oMathPara>
-                  </a14:m>
-                  <a:endParaRPr lang="en-US" dirty="0"/>
-                </a:p>
-              </p:txBody>
-            </p:sp>
-          </mc:Choice>
-          <mc:Fallback xmlns="">
-            <p:sp>
-              <p:nvSpPr>
-                <p:cNvPr id="36" name="TextBox 35">
-                  <a:extLst>
-                    <a:ext uri="{FF2B5EF4-FFF2-40B4-BE49-F238E27FC236}">
-                      <a16:creationId xmlns:a16="http://schemas.microsoft.com/office/drawing/2014/main" id="{D221FCAF-D3A5-D231-9EC1-CDF0997EE86F}"/>
-                    </a:ext>
-                  </a:extLst>
-                </p:cNvPr>
-                <p:cNvSpPr txBox="1">
-                  <a:spLocks noRot="1" noChangeAspect="1" noMove="1" noResize="1" noEditPoints="1" noAdjustHandles="1" noChangeArrowheads="1" noChangeShapeType="1" noTextEdit="1"/>
-                </p:cNvSpPr>
-                <p:nvPr/>
-              </p:nvSpPr>
-              <p:spPr>
-                <a:xfrm>
-                  <a:off x="3986030" y="2388303"/>
-                  <a:ext cx="178702" cy="276999"/>
-                </a:xfrm>
-                <a:prstGeom prst="rect">
-                  <a:avLst/>
-                </a:prstGeom>
-                <a:blipFill>
-                  <a:blip r:embed="rId7"/>
-                  <a:stretch>
-                    <a:fillRect l="-34483" r="-34483" b="-6522"/>
-                  </a:stretch>
-                </a:blipFill>
-              </p:spPr>
-              <p:txBody>
-                <a:bodyPr/>
-                <a:lstStyle/>
-                <a:p>
-                  <a:r>
-                    <a:rPr lang="en-US">
-                      <a:noFill/>
-                    </a:rPr>
-                    <a:t> </a:t>
-                  </a:r>
-                </a:p>
-              </p:txBody>
-            </p:sp>
-          </mc:Fallback>
-        </mc:AlternateContent>
-      </p:grpSp>
+          <a:prstGeom prst="rect">
+            <a:avLst/>
+          </a:prstGeom>
+        </p:spPr>
+      </p:pic>
       <p:sp>
         <p:nvSpPr>
-          <p:cNvPr id="40" name="TextBox 39">
+          <p:cNvPr id="4" name="TextBox 3">
             <a:extLst>
               <a:ext uri="{FF2B5EF4-FFF2-40B4-BE49-F238E27FC236}">
-                <a16:creationId xmlns:a16="http://schemas.microsoft.com/office/drawing/2014/main" id="{2F151BFE-35F5-6CE9-3FE7-5722158C14F7}"/>
+                <a16:creationId xmlns:a16="http://schemas.microsoft.com/office/drawing/2014/main" id="{8A04F9CF-C8A1-3A71-E680-DC4E61943D03}"/>
               </a:ext>
             </a:extLst>
           </p:cNvPr>
@@ -25918,8 +26254,43 @@
         </p:nvSpPr>
         <p:spPr>
           <a:xfrm>
-            <a:off x="731708" y="5793450"/>
-            <a:ext cx="3534173" cy="369332"/>
+            <a:off x="515744" y="1162619"/>
+            <a:ext cx="3297973" cy="2585323"/>
+          </a:xfrm>
+          <a:prstGeom prst="rect">
+            <a:avLst/>
+          </a:prstGeom>
+          <a:noFill/>
+        </p:spPr>
+        <p:txBody>
+          <a:bodyPr wrap="square">
+            <a:spAutoFit/>
+          </a:bodyPr>
+          <a:lstStyle/>
+          <a:p>
+            <a:r>
+              <a:rPr lang="en-US" dirty="0"/>
+              <a:t>![Visualization of (a) donor and (b) acceptor actions via the bonding model. In (a), _Column V_ element P replaces a Si atom; in (b), Column III element B replaces a Si atom.](figures/fig-semi-dev-viz-doping){#fig-semi-dev-viz-doping}</a:t>
+            </a:r>
+          </a:p>
+        </p:txBody>
+      </p:sp>
+      <p:sp>
+        <p:nvSpPr>
+          <p:cNvPr id="5" name="TextBox 4">
+            <a:extLst>
+              <a:ext uri="{FF2B5EF4-FFF2-40B4-BE49-F238E27FC236}">
+                <a16:creationId xmlns:a16="http://schemas.microsoft.com/office/drawing/2014/main" id="{FE392DA5-4365-0AF0-D7AE-4B4AB715AD5D}"/>
+              </a:ext>
+            </a:extLst>
+          </p:cNvPr>
+          <p:cNvSpPr txBox="1"/>
+          <p:nvPr/>
+        </p:nvSpPr>
+        <p:spPr>
+          <a:xfrm>
+            <a:off x="244431" y="5597444"/>
+            <a:ext cx="1391728" cy="369332"/>
           </a:xfrm>
           <a:prstGeom prst="rect">
             <a:avLst/>
@@ -25934,7 +26305,42 @@
           <a:p>
             <a:r>
               <a:rPr lang="en-US" dirty="0"/>
-              <a:t>Fig-passives-res.png  R0 01/08/25</a:t>
+              <a:t>R0 02/22/25</a:t>
+            </a:r>
+          </a:p>
+        </p:txBody>
+      </p:sp>
+      <p:sp>
+        <p:nvSpPr>
+          <p:cNvPr id="6" name="TextBox 5">
+            <a:extLst>
+              <a:ext uri="{FF2B5EF4-FFF2-40B4-BE49-F238E27FC236}">
+                <a16:creationId xmlns:a16="http://schemas.microsoft.com/office/drawing/2014/main" id="{734344AE-7784-1FC0-F282-DFF2EA63D1D8}"/>
+              </a:ext>
+            </a:extLst>
+          </p:cNvPr>
+          <p:cNvSpPr txBox="1"/>
+          <p:nvPr/>
+        </p:nvSpPr>
+        <p:spPr>
+          <a:xfrm>
+            <a:off x="244431" y="6434401"/>
+            <a:ext cx="2338204" cy="338554"/>
+          </a:xfrm>
+          <a:prstGeom prst="rect">
+            <a:avLst/>
+          </a:prstGeom>
+          <a:noFill/>
+        </p:spPr>
+        <p:txBody>
+          <a:bodyPr wrap="none" rtlCol="0">
+            <a:spAutoFit/>
+          </a:bodyPr>
+          <a:lstStyle/>
+          <a:p>
+            <a:r>
+              <a:rPr lang="en-US" sz="1600" i="1" dirty="0"/>
+              <a:t>Ref: Fig 2.10 p-36 Pierret</a:t>
             </a:r>
           </a:p>
         </p:txBody>
@@ -25942,7 +26348,7 @@
     </p:spTree>
     <p:extLst>
       <p:ext uri="{BB962C8B-B14F-4D97-AF65-F5344CB8AC3E}">
-        <p14:creationId xmlns:p14="http://schemas.microsoft.com/office/powerpoint/2010/main" val="4036697413"/>
+        <p14:creationId xmlns:p14="http://schemas.microsoft.com/office/powerpoint/2010/main" val="240967839"/>
       </p:ext>
     </p:extLst>
   </p:cSld>

--- a/figures/fig.pptx
+++ b/figures/fig.pptx
@@ -14,24 +14,28 @@
     <p:sldId id="280" r:id="rId8"/>
     <p:sldId id="281" r:id="rId9"/>
     <p:sldId id="282" r:id="rId10"/>
-    <p:sldId id="274" r:id="rId11"/>
-    <p:sldId id="257" r:id="rId12"/>
-    <p:sldId id="258" r:id="rId13"/>
-    <p:sldId id="261" r:id="rId14"/>
-    <p:sldId id="262" r:id="rId15"/>
-    <p:sldId id="259" r:id="rId16"/>
-    <p:sldId id="260" r:id="rId17"/>
-    <p:sldId id="273" r:id="rId18"/>
-    <p:sldId id="263" r:id="rId19"/>
-    <p:sldId id="264" r:id="rId20"/>
-    <p:sldId id="265" r:id="rId21"/>
-    <p:sldId id="266" r:id="rId22"/>
-    <p:sldId id="267" r:id="rId23"/>
-    <p:sldId id="268" r:id="rId24"/>
-    <p:sldId id="269" r:id="rId25"/>
-    <p:sldId id="270" r:id="rId26"/>
-    <p:sldId id="271" r:id="rId27"/>
-    <p:sldId id="272" r:id="rId28"/>
+    <p:sldId id="283" r:id="rId11"/>
+    <p:sldId id="284" r:id="rId12"/>
+    <p:sldId id="285" r:id="rId13"/>
+    <p:sldId id="286" r:id="rId14"/>
+    <p:sldId id="274" r:id="rId15"/>
+    <p:sldId id="257" r:id="rId16"/>
+    <p:sldId id="258" r:id="rId17"/>
+    <p:sldId id="261" r:id="rId18"/>
+    <p:sldId id="262" r:id="rId19"/>
+    <p:sldId id="259" r:id="rId20"/>
+    <p:sldId id="260" r:id="rId21"/>
+    <p:sldId id="273" r:id="rId22"/>
+    <p:sldId id="263" r:id="rId23"/>
+    <p:sldId id="264" r:id="rId24"/>
+    <p:sldId id="265" r:id="rId25"/>
+    <p:sldId id="266" r:id="rId26"/>
+    <p:sldId id="267" r:id="rId27"/>
+    <p:sldId id="268" r:id="rId28"/>
+    <p:sldId id="269" r:id="rId29"/>
+    <p:sldId id="270" r:id="rId30"/>
+    <p:sldId id="271" r:id="rId31"/>
+    <p:sldId id="272" r:id="rId32"/>
   </p:sldIdLst>
   <p:sldSz cx="12192000" cy="6858000"/>
   <p:notesSz cx="6858000" cy="9144000"/>
@@ -3438,6 +3442,674 @@
           <a:chExt cx="0" cy="0"/>
         </a:xfrm>
       </p:grpSpPr>
+      <p:pic>
+        <p:nvPicPr>
+          <p:cNvPr id="3" name="Picture 2">
+            <a:extLst>
+              <a:ext uri="{FF2B5EF4-FFF2-40B4-BE49-F238E27FC236}">
+                <a16:creationId xmlns:a16="http://schemas.microsoft.com/office/drawing/2014/main" id="{F78F34E1-4E87-34D7-466E-6F6BA96F7CC4}"/>
+              </a:ext>
+            </a:extLst>
+          </p:cNvPr>
+          <p:cNvPicPr>
+            <a:picLocks noChangeAspect="1"/>
+          </p:cNvPicPr>
+          <p:nvPr/>
+        </p:nvPicPr>
+        <p:blipFill>
+          <a:blip r:embed="rId2"/>
+          <a:stretch>
+            <a:fillRect/>
+          </a:stretch>
+        </p:blipFill>
+        <p:spPr>
+          <a:xfrm>
+            <a:off x="5074103" y="358815"/>
+            <a:ext cx="5581061" cy="5636871"/>
+          </a:xfrm>
+          <a:prstGeom prst="rect">
+            <a:avLst/>
+          </a:prstGeom>
+        </p:spPr>
+      </p:pic>
+      <p:sp>
+        <p:nvSpPr>
+          <p:cNvPr id="5" name="TextBox 4">
+            <a:extLst>
+              <a:ext uri="{FF2B5EF4-FFF2-40B4-BE49-F238E27FC236}">
+                <a16:creationId xmlns:a16="http://schemas.microsoft.com/office/drawing/2014/main" id="{7DBB1CD8-D37C-59B5-10F7-3E497F672B17}"/>
+              </a:ext>
+            </a:extLst>
+          </p:cNvPr>
+          <p:cNvSpPr txBox="1"/>
+          <p:nvPr/>
+        </p:nvSpPr>
+        <p:spPr>
+          <a:xfrm>
+            <a:off x="355147" y="657722"/>
+            <a:ext cx="4135210" cy="2585323"/>
+          </a:xfrm>
+          <a:prstGeom prst="rect">
+            <a:avLst/>
+          </a:prstGeom>
+          <a:noFill/>
+        </p:spPr>
+        <p:txBody>
+          <a:bodyPr wrap="square">
+            <a:spAutoFit/>
+          </a:bodyPr>
+          <a:lstStyle/>
+          <a:p>
+            <a:r>
+              <a:rPr lang="en-US" dirty="0"/>
+              <a:t>![(a) Typical temperature dependence of majority-carrier concentration in a phosphorus-doped semiconductor. The plot includes $</a:t>
+            </a:r>
+            <a:r>
+              <a:rPr lang="en-US" dirty="0" err="1"/>
+              <a:t>n_i</a:t>
+            </a:r>
+            <a:r>
+              <a:rPr lang="en-US" dirty="0"/>
+              <a:t>/N_D$ vs. T (dashed line) for comparison. (b) Qualitative explanation of the concentration-temperature relationship shown in (a).](figures/fig-semi-dev-carrier-vs-t.png){#fig-semi-dev-carrier-vs-t}</a:t>
+            </a:r>
+          </a:p>
+        </p:txBody>
+      </p:sp>
+      <p:sp>
+        <p:nvSpPr>
+          <p:cNvPr id="6" name="TextBox 5">
+            <a:extLst>
+              <a:ext uri="{FF2B5EF4-FFF2-40B4-BE49-F238E27FC236}">
+                <a16:creationId xmlns:a16="http://schemas.microsoft.com/office/drawing/2014/main" id="{9FE2793F-FAF6-4FC1-6AAE-60375C7693CA}"/>
+              </a:ext>
+            </a:extLst>
+          </p:cNvPr>
+          <p:cNvSpPr txBox="1"/>
+          <p:nvPr/>
+        </p:nvSpPr>
+        <p:spPr>
+          <a:xfrm>
+            <a:off x="244431" y="5761563"/>
+            <a:ext cx="1391728" cy="369332"/>
+          </a:xfrm>
+          <a:prstGeom prst="rect">
+            <a:avLst/>
+          </a:prstGeom>
+          <a:noFill/>
+        </p:spPr>
+        <p:txBody>
+          <a:bodyPr wrap="none" rtlCol="0">
+            <a:spAutoFit/>
+          </a:bodyPr>
+          <a:lstStyle/>
+          <a:p>
+            <a:r>
+              <a:rPr lang="en-US" dirty="0"/>
+              <a:t>R0 02/23/25</a:t>
+            </a:r>
+          </a:p>
+        </p:txBody>
+      </p:sp>
+      <p:sp>
+        <p:nvSpPr>
+          <p:cNvPr id="7" name="TextBox 6">
+            <a:extLst>
+              <a:ext uri="{FF2B5EF4-FFF2-40B4-BE49-F238E27FC236}">
+                <a16:creationId xmlns:a16="http://schemas.microsoft.com/office/drawing/2014/main" id="{659386F2-450C-F5CE-378C-A7F989A56261}"/>
+              </a:ext>
+            </a:extLst>
+          </p:cNvPr>
+          <p:cNvSpPr txBox="1"/>
+          <p:nvPr/>
+        </p:nvSpPr>
+        <p:spPr>
+          <a:xfrm>
+            <a:off x="244431" y="6200278"/>
+            <a:ext cx="2338204" cy="338554"/>
+          </a:xfrm>
+          <a:prstGeom prst="rect">
+            <a:avLst/>
+          </a:prstGeom>
+          <a:noFill/>
+        </p:spPr>
+        <p:txBody>
+          <a:bodyPr wrap="none" rtlCol="0">
+            <a:spAutoFit/>
+          </a:bodyPr>
+          <a:lstStyle/>
+          <a:p>
+            <a:r>
+              <a:rPr lang="en-US" sz="1600" i="1" dirty="0"/>
+              <a:t>Ref: Fig 2.22 p-66 Pierret</a:t>
+            </a:r>
+          </a:p>
+        </p:txBody>
+      </p:sp>
+    </p:spTree>
+    <p:extLst>
+      <p:ext uri="{BB962C8B-B14F-4D97-AF65-F5344CB8AC3E}">
+        <p14:creationId xmlns:p14="http://schemas.microsoft.com/office/powerpoint/2010/main" val="944902160"/>
+      </p:ext>
+    </p:extLst>
+  </p:cSld>
+  <p:clrMapOvr>
+    <a:masterClrMapping/>
+  </p:clrMapOvr>
+</p:sld>
+</file>
+
+<file path=ppt/slides/slide11.xml><?xml version="1.0" encoding="utf-8"?>
+<p:sld xmlns:a="http://schemas.openxmlformats.org/drawingml/2006/main" xmlns:r="http://schemas.openxmlformats.org/officeDocument/2006/relationships" xmlns:p="http://schemas.openxmlformats.org/presentationml/2006/main">
+  <p:cSld>
+    <p:spTree>
+      <p:nvGrpSpPr>
+        <p:cNvPr id="1" name=""/>
+        <p:cNvGrpSpPr/>
+        <p:nvPr/>
+      </p:nvGrpSpPr>
+      <p:grpSpPr>
+        <a:xfrm>
+          <a:off x="0" y="0"/>
+          <a:ext cx="0" cy="0"/>
+          <a:chOff x="0" y="0"/>
+          <a:chExt cx="0" cy="0"/>
+        </a:xfrm>
+      </p:grpSpPr>
+      <p:sp>
+        <p:nvSpPr>
+          <p:cNvPr id="3" name="TextBox 2">
+            <a:extLst>
+              <a:ext uri="{FF2B5EF4-FFF2-40B4-BE49-F238E27FC236}">
+                <a16:creationId xmlns:a16="http://schemas.microsoft.com/office/drawing/2014/main" id="{1DBF7A06-CB52-00C9-61A5-D03AC0BA0A4C}"/>
+              </a:ext>
+            </a:extLst>
+          </p:cNvPr>
+          <p:cNvSpPr txBox="1"/>
+          <p:nvPr/>
+        </p:nvSpPr>
+        <p:spPr>
+          <a:xfrm>
+            <a:off x="224519" y="1106464"/>
+            <a:ext cx="3775981" cy="2308324"/>
+          </a:xfrm>
+          <a:prstGeom prst="rect">
+            <a:avLst/>
+          </a:prstGeom>
+          <a:noFill/>
+        </p:spPr>
+        <p:txBody>
+          <a:bodyPr wrap="square">
+            <a:spAutoFit/>
+          </a:bodyPr>
+          <a:lstStyle/>
+          <a:p>
+            <a:r>
+              <a:rPr lang="en-US" dirty="0"/>
+              <a:t>![Visualization of carrier drift: (a) motion of carriers within a biased semiconductor bar; (b) _drifting_ hole on a microscopic or atomic scale; (c) carrier drift on a macroscopic scale.](figures/fig-sem-dev-carrier-drift.png){#fig-sem-dev-carrier-drift}</a:t>
+            </a:r>
+          </a:p>
+        </p:txBody>
+      </p:sp>
+      <p:pic>
+        <p:nvPicPr>
+          <p:cNvPr id="5" name="Picture 4">
+            <a:extLst>
+              <a:ext uri="{FF2B5EF4-FFF2-40B4-BE49-F238E27FC236}">
+                <a16:creationId xmlns:a16="http://schemas.microsoft.com/office/drawing/2014/main" id="{85D230F4-B6EC-67F4-DA5C-186FE82BD95E}"/>
+              </a:ext>
+            </a:extLst>
+          </p:cNvPr>
+          <p:cNvPicPr>
+            <a:picLocks noChangeAspect="1"/>
+          </p:cNvPicPr>
+          <p:nvPr/>
+        </p:nvPicPr>
+        <p:blipFill>
+          <a:blip r:embed="rId2"/>
+          <a:stretch>
+            <a:fillRect/>
+          </a:stretch>
+        </p:blipFill>
+        <p:spPr>
+          <a:xfrm>
+            <a:off x="4530498" y="3144610"/>
+            <a:ext cx="6657975" cy="1809750"/>
+          </a:xfrm>
+          <a:prstGeom prst="rect">
+            <a:avLst/>
+          </a:prstGeom>
+        </p:spPr>
+      </p:pic>
+      <p:sp>
+        <p:nvSpPr>
+          <p:cNvPr id="6" name="TextBox 5">
+            <a:extLst>
+              <a:ext uri="{FF2B5EF4-FFF2-40B4-BE49-F238E27FC236}">
+                <a16:creationId xmlns:a16="http://schemas.microsoft.com/office/drawing/2014/main" id="{E00187A4-7CD6-6F02-8CA2-589F3DD58354}"/>
+              </a:ext>
+            </a:extLst>
+          </p:cNvPr>
+          <p:cNvSpPr txBox="1"/>
+          <p:nvPr/>
+        </p:nvSpPr>
+        <p:spPr>
+          <a:xfrm>
+            <a:off x="244431" y="5761563"/>
+            <a:ext cx="1391728" cy="369332"/>
+          </a:xfrm>
+          <a:prstGeom prst="rect">
+            <a:avLst/>
+          </a:prstGeom>
+          <a:noFill/>
+        </p:spPr>
+        <p:txBody>
+          <a:bodyPr wrap="none" rtlCol="0">
+            <a:spAutoFit/>
+          </a:bodyPr>
+          <a:lstStyle/>
+          <a:p>
+            <a:r>
+              <a:rPr lang="en-US" dirty="0"/>
+              <a:t>R0 02/23/25</a:t>
+            </a:r>
+          </a:p>
+        </p:txBody>
+      </p:sp>
+      <p:sp>
+        <p:nvSpPr>
+          <p:cNvPr id="7" name="TextBox 6">
+            <a:extLst>
+              <a:ext uri="{FF2B5EF4-FFF2-40B4-BE49-F238E27FC236}">
+                <a16:creationId xmlns:a16="http://schemas.microsoft.com/office/drawing/2014/main" id="{8A27C91F-53F4-E84E-BC88-8051EF7A0D50}"/>
+              </a:ext>
+            </a:extLst>
+          </p:cNvPr>
+          <p:cNvSpPr txBox="1"/>
+          <p:nvPr/>
+        </p:nvSpPr>
+        <p:spPr>
+          <a:xfrm>
+            <a:off x="244431" y="6200278"/>
+            <a:ext cx="2214902" cy="338554"/>
+          </a:xfrm>
+          <a:prstGeom prst="rect">
+            <a:avLst/>
+          </a:prstGeom>
+          <a:noFill/>
+        </p:spPr>
+        <p:txBody>
+          <a:bodyPr wrap="none" rtlCol="0">
+            <a:spAutoFit/>
+          </a:bodyPr>
+          <a:lstStyle/>
+          <a:p>
+            <a:r>
+              <a:rPr lang="en-US" sz="1600" i="1" dirty="0"/>
+              <a:t>Ref: Fig 3.1 p-76 Pierret</a:t>
+            </a:r>
+          </a:p>
+        </p:txBody>
+      </p:sp>
+    </p:spTree>
+    <p:extLst>
+      <p:ext uri="{BB962C8B-B14F-4D97-AF65-F5344CB8AC3E}">
+        <p14:creationId xmlns:p14="http://schemas.microsoft.com/office/powerpoint/2010/main" val="1313321196"/>
+      </p:ext>
+    </p:extLst>
+  </p:cSld>
+  <p:clrMapOvr>
+    <a:masterClrMapping/>
+  </p:clrMapOvr>
+</p:sld>
+</file>
+
+<file path=ppt/slides/slide12.xml><?xml version="1.0" encoding="utf-8"?>
+<p:sld xmlns:a="http://schemas.openxmlformats.org/drawingml/2006/main" xmlns:r="http://schemas.openxmlformats.org/officeDocument/2006/relationships" xmlns:p="http://schemas.openxmlformats.org/presentationml/2006/main">
+  <p:cSld>
+    <p:spTree>
+      <p:nvGrpSpPr>
+        <p:cNvPr id="1" name=""/>
+        <p:cNvGrpSpPr/>
+        <p:nvPr/>
+      </p:nvGrpSpPr>
+      <p:grpSpPr>
+        <a:xfrm>
+          <a:off x="0" y="0"/>
+          <a:ext cx="0" cy="0"/>
+          <a:chOff x="0" y="0"/>
+          <a:chExt cx="0" cy="0"/>
+        </a:xfrm>
+      </p:grpSpPr>
+      <p:pic>
+        <p:nvPicPr>
+          <p:cNvPr id="3" name="Picture 2">
+            <a:extLst>
+              <a:ext uri="{FF2B5EF4-FFF2-40B4-BE49-F238E27FC236}">
+                <a16:creationId xmlns:a16="http://schemas.microsoft.com/office/drawing/2014/main" id="{E27DBBF6-914C-EDCE-0C26-87CCB0314A18}"/>
+              </a:ext>
+            </a:extLst>
+          </p:cNvPr>
+          <p:cNvPicPr>
+            <a:picLocks noChangeAspect="1"/>
+          </p:cNvPicPr>
+          <p:nvPr/>
+        </p:nvPicPr>
+        <p:blipFill>
+          <a:blip r:embed="rId2"/>
+          <a:stretch>
+            <a:fillRect/>
+          </a:stretch>
+        </p:blipFill>
+        <p:spPr>
+          <a:xfrm>
+            <a:off x="5164727" y="2544262"/>
+            <a:ext cx="5120411" cy="2458811"/>
+          </a:xfrm>
+          <a:prstGeom prst="rect">
+            <a:avLst/>
+          </a:prstGeom>
+        </p:spPr>
+      </p:pic>
+      <p:sp>
+        <p:nvSpPr>
+          <p:cNvPr id="5" name="TextBox 4">
+            <a:extLst>
+              <a:ext uri="{FF2B5EF4-FFF2-40B4-BE49-F238E27FC236}">
+                <a16:creationId xmlns:a16="http://schemas.microsoft.com/office/drawing/2014/main" id="{413F6770-CD17-9174-A224-89A4A7EDC872}"/>
+              </a:ext>
+            </a:extLst>
+          </p:cNvPr>
+          <p:cNvSpPr txBox="1"/>
+          <p:nvPr/>
+        </p:nvSpPr>
+        <p:spPr>
+          <a:xfrm>
+            <a:off x="447404" y="746649"/>
+            <a:ext cx="6093822" cy="923330"/>
+          </a:xfrm>
+          <a:prstGeom prst="rect">
+            <a:avLst/>
+          </a:prstGeom>
+          <a:noFill/>
+        </p:spPr>
+        <p:txBody>
+          <a:bodyPr wrap="square">
+            <a:spAutoFit/>
+          </a:bodyPr>
+          <a:lstStyle/>
+          <a:p>
+            <a:r>
+              <a:rPr lang="en-US" dirty="0"/>
+              <a:t>![Expanded view of a biased $p$-type semiconductor bar of cross-sectional area $A$.](figures/fig-semi-dev-current-drift.png){#fig-semi-dev-current-drift}</a:t>
+            </a:r>
+          </a:p>
+        </p:txBody>
+      </p:sp>
+      <p:sp>
+        <p:nvSpPr>
+          <p:cNvPr id="6" name="TextBox 5">
+            <a:extLst>
+              <a:ext uri="{FF2B5EF4-FFF2-40B4-BE49-F238E27FC236}">
+                <a16:creationId xmlns:a16="http://schemas.microsoft.com/office/drawing/2014/main" id="{2D7D8C58-E41B-852D-037F-1AF04AF8F25F}"/>
+              </a:ext>
+            </a:extLst>
+          </p:cNvPr>
+          <p:cNvSpPr txBox="1"/>
+          <p:nvPr/>
+        </p:nvSpPr>
+        <p:spPr>
+          <a:xfrm>
+            <a:off x="244431" y="5761563"/>
+            <a:ext cx="1391728" cy="369332"/>
+          </a:xfrm>
+          <a:prstGeom prst="rect">
+            <a:avLst/>
+          </a:prstGeom>
+          <a:noFill/>
+        </p:spPr>
+        <p:txBody>
+          <a:bodyPr wrap="none" rtlCol="0">
+            <a:spAutoFit/>
+          </a:bodyPr>
+          <a:lstStyle/>
+          <a:p>
+            <a:r>
+              <a:rPr lang="en-US" dirty="0"/>
+              <a:t>R0 02/23/25</a:t>
+            </a:r>
+          </a:p>
+        </p:txBody>
+      </p:sp>
+      <p:sp>
+        <p:nvSpPr>
+          <p:cNvPr id="7" name="TextBox 6">
+            <a:extLst>
+              <a:ext uri="{FF2B5EF4-FFF2-40B4-BE49-F238E27FC236}">
+                <a16:creationId xmlns:a16="http://schemas.microsoft.com/office/drawing/2014/main" id="{F2A2E538-4026-69AD-2550-BF8B3B965BDB}"/>
+              </a:ext>
+            </a:extLst>
+          </p:cNvPr>
+          <p:cNvSpPr txBox="1"/>
+          <p:nvPr/>
+        </p:nvSpPr>
+        <p:spPr>
+          <a:xfrm>
+            <a:off x="244431" y="6200278"/>
+            <a:ext cx="2214902" cy="338554"/>
+          </a:xfrm>
+          <a:prstGeom prst="rect">
+            <a:avLst/>
+          </a:prstGeom>
+          <a:noFill/>
+        </p:spPr>
+        <p:txBody>
+          <a:bodyPr wrap="none" rtlCol="0">
+            <a:spAutoFit/>
+          </a:bodyPr>
+          <a:lstStyle/>
+          <a:p>
+            <a:r>
+              <a:rPr lang="en-US" sz="1600" i="1" dirty="0"/>
+              <a:t>Ref: Fig 3.3 p-77 Pierret</a:t>
+            </a:r>
+          </a:p>
+        </p:txBody>
+      </p:sp>
+    </p:spTree>
+    <p:extLst>
+      <p:ext uri="{BB962C8B-B14F-4D97-AF65-F5344CB8AC3E}">
+        <p14:creationId xmlns:p14="http://schemas.microsoft.com/office/powerpoint/2010/main" val="3036436598"/>
+      </p:ext>
+    </p:extLst>
+  </p:cSld>
+  <p:clrMapOvr>
+    <a:masterClrMapping/>
+  </p:clrMapOvr>
+</p:sld>
+</file>
+
+<file path=ppt/slides/slide13.xml><?xml version="1.0" encoding="utf-8"?>
+<p:sld xmlns:a="http://schemas.openxmlformats.org/drawingml/2006/main" xmlns:r="http://schemas.openxmlformats.org/officeDocument/2006/relationships" xmlns:p="http://schemas.openxmlformats.org/presentationml/2006/main">
+  <p:cSld>
+    <p:spTree>
+      <p:nvGrpSpPr>
+        <p:cNvPr id="1" name=""/>
+        <p:cNvGrpSpPr/>
+        <p:nvPr/>
+      </p:nvGrpSpPr>
+      <p:grpSpPr>
+        <a:xfrm>
+          <a:off x="0" y="0"/>
+          <a:ext cx="0" cy="0"/>
+          <a:chOff x="0" y="0"/>
+          <a:chExt cx="0" cy="0"/>
+        </a:xfrm>
+      </p:grpSpPr>
+      <p:pic>
+        <p:nvPicPr>
+          <p:cNvPr id="3" name="Picture 2">
+            <a:extLst>
+              <a:ext uri="{FF2B5EF4-FFF2-40B4-BE49-F238E27FC236}">
+                <a16:creationId xmlns:a16="http://schemas.microsoft.com/office/drawing/2014/main" id="{2C5419BF-0B09-CF33-1069-FC8679E3333B}"/>
+              </a:ext>
+            </a:extLst>
+          </p:cNvPr>
+          <p:cNvPicPr>
+            <a:picLocks noChangeAspect="1"/>
+          </p:cNvPicPr>
+          <p:nvPr/>
+        </p:nvPicPr>
+        <p:blipFill>
+          <a:blip r:embed="rId2"/>
+          <a:stretch>
+            <a:fillRect/>
+          </a:stretch>
+        </p:blipFill>
+        <p:spPr>
+          <a:xfrm>
+            <a:off x="4767943" y="1653256"/>
+            <a:ext cx="7024007" cy="4392941"/>
+          </a:xfrm>
+          <a:prstGeom prst="rect">
+            <a:avLst/>
+          </a:prstGeom>
+        </p:spPr>
+      </p:pic>
+      <p:sp>
+        <p:nvSpPr>
+          <p:cNvPr id="5" name="TextBox 4">
+            <a:extLst>
+              <a:ext uri="{FF2B5EF4-FFF2-40B4-BE49-F238E27FC236}">
+                <a16:creationId xmlns:a16="http://schemas.microsoft.com/office/drawing/2014/main" id="{EBECD725-8448-4E7E-8677-A6AF212A84FF}"/>
+              </a:ext>
+            </a:extLst>
+          </p:cNvPr>
+          <p:cNvSpPr txBox="1"/>
+          <p:nvPr/>
+        </p:nvSpPr>
+        <p:spPr>
+          <a:xfrm>
+            <a:off x="290649" y="637593"/>
+            <a:ext cx="3706585" cy="2031325"/>
+          </a:xfrm>
+          <a:prstGeom prst="rect">
+            <a:avLst/>
+          </a:prstGeom>
+          <a:noFill/>
+        </p:spPr>
+        <p:txBody>
+          <a:bodyPr wrap="square">
+            <a:spAutoFit/>
+          </a:bodyPr>
+          <a:lstStyle/>
+          <a:p>
+            <a:r>
+              <a:rPr lang="en-US" dirty="0"/>
+              <a:t>![Measured carrier drift velocity within ultrapure silicon kept at ambient temperature, analyzing its relationship with the imposed electric field.](figures/fig-semi-dev-drift-vs-efield.png){#fig-semi-dev-drift-vs-efield}</a:t>
+            </a:r>
+          </a:p>
+        </p:txBody>
+      </p:sp>
+      <p:sp>
+        <p:nvSpPr>
+          <p:cNvPr id="6" name="TextBox 5">
+            <a:extLst>
+              <a:ext uri="{FF2B5EF4-FFF2-40B4-BE49-F238E27FC236}">
+                <a16:creationId xmlns:a16="http://schemas.microsoft.com/office/drawing/2014/main" id="{3F82C2AC-25DC-3C72-32CE-F5A83430EDE1}"/>
+              </a:ext>
+            </a:extLst>
+          </p:cNvPr>
+          <p:cNvSpPr txBox="1"/>
+          <p:nvPr/>
+        </p:nvSpPr>
+        <p:spPr>
+          <a:xfrm>
+            <a:off x="244431" y="5761563"/>
+            <a:ext cx="1391728" cy="369332"/>
+          </a:xfrm>
+          <a:prstGeom prst="rect">
+            <a:avLst/>
+          </a:prstGeom>
+          <a:noFill/>
+        </p:spPr>
+        <p:txBody>
+          <a:bodyPr wrap="none" rtlCol="0">
+            <a:spAutoFit/>
+          </a:bodyPr>
+          <a:lstStyle/>
+          <a:p>
+            <a:r>
+              <a:rPr lang="en-US" dirty="0"/>
+              <a:t>R0 02/23/25</a:t>
+            </a:r>
+          </a:p>
+        </p:txBody>
+      </p:sp>
+      <p:sp>
+        <p:nvSpPr>
+          <p:cNvPr id="7" name="TextBox 6">
+            <a:extLst>
+              <a:ext uri="{FF2B5EF4-FFF2-40B4-BE49-F238E27FC236}">
+                <a16:creationId xmlns:a16="http://schemas.microsoft.com/office/drawing/2014/main" id="{7D146E41-9CF4-1B2B-57BB-90B7835506FD}"/>
+              </a:ext>
+            </a:extLst>
+          </p:cNvPr>
+          <p:cNvSpPr txBox="1"/>
+          <p:nvPr/>
+        </p:nvSpPr>
+        <p:spPr>
+          <a:xfrm>
+            <a:off x="244431" y="6200278"/>
+            <a:ext cx="2173224" cy="338554"/>
+          </a:xfrm>
+          <a:prstGeom prst="rect">
+            <a:avLst/>
+          </a:prstGeom>
+          <a:noFill/>
+        </p:spPr>
+        <p:txBody>
+          <a:bodyPr wrap="none" rtlCol="0">
+            <a:spAutoFit/>
+          </a:bodyPr>
+          <a:lstStyle/>
+          <a:p>
+            <a:r>
+              <a:rPr lang="en-US" sz="1600" i="1" dirty="0"/>
+              <a:t>Ref: Fig 3.4p-78 Pierret</a:t>
+            </a:r>
+          </a:p>
+        </p:txBody>
+      </p:sp>
+    </p:spTree>
+    <p:extLst>
+      <p:ext uri="{BB962C8B-B14F-4D97-AF65-F5344CB8AC3E}">
+        <p14:creationId xmlns:p14="http://schemas.microsoft.com/office/powerpoint/2010/main" val="1428483164"/>
+      </p:ext>
+    </p:extLst>
+  </p:cSld>
+  <p:clrMapOvr>
+    <a:masterClrMapping/>
+  </p:clrMapOvr>
+</p:sld>
+</file>
+
+<file path=ppt/slides/slide14.xml><?xml version="1.0" encoding="utf-8"?>
+<p:sld xmlns:a="http://schemas.openxmlformats.org/drawingml/2006/main" xmlns:r="http://schemas.openxmlformats.org/officeDocument/2006/relationships" xmlns:p="http://schemas.openxmlformats.org/presentationml/2006/main">
+  <p:cSld>
+    <p:spTree>
+      <p:nvGrpSpPr>
+        <p:cNvPr id="1" name=""/>
+        <p:cNvGrpSpPr/>
+        <p:nvPr/>
+      </p:nvGrpSpPr>
+      <p:grpSpPr>
+        <a:xfrm>
+          <a:off x="0" y="0"/>
+          <a:ext cx="0" cy="0"/>
+          <a:chOff x="0" y="0"/>
+          <a:chExt cx="0" cy="0"/>
+        </a:xfrm>
+      </p:grpSpPr>
       <p:sp>
         <p:nvSpPr>
           <p:cNvPr id="2" name="Title 1">
@@ -3504,7 +4176,7 @@
 </p:sld>
 </file>
 
-<file path=ppt/slides/slide11.xml><?xml version="1.0" encoding="utf-8"?>
+<file path=ppt/slides/slide15.xml><?xml version="1.0" encoding="utf-8"?>
 <p:sld xmlns:a="http://schemas.openxmlformats.org/drawingml/2006/main" xmlns:r="http://schemas.openxmlformats.org/officeDocument/2006/relationships" xmlns:p="http://schemas.openxmlformats.org/presentationml/2006/main">
   <p:cSld>
     <p:spTree>
@@ -4654,7 +5326,7 @@
 </p:sld>
 </file>
 
-<file path=ppt/slides/slide12.xml><?xml version="1.0" encoding="utf-8"?>
+<file path=ppt/slides/slide16.xml><?xml version="1.0" encoding="utf-8"?>
 <p:sld xmlns:a="http://schemas.openxmlformats.org/drawingml/2006/main" xmlns:r="http://schemas.openxmlformats.org/officeDocument/2006/relationships" xmlns:p="http://schemas.openxmlformats.org/presentationml/2006/main">
   <p:cSld>
     <p:spTree>
@@ -6051,7 +6723,7 @@
 </p:sld>
 </file>
 
-<file path=ppt/slides/slide13.xml><?xml version="1.0" encoding="utf-8"?>
+<file path=ppt/slides/slide17.xml><?xml version="1.0" encoding="utf-8"?>
 <p:sld xmlns:a="http://schemas.openxmlformats.org/drawingml/2006/main" xmlns:r="http://schemas.openxmlformats.org/officeDocument/2006/relationships" xmlns:p="http://schemas.openxmlformats.org/presentationml/2006/main">
   <p:cSld>
     <p:spTree>
@@ -9154,7 +9826,7 @@
 </p:sld>
 </file>
 
-<file path=ppt/slides/slide14.xml><?xml version="1.0" encoding="utf-8"?>
+<file path=ppt/slides/slide18.xml><?xml version="1.0" encoding="utf-8"?>
 <p:sld xmlns:a="http://schemas.openxmlformats.org/drawingml/2006/main" xmlns:r="http://schemas.openxmlformats.org/officeDocument/2006/relationships" xmlns:p="http://schemas.openxmlformats.org/presentationml/2006/main">
   <p:cSld>
     <p:spTree>
@@ -12114,7 +12786,7 @@
 </p:sld>
 </file>
 
-<file path=ppt/slides/slide15.xml><?xml version="1.0" encoding="utf-8"?>
+<file path=ppt/slides/slide19.xml><?xml version="1.0" encoding="utf-8"?>
 <p:sld xmlns:a="http://schemas.openxmlformats.org/drawingml/2006/main" xmlns:r="http://schemas.openxmlformats.org/officeDocument/2006/relationships" xmlns:p="http://schemas.openxmlformats.org/presentationml/2006/main">
   <p:cSld>
     <p:spTree>
@@ -15219,7 +15891,90 @@
 </p:sld>
 </file>
 
-<file path=ppt/slides/slide16.xml><?xml version="1.0" encoding="utf-8"?>
+<file path=ppt/slides/slide2.xml><?xml version="1.0" encoding="utf-8"?>
+<p:sld xmlns:a="http://schemas.openxmlformats.org/drawingml/2006/main" xmlns:r="http://schemas.openxmlformats.org/officeDocument/2006/relationships" xmlns:p="http://schemas.openxmlformats.org/presentationml/2006/main">
+  <p:cSld>
+    <p:spTree>
+      <p:nvGrpSpPr>
+        <p:cNvPr id="1" name=""/>
+        <p:cNvGrpSpPr/>
+        <p:nvPr/>
+      </p:nvGrpSpPr>
+      <p:grpSpPr>
+        <a:xfrm>
+          <a:off x="0" y="0"/>
+          <a:ext cx="0" cy="0"/>
+          <a:chOff x="0" y="0"/>
+          <a:chExt cx="0" cy="0"/>
+        </a:xfrm>
+      </p:grpSpPr>
+      <p:sp>
+        <p:nvSpPr>
+          <p:cNvPr id="2" name="Title 1">
+            <a:extLst>
+              <a:ext uri="{FF2B5EF4-FFF2-40B4-BE49-F238E27FC236}">
+                <a16:creationId xmlns:a16="http://schemas.microsoft.com/office/drawing/2014/main" id="{98D5B683-2009-BF16-0C1B-AC844D596F87}"/>
+              </a:ext>
+            </a:extLst>
+          </p:cNvPr>
+          <p:cNvSpPr>
+            <a:spLocks noGrp="1"/>
+          </p:cNvSpPr>
+          <p:nvPr>
+            <p:ph type="title"/>
+          </p:nvPr>
+        </p:nvSpPr>
+        <p:spPr/>
+        <p:txBody>
+          <a:bodyPr/>
+          <a:lstStyle/>
+          <a:p>
+            <a:r>
+              <a:rPr lang="en-US" dirty="0"/>
+              <a:t>Semi Devices</a:t>
+            </a:r>
+          </a:p>
+        </p:txBody>
+      </p:sp>
+      <p:sp>
+        <p:nvSpPr>
+          <p:cNvPr id="3" name="Text Placeholder 2">
+            <a:extLst>
+              <a:ext uri="{FF2B5EF4-FFF2-40B4-BE49-F238E27FC236}">
+                <a16:creationId xmlns:a16="http://schemas.microsoft.com/office/drawing/2014/main" id="{81A4FB93-3AC6-259F-CA72-B3115BD73EE6}"/>
+              </a:ext>
+            </a:extLst>
+          </p:cNvPr>
+          <p:cNvSpPr>
+            <a:spLocks noGrp="1"/>
+          </p:cNvSpPr>
+          <p:nvPr>
+            <p:ph type="body" idx="1"/>
+          </p:nvPr>
+        </p:nvSpPr>
+        <p:spPr/>
+        <p:txBody>
+          <a:bodyPr/>
+          <a:lstStyle/>
+          <a:p>
+            <a:endParaRPr lang="en-US"/>
+          </a:p>
+        </p:txBody>
+      </p:sp>
+    </p:spTree>
+    <p:extLst>
+      <p:ext uri="{BB962C8B-B14F-4D97-AF65-F5344CB8AC3E}">
+        <p14:creationId xmlns:p14="http://schemas.microsoft.com/office/powerpoint/2010/main" val="1304473932"/>
+      </p:ext>
+    </p:extLst>
+  </p:cSld>
+  <p:clrMapOvr>
+    <a:masterClrMapping/>
+  </p:clrMapOvr>
+</p:sld>
+</file>
+
+<file path=ppt/slides/slide20.xml><?xml version="1.0" encoding="utf-8"?>
 <p:sld xmlns:a="http://schemas.openxmlformats.org/drawingml/2006/main" xmlns:r="http://schemas.openxmlformats.org/officeDocument/2006/relationships" xmlns:p="http://schemas.openxmlformats.org/presentationml/2006/main">
   <p:cSld>
     <p:spTree>
@@ -17325,7 +18080,7 @@
 </p:sld>
 </file>
 
-<file path=ppt/slides/slide17.xml><?xml version="1.0" encoding="utf-8"?>
+<file path=ppt/slides/slide21.xml><?xml version="1.0" encoding="utf-8"?>
 <p:sld xmlns:a="http://schemas.openxmlformats.org/drawingml/2006/main" xmlns:r="http://schemas.openxmlformats.org/officeDocument/2006/relationships" xmlns:p="http://schemas.openxmlformats.org/presentationml/2006/main">
   <p:cSld>
     <p:spTree>
@@ -17413,7 +18168,7 @@
 </p:sld>
 </file>
 
-<file path=ppt/slides/slide18.xml><?xml version="1.0" encoding="utf-8"?>
+<file path=ppt/slides/slide22.xml><?xml version="1.0" encoding="utf-8"?>
 <p:sld xmlns:a="http://schemas.openxmlformats.org/drawingml/2006/main" xmlns:r="http://schemas.openxmlformats.org/officeDocument/2006/relationships" xmlns:p="http://schemas.openxmlformats.org/presentationml/2006/main">
   <p:cSld>
     <p:spTree>
@@ -17508,7 +18263,7 @@
 </p:sld>
 </file>
 
-<file path=ppt/slides/slide19.xml><?xml version="1.0" encoding="utf-8"?>
+<file path=ppt/slides/slide23.xml><?xml version="1.0" encoding="utf-8"?>
 <p:sld xmlns:a="http://schemas.openxmlformats.org/drawingml/2006/main" xmlns:r="http://schemas.openxmlformats.org/officeDocument/2006/relationships" xmlns:p="http://schemas.openxmlformats.org/presentationml/2006/main">
   <p:cSld>
     <p:spTree>
@@ -17609,90 +18364,7 @@
 </p:sld>
 </file>
 
-<file path=ppt/slides/slide2.xml><?xml version="1.0" encoding="utf-8"?>
-<p:sld xmlns:a="http://schemas.openxmlformats.org/drawingml/2006/main" xmlns:r="http://schemas.openxmlformats.org/officeDocument/2006/relationships" xmlns:p="http://schemas.openxmlformats.org/presentationml/2006/main">
-  <p:cSld>
-    <p:spTree>
-      <p:nvGrpSpPr>
-        <p:cNvPr id="1" name=""/>
-        <p:cNvGrpSpPr/>
-        <p:nvPr/>
-      </p:nvGrpSpPr>
-      <p:grpSpPr>
-        <a:xfrm>
-          <a:off x="0" y="0"/>
-          <a:ext cx="0" cy="0"/>
-          <a:chOff x="0" y="0"/>
-          <a:chExt cx="0" cy="0"/>
-        </a:xfrm>
-      </p:grpSpPr>
-      <p:sp>
-        <p:nvSpPr>
-          <p:cNvPr id="2" name="Title 1">
-            <a:extLst>
-              <a:ext uri="{FF2B5EF4-FFF2-40B4-BE49-F238E27FC236}">
-                <a16:creationId xmlns:a16="http://schemas.microsoft.com/office/drawing/2014/main" id="{98D5B683-2009-BF16-0C1B-AC844D596F87}"/>
-              </a:ext>
-            </a:extLst>
-          </p:cNvPr>
-          <p:cNvSpPr>
-            <a:spLocks noGrp="1"/>
-          </p:cNvSpPr>
-          <p:nvPr>
-            <p:ph type="title"/>
-          </p:nvPr>
-        </p:nvSpPr>
-        <p:spPr/>
-        <p:txBody>
-          <a:bodyPr/>
-          <a:lstStyle/>
-          <a:p>
-            <a:r>
-              <a:rPr lang="en-US" dirty="0"/>
-              <a:t>Semi Devices</a:t>
-            </a:r>
-          </a:p>
-        </p:txBody>
-      </p:sp>
-      <p:sp>
-        <p:nvSpPr>
-          <p:cNvPr id="3" name="Text Placeholder 2">
-            <a:extLst>
-              <a:ext uri="{FF2B5EF4-FFF2-40B4-BE49-F238E27FC236}">
-                <a16:creationId xmlns:a16="http://schemas.microsoft.com/office/drawing/2014/main" id="{81A4FB93-3AC6-259F-CA72-B3115BD73EE6}"/>
-              </a:ext>
-            </a:extLst>
-          </p:cNvPr>
-          <p:cNvSpPr>
-            <a:spLocks noGrp="1"/>
-          </p:cNvSpPr>
-          <p:nvPr>
-            <p:ph type="body" idx="1"/>
-          </p:nvPr>
-        </p:nvSpPr>
-        <p:spPr/>
-        <p:txBody>
-          <a:bodyPr/>
-          <a:lstStyle/>
-          <a:p>
-            <a:endParaRPr lang="en-US"/>
-          </a:p>
-        </p:txBody>
-      </p:sp>
-    </p:spTree>
-    <p:extLst>
-      <p:ext uri="{BB962C8B-B14F-4D97-AF65-F5344CB8AC3E}">
-        <p14:creationId xmlns:p14="http://schemas.microsoft.com/office/powerpoint/2010/main" val="1304473932"/>
-      </p:ext>
-    </p:extLst>
-  </p:cSld>
-  <p:clrMapOvr>
-    <a:masterClrMapping/>
-  </p:clrMapOvr>
-</p:sld>
-</file>
-
-<file path=ppt/slides/slide20.xml><?xml version="1.0" encoding="utf-8"?>
+<file path=ppt/slides/slide24.xml><?xml version="1.0" encoding="utf-8"?>
 <p:sld xmlns:a="http://schemas.openxmlformats.org/drawingml/2006/main" xmlns:r="http://schemas.openxmlformats.org/officeDocument/2006/relationships" xmlns:p="http://schemas.openxmlformats.org/presentationml/2006/main">
   <p:cSld>
     <p:spTree>
@@ -17787,7 +18459,7 @@
 </p:sld>
 </file>
 
-<file path=ppt/slides/slide21.xml><?xml version="1.0" encoding="utf-8"?>
+<file path=ppt/slides/slide25.xml><?xml version="1.0" encoding="utf-8"?>
 <p:sld xmlns:a="http://schemas.openxmlformats.org/drawingml/2006/main" xmlns:r="http://schemas.openxmlformats.org/officeDocument/2006/relationships" xmlns:p="http://schemas.openxmlformats.org/presentationml/2006/main">
   <p:cSld>
     <p:spTree>
@@ -17882,7 +18554,7 @@
 </p:sld>
 </file>
 
-<file path=ppt/slides/slide22.xml><?xml version="1.0" encoding="utf-8"?>
+<file path=ppt/slides/slide26.xml><?xml version="1.0" encoding="utf-8"?>
 <p:sld xmlns:a="http://schemas.openxmlformats.org/drawingml/2006/main" xmlns:r="http://schemas.openxmlformats.org/officeDocument/2006/relationships" xmlns:p="http://schemas.openxmlformats.org/presentationml/2006/main">
   <p:cSld>
     <p:spTree>
@@ -17983,7 +18655,7 @@
 </p:sld>
 </file>
 
-<file path=ppt/slides/slide23.xml><?xml version="1.0" encoding="utf-8"?>
+<file path=ppt/slides/slide27.xml><?xml version="1.0" encoding="utf-8"?>
 <p:sld xmlns:a="http://schemas.openxmlformats.org/drawingml/2006/main" xmlns:r="http://schemas.openxmlformats.org/officeDocument/2006/relationships" xmlns:p="http://schemas.openxmlformats.org/presentationml/2006/main">
   <p:cSld>
     <p:spTree>
@@ -18113,7 +18785,7 @@
 </p:sld>
 </file>
 
-<file path=ppt/slides/slide24.xml><?xml version="1.0" encoding="utf-8"?>
+<file path=ppt/slides/slide28.xml><?xml version="1.0" encoding="utf-8"?>
 <p:sld xmlns:a="http://schemas.openxmlformats.org/drawingml/2006/main" xmlns:r="http://schemas.openxmlformats.org/officeDocument/2006/relationships" xmlns:p="http://schemas.openxmlformats.org/presentationml/2006/main">
   <p:cSld>
     <p:spTree>
@@ -18257,7 +18929,7 @@
 </p:sld>
 </file>
 
-<file path=ppt/slides/slide25.xml><?xml version="1.0" encoding="utf-8"?>
+<file path=ppt/slides/slide29.xml><?xml version="1.0" encoding="utf-8"?>
 <p:sld xmlns:a="http://schemas.openxmlformats.org/drawingml/2006/main" xmlns:r="http://schemas.openxmlformats.org/officeDocument/2006/relationships" xmlns:p="http://schemas.openxmlformats.org/presentationml/2006/main">
   <p:cSld>
     <p:spTree>
@@ -18384,403 +19056,6 @@
     <p:extLst>
       <p:ext uri="{BB962C8B-B14F-4D97-AF65-F5344CB8AC3E}">
         <p14:creationId xmlns:p14="http://schemas.microsoft.com/office/powerpoint/2010/main" val="3823938512"/>
-      </p:ext>
-    </p:extLst>
-  </p:cSld>
-  <p:clrMapOvr>
-    <a:masterClrMapping/>
-  </p:clrMapOvr>
-</p:sld>
-</file>
-
-<file path=ppt/slides/slide26.xml><?xml version="1.0" encoding="utf-8"?>
-<p:sld xmlns:a="http://schemas.openxmlformats.org/drawingml/2006/main" xmlns:r="http://schemas.openxmlformats.org/officeDocument/2006/relationships" xmlns:p="http://schemas.openxmlformats.org/presentationml/2006/main">
-  <p:cSld>
-    <p:spTree>
-      <p:nvGrpSpPr>
-        <p:cNvPr id="1" name=""/>
-        <p:cNvGrpSpPr/>
-        <p:nvPr/>
-      </p:nvGrpSpPr>
-      <p:grpSpPr>
-        <a:xfrm>
-          <a:off x="0" y="0"/>
-          <a:ext cx="0" cy="0"/>
-          <a:chOff x="0" y="0"/>
-          <a:chExt cx="0" cy="0"/>
-        </a:xfrm>
-      </p:grpSpPr>
-      <p:grpSp>
-        <p:nvGrpSpPr>
-          <p:cNvPr id="12" name="Group 11">
-            <a:extLst>
-              <a:ext uri="{FF2B5EF4-FFF2-40B4-BE49-F238E27FC236}">
-                <a16:creationId xmlns:a16="http://schemas.microsoft.com/office/drawing/2014/main" id="{C6BED7B3-404E-F909-337B-2D5E2EECECAD}"/>
-              </a:ext>
-            </a:extLst>
-          </p:cNvPr>
-          <p:cNvGrpSpPr/>
-          <p:nvPr/>
-        </p:nvGrpSpPr>
-        <p:grpSpPr>
-          <a:xfrm>
-            <a:off x="544644" y="2794004"/>
-            <a:ext cx="7962431" cy="2571201"/>
-            <a:chOff x="544644" y="2910196"/>
-            <a:chExt cx="7962431" cy="2571201"/>
-          </a:xfrm>
-        </p:grpSpPr>
-        <p:pic>
-          <p:nvPicPr>
-            <p:cNvPr id="3" name="Picture 2">
-              <a:extLst>
-                <a:ext uri="{FF2B5EF4-FFF2-40B4-BE49-F238E27FC236}">
-                  <a16:creationId xmlns:a16="http://schemas.microsoft.com/office/drawing/2014/main" id="{EB3AA168-E145-799E-D9F2-600006C6AFBA}"/>
-                </a:ext>
-              </a:extLst>
-            </p:cNvPr>
-            <p:cNvPicPr>
-              <a:picLocks noChangeAspect="1"/>
-            </p:cNvPicPr>
-            <p:nvPr/>
-          </p:nvPicPr>
-          <p:blipFill>
-            <a:blip r:embed="rId2"/>
-            <a:stretch>
-              <a:fillRect/>
-            </a:stretch>
-          </p:blipFill>
-          <p:spPr>
-            <a:xfrm>
-              <a:off x="544645" y="2910196"/>
-              <a:ext cx="3705224" cy="2571201"/>
-            </a:xfrm>
-            <a:prstGeom prst="rect">
-              <a:avLst/>
-            </a:prstGeom>
-          </p:spPr>
-        </p:pic>
-        <p:pic>
-          <p:nvPicPr>
-            <p:cNvPr id="5" name="Picture 4">
-              <a:extLst>
-                <a:ext uri="{FF2B5EF4-FFF2-40B4-BE49-F238E27FC236}">
-                  <a16:creationId xmlns:a16="http://schemas.microsoft.com/office/drawing/2014/main" id="{751C139A-1196-9B92-1891-D47E93450C33}"/>
-                </a:ext>
-              </a:extLst>
-            </p:cNvPr>
-            <p:cNvPicPr>
-              <a:picLocks noChangeAspect="1"/>
-            </p:cNvPicPr>
-            <p:nvPr/>
-          </p:nvPicPr>
-          <p:blipFill>
-            <a:blip r:embed="rId3"/>
-            <a:stretch>
-              <a:fillRect/>
-            </a:stretch>
-          </p:blipFill>
-          <p:spPr>
-            <a:xfrm>
-              <a:off x="4801850" y="3069680"/>
-              <a:ext cx="3705225" cy="2295525"/>
-            </a:xfrm>
-            <a:prstGeom prst="rect">
-              <a:avLst/>
-            </a:prstGeom>
-          </p:spPr>
-        </p:pic>
-        <p:sp>
-          <p:nvSpPr>
-            <p:cNvPr id="6" name="TextBox 5">
-              <a:extLst>
-                <a:ext uri="{FF2B5EF4-FFF2-40B4-BE49-F238E27FC236}">
-                  <a16:creationId xmlns:a16="http://schemas.microsoft.com/office/drawing/2014/main" id="{C902FCFB-0168-E2BE-6C16-831B54755504}"/>
-                </a:ext>
-              </a:extLst>
-            </p:cNvPr>
-            <p:cNvSpPr txBox="1"/>
-            <p:nvPr/>
-          </p:nvSpPr>
-          <p:spPr>
-            <a:xfrm>
-              <a:off x="544644" y="4789521"/>
-              <a:ext cx="460382" cy="400110"/>
-            </a:xfrm>
-            <a:prstGeom prst="rect">
-              <a:avLst/>
-            </a:prstGeom>
-            <a:noFill/>
-          </p:spPr>
-          <p:txBody>
-            <a:bodyPr wrap="none" rtlCol="0">
-              <a:spAutoFit/>
-            </a:bodyPr>
-            <a:lstStyle/>
-            <a:p>
-              <a:r>
-                <a:rPr lang="en-US" b="1" dirty="0"/>
-                <a:t>(</a:t>
-              </a:r>
-              <a:r>
-                <a:rPr lang="en-US" sz="2000" b="1" dirty="0"/>
-                <a:t>a</a:t>
-              </a:r>
-              <a:r>
-                <a:rPr lang="en-US" b="1" dirty="0"/>
-                <a:t>)</a:t>
-              </a:r>
-            </a:p>
-          </p:txBody>
-        </p:sp>
-        <p:sp>
-          <p:nvSpPr>
-            <p:cNvPr id="8" name="TextBox 7">
-              <a:extLst>
-                <a:ext uri="{FF2B5EF4-FFF2-40B4-BE49-F238E27FC236}">
-                  <a16:creationId xmlns:a16="http://schemas.microsoft.com/office/drawing/2014/main" id="{C912DCC6-32D0-2F1C-7822-A0157D509D23}"/>
-                </a:ext>
-              </a:extLst>
-            </p:cNvPr>
-            <p:cNvSpPr txBox="1"/>
-            <p:nvPr/>
-          </p:nvSpPr>
-          <p:spPr>
-            <a:xfrm>
-              <a:off x="4801850" y="4615339"/>
-              <a:ext cx="470000" cy="400110"/>
-            </a:xfrm>
-            <a:prstGeom prst="rect">
-              <a:avLst/>
-            </a:prstGeom>
-            <a:noFill/>
-          </p:spPr>
-          <p:txBody>
-            <a:bodyPr wrap="none" rtlCol="0">
-              <a:spAutoFit/>
-            </a:bodyPr>
-            <a:lstStyle/>
-            <a:p>
-              <a:r>
-                <a:rPr lang="en-US" b="1" dirty="0"/>
-                <a:t>(</a:t>
-              </a:r>
-              <a:r>
-                <a:rPr lang="en-US" sz="2000" b="1" dirty="0"/>
-                <a:t>b</a:t>
-              </a:r>
-              <a:r>
-                <a:rPr lang="en-US" b="1" dirty="0"/>
-                <a:t>)</a:t>
-              </a:r>
-            </a:p>
-          </p:txBody>
-        </p:sp>
-      </p:grpSp>
-      <p:sp>
-        <p:nvSpPr>
-          <p:cNvPr id="9" name="TextBox 8">
-            <a:extLst>
-              <a:ext uri="{FF2B5EF4-FFF2-40B4-BE49-F238E27FC236}">
-                <a16:creationId xmlns:a16="http://schemas.microsoft.com/office/drawing/2014/main" id="{E37F5C56-D43C-A057-AA1E-36AE18CC352A}"/>
-              </a:ext>
-            </a:extLst>
-          </p:cNvPr>
-          <p:cNvSpPr txBox="1"/>
-          <p:nvPr/>
-        </p:nvSpPr>
-        <p:spPr>
-          <a:xfrm>
-            <a:off x="544644" y="5481397"/>
-            <a:ext cx="4124847" cy="369332"/>
-          </a:xfrm>
-          <a:prstGeom prst="rect">
-            <a:avLst/>
-          </a:prstGeom>
-          <a:noFill/>
-        </p:spPr>
-        <p:txBody>
-          <a:bodyPr wrap="none" rtlCol="0">
-            <a:spAutoFit/>
-          </a:bodyPr>
-          <a:lstStyle/>
-          <a:p>
-            <a:r>
-              <a:rPr lang="en-US" dirty="0"/>
-              <a:t>Fig-circuits-maxpower.png  R0 01/21/25</a:t>
-            </a:r>
-          </a:p>
-        </p:txBody>
-      </p:sp>
-      <p:sp>
-        <p:nvSpPr>
-          <p:cNvPr id="11" name="TextBox 10">
-            <a:extLst>
-              <a:ext uri="{FF2B5EF4-FFF2-40B4-BE49-F238E27FC236}">
-                <a16:creationId xmlns:a16="http://schemas.microsoft.com/office/drawing/2014/main" id="{E57E9174-8835-7805-8F49-B95575465680}"/>
-              </a:ext>
-            </a:extLst>
-          </p:cNvPr>
-          <p:cNvSpPr txBox="1"/>
-          <p:nvPr/>
-        </p:nvSpPr>
-        <p:spPr>
-          <a:xfrm>
-            <a:off x="334832" y="6083113"/>
-            <a:ext cx="11120480" cy="369332"/>
-          </a:xfrm>
-          <a:prstGeom prst="rect">
-            <a:avLst/>
-          </a:prstGeom>
-          <a:noFill/>
-        </p:spPr>
-        <p:txBody>
-          <a:bodyPr wrap="none" rtlCol="0">
-            <a:spAutoFit/>
-          </a:bodyPr>
-          <a:lstStyle/>
-          <a:p>
-            <a:r>
-              <a:rPr lang="en-US" dirty="0"/>
-              <a:t>(a) Circuit used for max power transfer analysis. (b) Sketch of power delivered to the load as a function of $R_L$</a:t>
-            </a:r>
-          </a:p>
-        </p:txBody>
-      </p:sp>
-    </p:spTree>
-    <p:extLst>
-      <p:ext uri="{BB962C8B-B14F-4D97-AF65-F5344CB8AC3E}">
-        <p14:creationId xmlns:p14="http://schemas.microsoft.com/office/powerpoint/2010/main" val="2578523865"/>
-      </p:ext>
-    </p:extLst>
-  </p:cSld>
-  <p:clrMapOvr>
-    <a:masterClrMapping/>
-  </p:clrMapOvr>
-</p:sld>
-</file>
-
-<file path=ppt/slides/slide27.xml><?xml version="1.0" encoding="utf-8"?>
-<p:sld xmlns:a="http://schemas.openxmlformats.org/drawingml/2006/main" xmlns:r="http://schemas.openxmlformats.org/officeDocument/2006/relationships" xmlns:p="http://schemas.openxmlformats.org/presentationml/2006/main">
-  <p:cSld>
-    <p:spTree>
-      <p:nvGrpSpPr>
-        <p:cNvPr id="1" name=""/>
-        <p:cNvGrpSpPr/>
-        <p:nvPr/>
-      </p:nvGrpSpPr>
-      <p:grpSpPr>
-        <a:xfrm>
-          <a:off x="0" y="0"/>
-          <a:ext cx="0" cy="0"/>
-          <a:chOff x="0" y="0"/>
-          <a:chExt cx="0" cy="0"/>
-        </a:xfrm>
-      </p:grpSpPr>
-      <p:pic>
-        <p:nvPicPr>
-          <p:cNvPr id="3" name="Picture 2">
-            <a:extLst>
-              <a:ext uri="{FF2B5EF4-FFF2-40B4-BE49-F238E27FC236}">
-                <a16:creationId xmlns:a16="http://schemas.microsoft.com/office/drawing/2014/main" id="{4EC50A68-A0DD-BA5E-91B2-24DB3F14E23E}"/>
-              </a:ext>
-            </a:extLst>
-          </p:cNvPr>
-          <p:cNvPicPr>
-            <a:picLocks noChangeAspect="1"/>
-          </p:cNvPicPr>
-          <p:nvPr/>
-        </p:nvPicPr>
-        <p:blipFill>
-          <a:blip r:embed="rId2"/>
-          <a:stretch>
-            <a:fillRect/>
-          </a:stretch>
-        </p:blipFill>
-        <p:spPr>
-          <a:xfrm>
-            <a:off x="334832" y="2103557"/>
-            <a:ext cx="6786269" cy="2575576"/>
-          </a:xfrm>
-          <a:prstGeom prst="rect">
-            <a:avLst/>
-          </a:prstGeom>
-        </p:spPr>
-      </p:pic>
-      <p:sp>
-        <p:nvSpPr>
-          <p:cNvPr id="4" name="TextBox 3">
-            <a:extLst>
-              <a:ext uri="{FF2B5EF4-FFF2-40B4-BE49-F238E27FC236}">
-                <a16:creationId xmlns:a16="http://schemas.microsoft.com/office/drawing/2014/main" id="{E2E93786-2806-872F-035D-A416670198B3}"/>
-              </a:ext>
-            </a:extLst>
-          </p:cNvPr>
-          <p:cNvSpPr txBox="1"/>
-          <p:nvPr/>
-        </p:nvSpPr>
-        <p:spPr>
-          <a:xfrm>
-            <a:off x="544644" y="5481397"/>
-            <a:ext cx="3981603" cy="369332"/>
-          </a:xfrm>
-          <a:prstGeom prst="rect">
-            <a:avLst/>
-          </a:prstGeom>
-          <a:noFill/>
-        </p:spPr>
-        <p:txBody>
-          <a:bodyPr wrap="none" rtlCol="0">
-            <a:spAutoFit/>
-          </a:bodyPr>
-          <a:lstStyle/>
-          <a:p>
-            <a:r>
-              <a:rPr lang="en-US" dirty="0"/>
-              <a:t>Fig-circuits-interface.png  R0 01/22/25</a:t>
-            </a:r>
-          </a:p>
-        </p:txBody>
-      </p:sp>
-      <p:sp>
-        <p:nvSpPr>
-          <p:cNvPr id="5" name="TextBox 4">
-            <a:extLst>
-              <a:ext uri="{FF2B5EF4-FFF2-40B4-BE49-F238E27FC236}">
-                <a16:creationId xmlns:a16="http://schemas.microsoft.com/office/drawing/2014/main" id="{3A0CC8F5-FD51-D136-F391-D5E6C83AF451}"/>
-              </a:ext>
-            </a:extLst>
-          </p:cNvPr>
-          <p:cNvSpPr txBox="1"/>
-          <p:nvPr/>
-        </p:nvSpPr>
-        <p:spPr>
-          <a:xfrm>
-            <a:off x="139960" y="6006662"/>
-            <a:ext cx="11117653" cy="646331"/>
-          </a:xfrm>
-          <a:prstGeom prst="rect">
-            <a:avLst/>
-          </a:prstGeom>
-          <a:noFill/>
-        </p:spPr>
-        <p:txBody>
-          <a:bodyPr wrap="square" rtlCol="0">
-            <a:spAutoFit/>
-          </a:bodyPr>
-          <a:lstStyle/>
-          <a:p>
-            <a:r>
-              <a:rPr lang="en-US" dirty="0"/>
-              <a:t>A general interface circuit and a few examples: (a) Simple pass-through (often omitted), (b) series resistor, (c) parallel resistor, (d) L-pad left, (e) L-pad right</a:t>
-            </a:r>
-          </a:p>
-        </p:txBody>
-      </p:sp>
-    </p:spTree>
-    <p:extLst>
-      <p:ext uri="{BB962C8B-B14F-4D97-AF65-F5344CB8AC3E}">
-        <p14:creationId xmlns:p14="http://schemas.microsoft.com/office/powerpoint/2010/main" val="221423601"/>
       </p:ext>
     </p:extLst>
   </p:cSld>
@@ -22106,6 +22381,403 @@
     <p:extLst>
       <p:ext uri="{BB962C8B-B14F-4D97-AF65-F5344CB8AC3E}">
         <p14:creationId xmlns:p14="http://schemas.microsoft.com/office/powerpoint/2010/main" val="2317606830"/>
+      </p:ext>
+    </p:extLst>
+  </p:cSld>
+  <p:clrMapOvr>
+    <a:masterClrMapping/>
+  </p:clrMapOvr>
+</p:sld>
+</file>
+
+<file path=ppt/slides/slide30.xml><?xml version="1.0" encoding="utf-8"?>
+<p:sld xmlns:a="http://schemas.openxmlformats.org/drawingml/2006/main" xmlns:r="http://schemas.openxmlformats.org/officeDocument/2006/relationships" xmlns:p="http://schemas.openxmlformats.org/presentationml/2006/main">
+  <p:cSld>
+    <p:spTree>
+      <p:nvGrpSpPr>
+        <p:cNvPr id="1" name=""/>
+        <p:cNvGrpSpPr/>
+        <p:nvPr/>
+      </p:nvGrpSpPr>
+      <p:grpSpPr>
+        <a:xfrm>
+          <a:off x="0" y="0"/>
+          <a:ext cx="0" cy="0"/>
+          <a:chOff x="0" y="0"/>
+          <a:chExt cx="0" cy="0"/>
+        </a:xfrm>
+      </p:grpSpPr>
+      <p:grpSp>
+        <p:nvGrpSpPr>
+          <p:cNvPr id="12" name="Group 11">
+            <a:extLst>
+              <a:ext uri="{FF2B5EF4-FFF2-40B4-BE49-F238E27FC236}">
+                <a16:creationId xmlns:a16="http://schemas.microsoft.com/office/drawing/2014/main" id="{C6BED7B3-404E-F909-337B-2D5E2EECECAD}"/>
+              </a:ext>
+            </a:extLst>
+          </p:cNvPr>
+          <p:cNvGrpSpPr/>
+          <p:nvPr/>
+        </p:nvGrpSpPr>
+        <p:grpSpPr>
+          <a:xfrm>
+            <a:off x="544644" y="2794004"/>
+            <a:ext cx="7962431" cy="2571201"/>
+            <a:chOff x="544644" y="2910196"/>
+            <a:chExt cx="7962431" cy="2571201"/>
+          </a:xfrm>
+        </p:grpSpPr>
+        <p:pic>
+          <p:nvPicPr>
+            <p:cNvPr id="3" name="Picture 2">
+              <a:extLst>
+                <a:ext uri="{FF2B5EF4-FFF2-40B4-BE49-F238E27FC236}">
+                  <a16:creationId xmlns:a16="http://schemas.microsoft.com/office/drawing/2014/main" id="{EB3AA168-E145-799E-D9F2-600006C6AFBA}"/>
+                </a:ext>
+              </a:extLst>
+            </p:cNvPr>
+            <p:cNvPicPr>
+              <a:picLocks noChangeAspect="1"/>
+            </p:cNvPicPr>
+            <p:nvPr/>
+          </p:nvPicPr>
+          <p:blipFill>
+            <a:blip r:embed="rId2"/>
+            <a:stretch>
+              <a:fillRect/>
+            </a:stretch>
+          </p:blipFill>
+          <p:spPr>
+            <a:xfrm>
+              <a:off x="544645" y="2910196"/>
+              <a:ext cx="3705224" cy="2571201"/>
+            </a:xfrm>
+            <a:prstGeom prst="rect">
+              <a:avLst/>
+            </a:prstGeom>
+          </p:spPr>
+        </p:pic>
+        <p:pic>
+          <p:nvPicPr>
+            <p:cNvPr id="5" name="Picture 4">
+              <a:extLst>
+                <a:ext uri="{FF2B5EF4-FFF2-40B4-BE49-F238E27FC236}">
+                  <a16:creationId xmlns:a16="http://schemas.microsoft.com/office/drawing/2014/main" id="{751C139A-1196-9B92-1891-D47E93450C33}"/>
+                </a:ext>
+              </a:extLst>
+            </p:cNvPr>
+            <p:cNvPicPr>
+              <a:picLocks noChangeAspect="1"/>
+            </p:cNvPicPr>
+            <p:nvPr/>
+          </p:nvPicPr>
+          <p:blipFill>
+            <a:blip r:embed="rId3"/>
+            <a:stretch>
+              <a:fillRect/>
+            </a:stretch>
+          </p:blipFill>
+          <p:spPr>
+            <a:xfrm>
+              <a:off x="4801850" y="3069680"/>
+              <a:ext cx="3705225" cy="2295525"/>
+            </a:xfrm>
+            <a:prstGeom prst="rect">
+              <a:avLst/>
+            </a:prstGeom>
+          </p:spPr>
+        </p:pic>
+        <p:sp>
+          <p:nvSpPr>
+            <p:cNvPr id="6" name="TextBox 5">
+              <a:extLst>
+                <a:ext uri="{FF2B5EF4-FFF2-40B4-BE49-F238E27FC236}">
+                  <a16:creationId xmlns:a16="http://schemas.microsoft.com/office/drawing/2014/main" id="{C902FCFB-0168-E2BE-6C16-831B54755504}"/>
+                </a:ext>
+              </a:extLst>
+            </p:cNvPr>
+            <p:cNvSpPr txBox="1"/>
+            <p:nvPr/>
+          </p:nvSpPr>
+          <p:spPr>
+            <a:xfrm>
+              <a:off x="544644" y="4789521"/>
+              <a:ext cx="460382" cy="400110"/>
+            </a:xfrm>
+            <a:prstGeom prst="rect">
+              <a:avLst/>
+            </a:prstGeom>
+            <a:noFill/>
+          </p:spPr>
+          <p:txBody>
+            <a:bodyPr wrap="none" rtlCol="0">
+              <a:spAutoFit/>
+            </a:bodyPr>
+            <a:lstStyle/>
+            <a:p>
+              <a:r>
+                <a:rPr lang="en-US" b="1" dirty="0"/>
+                <a:t>(</a:t>
+              </a:r>
+              <a:r>
+                <a:rPr lang="en-US" sz="2000" b="1" dirty="0"/>
+                <a:t>a</a:t>
+              </a:r>
+              <a:r>
+                <a:rPr lang="en-US" b="1" dirty="0"/>
+                <a:t>)</a:t>
+              </a:r>
+            </a:p>
+          </p:txBody>
+        </p:sp>
+        <p:sp>
+          <p:nvSpPr>
+            <p:cNvPr id="8" name="TextBox 7">
+              <a:extLst>
+                <a:ext uri="{FF2B5EF4-FFF2-40B4-BE49-F238E27FC236}">
+                  <a16:creationId xmlns:a16="http://schemas.microsoft.com/office/drawing/2014/main" id="{C912DCC6-32D0-2F1C-7822-A0157D509D23}"/>
+                </a:ext>
+              </a:extLst>
+            </p:cNvPr>
+            <p:cNvSpPr txBox="1"/>
+            <p:nvPr/>
+          </p:nvSpPr>
+          <p:spPr>
+            <a:xfrm>
+              <a:off x="4801850" y="4615339"/>
+              <a:ext cx="470000" cy="400110"/>
+            </a:xfrm>
+            <a:prstGeom prst="rect">
+              <a:avLst/>
+            </a:prstGeom>
+            <a:noFill/>
+          </p:spPr>
+          <p:txBody>
+            <a:bodyPr wrap="none" rtlCol="0">
+              <a:spAutoFit/>
+            </a:bodyPr>
+            <a:lstStyle/>
+            <a:p>
+              <a:r>
+                <a:rPr lang="en-US" b="1" dirty="0"/>
+                <a:t>(</a:t>
+              </a:r>
+              <a:r>
+                <a:rPr lang="en-US" sz="2000" b="1" dirty="0"/>
+                <a:t>b</a:t>
+              </a:r>
+              <a:r>
+                <a:rPr lang="en-US" b="1" dirty="0"/>
+                <a:t>)</a:t>
+              </a:r>
+            </a:p>
+          </p:txBody>
+        </p:sp>
+      </p:grpSp>
+      <p:sp>
+        <p:nvSpPr>
+          <p:cNvPr id="9" name="TextBox 8">
+            <a:extLst>
+              <a:ext uri="{FF2B5EF4-FFF2-40B4-BE49-F238E27FC236}">
+                <a16:creationId xmlns:a16="http://schemas.microsoft.com/office/drawing/2014/main" id="{E37F5C56-D43C-A057-AA1E-36AE18CC352A}"/>
+              </a:ext>
+            </a:extLst>
+          </p:cNvPr>
+          <p:cNvSpPr txBox="1"/>
+          <p:nvPr/>
+        </p:nvSpPr>
+        <p:spPr>
+          <a:xfrm>
+            <a:off x="544644" y="5481397"/>
+            <a:ext cx="4124847" cy="369332"/>
+          </a:xfrm>
+          <a:prstGeom prst="rect">
+            <a:avLst/>
+          </a:prstGeom>
+          <a:noFill/>
+        </p:spPr>
+        <p:txBody>
+          <a:bodyPr wrap="none" rtlCol="0">
+            <a:spAutoFit/>
+          </a:bodyPr>
+          <a:lstStyle/>
+          <a:p>
+            <a:r>
+              <a:rPr lang="en-US" dirty="0"/>
+              <a:t>Fig-circuits-maxpower.png  R0 01/21/25</a:t>
+            </a:r>
+          </a:p>
+        </p:txBody>
+      </p:sp>
+      <p:sp>
+        <p:nvSpPr>
+          <p:cNvPr id="11" name="TextBox 10">
+            <a:extLst>
+              <a:ext uri="{FF2B5EF4-FFF2-40B4-BE49-F238E27FC236}">
+                <a16:creationId xmlns:a16="http://schemas.microsoft.com/office/drawing/2014/main" id="{E57E9174-8835-7805-8F49-B95575465680}"/>
+              </a:ext>
+            </a:extLst>
+          </p:cNvPr>
+          <p:cNvSpPr txBox="1"/>
+          <p:nvPr/>
+        </p:nvSpPr>
+        <p:spPr>
+          <a:xfrm>
+            <a:off x="334832" y="6083113"/>
+            <a:ext cx="11120480" cy="369332"/>
+          </a:xfrm>
+          <a:prstGeom prst="rect">
+            <a:avLst/>
+          </a:prstGeom>
+          <a:noFill/>
+        </p:spPr>
+        <p:txBody>
+          <a:bodyPr wrap="none" rtlCol="0">
+            <a:spAutoFit/>
+          </a:bodyPr>
+          <a:lstStyle/>
+          <a:p>
+            <a:r>
+              <a:rPr lang="en-US" dirty="0"/>
+              <a:t>(a) Circuit used for max power transfer analysis. (b) Sketch of power delivered to the load as a function of $R_L$</a:t>
+            </a:r>
+          </a:p>
+        </p:txBody>
+      </p:sp>
+    </p:spTree>
+    <p:extLst>
+      <p:ext uri="{BB962C8B-B14F-4D97-AF65-F5344CB8AC3E}">
+        <p14:creationId xmlns:p14="http://schemas.microsoft.com/office/powerpoint/2010/main" val="2578523865"/>
+      </p:ext>
+    </p:extLst>
+  </p:cSld>
+  <p:clrMapOvr>
+    <a:masterClrMapping/>
+  </p:clrMapOvr>
+</p:sld>
+</file>
+
+<file path=ppt/slides/slide31.xml><?xml version="1.0" encoding="utf-8"?>
+<p:sld xmlns:a="http://schemas.openxmlformats.org/drawingml/2006/main" xmlns:r="http://schemas.openxmlformats.org/officeDocument/2006/relationships" xmlns:p="http://schemas.openxmlformats.org/presentationml/2006/main">
+  <p:cSld>
+    <p:spTree>
+      <p:nvGrpSpPr>
+        <p:cNvPr id="1" name=""/>
+        <p:cNvGrpSpPr/>
+        <p:nvPr/>
+      </p:nvGrpSpPr>
+      <p:grpSpPr>
+        <a:xfrm>
+          <a:off x="0" y="0"/>
+          <a:ext cx="0" cy="0"/>
+          <a:chOff x="0" y="0"/>
+          <a:chExt cx="0" cy="0"/>
+        </a:xfrm>
+      </p:grpSpPr>
+      <p:pic>
+        <p:nvPicPr>
+          <p:cNvPr id="3" name="Picture 2">
+            <a:extLst>
+              <a:ext uri="{FF2B5EF4-FFF2-40B4-BE49-F238E27FC236}">
+                <a16:creationId xmlns:a16="http://schemas.microsoft.com/office/drawing/2014/main" id="{4EC50A68-A0DD-BA5E-91B2-24DB3F14E23E}"/>
+              </a:ext>
+            </a:extLst>
+          </p:cNvPr>
+          <p:cNvPicPr>
+            <a:picLocks noChangeAspect="1"/>
+          </p:cNvPicPr>
+          <p:nvPr/>
+        </p:nvPicPr>
+        <p:blipFill>
+          <a:blip r:embed="rId2"/>
+          <a:stretch>
+            <a:fillRect/>
+          </a:stretch>
+        </p:blipFill>
+        <p:spPr>
+          <a:xfrm>
+            <a:off x="334832" y="2103557"/>
+            <a:ext cx="6786269" cy="2575576"/>
+          </a:xfrm>
+          <a:prstGeom prst="rect">
+            <a:avLst/>
+          </a:prstGeom>
+        </p:spPr>
+      </p:pic>
+      <p:sp>
+        <p:nvSpPr>
+          <p:cNvPr id="4" name="TextBox 3">
+            <a:extLst>
+              <a:ext uri="{FF2B5EF4-FFF2-40B4-BE49-F238E27FC236}">
+                <a16:creationId xmlns:a16="http://schemas.microsoft.com/office/drawing/2014/main" id="{E2E93786-2806-872F-035D-A416670198B3}"/>
+              </a:ext>
+            </a:extLst>
+          </p:cNvPr>
+          <p:cNvSpPr txBox="1"/>
+          <p:nvPr/>
+        </p:nvSpPr>
+        <p:spPr>
+          <a:xfrm>
+            <a:off x="544644" y="5481397"/>
+            <a:ext cx="3981603" cy="369332"/>
+          </a:xfrm>
+          <a:prstGeom prst="rect">
+            <a:avLst/>
+          </a:prstGeom>
+          <a:noFill/>
+        </p:spPr>
+        <p:txBody>
+          <a:bodyPr wrap="none" rtlCol="0">
+            <a:spAutoFit/>
+          </a:bodyPr>
+          <a:lstStyle/>
+          <a:p>
+            <a:r>
+              <a:rPr lang="en-US" dirty="0"/>
+              <a:t>Fig-circuits-interface.png  R0 01/22/25</a:t>
+            </a:r>
+          </a:p>
+        </p:txBody>
+      </p:sp>
+      <p:sp>
+        <p:nvSpPr>
+          <p:cNvPr id="5" name="TextBox 4">
+            <a:extLst>
+              <a:ext uri="{FF2B5EF4-FFF2-40B4-BE49-F238E27FC236}">
+                <a16:creationId xmlns:a16="http://schemas.microsoft.com/office/drawing/2014/main" id="{3A0CC8F5-FD51-D136-F391-D5E6C83AF451}"/>
+              </a:ext>
+            </a:extLst>
+          </p:cNvPr>
+          <p:cNvSpPr txBox="1"/>
+          <p:nvPr/>
+        </p:nvSpPr>
+        <p:spPr>
+          <a:xfrm>
+            <a:off x="139960" y="6006662"/>
+            <a:ext cx="11117653" cy="646331"/>
+          </a:xfrm>
+          <a:prstGeom prst="rect">
+            <a:avLst/>
+          </a:prstGeom>
+          <a:noFill/>
+        </p:spPr>
+        <p:txBody>
+          <a:bodyPr wrap="square" rtlCol="0">
+            <a:spAutoFit/>
+          </a:bodyPr>
+          <a:lstStyle/>
+          <a:p>
+            <a:r>
+              <a:rPr lang="en-US" dirty="0"/>
+              <a:t>A general interface circuit and a few examples: (a) Simple pass-through (often omitted), (b) series resistor, (c) parallel resistor, (d) L-pad left, (e) L-pad right</a:t>
+            </a:r>
+          </a:p>
+        </p:txBody>
+      </p:sp>
+    </p:spTree>
+    <p:extLst>
+      <p:ext uri="{BB962C8B-B14F-4D97-AF65-F5344CB8AC3E}">
+        <p14:creationId xmlns:p14="http://schemas.microsoft.com/office/powerpoint/2010/main" val="221423601"/>
       </p:ext>
     </p:extLst>
   </p:cSld>

--- a/figures/fig.pptx
+++ b/figures/fig.pptx
@@ -8,34 +8,36 @@
     <p:sldId id="256" r:id="rId2"/>
     <p:sldId id="275" r:id="rId3"/>
     <p:sldId id="276" r:id="rId4"/>
-    <p:sldId id="277" r:id="rId5"/>
-    <p:sldId id="278" r:id="rId6"/>
-    <p:sldId id="279" r:id="rId7"/>
-    <p:sldId id="280" r:id="rId8"/>
-    <p:sldId id="281" r:id="rId9"/>
-    <p:sldId id="282" r:id="rId10"/>
-    <p:sldId id="283" r:id="rId11"/>
-    <p:sldId id="284" r:id="rId12"/>
-    <p:sldId id="285" r:id="rId13"/>
-    <p:sldId id="286" r:id="rId14"/>
-    <p:sldId id="274" r:id="rId15"/>
-    <p:sldId id="257" r:id="rId16"/>
-    <p:sldId id="258" r:id="rId17"/>
-    <p:sldId id="261" r:id="rId18"/>
-    <p:sldId id="262" r:id="rId19"/>
-    <p:sldId id="259" r:id="rId20"/>
-    <p:sldId id="260" r:id="rId21"/>
-    <p:sldId id="273" r:id="rId22"/>
-    <p:sldId id="263" r:id="rId23"/>
-    <p:sldId id="264" r:id="rId24"/>
-    <p:sldId id="265" r:id="rId25"/>
-    <p:sldId id="266" r:id="rId26"/>
-    <p:sldId id="267" r:id="rId27"/>
-    <p:sldId id="268" r:id="rId28"/>
-    <p:sldId id="269" r:id="rId29"/>
-    <p:sldId id="270" r:id="rId30"/>
-    <p:sldId id="271" r:id="rId31"/>
-    <p:sldId id="272" r:id="rId32"/>
+    <p:sldId id="288" r:id="rId5"/>
+    <p:sldId id="277" r:id="rId6"/>
+    <p:sldId id="278" r:id="rId7"/>
+    <p:sldId id="279" r:id="rId8"/>
+    <p:sldId id="280" r:id="rId9"/>
+    <p:sldId id="281" r:id="rId10"/>
+    <p:sldId id="282" r:id="rId11"/>
+    <p:sldId id="283" r:id="rId12"/>
+    <p:sldId id="284" r:id="rId13"/>
+    <p:sldId id="285" r:id="rId14"/>
+    <p:sldId id="286" r:id="rId15"/>
+    <p:sldId id="287" r:id="rId16"/>
+    <p:sldId id="274" r:id="rId17"/>
+    <p:sldId id="257" r:id="rId18"/>
+    <p:sldId id="258" r:id="rId19"/>
+    <p:sldId id="261" r:id="rId20"/>
+    <p:sldId id="262" r:id="rId21"/>
+    <p:sldId id="259" r:id="rId22"/>
+    <p:sldId id="260" r:id="rId23"/>
+    <p:sldId id="273" r:id="rId24"/>
+    <p:sldId id="263" r:id="rId25"/>
+    <p:sldId id="264" r:id="rId26"/>
+    <p:sldId id="265" r:id="rId27"/>
+    <p:sldId id="266" r:id="rId28"/>
+    <p:sldId id="267" r:id="rId29"/>
+    <p:sldId id="268" r:id="rId30"/>
+    <p:sldId id="269" r:id="rId31"/>
+    <p:sldId id="270" r:id="rId32"/>
+    <p:sldId id="271" r:id="rId33"/>
+    <p:sldId id="272" r:id="rId34"/>
   </p:sldIdLst>
   <p:sldSz cx="12192000" cy="6858000"/>
   <p:notesSz cx="6858000" cy="9144000"/>
@@ -289,7 +291,7 @@
           <a:p>
             <a:fld id="{BA5A1584-706A-4ABE-803B-792AD84DBA31}" type="datetimeFigureOut">
               <a:rPr lang="en-US" smtClean="0"/>
-              <a:t>2/22/2025</a:t>
+              <a:t>3/12/2025</a:t>
             </a:fld>
             <a:endParaRPr lang="en-US"/>
           </a:p>
@@ -487,7 +489,7 @@
           <a:p>
             <a:fld id="{BA5A1584-706A-4ABE-803B-792AD84DBA31}" type="datetimeFigureOut">
               <a:rPr lang="en-US" smtClean="0"/>
-              <a:t>2/22/2025</a:t>
+              <a:t>3/12/2025</a:t>
             </a:fld>
             <a:endParaRPr lang="en-US"/>
           </a:p>
@@ -695,7 +697,7 @@
           <a:p>
             <a:fld id="{BA5A1584-706A-4ABE-803B-792AD84DBA31}" type="datetimeFigureOut">
               <a:rPr lang="en-US" smtClean="0"/>
-              <a:t>2/22/2025</a:t>
+              <a:t>3/12/2025</a:t>
             </a:fld>
             <a:endParaRPr lang="en-US"/>
           </a:p>
@@ -893,7 +895,7 @@
           <a:p>
             <a:fld id="{BA5A1584-706A-4ABE-803B-792AD84DBA31}" type="datetimeFigureOut">
               <a:rPr lang="en-US" smtClean="0"/>
-              <a:t>2/22/2025</a:t>
+              <a:t>3/12/2025</a:t>
             </a:fld>
             <a:endParaRPr lang="en-US"/>
           </a:p>
@@ -1168,7 +1170,7 @@
           <a:p>
             <a:fld id="{BA5A1584-706A-4ABE-803B-792AD84DBA31}" type="datetimeFigureOut">
               <a:rPr lang="en-US" smtClean="0"/>
-              <a:t>2/22/2025</a:t>
+              <a:t>3/12/2025</a:t>
             </a:fld>
             <a:endParaRPr lang="en-US"/>
           </a:p>
@@ -1433,7 +1435,7 @@
           <a:p>
             <a:fld id="{BA5A1584-706A-4ABE-803B-792AD84DBA31}" type="datetimeFigureOut">
               <a:rPr lang="en-US" smtClean="0"/>
-              <a:t>2/22/2025</a:t>
+              <a:t>3/12/2025</a:t>
             </a:fld>
             <a:endParaRPr lang="en-US"/>
           </a:p>
@@ -1845,7 +1847,7 @@
           <a:p>
             <a:fld id="{BA5A1584-706A-4ABE-803B-792AD84DBA31}" type="datetimeFigureOut">
               <a:rPr lang="en-US" smtClean="0"/>
-              <a:t>2/22/2025</a:t>
+              <a:t>3/12/2025</a:t>
             </a:fld>
             <a:endParaRPr lang="en-US"/>
           </a:p>
@@ -1986,7 +1988,7 @@
           <a:p>
             <a:fld id="{BA5A1584-706A-4ABE-803B-792AD84DBA31}" type="datetimeFigureOut">
               <a:rPr lang="en-US" smtClean="0"/>
-              <a:t>2/22/2025</a:t>
+              <a:t>3/12/2025</a:t>
             </a:fld>
             <a:endParaRPr lang="en-US"/>
           </a:p>
@@ -2099,7 +2101,7 @@
           <a:p>
             <a:fld id="{BA5A1584-706A-4ABE-803B-792AD84DBA31}" type="datetimeFigureOut">
               <a:rPr lang="en-US" smtClean="0"/>
-              <a:t>2/22/2025</a:t>
+              <a:t>3/12/2025</a:t>
             </a:fld>
             <a:endParaRPr lang="en-US"/>
           </a:p>
@@ -2410,7 +2412,7 @@
           <a:p>
             <a:fld id="{BA5A1584-706A-4ABE-803B-792AD84DBA31}" type="datetimeFigureOut">
               <a:rPr lang="en-US" smtClean="0"/>
-              <a:t>2/22/2025</a:t>
+              <a:t>3/12/2025</a:t>
             </a:fld>
             <a:endParaRPr lang="en-US"/>
           </a:p>
@@ -2698,7 +2700,7 @@
           <a:p>
             <a:fld id="{BA5A1584-706A-4ABE-803B-792AD84DBA31}" type="datetimeFigureOut">
               <a:rPr lang="en-US" smtClean="0"/>
-              <a:t>2/22/2025</a:t>
+              <a:t>3/12/2025</a:t>
             </a:fld>
             <a:endParaRPr lang="en-US"/>
           </a:p>
@@ -2939,7 +2941,7 @@
           <a:p>
             <a:fld id="{BA5A1584-706A-4ABE-803B-792AD84DBA31}" type="datetimeFigureOut">
               <a:rPr lang="en-US" smtClean="0"/>
-              <a:t>2/22/2025</a:t>
+              <a:t>3/12/2025</a:t>
             </a:fld>
             <a:endParaRPr lang="en-US"/>
           </a:p>
@@ -3447,6 +3449,171 @@
           <p:cNvPr id="3" name="Picture 2">
             <a:extLst>
               <a:ext uri="{FF2B5EF4-FFF2-40B4-BE49-F238E27FC236}">
+                <a16:creationId xmlns:a16="http://schemas.microsoft.com/office/drawing/2014/main" id="{40C03F84-2C5E-72B8-975A-F7C4777E33F9}"/>
+              </a:ext>
+            </a:extLst>
+          </p:cNvPr>
+          <p:cNvPicPr>
+            <a:picLocks noChangeAspect="1"/>
+          </p:cNvPicPr>
+          <p:nvPr/>
+        </p:nvPicPr>
+        <p:blipFill>
+          <a:blip r:embed="rId2"/>
+          <a:stretch>
+            <a:fillRect/>
+          </a:stretch>
+        </p:blipFill>
+        <p:spPr>
+          <a:xfrm>
+            <a:off x="5380178" y="2531901"/>
+            <a:ext cx="4857750" cy="2581275"/>
+          </a:xfrm>
+          <a:prstGeom prst="rect">
+            <a:avLst/>
+          </a:prstGeom>
+        </p:spPr>
+      </p:pic>
+      <p:sp>
+        <p:nvSpPr>
+          <p:cNvPr id="4" name="TextBox 3">
+            <a:extLst>
+              <a:ext uri="{FF2B5EF4-FFF2-40B4-BE49-F238E27FC236}">
+                <a16:creationId xmlns:a16="http://schemas.microsoft.com/office/drawing/2014/main" id="{8A04F9CF-C8A1-3A71-E680-DC4E61943D03}"/>
+              </a:ext>
+            </a:extLst>
+          </p:cNvPr>
+          <p:cNvSpPr txBox="1"/>
+          <p:nvPr/>
+        </p:nvSpPr>
+        <p:spPr>
+          <a:xfrm>
+            <a:off x="515744" y="1162619"/>
+            <a:ext cx="3297973" cy="2585323"/>
+          </a:xfrm>
+          <a:prstGeom prst="rect">
+            <a:avLst/>
+          </a:prstGeom>
+          <a:noFill/>
+        </p:spPr>
+        <p:txBody>
+          <a:bodyPr wrap="square">
+            <a:spAutoFit/>
+          </a:bodyPr>
+          <a:lstStyle/>
+          <a:p>
+            <a:r>
+              <a:rPr lang="en-US" dirty="0"/>
+              <a:t>![Visualization of (a) donor and (b) acceptor actions via the bonding model. In (a), _Column V_ element P replaces a Si atom; in (b), Column III element B replaces a Si atom.](figures/fig-semi-dev-viz-doping){#fig-semi-dev-viz-doping}</a:t>
+            </a:r>
+          </a:p>
+        </p:txBody>
+      </p:sp>
+      <p:sp>
+        <p:nvSpPr>
+          <p:cNvPr id="5" name="TextBox 4">
+            <a:extLst>
+              <a:ext uri="{FF2B5EF4-FFF2-40B4-BE49-F238E27FC236}">
+                <a16:creationId xmlns:a16="http://schemas.microsoft.com/office/drawing/2014/main" id="{FE392DA5-4365-0AF0-D7AE-4B4AB715AD5D}"/>
+              </a:ext>
+            </a:extLst>
+          </p:cNvPr>
+          <p:cNvSpPr txBox="1"/>
+          <p:nvPr/>
+        </p:nvSpPr>
+        <p:spPr>
+          <a:xfrm>
+            <a:off x="244431" y="5597444"/>
+            <a:ext cx="1391728" cy="369332"/>
+          </a:xfrm>
+          <a:prstGeom prst="rect">
+            <a:avLst/>
+          </a:prstGeom>
+          <a:noFill/>
+        </p:spPr>
+        <p:txBody>
+          <a:bodyPr wrap="none" rtlCol="0">
+            <a:spAutoFit/>
+          </a:bodyPr>
+          <a:lstStyle/>
+          <a:p>
+            <a:r>
+              <a:rPr lang="en-US" dirty="0"/>
+              <a:t>R0 02/22/25</a:t>
+            </a:r>
+          </a:p>
+        </p:txBody>
+      </p:sp>
+      <p:sp>
+        <p:nvSpPr>
+          <p:cNvPr id="6" name="TextBox 5">
+            <a:extLst>
+              <a:ext uri="{FF2B5EF4-FFF2-40B4-BE49-F238E27FC236}">
+                <a16:creationId xmlns:a16="http://schemas.microsoft.com/office/drawing/2014/main" id="{734344AE-7784-1FC0-F282-DFF2EA63D1D8}"/>
+              </a:ext>
+            </a:extLst>
+          </p:cNvPr>
+          <p:cNvSpPr txBox="1"/>
+          <p:nvPr/>
+        </p:nvSpPr>
+        <p:spPr>
+          <a:xfrm>
+            <a:off x="244431" y="6434401"/>
+            <a:ext cx="2338204" cy="338554"/>
+          </a:xfrm>
+          <a:prstGeom prst="rect">
+            <a:avLst/>
+          </a:prstGeom>
+          <a:noFill/>
+        </p:spPr>
+        <p:txBody>
+          <a:bodyPr wrap="none" rtlCol="0">
+            <a:spAutoFit/>
+          </a:bodyPr>
+          <a:lstStyle/>
+          <a:p>
+            <a:r>
+              <a:rPr lang="en-US" sz="1600" i="1" dirty="0"/>
+              <a:t>Ref: Fig 2.10 p-36 Pierret</a:t>
+            </a:r>
+          </a:p>
+        </p:txBody>
+      </p:sp>
+    </p:spTree>
+    <p:extLst>
+      <p:ext uri="{BB962C8B-B14F-4D97-AF65-F5344CB8AC3E}">
+        <p14:creationId xmlns:p14="http://schemas.microsoft.com/office/powerpoint/2010/main" val="240967839"/>
+      </p:ext>
+    </p:extLst>
+  </p:cSld>
+  <p:clrMapOvr>
+    <a:masterClrMapping/>
+  </p:clrMapOvr>
+</p:sld>
+</file>
+
+<file path=ppt/slides/slide11.xml><?xml version="1.0" encoding="utf-8"?>
+<p:sld xmlns:a="http://schemas.openxmlformats.org/drawingml/2006/main" xmlns:r="http://schemas.openxmlformats.org/officeDocument/2006/relationships" xmlns:p="http://schemas.openxmlformats.org/presentationml/2006/main">
+  <p:cSld>
+    <p:spTree>
+      <p:nvGrpSpPr>
+        <p:cNvPr id="1" name=""/>
+        <p:cNvGrpSpPr/>
+        <p:nvPr/>
+      </p:nvGrpSpPr>
+      <p:grpSpPr>
+        <a:xfrm>
+          <a:off x="0" y="0"/>
+          <a:ext cx="0" cy="0"/>
+          <a:chOff x="0" y="0"/>
+          <a:chExt cx="0" cy="0"/>
+        </a:xfrm>
+      </p:grpSpPr>
+      <p:pic>
+        <p:nvPicPr>
+          <p:cNvPr id="3" name="Picture 2">
+            <a:extLst>
+              <a:ext uri="{FF2B5EF4-FFF2-40B4-BE49-F238E27FC236}">
                 <a16:creationId xmlns:a16="http://schemas.microsoft.com/office/drawing/2014/main" id="{F78F34E1-4E87-34D7-466E-6F6BA96F7CC4}"/>
               </a:ext>
             </a:extLst>
@@ -3598,7 +3765,7 @@
 </p:sld>
 </file>
 
-<file path=ppt/slides/slide11.xml><?xml version="1.0" encoding="utf-8"?>
+<file path=ppt/slides/slide12.xml><?xml version="1.0" encoding="utf-8"?>
 <p:sld xmlns:a="http://schemas.openxmlformats.org/drawingml/2006/main" xmlns:r="http://schemas.openxmlformats.org/officeDocument/2006/relationships" xmlns:p="http://schemas.openxmlformats.org/presentationml/2006/main">
   <p:cSld>
     <p:spTree>
@@ -3763,7 +3930,7 @@
 </p:sld>
 </file>
 
-<file path=ppt/slides/slide12.xml><?xml version="1.0" encoding="utf-8"?>
+<file path=ppt/slides/slide13.xml><?xml version="1.0" encoding="utf-8"?>
 <p:sld xmlns:a="http://schemas.openxmlformats.org/drawingml/2006/main" xmlns:r="http://schemas.openxmlformats.org/officeDocument/2006/relationships" xmlns:p="http://schemas.openxmlformats.org/presentationml/2006/main">
   <p:cSld>
     <p:spTree>
@@ -3928,7 +4095,7 @@
 </p:sld>
 </file>
 
-<file path=ppt/slides/slide13.xml><?xml version="1.0" encoding="utf-8"?>
+<file path=ppt/slides/slide14.xml><?xml version="1.0" encoding="utf-8"?>
 <p:sld xmlns:a="http://schemas.openxmlformats.org/drawingml/2006/main" xmlns:r="http://schemas.openxmlformats.org/officeDocument/2006/relationships" xmlns:p="http://schemas.openxmlformats.org/presentationml/2006/main">
   <p:cSld>
     <p:spTree>
@@ -4093,7 +4260,531 @@
 </p:sld>
 </file>
 
-<file path=ppt/slides/slide14.xml><?xml version="1.0" encoding="utf-8"?>
+<file path=ppt/slides/slide15.xml><?xml version="1.0" encoding="utf-8"?>
+<p:sld xmlns:a="http://schemas.openxmlformats.org/drawingml/2006/main" xmlns:r="http://schemas.openxmlformats.org/officeDocument/2006/relationships" xmlns:p="http://schemas.openxmlformats.org/presentationml/2006/main">
+  <p:cSld>
+    <p:spTree>
+      <p:nvGrpSpPr>
+        <p:cNvPr id="1" name="">
+          <a:extLst>
+            <a:ext uri="{FF2B5EF4-FFF2-40B4-BE49-F238E27FC236}">
+              <a16:creationId xmlns:a16="http://schemas.microsoft.com/office/drawing/2014/main" id="{4914A2E5-7522-4E59-8EFD-37D53344D316}"/>
+            </a:ext>
+          </a:extLst>
+        </p:cNvPr>
+        <p:cNvGrpSpPr/>
+        <p:nvPr/>
+      </p:nvGrpSpPr>
+      <p:grpSpPr>
+        <a:xfrm>
+          <a:off x="0" y="0"/>
+          <a:ext cx="0" cy="0"/>
+          <a:chOff x="0" y="0"/>
+          <a:chExt cx="0" cy="0"/>
+        </a:xfrm>
+      </p:grpSpPr>
+      <p:sp>
+        <p:nvSpPr>
+          <p:cNvPr id="5" name="TextBox 4">
+            <a:extLst>
+              <a:ext uri="{FF2B5EF4-FFF2-40B4-BE49-F238E27FC236}">
+                <a16:creationId xmlns:a16="http://schemas.microsoft.com/office/drawing/2014/main" id="{E119310C-16CE-7CA7-3287-1298F92BDF88}"/>
+              </a:ext>
+            </a:extLst>
+          </p:cNvPr>
+          <p:cNvSpPr txBox="1"/>
+          <p:nvPr/>
+        </p:nvSpPr>
+        <p:spPr>
+          <a:xfrm>
+            <a:off x="290649" y="637593"/>
+            <a:ext cx="3706585" cy="1477328"/>
+          </a:xfrm>
+          <a:prstGeom prst="rect">
+            <a:avLst/>
+          </a:prstGeom>
+          <a:noFill/>
+        </p:spPr>
+        <p:txBody>
+          <a:bodyPr wrap="square">
+            <a:spAutoFit/>
+          </a:bodyPr>
+          <a:lstStyle/>
+          <a:p>
+            <a:r>
+              <a:rPr lang="en-US" dirty="0"/>
+              <a:t>![Visualization of electron and hole diffusion in a macroscopic scale](figures/fig-semi-dev-diffusion.png){#fig-semi-dev-diffusion}</a:t>
+            </a:r>
+          </a:p>
+        </p:txBody>
+      </p:sp>
+      <p:sp>
+        <p:nvSpPr>
+          <p:cNvPr id="6" name="TextBox 5">
+            <a:extLst>
+              <a:ext uri="{FF2B5EF4-FFF2-40B4-BE49-F238E27FC236}">
+                <a16:creationId xmlns:a16="http://schemas.microsoft.com/office/drawing/2014/main" id="{34680BFF-FF1E-C9FC-3AF1-5083F48DF88D}"/>
+              </a:ext>
+            </a:extLst>
+          </p:cNvPr>
+          <p:cNvSpPr txBox="1"/>
+          <p:nvPr/>
+        </p:nvSpPr>
+        <p:spPr>
+          <a:xfrm>
+            <a:off x="244431" y="5761563"/>
+            <a:ext cx="1391728" cy="369332"/>
+          </a:xfrm>
+          <a:prstGeom prst="rect">
+            <a:avLst/>
+          </a:prstGeom>
+          <a:noFill/>
+        </p:spPr>
+        <p:txBody>
+          <a:bodyPr wrap="none" rtlCol="0">
+            <a:spAutoFit/>
+          </a:bodyPr>
+          <a:lstStyle/>
+          <a:p>
+            <a:r>
+              <a:rPr lang="en-US" dirty="0"/>
+              <a:t>R0 03/12/25</a:t>
+            </a:r>
+          </a:p>
+        </p:txBody>
+      </p:sp>
+      <p:sp>
+        <p:nvSpPr>
+          <p:cNvPr id="7" name="TextBox 6">
+            <a:extLst>
+              <a:ext uri="{FF2B5EF4-FFF2-40B4-BE49-F238E27FC236}">
+                <a16:creationId xmlns:a16="http://schemas.microsoft.com/office/drawing/2014/main" id="{383FE368-8B7F-02CB-56DF-F070CB09CD41}"/>
+              </a:ext>
+            </a:extLst>
+          </p:cNvPr>
+          <p:cNvSpPr txBox="1"/>
+          <p:nvPr/>
+        </p:nvSpPr>
+        <p:spPr>
+          <a:xfrm>
+            <a:off x="244431" y="6200278"/>
+            <a:ext cx="2338204" cy="338554"/>
+          </a:xfrm>
+          <a:prstGeom prst="rect">
+            <a:avLst/>
+          </a:prstGeom>
+          <a:noFill/>
+        </p:spPr>
+        <p:txBody>
+          <a:bodyPr wrap="none" rtlCol="0">
+            <a:spAutoFit/>
+          </a:bodyPr>
+          <a:lstStyle/>
+          <a:p>
+            <a:r>
+              <a:rPr lang="en-US" sz="1600" i="1" dirty="0"/>
+              <a:t>Ref: Fig 3.12 p-95 Pierret</a:t>
+            </a:r>
+          </a:p>
+        </p:txBody>
+      </p:sp>
+      <p:grpSp>
+        <p:nvGrpSpPr>
+          <p:cNvPr id="14" name="Group 13">
+            <a:extLst>
+              <a:ext uri="{FF2B5EF4-FFF2-40B4-BE49-F238E27FC236}">
+                <a16:creationId xmlns:a16="http://schemas.microsoft.com/office/drawing/2014/main" id="{FCE5F0EE-E558-EA01-1684-00D42D1A9CC8}"/>
+              </a:ext>
+            </a:extLst>
+          </p:cNvPr>
+          <p:cNvGrpSpPr/>
+          <p:nvPr/>
+        </p:nvGrpSpPr>
+        <p:grpSpPr>
+          <a:xfrm>
+            <a:off x="5447031" y="3172529"/>
+            <a:ext cx="5487166" cy="1502665"/>
+            <a:chOff x="5447031" y="3172529"/>
+            <a:chExt cx="5487166" cy="1502665"/>
+          </a:xfrm>
+        </p:grpSpPr>
+        <p:pic>
+          <p:nvPicPr>
+            <p:cNvPr id="4" name="Picture 3">
+              <a:extLst>
+                <a:ext uri="{FF2B5EF4-FFF2-40B4-BE49-F238E27FC236}">
+                  <a16:creationId xmlns:a16="http://schemas.microsoft.com/office/drawing/2014/main" id="{D28F67AA-9CA6-71DA-D4E1-6B1C0C834208}"/>
+                </a:ext>
+              </a:extLst>
+            </p:cNvPr>
+            <p:cNvPicPr>
+              <a:picLocks noChangeAspect="1"/>
+            </p:cNvPicPr>
+            <p:nvPr/>
+          </p:nvPicPr>
+          <p:blipFill>
+            <a:blip r:embed="rId2"/>
+            <a:stretch>
+              <a:fillRect/>
+            </a:stretch>
+          </p:blipFill>
+          <p:spPr>
+            <a:xfrm>
+              <a:off x="5447031" y="3522508"/>
+              <a:ext cx="5487166" cy="1152686"/>
+            </a:xfrm>
+            <a:prstGeom prst="rect">
+              <a:avLst/>
+            </a:prstGeom>
+          </p:spPr>
+        </p:pic>
+        <p:cxnSp>
+          <p:nvCxnSpPr>
+            <p:cNvPr id="9" name="Straight Arrow Connector 8">
+              <a:extLst>
+                <a:ext uri="{FF2B5EF4-FFF2-40B4-BE49-F238E27FC236}">
+                  <a16:creationId xmlns:a16="http://schemas.microsoft.com/office/drawing/2014/main" id="{A4A17561-0D81-912B-DD42-F896DA664EF5}"/>
+                </a:ext>
+              </a:extLst>
+            </p:cNvPr>
+            <p:cNvCxnSpPr/>
+            <p:nvPr/>
+          </p:nvCxnSpPr>
+          <p:spPr>
+            <a:xfrm flipH="1">
+              <a:off x="5539563" y="3429000"/>
+              <a:ext cx="733646" cy="0"/>
+            </a:xfrm>
+            <a:prstGeom prst="straightConnector1">
+              <a:avLst/>
+            </a:prstGeom>
+            <a:ln w="28575">
+              <a:tailEnd type="triangle"/>
+            </a:ln>
+          </p:spPr>
+          <p:style>
+            <a:lnRef idx="3">
+              <a:schemeClr val="dk1"/>
+            </a:lnRef>
+            <a:fillRef idx="0">
+              <a:schemeClr val="dk1"/>
+            </a:fillRef>
+            <a:effectRef idx="2">
+              <a:schemeClr val="dk1"/>
+            </a:effectRef>
+            <a:fontRef idx="minor">
+              <a:schemeClr val="tx1"/>
+            </a:fontRef>
+          </p:style>
+        </p:cxnSp>
+        <p:cxnSp>
+          <p:nvCxnSpPr>
+            <p:cNvPr id="10" name="Straight Arrow Connector 9">
+              <a:extLst>
+                <a:ext uri="{FF2B5EF4-FFF2-40B4-BE49-F238E27FC236}">
+                  <a16:creationId xmlns:a16="http://schemas.microsoft.com/office/drawing/2014/main" id="{9FC3410B-52C3-9D18-9BDA-7F826537560B}"/>
+                </a:ext>
+              </a:extLst>
+            </p:cNvPr>
+            <p:cNvCxnSpPr>
+              <a:cxnSpLocks/>
+            </p:cNvCxnSpPr>
+            <p:nvPr/>
+          </p:nvCxnSpPr>
+          <p:spPr>
+            <a:xfrm>
+              <a:off x="9484241" y="3429000"/>
+              <a:ext cx="680484" cy="0"/>
+            </a:xfrm>
+            <a:prstGeom prst="straightConnector1">
+              <a:avLst/>
+            </a:prstGeom>
+            <a:ln w="28575">
+              <a:tailEnd type="triangle"/>
+            </a:ln>
+          </p:spPr>
+          <p:style>
+            <a:lnRef idx="3">
+              <a:schemeClr val="dk1"/>
+            </a:lnRef>
+            <a:fillRef idx="0">
+              <a:schemeClr val="dk1"/>
+            </a:fillRef>
+            <a:effectRef idx="2">
+              <a:schemeClr val="dk1"/>
+            </a:effectRef>
+            <a:fontRef idx="minor">
+              <a:schemeClr val="tx1"/>
+            </a:fontRef>
+          </p:style>
+        </p:cxnSp>
+        <mc:AlternateContent xmlns:mc="http://schemas.openxmlformats.org/markup-compatibility/2006">
+          <mc:Choice xmlns:a14="http://schemas.microsoft.com/office/drawing/2010/main" Requires="a14">
+            <p:sp>
+              <p:nvSpPr>
+                <p:cNvPr id="12" name="TextBox 11">
+                  <a:extLst>
+                    <a:ext uri="{FF2B5EF4-FFF2-40B4-BE49-F238E27FC236}">
+                      <a16:creationId xmlns:a16="http://schemas.microsoft.com/office/drawing/2014/main" id="{E66F0078-635C-6931-0527-BB37CEDDF101}"/>
+                    </a:ext>
+                  </a:extLst>
+                </p:cNvPr>
+                <p:cNvSpPr txBox="1"/>
+                <p:nvPr/>
+              </p:nvSpPr>
+              <p:spPr>
+                <a:xfrm>
+                  <a:off x="6406116" y="3172529"/>
+                  <a:ext cx="719684" cy="303225"/>
+                </a:xfrm>
+                <a:prstGeom prst="rect">
+                  <a:avLst/>
+                </a:prstGeom>
+                <a:noFill/>
+              </p:spPr>
+              <p:txBody>
+                <a:bodyPr wrap="none" lIns="0" tIns="0" rIns="0" bIns="0" rtlCol="0">
+                  <a:spAutoFit/>
+                </a:bodyPr>
+                <a:lstStyle/>
+                <a:p>
+                  <a14:m>
+                    <m:oMathPara xmlns:m="http://schemas.openxmlformats.org/officeDocument/2006/math">
+                      <m:oMathParaPr>
+                        <m:jc m:val="centerGroup"/>
+                      </m:oMathParaPr>
+                      <m:oMath xmlns:m="http://schemas.openxmlformats.org/officeDocument/2006/math">
+                        <m:sSub>
+                          <m:sSubPr>
+                            <m:ctrlPr>
+                              <a:rPr lang="en-US" b="1" i="1" smtClean="0">
+                                <a:latin typeface="Cambria Math" panose="02040503050406030204" pitchFamily="18" charset="0"/>
+                              </a:rPr>
+                            </m:ctrlPr>
+                          </m:sSubPr>
+                          <m:e>
+                            <m:r>
+                              <a:rPr lang="en-US" b="1" i="1" smtClean="0">
+                                <a:latin typeface="Cambria Math" panose="02040503050406030204" pitchFamily="18" charset="0"/>
+                              </a:rPr>
+                              <m:t>𝑱</m:t>
+                            </m:r>
+                          </m:e>
+                          <m:sub>
+                            <m:r>
+                              <a:rPr lang="en-US" b="1" i="1" smtClean="0">
+                                <a:latin typeface="Cambria Math" panose="02040503050406030204" pitchFamily="18" charset="0"/>
+                              </a:rPr>
+                              <m:t>𝑷</m:t>
+                            </m:r>
+                            <m:r>
+                              <a:rPr lang="en-US" b="1" i="1" smtClean="0">
+                                <a:latin typeface="Cambria Math" panose="02040503050406030204" pitchFamily="18" charset="0"/>
+                              </a:rPr>
+                              <m:t> |</m:t>
+                            </m:r>
+                            <m:r>
+                              <a:rPr lang="en-US" b="1" i="1" smtClean="0">
+                                <a:latin typeface="Cambria Math" panose="02040503050406030204" pitchFamily="18" charset="0"/>
+                              </a:rPr>
+                              <m:t>𝒅𝒊𝒇𝒇</m:t>
+                            </m:r>
+                          </m:sub>
+                        </m:sSub>
+                      </m:oMath>
+                    </m:oMathPara>
+                  </a14:m>
+                  <a:endParaRPr lang="en-US" b="1" dirty="0"/>
+                </a:p>
+              </p:txBody>
+            </p:sp>
+          </mc:Choice>
+          <mc:Fallback>
+            <p:sp>
+              <p:nvSpPr>
+                <p:cNvPr id="12" name="TextBox 11">
+                  <a:extLst>
+                    <a:ext uri="{FF2B5EF4-FFF2-40B4-BE49-F238E27FC236}">
+                      <a16:creationId xmlns:a16="http://schemas.microsoft.com/office/drawing/2014/main" id="{E66F0078-635C-6931-0527-BB37CEDDF101}"/>
+                    </a:ext>
+                  </a:extLst>
+                </p:cNvPr>
+                <p:cNvSpPr txBox="1">
+                  <a:spLocks noRot="1" noChangeAspect="1" noMove="1" noResize="1" noEditPoints="1" noAdjustHandles="1" noChangeArrowheads="1" noChangeShapeType="1" noTextEdit="1"/>
+                </p:cNvSpPr>
+                <p:nvPr/>
+              </p:nvSpPr>
+              <p:spPr>
+                <a:xfrm>
+                  <a:off x="6406116" y="3172529"/>
+                  <a:ext cx="719684" cy="303225"/>
+                </a:xfrm>
+                <a:prstGeom prst="rect">
+                  <a:avLst/>
+                </a:prstGeom>
+                <a:blipFill>
+                  <a:blip r:embed="rId3"/>
+                  <a:stretch>
+                    <a:fillRect l="-11017" r="-7627" b="-28000"/>
+                  </a:stretch>
+                </a:blipFill>
+              </p:spPr>
+              <p:txBody>
+                <a:bodyPr/>
+                <a:lstStyle/>
+                <a:p>
+                  <a:r>
+                    <a:rPr lang="en-US">
+                      <a:noFill/>
+                    </a:rPr>
+                    <a:t> </a:t>
+                  </a:r>
+                </a:p>
+              </p:txBody>
+            </p:sp>
+          </mc:Fallback>
+        </mc:AlternateContent>
+        <mc:AlternateContent xmlns:mc="http://schemas.openxmlformats.org/markup-compatibility/2006">
+          <mc:Choice xmlns:a14="http://schemas.microsoft.com/office/drawing/2010/main" Requires="a14">
+            <p:sp>
+              <p:nvSpPr>
+                <p:cNvPr id="13" name="TextBox 12">
+                  <a:extLst>
+                    <a:ext uri="{FF2B5EF4-FFF2-40B4-BE49-F238E27FC236}">
+                      <a16:creationId xmlns:a16="http://schemas.microsoft.com/office/drawing/2014/main" id="{77B3CF1F-A2C9-582D-FF96-4A304F1CEBF5}"/>
+                    </a:ext>
+                  </a:extLst>
+                </p:cNvPr>
+                <p:cNvSpPr txBox="1"/>
+                <p:nvPr/>
+              </p:nvSpPr>
+              <p:spPr>
+                <a:xfrm>
+                  <a:off x="8631650" y="3172529"/>
+                  <a:ext cx="732508" cy="303225"/>
+                </a:xfrm>
+                <a:prstGeom prst="rect">
+                  <a:avLst/>
+                </a:prstGeom>
+                <a:noFill/>
+              </p:spPr>
+              <p:txBody>
+                <a:bodyPr wrap="none" lIns="0" tIns="0" rIns="0" bIns="0" rtlCol="0">
+                  <a:spAutoFit/>
+                </a:bodyPr>
+                <a:lstStyle/>
+                <a:p>
+                  <a14:m>
+                    <m:oMathPara xmlns:m="http://schemas.openxmlformats.org/officeDocument/2006/math">
+                      <m:oMathParaPr>
+                        <m:jc m:val="centerGroup"/>
+                      </m:oMathParaPr>
+                      <m:oMath xmlns:m="http://schemas.openxmlformats.org/officeDocument/2006/math">
+                        <m:sSub>
+                          <m:sSubPr>
+                            <m:ctrlPr>
+                              <a:rPr lang="en-US" b="1" i="1" smtClean="0">
+                                <a:latin typeface="Cambria Math" panose="02040503050406030204" pitchFamily="18" charset="0"/>
+                              </a:rPr>
+                            </m:ctrlPr>
+                          </m:sSubPr>
+                          <m:e>
+                            <m:r>
+                              <a:rPr lang="en-US" b="1" i="1" smtClean="0">
+                                <a:latin typeface="Cambria Math" panose="02040503050406030204" pitchFamily="18" charset="0"/>
+                              </a:rPr>
+                              <m:t>𝑱</m:t>
+                            </m:r>
+                          </m:e>
+                          <m:sub>
+                            <m:r>
+                              <a:rPr lang="en-US" b="1" i="1" smtClean="0">
+                                <a:latin typeface="Cambria Math" panose="02040503050406030204" pitchFamily="18" charset="0"/>
+                              </a:rPr>
+                              <m:t>𝑵</m:t>
+                            </m:r>
+                            <m:r>
+                              <a:rPr lang="en-US" b="1" i="1" smtClean="0">
+                                <a:latin typeface="Cambria Math" panose="02040503050406030204" pitchFamily="18" charset="0"/>
+                              </a:rPr>
+                              <m:t> |</m:t>
+                            </m:r>
+                            <m:r>
+                              <a:rPr lang="en-US" b="1" i="1" smtClean="0">
+                                <a:latin typeface="Cambria Math" panose="02040503050406030204" pitchFamily="18" charset="0"/>
+                              </a:rPr>
+                              <m:t>𝒅𝒊𝒇𝒇</m:t>
+                            </m:r>
+                          </m:sub>
+                        </m:sSub>
+                      </m:oMath>
+                    </m:oMathPara>
+                  </a14:m>
+                  <a:endParaRPr lang="en-US" b="1" dirty="0"/>
+                </a:p>
+              </p:txBody>
+            </p:sp>
+          </mc:Choice>
+          <mc:Fallback>
+            <p:sp>
+              <p:nvSpPr>
+                <p:cNvPr id="13" name="TextBox 12">
+                  <a:extLst>
+                    <a:ext uri="{FF2B5EF4-FFF2-40B4-BE49-F238E27FC236}">
+                      <a16:creationId xmlns:a16="http://schemas.microsoft.com/office/drawing/2014/main" id="{77B3CF1F-A2C9-582D-FF96-4A304F1CEBF5}"/>
+                    </a:ext>
+                  </a:extLst>
+                </p:cNvPr>
+                <p:cNvSpPr txBox="1">
+                  <a:spLocks noRot="1" noChangeAspect="1" noMove="1" noResize="1" noEditPoints="1" noAdjustHandles="1" noChangeArrowheads="1" noChangeShapeType="1" noTextEdit="1"/>
+                </p:cNvSpPr>
+                <p:nvPr/>
+              </p:nvSpPr>
+              <p:spPr>
+                <a:xfrm>
+                  <a:off x="8631650" y="3172529"/>
+                  <a:ext cx="732508" cy="303225"/>
+                </a:xfrm>
+                <a:prstGeom prst="rect">
+                  <a:avLst/>
+                </a:prstGeom>
+                <a:blipFill>
+                  <a:blip r:embed="rId4"/>
+                  <a:stretch>
+                    <a:fillRect l="-10833" r="-7500" b="-28000"/>
+                  </a:stretch>
+                </a:blipFill>
+              </p:spPr>
+              <p:txBody>
+                <a:bodyPr/>
+                <a:lstStyle/>
+                <a:p>
+                  <a:r>
+                    <a:rPr lang="en-US">
+                      <a:noFill/>
+                    </a:rPr>
+                    <a:t> </a:t>
+                  </a:r>
+                </a:p>
+              </p:txBody>
+            </p:sp>
+          </mc:Fallback>
+        </mc:AlternateContent>
+      </p:grpSp>
+    </p:spTree>
+    <p:extLst>
+      <p:ext uri="{BB962C8B-B14F-4D97-AF65-F5344CB8AC3E}">
+        <p14:creationId xmlns:p14="http://schemas.microsoft.com/office/powerpoint/2010/main" val="2756726496"/>
+      </p:ext>
+    </p:extLst>
+  </p:cSld>
+  <p:clrMapOvr>
+    <a:masterClrMapping/>
+  </p:clrMapOvr>
+</p:sld>
+</file>
+
+<file path=ppt/slides/slide16.xml><?xml version="1.0" encoding="utf-8"?>
 <p:sld xmlns:a="http://schemas.openxmlformats.org/drawingml/2006/main" xmlns:r="http://schemas.openxmlformats.org/officeDocument/2006/relationships" xmlns:p="http://schemas.openxmlformats.org/presentationml/2006/main">
   <p:cSld>
     <p:spTree>
@@ -4176,7 +4867,7 @@
 </p:sld>
 </file>
 
-<file path=ppt/slides/slide15.xml><?xml version="1.0" encoding="utf-8"?>
+<file path=ppt/slides/slide17.xml><?xml version="1.0" encoding="utf-8"?>
 <p:sld xmlns:a="http://schemas.openxmlformats.org/drawingml/2006/main" xmlns:r="http://schemas.openxmlformats.org/officeDocument/2006/relationships" xmlns:p="http://schemas.openxmlformats.org/presentationml/2006/main">
   <p:cSld>
     <p:spTree>
@@ -5326,7 +6017,7 @@
 </p:sld>
 </file>
 
-<file path=ppt/slides/slide16.xml><?xml version="1.0" encoding="utf-8"?>
+<file path=ppt/slides/slide18.xml><?xml version="1.0" encoding="utf-8"?>
 <p:sld xmlns:a="http://schemas.openxmlformats.org/drawingml/2006/main" xmlns:r="http://schemas.openxmlformats.org/officeDocument/2006/relationships" xmlns:p="http://schemas.openxmlformats.org/presentationml/2006/main">
   <p:cSld>
     <p:spTree>
@@ -6723,7 +7414,7 @@
 </p:sld>
 </file>
 
-<file path=ppt/slides/slide17.xml><?xml version="1.0" encoding="utf-8"?>
+<file path=ppt/slides/slide19.xml><?xml version="1.0" encoding="utf-8"?>
 <p:sld xmlns:a="http://schemas.openxmlformats.org/drawingml/2006/main" xmlns:r="http://schemas.openxmlformats.org/officeDocument/2006/relationships" xmlns:p="http://schemas.openxmlformats.org/presentationml/2006/main">
   <p:cSld>
     <p:spTree>
@@ -9826,7 +10517,90 @@
 </p:sld>
 </file>
 
-<file path=ppt/slides/slide18.xml><?xml version="1.0" encoding="utf-8"?>
+<file path=ppt/slides/slide2.xml><?xml version="1.0" encoding="utf-8"?>
+<p:sld xmlns:a="http://schemas.openxmlformats.org/drawingml/2006/main" xmlns:r="http://schemas.openxmlformats.org/officeDocument/2006/relationships" xmlns:p="http://schemas.openxmlformats.org/presentationml/2006/main">
+  <p:cSld>
+    <p:spTree>
+      <p:nvGrpSpPr>
+        <p:cNvPr id="1" name=""/>
+        <p:cNvGrpSpPr/>
+        <p:nvPr/>
+      </p:nvGrpSpPr>
+      <p:grpSpPr>
+        <a:xfrm>
+          <a:off x="0" y="0"/>
+          <a:ext cx="0" cy="0"/>
+          <a:chOff x="0" y="0"/>
+          <a:chExt cx="0" cy="0"/>
+        </a:xfrm>
+      </p:grpSpPr>
+      <p:sp>
+        <p:nvSpPr>
+          <p:cNvPr id="2" name="Title 1">
+            <a:extLst>
+              <a:ext uri="{FF2B5EF4-FFF2-40B4-BE49-F238E27FC236}">
+                <a16:creationId xmlns:a16="http://schemas.microsoft.com/office/drawing/2014/main" id="{98D5B683-2009-BF16-0C1B-AC844D596F87}"/>
+              </a:ext>
+            </a:extLst>
+          </p:cNvPr>
+          <p:cNvSpPr>
+            <a:spLocks noGrp="1"/>
+          </p:cNvSpPr>
+          <p:nvPr>
+            <p:ph type="title"/>
+          </p:nvPr>
+        </p:nvSpPr>
+        <p:spPr/>
+        <p:txBody>
+          <a:bodyPr/>
+          <a:lstStyle/>
+          <a:p>
+            <a:r>
+              <a:rPr lang="en-US" dirty="0"/>
+              <a:t>Semi Devices</a:t>
+            </a:r>
+          </a:p>
+        </p:txBody>
+      </p:sp>
+      <p:sp>
+        <p:nvSpPr>
+          <p:cNvPr id="3" name="Text Placeholder 2">
+            <a:extLst>
+              <a:ext uri="{FF2B5EF4-FFF2-40B4-BE49-F238E27FC236}">
+                <a16:creationId xmlns:a16="http://schemas.microsoft.com/office/drawing/2014/main" id="{81A4FB93-3AC6-259F-CA72-B3115BD73EE6}"/>
+              </a:ext>
+            </a:extLst>
+          </p:cNvPr>
+          <p:cNvSpPr>
+            <a:spLocks noGrp="1"/>
+          </p:cNvSpPr>
+          <p:nvPr>
+            <p:ph type="body" idx="1"/>
+          </p:nvPr>
+        </p:nvSpPr>
+        <p:spPr/>
+        <p:txBody>
+          <a:bodyPr/>
+          <a:lstStyle/>
+          <a:p>
+            <a:endParaRPr lang="en-US"/>
+          </a:p>
+        </p:txBody>
+      </p:sp>
+    </p:spTree>
+    <p:extLst>
+      <p:ext uri="{BB962C8B-B14F-4D97-AF65-F5344CB8AC3E}">
+        <p14:creationId xmlns:p14="http://schemas.microsoft.com/office/powerpoint/2010/main" val="1304473932"/>
+      </p:ext>
+    </p:extLst>
+  </p:cSld>
+  <p:clrMapOvr>
+    <a:masterClrMapping/>
+  </p:clrMapOvr>
+</p:sld>
+</file>
+
+<file path=ppt/slides/slide20.xml><?xml version="1.0" encoding="utf-8"?>
 <p:sld xmlns:a="http://schemas.openxmlformats.org/drawingml/2006/main" xmlns:r="http://schemas.openxmlformats.org/officeDocument/2006/relationships" xmlns:p="http://schemas.openxmlformats.org/presentationml/2006/main">
   <p:cSld>
     <p:spTree>
@@ -12786,7 +13560,7 @@
 </p:sld>
 </file>
 
-<file path=ppt/slides/slide19.xml><?xml version="1.0" encoding="utf-8"?>
+<file path=ppt/slides/slide21.xml><?xml version="1.0" encoding="utf-8"?>
 <p:sld xmlns:a="http://schemas.openxmlformats.org/drawingml/2006/main" xmlns:r="http://schemas.openxmlformats.org/officeDocument/2006/relationships" xmlns:p="http://schemas.openxmlformats.org/presentationml/2006/main">
   <p:cSld>
     <p:spTree>
@@ -15891,90 +16665,7 @@
 </p:sld>
 </file>
 
-<file path=ppt/slides/slide2.xml><?xml version="1.0" encoding="utf-8"?>
-<p:sld xmlns:a="http://schemas.openxmlformats.org/drawingml/2006/main" xmlns:r="http://schemas.openxmlformats.org/officeDocument/2006/relationships" xmlns:p="http://schemas.openxmlformats.org/presentationml/2006/main">
-  <p:cSld>
-    <p:spTree>
-      <p:nvGrpSpPr>
-        <p:cNvPr id="1" name=""/>
-        <p:cNvGrpSpPr/>
-        <p:nvPr/>
-      </p:nvGrpSpPr>
-      <p:grpSpPr>
-        <a:xfrm>
-          <a:off x="0" y="0"/>
-          <a:ext cx="0" cy="0"/>
-          <a:chOff x="0" y="0"/>
-          <a:chExt cx="0" cy="0"/>
-        </a:xfrm>
-      </p:grpSpPr>
-      <p:sp>
-        <p:nvSpPr>
-          <p:cNvPr id="2" name="Title 1">
-            <a:extLst>
-              <a:ext uri="{FF2B5EF4-FFF2-40B4-BE49-F238E27FC236}">
-                <a16:creationId xmlns:a16="http://schemas.microsoft.com/office/drawing/2014/main" id="{98D5B683-2009-BF16-0C1B-AC844D596F87}"/>
-              </a:ext>
-            </a:extLst>
-          </p:cNvPr>
-          <p:cNvSpPr>
-            <a:spLocks noGrp="1"/>
-          </p:cNvSpPr>
-          <p:nvPr>
-            <p:ph type="title"/>
-          </p:nvPr>
-        </p:nvSpPr>
-        <p:spPr/>
-        <p:txBody>
-          <a:bodyPr/>
-          <a:lstStyle/>
-          <a:p>
-            <a:r>
-              <a:rPr lang="en-US" dirty="0"/>
-              <a:t>Semi Devices</a:t>
-            </a:r>
-          </a:p>
-        </p:txBody>
-      </p:sp>
-      <p:sp>
-        <p:nvSpPr>
-          <p:cNvPr id="3" name="Text Placeholder 2">
-            <a:extLst>
-              <a:ext uri="{FF2B5EF4-FFF2-40B4-BE49-F238E27FC236}">
-                <a16:creationId xmlns:a16="http://schemas.microsoft.com/office/drawing/2014/main" id="{81A4FB93-3AC6-259F-CA72-B3115BD73EE6}"/>
-              </a:ext>
-            </a:extLst>
-          </p:cNvPr>
-          <p:cNvSpPr>
-            <a:spLocks noGrp="1"/>
-          </p:cNvSpPr>
-          <p:nvPr>
-            <p:ph type="body" idx="1"/>
-          </p:nvPr>
-        </p:nvSpPr>
-        <p:spPr/>
-        <p:txBody>
-          <a:bodyPr/>
-          <a:lstStyle/>
-          <a:p>
-            <a:endParaRPr lang="en-US"/>
-          </a:p>
-        </p:txBody>
-      </p:sp>
-    </p:spTree>
-    <p:extLst>
-      <p:ext uri="{BB962C8B-B14F-4D97-AF65-F5344CB8AC3E}">
-        <p14:creationId xmlns:p14="http://schemas.microsoft.com/office/powerpoint/2010/main" val="1304473932"/>
-      </p:ext>
-    </p:extLst>
-  </p:cSld>
-  <p:clrMapOvr>
-    <a:masterClrMapping/>
-  </p:clrMapOvr>
-</p:sld>
-</file>
-
-<file path=ppt/slides/slide20.xml><?xml version="1.0" encoding="utf-8"?>
+<file path=ppt/slides/slide22.xml><?xml version="1.0" encoding="utf-8"?>
 <p:sld xmlns:a="http://schemas.openxmlformats.org/drawingml/2006/main" xmlns:r="http://schemas.openxmlformats.org/officeDocument/2006/relationships" xmlns:p="http://schemas.openxmlformats.org/presentationml/2006/main">
   <p:cSld>
     <p:spTree>
@@ -18080,7 +18771,7 @@
 </p:sld>
 </file>
 
-<file path=ppt/slides/slide21.xml><?xml version="1.0" encoding="utf-8"?>
+<file path=ppt/slides/slide23.xml><?xml version="1.0" encoding="utf-8"?>
 <p:sld xmlns:a="http://schemas.openxmlformats.org/drawingml/2006/main" xmlns:r="http://schemas.openxmlformats.org/officeDocument/2006/relationships" xmlns:p="http://schemas.openxmlformats.org/presentationml/2006/main">
   <p:cSld>
     <p:spTree>
@@ -18168,7 +18859,7 @@
 </p:sld>
 </file>
 
-<file path=ppt/slides/slide22.xml><?xml version="1.0" encoding="utf-8"?>
+<file path=ppt/slides/slide24.xml><?xml version="1.0" encoding="utf-8"?>
 <p:sld xmlns:a="http://schemas.openxmlformats.org/drawingml/2006/main" xmlns:r="http://schemas.openxmlformats.org/officeDocument/2006/relationships" xmlns:p="http://schemas.openxmlformats.org/presentationml/2006/main">
   <p:cSld>
     <p:spTree>
@@ -18263,7 +18954,7 @@
 </p:sld>
 </file>
 
-<file path=ppt/slides/slide23.xml><?xml version="1.0" encoding="utf-8"?>
+<file path=ppt/slides/slide25.xml><?xml version="1.0" encoding="utf-8"?>
 <p:sld xmlns:a="http://schemas.openxmlformats.org/drawingml/2006/main" xmlns:r="http://schemas.openxmlformats.org/officeDocument/2006/relationships" xmlns:p="http://schemas.openxmlformats.org/presentationml/2006/main">
   <p:cSld>
     <p:spTree>
@@ -18364,7 +19055,7 @@
 </p:sld>
 </file>
 
-<file path=ppt/slides/slide24.xml><?xml version="1.0" encoding="utf-8"?>
+<file path=ppt/slides/slide26.xml><?xml version="1.0" encoding="utf-8"?>
 <p:sld xmlns:a="http://schemas.openxmlformats.org/drawingml/2006/main" xmlns:r="http://schemas.openxmlformats.org/officeDocument/2006/relationships" xmlns:p="http://schemas.openxmlformats.org/presentationml/2006/main">
   <p:cSld>
     <p:spTree>
@@ -18459,7 +19150,7 @@
 </p:sld>
 </file>
 
-<file path=ppt/slides/slide25.xml><?xml version="1.0" encoding="utf-8"?>
+<file path=ppt/slides/slide27.xml><?xml version="1.0" encoding="utf-8"?>
 <p:sld xmlns:a="http://schemas.openxmlformats.org/drawingml/2006/main" xmlns:r="http://schemas.openxmlformats.org/officeDocument/2006/relationships" xmlns:p="http://schemas.openxmlformats.org/presentationml/2006/main">
   <p:cSld>
     <p:spTree>
@@ -18554,7 +19245,7 @@
 </p:sld>
 </file>
 
-<file path=ppt/slides/slide26.xml><?xml version="1.0" encoding="utf-8"?>
+<file path=ppt/slides/slide28.xml><?xml version="1.0" encoding="utf-8"?>
 <p:sld xmlns:a="http://schemas.openxmlformats.org/drawingml/2006/main" xmlns:r="http://schemas.openxmlformats.org/officeDocument/2006/relationships" xmlns:p="http://schemas.openxmlformats.org/presentationml/2006/main">
   <p:cSld>
     <p:spTree>
@@ -18655,7 +19346,7 @@
 </p:sld>
 </file>
 
-<file path=ppt/slides/slide27.xml><?xml version="1.0" encoding="utf-8"?>
+<file path=ppt/slides/slide29.xml><?xml version="1.0" encoding="utf-8"?>
 <p:sld xmlns:a="http://schemas.openxmlformats.org/drawingml/2006/main" xmlns:r="http://schemas.openxmlformats.org/officeDocument/2006/relationships" xmlns:p="http://schemas.openxmlformats.org/presentationml/2006/main">
   <p:cSld>
     <p:spTree>
@@ -18776,286 +19467,6 @@
     <p:extLst>
       <p:ext uri="{BB962C8B-B14F-4D97-AF65-F5344CB8AC3E}">
         <p14:creationId xmlns:p14="http://schemas.microsoft.com/office/powerpoint/2010/main" val="2898292114"/>
-      </p:ext>
-    </p:extLst>
-  </p:cSld>
-  <p:clrMapOvr>
-    <a:masterClrMapping/>
-  </p:clrMapOvr>
-</p:sld>
-</file>
-
-<file path=ppt/slides/slide28.xml><?xml version="1.0" encoding="utf-8"?>
-<p:sld xmlns:a="http://schemas.openxmlformats.org/drawingml/2006/main" xmlns:r="http://schemas.openxmlformats.org/officeDocument/2006/relationships" xmlns:p="http://schemas.openxmlformats.org/presentationml/2006/main">
-  <p:cSld>
-    <p:spTree>
-      <p:nvGrpSpPr>
-        <p:cNvPr id="1" name="">
-          <a:extLst>
-            <a:ext uri="{FF2B5EF4-FFF2-40B4-BE49-F238E27FC236}">
-              <a16:creationId xmlns:a16="http://schemas.microsoft.com/office/drawing/2014/main" id="{2B4F0F6D-4BF9-D53E-9FFC-92363D446FF2}"/>
-            </a:ext>
-          </a:extLst>
-        </p:cNvPr>
-        <p:cNvGrpSpPr/>
-        <p:nvPr/>
-      </p:nvGrpSpPr>
-      <p:grpSpPr>
-        <a:xfrm>
-          <a:off x="0" y="0"/>
-          <a:ext cx="0" cy="0"/>
-          <a:chOff x="0" y="0"/>
-          <a:chExt cx="0" cy="0"/>
-        </a:xfrm>
-      </p:grpSpPr>
-      <p:sp>
-        <p:nvSpPr>
-          <p:cNvPr id="4" name="TextBox 3">
-            <a:extLst>
-              <a:ext uri="{FF2B5EF4-FFF2-40B4-BE49-F238E27FC236}">
-                <a16:creationId xmlns:a16="http://schemas.microsoft.com/office/drawing/2014/main" id="{5FD6F168-59DF-4F49-310E-1ED7C365EC38}"/>
-              </a:ext>
-            </a:extLst>
-          </p:cNvPr>
-          <p:cNvSpPr txBox="1"/>
-          <p:nvPr/>
-        </p:nvSpPr>
-        <p:spPr>
-          <a:xfrm>
-            <a:off x="273935" y="5445847"/>
-            <a:ext cx="11644130" cy="923330"/>
-          </a:xfrm>
-          <a:prstGeom prst="rect">
-            <a:avLst/>
-          </a:prstGeom>
-          <a:noFill/>
-        </p:spPr>
-        <p:txBody>
-          <a:bodyPr wrap="square" rtlCol="0">
-            <a:spAutoFit/>
-          </a:bodyPr>
-          <a:lstStyle/>
-          <a:p>
-            <a:r>
-              <a:rPr lang="en-US" dirty="0"/>
-              <a:t>Thevenin Equivalent: (a) Disconnect the load and measure the open-circuit voltage. (b) Zero all independent sources to find the equivalent resistance. (c) The </a:t>
-            </a:r>
-            <a:r>
-              <a:rPr lang="en-US" dirty="0" err="1"/>
-              <a:t>Thévenin</a:t>
-            </a:r>
-            <a:r>
-              <a:rPr lang="en-US" dirty="0"/>
-              <a:t> circuit combines the open-circuit voltage in series with the equivalent resistance.</a:t>
-            </a:r>
-          </a:p>
-        </p:txBody>
-      </p:sp>
-      <p:sp>
-        <p:nvSpPr>
-          <p:cNvPr id="5" name="TextBox 4">
-            <a:extLst>
-              <a:ext uri="{FF2B5EF4-FFF2-40B4-BE49-F238E27FC236}">
-                <a16:creationId xmlns:a16="http://schemas.microsoft.com/office/drawing/2014/main" id="{B6CF9A34-3EC7-26D6-C826-B1A6E8D50C16}"/>
-              </a:ext>
-            </a:extLst>
-          </p:cNvPr>
-          <p:cNvSpPr txBox="1"/>
-          <p:nvPr/>
-        </p:nvSpPr>
-        <p:spPr>
-          <a:xfrm>
-            <a:off x="273935" y="4955560"/>
-            <a:ext cx="3957750" cy="369332"/>
-          </a:xfrm>
-          <a:prstGeom prst="rect">
-            <a:avLst/>
-          </a:prstGeom>
-          <a:noFill/>
-        </p:spPr>
-        <p:txBody>
-          <a:bodyPr wrap="none" rtlCol="0">
-            <a:spAutoFit/>
-          </a:bodyPr>
-          <a:lstStyle/>
-          <a:p>
-            <a:r>
-              <a:rPr lang="en-US" dirty="0"/>
-              <a:t>Fig-circuits-thevenin.png  R0 01/19/25</a:t>
-            </a:r>
-          </a:p>
-        </p:txBody>
-      </p:sp>
-      <p:pic>
-        <p:nvPicPr>
-          <p:cNvPr id="6" name="Picture 5">
-            <a:extLst>
-              <a:ext uri="{FF2B5EF4-FFF2-40B4-BE49-F238E27FC236}">
-                <a16:creationId xmlns:a16="http://schemas.microsoft.com/office/drawing/2014/main" id="{254078C1-84E5-A79C-93FF-04A6092950FD}"/>
-              </a:ext>
-            </a:extLst>
-          </p:cNvPr>
-          <p:cNvPicPr>
-            <a:picLocks noChangeAspect="1"/>
-          </p:cNvPicPr>
-          <p:nvPr/>
-        </p:nvPicPr>
-        <p:blipFill>
-          <a:blip r:embed="rId2"/>
-          <a:stretch>
-            <a:fillRect/>
-          </a:stretch>
-        </p:blipFill>
-        <p:spPr>
-          <a:xfrm>
-            <a:off x="725226" y="100680"/>
-            <a:ext cx="2466975" cy="4733925"/>
-          </a:xfrm>
-          <a:prstGeom prst="rect">
-            <a:avLst/>
-          </a:prstGeom>
-        </p:spPr>
-      </p:pic>
-    </p:spTree>
-    <p:extLst>
-      <p:ext uri="{BB962C8B-B14F-4D97-AF65-F5344CB8AC3E}">
-        <p14:creationId xmlns:p14="http://schemas.microsoft.com/office/powerpoint/2010/main" val="2602897984"/>
-      </p:ext>
-    </p:extLst>
-  </p:cSld>
-  <p:clrMapOvr>
-    <a:masterClrMapping/>
-  </p:clrMapOvr>
-</p:sld>
-</file>
-
-<file path=ppt/slides/slide29.xml><?xml version="1.0" encoding="utf-8"?>
-<p:sld xmlns:a="http://schemas.openxmlformats.org/drawingml/2006/main" xmlns:r="http://schemas.openxmlformats.org/officeDocument/2006/relationships" xmlns:p="http://schemas.openxmlformats.org/presentationml/2006/main">
-  <p:cSld>
-    <p:spTree>
-      <p:nvGrpSpPr>
-        <p:cNvPr id="1" name="">
-          <a:extLst>
-            <a:ext uri="{FF2B5EF4-FFF2-40B4-BE49-F238E27FC236}">
-              <a16:creationId xmlns:a16="http://schemas.microsoft.com/office/drawing/2014/main" id="{C8C98928-B4ED-D72B-56C2-0F53528FBC21}"/>
-            </a:ext>
-          </a:extLst>
-        </p:cNvPr>
-        <p:cNvGrpSpPr/>
-        <p:nvPr/>
-      </p:nvGrpSpPr>
-      <p:grpSpPr>
-        <a:xfrm>
-          <a:off x="0" y="0"/>
-          <a:ext cx="0" cy="0"/>
-          <a:chOff x="0" y="0"/>
-          <a:chExt cx="0" cy="0"/>
-        </a:xfrm>
-      </p:grpSpPr>
-      <p:sp>
-        <p:nvSpPr>
-          <p:cNvPr id="4" name="TextBox 3">
-            <a:extLst>
-              <a:ext uri="{FF2B5EF4-FFF2-40B4-BE49-F238E27FC236}">
-                <a16:creationId xmlns:a16="http://schemas.microsoft.com/office/drawing/2014/main" id="{5327C984-D9DB-6B6B-F3E4-9564B39A5CF6}"/>
-              </a:ext>
-            </a:extLst>
-          </p:cNvPr>
-          <p:cNvSpPr txBox="1"/>
-          <p:nvPr/>
-        </p:nvSpPr>
-        <p:spPr>
-          <a:xfrm>
-            <a:off x="273935" y="5625728"/>
-            <a:ext cx="11644130" cy="923330"/>
-          </a:xfrm>
-          <a:prstGeom prst="rect">
-            <a:avLst/>
-          </a:prstGeom>
-          <a:noFill/>
-        </p:spPr>
-        <p:txBody>
-          <a:bodyPr wrap="square" rtlCol="0">
-            <a:spAutoFit/>
-          </a:bodyPr>
-          <a:lstStyle/>
-          <a:p>
-            <a:r>
-              <a:rPr lang="en-US" dirty="0"/>
-              <a:t>(a) To determine the short circuit current at the output, we short the load and measure its current. (b) To determine the equivalent resistance, we zero all the independent sources inside the block. (c) The Norton equivalent circuit is formed by putting the short circuit current  in parallel with the equivalent resistance, as determined in (a) and (b).</a:t>
-            </a:r>
-          </a:p>
-        </p:txBody>
-      </p:sp>
-      <p:sp>
-        <p:nvSpPr>
-          <p:cNvPr id="5" name="TextBox 4">
-            <a:extLst>
-              <a:ext uri="{FF2B5EF4-FFF2-40B4-BE49-F238E27FC236}">
-                <a16:creationId xmlns:a16="http://schemas.microsoft.com/office/drawing/2014/main" id="{3172ACA9-65E7-5ED4-C652-21FE9ADBC4EC}"/>
-              </a:ext>
-            </a:extLst>
-          </p:cNvPr>
-          <p:cNvSpPr txBox="1"/>
-          <p:nvPr/>
-        </p:nvSpPr>
-        <p:spPr>
-          <a:xfrm>
-            <a:off x="273935" y="5105978"/>
-            <a:ext cx="3760325" cy="369332"/>
-          </a:xfrm>
-          <a:prstGeom prst="rect">
-            <a:avLst/>
-          </a:prstGeom>
-          <a:noFill/>
-        </p:spPr>
-        <p:txBody>
-          <a:bodyPr wrap="none" rtlCol="0">
-            <a:spAutoFit/>
-          </a:bodyPr>
-          <a:lstStyle/>
-          <a:p>
-            <a:r>
-              <a:rPr lang="en-US" dirty="0"/>
-              <a:t>Fig-circuits-norton.png  R0 01/19/25</a:t>
-            </a:r>
-          </a:p>
-        </p:txBody>
-      </p:sp>
-      <p:pic>
-        <p:nvPicPr>
-          <p:cNvPr id="3" name="Picture 2">
-            <a:extLst>
-              <a:ext uri="{FF2B5EF4-FFF2-40B4-BE49-F238E27FC236}">
-                <a16:creationId xmlns:a16="http://schemas.microsoft.com/office/drawing/2014/main" id="{3DB93653-6427-83C9-C9EE-426CFC09CB3A}"/>
-              </a:ext>
-            </a:extLst>
-          </p:cNvPr>
-          <p:cNvPicPr>
-            <a:picLocks noChangeAspect="1"/>
-          </p:cNvPicPr>
-          <p:nvPr/>
-        </p:nvPicPr>
-        <p:blipFill>
-          <a:blip r:embed="rId2"/>
-          <a:stretch>
-            <a:fillRect/>
-          </a:stretch>
-        </p:blipFill>
-        <p:spPr>
-          <a:xfrm>
-            <a:off x="638800" y="308942"/>
-            <a:ext cx="2609850" cy="4752975"/>
-          </a:xfrm>
-          <a:prstGeom prst="rect">
-            <a:avLst/>
-          </a:prstGeom>
-        </p:spPr>
-      </p:pic>
-    </p:spTree>
-    <p:extLst>
-      <p:ext uri="{BB962C8B-B14F-4D97-AF65-F5344CB8AC3E}">
-        <p14:creationId xmlns:p14="http://schemas.microsoft.com/office/powerpoint/2010/main" val="3823938512"/>
       </p:ext>
     </p:extLst>
   </p:cSld>
@@ -22395,6 +22806,286 @@
   <p:cSld>
     <p:spTree>
       <p:nvGrpSpPr>
+        <p:cNvPr id="1" name="">
+          <a:extLst>
+            <a:ext uri="{FF2B5EF4-FFF2-40B4-BE49-F238E27FC236}">
+              <a16:creationId xmlns:a16="http://schemas.microsoft.com/office/drawing/2014/main" id="{2B4F0F6D-4BF9-D53E-9FFC-92363D446FF2}"/>
+            </a:ext>
+          </a:extLst>
+        </p:cNvPr>
+        <p:cNvGrpSpPr/>
+        <p:nvPr/>
+      </p:nvGrpSpPr>
+      <p:grpSpPr>
+        <a:xfrm>
+          <a:off x="0" y="0"/>
+          <a:ext cx="0" cy="0"/>
+          <a:chOff x="0" y="0"/>
+          <a:chExt cx="0" cy="0"/>
+        </a:xfrm>
+      </p:grpSpPr>
+      <p:sp>
+        <p:nvSpPr>
+          <p:cNvPr id="4" name="TextBox 3">
+            <a:extLst>
+              <a:ext uri="{FF2B5EF4-FFF2-40B4-BE49-F238E27FC236}">
+                <a16:creationId xmlns:a16="http://schemas.microsoft.com/office/drawing/2014/main" id="{5FD6F168-59DF-4F49-310E-1ED7C365EC38}"/>
+              </a:ext>
+            </a:extLst>
+          </p:cNvPr>
+          <p:cNvSpPr txBox="1"/>
+          <p:nvPr/>
+        </p:nvSpPr>
+        <p:spPr>
+          <a:xfrm>
+            <a:off x="273935" y="5445847"/>
+            <a:ext cx="11644130" cy="923330"/>
+          </a:xfrm>
+          <a:prstGeom prst="rect">
+            <a:avLst/>
+          </a:prstGeom>
+          <a:noFill/>
+        </p:spPr>
+        <p:txBody>
+          <a:bodyPr wrap="square" rtlCol="0">
+            <a:spAutoFit/>
+          </a:bodyPr>
+          <a:lstStyle/>
+          <a:p>
+            <a:r>
+              <a:rPr lang="en-US" dirty="0"/>
+              <a:t>Thevenin Equivalent: (a) Disconnect the load and measure the open-circuit voltage. (b) Zero all independent sources to find the equivalent resistance. (c) The </a:t>
+            </a:r>
+            <a:r>
+              <a:rPr lang="en-US" dirty="0" err="1"/>
+              <a:t>Thévenin</a:t>
+            </a:r>
+            <a:r>
+              <a:rPr lang="en-US" dirty="0"/>
+              <a:t> circuit combines the open-circuit voltage in series with the equivalent resistance.</a:t>
+            </a:r>
+          </a:p>
+        </p:txBody>
+      </p:sp>
+      <p:sp>
+        <p:nvSpPr>
+          <p:cNvPr id="5" name="TextBox 4">
+            <a:extLst>
+              <a:ext uri="{FF2B5EF4-FFF2-40B4-BE49-F238E27FC236}">
+                <a16:creationId xmlns:a16="http://schemas.microsoft.com/office/drawing/2014/main" id="{B6CF9A34-3EC7-26D6-C826-B1A6E8D50C16}"/>
+              </a:ext>
+            </a:extLst>
+          </p:cNvPr>
+          <p:cNvSpPr txBox="1"/>
+          <p:nvPr/>
+        </p:nvSpPr>
+        <p:spPr>
+          <a:xfrm>
+            <a:off x="273935" y="4955560"/>
+            <a:ext cx="3957750" cy="369332"/>
+          </a:xfrm>
+          <a:prstGeom prst="rect">
+            <a:avLst/>
+          </a:prstGeom>
+          <a:noFill/>
+        </p:spPr>
+        <p:txBody>
+          <a:bodyPr wrap="none" rtlCol="0">
+            <a:spAutoFit/>
+          </a:bodyPr>
+          <a:lstStyle/>
+          <a:p>
+            <a:r>
+              <a:rPr lang="en-US" dirty="0"/>
+              <a:t>Fig-circuits-thevenin.png  R0 01/19/25</a:t>
+            </a:r>
+          </a:p>
+        </p:txBody>
+      </p:sp>
+      <p:pic>
+        <p:nvPicPr>
+          <p:cNvPr id="6" name="Picture 5">
+            <a:extLst>
+              <a:ext uri="{FF2B5EF4-FFF2-40B4-BE49-F238E27FC236}">
+                <a16:creationId xmlns:a16="http://schemas.microsoft.com/office/drawing/2014/main" id="{254078C1-84E5-A79C-93FF-04A6092950FD}"/>
+              </a:ext>
+            </a:extLst>
+          </p:cNvPr>
+          <p:cNvPicPr>
+            <a:picLocks noChangeAspect="1"/>
+          </p:cNvPicPr>
+          <p:nvPr/>
+        </p:nvPicPr>
+        <p:blipFill>
+          <a:blip r:embed="rId2"/>
+          <a:stretch>
+            <a:fillRect/>
+          </a:stretch>
+        </p:blipFill>
+        <p:spPr>
+          <a:xfrm>
+            <a:off x="725226" y="100680"/>
+            <a:ext cx="2466975" cy="4733925"/>
+          </a:xfrm>
+          <a:prstGeom prst="rect">
+            <a:avLst/>
+          </a:prstGeom>
+        </p:spPr>
+      </p:pic>
+    </p:spTree>
+    <p:extLst>
+      <p:ext uri="{BB962C8B-B14F-4D97-AF65-F5344CB8AC3E}">
+        <p14:creationId xmlns:p14="http://schemas.microsoft.com/office/powerpoint/2010/main" val="2602897984"/>
+      </p:ext>
+    </p:extLst>
+  </p:cSld>
+  <p:clrMapOvr>
+    <a:masterClrMapping/>
+  </p:clrMapOvr>
+</p:sld>
+</file>
+
+<file path=ppt/slides/slide31.xml><?xml version="1.0" encoding="utf-8"?>
+<p:sld xmlns:a="http://schemas.openxmlformats.org/drawingml/2006/main" xmlns:r="http://schemas.openxmlformats.org/officeDocument/2006/relationships" xmlns:p="http://schemas.openxmlformats.org/presentationml/2006/main">
+  <p:cSld>
+    <p:spTree>
+      <p:nvGrpSpPr>
+        <p:cNvPr id="1" name="">
+          <a:extLst>
+            <a:ext uri="{FF2B5EF4-FFF2-40B4-BE49-F238E27FC236}">
+              <a16:creationId xmlns:a16="http://schemas.microsoft.com/office/drawing/2014/main" id="{C8C98928-B4ED-D72B-56C2-0F53528FBC21}"/>
+            </a:ext>
+          </a:extLst>
+        </p:cNvPr>
+        <p:cNvGrpSpPr/>
+        <p:nvPr/>
+      </p:nvGrpSpPr>
+      <p:grpSpPr>
+        <a:xfrm>
+          <a:off x="0" y="0"/>
+          <a:ext cx="0" cy="0"/>
+          <a:chOff x="0" y="0"/>
+          <a:chExt cx="0" cy="0"/>
+        </a:xfrm>
+      </p:grpSpPr>
+      <p:sp>
+        <p:nvSpPr>
+          <p:cNvPr id="4" name="TextBox 3">
+            <a:extLst>
+              <a:ext uri="{FF2B5EF4-FFF2-40B4-BE49-F238E27FC236}">
+                <a16:creationId xmlns:a16="http://schemas.microsoft.com/office/drawing/2014/main" id="{5327C984-D9DB-6B6B-F3E4-9564B39A5CF6}"/>
+              </a:ext>
+            </a:extLst>
+          </p:cNvPr>
+          <p:cNvSpPr txBox="1"/>
+          <p:nvPr/>
+        </p:nvSpPr>
+        <p:spPr>
+          <a:xfrm>
+            <a:off x="273935" y="5625728"/>
+            <a:ext cx="11644130" cy="923330"/>
+          </a:xfrm>
+          <a:prstGeom prst="rect">
+            <a:avLst/>
+          </a:prstGeom>
+          <a:noFill/>
+        </p:spPr>
+        <p:txBody>
+          <a:bodyPr wrap="square" rtlCol="0">
+            <a:spAutoFit/>
+          </a:bodyPr>
+          <a:lstStyle/>
+          <a:p>
+            <a:r>
+              <a:rPr lang="en-US" dirty="0"/>
+              <a:t>(a) To determine the short circuit current at the output, we short the load and measure its current. (b) To determine the equivalent resistance, we zero all the independent sources inside the block. (c) The Norton equivalent circuit is formed by putting the short circuit current  in parallel with the equivalent resistance, as determined in (a) and (b).</a:t>
+            </a:r>
+          </a:p>
+        </p:txBody>
+      </p:sp>
+      <p:sp>
+        <p:nvSpPr>
+          <p:cNvPr id="5" name="TextBox 4">
+            <a:extLst>
+              <a:ext uri="{FF2B5EF4-FFF2-40B4-BE49-F238E27FC236}">
+                <a16:creationId xmlns:a16="http://schemas.microsoft.com/office/drawing/2014/main" id="{3172ACA9-65E7-5ED4-C652-21FE9ADBC4EC}"/>
+              </a:ext>
+            </a:extLst>
+          </p:cNvPr>
+          <p:cNvSpPr txBox="1"/>
+          <p:nvPr/>
+        </p:nvSpPr>
+        <p:spPr>
+          <a:xfrm>
+            <a:off x="273935" y="5105978"/>
+            <a:ext cx="3760325" cy="369332"/>
+          </a:xfrm>
+          <a:prstGeom prst="rect">
+            <a:avLst/>
+          </a:prstGeom>
+          <a:noFill/>
+        </p:spPr>
+        <p:txBody>
+          <a:bodyPr wrap="none" rtlCol="0">
+            <a:spAutoFit/>
+          </a:bodyPr>
+          <a:lstStyle/>
+          <a:p>
+            <a:r>
+              <a:rPr lang="en-US" dirty="0"/>
+              <a:t>Fig-circuits-norton.png  R0 01/19/25</a:t>
+            </a:r>
+          </a:p>
+        </p:txBody>
+      </p:sp>
+      <p:pic>
+        <p:nvPicPr>
+          <p:cNvPr id="3" name="Picture 2">
+            <a:extLst>
+              <a:ext uri="{FF2B5EF4-FFF2-40B4-BE49-F238E27FC236}">
+                <a16:creationId xmlns:a16="http://schemas.microsoft.com/office/drawing/2014/main" id="{3DB93653-6427-83C9-C9EE-426CFC09CB3A}"/>
+              </a:ext>
+            </a:extLst>
+          </p:cNvPr>
+          <p:cNvPicPr>
+            <a:picLocks noChangeAspect="1"/>
+          </p:cNvPicPr>
+          <p:nvPr/>
+        </p:nvPicPr>
+        <p:blipFill>
+          <a:blip r:embed="rId2"/>
+          <a:stretch>
+            <a:fillRect/>
+          </a:stretch>
+        </p:blipFill>
+        <p:spPr>
+          <a:xfrm>
+            <a:off x="638800" y="308942"/>
+            <a:ext cx="2609850" cy="4752975"/>
+          </a:xfrm>
+          <a:prstGeom prst="rect">
+            <a:avLst/>
+          </a:prstGeom>
+        </p:spPr>
+      </p:pic>
+    </p:spTree>
+    <p:extLst>
+      <p:ext uri="{BB962C8B-B14F-4D97-AF65-F5344CB8AC3E}">
+        <p14:creationId xmlns:p14="http://schemas.microsoft.com/office/powerpoint/2010/main" val="3823938512"/>
+      </p:ext>
+    </p:extLst>
+  </p:cSld>
+  <p:clrMapOvr>
+    <a:masterClrMapping/>
+  </p:clrMapOvr>
+</p:sld>
+</file>
+
+<file path=ppt/slides/slide32.xml><?xml version="1.0" encoding="utf-8"?>
+<p:sld xmlns:a="http://schemas.openxmlformats.org/drawingml/2006/main" xmlns:r="http://schemas.openxmlformats.org/officeDocument/2006/relationships" xmlns:p="http://schemas.openxmlformats.org/presentationml/2006/main">
+  <p:cSld>
+    <p:spTree>
+      <p:nvGrpSpPr>
         <p:cNvPr id="1" name=""/>
         <p:cNvGrpSpPr/>
         <p:nvPr/>
@@ -22657,7 +23348,7 @@
 </p:sld>
 </file>
 
-<file path=ppt/slides/slide31.xml><?xml version="1.0" encoding="utf-8"?>
+<file path=ppt/slides/slide33.xml><?xml version="1.0" encoding="utf-8"?>
 <p:sld xmlns:a="http://schemas.openxmlformats.org/drawingml/2006/main" xmlns:r="http://schemas.openxmlformats.org/officeDocument/2006/relationships" xmlns:p="http://schemas.openxmlformats.org/presentationml/2006/main">
   <p:cSld>
     <p:spTree>
@@ -22788,6 +23479,4449 @@
 </file>
 
 <file path=ppt/slides/slide4.xml><?xml version="1.0" encoding="utf-8"?>
+<p:sld xmlns:a="http://schemas.openxmlformats.org/drawingml/2006/main" xmlns:r="http://schemas.openxmlformats.org/officeDocument/2006/relationships" xmlns:p="http://schemas.openxmlformats.org/presentationml/2006/main">
+  <p:cSld>
+    <p:spTree>
+      <p:nvGrpSpPr>
+        <p:cNvPr id="1" name="">
+          <a:extLst>
+            <a:ext uri="{FF2B5EF4-FFF2-40B4-BE49-F238E27FC236}">
+              <a16:creationId xmlns:a16="http://schemas.microsoft.com/office/drawing/2014/main" id="{5465C041-FFF2-66FF-E82B-9185700745A2}"/>
+            </a:ext>
+          </a:extLst>
+        </p:cNvPr>
+        <p:cNvGrpSpPr/>
+        <p:nvPr/>
+      </p:nvGrpSpPr>
+      <p:grpSpPr>
+        <a:xfrm>
+          <a:off x="0" y="0"/>
+          <a:ext cx="0" cy="0"/>
+          <a:chOff x="0" y="0"/>
+          <a:chExt cx="0" cy="0"/>
+        </a:xfrm>
+      </p:grpSpPr>
+      <p:sp>
+        <p:nvSpPr>
+          <p:cNvPr id="129" name="TextBox 128">
+            <a:extLst>
+              <a:ext uri="{FF2B5EF4-FFF2-40B4-BE49-F238E27FC236}">
+                <a16:creationId xmlns:a16="http://schemas.microsoft.com/office/drawing/2014/main" id="{C50A9D11-6E7B-DBFE-BFEC-C2B61C5AF145}"/>
+              </a:ext>
+            </a:extLst>
+          </p:cNvPr>
+          <p:cNvSpPr txBox="1"/>
+          <p:nvPr/>
+        </p:nvSpPr>
+        <p:spPr>
+          <a:xfrm>
+            <a:off x="244431" y="5597444"/>
+            <a:ext cx="2537361" cy="646331"/>
+          </a:xfrm>
+          <a:prstGeom prst="rect">
+            <a:avLst/>
+          </a:prstGeom>
+          <a:noFill/>
+        </p:spPr>
+        <p:txBody>
+          <a:bodyPr wrap="none" rtlCol="0">
+            <a:spAutoFit/>
+          </a:bodyPr>
+          <a:lstStyle/>
+          <a:p>
+            <a:r>
+              <a:rPr lang="en-US" dirty="0"/>
+              <a:t>Fig-semi-dev-band.png </a:t>
+            </a:r>
+          </a:p>
+          <a:p>
+            <a:r>
+              <a:rPr lang="en-US" dirty="0"/>
+              <a:t> R1 03/12/25</a:t>
+            </a:r>
+          </a:p>
+        </p:txBody>
+      </p:sp>
+      <p:sp>
+        <p:nvSpPr>
+          <p:cNvPr id="130" name="TextBox 129">
+            <a:extLst>
+              <a:ext uri="{FF2B5EF4-FFF2-40B4-BE49-F238E27FC236}">
+                <a16:creationId xmlns:a16="http://schemas.microsoft.com/office/drawing/2014/main" id="{8032E0D4-8EC3-297D-0530-26B071D01E9C}"/>
+              </a:ext>
+            </a:extLst>
+          </p:cNvPr>
+          <p:cNvSpPr txBox="1"/>
+          <p:nvPr/>
+        </p:nvSpPr>
+        <p:spPr>
+          <a:xfrm>
+            <a:off x="244431" y="6434401"/>
+            <a:ext cx="2229200" cy="338554"/>
+          </a:xfrm>
+          <a:prstGeom prst="rect">
+            <a:avLst/>
+          </a:prstGeom>
+          <a:noFill/>
+        </p:spPr>
+        <p:txBody>
+          <a:bodyPr wrap="none" rtlCol="0">
+            <a:spAutoFit/>
+          </a:bodyPr>
+          <a:lstStyle/>
+          <a:p>
+            <a:r>
+              <a:rPr lang="en-US" sz="1600" i="1" dirty="0"/>
+              <a:t>Ref: Fig 2.5 p-28 Pierret</a:t>
+            </a:r>
+          </a:p>
+        </p:txBody>
+      </p:sp>
+      <p:sp>
+        <p:nvSpPr>
+          <p:cNvPr id="132" name="TextBox 131">
+            <a:extLst>
+              <a:ext uri="{FF2B5EF4-FFF2-40B4-BE49-F238E27FC236}">
+                <a16:creationId xmlns:a16="http://schemas.microsoft.com/office/drawing/2014/main" id="{576C68D3-A9B0-5E4E-3437-D0349E0E147B}"/>
+              </a:ext>
+            </a:extLst>
+          </p:cNvPr>
+          <p:cNvSpPr txBox="1"/>
+          <p:nvPr/>
+        </p:nvSpPr>
+        <p:spPr>
+          <a:xfrm>
+            <a:off x="278731" y="387033"/>
+            <a:ext cx="3793071" cy="1569660"/>
+          </a:xfrm>
+          <a:prstGeom prst="rect">
+            <a:avLst/>
+          </a:prstGeom>
+          <a:noFill/>
+        </p:spPr>
+        <p:txBody>
+          <a:bodyPr wrap="square">
+            <a:spAutoFit/>
+          </a:bodyPr>
+          <a:lstStyle/>
+          <a:p>
+            <a:r>
+              <a:rPr lang="en-US" sz="1600" dirty="0">
+                <a:latin typeface="Calibri" panose="020F0502020204030204" pitchFamily="34" charset="0"/>
+                <a:cs typeface="Calibri" panose="020F0502020204030204" pitchFamily="34" charset="0"/>
+              </a:rPr>
+              <a:t>Caption: Conceptual development of the energy band model starting with N isolated Si atoms on the top left, then showing the split bands for Crystalline SI N-atoms and concluding, at bottom right, with the popular version of the energy band model.</a:t>
+            </a:r>
+          </a:p>
+        </p:txBody>
+      </p:sp>
+      <p:grpSp>
+        <p:nvGrpSpPr>
+          <p:cNvPr id="174" name="Group 173">
+            <a:extLst>
+              <a:ext uri="{FF2B5EF4-FFF2-40B4-BE49-F238E27FC236}">
+                <a16:creationId xmlns:a16="http://schemas.microsoft.com/office/drawing/2014/main" id="{E4B41A48-AD43-09C8-3DF6-AF9D2F8E25F5}"/>
+              </a:ext>
+            </a:extLst>
+          </p:cNvPr>
+          <p:cNvGrpSpPr/>
+          <p:nvPr/>
+        </p:nvGrpSpPr>
+        <p:grpSpPr>
+          <a:xfrm>
+            <a:off x="4871534" y="423599"/>
+            <a:ext cx="6355962" cy="6010802"/>
+            <a:chOff x="4747709" y="423599"/>
+            <a:chExt cx="6355962" cy="6010802"/>
+          </a:xfrm>
+        </p:grpSpPr>
+        <p:grpSp>
+          <p:nvGrpSpPr>
+            <p:cNvPr id="122" name="Group 121">
+              <a:extLst>
+                <a:ext uri="{FF2B5EF4-FFF2-40B4-BE49-F238E27FC236}">
+                  <a16:creationId xmlns:a16="http://schemas.microsoft.com/office/drawing/2014/main" id="{6BBD1557-CF77-5D13-751F-D38F3F1BC0B0}"/>
+                </a:ext>
+              </a:extLst>
+            </p:cNvPr>
+            <p:cNvGrpSpPr/>
+            <p:nvPr/>
+          </p:nvGrpSpPr>
+          <p:grpSpPr>
+            <a:xfrm>
+              <a:off x="9177433" y="3596466"/>
+              <a:ext cx="1926238" cy="2310470"/>
+              <a:chOff x="8061378" y="923260"/>
+              <a:chExt cx="1926238" cy="2310470"/>
+            </a:xfrm>
+          </p:grpSpPr>
+          <p:sp>
+            <p:nvSpPr>
+              <p:cNvPr id="81" name="TextBox 80">
+                <a:extLst>
+                  <a:ext uri="{FF2B5EF4-FFF2-40B4-BE49-F238E27FC236}">
+                    <a16:creationId xmlns:a16="http://schemas.microsoft.com/office/drawing/2014/main" id="{EA6B691A-6741-1F26-6919-AF3039E66EA9}"/>
+                  </a:ext>
+                </a:extLst>
+              </p:cNvPr>
+              <p:cNvSpPr txBox="1"/>
+              <p:nvPr/>
+            </p:nvSpPr>
+            <p:spPr>
+              <a:xfrm rot="16200000">
+                <a:off x="7363186" y="1850718"/>
+                <a:ext cx="1704162" cy="307777"/>
+              </a:xfrm>
+              <a:prstGeom prst="rect">
+                <a:avLst/>
+              </a:prstGeom>
+              <a:noFill/>
+            </p:spPr>
+            <p:txBody>
+              <a:bodyPr wrap="square" rtlCol="0">
+                <a:spAutoFit/>
+              </a:bodyPr>
+              <a:lstStyle/>
+              <a:p>
+                <a:r>
+                  <a:rPr lang="en-US" sz="1400" dirty="0"/>
+                  <a:t>Electron energy</a:t>
+                </a:r>
+              </a:p>
+            </p:txBody>
+          </p:sp>
+          <p:sp>
+            <p:nvSpPr>
+              <p:cNvPr id="82" name="TextBox 81">
+                <a:extLst>
+                  <a:ext uri="{FF2B5EF4-FFF2-40B4-BE49-F238E27FC236}">
+                    <a16:creationId xmlns:a16="http://schemas.microsoft.com/office/drawing/2014/main" id="{09E64639-3B3E-1F80-5BF5-6CEDAE536A5B}"/>
+                  </a:ext>
+                </a:extLst>
+              </p:cNvPr>
+              <p:cNvSpPr txBox="1"/>
+              <p:nvPr/>
+            </p:nvSpPr>
+            <p:spPr>
+              <a:xfrm>
+                <a:off x="8160668" y="923260"/>
+                <a:ext cx="312906" cy="369332"/>
+              </a:xfrm>
+              <a:prstGeom prst="rect">
+                <a:avLst/>
+              </a:prstGeom>
+              <a:noFill/>
+            </p:spPr>
+            <p:txBody>
+              <a:bodyPr wrap="none" rtlCol="0">
+                <a:spAutoFit/>
+              </a:bodyPr>
+              <a:lstStyle/>
+              <a:p>
+                <a:r>
+                  <a:rPr lang="en-US" dirty="0"/>
+                  <a:t>E</a:t>
+                </a:r>
+              </a:p>
+            </p:txBody>
+          </p:sp>
+          <p:cxnSp>
+            <p:nvCxnSpPr>
+              <p:cNvPr id="83" name="Straight Arrow Connector 82">
+                <a:extLst>
+                  <a:ext uri="{FF2B5EF4-FFF2-40B4-BE49-F238E27FC236}">
+                    <a16:creationId xmlns:a16="http://schemas.microsoft.com/office/drawing/2014/main" id="{EA3B5DAE-AABA-5B9D-857F-16171B0A0822}"/>
+                  </a:ext>
+                </a:extLst>
+              </p:cNvPr>
+              <p:cNvCxnSpPr/>
+              <p:nvPr/>
+            </p:nvCxnSpPr>
+            <p:spPr>
+              <a:xfrm flipV="1">
+                <a:off x="8369156" y="1251798"/>
+                <a:ext cx="0" cy="1604889"/>
+              </a:xfrm>
+              <a:prstGeom prst="straightConnector1">
+                <a:avLst/>
+              </a:prstGeom>
+              <a:ln>
+                <a:tailEnd type="triangle"/>
+              </a:ln>
+            </p:spPr>
+            <p:style>
+              <a:lnRef idx="2">
+                <a:schemeClr val="dk1"/>
+              </a:lnRef>
+              <a:fillRef idx="0">
+                <a:schemeClr val="dk1"/>
+              </a:fillRef>
+              <a:effectRef idx="1">
+                <a:schemeClr val="dk1"/>
+              </a:effectRef>
+              <a:fontRef idx="minor">
+                <a:schemeClr val="tx1"/>
+              </a:fontRef>
+            </p:style>
+          </p:cxnSp>
+          <p:cxnSp>
+            <p:nvCxnSpPr>
+              <p:cNvPr id="84" name="Straight Connector 83">
+                <a:extLst>
+                  <a:ext uri="{FF2B5EF4-FFF2-40B4-BE49-F238E27FC236}">
+                    <a16:creationId xmlns:a16="http://schemas.microsoft.com/office/drawing/2014/main" id="{F3EAB9F8-84AD-6C1E-8AC3-5F6820F05D9F}"/>
+                  </a:ext>
+                </a:extLst>
+              </p:cNvPr>
+              <p:cNvCxnSpPr>
+                <a:cxnSpLocks/>
+              </p:cNvCxnSpPr>
+              <p:nvPr/>
+            </p:nvCxnSpPr>
+            <p:spPr>
+              <a:xfrm>
+                <a:off x="8701088" y="1231900"/>
+                <a:ext cx="893762" cy="0"/>
+              </a:xfrm>
+              <a:prstGeom prst="line">
+                <a:avLst/>
+              </a:prstGeom>
+            </p:spPr>
+            <p:style>
+              <a:lnRef idx="2">
+                <a:schemeClr val="dk1"/>
+              </a:lnRef>
+              <a:fillRef idx="0">
+                <a:schemeClr val="dk1"/>
+              </a:fillRef>
+              <a:effectRef idx="1">
+                <a:schemeClr val="dk1"/>
+              </a:effectRef>
+              <a:fontRef idx="minor">
+                <a:schemeClr val="tx1"/>
+              </a:fontRef>
+            </p:style>
+          </p:cxnSp>
+          <p:cxnSp>
+            <p:nvCxnSpPr>
+              <p:cNvPr id="85" name="Straight Connector 84">
+                <a:extLst>
+                  <a:ext uri="{FF2B5EF4-FFF2-40B4-BE49-F238E27FC236}">
+                    <a16:creationId xmlns:a16="http://schemas.microsoft.com/office/drawing/2014/main" id="{B592ECBA-CE5E-75ED-0279-682A68B440EF}"/>
+                  </a:ext>
+                </a:extLst>
+              </p:cNvPr>
+              <p:cNvCxnSpPr>
+                <a:cxnSpLocks/>
+              </p:cNvCxnSpPr>
+              <p:nvPr/>
+            </p:nvCxnSpPr>
+            <p:spPr>
+              <a:xfrm>
+                <a:off x="8701088" y="1747335"/>
+                <a:ext cx="893762" cy="0"/>
+              </a:xfrm>
+              <a:prstGeom prst="line">
+                <a:avLst/>
+              </a:prstGeom>
+            </p:spPr>
+            <p:style>
+              <a:lnRef idx="2">
+                <a:schemeClr val="dk1"/>
+              </a:lnRef>
+              <a:fillRef idx="0">
+                <a:schemeClr val="dk1"/>
+              </a:fillRef>
+              <a:effectRef idx="1">
+                <a:schemeClr val="dk1"/>
+              </a:effectRef>
+              <a:fontRef idx="minor">
+                <a:schemeClr val="tx1"/>
+              </a:fontRef>
+            </p:style>
+          </p:cxnSp>
+          <p:cxnSp>
+            <p:nvCxnSpPr>
+              <p:cNvPr id="86" name="Straight Connector 85">
+                <a:extLst>
+                  <a:ext uri="{FF2B5EF4-FFF2-40B4-BE49-F238E27FC236}">
+                    <a16:creationId xmlns:a16="http://schemas.microsoft.com/office/drawing/2014/main" id="{57DE5E26-3D64-6B30-6068-0955F5095A90}"/>
+                  </a:ext>
+                </a:extLst>
+              </p:cNvPr>
+              <p:cNvCxnSpPr>
+                <a:cxnSpLocks/>
+              </p:cNvCxnSpPr>
+              <p:nvPr/>
+            </p:nvCxnSpPr>
+            <p:spPr>
+              <a:xfrm>
+                <a:off x="8701088" y="2341251"/>
+                <a:ext cx="893762" cy="0"/>
+              </a:xfrm>
+              <a:prstGeom prst="line">
+                <a:avLst/>
+              </a:prstGeom>
+            </p:spPr>
+            <p:style>
+              <a:lnRef idx="2">
+                <a:schemeClr val="dk1"/>
+              </a:lnRef>
+              <a:fillRef idx="0">
+                <a:schemeClr val="dk1"/>
+              </a:fillRef>
+              <a:effectRef idx="1">
+                <a:schemeClr val="dk1"/>
+              </a:effectRef>
+              <a:fontRef idx="minor">
+                <a:schemeClr val="tx1"/>
+              </a:fontRef>
+            </p:style>
+          </p:cxnSp>
+          <p:cxnSp>
+            <p:nvCxnSpPr>
+              <p:cNvPr id="87" name="Straight Connector 86">
+                <a:extLst>
+                  <a:ext uri="{FF2B5EF4-FFF2-40B4-BE49-F238E27FC236}">
+                    <a16:creationId xmlns:a16="http://schemas.microsoft.com/office/drawing/2014/main" id="{33121CB4-D997-1D3F-8D17-0E10743C6F6D}"/>
+                  </a:ext>
+                </a:extLst>
+              </p:cNvPr>
+              <p:cNvCxnSpPr>
+                <a:cxnSpLocks/>
+              </p:cNvCxnSpPr>
+              <p:nvPr/>
+            </p:nvCxnSpPr>
+            <p:spPr>
+              <a:xfrm>
+                <a:off x="8701088" y="2856686"/>
+                <a:ext cx="893762" cy="0"/>
+              </a:xfrm>
+              <a:prstGeom prst="line">
+                <a:avLst/>
+              </a:prstGeom>
+            </p:spPr>
+            <p:style>
+              <a:lnRef idx="2">
+                <a:schemeClr val="dk1"/>
+              </a:lnRef>
+              <a:fillRef idx="0">
+                <a:schemeClr val="dk1"/>
+              </a:fillRef>
+              <a:effectRef idx="1">
+                <a:schemeClr val="dk1"/>
+              </a:effectRef>
+              <a:fontRef idx="minor">
+                <a:schemeClr val="tx1"/>
+              </a:fontRef>
+            </p:style>
+          </p:cxnSp>
+          <p:cxnSp>
+            <p:nvCxnSpPr>
+              <p:cNvPr id="104" name="Straight Arrow Connector 103">
+                <a:extLst>
+                  <a:ext uri="{FF2B5EF4-FFF2-40B4-BE49-F238E27FC236}">
+                    <a16:creationId xmlns:a16="http://schemas.microsoft.com/office/drawing/2014/main" id="{C7E7718D-2ACB-1AA8-068E-3B9742700434}"/>
+                  </a:ext>
+                </a:extLst>
+              </p:cNvPr>
+              <p:cNvCxnSpPr>
+                <a:cxnSpLocks/>
+              </p:cNvCxnSpPr>
+              <p:nvPr/>
+            </p:nvCxnSpPr>
+            <p:spPr>
+              <a:xfrm>
+                <a:off x="8838159" y="1790761"/>
+                <a:ext cx="0" cy="534790"/>
+              </a:xfrm>
+              <a:prstGeom prst="straightConnector1">
+                <a:avLst/>
+              </a:prstGeom>
+              <a:ln>
+                <a:headEnd type="triangle"/>
+                <a:tailEnd type="triangle"/>
+              </a:ln>
+            </p:spPr>
+            <p:style>
+              <a:lnRef idx="2">
+                <a:schemeClr val="dk1"/>
+              </a:lnRef>
+              <a:fillRef idx="0">
+                <a:schemeClr val="dk1"/>
+              </a:fillRef>
+              <a:effectRef idx="1">
+                <a:schemeClr val="dk1"/>
+              </a:effectRef>
+              <a:fontRef idx="minor">
+                <a:schemeClr val="tx1"/>
+              </a:fontRef>
+            </p:style>
+          </p:cxnSp>
+          <p:sp>
+            <p:nvSpPr>
+              <p:cNvPr id="107" name="TextBox 106">
+                <a:extLst>
+                  <a:ext uri="{FF2B5EF4-FFF2-40B4-BE49-F238E27FC236}">
+                    <a16:creationId xmlns:a16="http://schemas.microsoft.com/office/drawing/2014/main" id="{6ED5D180-A226-E4EA-892E-83C49B2F17BF}"/>
+                  </a:ext>
+                </a:extLst>
+              </p:cNvPr>
+              <p:cNvSpPr txBox="1"/>
+              <p:nvPr/>
+            </p:nvSpPr>
+            <p:spPr>
+              <a:xfrm>
+                <a:off x="8742056" y="1190286"/>
+                <a:ext cx="811825" cy="584775"/>
+              </a:xfrm>
+              <a:prstGeom prst="rect">
+                <a:avLst/>
+              </a:prstGeom>
+              <a:noFill/>
+            </p:spPr>
+            <p:txBody>
+              <a:bodyPr wrap="none" rtlCol="0">
+                <a:spAutoFit/>
+              </a:bodyPr>
+              <a:lstStyle/>
+              <a:p>
+                <a:r>
+                  <a:rPr lang="en-US" sz="1600" dirty="0"/>
+                  <a:t>Mostly </a:t>
+                </a:r>
+              </a:p>
+              <a:p>
+                <a:r>
+                  <a:rPr lang="en-US" sz="1600" dirty="0"/>
+                  <a:t>empty</a:t>
+                </a:r>
+              </a:p>
+            </p:txBody>
+          </p:sp>
+          <p:sp>
+            <p:nvSpPr>
+              <p:cNvPr id="108" name="TextBox 107">
+                <a:extLst>
+                  <a:ext uri="{FF2B5EF4-FFF2-40B4-BE49-F238E27FC236}">
+                    <a16:creationId xmlns:a16="http://schemas.microsoft.com/office/drawing/2014/main" id="{F4FAE661-EA32-D683-FE0A-955AA6D5E331}"/>
+                  </a:ext>
+                </a:extLst>
+              </p:cNvPr>
+              <p:cNvSpPr txBox="1"/>
+              <p:nvPr/>
+            </p:nvSpPr>
+            <p:spPr>
+              <a:xfrm>
+                <a:off x="8742056" y="2290495"/>
+                <a:ext cx="811825" cy="584775"/>
+              </a:xfrm>
+              <a:prstGeom prst="rect">
+                <a:avLst/>
+              </a:prstGeom>
+              <a:noFill/>
+            </p:spPr>
+            <p:txBody>
+              <a:bodyPr wrap="none" rtlCol="0">
+                <a:spAutoFit/>
+              </a:bodyPr>
+              <a:lstStyle/>
+              <a:p>
+                <a:r>
+                  <a:rPr lang="en-US" sz="1600" dirty="0"/>
+                  <a:t>Mostly </a:t>
+                </a:r>
+              </a:p>
+              <a:p>
+                <a:r>
+                  <a:rPr lang="en-US" sz="1600" dirty="0"/>
+                  <a:t>filled</a:t>
+                </a:r>
+              </a:p>
+            </p:txBody>
+          </p:sp>
+          <mc:AlternateContent xmlns:mc="http://schemas.openxmlformats.org/markup-compatibility/2006">
+            <mc:Choice xmlns:a14="http://schemas.microsoft.com/office/drawing/2010/main" Requires="a14">
+              <p:sp>
+                <p:nvSpPr>
+                  <p:cNvPr id="109" name="TextBox 108">
+                    <a:extLst>
+                      <a:ext uri="{FF2B5EF4-FFF2-40B4-BE49-F238E27FC236}">
+                        <a16:creationId xmlns:a16="http://schemas.microsoft.com/office/drawing/2014/main" id="{0D45CD53-8754-25C3-45E4-7B2DB9C87F9C}"/>
+                      </a:ext>
+                    </a:extLst>
+                  </p:cNvPr>
+                  <p:cNvSpPr txBox="1"/>
+                  <p:nvPr/>
+                </p:nvSpPr>
+                <p:spPr>
+                  <a:xfrm>
+                    <a:off x="9569938" y="1107925"/>
+                    <a:ext cx="417678" cy="265201"/>
+                  </a:xfrm>
+                  <a:prstGeom prst="rect">
+                    <a:avLst/>
+                  </a:prstGeom>
+                  <a:noFill/>
+                </p:spPr>
+                <p:txBody>
+                  <a:bodyPr wrap="none" lIns="0" tIns="0" rIns="0" bIns="0" rtlCol="0">
+                    <a:spAutoFit/>
+                  </a:bodyPr>
+                  <a:lstStyle/>
+                  <a:p>
+                    <a:pPr/>
+                    <a14:m>
+                      <m:oMathPara xmlns:m="http://schemas.openxmlformats.org/officeDocument/2006/math">
+                        <m:oMathParaPr>
+                          <m:jc m:val="centerGroup"/>
+                        </m:oMathParaPr>
+                        <m:oMath xmlns:m="http://schemas.openxmlformats.org/officeDocument/2006/math">
+                          <m:sSub>
+                            <m:sSubPr>
+                              <m:ctrlPr>
+                                <a:rPr lang="en-US" sz="1600" b="0" i="1" smtClean="0">
+                                  <a:latin typeface="Cambria Math" panose="02040503050406030204" pitchFamily="18" charset="0"/>
+                                </a:rPr>
+                              </m:ctrlPr>
+                            </m:sSubPr>
+                            <m:e>
+                              <m:r>
+                                <a:rPr lang="en-US" sz="1600" b="0" i="1" smtClean="0">
+                                  <a:latin typeface="Cambria Math" panose="02040503050406030204" pitchFamily="18" charset="0"/>
+                                </a:rPr>
+                                <m:t>𝐸</m:t>
+                              </m:r>
+                            </m:e>
+                            <m:sub>
+                              <m:r>
+                                <a:rPr lang="en-US" sz="1600" b="0" i="1" smtClean="0">
+                                  <a:latin typeface="Cambria Math" panose="02040503050406030204" pitchFamily="18" charset="0"/>
+                                </a:rPr>
+                                <m:t>𝑡𝑜𝑝</m:t>
+                              </m:r>
+                            </m:sub>
+                          </m:sSub>
+                        </m:oMath>
+                      </m:oMathPara>
+                    </a14:m>
+                    <a:endParaRPr lang="en-US" dirty="0"/>
+                  </a:p>
+                </p:txBody>
+              </p:sp>
+            </mc:Choice>
+            <mc:Fallback>
+              <p:sp>
+                <p:nvSpPr>
+                  <p:cNvPr id="109" name="TextBox 108">
+                    <a:extLst>
+                      <a:ext uri="{FF2B5EF4-FFF2-40B4-BE49-F238E27FC236}">
+                        <a16:creationId xmlns:a16="http://schemas.microsoft.com/office/drawing/2014/main" id="{0D45CD53-8754-25C3-45E4-7B2DB9C87F9C}"/>
+                      </a:ext>
+                    </a:extLst>
+                  </p:cNvPr>
+                  <p:cNvSpPr txBox="1">
+                    <a:spLocks noRot="1" noChangeAspect="1" noMove="1" noResize="1" noEditPoints="1" noAdjustHandles="1" noChangeArrowheads="1" noChangeShapeType="1" noTextEdit="1"/>
+                  </p:cNvSpPr>
+                  <p:nvPr/>
+                </p:nvSpPr>
+                <p:spPr>
+                  <a:xfrm>
+                    <a:off x="9569938" y="1107925"/>
+                    <a:ext cx="417678" cy="265201"/>
+                  </a:xfrm>
+                  <a:prstGeom prst="rect">
+                    <a:avLst/>
+                  </a:prstGeom>
+                  <a:blipFill>
+                    <a:blip r:embed="rId2"/>
+                    <a:stretch>
+                      <a:fillRect l="-10145" r="-7246" b="-25000"/>
+                    </a:stretch>
+                  </a:blipFill>
+                </p:spPr>
+                <p:txBody>
+                  <a:bodyPr/>
+                  <a:lstStyle/>
+                  <a:p>
+                    <a:r>
+                      <a:rPr lang="en-US">
+                        <a:noFill/>
+                      </a:rPr>
+                      <a:t> </a:t>
+                    </a:r>
+                  </a:p>
+                </p:txBody>
+              </p:sp>
+            </mc:Fallback>
+          </mc:AlternateContent>
+          <mc:AlternateContent xmlns:mc="http://schemas.openxmlformats.org/markup-compatibility/2006">
+            <mc:Choice xmlns:a14="http://schemas.microsoft.com/office/drawing/2010/main" Requires="a14">
+              <p:sp>
+                <p:nvSpPr>
+                  <p:cNvPr id="110" name="TextBox 109">
+                    <a:extLst>
+                      <a:ext uri="{FF2B5EF4-FFF2-40B4-BE49-F238E27FC236}">
+                        <a16:creationId xmlns:a16="http://schemas.microsoft.com/office/drawing/2014/main" id="{638C1814-1B2F-2E69-887B-279DA9100E5A}"/>
+                      </a:ext>
+                    </a:extLst>
+                  </p:cNvPr>
+                  <p:cNvSpPr txBox="1"/>
+                  <p:nvPr/>
+                </p:nvSpPr>
+                <p:spPr>
+                  <a:xfrm>
+                    <a:off x="9569938" y="1614734"/>
+                    <a:ext cx="247504" cy="246221"/>
+                  </a:xfrm>
+                  <a:prstGeom prst="rect">
+                    <a:avLst/>
+                  </a:prstGeom>
+                  <a:noFill/>
+                </p:spPr>
+                <p:txBody>
+                  <a:bodyPr wrap="none" lIns="0" tIns="0" rIns="0" bIns="0" rtlCol="0">
+                    <a:spAutoFit/>
+                  </a:bodyPr>
+                  <a:lstStyle/>
+                  <a:p>
+                    <a:pPr/>
+                    <a14:m>
+                      <m:oMathPara xmlns:m="http://schemas.openxmlformats.org/officeDocument/2006/math">
+                        <m:oMathParaPr>
+                          <m:jc m:val="centerGroup"/>
+                        </m:oMathParaPr>
+                        <m:oMath xmlns:m="http://schemas.openxmlformats.org/officeDocument/2006/math">
+                          <m:sSub>
+                            <m:sSubPr>
+                              <m:ctrlPr>
+                                <a:rPr lang="en-US" sz="1600" b="0" i="1" smtClean="0">
+                                  <a:latin typeface="Cambria Math" panose="02040503050406030204" pitchFamily="18" charset="0"/>
+                                </a:rPr>
+                              </m:ctrlPr>
+                            </m:sSubPr>
+                            <m:e>
+                              <m:r>
+                                <a:rPr lang="en-US" sz="1600" b="0" i="1" smtClean="0">
+                                  <a:latin typeface="Cambria Math" panose="02040503050406030204" pitchFamily="18" charset="0"/>
+                                </a:rPr>
+                                <m:t>𝐸</m:t>
+                              </m:r>
+                            </m:e>
+                            <m:sub>
+                              <m:r>
+                                <a:rPr lang="en-US" sz="1600" b="0" i="1" smtClean="0">
+                                  <a:latin typeface="Cambria Math" panose="02040503050406030204" pitchFamily="18" charset="0"/>
+                                </a:rPr>
+                                <m:t>𝑐</m:t>
+                              </m:r>
+                            </m:sub>
+                          </m:sSub>
+                        </m:oMath>
+                      </m:oMathPara>
+                    </a14:m>
+                    <a:endParaRPr lang="en-US" dirty="0"/>
+                  </a:p>
+                </p:txBody>
+              </p:sp>
+            </mc:Choice>
+            <mc:Fallback>
+              <p:sp>
+                <p:nvSpPr>
+                  <p:cNvPr id="110" name="TextBox 109">
+                    <a:extLst>
+                      <a:ext uri="{FF2B5EF4-FFF2-40B4-BE49-F238E27FC236}">
+                        <a16:creationId xmlns:a16="http://schemas.microsoft.com/office/drawing/2014/main" id="{638C1814-1B2F-2E69-887B-279DA9100E5A}"/>
+                      </a:ext>
+                    </a:extLst>
+                  </p:cNvPr>
+                  <p:cNvSpPr txBox="1">
+                    <a:spLocks noRot="1" noChangeAspect="1" noMove="1" noResize="1" noEditPoints="1" noAdjustHandles="1" noChangeArrowheads="1" noChangeShapeType="1" noTextEdit="1"/>
+                  </p:cNvSpPr>
+                  <p:nvPr/>
+                </p:nvSpPr>
+                <p:spPr>
+                  <a:xfrm>
+                    <a:off x="9569938" y="1614734"/>
+                    <a:ext cx="247504" cy="246221"/>
+                  </a:xfrm>
+                  <a:prstGeom prst="rect">
+                    <a:avLst/>
+                  </a:prstGeom>
+                  <a:blipFill>
+                    <a:blip r:embed="rId3"/>
+                    <a:stretch>
+                      <a:fillRect l="-19512" b="-9756"/>
+                    </a:stretch>
+                  </a:blipFill>
+                </p:spPr>
+                <p:txBody>
+                  <a:bodyPr/>
+                  <a:lstStyle/>
+                  <a:p>
+                    <a:r>
+                      <a:rPr lang="en-US">
+                        <a:noFill/>
+                      </a:rPr>
+                      <a:t> </a:t>
+                    </a:r>
+                  </a:p>
+                </p:txBody>
+              </p:sp>
+            </mc:Fallback>
+          </mc:AlternateContent>
+          <mc:AlternateContent xmlns:mc="http://schemas.openxmlformats.org/markup-compatibility/2006">
+            <mc:Choice xmlns:a14="http://schemas.microsoft.com/office/drawing/2010/main" Requires="a14">
+              <p:sp>
+                <p:nvSpPr>
+                  <p:cNvPr id="111" name="TextBox 110">
+                    <a:extLst>
+                      <a:ext uri="{FF2B5EF4-FFF2-40B4-BE49-F238E27FC236}">
+                        <a16:creationId xmlns:a16="http://schemas.microsoft.com/office/drawing/2014/main" id="{6523E6FA-099B-E204-E328-7FE4116F38C7}"/>
+                      </a:ext>
+                    </a:extLst>
+                  </p:cNvPr>
+                  <p:cNvSpPr txBox="1"/>
+                  <p:nvPr/>
+                </p:nvSpPr>
+                <p:spPr>
+                  <a:xfrm>
+                    <a:off x="9569938" y="2209798"/>
+                    <a:ext cx="256159" cy="246221"/>
+                  </a:xfrm>
+                  <a:prstGeom prst="rect">
+                    <a:avLst/>
+                  </a:prstGeom>
+                  <a:noFill/>
+                </p:spPr>
+                <p:txBody>
+                  <a:bodyPr wrap="none" lIns="0" tIns="0" rIns="0" bIns="0" rtlCol="0">
+                    <a:spAutoFit/>
+                  </a:bodyPr>
+                  <a:lstStyle/>
+                  <a:p>
+                    <a:pPr/>
+                    <a14:m>
+                      <m:oMathPara xmlns:m="http://schemas.openxmlformats.org/officeDocument/2006/math">
+                        <m:oMathParaPr>
+                          <m:jc m:val="centerGroup"/>
+                        </m:oMathParaPr>
+                        <m:oMath xmlns:m="http://schemas.openxmlformats.org/officeDocument/2006/math">
+                          <m:sSub>
+                            <m:sSubPr>
+                              <m:ctrlPr>
+                                <a:rPr lang="en-US" sz="1600" b="0" i="1" smtClean="0">
+                                  <a:latin typeface="Cambria Math" panose="02040503050406030204" pitchFamily="18" charset="0"/>
+                                </a:rPr>
+                              </m:ctrlPr>
+                            </m:sSubPr>
+                            <m:e>
+                              <m:r>
+                                <a:rPr lang="en-US" sz="1600" b="0" i="1" smtClean="0">
+                                  <a:latin typeface="Cambria Math" panose="02040503050406030204" pitchFamily="18" charset="0"/>
+                                </a:rPr>
+                                <m:t>𝐸</m:t>
+                              </m:r>
+                            </m:e>
+                            <m:sub>
+                              <m:r>
+                                <a:rPr lang="en-US" sz="1600" b="0" i="1" smtClean="0">
+                                  <a:latin typeface="Cambria Math" panose="02040503050406030204" pitchFamily="18" charset="0"/>
+                                </a:rPr>
+                                <m:t>𝑣</m:t>
+                              </m:r>
+                            </m:sub>
+                          </m:sSub>
+                        </m:oMath>
+                      </m:oMathPara>
+                    </a14:m>
+                    <a:endParaRPr lang="en-US" dirty="0"/>
+                  </a:p>
+                </p:txBody>
+              </p:sp>
+            </mc:Choice>
+            <mc:Fallback>
+              <p:sp>
+                <p:nvSpPr>
+                  <p:cNvPr id="111" name="TextBox 110">
+                    <a:extLst>
+                      <a:ext uri="{FF2B5EF4-FFF2-40B4-BE49-F238E27FC236}">
+                        <a16:creationId xmlns:a16="http://schemas.microsoft.com/office/drawing/2014/main" id="{6523E6FA-099B-E204-E328-7FE4116F38C7}"/>
+                      </a:ext>
+                    </a:extLst>
+                  </p:cNvPr>
+                  <p:cNvSpPr txBox="1">
+                    <a:spLocks noRot="1" noChangeAspect="1" noMove="1" noResize="1" noEditPoints="1" noAdjustHandles="1" noChangeArrowheads="1" noChangeShapeType="1" noTextEdit="1"/>
+                  </p:cNvSpPr>
+                  <p:nvPr/>
+                </p:nvSpPr>
+                <p:spPr>
+                  <a:xfrm>
+                    <a:off x="9569938" y="2209798"/>
+                    <a:ext cx="256159" cy="246221"/>
+                  </a:xfrm>
+                  <a:prstGeom prst="rect">
+                    <a:avLst/>
+                  </a:prstGeom>
+                  <a:blipFill>
+                    <a:blip r:embed="rId4"/>
+                    <a:stretch>
+                      <a:fillRect l="-16667" r="-4762" b="-12500"/>
+                    </a:stretch>
+                  </a:blipFill>
+                </p:spPr>
+                <p:txBody>
+                  <a:bodyPr/>
+                  <a:lstStyle/>
+                  <a:p>
+                    <a:r>
+                      <a:rPr lang="en-US">
+                        <a:noFill/>
+                      </a:rPr>
+                      <a:t> </a:t>
+                    </a:r>
+                  </a:p>
+                </p:txBody>
+              </p:sp>
+            </mc:Fallback>
+          </mc:AlternateContent>
+          <mc:AlternateContent xmlns:mc="http://schemas.openxmlformats.org/markup-compatibility/2006">
+            <mc:Choice xmlns:a14="http://schemas.microsoft.com/office/drawing/2010/main" Requires="a14">
+              <p:sp>
+                <p:nvSpPr>
+                  <p:cNvPr id="112" name="TextBox 111">
+                    <a:extLst>
+                      <a:ext uri="{FF2B5EF4-FFF2-40B4-BE49-F238E27FC236}">
+                        <a16:creationId xmlns:a16="http://schemas.microsoft.com/office/drawing/2014/main" id="{6806D883-DE7F-62D6-CAB9-8CE4B546E186}"/>
+                      </a:ext>
+                    </a:extLst>
+                  </p:cNvPr>
+                  <p:cNvSpPr txBox="1"/>
+                  <p:nvPr/>
+                </p:nvSpPr>
+                <p:spPr>
+                  <a:xfrm>
+                    <a:off x="9569938" y="2742669"/>
+                    <a:ext cx="415114" cy="246221"/>
+                  </a:xfrm>
+                  <a:prstGeom prst="rect">
+                    <a:avLst/>
+                  </a:prstGeom>
+                  <a:noFill/>
+                </p:spPr>
+                <p:txBody>
+                  <a:bodyPr wrap="none" lIns="0" tIns="0" rIns="0" bIns="0" rtlCol="0">
+                    <a:spAutoFit/>
+                  </a:bodyPr>
+                  <a:lstStyle/>
+                  <a:p>
+                    <a:pPr/>
+                    <a14:m>
+                      <m:oMathPara xmlns:m="http://schemas.openxmlformats.org/officeDocument/2006/math">
+                        <m:oMathParaPr>
+                          <m:jc m:val="centerGroup"/>
+                        </m:oMathParaPr>
+                        <m:oMath xmlns:m="http://schemas.openxmlformats.org/officeDocument/2006/math">
+                          <m:sSub>
+                            <m:sSubPr>
+                              <m:ctrlPr>
+                                <a:rPr lang="en-US" sz="1600" b="0" i="1" smtClean="0">
+                                  <a:latin typeface="Cambria Math" panose="02040503050406030204" pitchFamily="18" charset="0"/>
+                                </a:rPr>
+                              </m:ctrlPr>
+                            </m:sSubPr>
+                            <m:e>
+                              <m:r>
+                                <a:rPr lang="en-US" sz="1600" b="0" i="1" smtClean="0">
+                                  <a:latin typeface="Cambria Math" panose="02040503050406030204" pitchFamily="18" charset="0"/>
+                                </a:rPr>
+                                <m:t>𝐸</m:t>
+                              </m:r>
+                            </m:e>
+                            <m:sub>
+                              <m:r>
+                                <a:rPr lang="en-US" sz="1600" b="0" i="1" smtClean="0">
+                                  <a:latin typeface="Cambria Math" panose="02040503050406030204" pitchFamily="18" charset="0"/>
+                                </a:rPr>
+                                <m:t>𝑏𝑜𝑡</m:t>
+                              </m:r>
+                            </m:sub>
+                          </m:sSub>
+                        </m:oMath>
+                      </m:oMathPara>
+                    </a14:m>
+                    <a:endParaRPr lang="en-US" dirty="0"/>
+                  </a:p>
+                </p:txBody>
+              </p:sp>
+            </mc:Choice>
+            <mc:Fallback>
+              <p:sp>
+                <p:nvSpPr>
+                  <p:cNvPr id="112" name="TextBox 111">
+                    <a:extLst>
+                      <a:ext uri="{FF2B5EF4-FFF2-40B4-BE49-F238E27FC236}">
+                        <a16:creationId xmlns:a16="http://schemas.microsoft.com/office/drawing/2014/main" id="{6806D883-DE7F-62D6-CAB9-8CE4B546E186}"/>
+                      </a:ext>
+                    </a:extLst>
+                  </p:cNvPr>
+                  <p:cNvSpPr txBox="1">
+                    <a:spLocks noRot="1" noChangeAspect="1" noMove="1" noResize="1" noEditPoints="1" noAdjustHandles="1" noChangeArrowheads="1" noChangeShapeType="1" noTextEdit="1"/>
+                  </p:cNvSpPr>
+                  <p:nvPr/>
+                </p:nvSpPr>
+                <p:spPr>
+                  <a:xfrm>
+                    <a:off x="9569938" y="2742669"/>
+                    <a:ext cx="415114" cy="246221"/>
+                  </a:xfrm>
+                  <a:prstGeom prst="rect">
+                    <a:avLst/>
+                  </a:prstGeom>
+                  <a:blipFill>
+                    <a:blip r:embed="rId5"/>
+                    <a:stretch>
+                      <a:fillRect l="-10294" r="-4412" b="-14634"/>
+                    </a:stretch>
+                  </a:blipFill>
+                </p:spPr>
+                <p:txBody>
+                  <a:bodyPr/>
+                  <a:lstStyle/>
+                  <a:p>
+                    <a:r>
+                      <a:rPr lang="en-US">
+                        <a:noFill/>
+                      </a:rPr>
+                      <a:t> </a:t>
+                    </a:r>
+                  </a:p>
+                </p:txBody>
+              </p:sp>
+            </mc:Fallback>
+          </mc:AlternateContent>
+          <mc:AlternateContent xmlns:mc="http://schemas.openxmlformats.org/markup-compatibility/2006">
+            <mc:Choice xmlns:a14="http://schemas.microsoft.com/office/drawing/2010/main" Requires="a14">
+              <p:sp>
+                <p:nvSpPr>
+                  <p:cNvPr id="113" name="TextBox 112">
+                    <a:extLst>
+                      <a:ext uri="{FF2B5EF4-FFF2-40B4-BE49-F238E27FC236}">
+                        <a16:creationId xmlns:a16="http://schemas.microsoft.com/office/drawing/2014/main" id="{E815181A-7280-B5A2-C799-A2B4F6B107E3}"/>
+                      </a:ext>
+                    </a:extLst>
+                  </p:cNvPr>
+                  <p:cNvSpPr txBox="1"/>
+                  <p:nvPr/>
+                </p:nvSpPr>
+                <p:spPr>
+                  <a:xfrm>
+                    <a:off x="8858098" y="1890698"/>
+                    <a:ext cx="271741" cy="246221"/>
+                  </a:xfrm>
+                  <a:prstGeom prst="rect">
+                    <a:avLst/>
+                  </a:prstGeom>
+                  <a:noFill/>
+                </p:spPr>
+                <p:txBody>
+                  <a:bodyPr wrap="none" lIns="0" tIns="0" rIns="0" bIns="0" rtlCol="0">
+                    <a:spAutoFit/>
+                  </a:bodyPr>
+                  <a:lstStyle/>
+                  <a:p>
+                    <a:pPr/>
+                    <a14:m>
+                      <m:oMathPara xmlns:m="http://schemas.openxmlformats.org/officeDocument/2006/math">
+                        <m:oMathParaPr>
+                          <m:jc m:val="centerGroup"/>
+                        </m:oMathParaPr>
+                        <m:oMath xmlns:m="http://schemas.openxmlformats.org/officeDocument/2006/math">
+                          <m:sSub>
+                            <m:sSubPr>
+                              <m:ctrlPr>
+                                <a:rPr lang="en-US" sz="1600" b="0" i="1" smtClean="0">
+                                  <a:latin typeface="Cambria Math" panose="02040503050406030204" pitchFamily="18" charset="0"/>
+                                </a:rPr>
+                              </m:ctrlPr>
+                            </m:sSubPr>
+                            <m:e>
+                              <m:r>
+                                <a:rPr lang="en-US" sz="1600" b="0" i="1" smtClean="0">
+                                  <a:latin typeface="Cambria Math" panose="02040503050406030204" pitchFamily="18" charset="0"/>
+                                </a:rPr>
+                                <m:t>𝐸</m:t>
+                              </m:r>
+                            </m:e>
+                            <m:sub>
+                              <m:r>
+                                <a:rPr lang="en-US" sz="1600" b="0" i="1" smtClean="0">
+                                  <a:latin typeface="Cambria Math" panose="02040503050406030204" pitchFamily="18" charset="0"/>
+                                </a:rPr>
+                                <m:t>𝐺</m:t>
+                              </m:r>
+                            </m:sub>
+                          </m:sSub>
+                        </m:oMath>
+                      </m:oMathPara>
+                    </a14:m>
+                    <a:endParaRPr lang="en-US" dirty="0"/>
+                  </a:p>
+                </p:txBody>
+              </p:sp>
+            </mc:Choice>
+            <mc:Fallback>
+              <p:sp>
+                <p:nvSpPr>
+                  <p:cNvPr id="113" name="TextBox 112">
+                    <a:extLst>
+                      <a:ext uri="{FF2B5EF4-FFF2-40B4-BE49-F238E27FC236}">
+                        <a16:creationId xmlns:a16="http://schemas.microsoft.com/office/drawing/2014/main" id="{E815181A-7280-B5A2-C799-A2B4F6B107E3}"/>
+                      </a:ext>
+                    </a:extLst>
+                  </p:cNvPr>
+                  <p:cNvSpPr txBox="1">
+                    <a:spLocks noRot="1" noChangeAspect="1" noMove="1" noResize="1" noEditPoints="1" noAdjustHandles="1" noChangeArrowheads="1" noChangeShapeType="1" noTextEdit="1"/>
+                  </p:cNvSpPr>
+                  <p:nvPr/>
+                </p:nvSpPr>
+                <p:spPr>
+                  <a:xfrm>
+                    <a:off x="8858098" y="1890698"/>
+                    <a:ext cx="271741" cy="246221"/>
+                  </a:xfrm>
+                  <a:prstGeom prst="rect">
+                    <a:avLst/>
+                  </a:prstGeom>
+                  <a:blipFill>
+                    <a:blip r:embed="rId6"/>
+                    <a:stretch>
+                      <a:fillRect l="-15556" r="-4444" b="-15000"/>
+                    </a:stretch>
+                  </a:blipFill>
+                </p:spPr>
+                <p:txBody>
+                  <a:bodyPr/>
+                  <a:lstStyle/>
+                  <a:p>
+                    <a:r>
+                      <a:rPr lang="en-US">
+                        <a:noFill/>
+                      </a:rPr>
+                      <a:t> </a:t>
+                    </a:r>
+                  </a:p>
+                </p:txBody>
+              </p:sp>
+            </mc:Fallback>
+          </mc:AlternateContent>
+          <p:cxnSp>
+            <p:nvCxnSpPr>
+              <p:cNvPr id="114" name="Straight Arrow Connector 113">
+                <a:extLst>
+                  <a:ext uri="{FF2B5EF4-FFF2-40B4-BE49-F238E27FC236}">
+                    <a16:creationId xmlns:a16="http://schemas.microsoft.com/office/drawing/2014/main" id="{4FAFEACF-052E-4BC6-940C-931518D6F997}"/>
+                  </a:ext>
+                </a:extLst>
+              </p:cNvPr>
+              <p:cNvCxnSpPr>
+                <a:cxnSpLocks/>
+              </p:cNvCxnSpPr>
+              <p:nvPr/>
+            </p:nvCxnSpPr>
+            <p:spPr>
+              <a:xfrm>
+                <a:off x="8620913" y="3110620"/>
+                <a:ext cx="835592" cy="0"/>
+              </a:xfrm>
+              <a:prstGeom prst="straightConnector1">
+                <a:avLst/>
+              </a:prstGeom>
+              <a:ln>
+                <a:tailEnd type="triangle"/>
+              </a:ln>
+            </p:spPr>
+            <p:style>
+              <a:lnRef idx="2">
+                <a:schemeClr val="dk1"/>
+              </a:lnRef>
+              <a:fillRef idx="0">
+                <a:schemeClr val="dk1"/>
+              </a:fillRef>
+              <a:effectRef idx="1">
+                <a:schemeClr val="dk1"/>
+              </a:effectRef>
+              <a:fontRef idx="minor">
+                <a:schemeClr val="tx1"/>
+              </a:fontRef>
+            </p:style>
+          </p:cxnSp>
+          <mc:AlternateContent xmlns:mc="http://schemas.openxmlformats.org/markup-compatibility/2006">
+            <mc:Choice xmlns:a14="http://schemas.microsoft.com/office/drawing/2010/main" Requires="a14">
+              <p:sp>
+                <p:nvSpPr>
+                  <p:cNvPr id="117" name="TextBox 116">
+                    <a:extLst>
+                      <a:ext uri="{FF2B5EF4-FFF2-40B4-BE49-F238E27FC236}">
+                        <a16:creationId xmlns:a16="http://schemas.microsoft.com/office/drawing/2014/main" id="{4CD9813D-D14C-EF6C-BB1F-FC7518FE0021}"/>
+                      </a:ext>
+                    </a:extLst>
+                  </p:cNvPr>
+                  <p:cNvSpPr txBox="1"/>
+                  <p:nvPr/>
+                </p:nvSpPr>
+                <p:spPr>
+                  <a:xfrm>
+                    <a:off x="9553881" y="2987509"/>
+                    <a:ext cx="156902" cy="246221"/>
+                  </a:xfrm>
+                  <a:prstGeom prst="rect">
+                    <a:avLst/>
+                  </a:prstGeom>
+                  <a:noFill/>
+                </p:spPr>
+                <p:txBody>
+                  <a:bodyPr wrap="none" lIns="0" tIns="0" rIns="0" bIns="0" rtlCol="0">
+                    <a:spAutoFit/>
+                  </a:bodyPr>
+                  <a:lstStyle/>
+                  <a:p>
+                    <a:pPr/>
+                    <a14:m>
+                      <m:oMathPara xmlns:m="http://schemas.openxmlformats.org/officeDocument/2006/math">
+                        <m:oMathParaPr>
+                          <m:jc m:val="centerGroup"/>
+                        </m:oMathParaPr>
+                        <m:oMath xmlns:m="http://schemas.openxmlformats.org/officeDocument/2006/math">
+                          <m:r>
+                            <a:rPr lang="en-US" sz="1600" b="0" i="1" smtClean="0">
+                              <a:latin typeface="Cambria Math" panose="02040503050406030204" pitchFamily="18" charset="0"/>
+                            </a:rPr>
+                            <m:t>𝑥</m:t>
+                          </m:r>
+                        </m:oMath>
+                      </m:oMathPara>
+                    </a14:m>
+                    <a:endParaRPr lang="en-US" dirty="0"/>
+                  </a:p>
+                </p:txBody>
+              </p:sp>
+            </mc:Choice>
+            <mc:Fallback>
+              <p:sp>
+                <p:nvSpPr>
+                  <p:cNvPr id="117" name="TextBox 116">
+                    <a:extLst>
+                      <a:ext uri="{FF2B5EF4-FFF2-40B4-BE49-F238E27FC236}">
+                        <a16:creationId xmlns:a16="http://schemas.microsoft.com/office/drawing/2014/main" id="{4CD9813D-D14C-EF6C-BB1F-FC7518FE0021}"/>
+                      </a:ext>
+                    </a:extLst>
+                  </p:cNvPr>
+                  <p:cNvSpPr txBox="1">
+                    <a:spLocks noRot="1" noChangeAspect="1" noMove="1" noResize="1" noEditPoints="1" noAdjustHandles="1" noChangeArrowheads="1" noChangeShapeType="1" noTextEdit="1"/>
+                  </p:cNvSpPr>
+                  <p:nvPr/>
+                </p:nvSpPr>
+                <p:spPr>
+                  <a:xfrm>
+                    <a:off x="9553881" y="2987509"/>
+                    <a:ext cx="156902" cy="246221"/>
+                  </a:xfrm>
+                  <a:prstGeom prst="rect">
+                    <a:avLst/>
+                  </a:prstGeom>
+                  <a:blipFill>
+                    <a:blip r:embed="rId7"/>
+                    <a:stretch>
+                      <a:fillRect l="-24000" r="-16000"/>
+                    </a:stretch>
+                  </a:blipFill>
+                </p:spPr>
+                <p:txBody>
+                  <a:bodyPr/>
+                  <a:lstStyle/>
+                  <a:p>
+                    <a:r>
+                      <a:rPr lang="en-US">
+                        <a:noFill/>
+                      </a:rPr>
+                      <a:t> </a:t>
+                    </a:r>
+                  </a:p>
+                </p:txBody>
+              </p:sp>
+            </mc:Fallback>
+          </mc:AlternateContent>
+        </p:grpSp>
+        <p:grpSp>
+          <p:nvGrpSpPr>
+            <p:cNvPr id="120" name="Group 119">
+              <a:extLst>
+                <a:ext uri="{FF2B5EF4-FFF2-40B4-BE49-F238E27FC236}">
+                  <a16:creationId xmlns:a16="http://schemas.microsoft.com/office/drawing/2014/main" id="{1FC989BA-426F-3763-6C67-95984A4A1435}"/>
+                </a:ext>
+              </a:extLst>
+            </p:cNvPr>
+            <p:cNvGrpSpPr/>
+            <p:nvPr/>
+          </p:nvGrpSpPr>
+          <p:grpSpPr>
+            <a:xfrm>
+              <a:off x="4987148" y="423599"/>
+              <a:ext cx="2389076" cy="2539674"/>
+              <a:chOff x="1690007" y="637895"/>
+              <a:chExt cx="2389076" cy="2539674"/>
+            </a:xfrm>
+          </p:grpSpPr>
+          <p:sp>
+            <p:nvSpPr>
+              <p:cNvPr id="16" name="Oval 15">
+                <a:extLst>
+                  <a:ext uri="{FF2B5EF4-FFF2-40B4-BE49-F238E27FC236}">
+                    <a16:creationId xmlns:a16="http://schemas.microsoft.com/office/drawing/2014/main" id="{A71B6919-2FD9-5B74-4376-EEE71A4734FA}"/>
+                  </a:ext>
+                </a:extLst>
+              </p:cNvPr>
+              <p:cNvSpPr/>
+              <p:nvPr/>
+            </p:nvSpPr>
+            <p:spPr>
+              <a:xfrm>
+                <a:off x="2259110" y="1594624"/>
+                <a:ext cx="82399" cy="82399"/>
+              </a:xfrm>
+              <a:prstGeom prst="ellipse">
+                <a:avLst/>
+              </a:prstGeom>
+            </p:spPr>
+            <p:style>
+              <a:lnRef idx="2">
+                <a:schemeClr val="dk1">
+                  <a:shade val="15000"/>
+                </a:schemeClr>
+              </a:lnRef>
+              <a:fillRef idx="1">
+                <a:schemeClr val="dk1"/>
+              </a:fillRef>
+              <a:effectRef idx="0">
+                <a:schemeClr val="dk1"/>
+              </a:effectRef>
+              <a:fontRef idx="minor">
+                <a:schemeClr val="lt1"/>
+              </a:fontRef>
+            </p:style>
+            <p:txBody>
+              <a:bodyPr rtlCol="0" anchor="ctr"/>
+              <a:lstStyle/>
+              <a:p>
+                <a:pPr algn="ctr"/>
+                <a:endParaRPr lang="en-US"/>
+              </a:p>
+            </p:txBody>
+          </p:sp>
+          <p:sp>
+            <p:nvSpPr>
+              <p:cNvPr id="17" name="Oval 16">
+                <a:extLst>
+                  <a:ext uri="{FF2B5EF4-FFF2-40B4-BE49-F238E27FC236}">
+                    <a16:creationId xmlns:a16="http://schemas.microsoft.com/office/drawing/2014/main" id="{FDD8403C-FE02-8C1C-DA2F-2FB64C65E45D}"/>
+                  </a:ext>
+                </a:extLst>
+              </p:cNvPr>
+              <p:cNvSpPr/>
+              <p:nvPr/>
+            </p:nvSpPr>
+            <p:spPr>
+              <a:xfrm>
+                <a:off x="2392923" y="1594624"/>
+                <a:ext cx="82399" cy="82399"/>
+              </a:xfrm>
+              <a:prstGeom prst="ellipse">
+                <a:avLst/>
+              </a:prstGeom>
+            </p:spPr>
+            <p:style>
+              <a:lnRef idx="2">
+                <a:schemeClr val="dk1">
+                  <a:shade val="15000"/>
+                </a:schemeClr>
+              </a:lnRef>
+              <a:fillRef idx="1">
+                <a:schemeClr val="dk1"/>
+              </a:fillRef>
+              <a:effectRef idx="0">
+                <a:schemeClr val="dk1"/>
+              </a:effectRef>
+              <a:fontRef idx="minor">
+                <a:schemeClr val="lt1"/>
+              </a:fontRef>
+            </p:style>
+            <p:txBody>
+              <a:bodyPr rtlCol="0" anchor="ctr"/>
+              <a:lstStyle/>
+              <a:p>
+                <a:pPr algn="ctr"/>
+                <a:endParaRPr lang="en-US"/>
+              </a:p>
+            </p:txBody>
+          </p:sp>
+          <p:sp>
+            <p:nvSpPr>
+              <p:cNvPr id="18" name="Oval 17">
+                <a:extLst>
+                  <a:ext uri="{FF2B5EF4-FFF2-40B4-BE49-F238E27FC236}">
+                    <a16:creationId xmlns:a16="http://schemas.microsoft.com/office/drawing/2014/main" id="{CD773AE8-4CDB-7B97-6B69-41959B396608}"/>
+                  </a:ext>
+                </a:extLst>
+              </p:cNvPr>
+              <p:cNvSpPr/>
+              <p:nvPr/>
+            </p:nvSpPr>
+            <p:spPr>
+              <a:xfrm>
+                <a:off x="2531983" y="1594624"/>
+                <a:ext cx="82399" cy="82399"/>
+              </a:xfrm>
+              <a:prstGeom prst="ellipse">
+                <a:avLst/>
+              </a:prstGeom>
+            </p:spPr>
+            <p:style>
+              <a:lnRef idx="2">
+                <a:schemeClr val="dk1">
+                  <a:shade val="15000"/>
+                </a:schemeClr>
+              </a:lnRef>
+              <a:fillRef idx="1">
+                <a:schemeClr val="dk1"/>
+              </a:fillRef>
+              <a:effectRef idx="0">
+                <a:schemeClr val="dk1"/>
+              </a:effectRef>
+              <a:fontRef idx="minor">
+                <a:schemeClr val="lt1"/>
+              </a:fontRef>
+            </p:style>
+            <p:txBody>
+              <a:bodyPr rtlCol="0" anchor="ctr"/>
+              <a:lstStyle/>
+              <a:p>
+                <a:pPr algn="ctr"/>
+                <a:endParaRPr lang="en-US"/>
+              </a:p>
+            </p:txBody>
+          </p:sp>
+          <p:sp>
+            <p:nvSpPr>
+              <p:cNvPr id="19" name="Oval 18">
+                <a:extLst>
+                  <a:ext uri="{FF2B5EF4-FFF2-40B4-BE49-F238E27FC236}">
+                    <a16:creationId xmlns:a16="http://schemas.microsoft.com/office/drawing/2014/main" id="{929244EE-808C-241C-8608-14040A5FF84C}"/>
+                  </a:ext>
+                </a:extLst>
+              </p:cNvPr>
+              <p:cNvSpPr/>
+              <p:nvPr/>
+            </p:nvSpPr>
+            <p:spPr>
+              <a:xfrm>
+                <a:off x="2672475" y="1594624"/>
+                <a:ext cx="82399" cy="82399"/>
+              </a:xfrm>
+              <a:prstGeom prst="ellipse">
+                <a:avLst/>
+              </a:prstGeom>
+            </p:spPr>
+            <p:style>
+              <a:lnRef idx="2">
+                <a:schemeClr val="dk1">
+                  <a:shade val="15000"/>
+                </a:schemeClr>
+              </a:lnRef>
+              <a:fillRef idx="1">
+                <a:schemeClr val="dk1"/>
+              </a:fillRef>
+              <a:effectRef idx="0">
+                <a:schemeClr val="dk1"/>
+              </a:effectRef>
+              <a:fontRef idx="minor">
+                <a:schemeClr val="lt1"/>
+              </a:fontRef>
+            </p:style>
+            <p:txBody>
+              <a:bodyPr rtlCol="0" anchor="ctr"/>
+              <a:lstStyle/>
+              <a:p>
+                <a:pPr algn="ctr"/>
+                <a:endParaRPr lang="en-US"/>
+              </a:p>
+            </p:txBody>
+          </p:sp>
+          <p:sp>
+            <p:nvSpPr>
+              <p:cNvPr id="20" name="Oval 19">
+                <a:extLst>
+                  <a:ext uri="{FF2B5EF4-FFF2-40B4-BE49-F238E27FC236}">
+                    <a16:creationId xmlns:a16="http://schemas.microsoft.com/office/drawing/2014/main" id="{58AE3147-1729-F2F6-25F4-CACC0EFD3928}"/>
+                  </a:ext>
+                </a:extLst>
+              </p:cNvPr>
+              <p:cNvSpPr/>
+              <p:nvPr/>
+            </p:nvSpPr>
+            <p:spPr>
+              <a:xfrm>
+                <a:off x="2259110" y="1747335"/>
+                <a:ext cx="82399" cy="82399"/>
+              </a:xfrm>
+              <a:prstGeom prst="ellipse">
+                <a:avLst/>
+              </a:prstGeom>
+            </p:spPr>
+            <p:style>
+              <a:lnRef idx="2">
+                <a:schemeClr val="dk1">
+                  <a:shade val="15000"/>
+                </a:schemeClr>
+              </a:lnRef>
+              <a:fillRef idx="1">
+                <a:schemeClr val="dk1"/>
+              </a:fillRef>
+              <a:effectRef idx="0">
+                <a:schemeClr val="dk1"/>
+              </a:effectRef>
+              <a:fontRef idx="minor">
+                <a:schemeClr val="lt1"/>
+              </a:fontRef>
+            </p:style>
+            <p:txBody>
+              <a:bodyPr rtlCol="0" anchor="ctr"/>
+              <a:lstStyle/>
+              <a:p>
+                <a:pPr algn="ctr"/>
+                <a:endParaRPr lang="en-US"/>
+              </a:p>
+            </p:txBody>
+          </p:sp>
+          <p:sp>
+            <p:nvSpPr>
+              <p:cNvPr id="21" name="Oval 20">
+                <a:extLst>
+                  <a:ext uri="{FF2B5EF4-FFF2-40B4-BE49-F238E27FC236}">
+                    <a16:creationId xmlns:a16="http://schemas.microsoft.com/office/drawing/2014/main" id="{2F3CD5BC-4FA2-6448-EBD8-A39BAB34B782}"/>
+                  </a:ext>
+                </a:extLst>
+              </p:cNvPr>
+              <p:cNvSpPr/>
+              <p:nvPr/>
+            </p:nvSpPr>
+            <p:spPr>
+              <a:xfrm>
+                <a:off x="2392923" y="1747335"/>
+                <a:ext cx="82399" cy="82399"/>
+              </a:xfrm>
+              <a:prstGeom prst="ellipse">
+                <a:avLst/>
+              </a:prstGeom>
+            </p:spPr>
+            <p:style>
+              <a:lnRef idx="2">
+                <a:schemeClr val="dk1">
+                  <a:shade val="15000"/>
+                </a:schemeClr>
+              </a:lnRef>
+              <a:fillRef idx="1">
+                <a:schemeClr val="dk1"/>
+              </a:fillRef>
+              <a:effectRef idx="0">
+                <a:schemeClr val="dk1"/>
+              </a:effectRef>
+              <a:fontRef idx="minor">
+                <a:schemeClr val="lt1"/>
+              </a:fontRef>
+            </p:style>
+            <p:txBody>
+              <a:bodyPr rtlCol="0" anchor="ctr"/>
+              <a:lstStyle/>
+              <a:p>
+                <a:pPr algn="ctr"/>
+                <a:endParaRPr lang="en-US"/>
+              </a:p>
+            </p:txBody>
+          </p:sp>
+          <p:sp>
+            <p:nvSpPr>
+              <p:cNvPr id="22" name="Oval 21">
+                <a:extLst>
+                  <a:ext uri="{FF2B5EF4-FFF2-40B4-BE49-F238E27FC236}">
+                    <a16:creationId xmlns:a16="http://schemas.microsoft.com/office/drawing/2014/main" id="{BC0293B6-F7D4-7F8D-2A38-C3431A3C6307}"/>
+                  </a:ext>
+                </a:extLst>
+              </p:cNvPr>
+              <p:cNvSpPr/>
+              <p:nvPr/>
+            </p:nvSpPr>
+            <p:spPr>
+              <a:xfrm>
+                <a:off x="2531983" y="1747335"/>
+                <a:ext cx="82399" cy="82399"/>
+              </a:xfrm>
+              <a:prstGeom prst="ellipse">
+                <a:avLst/>
+              </a:prstGeom>
+            </p:spPr>
+            <p:style>
+              <a:lnRef idx="2">
+                <a:schemeClr val="dk1">
+                  <a:shade val="15000"/>
+                </a:schemeClr>
+              </a:lnRef>
+              <a:fillRef idx="1">
+                <a:schemeClr val="dk1"/>
+              </a:fillRef>
+              <a:effectRef idx="0">
+                <a:schemeClr val="dk1"/>
+              </a:effectRef>
+              <a:fontRef idx="minor">
+                <a:schemeClr val="lt1"/>
+              </a:fontRef>
+            </p:style>
+            <p:txBody>
+              <a:bodyPr rtlCol="0" anchor="ctr"/>
+              <a:lstStyle/>
+              <a:p>
+                <a:pPr algn="ctr"/>
+                <a:endParaRPr lang="en-US"/>
+              </a:p>
+            </p:txBody>
+          </p:sp>
+          <p:sp>
+            <p:nvSpPr>
+              <p:cNvPr id="23" name="Oval 22">
+                <a:extLst>
+                  <a:ext uri="{FF2B5EF4-FFF2-40B4-BE49-F238E27FC236}">
+                    <a16:creationId xmlns:a16="http://schemas.microsoft.com/office/drawing/2014/main" id="{0994F4D9-8EC8-4BF5-AEC5-DFB265AE5D64}"/>
+                  </a:ext>
+                </a:extLst>
+              </p:cNvPr>
+              <p:cNvSpPr/>
+              <p:nvPr/>
+            </p:nvSpPr>
+            <p:spPr>
+              <a:xfrm>
+                <a:off x="2672475" y="1747335"/>
+                <a:ext cx="82399" cy="82399"/>
+              </a:xfrm>
+              <a:prstGeom prst="ellipse">
+                <a:avLst/>
+              </a:prstGeom>
+            </p:spPr>
+            <p:style>
+              <a:lnRef idx="2">
+                <a:schemeClr val="dk1">
+                  <a:shade val="15000"/>
+                </a:schemeClr>
+              </a:lnRef>
+              <a:fillRef idx="1">
+                <a:schemeClr val="dk1"/>
+              </a:fillRef>
+              <a:effectRef idx="0">
+                <a:schemeClr val="dk1"/>
+              </a:effectRef>
+              <a:fontRef idx="minor">
+                <a:schemeClr val="lt1"/>
+              </a:fontRef>
+            </p:style>
+            <p:txBody>
+              <a:bodyPr rtlCol="0" anchor="ctr"/>
+              <a:lstStyle/>
+              <a:p>
+                <a:pPr algn="ctr"/>
+                <a:endParaRPr lang="en-US"/>
+              </a:p>
+            </p:txBody>
+          </p:sp>
+          <p:cxnSp>
+            <p:nvCxnSpPr>
+              <p:cNvPr id="25" name="Straight Connector 24">
+                <a:extLst>
+                  <a:ext uri="{FF2B5EF4-FFF2-40B4-BE49-F238E27FC236}">
+                    <a16:creationId xmlns:a16="http://schemas.microsoft.com/office/drawing/2014/main" id="{B965F12E-24CF-8AE1-2994-BA8341F60E7F}"/>
+                  </a:ext>
+                </a:extLst>
+              </p:cNvPr>
+              <p:cNvCxnSpPr>
+                <a:cxnSpLocks/>
+              </p:cNvCxnSpPr>
+              <p:nvPr/>
+            </p:nvCxnSpPr>
+            <p:spPr>
+              <a:xfrm>
+                <a:off x="2854712" y="1677023"/>
+                <a:ext cx="383788" cy="0"/>
+              </a:xfrm>
+              <a:prstGeom prst="line">
+                <a:avLst/>
+              </a:prstGeom>
+              <a:ln w="19050" cap="flat" cmpd="sng" algn="ctr">
+                <a:solidFill>
+                  <a:schemeClr val="dk1"/>
+                </a:solidFill>
+                <a:prstDash val="dash"/>
+                <a:round/>
+                <a:headEnd type="none" w="med" len="med"/>
+                <a:tailEnd type="none" w="med" len="med"/>
+              </a:ln>
+            </p:spPr>
+            <p:style>
+              <a:lnRef idx="0">
+                <a:scrgbClr r="0" g="0" b="0"/>
+              </a:lnRef>
+              <a:fillRef idx="0">
+                <a:scrgbClr r="0" g="0" b="0"/>
+              </a:fillRef>
+              <a:effectRef idx="0">
+                <a:scrgbClr r="0" g="0" b="0"/>
+              </a:effectRef>
+              <a:fontRef idx="minor">
+                <a:schemeClr val="tx1"/>
+              </a:fontRef>
+            </p:style>
+          </p:cxnSp>
+          <p:sp>
+            <p:nvSpPr>
+              <p:cNvPr id="29" name="Oval 28">
+                <a:extLst>
+                  <a:ext uri="{FF2B5EF4-FFF2-40B4-BE49-F238E27FC236}">
+                    <a16:creationId xmlns:a16="http://schemas.microsoft.com/office/drawing/2014/main" id="{E6B871B8-CDC0-E884-CED2-C23CA304D20B}"/>
+                  </a:ext>
+                </a:extLst>
+              </p:cNvPr>
+              <p:cNvSpPr/>
+              <p:nvPr/>
+            </p:nvSpPr>
+            <p:spPr>
+              <a:xfrm>
+                <a:off x="3297138" y="1594624"/>
+                <a:ext cx="82399" cy="82399"/>
+              </a:xfrm>
+              <a:prstGeom prst="ellipse">
+                <a:avLst/>
+              </a:prstGeom>
+            </p:spPr>
+            <p:style>
+              <a:lnRef idx="2">
+                <a:schemeClr val="dk1">
+                  <a:shade val="15000"/>
+                </a:schemeClr>
+              </a:lnRef>
+              <a:fillRef idx="1">
+                <a:schemeClr val="dk1"/>
+              </a:fillRef>
+              <a:effectRef idx="0">
+                <a:schemeClr val="dk1"/>
+              </a:effectRef>
+              <a:fontRef idx="minor">
+                <a:schemeClr val="lt1"/>
+              </a:fontRef>
+            </p:style>
+            <p:txBody>
+              <a:bodyPr rtlCol="0" anchor="ctr"/>
+              <a:lstStyle/>
+              <a:p>
+                <a:pPr algn="ctr"/>
+                <a:endParaRPr lang="en-US"/>
+              </a:p>
+            </p:txBody>
+          </p:sp>
+          <p:sp>
+            <p:nvSpPr>
+              <p:cNvPr id="30" name="Oval 29">
+                <a:extLst>
+                  <a:ext uri="{FF2B5EF4-FFF2-40B4-BE49-F238E27FC236}">
+                    <a16:creationId xmlns:a16="http://schemas.microsoft.com/office/drawing/2014/main" id="{72FAE584-983F-542A-AE98-BAEB1CC2D16F}"/>
+                  </a:ext>
+                </a:extLst>
+              </p:cNvPr>
+              <p:cNvSpPr/>
+              <p:nvPr/>
+            </p:nvSpPr>
+            <p:spPr>
+              <a:xfrm>
+                <a:off x="3430951" y="1594624"/>
+                <a:ext cx="82399" cy="82399"/>
+              </a:xfrm>
+              <a:prstGeom prst="ellipse">
+                <a:avLst/>
+              </a:prstGeom>
+            </p:spPr>
+            <p:style>
+              <a:lnRef idx="2">
+                <a:schemeClr val="dk1">
+                  <a:shade val="15000"/>
+                </a:schemeClr>
+              </a:lnRef>
+              <a:fillRef idx="1">
+                <a:schemeClr val="dk1"/>
+              </a:fillRef>
+              <a:effectRef idx="0">
+                <a:schemeClr val="dk1"/>
+              </a:effectRef>
+              <a:fontRef idx="minor">
+                <a:schemeClr val="lt1"/>
+              </a:fontRef>
+            </p:style>
+            <p:txBody>
+              <a:bodyPr rtlCol="0" anchor="ctr"/>
+              <a:lstStyle/>
+              <a:p>
+                <a:pPr algn="ctr"/>
+                <a:endParaRPr lang="en-US"/>
+              </a:p>
+            </p:txBody>
+          </p:sp>
+          <p:sp>
+            <p:nvSpPr>
+              <p:cNvPr id="31" name="Oval 30">
+                <a:extLst>
+                  <a:ext uri="{FF2B5EF4-FFF2-40B4-BE49-F238E27FC236}">
+                    <a16:creationId xmlns:a16="http://schemas.microsoft.com/office/drawing/2014/main" id="{2CACD8F1-E2C7-587D-ED56-FBC961976ABC}"/>
+                  </a:ext>
+                </a:extLst>
+              </p:cNvPr>
+              <p:cNvSpPr/>
+              <p:nvPr/>
+            </p:nvSpPr>
+            <p:spPr>
+              <a:xfrm>
+                <a:off x="3297138" y="1747335"/>
+                <a:ext cx="82399" cy="82399"/>
+              </a:xfrm>
+              <a:prstGeom prst="ellipse">
+                <a:avLst/>
+              </a:prstGeom>
+            </p:spPr>
+            <p:style>
+              <a:lnRef idx="2">
+                <a:schemeClr val="dk1">
+                  <a:shade val="15000"/>
+                </a:schemeClr>
+              </a:lnRef>
+              <a:fillRef idx="1">
+                <a:schemeClr val="dk1"/>
+              </a:fillRef>
+              <a:effectRef idx="0">
+                <a:schemeClr val="dk1"/>
+              </a:effectRef>
+              <a:fontRef idx="minor">
+                <a:schemeClr val="lt1"/>
+              </a:fontRef>
+            </p:style>
+            <p:txBody>
+              <a:bodyPr rtlCol="0" anchor="ctr"/>
+              <a:lstStyle/>
+              <a:p>
+                <a:pPr algn="ctr"/>
+                <a:endParaRPr lang="en-US"/>
+              </a:p>
+            </p:txBody>
+          </p:sp>
+          <p:sp>
+            <p:nvSpPr>
+              <p:cNvPr id="32" name="Oval 31">
+                <a:extLst>
+                  <a:ext uri="{FF2B5EF4-FFF2-40B4-BE49-F238E27FC236}">
+                    <a16:creationId xmlns:a16="http://schemas.microsoft.com/office/drawing/2014/main" id="{F5AA2530-1DFC-6031-684A-4939CD657C8B}"/>
+                  </a:ext>
+                </a:extLst>
+              </p:cNvPr>
+              <p:cNvSpPr/>
+              <p:nvPr/>
+            </p:nvSpPr>
+            <p:spPr>
+              <a:xfrm>
+                <a:off x="3430951" y="1747335"/>
+                <a:ext cx="82399" cy="82399"/>
+              </a:xfrm>
+              <a:prstGeom prst="ellipse">
+                <a:avLst/>
+              </a:prstGeom>
+            </p:spPr>
+            <p:style>
+              <a:lnRef idx="2">
+                <a:schemeClr val="dk1">
+                  <a:shade val="15000"/>
+                </a:schemeClr>
+              </a:lnRef>
+              <a:fillRef idx="1">
+                <a:schemeClr val="dk1"/>
+              </a:fillRef>
+              <a:effectRef idx="0">
+                <a:schemeClr val="dk1"/>
+              </a:effectRef>
+              <a:fontRef idx="minor">
+                <a:schemeClr val="lt1"/>
+              </a:fontRef>
+            </p:style>
+            <p:txBody>
+              <a:bodyPr rtlCol="0" anchor="ctr"/>
+              <a:lstStyle/>
+              <a:p>
+                <a:pPr algn="ctr"/>
+                <a:endParaRPr lang="en-US"/>
+              </a:p>
+            </p:txBody>
+          </p:sp>
+          <p:sp>
+            <p:nvSpPr>
+              <p:cNvPr id="33" name="TextBox 32">
+                <a:extLst>
+                  <a:ext uri="{FF2B5EF4-FFF2-40B4-BE49-F238E27FC236}">
+                    <a16:creationId xmlns:a16="http://schemas.microsoft.com/office/drawing/2014/main" id="{8AA5DADA-F987-F91C-0EF8-C8D299D7BE6E}"/>
+                  </a:ext>
+                </a:extLst>
+              </p:cNvPr>
+              <p:cNvSpPr txBox="1"/>
+              <p:nvPr/>
+            </p:nvSpPr>
+            <p:spPr>
+              <a:xfrm>
+                <a:off x="3522356" y="1386159"/>
+                <a:ext cx="314510" cy="369332"/>
+              </a:xfrm>
+              <a:prstGeom prst="rect">
+                <a:avLst/>
+              </a:prstGeom>
+              <a:noFill/>
+            </p:spPr>
+            <p:txBody>
+              <a:bodyPr wrap="none" rtlCol="0">
+                <a:spAutoFit/>
+              </a:bodyPr>
+              <a:lstStyle/>
+              <a:p>
+                <a:r>
+                  <a:rPr lang="en-US" dirty="0"/>
+                  <a:t>p</a:t>
+                </a:r>
+              </a:p>
+            </p:txBody>
+          </p:sp>
+          <p:sp>
+            <p:nvSpPr>
+              <p:cNvPr id="34" name="TextBox 33">
+                <a:extLst>
+                  <a:ext uri="{FF2B5EF4-FFF2-40B4-BE49-F238E27FC236}">
+                    <a16:creationId xmlns:a16="http://schemas.microsoft.com/office/drawing/2014/main" id="{EB2FA4E5-36D5-3266-FC48-4DE8366EC323}"/>
+                  </a:ext>
+                </a:extLst>
+              </p:cNvPr>
+              <p:cNvSpPr txBox="1"/>
+              <p:nvPr/>
+            </p:nvSpPr>
+            <p:spPr>
+              <a:xfrm>
+                <a:off x="3548996" y="1635272"/>
+                <a:ext cx="296876" cy="369332"/>
+              </a:xfrm>
+              <a:prstGeom prst="rect">
+                <a:avLst/>
+              </a:prstGeom>
+              <a:noFill/>
+            </p:spPr>
+            <p:txBody>
+              <a:bodyPr wrap="none" rtlCol="0">
+                <a:spAutoFit/>
+              </a:bodyPr>
+              <a:lstStyle/>
+              <a:p>
+                <a:r>
+                  <a:rPr lang="en-US" dirty="0"/>
+                  <a:t>s</a:t>
+                </a:r>
+              </a:p>
+            </p:txBody>
+          </p:sp>
+          <p:sp>
+            <p:nvSpPr>
+              <p:cNvPr id="35" name="TextBox 34">
+                <a:extLst>
+                  <a:ext uri="{FF2B5EF4-FFF2-40B4-BE49-F238E27FC236}">
+                    <a16:creationId xmlns:a16="http://schemas.microsoft.com/office/drawing/2014/main" id="{66BDC926-1E5D-A238-9D79-D982FA99BEE4}"/>
+                  </a:ext>
+                </a:extLst>
+              </p:cNvPr>
+              <p:cNvSpPr txBox="1"/>
+              <p:nvPr/>
+            </p:nvSpPr>
+            <p:spPr>
+              <a:xfrm>
+                <a:off x="3397259" y="1048960"/>
+                <a:ext cx="558166" cy="369332"/>
+              </a:xfrm>
+              <a:prstGeom prst="rect">
+                <a:avLst/>
+              </a:prstGeom>
+              <a:noFill/>
+            </p:spPr>
+            <p:txBody>
+              <a:bodyPr wrap="none" rtlCol="0">
+                <a:spAutoFit/>
+              </a:bodyPr>
+              <a:lstStyle/>
+              <a:p>
+                <a:r>
+                  <a:rPr lang="en-US" dirty="0"/>
+                  <a:t>n=3</a:t>
+                </a:r>
+              </a:p>
+            </p:txBody>
+          </p:sp>
+          <p:sp>
+            <p:nvSpPr>
+              <p:cNvPr id="36" name="TextBox 35">
+                <a:extLst>
+                  <a:ext uri="{FF2B5EF4-FFF2-40B4-BE49-F238E27FC236}">
+                    <a16:creationId xmlns:a16="http://schemas.microsoft.com/office/drawing/2014/main" id="{DA1E3070-74B3-C661-76D4-D14A2E309855}"/>
+                  </a:ext>
+                </a:extLst>
+              </p:cNvPr>
+              <p:cNvSpPr txBox="1"/>
+              <p:nvPr/>
+            </p:nvSpPr>
+            <p:spPr>
+              <a:xfrm>
+                <a:off x="2196708" y="1967642"/>
+                <a:ext cx="1654299" cy="338554"/>
+              </a:xfrm>
+              <a:prstGeom prst="rect">
+                <a:avLst/>
+              </a:prstGeom>
+              <a:noFill/>
+            </p:spPr>
+            <p:txBody>
+              <a:bodyPr wrap="none" rtlCol="0">
+                <a:spAutoFit/>
+              </a:bodyPr>
+              <a:lstStyle/>
+              <a:p>
+                <a:r>
+                  <a:rPr lang="en-US" sz="1600" dirty="0"/>
+                  <a:t>6N p-states total</a:t>
+                </a:r>
+              </a:p>
+            </p:txBody>
+          </p:sp>
+          <p:sp>
+            <p:nvSpPr>
+              <p:cNvPr id="37" name="TextBox 36">
+                <a:extLst>
+                  <a:ext uri="{FF2B5EF4-FFF2-40B4-BE49-F238E27FC236}">
+                    <a16:creationId xmlns:a16="http://schemas.microsoft.com/office/drawing/2014/main" id="{E3BA9805-FD1F-7897-7E61-5318FABBC10A}"/>
+                  </a:ext>
+                </a:extLst>
+              </p:cNvPr>
+              <p:cNvSpPr txBox="1"/>
+              <p:nvPr/>
+            </p:nvSpPr>
+            <p:spPr>
+              <a:xfrm>
+                <a:off x="2196708" y="2271059"/>
+                <a:ext cx="1638269" cy="338554"/>
+              </a:xfrm>
+              <a:prstGeom prst="rect">
+                <a:avLst/>
+              </a:prstGeom>
+              <a:noFill/>
+            </p:spPr>
+            <p:txBody>
+              <a:bodyPr wrap="none" rtlCol="0">
+                <a:spAutoFit/>
+              </a:bodyPr>
+              <a:lstStyle/>
+              <a:p>
+                <a:r>
+                  <a:rPr lang="en-US" sz="1600" dirty="0"/>
+                  <a:t>2N s-states total</a:t>
+                </a:r>
+              </a:p>
+            </p:txBody>
+          </p:sp>
+          <p:sp>
+            <p:nvSpPr>
+              <p:cNvPr id="38" name="TextBox 37">
+                <a:extLst>
+                  <a:ext uri="{FF2B5EF4-FFF2-40B4-BE49-F238E27FC236}">
+                    <a16:creationId xmlns:a16="http://schemas.microsoft.com/office/drawing/2014/main" id="{4BDE9076-1174-BB41-058E-72DACCD7F5C2}"/>
+                  </a:ext>
+                </a:extLst>
+              </p:cNvPr>
+              <p:cNvSpPr txBox="1"/>
+              <p:nvPr/>
+            </p:nvSpPr>
+            <p:spPr>
+              <a:xfrm>
+                <a:off x="2196708" y="2638566"/>
+                <a:ext cx="1882375" cy="338554"/>
+              </a:xfrm>
+              <a:prstGeom prst="rect">
+                <a:avLst/>
+              </a:prstGeom>
+              <a:noFill/>
+            </p:spPr>
+            <p:txBody>
+              <a:bodyPr wrap="none" rtlCol="0">
+                <a:spAutoFit/>
+              </a:bodyPr>
+              <a:lstStyle/>
+              <a:p>
+                <a:r>
+                  <a:rPr lang="en-US" sz="1600" dirty="0"/>
+                  <a:t>(4N electrons total)</a:t>
+                </a:r>
+              </a:p>
+            </p:txBody>
+          </p:sp>
+          <p:sp>
+            <p:nvSpPr>
+              <p:cNvPr id="39" name="TextBox 38">
+                <a:extLst>
+                  <a:ext uri="{FF2B5EF4-FFF2-40B4-BE49-F238E27FC236}">
+                    <a16:creationId xmlns:a16="http://schemas.microsoft.com/office/drawing/2014/main" id="{4AEB3EFE-D45A-C214-9604-D0004342DA77}"/>
+                  </a:ext>
+                </a:extLst>
+              </p:cNvPr>
+              <p:cNvSpPr txBox="1"/>
+              <p:nvPr/>
+            </p:nvSpPr>
+            <p:spPr>
+              <a:xfrm>
+                <a:off x="2448104" y="708680"/>
+                <a:ext cx="1100892" cy="523220"/>
+              </a:xfrm>
+              <a:prstGeom prst="rect">
+                <a:avLst/>
+              </a:prstGeom>
+              <a:noFill/>
+            </p:spPr>
+            <p:txBody>
+              <a:bodyPr wrap="square" rtlCol="0">
+                <a:spAutoFit/>
+              </a:bodyPr>
+              <a:lstStyle/>
+              <a:p>
+                <a:r>
+                  <a:rPr lang="en-US" sz="1400" b="1" u="sng" dirty="0"/>
+                  <a:t>N Isolated Si atoms</a:t>
+                </a:r>
+              </a:p>
+            </p:txBody>
+          </p:sp>
+          <p:cxnSp>
+            <p:nvCxnSpPr>
+              <p:cNvPr id="40" name="Straight Arrow Connector 39">
+                <a:extLst>
+                  <a:ext uri="{FF2B5EF4-FFF2-40B4-BE49-F238E27FC236}">
+                    <a16:creationId xmlns:a16="http://schemas.microsoft.com/office/drawing/2014/main" id="{81684D4E-8433-5B50-42E2-720BD34C6D93}"/>
+                  </a:ext>
+                </a:extLst>
+              </p:cNvPr>
+              <p:cNvCxnSpPr/>
+              <p:nvPr/>
+            </p:nvCxnSpPr>
+            <p:spPr>
+              <a:xfrm flipV="1">
+                <a:off x="2096870" y="1251797"/>
+                <a:ext cx="0" cy="1604889"/>
+              </a:xfrm>
+              <a:prstGeom prst="straightConnector1">
+                <a:avLst/>
+              </a:prstGeom>
+              <a:ln>
+                <a:tailEnd type="triangle"/>
+              </a:ln>
+            </p:spPr>
+            <p:style>
+              <a:lnRef idx="2">
+                <a:schemeClr val="dk1"/>
+              </a:lnRef>
+              <a:fillRef idx="0">
+                <a:schemeClr val="dk1"/>
+              </a:fillRef>
+              <a:effectRef idx="1">
+                <a:schemeClr val="dk1"/>
+              </a:effectRef>
+              <a:fontRef idx="minor">
+                <a:schemeClr val="tx1"/>
+              </a:fontRef>
+            </p:style>
+          </p:cxnSp>
+          <p:sp>
+            <p:nvSpPr>
+              <p:cNvPr id="41" name="TextBox 40">
+                <a:extLst>
+                  <a:ext uri="{FF2B5EF4-FFF2-40B4-BE49-F238E27FC236}">
+                    <a16:creationId xmlns:a16="http://schemas.microsoft.com/office/drawing/2014/main" id="{A5882C7C-F491-9320-F4A9-DCCA9D024D02}"/>
+                  </a:ext>
+                </a:extLst>
+              </p:cNvPr>
+              <p:cNvSpPr txBox="1"/>
+              <p:nvPr/>
+            </p:nvSpPr>
+            <p:spPr>
+              <a:xfrm rot="16200000">
+                <a:off x="1090901" y="1850716"/>
+                <a:ext cx="1704162" cy="307777"/>
+              </a:xfrm>
+              <a:prstGeom prst="rect">
+                <a:avLst/>
+              </a:prstGeom>
+              <a:noFill/>
+            </p:spPr>
+            <p:txBody>
+              <a:bodyPr wrap="square" rtlCol="0">
+                <a:spAutoFit/>
+              </a:bodyPr>
+              <a:lstStyle/>
+              <a:p>
+                <a:r>
+                  <a:rPr lang="en-US" sz="1400" dirty="0"/>
+                  <a:t>Electron energy</a:t>
+                </a:r>
+              </a:p>
+            </p:txBody>
+          </p:sp>
+          <p:sp>
+            <p:nvSpPr>
+              <p:cNvPr id="66" name="TextBox 65">
+                <a:extLst>
+                  <a:ext uri="{FF2B5EF4-FFF2-40B4-BE49-F238E27FC236}">
+                    <a16:creationId xmlns:a16="http://schemas.microsoft.com/office/drawing/2014/main" id="{513DE5C1-ECD7-9266-D34E-9D2EF8A7D16C}"/>
+                  </a:ext>
+                </a:extLst>
+              </p:cNvPr>
+              <p:cNvSpPr txBox="1"/>
+              <p:nvPr/>
+            </p:nvSpPr>
+            <p:spPr>
+              <a:xfrm>
+                <a:off x="1911145" y="923259"/>
+                <a:ext cx="312906" cy="369332"/>
+              </a:xfrm>
+              <a:prstGeom prst="rect">
+                <a:avLst/>
+              </a:prstGeom>
+              <a:noFill/>
+            </p:spPr>
+            <p:txBody>
+              <a:bodyPr wrap="none" rtlCol="0">
+                <a:spAutoFit/>
+              </a:bodyPr>
+              <a:lstStyle/>
+              <a:p>
+                <a:r>
+                  <a:rPr lang="en-US" dirty="0"/>
+                  <a:t>E</a:t>
+                </a:r>
+              </a:p>
+            </p:txBody>
+          </p:sp>
+          <p:sp>
+            <p:nvSpPr>
+              <p:cNvPr id="118" name="Rectangle 117">
+                <a:extLst>
+                  <a:ext uri="{FF2B5EF4-FFF2-40B4-BE49-F238E27FC236}">
+                    <a16:creationId xmlns:a16="http://schemas.microsoft.com/office/drawing/2014/main" id="{A1611093-DE12-652B-0310-1C6D89CC98DB}"/>
+                  </a:ext>
+                </a:extLst>
+              </p:cNvPr>
+              <p:cNvSpPr/>
+              <p:nvPr/>
+            </p:nvSpPr>
+            <p:spPr>
+              <a:xfrm>
+                <a:off x="1690007" y="637895"/>
+                <a:ext cx="2372590" cy="2539674"/>
+              </a:xfrm>
+              <a:prstGeom prst="rect">
+                <a:avLst/>
+              </a:prstGeom>
+              <a:noFill/>
+              <a:ln>
+                <a:solidFill>
+                  <a:schemeClr val="tx1"/>
+                </a:solidFill>
+              </a:ln>
+            </p:spPr>
+            <p:style>
+              <a:lnRef idx="2">
+                <a:schemeClr val="accent1">
+                  <a:shade val="15000"/>
+                </a:schemeClr>
+              </a:lnRef>
+              <a:fillRef idx="1">
+                <a:schemeClr val="accent1"/>
+              </a:fillRef>
+              <a:effectRef idx="0">
+                <a:schemeClr val="accent1"/>
+              </a:effectRef>
+              <a:fontRef idx="minor">
+                <a:schemeClr val="lt1"/>
+              </a:fontRef>
+            </p:style>
+            <p:txBody>
+              <a:bodyPr rtlCol="0" anchor="ctr"/>
+              <a:lstStyle/>
+              <a:p>
+                <a:pPr algn="ctr"/>
+                <a:endParaRPr lang="en-US"/>
+              </a:p>
+            </p:txBody>
+          </p:sp>
+        </p:grpSp>
+        <p:grpSp>
+          <p:nvGrpSpPr>
+            <p:cNvPr id="121" name="Group 120">
+              <a:extLst>
+                <a:ext uri="{FF2B5EF4-FFF2-40B4-BE49-F238E27FC236}">
+                  <a16:creationId xmlns:a16="http://schemas.microsoft.com/office/drawing/2014/main" id="{FF1005F2-B581-C060-8918-AE1BE6E0F260}"/>
+                </a:ext>
+              </a:extLst>
+            </p:cNvPr>
+            <p:cNvGrpSpPr/>
+            <p:nvPr/>
+          </p:nvGrpSpPr>
+          <p:grpSpPr>
+            <a:xfrm>
+              <a:off x="7645539" y="423599"/>
+              <a:ext cx="2724984" cy="2539674"/>
+              <a:chOff x="4872646" y="637895"/>
+              <a:chExt cx="2724984" cy="2539674"/>
+            </a:xfrm>
+          </p:grpSpPr>
+          <p:cxnSp>
+            <p:nvCxnSpPr>
+              <p:cNvPr id="64" name="Straight Arrow Connector 63">
+                <a:extLst>
+                  <a:ext uri="{FF2B5EF4-FFF2-40B4-BE49-F238E27FC236}">
+                    <a16:creationId xmlns:a16="http://schemas.microsoft.com/office/drawing/2014/main" id="{279EAC80-8E81-DC18-AD5D-925D6173E35A}"/>
+                  </a:ext>
+                </a:extLst>
+              </p:cNvPr>
+              <p:cNvCxnSpPr/>
+              <p:nvPr/>
+            </p:nvCxnSpPr>
+            <p:spPr>
+              <a:xfrm flipV="1">
+                <a:off x="5224049" y="1251798"/>
+                <a:ext cx="0" cy="1604889"/>
+              </a:xfrm>
+              <a:prstGeom prst="straightConnector1">
+                <a:avLst/>
+              </a:prstGeom>
+              <a:ln>
+                <a:tailEnd type="triangle"/>
+              </a:ln>
+            </p:spPr>
+            <p:style>
+              <a:lnRef idx="2">
+                <a:schemeClr val="dk1"/>
+              </a:lnRef>
+              <a:fillRef idx="0">
+                <a:schemeClr val="dk1"/>
+              </a:fillRef>
+              <a:effectRef idx="1">
+                <a:schemeClr val="dk1"/>
+              </a:effectRef>
+              <a:fontRef idx="minor">
+                <a:schemeClr val="tx1"/>
+              </a:fontRef>
+            </p:style>
+          </p:cxnSp>
+          <p:sp>
+            <p:nvSpPr>
+              <p:cNvPr id="65" name="TextBox 64">
+                <a:extLst>
+                  <a:ext uri="{FF2B5EF4-FFF2-40B4-BE49-F238E27FC236}">
+                    <a16:creationId xmlns:a16="http://schemas.microsoft.com/office/drawing/2014/main" id="{1A6FEE62-AAB0-AC51-4EB7-D4D0025CE211}"/>
+                  </a:ext>
+                </a:extLst>
+              </p:cNvPr>
+              <p:cNvSpPr txBox="1"/>
+              <p:nvPr/>
+            </p:nvSpPr>
+            <p:spPr>
+              <a:xfrm rot="16200000">
+                <a:off x="4218080" y="1850717"/>
+                <a:ext cx="1704162" cy="307777"/>
+              </a:xfrm>
+              <a:prstGeom prst="rect">
+                <a:avLst/>
+              </a:prstGeom>
+              <a:noFill/>
+            </p:spPr>
+            <p:txBody>
+              <a:bodyPr wrap="square" rtlCol="0">
+                <a:spAutoFit/>
+              </a:bodyPr>
+              <a:lstStyle/>
+              <a:p>
+                <a:r>
+                  <a:rPr lang="en-US" sz="1400" dirty="0"/>
+                  <a:t>Electron energy</a:t>
+                </a:r>
+              </a:p>
+            </p:txBody>
+          </p:sp>
+          <p:sp>
+            <p:nvSpPr>
+              <p:cNvPr id="67" name="TextBox 66">
+                <a:extLst>
+                  <a:ext uri="{FF2B5EF4-FFF2-40B4-BE49-F238E27FC236}">
+                    <a16:creationId xmlns:a16="http://schemas.microsoft.com/office/drawing/2014/main" id="{62D36F7A-F00C-55DF-6D5B-811DC06B66E8}"/>
+                  </a:ext>
+                </a:extLst>
+              </p:cNvPr>
+              <p:cNvSpPr txBox="1"/>
+              <p:nvPr/>
+            </p:nvSpPr>
+            <p:spPr>
+              <a:xfrm>
+                <a:off x="5015562" y="923259"/>
+                <a:ext cx="312906" cy="369332"/>
+              </a:xfrm>
+              <a:prstGeom prst="rect">
+                <a:avLst/>
+              </a:prstGeom>
+              <a:noFill/>
+            </p:spPr>
+            <p:txBody>
+              <a:bodyPr wrap="none" rtlCol="0">
+                <a:spAutoFit/>
+              </a:bodyPr>
+              <a:lstStyle/>
+              <a:p>
+                <a:r>
+                  <a:rPr lang="en-US" dirty="0"/>
+                  <a:t>E</a:t>
+                </a:r>
+              </a:p>
+            </p:txBody>
+          </p:sp>
+          <p:cxnSp>
+            <p:nvCxnSpPr>
+              <p:cNvPr id="69" name="Straight Arrow Connector 68">
+                <a:extLst>
+                  <a:ext uri="{FF2B5EF4-FFF2-40B4-BE49-F238E27FC236}">
+                    <a16:creationId xmlns:a16="http://schemas.microsoft.com/office/drawing/2014/main" id="{183DB446-AB10-5210-F37F-AF82568B8758}"/>
+                  </a:ext>
+                </a:extLst>
+              </p:cNvPr>
+              <p:cNvCxnSpPr/>
+              <p:nvPr/>
+            </p:nvCxnSpPr>
+            <p:spPr>
+              <a:xfrm>
+                <a:off x="5510759" y="1231900"/>
+                <a:ext cx="0" cy="515435"/>
+              </a:xfrm>
+              <a:prstGeom prst="straightConnector1">
+                <a:avLst/>
+              </a:prstGeom>
+              <a:ln>
+                <a:headEnd type="triangle"/>
+                <a:tailEnd type="triangle"/>
+              </a:ln>
+            </p:spPr>
+            <p:style>
+              <a:lnRef idx="2">
+                <a:schemeClr val="dk1"/>
+              </a:lnRef>
+              <a:fillRef idx="0">
+                <a:schemeClr val="dk1"/>
+              </a:fillRef>
+              <a:effectRef idx="1">
+                <a:schemeClr val="dk1"/>
+              </a:effectRef>
+              <a:fontRef idx="minor">
+                <a:schemeClr val="tx1"/>
+              </a:fontRef>
+            </p:style>
+          </p:cxnSp>
+          <p:cxnSp>
+            <p:nvCxnSpPr>
+              <p:cNvPr id="71" name="Straight Connector 70">
+                <a:extLst>
+                  <a:ext uri="{FF2B5EF4-FFF2-40B4-BE49-F238E27FC236}">
+                    <a16:creationId xmlns:a16="http://schemas.microsoft.com/office/drawing/2014/main" id="{8B8E782C-2C5D-A9A7-D33C-3EA1F0B53A1E}"/>
+                  </a:ext>
+                </a:extLst>
+              </p:cNvPr>
+              <p:cNvCxnSpPr/>
+              <p:nvPr/>
+            </p:nvCxnSpPr>
+            <p:spPr>
+              <a:xfrm>
+                <a:off x="5329238" y="1231900"/>
+                <a:ext cx="347662" cy="0"/>
+              </a:xfrm>
+              <a:prstGeom prst="line">
+                <a:avLst/>
+              </a:prstGeom>
+            </p:spPr>
+            <p:style>
+              <a:lnRef idx="2">
+                <a:schemeClr val="dk1"/>
+              </a:lnRef>
+              <a:fillRef idx="0">
+                <a:schemeClr val="dk1"/>
+              </a:fillRef>
+              <a:effectRef idx="1">
+                <a:schemeClr val="dk1"/>
+              </a:effectRef>
+              <a:fontRef idx="minor">
+                <a:schemeClr val="tx1"/>
+              </a:fontRef>
+            </p:style>
+          </p:cxnSp>
+          <p:cxnSp>
+            <p:nvCxnSpPr>
+              <p:cNvPr id="72" name="Straight Connector 71">
+                <a:extLst>
+                  <a:ext uri="{FF2B5EF4-FFF2-40B4-BE49-F238E27FC236}">
+                    <a16:creationId xmlns:a16="http://schemas.microsoft.com/office/drawing/2014/main" id="{582E0252-4A68-A563-CED2-335ED0F41FEB}"/>
+                  </a:ext>
+                </a:extLst>
+              </p:cNvPr>
+              <p:cNvCxnSpPr/>
+              <p:nvPr/>
+            </p:nvCxnSpPr>
+            <p:spPr>
+              <a:xfrm>
+                <a:off x="5329238" y="1747335"/>
+                <a:ext cx="347662" cy="0"/>
+              </a:xfrm>
+              <a:prstGeom prst="line">
+                <a:avLst/>
+              </a:prstGeom>
+            </p:spPr>
+            <p:style>
+              <a:lnRef idx="2">
+                <a:schemeClr val="dk1"/>
+              </a:lnRef>
+              <a:fillRef idx="0">
+                <a:schemeClr val="dk1"/>
+              </a:fillRef>
+              <a:effectRef idx="1">
+                <a:schemeClr val="dk1"/>
+              </a:effectRef>
+              <a:fontRef idx="minor">
+                <a:schemeClr val="tx1"/>
+              </a:fontRef>
+            </p:style>
+          </p:cxnSp>
+          <p:cxnSp>
+            <p:nvCxnSpPr>
+              <p:cNvPr id="73" name="Straight Arrow Connector 72">
+                <a:extLst>
+                  <a:ext uri="{FF2B5EF4-FFF2-40B4-BE49-F238E27FC236}">
+                    <a16:creationId xmlns:a16="http://schemas.microsoft.com/office/drawing/2014/main" id="{735B1D92-C8B9-3CF3-DB98-6A1AE5660A8B}"/>
+                  </a:ext>
+                </a:extLst>
+              </p:cNvPr>
+              <p:cNvCxnSpPr/>
+              <p:nvPr/>
+            </p:nvCxnSpPr>
+            <p:spPr>
+              <a:xfrm>
+                <a:off x="5510759" y="2341251"/>
+                <a:ext cx="0" cy="515435"/>
+              </a:xfrm>
+              <a:prstGeom prst="straightConnector1">
+                <a:avLst/>
+              </a:prstGeom>
+              <a:ln>
+                <a:headEnd type="triangle"/>
+                <a:tailEnd type="triangle"/>
+              </a:ln>
+            </p:spPr>
+            <p:style>
+              <a:lnRef idx="2">
+                <a:schemeClr val="dk1"/>
+              </a:lnRef>
+              <a:fillRef idx="0">
+                <a:schemeClr val="dk1"/>
+              </a:fillRef>
+              <a:effectRef idx="1">
+                <a:schemeClr val="dk1"/>
+              </a:effectRef>
+              <a:fontRef idx="minor">
+                <a:schemeClr val="tx1"/>
+              </a:fontRef>
+            </p:style>
+          </p:cxnSp>
+          <p:cxnSp>
+            <p:nvCxnSpPr>
+              <p:cNvPr id="74" name="Straight Connector 73">
+                <a:extLst>
+                  <a:ext uri="{FF2B5EF4-FFF2-40B4-BE49-F238E27FC236}">
+                    <a16:creationId xmlns:a16="http://schemas.microsoft.com/office/drawing/2014/main" id="{DE3E03EF-0F4A-C27B-40DF-34D977799179}"/>
+                  </a:ext>
+                </a:extLst>
+              </p:cNvPr>
+              <p:cNvCxnSpPr/>
+              <p:nvPr/>
+            </p:nvCxnSpPr>
+            <p:spPr>
+              <a:xfrm>
+                <a:off x="5329238" y="2341251"/>
+                <a:ext cx="347662" cy="0"/>
+              </a:xfrm>
+              <a:prstGeom prst="line">
+                <a:avLst/>
+              </a:prstGeom>
+            </p:spPr>
+            <p:style>
+              <a:lnRef idx="2">
+                <a:schemeClr val="dk1"/>
+              </a:lnRef>
+              <a:fillRef idx="0">
+                <a:schemeClr val="dk1"/>
+              </a:fillRef>
+              <a:effectRef idx="1">
+                <a:schemeClr val="dk1"/>
+              </a:effectRef>
+              <a:fontRef idx="minor">
+                <a:schemeClr val="tx1"/>
+              </a:fontRef>
+            </p:style>
+          </p:cxnSp>
+          <p:cxnSp>
+            <p:nvCxnSpPr>
+              <p:cNvPr id="75" name="Straight Connector 74">
+                <a:extLst>
+                  <a:ext uri="{FF2B5EF4-FFF2-40B4-BE49-F238E27FC236}">
+                    <a16:creationId xmlns:a16="http://schemas.microsoft.com/office/drawing/2014/main" id="{C11C57F8-FDFE-D093-E7A4-866C8E8C1B61}"/>
+                  </a:ext>
+                </a:extLst>
+              </p:cNvPr>
+              <p:cNvCxnSpPr/>
+              <p:nvPr/>
+            </p:nvCxnSpPr>
+            <p:spPr>
+              <a:xfrm>
+                <a:off x="5329238" y="2856686"/>
+                <a:ext cx="347662" cy="0"/>
+              </a:xfrm>
+              <a:prstGeom prst="line">
+                <a:avLst/>
+              </a:prstGeom>
+            </p:spPr>
+            <p:style>
+              <a:lnRef idx="2">
+                <a:schemeClr val="dk1"/>
+              </a:lnRef>
+              <a:fillRef idx="0">
+                <a:schemeClr val="dk1"/>
+              </a:fillRef>
+              <a:effectRef idx="1">
+                <a:schemeClr val="dk1"/>
+              </a:effectRef>
+              <a:fontRef idx="minor">
+                <a:schemeClr val="tx1"/>
+              </a:fontRef>
+            </p:style>
+          </p:cxnSp>
+          <p:sp>
+            <p:nvSpPr>
+              <p:cNvPr id="76" name="TextBox 75">
+                <a:extLst>
+                  <a:ext uri="{FF2B5EF4-FFF2-40B4-BE49-F238E27FC236}">
+                    <a16:creationId xmlns:a16="http://schemas.microsoft.com/office/drawing/2014/main" id="{7587857D-2B9D-830E-F32B-10DAB758CFB4}"/>
+                  </a:ext>
+                </a:extLst>
+              </p:cNvPr>
+              <p:cNvSpPr txBox="1"/>
+              <p:nvPr/>
+            </p:nvSpPr>
+            <p:spPr>
+              <a:xfrm>
+                <a:off x="5779504" y="1170716"/>
+                <a:ext cx="1818126" cy="584775"/>
+              </a:xfrm>
+              <a:prstGeom prst="rect">
+                <a:avLst/>
+              </a:prstGeom>
+              <a:noFill/>
+            </p:spPr>
+            <p:txBody>
+              <a:bodyPr wrap="none" rtlCol="0">
+                <a:spAutoFit/>
+              </a:bodyPr>
+              <a:lstStyle/>
+              <a:p>
+                <a:r>
+                  <a:rPr lang="en-US" sz="1600" dirty="0"/>
+                  <a:t>4N allowed states</a:t>
+                </a:r>
+              </a:p>
+              <a:p>
+                <a:r>
+                  <a:rPr lang="en-US" sz="1600" dirty="0"/>
+                  <a:t>(conduction band)</a:t>
+                </a:r>
+              </a:p>
+            </p:txBody>
+          </p:sp>
+          <p:sp>
+            <p:nvSpPr>
+              <p:cNvPr id="77" name="TextBox 76">
+                <a:extLst>
+                  <a:ext uri="{FF2B5EF4-FFF2-40B4-BE49-F238E27FC236}">
+                    <a16:creationId xmlns:a16="http://schemas.microsoft.com/office/drawing/2014/main" id="{AA48B79B-3918-0A3B-0C65-46751D02EB03}"/>
+                  </a:ext>
+                </a:extLst>
+              </p:cNvPr>
+              <p:cNvSpPr txBox="1"/>
+              <p:nvPr/>
+            </p:nvSpPr>
+            <p:spPr>
+              <a:xfrm>
+                <a:off x="5779504" y="2325551"/>
+                <a:ext cx="1818126" cy="584775"/>
+              </a:xfrm>
+              <a:prstGeom prst="rect">
+                <a:avLst/>
+              </a:prstGeom>
+              <a:noFill/>
+            </p:spPr>
+            <p:txBody>
+              <a:bodyPr wrap="none" rtlCol="0">
+                <a:spAutoFit/>
+              </a:bodyPr>
+              <a:lstStyle/>
+              <a:p>
+                <a:r>
+                  <a:rPr lang="en-US" sz="1600" dirty="0"/>
+                  <a:t>4N allowed states</a:t>
+                </a:r>
+              </a:p>
+              <a:p>
+                <a:r>
+                  <a:rPr lang="en-US" sz="1600" dirty="0"/>
+                  <a:t>(valence band)</a:t>
+                </a:r>
+              </a:p>
+            </p:txBody>
+          </p:sp>
+          <p:sp>
+            <p:nvSpPr>
+              <p:cNvPr id="78" name="Right Brace 77">
+                <a:extLst>
+                  <a:ext uri="{FF2B5EF4-FFF2-40B4-BE49-F238E27FC236}">
+                    <a16:creationId xmlns:a16="http://schemas.microsoft.com/office/drawing/2014/main" id="{AA49347F-BCA7-6CD3-4A23-71B089CF558D}"/>
+                  </a:ext>
+                </a:extLst>
+              </p:cNvPr>
+              <p:cNvSpPr/>
+              <p:nvPr/>
+            </p:nvSpPr>
+            <p:spPr>
+              <a:xfrm>
+                <a:off x="5719762" y="1755490"/>
+                <a:ext cx="189095" cy="584769"/>
+              </a:xfrm>
+              <a:prstGeom prst="rightBrace">
+                <a:avLst>
+                  <a:gd name="adj1" fmla="val 43593"/>
+                  <a:gd name="adj2" fmla="val 50000"/>
+                </a:avLst>
+              </a:prstGeom>
+            </p:spPr>
+            <p:style>
+              <a:lnRef idx="2">
+                <a:schemeClr val="dk1"/>
+              </a:lnRef>
+              <a:fillRef idx="0">
+                <a:schemeClr val="dk1"/>
+              </a:fillRef>
+              <a:effectRef idx="1">
+                <a:schemeClr val="dk1"/>
+              </a:effectRef>
+              <a:fontRef idx="minor">
+                <a:schemeClr val="tx1"/>
+              </a:fontRef>
+            </p:style>
+            <p:txBody>
+              <a:bodyPr rtlCol="0" anchor="ctr"/>
+              <a:lstStyle/>
+              <a:p>
+                <a:pPr algn="ctr"/>
+                <a:endParaRPr lang="en-US"/>
+              </a:p>
+            </p:txBody>
+          </p:sp>
+          <p:sp>
+            <p:nvSpPr>
+              <p:cNvPr id="79" name="TextBox 78">
+                <a:extLst>
+                  <a:ext uri="{FF2B5EF4-FFF2-40B4-BE49-F238E27FC236}">
+                    <a16:creationId xmlns:a16="http://schemas.microsoft.com/office/drawing/2014/main" id="{29463CE9-D134-4A9B-33E2-56D7E442BB72}"/>
+                  </a:ext>
+                </a:extLst>
+              </p:cNvPr>
+              <p:cNvSpPr txBox="1"/>
+              <p:nvPr/>
+            </p:nvSpPr>
+            <p:spPr>
+              <a:xfrm>
+                <a:off x="5852184" y="1871244"/>
+                <a:ext cx="1672766" cy="338554"/>
+              </a:xfrm>
+              <a:prstGeom prst="rect">
+                <a:avLst/>
+              </a:prstGeom>
+              <a:noFill/>
+            </p:spPr>
+            <p:txBody>
+              <a:bodyPr wrap="none" rtlCol="0">
+                <a:spAutoFit/>
+              </a:bodyPr>
+              <a:lstStyle/>
+              <a:p>
+                <a:r>
+                  <a:rPr lang="en-US" sz="1600" dirty="0"/>
+                  <a:t>Forbidden states</a:t>
+                </a:r>
+              </a:p>
+            </p:txBody>
+          </p:sp>
+          <p:sp>
+            <p:nvSpPr>
+              <p:cNvPr id="80" name="TextBox 79">
+                <a:extLst>
+                  <a:ext uri="{FF2B5EF4-FFF2-40B4-BE49-F238E27FC236}">
+                    <a16:creationId xmlns:a16="http://schemas.microsoft.com/office/drawing/2014/main" id="{B6BFE327-56C0-B48F-11E4-2C12CBBC24B9}"/>
+                  </a:ext>
+                </a:extLst>
+              </p:cNvPr>
+              <p:cNvSpPr txBox="1"/>
+              <p:nvPr/>
+            </p:nvSpPr>
+            <p:spPr>
+              <a:xfrm>
+                <a:off x="6001378" y="637895"/>
+                <a:ext cx="1100892" cy="523220"/>
+              </a:xfrm>
+              <a:prstGeom prst="rect">
+                <a:avLst/>
+              </a:prstGeom>
+              <a:noFill/>
+            </p:spPr>
+            <p:txBody>
+              <a:bodyPr wrap="square" rtlCol="0">
+                <a:spAutoFit/>
+              </a:bodyPr>
+              <a:lstStyle/>
+              <a:p>
+                <a:r>
+                  <a:rPr lang="en-US" sz="1400" b="1" u="sng" dirty="0" err="1"/>
+                  <a:t>CrystallineSi</a:t>
+                </a:r>
+                <a:r>
+                  <a:rPr lang="en-US" sz="1400" b="1" u="sng" dirty="0"/>
+                  <a:t> N-atoms</a:t>
+                </a:r>
+              </a:p>
+            </p:txBody>
+          </p:sp>
+          <p:sp>
+            <p:nvSpPr>
+              <p:cNvPr id="119" name="Rectangle 118">
+                <a:extLst>
+                  <a:ext uri="{FF2B5EF4-FFF2-40B4-BE49-F238E27FC236}">
+                    <a16:creationId xmlns:a16="http://schemas.microsoft.com/office/drawing/2014/main" id="{83B23624-EC5C-31FB-9E96-EC5CFBE1D7CB}"/>
+                  </a:ext>
+                </a:extLst>
+              </p:cNvPr>
+              <p:cNvSpPr/>
+              <p:nvPr/>
+            </p:nvSpPr>
+            <p:spPr>
+              <a:xfrm>
+                <a:off x="4872646" y="637895"/>
+                <a:ext cx="2683826" cy="2539674"/>
+              </a:xfrm>
+              <a:prstGeom prst="rect">
+                <a:avLst/>
+              </a:prstGeom>
+              <a:noFill/>
+              <a:ln>
+                <a:solidFill>
+                  <a:schemeClr val="tx1"/>
+                </a:solidFill>
+              </a:ln>
+            </p:spPr>
+            <p:style>
+              <a:lnRef idx="2">
+                <a:schemeClr val="accent1">
+                  <a:shade val="15000"/>
+                </a:schemeClr>
+              </a:lnRef>
+              <a:fillRef idx="1">
+                <a:schemeClr val="accent1"/>
+              </a:fillRef>
+              <a:effectRef idx="0">
+                <a:schemeClr val="accent1"/>
+              </a:effectRef>
+              <a:fontRef idx="minor">
+                <a:schemeClr val="lt1"/>
+              </a:fontRef>
+            </p:style>
+            <p:txBody>
+              <a:bodyPr rtlCol="0" anchor="ctr"/>
+              <a:lstStyle/>
+              <a:p>
+                <a:pPr algn="ctr"/>
+                <a:endParaRPr lang="en-US"/>
+              </a:p>
+            </p:txBody>
+          </p:sp>
+        </p:grpSp>
+        <p:cxnSp>
+          <p:nvCxnSpPr>
+            <p:cNvPr id="124" name="Straight Arrow Connector 123">
+              <a:extLst>
+                <a:ext uri="{FF2B5EF4-FFF2-40B4-BE49-F238E27FC236}">
+                  <a16:creationId xmlns:a16="http://schemas.microsoft.com/office/drawing/2014/main" id="{49453FC2-832D-8A75-732E-4E4FB5C62A34}"/>
+                </a:ext>
+              </a:extLst>
+            </p:cNvPr>
+            <p:cNvCxnSpPr/>
+            <p:nvPr/>
+          </p:nvCxnSpPr>
+          <p:spPr>
+            <a:xfrm flipV="1">
+              <a:off x="5638650" y="3072395"/>
+              <a:ext cx="413365" cy="973937"/>
+            </a:xfrm>
+            <a:prstGeom prst="straightConnector1">
+              <a:avLst/>
+            </a:prstGeom>
+            <a:ln w="57150" cap="flat" cmpd="sng" algn="ctr">
+              <a:solidFill>
+                <a:schemeClr val="dk1"/>
+              </a:solidFill>
+              <a:prstDash val="solid"/>
+              <a:round/>
+              <a:headEnd type="none" w="med" len="med"/>
+              <a:tailEnd type="arrow" w="med" len="med"/>
+            </a:ln>
+          </p:spPr>
+          <p:style>
+            <a:lnRef idx="0">
+              <a:scrgbClr r="0" g="0" b="0"/>
+            </a:lnRef>
+            <a:fillRef idx="0">
+              <a:scrgbClr r="0" g="0" b="0"/>
+            </a:fillRef>
+            <a:effectRef idx="0">
+              <a:scrgbClr r="0" g="0" b="0"/>
+            </a:effectRef>
+            <a:fontRef idx="minor">
+              <a:schemeClr val="tx1"/>
+            </a:fontRef>
+          </p:style>
+        </p:cxnSp>
+        <p:cxnSp>
+          <p:nvCxnSpPr>
+            <p:cNvPr id="125" name="Straight Arrow Connector 124">
+              <a:extLst>
+                <a:ext uri="{FF2B5EF4-FFF2-40B4-BE49-F238E27FC236}">
+                  <a16:creationId xmlns:a16="http://schemas.microsoft.com/office/drawing/2014/main" id="{61B72F02-C8A6-4D8B-3139-6376C415D217}"/>
+                </a:ext>
+              </a:extLst>
+            </p:cNvPr>
+            <p:cNvCxnSpPr>
+              <a:cxnSpLocks/>
+            </p:cNvCxnSpPr>
+            <p:nvPr/>
+          </p:nvCxnSpPr>
+          <p:spPr>
+            <a:xfrm flipV="1">
+              <a:off x="7966094" y="2963273"/>
+              <a:ext cx="349973" cy="824579"/>
+            </a:xfrm>
+            <a:prstGeom prst="straightConnector1">
+              <a:avLst/>
+            </a:prstGeom>
+            <a:ln w="57150" cap="flat" cmpd="sng" algn="ctr">
+              <a:solidFill>
+                <a:schemeClr val="dk1"/>
+              </a:solidFill>
+              <a:prstDash val="solid"/>
+              <a:round/>
+              <a:headEnd type="none" w="med" len="med"/>
+              <a:tailEnd type="arrow" w="med" len="med"/>
+            </a:ln>
+          </p:spPr>
+          <p:style>
+            <a:lnRef idx="0">
+              <a:scrgbClr r="0" g="0" b="0"/>
+            </a:lnRef>
+            <a:fillRef idx="0">
+              <a:scrgbClr r="0" g="0" b="0"/>
+            </a:fillRef>
+            <a:effectRef idx="0">
+              <a:scrgbClr r="0" g="0" b="0"/>
+            </a:effectRef>
+            <a:fontRef idx="minor">
+              <a:schemeClr val="tx1"/>
+            </a:fontRef>
+          </p:style>
+        </p:cxnSp>
+        <p:grpSp>
+          <p:nvGrpSpPr>
+            <p:cNvPr id="173" name="Group 172">
+              <a:extLst>
+                <a:ext uri="{FF2B5EF4-FFF2-40B4-BE49-F238E27FC236}">
+                  <a16:creationId xmlns:a16="http://schemas.microsoft.com/office/drawing/2014/main" id="{09A63736-C633-C033-37D0-5A01A6BAFCED}"/>
+                </a:ext>
+              </a:extLst>
+            </p:cNvPr>
+            <p:cNvGrpSpPr/>
+            <p:nvPr/>
+          </p:nvGrpSpPr>
+          <p:grpSpPr>
+            <a:xfrm>
+              <a:off x="4747709" y="3636335"/>
+              <a:ext cx="4093709" cy="2798066"/>
+              <a:chOff x="4747709" y="3636335"/>
+              <a:chExt cx="4093709" cy="2798066"/>
+            </a:xfrm>
+          </p:grpSpPr>
+          <p:sp>
+            <p:nvSpPr>
+              <p:cNvPr id="164" name="Freeform: Shape 163">
+                <a:extLst>
+                  <a:ext uri="{FF2B5EF4-FFF2-40B4-BE49-F238E27FC236}">
+                    <a16:creationId xmlns:a16="http://schemas.microsoft.com/office/drawing/2014/main" id="{76230AB8-63C3-1933-4FEF-821267F5A8B7}"/>
+                  </a:ext>
+                </a:extLst>
+              </p:cNvPr>
+              <p:cNvSpPr/>
+              <p:nvPr/>
+            </p:nvSpPr>
+            <p:spPr>
+              <a:xfrm>
+                <a:off x="5984081" y="4300538"/>
+                <a:ext cx="2650332" cy="1162050"/>
+              </a:xfrm>
+              <a:custGeom>
+                <a:avLst/>
+                <a:gdLst>
+                  <a:gd name="connsiteX0" fmla="*/ 2650332 w 2650332"/>
+                  <a:gd name="connsiteY0" fmla="*/ 1004887 h 1162050"/>
+                  <a:gd name="connsiteX1" fmla="*/ 2650332 w 2650332"/>
+                  <a:gd name="connsiteY1" fmla="*/ 545306 h 1162050"/>
+                  <a:gd name="connsiteX2" fmla="*/ 2271713 w 2650332"/>
+                  <a:gd name="connsiteY2" fmla="*/ 645318 h 1162050"/>
+                  <a:gd name="connsiteX3" fmla="*/ 1966913 w 2650332"/>
+                  <a:gd name="connsiteY3" fmla="*/ 683418 h 1162050"/>
+                  <a:gd name="connsiteX4" fmla="*/ 1824038 w 2650332"/>
+                  <a:gd name="connsiteY4" fmla="*/ 671512 h 1162050"/>
+                  <a:gd name="connsiteX5" fmla="*/ 1597819 w 2650332"/>
+                  <a:gd name="connsiteY5" fmla="*/ 607218 h 1162050"/>
+                  <a:gd name="connsiteX6" fmla="*/ 1328738 w 2650332"/>
+                  <a:gd name="connsiteY6" fmla="*/ 483393 h 1162050"/>
+                  <a:gd name="connsiteX7" fmla="*/ 1081088 w 2650332"/>
+                  <a:gd name="connsiteY7" fmla="*/ 352425 h 1162050"/>
+                  <a:gd name="connsiteX8" fmla="*/ 828675 w 2650332"/>
+                  <a:gd name="connsiteY8" fmla="*/ 250031 h 1162050"/>
+                  <a:gd name="connsiteX9" fmla="*/ 569119 w 2650332"/>
+                  <a:gd name="connsiteY9" fmla="*/ 178593 h 1162050"/>
+                  <a:gd name="connsiteX10" fmla="*/ 38100 w 2650332"/>
+                  <a:gd name="connsiteY10" fmla="*/ 0 h 1162050"/>
+                  <a:gd name="connsiteX11" fmla="*/ 0 w 2650332"/>
+                  <a:gd name="connsiteY11" fmla="*/ 0 h 1162050"/>
+                  <a:gd name="connsiteX12" fmla="*/ 497682 w 2650332"/>
+                  <a:gd name="connsiteY12" fmla="*/ 261937 h 1162050"/>
+                  <a:gd name="connsiteX13" fmla="*/ 892969 w 2650332"/>
+                  <a:gd name="connsiteY13" fmla="*/ 509587 h 1162050"/>
+                  <a:gd name="connsiteX14" fmla="*/ 4763 w 2650332"/>
+                  <a:gd name="connsiteY14" fmla="*/ 526256 h 1162050"/>
+                  <a:gd name="connsiteX15" fmla="*/ 431007 w 2650332"/>
+                  <a:gd name="connsiteY15" fmla="*/ 681037 h 1162050"/>
+                  <a:gd name="connsiteX16" fmla="*/ 892969 w 2650332"/>
+                  <a:gd name="connsiteY16" fmla="*/ 897731 h 1162050"/>
+                  <a:gd name="connsiteX17" fmla="*/ 1445419 w 2650332"/>
+                  <a:gd name="connsiteY17" fmla="*/ 1062037 h 1162050"/>
+                  <a:gd name="connsiteX18" fmla="*/ 1881188 w 2650332"/>
+                  <a:gd name="connsiteY18" fmla="*/ 1162050 h 1162050"/>
+                  <a:gd name="connsiteX19" fmla="*/ 2140744 w 2650332"/>
+                  <a:gd name="connsiteY19" fmla="*/ 1143000 h 1162050"/>
+                  <a:gd name="connsiteX20" fmla="*/ 2459832 w 2650332"/>
+                  <a:gd name="connsiteY20" fmla="*/ 1085850 h 1162050"/>
+                  <a:gd name="connsiteX21" fmla="*/ 2650332 w 2650332"/>
+                  <a:gd name="connsiteY21" fmla="*/ 1004887 h 1162050"/>
+                </a:gdLst>
+                <a:ahLst/>
+                <a:cxnLst>
+                  <a:cxn ang="0">
+                    <a:pos x="connsiteX0" y="connsiteY0"/>
+                  </a:cxn>
+                  <a:cxn ang="0">
+                    <a:pos x="connsiteX1" y="connsiteY1"/>
+                  </a:cxn>
+                  <a:cxn ang="0">
+                    <a:pos x="connsiteX2" y="connsiteY2"/>
+                  </a:cxn>
+                  <a:cxn ang="0">
+                    <a:pos x="connsiteX3" y="connsiteY3"/>
+                  </a:cxn>
+                  <a:cxn ang="0">
+                    <a:pos x="connsiteX4" y="connsiteY4"/>
+                  </a:cxn>
+                  <a:cxn ang="0">
+                    <a:pos x="connsiteX5" y="connsiteY5"/>
+                  </a:cxn>
+                  <a:cxn ang="0">
+                    <a:pos x="connsiteX6" y="connsiteY6"/>
+                  </a:cxn>
+                  <a:cxn ang="0">
+                    <a:pos x="connsiteX7" y="connsiteY7"/>
+                  </a:cxn>
+                  <a:cxn ang="0">
+                    <a:pos x="connsiteX8" y="connsiteY8"/>
+                  </a:cxn>
+                  <a:cxn ang="0">
+                    <a:pos x="connsiteX9" y="connsiteY9"/>
+                  </a:cxn>
+                  <a:cxn ang="0">
+                    <a:pos x="connsiteX10" y="connsiteY10"/>
+                  </a:cxn>
+                  <a:cxn ang="0">
+                    <a:pos x="connsiteX11" y="connsiteY11"/>
+                  </a:cxn>
+                  <a:cxn ang="0">
+                    <a:pos x="connsiteX12" y="connsiteY12"/>
+                  </a:cxn>
+                  <a:cxn ang="0">
+                    <a:pos x="connsiteX13" y="connsiteY13"/>
+                  </a:cxn>
+                  <a:cxn ang="0">
+                    <a:pos x="connsiteX14" y="connsiteY14"/>
+                  </a:cxn>
+                  <a:cxn ang="0">
+                    <a:pos x="connsiteX15" y="connsiteY15"/>
+                  </a:cxn>
+                  <a:cxn ang="0">
+                    <a:pos x="connsiteX16" y="connsiteY16"/>
+                  </a:cxn>
+                  <a:cxn ang="0">
+                    <a:pos x="connsiteX17" y="connsiteY17"/>
+                  </a:cxn>
+                  <a:cxn ang="0">
+                    <a:pos x="connsiteX18" y="connsiteY18"/>
+                  </a:cxn>
+                  <a:cxn ang="0">
+                    <a:pos x="connsiteX19" y="connsiteY19"/>
+                  </a:cxn>
+                  <a:cxn ang="0">
+                    <a:pos x="connsiteX20" y="connsiteY20"/>
+                  </a:cxn>
+                  <a:cxn ang="0">
+                    <a:pos x="connsiteX21" y="connsiteY21"/>
+                  </a:cxn>
+                </a:cxnLst>
+                <a:rect l="l" t="t" r="r" b="b"/>
+                <a:pathLst>
+                  <a:path w="2650332" h="1162050">
+                    <a:moveTo>
+                      <a:pt x="2650332" y="1004887"/>
+                    </a:moveTo>
+                    <a:lnTo>
+                      <a:pt x="2650332" y="545306"/>
+                    </a:lnTo>
+                    <a:lnTo>
+                      <a:pt x="2271713" y="645318"/>
+                    </a:lnTo>
+                    <a:lnTo>
+                      <a:pt x="1966913" y="683418"/>
+                    </a:lnTo>
+                    <a:lnTo>
+                      <a:pt x="1824038" y="671512"/>
+                    </a:lnTo>
+                    <a:lnTo>
+                      <a:pt x="1597819" y="607218"/>
+                    </a:lnTo>
+                    <a:lnTo>
+                      <a:pt x="1328738" y="483393"/>
+                    </a:lnTo>
+                    <a:lnTo>
+                      <a:pt x="1081088" y="352425"/>
+                    </a:lnTo>
+                    <a:lnTo>
+                      <a:pt x="828675" y="250031"/>
+                    </a:lnTo>
+                    <a:lnTo>
+                      <a:pt x="569119" y="178593"/>
+                    </a:lnTo>
+                    <a:lnTo>
+                      <a:pt x="38100" y="0"/>
+                    </a:lnTo>
+                    <a:lnTo>
+                      <a:pt x="0" y="0"/>
+                    </a:lnTo>
+                    <a:lnTo>
+                      <a:pt x="497682" y="261937"/>
+                    </a:lnTo>
+                    <a:lnTo>
+                      <a:pt x="892969" y="509587"/>
+                    </a:lnTo>
+                    <a:lnTo>
+                      <a:pt x="4763" y="526256"/>
+                    </a:lnTo>
+                    <a:lnTo>
+                      <a:pt x="431007" y="681037"/>
+                    </a:lnTo>
+                    <a:lnTo>
+                      <a:pt x="892969" y="897731"/>
+                    </a:lnTo>
+                    <a:lnTo>
+                      <a:pt x="1445419" y="1062037"/>
+                    </a:lnTo>
+                    <a:lnTo>
+                      <a:pt x="1881188" y="1162050"/>
+                    </a:lnTo>
+                    <a:lnTo>
+                      <a:pt x="2140744" y="1143000"/>
+                    </a:lnTo>
+                    <a:lnTo>
+                      <a:pt x="2459832" y="1085850"/>
+                    </a:lnTo>
+                    <a:lnTo>
+                      <a:pt x="2650332" y="1004887"/>
+                    </a:lnTo>
+                    <a:close/>
+                  </a:path>
+                </a:pathLst>
+              </a:custGeom>
+              <a:solidFill>
+                <a:schemeClr val="bg1">
+                  <a:lumMod val="75000"/>
+                </a:schemeClr>
+              </a:solidFill>
+              <a:ln>
+                <a:noFill/>
+              </a:ln>
+            </p:spPr>
+            <p:style>
+              <a:lnRef idx="2">
+                <a:schemeClr val="accent1">
+                  <a:shade val="15000"/>
+                </a:schemeClr>
+              </a:lnRef>
+              <a:fillRef idx="1">
+                <a:schemeClr val="accent1"/>
+              </a:fillRef>
+              <a:effectRef idx="0">
+                <a:schemeClr val="accent1"/>
+              </a:effectRef>
+              <a:fontRef idx="minor">
+                <a:schemeClr val="lt1"/>
+              </a:fontRef>
+            </p:style>
+            <p:txBody>
+              <a:bodyPr rtlCol="0" anchor="ctr"/>
+              <a:lstStyle/>
+              <a:p>
+                <a:pPr algn="ctr"/>
+                <a:endParaRPr lang="en-US"/>
+              </a:p>
+            </p:txBody>
+          </p:sp>
+          <p:cxnSp>
+            <p:nvCxnSpPr>
+              <p:cNvPr id="5" name="Straight Arrow Connector 4">
+                <a:extLst>
+                  <a:ext uri="{FF2B5EF4-FFF2-40B4-BE49-F238E27FC236}">
+                    <a16:creationId xmlns:a16="http://schemas.microsoft.com/office/drawing/2014/main" id="{05681165-F3AC-2E67-E358-31E4C43CAD5E}"/>
+                  </a:ext>
+                </a:extLst>
+              </p:cNvPr>
+              <p:cNvCxnSpPr>
+                <a:cxnSpLocks/>
+              </p:cNvCxnSpPr>
+              <p:nvPr/>
+            </p:nvCxnSpPr>
+            <p:spPr>
+              <a:xfrm>
+                <a:off x="5261794" y="5906936"/>
+                <a:ext cx="3579624" cy="0"/>
+              </a:xfrm>
+              <a:prstGeom prst="straightConnector1">
+                <a:avLst/>
+              </a:prstGeom>
+              <a:ln>
+                <a:tailEnd type="triangle"/>
+              </a:ln>
+            </p:spPr>
+            <p:style>
+              <a:lnRef idx="2">
+                <a:schemeClr val="dk1"/>
+              </a:lnRef>
+              <a:fillRef idx="0">
+                <a:schemeClr val="dk1"/>
+              </a:fillRef>
+              <a:effectRef idx="1">
+                <a:schemeClr val="dk1"/>
+              </a:effectRef>
+              <a:fontRef idx="minor">
+                <a:schemeClr val="tx1"/>
+              </a:fontRef>
+            </p:style>
+          </p:cxnSp>
+          <p:sp>
+            <p:nvSpPr>
+              <p:cNvPr id="7" name="TextBox 6">
+                <a:extLst>
+                  <a:ext uri="{FF2B5EF4-FFF2-40B4-BE49-F238E27FC236}">
+                    <a16:creationId xmlns:a16="http://schemas.microsoft.com/office/drawing/2014/main" id="{E9C31B53-7E12-B997-50AA-6A48821B5C7A}"/>
+                  </a:ext>
+                </a:extLst>
+              </p:cNvPr>
+              <p:cNvSpPr txBox="1"/>
+              <p:nvPr/>
+            </p:nvSpPr>
+            <p:spPr>
+              <a:xfrm>
+                <a:off x="5261794" y="5911181"/>
+                <a:ext cx="923577" cy="523220"/>
+              </a:xfrm>
+              <a:prstGeom prst="rect">
+                <a:avLst/>
+              </a:prstGeom>
+              <a:noFill/>
+            </p:spPr>
+            <p:txBody>
+              <a:bodyPr wrap="square" rtlCol="0">
+                <a:spAutoFit/>
+              </a:bodyPr>
+              <a:lstStyle/>
+              <a:p>
+                <a:r>
+                  <a:rPr lang="en-US" sz="1400" dirty="0"/>
+                  <a:t>Isolated Si atoms</a:t>
+                </a:r>
+              </a:p>
+            </p:txBody>
+          </p:sp>
+          <p:sp>
+            <p:nvSpPr>
+              <p:cNvPr id="8" name="TextBox 7">
+                <a:extLst>
+                  <a:ext uri="{FF2B5EF4-FFF2-40B4-BE49-F238E27FC236}">
+                    <a16:creationId xmlns:a16="http://schemas.microsoft.com/office/drawing/2014/main" id="{7DA3EFF5-16AC-D372-EFFA-703CE1F231A7}"/>
+                  </a:ext>
+                </a:extLst>
+              </p:cNvPr>
+              <p:cNvSpPr txBox="1"/>
+              <p:nvPr/>
+            </p:nvSpPr>
+            <p:spPr>
+              <a:xfrm>
+                <a:off x="6213679" y="5649571"/>
+                <a:ext cx="1704162" cy="523220"/>
+              </a:xfrm>
+              <a:prstGeom prst="rect">
+                <a:avLst/>
+              </a:prstGeom>
+              <a:noFill/>
+            </p:spPr>
+            <p:txBody>
+              <a:bodyPr wrap="square" rtlCol="0">
+                <a:spAutoFit/>
+              </a:bodyPr>
+              <a:lstStyle/>
+              <a:p>
+                <a:r>
+                  <a:rPr lang="en-US" sz="1400" dirty="0"/>
+                  <a:t>decreasing </a:t>
+                </a:r>
+              </a:p>
+              <a:p>
+                <a:r>
+                  <a:rPr lang="en-US" sz="1400" dirty="0"/>
+                  <a:t>atom spacing</a:t>
+                </a:r>
+              </a:p>
+            </p:txBody>
+          </p:sp>
+          <p:sp>
+            <p:nvSpPr>
+              <p:cNvPr id="9" name="TextBox 8">
+                <a:extLst>
+                  <a:ext uri="{FF2B5EF4-FFF2-40B4-BE49-F238E27FC236}">
+                    <a16:creationId xmlns:a16="http://schemas.microsoft.com/office/drawing/2014/main" id="{5465CF9D-0890-7FBA-B58F-AF2A72D8FD41}"/>
+                  </a:ext>
+                </a:extLst>
+              </p:cNvPr>
+              <p:cNvSpPr txBox="1"/>
+              <p:nvPr/>
+            </p:nvSpPr>
+            <p:spPr>
+              <a:xfrm>
+                <a:off x="7917841" y="5911181"/>
+                <a:ext cx="923577" cy="523220"/>
+              </a:xfrm>
+              <a:prstGeom prst="rect">
+                <a:avLst/>
+              </a:prstGeom>
+              <a:noFill/>
+            </p:spPr>
+            <p:txBody>
+              <a:bodyPr wrap="square" rtlCol="0">
+                <a:spAutoFit/>
+              </a:bodyPr>
+              <a:lstStyle/>
+              <a:p>
+                <a:r>
+                  <a:rPr lang="en-US" sz="1400" dirty="0"/>
+                  <a:t>Si lattice spacing</a:t>
+                </a:r>
+              </a:p>
+            </p:txBody>
+          </p:sp>
+          <p:cxnSp>
+            <p:nvCxnSpPr>
+              <p:cNvPr id="11" name="Straight Arrow Connector 10">
+                <a:extLst>
+                  <a:ext uri="{FF2B5EF4-FFF2-40B4-BE49-F238E27FC236}">
+                    <a16:creationId xmlns:a16="http://schemas.microsoft.com/office/drawing/2014/main" id="{82C3318F-CBBC-8A7D-5E55-4CE8FBED6564}"/>
+                  </a:ext>
+                </a:extLst>
+              </p:cNvPr>
+              <p:cNvCxnSpPr/>
+              <p:nvPr/>
+            </p:nvCxnSpPr>
+            <p:spPr>
+              <a:xfrm flipV="1">
+                <a:off x="5055486" y="4167793"/>
+                <a:ext cx="0" cy="1604889"/>
+              </a:xfrm>
+              <a:prstGeom prst="straightConnector1">
+                <a:avLst/>
+              </a:prstGeom>
+              <a:ln>
+                <a:tailEnd type="triangle"/>
+              </a:ln>
+            </p:spPr>
+            <p:style>
+              <a:lnRef idx="2">
+                <a:schemeClr val="dk1"/>
+              </a:lnRef>
+              <a:fillRef idx="0">
+                <a:schemeClr val="dk1"/>
+              </a:fillRef>
+              <a:effectRef idx="1">
+                <a:schemeClr val="dk1"/>
+              </a:effectRef>
+              <a:fontRef idx="minor">
+                <a:schemeClr val="tx1"/>
+              </a:fontRef>
+            </p:style>
+          </p:cxnSp>
+          <p:sp>
+            <p:nvSpPr>
+              <p:cNvPr id="12" name="TextBox 11">
+                <a:extLst>
+                  <a:ext uri="{FF2B5EF4-FFF2-40B4-BE49-F238E27FC236}">
+                    <a16:creationId xmlns:a16="http://schemas.microsoft.com/office/drawing/2014/main" id="{022EA64D-84A4-D60F-53ED-704EE19A20D7}"/>
+                  </a:ext>
+                </a:extLst>
+              </p:cNvPr>
+              <p:cNvSpPr txBox="1"/>
+              <p:nvPr/>
+            </p:nvSpPr>
+            <p:spPr>
+              <a:xfrm rot="16200000">
+                <a:off x="4049517" y="4766712"/>
+                <a:ext cx="1704162" cy="307777"/>
+              </a:xfrm>
+              <a:prstGeom prst="rect">
+                <a:avLst/>
+              </a:prstGeom>
+              <a:noFill/>
+            </p:spPr>
+            <p:txBody>
+              <a:bodyPr wrap="square" rtlCol="0">
+                <a:spAutoFit/>
+              </a:bodyPr>
+              <a:lstStyle/>
+              <a:p>
+                <a:r>
+                  <a:rPr lang="en-US" sz="1400" dirty="0"/>
+                  <a:t>Electron energy</a:t>
+                </a:r>
+              </a:p>
+            </p:txBody>
+          </p:sp>
+          <p:cxnSp>
+            <p:nvCxnSpPr>
+              <p:cNvPr id="14" name="Straight Connector 13">
+                <a:extLst>
+                  <a:ext uri="{FF2B5EF4-FFF2-40B4-BE49-F238E27FC236}">
+                    <a16:creationId xmlns:a16="http://schemas.microsoft.com/office/drawing/2014/main" id="{919F62D2-5701-3DA8-7E47-6DB93D45607D}"/>
+                  </a:ext>
+                </a:extLst>
+              </p:cNvPr>
+              <p:cNvCxnSpPr>
+                <a:cxnSpLocks/>
+              </p:cNvCxnSpPr>
+              <p:nvPr/>
+            </p:nvCxnSpPr>
+            <p:spPr>
+              <a:xfrm flipV="1">
+                <a:off x="5671811" y="4153685"/>
+                <a:ext cx="0" cy="1846762"/>
+              </a:xfrm>
+              <a:prstGeom prst="line">
+                <a:avLst/>
+              </a:prstGeom>
+            </p:spPr>
+            <p:style>
+              <a:lnRef idx="2">
+                <a:schemeClr val="dk1"/>
+              </a:lnRef>
+              <a:fillRef idx="0">
+                <a:schemeClr val="dk1"/>
+              </a:fillRef>
+              <a:effectRef idx="1">
+                <a:schemeClr val="dk1"/>
+              </a:effectRef>
+              <a:fontRef idx="minor">
+                <a:schemeClr val="tx1"/>
+              </a:fontRef>
+            </p:style>
+          </p:cxnSp>
+          <p:cxnSp>
+            <p:nvCxnSpPr>
+              <p:cNvPr id="155" name="Straight Connector 154">
+                <a:extLst>
+                  <a:ext uri="{FF2B5EF4-FFF2-40B4-BE49-F238E27FC236}">
+                    <a16:creationId xmlns:a16="http://schemas.microsoft.com/office/drawing/2014/main" id="{85BA59BF-E371-55E2-940F-446A0F739974}"/>
+                  </a:ext>
+                </a:extLst>
+              </p:cNvPr>
+              <p:cNvCxnSpPr>
+                <a:cxnSpLocks/>
+              </p:cNvCxnSpPr>
+              <p:nvPr/>
+            </p:nvCxnSpPr>
+            <p:spPr>
+              <a:xfrm flipV="1">
+                <a:off x="7950088" y="3965798"/>
+                <a:ext cx="0" cy="2034649"/>
+              </a:xfrm>
+              <a:prstGeom prst="line">
+                <a:avLst/>
+              </a:prstGeom>
+              <a:ln w="19050" cap="flat" cmpd="sng" algn="ctr">
+                <a:solidFill>
+                  <a:schemeClr val="dk1"/>
+                </a:solidFill>
+                <a:prstDash val="dash"/>
+                <a:round/>
+                <a:headEnd type="none" w="med" len="med"/>
+                <a:tailEnd type="none" w="med" len="med"/>
+              </a:ln>
+            </p:spPr>
+            <p:style>
+              <a:lnRef idx="0">
+                <a:scrgbClr r="0" g="0" b="0"/>
+              </a:lnRef>
+              <a:fillRef idx="0">
+                <a:scrgbClr r="0" g="0" b="0"/>
+              </a:fillRef>
+              <a:effectRef idx="0">
+                <a:scrgbClr r="0" g="0" b="0"/>
+              </a:effectRef>
+              <a:fontRef idx="minor">
+                <a:schemeClr val="tx1"/>
+              </a:fontRef>
+            </p:style>
+          </p:cxnSp>
+          <p:sp>
+            <p:nvSpPr>
+              <p:cNvPr id="157" name="TextBox 156">
+                <a:extLst>
+                  <a:ext uri="{FF2B5EF4-FFF2-40B4-BE49-F238E27FC236}">
+                    <a16:creationId xmlns:a16="http://schemas.microsoft.com/office/drawing/2014/main" id="{19EA7FED-73E8-3353-36D3-71F0DC6B2A89}"/>
+                  </a:ext>
+                </a:extLst>
+              </p:cNvPr>
+              <p:cNvSpPr txBox="1"/>
+              <p:nvPr/>
+            </p:nvSpPr>
+            <p:spPr>
+              <a:xfrm>
+                <a:off x="7065760" y="4217049"/>
+                <a:ext cx="943003" cy="523220"/>
+              </a:xfrm>
+              <a:prstGeom prst="rect">
+                <a:avLst/>
+              </a:prstGeom>
+              <a:noFill/>
+            </p:spPr>
+            <p:txBody>
+              <a:bodyPr wrap="square" rtlCol="0">
+                <a:spAutoFit/>
+              </a:bodyPr>
+              <a:lstStyle/>
+              <a:p>
+                <a:r>
+                  <a:rPr lang="en-US" sz="1400" dirty="0"/>
+                  <a:t>4N empty states</a:t>
+                </a:r>
+              </a:p>
+            </p:txBody>
+          </p:sp>
+          <p:sp>
+            <p:nvSpPr>
+              <p:cNvPr id="167" name="TextBox 166">
+                <a:extLst>
+                  <a:ext uri="{FF2B5EF4-FFF2-40B4-BE49-F238E27FC236}">
+                    <a16:creationId xmlns:a16="http://schemas.microsoft.com/office/drawing/2014/main" id="{AF656FE3-8A28-A942-F703-38E297DD6C3C}"/>
+                  </a:ext>
+                </a:extLst>
+              </p:cNvPr>
+              <p:cNvSpPr txBox="1"/>
+              <p:nvPr/>
+            </p:nvSpPr>
+            <p:spPr>
+              <a:xfrm>
+                <a:off x="6721273" y="4753875"/>
+                <a:ext cx="1215932" cy="523220"/>
+              </a:xfrm>
+              <a:prstGeom prst="rect">
+                <a:avLst/>
+              </a:prstGeom>
+              <a:noFill/>
+            </p:spPr>
+            <p:txBody>
+              <a:bodyPr wrap="square" rtlCol="0">
+                <a:spAutoFit/>
+              </a:bodyPr>
+              <a:lstStyle/>
+              <a:p>
+                <a:r>
+                  <a:rPr lang="en-US" sz="1400" dirty="0"/>
+                  <a:t>2N + 2N</a:t>
+                </a:r>
+              </a:p>
+              <a:p>
+                <a:r>
+                  <a:rPr lang="en-US" sz="1400" dirty="0"/>
+                  <a:t>filled states</a:t>
+                </a:r>
+              </a:p>
+            </p:txBody>
+          </p:sp>
+          <p:sp>
+            <p:nvSpPr>
+              <p:cNvPr id="4" name="Freeform: Shape 3">
+                <a:extLst>
+                  <a:ext uri="{FF2B5EF4-FFF2-40B4-BE49-F238E27FC236}">
+                    <a16:creationId xmlns:a16="http://schemas.microsoft.com/office/drawing/2014/main" id="{57130318-EDAE-B97E-6A5A-8E88ABC460AB}"/>
+                  </a:ext>
+                </a:extLst>
+              </p:cNvPr>
+              <p:cNvSpPr/>
+              <p:nvPr/>
+            </p:nvSpPr>
+            <p:spPr>
+              <a:xfrm>
+                <a:off x="5369442" y="3636335"/>
+                <a:ext cx="3338623" cy="659218"/>
+              </a:xfrm>
+              <a:custGeom>
+                <a:avLst/>
+                <a:gdLst>
+                  <a:gd name="connsiteX0" fmla="*/ 0 w 3338623"/>
+                  <a:gd name="connsiteY0" fmla="*/ 659218 h 659218"/>
+                  <a:gd name="connsiteX1" fmla="*/ 1318437 w 3338623"/>
+                  <a:gd name="connsiteY1" fmla="*/ 648586 h 659218"/>
+                  <a:gd name="connsiteX2" fmla="*/ 1881963 w 3338623"/>
+                  <a:gd name="connsiteY2" fmla="*/ 606056 h 659218"/>
+                  <a:gd name="connsiteX3" fmla="*/ 2456121 w 3338623"/>
+                  <a:gd name="connsiteY3" fmla="*/ 489098 h 659218"/>
+                  <a:gd name="connsiteX4" fmla="*/ 2977116 w 3338623"/>
+                  <a:gd name="connsiteY4" fmla="*/ 276446 h 659218"/>
+                  <a:gd name="connsiteX5" fmla="*/ 3338623 w 3338623"/>
+                  <a:gd name="connsiteY5" fmla="*/ 0 h 659218"/>
+                </a:gdLst>
+                <a:ahLst/>
+                <a:cxnLst>
+                  <a:cxn ang="0">
+                    <a:pos x="connsiteX0" y="connsiteY0"/>
+                  </a:cxn>
+                  <a:cxn ang="0">
+                    <a:pos x="connsiteX1" y="connsiteY1"/>
+                  </a:cxn>
+                  <a:cxn ang="0">
+                    <a:pos x="connsiteX2" y="connsiteY2"/>
+                  </a:cxn>
+                  <a:cxn ang="0">
+                    <a:pos x="connsiteX3" y="connsiteY3"/>
+                  </a:cxn>
+                  <a:cxn ang="0">
+                    <a:pos x="connsiteX4" y="connsiteY4"/>
+                  </a:cxn>
+                  <a:cxn ang="0">
+                    <a:pos x="connsiteX5" y="connsiteY5"/>
+                  </a:cxn>
+                </a:cxnLst>
+                <a:rect l="l" t="t" r="r" b="b"/>
+                <a:pathLst>
+                  <a:path w="3338623" h="659218">
+                    <a:moveTo>
+                      <a:pt x="0" y="659218"/>
+                    </a:moveTo>
+                    <a:lnTo>
+                      <a:pt x="1318437" y="648586"/>
+                    </a:lnTo>
+                    <a:cubicBezTo>
+                      <a:pt x="1632097" y="639726"/>
+                      <a:pt x="1692349" y="632637"/>
+                      <a:pt x="1881963" y="606056"/>
+                    </a:cubicBezTo>
+                    <a:cubicBezTo>
+                      <a:pt x="2071577" y="579475"/>
+                      <a:pt x="2273596" y="544033"/>
+                      <a:pt x="2456121" y="489098"/>
+                    </a:cubicBezTo>
+                    <a:cubicBezTo>
+                      <a:pt x="2638646" y="434163"/>
+                      <a:pt x="2830033" y="357962"/>
+                      <a:pt x="2977116" y="276446"/>
+                    </a:cubicBezTo>
+                    <a:cubicBezTo>
+                      <a:pt x="3124199" y="194930"/>
+                      <a:pt x="3231411" y="97465"/>
+                      <a:pt x="3338623" y="0"/>
+                    </a:cubicBezTo>
+                  </a:path>
+                </a:pathLst>
+              </a:custGeom>
+            </p:spPr>
+            <p:style>
+              <a:lnRef idx="3">
+                <a:schemeClr val="dk1"/>
+              </a:lnRef>
+              <a:fillRef idx="0">
+                <a:schemeClr val="dk1"/>
+              </a:fillRef>
+              <a:effectRef idx="2">
+                <a:schemeClr val="dk1"/>
+              </a:effectRef>
+              <a:fontRef idx="minor">
+                <a:schemeClr val="tx1"/>
+              </a:fontRef>
+            </p:style>
+            <p:txBody>
+              <a:bodyPr rtlCol="0" anchor="ctr"/>
+              <a:lstStyle/>
+              <a:p>
+                <a:pPr algn="ctr"/>
+                <a:endParaRPr lang="en-US"/>
+              </a:p>
+            </p:txBody>
+          </p:sp>
+          <p:sp>
+            <p:nvSpPr>
+              <p:cNvPr id="149" name="Freeform: Shape 148">
+                <a:extLst>
+                  <a:ext uri="{FF2B5EF4-FFF2-40B4-BE49-F238E27FC236}">
+                    <a16:creationId xmlns:a16="http://schemas.microsoft.com/office/drawing/2014/main" id="{336FD8C0-9449-BCE2-AADC-4A68C4555969}"/>
+                  </a:ext>
+                </a:extLst>
+              </p:cNvPr>
+              <p:cNvSpPr/>
+              <p:nvPr/>
+            </p:nvSpPr>
+            <p:spPr>
+              <a:xfrm>
+                <a:off x="5369442" y="4155249"/>
+                <a:ext cx="3338623" cy="659218"/>
+              </a:xfrm>
+              <a:custGeom>
+                <a:avLst/>
+                <a:gdLst>
+                  <a:gd name="connsiteX0" fmla="*/ 0 w 3338623"/>
+                  <a:gd name="connsiteY0" fmla="*/ 659218 h 659218"/>
+                  <a:gd name="connsiteX1" fmla="*/ 1318437 w 3338623"/>
+                  <a:gd name="connsiteY1" fmla="*/ 648586 h 659218"/>
+                  <a:gd name="connsiteX2" fmla="*/ 1881963 w 3338623"/>
+                  <a:gd name="connsiteY2" fmla="*/ 606056 h 659218"/>
+                  <a:gd name="connsiteX3" fmla="*/ 2456121 w 3338623"/>
+                  <a:gd name="connsiteY3" fmla="*/ 489098 h 659218"/>
+                  <a:gd name="connsiteX4" fmla="*/ 2977116 w 3338623"/>
+                  <a:gd name="connsiteY4" fmla="*/ 276446 h 659218"/>
+                  <a:gd name="connsiteX5" fmla="*/ 3338623 w 3338623"/>
+                  <a:gd name="connsiteY5" fmla="*/ 0 h 659218"/>
+                </a:gdLst>
+                <a:ahLst/>
+                <a:cxnLst>
+                  <a:cxn ang="0">
+                    <a:pos x="connsiteX0" y="connsiteY0"/>
+                  </a:cxn>
+                  <a:cxn ang="0">
+                    <a:pos x="connsiteX1" y="connsiteY1"/>
+                  </a:cxn>
+                  <a:cxn ang="0">
+                    <a:pos x="connsiteX2" y="connsiteY2"/>
+                  </a:cxn>
+                  <a:cxn ang="0">
+                    <a:pos x="connsiteX3" y="connsiteY3"/>
+                  </a:cxn>
+                  <a:cxn ang="0">
+                    <a:pos x="connsiteX4" y="connsiteY4"/>
+                  </a:cxn>
+                  <a:cxn ang="0">
+                    <a:pos x="connsiteX5" y="connsiteY5"/>
+                  </a:cxn>
+                </a:cxnLst>
+                <a:rect l="l" t="t" r="r" b="b"/>
+                <a:pathLst>
+                  <a:path w="3338623" h="659218">
+                    <a:moveTo>
+                      <a:pt x="0" y="659218"/>
+                    </a:moveTo>
+                    <a:lnTo>
+                      <a:pt x="1318437" y="648586"/>
+                    </a:lnTo>
+                    <a:cubicBezTo>
+                      <a:pt x="1632097" y="639726"/>
+                      <a:pt x="1692349" y="632637"/>
+                      <a:pt x="1881963" y="606056"/>
+                    </a:cubicBezTo>
+                    <a:cubicBezTo>
+                      <a:pt x="2071577" y="579475"/>
+                      <a:pt x="2273596" y="544033"/>
+                      <a:pt x="2456121" y="489098"/>
+                    </a:cubicBezTo>
+                    <a:cubicBezTo>
+                      <a:pt x="2638646" y="434163"/>
+                      <a:pt x="2830033" y="357962"/>
+                      <a:pt x="2977116" y="276446"/>
+                    </a:cubicBezTo>
+                    <a:cubicBezTo>
+                      <a:pt x="3124199" y="194930"/>
+                      <a:pt x="3231411" y="97465"/>
+                      <a:pt x="3338623" y="0"/>
+                    </a:cubicBezTo>
+                  </a:path>
+                </a:pathLst>
+              </a:custGeom>
+            </p:spPr>
+            <p:style>
+              <a:lnRef idx="3">
+                <a:schemeClr val="dk1"/>
+              </a:lnRef>
+              <a:fillRef idx="0">
+                <a:schemeClr val="dk1"/>
+              </a:fillRef>
+              <a:effectRef idx="2">
+                <a:schemeClr val="dk1"/>
+              </a:effectRef>
+              <a:fontRef idx="minor">
+                <a:schemeClr val="tx1"/>
+              </a:fontRef>
+            </p:style>
+            <p:txBody>
+              <a:bodyPr rtlCol="0" anchor="ctr"/>
+              <a:lstStyle/>
+              <a:p>
+                <a:pPr algn="ctr"/>
+                <a:endParaRPr lang="en-US"/>
+              </a:p>
+            </p:txBody>
+          </p:sp>
+          <p:sp>
+            <p:nvSpPr>
+              <p:cNvPr id="150" name="Freeform: Shape 149">
+                <a:extLst>
+                  <a:ext uri="{FF2B5EF4-FFF2-40B4-BE49-F238E27FC236}">
+                    <a16:creationId xmlns:a16="http://schemas.microsoft.com/office/drawing/2014/main" id="{935189F9-FFA1-1C15-A6B0-D35087D2C0F5}"/>
+                  </a:ext>
+                </a:extLst>
+              </p:cNvPr>
+              <p:cNvSpPr/>
+              <p:nvPr/>
+            </p:nvSpPr>
+            <p:spPr>
+              <a:xfrm>
+                <a:off x="7230140" y="4742121"/>
+                <a:ext cx="1414130" cy="236029"/>
+              </a:xfrm>
+              <a:custGeom>
+                <a:avLst/>
+                <a:gdLst>
+                  <a:gd name="connsiteX0" fmla="*/ 0 w 1414130"/>
+                  <a:gd name="connsiteY0" fmla="*/ 0 h 236029"/>
+                  <a:gd name="connsiteX1" fmla="*/ 659218 w 1414130"/>
+                  <a:gd name="connsiteY1" fmla="*/ 233916 h 236029"/>
+                  <a:gd name="connsiteX2" fmla="*/ 1414130 w 1414130"/>
+                  <a:gd name="connsiteY2" fmla="*/ 95693 h 236029"/>
+                </a:gdLst>
+                <a:ahLst/>
+                <a:cxnLst>
+                  <a:cxn ang="0">
+                    <a:pos x="connsiteX0" y="connsiteY0"/>
+                  </a:cxn>
+                  <a:cxn ang="0">
+                    <a:pos x="connsiteX1" y="connsiteY1"/>
+                  </a:cxn>
+                  <a:cxn ang="0">
+                    <a:pos x="connsiteX2" y="connsiteY2"/>
+                  </a:cxn>
+                </a:cxnLst>
+                <a:rect l="l" t="t" r="r" b="b"/>
+                <a:pathLst>
+                  <a:path w="1414130" h="236029">
+                    <a:moveTo>
+                      <a:pt x="0" y="0"/>
+                    </a:moveTo>
+                    <a:cubicBezTo>
+                      <a:pt x="211765" y="108983"/>
+                      <a:pt x="423530" y="217967"/>
+                      <a:pt x="659218" y="233916"/>
+                    </a:cubicBezTo>
+                    <a:cubicBezTo>
+                      <a:pt x="894906" y="249865"/>
+                      <a:pt x="1154518" y="172779"/>
+                      <a:pt x="1414130" y="95693"/>
+                    </a:cubicBezTo>
+                  </a:path>
+                </a:pathLst>
+              </a:custGeom>
+            </p:spPr>
+            <p:style>
+              <a:lnRef idx="2">
+                <a:schemeClr val="dk1"/>
+              </a:lnRef>
+              <a:fillRef idx="0">
+                <a:schemeClr val="dk1"/>
+              </a:fillRef>
+              <a:effectRef idx="1">
+                <a:schemeClr val="dk1"/>
+              </a:effectRef>
+              <a:fontRef idx="minor">
+                <a:schemeClr val="tx1"/>
+              </a:fontRef>
+            </p:style>
+            <p:txBody>
+              <a:bodyPr rtlCol="0" anchor="ctr"/>
+              <a:lstStyle/>
+              <a:p>
+                <a:pPr algn="ctr"/>
+                <a:endParaRPr lang="en-US"/>
+              </a:p>
+            </p:txBody>
+          </p:sp>
+          <p:sp>
+            <p:nvSpPr>
+              <p:cNvPr id="152" name="Freeform: Shape 151">
+                <a:extLst>
+                  <a:ext uri="{FF2B5EF4-FFF2-40B4-BE49-F238E27FC236}">
+                    <a16:creationId xmlns:a16="http://schemas.microsoft.com/office/drawing/2014/main" id="{BF380563-54ED-9A4F-D4A6-112F234A166A}"/>
+                  </a:ext>
+                </a:extLst>
+              </p:cNvPr>
+              <p:cNvSpPr/>
+              <p:nvPr/>
+            </p:nvSpPr>
+            <p:spPr>
+              <a:xfrm>
+                <a:off x="6021238" y="4278702"/>
+                <a:ext cx="1233577" cy="457200"/>
+              </a:xfrm>
+              <a:custGeom>
+                <a:avLst/>
+                <a:gdLst>
+                  <a:gd name="connsiteX0" fmla="*/ 0 w 1233577"/>
+                  <a:gd name="connsiteY0" fmla="*/ 0 h 457200"/>
+                  <a:gd name="connsiteX1" fmla="*/ 431320 w 1233577"/>
+                  <a:gd name="connsiteY1" fmla="*/ 163902 h 457200"/>
+                  <a:gd name="connsiteX2" fmla="*/ 845388 w 1233577"/>
+                  <a:gd name="connsiteY2" fmla="*/ 293298 h 457200"/>
+                  <a:gd name="connsiteX3" fmla="*/ 1233577 w 1233577"/>
+                  <a:gd name="connsiteY3" fmla="*/ 457200 h 457200"/>
+                </a:gdLst>
+                <a:ahLst/>
+                <a:cxnLst>
+                  <a:cxn ang="0">
+                    <a:pos x="connsiteX0" y="connsiteY0"/>
+                  </a:cxn>
+                  <a:cxn ang="0">
+                    <a:pos x="connsiteX1" y="connsiteY1"/>
+                  </a:cxn>
+                  <a:cxn ang="0">
+                    <a:pos x="connsiteX2" y="connsiteY2"/>
+                  </a:cxn>
+                  <a:cxn ang="0">
+                    <a:pos x="connsiteX3" y="connsiteY3"/>
+                  </a:cxn>
+                </a:cxnLst>
+                <a:rect l="l" t="t" r="r" b="b"/>
+                <a:pathLst>
+                  <a:path w="1233577" h="457200">
+                    <a:moveTo>
+                      <a:pt x="0" y="0"/>
+                    </a:moveTo>
+                    <a:cubicBezTo>
+                      <a:pt x="145211" y="57509"/>
+                      <a:pt x="290422" y="115019"/>
+                      <a:pt x="431320" y="163902"/>
+                    </a:cubicBezTo>
+                    <a:cubicBezTo>
+                      <a:pt x="572218" y="212785"/>
+                      <a:pt x="711679" y="244415"/>
+                      <a:pt x="845388" y="293298"/>
+                    </a:cubicBezTo>
+                    <a:cubicBezTo>
+                      <a:pt x="979097" y="342181"/>
+                      <a:pt x="1106337" y="399690"/>
+                      <a:pt x="1233577" y="457200"/>
+                    </a:cubicBezTo>
+                  </a:path>
+                </a:pathLst>
+              </a:custGeom>
+              <a:ln w="19050" cap="flat" cmpd="sng" algn="ctr">
+                <a:solidFill>
+                  <a:schemeClr val="dk1"/>
+                </a:solidFill>
+                <a:prstDash val="dash"/>
+                <a:round/>
+                <a:headEnd type="none" w="med" len="med"/>
+                <a:tailEnd type="none" w="med" len="med"/>
+              </a:ln>
+            </p:spPr>
+            <p:style>
+              <a:lnRef idx="0">
+                <a:scrgbClr r="0" g="0" b="0"/>
+              </a:lnRef>
+              <a:fillRef idx="0">
+                <a:scrgbClr r="0" g="0" b="0"/>
+              </a:fillRef>
+              <a:effectRef idx="0">
+                <a:scrgbClr r="0" g="0" b="0"/>
+              </a:effectRef>
+              <a:fontRef idx="minor">
+                <a:schemeClr val="tx1"/>
+              </a:fontRef>
+            </p:style>
+            <p:txBody>
+              <a:bodyPr rtlCol="0" anchor="ctr"/>
+              <a:lstStyle/>
+              <a:p>
+                <a:pPr algn="ctr"/>
+                <a:endParaRPr lang="en-US"/>
+              </a:p>
+            </p:txBody>
+          </p:sp>
+          <p:sp>
+            <p:nvSpPr>
+              <p:cNvPr id="153" name="Freeform: Shape 152">
+                <a:extLst>
+                  <a:ext uri="{FF2B5EF4-FFF2-40B4-BE49-F238E27FC236}">
+                    <a16:creationId xmlns:a16="http://schemas.microsoft.com/office/drawing/2014/main" id="{1D1EFE79-EDAA-31DB-2016-A4FADA99F28B}"/>
+                  </a:ext>
+                </a:extLst>
+              </p:cNvPr>
+              <p:cNvSpPr/>
+              <p:nvPr/>
+            </p:nvSpPr>
+            <p:spPr>
+              <a:xfrm>
+                <a:off x="5900468" y="4287328"/>
+                <a:ext cx="974785" cy="526212"/>
+              </a:xfrm>
+              <a:custGeom>
+                <a:avLst/>
+                <a:gdLst>
+                  <a:gd name="connsiteX0" fmla="*/ 0 w 974785"/>
+                  <a:gd name="connsiteY0" fmla="*/ 0 h 526212"/>
+                  <a:gd name="connsiteX1" fmla="*/ 595223 w 974785"/>
+                  <a:gd name="connsiteY1" fmla="*/ 276046 h 526212"/>
+                  <a:gd name="connsiteX2" fmla="*/ 974785 w 974785"/>
+                  <a:gd name="connsiteY2" fmla="*/ 526212 h 526212"/>
+                </a:gdLst>
+                <a:ahLst/>
+                <a:cxnLst>
+                  <a:cxn ang="0">
+                    <a:pos x="connsiteX0" y="connsiteY0"/>
+                  </a:cxn>
+                  <a:cxn ang="0">
+                    <a:pos x="connsiteX1" y="connsiteY1"/>
+                  </a:cxn>
+                  <a:cxn ang="0">
+                    <a:pos x="connsiteX2" y="connsiteY2"/>
+                  </a:cxn>
+                </a:cxnLst>
+                <a:rect l="l" t="t" r="r" b="b"/>
+                <a:pathLst>
+                  <a:path w="974785" h="526212">
+                    <a:moveTo>
+                      <a:pt x="0" y="0"/>
+                    </a:moveTo>
+                    <a:cubicBezTo>
+                      <a:pt x="216379" y="94172"/>
+                      <a:pt x="432759" y="188344"/>
+                      <a:pt x="595223" y="276046"/>
+                    </a:cubicBezTo>
+                    <a:cubicBezTo>
+                      <a:pt x="757687" y="363748"/>
+                      <a:pt x="866236" y="444980"/>
+                      <a:pt x="974785" y="526212"/>
+                    </a:cubicBezTo>
+                  </a:path>
+                </a:pathLst>
+              </a:custGeom>
+              <a:noFill/>
+            </p:spPr>
+            <p:style>
+              <a:lnRef idx="2">
+                <a:schemeClr val="accent1">
+                  <a:shade val="15000"/>
+                </a:schemeClr>
+              </a:lnRef>
+              <a:fillRef idx="1">
+                <a:schemeClr val="accent1"/>
+              </a:fillRef>
+              <a:effectRef idx="0">
+                <a:schemeClr val="accent1"/>
+              </a:effectRef>
+              <a:fontRef idx="minor">
+                <a:schemeClr val="lt1"/>
+              </a:fontRef>
+            </p:style>
+            <p:txBody>
+              <a:bodyPr rtlCol="0" anchor="ctr"/>
+              <a:lstStyle/>
+              <a:p>
+                <a:pPr algn="ctr"/>
+                <a:endParaRPr lang="en-US" dirty="0"/>
+              </a:p>
+            </p:txBody>
+          </p:sp>
+          <p:sp>
+            <p:nvSpPr>
+              <p:cNvPr id="154" name="Freeform: Shape 153">
+                <a:extLst>
+                  <a:ext uri="{FF2B5EF4-FFF2-40B4-BE49-F238E27FC236}">
+                    <a16:creationId xmlns:a16="http://schemas.microsoft.com/office/drawing/2014/main" id="{59532C2C-CE6C-D81E-DB8C-4BB6BA2D1E92}"/>
+                  </a:ext>
+                </a:extLst>
+              </p:cNvPr>
+              <p:cNvSpPr/>
+              <p:nvPr/>
+            </p:nvSpPr>
+            <p:spPr>
+              <a:xfrm>
+                <a:off x="5891842" y="4813541"/>
+                <a:ext cx="2751826" cy="623480"/>
+              </a:xfrm>
+              <a:custGeom>
+                <a:avLst/>
+                <a:gdLst>
+                  <a:gd name="connsiteX0" fmla="*/ 0 w 2751826"/>
+                  <a:gd name="connsiteY0" fmla="*/ 0 h 652097"/>
+                  <a:gd name="connsiteX1" fmla="*/ 465826 w 2751826"/>
+                  <a:gd name="connsiteY1" fmla="*/ 146649 h 652097"/>
+                  <a:gd name="connsiteX2" fmla="*/ 1147313 w 2751826"/>
+                  <a:gd name="connsiteY2" fmla="*/ 448573 h 652097"/>
+                  <a:gd name="connsiteX3" fmla="*/ 1811547 w 2751826"/>
+                  <a:gd name="connsiteY3" fmla="*/ 638354 h 652097"/>
+                  <a:gd name="connsiteX4" fmla="*/ 2372264 w 2751826"/>
+                  <a:gd name="connsiteY4" fmla="*/ 621102 h 652097"/>
+                  <a:gd name="connsiteX5" fmla="*/ 2751826 w 2751826"/>
+                  <a:gd name="connsiteY5" fmla="*/ 491705 h 652097"/>
+                </a:gdLst>
+                <a:ahLst/>
+                <a:cxnLst>
+                  <a:cxn ang="0">
+                    <a:pos x="connsiteX0" y="connsiteY0"/>
+                  </a:cxn>
+                  <a:cxn ang="0">
+                    <a:pos x="connsiteX1" y="connsiteY1"/>
+                  </a:cxn>
+                  <a:cxn ang="0">
+                    <a:pos x="connsiteX2" y="connsiteY2"/>
+                  </a:cxn>
+                  <a:cxn ang="0">
+                    <a:pos x="connsiteX3" y="connsiteY3"/>
+                  </a:cxn>
+                  <a:cxn ang="0">
+                    <a:pos x="connsiteX4" y="connsiteY4"/>
+                  </a:cxn>
+                  <a:cxn ang="0">
+                    <a:pos x="connsiteX5" y="connsiteY5"/>
+                  </a:cxn>
+                </a:cxnLst>
+                <a:rect l="l" t="t" r="r" b="b"/>
+                <a:pathLst>
+                  <a:path w="2751826" h="652097">
+                    <a:moveTo>
+                      <a:pt x="0" y="0"/>
+                    </a:moveTo>
+                    <a:cubicBezTo>
+                      <a:pt x="137303" y="35943"/>
+                      <a:pt x="274607" y="71887"/>
+                      <a:pt x="465826" y="146649"/>
+                    </a:cubicBezTo>
+                    <a:cubicBezTo>
+                      <a:pt x="657045" y="221411"/>
+                      <a:pt x="923026" y="366622"/>
+                      <a:pt x="1147313" y="448573"/>
+                    </a:cubicBezTo>
+                    <a:cubicBezTo>
+                      <a:pt x="1371600" y="530524"/>
+                      <a:pt x="1607389" y="609599"/>
+                      <a:pt x="1811547" y="638354"/>
+                    </a:cubicBezTo>
+                    <a:cubicBezTo>
+                      <a:pt x="2015705" y="667109"/>
+                      <a:pt x="2215551" y="645543"/>
+                      <a:pt x="2372264" y="621102"/>
+                    </a:cubicBezTo>
+                    <a:cubicBezTo>
+                      <a:pt x="2528977" y="596661"/>
+                      <a:pt x="2640401" y="544183"/>
+                      <a:pt x="2751826" y="491705"/>
+                    </a:cubicBezTo>
+                  </a:path>
+                </a:pathLst>
+              </a:custGeom>
+            </p:spPr>
+            <p:style>
+              <a:lnRef idx="2">
+                <a:schemeClr val="dk1"/>
+              </a:lnRef>
+              <a:fillRef idx="0">
+                <a:schemeClr val="dk1"/>
+              </a:fillRef>
+              <a:effectRef idx="1">
+                <a:schemeClr val="dk1"/>
+              </a:effectRef>
+              <a:fontRef idx="minor">
+                <a:schemeClr val="tx1"/>
+              </a:fontRef>
+            </p:style>
+            <p:txBody>
+              <a:bodyPr rtlCol="0" anchor="ctr"/>
+              <a:lstStyle/>
+              <a:p>
+                <a:pPr algn="ctr"/>
+                <a:endParaRPr lang="en-US"/>
+              </a:p>
+            </p:txBody>
+          </p:sp>
+          <p:sp>
+            <p:nvSpPr>
+              <p:cNvPr id="165" name="Oval 164">
+                <a:extLst>
+                  <a:ext uri="{FF2B5EF4-FFF2-40B4-BE49-F238E27FC236}">
+                    <a16:creationId xmlns:a16="http://schemas.microsoft.com/office/drawing/2014/main" id="{5A786DF4-610C-6C31-1053-44128975F157}"/>
+                  </a:ext>
+                </a:extLst>
+              </p:cNvPr>
+              <p:cNvSpPr/>
+              <p:nvPr/>
+            </p:nvSpPr>
+            <p:spPr>
+              <a:xfrm>
+                <a:off x="6712674" y="4575595"/>
+                <a:ext cx="76251" cy="75662"/>
+              </a:xfrm>
+              <a:prstGeom prst="ellipse">
+                <a:avLst/>
+              </a:prstGeom>
+              <a:solidFill>
+                <a:schemeClr val="tx1"/>
+              </a:solidFill>
+              <a:ln>
+                <a:noFill/>
+              </a:ln>
+            </p:spPr>
+            <p:style>
+              <a:lnRef idx="2">
+                <a:schemeClr val="accent1">
+                  <a:shade val="15000"/>
+                </a:schemeClr>
+              </a:lnRef>
+              <a:fillRef idx="1">
+                <a:schemeClr val="accent1"/>
+              </a:fillRef>
+              <a:effectRef idx="0">
+                <a:schemeClr val="accent1"/>
+              </a:effectRef>
+              <a:fontRef idx="minor">
+                <a:schemeClr val="lt1"/>
+              </a:fontRef>
+            </p:style>
+            <p:txBody>
+              <a:bodyPr rtlCol="0" anchor="ctr"/>
+              <a:lstStyle/>
+              <a:p>
+                <a:pPr algn="ctr"/>
+                <a:endParaRPr lang="en-US"/>
+              </a:p>
+            </p:txBody>
+          </p:sp>
+          <p:sp>
+            <p:nvSpPr>
+              <p:cNvPr id="166" name="Oval 165">
+                <a:extLst>
+                  <a:ext uri="{FF2B5EF4-FFF2-40B4-BE49-F238E27FC236}">
+                    <a16:creationId xmlns:a16="http://schemas.microsoft.com/office/drawing/2014/main" id="{45918107-F84F-9484-8904-A7EAFCA3BDCA}"/>
+                  </a:ext>
+                </a:extLst>
+              </p:cNvPr>
+              <p:cNvSpPr/>
+              <p:nvPr/>
+            </p:nvSpPr>
+            <p:spPr>
+              <a:xfrm>
+                <a:off x="6426924" y="4853348"/>
+                <a:ext cx="76251" cy="75662"/>
+              </a:xfrm>
+              <a:prstGeom prst="ellipse">
+                <a:avLst/>
+              </a:prstGeom>
+              <a:solidFill>
+                <a:schemeClr val="tx1"/>
+              </a:solidFill>
+              <a:ln>
+                <a:noFill/>
+              </a:ln>
+            </p:spPr>
+            <p:style>
+              <a:lnRef idx="2">
+                <a:schemeClr val="accent1">
+                  <a:shade val="15000"/>
+                </a:schemeClr>
+              </a:lnRef>
+              <a:fillRef idx="1">
+                <a:schemeClr val="accent1"/>
+              </a:fillRef>
+              <a:effectRef idx="0">
+                <a:schemeClr val="accent1"/>
+              </a:effectRef>
+              <a:fontRef idx="minor">
+                <a:schemeClr val="lt1"/>
+              </a:fontRef>
+            </p:style>
+            <p:txBody>
+              <a:bodyPr rtlCol="0" anchor="ctr"/>
+              <a:lstStyle/>
+              <a:p>
+                <a:pPr algn="ctr"/>
+                <a:endParaRPr lang="en-US"/>
+              </a:p>
+            </p:txBody>
+          </p:sp>
+          <p:cxnSp>
+            <p:nvCxnSpPr>
+              <p:cNvPr id="169" name="Straight Connector 168">
+                <a:extLst>
+                  <a:ext uri="{FF2B5EF4-FFF2-40B4-BE49-F238E27FC236}">
+                    <a16:creationId xmlns:a16="http://schemas.microsoft.com/office/drawing/2014/main" id="{081FC6DA-E60C-AF8C-65A9-272CCDBBC844}"/>
+                  </a:ext>
+                </a:extLst>
+              </p:cNvPr>
+              <p:cNvCxnSpPr/>
+              <p:nvPr/>
+            </p:nvCxnSpPr>
+            <p:spPr>
+              <a:xfrm>
+                <a:off x="6543675" y="4891179"/>
+                <a:ext cx="245250" cy="37831"/>
+              </a:xfrm>
+              <a:prstGeom prst="line">
+                <a:avLst/>
+              </a:prstGeom>
+            </p:spPr>
+            <p:style>
+              <a:lnRef idx="2">
+                <a:schemeClr val="dk1"/>
+              </a:lnRef>
+              <a:fillRef idx="0">
+                <a:schemeClr val="dk1"/>
+              </a:fillRef>
+              <a:effectRef idx="1">
+                <a:schemeClr val="dk1"/>
+              </a:effectRef>
+              <a:fontRef idx="minor">
+                <a:schemeClr val="tx1"/>
+              </a:fontRef>
+            </p:style>
+          </p:cxnSp>
+          <p:cxnSp>
+            <p:nvCxnSpPr>
+              <p:cNvPr id="171" name="Straight Connector 170">
+                <a:extLst>
+                  <a:ext uri="{FF2B5EF4-FFF2-40B4-BE49-F238E27FC236}">
+                    <a16:creationId xmlns:a16="http://schemas.microsoft.com/office/drawing/2014/main" id="{A2460935-2AB3-6E9C-3C7E-9175EE812ABC}"/>
+                  </a:ext>
+                </a:extLst>
+              </p:cNvPr>
+              <p:cNvCxnSpPr>
+                <a:cxnSpLocks/>
+              </p:cNvCxnSpPr>
+              <p:nvPr/>
+            </p:nvCxnSpPr>
+            <p:spPr>
+              <a:xfrm>
+                <a:off x="6788925" y="4630602"/>
+                <a:ext cx="516483" cy="203306"/>
+              </a:xfrm>
+              <a:prstGeom prst="line">
+                <a:avLst/>
+              </a:prstGeom>
+            </p:spPr>
+            <p:style>
+              <a:lnRef idx="2">
+                <a:schemeClr val="dk1"/>
+              </a:lnRef>
+              <a:fillRef idx="0">
+                <a:schemeClr val="dk1"/>
+              </a:fillRef>
+              <a:effectRef idx="1">
+                <a:schemeClr val="dk1"/>
+              </a:effectRef>
+              <a:fontRef idx="minor">
+                <a:schemeClr val="tx1"/>
+              </a:fontRef>
+            </p:style>
+          </p:cxnSp>
+        </p:grpSp>
+      </p:grpSp>
+    </p:spTree>
+    <p:extLst>
+      <p:ext uri="{BB962C8B-B14F-4D97-AF65-F5344CB8AC3E}">
+        <p14:creationId xmlns:p14="http://schemas.microsoft.com/office/powerpoint/2010/main" val="4261244153"/>
+      </p:ext>
+    </p:extLst>
+  </p:cSld>
+  <p:clrMapOvr>
+    <a:masterClrMapping/>
+  </p:clrMapOvr>
+</p:sld>
+</file>
+
+<file path=ppt/slides/slide5.xml><?xml version="1.0" encoding="utf-8"?>
 <p:sld xmlns:a="http://schemas.openxmlformats.org/drawingml/2006/main" xmlns:r="http://schemas.openxmlformats.org/officeDocument/2006/relationships" xmlns:p="http://schemas.openxmlformats.org/presentationml/2006/main">
   <p:cSld>
     <p:spTree>
@@ -26123,7 +31257,7 @@
 </p:sld>
 </file>
 
-<file path=ppt/slides/slide5.xml><?xml version="1.0" encoding="utf-8"?>
+<file path=ppt/slides/slide6.xml><?xml version="1.0" encoding="utf-8"?>
 <p:sld xmlns:a="http://schemas.openxmlformats.org/drawingml/2006/main" xmlns:r="http://schemas.openxmlformats.org/officeDocument/2006/relationships" xmlns:p="http://schemas.openxmlformats.org/presentationml/2006/main">
   <p:cSld>
     <p:spTree>
@@ -26303,7 +31437,7 @@
 </p:sld>
 </file>
 
-<file path=ppt/slides/slide6.xml><?xml version="1.0" encoding="utf-8"?>
+<file path=ppt/slides/slide7.xml><?xml version="1.0" encoding="utf-8"?>
 <p:sld xmlns:a="http://schemas.openxmlformats.org/drawingml/2006/main" xmlns:r="http://schemas.openxmlformats.org/officeDocument/2006/relationships" xmlns:p="http://schemas.openxmlformats.org/presentationml/2006/main">
   <p:cSld>
     <p:spTree>
@@ -26476,7 +31610,7 @@
 </p:sld>
 </file>
 
-<file path=ppt/slides/slide7.xml><?xml version="1.0" encoding="utf-8"?>
+<file path=ppt/slides/slide8.xml><?xml version="1.0" encoding="utf-8"?>
 <p:sld xmlns:a="http://schemas.openxmlformats.org/drawingml/2006/main" xmlns:r="http://schemas.openxmlformats.org/officeDocument/2006/relationships" xmlns:p="http://schemas.openxmlformats.org/presentationml/2006/main">
   <p:cSld>
     <p:spTree>
@@ -26649,7 +31783,7 @@
 </p:sld>
 </file>
 
-<file path=ppt/slides/slide8.xml><?xml version="1.0" encoding="utf-8"?>
+<file path=ppt/slides/slide9.xml><?xml version="1.0" encoding="utf-8"?>
 <p:sld xmlns:a="http://schemas.openxmlformats.org/drawingml/2006/main" xmlns:r="http://schemas.openxmlformats.org/officeDocument/2006/relationships" xmlns:p="http://schemas.openxmlformats.org/presentationml/2006/main">
   <p:cSld>
     <p:spTree>
@@ -26856,171 +31990,6 @@
     <p:extLst>
       <p:ext uri="{BB962C8B-B14F-4D97-AF65-F5344CB8AC3E}">
         <p14:creationId xmlns:p14="http://schemas.microsoft.com/office/powerpoint/2010/main" val="2386265098"/>
-      </p:ext>
-    </p:extLst>
-  </p:cSld>
-  <p:clrMapOvr>
-    <a:masterClrMapping/>
-  </p:clrMapOvr>
-</p:sld>
-</file>
-
-<file path=ppt/slides/slide9.xml><?xml version="1.0" encoding="utf-8"?>
-<p:sld xmlns:a="http://schemas.openxmlformats.org/drawingml/2006/main" xmlns:r="http://schemas.openxmlformats.org/officeDocument/2006/relationships" xmlns:p="http://schemas.openxmlformats.org/presentationml/2006/main">
-  <p:cSld>
-    <p:spTree>
-      <p:nvGrpSpPr>
-        <p:cNvPr id="1" name=""/>
-        <p:cNvGrpSpPr/>
-        <p:nvPr/>
-      </p:nvGrpSpPr>
-      <p:grpSpPr>
-        <a:xfrm>
-          <a:off x="0" y="0"/>
-          <a:ext cx="0" cy="0"/>
-          <a:chOff x="0" y="0"/>
-          <a:chExt cx="0" cy="0"/>
-        </a:xfrm>
-      </p:grpSpPr>
-      <p:pic>
-        <p:nvPicPr>
-          <p:cNvPr id="3" name="Picture 2">
-            <a:extLst>
-              <a:ext uri="{FF2B5EF4-FFF2-40B4-BE49-F238E27FC236}">
-                <a16:creationId xmlns:a16="http://schemas.microsoft.com/office/drawing/2014/main" id="{40C03F84-2C5E-72B8-975A-F7C4777E33F9}"/>
-              </a:ext>
-            </a:extLst>
-          </p:cNvPr>
-          <p:cNvPicPr>
-            <a:picLocks noChangeAspect="1"/>
-          </p:cNvPicPr>
-          <p:nvPr/>
-        </p:nvPicPr>
-        <p:blipFill>
-          <a:blip r:embed="rId2"/>
-          <a:stretch>
-            <a:fillRect/>
-          </a:stretch>
-        </p:blipFill>
-        <p:spPr>
-          <a:xfrm>
-            <a:off x="5380178" y="2531901"/>
-            <a:ext cx="4857750" cy="2581275"/>
-          </a:xfrm>
-          <a:prstGeom prst="rect">
-            <a:avLst/>
-          </a:prstGeom>
-        </p:spPr>
-      </p:pic>
-      <p:sp>
-        <p:nvSpPr>
-          <p:cNvPr id="4" name="TextBox 3">
-            <a:extLst>
-              <a:ext uri="{FF2B5EF4-FFF2-40B4-BE49-F238E27FC236}">
-                <a16:creationId xmlns:a16="http://schemas.microsoft.com/office/drawing/2014/main" id="{8A04F9CF-C8A1-3A71-E680-DC4E61943D03}"/>
-              </a:ext>
-            </a:extLst>
-          </p:cNvPr>
-          <p:cNvSpPr txBox="1"/>
-          <p:nvPr/>
-        </p:nvSpPr>
-        <p:spPr>
-          <a:xfrm>
-            <a:off x="515744" y="1162619"/>
-            <a:ext cx="3297973" cy="2585323"/>
-          </a:xfrm>
-          <a:prstGeom prst="rect">
-            <a:avLst/>
-          </a:prstGeom>
-          <a:noFill/>
-        </p:spPr>
-        <p:txBody>
-          <a:bodyPr wrap="square">
-            <a:spAutoFit/>
-          </a:bodyPr>
-          <a:lstStyle/>
-          <a:p>
-            <a:r>
-              <a:rPr lang="en-US" dirty="0"/>
-              <a:t>![Visualization of (a) donor and (b) acceptor actions via the bonding model. In (a), _Column V_ element P replaces a Si atom; in (b), Column III element B replaces a Si atom.](figures/fig-semi-dev-viz-doping){#fig-semi-dev-viz-doping}</a:t>
-            </a:r>
-          </a:p>
-        </p:txBody>
-      </p:sp>
-      <p:sp>
-        <p:nvSpPr>
-          <p:cNvPr id="5" name="TextBox 4">
-            <a:extLst>
-              <a:ext uri="{FF2B5EF4-FFF2-40B4-BE49-F238E27FC236}">
-                <a16:creationId xmlns:a16="http://schemas.microsoft.com/office/drawing/2014/main" id="{FE392DA5-4365-0AF0-D7AE-4B4AB715AD5D}"/>
-              </a:ext>
-            </a:extLst>
-          </p:cNvPr>
-          <p:cNvSpPr txBox="1"/>
-          <p:nvPr/>
-        </p:nvSpPr>
-        <p:spPr>
-          <a:xfrm>
-            <a:off x="244431" y="5597444"/>
-            <a:ext cx="1391728" cy="369332"/>
-          </a:xfrm>
-          <a:prstGeom prst="rect">
-            <a:avLst/>
-          </a:prstGeom>
-          <a:noFill/>
-        </p:spPr>
-        <p:txBody>
-          <a:bodyPr wrap="none" rtlCol="0">
-            <a:spAutoFit/>
-          </a:bodyPr>
-          <a:lstStyle/>
-          <a:p>
-            <a:r>
-              <a:rPr lang="en-US" dirty="0"/>
-              <a:t>R0 02/22/25</a:t>
-            </a:r>
-          </a:p>
-        </p:txBody>
-      </p:sp>
-      <p:sp>
-        <p:nvSpPr>
-          <p:cNvPr id="6" name="TextBox 5">
-            <a:extLst>
-              <a:ext uri="{FF2B5EF4-FFF2-40B4-BE49-F238E27FC236}">
-                <a16:creationId xmlns:a16="http://schemas.microsoft.com/office/drawing/2014/main" id="{734344AE-7784-1FC0-F282-DFF2EA63D1D8}"/>
-              </a:ext>
-            </a:extLst>
-          </p:cNvPr>
-          <p:cNvSpPr txBox="1"/>
-          <p:nvPr/>
-        </p:nvSpPr>
-        <p:spPr>
-          <a:xfrm>
-            <a:off x="244431" y="6434401"/>
-            <a:ext cx="2338204" cy="338554"/>
-          </a:xfrm>
-          <a:prstGeom prst="rect">
-            <a:avLst/>
-          </a:prstGeom>
-          <a:noFill/>
-        </p:spPr>
-        <p:txBody>
-          <a:bodyPr wrap="none" rtlCol="0">
-            <a:spAutoFit/>
-          </a:bodyPr>
-          <a:lstStyle/>
-          <a:p>
-            <a:r>
-              <a:rPr lang="en-US" sz="1600" i="1" dirty="0"/>
-              <a:t>Ref: Fig 2.10 p-36 Pierret</a:t>
-            </a:r>
-          </a:p>
-        </p:txBody>
-      </p:sp>
-    </p:spTree>
-    <p:extLst>
-      <p:ext uri="{BB962C8B-B14F-4D97-AF65-F5344CB8AC3E}">
-        <p14:creationId xmlns:p14="http://schemas.microsoft.com/office/powerpoint/2010/main" val="240967839"/>
       </p:ext>
     </p:extLst>
   </p:cSld>

--- a/figures/fig.pptx
+++ b/figures/fig.pptx
@@ -20,24 +20,25 @@
     <p:sldId id="285" r:id="rId14"/>
     <p:sldId id="286" r:id="rId15"/>
     <p:sldId id="287" r:id="rId16"/>
-    <p:sldId id="274" r:id="rId17"/>
-    <p:sldId id="257" r:id="rId18"/>
-    <p:sldId id="258" r:id="rId19"/>
-    <p:sldId id="261" r:id="rId20"/>
-    <p:sldId id="262" r:id="rId21"/>
-    <p:sldId id="259" r:id="rId22"/>
-    <p:sldId id="260" r:id="rId23"/>
-    <p:sldId id="273" r:id="rId24"/>
-    <p:sldId id="263" r:id="rId25"/>
-    <p:sldId id="264" r:id="rId26"/>
-    <p:sldId id="265" r:id="rId27"/>
-    <p:sldId id="266" r:id="rId28"/>
-    <p:sldId id="267" r:id="rId29"/>
-    <p:sldId id="268" r:id="rId30"/>
-    <p:sldId id="269" r:id="rId31"/>
-    <p:sldId id="270" r:id="rId32"/>
-    <p:sldId id="271" r:id="rId33"/>
-    <p:sldId id="272" r:id="rId34"/>
+    <p:sldId id="289" r:id="rId17"/>
+    <p:sldId id="274" r:id="rId18"/>
+    <p:sldId id="257" r:id="rId19"/>
+    <p:sldId id="258" r:id="rId20"/>
+    <p:sldId id="261" r:id="rId21"/>
+    <p:sldId id="262" r:id="rId22"/>
+    <p:sldId id="259" r:id="rId23"/>
+    <p:sldId id="260" r:id="rId24"/>
+    <p:sldId id="273" r:id="rId25"/>
+    <p:sldId id="263" r:id="rId26"/>
+    <p:sldId id="264" r:id="rId27"/>
+    <p:sldId id="265" r:id="rId28"/>
+    <p:sldId id="266" r:id="rId29"/>
+    <p:sldId id="267" r:id="rId30"/>
+    <p:sldId id="268" r:id="rId31"/>
+    <p:sldId id="269" r:id="rId32"/>
+    <p:sldId id="270" r:id="rId33"/>
+    <p:sldId id="271" r:id="rId34"/>
+    <p:sldId id="272" r:id="rId35"/>
   </p:sldIdLst>
   <p:sldSz cx="12192000" cy="6858000"/>
   <p:notesSz cx="6858000" cy="9144000"/>
@@ -291,7 +292,7 @@
           <a:p>
             <a:fld id="{BA5A1584-706A-4ABE-803B-792AD84DBA31}" type="datetimeFigureOut">
               <a:rPr lang="en-US" smtClean="0"/>
-              <a:t>3/12/2025</a:t>
+              <a:t>3/17/2025</a:t>
             </a:fld>
             <a:endParaRPr lang="en-US"/>
           </a:p>
@@ -489,7 +490,7 @@
           <a:p>
             <a:fld id="{BA5A1584-706A-4ABE-803B-792AD84DBA31}" type="datetimeFigureOut">
               <a:rPr lang="en-US" smtClean="0"/>
-              <a:t>3/12/2025</a:t>
+              <a:t>3/17/2025</a:t>
             </a:fld>
             <a:endParaRPr lang="en-US"/>
           </a:p>
@@ -697,7 +698,7 @@
           <a:p>
             <a:fld id="{BA5A1584-706A-4ABE-803B-792AD84DBA31}" type="datetimeFigureOut">
               <a:rPr lang="en-US" smtClean="0"/>
-              <a:t>3/12/2025</a:t>
+              <a:t>3/17/2025</a:t>
             </a:fld>
             <a:endParaRPr lang="en-US"/>
           </a:p>
@@ -895,7 +896,7 @@
           <a:p>
             <a:fld id="{BA5A1584-706A-4ABE-803B-792AD84DBA31}" type="datetimeFigureOut">
               <a:rPr lang="en-US" smtClean="0"/>
-              <a:t>3/12/2025</a:t>
+              <a:t>3/17/2025</a:t>
             </a:fld>
             <a:endParaRPr lang="en-US"/>
           </a:p>
@@ -1170,7 +1171,7 @@
           <a:p>
             <a:fld id="{BA5A1584-706A-4ABE-803B-792AD84DBA31}" type="datetimeFigureOut">
               <a:rPr lang="en-US" smtClean="0"/>
-              <a:t>3/12/2025</a:t>
+              <a:t>3/17/2025</a:t>
             </a:fld>
             <a:endParaRPr lang="en-US"/>
           </a:p>
@@ -1435,7 +1436,7 @@
           <a:p>
             <a:fld id="{BA5A1584-706A-4ABE-803B-792AD84DBA31}" type="datetimeFigureOut">
               <a:rPr lang="en-US" smtClean="0"/>
-              <a:t>3/12/2025</a:t>
+              <a:t>3/17/2025</a:t>
             </a:fld>
             <a:endParaRPr lang="en-US"/>
           </a:p>
@@ -1847,7 +1848,7 @@
           <a:p>
             <a:fld id="{BA5A1584-706A-4ABE-803B-792AD84DBA31}" type="datetimeFigureOut">
               <a:rPr lang="en-US" smtClean="0"/>
-              <a:t>3/12/2025</a:t>
+              <a:t>3/17/2025</a:t>
             </a:fld>
             <a:endParaRPr lang="en-US"/>
           </a:p>
@@ -1988,7 +1989,7 @@
           <a:p>
             <a:fld id="{BA5A1584-706A-4ABE-803B-792AD84DBA31}" type="datetimeFigureOut">
               <a:rPr lang="en-US" smtClean="0"/>
-              <a:t>3/12/2025</a:t>
+              <a:t>3/17/2025</a:t>
             </a:fld>
             <a:endParaRPr lang="en-US"/>
           </a:p>
@@ -2101,7 +2102,7 @@
           <a:p>
             <a:fld id="{BA5A1584-706A-4ABE-803B-792AD84DBA31}" type="datetimeFigureOut">
               <a:rPr lang="en-US" smtClean="0"/>
-              <a:t>3/12/2025</a:t>
+              <a:t>3/17/2025</a:t>
             </a:fld>
             <a:endParaRPr lang="en-US"/>
           </a:p>
@@ -2412,7 +2413,7 @@
           <a:p>
             <a:fld id="{BA5A1584-706A-4ABE-803B-792AD84DBA31}" type="datetimeFigureOut">
               <a:rPr lang="en-US" smtClean="0"/>
-              <a:t>3/12/2025</a:t>
+              <a:t>3/17/2025</a:t>
             </a:fld>
             <a:endParaRPr lang="en-US"/>
           </a:p>
@@ -2700,7 +2701,7 @@
           <a:p>
             <a:fld id="{BA5A1584-706A-4ABE-803B-792AD84DBA31}" type="datetimeFigureOut">
               <a:rPr lang="en-US" smtClean="0"/>
-              <a:t>3/12/2025</a:t>
+              <a:t>3/17/2025</a:t>
             </a:fld>
             <a:endParaRPr lang="en-US"/>
           </a:p>
@@ -2941,7 +2942,7 @@
           <a:p>
             <a:fld id="{BA5A1584-706A-4ABE-803B-792AD84DBA31}" type="datetimeFigureOut">
               <a:rPr lang="en-US" smtClean="0"/>
-              <a:t>3/12/2025</a:t>
+              <a:t>3/17/2025</a:t>
             </a:fld>
             <a:endParaRPr lang="en-US"/>
           </a:p>
@@ -4518,8 +4519,8 @@
             </a:fontRef>
           </p:style>
         </p:cxnSp>
-        <mc:AlternateContent xmlns:mc="http://schemas.openxmlformats.org/markup-compatibility/2006">
-          <mc:Choice xmlns:a14="http://schemas.microsoft.com/office/drawing/2010/main" Requires="a14">
+        <mc:AlternateContent xmlns:mc="http://schemas.openxmlformats.org/markup-compatibility/2006" xmlns:a14="http://schemas.microsoft.com/office/drawing/2010/main">
+          <mc:Choice Requires="a14">
             <p:sp>
               <p:nvSpPr>
                 <p:cNvPr id="12" name="TextBox 11">
@@ -4548,6 +4549,7 @@
                 </a:bodyPr>
                 <a:lstStyle/>
                 <a:p>
+                  <a:pPr/>
                   <a14:m>
                     <m:oMathPara xmlns:m="http://schemas.openxmlformats.org/officeDocument/2006/math">
                       <m:oMathParaPr>
@@ -4599,7 +4601,7 @@
               </p:txBody>
             </p:sp>
           </mc:Choice>
-          <mc:Fallback>
+          <mc:Fallback xmlns="">
             <p:sp>
               <p:nvSpPr>
                 <p:cNvPr id="12" name="TextBox 11">
@@ -4644,8 +4646,8 @@
             </p:sp>
           </mc:Fallback>
         </mc:AlternateContent>
-        <mc:AlternateContent xmlns:mc="http://schemas.openxmlformats.org/markup-compatibility/2006">
-          <mc:Choice xmlns:a14="http://schemas.microsoft.com/office/drawing/2010/main" Requires="a14">
+        <mc:AlternateContent xmlns:mc="http://schemas.openxmlformats.org/markup-compatibility/2006" xmlns:a14="http://schemas.microsoft.com/office/drawing/2010/main">
+          <mc:Choice Requires="a14">
             <p:sp>
               <p:nvSpPr>
                 <p:cNvPr id="13" name="TextBox 12">
@@ -4674,6 +4676,7 @@
                 </a:bodyPr>
                 <a:lstStyle/>
                 <a:p>
+                  <a:pPr/>
                   <a14:m>
                     <m:oMathPara xmlns:m="http://schemas.openxmlformats.org/officeDocument/2006/math">
                       <m:oMathParaPr>
@@ -4725,7 +4728,7 @@
               </p:txBody>
             </p:sp>
           </mc:Choice>
-          <mc:Fallback>
+          <mc:Fallback xmlns="">
             <p:sp>
               <p:nvSpPr>
                 <p:cNvPr id="13" name="TextBox 12">
@@ -4785,6 +4788,177 @@
 </file>
 
 <file path=ppt/slides/slide16.xml><?xml version="1.0" encoding="utf-8"?>
+<p:sld xmlns:a="http://schemas.openxmlformats.org/drawingml/2006/main" xmlns:r="http://schemas.openxmlformats.org/officeDocument/2006/relationships" xmlns:p="http://schemas.openxmlformats.org/presentationml/2006/main">
+  <p:cSld>
+    <p:spTree>
+      <p:nvGrpSpPr>
+        <p:cNvPr id="1" name="">
+          <a:extLst>
+            <a:ext uri="{FF2B5EF4-FFF2-40B4-BE49-F238E27FC236}">
+              <a16:creationId xmlns:a16="http://schemas.microsoft.com/office/drawing/2014/main" id="{E69F10DC-80CB-9B7D-0A2D-E335021F0906}"/>
+            </a:ext>
+          </a:extLst>
+        </p:cNvPr>
+        <p:cNvGrpSpPr/>
+        <p:nvPr/>
+      </p:nvGrpSpPr>
+      <p:grpSpPr>
+        <a:xfrm>
+          <a:off x="0" y="0"/>
+          <a:ext cx="0" cy="0"/>
+          <a:chOff x="0" y="0"/>
+          <a:chExt cx="0" cy="0"/>
+        </a:xfrm>
+      </p:grpSpPr>
+      <p:sp>
+        <p:nvSpPr>
+          <p:cNvPr id="5" name="TextBox 4">
+            <a:extLst>
+              <a:ext uri="{FF2B5EF4-FFF2-40B4-BE49-F238E27FC236}">
+                <a16:creationId xmlns:a16="http://schemas.microsoft.com/office/drawing/2014/main" id="{BA59DB29-42AE-FC35-864F-9A7ECF8F7CF0}"/>
+              </a:ext>
+            </a:extLst>
+          </p:cNvPr>
+          <p:cNvSpPr txBox="1"/>
+          <p:nvPr/>
+        </p:nvSpPr>
+        <p:spPr>
+          <a:xfrm>
+            <a:off x="290649" y="637593"/>
+            <a:ext cx="3706585" cy="646331"/>
+          </a:xfrm>
+          <a:prstGeom prst="rect">
+            <a:avLst/>
+          </a:prstGeom>
+          <a:noFill/>
+        </p:spPr>
+        <p:txBody>
+          <a:bodyPr wrap="square">
+            <a:spAutoFit/>
+          </a:bodyPr>
+          <a:lstStyle/>
+          <a:p>
+            <a:r>
+              <a:rPr lang="en-US" dirty="0"/>
+              <a:t>![](figures/fig-semi-dev-pnjunc.png){#fig-semi-dev-pnjunc}</a:t>
+            </a:r>
+          </a:p>
+        </p:txBody>
+      </p:sp>
+      <p:sp>
+        <p:nvSpPr>
+          <p:cNvPr id="6" name="TextBox 5">
+            <a:extLst>
+              <a:ext uri="{FF2B5EF4-FFF2-40B4-BE49-F238E27FC236}">
+                <a16:creationId xmlns:a16="http://schemas.microsoft.com/office/drawing/2014/main" id="{1CD288E0-2292-80F7-4B6D-D52925113CF2}"/>
+              </a:ext>
+            </a:extLst>
+          </p:cNvPr>
+          <p:cNvSpPr txBox="1"/>
+          <p:nvPr/>
+        </p:nvSpPr>
+        <p:spPr>
+          <a:xfrm>
+            <a:off x="244431" y="5761563"/>
+            <a:ext cx="1391728" cy="369332"/>
+          </a:xfrm>
+          <a:prstGeom prst="rect">
+            <a:avLst/>
+          </a:prstGeom>
+          <a:noFill/>
+        </p:spPr>
+        <p:txBody>
+          <a:bodyPr wrap="none" rtlCol="0">
+            <a:spAutoFit/>
+          </a:bodyPr>
+          <a:lstStyle/>
+          <a:p>
+            <a:r>
+              <a:rPr lang="en-US" dirty="0"/>
+              <a:t>R0 03/17/25</a:t>
+            </a:r>
+          </a:p>
+        </p:txBody>
+      </p:sp>
+      <p:sp>
+        <p:nvSpPr>
+          <p:cNvPr id="7" name="TextBox 6">
+            <a:extLst>
+              <a:ext uri="{FF2B5EF4-FFF2-40B4-BE49-F238E27FC236}">
+                <a16:creationId xmlns:a16="http://schemas.microsoft.com/office/drawing/2014/main" id="{5D5F5293-BDD6-C042-4FC4-B126B1C83156}"/>
+              </a:ext>
+            </a:extLst>
+          </p:cNvPr>
+          <p:cNvSpPr txBox="1"/>
+          <p:nvPr/>
+        </p:nvSpPr>
+        <p:spPr>
+          <a:xfrm>
+            <a:off x="244431" y="6200278"/>
+            <a:ext cx="2035942" cy="338554"/>
+          </a:xfrm>
+          <a:prstGeom prst="rect">
+            <a:avLst/>
+          </a:prstGeom>
+          <a:noFill/>
+        </p:spPr>
+        <p:txBody>
+          <a:bodyPr wrap="none" rtlCol="0">
+            <a:spAutoFit/>
+          </a:bodyPr>
+          <a:lstStyle/>
+          <a:p>
+            <a:r>
+              <a:rPr lang="en-US" sz="1600" i="1" dirty="0"/>
+              <a:t>Ref: Fig 1.4 p-10 Shur</a:t>
+            </a:r>
+          </a:p>
+        </p:txBody>
+      </p:sp>
+      <p:pic>
+        <p:nvPicPr>
+          <p:cNvPr id="11" name="Picture 10">
+            <a:extLst>
+              <a:ext uri="{FF2B5EF4-FFF2-40B4-BE49-F238E27FC236}">
+                <a16:creationId xmlns:a16="http://schemas.microsoft.com/office/drawing/2014/main" id="{F21F6459-44EA-0AC9-CF89-290407C3525F}"/>
+              </a:ext>
+            </a:extLst>
+          </p:cNvPr>
+          <p:cNvPicPr>
+            <a:picLocks noChangeAspect="1"/>
+          </p:cNvPicPr>
+          <p:nvPr/>
+        </p:nvPicPr>
+        <p:blipFill>
+          <a:blip r:embed="rId2"/>
+          <a:stretch>
+            <a:fillRect/>
+          </a:stretch>
+        </p:blipFill>
+        <p:spPr>
+          <a:xfrm>
+            <a:off x="5434012" y="1690008"/>
+            <a:ext cx="4981575" cy="3771900"/>
+          </a:xfrm>
+          <a:prstGeom prst="rect">
+            <a:avLst/>
+          </a:prstGeom>
+        </p:spPr>
+      </p:pic>
+    </p:spTree>
+    <p:extLst>
+      <p:ext uri="{BB962C8B-B14F-4D97-AF65-F5344CB8AC3E}">
+        <p14:creationId xmlns:p14="http://schemas.microsoft.com/office/powerpoint/2010/main" val="1437897819"/>
+      </p:ext>
+    </p:extLst>
+  </p:cSld>
+  <p:clrMapOvr>
+    <a:masterClrMapping/>
+  </p:clrMapOvr>
+</p:sld>
+</file>
+
+<file path=ppt/slides/slide17.xml><?xml version="1.0" encoding="utf-8"?>
 <p:sld xmlns:a="http://schemas.openxmlformats.org/drawingml/2006/main" xmlns:r="http://schemas.openxmlformats.org/officeDocument/2006/relationships" xmlns:p="http://schemas.openxmlformats.org/presentationml/2006/main">
   <p:cSld>
     <p:spTree>
@@ -4867,7 +5041,7 @@
 </p:sld>
 </file>
 
-<file path=ppt/slides/slide17.xml><?xml version="1.0" encoding="utf-8"?>
+<file path=ppt/slides/slide18.xml><?xml version="1.0" encoding="utf-8"?>
 <p:sld xmlns:a="http://schemas.openxmlformats.org/drawingml/2006/main" xmlns:r="http://schemas.openxmlformats.org/officeDocument/2006/relationships" xmlns:p="http://schemas.openxmlformats.org/presentationml/2006/main">
   <p:cSld>
     <p:spTree>
@@ -6017,7 +6191,7 @@
 </p:sld>
 </file>
 
-<file path=ppt/slides/slide18.xml><?xml version="1.0" encoding="utf-8"?>
+<file path=ppt/slides/slide19.xml><?xml version="1.0" encoding="utf-8"?>
 <p:sld xmlns:a="http://schemas.openxmlformats.org/drawingml/2006/main" xmlns:r="http://schemas.openxmlformats.org/officeDocument/2006/relationships" xmlns:p="http://schemas.openxmlformats.org/presentationml/2006/main">
   <p:cSld>
     <p:spTree>
@@ -7414,7 +7588,90 @@
 </p:sld>
 </file>
 
-<file path=ppt/slides/slide19.xml><?xml version="1.0" encoding="utf-8"?>
+<file path=ppt/slides/slide2.xml><?xml version="1.0" encoding="utf-8"?>
+<p:sld xmlns:a="http://schemas.openxmlformats.org/drawingml/2006/main" xmlns:r="http://schemas.openxmlformats.org/officeDocument/2006/relationships" xmlns:p="http://schemas.openxmlformats.org/presentationml/2006/main">
+  <p:cSld>
+    <p:spTree>
+      <p:nvGrpSpPr>
+        <p:cNvPr id="1" name=""/>
+        <p:cNvGrpSpPr/>
+        <p:nvPr/>
+      </p:nvGrpSpPr>
+      <p:grpSpPr>
+        <a:xfrm>
+          <a:off x="0" y="0"/>
+          <a:ext cx="0" cy="0"/>
+          <a:chOff x="0" y="0"/>
+          <a:chExt cx="0" cy="0"/>
+        </a:xfrm>
+      </p:grpSpPr>
+      <p:sp>
+        <p:nvSpPr>
+          <p:cNvPr id="2" name="Title 1">
+            <a:extLst>
+              <a:ext uri="{FF2B5EF4-FFF2-40B4-BE49-F238E27FC236}">
+                <a16:creationId xmlns:a16="http://schemas.microsoft.com/office/drawing/2014/main" id="{98D5B683-2009-BF16-0C1B-AC844D596F87}"/>
+              </a:ext>
+            </a:extLst>
+          </p:cNvPr>
+          <p:cNvSpPr>
+            <a:spLocks noGrp="1"/>
+          </p:cNvSpPr>
+          <p:nvPr>
+            <p:ph type="title"/>
+          </p:nvPr>
+        </p:nvSpPr>
+        <p:spPr/>
+        <p:txBody>
+          <a:bodyPr/>
+          <a:lstStyle/>
+          <a:p>
+            <a:r>
+              <a:rPr lang="en-US" dirty="0"/>
+              <a:t>Semi Devices</a:t>
+            </a:r>
+          </a:p>
+        </p:txBody>
+      </p:sp>
+      <p:sp>
+        <p:nvSpPr>
+          <p:cNvPr id="3" name="Text Placeholder 2">
+            <a:extLst>
+              <a:ext uri="{FF2B5EF4-FFF2-40B4-BE49-F238E27FC236}">
+                <a16:creationId xmlns:a16="http://schemas.microsoft.com/office/drawing/2014/main" id="{81A4FB93-3AC6-259F-CA72-B3115BD73EE6}"/>
+              </a:ext>
+            </a:extLst>
+          </p:cNvPr>
+          <p:cNvSpPr>
+            <a:spLocks noGrp="1"/>
+          </p:cNvSpPr>
+          <p:nvPr>
+            <p:ph type="body" idx="1"/>
+          </p:nvPr>
+        </p:nvSpPr>
+        <p:spPr/>
+        <p:txBody>
+          <a:bodyPr/>
+          <a:lstStyle/>
+          <a:p>
+            <a:endParaRPr lang="en-US"/>
+          </a:p>
+        </p:txBody>
+      </p:sp>
+    </p:spTree>
+    <p:extLst>
+      <p:ext uri="{BB962C8B-B14F-4D97-AF65-F5344CB8AC3E}">
+        <p14:creationId xmlns:p14="http://schemas.microsoft.com/office/powerpoint/2010/main" val="1304473932"/>
+      </p:ext>
+    </p:extLst>
+  </p:cSld>
+  <p:clrMapOvr>
+    <a:masterClrMapping/>
+  </p:clrMapOvr>
+</p:sld>
+</file>
+
+<file path=ppt/slides/slide20.xml><?xml version="1.0" encoding="utf-8"?>
 <p:sld xmlns:a="http://schemas.openxmlformats.org/drawingml/2006/main" xmlns:r="http://schemas.openxmlformats.org/officeDocument/2006/relationships" xmlns:p="http://schemas.openxmlformats.org/presentationml/2006/main">
   <p:cSld>
     <p:spTree>
@@ -10517,90 +10774,7 @@
 </p:sld>
 </file>
 
-<file path=ppt/slides/slide2.xml><?xml version="1.0" encoding="utf-8"?>
-<p:sld xmlns:a="http://schemas.openxmlformats.org/drawingml/2006/main" xmlns:r="http://schemas.openxmlformats.org/officeDocument/2006/relationships" xmlns:p="http://schemas.openxmlformats.org/presentationml/2006/main">
-  <p:cSld>
-    <p:spTree>
-      <p:nvGrpSpPr>
-        <p:cNvPr id="1" name=""/>
-        <p:cNvGrpSpPr/>
-        <p:nvPr/>
-      </p:nvGrpSpPr>
-      <p:grpSpPr>
-        <a:xfrm>
-          <a:off x="0" y="0"/>
-          <a:ext cx="0" cy="0"/>
-          <a:chOff x="0" y="0"/>
-          <a:chExt cx="0" cy="0"/>
-        </a:xfrm>
-      </p:grpSpPr>
-      <p:sp>
-        <p:nvSpPr>
-          <p:cNvPr id="2" name="Title 1">
-            <a:extLst>
-              <a:ext uri="{FF2B5EF4-FFF2-40B4-BE49-F238E27FC236}">
-                <a16:creationId xmlns:a16="http://schemas.microsoft.com/office/drawing/2014/main" id="{98D5B683-2009-BF16-0C1B-AC844D596F87}"/>
-              </a:ext>
-            </a:extLst>
-          </p:cNvPr>
-          <p:cNvSpPr>
-            <a:spLocks noGrp="1"/>
-          </p:cNvSpPr>
-          <p:nvPr>
-            <p:ph type="title"/>
-          </p:nvPr>
-        </p:nvSpPr>
-        <p:spPr/>
-        <p:txBody>
-          <a:bodyPr/>
-          <a:lstStyle/>
-          <a:p>
-            <a:r>
-              <a:rPr lang="en-US" dirty="0"/>
-              <a:t>Semi Devices</a:t>
-            </a:r>
-          </a:p>
-        </p:txBody>
-      </p:sp>
-      <p:sp>
-        <p:nvSpPr>
-          <p:cNvPr id="3" name="Text Placeholder 2">
-            <a:extLst>
-              <a:ext uri="{FF2B5EF4-FFF2-40B4-BE49-F238E27FC236}">
-                <a16:creationId xmlns:a16="http://schemas.microsoft.com/office/drawing/2014/main" id="{81A4FB93-3AC6-259F-CA72-B3115BD73EE6}"/>
-              </a:ext>
-            </a:extLst>
-          </p:cNvPr>
-          <p:cNvSpPr>
-            <a:spLocks noGrp="1"/>
-          </p:cNvSpPr>
-          <p:nvPr>
-            <p:ph type="body" idx="1"/>
-          </p:nvPr>
-        </p:nvSpPr>
-        <p:spPr/>
-        <p:txBody>
-          <a:bodyPr/>
-          <a:lstStyle/>
-          <a:p>
-            <a:endParaRPr lang="en-US"/>
-          </a:p>
-        </p:txBody>
-      </p:sp>
-    </p:spTree>
-    <p:extLst>
-      <p:ext uri="{BB962C8B-B14F-4D97-AF65-F5344CB8AC3E}">
-        <p14:creationId xmlns:p14="http://schemas.microsoft.com/office/powerpoint/2010/main" val="1304473932"/>
-      </p:ext>
-    </p:extLst>
-  </p:cSld>
-  <p:clrMapOvr>
-    <a:masterClrMapping/>
-  </p:clrMapOvr>
-</p:sld>
-</file>
-
-<file path=ppt/slides/slide20.xml><?xml version="1.0" encoding="utf-8"?>
+<file path=ppt/slides/slide21.xml><?xml version="1.0" encoding="utf-8"?>
 <p:sld xmlns:a="http://schemas.openxmlformats.org/drawingml/2006/main" xmlns:r="http://schemas.openxmlformats.org/officeDocument/2006/relationships" xmlns:p="http://schemas.openxmlformats.org/presentationml/2006/main">
   <p:cSld>
     <p:spTree>
@@ -13560,7 +13734,7 @@
 </p:sld>
 </file>
 
-<file path=ppt/slides/slide21.xml><?xml version="1.0" encoding="utf-8"?>
+<file path=ppt/slides/slide22.xml><?xml version="1.0" encoding="utf-8"?>
 <p:sld xmlns:a="http://schemas.openxmlformats.org/drawingml/2006/main" xmlns:r="http://schemas.openxmlformats.org/officeDocument/2006/relationships" xmlns:p="http://schemas.openxmlformats.org/presentationml/2006/main">
   <p:cSld>
     <p:spTree>
@@ -16665,7 +16839,7 @@
 </p:sld>
 </file>
 
-<file path=ppt/slides/slide22.xml><?xml version="1.0" encoding="utf-8"?>
+<file path=ppt/slides/slide23.xml><?xml version="1.0" encoding="utf-8"?>
 <p:sld xmlns:a="http://schemas.openxmlformats.org/drawingml/2006/main" xmlns:r="http://schemas.openxmlformats.org/officeDocument/2006/relationships" xmlns:p="http://schemas.openxmlformats.org/presentationml/2006/main">
   <p:cSld>
     <p:spTree>
@@ -18771,7 +18945,7 @@
 </p:sld>
 </file>
 
-<file path=ppt/slides/slide23.xml><?xml version="1.0" encoding="utf-8"?>
+<file path=ppt/slides/slide24.xml><?xml version="1.0" encoding="utf-8"?>
 <p:sld xmlns:a="http://schemas.openxmlformats.org/drawingml/2006/main" xmlns:r="http://schemas.openxmlformats.org/officeDocument/2006/relationships" xmlns:p="http://schemas.openxmlformats.org/presentationml/2006/main">
   <p:cSld>
     <p:spTree>
@@ -18859,7 +19033,7 @@
 </p:sld>
 </file>
 
-<file path=ppt/slides/slide24.xml><?xml version="1.0" encoding="utf-8"?>
+<file path=ppt/slides/slide25.xml><?xml version="1.0" encoding="utf-8"?>
 <p:sld xmlns:a="http://schemas.openxmlformats.org/drawingml/2006/main" xmlns:r="http://schemas.openxmlformats.org/officeDocument/2006/relationships" xmlns:p="http://schemas.openxmlformats.org/presentationml/2006/main">
   <p:cSld>
     <p:spTree>
@@ -18954,7 +19128,7 @@
 </p:sld>
 </file>
 
-<file path=ppt/slides/slide25.xml><?xml version="1.0" encoding="utf-8"?>
+<file path=ppt/slides/slide26.xml><?xml version="1.0" encoding="utf-8"?>
 <p:sld xmlns:a="http://schemas.openxmlformats.org/drawingml/2006/main" xmlns:r="http://schemas.openxmlformats.org/officeDocument/2006/relationships" xmlns:p="http://schemas.openxmlformats.org/presentationml/2006/main">
   <p:cSld>
     <p:spTree>
@@ -19055,7 +19229,7 @@
 </p:sld>
 </file>
 
-<file path=ppt/slides/slide26.xml><?xml version="1.0" encoding="utf-8"?>
+<file path=ppt/slides/slide27.xml><?xml version="1.0" encoding="utf-8"?>
 <p:sld xmlns:a="http://schemas.openxmlformats.org/drawingml/2006/main" xmlns:r="http://schemas.openxmlformats.org/officeDocument/2006/relationships" xmlns:p="http://schemas.openxmlformats.org/presentationml/2006/main">
   <p:cSld>
     <p:spTree>
@@ -19150,7 +19324,7 @@
 </p:sld>
 </file>
 
-<file path=ppt/slides/slide27.xml><?xml version="1.0" encoding="utf-8"?>
+<file path=ppt/slides/slide28.xml><?xml version="1.0" encoding="utf-8"?>
 <p:sld xmlns:a="http://schemas.openxmlformats.org/drawingml/2006/main" xmlns:r="http://schemas.openxmlformats.org/officeDocument/2006/relationships" xmlns:p="http://schemas.openxmlformats.org/presentationml/2006/main">
   <p:cSld>
     <p:spTree>
@@ -19245,7 +19419,7 @@
 </p:sld>
 </file>
 
-<file path=ppt/slides/slide28.xml><?xml version="1.0" encoding="utf-8"?>
+<file path=ppt/slides/slide29.xml><?xml version="1.0" encoding="utf-8"?>
 <p:sld xmlns:a="http://schemas.openxmlformats.org/drawingml/2006/main" xmlns:r="http://schemas.openxmlformats.org/officeDocument/2006/relationships" xmlns:p="http://schemas.openxmlformats.org/presentationml/2006/main">
   <p:cSld>
     <p:spTree>
@@ -19337,136 +19511,6 @@
     <p:extLst>
       <p:ext uri="{BB962C8B-B14F-4D97-AF65-F5344CB8AC3E}">
         <p14:creationId xmlns:p14="http://schemas.microsoft.com/office/powerpoint/2010/main" val="2436477439"/>
-      </p:ext>
-    </p:extLst>
-  </p:cSld>
-  <p:clrMapOvr>
-    <a:masterClrMapping/>
-  </p:clrMapOvr>
-</p:sld>
-</file>
-
-<file path=ppt/slides/slide29.xml><?xml version="1.0" encoding="utf-8"?>
-<p:sld xmlns:a="http://schemas.openxmlformats.org/drawingml/2006/main" xmlns:r="http://schemas.openxmlformats.org/officeDocument/2006/relationships" xmlns:p="http://schemas.openxmlformats.org/presentationml/2006/main">
-  <p:cSld>
-    <p:spTree>
-      <p:nvGrpSpPr>
-        <p:cNvPr id="1" name=""/>
-        <p:cNvGrpSpPr/>
-        <p:nvPr/>
-      </p:nvGrpSpPr>
-      <p:grpSpPr>
-        <a:xfrm>
-          <a:off x="0" y="0"/>
-          <a:ext cx="0" cy="0"/>
-          <a:chOff x="0" y="0"/>
-          <a:chExt cx="0" cy="0"/>
-        </a:xfrm>
-      </p:grpSpPr>
-      <p:pic>
-        <p:nvPicPr>
-          <p:cNvPr id="3" name="Picture 2">
-            <a:extLst>
-              <a:ext uri="{FF2B5EF4-FFF2-40B4-BE49-F238E27FC236}">
-                <a16:creationId xmlns:a16="http://schemas.microsoft.com/office/drawing/2014/main" id="{035AE8EB-5E62-8955-E410-EF83CA56AB06}"/>
-              </a:ext>
-            </a:extLst>
-          </p:cNvPr>
-          <p:cNvPicPr>
-            <a:picLocks noChangeAspect="1"/>
-          </p:cNvPicPr>
-          <p:nvPr/>
-        </p:nvPicPr>
-        <p:blipFill>
-          <a:blip r:embed="rId2"/>
-          <a:stretch>
-            <a:fillRect/>
-          </a:stretch>
-        </p:blipFill>
-        <p:spPr>
-          <a:xfrm>
-            <a:off x="407962" y="2467643"/>
-            <a:ext cx="3914775" cy="1495425"/>
-          </a:xfrm>
-          <a:prstGeom prst="rect">
-            <a:avLst/>
-          </a:prstGeom>
-        </p:spPr>
-      </p:pic>
-      <p:sp>
-        <p:nvSpPr>
-          <p:cNvPr id="4" name="TextBox 3">
-            <a:extLst>
-              <a:ext uri="{FF2B5EF4-FFF2-40B4-BE49-F238E27FC236}">
-                <a16:creationId xmlns:a16="http://schemas.microsoft.com/office/drawing/2014/main" id="{A8282026-CCDC-E776-02D3-164D6D01621B}"/>
-              </a:ext>
-            </a:extLst>
-          </p:cNvPr>
-          <p:cNvSpPr txBox="1"/>
-          <p:nvPr/>
-        </p:nvSpPr>
-        <p:spPr>
-          <a:xfrm>
-            <a:off x="407962" y="5949334"/>
-            <a:ext cx="10579828" cy="646331"/>
-          </a:xfrm>
-          <a:prstGeom prst="rect">
-            <a:avLst/>
-          </a:prstGeom>
-          <a:noFill/>
-        </p:spPr>
-        <p:txBody>
-          <a:bodyPr wrap="square" rtlCol="0">
-            <a:spAutoFit/>
-          </a:bodyPr>
-          <a:lstStyle/>
-          <a:p>
-            <a:r>
-              <a:rPr lang="en-US" dirty="0"/>
-              <a:t>A linear circuit with resistors and both dependent and independent sources is connected to a linear or non-linear load</a:t>
-            </a:r>
-          </a:p>
-        </p:txBody>
-      </p:sp>
-      <p:sp>
-        <p:nvSpPr>
-          <p:cNvPr id="5" name="TextBox 4">
-            <a:extLst>
-              <a:ext uri="{FF2B5EF4-FFF2-40B4-BE49-F238E27FC236}">
-                <a16:creationId xmlns:a16="http://schemas.microsoft.com/office/drawing/2014/main" id="{6E28CE42-32E2-07B4-98E8-721849E7D74A}"/>
-              </a:ext>
-            </a:extLst>
-          </p:cNvPr>
-          <p:cNvSpPr txBox="1"/>
-          <p:nvPr/>
-        </p:nvSpPr>
-        <p:spPr>
-          <a:xfrm>
-            <a:off x="407962" y="4586869"/>
-            <a:ext cx="3650999" cy="369332"/>
-          </a:xfrm>
-          <a:prstGeom prst="rect">
-            <a:avLst/>
-          </a:prstGeom>
-          <a:noFill/>
-        </p:spPr>
-        <p:txBody>
-          <a:bodyPr wrap="none" rtlCol="0">
-            <a:spAutoFit/>
-          </a:bodyPr>
-          <a:lstStyle/>
-          <a:p>
-            <a:r>
-              <a:rPr lang="en-US" dirty="0"/>
-              <a:t>Fig-circuits-linckt.png  R0 01/19/25</a:t>
-            </a:r>
-          </a:p>
-        </p:txBody>
-      </p:sp>
-    </p:spTree>
-    <p:extLst>
-      <p:ext uri="{BB962C8B-B14F-4D97-AF65-F5344CB8AC3E}">
-        <p14:creationId xmlns:p14="http://schemas.microsoft.com/office/powerpoint/2010/main" val="2898292114"/>
       </p:ext>
     </p:extLst>
   </p:cSld>
@@ -22806,6 +22850,136 @@
   <p:cSld>
     <p:spTree>
       <p:nvGrpSpPr>
+        <p:cNvPr id="1" name=""/>
+        <p:cNvGrpSpPr/>
+        <p:nvPr/>
+      </p:nvGrpSpPr>
+      <p:grpSpPr>
+        <a:xfrm>
+          <a:off x="0" y="0"/>
+          <a:ext cx="0" cy="0"/>
+          <a:chOff x="0" y="0"/>
+          <a:chExt cx="0" cy="0"/>
+        </a:xfrm>
+      </p:grpSpPr>
+      <p:pic>
+        <p:nvPicPr>
+          <p:cNvPr id="3" name="Picture 2">
+            <a:extLst>
+              <a:ext uri="{FF2B5EF4-FFF2-40B4-BE49-F238E27FC236}">
+                <a16:creationId xmlns:a16="http://schemas.microsoft.com/office/drawing/2014/main" id="{035AE8EB-5E62-8955-E410-EF83CA56AB06}"/>
+              </a:ext>
+            </a:extLst>
+          </p:cNvPr>
+          <p:cNvPicPr>
+            <a:picLocks noChangeAspect="1"/>
+          </p:cNvPicPr>
+          <p:nvPr/>
+        </p:nvPicPr>
+        <p:blipFill>
+          <a:blip r:embed="rId2"/>
+          <a:stretch>
+            <a:fillRect/>
+          </a:stretch>
+        </p:blipFill>
+        <p:spPr>
+          <a:xfrm>
+            <a:off x="407962" y="2467643"/>
+            <a:ext cx="3914775" cy="1495425"/>
+          </a:xfrm>
+          <a:prstGeom prst="rect">
+            <a:avLst/>
+          </a:prstGeom>
+        </p:spPr>
+      </p:pic>
+      <p:sp>
+        <p:nvSpPr>
+          <p:cNvPr id="4" name="TextBox 3">
+            <a:extLst>
+              <a:ext uri="{FF2B5EF4-FFF2-40B4-BE49-F238E27FC236}">
+                <a16:creationId xmlns:a16="http://schemas.microsoft.com/office/drawing/2014/main" id="{A8282026-CCDC-E776-02D3-164D6D01621B}"/>
+              </a:ext>
+            </a:extLst>
+          </p:cNvPr>
+          <p:cNvSpPr txBox="1"/>
+          <p:nvPr/>
+        </p:nvSpPr>
+        <p:spPr>
+          <a:xfrm>
+            <a:off x="407962" y="5949334"/>
+            <a:ext cx="10579828" cy="646331"/>
+          </a:xfrm>
+          <a:prstGeom prst="rect">
+            <a:avLst/>
+          </a:prstGeom>
+          <a:noFill/>
+        </p:spPr>
+        <p:txBody>
+          <a:bodyPr wrap="square" rtlCol="0">
+            <a:spAutoFit/>
+          </a:bodyPr>
+          <a:lstStyle/>
+          <a:p>
+            <a:r>
+              <a:rPr lang="en-US" dirty="0"/>
+              <a:t>A linear circuit with resistors and both dependent and independent sources is connected to a linear or non-linear load</a:t>
+            </a:r>
+          </a:p>
+        </p:txBody>
+      </p:sp>
+      <p:sp>
+        <p:nvSpPr>
+          <p:cNvPr id="5" name="TextBox 4">
+            <a:extLst>
+              <a:ext uri="{FF2B5EF4-FFF2-40B4-BE49-F238E27FC236}">
+                <a16:creationId xmlns:a16="http://schemas.microsoft.com/office/drawing/2014/main" id="{6E28CE42-32E2-07B4-98E8-721849E7D74A}"/>
+              </a:ext>
+            </a:extLst>
+          </p:cNvPr>
+          <p:cNvSpPr txBox="1"/>
+          <p:nvPr/>
+        </p:nvSpPr>
+        <p:spPr>
+          <a:xfrm>
+            <a:off x="407962" y="4586869"/>
+            <a:ext cx="3650999" cy="369332"/>
+          </a:xfrm>
+          <a:prstGeom prst="rect">
+            <a:avLst/>
+          </a:prstGeom>
+          <a:noFill/>
+        </p:spPr>
+        <p:txBody>
+          <a:bodyPr wrap="none" rtlCol="0">
+            <a:spAutoFit/>
+          </a:bodyPr>
+          <a:lstStyle/>
+          <a:p>
+            <a:r>
+              <a:rPr lang="en-US" dirty="0"/>
+              <a:t>Fig-circuits-linckt.png  R0 01/19/25</a:t>
+            </a:r>
+          </a:p>
+        </p:txBody>
+      </p:sp>
+    </p:spTree>
+    <p:extLst>
+      <p:ext uri="{BB962C8B-B14F-4D97-AF65-F5344CB8AC3E}">
+        <p14:creationId xmlns:p14="http://schemas.microsoft.com/office/powerpoint/2010/main" val="2898292114"/>
+      </p:ext>
+    </p:extLst>
+  </p:cSld>
+  <p:clrMapOvr>
+    <a:masterClrMapping/>
+  </p:clrMapOvr>
+</p:sld>
+</file>
+
+<file path=ppt/slides/slide31.xml><?xml version="1.0" encoding="utf-8"?>
+<p:sld xmlns:a="http://schemas.openxmlformats.org/drawingml/2006/main" xmlns:r="http://schemas.openxmlformats.org/officeDocument/2006/relationships" xmlns:p="http://schemas.openxmlformats.org/presentationml/2006/main">
+  <p:cSld>
+    <p:spTree>
+      <p:nvGrpSpPr>
         <p:cNvPr id="1" name="">
           <a:extLst>
             <a:ext uri="{FF2B5EF4-FFF2-40B4-BE49-F238E27FC236}">
@@ -22945,7 +23119,7 @@
 </p:sld>
 </file>
 
-<file path=ppt/slides/slide31.xml><?xml version="1.0" encoding="utf-8"?>
+<file path=ppt/slides/slide32.xml><?xml version="1.0" encoding="utf-8"?>
 <p:sld xmlns:a="http://schemas.openxmlformats.org/drawingml/2006/main" xmlns:r="http://schemas.openxmlformats.org/officeDocument/2006/relationships" xmlns:p="http://schemas.openxmlformats.org/presentationml/2006/main">
   <p:cSld>
     <p:spTree>
@@ -23081,7 +23255,7 @@
 </p:sld>
 </file>
 
-<file path=ppt/slides/slide32.xml><?xml version="1.0" encoding="utf-8"?>
+<file path=ppt/slides/slide33.xml><?xml version="1.0" encoding="utf-8"?>
 <p:sld xmlns:a="http://schemas.openxmlformats.org/drawingml/2006/main" xmlns:r="http://schemas.openxmlformats.org/officeDocument/2006/relationships" xmlns:p="http://schemas.openxmlformats.org/presentationml/2006/main">
   <p:cSld>
     <p:spTree>
@@ -23348,7 +23522,7 @@
 </p:sld>
 </file>
 
-<file path=ppt/slides/slide33.xml><?xml version="1.0" encoding="utf-8"?>
+<file path=ppt/slides/slide34.xml><?xml version="1.0" encoding="utf-8"?>
 <p:sld xmlns:a="http://schemas.openxmlformats.org/drawingml/2006/main" xmlns:r="http://schemas.openxmlformats.org/officeDocument/2006/relationships" xmlns:p="http://schemas.openxmlformats.org/presentationml/2006/main">
   <p:cSld>
     <p:spTree>
@@ -24040,8 +24214,8 @@
               </a:p>
             </p:txBody>
           </p:sp>
-          <mc:AlternateContent xmlns:mc="http://schemas.openxmlformats.org/markup-compatibility/2006">
-            <mc:Choice xmlns:a14="http://schemas.microsoft.com/office/drawing/2010/main" Requires="a14">
+          <mc:AlternateContent xmlns:mc="http://schemas.openxmlformats.org/markup-compatibility/2006" xmlns:a14="http://schemas.microsoft.com/office/drawing/2010/main">
+            <mc:Choice Requires="a14">
               <p:sp>
                 <p:nvSpPr>
                   <p:cNvPr id="109" name="TextBox 108">
@@ -24110,7 +24284,7 @@
                 </p:txBody>
               </p:sp>
             </mc:Choice>
-            <mc:Fallback>
+            <mc:Fallback xmlns="">
               <p:sp>
                 <p:nvSpPr>
                   <p:cNvPr id="109" name="TextBox 108">
@@ -24155,8 +24329,8 @@
               </p:sp>
             </mc:Fallback>
           </mc:AlternateContent>
-          <mc:AlternateContent xmlns:mc="http://schemas.openxmlformats.org/markup-compatibility/2006">
-            <mc:Choice xmlns:a14="http://schemas.microsoft.com/office/drawing/2010/main" Requires="a14">
+          <mc:AlternateContent xmlns:mc="http://schemas.openxmlformats.org/markup-compatibility/2006" xmlns:a14="http://schemas.microsoft.com/office/drawing/2010/main">
+            <mc:Choice Requires="a14">
               <p:sp>
                 <p:nvSpPr>
                   <p:cNvPr id="110" name="TextBox 109">
@@ -24225,7 +24399,7 @@
                 </p:txBody>
               </p:sp>
             </mc:Choice>
-            <mc:Fallback>
+            <mc:Fallback xmlns="">
               <p:sp>
                 <p:nvSpPr>
                   <p:cNvPr id="110" name="TextBox 109">
@@ -24270,8 +24444,8 @@
               </p:sp>
             </mc:Fallback>
           </mc:AlternateContent>
-          <mc:AlternateContent xmlns:mc="http://schemas.openxmlformats.org/markup-compatibility/2006">
-            <mc:Choice xmlns:a14="http://schemas.microsoft.com/office/drawing/2010/main" Requires="a14">
+          <mc:AlternateContent xmlns:mc="http://schemas.openxmlformats.org/markup-compatibility/2006" xmlns:a14="http://schemas.microsoft.com/office/drawing/2010/main">
+            <mc:Choice Requires="a14">
               <p:sp>
                 <p:nvSpPr>
                   <p:cNvPr id="111" name="TextBox 110">
@@ -24340,7 +24514,7 @@
                 </p:txBody>
               </p:sp>
             </mc:Choice>
-            <mc:Fallback>
+            <mc:Fallback xmlns="">
               <p:sp>
                 <p:nvSpPr>
                   <p:cNvPr id="111" name="TextBox 110">
@@ -24385,8 +24559,8 @@
               </p:sp>
             </mc:Fallback>
           </mc:AlternateContent>
-          <mc:AlternateContent xmlns:mc="http://schemas.openxmlformats.org/markup-compatibility/2006">
-            <mc:Choice xmlns:a14="http://schemas.microsoft.com/office/drawing/2010/main" Requires="a14">
+          <mc:AlternateContent xmlns:mc="http://schemas.openxmlformats.org/markup-compatibility/2006" xmlns:a14="http://schemas.microsoft.com/office/drawing/2010/main">
+            <mc:Choice Requires="a14">
               <p:sp>
                 <p:nvSpPr>
                   <p:cNvPr id="112" name="TextBox 111">
@@ -24455,7 +24629,7 @@
                 </p:txBody>
               </p:sp>
             </mc:Choice>
-            <mc:Fallback>
+            <mc:Fallback xmlns="">
               <p:sp>
                 <p:nvSpPr>
                   <p:cNvPr id="112" name="TextBox 111">
@@ -24500,8 +24674,8 @@
               </p:sp>
             </mc:Fallback>
           </mc:AlternateContent>
-          <mc:AlternateContent xmlns:mc="http://schemas.openxmlformats.org/markup-compatibility/2006">
-            <mc:Choice xmlns:a14="http://schemas.microsoft.com/office/drawing/2010/main" Requires="a14">
+          <mc:AlternateContent xmlns:mc="http://schemas.openxmlformats.org/markup-compatibility/2006" xmlns:a14="http://schemas.microsoft.com/office/drawing/2010/main">
+            <mc:Choice Requires="a14">
               <p:sp>
                 <p:nvSpPr>
                   <p:cNvPr id="113" name="TextBox 112">
@@ -24570,7 +24744,7 @@
                 </p:txBody>
               </p:sp>
             </mc:Choice>
-            <mc:Fallback>
+            <mc:Fallback xmlns="">
               <p:sp>
                 <p:nvSpPr>
                   <p:cNvPr id="113" name="TextBox 112">
@@ -24656,8 +24830,8 @@
               </a:fontRef>
             </p:style>
           </p:cxnSp>
-          <mc:AlternateContent xmlns:mc="http://schemas.openxmlformats.org/markup-compatibility/2006">
-            <mc:Choice xmlns:a14="http://schemas.microsoft.com/office/drawing/2010/main" Requires="a14">
+          <mc:AlternateContent xmlns:mc="http://schemas.openxmlformats.org/markup-compatibility/2006" xmlns:a14="http://schemas.microsoft.com/office/drawing/2010/main">
+            <mc:Choice Requires="a14">
               <p:sp>
                 <p:nvSpPr>
                   <p:cNvPr id="117" name="TextBox 116">
@@ -24707,7 +24881,7 @@
                 </p:txBody>
               </p:sp>
             </mc:Choice>
-            <mc:Fallback>
+            <mc:Fallback xmlns="">
               <p:sp>
                 <p:nvSpPr>
                   <p:cNvPr id="117" name="TextBox 116">

--- a/figures/fig.pptx
+++ b/figures/fig.pptx
@@ -21,24 +21,25 @@
     <p:sldId id="286" r:id="rId15"/>
     <p:sldId id="287" r:id="rId16"/>
     <p:sldId id="289" r:id="rId17"/>
-    <p:sldId id="274" r:id="rId18"/>
-    <p:sldId id="257" r:id="rId19"/>
-    <p:sldId id="258" r:id="rId20"/>
-    <p:sldId id="261" r:id="rId21"/>
-    <p:sldId id="262" r:id="rId22"/>
-    <p:sldId id="259" r:id="rId23"/>
-    <p:sldId id="260" r:id="rId24"/>
-    <p:sldId id="273" r:id="rId25"/>
-    <p:sldId id="263" r:id="rId26"/>
-    <p:sldId id="264" r:id="rId27"/>
-    <p:sldId id="265" r:id="rId28"/>
-    <p:sldId id="266" r:id="rId29"/>
-    <p:sldId id="267" r:id="rId30"/>
-    <p:sldId id="268" r:id="rId31"/>
-    <p:sldId id="269" r:id="rId32"/>
-    <p:sldId id="270" r:id="rId33"/>
-    <p:sldId id="271" r:id="rId34"/>
-    <p:sldId id="272" r:id="rId35"/>
+    <p:sldId id="290" r:id="rId18"/>
+    <p:sldId id="274" r:id="rId19"/>
+    <p:sldId id="257" r:id="rId20"/>
+    <p:sldId id="258" r:id="rId21"/>
+    <p:sldId id="261" r:id="rId22"/>
+    <p:sldId id="262" r:id="rId23"/>
+    <p:sldId id="259" r:id="rId24"/>
+    <p:sldId id="260" r:id="rId25"/>
+    <p:sldId id="273" r:id="rId26"/>
+    <p:sldId id="263" r:id="rId27"/>
+    <p:sldId id="264" r:id="rId28"/>
+    <p:sldId id="265" r:id="rId29"/>
+    <p:sldId id="266" r:id="rId30"/>
+    <p:sldId id="267" r:id="rId31"/>
+    <p:sldId id="268" r:id="rId32"/>
+    <p:sldId id="269" r:id="rId33"/>
+    <p:sldId id="270" r:id="rId34"/>
+    <p:sldId id="271" r:id="rId35"/>
+    <p:sldId id="272" r:id="rId36"/>
   </p:sldIdLst>
   <p:sldSz cx="12192000" cy="6858000"/>
   <p:notesSz cx="6858000" cy="9144000"/>
@@ -292,7 +293,7 @@
           <a:p>
             <a:fld id="{BA5A1584-706A-4ABE-803B-792AD84DBA31}" type="datetimeFigureOut">
               <a:rPr lang="en-US" smtClean="0"/>
-              <a:t>3/17/2025</a:t>
+              <a:t>3/18/2025</a:t>
             </a:fld>
             <a:endParaRPr lang="en-US"/>
           </a:p>
@@ -490,7 +491,7 @@
           <a:p>
             <a:fld id="{BA5A1584-706A-4ABE-803B-792AD84DBA31}" type="datetimeFigureOut">
               <a:rPr lang="en-US" smtClean="0"/>
-              <a:t>3/17/2025</a:t>
+              <a:t>3/18/2025</a:t>
             </a:fld>
             <a:endParaRPr lang="en-US"/>
           </a:p>
@@ -698,7 +699,7 @@
           <a:p>
             <a:fld id="{BA5A1584-706A-4ABE-803B-792AD84DBA31}" type="datetimeFigureOut">
               <a:rPr lang="en-US" smtClean="0"/>
-              <a:t>3/17/2025</a:t>
+              <a:t>3/18/2025</a:t>
             </a:fld>
             <a:endParaRPr lang="en-US"/>
           </a:p>
@@ -896,7 +897,7 @@
           <a:p>
             <a:fld id="{BA5A1584-706A-4ABE-803B-792AD84DBA31}" type="datetimeFigureOut">
               <a:rPr lang="en-US" smtClean="0"/>
-              <a:t>3/17/2025</a:t>
+              <a:t>3/18/2025</a:t>
             </a:fld>
             <a:endParaRPr lang="en-US"/>
           </a:p>
@@ -1171,7 +1172,7 @@
           <a:p>
             <a:fld id="{BA5A1584-706A-4ABE-803B-792AD84DBA31}" type="datetimeFigureOut">
               <a:rPr lang="en-US" smtClean="0"/>
-              <a:t>3/17/2025</a:t>
+              <a:t>3/18/2025</a:t>
             </a:fld>
             <a:endParaRPr lang="en-US"/>
           </a:p>
@@ -1436,7 +1437,7 @@
           <a:p>
             <a:fld id="{BA5A1584-706A-4ABE-803B-792AD84DBA31}" type="datetimeFigureOut">
               <a:rPr lang="en-US" smtClean="0"/>
-              <a:t>3/17/2025</a:t>
+              <a:t>3/18/2025</a:t>
             </a:fld>
             <a:endParaRPr lang="en-US"/>
           </a:p>
@@ -1848,7 +1849,7 @@
           <a:p>
             <a:fld id="{BA5A1584-706A-4ABE-803B-792AD84DBA31}" type="datetimeFigureOut">
               <a:rPr lang="en-US" smtClean="0"/>
-              <a:t>3/17/2025</a:t>
+              <a:t>3/18/2025</a:t>
             </a:fld>
             <a:endParaRPr lang="en-US"/>
           </a:p>
@@ -1989,7 +1990,7 @@
           <a:p>
             <a:fld id="{BA5A1584-706A-4ABE-803B-792AD84DBA31}" type="datetimeFigureOut">
               <a:rPr lang="en-US" smtClean="0"/>
-              <a:t>3/17/2025</a:t>
+              <a:t>3/18/2025</a:t>
             </a:fld>
             <a:endParaRPr lang="en-US"/>
           </a:p>
@@ -2102,7 +2103,7 @@
           <a:p>
             <a:fld id="{BA5A1584-706A-4ABE-803B-792AD84DBA31}" type="datetimeFigureOut">
               <a:rPr lang="en-US" smtClean="0"/>
-              <a:t>3/17/2025</a:t>
+              <a:t>3/18/2025</a:t>
             </a:fld>
             <a:endParaRPr lang="en-US"/>
           </a:p>
@@ -2413,7 +2414,7 @@
           <a:p>
             <a:fld id="{BA5A1584-706A-4ABE-803B-792AD84DBA31}" type="datetimeFigureOut">
               <a:rPr lang="en-US" smtClean="0"/>
-              <a:t>3/17/2025</a:t>
+              <a:t>3/18/2025</a:t>
             </a:fld>
             <a:endParaRPr lang="en-US"/>
           </a:p>
@@ -2701,7 +2702,7 @@
           <a:p>
             <a:fld id="{BA5A1584-706A-4ABE-803B-792AD84DBA31}" type="datetimeFigureOut">
               <a:rPr lang="en-US" smtClean="0"/>
-              <a:t>3/17/2025</a:t>
+              <a:t>3/18/2025</a:t>
             </a:fld>
             <a:endParaRPr lang="en-US"/>
           </a:p>
@@ -2942,7 +2943,7 @@
           <a:p>
             <a:fld id="{BA5A1584-706A-4ABE-803B-792AD84DBA31}" type="datetimeFigureOut">
               <a:rPr lang="en-US" smtClean="0"/>
-              <a:t>3/17/2025</a:t>
+              <a:t>3/18/2025</a:t>
             </a:fld>
             <a:endParaRPr lang="en-US"/>
           </a:p>
@@ -4825,7 +4826,7 @@
         <p:spPr>
           <a:xfrm>
             <a:off x="290649" y="637593"/>
-            <a:ext cx="3706585" cy="646331"/>
+            <a:ext cx="3706585" cy="2308324"/>
           </a:xfrm>
           <a:prstGeom prst="rect">
             <a:avLst/>
@@ -4840,7 +4841,7 @@
           <a:p>
             <a:r>
               <a:rPr lang="en-US" dirty="0"/>
-              <a:t>![](figures/fig-semi-dev-pnjunc.png){#fig-semi-dev-pnjunc}</a:t>
+              <a:t>![Distribution of charge, electric field, and potential for a $p-n$ junction diode (a) when unbiased, and (b) contrast of potential distributions under zero, forward, and reverse bias conditions.](figures/fig-semi-dev-pnjunc.png){#fig-semi-dev-pnjunc}</a:t>
             </a:r>
           </a:p>
         </p:txBody>
@@ -4963,6 +4964,193 @@
   <p:cSld>
     <p:spTree>
       <p:nvGrpSpPr>
+        <p:cNvPr id="1" name="">
+          <a:extLst>
+            <a:ext uri="{FF2B5EF4-FFF2-40B4-BE49-F238E27FC236}">
+              <a16:creationId xmlns:a16="http://schemas.microsoft.com/office/drawing/2014/main" id="{1A224F2D-DF7C-E390-7DAD-95F90626C8A3}"/>
+            </a:ext>
+          </a:extLst>
+        </p:cNvPr>
+        <p:cNvGrpSpPr/>
+        <p:nvPr/>
+      </p:nvGrpSpPr>
+      <p:grpSpPr>
+        <a:xfrm>
+          <a:off x="0" y="0"/>
+          <a:ext cx="0" cy="0"/>
+          <a:chOff x="0" y="0"/>
+          <a:chExt cx="0" cy="0"/>
+        </a:xfrm>
+      </p:grpSpPr>
+      <p:sp>
+        <p:nvSpPr>
+          <p:cNvPr id="5" name="TextBox 4">
+            <a:extLst>
+              <a:ext uri="{FF2B5EF4-FFF2-40B4-BE49-F238E27FC236}">
+                <a16:creationId xmlns:a16="http://schemas.microsoft.com/office/drawing/2014/main" id="{B4A9DFAD-D411-E7A6-976E-312A8818E423}"/>
+              </a:ext>
+            </a:extLst>
+          </p:cNvPr>
+          <p:cNvSpPr txBox="1"/>
+          <p:nvPr/>
+        </p:nvSpPr>
+        <p:spPr>
+          <a:xfrm>
+            <a:off x="290649" y="637593"/>
+            <a:ext cx="3706585" cy="3139321"/>
+          </a:xfrm>
+          <a:prstGeom prst="rect">
+            <a:avLst/>
+          </a:prstGeom>
+          <a:noFill/>
+        </p:spPr>
+        <p:txBody>
+          <a:bodyPr wrap="square">
+            <a:spAutoFit/>
+          </a:bodyPr>
+          <a:lstStyle/>
+          <a:p>
+            <a:r>
+              <a:rPr lang="en-US" dirty="0"/>
+              <a:t>![Forward-biased junction: (a) distribution of minority carriers on both sides of the transition region, alongside the definitions for distances $</a:t>
+            </a:r>
+            <a:r>
+              <a:rPr lang="en-US" dirty="0" err="1"/>
+              <a:t>x_n</a:t>
+            </a:r>
+            <a:r>
+              <a:rPr lang="en-US" dirty="0"/>
+              <a:t>$ and $</a:t>
+            </a:r>
+            <a:r>
+              <a:rPr lang="en-US" dirty="0" err="1"/>
+              <a:t>x_p</a:t>
+            </a:r>
+            <a:r>
+              <a:rPr lang="en-US" dirty="0"/>
+              <a:t>$ measured from the edges of the transition zone; (b) positional variation of the quasi-Fermi levels](figures/fig-semi-dev-pn-current.png){#fig-semi-dev-pn-cuurent}</a:t>
+            </a:r>
+          </a:p>
+        </p:txBody>
+      </p:sp>
+      <p:sp>
+        <p:nvSpPr>
+          <p:cNvPr id="6" name="TextBox 5">
+            <a:extLst>
+              <a:ext uri="{FF2B5EF4-FFF2-40B4-BE49-F238E27FC236}">
+                <a16:creationId xmlns:a16="http://schemas.microsoft.com/office/drawing/2014/main" id="{9C32478B-D147-499B-7707-CD81147B5630}"/>
+              </a:ext>
+            </a:extLst>
+          </p:cNvPr>
+          <p:cNvSpPr txBox="1"/>
+          <p:nvPr/>
+        </p:nvSpPr>
+        <p:spPr>
+          <a:xfrm>
+            <a:off x="244431" y="5761563"/>
+            <a:ext cx="1391728" cy="369332"/>
+          </a:xfrm>
+          <a:prstGeom prst="rect">
+            <a:avLst/>
+          </a:prstGeom>
+          <a:noFill/>
+        </p:spPr>
+        <p:txBody>
+          <a:bodyPr wrap="none" rtlCol="0">
+            <a:spAutoFit/>
+          </a:bodyPr>
+          <a:lstStyle/>
+          <a:p>
+            <a:r>
+              <a:rPr lang="en-US" dirty="0"/>
+              <a:t>R0 03/18/25</a:t>
+            </a:r>
+          </a:p>
+        </p:txBody>
+      </p:sp>
+      <p:sp>
+        <p:nvSpPr>
+          <p:cNvPr id="7" name="TextBox 6">
+            <a:extLst>
+              <a:ext uri="{FF2B5EF4-FFF2-40B4-BE49-F238E27FC236}">
+                <a16:creationId xmlns:a16="http://schemas.microsoft.com/office/drawing/2014/main" id="{FFE41EA7-4117-6B07-6033-642AF0270E1D}"/>
+              </a:ext>
+            </a:extLst>
+          </p:cNvPr>
+          <p:cNvSpPr txBox="1"/>
+          <p:nvPr/>
+        </p:nvSpPr>
+        <p:spPr>
+          <a:xfrm>
+            <a:off x="244431" y="6200278"/>
+            <a:ext cx="2767489" cy="338554"/>
+          </a:xfrm>
+          <a:prstGeom prst="rect">
+            <a:avLst/>
+          </a:prstGeom>
+          <a:noFill/>
+        </p:spPr>
+        <p:txBody>
+          <a:bodyPr wrap="none" rtlCol="0">
+            <a:spAutoFit/>
+          </a:bodyPr>
+          <a:lstStyle/>
+          <a:p>
+            <a:r>
+              <a:rPr lang="en-US" sz="1600" i="1" dirty="0"/>
+              <a:t>Ref: Fig 5.15 p-191 Streetman</a:t>
+            </a:r>
+          </a:p>
+        </p:txBody>
+      </p:sp>
+      <p:pic>
+        <p:nvPicPr>
+          <p:cNvPr id="3" name="Picture 2">
+            <a:extLst>
+              <a:ext uri="{FF2B5EF4-FFF2-40B4-BE49-F238E27FC236}">
+                <a16:creationId xmlns:a16="http://schemas.microsoft.com/office/drawing/2014/main" id="{915E28D6-D5F4-7A01-88CD-FBCB8F8A22DE}"/>
+              </a:ext>
+            </a:extLst>
+          </p:cNvPr>
+          <p:cNvPicPr>
+            <a:picLocks noChangeAspect="1"/>
+          </p:cNvPicPr>
+          <p:nvPr/>
+        </p:nvPicPr>
+        <p:blipFill>
+          <a:blip r:embed="rId2"/>
+          <a:stretch>
+            <a:fillRect/>
+          </a:stretch>
+        </p:blipFill>
+        <p:spPr>
+          <a:xfrm>
+            <a:off x="5039574" y="1218489"/>
+            <a:ext cx="6085066" cy="4543074"/>
+          </a:xfrm>
+          <a:prstGeom prst="rect">
+            <a:avLst/>
+          </a:prstGeom>
+        </p:spPr>
+      </p:pic>
+    </p:spTree>
+    <p:extLst>
+      <p:ext uri="{BB962C8B-B14F-4D97-AF65-F5344CB8AC3E}">
+        <p14:creationId xmlns:p14="http://schemas.microsoft.com/office/powerpoint/2010/main" val="2482622914"/>
+      </p:ext>
+    </p:extLst>
+  </p:cSld>
+  <p:clrMapOvr>
+    <a:masterClrMapping/>
+  </p:clrMapOvr>
+</p:sld>
+</file>
+
+<file path=ppt/slides/slide18.xml><?xml version="1.0" encoding="utf-8"?>
+<p:sld xmlns:a="http://schemas.openxmlformats.org/drawingml/2006/main" xmlns:r="http://schemas.openxmlformats.org/officeDocument/2006/relationships" xmlns:p="http://schemas.openxmlformats.org/presentationml/2006/main">
+  <p:cSld>
+    <p:spTree>
+      <p:nvGrpSpPr>
         <p:cNvPr id="1" name=""/>
         <p:cNvGrpSpPr/>
         <p:nvPr/>
@@ -5041,7 +5229,7 @@
 </p:sld>
 </file>
 
-<file path=ppt/slides/slide18.xml><?xml version="1.0" encoding="utf-8"?>
+<file path=ppt/slides/slide19.xml><?xml version="1.0" encoding="utf-8"?>
 <p:sld xmlns:a="http://schemas.openxmlformats.org/drawingml/2006/main" xmlns:r="http://schemas.openxmlformats.org/officeDocument/2006/relationships" xmlns:p="http://schemas.openxmlformats.org/presentationml/2006/main">
   <p:cSld>
     <p:spTree>
@@ -6191,7 +6379,90 @@
 </p:sld>
 </file>
 
-<file path=ppt/slides/slide19.xml><?xml version="1.0" encoding="utf-8"?>
+<file path=ppt/slides/slide2.xml><?xml version="1.0" encoding="utf-8"?>
+<p:sld xmlns:a="http://schemas.openxmlformats.org/drawingml/2006/main" xmlns:r="http://schemas.openxmlformats.org/officeDocument/2006/relationships" xmlns:p="http://schemas.openxmlformats.org/presentationml/2006/main">
+  <p:cSld>
+    <p:spTree>
+      <p:nvGrpSpPr>
+        <p:cNvPr id="1" name=""/>
+        <p:cNvGrpSpPr/>
+        <p:nvPr/>
+      </p:nvGrpSpPr>
+      <p:grpSpPr>
+        <a:xfrm>
+          <a:off x="0" y="0"/>
+          <a:ext cx="0" cy="0"/>
+          <a:chOff x="0" y="0"/>
+          <a:chExt cx="0" cy="0"/>
+        </a:xfrm>
+      </p:grpSpPr>
+      <p:sp>
+        <p:nvSpPr>
+          <p:cNvPr id="2" name="Title 1">
+            <a:extLst>
+              <a:ext uri="{FF2B5EF4-FFF2-40B4-BE49-F238E27FC236}">
+                <a16:creationId xmlns:a16="http://schemas.microsoft.com/office/drawing/2014/main" id="{98D5B683-2009-BF16-0C1B-AC844D596F87}"/>
+              </a:ext>
+            </a:extLst>
+          </p:cNvPr>
+          <p:cNvSpPr>
+            <a:spLocks noGrp="1"/>
+          </p:cNvSpPr>
+          <p:nvPr>
+            <p:ph type="title"/>
+          </p:nvPr>
+        </p:nvSpPr>
+        <p:spPr/>
+        <p:txBody>
+          <a:bodyPr/>
+          <a:lstStyle/>
+          <a:p>
+            <a:r>
+              <a:rPr lang="en-US" dirty="0"/>
+              <a:t>Semi Devices</a:t>
+            </a:r>
+          </a:p>
+        </p:txBody>
+      </p:sp>
+      <p:sp>
+        <p:nvSpPr>
+          <p:cNvPr id="3" name="Text Placeholder 2">
+            <a:extLst>
+              <a:ext uri="{FF2B5EF4-FFF2-40B4-BE49-F238E27FC236}">
+                <a16:creationId xmlns:a16="http://schemas.microsoft.com/office/drawing/2014/main" id="{81A4FB93-3AC6-259F-CA72-B3115BD73EE6}"/>
+              </a:ext>
+            </a:extLst>
+          </p:cNvPr>
+          <p:cNvSpPr>
+            <a:spLocks noGrp="1"/>
+          </p:cNvSpPr>
+          <p:nvPr>
+            <p:ph type="body" idx="1"/>
+          </p:nvPr>
+        </p:nvSpPr>
+        <p:spPr/>
+        <p:txBody>
+          <a:bodyPr/>
+          <a:lstStyle/>
+          <a:p>
+            <a:endParaRPr lang="en-US"/>
+          </a:p>
+        </p:txBody>
+      </p:sp>
+    </p:spTree>
+    <p:extLst>
+      <p:ext uri="{BB962C8B-B14F-4D97-AF65-F5344CB8AC3E}">
+        <p14:creationId xmlns:p14="http://schemas.microsoft.com/office/powerpoint/2010/main" val="1304473932"/>
+      </p:ext>
+    </p:extLst>
+  </p:cSld>
+  <p:clrMapOvr>
+    <a:masterClrMapping/>
+  </p:clrMapOvr>
+</p:sld>
+</file>
+
+<file path=ppt/slides/slide20.xml><?xml version="1.0" encoding="utf-8"?>
 <p:sld xmlns:a="http://schemas.openxmlformats.org/drawingml/2006/main" xmlns:r="http://schemas.openxmlformats.org/officeDocument/2006/relationships" xmlns:p="http://schemas.openxmlformats.org/presentationml/2006/main">
   <p:cSld>
     <p:spTree>
@@ -7588,90 +7859,7 @@
 </p:sld>
 </file>
 
-<file path=ppt/slides/slide2.xml><?xml version="1.0" encoding="utf-8"?>
-<p:sld xmlns:a="http://schemas.openxmlformats.org/drawingml/2006/main" xmlns:r="http://schemas.openxmlformats.org/officeDocument/2006/relationships" xmlns:p="http://schemas.openxmlformats.org/presentationml/2006/main">
-  <p:cSld>
-    <p:spTree>
-      <p:nvGrpSpPr>
-        <p:cNvPr id="1" name=""/>
-        <p:cNvGrpSpPr/>
-        <p:nvPr/>
-      </p:nvGrpSpPr>
-      <p:grpSpPr>
-        <a:xfrm>
-          <a:off x="0" y="0"/>
-          <a:ext cx="0" cy="0"/>
-          <a:chOff x="0" y="0"/>
-          <a:chExt cx="0" cy="0"/>
-        </a:xfrm>
-      </p:grpSpPr>
-      <p:sp>
-        <p:nvSpPr>
-          <p:cNvPr id="2" name="Title 1">
-            <a:extLst>
-              <a:ext uri="{FF2B5EF4-FFF2-40B4-BE49-F238E27FC236}">
-                <a16:creationId xmlns:a16="http://schemas.microsoft.com/office/drawing/2014/main" id="{98D5B683-2009-BF16-0C1B-AC844D596F87}"/>
-              </a:ext>
-            </a:extLst>
-          </p:cNvPr>
-          <p:cNvSpPr>
-            <a:spLocks noGrp="1"/>
-          </p:cNvSpPr>
-          <p:nvPr>
-            <p:ph type="title"/>
-          </p:nvPr>
-        </p:nvSpPr>
-        <p:spPr/>
-        <p:txBody>
-          <a:bodyPr/>
-          <a:lstStyle/>
-          <a:p>
-            <a:r>
-              <a:rPr lang="en-US" dirty="0"/>
-              <a:t>Semi Devices</a:t>
-            </a:r>
-          </a:p>
-        </p:txBody>
-      </p:sp>
-      <p:sp>
-        <p:nvSpPr>
-          <p:cNvPr id="3" name="Text Placeholder 2">
-            <a:extLst>
-              <a:ext uri="{FF2B5EF4-FFF2-40B4-BE49-F238E27FC236}">
-                <a16:creationId xmlns:a16="http://schemas.microsoft.com/office/drawing/2014/main" id="{81A4FB93-3AC6-259F-CA72-B3115BD73EE6}"/>
-              </a:ext>
-            </a:extLst>
-          </p:cNvPr>
-          <p:cNvSpPr>
-            <a:spLocks noGrp="1"/>
-          </p:cNvSpPr>
-          <p:nvPr>
-            <p:ph type="body" idx="1"/>
-          </p:nvPr>
-        </p:nvSpPr>
-        <p:spPr/>
-        <p:txBody>
-          <a:bodyPr/>
-          <a:lstStyle/>
-          <a:p>
-            <a:endParaRPr lang="en-US"/>
-          </a:p>
-        </p:txBody>
-      </p:sp>
-    </p:spTree>
-    <p:extLst>
-      <p:ext uri="{BB962C8B-B14F-4D97-AF65-F5344CB8AC3E}">
-        <p14:creationId xmlns:p14="http://schemas.microsoft.com/office/powerpoint/2010/main" val="1304473932"/>
-      </p:ext>
-    </p:extLst>
-  </p:cSld>
-  <p:clrMapOvr>
-    <a:masterClrMapping/>
-  </p:clrMapOvr>
-</p:sld>
-</file>
-
-<file path=ppt/slides/slide20.xml><?xml version="1.0" encoding="utf-8"?>
+<file path=ppt/slides/slide21.xml><?xml version="1.0" encoding="utf-8"?>
 <p:sld xmlns:a="http://schemas.openxmlformats.org/drawingml/2006/main" xmlns:r="http://schemas.openxmlformats.org/officeDocument/2006/relationships" xmlns:p="http://schemas.openxmlformats.org/presentationml/2006/main">
   <p:cSld>
     <p:spTree>
@@ -10774,7 +10962,7 @@
 </p:sld>
 </file>
 
-<file path=ppt/slides/slide21.xml><?xml version="1.0" encoding="utf-8"?>
+<file path=ppt/slides/slide22.xml><?xml version="1.0" encoding="utf-8"?>
 <p:sld xmlns:a="http://schemas.openxmlformats.org/drawingml/2006/main" xmlns:r="http://schemas.openxmlformats.org/officeDocument/2006/relationships" xmlns:p="http://schemas.openxmlformats.org/presentationml/2006/main">
   <p:cSld>
     <p:spTree>
@@ -13734,7 +13922,7 @@
 </p:sld>
 </file>
 
-<file path=ppt/slides/slide22.xml><?xml version="1.0" encoding="utf-8"?>
+<file path=ppt/slides/slide23.xml><?xml version="1.0" encoding="utf-8"?>
 <p:sld xmlns:a="http://schemas.openxmlformats.org/drawingml/2006/main" xmlns:r="http://schemas.openxmlformats.org/officeDocument/2006/relationships" xmlns:p="http://schemas.openxmlformats.org/presentationml/2006/main">
   <p:cSld>
     <p:spTree>
@@ -16839,7 +17027,7 @@
 </p:sld>
 </file>
 
-<file path=ppt/slides/slide23.xml><?xml version="1.0" encoding="utf-8"?>
+<file path=ppt/slides/slide24.xml><?xml version="1.0" encoding="utf-8"?>
 <p:sld xmlns:a="http://schemas.openxmlformats.org/drawingml/2006/main" xmlns:r="http://schemas.openxmlformats.org/officeDocument/2006/relationships" xmlns:p="http://schemas.openxmlformats.org/presentationml/2006/main">
   <p:cSld>
     <p:spTree>
@@ -18945,7 +19133,7 @@
 </p:sld>
 </file>
 
-<file path=ppt/slides/slide24.xml><?xml version="1.0" encoding="utf-8"?>
+<file path=ppt/slides/slide25.xml><?xml version="1.0" encoding="utf-8"?>
 <p:sld xmlns:a="http://schemas.openxmlformats.org/drawingml/2006/main" xmlns:r="http://schemas.openxmlformats.org/officeDocument/2006/relationships" xmlns:p="http://schemas.openxmlformats.org/presentationml/2006/main">
   <p:cSld>
     <p:spTree>
@@ -19033,7 +19221,7 @@
 </p:sld>
 </file>
 
-<file path=ppt/slides/slide25.xml><?xml version="1.0" encoding="utf-8"?>
+<file path=ppt/slides/slide26.xml><?xml version="1.0" encoding="utf-8"?>
 <p:sld xmlns:a="http://schemas.openxmlformats.org/drawingml/2006/main" xmlns:r="http://schemas.openxmlformats.org/officeDocument/2006/relationships" xmlns:p="http://schemas.openxmlformats.org/presentationml/2006/main">
   <p:cSld>
     <p:spTree>
@@ -19128,7 +19316,7 @@
 </p:sld>
 </file>
 
-<file path=ppt/slides/slide26.xml><?xml version="1.0" encoding="utf-8"?>
+<file path=ppt/slides/slide27.xml><?xml version="1.0" encoding="utf-8"?>
 <p:sld xmlns:a="http://schemas.openxmlformats.org/drawingml/2006/main" xmlns:r="http://schemas.openxmlformats.org/officeDocument/2006/relationships" xmlns:p="http://schemas.openxmlformats.org/presentationml/2006/main">
   <p:cSld>
     <p:spTree>
@@ -19229,7 +19417,7 @@
 </p:sld>
 </file>
 
-<file path=ppt/slides/slide27.xml><?xml version="1.0" encoding="utf-8"?>
+<file path=ppt/slides/slide28.xml><?xml version="1.0" encoding="utf-8"?>
 <p:sld xmlns:a="http://schemas.openxmlformats.org/drawingml/2006/main" xmlns:r="http://schemas.openxmlformats.org/officeDocument/2006/relationships" xmlns:p="http://schemas.openxmlformats.org/presentationml/2006/main">
   <p:cSld>
     <p:spTree>
@@ -19324,7 +19512,7 @@
 </p:sld>
 </file>
 
-<file path=ppt/slides/slide28.xml><?xml version="1.0" encoding="utf-8"?>
+<file path=ppt/slides/slide29.xml><?xml version="1.0" encoding="utf-8"?>
 <p:sld xmlns:a="http://schemas.openxmlformats.org/drawingml/2006/main" xmlns:r="http://schemas.openxmlformats.org/officeDocument/2006/relationships" xmlns:p="http://schemas.openxmlformats.org/presentationml/2006/main">
   <p:cSld>
     <p:spTree>
@@ -19410,107 +19598,6 @@
     <p:extLst>
       <p:ext uri="{BB962C8B-B14F-4D97-AF65-F5344CB8AC3E}">
         <p14:creationId xmlns:p14="http://schemas.microsoft.com/office/powerpoint/2010/main" val="903642792"/>
-      </p:ext>
-    </p:extLst>
-  </p:cSld>
-  <p:clrMapOvr>
-    <a:masterClrMapping/>
-  </p:clrMapOvr>
-</p:sld>
-</file>
-
-<file path=ppt/slides/slide29.xml><?xml version="1.0" encoding="utf-8"?>
-<p:sld xmlns:a="http://schemas.openxmlformats.org/drawingml/2006/main" xmlns:r="http://schemas.openxmlformats.org/officeDocument/2006/relationships" xmlns:p="http://schemas.openxmlformats.org/presentationml/2006/main">
-  <p:cSld>
-    <p:spTree>
-      <p:nvGrpSpPr>
-        <p:cNvPr id="1" name="">
-          <a:extLst>
-            <a:ext uri="{FF2B5EF4-FFF2-40B4-BE49-F238E27FC236}">
-              <a16:creationId xmlns:a16="http://schemas.microsoft.com/office/drawing/2014/main" id="{0BE0EBED-C1B9-C616-3C01-E0E579E5066A}"/>
-            </a:ext>
-          </a:extLst>
-        </p:cNvPr>
-        <p:cNvGrpSpPr/>
-        <p:nvPr/>
-      </p:nvGrpSpPr>
-      <p:grpSpPr>
-        <a:xfrm>
-          <a:off x="0" y="0"/>
-          <a:ext cx="0" cy="0"/>
-          <a:chOff x="0" y="0"/>
-          <a:chExt cx="0" cy="0"/>
-        </a:xfrm>
-      </p:grpSpPr>
-      <p:sp>
-        <p:nvSpPr>
-          <p:cNvPr id="4" name="TextBox 3">
-            <a:extLst>
-              <a:ext uri="{FF2B5EF4-FFF2-40B4-BE49-F238E27FC236}">
-                <a16:creationId xmlns:a16="http://schemas.microsoft.com/office/drawing/2014/main" id="{1C18ED12-B7D5-1794-EC55-D56B716A978E}"/>
-              </a:ext>
-            </a:extLst>
-          </p:cNvPr>
-          <p:cNvSpPr txBox="1"/>
-          <p:nvPr/>
-        </p:nvSpPr>
-        <p:spPr>
-          <a:xfrm>
-            <a:off x="155583" y="5946420"/>
-            <a:ext cx="4021165" cy="369332"/>
-          </a:xfrm>
-          <a:prstGeom prst="rect">
-            <a:avLst/>
-          </a:prstGeom>
-          <a:noFill/>
-        </p:spPr>
-        <p:txBody>
-          <a:bodyPr wrap="none" rtlCol="0">
-            <a:spAutoFit/>
-          </a:bodyPr>
-          <a:lstStyle/>
-          <a:p>
-            <a:r>
-              <a:rPr lang="en-US" dirty="0"/>
-              <a:t>Fig-circuits-sposition.png  R0 01/18/25</a:t>
-            </a:r>
-          </a:p>
-        </p:txBody>
-      </p:sp>
-      <p:pic>
-        <p:nvPicPr>
-          <p:cNvPr id="3" name="Picture 2">
-            <a:extLst>
-              <a:ext uri="{FF2B5EF4-FFF2-40B4-BE49-F238E27FC236}">
-                <a16:creationId xmlns:a16="http://schemas.microsoft.com/office/drawing/2014/main" id="{B248C840-095A-6C16-AF28-89087A80140F}"/>
-              </a:ext>
-            </a:extLst>
-          </p:cNvPr>
-          <p:cNvPicPr>
-            <a:picLocks noChangeAspect="1"/>
-          </p:cNvPicPr>
-          <p:nvPr/>
-        </p:nvPicPr>
-        <p:blipFill>
-          <a:blip r:embed="rId2"/>
-          <a:stretch>
-            <a:fillRect/>
-          </a:stretch>
-        </p:blipFill>
-        <p:spPr>
-          <a:xfrm>
-            <a:off x="359921" y="1131648"/>
-            <a:ext cx="3387620" cy="4526732"/>
-          </a:xfrm>
-          <a:prstGeom prst="rect">
-            <a:avLst/>
-          </a:prstGeom>
-        </p:spPr>
-      </p:pic>
-    </p:spTree>
-    <p:extLst>
-      <p:ext uri="{BB962C8B-B14F-4D97-AF65-F5344CB8AC3E}">
-        <p14:creationId xmlns:p14="http://schemas.microsoft.com/office/powerpoint/2010/main" val="2436477439"/>
       </p:ext>
     </p:extLst>
   </p:cSld>
@@ -22850,6 +22937,107 @@
   <p:cSld>
     <p:spTree>
       <p:nvGrpSpPr>
+        <p:cNvPr id="1" name="">
+          <a:extLst>
+            <a:ext uri="{FF2B5EF4-FFF2-40B4-BE49-F238E27FC236}">
+              <a16:creationId xmlns:a16="http://schemas.microsoft.com/office/drawing/2014/main" id="{0BE0EBED-C1B9-C616-3C01-E0E579E5066A}"/>
+            </a:ext>
+          </a:extLst>
+        </p:cNvPr>
+        <p:cNvGrpSpPr/>
+        <p:nvPr/>
+      </p:nvGrpSpPr>
+      <p:grpSpPr>
+        <a:xfrm>
+          <a:off x="0" y="0"/>
+          <a:ext cx="0" cy="0"/>
+          <a:chOff x="0" y="0"/>
+          <a:chExt cx="0" cy="0"/>
+        </a:xfrm>
+      </p:grpSpPr>
+      <p:sp>
+        <p:nvSpPr>
+          <p:cNvPr id="4" name="TextBox 3">
+            <a:extLst>
+              <a:ext uri="{FF2B5EF4-FFF2-40B4-BE49-F238E27FC236}">
+                <a16:creationId xmlns:a16="http://schemas.microsoft.com/office/drawing/2014/main" id="{1C18ED12-B7D5-1794-EC55-D56B716A978E}"/>
+              </a:ext>
+            </a:extLst>
+          </p:cNvPr>
+          <p:cNvSpPr txBox="1"/>
+          <p:nvPr/>
+        </p:nvSpPr>
+        <p:spPr>
+          <a:xfrm>
+            <a:off x="155583" y="5946420"/>
+            <a:ext cx="4021165" cy="369332"/>
+          </a:xfrm>
+          <a:prstGeom prst="rect">
+            <a:avLst/>
+          </a:prstGeom>
+          <a:noFill/>
+        </p:spPr>
+        <p:txBody>
+          <a:bodyPr wrap="none" rtlCol="0">
+            <a:spAutoFit/>
+          </a:bodyPr>
+          <a:lstStyle/>
+          <a:p>
+            <a:r>
+              <a:rPr lang="en-US" dirty="0"/>
+              <a:t>Fig-circuits-sposition.png  R0 01/18/25</a:t>
+            </a:r>
+          </a:p>
+        </p:txBody>
+      </p:sp>
+      <p:pic>
+        <p:nvPicPr>
+          <p:cNvPr id="3" name="Picture 2">
+            <a:extLst>
+              <a:ext uri="{FF2B5EF4-FFF2-40B4-BE49-F238E27FC236}">
+                <a16:creationId xmlns:a16="http://schemas.microsoft.com/office/drawing/2014/main" id="{B248C840-095A-6C16-AF28-89087A80140F}"/>
+              </a:ext>
+            </a:extLst>
+          </p:cNvPr>
+          <p:cNvPicPr>
+            <a:picLocks noChangeAspect="1"/>
+          </p:cNvPicPr>
+          <p:nvPr/>
+        </p:nvPicPr>
+        <p:blipFill>
+          <a:blip r:embed="rId2"/>
+          <a:stretch>
+            <a:fillRect/>
+          </a:stretch>
+        </p:blipFill>
+        <p:spPr>
+          <a:xfrm>
+            <a:off x="359921" y="1131648"/>
+            <a:ext cx="3387620" cy="4526732"/>
+          </a:xfrm>
+          <a:prstGeom prst="rect">
+            <a:avLst/>
+          </a:prstGeom>
+        </p:spPr>
+      </p:pic>
+    </p:spTree>
+    <p:extLst>
+      <p:ext uri="{BB962C8B-B14F-4D97-AF65-F5344CB8AC3E}">
+        <p14:creationId xmlns:p14="http://schemas.microsoft.com/office/powerpoint/2010/main" val="2436477439"/>
+      </p:ext>
+    </p:extLst>
+  </p:cSld>
+  <p:clrMapOvr>
+    <a:masterClrMapping/>
+  </p:clrMapOvr>
+</p:sld>
+</file>
+
+<file path=ppt/slides/slide31.xml><?xml version="1.0" encoding="utf-8"?>
+<p:sld xmlns:a="http://schemas.openxmlformats.org/drawingml/2006/main" xmlns:r="http://schemas.openxmlformats.org/officeDocument/2006/relationships" xmlns:p="http://schemas.openxmlformats.org/presentationml/2006/main">
+  <p:cSld>
+    <p:spTree>
+      <p:nvGrpSpPr>
         <p:cNvPr id="1" name=""/>
         <p:cNvGrpSpPr/>
         <p:nvPr/>
@@ -22975,7 +23163,7 @@
 </p:sld>
 </file>
 
-<file path=ppt/slides/slide31.xml><?xml version="1.0" encoding="utf-8"?>
+<file path=ppt/slides/slide32.xml><?xml version="1.0" encoding="utf-8"?>
 <p:sld xmlns:a="http://schemas.openxmlformats.org/drawingml/2006/main" xmlns:r="http://schemas.openxmlformats.org/officeDocument/2006/relationships" xmlns:p="http://schemas.openxmlformats.org/presentationml/2006/main">
   <p:cSld>
     <p:spTree>
@@ -23119,7 +23307,7 @@
 </p:sld>
 </file>
 
-<file path=ppt/slides/slide32.xml><?xml version="1.0" encoding="utf-8"?>
+<file path=ppt/slides/slide33.xml><?xml version="1.0" encoding="utf-8"?>
 <p:sld xmlns:a="http://schemas.openxmlformats.org/drawingml/2006/main" xmlns:r="http://schemas.openxmlformats.org/officeDocument/2006/relationships" xmlns:p="http://schemas.openxmlformats.org/presentationml/2006/main">
   <p:cSld>
     <p:spTree>
@@ -23255,7 +23443,7 @@
 </p:sld>
 </file>
 
-<file path=ppt/slides/slide33.xml><?xml version="1.0" encoding="utf-8"?>
+<file path=ppt/slides/slide34.xml><?xml version="1.0" encoding="utf-8"?>
 <p:sld xmlns:a="http://schemas.openxmlformats.org/drawingml/2006/main" xmlns:r="http://schemas.openxmlformats.org/officeDocument/2006/relationships" xmlns:p="http://schemas.openxmlformats.org/presentationml/2006/main">
   <p:cSld>
     <p:spTree>
@@ -23522,7 +23710,7 @@
 </p:sld>
 </file>
 
-<file path=ppt/slides/slide34.xml><?xml version="1.0" encoding="utf-8"?>
+<file path=ppt/slides/slide35.xml><?xml version="1.0" encoding="utf-8"?>
 <p:sld xmlns:a="http://schemas.openxmlformats.org/drawingml/2006/main" xmlns:r="http://schemas.openxmlformats.org/officeDocument/2006/relationships" xmlns:p="http://schemas.openxmlformats.org/presentationml/2006/main">
   <p:cSld>
     <p:spTree>

--- a/figures/fig.pptx
+++ b/figures/fig.pptx
@@ -22,24 +22,29 @@
     <p:sldId id="287" r:id="rId16"/>
     <p:sldId id="289" r:id="rId17"/>
     <p:sldId id="290" r:id="rId18"/>
-    <p:sldId id="274" r:id="rId19"/>
-    <p:sldId id="257" r:id="rId20"/>
-    <p:sldId id="258" r:id="rId21"/>
-    <p:sldId id="261" r:id="rId22"/>
-    <p:sldId id="262" r:id="rId23"/>
-    <p:sldId id="259" r:id="rId24"/>
-    <p:sldId id="260" r:id="rId25"/>
-    <p:sldId id="273" r:id="rId26"/>
-    <p:sldId id="263" r:id="rId27"/>
-    <p:sldId id="264" r:id="rId28"/>
-    <p:sldId id="265" r:id="rId29"/>
-    <p:sldId id="266" r:id="rId30"/>
-    <p:sldId id="267" r:id="rId31"/>
-    <p:sldId id="268" r:id="rId32"/>
-    <p:sldId id="269" r:id="rId33"/>
-    <p:sldId id="270" r:id="rId34"/>
-    <p:sldId id="271" r:id="rId35"/>
-    <p:sldId id="272" r:id="rId36"/>
+    <p:sldId id="291" r:id="rId19"/>
+    <p:sldId id="292" r:id="rId20"/>
+    <p:sldId id="294" r:id="rId21"/>
+    <p:sldId id="293" r:id="rId22"/>
+    <p:sldId id="295" r:id="rId23"/>
+    <p:sldId id="274" r:id="rId24"/>
+    <p:sldId id="257" r:id="rId25"/>
+    <p:sldId id="258" r:id="rId26"/>
+    <p:sldId id="261" r:id="rId27"/>
+    <p:sldId id="262" r:id="rId28"/>
+    <p:sldId id="259" r:id="rId29"/>
+    <p:sldId id="260" r:id="rId30"/>
+    <p:sldId id="273" r:id="rId31"/>
+    <p:sldId id="263" r:id="rId32"/>
+    <p:sldId id="264" r:id="rId33"/>
+    <p:sldId id="265" r:id="rId34"/>
+    <p:sldId id="266" r:id="rId35"/>
+    <p:sldId id="267" r:id="rId36"/>
+    <p:sldId id="268" r:id="rId37"/>
+    <p:sldId id="269" r:id="rId38"/>
+    <p:sldId id="270" r:id="rId39"/>
+    <p:sldId id="271" r:id="rId40"/>
+    <p:sldId id="272" r:id="rId41"/>
   </p:sldIdLst>
   <p:sldSz cx="12192000" cy="6858000"/>
   <p:notesSz cx="6858000" cy="9144000"/>
@@ -293,7 +298,7 @@
           <a:p>
             <a:fld id="{BA5A1584-706A-4ABE-803B-792AD84DBA31}" type="datetimeFigureOut">
               <a:rPr lang="en-US" smtClean="0"/>
-              <a:t>3/18/2025</a:t>
+              <a:t>4/16/2025</a:t>
             </a:fld>
             <a:endParaRPr lang="en-US"/>
           </a:p>
@@ -491,7 +496,7 @@
           <a:p>
             <a:fld id="{BA5A1584-706A-4ABE-803B-792AD84DBA31}" type="datetimeFigureOut">
               <a:rPr lang="en-US" smtClean="0"/>
-              <a:t>3/18/2025</a:t>
+              <a:t>4/16/2025</a:t>
             </a:fld>
             <a:endParaRPr lang="en-US"/>
           </a:p>
@@ -699,7 +704,7 @@
           <a:p>
             <a:fld id="{BA5A1584-706A-4ABE-803B-792AD84DBA31}" type="datetimeFigureOut">
               <a:rPr lang="en-US" smtClean="0"/>
-              <a:t>3/18/2025</a:t>
+              <a:t>4/16/2025</a:t>
             </a:fld>
             <a:endParaRPr lang="en-US"/>
           </a:p>
@@ -897,7 +902,7 @@
           <a:p>
             <a:fld id="{BA5A1584-706A-4ABE-803B-792AD84DBA31}" type="datetimeFigureOut">
               <a:rPr lang="en-US" smtClean="0"/>
-              <a:t>3/18/2025</a:t>
+              <a:t>4/16/2025</a:t>
             </a:fld>
             <a:endParaRPr lang="en-US"/>
           </a:p>
@@ -1172,7 +1177,7 @@
           <a:p>
             <a:fld id="{BA5A1584-706A-4ABE-803B-792AD84DBA31}" type="datetimeFigureOut">
               <a:rPr lang="en-US" smtClean="0"/>
-              <a:t>3/18/2025</a:t>
+              <a:t>4/16/2025</a:t>
             </a:fld>
             <a:endParaRPr lang="en-US"/>
           </a:p>
@@ -1437,7 +1442,7 @@
           <a:p>
             <a:fld id="{BA5A1584-706A-4ABE-803B-792AD84DBA31}" type="datetimeFigureOut">
               <a:rPr lang="en-US" smtClean="0"/>
-              <a:t>3/18/2025</a:t>
+              <a:t>4/16/2025</a:t>
             </a:fld>
             <a:endParaRPr lang="en-US"/>
           </a:p>
@@ -1849,7 +1854,7 @@
           <a:p>
             <a:fld id="{BA5A1584-706A-4ABE-803B-792AD84DBA31}" type="datetimeFigureOut">
               <a:rPr lang="en-US" smtClean="0"/>
-              <a:t>3/18/2025</a:t>
+              <a:t>4/16/2025</a:t>
             </a:fld>
             <a:endParaRPr lang="en-US"/>
           </a:p>
@@ -1990,7 +1995,7 @@
           <a:p>
             <a:fld id="{BA5A1584-706A-4ABE-803B-792AD84DBA31}" type="datetimeFigureOut">
               <a:rPr lang="en-US" smtClean="0"/>
-              <a:t>3/18/2025</a:t>
+              <a:t>4/16/2025</a:t>
             </a:fld>
             <a:endParaRPr lang="en-US"/>
           </a:p>
@@ -2103,7 +2108,7 @@
           <a:p>
             <a:fld id="{BA5A1584-706A-4ABE-803B-792AD84DBA31}" type="datetimeFigureOut">
               <a:rPr lang="en-US" smtClean="0"/>
-              <a:t>3/18/2025</a:t>
+              <a:t>4/16/2025</a:t>
             </a:fld>
             <a:endParaRPr lang="en-US"/>
           </a:p>
@@ -2414,7 +2419,7 @@
           <a:p>
             <a:fld id="{BA5A1584-706A-4ABE-803B-792AD84DBA31}" type="datetimeFigureOut">
               <a:rPr lang="en-US" smtClean="0"/>
-              <a:t>3/18/2025</a:t>
+              <a:t>4/16/2025</a:t>
             </a:fld>
             <a:endParaRPr lang="en-US"/>
           </a:p>
@@ -2702,7 +2707,7 @@
           <a:p>
             <a:fld id="{BA5A1584-706A-4ABE-803B-792AD84DBA31}" type="datetimeFigureOut">
               <a:rPr lang="en-US" smtClean="0"/>
-              <a:t>3/18/2025</a:t>
+              <a:t>4/16/2025</a:t>
             </a:fld>
             <a:endParaRPr lang="en-US"/>
           </a:p>
@@ -2943,7 +2948,7 @@
           <a:p>
             <a:fld id="{BA5A1584-706A-4ABE-803B-792AD84DBA31}" type="datetimeFigureOut">
               <a:rPr lang="en-US" smtClean="0"/>
-              <a:t>3/18/2025</a:t>
+              <a:t>4/16/2025</a:t>
             </a:fld>
             <a:endParaRPr lang="en-US"/>
           </a:p>
@@ -5151,6 +5156,1209 @@
   <p:cSld>
     <p:spTree>
       <p:nvGrpSpPr>
+        <p:cNvPr id="1" name="">
+          <a:extLst>
+            <a:ext uri="{FF2B5EF4-FFF2-40B4-BE49-F238E27FC236}">
+              <a16:creationId xmlns:a16="http://schemas.microsoft.com/office/drawing/2014/main" id="{C240318F-673C-D76D-7489-A5FEC31CD726}"/>
+            </a:ext>
+          </a:extLst>
+        </p:cNvPr>
+        <p:cNvGrpSpPr/>
+        <p:nvPr/>
+      </p:nvGrpSpPr>
+      <p:grpSpPr>
+        <a:xfrm>
+          <a:off x="0" y="0"/>
+          <a:ext cx="0" cy="0"/>
+          <a:chOff x="0" y="0"/>
+          <a:chExt cx="0" cy="0"/>
+        </a:xfrm>
+      </p:grpSpPr>
+      <p:sp>
+        <p:nvSpPr>
+          <p:cNvPr id="2" name="Title 1">
+            <a:extLst>
+              <a:ext uri="{FF2B5EF4-FFF2-40B4-BE49-F238E27FC236}">
+                <a16:creationId xmlns:a16="http://schemas.microsoft.com/office/drawing/2014/main" id="{4C7AD29E-FC26-537B-C652-50CC7FD48507}"/>
+              </a:ext>
+            </a:extLst>
+          </p:cNvPr>
+          <p:cNvSpPr>
+            <a:spLocks noGrp="1"/>
+          </p:cNvSpPr>
+          <p:nvPr>
+            <p:ph type="title"/>
+          </p:nvPr>
+        </p:nvSpPr>
+        <p:spPr/>
+        <p:txBody>
+          <a:bodyPr/>
+          <a:lstStyle/>
+          <a:p>
+            <a:r>
+              <a:rPr lang="en-US" dirty="0"/>
+              <a:t>Semi Devices</a:t>
+            </a:r>
+          </a:p>
+        </p:txBody>
+      </p:sp>
+      <p:sp>
+        <p:nvSpPr>
+          <p:cNvPr id="3" name="Text Placeholder 2">
+            <a:extLst>
+              <a:ext uri="{FF2B5EF4-FFF2-40B4-BE49-F238E27FC236}">
+                <a16:creationId xmlns:a16="http://schemas.microsoft.com/office/drawing/2014/main" id="{0046981B-80F4-CBA3-786D-367CAF813F3A}"/>
+              </a:ext>
+            </a:extLst>
+          </p:cNvPr>
+          <p:cNvSpPr>
+            <a:spLocks noGrp="1"/>
+          </p:cNvSpPr>
+          <p:nvPr>
+            <p:ph type="body" idx="1"/>
+          </p:nvPr>
+        </p:nvSpPr>
+        <p:spPr/>
+        <p:txBody>
+          <a:bodyPr/>
+          <a:lstStyle/>
+          <a:p>
+            <a:r>
+              <a:rPr lang="en-US" dirty="0"/>
+              <a:t>BJT</a:t>
+            </a:r>
+            <a:br>
+              <a:rPr lang="en-US" dirty="0"/>
+            </a:br>
+            <a:endParaRPr lang="en-US" dirty="0"/>
+          </a:p>
+        </p:txBody>
+      </p:sp>
+    </p:spTree>
+    <p:extLst>
+      <p:ext uri="{BB962C8B-B14F-4D97-AF65-F5344CB8AC3E}">
+        <p14:creationId xmlns:p14="http://schemas.microsoft.com/office/powerpoint/2010/main" val="4171369120"/>
+      </p:ext>
+    </p:extLst>
+  </p:cSld>
+  <p:clrMapOvr>
+    <a:masterClrMapping/>
+  </p:clrMapOvr>
+</p:sld>
+</file>
+
+<file path=ppt/slides/slide19.xml><?xml version="1.0" encoding="utf-8"?>
+<p:sld xmlns:a="http://schemas.openxmlformats.org/drawingml/2006/main" xmlns:r="http://schemas.openxmlformats.org/officeDocument/2006/relationships" xmlns:p="http://schemas.openxmlformats.org/presentationml/2006/main">
+  <p:cSld>
+    <p:spTree>
+      <p:nvGrpSpPr>
+        <p:cNvPr id="1" name=""/>
+        <p:cNvGrpSpPr/>
+        <p:nvPr/>
+      </p:nvGrpSpPr>
+      <p:grpSpPr>
+        <a:xfrm>
+          <a:off x="0" y="0"/>
+          <a:ext cx="0" cy="0"/>
+          <a:chOff x="0" y="0"/>
+          <a:chExt cx="0" cy="0"/>
+        </a:xfrm>
+      </p:grpSpPr>
+      <p:sp>
+        <p:nvSpPr>
+          <p:cNvPr id="2" name="TextBox 1">
+            <a:extLst>
+              <a:ext uri="{FF2B5EF4-FFF2-40B4-BE49-F238E27FC236}">
+                <a16:creationId xmlns:a16="http://schemas.microsoft.com/office/drawing/2014/main" id="{25210E95-DD3B-42E9-A226-9269F3DF861C}"/>
+              </a:ext>
+            </a:extLst>
+          </p:cNvPr>
+          <p:cNvSpPr txBox="1"/>
+          <p:nvPr/>
+        </p:nvSpPr>
+        <p:spPr>
+          <a:xfrm>
+            <a:off x="290649" y="637593"/>
+            <a:ext cx="3706585" cy="2308324"/>
+          </a:xfrm>
+          <a:prstGeom prst="rect">
+            <a:avLst/>
+          </a:prstGeom>
+          <a:noFill/>
+        </p:spPr>
+        <p:txBody>
+          <a:bodyPr wrap="square">
+            <a:spAutoFit/>
+          </a:bodyPr>
+          <a:lstStyle/>
+          <a:p>
+            <a:r>
+              <a:rPr lang="en-US" dirty="0"/>
+              <a:t>![Schematic depiction and circuit symbols for (a) _</a:t>
+            </a:r>
+            <a:r>
+              <a:rPr lang="en-US" dirty="0" err="1"/>
+              <a:t>npn</a:t>
+            </a:r>
+            <a:r>
+              <a:rPr lang="en-US" dirty="0"/>
+              <a:t>_ and (b) _</a:t>
+            </a:r>
+            <a:r>
+              <a:rPr lang="en-US" dirty="0" err="1"/>
+              <a:t>pnp</a:t>
+            </a:r>
+            <a:r>
+              <a:rPr lang="en-US" dirty="0"/>
+              <a:t>_ BJTs illustrating on the top the device areas, terminal labels, and on the bottom the </a:t>
+            </a:r>
+            <a:r>
+              <a:rPr lang="en-US" dirty="0" err="1"/>
+              <a:t>d.c.</a:t>
+            </a:r>
+            <a:r>
+              <a:rPr lang="en-US" dirty="0"/>
+              <a:t> terminal currents, voltages, and reference polarities.](figures/fig-semi-dev-</a:t>
+            </a:r>
+            <a:r>
+              <a:rPr lang="en-US" dirty="0" err="1"/>
+              <a:t>bjt</a:t>
+            </a:r>
+            <a:r>
+              <a:rPr lang="en-US" dirty="0"/>
+              <a:t>-sch){#fig-semi-dev-bjt-sch}</a:t>
+            </a:r>
+          </a:p>
+        </p:txBody>
+      </p:sp>
+      <p:sp>
+        <p:nvSpPr>
+          <p:cNvPr id="3" name="TextBox 2">
+            <a:extLst>
+              <a:ext uri="{FF2B5EF4-FFF2-40B4-BE49-F238E27FC236}">
+                <a16:creationId xmlns:a16="http://schemas.microsoft.com/office/drawing/2014/main" id="{E7305357-008F-9A93-0C19-4046E44F8143}"/>
+              </a:ext>
+            </a:extLst>
+          </p:cNvPr>
+          <p:cNvSpPr txBox="1"/>
+          <p:nvPr/>
+        </p:nvSpPr>
+        <p:spPr>
+          <a:xfrm>
+            <a:off x="244431" y="5761563"/>
+            <a:ext cx="1391728" cy="369332"/>
+          </a:xfrm>
+          <a:prstGeom prst="rect">
+            <a:avLst/>
+          </a:prstGeom>
+          <a:noFill/>
+        </p:spPr>
+        <p:txBody>
+          <a:bodyPr wrap="none" rtlCol="0">
+            <a:spAutoFit/>
+          </a:bodyPr>
+          <a:lstStyle/>
+          <a:p>
+            <a:r>
+              <a:rPr lang="en-US" dirty="0"/>
+              <a:t>R0 04/16/25</a:t>
+            </a:r>
+          </a:p>
+        </p:txBody>
+      </p:sp>
+      <p:sp>
+        <p:nvSpPr>
+          <p:cNvPr id="4" name="TextBox 3">
+            <a:extLst>
+              <a:ext uri="{FF2B5EF4-FFF2-40B4-BE49-F238E27FC236}">
+                <a16:creationId xmlns:a16="http://schemas.microsoft.com/office/drawing/2014/main" id="{FFBEF86A-B5CC-AAB5-E3E0-F9D6C5B6C8D5}"/>
+              </a:ext>
+            </a:extLst>
+          </p:cNvPr>
+          <p:cNvSpPr txBox="1"/>
+          <p:nvPr/>
+        </p:nvSpPr>
+        <p:spPr>
+          <a:xfrm>
+            <a:off x="244431" y="6200278"/>
+            <a:ext cx="2447208" cy="338554"/>
+          </a:xfrm>
+          <a:prstGeom prst="rect">
+            <a:avLst/>
+          </a:prstGeom>
+          <a:noFill/>
+        </p:spPr>
+        <p:txBody>
+          <a:bodyPr wrap="none" rtlCol="0">
+            <a:spAutoFit/>
+          </a:bodyPr>
+          <a:lstStyle/>
+          <a:p>
+            <a:r>
+              <a:rPr lang="en-US" sz="1600" i="1" dirty="0"/>
+              <a:t>Ref: Fig 10.2 p-372 Pierret</a:t>
+            </a:r>
+          </a:p>
+        </p:txBody>
+      </p:sp>
+      <p:grpSp>
+        <p:nvGrpSpPr>
+          <p:cNvPr id="11" name="Group 10">
+            <a:extLst>
+              <a:ext uri="{FF2B5EF4-FFF2-40B4-BE49-F238E27FC236}">
+                <a16:creationId xmlns:a16="http://schemas.microsoft.com/office/drawing/2014/main" id="{51F22312-5A3F-FA7B-DD77-94A3222569C6}"/>
+              </a:ext>
+            </a:extLst>
+          </p:cNvPr>
+          <p:cNvGrpSpPr/>
+          <p:nvPr/>
+        </p:nvGrpSpPr>
+        <p:grpSpPr>
+          <a:xfrm>
+            <a:off x="5940870" y="744287"/>
+            <a:ext cx="5591175" cy="3753244"/>
+            <a:chOff x="5940870" y="744287"/>
+            <a:chExt cx="5591175" cy="3753244"/>
+          </a:xfrm>
+        </p:grpSpPr>
+        <p:pic>
+          <p:nvPicPr>
+            <p:cNvPr id="6" name="Picture 5">
+              <a:extLst>
+                <a:ext uri="{FF2B5EF4-FFF2-40B4-BE49-F238E27FC236}">
+                  <a16:creationId xmlns:a16="http://schemas.microsoft.com/office/drawing/2014/main" id="{782C2449-9C0B-966B-57D3-798C70C076B6}"/>
+                </a:ext>
+              </a:extLst>
+            </p:cNvPr>
+            <p:cNvPicPr>
+              <a:picLocks noChangeAspect="1"/>
+            </p:cNvPicPr>
+            <p:nvPr/>
+          </p:nvPicPr>
+          <p:blipFill>
+            <a:blip r:embed="rId2"/>
+            <a:stretch>
+              <a:fillRect/>
+            </a:stretch>
+          </p:blipFill>
+          <p:spPr>
+            <a:xfrm>
+              <a:off x="5940870" y="744287"/>
+              <a:ext cx="5591175" cy="1095375"/>
+            </a:xfrm>
+            <a:prstGeom prst="rect">
+              <a:avLst/>
+            </a:prstGeom>
+          </p:spPr>
+        </p:pic>
+        <p:pic>
+          <p:nvPicPr>
+            <p:cNvPr id="8" name="Picture 7">
+              <a:extLst>
+                <a:ext uri="{FF2B5EF4-FFF2-40B4-BE49-F238E27FC236}">
+                  <a16:creationId xmlns:a16="http://schemas.microsoft.com/office/drawing/2014/main" id="{BCECAAC2-9E67-F93A-1D45-64E64A8F206D}"/>
+                </a:ext>
+              </a:extLst>
+            </p:cNvPr>
+            <p:cNvPicPr>
+              <a:picLocks noChangeAspect="1"/>
+            </p:cNvPicPr>
+            <p:nvPr/>
+          </p:nvPicPr>
+          <p:blipFill>
+            <a:blip r:embed="rId3"/>
+            <a:stretch>
+              <a:fillRect/>
+            </a:stretch>
+          </p:blipFill>
+          <p:spPr>
+            <a:xfrm>
+              <a:off x="6224481" y="2207252"/>
+              <a:ext cx="5155352" cy="1738023"/>
+            </a:xfrm>
+            <a:prstGeom prst="rect">
+              <a:avLst/>
+            </a:prstGeom>
+          </p:spPr>
+        </p:pic>
+        <p:sp>
+          <p:nvSpPr>
+            <p:cNvPr id="9" name="TextBox 8">
+              <a:extLst>
+                <a:ext uri="{FF2B5EF4-FFF2-40B4-BE49-F238E27FC236}">
+                  <a16:creationId xmlns:a16="http://schemas.microsoft.com/office/drawing/2014/main" id="{E542972C-1A22-F683-4747-5B1DDA7B6F2C}"/>
+                </a:ext>
+              </a:extLst>
+            </p:cNvPr>
+            <p:cNvSpPr txBox="1"/>
+            <p:nvPr/>
+          </p:nvSpPr>
+          <p:spPr>
+            <a:xfrm>
+              <a:off x="7006975" y="4128199"/>
+              <a:ext cx="871777" cy="369332"/>
+            </a:xfrm>
+            <a:prstGeom prst="rect">
+              <a:avLst/>
+            </a:prstGeom>
+            <a:noFill/>
+          </p:spPr>
+          <p:txBody>
+            <a:bodyPr wrap="none" rtlCol="0">
+              <a:spAutoFit/>
+            </a:bodyPr>
+            <a:lstStyle/>
+            <a:p>
+              <a:r>
+                <a:rPr lang="en-US" dirty="0"/>
+                <a:t>(a) </a:t>
+              </a:r>
+              <a:r>
+                <a:rPr lang="en-US" dirty="0" err="1"/>
+                <a:t>npn</a:t>
+              </a:r>
+              <a:endParaRPr lang="en-US" dirty="0"/>
+            </a:p>
+          </p:txBody>
+        </p:sp>
+        <p:sp>
+          <p:nvSpPr>
+            <p:cNvPr id="10" name="TextBox 9">
+              <a:extLst>
+                <a:ext uri="{FF2B5EF4-FFF2-40B4-BE49-F238E27FC236}">
+                  <a16:creationId xmlns:a16="http://schemas.microsoft.com/office/drawing/2014/main" id="{8130741B-376B-926C-2A3F-FA0C7F1DC0DE}"/>
+                </a:ext>
+              </a:extLst>
+            </p:cNvPr>
+            <p:cNvSpPr txBox="1"/>
+            <p:nvPr/>
+          </p:nvSpPr>
+          <p:spPr>
+            <a:xfrm>
+              <a:off x="9678256" y="4128199"/>
+              <a:ext cx="874983" cy="369332"/>
+            </a:xfrm>
+            <a:prstGeom prst="rect">
+              <a:avLst/>
+            </a:prstGeom>
+            <a:noFill/>
+          </p:spPr>
+          <p:txBody>
+            <a:bodyPr wrap="none" rtlCol="0">
+              <a:spAutoFit/>
+            </a:bodyPr>
+            <a:lstStyle/>
+            <a:p>
+              <a:r>
+                <a:rPr lang="en-US" dirty="0"/>
+                <a:t>(a) </a:t>
+              </a:r>
+              <a:r>
+                <a:rPr lang="en-US" dirty="0" err="1"/>
+                <a:t>pnp</a:t>
+              </a:r>
+              <a:endParaRPr lang="en-US" dirty="0"/>
+            </a:p>
+          </p:txBody>
+        </p:sp>
+      </p:grpSp>
+    </p:spTree>
+    <p:extLst>
+      <p:ext uri="{BB962C8B-B14F-4D97-AF65-F5344CB8AC3E}">
+        <p14:creationId xmlns:p14="http://schemas.microsoft.com/office/powerpoint/2010/main" val="1862631229"/>
+      </p:ext>
+    </p:extLst>
+  </p:cSld>
+  <p:clrMapOvr>
+    <a:masterClrMapping/>
+  </p:clrMapOvr>
+</p:sld>
+</file>
+
+<file path=ppt/slides/slide2.xml><?xml version="1.0" encoding="utf-8"?>
+<p:sld xmlns:a="http://schemas.openxmlformats.org/drawingml/2006/main" xmlns:r="http://schemas.openxmlformats.org/officeDocument/2006/relationships" xmlns:p="http://schemas.openxmlformats.org/presentationml/2006/main">
+  <p:cSld>
+    <p:spTree>
+      <p:nvGrpSpPr>
+        <p:cNvPr id="1" name=""/>
+        <p:cNvGrpSpPr/>
+        <p:nvPr/>
+      </p:nvGrpSpPr>
+      <p:grpSpPr>
+        <a:xfrm>
+          <a:off x="0" y="0"/>
+          <a:ext cx="0" cy="0"/>
+          <a:chOff x="0" y="0"/>
+          <a:chExt cx="0" cy="0"/>
+        </a:xfrm>
+      </p:grpSpPr>
+      <p:sp>
+        <p:nvSpPr>
+          <p:cNvPr id="2" name="Title 1">
+            <a:extLst>
+              <a:ext uri="{FF2B5EF4-FFF2-40B4-BE49-F238E27FC236}">
+                <a16:creationId xmlns:a16="http://schemas.microsoft.com/office/drawing/2014/main" id="{98D5B683-2009-BF16-0C1B-AC844D596F87}"/>
+              </a:ext>
+            </a:extLst>
+          </p:cNvPr>
+          <p:cNvSpPr>
+            <a:spLocks noGrp="1"/>
+          </p:cNvSpPr>
+          <p:nvPr>
+            <p:ph type="title"/>
+          </p:nvPr>
+        </p:nvSpPr>
+        <p:spPr/>
+        <p:txBody>
+          <a:bodyPr/>
+          <a:lstStyle/>
+          <a:p>
+            <a:r>
+              <a:rPr lang="en-US" dirty="0"/>
+              <a:t>Semi Devices</a:t>
+            </a:r>
+          </a:p>
+        </p:txBody>
+      </p:sp>
+      <p:sp>
+        <p:nvSpPr>
+          <p:cNvPr id="3" name="Text Placeholder 2">
+            <a:extLst>
+              <a:ext uri="{FF2B5EF4-FFF2-40B4-BE49-F238E27FC236}">
+                <a16:creationId xmlns:a16="http://schemas.microsoft.com/office/drawing/2014/main" id="{81A4FB93-3AC6-259F-CA72-B3115BD73EE6}"/>
+              </a:ext>
+            </a:extLst>
+          </p:cNvPr>
+          <p:cNvSpPr>
+            <a:spLocks noGrp="1"/>
+          </p:cNvSpPr>
+          <p:nvPr>
+            <p:ph type="body" idx="1"/>
+          </p:nvPr>
+        </p:nvSpPr>
+        <p:spPr/>
+        <p:txBody>
+          <a:bodyPr/>
+          <a:lstStyle/>
+          <a:p>
+            <a:r>
+              <a:rPr lang="en-US" dirty="0" err="1"/>
+              <a:t>Pn</a:t>
+            </a:r>
+            <a:r>
+              <a:rPr lang="en-US" dirty="0"/>
+              <a:t>-junction</a:t>
+            </a:r>
+          </a:p>
+        </p:txBody>
+      </p:sp>
+    </p:spTree>
+    <p:extLst>
+      <p:ext uri="{BB962C8B-B14F-4D97-AF65-F5344CB8AC3E}">
+        <p14:creationId xmlns:p14="http://schemas.microsoft.com/office/powerpoint/2010/main" val="1304473932"/>
+      </p:ext>
+    </p:extLst>
+  </p:cSld>
+  <p:clrMapOvr>
+    <a:masterClrMapping/>
+  </p:clrMapOvr>
+</p:sld>
+</file>
+
+<file path=ppt/slides/slide20.xml><?xml version="1.0" encoding="utf-8"?>
+<p:sld xmlns:a="http://schemas.openxmlformats.org/drawingml/2006/main" xmlns:r="http://schemas.openxmlformats.org/officeDocument/2006/relationships" xmlns:p="http://schemas.openxmlformats.org/presentationml/2006/main">
+  <p:cSld>
+    <p:spTree>
+      <p:nvGrpSpPr>
+        <p:cNvPr id="1" name="">
+          <a:extLst>
+            <a:ext uri="{FF2B5EF4-FFF2-40B4-BE49-F238E27FC236}">
+              <a16:creationId xmlns:a16="http://schemas.microsoft.com/office/drawing/2014/main" id="{65A3998F-6016-1ABE-AEDE-37E50808C7DA}"/>
+            </a:ext>
+          </a:extLst>
+        </p:cNvPr>
+        <p:cNvGrpSpPr/>
+        <p:nvPr/>
+      </p:nvGrpSpPr>
+      <p:grpSpPr>
+        <a:xfrm>
+          <a:off x="0" y="0"/>
+          <a:ext cx="0" cy="0"/>
+          <a:chOff x="0" y="0"/>
+          <a:chExt cx="0" cy="0"/>
+        </a:xfrm>
+      </p:grpSpPr>
+      <p:sp>
+        <p:nvSpPr>
+          <p:cNvPr id="2" name="TextBox 1">
+            <a:extLst>
+              <a:ext uri="{FF2B5EF4-FFF2-40B4-BE49-F238E27FC236}">
+                <a16:creationId xmlns:a16="http://schemas.microsoft.com/office/drawing/2014/main" id="{156B2E3A-28CD-E56E-183E-71E6AF0ACBBE}"/>
+              </a:ext>
+            </a:extLst>
+          </p:cNvPr>
+          <p:cNvSpPr txBox="1"/>
+          <p:nvPr/>
+        </p:nvSpPr>
+        <p:spPr>
+          <a:xfrm>
+            <a:off x="171051" y="403939"/>
+            <a:ext cx="5339443" cy="923330"/>
+          </a:xfrm>
+          <a:prstGeom prst="rect">
+            <a:avLst/>
+          </a:prstGeom>
+          <a:noFill/>
+        </p:spPr>
+        <p:txBody>
+          <a:bodyPr wrap="square">
+            <a:spAutoFit/>
+          </a:bodyPr>
+          <a:lstStyle/>
+          <a:p>
+            <a:r>
+              <a:rPr lang="en-US" dirty="0"/>
+              <a:t>![Bandgap visualization of carrier activity in a </a:t>
+            </a:r>
+            <a:r>
+              <a:rPr lang="en-US" dirty="0" err="1"/>
+              <a:t>pnp</a:t>
+            </a:r>
+            <a:r>
+              <a:rPr lang="en-US" dirty="0"/>
+              <a:t> BJT in active mode. ](figures/fig-semi-dev-</a:t>
+            </a:r>
+            <a:r>
+              <a:rPr lang="en-US" dirty="0" err="1"/>
+              <a:t>bjt</a:t>
+            </a:r>
+            <a:r>
+              <a:rPr lang="en-US" dirty="0"/>
+              <a:t>-</a:t>
+            </a:r>
+            <a:r>
+              <a:rPr lang="en-US" dirty="0" err="1"/>
+              <a:t>iband</a:t>
+            </a:r>
+            <a:r>
+              <a:rPr lang="en-US" dirty="0"/>
+              <a:t>){#fig-semi-dev-bjt-iband}</a:t>
+            </a:r>
+          </a:p>
+        </p:txBody>
+      </p:sp>
+      <p:sp>
+        <p:nvSpPr>
+          <p:cNvPr id="3" name="TextBox 2">
+            <a:extLst>
+              <a:ext uri="{FF2B5EF4-FFF2-40B4-BE49-F238E27FC236}">
+                <a16:creationId xmlns:a16="http://schemas.microsoft.com/office/drawing/2014/main" id="{E7F9B07A-996C-95C7-5D68-05037623D4EF}"/>
+              </a:ext>
+            </a:extLst>
+          </p:cNvPr>
+          <p:cNvSpPr txBox="1"/>
+          <p:nvPr/>
+        </p:nvSpPr>
+        <p:spPr>
+          <a:xfrm>
+            <a:off x="244431" y="5761563"/>
+            <a:ext cx="1391728" cy="369332"/>
+          </a:xfrm>
+          <a:prstGeom prst="rect">
+            <a:avLst/>
+          </a:prstGeom>
+          <a:noFill/>
+        </p:spPr>
+        <p:txBody>
+          <a:bodyPr wrap="none" rtlCol="0">
+            <a:spAutoFit/>
+          </a:bodyPr>
+          <a:lstStyle/>
+          <a:p>
+            <a:r>
+              <a:rPr lang="en-US" dirty="0"/>
+              <a:t>R0 04/17/25</a:t>
+            </a:r>
+          </a:p>
+        </p:txBody>
+      </p:sp>
+      <p:sp>
+        <p:nvSpPr>
+          <p:cNvPr id="4" name="TextBox 3">
+            <a:extLst>
+              <a:ext uri="{FF2B5EF4-FFF2-40B4-BE49-F238E27FC236}">
+                <a16:creationId xmlns:a16="http://schemas.microsoft.com/office/drawing/2014/main" id="{15F012C0-100F-2734-0D6A-54303B738215}"/>
+              </a:ext>
+            </a:extLst>
+          </p:cNvPr>
+          <p:cNvSpPr txBox="1"/>
+          <p:nvPr/>
+        </p:nvSpPr>
+        <p:spPr>
+          <a:xfrm>
+            <a:off x="244431" y="6200278"/>
+            <a:ext cx="2447208" cy="338554"/>
+          </a:xfrm>
+          <a:prstGeom prst="rect">
+            <a:avLst/>
+          </a:prstGeom>
+          <a:noFill/>
+        </p:spPr>
+        <p:txBody>
+          <a:bodyPr wrap="none" rtlCol="0">
+            <a:spAutoFit/>
+          </a:bodyPr>
+          <a:lstStyle/>
+          <a:p>
+            <a:r>
+              <a:rPr lang="en-US" sz="1600" i="1" dirty="0"/>
+              <a:t>Ref: Fig 10.8 p-380 Pierret</a:t>
+            </a:r>
+          </a:p>
+        </p:txBody>
+      </p:sp>
+      <p:pic>
+        <p:nvPicPr>
+          <p:cNvPr id="6" name="Picture 5">
+            <a:extLst>
+              <a:ext uri="{FF2B5EF4-FFF2-40B4-BE49-F238E27FC236}">
+                <a16:creationId xmlns:a16="http://schemas.microsoft.com/office/drawing/2014/main" id="{CECDE17A-303D-0E4B-9B77-959B738354E1}"/>
+              </a:ext>
+            </a:extLst>
+          </p:cNvPr>
+          <p:cNvPicPr>
+            <a:picLocks noChangeAspect="1"/>
+          </p:cNvPicPr>
+          <p:nvPr/>
+        </p:nvPicPr>
+        <p:blipFill>
+          <a:blip r:embed="rId2"/>
+          <a:stretch>
+            <a:fillRect/>
+          </a:stretch>
+        </p:blipFill>
+        <p:spPr>
+          <a:xfrm>
+            <a:off x="5372100" y="1941058"/>
+            <a:ext cx="5760008" cy="3403641"/>
+          </a:xfrm>
+          <a:prstGeom prst="rect">
+            <a:avLst/>
+          </a:prstGeom>
+        </p:spPr>
+      </p:pic>
+    </p:spTree>
+    <p:extLst>
+      <p:ext uri="{BB962C8B-B14F-4D97-AF65-F5344CB8AC3E}">
+        <p14:creationId xmlns:p14="http://schemas.microsoft.com/office/powerpoint/2010/main" val="4264275696"/>
+      </p:ext>
+    </p:extLst>
+  </p:cSld>
+  <p:clrMapOvr>
+    <a:masterClrMapping/>
+  </p:clrMapOvr>
+</p:sld>
+</file>
+
+<file path=ppt/slides/slide21.xml><?xml version="1.0" encoding="utf-8"?>
+<p:sld xmlns:a="http://schemas.openxmlformats.org/drawingml/2006/main" xmlns:r="http://schemas.openxmlformats.org/officeDocument/2006/relationships" xmlns:p="http://schemas.openxmlformats.org/presentationml/2006/main">
+  <p:cSld>
+    <p:spTree>
+      <p:nvGrpSpPr>
+        <p:cNvPr id="1" name="">
+          <a:extLst>
+            <a:ext uri="{FF2B5EF4-FFF2-40B4-BE49-F238E27FC236}">
+              <a16:creationId xmlns:a16="http://schemas.microsoft.com/office/drawing/2014/main" id="{B45516C7-2575-2B1D-6814-7B29689E4C0F}"/>
+            </a:ext>
+          </a:extLst>
+        </p:cNvPr>
+        <p:cNvGrpSpPr/>
+        <p:nvPr/>
+      </p:nvGrpSpPr>
+      <p:grpSpPr>
+        <a:xfrm>
+          <a:off x="0" y="0"/>
+          <a:ext cx="0" cy="0"/>
+          <a:chOff x="0" y="0"/>
+          <a:chExt cx="0" cy="0"/>
+        </a:xfrm>
+      </p:grpSpPr>
+      <p:sp>
+        <p:nvSpPr>
+          <p:cNvPr id="2" name="TextBox 1">
+            <a:extLst>
+              <a:ext uri="{FF2B5EF4-FFF2-40B4-BE49-F238E27FC236}">
+                <a16:creationId xmlns:a16="http://schemas.microsoft.com/office/drawing/2014/main" id="{C31F5142-8BD0-FC71-764D-7F0A7E650BB3}"/>
+              </a:ext>
+            </a:extLst>
+          </p:cNvPr>
+          <p:cNvSpPr txBox="1"/>
+          <p:nvPr/>
+        </p:nvSpPr>
+        <p:spPr>
+          <a:xfrm>
+            <a:off x="171051" y="403939"/>
+            <a:ext cx="5339443" cy="923330"/>
+          </a:xfrm>
+          <a:prstGeom prst="rect">
+            <a:avLst/>
+          </a:prstGeom>
+          <a:noFill/>
+        </p:spPr>
+        <p:txBody>
+          <a:bodyPr wrap="square">
+            <a:spAutoFit/>
+          </a:bodyPr>
+          <a:lstStyle/>
+          <a:p>
+            <a:r>
+              <a:rPr lang="en-US" dirty="0"/>
+              <a:t>![Spatial visualization of the diffusion currents flowing I](figures/fig-semi-dev-</a:t>
+            </a:r>
+            <a:r>
+              <a:rPr lang="en-US" dirty="0" err="1"/>
+              <a:t>bjt</a:t>
+            </a:r>
+            <a:r>
+              <a:rPr lang="en-US" dirty="0"/>
+              <a:t>-</a:t>
+            </a:r>
+            <a:r>
+              <a:rPr lang="en-US" dirty="0" err="1"/>
+              <a:t>curr</a:t>
+            </a:r>
+            <a:r>
+              <a:rPr lang="en-US" dirty="0"/>
+              <a:t>){#fig-semi-dev-bjt-curr}</a:t>
+            </a:r>
+          </a:p>
+        </p:txBody>
+      </p:sp>
+      <p:sp>
+        <p:nvSpPr>
+          <p:cNvPr id="3" name="TextBox 2">
+            <a:extLst>
+              <a:ext uri="{FF2B5EF4-FFF2-40B4-BE49-F238E27FC236}">
+                <a16:creationId xmlns:a16="http://schemas.microsoft.com/office/drawing/2014/main" id="{7AD0BA12-947E-78F1-19C2-A3D8E512B486}"/>
+              </a:ext>
+            </a:extLst>
+          </p:cNvPr>
+          <p:cNvSpPr txBox="1"/>
+          <p:nvPr/>
+        </p:nvSpPr>
+        <p:spPr>
+          <a:xfrm>
+            <a:off x="244431" y="5761563"/>
+            <a:ext cx="1391728" cy="369332"/>
+          </a:xfrm>
+          <a:prstGeom prst="rect">
+            <a:avLst/>
+          </a:prstGeom>
+          <a:noFill/>
+        </p:spPr>
+        <p:txBody>
+          <a:bodyPr wrap="none" rtlCol="0">
+            <a:spAutoFit/>
+          </a:bodyPr>
+          <a:lstStyle/>
+          <a:p>
+            <a:r>
+              <a:rPr lang="en-US" dirty="0"/>
+              <a:t>R0 04/16/25</a:t>
+            </a:r>
+          </a:p>
+        </p:txBody>
+      </p:sp>
+      <p:sp>
+        <p:nvSpPr>
+          <p:cNvPr id="4" name="TextBox 3">
+            <a:extLst>
+              <a:ext uri="{FF2B5EF4-FFF2-40B4-BE49-F238E27FC236}">
+                <a16:creationId xmlns:a16="http://schemas.microsoft.com/office/drawing/2014/main" id="{05C73435-714B-436A-743B-591D8C76B477}"/>
+              </a:ext>
+            </a:extLst>
+          </p:cNvPr>
+          <p:cNvSpPr txBox="1"/>
+          <p:nvPr/>
+        </p:nvSpPr>
+        <p:spPr>
+          <a:xfrm>
+            <a:off x="244431" y="6200278"/>
+            <a:ext cx="2447208" cy="338554"/>
+          </a:xfrm>
+          <a:prstGeom prst="rect">
+            <a:avLst/>
+          </a:prstGeom>
+          <a:noFill/>
+        </p:spPr>
+        <p:txBody>
+          <a:bodyPr wrap="none" rtlCol="0">
+            <a:spAutoFit/>
+          </a:bodyPr>
+          <a:lstStyle/>
+          <a:p>
+            <a:r>
+              <a:rPr lang="en-US" sz="1600" i="1" dirty="0"/>
+              <a:t>Ref: Fig 10.9 p-381 Pierret</a:t>
+            </a:r>
+          </a:p>
+        </p:txBody>
+      </p:sp>
+      <p:pic>
+        <p:nvPicPr>
+          <p:cNvPr id="7" name="Picture 6">
+            <a:extLst>
+              <a:ext uri="{FF2B5EF4-FFF2-40B4-BE49-F238E27FC236}">
+                <a16:creationId xmlns:a16="http://schemas.microsoft.com/office/drawing/2014/main" id="{14DAB5D0-4159-D8C4-C994-1110F870FCC4}"/>
+              </a:ext>
+            </a:extLst>
+          </p:cNvPr>
+          <p:cNvPicPr>
+            <a:picLocks noChangeAspect="1"/>
+          </p:cNvPicPr>
+          <p:nvPr/>
+        </p:nvPicPr>
+        <p:blipFill>
+          <a:blip r:embed="rId2"/>
+          <a:stretch>
+            <a:fillRect/>
+          </a:stretch>
+        </p:blipFill>
+        <p:spPr>
+          <a:xfrm>
+            <a:off x="5465308" y="1944801"/>
+            <a:ext cx="5716435" cy="2968398"/>
+          </a:xfrm>
+          <a:prstGeom prst="rect">
+            <a:avLst/>
+          </a:prstGeom>
+        </p:spPr>
+      </p:pic>
+    </p:spTree>
+    <p:extLst>
+      <p:ext uri="{BB962C8B-B14F-4D97-AF65-F5344CB8AC3E}">
+        <p14:creationId xmlns:p14="http://schemas.microsoft.com/office/powerpoint/2010/main" val="3247466654"/>
+      </p:ext>
+    </p:extLst>
+  </p:cSld>
+  <p:clrMapOvr>
+    <a:masterClrMapping/>
+  </p:clrMapOvr>
+</p:sld>
+</file>
+
+<file path=ppt/slides/slide22.xml><?xml version="1.0" encoding="utf-8"?>
+<p:sld xmlns:a="http://schemas.openxmlformats.org/drawingml/2006/main" xmlns:r="http://schemas.openxmlformats.org/officeDocument/2006/relationships" xmlns:p="http://schemas.openxmlformats.org/presentationml/2006/main">
+  <p:cSld>
+    <p:spTree>
+      <p:nvGrpSpPr>
+        <p:cNvPr id="1" name="">
+          <a:extLst>
+            <a:ext uri="{FF2B5EF4-FFF2-40B4-BE49-F238E27FC236}">
+              <a16:creationId xmlns:a16="http://schemas.microsoft.com/office/drawing/2014/main" id="{C442F22A-7B18-861B-2E13-6D032DC0FB26}"/>
+            </a:ext>
+          </a:extLst>
+        </p:cNvPr>
+        <p:cNvGrpSpPr/>
+        <p:nvPr/>
+      </p:nvGrpSpPr>
+      <p:grpSpPr>
+        <a:xfrm>
+          <a:off x="0" y="0"/>
+          <a:ext cx="0" cy="0"/>
+          <a:chOff x="0" y="0"/>
+          <a:chExt cx="0" cy="0"/>
+        </a:xfrm>
+      </p:grpSpPr>
+      <p:sp>
+        <p:nvSpPr>
+          <p:cNvPr id="2" name="TextBox 1">
+            <a:extLst>
+              <a:ext uri="{FF2B5EF4-FFF2-40B4-BE49-F238E27FC236}">
+                <a16:creationId xmlns:a16="http://schemas.microsoft.com/office/drawing/2014/main" id="{B195CDF3-460C-2FAC-5AD6-7C3710FE2992}"/>
+              </a:ext>
+            </a:extLst>
+          </p:cNvPr>
+          <p:cNvSpPr txBox="1"/>
+          <p:nvPr/>
+        </p:nvSpPr>
+        <p:spPr>
+          <a:xfrm>
+            <a:off x="171051" y="403939"/>
+            <a:ext cx="5339443" cy="923330"/>
+          </a:xfrm>
+          <a:prstGeom prst="rect">
+            <a:avLst/>
+          </a:prstGeom>
+          <a:noFill/>
+        </p:spPr>
+        <p:txBody>
+          <a:bodyPr wrap="square">
+            <a:spAutoFit/>
+          </a:bodyPr>
+          <a:lstStyle/>
+          <a:p>
+            <a:r>
+              <a:rPr lang="en-US" dirty="0"/>
+              <a:t>![Excess carrier distribution in the base for active-region operation.](figures/fig-semi-dev-</a:t>
+            </a:r>
+            <a:r>
+              <a:rPr lang="en-US" dirty="0" err="1"/>
+              <a:t>bjt</a:t>
+            </a:r>
+            <a:r>
+              <a:rPr lang="en-US" dirty="0"/>
+              <a:t>-base){#fig-semi-dev-bjt-base}</a:t>
+            </a:r>
+          </a:p>
+        </p:txBody>
+      </p:sp>
+      <p:sp>
+        <p:nvSpPr>
+          <p:cNvPr id="3" name="TextBox 2">
+            <a:extLst>
+              <a:ext uri="{FF2B5EF4-FFF2-40B4-BE49-F238E27FC236}">
+                <a16:creationId xmlns:a16="http://schemas.microsoft.com/office/drawing/2014/main" id="{280363C8-9DA6-C119-E667-818EBE37DF11}"/>
+              </a:ext>
+            </a:extLst>
+          </p:cNvPr>
+          <p:cNvSpPr txBox="1"/>
+          <p:nvPr/>
+        </p:nvSpPr>
+        <p:spPr>
+          <a:xfrm>
+            <a:off x="244431" y="5761563"/>
+            <a:ext cx="1391728" cy="369332"/>
+          </a:xfrm>
+          <a:prstGeom prst="rect">
+            <a:avLst/>
+          </a:prstGeom>
+          <a:noFill/>
+        </p:spPr>
+        <p:txBody>
+          <a:bodyPr wrap="none" rtlCol="0">
+            <a:spAutoFit/>
+          </a:bodyPr>
+          <a:lstStyle/>
+          <a:p>
+            <a:r>
+              <a:rPr lang="en-US" dirty="0"/>
+              <a:t>R0 04/17/25</a:t>
+            </a:r>
+          </a:p>
+        </p:txBody>
+      </p:sp>
+      <p:sp>
+        <p:nvSpPr>
+          <p:cNvPr id="4" name="TextBox 3">
+            <a:extLst>
+              <a:ext uri="{FF2B5EF4-FFF2-40B4-BE49-F238E27FC236}">
+                <a16:creationId xmlns:a16="http://schemas.microsoft.com/office/drawing/2014/main" id="{0E5DB3F6-659F-9DBE-EF85-2C514D9F62B0}"/>
+              </a:ext>
+            </a:extLst>
+          </p:cNvPr>
+          <p:cNvSpPr txBox="1"/>
+          <p:nvPr/>
+        </p:nvSpPr>
+        <p:spPr>
+          <a:xfrm>
+            <a:off x="244431" y="6200278"/>
+            <a:ext cx="2895473" cy="584775"/>
+          </a:xfrm>
+          <a:prstGeom prst="rect">
+            <a:avLst/>
+          </a:prstGeom>
+          <a:noFill/>
+        </p:spPr>
+        <p:txBody>
+          <a:bodyPr wrap="none" rtlCol="0">
+            <a:spAutoFit/>
+          </a:bodyPr>
+          <a:lstStyle/>
+          <a:p>
+            <a:r>
+              <a:rPr lang="en-US" sz="1600" i="1" dirty="0"/>
+              <a:t>Ref: Fig 7-7 p-362  Streetman</a:t>
+            </a:r>
+          </a:p>
+          <a:p>
+            <a:r>
+              <a:rPr lang="en-US" sz="1600" i="1" dirty="0"/>
+              <a:t>Ref: Fig 7.7 p-253 Gray-Searles</a:t>
+            </a:r>
+          </a:p>
+        </p:txBody>
+      </p:sp>
+      <p:pic>
+        <p:nvPicPr>
+          <p:cNvPr id="6" name="Picture 5">
+            <a:extLst>
+              <a:ext uri="{FF2B5EF4-FFF2-40B4-BE49-F238E27FC236}">
+                <a16:creationId xmlns:a16="http://schemas.microsoft.com/office/drawing/2014/main" id="{DBFC7BE7-C712-379D-7E82-875A945F420D}"/>
+              </a:ext>
+            </a:extLst>
+          </p:cNvPr>
+          <p:cNvPicPr>
+            <a:picLocks noChangeAspect="1"/>
+          </p:cNvPicPr>
+          <p:nvPr/>
+        </p:nvPicPr>
+        <p:blipFill>
+          <a:blip r:embed="rId2"/>
+          <a:stretch>
+            <a:fillRect/>
+          </a:stretch>
+        </p:blipFill>
+        <p:spPr>
+          <a:xfrm>
+            <a:off x="4130992" y="1327269"/>
+            <a:ext cx="6771516" cy="4728920"/>
+          </a:xfrm>
+          <a:prstGeom prst="rect">
+            <a:avLst/>
+          </a:prstGeom>
+        </p:spPr>
+      </p:pic>
+      <mc:AlternateContent xmlns:mc="http://schemas.openxmlformats.org/markup-compatibility/2006">
+        <mc:Choice xmlns:a14="http://schemas.microsoft.com/office/drawing/2010/main" Requires="a14">
+          <p:sp>
+            <p:nvSpPr>
+              <p:cNvPr id="8" name="TextBox 7">
+                <a:extLst>
+                  <a:ext uri="{FF2B5EF4-FFF2-40B4-BE49-F238E27FC236}">
+                    <a16:creationId xmlns:a16="http://schemas.microsoft.com/office/drawing/2014/main" id="{08468381-2EB0-1745-ADC0-9176E25E27C3}"/>
+                  </a:ext>
+                </a:extLst>
+              </p:cNvPr>
+              <p:cNvSpPr txBox="1"/>
+              <p:nvPr/>
+            </p:nvSpPr>
+            <p:spPr>
+              <a:xfrm>
+                <a:off x="7174925" y="4686300"/>
+                <a:ext cx="341825" cy="246221"/>
+              </a:xfrm>
+              <a:prstGeom prst="rect">
+                <a:avLst/>
+              </a:prstGeom>
+              <a:solidFill>
+                <a:schemeClr val="bg1"/>
+              </a:solidFill>
+            </p:spPr>
+            <p:txBody>
+              <a:bodyPr wrap="none" lIns="0" tIns="0" rIns="0" bIns="0" rtlCol="0">
+                <a:spAutoFit/>
+              </a:bodyPr>
+              <a:lstStyle/>
+              <a:p>
+                <a14:m>
+                  <m:oMathPara xmlns:m="http://schemas.openxmlformats.org/officeDocument/2006/math">
+                    <m:oMathParaPr>
+                      <m:jc m:val="centerGroup"/>
+                    </m:oMathParaPr>
+                    <m:oMath xmlns:m="http://schemas.openxmlformats.org/officeDocument/2006/math">
+                      <m:sSub>
+                        <m:sSubPr>
+                          <m:ctrlPr>
+                            <a:rPr lang="en-US" sz="1600" b="0" i="1" smtClean="0">
+                              <a:latin typeface="Cambria Math" panose="02040503050406030204" pitchFamily="18" charset="0"/>
+                            </a:rPr>
+                          </m:ctrlPr>
+                        </m:sSubPr>
+                        <m:e>
+                          <m:r>
+                            <a:rPr lang="en-US" sz="1600" b="0" i="1" smtClean="0">
+                              <a:latin typeface="Cambria Math" panose="02040503050406030204" pitchFamily="18" charset="0"/>
+                            </a:rPr>
+                            <m:t>𝑝</m:t>
+                          </m:r>
+                        </m:e>
+                        <m:sub>
+                          <m:r>
+                            <a:rPr lang="en-US" sz="1600" b="0" i="1" smtClean="0">
+                              <a:latin typeface="Cambria Math" panose="02040503050406030204" pitchFamily="18" charset="0"/>
+                            </a:rPr>
+                            <m:t>𝑛</m:t>
+                          </m:r>
+                          <m:r>
+                            <a:rPr lang="en-US" sz="1600" b="0" i="1" smtClean="0">
+                              <a:latin typeface="Cambria Math" panose="02040503050406030204" pitchFamily="18" charset="0"/>
+                            </a:rPr>
+                            <m:t>0</m:t>
+                          </m:r>
+                        </m:sub>
+                      </m:sSub>
+                    </m:oMath>
+                  </m:oMathPara>
+                </a14:m>
+                <a:endParaRPr lang="en-US" sz="1600" dirty="0"/>
+              </a:p>
+            </p:txBody>
+          </p:sp>
+        </mc:Choice>
+        <mc:Fallback>
+          <p:sp>
+            <p:nvSpPr>
+              <p:cNvPr id="8" name="TextBox 7">
+                <a:extLst>
+                  <a:ext uri="{FF2B5EF4-FFF2-40B4-BE49-F238E27FC236}">
+                    <a16:creationId xmlns:a16="http://schemas.microsoft.com/office/drawing/2014/main" id="{08468381-2EB0-1745-ADC0-9176E25E27C3}"/>
+                  </a:ext>
+                </a:extLst>
+              </p:cNvPr>
+              <p:cNvSpPr txBox="1">
+                <a:spLocks noRot="1" noChangeAspect="1" noMove="1" noResize="1" noEditPoints="1" noAdjustHandles="1" noChangeArrowheads="1" noChangeShapeType="1" noTextEdit="1"/>
+              </p:cNvSpPr>
+              <p:nvPr/>
+            </p:nvSpPr>
+            <p:spPr>
+              <a:xfrm>
+                <a:off x="7174925" y="4686300"/>
+                <a:ext cx="341825" cy="246221"/>
+              </a:xfrm>
+              <a:prstGeom prst="rect">
+                <a:avLst/>
+              </a:prstGeom>
+              <a:blipFill>
+                <a:blip r:embed="rId3"/>
+                <a:stretch>
+                  <a:fillRect l="-14286" r="-5357" b="-25000"/>
+                </a:stretch>
+              </a:blipFill>
+            </p:spPr>
+            <p:txBody>
+              <a:bodyPr/>
+              <a:lstStyle/>
+              <a:p>
+                <a:r>
+                  <a:rPr lang="en-US">
+                    <a:noFill/>
+                  </a:rPr>
+                  <a:t> </a:t>
+                </a:r>
+              </a:p>
+            </p:txBody>
+          </p:sp>
+        </mc:Fallback>
+      </mc:AlternateContent>
+    </p:spTree>
+    <p:extLst>
+      <p:ext uri="{BB962C8B-B14F-4D97-AF65-F5344CB8AC3E}">
+        <p14:creationId xmlns:p14="http://schemas.microsoft.com/office/powerpoint/2010/main" val="2904591012"/>
+      </p:ext>
+    </p:extLst>
+  </p:cSld>
+  <p:clrMapOvr>
+    <a:masterClrMapping/>
+  </p:clrMapOvr>
+</p:sld>
+</file>
+
+<file path=ppt/slides/slide23.xml><?xml version="1.0" encoding="utf-8"?>
+<p:sld xmlns:a="http://schemas.openxmlformats.org/drawingml/2006/main" xmlns:r="http://schemas.openxmlformats.org/officeDocument/2006/relationships" xmlns:p="http://schemas.openxmlformats.org/presentationml/2006/main">
+  <p:cSld>
+    <p:spTree>
+      <p:nvGrpSpPr>
         <p:cNvPr id="1" name=""/>
         <p:cNvGrpSpPr/>
         <p:nvPr/>
@@ -5229,7 +6437,7 @@
 </p:sld>
 </file>
 
-<file path=ppt/slides/slide19.xml><?xml version="1.0" encoding="utf-8"?>
+<file path=ppt/slides/slide24.xml><?xml version="1.0" encoding="utf-8"?>
 <p:sld xmlns:a="http://schemas.openxmlformats.org/drawingml/2006/main" xmlns:r="http://schemas.openxmlformats.org/officeDocument/2006/relationships" xmlns:p="http://schemas.openxmlformats.org/presentationml/2006/main">
   <p:cSld>
     <p:spTree>
@@ -6379,90 +7587,7 @@
 </p:sld>
 </file>
 
-<file path=ppt/slides/slide2.xml><?xml version="1.0" encoding="utf-8"?>
-<p:sld xmlns:a="http://schemas.openxmlformats.org/drawingml/2006/main" xmlns:r="http://schemas.openxmlformats.org/officeDocument/2006/relationships" xmlns:p="http://schemas.openxmlformats.org/presentationml/2006/main">
-  <p:cSld>
-    <p:spTree>
-      <p:nvGrpSpPr>
-        <p:cNvPr id="1" name=""/>
-        <p:cNvGrpSpPr/>
-        <p:nvPr/>
-      </p:nvGrpSpPr>
-      <p:grpSpPr>
-        <a:xfrm>
-          <a:off x="0" y="0"/>
-          <a:ext cx="0" cy="0"/>
-          <a:chOff x="0" y="0"/>
-          <a:chExt cx="0" cy="0"/>
-        </a:xfrm>
-      </p:grpSpPr>
-      <p:sp>
-        <p:nvSpPr>
-          <p:cNvPr id="2" name="Title 1">
-            <a:extLst>
-              <a:ext uri="{FF2B5EF4-FFF2-40B4-BE49-F238E27FC236}">
-                <a16:creationId xmlns:a16="http://schemas.microsoft.com/office/drawing/2014/main" id="{98D5B683-2009-BF16-0C1B-AC844D596F87}"/>
-              </a:ext>
-            </a:extLst>
-          </p:cNvPr>
-          <p:cNvSpPr>
-            <a:spLocks noGrp="1"/>
-          </p:cNvSpPr>
-          <p:nvPr>
-            <p:ph type="title"/>
-          </p:nvPr>
-        </p:nvSpPr>
-        <p:spPr/>
-        <p:txBody>
-          <a:bodyPr/>
-          <a:lstStyle/>
-          <a:p>
-            <a:r>
-              <a:rPr lang="en-US" dirty="0"/>
-              <a:t>Semi Devices</a:t>
-            </a:r>
-          </a:p>
-        </p:txBody>
-      </p:sp>
-      <p:sp>
-        <p:nvSpPr>
-          <p:cNvPr id="3" name="Text Placeholder 2">
-            <a:extLst>
-              <a:ext uri="{FF2B5EF4-FFF2-40B4-BE49-F238E27FC236}">
-                <a16:creationId xmlns:a16="http://schemas.microsoft.com/office/drawing/2014/main" id="{81A4FB93-3AC6-259F-CA72-B3115BD73EE6}"/>
-              </a:ext>
-            </a:extLst>
-          </p:cNvPr>
-          <p:cNvSpPr>
-            <a:spLocks noGrp="1"/>
-          </p:cNvSpPr>
-          <p:nvPr>
-            <p:ph type="body" idx="1"/>
-          </p:nvPr>
-        </p:nvSpPr>
-        <p:spPr/>
-        <p:txBody>
-          <a:bodyPr/>
-          <a:lstStyle/>
-          <a:p>
-            <a:endParaRPr lang="en-US"/>
-          </a:p>
-        </p:txBody>
-      </p:sp>
-    </p:spTree>
-    <p:extLst>
-      <p:ext uri="{BB962C8B-B14F-4D97-AF65-F5344CB8AC3E}">
-        <p14:creationId xmlns:p14="http://schemas.microsoft.com/office/powerpoint/2010/main" val="1304473932"/>
-      </p:ext>
-    </p:extLst>
-  </p:cSld>
-  <p:clrMapOvr>
-    <a:masterClrMapping/>
-  </p:clrMapOvr>
-</p:sld>
-</file>
-
-<file path=ppt/slides/slide20.xml><?xml version="1.0" encoding="utf-8"?>
+<file path=ppt/slides/slide25.xml><?xml version="1.0" encoding="utf-8"?>
 <p:sld xmlns:a="http://schemas.openxmlformats.org/drawingml/2006/main" xmlns:r="http://schemas.openxmlformats.org/officeDocument/2006/relationships" xmlns:p="http://schemas.openxmlformats.org/presentationml/2006/main">
   <p:cSld>
     <p:spTree>
@@ -7859,7 +8984,7 @@
 </p:sld>
 </file>
 
-<file path=ppt/slides/slide21.xml><?xml version="1.0" encoding="utf-8"?>
+<file path=ppt/slides/slide26.xml><?xml version="1.0" encoding="utf-8"?>
 <p:sld xmlns:a="http://schemas.openxmlformats.org/drawingml/2006/main" xmlns:r="http://schemas.openxmlformats.org/officeDocument/2006/relationships" xmlns:p="http://schemas.openxmlformats.org/presentationml/2006/main">
   <p:cSld>
     <p:spTree>
@@ -10962,7 +12087,7 @@
 </p:sld>
 </file>
 
-<file path=ppt/slides/slide22.xml><?xml version="1.0" encoding="utf-8"?>
+<file path=ppt/slides/slide27.xml><?xml version="1.0" encoding="utf-8"?>
 <p:sld xmlns:a="http://schemas.openxmlformats.org/drawingml/2006/main" xmlns:r="http://schemas.openxmlformats.org/officeDocument/2006/relationships" xmlns:p="http://schemas.openxmlformats.org/presentationml/2006/main">
   <p:cSld>
     <p:spTree>
@@ -13922,7 +15047,7 @@
 </p:sld>
 </file>
 
-<file path=ppt/slides/slide23.xml><?xml version="1.0" encoding="utf-8"?>
+<file path=ppt/slides/slide28.xml><?xml version="1.0" encoding="utf-8"?>
 <p:sld xmlns:a="http://schemas.openxmlformats.org/drawingml/2006/main" xmlns:r="http://schemas.openxmlformats.org/officeDocument/2006/relationships" xmlns:p="http://schemas.openxmlformats.org/presentationml/2006/main">
   <p:cSld>
     <p:spTree>
@@ -17027,7 +18152,7 @@
 </p:sld>
 </file>
 
-<file path=ppt/slides/slide24.xml><?xml version="1.0" encoding="utf-8"?>
+<file path=ppt/slides/slide29.xml><?xml version="1.0" encoding="utf-8"?>
 <p:sld xmlns:a="http://schemas.openxmlformats.org/drawingml/2006/main" xmlns:r="http://schemas.openxmlformats.org/officeDocument/2006/relationships" xmlns:p="http://schemas.openxmlformats.org/presentationml/2006/main">
   <p:cSld>
     <p:spTree>
@@ -19133,480 +20258,6 @@
 </p:sld>
 </file>
 
-<file path=ppt/slides/slide25.xml><?xml version="1.0" encoding="utf-8"?>
-<p:sld xmlns:a="http://schemas.openxmlformats.org/drawingml/2006/main" xmlns:r="http://schemas.openxmlformats.org/officeDocument/2006/relationships" xmlns:p="http://schemas.openxmlformats.org/presentationml/2006/main">
-  <p:cSld>
-    <p:spTree>
-      <p:nvGrpSpPr>
-        <p:cNvPr id="1" name=""/>
-        <p:cNvGrpSpPr/>
-        <p:nvPr/>
-      </p:nvGrpSpPr>
-      <p:grpSpPr>
-        <a:xfrm>
-          <a:off x="0" y="0"/>
-          <a:ext cx="0" cy="0"/>
-          <a:chOff x="0" y="0"/>
-          <a:chExt cx="0" cy="0"/>
-        </a:xfrm>
-      </p:grpSpPr>
-      <p:sp>
-        <p:nvSpPr>
-          <p:cNvPr id="2" name="Title 1">
-            <a:extLst>
-              <a:ext uri="{FF2B5EF4-FFF2-40B4-BE49-F238E27FC236}">
-                <a16:creationId xmlns:a16="http://schemas.microsoft.com/office/drawing/2014/main" id="{D0E8A2E9-8009-5E29-D6CA-AB9C34D4C485}"/>
-              </a:ext>
-            </a:extLst>
-          </p:cNvPr>
-          <p:cNvSpPr>
-            <a:spLocks noGrp="1"/>
-          </p:cNvSpPr>
-          <p:nvPr>
-            <p:ph type="title"/>
-          </p:nvPr>
-        </p:nvSpPr>
-        <p:spPr/>
-        <p:txBody>
-          <a:bodyPr/>
-          <a:lstStyle/>
-          <a:p>
-            <a:r>
-              <a:rPr lang="en-US" dirty="0"/>
-              <a:t>Linear </a:t>
-            </a:r>
-            <a:r>
-              <a:rPr lang="en-US" dirty="0" err="1"/>
-              <a:t>Ckts</a:t>
-            </a:r>
-            <a:endParaRPr lang="en-US" dirty="0"/>
-          </a:p>
-        </p:txBody>
-      </p:sp>
-      <p:sp>
-        <p:nvSpPr>
-          <p:cNvPr id="3" name="Text Placeholder 2">
-            <a:extLst>
-              <a:ext uri="{FF2B5EF4-FFF2-40B4-BE49-F238E27FC236}">
-                <a16:creationId xmlns:a16="http://schemas.microsoft.com/office/drawing/2014/main" id="{C206D654-6B08-4256-23D0-7661E1E588A3}"/>
-              </a:ext>
-            </a:extLst>
-          </p:cNvPr>
-          <p:cNvSpPr>
-            <a:spLocks noGrp="1"/>
-          </p:cNvSpPr>
-          <p:nvPr>
-            <p:ph type="body" idx="1"/>
-          </p:nvPr>
-        </p:nvSpPr>
-        <p:spPr/>
-        <p:txBody>
-          <a:bodyPr/>
-          <a:lstStyle/>
-          <a:p>
-            <a:endParaRPr lang="en-US" dirty="0"/>
-          </a:p>
-        </p:txBody>
-      </p:sp>
-    </p:spTree>
-    <p:extLst>
-      <p:ext uri="{BB962C8B-B14F-4D97-AF65-F5344CB8AC3E}">
-        <p14:creationId xmlns:p14="http://schemas.microsoft.com/office/powerpoint/2010/main" val="2223223871"/>
-      </p:ext>
-    </p:extLst>
-  </p:cSld>
-  <p:clrMapOvr>
-    <a:masterClrMapping/>
-  </p:clrMapOvr>
-</p:sld>
-</file>
-
-<file path=ppt/slides/slide26.xml><?xml version="1.0" encoding="utf-8"?>
-<p:sld xmlns:a="http://schemas.openxmlformats.org/drawingml/2006/main" xmlns:r="http://schemas.openxmlformats.org/officeDocument/2006/relationships" xmlns:p="http://schemas.openxmlformats.org/presentationml/2006/main">
-  <p:cSld>
-    <p:spTree>
-      <p:nvGrpSpPr>
-        <p:cNvPr id="1" name=""/>
-        <p:cNvGrpSpPr/>
-        <p:nvPr/>
-      </p:nvGrpSpPr>
-      <p:grpSpPr>
-        <a:xfrm>
-          <a:off x="0" y="0"/>
-          <a:ext cx="0" cy="0"/>
-          <a:chOff x="0" y="0"/>
-          <a:chExt cx="0" cy="0"/>
-        </a:xfrm>
-      </p:grpSpPr>
-      <p:pic>
-        <p:nvPicPr>
-          <p:cNvPr id="3" name="Picture 2">
-            <a:extLst>
-              <a:ext uri="{FF2B5EF4-FFF2-40B4-BE49-F238E27FC236}">
-                <a16:creationId xmlns:a16="http://schemas.microsoft.com/office/drawing/2014/main" id="{7D218E3B-7DB7-D72B-6535-E6682DB791A5}"/>
-              </a:ext>
-            </a:extLst>
-          </p:cNvPr>
-          <p:cNvPicPr>
-            <a:picLocks noChangeAspect="1"/>
-          </p:cNvPicPr>
-          <p:nvPr/>
-        </p:nvPicPr>
-        <p:blipFill>
-          <a:blip r:embed="rId2"/>
-          <a:stretch>
-            <a:fillRect/>
-          </a:stretch>
-        </p:blipFill>
-        <p:spPr>
-          <a:xfrm>
-            <a:off x="559217" y="1645068"/>
-            <a:ext cx="4723761" cy="2421606"/>
-          </a:xfrm>
-          <a:prstGeom prst="rect">
-            <a:avLst/>
-          </a:prstGeom>
-        </p:spPr>
-      </p:pic>
-      <p:sp>
-        <p:nvSpPr>
-          <p:cNvPr id="4" name="TextBox 3">
-            <a:extLst>
-              <a:ext uri="{FF2B5EF4-FFF2-40B4-BE49-F238E27FC236}">
-                <a16:creationId xmlns:a16="http://schemas.microsoft.com/office/drawing/2014/main" id="{239D46CE-806B-6AA5-4817-DCF36D911A3C}"/>
-              </a:ext>
-            </a:extLst>
-          </p:cNvPr>
-          <p:cNvSpPr txBox="1"/>
-          <p:nvPr/>
-        </p:nvSpPr>
-        <p:spPr>
-          <a:xfrm>
-            <a:off x="815929" y="4277471"/>
-            <a:ext cx="3501151" cy="369332"/>
-          </a:xfrm>
-          <a:prstGeom prst="rect">
-            <a:avLst/>
-          </a:prstGeom>
-          <a:noFill/>
-        </p:spPr>
-        <p:txBody>
-          <a:bodyPr wrap="none" rtlCol="0">
-            <a:spAutoFit/>
-          </a:bodyPr>
-          <a:lstStyle/>
-          <a:p>
-            <a:r>
-              <a:rPr lang="en-US" dirty="0"/>
-              <a:t>Fig-circuits-KCL.png  R0 01/12/25</a:t>
-            </a:r>
-          </a:p>
-        </p:txBody>
-      </p:sp>
-    </p:spTree>
-    <p:extLst>
-      <p:ext uri="{BB962C8B-B14F-4D97-AF65-F5344CB8AC3E}">
-        <p14:creationId xmlns:p14="http://schemas.microsoft.com/office/powerpoint/2010/main" val="2538798713"/>
-      </p:ext>
-    </p:extLst>
-  </p:cSld>
-  <p:clrMapOvr>
-    <a:masterClrMapping/>
-  </p:clrMapOvr>
-</p:sld>
-</file>
-
-<file path=ppt/slides/slide27.xml><?xml version="1.0" encoding="utf-8"?>
-<p:sld xmlns:a="http://schemas.openxmlformats.org/drawingml/2006/main" xmlns:r="http://schemas.openxmlformats.org/officeDocument/2006/relationships" xmlns:p="http://schemas.openxmlformats.org/presentationml/2006/main">
-  <p:cSld>
-    <p:spTree>
-      <p:nvGrpSpPr>
-        <p:cNvPr id="1" name="">
-          <a:extLst>
-            <a:ext uri="{FF2B5EF4-FFF2-40B4-BE49-F238E27FC236}">
-              <a16:creationId xmlns:a16="http://schemas.microsoft.com/office/drawing/2014/main" id="{10C9D134-5E5B-92C9-6FDC-9EECA08803FE}"/>
-            </a:ext>
-          </a:extLst>
-        </p:cNvPr>
-        <p:cNvGrpSpPr/>
-        <p:nvPr/>
-      </p:nvGrpSpPr>
-      <p:grpSpPr>
-        <a:xfrm>
-          <a:off x="0" y="0"/>
-          <a:ext cx="0" cy="0"/>
-          <a:chOff x="0" y="0"/>
-          <a:chExt cx="0" cy="0"/>
-        </a:xfrm>
-      </p:grpSpPr>
-      <p:sp>
-        <p:nvSpPr>
-          <p:cNvPr id="4" name="TextBox 3">
-            <a:extLst>
-              <a:ext uri="{FF2B5EF4-FFF2-40B4-BE49-F238E27FC236}">
-                <a16:creationId xmlns:a16="http://schemas.microsoft.com/office/drawing/2014/main" id="{6BB24459-8C49-56FD-0B7B-AB6557ACE033}"/>
-              </a:ext>
-            </a:extLst>
-          </p:cNvPr>
-          <p:cNvSpPr txBox="1"/>
-          <p:nvPr/>
-        </p:nvSpPr>
-        <p:spPr>
-          <a:xfrm>
-            <a:off x="815929" y="4277471"/>
-            <a:ext cx="3482107" cy="369332"/>
-          </a:xfrm>
-          <a:prstGeom prst="rect">
-            <a:avLst/>
-          </a:prstGeom>
-          <a:noFill/>
-        </p:spPr>
-        <p:txBody>
-          <a:bodyPr wrap="none" rtlCol="0">
-            <a:spAutoFit/>
-          </a:bodyPr>
-          <a:lstStyle/>
-          <a:p>
-            <a:r>
-              <a:rPr lang="en-US" dirty="0"/>
-              <a:t>Fig-circuits-KVL.png  R0 01/12/25</a:t>
-            </a:r>
-          </a:p>
-        </p:txBody>
-      </p:sp>
-      <p:pic>
-        <p:nvPicPr>
-          <p:cNvPr id="5" name="Picture 4">
-            <a:extLst>
-              <a:ext uri="{FF2B5EF4-FFF2-40B4-BE49-F238E27FC236}">
-                <a16:creationId xmlns:a16="http://schemas.microsoft.com/office/drawing/2014/main" id="{D688EEC3-1033-631B-A4D5-611235559257}"/>
-              </a:ext>
-            </a:extLst>
-          </p:cNvPr>
-          <p:cNvPicPr>
-            <a:picLocks noChangeAspect="1"/>
-          </p:cNvPicPr>
-          <p:nvPr/>
-        </p:nvPicPr>
-        <p:blipFill>
-          <a:blip r:embed="rId2"/>
-          <a:stretch>
-            <a:fillRect/>
-          </a:stretch>
-        </p:blipFill>
-        <p:spPr>
-          <a:xfrm>
-            <a:off x="435644" y="2094993"/>
-            <a:ext cx="4726818" cy="2182478"/>
-          </a:xfrm>
-          <a:prstGeom prst="rect">
-            <a:avLst/>
-          </a:prstGeom>
-        </p:spPr>
-      </p:pic>
-    </p:spTree>
-    <p:extLst>
-      <p:ext uri="{BB962C8B-B14F-4D97-AF65-F5344CB8AC3E}">
-        <p14:creationId xmlns:p14="http://schemas.microsoft.com/office/powerpoint/2010/main" val="3643633011"/>
-      </p:ext>
-    </p:extLst>
-  </p:cSld>
-  <p:clrMapOvr>
-    <a:masterClrMapping/>
-  </p:clrMapOvr>
-</p:sld>
-</file>
-
-<file path=ppt/slides/slide28.xml><?xml version="1.0" encoding="utf-8"?>
-<p:sld xmlns:a="http://schemas.openxmlformats.org/drawingml/2006/main" xmlns:r="http://schemas.openxmlformats.org/officeDocument/2006/relationships" xmlns:p="http://schemas.openxmlformats.org/presentationml/2006/main">
-  <p:cSld>
-    <p:spTree>
-      <p:nvGrpSpPr>
-        <p:cNvPr id="1" name=""/>
-        <p:cNvGrpSpPr/>
-        <p:nvPr/>
-      </p:nvGrpSpPr>
-      <p:grpSpPr>
-        <a:xfrm>
-          <a:off x="0" y="0"/>
-          <a:ext cx="0" cy="0"/>
-          <a:chOff x="0" y="0"/>
-          <a:chExt cx="0" cy="0"/>
-        </a:xfrm>
-      </p:grpSpPr>
-      <p:pic>
-        <p:nvPicPr>
-          <p:cNvPr id="3" name="Picture 2">
-            <a:extLst>
-              <a:ext uri="{FF2B5EF4-FFF2-40B4-BE49-F238E27FC236}">
-                <a16:creationId xmlns:a16="http://schemas.microsoft.com/office/drawing/2014/main" id="{ABF156F5-D9A0-F416-3625-C7FE7F11B473}"/>
-              </a:ext>
-            </a:extLst>
-          </p:cNvPr>
-          <p:cNvPicPr>
-            <a:picLocks noChangeAspect="1"/>
-          </p:cNvPicPr>
-          <p:nvPr/>
-        </p:nvPicPr>
-        <p:blipFill>
-          <a:blip r:embed="rId2"/>
-          <a:stretch>
-            <a:fillRect/>
-          </a:stretch>
-        </p:blipFill>
-        <p:spPr>
-          <a:xfrm>
-            <a:off x="545327" y="2037750"/>
-            <a:ext cx="3457575" cy="2209800"/>
-          </a:xfrm>
-          <a:prstGeom prst="rect">
-            <a:avLst/>
-          </a:prstGeom>
-        </p:spPr>
-      </p:pic>
-      <p:sp>
-        <p:nvSpPr>
-          <p:cNvPr id="4" name="TextBox 3">
-            <a:extLst>
-              <a:ext uri="{FF2B5EF4-FFF2-40B4-BE49-F238E27FC236}">
-                <a16:creationId xmlns:a16="http://schemas.microsoft.com/office/drawing/2014/main" id="{2A597447-C3A4-724A-AEE2-0D640135F051}"/>
-              </a:ext>
-            </a:extLst>
-          </p:cNvPr>
-          <p:cNvSpPr txBox="1"/>
-          <p:nvPr/>
-        </p:nvSpPr>
-        <p:spPr>
-          <a:xfrm>
-            <a:off x="545327" y="4854987"/>
-            <a:ext cx="3694729" cy="369332"/>
-          </a:xfrm>
-          <a:prstGeom prst="rect">
-            <a:avLst/>
-          </a:prstGeom>
-          <a:noFill/>
-        </p:spPr>
-        <p:txBody>
-          <a:bodyPr wrap="none" rtlCol="0">
-            <a:spAutoFit/>
-          </a:bodyPr>
-          <a:lstStyle/>
-          <a:p>
-            <a:r>
-              <a:rPr lang="en-US" dirty="0"/>
-              <a:t>Fig-circuits-nodev.png  R0 01/12/25</a:t>
-            </a:r>
-          </a:p>
-        </p:txBody>
-      </p:sp>
-    </p:spTree>
-    <p:extLst>
-      <p:ext uri="{BB962C8B-B14F-4D97-AF65-F5344CB8AC3E}">
-        <p14:creationId xmlns:p14="http://schemas.microsoft.com/office/powerpoint/2010/main" val="510399274"/>
-      </p:ext>
-    </p:extLst>
-  </p:cSld>
-  <p:clrMapOvr>
-    <a:masterClrMapping/>
-  </p:clrMapOvr>
-</p:sld>
-</file>
-
-<file path=ppt/slides/slide29.xml><?xml version="1.0" encoding="utf-8"?>
-<p:sld xmlns:a="http://schemas.openxmlformats.org/drawingml/2006/main" xmlns:r="http://schemas.openxmlformats.org/officeDocument/2006/relationships" xmlns:p="http://schemas.openxmlformats.org/presentationml/2006/main">
-  <p:cSld>
-    <p:spTree>
-      <p:nvGrpSpPr>
-        <p:cNvPr id="1" name=""/>
-        <p:cNvGrpSpPr/>
-        <p:nvPr/>
-      </p:nvGrpSpPr>
-      <p:grpSpPr>
-        <a:xfrm>
-          <a:off x="0" y="0"/>
-          <a:ext cx="0" cy="0"/>
-          <a:chOff x="0" y="0"/>
-          <a:chExt cx="0" cy="0"/>
-        </a:xfrm>
-      </p:grpSpPr>
-      <p:pic>
-        <p:nvPicPr>
-          <p:cNvPr id="3" name="Picture 2">
-            <a:extLst>
-              <a:ext uri="{FF2B5EF4-FFF2-40B4-BE49-F238E27FC236}">
-                <a16:creationId xmlns:a16="http://schemas.microsoft.com/office/drawing/2014/main" id="{B0EF27B2-94D7-AF53-B7D7-C505D891C611}"/>
-              </a:ext>
-            </a:extLst>
-          </p:cNvPr>
-          <p:cNvPicPr>
-            <a:picLocks noChangeAspect="1"/>
-          </p:cNvPicPr>
-          <p:nvPr/>
-        </p:nvPicPr>
-        <p:blipFill>
-          <a:blip r:embed="rId2"/>
-          <a:stretch>
-            <a:fillRect/>
-          </a:stretch>
-        </p:blipFill>
-        <p:spPr>
-          <a:xfrm>
-            <a:off x="985837" y="1772431"/>
-            <a:ext cx="4390535" cy="2349864"/>
-          </a:xfrm>
-          <a:prstGeom prst="rect">
-            <a:avLst/>
-          </a:prstGeom>
-        </p:spPr>
-      </p:pic>
-      <p:sp>
-        <p:nvSpPr>
-          <p:cNvPr id="4" name="TextBox 3">
-            <a:extLst>
-              <a:ext uri="{FF2B5EF4-FFF2-40B4-BE49-F238E27FC236}">
-                <a16:creationId xmlns:a16="http://schemas.microsoft.com/office/drawing/2014/main" id="{DD1D81B7-1164-AE0F-D97B-844610076921}"/>
-              </a:ext>
-            </a:extLst>
-          </p:cNvPr>
-          <p:cNvSpPr txBox="1"/>
-          <p:nvPr/>
-        </p:nvSpPr>
-        <p:spPr>
-          <a:xfrm>
-            <a:off x="545327" y="4854987"/>
-            <a:ext cx="3714991" cy="369332"/>
-          </a:xfrm>
-          <a:prstGeom prst="rect">
-            <a:avLst/>
-          </a:prstGeom>
-          <a:noFill/>
-        </p:spPr>
-        <p:txBody>
-          <a:bodyPr wrap="none" rtlCol="0">
-            <a:spAutoFit/>
-          </a:bodyPr>
-          <a:lstStyle/>
-          <a:p>
-            <a:r>
-              <a:rPr lang="en-US" dirty="0"/>
-              <a:t>Fig-circuits-meshi.png  R0 01/14/25</a:t>
-            </a:r>
-          </a:p>
-        </p:txBody>
-      </p:sp>
-    </p:spTree>
-    <p:extLst>
-      <p:ext uri="{BB962C8B-B14F-4D97-AF65-F5344CB8AC3E}">
-        <p14:creationId xmlns:p14="http://schemas.microsoft.com/office/powerpoint/2010/main" val="903642792"/>
-      </p:ext>
-    </p:extLst>
-  </p:cSld>
-  <p:clrMapOvr>
-    <a:masterClrMapping/>
-  </p:clrMapOvr>
-</p:sld>
-</file>
-
 <file path=ppt/slides/slide3.xml><?xml version="1.0" encoding="utf-8"?>
 <p:sld xmlns:a="http://schemas.openxmlformats.org/drawingml/2006/main" xmlns:r="http://schemas.openxmlformats.org/officeDocument/2006/relationships" xmlns:p="http://schemas.openxmlformats.org/presentationml/2006/main">
   <p:cSld>
@@ -22937,6 +23588,480 @@
   <p:cSld>
     <p:spTree>
       <p:nvGrpSpPr>
+        <p:cNvPr id="1" name=""/>
+        <p:cNvGrpSpPr/>
+        <p:nvPr/>
+      </p:nvGrpSpPr>
+      <p:grpSpPr>
+        <a:xfrm>
+          <a:off x="0" y="0"/>
+          <a:ext cx="0" cy="0"/>
+          <a:chOff x="0" y="0"/>
+          <a:chExt cx="0" cy="0"/>
+        </a:xfrm>
+      </p:grpSpPr>
+      <p:sp>
+        <p:nvSpPr>
+          <p:cNvPr id="2" name="Title 1">
+            <a:extLst>
+              <a:ext uri="{FF2B5EF4-FFF2-40B4-BE49-F238E27FC236}">
+                <a16:creationId xmlns:a16="http://schemas.microsoft.com/office/drawing/2014/main" id="{D0E8A2E9-8009-5E29-D6CA-AB9C34D4C485}"/>
+              </a:ext>
+            </a:extLst>
+          </p:cNvPr>
+          <p:cNvSpPr>
+            <a:spLocks noGrp="1"/>
+          </p:cNvSpPr>
+          <p:nvPr>
+            <p:ph type="title"/>
+          </p:nvPr>
+        </p:nvSpPr>
+        <p:spPr/>
+        <p:txBody>
+          <a:bodyPr/>
+          <a:lstStyle/>
+          <a:p>
+            <a:r>
+              <a:rPr lang="en-US" dirty="0"/>
+              <a:t>Linear </a:t>
+            </a:r>
+            <a:r>
+              <a:rPr lang="en-US" dirty="0" err="1"/>
+              <a:t>Ckts</a:t>
+            </a:r>
+            <a:endParaRPr lang="en-US" dirty="0"/>
+          </a:p>
+        </p:txBody>
+      </p:sp>
+      <p:sp>
+        <p:nvSpPr>
+          <p:cNvPr id="3" name="Text Placeholder 2">
+            <a:extLst>
+              <a:ext uri="{FF2B5EF4-FFF2-40B4-BE49-F238E27FC236}">
+                <a16:creationId xmlns:a16="http://schemas.microsoft.com/office/drawing/2014/main" id="{C206D654-6B08-4256-23D0-7661E1E588A3}"/>
+              </a:ext>
+            </a:extLst>
+          </p:cNvPr>
+          <p:cNvSpPr>
+            <a:spLocks noGrp="1"/>
+          </p:cNvSpPr>
+          <p:nvPr>
+            <p:ph type="body" idx="1"/>
+          </p:nvPr>
+        </p:nvSpPr>
+        <p:spPr/>
+        <p:txBody>
+          <a:bodyPr/>
+          <a:lstStyle/>
+          <a:p>
+            <a:endParaRPr lang="en-US" dirty="0"/>
+          </a:p>
+        </p:txBody>
+      </p:sp>
+    </p:spTree>
+    <p:extLst>
+      <p:ext uri="{BB962C8B-B14F-4D97-AF65-F5344CB8AC3E}">
+        <p14:creationId xmlns:p14="http://schemas.microsoft.com/office/powerpoint/2010/main" val="2223223871"/>
+      </p:ext>
+    </p:extLst>
+  </p:cSld>
+  <p:clrMapOvr>
+    <a:masterClrMapping/>
+  </p:clrMapOvr>
+</p:sld>
+</file>
+
+<file path=ppt/slides/slide31.xml><?xml version="1.0" encoding="utf-8"?>
+<p:sld xmlns:a="http://schemas.openxmlformats.org/drawingml/2006/main" xmlns:r="http://schemas.openxmlformats.org/officeDocument/2006/relationships" xmlns:p="http://schemas.openxmlformats.org/presentationml/2006/main">
+  <p:cSld>
+    <p:spTree>
+      <p:nvGrpSpPr>
+        <p:cNvPr id="1" name=""/>
+        <p:cNvGrpSpPr/>
+        <p:nvPr/>
+      </p:nvGrpSpPr>
+      <p:grpSpPr>
+        <a:xfrm>
+          <a:off x="0" y="0"/>
+          <a:ext cx="0" cy="0"/>
+          <a:chOff x="0" y="0"/>
+          <a:chExt cx="0" cy="0"/>
+        </a:xfrm>
+      </p:grpSpPr>
+      <p:pic>
+        <p:nvPicPr>
+          <p:cNvPr id="3" name="Picture 2">
+            <a:extLst>
+              <a:ext uri="{FF2B5EF4-FFF2-40B4-BE49-F238E27FC236}">
+                <a16:creationId xmlns:a16="http://schemas.microsoft.com/office/drawing/2014/main" id="{7D218E3B-7DB7-D72B-6535-E6682DB791A5}"/>
+              </a:ext>
+            </a:extLst>
+          </p:cNvPr>
+          <p:cNvPicPr>
+            <a:picLocks noChangeAspect="1"/>
+          </p:cNvPicPr>
+          <p:nvPr/>
+        </p:nvPicPr>
+        <p:blipFill>
+          <a:blip r:embed="rId2"/>
+          <a:stretch>
+            <a:fillRect/>
+          </a:stretch>
+        </p:blipFill>
+        <p:spPr>
+          <a:xfrm>
+            <a:off x="559217" y="1645068"/>
+            <a:ext cx="4723761" cy="2421606"/>
+          </a:xfrm>
+          <a:prstGeom prst="rect">
+            <a:avLst/>
+          </a:prstGeom>
+        </p:spPr>
+      </p:pic>
+      <p:sp>
+        <p:nvSpPr>
+          <p:cNvPr id="4" name="TextBox 3">
+            <a:extLst>
+              <a:ext uri="{FF2B5EF4-FFF2-40B4-BE49-F238E27FC236}">
+                <a16:creationId xmlns:a16="http://schemas.microsoft.com/office/drawing/2014/main" id="{239D46CE-806B-6AA5-4817-DCF36D911A3C}"/>
+              </a:ext>
+            </a:extLst>
+          </p:cNvPr>
+          <p:cNvSpPr txBox="1"/>
+          <p:nvPr/>
+        </p:nvSpPr>
+        <p:spPr>
+          <a:xfrm>
+            <a:off x="815929" y="4277471"/>
+            <a:ext cx="3501151" cy="369332"/>
+          </a:xfrm>
+          <a:prstGeom prst="rect">
+            <a:avLst/>
+          </a:prstGeom>
+          <a:noFill/>
+        </p:spPr>
+        <p:txBody>
+          <a:bodyPr wrap="none" rtlCol="0">
+            <a:spAutoFit/>
+          </a:bodyPr>
+          <a:lstStyle/>
+          <a:p>
+            <a:r>
+              <a:rPr lang="en-US" dirty="0"/>
+              <a:t>Fig-circuits-KCL.png  R0 01/12/25</a:t>
+            </a:r>
+          </a:p>
+        </p:txBody>
+      </p:sp>
+    </p:spTree>
+    <p:extLst>
+      <p:ext uri="{BB962C8B-B14F-4D97-AF65-F5344CB8AC3E}">
+        <p14:creationId xmlns:p14="http://schemas.microsoft.com/office/powerpoint/2010/main" val="2538798713"/>
+      </p:ext>
+    </p:extLst>
+  </p:cSld>
+  <p:clrMapOvr>
+    <a:masterClrMapping/>
+  </p:clrMapOvr>
+</p:sld>
+</file>
+
+<file path=ppt/slides/slide32.xml><?xml version="1.0" encoding="utf-8"?>
+<p:sld xmlns:a="http://schemas.openxmlformats.org/drawingml/2006/main" xmlns:r="http://schemas.openxmlformats.org/officeDocument/2006/relationships" xmlns:p="http://schemas.openxmlformats.org/presentationml/2006/main">
+  <p:cSld>
+    <p:spTree>
+      <p:nvGrpSpPr>
+        <p:cNvPr id="1" name="">
+          <a:extLst>
+            <a:ext uri="{FF2B5EF4-FFF2-40B4-BE49-F238E27FC236}">
+              <a16:creationId xmlns:a16="http://schemas.microsoft.com/office/drawing/2014/main" id="{10C9D134-5E5B-92C9-6FDC-9EECA08803FE}"/>
+            </a:ext>
+          </a:extLst>
+        </p:cNvPr>
+        <p:cNvGrpSpPr/>
+        <p:nvPr/>
+      </p:nvGrpSpPr>
+      <p:grpSpPr>
+        <a:xfrm>
+          <a:off x="0" y="0"/>
+          <a:ext cx="0" cy="0"/>
+          <a:chOff x="0" y="0"/>
+          <a:chExt cx="0" cy="0"/>
+        </a:xfrm>
+      </p:grpSpPr>
+      <p:sp>
+        <p:nvSpPr>
+          <p:cNvPr id="4" name="TextBox 3">
+            <a:extLst>
+              <a:ext uri="{FF2B5EF4-FFF2-40B4-BE49-F238E27FC236}">
+                <a16:creationId xmlns:a16="http://schemas.microsoft.com/office/drawing/2014/main" id="{6BB24459-8C49-56FD-0B7B-AB6557ACE033}"/>
+              </a:ext>
+            </a:extLst>
+          </p:cNvPr>
+          <p:cNvSpPr txBox="1"/>
+          <p:nvPr/>
+        </p:nvSpPr>
+        <p:spPr>
+          <a:xfrm>
+            <a:off x="815929" y="4277471"/>
+            <a:ext cx="3482107" cy="369332"/>
+          </a:xfrm>
+          <a:prstGeom prst="rect">
+            <a:avLst/>
+          </a:prstGeom>
+          <a:noFill/>
+        </p:spPr>
+        <p:txBody>
+          <a:bodyPr wrap="none" rtlCol="0">
+            <a:spAutoFit/>
+          </a:bodyPr>
+          <a:lstStyle/>
+          <a:p>
+            <a:r>
+              <a:rPr lang="en-US" dirty="0"/>
+              <a:t>Fig-circuits-KVL.png  R0 01/12/25</a:t>
+            </a:r>
+          </a:p>
+        </p:txBody>
+      </p:sp>
+      <p:pic>
+        <p:nvPicPr>
+          <p:cNvPr id="5" name="Picture 4">
+            <a:extLst>
+              <a:ext uri="{FF2B5EF4-FFF2-40B4-BE49-F238E27FC236}">
+                <a16:creationId xmlns:a16="http://schemas.microsoft.com/office/drawing/2014/main" id="{D688EEC3-1033-631B-A4D5-611235559257}"/>
+              </a:ext>
+            </a:extLst>
+          </p:cNvPr>
+          <p:cNvPicPr>
+            <a:picLocks noChangeAspect="1"/>
+          </p:cNvPicPr>
+          <p:nvPr/>
+        </p:nvPicPr>
+        <p:blipFill>
+          <a:blip r:embed="rId2"/>
+          <a:stretch>
+            <a:fillRect/>
+          </a:stretch>
+        </p:blipFill>
+        <p:spPr>
+          <a:xfrm>
+            <a:off x="435644" y="2094993"/>
+            <a:ext cx="4726818" cy="2182478"/>
+          </a:xfrm>
+          <a:prstGeom prst="rect">
+            <a:avLst/>
+          </a:prstGeom>
+        </p:spPr>
+      </p:pic>
+    </p:spTree>
+    <p:extLst>
+      <p:ext uri="{BB962C8B-B14F-4D97-AF65-F5344CB8AC3E}">
+        <p14:creationId xmlns:p14="http://schemas.microsoft.com/office/powerpoint/2010/main" val="3643633011"/>
+      </p:ext>
+    </p:extLst>
+  </p:cSld>
+  <p:clrMapOvr>
+    <a:masterClrMapping/>
+  </p:clrMapOvr>
+</p:sld>
+</file>
+
+<file path=ppt/slides/slide33.xml><?xml version="1.0" encoding="utf-8"?>
+<p:sld xmlns:a="http://schemas.openxmlformats.org/drawingml/2006/main" xmlns:r="http://schemas.openxmlformats.org/officeDocument/2006/relationships" xmlns:p="http://schemas.openxmlformats.org/presentationml/2006/main">
+  <p:cSld>
+    <p:spTree>
+      <p:nvGrpSpPr>
+        <p:cNvPr id="1" name=""/>
+        <p:cNvGrpSpPr/>
+        <p:nvPr/>
+      </p:nvGrpSpPr>
+      <p:grpSpPr>
+        <a:xfrm>
+          <a:off x="0" y="0"/>
+          <a:ext cx="0" cy="0"/>
+          <a:chOff x="0" y="0"/>
+          <a:chExt cx="0" cy="0"/>
+        </a:xfrm>
+      </p:grpSpPr>
+      <p:pic>
+        <p:nvPicPr>
+          <p:cNvPr id="3" name="Picture 2">
+            <a:extLst>
+              <a:ext uri="{FF2B5EF4-FFF2-40B4-BE49-F238E27FC236}">
+                <a16:creationId xmlns:a16="http://schemas.microsoft.com/office/drawing/2014/main" id="{ABF156F5-D9A0-F416-3625-C7FE7F11B473}"/>
+              </a:ext>
+            </a:extLst>
+          </p:cNvPr>
+          <p:cNvPicPr>
+            <a:picLocks noChangeAspect="1"/>
+          </p:cNvPicPr>
+          <p:nvPr/>
+        </p:nvPicPr>
+        <p:blipFill>
+          <a:blip r:embed="rId2"/>
+          <a:stretch>
+            <a:fillRect/>
+          </a:stretch>
+        </p:blipFill>
+        <p:spPr>
+          <a:xfrm>
+            <a:off x="545327" y="2037750"/>
+            <a:ext cx="3457575" cy="2209800"/>
+          </a:xfrm>
+          <a:prstGeom prst="rect">
+            <a:avLst/>
+          </a:prstGeom>
+        </p:spPr>
+      </p:pic>
+      <p:sp>
+        <p:nvSpPr>
+          <p:cNvPr id="4" name="TextBox 3">
+            <a:extLst>
+              <a:ext uri="{FF2B5EF4-FFF2-40B4-BE49-F238E27FC236}">
+                <a16:creationId xmlns:a16="http://schemas.microsoft.com/office/drawing/2014/main" id="{2A597447-C3A4-724A-AEE2-0D640135F051}"/>
+              </a:ext>
+            </a:extLst>
+          </p:cNvPr>
+          <p:cNvSpPr txBox="1"/>
+          <p:nvPr/>
+        </p:nvSpPr>
+        <p:spPr>
+          <a:xfrm>
+            <a:off x="545327" y="4854987"/>
+            <a:ext cx="3694729" cy="369332"/>
+          </a:xfrm>
+          <a:prstGeom prst="rect">
+            <a:avLst/>
+          </a:prstGeom>
+          <a:noFill/>
+        </p:spPr>
+        <p:txBody>
+          <a:bodyPr wrap="none" rtlCol="0">
+            <a:spAutoFit/>
+          </a:bodyPr>
+          <a:lstStyle/>
+          <a:p>
+            <a:r>
+              <a:rPr lang="en-US" dirty="0"/>
+              <a:t>Fig-circuits-nodev.png  R0 01/12/25</a:t>
+            </a:r>
+          </a:p>
+        </p:txBody>
+      </p:sp>
+    </p:spTree>
+    <p:extLst>
+      <p:ext uri="{BB962C8B-B14F-4D97-AF65-F5344CB8AC3E}">
+        <p14:creationId xmlns:p14="http://schemas.microsoft.com/office/powerpoint/2010/main" val="510399274"/>
+      </p:ext>
+    </p:extLst>
+  </p:cSld>
+  <p:clrMapOvr>
+    <a:masterClrMapping/>
+  </p:clrMapOvr>
+</p:sld>
+</file>
+
+<file path=ppt/slides/slide34.xml><?xml version="1.0" encoding="utf-8"?>
+<p:sld xmlns:a="http://schemas.openxmlformats.org/drawingml/2006/main" xmlns:r="http://schemas.openxmlformats.org/officeDocument/2006/relationships" xmlns:p="http://schemas.openxmlformats.org/presentationml/2006/main">
+  <p:cSld>
+    <p:spTree>
+      <p:nvGrpSpPr>
+        <p:cNvPr id="1" name=""/>
+        <p:cNvGrpSpPr/>
+        <p:nvPr/>
+      </p:nvGrpSpPr>
+      <p:grpSpPr>
+        <a:xfrm>
+          <a:off x="0" y="0"/>
+          <a:ext cx="0" cy="0"/>
+          <a:chOff x="0" y="0"/>
+          <a:chExt cx="0" cy="0"/>
+        </a:xfrm>
+      </p:grpSpPr>
+      <p:pic>
+        <p:nvPicPr>
+          <p:cNvPr id="3" name="Picture 2">
+            <a:extLst>
+              <a:ext uri="{FF2B5EF4-FFF2-40B4-BE49-F238E27FC236}">
+                <a16:creationId xmlns:a16="http://schemas.microsoft.com/office/drawing/2014/main" id="{B0EF27B2-94D7-AF53-B7D7-C505D891C611}"/>
+              </a:ext>
+            </a:extLst>
+          </p:cNvPr>
+          <p:cNvPicPr>
+            <a:picLocks noChangeAspect="1"/>
+          </p:cNvPicPr>
+          <p:nvPr/>
+        </p:nvPicPr>
+        <p:blipFill>
+          <a:blip r:embed="rId2"/>
+          <a:stretch>
+            <a:fillRect/>
+          </a:stretch>
+        </p:blipFill>
+        <p:spPr>
+          <a:xfrm>
+            <a:off x="985837" y="1772431"/>
+            <a:ext cx="4390535" cy="2349864"/>
+          </a:xfrm>
+          <a:prstGeom prst="rect">
+            <a:avLst/>
+          </a:prstGeom>
+        </p:spPr>
+      </p:pic>
+      <p:sp>
+        <p:nvSpPr>
+          <p:cNvPr id="4" name="TextBox 3">
+            <a:extLst>
+              <a:ext uri="{FF2B5EF4-FFF2-40B4-BE49-F238E27FC236}">
+                <a16:creationId xmlns:a16="http://schemas.microsoft.com/office/drawing/2014/main" id="{DD1D81B7-1164-AE0F-D97B-844610076921}"/>
+              </a:ext>
+            </a:extLst>
+          </p:cNvPr>
+          <p:cNvSpPr txBox="1"/>
+          <p:nvPr/>
+        </p:nvSpPr>
+        <p:spPr>
+          <a:xfrm>
+            <a:off x="545327" y="4854987"/>
+            <a:ext cx="3714991" cy="369332"/>
+          </a:xfrm>
+          <a:prstGeom prst="rect">
+            <a:avLst/>
+          </a:prstGeom>
+          <a:noFill/>
+        </p:spPr>
+        <p:txBody>
+          <a:bodyPr wrap="none" rtlCol="0">
+            <a:spAutoFit/>
+          </a:bodyPr>
+          <a:lstStyle/>
+          <a:p>
+            <a:r>
+              <a:rPr lang="en-US" dirty="0"/>
+              <a:t>Fig-circuits-meshi.png  R0 01/14/25</a:t>
+            </a:r>
+          </a:p>
+        </p:txBody>
+      </p:sp>
+    </p:spTree>
+    <p:extLst>
+      <p:ext uri="{BB962C8B-B14F-4D97-AF65-F5344CB8AC3E}">
+        <p14:creationId xmlns:p14="http://schemas.microsoft.com/office/powerpoint/2010/main" val="903642792"/>
+      </p:ext>
+    </p:extLst>
+  </p:cSld>
+  <p:clrMapOvr>
+    <a:masterClrMapping/>
+  </p:clrMapOvr>
+</p:sld>
+</file>
+
+<file path=ppt/slides/slide35.xml><?xml version="1.0" encoding="utf-8"?>
+<p:sld xmlns:a="http://schemas.openxmlformats.org/drawingml/2006/main" xmlns:r="http://schemas.openxmlformats.org/officeDocument/2006/relationships" xmlns:p="http://schemas.openxmlformats.org/presentationml/2006/main">
+  <p:cSld>
+    <p:spTree>
+      <p:nvGrpSpPr>
         <p:cNvPr id="1" name="">
           <a:extLst>
             <a:ext uri="{FF2B5EF4-FFF2-40B4-BE49-F238E27FC236}">
@@ -23033,7 +24158,7 @@
 </p:sld>
 </file>
 
-<file path=ppt/slides/slide31.xml><?xml version="1.0" encoding="utf-8"?>
+<file path=ppt/slides/slide36.xml><?xml version="1.0" encoding="utf-8"?>
 <p:sld xmlns:a="http://schemas.openxmlformats.org/drawingml/2006/main" xmlns:r="http://schemas.openxmlformats.org/officeDocument/2006/relationships" xmlns:p="http://schemas.openxmlformats.org/presentationml/2006/main">
   <p:cSld>
     <p:spTree>
@@ -23163,7 +24288,7 @@
 </p:sld>
 </file>
 
-<file path=ppt/slides/slide32.xml><?xml version="1.0" encoding="utf-8"?>
+<file path=ppt/slides/slide37.xml><?xml version="1.0" encoding="utf-8"?>
 <p:sld xmlns:a="http://schemas.openxmlformats.org/drawingml/2006/main" xmlns:r="http://schemas.openxmlformats.org/officeDocument/2006/relationships" xmlns:p="http://schemas.openxmlformats.org/presentationml/2006/main">
   <p:cSld>
     <p:spTree>
@@ -23307,7 +24432,7 @@
 </p:sld>
 </file>
 
-<file path=ppt/slides/slide33.xml><?xml version="1.0" encoding="utf-8"?>
+<file path=ppt/slides/slide38.xml><?xml version="1.0" encoding="utf-8"?>
 <p:sld xmlns:a="http://schemas.openxmlformats.org/drawingml/2006/main" xmlns:r="http://schemas.openxmlformats.org/officeDocument/2006/relationships" xmlns:p="http://schemas.openxmlformats.org/presentationml/2006/main">
   <p:cSld>
     <p:spTree>
@@ -23443,7 +24568,7 @@
 </p:sld>
 </file>
 
-<file path=ppt/slides/slide34.xml><?xml version="1.0" encoding="utf-8"?>
+<file path=ppt/slides/slide39.xml><?xml version="1.0" encoding="utf-8"?>
 <p:sld xmlns:a="http://schemas.openxmlformats.org/drawingml/2006/main" xmlns:r="http://schemas.openxmlformats.org/officeDocument/2006/relationships" xmlns:p="http://schemas.openxmlformats.org/presentationml/2006/main">
   <p:cSld>
     <p:spTree>
@@ -23701,136 +24826,6 @@
     <p:extLst>
       <p:ext uri="{BB962C8B-B14F-4D97-AF65-F5344CB8AC3E}">
         <p14:creationId xmlns:p14="http://schemas.microsoft.com/office/powerpoint/2010/main" val="2578523865"/>
-      </p:ext>
-    </p:extLst>
-  </p:cSld>
-  <p:clrMapOvr>
-    <a:masterClrMapping/>
-  </p:clrMapOvr>
-</p:sld>
-</file>
-
-<file path=ppt/slides/slide35.xml><?xml version="1.0" encoding="utf-8"?>
-<p:sld xmlns:a="http://schemas.openxmlformats.org/drawingml/2006/main" xmlns:r="http://schemas.openxmlformats.org/officeDocument/2006/relationships" xmlns:p="http://schemas.openxmlformats.org/presentationml/2006/main">
-  <p:cSld>
-    <p:spTree>
-      <p:nvGrpSpPr>
-        <p:cNvPr id="1" name=""/>
-        <p:cNvGrpSpPr/>
-        <p:nvPr/>
-      </p:nvGrpSpPr>
-      <p:grpSpPr>
-        <a:xfrm>
-          <a:off x="0" y="0"/>
-          <a:ext cx="0" cy="0"/>
-          <a:chOff x="0" y="0"/>
-          <a:chExt cx="0" cy="0"/>
-        </a:xfrm>
-      </p:grpSpPr>
-      <p:pic>
-        <p:nvPicPr>
-          <p:cNvPr id="3" name="Picture 2">
-            <a:extLst>
-              <a:ext uri="{FF2B5EF4-FFF2-40B4-BE49-F238E27FC236}">
-                <a16:creationId xmlns:a16="http://schemas.microsoft.com/office/drawing/2014/main" id="{4EC50A68-A0DD-BA5E-91B2-24DB3F14E23E}"/>
-              </a:ext>
-            </a:extLst>
-          </p:cNvPr>
-          <p:cNvPicPr>
-            <a:picLocks noChangeAspect="1"/>
-          </p:cNvPicPr>
-          <p:nvPr/>
-        </p:nvPicPr>
-        <p:blipFill>
-          <a:blip r:embed="rId2"/>
-          <a:stretch>
-            <a:fillRect/>
-          </a:stretch>
-        </p:blipFill>
-        <p:spPr>
-          <a:xfrm>
-            <a:off x="334832" y="2103557"/>
-            <a:ext cx="6786269" cy="2575576"/>
-          </a:xfrm>
-          <a:prstGeom prst="rect">
-            <a:avLst/>
-          </a:prstGeom>
-        </p:spPr>
-      </p:pic>
-      <p:sp>
-        <p:nvSpPr>
-          <p:cNvPr id="4" name="TextBox 3">
-            <a:extLst>
-              <a:ext uri="{FF2B5EF4-FFF2-40B4-BE49-F238E27FC236}">
-                <a16:creationId xmlns:a16="http://schemas.microsoft.com/office/drawing/2014/main" id="{E2E93786-2806-872F-035D-A416670198B3}"/>
-              </a:ext>
-            </a:extLst>
-          </p:cNvPr>
-          <p:cNvSpPr txBox="1"/>
-          <p:nvPr/>
-        </p:nvSpPr>
-        <p:spPr>
-          <a:xfrm>
-            <a:off x="544644" y="5481397"/>
-            <a:ext cx="3981603" cy="369332"/>
-          </a:xfrm>
-          <a:prstGeom prst="rect">
-            <a:avLst/>
-          </a:prstGeom>
-          <a:noFill/>
-        </p:spPr>
-        <p:txBody>
-          <a:bodyPr wrap="none" rtlCol="0">
-            <a:spAutoFit/>
-          </a:bodyPr>
-          <a:lstStyle/>
-          <a:p>
-            <a:r>
-              <a:rPr lang="en-US" dirty="0"/>
-              <a:t>Fig-circuits-interface.png  R0 01/22/25</a:t>
-            </a:r>
-          </a:p>
-        </p:txBody>
-      </p:sp>
-      <p:sp>
-        <p:nvSpPr>
-          <p:cNvPr id="5" name="TextBox 4">
-            <a:extLst>
-              <a:ext uri="{FF2B5EF4-FFF2-40B4-BE49-F238E27FC236}">
-                <a16:creationId xmlns:a16="http://schemas.microsoft.com/office/drawing/2014/main" id="{3A0CC8F5-FD51-D136-F391-D5E6C83AF451}"/>
-              </a:ext>
-            </a:extLst>
-          </p:cNvPr>
-          <p:cNvSpPr txBox="1"/>
-          <p:nvPr/>
-        </p:nvSpPr>
-        <p:spPr>
-          <a:xfrm>
-            <a:off x="139960" y="6006662"/>
-            <a:ext cx="11117653" cy="646331"/>
-          </a:xfrm>
-          <a:prstGeom prst="rect">
-            <a:avLst/>
-          </a:prstGeom>
-          <a:noFill/>
-        </p:spPr>
-        <p:txBody>
-          <a:bodyPr wrap="square" rtlCol="0">
-            <a:spAutoFit/>
-          </a:bodyPr>
-          <a:lstStyle/>
-          <a:p>
-            <a:r>
-              <a:rPr lang="en-US" dirty="0"/>
-              <a:t>A general interface circuit and a few examples: (a) Simple pass-through (often omitted), (b) series resistor, (c) parallel resistor, (d) L-pad left, (e) L-pad right</a:t>
-            </a:r>
-          </a:p>
-        </p:txBody>
-      </p:sp>
-    </p:spTree>
-    <p:extLst>
-      <p:ext uri="{BB962C8B-B14F-4D97-AF65-F5344CB8AC3E}">
-        <p14:creationId xmlns:p14="http://schemas.microsoft.com/office/powerpoint/2010/main" val="221423601"/>
       </p:ext>
     </p:extLst>
   </p:cSld>
@@ -28274,6 +29269,136 @@
     <p:extLst>
       <p:ext uri="{BB962C8B-B14F-4D97-AF65-F5344CB8AC3E}">
         <p14:creationId xmlns:p14="http://schemas.microsoft.com/office/powerpoint/2010/main" val="4261244153"/>
+      </p:ext>
+    </p:extLst>
+  </p:cSld>
+  <p:clrMapOvr>
+    <a:masterClrMapping/>
+  </p:clrMapOvr>
+</p:sld>
+</file>
+
+<file path=ppt/slides/slide40.xml><?xml version="1.0" encoding="utf-8"?>
+<p:sld xmlns:a="http://schemas.openxmlformats.org/drawingml/2006/main" xmlns:r="http://schemas.openxmlformats.org/officeDocument/2006/relationships" xmlns:p="http://schemas.openxmlformats.org/presentationml/2006/main">
+  <p:cSld>
+    <p:spTree>
+      <p:nvGrpSpPr>
+        <p:cNvPr id="1" name=""/>
+        <p:cNvGrpSpPr/>
+        <p:nvPr/>
+      </p:nvGrpSpPr>
+      <p:grpSpPr>
+        <a:xfrm>
+          <a:off x="0" y="0"/>
+          <a:ext cx="0" cy="0"/>
+          <a:chOff x="0" y="0"/>
+          <a:chExt cx="0" cy="0"/>
+        </a:xfrm>
+      </p:grpSpPr>
+      <p:pic>
+        <p:nvPicPr>
+          <p:cNvPr id="3" name="Picture 2">
+            <a:extLst>
+              <a:ext uri="{FF2B5EF4-FFF2-40B4-BE49-F238E27FC236}">
+                <a16:creationId xmlns:a16="http://schemas.microsoft.com/office/drawing/2014/main" id="{4EC50A68-A0DD-BA5E-91B2-24DB3F14E23E}"/>
+              </a:ext>
+            </a:extLst>
+          </p:cNvPr>
+          <p:cNvPicPr>
+            <a:picLocks noChangeAspect="1"/>
+          </p:cNvPicPr>
+          <p:nvPr/>
+        </p:nvPicPr>
+        <p:blipFill>
+          <a:blip r:embed="rId2"/>
+          <a:stretch>
+            <a:fillRect/>
+          </a:stretch>
+        </p:blipFill>
+        <p:spPr>
+          <a:xfrm>
+            <a:off x="334832" y="2103557"/>
+            <a:ext cx="6786269" cy="2575576"/>
+          </a:xfrm>
+          <a:prstGeom prst="rect">
+            <a:avLst/>
+          </a:prstGeom>
+        </p:spPr>
+      </p:pic>
+      <p:sp>
+        <p:nvSpPr>
+          <p:cNvPr id="4" name="TextBox 3">
+            <a:extLst>
+              <a:ext uri="{FF2B5EF4-FFF2-40B4-BE49-F238E27FC236}">
+                <a16:creationId xmlns:a16="http://schemas.microsoft.com/office/drawing/2014/main" id="{E2E93786-2806-872F-035D-A416670198B3}"/>
+              </a:ext>
+            </a:extLst>
+          </p:cNvPr>
+          <p:cNvSpPr txBox="1"/>
+          <p:nvPr/>
+        </p:nvSpPr>
+        <p:spPr>
+          <a:xfrm>
+            <a:off x="544644" y="5481397"/>
+            <a:ext cx="3981603" cy="369332"/>
+          </a:xfrm>
+          <a:prstGeom prst="rect">
+            <a:avLst/>
+          </a:prstGeom>
+          <a:noFill/>
+        </p:spPr>
+        <p:txBody>
+          <a:bodyPr wrap="none" rtlCol="0">
+            <a:spAutoFit/>
+          </a:bodyPr>
+          <a:lstStyle/>
+          <a:p>
+            <a:r>
+              <a:rPr lang="en-US" dirty="0"/>
+              <a:t>Fig-circuits-interface.png  R0 01/22/25</a:t>
+            </a:r>
+          </a:p>
+        </p:txBody>
+      </p:sp>
+      <p:sp>
+        <p:nvSpPr>
+          <p:cNvPr id="5" name="TextBox 4">
+            <a:extLst>
+              <a:ext uri="{FF2B5EF4-FFF2-40B4-BE49-F238E27FC236}">
+                <a16:creationId xmlns:a16="http://schemas.microsoft.com/office/drawing/2014/main" id="{3A0CC8F5-FD51-D136-F391-D5E6C83AF451}"/>
+              </a:ext>
+            </a:extLst>
+          </p:cNvPr>
+          <p:cNvSpPr txBox="1"/>
+          <p:nvPr/>
+        </p:nvSpPr>
+        <p:spPr>
+          <a:xfrm>
+            <a:off x="139960" y="6006662"/>
+            <a:ext cx="11117653" cy="646331"/>
+          </a:xfrm>
+          <a:prstGeom prst="rect">
+            <a:avLst/>
+          </a:prstGeom>
+          <a:noFill/>
+        </p:spPr>
+        <p:txBody>
+          <a:bodyPr wrap="square" rtlCol="0">
+            <a:spAutoFit/>
+          </a:bodyPr>
+          <a:lstStyle/>
+          <a:p>
+            <a:r>
+              <a:rPr lang="en-US" dirty="0"/>
+              <a:t>A general interface circuit and a few examples: (a) Simple pass-through (often omitted), (b) series resistor, (c) parallel resistor, (d) L-pad left, (e) L-pad right</a:t>
+            </a:r>
+          </a:p>
+        </p:txBody>
+      </p:sp>
+    </p:spTree>
+    <p:extLst>
+      <p:ext uri="{BB962C8B-B14F-4D97-AF65-F5344CB8AC3E}">
+        <p14:creationId xmlns:p14="http://schemas.microsoft.com/office/powerpoint/2010/main" val="221423601"/>
       </p:ext>
     </p:extLst>
   </p:cSld>

--- a/figures/fig.pptx
+++ b/figures/fig.pptx
@@ -298,7 +298,7 @@
           <a:p>
             <a:fld id="{BA5A1584-706A-4ABE-803B-792AD84DBA31}" type="datetimeFigureOut">
               <a:rPr lang="en-US" smtClean="0"/>
-              <a:t>4/16/2025</a:t>
+              <a:t>4/20/2025</a:t>
             </a:fld>
             <a:endParaRPr lang="en-US"/>
           </a:p>
@@ -496,7 +496,7 @@
           <a:p>
             <a:fld id="{BA5A1584-706A-4ABE-803B-792AD84DBA31}" type="datetimeFigureOut">
               <a:rPr lang="en-US" smtClean="0"/>
-              <a:t>4/16/2025</a:t>
+              <a:t>4/20/2025</a:t>
             </a:fld>
             <a:endParaRPr lang="en-US"/>
           </a:p>
@@ -704,7 +704,7 @@
           <a:p>
             <a:fld id="{BA5A1584-706A-4ABE-803B-792AD84DBA31}" type="datetimeFigureOut">
               <a:rPr lang="en-US" smtClean="0"/>
-              <a:t>4/16/2025</a:t>
+              <a:t>4/20/2025</a:t>
             </a:fld>
             <a:endParaRPr lang="en-US"/>
           </a:p>
@@ -902,7 +902,7 @@
           <a:p>
             <a:fld id="{BA5A1584-706A-4ABE-803B-792AD84DBA31}" type="datetimeFigureOut">
               <a:rPr lang="en-US" smtClean="0"/>
-              <a:t>4/16/2025</a:t>
+              <a:t>4/20/2025</a:t>
             </a:fld>
             <a:endParaRPr lang="en-US"/>
           </a:p>
@@ -1177,7 +1177,7 @@
           <a:p>
             <a:fld id="{BA5A1584-706A-4ABE-803B-792AD84DBA31}" type="datetimeFigureOut">
               <a:rPr lang="en-US" smtClean="0"/>
-              <a:t>4/16/2025</a:t>
+              <a:t>4/20/2025</a:t>
             </a:fld>
             <a:endParaRPr lang="en-US"/>
           </a:p>
@@ -1442,7 +1442,7 @@
           <a:p>
             <a:fld id="{BA5A1584-706A-4ABE-803B-792AD84DBA31}" type="datetimeFigureOut">
               <a:rPr lang="en-US" smtClean="0"/>
-              <a:t>4/16/2025</a:t>
+              <a:t>4/20/2025</a:t>
             </a:fld>
             <a:endParaRPr lang="en-US"/>
           </a:p>
@@ -1854,7 +1854,7 @@
           <a:p>
             <a:fld id="{BA5A1584-706A-4ABE-803B-792AD84DBA31}" type="datetimeFigureOut">
               <a:rPr lang="en-US" smtClean="0"/>
-              <a:t>4/16/2025</a:t>
+              <a:t>4/20/2025</a:t>
             </a:fld>
             <a:endParaRPr lang="en-US"/>
           </a:p>
@@ -1995,7 +1995,7 @@
           <a:p>
             <a:fld id="{BA5A1584-706A-4ABE-803B-792AD84DBA31}" type="datetimeFigureOut">
               <a:rPr lang="en-US" smtClean="0"/>
-              <a:t>4/16/2025</a:t>
+              <a:t>4/20/2025</a:t>
             </a:fld>
             <a:endParaRPr lang="en-US"/>
           </a:p>
@@ -2108,7 +2108,7 @@
           <a:p>
             <a:fld id="{BA5A1584-706A-4ABE-803B-792AD84DBA31}" type="datetimeFigureOut">
               <a:rPr lang="en-US" smtClean="0"/>
-              <a:t>4/16/2025</a:t>
+              <a:t>4/20/2025</a:t>
             </a:fld>
             <a:endParaRPr lang="en-US"/>
           </a:p>
@@ -2419,7 +2419,7 @@
           <a:p>
             <a:fld id="{BA5A1584-706A-4ABE-803B-792AD84DBA31}" type="datetimeFigureOut">
               <a:rPr lang="en-US" smtClean="0"/>
-              <a:t>4/16/2025</a:t>
+              <a:t>4/20/2025</a:t>
             </a:fld>
             <a:endParaRPr lang="en-US"/>
           </a:p>
@@ -2707,7 +2707,7 @@
           <a:p>
             <a:fld id="{BA5A1584-706A-4ABE-803B-792AD84DBA31}" type="datetimeFigureOut">
               <a:rPr lang="en-US" smtClean="0"/>
-              <a:t>4/16/2025</a:t>
+              <a:t>4/20/2025</a:t>
             </a:fld>
             <a:endParaRPr lang="en-US"/>
           </a:p>
@@ -2948,7 +2948,7 @@
           <a:p>
             <a:fld id="{BA5A1584-706A-4ABE-803B-792AD84DBA31}" type="datetimeFigureOut">
               <a:rPr lang="en-US" smtClean="0"/>
-              <a:t>4/16/2025</a:t>
+              <a:t>4/20/2025</a:t>
             </a:fld>
             <a:endParaRPr lang="en-US"/>
           </a:p>
@@ -5496,6 +5496,46 @@
           <p:spPr>
             <a:xfrm>
               <a:off x="7006975" y="4128199"/>
+              <a:ext cx="874983" cy="369332"/>
+            </a:xfrm>
+            <a:prstGeom prst="rect">
+              <a:avLst/>
+            </a:prstGeom>
+            <a:noFill/>
+          </p:spPr>
+          <p:txBody>
+            <a:bodyPr wrap="none" rtlCol="0">
+              <a:spAutoFit/>
+            </a:bodyPr>
+            <a:lstStyle/>
+            <a:p>
+              <a:r>
+                <a:rPr lang="en-US" dirty="0"/>
+                <a:t>(a) </a:t>
+              </a:r>
+              <a:r>
+                <a:rPr lang="en-US" dirty="0" err="1"/>
+                <a:t>pnp</a:t>
+              </a:r>
+              <a:endParaRPr lang="en-US" dirty="0"/>
+            </a:p>
+          </p:txBody>
+        </p:sp>
+        <p:sp>
+          <p:nvSpPr>
+            <p:cNvPr id="10" name="TextBox 9">
+              <a:extLst>
+                <a:ext uri="{FF2B5EF4-FFF2-40B4-BE49-F238E27FC236}">
+                  <a16:creationId xmlns:a16="http://schemas.microsoft.com/office/drawing/2014/main" id="{8130741B-376B-926C-2A3F-FA0C7F1DC0DE}"/>
+                </a:ext>
+              </a:extLst>
+            </p:cNvPr>
+            <p:cNvSpPr txBox="1"/>
+            <p:nvPr/>
+          </p:nvSpPr>
+          <p:spPr>
+            <a:xfrm>
+              <a:off x="9678256" y="4128199"/>
               <a:ext cx="871777" cy="369332"/>
             </a:xfrm>
             <a:prstGeom prst="rect">
@@ -5516,46 +5556,6 @@
               <a:r>
                 <a:rPr lang="en-US" dirty="0" err="1"/>
                 <a:t>npn</a:t>
-              </a:r>
-              <a:endParaRPr lang="en-US" dirty="0"/>
-            </a:p>
-          </p:txBody>
-        </p:sp>
-        <p:sp>
-          <p:nvSpPr>
-            <p:cNvPr id="10" name="TextBox 9">
-              <a:extLst>
-                <a:ext uri="{FF2B5EF4-FFF2-40B4-BE49-F238E27FC236}">
-                  <a16:creationId xmlns:a16="http://schemas.microsoft.com/office/drawing/2014/main" id="{8130741B-376B-926C-2A3F-FA0C7F1DC0DE}"/>
-                </a:ext>
-              </a:extLst>
-            </p:cNvPr>
-            <p:cNvSpPr txBox="1"/>
-            <p:nvPr/>
-          </p:nvSpPr>
-          <p:spPr>
-            <a:xfrm>
-              <a:off x="9678256" y="4128199"/>
-              <a:ext cx="874983" cy="369332"/>
-            </a:xfrm>
-            <a:prstGeom prst="rect">
-              <a:avLst/>
-            </a:prstGeom>
-            <a:noFill/>
-          </p:spPr>
-          <p:txBody>
-            <a:bodyPr wrap="none" rtlCol="0">
-              <a:spAutoFit/>
-            </a:bodyPr>
-            <a:lstStyle/>
-            <a:p>
-              <a:r>
-                <a:rPr lang="en-US" dirty="0"/>
-                <a:t>(a) </a:t>
-              </a:r>
-              <a:r>
-                <a:rPr lang="en-US" dirty="0" err="1"/>
-                <a:t>pnp</a:t>
               </a:r>
               <a:endParaRPr lang="en-US" dirty="0"/>
             </a:p>
@@ -6189,73 +6189,211 @@
           </a:p>
         </p:txBody>
       </p:sp>
-      <p:pic>
-        <p:nvPicPr>
-          <p:cNvPr id="6" name="Picture 5">
+      <p:grpSp>
+        <p:nvGrpSpPr>
+          <p:cNvPr id="32" name="Group 31">
             <a:extLst>
               <a:ext uri="{FF2B5EF4-FFF2-40B4-BE49-F238E27FC236}">
-                <a16:creationId xmlns:a16="http://schemas.microsoft.com/office/drawing/2014/main" id="{DBFC7BE7-C712-379D-7E82-875A945F420D}"/>
+                <a16:creationId xmlns:a16="http://schemas.microsoft.com/office/drawing/2014/main" id="{B5322330-5C60-59F5-125B-40590D30F4BD}"/>
               </a:ext>
             </a:extLst>
           </p:cNvPr>
-          <p:cNvPicPr>
-            <a:picLocks noChangeAspect="1"/>
-          </p:cNvPicPr>
+          <p:cNvGrpSpPr/>
           <p:nvPr/>
-        </p:nvPicPr>
-        <p:blipFill>
-          <a:blip r:embed="rId2"/>
-          <a:stretch>
-            <a:fillRect/>
-          </a:stretch>
-        </p:blipFill>
-        <p:spPr>
+        </p:nvGrpSpPr>
+        <p:grpSpPr>
           <a:xfrm>
-            <a:off x="4130992" y="1327269"/>
-            <a:ext cx="6771516" cy="4728920"/>
+            <a:off x="4660929" y="1531661"/>
+            <a:ext cx="6771516" cy="4431090"/>
+            <a:chOff x="4660929" y="1531661"/>
+            <a:chExt cx="6771516" cy="4431090"/>
           </a:xfrm>
-          <a:prstGeom prst="rect">
-            <a:avLst/>
-          </a:prstGeom>
-        </p:spPr>
-      </p:pic>
-      <mc:AlternateContent xmlns:mc="http://schemas.openxmlformats.org/markup-compatibility/2006">
-        <mc:Choice xmlns:a14="http://schemas.microsoft.com/office/drawing/2010/main" Requires="a14">
-          <p:sp>
-            <p:nvSpPr>
-              <p:cNvPr id="8" name="TextBox 7">
-                <a:extLst>
-                  <a:ext uri="{FF2B5EF4-FFF2-40B4-BE49-F238E27FC236}">
-                    <a16:creationId xmlns:a16="http://schemas.microsoft.com/office/drawing/2014/main" id="{08468381-2EB0-1745-ADC0-9176E25E27C3}"/>
-                  </a:ext>
-                </a:extLst>
-              </p:cNvPr>
-              <p:cNvSpPr txBox="1"/>
-              <p:nvPr/>
-            </p:nvSpPr>
-            <p:spPr>
-              <a:xfrm>
-                <a:off x="7174925" y="4686300"/>
-                <a:ext cx="341825" cy="246221"/>
-              </a:xfrm>
-              <a:prstGeom prst="rect">
-                <a:avLst/>
-              </a:prstGeom>
-              <a:solidFill>
-                <a:schemeClr val="bg1"/>
-              </a:solidFill>
-            </p:spPr>
-            <p:txBody>
-              <a:bodyPr wrap="none" lIns="0" tIns="0" rIns="0" bIns="0" rtlCol="0">
-                <a:spAutoFit/>
-              </a:bodyPr>
-              <a:lstStyle/>
-              <a:p>
-                <a14:m>
-                  <m:oMathPara xmlns:m="http://schemas.openxmlformats.org/officeDocument/2006/math">
-                    <m:oMathParaPr>
-                      <m:jc m:val="centerGroup"/>
-                    </m:oMathParaPr>
+        </p:grpSpPr>
+        <p:pic>
+          <p:nvPicPr>
+            <p:cNvPr id="6" name="Picture 5">
+              <a:extLst>
+                <a:ext uri="{FF2B5EF4-FFF2-40B4-BE49-F238E27FC236}">
+                  <a16:creationId xmlns:a16="http://schemas.microsoft.com/office/drawing/2014/main" id="{DBFC7BE7-C712-379D-7E82-875A945F420D}"/>
+                </a:ext>
+              </a:extLst>
+            </p:cNvPr>
+            <p:cNvPicPr>
+              <a:picLocks noChangeAspect="1"/>
+            </p:cNvPicPr>
+            <p:nvPr/>
+          </p:nvPicPr>
+          <p:blipFill>
+            <a:blip r:embed="rId2"/>
+            <a:srcRect t="10762" b="14091"/>
+            <a:stretch/>
+          </p:blipFill>
+          <p:spPr>
+            <a:xfrm>
+              <a:off x="4660929" y="2207851"/>
+              <a:ext cx="6771516" cy="3553712"/>
+            </a:xfrm>
+            <a:prstGeom prst="rect">
+              <a:avLst/>
+            </a:prstGeom>
+          </p:spPr>
+        </p:pic>
+        <mc:AlternateContent xmlns:mc="http://schemas.openxmlformats.org/markup-compatibility/2006" xmlns:a14="http://schemas.microsoft.com/office/drawing/2010/main">
+          <mc:Choice Requires="a14">
+            <p:sp>
+              <p:nvSpPr>
+                <p:cNvPr id="8" name="TextBox 7">
+                  <a:extLst>
+                    <a:ext uri="{FF2B5EF4-FFF2-40B4-BE49-F238E27FC236}">
+                      <a16:creationId xmlns:a16="http://schemas.microsoft.com/office/drawing/2014/main" id="{08468381-2EB0-1745-ADC0-9176E25E27C3}"/>
+                    </a:ext>
+                  </a:extLst>
+                </p:cNvPr>
+                <p:cNvSpPr txBox="1"/>
+                <p:nvPr/>
+              </p:nvSpPr>
+              <p:spPr>
+                <a:xfrm>
+                  <a:off x="7704862" y="5057983"/>
+                  <a:ext cx="341825" cy="246221"/>
+                </a:xfrm>
+                <a:prstGeom prst="rect">
+                  <a:avLst/>
+                </a:prstGeom>
+                <a:solidFill>
+                  <a:schemeClr val="bg1"/>
+                </a:solidFill>
+              </p:spPr>
+              <p:txBody>
+                <a:bodyPr wrap="none" lIns="0" tIns="0" rIns="0" bIns="0" rtlCol="0">
+                  <a:spAutoFit/>
+                </a:bodyPr>
+                <a:lstStyle/>
+                <a:p>
+                  <a:pPr/>
+                  <a14:m>
+                    <m:oMathPara xmlns:m="http://schemas.openxmlformats.org/officeDocument/2006/math">
+                      <m:oMathParaPr>
+                        <m:jc m:val="centerGroup"/>
+                      </m:oMathParaPr>
+                      <m:oMath xmlns:m="http://schemas.openxmlformats.org/officeDocument/2006/math">
+                        <m:sSub>
+                          <m:sSubPr>
+                            <m:ctrlPr>
+                              <a:rPr lang="en-US" sz="1600" b="0" i="1" smtClean="0">
+                                <a:latin typeface="Cambria Math" panose="02040503050406030204" pitchFamily="18" charset="0"/>
+                              </a:rPr>
+                            </m:ctrlPr>
+                          </m:sSubPr>
+                          <m:e>
+                            <m:r>
+                              <a:rPr lang="en-US" sz="1600" b="0" i="1" smtClean="0">
+                                <a:latin typeface="Cambria Math" panose="02040503050406030204" pitchFamily="18" charset="0"/>
+                              </a:rPr>
+                              <m:t>𝑝</m:t>
+                            </m:r>
+                          </m:e>
+                          <m:sub>
+                            <m:r>
+                              <a:rPr lang="en-US" sz="1600" b="0" i="1" smtClean="0">
+                                <a:latin typeface="Cambria Math" panose="02040503050406030204" pitchFamily="18" charset="0"/>
+                              </a:rPr>
+                              <m:t>𝑛</m:t>
+                            </m:r>
+                            <m:r>
+                              <a:rPr lang="en-US" sz="1600" b="0" i="1" smtClean="0">
+                                <a:latin typeface="Cambria Math" panose="02040503050406030204" pitchFamily="18" charset="0"/>
+                              </a:rPr>
+                              <m:t>0</m:t>
+                            </m:r>
+                          </m:sub>
+                        </m:sSub>
+                      </m:oMath>
+                    </m:oMathPara>
+                  </a14:m>
+                  <a:endParaRPr lang="en-US" sz="1600" dirty="0"/>
+                </a:p>
+              </p:txBody>
+            </p:sp>
+          </mc:Choice>
+          <mc:Fallback xmlns="">
+            <p:sp>
+              <p:nvSpPr>
+                <p:cNvPr id="8" name="TextBox 7">
+                  <a:extLst>
+                    <a:ext uri="{FF2B5EF4-FFF2-40B4-BE49-F238E27FC236}">
+                      <a16:creationId xmlns:a16="http://schemas.microsoft.com/office/drawing/2014/main" id="{08468381-2EB0-1745-ADC0-9176E25E27C3}"/>
+                    </a:ext>
+                  </a:extLst>
+                </p:cNvPr>
+                <p:cNvSpPr txBox="1">
+                  <a:spLocks noRot="1" noChangeAspect="1" noMove="1" noResize="1" noEditPoints="1" noAdjustHandles="1" noChangeArrowheads="1" noChangeShapeType="1" noTextEdit="1"/>
+                </p:cNvSpPr>
+                <p:nvPr/>
+              </p:nvSpPr>
+              <p:spPr>
+                <a:xfrm>
+                  <a:off x="7704862" y="5057983"/>
+                  <a:ext cx="341825" cy="246221"/>
+                </a:xfrm>
+                <a:prstGeom prst="rect">
+                  <a:avLst/>
+                </a:prstGeom>
+                <a:blipFill>
+                  <a:blip r:embed="rId3"/>
+                  <a:stretch>
+                    <a:fillRect l="-14286" r="-5357" b="-25000"/>
+                  </a:stretch>
+                </a:blipFill>
+              </p:spPr>
+              <p:txBody>
+                <a:bodyPr/>
+                <a:lstStyle/>
+                <a:p>
+                  <a:r>
+                    <a:rPr lang="en-US">
+                      <a:noFill/>
+                    </a:rPr>
+                    <a:t> </a:t>
+                  </a:r>
+                </a:p>
+              </p:txBody>
+            </p:sp>
+          </mc:Fallback>
+        </mc:AlternateContent>
+        <mc:AlternateContent xmlns:mc="http://schemas.openxmlformats.org/markup-compatibility/2006" xmlns:a14="http://schemas.microsoft.com/office/drawing/2010/main">
+          <mc:Choice Requires="a14">
+            <p:sp>
+              <p:nvSpPr>
+                <p:cNvPr id="9" name="TextBox 8">
+                  <a:extLst>
+                    <a:ext uri="{FF2B5EF4-FFF2-40B4-BE49-F238E27FC236}">
+                      <a16:creationId xmlns:a16="http://schemas.microsoft.com/office/drawing/2014/main" id="{B4699F2F-69B2-1DC5-B073-A87177896A4D}"/>
+                    </a:ext>
+                  </a:extLst>
+                </p:cNvPr>
+                <p:cNvSpPr txBox="1"/>
+                <p:nvPr/>
+              </p:nvSpPr>
+              <p:spPr>
+                <a:xfrm>
+                  <a:off x="7814626" y="3132246"/>
+                  <a:ext cx="1041632" cy="246221"/>
+                </a:xfrm>
+                <a:prstGeom prst="rect">
+                  <a:avLst/>
+                </a:prstGeom>
+                <a:solidFill>
+                  <a:schemeClr val="bg1"/>
+                </a:solidFill>
+              </p:spPr>
+              <p:txBody>
+                <a:bodyPr wrap="none" lIns="0" tIns="0" rIns="0" bIns="0" rtlCol="0">
+                  <a:spAutoFit/>
+                </a:bodyPr>
+                <a:lstStyle/>
+                <a:p>
+                  <a14:m>
                     <m:oMath xmlns:m="http://schemas.openxmlformats.org/officeDocument/2006/math">
                       <m:sSub>
                         <m:sSubPr>
@@ -6280,67 +6418,947 @@
                             </a:rPr>
                             <m:t>𝑛</m:t>
                           </m:r>
-                          <m:r>
-                            <a:rPr lang="en-US" sz="1600" b="0" i="1" smtClean="0">
-                              <a:latin typeface="Cambria Math" panose="02040503050406030204" pitchFamily="18" charset="0"/>
-                            </a:rPr>
-                            <m:t>0</m:t>
-                          </m:r>
                         </m:sub>
                       </m:sSub>
+                      <m:r>
+                        <a:rPr lang="en-US" sz="1600" b="0" i="1" smtClean="0">
+                          <a:latin typeface="Cambria Math" panose="02040503050406030204" pitchFamily="18" charset="0"/>
+                        </a:rPr>
+                        <m:t>(</m:t>
+                      </m:r>
+                      <m:r>
+                        <a:rPr lang="en-US" sz="1600" b="0" i="1" smtClean="0">
+                          <a:latin typeface="Cambria Math" panose="02040503050406030204" pitchFamily="18" charset="0"/>
+                        </a:rPr>
+                        <m:t>𝑥</m:t>
+                      </m:r>
+                      <m:r>
+                        <a:rPr lang="en-US" sz="1600" b="0" i="1" smtClean="0">
+                          <a:latin typeface="Cambria Math" panose="02040503050406030204" pitchFamily="18" charset="0"/>
+                        </a:rPr>
+                        <m:t>)</m:t>
+                      </m:r>
                     </m:oMath>
-                  </m:oMathPara>
-                </a14:m>
-                <a:endParaRPr lang="en-US" sz="1600" dirty="0"/>
-              </a:p>
-            </p:txBody>
-          </p:sp>
-        </mc:Choice>
-        <mc:Fallback>
-          <p:sp>
-            <p:nvSpPr>
-              <p:cNvPr id="8" name="TextBox 7">
-                <a:extLst>
-                  <a:ext uri="{FF2B5EF4-FFF2-40B4-BE49-F238E27FC236}">
-                    <a16:creationId xmlns:a16="http://schemas.microsoft.com/office/drawing/2014/main" id="{08468381-2EB0-1745-ADC0-9176E25E27C3}"/>
-                  </a:ext>
-                </a:extLst>
-              </p:cNvPr>
-              <p:cNvSpPr txBox="1">
-                <a:spLocks noRot="1" noChangeAspect="1" noMove="1" noResize="1" noEditPoints="1" noAdjustHandles="1" noChangeArrowheads="1" noChangeShapeType="1" noTextEdit="1"/>
-              </p:cNvSpPr>
-              <p:nvPr/>
-            </p:nvSpPr>
-            <p:spPr>
-              <a:xfrm>
-                <a:off x="7174925" y="4686300"/>
-                <a:ext cx="341825" cy="246221"/>
-              </a:xfrm>
-              <a:prstGeom prst="rect">
-                <a:avLst/>
-              </a:prstGeom>
-              <a:blipFill>
-                <a:blip r:embed="rId3"/>
-                <a:stretch>
-                  <a:fillRect l="-14286" r="-5357" b="-25000"/>
-                </a:stretch>
-              </a:blipFill>
-            </p:spPr>
-            <p:txBody>
-              <a:bodyPr/>
-              <a:lstStyle/>
-              <a:p>
-                <a:r>
-                  <a:rPr lang="en-US">
-                    <a:noFill/>
-                  </a:rPr>
-                  <a:t> </a:t>
-                </a:r>
-              </a:p>
-            </p:txBody>
-          </p:sp>
-        </mc:Fallback>
-      </mc:AlternateContent>
+                  </a14:m>
+                  <a:r>
+                    <a:rPr lang="en-US" sz="1600" dirty="0"/>
+                    <a:t>             </a:t>
+                  </a:r>
+                </a:p>
+              </p:txBody>
+            </p:sp>
+          </mc:Choice>
+          <mc:Fallback xmlns="">
+            <p:sp>
+              <p:nvSpPr>
+                <p:cNvPr id="9" name="TextBox 8">
+                  <a:extLst>
+                    <a:ext uri="{FF2B5EF4-FFF2-40B4-BE49-F238E27FC236}">
+                      <a16:creationId xmlns:a16="http://schemas.microsoft.com/office/drawing/2014/main" id="{B4699F2F-69B2-1DC5-B073-A87177896A4D}"/>
+                    </a:ext>
+                  </a:extLst>
+                </p:cNvPr>
+                <p:cNvSpPr txBox="1">
+                  <a:spLocks noRot="1" noChangeAspect="1" noMove="1" noResize="1" noEditPoints="1" noAdjustHandles="1" noChangeArrowheads="1" noChangeShapeType="1" noTextEdit="1"/>
+                </p:cNvSpPr>
+                <p:nvPr/>
+              </p:nvSpPr>
+              <p:spPr>
+                <a:xfrm>
+                  <a:off x="7814626" y="3132246"/>
+                  <a:ext cx="1041632" cy="246221"/>
+                </a:xfrm>
+                <a:prstGeom prst="rect">
+                  <a:avLst/>
+                </a:prstGeom>
+                <a:blipFill>
+                  <a:blip r:embed="rId4"/>
+                  <a:stretch>
+                    <a:fillRect l="-7018" b="-32500"/>
+                  </a:stretch>
+                </a:blipFill>
+              </p:spPr>
+              <p:txBody>
+                <a:bodyPr/>
+                <a:lstStyle/>
+                <a:p>
+                  <a:r>
+                    <a:rPr lang="en-US">
+                      <a:noFill/>
+                    </a:rPr>
+                    <a:t> </a:t>
+                  </a:r>
+                </a:p>
+              </p:txBody>
+            </p:sp>
+          </mc:Fallback>
+        </mc:AlternateContent>
+        <p:cxnSp>
+          <p:nvCxnSpPr>
+            <p:cNvPr id="11" name="Straight Arrow Connector 10">
+              <a:extLst>
+                <a:ext uri="{FF2B5EF4-FFF2-40B4-BE49-F238E27FC236}">
+                  <a16:creationId xmlns:a16="http://schemas.microsoft.com/office/drawing/2014/main" id="{FE216FD3-9873-5971-9E44-12AD5EBF28A9}"/>
+                </a:ext>
+              </a:extLst>
+            </p:cNvPr>
+            <p:cNvCxnSpPr/>
+            <p:nvPr/>
+          </p:nvCxnSpPr>
+          <p:spPr>
+            <a:xfrm>
+              <a:off x="10580717" y="5673933"/>
+              <a:ext cx="111760" cy="0"/>
+            </a:xfrm>
+            <a:prstGeom prst="straightConnector1">
+              <a:avLst/>
+            </a:prstGeom>
+            <a:ln>
+              <a:tailEnd type="triangle"/>
+            </a:ln>
+          </p:spPr>
+          <p:style>
+            <a:lnRef idx="2">
+              <a:schemeClr val="accent1"/>
+            </a:lnRef>
+            <a:fillRef idx="0">
+              <a:schemeClr val="accent1"/>
+            </a:fillRef>
+            <a:effectRef idx="1">
+              <a:schemeClr val="accent1"/>
+            </a:effectRef>
+            <a:fontRef idx="minor">
+              <a:schemeClr val="tx1"/>
+            </a:fontRef>
+          </p:style>
+        </p:cxnSp>
+        <mc:AlternateContent xmlns:mc="http://schemas.openxmlformats.org/markup-compatibility/2006" xmlns:a14="http://schemas.microsoft.com/office/drawing/2010/main">
+          <mc:Choice Requires="a14">
+            <p:sp>
+              <p:nvSpPr>
+                <p:cNvPr id="12" name="TextBox 11">
+                  <a:extLst>
+                    <a:ext uri="{FF2B5EF4-FFF2-40B4-BE49-F238E27FC236}">
+                      <a16:creationId xmlns:a16="http://schemas.microsoft.com/office/drawing/2014/main" id="{9FBE6C26-77B8-4A6F-7CB5-5FBDA21DCC0B}"/>
+                    </a:ext>
+                  </a:extLst>
+                </p:cNvPr>
+                <p:cNvSpPr txBox="1"/>
+                <p:nvPr/>
+              </p:nvSpPr>
+              <p:spPr>
+                <a:xfrm>
+                  <a:off x="7331804" y="5716529"/>
+                  <a:ext cx="156901" cy="246221"/>
+                </a:xfrm>
+                <a:prstGeom prst="rect">
+                  <a:avLst/>
+                </a:prstGeom>
+                <a:solidFill>
+                  <a:schemeClr val="bg1"/>
+                </a:solidFill>
+              </p:spPr>
+              <p:txBody>
+                <a:bodyPr wrap="none" lIns="0" tIns="0" rIns="0" bIns="0" rtlCol="0">
+                  <a:spAutoFit/>
+                </a:bodyPr>
+                <a:lstStyle/>
+                <a:p>
+                  <a:pPr/>
+                  <a14:m>
+                    <m:oMathPara xmlns:m="http://schemas.openxmlformats.org/officeDocument/2006/math">
+                      <m:oMathParaPr>
+                        <m:jc m:val="centerGroup"/>
+                      </m:oMathParaPr>
+                      <m:oMath xmlns:m="http://schemas.openxmlformats.org/officeDocument/2006/math">
+                        <m:r>
+                          <a:rPr lang="en-US" sz="1600" b="0" i="1" smtClean="0">
+                            <a:latin typeface="Cambria Math" panose="02040503050406030204" pitchFamily="18" charset="0"/>
+                          </a:rPr>
+                          <m:t>0</m:t>
+                        </m:r>
+                      </m:oMath>
+                    </m:oMathPara>
+                  </a14:m>
+                  <a:endParaRPr lang="en-US" sz="1600" dirty="0"/>
+                </a:p>
+              </p:txBody>
+            </p:sp>
+          </mc:Choice>
+          <mc:Fallback xmlns="">
+            <p:sp>
+              <p:nvSpPr>
+                <p:cNvPr id="12" name="TextBox 11">
+                  <a:extLst>
+                    <a:ext uri="{FF2B5EF4-FFF2-40B4-BE49-F238E27FC236}">
+                      <a16:creationId xmlns:a16="http://schemas.microsoft.com/office/drawing/2014/main" id="{9FBE6C26-77B8-4A6F-7CB5-5FBDA21DCC0B}"/>
+                    </a:ext>
+                  </a:extLst>
+                </p:cNvPr>
+                <p:cNvSpPr txBox="1">
+                  <a:spLocks noRot="1" noChangeAspect="1" noMove="1" noResize="1" noEditPoints="1" noAdjustHandles="1" noChangeArrowheads="1" noChangeShapeType="1" noTextEdit="1"/>
+                </p:cNvSpPr>
+                <p:nvPr/>
+              </p:nvSpPr>
+              <p:spPr>
+                <a:xfrm>
+                  <a:off x="7331804" y="5716529"/>
+                  <a:ext cx="156901" cy="246221"/>
+                </a:xfrm>
+                <a:prstGeom prst="rect">
+                  <a:avLst/>
+                </a:prstGeom>
+                <a:blipFill>
+                  <a:blip r:embed="rId5"/>
+                  <a:stretch>
+                    <a:fillRect l="-32000" r="-32000" b="-5000"/>
+                  </a:stretch>
+                </a:blipFill>
+              </p:spPr>
+              <p:txBody>
+                <a:bodyPr/>
+                <a:lstStyle/>
+                <a:p>
+                  <a:r>
+                    <a:rPr lang="en-US">
+                      <a:noFill/>
+                    </a:rPr>
+                    <a:t> </a:t>
+                  </a:r>
+                </a:p>
+              </p:txBody>
+            </p:sp>
+          </mc:Fallback>
+        </mc:AlternateContent>
+        <mc:AlternateContent xmlns:mc="http://schemas.openxmlformats.org/markup-compatibility/2006" xmlns:a14="http://schemas.microsoft.com/office/drawing/2010/main">
+          <mc:Choice Requires="a14">
+            <p:sp>
+              <p:nvSpPr>
+                <p:cNvPr id="17" name="TextBox 16">
+                  <a:extLst>
+                    <a:ext uri="{FF2B5EF4-FFF2-40B4-BE49-F238E27FC236}">
+                      <a16:creationId xmlns:a16="http://schemas.microsoft.com/office/drawing/2014/main" id="{5D7A4C4B-A70B-5AEE-FC7A-A061D6A553D6}"/>
+                    </a:ext>
+                  </a:extLst>
+                </p:cNvPr>
+                <p:cNvSpPr txBox="1"/>
+                <p:nvPr/>
+              </p:nvSpPr>
+              <p:spPr>
+                <a:xfrm>
+                  <a:off x="8742542" y="5716530"/>
+                  <a:ext cx="323550" cy="246221"/>
+                </a:xfrm>
+                <a:prstGeom prst="rect">
+                  <a:avLst/>
+                </a:prstGeom>
+                <a:solidFill>
+                  <a:schemeClr val="bg1"/>
+                </a:solidFill>
+              </p:spPr>
+              <p:txBody>
+                <a:bodyPr wrap="none" lIns="0" tIns="0" rIns="0" bIns="0" rtlCol="0">
+                  <a:spAutoFit/>
+                </a:bodyPr>
+                <a:lstStyle/>
+                <a:p>
+                  <a:pPr/>
+                  <a14:m>
+                    <m:oMathPara xmlns:m="http://schemas.openxmlformats.org/officeDocument/2006/math">
+                      <m:oMathParaPr>
+                        <m:jc m:val="centerGroup"/>
+                      </m:oMathParaPr>
+                      <m:oMath xmlns:m="http://schemas.openxmlformats.org/officeDocument/2006/math">
+                        <m:sSub>
+                          <m:sSubPr>
+                            <m:ctrlPr>
+                              <a:rPr lang="en-US" sz="1600" b="0" i="1" smtClean="0">
+                                <a:latin typeface="Cambria Math" panose="02040503050406030204" pitchFamily="18" charset="0"/>
+                              </a:rPr>
+                            </m:ctrlPr>
+                          </m:sSubPr>
+                          <m:e>
+                            <m:r>
+                              <a:rPr lang="en-US" sz="1600" b="0" i="1" smtClean="0">
+                                <a:latin typeface="Cambria Math" panose="02040503050406030204" pitchFamily="18" charset="0"/>
+                              </a:rPr>
+                              <m:t>𝑊</m:t>
+                            </m:r>
+                          </m:e>
+                          <m:sub>
+                            <m:r>
+                              <a:rPr lang="en-US" sz="1600" b="0" i="1" smtClean="0">
+                                <a:latin typeface="Cambria Math" panose="02040503050406030204" pitchFamily="18" charset="0"/>
+                              </a:rPr>
+                              <m:t>𝐵</m:t>
+                            </m:r>
+                          </m:sub>
+                        </m:sSub>
+                      </m:oMath>
+                    </m:oMathPara>
+                  </a14:m>
+                  <a:endParaRPr lang="en-US" sz="1600" dirty="0"/>
+                </a:p>
+              </p:txBody>
+            </p:sp>
+          </mc:Choice>
+          <mc:Fallback xmlns="">
+            <p:sp>
+              <p:nvSpPr>
+                <p:cNvPr id="17" name="TextBox 16">
+                  <a:extLst>
+                    <a:ext uri="{FF2B5EF4-FFF2-40B4-BE49-F238E27FC236}">
+                      <a16:creationId xmlns:a16="http://schemas.microsoft.com/office/drawing/2014/main" id="{5D7A4C4B-A70B-5AEE-FC7A-A061D6A553D6}"/>
+                    </a:ext>
+                  </a:extLst>
+                </p:cNvPr>
+                <p:cNvSpPr txBox="1">
+                  <a:spLocks noRot="1" noChangeAspect="1" noMove="1" noResize="1" noEditPoints="1" noAdjustHandles="1" noChangeArrowheads="1" noChangeShapeType="1" noTextEdit="1"/>
+                </p:cNvSpPr>
+                <p:nvPr/>
+              </p:nvSpPr>
+              <p:spPr>
+                <a:xfrm>
+                  <a:off x="8742542" y="5716530"/>
+                  <a:ext cx="323550" cy="246221"/>
+                </a:xfrm>
+                <a:prstGeom prst="rect">
+                  <a:avLst/>
+                </a:prstGeom>
+                <a:blipFill>
+                  <a:blip r:embed="rId6"/>
+                  <a:stretch>
+                    <a:fillRect l="-13208" r="-3774" b="-15000"/>
+                  </a:stretch>
+                </a:blipFill>
+              </p:spPr>
+              <p:txBody>
+                <a:bodyPr/>
+                <a:lstStyle/>
+                <a:p>
+                  <a:r>
+                    <a:rPr lang="en-US">
+                      <a:noFill/>
+                    </a:rPr>
+                    <a:t> </a:t>
+                  </a:r>
+                </a:p>
+              </p:txBody>
+            </p:sp>
+          </mc:Fallback>
+        </mc:AlternateContent>
+        <p:sp>
+          <p:nvSpPr>
+            <p:cNvPr id="18" name="TextBox 17">
+              <a:extLst>
+                <a:ext uri="{FF2B5EF4-FFF2-40B4-BE49-F238E27FC236}">
+                  <a16:creationId xmlns:a16="http://schemas.microsoft.com/office/drawing/2014/main" id="{0481D46F-BE2A-D723-BB49-3AA2B3655876}"/>
+                </a:ext>
+              </a:extLst>
+            </p:cNvPr>
+            <p:cNvSpPr txBox="1"/>
+            <p:nvPr/>
+          </p:nvSpPr>
+          <p:spPr>
+            <a:xfrm>
+              <a:off x="6625937" y="1584460"/>
+              <a:ext cx="1227708" cy="523220"/>
+            </a:xfrm>
+            <a:prstGeom prst="rect">
+              <a:avLst/>
+            </a:prstGeom>
+            <a:noFill/>
+          </p:spPr>
+          <p:txBody>
+            <a:bodyPr wrap="none" rtlCol="0">
+              <a:spAutoFit/>
+            </a:bodyPr>
+            <a:lstStyle/>
+            <a:p>
+              <a:pPr algn="ctr"/>
+              <a:r>
+                <a:rPr lang="en-US" sz="1400" dirty="0"/>
+                <a:t>E-B space</a:t>
+              </a:r>
+              <a:br>
+                <a:rPr lang="en-US" sz="1400" dirty="0"/>
+              </a:br>
+              <a:r>
+                <a:rPr lang="en-US" sz="1400" dirty="0"/>
+                <a:t>charge region</a:t>
+              </a:r>
+            </a:p>
+          </p:txBody>
+        </p:sp>
+        <p:sp>
+          <p:nvSpPr>
+            <p:cNvPr id="19" name="TextBox 18">
+              <a:extLst>
+                <a:ext uri="{FF2B5EF4-FFF2-40B4-BE49-F238E27FC236}">
+                  <a16:creationId xmlns:a16="http://schemas.microsoft.com/office/drawing/2014/main" id="{ED5E6617-26C5-4C8A-94D6-BCC32EF90EFE}"/>
+                </a:ext>
+              </a:extLst>
+            </p:cNvPr>
+            <p:cNvSpPr txBox="1"/>
+            <p:nvPr/>
+          </p:nvSpPr>
+          <p:spPr>
+            <a:xfrm>
+              <a:off x="8635032" y="1531661"/>
+              <a:ext cx="1227708" cy="523220"/>
+            </a:xfrm>
+            <a:prstGeom prst="rect">
+              <a:avLst/>
+            </a:prstGeom>
+            <a:noFill/>
+          </p:spPr>
+          <p:txBody>
+            <a:bodyPr wrap="none" rtlCol="0">
+              <a:spAutoFit/>
+            </a:bodyPr>
+            <a:lstStyle/>
+            <a:p>
+              <a:pPr algn="ctr"/>
+              <a:r>
+                <a:rPr lang="en-US" sz="1400" dirty="0"/>
+                <a:t>B-C space</a:t>
+              </a:r>
+              <a:br>
+                <a:rPr lang="en-US" sz="1400" dirty="0"/>
+              </a:br>
+              <a:r>
+                <a:rPr lang="en-US" sz="1400" dirty="0"/>
+                <a:t>charge region</a:t>
+              </a:r>
+            </a:p>
+          </p:txBody>
+        </p:sp>
+        <mc:AlternateContent xmlns:mc="http://schemas.openxmlformats.org/markup-compatibility/2006" xmlns:a14="http://schemas.microsoft.com/office/drawing/2010/main">
+          <mc:Choice Requires="a14">
+            <p:sp>
+              <p:nvSpPr>
+                <p:cNvPr id="20" name="TextBox 19">
+                  <a:extLst>
+                    <a:ext uri="{FF2B5EF4-FFF2-40B4-BE49-F238E27FC236}">
+                      <a16:creationId xmlns:a16="http://schemas.microsoft.com/office/drawing/2014/main" id="{78B32A6B-1707-5C9E-2F7C-55BBFDE6F598}"/>
+                    </a:ext>
+                  </a:extLst>
+                </p:cNvPr>
+                <p:cNvSpPr txBox="1"/>
+                <p:nvPr/>
+              </p:nvSpPr>
+              <p:spPr>
+                <a:xfrm>
+                  <a:off x="10692477" y="5550822"/>
+                  <a:ext cx="156901" cy="246221"/>
+                </a:xfrm>
+                <a:prstGeom prst="rect">
+                  <a:avLst/>
+                </a:prstGeom>
+                <a:solidFill>
+                  <a:schemeClr val="bg1"/>
+                </a:solidFill>
+              </p:spPr>
+              <p:txBody>
+                <a:bodyPr wrap="none" lIns="0" tIns="0" rIns="0" bIns="0" rtlCol="0">
+                  <a:spAutoFit/>
+                </a:bodyPr>
+                <a:lstStyle/>
+                <a:p>
+                  <a:pPr/>
+                  <a14:m>
+                    <m:oMathPara xmlns:m="http://schemas.openxmlformats.org/officeDocument/2006/math">
+                      <m:oMathParaPr>
+                        <m:jc m:val="centerGroup"/>
+                      </m:oMathParaPr>
+                      <m:oMath xmlns:m="http://schemas.openxmlformats.org/officeDocument/2006/math">
+                        <m:r>
+                          <a:rPr lang="en-US" sz="1600" b="0" i="1" smtClean="0">
+                            <a:latin typeface="Cambria Math" panose="02040503050406030204" pitchFamily="18" charset="0"/>
+                          </a:rPr>
+                          <m:t>𝑥</m:t>
+                        </m:r>
+                      </m:oMath>
+                    </m:oMathPara>
+                  </a14:m>
+                  <a:endParaRPr lang="en-US" sz="1600" dirty="0"/>
+                </a:p>
+              </p:txBody>
+            </p:sp>
+          </mc:Choice>
+          <mc:Fallback xmlns="">
+            <p:sp>
+              <p:nvSpPr>
+                <p:cNvPr id="20" name="TextBox 19">
+                  <a:extLst>
+                    <a:ext uri="{FF2B5EF4-FFF2-40B4-BE49-F238E27FC236}">
+                      <a16:creationId xmlns:a16="http://schemas.microsoft.com/office/drawing/2014/main" id="{78B32A6B-1707-5C9E-2F7C-55BBFDE6F598}"/>
+                    </a:ext>
+                  </a:extLst>
+                </p:cNvPr>
+                <p:cNvSpPr txBox="1">
+                  <a:spLocks noRot="1" noChangeAspect="1" noMove="1" noResize="1" noEditPoints="1" noAdjustHandles="1" noChangeArrowheads="1" noChangeShapeType="1" noTextEdit="1"/>
+                </p:cNvSpPr>
+                <p:nvPr/>
+              </p:nvSpPr>
+              <p:spPr>
+                <a:xfrm>
+                  <a:off x="10692477" y="5550822"/>
+                  <a:ext cx="156901" cy="246221"/>
+                </a:xfrm>
+                <a:prstGeom prst="rect">
+                  <a:avLst/>
+                </a:prstGeom>
+                <a:blipFill>
+                  <a:blip r:embed="rId7"/>
+                  <a:stretch>
+                    <a:fillRect l="-19231" r="-15385"/>
+                  </a:stretch>
+                </a:blipFill>
+              </p:spPr>
+              <p:txBody>
+                <a:bodyPr/>
+                <a:lstStyle/>
+                <a:p>
+                  <a:r>
+                    <a:rPr lang="en-US">
+                      <a:noFill/>
+                    </a:rPr>
+                    <a:t> </a:t>
+                  </a:r>
+                </a:p>
+              </p:txBody>
+            </p:sp>
+          </mc:Fallback>
+        </mc:AlternateContent>
+        <mc:AlternateContent xmlns:mc="http://schemas.openxmlformats.org/markup-compatibility/2006" xmlns:a14="http://schemas.microsoft.com/office/drawing/2010/main">
+          <mc:Choice Requires="a14">
+            <p:sp>
+              <p:nvSpPr>
+                <p:cNvPr id="23" name="TextBox 22">
+                  <a:extLst>
+                    <a:ext uri="{FF2B5EF4-FFF2-40B4-BE49-F238E27FC236}">
+                      <a16:creationId xmlns:a16="http://schemas.microsoft.com/office/drawing/2014/main" id="{6A842B81-043C-4334-A3E6-27C8DF16B668}"/>
+                    </a:ext>
+                  </a:extLst>
+                </p:cNvPr>
+                <p:cNvSpPr txBox="1"/>
+                <p:nvPr/>
+              </p:nvSpPr>
+              <p:spPr>
+                <a:xfrm>
+                  <a:off x="5661740" y="4032666"/>
+                  <a:ext cx="836768" cy="246221"/>
+                </a:xfrm>
+                <a:prstGeom prst="rect">
+                  <a:avLst/>
+                </a:prstGeom>
+                <a:solidFill>
+                  <a:schemeClr val="bg1"/>
+                </a:solidFill>
+              </p:spPr>
+              <p:txBody>
+                <a:bodyPr wrap="none" lIns="0" tIns="0" rIns="0" bIns="0" rtlCol="0">
+                  <a:spAutoFit/>
+                </a:bodyPr>
+                <a:lstStyle/>
+                <a:p>
+                  <a14:m>
+                    <m:oMath xmlns:m="http://schemas.openxmlformats.org/officeDocument/2006/math">
+                      <m:r>
+                        <m:rPr>
+                          <m:lit/>
+                        </m:rPr>
+                        <a:rPr lang="en-US" sz="1600" b="0" i="1" smtClean="0">
+                          <a:latin typeface="Cambria Math" panose="02040503050406030204" pitchFamily="18" charset="0"/>
+                        </a:rPr>
+                        <m:t> </m:t>
+                      </m:r>
+                      <m:r>
+                        <a:rPr lang="en-US" sz="1600" b="0" i="1" smtClean="0">
+                          <a:latin typeface="Cambria Math" panose="02040503050406030204" pitchFamily="18" charset="0"/>
+                        </a:rPr>
+                        <m:t>             </m:t>
+                      </m:r>
+                    </m:oMath>
+                  </a14:m>
+                  <a:r>
+                    <a:rPr lang="en-US" sz="1600" dirty="0"/>
+                    <a:t>     </a:t>
+                  </a:r>
+                </a:p>
+              </p:txBody>
+            </p:sp>
+          </mc:Choice>
+          <mc:Fallback xmlns="">
+            <p:sp>
+              <p:nvSpPr>
+                <p:cNvPr id="23" name="TextBox 22">
+                  <a:extLst>
+                    <a:ext uri="{FF2B5EF4-FFF2-40B4-BE49-F238E27FC236}">
+                      <a16:creationId xmlns:a16="http://schemas.microsoft.com/office/drawing/2014/main" id="{6A842B81-043C-4334-A3E6-27C8DF16B668}"/>
+                    </a:ext>
+                  </a:extLst>
+                </p:cNvPr>
+                <p:cNvSpPr txBox="1">
+                  <a:spLocks noRot="1" noChangeAspect="1" noMove="1" noResize="1" noEditPoints="1" noAdjustHandles="1" noChangeArrowheads="1" noChangeShapeType="1" noTextEdit="1"/>
+                </p:cNvSpPr>
+                <p:nvPr/>
+              </p:nvSpPr>
+              <p:spPr>
+                <a:xfrm>
+                  <a:off x="5661740" y="4032666"/>
+                  <a:ext cx="836768" cy="246221"/>
+                </a:xfrm>
+                <a:prstGeom prst="rect">
+                  <a:avLst/>
+                </a:prstGeom>
+                <a:blipFill>
+                  <a:blip r:embed="rId8"/>
+                  <a:stretch>
+                    <a:fillRect l="-730"/>
+                  </a:stretch>
+                </a:blipFill>
+              </p:spPr>
+              <p:txBody>
+                <a:bodyPr/>
+                <a:lstStyle/>
+                <a:p>
+                  <a:r>
+                    <a:rPr lang="en-US">
+                      <a:noFill/>
+                    </a:rPr>
+                    <a:t> </a:t>
+                  </a:r>
+                </a:p>
+              </p:txBody>
+            </p:sp>
+          </mc:Fallback>
+        </mc:AlternateContent>
+        <mc:AlternateContent xmlns:mc="http://schemas.openxmlformats.org/markup-compatibility/2006" xmlns:a14="http://schemas.microsoft.com/office/drawing/2010/main">
+          <mc:Choice Requires="a14">
+            <p:sp>
+              <p:nvSpPr>
+                <p:cNvPr id="24" name="TextBox 23">
+                  <a:extLst>
+                    <a:ext uri="{FF2B5EF4-FFF2-40B4-BE49-F238E27FC236}">
+                      <a16:creationId xmlns:a16="http://schemas.microsoft.com/office/drawing/2014/main" id="{ABE41495-AD46-AFED-D1DA-4CB9BF84E5C4}"/>
+                    </a:ext>
+                  </a:extLst>
+                </p:cNvPr>
+                <p:cNvSpPr txBox="1"/>
+                <p:nvPr/>
+              </p:nvSpPr>
+              <p:spPr>
+                <a:xfrm>
+                  <a:off x="9989750" y="5381781"/>
+                  <a:ext cx="836768" cy="246221"/>
+                </a:xfrm>
+                <a:prstGeom prst="rect">
+                  <a:avLst/>
+                </a:prstGeom>
+                <a:solidFill>
+                  <a:schemeClr val="bg1"/>
+                </a:solidFill>
+              </p:spPr>
+              <p:txBody>
+                <a:bodyPr wrap="none" lIns="0" tIns="0" rIns="0" bIns="0" rtlCol="0">
+                  <a:spAutoFit/>
+                </a:bodyPr>
+                <a:lstStyle/>
+                <a:p>
+                  <a14:m>
+                    <m:oMath xmlns:m="http://schemas.openxmlformats.org/officeDocument/2006/math">
+                      <m:r>
+                        <m:rPr>
+                          <m:lit/>
+                        </m:rPr>
+                        <a:rPr lang="en-US" sz="1600" b="0" i="1" smtClean="0">
+                          <a:latin typeface="Cambria Math" panose="02040503050406030204" pitchFamily="18" charset="0"/>
+                        </a:rPr>
+                        <m:t> </m:t>
+                      </m:r>
+                      <m:r>
+                        <a:rPr lang="en-US" sz="1600" b="0" i="1" smtClean="0">
+                          <a:latin typeface="Cambria Math" panose="02040503050406030204" pitchFamily="18" charset="0"/>
+                        </a:rPr>
+                        <m:t>             </m:t>
+                      </m:r>
+                    </m:oMath>
+                  </a14:m>
+                  <a:r>
+                    <a:rPr lang="en-US" sz="1600" dirty="0"/>
+                    <a:t>     </a:t>
+                  </a:r>
+                </a:p>
+              </p:txBody>
+            </p:sp>
+          </mc:Choice>
+          <mc:Fallback xmlns="">
+            <p:sp>
+              <p:nvSpPr>
+                <p:cNvPr id="24" name="TextBox 23">
+                  <a:extLst>
+                    <a:ext uri="{FF2B5EF4-FFF2-40B4-BE49-F238E27FC236}">
+                      <a16:creationId xmlns:a16="http://schemas.microsoft.com/office/drawing/2014/main" id="{ABE41495-AD46-AFED-D1DA-4CB9BF84E5C4}"/>
+                    </a:ext>
+                  </a:extLst>
+                </p:cNvPr>
+                <p:cNvSpPr txBox="1">
+                  <a:spLocks noRot="1" noChangeAspect="1" noMove="1" noResize="1" noEditPoints="1" noAdjustHandles="1" noChangeArrowheads="1" noChangeShapeType="1" noTextEdit="1"/>
+                </p:cNvSpPr>
+                <p:nvPr/>
+              </p:nvSpPr>
+              <p:spPr>
+                <a:xfrm>
+                  <a:off x="9989750" y="5381781"/>
+                  <a:ext cx="836768" cy="246221"/>
+                </a:xfrm>
+                <a:prstGeom prst="rect">
+                  <a:avLst/>
+                </a:prstGeom>
+                <a:blipFill>
+                  <a:blip r:embed="rId8"/>
+                  <a:stretch>
+                    <a:fillRect l="-730"/>
+                  </a:stretch>
+                </a:blipFill>
+              </p:spPr>
+              <p:txBody>
+                <a:bodyPr/>
+                <a:lstStyle/>
+                <a:p>
+                  <a:r>
+                    <a:rPr lang="en-US">
+                      <a:noFill/>
+                    </a:rPr>
+                    <a:t> </a:t>
+                  </a:r>
+                </a:p>
+              </p:txBody>
+            </p:sp>
+          </mc:Fallback>
+        </mc:AlternateContent>
+        <p:sp>
+          <p:nvSpPr>
+            <p:cNvPr id="25" name="TextBox 24">
+              <a:extLst>
+                <a:ext uri="{FF2B5EF4-FFF2-40B4-BE49-F238E27FC236}">
+                  <a16:creationId xmlns:a16="http://schemas.microsoft.com/office/drawing/2014/main" id="{F3717624-A89F-78F3-24EF-5C7A639C82C4}"/>
+                </a:ext>
+              </a:extLst>
+            </p:cNvPr>
+            <p:cNvSpPr txBox="1"/>
+            <p:nvPr/>
+          </p:nvSpPr>
+          <p:spPr>
+            <a:xfrm>
+              <a:off x="4699029" y="2103941"/>
+              <a:ext cx="2387445" cy="369332"/>
+            </a:xfrm>
+            <a:prstGeom prst="rect">
+              <a:avLst/>
+            </a:prstGeom>
+            <a:solidFill>
+              <a:schemeClr val="bg1">
+                <a:lumMod val="85000"/>
+              </a:schemeClr>
+            </a:solidFill>
+            <a:ln>
+              <a:solidFill>
+                <a:schemeClr val="tx1"/>
+              </a:solidFill>
+            </a:ln>
+          </p:spPr>
+          <p:txBody>
+            <a:bodyPr wrap="square" rtlCol="0">
+              <a:spAutoFit/>
+            </a:bodyPr>
+            <a:lstStyle/>
+            <a:p>
+              <a:pPr algn="ctr"/>
+              <a:r>
+                <a:rPr lang="en-US" dirty="0"/>
+                <a:t> Emitter (p)</a:t>
+              </a:r>
+            </a:p>
+          </p:txBody>
+        </p:sp>
+        <p:sp>
+          <p:nvSpPr>
+            <p:cNvPr id="26" name="TextBox 25">
+              <a:extLst>
+                <a:ext uri="{FF2B5EF4-FFF2-40B4-BE49-F238E27FC236}">
+                  <a16:creationId xmlns:a16="http://schemas.microsoft.com/office/drawing/2014/main" id="{9B173BC3-278A-1894-974C-BD81A1E8C943}"/>
+                </a:ext>
+              </a:extLst>
+            </p:cNvPr>
+            <p:cNvSpPr txBox="1"/>
+            <p:nvPr/>
+          </p:nvSpPr>
+          <p:spPr>
+            <a:xfrm>
+              <a:off x="7410255" y="2103941"/>
+              <a:ext cx="1446004" cy="369332"/>
+            </a:xfrm>
+            <a:prstGeom prst="rect">
+              <a:avLst/>
+            </a:prstGeom>
+            <a:solidFill>
+              <a:schemeClr val="bg1">
+                <a:lumMod val="95000"/>
+              </a:schemeClr>
+            </a:solidFill>
+            <a:ln>
+              <a:solidFill>
+                <a:schemeClr val="tx1"/>
+              </a:solidFill>
+            </a:ln>
+          </p:spPr>
+          <p:txBody>
+            <a:bodyPr wrap="square" rtlCol="0">
+              <a:spAutoFit/>
+            </a:bodyPr>
+            <a:lstStyle/>
+            <a:p>
+              <a:pPr algn="ctr"/>
+              <a:r>
+                <a:rPr lang="en-US" dirty="0"/>
+                <a:t>Base (n)</a:t>
+              </a:r>
+            </a:p>
+          </p:txBody>
+        </p:sp>
+        <p:sp>
+          <p:nvSpPr>
+            <p:cNvPr id="27" name="TextBox 26">
+              <a:extLst>
+                <a:ext uri="{FF2B5EF4-FFF2-40B4-BE49-F238E27FC236}">
+                  <a16:creationId xmlns:a16="http://schemas.microsoft.com/office/drawing/2014/main" id="{912DC0C2-0814-9454-D4EF-FECD0783A477}"/>
+                </a:ext>
+              </a:extLst>
+            </p:cNvPr>
+            <p:cNvSpPr txBox="1"/>
+            <p:nvPr/>
+          </p:nvSpPr>
+          <p:spPr>
+            <a:xfrm>
+              <a:off x="9602316" y="2103941"/>
+              <a:ext cx="1799650" cy="369332"/>
+            </a:xfrm>
+            <a:prstGeom prst="rect">
+              <a:avLst/>
+            </a:prstGeom>
+            <a:solidFill>
+              <a:schemeClr val="bg1">
+                <a:lumMod val="85000"/>
+              </a:schemeClr>
+            </a:solidFill>
+            <a:ln>
+              <a:solidFill>
+                <a:schemeClr val="tx1"/>
+              </a:solidFill>
+            </a:ln>
+          </p:spPr>
+          <p:txBody>
+            <a:bodyPr wrap="square" rtlCol="0">
+              <a:spAutoFit/>
+            </a:bodyPr>
+            <a:lstStyle/>
+            <a:p>
+              <a:pPr algn="ctr"/>
+              <a:r>
+                <a:rPr lang="en-US" dirty="0"/>
+                <a:t>Collector (p)</a:t>
+              </a:r>
+            </a:p>
+          </p:txBody>
+        </p:sp>
+        <p:cxnSp>
+          <p:nvCxnSpPr>
+            <p:cNvPr id="29" name="Straight Arrow Connector 28">
+              <a:extLst>
+                <a:ext uri="{FF2B5EF4-FFF2-40B4-BE49-F238E27FC236}">
+                  <a16:creationId xmlns:a16="http://schemas.microsoft.com/office/drawing/2014/main" id="{8E501927-65B1-3C7D-21CE-6BFC66AAC5A7}"/>
+                </a:ext>
+              </a:extLst>
+            </p:cNvPr>
+            <p:cNvCxnSpPr>
+              <a:cxnSpLocks/>
+            </p:cNvCxnSpPr>
+            <p:nvPr/>
+          </p:nvCxnSpPr>
+          <p:spPr>
+            <a:xfrm>
+              <a:off x="7086474" y="2139523"/>
+              <a:ext cx="358266" cy="0"/>
+            </a:xfrm>
+            <a:prstGeom prst="straightConnector1">
+              <a:avLst/>
+            </a:prstGeom>
+            <a:ln>
+              <a:headEnd type="triangle"/>
+              <a:tailEnd type="triangle"/>
+            </a:ln>
+          </p:spPr>
+          <p:style>
+            <a:lnRef idx="3">
+              <a:schemeClr val="dk1"/>
+            </a:lnRef>
+            <a:fillRef idx="0">
+              <a:schemeClr val="dk1"/>
+            </a:fillRef>
+            <a:effectRef idx="2">
+              <a:schemeClr val="dk1"/>
+            </a:effectRef>
+            <a:fontRef idx="minor">
+              <a:schemeClr val="tx1"/>
+            </a:fontRef>
+          </p:style>
+        </p:cxnSp>
+        <p:cxnSp>
+          <p:nvCxnSpPr>
+            <p:cNvPr id="30" name="Straight Arrow Connector 29">
+              <a:extLst>
+                <a:ext uri="{FF2B5EF4-FFF2-40B4-BE49-F238E27FC236}">
+                  <a16:creationId xmlns:a16="http://schemas.microsoft.com/office/drawing/2014/main" id="{50A3AD5C-8F4B-3EE8-26EB-402B3DF72347}"/>
+                </a:ext>
+              </a:extLst>
+            </p:cNvPr>
+            <p:cNvCxnSpPr>
+              <a:cxnSpLocks/>
+            </p:cNvCxnSpPr>
+            <p:nvPr/>
+          </p:nvCxnSpPr>
+          <p:spPr>
+            <a:xfrm>
+              <a:off x="8864976" y="2139523"/>
+              <a:ext cx="737340" cy="0"/>
+            </a:xfrm>
+            <a:prstGeom prst="straightConnector1">
+              <a:avLst/>
+            </a:prstGeom>
+            <a:ln>
+              <a:headEnd type="triangle"/>
+              <a:tailEnd type="triangle"/>
+            </a:ln>
+          </p:spPr>
+          <p:style>
+            <a:lnRef idx="3">
+              <a:schemeClr val="dk1"/>
+            </a:lnRef>
+            <a:fillRef idx="0">
+              <a:schemeClr val="dk1"/>
+            </a:fillRef>
+            <a:effectRef idx="2">
+              <a:schemeClr val="dk1"/>
+            </a:effectRef>
+            <a:fontRef idx="minor">
+              <a:schemeClr val="tx1"/>
+            </a:fontRef>
+          </p:style>
+        </p:cxnSp>
+      </p:grpSp>
     </p:spTree>
     <p:extLst>
       <p:ext uri="{BB962C8B-B14F-4D97-AF65-F5344CB8AC3E}">

--- a/figures/fig.pptx
+++ b/figures/fig.pptx
@@ -27,24 +27,27 @@
     <p:sldId id="294" r:id="rId21"/>
     <p:sldId id="293" r:id="rId22"/>
     <p:sldId id="295" r:id="rId23"/>
-    <p:sldId id="274" r:id="rId24"/>
-    <p:sldId id="257" r:id="rId25"/>
-    <p:sldId id="258" r:id="rId26"/>
-    <p:sldId id="261" r:id="rId27"/>
-    <p:sldId id="262" r:id="rId28"/>
-    <p:sldId id="259" r:id="rId29"/>
-    <p:sldId id="260" r:id="rId30"/>
-    <p:sldId id="273" r:id="rId31"/>
-    <p:sldId id="263" r:id="rId32"/>
-    <p:sldId id="264" r:id="rId33"/>
-    <p:sldId id="265" r:id="rId34"/>
-    <p:sldId id="266" r:id="rId35"/>
-    <p:sldId id="267" r:id="rId36"/>
-    <p:sldId id="268" r:id="rId37"/>
-    <p:sldId id="269" r:id="rId38"/>
-    <p:sldId id="270" r:id="rId39"/>
-    <p:sldId id="271" r:id="rId40"/>
-    <p:sldId id="272" r:id="rId41"/>
+    <p:sldId id="296" r:id="rId24"/>
+    <p:sldId id="297" r:id="rId25"/>
+    <p:sldId id="298" r:id="rId26"/>
+    <p:sldId id="274" r:id="rId27"/>
+    <p:sldId id="257" r:id="rId28"/>
+    <p:sldId id="258" r:id="rId29"/>
+    <p:sldId id="261" r:id="rId30"/>
+    <p:sldId id="262" r:id="rId31"/>
+    <p:sldId id="259" r:id="rId32"/>
+    <p:sldId id="260" r:id="rId33"/>
+    <p:sldId id="273" r:id="rId34"/>
+    <p:sldId id="263" r:id="rId35"/>
+    <p:sldId id="264" r:id="rId36"/>
+    <p:sldId id="265" r:id="rId37"/>
+    <p:sldId id="266" r:id="rId38"/>
+    <p:sldId id="267" r:id="rId39"/>
+    <p:sldId id="268" r:id="rId40"/>
+    <p:sldId id="269" r:id="rId41"/>
+    <p:sldId id="270" r:id="rId42"/>
+    <p:sldId id="271" r:id="rId43"/>
+    <p:sldId id="272" r:id="rId44"/>
   </p:sldIdLst>
   <p:sldSz cx="12192000" cy="6858000"/>
   <p:notesSz cx="6858000" cy="9144000"/>
@@ -7377,6 +7380,1025 @@
   <p:cSld>
     <p:spTree>
       <p:nvGrpSpPr>
+        <p:cNvPr id="1" name="">
+          <a:extLst>
+            <a:ext uri="{FF2B5EF4-FFF2-40B4-BE49-F238E27FC236}">
+              <a16:creationId xmlns:a16="http://schemas.microsoft.com/office/drawing/2014/main" id="{5F12CBB9-AD72-FE5A-D2B4-4D9FF9D55975}"/>
+            </a:ext>
+          </a:extLst>
+        </p:cNvPr>
+        <p:cNvGrpSpPr/>
+        <p:nvPr/>
+      </p:nvGrpSpPr>
+      <p:grpSpPr>
+        <a:xfrm>
+          <a:off x="0" y="0"/>
+          <a:ext cx="0" cy="0"/>
+          <a:chOff x="0" y="0"/>
+          <a:chExt cx="0" cy="0"/>
+        </a:xfrm>
+      </p:grpSpPr>
+      <p:sp>
+        <p:nvSpPr>
+          <p:cNvPr id="2" name="Title 1">
+            <a:extLst>
+              <a:ext uri="{FF2B5EF4-FFF2-40B4-BE49-F238E27FC236}">
+                <a16:creationId xmlns:a16="http://schemas.microsoft.com/office/drawing/2014/main" id="{32651BF4-4506-C1C7-830A-E921CD8F07D0}"/>
+              </a:ext>
+            </a:extLst>
+          </p:cNvPr>
+          <p:cNvSpPr>
+            <a:spLocks noGrp="1"/>
+          </p:cNvSpPr>
+          <p:nvPr>
+            <p:ph type="title"/>
+          </p:nvPr>
+        </p:nvSpPr>
+        <p:spPr/>
+        <p:txBody>
+          <a:bodyPr/>
+          <a:lstStyle/>
+          <a:p>
+            <a:r>
+              <a:rPr lang="en-US" dirty="0"/>
+              <a:t>Semi Devices</a:t>
+            </a:r>
+          </a:p>
+        </p:txBody>
+      </p:sp>
+      <p:sp>
+        <p:nvSpPr>
+          <p:cNvPr id="3" name="Text Placeholder 2">
+            <a:extLst>
+              <a:ext uri="{FF2B5EF4-FFF2-40B4-BE49-F238E27FC236}">
+                <a16:creationId xmlns:a16="http://schemas.microsoft.com/office/drawing/2014/main" id="{64688E70-6929-691B-9EDB-C0DFEDAFADD6}"/>
+              </a:ext>
+            </a:extLst>
+          </p:cNvPr>
+          <p:cNvSpPr>
+            <a:spLocks noGrp="1"/>
+          </p:cNvSpPr>
+          <p:nvPr>
+            <p:ph type="body" idx="1"/>
+          </p:nvPr>
+        </p:nvSpPr>
+        <p:spPr/>
+        <p:txBody>
+          <a:bodyPr/>
+          <a:lstStyle/>
+          <a:p>
+            <a:r>
+              <a:rPr lang="en-US" dirty="0"/>
+              <a:t>MOS</a:t>
+            </a:r>
+            <a:br>
+              <a:rPr lang="en-US" dirty="0"/>
+            </a:br>
+            <a:endParaRPr lang="en-US" dirty="0"/>
+          </a:p>
+        </p:txBody>
+      </p:sp>
+    </p:spTree>
+    <p:extLst>
+      <p:ext uri="{BB962C8B-B14F-4D97-AF65-F5344CB8AC3E}">
+        <p14:creationId xmlns:p14="http://schemas.microsoft.com/office/powerpoint/2010/main" val="589060752"/>
+      </p:ext>
+    </p:extLst>
+  </p:cSld>
+  <p:clrMapOvr>
+    <a:masterClrMapping/>
+  </p:clrMapOvr>
+</p:sld>
+</file>
+
+<file path=ppt/slides/slide24.xml><?xml version="1.0" encoding="utf-8"?>
+<p:sld xmlns:a="http://schemas.openxmlformats.org/drawingml/2006/main" xmlns:r="http://schemas.openxmlformats.org/officeDocument/2006/relationships" xmlns:p="http://schemas.openxmlformats.org/presentationml/2006/main">
+  <p:cSld>
+    <p:spTree>
+      <p:nvGrpSpPr>
+        <p:cNvPr id="1" name="">
+          <a:extLst>
+            <a:ext uri="{FF2B5EF4-FFF2-40B4-BE49-F238E27FC236}">
+              <a16:creationId xmlns:a16="http://schemas.microsoft.com/office/drawing/2014/main" id="{BE0C398E-A1B4-1DA3-BC97-5B67A6292EE6}"/>
+            </a:ext>
+          </a:extLst>
+        </p:cNvPr>
+        <p:cNvGrpSpPr/>
+        <p:nvPr/>
+      </p:nvGrpSpPr>
+      <p:grpSpPr>
+        <a:xfrm>
+          <a:off x="0" y="0"/>
+          <a:ext cx="0" cy="0"/>
+          <a:chOff x="0" y="0"/>
+          <a:chExt cx="0" cy="0"/>
+        </a:xfrm>
+      </p:grpSpPr>
+      <p:sp>
+        <p:nvSpPr>
+          <p:cNvPr id="2" name="TextBox 1">
+            <a:extLst>
+              <a:ext uri="{FF2B5EF4-FFF2-40B4-BE49-F238E27FC236}">
+                <a16:creationId xmlns:a16="http://schemas.microsoft.com/office/drawing/2014/main" id="{3F430283-B936-416F-AA7A-4831A5A4F93D}"/>
+              </a:ext>
+            </a:extLst>
+          </p:cNvPr>
+          <p:cNvSpPr txBox="1"/>
+          <p:nvPr/>
+        </p:nvSpPr>
+        <p:spPr>
+          <a:xfrm>
+            <a:off x="171051" y="403939"/>
+            <a:ext cx="5339443" cy="646331"/>
+          </a:xfrm>
+          <a:prstGeom prst="rect">
+            <a:avLst/>
+          </a:prstGeom>
+          <a:noFill/>
+        </p:spPr>
+        <p:txBody>
+          <a:bodyPr wrap="square">
+            <a:spAutoFit/>
+          </a:bodyPr>
+          <a:lstStyle/>
+          <a:p>
+            <a:r>
+              <a:rPr lang="en-US" dirty="0"/>
+              <a:t>![</a:t>
+            </a:r>
+            <a:r>
+              <a:rPr lang="en-US" dirty="0" err="1"/>
+              <a:t>nMOSFET</a:t>
+            </a:r>
+            <a:r>
+              <a:rPr lang="en-US" dirty="0"/>
+              <a:t> (</a:t>
+            </a:r>
+            <a:r>
+              <a:rPr lang="en-US" dirty="0" err="1"/>
+              <a:t>nMOS</a:t>
+            </a:r>
+            <a:r>
+              <a:rPr lang="en-US" dirty="0"/>
+              <a:t>) circuit symbol.](figures/fig-semi-dev-</a:t>
+            </a:r>
+            <a:r>
+              <a:rPr lang="en-US" dirty="0" err="1"/>
+              <a:t>mos</a:t>
+            </a:r>
+            <a:r>
+              <a:rPr lang="en-US" dirty="0"/>
+              <a:t>-sch){#fig-semi-dev-mos-sch}</a:t>
+            </a:r>
+          </a:p>
+        </p:txBody>
+      </p:sp>
+      <p:sp>
+        <p:nvSpPr>
+          <p:cNvPr id="3" name="TextBox 2">
+            <a:extLst>
+              <a:ext uri="{FF2B5EF4-FFF2-40B4-BE49-F238E27FC236}">
+                <a16:creationId xmlns:a16="http://schemas.microsoft.com/office/drawing/2014/main" id="{7C2B4E68-95B2-9E0D-54DE-B34F3AF47CFA}"/>
+              </a:ext>
+            </a:extLst>
+          </p:cNvPr>
+          <p:cNvSpPr txBox="1"/>
+          <p:nvPr/>
+        </p:nvSpPr>
+        <p:spPr>
+          <a:xfrm>
+            <a:off x="244431" y="5761563"/>
+            <a:ext cx="1391728" cy="369332"/>
+          </a:xfrm>
+          <a:prstGeom prst="rect">
+            <a:avLst/>
+          </a:prstGeom>
+          <a:noFill/>
+        </p:spPr>
+        <p:txBody>
+          <a:bodyPr wrap="none" rtlCol="0">
+            <a:spAutoFit/>
+          </a:bodyPr>
+          <a:lstStyle/>
+          <a:p>
+            <a:r>
+              <a:rPr lang="en-US" dirty="0"/>
+              <a:t>R0 04/20/25</a:t>
+            </a:r>
+          </a:p>
+        </p:txBody>
+      </p:sp>
+      <p:sp>
+        <p:nvSpPr>
+          <p:cNvPr id="4" name="TextBox 3">
+            <a:extLst>
+              <a:ext uri="{FF2B5EF4-FFF2-40B4-BE49-F238E27FC236}">
+                <a16:creationId xmlns:a16="http://schemas.microsoft.com/office/drawing/2014/main" id="{9990890C-E664-D833-C8C6-8151A75950F3}"/>
+              </a:ext>
+            </a:extLst>
+          </p:cNvPr>
+          <p:cNvSpPr txBox="1"/>
+          <p:nvPr/>
+        </p:nvSpPr>
+        <p:spPr>
+          <a:xfrm>
+            <a:off x="244431" y="6200278"/>
+            <a:ext cx="2306401" cy="338554"/>
+          </a:xfrm>
+          <a:prstGeom prst="rect">
+            <a:avLst/>
+          </a:prstGeom>
+          <a:noFill/>
+        </p:spPr>
+        <p:txBody>
+          <a:bodyPr wrap="none" rtlCol="0">
+            <a:spAutoFit/>
+          </a:bodyPr>
+          <a:lstStyle/>
+          <a:p>
+            <a:r>
+              <a:rPr lang="en-US" sz="1600" i="1" dirty="0"/>
+              <a:t>Ref: Fig 1-1 p-1 </a:t>
+            </a:r>
+            <a:r>
+              <a:rPr lang="en-US" sz="1600" i="1" dirty="0" err="1"/>
+              <a:t>Uyemera</a:t>
+            </a:r>
+            <a:endParaRPr lang="en-US" sz="1600" i="1" dirty="0"/>
+          </a:p>
+        </p:txBody>
+      </p:sp>
+      <p:grpSp>
+        <p:nvGrpSpPr>
+          <p:cNvPr id="15" name="Group 14">
+            <a:extLst>
+              <a:ext uri="{FF2B5EF4-FFF2-40B4-BE49-F238E27FC236}">
+                <a16:creationId xmlns:a16="http://schemas.microsoft.com/office/drawing/2014/main" id="{C8CCC489-4956-2D32-87EE-D66AE3A8B947}"/>
+              </a:ext>
+            </a:extLst>
+          </p:cNvPr>
+          <p:cNvGrpSpPr/>
+          <p:nvPr/>
+        </p:nvGrpSpPr>
+        <p:grpSpPr>
+          <a:xfrm>
+            <a:off x="4534436" y="2313606"/>
+            <a:ext cx="6779236" cy="2807732"/>
+            <a:chOff x="4637177" y="2406074"/>
+            <a:chExt cx="6779236" cy="2807732"/>
+          </a:xfrm>
+        </p:grpSpPr>
+        <p:pic>
+          <p:nvPicPr>
+            <p:cNvPr id="7" name="Picture 6">
+              <a:extLst>
+                <a:ext uri="{FF2B5EF4-FFF2-40B4-BE49-F238E27FC236}">
+                  <a16:creationId xmlns:a16="http://schemas.microsoft.com/office/drawing/2014/main" id="{8566CABB-B2EC-4DEB-E579-CBA01B878FB4}"/>
+                </a:ext>
+              </a:extLst>
+            </p:cNvPr>
+            <p:cNvPicPr>
+              <a:picLocks noChangeAspect="1"/>
+            </p:cNvPicPr>
+            <p:nvPr/>
+          </p:nvPicPr>
+          <p:blipFill>
+            <a:blip r:embed="rId2"/>
+            <a:stretch>
+              <a:fillRect/>
+            </a:stretch>
+          </p:blipFill>
+          <p:spPr>
+            <a:xfrm>
+              <a:off x="4637177" y="2406074"/>
+              <a:ext cx="6534150" cy="2438400"/>
+            </a:xfrm>
+            <a:prstGeom prst="rect">
+              <a:avLst/>
+            </a:prstGeom>
+          </p:spPr>
+        </p:pic>
+        <p:sp>
+          <p:nvSpPr>
+            <p:cNvPr id="13" name="TextBox 12">
+              <a:extLst>
+                <a:ext uri="{FF2B5EF4-FFF2-40B4-BE49-F238E27FC236}">
+                  <a16:creationId xmlns:a16="http://schemas.microsoft.com/office/drawing/2014/main" id="{61E46C5B-6328-E5DE-38F2-9B86EA0E309A}"/>
+                </a:ext>
+              </a:extLst>
+            </p:cNvPr>
+            <p:cNvSpPr txBox="1"/>
+            <p:nvPr/>
+          </p:nvSpPr>
+          <p:spPr>
+            <a:xfrm>
+              <a:off x="4746661" y="4844474"/>
+              <a:ext cx="1869230" cy="369332"/>
+            </a:xfrm>
+            <a:prstGeom prst="rect">
+              <a:avLst/>
+            </a:prstGeom>
+            <a:noFill/>
+          </p:spPr>
+          <p:txBody>
+            <a:bodyPr wrap="none" rtlCol="0">
+              <a:spAutoFit/>
+            </a:bodyPr>
+            <a:lstStyle/>
+            <a:p>
+              <a:r>
+                <a:rPr lang="en-US" dirty="0"/>
+                <a:t>(a) </a:t>
+              </a:r>
+              <a:r>
+                <a:rPr lang="en-US" dirty="0" err="1"/>
+                <a:t>nMOS</a:t>
+              </a:r>
+              <a:r>
+                <a:rPr lang="en-US" dirty="0"/>
+                <a:t> symbol</a:t>
+              </a:r>
+            </a:p>
+          </p:txBody>
+        </p:sp>
+        <p:sp>
+          <p:nvSpPr>
+            <p:cNvPr id="14" name="TextBox 13">
+              <a:extLst>
+                <a:ext uri="{FF2B5EF4-FFF2-40B4-BE49-F238E27FC236}">
+                  <a16:creationId xmlns:a16="http://schemas.microsoft.com/office/drawing/2014/main" id="{F882F46F-9FCB-3DC5-EEA2-3A4C970CD7E4}"/>
+                </a:ext>
+              </a:extLst>
+            </p:cNvPr>
+            <p:cNvSpPr txBox="1"/>
+            <p:nvPr/>
+          </p:nvSpPr>
+          <p:spPr>
+            <a:xfrm>
+              <a:off x="8126858" y="4844474"/>
+              <a:ext cx="3289555" cy="369332"/>
+            </a:xfrm>
+            <a:prstGeom prst="rect">
+              <a:avLst/>
+            </a:prstGeom>
+            <a:noFill/>
+          </p:spPr>
+          <p:txBody>
+            <a:bodyPr wrap="none" rtlCol="0">
+              <a:spAutoFit/>
+            </a:bodyPr>
+            <a:lstStyle/>
+            <a:p>
+              <a:r>
+                <a:rPr lang="en-US" dirty="0"/>
+                <a:t>(b) Current voltage conventions</a:t>
+              </a:r>
+            </a:p>
+          </p:txBody>
+        </p:sp>
+      </p:grpSp>
+    </p:spTree>
+    <p:extLst>
+      <p:ext uri="{BB962C8B-B14F-4D97-AF65-F5344CB8AC3E}">
+        <p14:creationId xmlns:p14="http://schemas.microsoft.com/office/powerpoint/2010/main" val="3164701159"/>
+      </p:ext>
+    </p:extLst>
+  </p:cSld>
+  <p:clrMapOvr>
+    <a:masterClrMapping/>
+  </p:clrMapOvr>
+</p:sld>
+</file>
+
+<file path=ppt/slides/slide25.xml><?xml version="1.0" encoding="utf-8"?>
+<p:sld xmlns:a="http://schemas.openxmlformats.org/drawingml/2006/main" xmlns:r="http://schemas.openxmlformats.org/officeDocument/2006/relationships" xmlns:p="http://schemas.openxmlformats.org/presentationml/2006/main">
+  <p:cSld>
+    <p:spTree>
+      <p:nvGrpSpPr>
+        <p:cNvPr id="1" name="">
+          <a:extLst>
+            <a:ext uri="{FF2B5EF4-FFF2-40B4-BE49-F238E27FC236}">
+              <a16:creationId xmlns:a16="http://schemas.microsoft.com/office/drawing/2014/main" id="{6AD0B94E-1826-643F-99DC-51FA4BA33585}"/>
+            </a:ext>
+          </a:extLst>
+        </p:cNvPr>
+        <p:cNvGrpSpPr/>
+        <p:nvPr/>
+      </p:nvGrpSpPr>
+      <p:grpSpPr>
+        <a:xfrm>
+          <a:off x="0" y="0"/>
+          <a:ext cx="0" cy="0"/>
+          <a:chOff x="0" y="0"/>
+          <a:chExt cx="0" cy="0"/>
+        </a:xfrm>
+      </p:grpSpPr>
+      <p:sp>
+        <p:nvSpPr>
+          <p:cNvPr id="2" name="TextBox 1">
+            <a:extLst>
+              <a:ext uri="{FF2B5EF4-FFF2-40B4-BE49-F238E27FC236}">
+                <a16:creationId xmlns:a16="http://schemas.microsoft.com/office/drawing/2014/main" id="{8FB84F51-3341-1DCD-48E3-C9E06F21A655}"/>
+              </a:ext>
+            </a:extLst>
+          </p:cNvPr>
+          <p:cNvSpPr txBox="1"/>
+          <p:nvPr/>
+        </p:nvSpPr>
+        <p:spPr>
+          <a:xfrm>
+            <a:off x="171051" y="403939"/>
+            <a:ext cx="5339443" cy="646331"/>
+          </a:xfrm>
+          <a:prstGeom prst="rect">
+            <a:avLst/>
+          </a:prstGeom>
+          <a:noFill/>
+        </p:spPr>
+        <p:txBody>
+          <a:bodyPr wrap="square">
+            <a:spAutoFit/>
+          </a:bodyPr>
+          <a:lstStyle/>
+          <a:p>
+            <a:r>
+              <a:rPr lang="en-US" dirty="0"/>
+              <a:t>![</a:t>
+            </a:r>
+            <a:r>
+              <a:rPr lang="en-US" dirty="0" err="1"/>
+              <a:t>nMOSFET</a:t>
+            </a:r>
+            <a:r>
+              <a:rPr lang="en-US" dirty="0"/>
+              <a:t> (</a:t>
+            </a:r>
+            <a:r>
+              <a:rPr lang="en-US" dirty="0" err="1"/>
+              <a:t>nMOS</a:t>
+            </a:r>
+            <a:r>
+              <a:rPr lang="en-US" dirty="0"/>
+              <a:t>) cross-section view.](figures/fig-semi-dev-</a:t>
+            </a:r>
+            <a:r>
+              <a:rPr lang="en-US" dirty="0" err="1"/>
+              <a:t>mos</a:t>
+            </a:r>
+            <a:r>
+              <a:rPr lang="en-US" dirty="0"/>
+              <a:t>-</a:t>
+            </a:r>
+            <a:r>
+              <a:rPr lang="en-US" dirty="0" err="1"/>
+              <a:t>csec</a:t>
+            </a:r>
+            <a:r>
+              <a:rPr lang="en-US" dirty="0"/>
+              <a:t>){#fig-semi-dev-mos-csec}</a:t>
+            </a:r>
+          </a:p>
+        </p:txBody>
+      </p:sp>
+      <p:sp>
+        <p:nvSpPr>
+          <p:cNvPr id="3" name="TextBox 2">
+            <a:extLst>
+              <a:ext uri="{FF2B5EF4-FFF2-40B4-BE49-F238E27FC236}">
+                <a16:creationId xmlns:a16="http://schemas.microsoft.com/office/drawing/2014/main" id="{6A8B78DF-2675-7B43-72A1-51C113739177}"/>
+              </a:ext>
+            </a:extLst>
+          </p:cNvPr>
+          <p:cNvSpPr txBox="1"/>
+          <p:nvPr/>
+        </p:nvSpPr>
+        <p:spPr>
+          <a:xfrm>
+            <a:off x="244431" y="5761563"/>
+            <a:ext cx="1391728" cy="369332"/>
+          </a:xfrm>
+          <a:prstGeom prst="rect">
+            <a:avLst/>
+          </a:prstGeom>
+          <a:noFill/>
+        </p:spPr>
+        <p:txBody>
+          <a:bodyPr wrap="none" rtlCol="0">
+            <a:spAutoFit/>
+          </a:bodyPr>
+          <a:lstStyle/>
+          <a:p>
+            <a:r>
+              <a:rPr lang="en-US" dirty="0"/>
+              <a:t>R0 04/20/25</a:t>
+            </a:r>
+          </a:p>
+        </p:txBody>
+      </p:sp>
+      <p:sp>
+        <p:nvSpPr>
+          <p:cNvPr id="4" name="TextBox 3">
+            <a:extLst>
+              <a:ext uri="{FF2B5EF4-FFF2-40B4-BE49-F238E27FC236}">
+                <a16:creationId xmlns:a16="http://schemas.microsoft.com/office/drawing/2014/main" id="{D7E12205-83BE-F354-7680-559A79B698C6}"/>
+              </a:ext>
+            </a:extLst>
+          </p:cNvPr>
+          <p:cNvSpPr txBox="1"/>
+          <p:nvPr/>
+        </p:nvSpPr>
+        <p:spPr>
+          <a:xfrm>
+            <a:off x="244431" y="6200278"/>
+            <a:ext cx="2342308" cy="338554"/>
+          </a:xfrm>
+          <a:prstGeom prst="rect">
+            <a:avLst/>
+          </a:prstGeom>
+          <a:noFill/>
+        </p:spPr>
+        <p:txBody>
+          <a:bodyPr wrap="none" rtlCol="0">
+            <a:spAutoFit/>
+          </a:bodyPr>
+          <a:lstStyle/>
+          <a:p>
+            <a:r>
+              <a:rPr lang="en-US" sz="1600" i="1" dirty="0"/>
+              <a:t>Ref: Fig 1-2 p-2 </a:t>
+            </a:r>
+            <a:r>
+              <a:rPr lang="en-US" sz="1600" i="1" dirty="0" err="1"/>
+              <a:t>Uyemera</a:t>
+            </a:r>
+            <a:endParaRPr lang="en-US" sz="1600" i="1" dirty="0"/>
+          </a:p>
+        </p:txBody>
+      </p:sp>
+      <p:grpSp>
+        <p:nvGrpSpPr>
+          <p:cNvPr id="35" name="Group 34">
+            <a:extLst>
+              <a:ext uri="{FF2B5EF4-FFF2-40B4-BE49-F238E27FC236}">
+                <a16:creationId xmlns:a16="http://schemas.microsoft.com/office/drawing/2014/main" id="{F886AAE1-6120-C8E1-143B-161D8C5028D1}"/>
+              </a:ext>
+            </a:extLst>
+          </p:cNvPr>
+          <p:cNvGrpSpPr/>
+          <p:nvPr/>
+        </p:nvGrpSpPr>
+        <p:grpSpPr>
+          <a:xfrm>
+            <a:off x="4830352" y="1811319"/>
+            <a:ext cx="6743700" cy="3950244"/>
+            <a:chOff x="4820078" y="1722307"/>
+            <a:chExt cx="6743700" cy="3950244"/>
+          </a:xfrm>
+        </p:grpSpPr>
+        <p:pic>
+          <p:nvPicPr>
+            <p:cNvPr id="6" name="Picture 5">
+              <a:extLst>
+                <a:ext uri="{FF2B5EF4-FFF2-40B4-BE49-F238E27FC236}">
+                  <a16:creationId xmlns:a16="http://schemas.microsoft.com/office/drawing/2014/main" id="{759D47E6-1055-AF15-E697-EFC6B2A604F1}"/>
+                </a:ext>
+              </a:extLst>
+            </p:cNvPr>
+            <p:cNvPicPr>
+              <a:picLocks noChangeAspect="1"/>
+            </p:cNvPicPr>
+            <p:nvPr/>
+          </p:nvPicPr>
+          <p:blipFill>
+            <a:blip r:embed="rId2"/>
+            <a:stretch>
+              <a:fillRect/>
+            </a:stretch>
+          </p:blipFill>
+          <p:spPr>
+            <a:xfrm>
+              <a:off x="4820078" y="1722307"/>
+              <a:ext cx="6743700" cy="3600450"/>
+            </a:xfrm>
+            <a:prstGeom prst="rect">
+              <a:avLst/>
+            </a:prstGeom>
+          </p:spPr>
+        </p:pic>
+        <p:sp>
+          <p:nvSpPr>
+            <p:cNvPr id="8" name="Rectangle 7">
+              <a:extLst>
+                <a:ext uri="{FF2B5EF4-FFF2-40B4-BE49-F238E27FC236}">
+                  <a16:creationId xmlns:a16="http://schemas.microsoft.com/office/drawing/2014/main" id="{8CB8D689-EA19-2451-EB6D-F0EC334BA809}"/>
+                </a:ext>
+              </a:extLst>
+            </p:cNvPr>
+            <p:cNvSpPr/>
+            <p:nvPr/>
+          </p:nvSpPr>
+          <p:spPr>
+            <a:xfrm>
+              <a:off x="6024081" y="1825049"/>
+              <a:ext cx="1517150" cy="743490"/>
+            </a:xfrm>
+            <a:prstGeom prst="rect">
+              <a:avLst/>
+            </a:prstGeom>
+          </p:spPr>
+          <p:style>
+            <a:lnRef idx="1">
+              <a:schemeClr val="accent1"/>
+            </a:lnRef>
+            <a:fillRef idx="2">
+              <a:schemeClr val="accent1"/>
+            </a:fillRef>
+            <a:effectRef idx="1">
+              <a:schemeClr val="accent1"/>
+            </a:effectRef>
+            <a:fontRef idx="minor">
+              <a:schemeClr val="dk1"/>
+            </a:fontRef>
+          </p:style>
+          <p:txBody>
+            <a:bodyPr rtlCol="0" anchor="ctr"/>
+            <a:lstStyle/>
+            <a:p>
+              <a:pPr algn="ctr"/>
+              <a:r>
+                <a:rPr lang="en-US" b="1" dirty="0"/>
+                <a:t>Metal-1</a:t>
+              </a:r>
+            </a:p>
+          </p:txBody>
+        </p:sp>
+        <p:sp>
+          <p:nvSpPr>
+            <p:cNvPr id="9" name="Rectangle 8">
+              <a:extLst>
+                <a:ext uri="{FF2B5EF4-FFF2-40B4-BE49-F238E27FC236}">
+                  <a16:creationId xmlns:a16="http://schemas.microsoft.com/office/drawing/2014/main" id="{DA6E36CE-FA41-F2FA-9994-2FB4D5CBC773}"/>
+                </a:ext>
+              </a:extLst>
+            </p:cNvPr>
+            <p:cNvSpPr/>
+            <p:nvPr/>
+          </p:nvSpPr>
+          <p:spPr>
+            <a:xfrm>
+              <a:off x="8962490" y="1825049"/>
+              <a:ext cx="1517150" cy="743490"/>
+            </a:xfrm>
+            <a:prstGeom prst="rect">
+              <a:avLst/>
+            </a:prstGeom>
+          </p:spPr>
+          <p:style>
+            <a:lnRef idx="1">
+              <a:schemeClr val="accent1"/>
+            </a:lnRef>
+            <a:fillRef idx="2">
+              <a:schemeClr val="accent1"/>
+            </a:fillRef>
+            <a:effectRef idx="1">
+              <a:schemeClr val="accent1"/>
+            </a:effectRef>
+            <a:fontRef idx="minor">
+              <a:schemeClr val="dk1"/>
+            </a:fontRef>
+          </p:style>
+          <p:txBody>
+            <a:bodyPr rtlCol="0" anchor="ctr"/>
+            <a:lstStyle/>
+            <a:p>
+              <a:pPr algn="ctr"/>
+              <a:r>
+                <a:rPr lang="en-US" dirty="0"/>
+                <a:t>Metal-1</a:t>
+              </a:r>
+            </a:p>
+          </p:txBody>
+        </p:sp>
+        <p:sp>
+          <p:nvSpPr>
+            <p:cNvPr id="12" name="Rectangle 11">
+              <a:extLst>
+                <a:ext uri="{FF2B5EF4-FFF2-40B4-BE49-F238E27FC236}">
+                  <a16:creationId xmlns:a16="http://schemas.microsoft.com/office/drawing/2014/main" id="{08245D65-5BA1-8CE2-8010-580C42079F3B}"/>
+                </a:ext>
+              </a:extLst>
+            </p:cNvPr>
+            <p:cNvSpPr/>
+            <p:nvPr/>
+          </p:nvSpPr>
+          <p:spPr>
+            <a:xfrm>
+              <a:off x="6287784" y="2568538"/>
+              <a:ext cx="1017142" cy="945223"/>
+            </a:xfrm>
+            <a:prstGeom prst="rect">
+              <a:avLst/>
+            </a:prstGeom>
+          </p:spPr>
+          <p:style>
+            <a:lnRef idx="1">
+              <a:schemeClr val="dk1"/>
+            </a:lnRef>
+            <a:fillRef idx="2">
+              <a:schemeClr val="dk1"/>
+            </a:fillRef>
+            <a:effectRef idx="1">
+              <a:schemeClr val="dk1"/>
+            </a:effectRef>
+            <a:fontRef idx="minor">
+              <a:schemeClr val="dk1"/>
+            </a:fontRef>
+          </p:style>
+          <p:txBody>
+            <a:bodyPr rtlCol="0" anchor="ctr"/>
+            <a:lstStyle/>
+            <a:p>
+              <a:pPr algn="ctr"/>
+              <a:r>
+                <a:rPr lang="en-US" sz="1600" b="1" dirty="0"/>
+                <a:t>Contact</a:t>
+              </a:r>
+            </a:p>
+          </p:txBody>
+        </p:sp>
+        <p:sp>
+          <p:nvSpPr>
+            <p:cNvPr id="16" name="Rectangle 15">
+              <a:extLst>
+                <a:ext uri="{FF2B5EF4-FFF2-40B4-BE49-F238E27FC236}">
+                  <a16:creationId xmlns:a16="http://schemas.microsoft.com/office/drawing/2014/main" id="{A18FDDF0-7AA7-710F-DF30-E821304CF1F0}"/>
+                </a:ext>
+              </a:extLst>
+            </p:cNvPr>
+            <p:cNvSpPr/>
+            <p:nvPr/>
+          </p:nvSpPr>
+          <p:spPr>
+            <a:xfrm>
+              <a:off x="9212494" y="2568538"/>
+              <a:ext cx="1017142" cy="945223"/>
+            </a:xfrm>
+            <a:prstGeom prst="rect">
+              <a:avLst/>
+            </a:prstGeom>
+          </p:spPr>
+          <p:style>
+            <a:lnRef idx="1">
+              <a:schemeClr val="dk1"/>
+            </a:lnRef>
+            <a:fillRef idx="2">
+              <a:schemeClr val="dk1"/>
+            </a:fillRef>
+            <a:effectRef idx="1">
+              <a:schemeClr val="dk1"/>
+            </a:effectRef>
+            <a:fontRef idx="minor">
+              <a:schemeClr val="dk1"/>
+            </a:fontRef>
+          </p:style>
+          <p:txBody>
+            <a:bodyPr rtlCol="0" anchor="ctr"/>
+            <a:lstStyle/>
+            <a:p>
+              <a:pPr algn="ctr"/>
+              <a:r>
+                <a:rPr lang="en-US" sz="1600" b="1" dirty="0"/>
+                <a:t>Contact</a:t>
+              </a:r>
+            </a:p>
+          </p:txBody>
+        </p:sp>
+        <p:cxnSp>
+          <p:nvCxnSpPr>
+            <p:cNvPr id="18" name="Straight Connector 17">
+              <a:extLst>
+                <a:ext uri="{FF2B5EF4-FFF2-40B4-BE49-F238E27FC236}">
+                  <a16:creationId xmlns:a16="http://schemas.microsoft.com/office/drawing/2014/main" id="{F2DA29B8-1D70-EFA9-5E75-9D13C90838D0}"/>
+                </a:ext>
+              </a:extLst>
+            </p:cNvPr>
+            <p:cNvCxnSpPr>
+              <a:cxnSpLocks/>
+            </p:cNvCxnSpPr>
+            <p:nvPr/>
+          </p:nvCxnSpPr>
+          <p:spPr>
+            <a:xfrm>
+              <a:off x="8191928" y="5374127"/>
+              <a:ext cx="438364" cy="0"/>
+            </a:xfrm>
+            <a:prstGeom prst="line">
+              <a:avLst/>
+            </a:prstGeom>
+            <a:ln w="38100">
+              <a:solidFill>
+                <a:schemeClr val="tx1"/>
+              </a:solidFill>
+            </a:ln>
+          </p:spPr>
+          <p:style>
+            <a:lnRef idx="2">
+              <a:schemeClr val="accent1"/>
+            </a:lnRef>
+            <a:fillRef idx="0">
+              <a:schemeClr val="accent1"/>
+            </a:fillRef>
+            <a:effectRef idx="1">
+              <a:schemeClr val="accent1"/>
+            </a:effectRef>
+            <a:fontRef idx="minor">
+              <a:schemeClr val="tx1"/>
+            </a:fontRef>
+          </p:style>
+        </p:cxnSp>
+        <p:cxnSp>
+          <p:nvCxnSpPr>
+            <p:cNvPr id="21" name="Straight Connector 20">
+              <a:extLst>
+                <a:ext uri="{FF2B5EF4-FFF2-40B4-BE49-F238E27FC236}">
+                  <a16:creationId xmlns:a16="http://schemas.microsoft.com/office/drawing/2014/main" id="{4594BAD5-3D13-BEDE-42FC-7F8604402EDE}"/>
+                </a:ext>
+              </a:extLst>
+            </p:cNvPr>
+            <p:cNvCxnSpPr>
+              <a:cxnSpLocks/>
+            </p:cNvCxnSpPr>
+            <p:nvPr/>
+          </p:nvCxnSpPr>
+          <p:spPr>
+            <a:xfrm>
+              <a:off x="8278402" y="5487885"/>
+              <a:ext cx="261991" cy="0"/>
+            </a:xfrm>
+            <a:prstGeom prst="line">
+              <a:avLst/>
+            </a:prstGeom>
+            <a:ln w="38100">
+              <a:solidFill>
+                <a:schemeClr val="tx1"/>
+              </a:solidFill>
+            </a:ln>
+          </p:spPr>
+          <p:style>
+            <a:lnRef idx="2">
+              <a:schemeClr val="accent1"/>
+            </a:lnRef>
+            <a:fillRef idx="0">
+              <a:schemeClr val="accent1"/>
+            </a:fillRef>
+            <a:effectRef idx="1">
+              <a:schemeClr val="accent1"/>
+            </a:effectRef>
+            <a:fontRef idx="minor">
+              <a:schemeClr val="tx1"/>
+            </a:fontRef>
+          </p:style>
+        </p:cxnSp>
+        <p:cxnSp>
+          <p:nvCxnSpPr>
+            <p:cNvPr id="23" name="Straight Connector 22">
+              <a:extLst>
+                <a:ext uri="{FF2B5EF4-FFF2-40B4-BE49-F238E27FC236}">
+                  <a16:creationId xmlns:a16="http://schemas.microsoft.com/office/drawing/2014/main" id="{379AFDE2-6FD3-A112-4813-0916D0C36AC2}"/>
+                </a:ext>
+              </a:extLst>
+            </p:cNvPr>
+            <p:cNvCxnSpPr>
+              <a:cxnSpLocks/>
+            </p:cNvCxnSpPr>
+            <p:nvPr/>
+          </p:nvCxnSpPr>
+          <p:spPr>
+            <a:xfrm>
+              <a:off x="8332341" y="5611175"/>
+              <a:ext cx="154112" cy="0"/>
+            </a:xfrm>
+            <a:prstGeom prst="line">
+              <a:avLst/>
+            </a:prstGeom>
+            <a:ln w="38100">
+              <a:solidFill>
+                <a:schemeClr val="tx1"/>
+              </a:solidFill>
+            </a:ln>
+          </p:spPr>
+          <p:style>
+            <a:lnRef idx="2">
+              <a:schemeClr val="accent1"/>
+            </a:lnRef>
+            <a:fillRef idx="0">
+              <a:schemeClr val="accent1"/>
+            </a:fillRef>
+            <a:effectRef idx="1">
+              <a:schemeClr val="accent1"/>
+            </a:effectRef>
+            <a:fontRef idx="minor">
+              <a:schemeClr val="tx1"/>
+            </a:fontRef>
+          </p:style>
+        </p:cxnSp>
+        <p:cxnSp>
+          <p:nvCxnSpPr>
+            <p:cNvPr id="29" name="Straight Connector 28">
+              <a:extLst>
+                <a:ext uri="{FF2B5EF4-FFF2-40B4-BE49-F238E27FC236}">
+                  <a16:creationId xmlns:a16="http://schemas.microsoft.com/office/drawing/2014/main" id="{AE300DCE-38B3-B1C3-F570-CACC21BCDFB5}"/>
+                </a:ext>
+              </a:extLst>
+            </p:cNvPr>
+            <p:cNvCxnSpPr>
+              <a:cxnSpLocks/>
+            </p:cNvCxnSpPr>
+            <p:nvPr/>
+          </p:nvCxnSpPr>
+          <p:spPr>
+            <a:xfrm flipV="1">
+              <a:off x="8426066" y="5269356"/>
+              <a:ext cx="0" cy="106802"/>
+            </a:xfrm>
+            <a:prstGeom prst="line">
+              <a:avLst/>
+            </a:prstGeom>
+            <a:ln w="38100">
+              <a:solidFill>
+                <a:schemeClr val="tx1"/>
+              </a:solidFill>
+            </a:ln>
+          </p:spPr>
+          <p:style>
+            <a:lnRef idx="2">
+              <a:schemeClr val="accent1"/>
+            </a:lnRef>
+            <a:fillRef idx="0">
+              <a:schemeClr val="accent1"/>
+            </a:fillRef>
+            <a:effectRef idx="1">
+              <a:schemeClr val="accent1"/>
+            </a:effectRef>
+            <a:fontRef idx="minor">
+              <a:schemeClr val="tx1"/>
+            </a:fontRef>
+          </p:style>
+        </p:cxnSp>
+        <p:sp>
+          <p:nvSpPr>
+            <p:cNvPr id="34" name="TextBox 33">
+              <a:extLst>
+                <a:ext uri="{FF2B5EF4-FFF2-40B4-BE49-F238E27FC236}">
+                  <a16:creationId xmlns:a16="http://schemas.microsoft.com/office/drawing/2014/main" id="{AB39362D-A467-9A6F-761F-115FD3267EAC}"/>
+                </a:ext>
+              </a:extLst>
+            </p:cNvPr>
+            <p:cNvSpPr txBox="1"/>
+            <p:nvPr/>
+          </p:nvSpPr>
+          <p:spPr>
+            <a:xfrm>
+              <a:off x="8660205" y="5303219"/>
+              <a:ext cx="2811604" cy="369332"/>
+            </a:xfrm>
+            <a:prstGeom prst="rect">
+              <a:avLst/>
+            </a:prstGeom>
+            <a:noFill/>
+          </p:spPr>
+          <p:txBody>
+            <a:bodyPr wrap="none" rtlCol="0">
+              <a:spAutoFit/>
+            </a:bodyPr>
+            <a:lstStyle/>
+            <a:p>
+              <a:r>
+                <a:rPr lang="en-US" dirty="0"/>
+                <a:t>Bulk/substrate connection</a:t>
+              </a:r>
+            </a:p>
+          </p:txBody>
+        </p:sp>
+      </p:grpSp>
+    </p:spTree>
+    <p:extLst>
+      <p:ext uri="{BB962C8B-B14F-4D97-AF65-F5344CB8AC3E}">
+        <p14:creationId xmlns:p14="http://schemas.microsoft.com/office/powerpoint/2010/main" val="2922596714"/>
+      </p:ext>
+    </p:extLst>
+  </p:cSld>
+  <p:clrMapOvr>
+    <a:masterClrMapping/>
+  </p:clrMapOvr>
+</p:sld>
+</file>
+
+<file path=ppt/slides/slide26.xml><?xml version="1.0" encoding="utf-8"?>
+<p:sld xmlns:a="http://schemas.openxmlformats.org/drawingml/2006/main" xmlns:r="http://schemas.openxmlformats.org/officeDocument/2006/relationships" xmlns:p="http://schemas.openxmlformats.org/presentationml/2006/main">
+  <p:cSld>
+    <p:spTree>
+      <p:nvGrpSpPr>
         <p:cNvPr id="1" name=""/>
         <p:cNvGrpSpPr/>
         <p:nvPr/>
@@ -7455,7 +8477,7 @@
 </p:sld>
 </file>
 
-<file path=ppt/slides/slide24.xml><?xml version="1.0" encoding="utf-8"?>
+<file path=ppt/slides/slide27.xml><?xml version="1.0" encoding="utf-8"?>
 <p:sld xmlns:a="http://schemas.openxmlformats.org/drawingml/2006/main" xmlns:r="http://schemas.openxmlformats.org/officeDocument/2006/relationships" xmlns:p="http://schemas.openxmlformats.org/presentationml/2006/main">
   <p:cSld>
     <p:spTree>
@@ -8605,7 +9627,7 @@
 </p:sld>
 </file>
 
-<file path=ppt/slides/slide25.xml><?xml version="1.0" encoding="utf-8"?>
+<file path=ppt/slides/slide28.xml><?xml version="1.0" encoding="utf-8"?>
 <p:sld xmlns:a="http://schemas.openxmlformats.org/drawingml/2006/main" xmlns:r="http://schemas.openxmlformats.org/officeDocument/2006/relationships" xmlns:p="http://schemas.openxmlformats.org/presentationml/2006/main">
   <p:cSld>
     <p:spTree>
@@ -10002,7 +11024,7 @@
 </p:sld>
 </file>
 
-<file path=ppt/slides/slide26.xml><?xml version="1.0" encoding="utf-8"?>
+<file path=ppt/slides/slide29.xml><?xml version="1.0" encoding="utf-8"?>
 <p:sld xmlns:a="http://schemas.openxmlformats.org/drawingml/2006/main" xmlns:r="http://schemas.openxmlformats.org/officeDocument/2006/relationships" xmlns:p="http://schemas.openxmlformats.org/presentationml/2006/main">
   <p:cSld>
     <p:spTree>
@@ -13105,7 +14127,3332 @@
 </p:sld>
 </file>
 
-<file path=ppt/slides/slide27.xml><?xml version="1.0" encoding="utf-8"?>
+<file path=ppt/slides/slide3.xml><?xml version="1.0" encoding="utf-8"?>
+<p:sld xmlns:a="http://schemas.openxmlformats.org/drawingml/2006/main" xmlns:r="http://schemas.openxmlformats.org/officeDocument/2006/relationships" xmlns:p="http://schemas.openxmlformats.org/presentationml/2006/main">
+  <p:cSld>
+    <p:spTree>
+      <p:nvGrpSpPr>
+        <p:cNvPr id="1" name=""/>
+        <p:cNvGrpSpPr/>
+        <p:nvPr/>
+      </p:nvGrpSpPr>
+      <p:grpSpPr>
+        <a:xfrm>
+          <a:off x="0" y="0"/>
+          <a:ext cx="0" cy="0"/>
+          <a:chOff x="0" y="0"/>
+          <a:chExt cx="0" cy="0"/>
+        </a:xfrm>
+      </p:grpSpPr>
+      <p:grpSp>
+        <p:nvGrpSpPr>
+          <p:cNvPr id="128" name="Group 127">
+            <a:extLst>
+              <a:ext uri="{FF2B5EF4-FFF2-40B4-BE49-F238E27FC236}">
+                <a16:creationId xmlns:a16="http://schemas.microsoft.com/office/drawing/2014/main" id="{6AD0D0A2-E67D-4056-08A9-42909DA4813D}"/>
+              </a:ext>
+            </a:extLst>
+          </p:cNvPr>
+          <p:cNvGrpSpPr/>
+          <p:nvPr/>
+        </p:nvGrpSpPr>
+        <p:grpSpPr>
+          <a:xfrm>
+            <a:off x="4747709" y="423599"/>
+            <a:ext cx="6355962" cy="6010802"/>
+            <a:chOff x="1517474" y="478226"/>
+            <a:chExt cx="6355962" cy="6010802"/>
+          </a:xfrm>
+        </p:grpSpPr>
+        <p:grpSp>
+          <p:nvGrpSpPr>
+            <p:cNvPr id="127" name="Group 126">
+              <a:extLst>
+                <a:ext uri="{FF2B5EF4-FFF2-40B4-BE49-F238E27FC236}">
+                  <a16:creationId xmlns:a16="http://schemas.microsoft.com/office/drawing/2014/main" id="{8C5B5AE0-AE27-ECD6-F3DC-52B8C394E04C}"/>
+                </a:ext>
+              </a:extLst>
+            </p:cNvPr>
+            <p:cNvGrpSpPr/>
+            <p:nvPr/>
+          </p:nvGrpSpPr>
+          <p:grpSpPr>
+            <a:xfrm>
+              <a:off x="1517474" y="3484193"/>
+              <a:ext cx="4093709" cy="3004835"/>
+              <a:chOff x="1517474" y="3484193"/>
+              <a:chExt cx="4093709" cy="3004835"/>
+            </a:xfrm>
+          </p:grpSpPr>
+          <p:pic>
+            <p:nvPicPr>
+              <p:cNvPr id="3" name="Picture 2">
+                <a:extLst>
+                  <a:ext uri="{FF2B5EF4-FFF2-40B4-BE49-F238E27FC236}">
+                    <a16:creationId xmlns:a16="http://schemas.microsoft.com/office/drawing/2014/main" id="{EB62401B-4828-784B-0D7E-AE9ACDEB5033}"/>
+                  </a:ext>
+                </a:extLst>
+              </p:cNvPr>
+              <p:cNvPicPr>
+                <a:picLocks noChangeAspect="1"/>
+              </p:cNvPicPr>
+              <p:nvPr/>
+            </p:nvPicPr>
+            <p:blipFill>
+              <a:blip r:embed="rId2"/>
+              <a:stretch>
+                <a:fillRect/>
+              </a:stretch>
+            </p:blipFill>
+            <p:spPr>
+              <a:xfrm>
+                <a:off x="1835220" y="3484193"/>
+                <a:ext cx="3735122" cy="2147317"/>
+              </a:xfrm>
+              <a:prstGeom prst="rect">
+                <a:avLst/>
+              </a:prstGeom>
+            </p:spPr>
+          </p:pic>
+          <p:cxnSp>
+            <p:nvCxnSpPr>
+              <p:cNvPr id="5" name="Straight Arrow Connector 4">
+                <a:extLst>
+                  <a:ext uri="{FF2B5EF4-FFF2-40B4-BE49-F238E27FC236}">
+                    <a16:creationId xmlns:a16="http://schemas.microsoft.com/office/drawing/2014/main" id="{DF457D99-9AF5-7300-5E4F-CD83C02F4947}"/>
+                  </a:ext>
+                </a:extLst>
+              </p:cNvPr>
+              <p:cNvCxnSpPr>
+                <a:cxnSpLocks/>
+              </p:cNvCxnSpPr>
+              <p:nvPr/>
+            </p:nvCxnSpPr>
+            <p:spPr>
+              <a:xfrm>
+                <a:off x="2031559" y="5961563"/>
+                <a:ext cx="3579624" cy="0"/>
+              </a:xfrm>
+              <a:prstGeom prst="straightConnector1">
+                <a:avLst/>
+              </a:prstGeom>
+              <a:ln>
+                <a:tailEnd type="triangle"/>
+              </a:ln>
+            </p:spPr>
+            <p:style>
+              <a:lnRef idx="2">
+                <a:schemeClr val="dk1"/>
+              </a:lnRef>
+              <a:fillRef idx="0">
+                <a:schemeClr val="dk1"/>
+              </a:fillRef>
+              <a:effectRef idx="1">
+                <a:schemeClr val="dk1"/>
+              </a:effectRef>
+              <a:fontRef idx="minor">
+                <a:schemeClr val="tx1"/>
+              </a:fontRef>
+            </p:style>
+          </p:cxnSp>
+          <p:sp>
+            <p:nvSpPr>
+              <p:cNvPr id="7" name="TextBox 6">
+                <a:extLst>
+                  <a:ext uri="{FF2B5EF4-FFF2-40B4-BE49-F238E27FC236}">
+                    <a16:creationId xmlns:a16="http://schemas.microsoft.com/office/drawing/2014/main" id="{3F82C24C-C7BD-FFCD-8FC7-50FB8985CB2B}"/>
+                  </a:ext>
+                </a:extLst>
+              </p:cNvPr>
+              <p:cNvSpPr txBox="1"/>
+              <p:nvPr/>
+            </p:nvSpPr>
+            <p:spPr>
+              <a:xfrm>
+                <a:off x="2031559" y="5965808"/>
+                <a:ext cx="923577" cy="523220"/>
+              </a:xfrm>
+              <a:prstGeom prst="rect">
+                <a:avLst/>
+              </a:prstGeom>
+              <a:noFill/>
+            </p:spPr>
+            <p:txBody>
+              <a:bodyPr wrap="square" rtlCol="0">
+                <a:spAutoFit/>
+              </a:bodyPr>
+              <a:lstStyle/>
+              <a:p>
+                <a:r>
+                  <a:rPr lang="en-US" sz="1400" dirty="0"/>
+                  <a:t>Isolated Si atoms</a:t>
+                </a:r>
+              </a:p>
+            </p:txBody>
+          </p:sp>
+          <p:sp>
+            <p:nvSpPr>
+              <p:cNvPr id="8" name="TextBox 7">
+                <a:extLst>
+                  <a:ext uri="{FF2B5EF4-FFF2-40B4-BE49-F238E27FC236}">
+                    <a16:creationId xmlns:a16="http://schemas.microsoft.com/office/drawing/2014/main" id="{90569606-88B8-6362-A363-5F5049A94795}"/>
+                  </a:ext>
+                </a:extLst>
+              </p:cNvPr>
+              <p:cNvSpPr txBox="1"/>
+              <p:nvPr/>
+            </p:nvSpPr>
+            <p:spPr>
+              <a:xfrm>
+                <a:off x="2983444" y="5704198"/>
+                <a:ext cx="1704162" cy="523220"/>
+              </a:xfrm>
+              <a:prstGeom prst="rect">
+                <a:avLst/>
+              </a:prstGeom>
+              <a:noFill/>
+            </p:spPr>
+            <p:txBody>
+              <a:bodyPr wrap="square" rtlCol="0">
+                <a:spAutoFit/>
+              </a:bodyPr>
+              <a:lstStyle/>
+              <a:p>
+                <a:r>
+                  <a:rPr lang="en-US" sz="1400" dirty="0"/>
+                  <a:t>decreasing </a:t>
+                </a:r>
+              </a:p>
+              <a:p>
+                <a:r>
+                  <a:rPr lang="en-US" sz="1400" dirty="0"/>
+                  <a:t>atom spacing</a:t>
+                </a:r>
+              </a:p>
+            </p:txBody>
+          </p:sp>
+          <p:sp>
+            <p:nvSpPr>
+              <p:cNvPr id="9" name="TextBox 8">
+                <a:extLst>
+                  <a:ext uri="{FF2B5EF4-FFF2-40B4-BE49-F238E27FC236}">
+                    <a16:creationId xmlns:a16="http://schemas.microsoft.com/office/drawing/2014/main" id="{BBE3D9BC-0190-BBBA-8169-5AF915B59D25}"/>
+                  </a:ext>
+                </a:extLst>
+              </p:cNvPr>
+              <p:cNvSpPr txBox="1"/>
+              <p:nvPr/>
+            </p:nvSpPr>
+            <p:spPr>
+              <a:xfrm>
+                <a:off x="4687606" y="5965808"/>
+                <a:ext cx="923577" cy="523220"/>
+              </a:xfrm>
+              <a:prstGeom prst="rect">
+                <a:avLst/>
+              </a:prstGeom>
+              <a:noFill/>
+            </p:spPr>
+            <p:txBody>
+              <a:bodyPr wrap="square" rtlCol="0">
+                <a:spAutoFit/>
+              </a:bodyPr>
+              <a:lstStyle/>
+              <a:p>
+                <a:r>
+                  <a:rPr lang="en-US" sz="1400" dirty="0"/>
+                  <a:t>Si lattice spacing</a:t>
+                </a:r>
+              </a:p>
+            </p:txBody>
+          </p:sp>
+          <p:cxnSp>
+            <p:nvCxnSpPr>
+              <p:cNvPr id="11" name="Straight Arrow Connector 10">
+                <a:extLst>
+                  <a:ext uri="{FF2B5EF4-FFF2-40B4-BE49-F238E27FC236}">
+                    <a16:creationId xmlns:a16="http://schemas.microsoft.com/office/drawing/2014/main" id="{A53968FE-EE89-08B3-1D31-4BB4BD44B316}"/>
+                  </a:ext>
+                </a:extLst>
+              </p:cNvPr>
+              <p:cNvCxnSpPr/>
+              <p:nvPr/>
+            </p:nvCxnSpPr>
+            <p:spPr>
+              <a:xfrm flipV="1">
+                <a:off x="1825251" y="4222420"/>
+                <a:ext cx="0" cy="1604889"/>
+              </a:xfrm>
+              <a:prstGeom prst="straightConnector1">
+                <a:avLst/>
+              </a:prstGeom>
+              <a:ln>
+                <a:tailEnd type="triangle"/>
+              </a:ln>
+            </p:spPr>
+            <p:style>
+              <a:lnRef idx="2">
+                <a:schemeClr val="dk1"/>
+              </a:lnRef>
+              <a:fillRef idx="0">
+                <a:schemeClr val="dk1"/>
+              </a:fillRef>
+              <a:effectRef idx="1">
+                <a:schemeClr val="dk1"/>
+              </a:effectRef>
+              <a:fontRef idx="minor">
+                <a:schemeClr val="tx1"/>
+              </a:fontRef>
+            </p:style>
+          </p:cxnSp>
+          <p:sp>
+            <p:nvSpPr>
+              <p:cNvPr id="12" name="TextBox 11">
+                <a:extLst>
+                  <a:ext uri="{FF2B5EF4-FFF2-40B4-BE49-F238E27FC236}">
+                    <a16:creationId xmlns:a16="http://schemas.microsoft.com/office/drawing/2014/main" id="{0E58B66F-6762-A9BD-293A-8B5C238AC0C4}"/>
+                  </a:ext>
+                </a:extLst>
+              </p:cNvPr>
+              <p:cNvSpPr txBox="1"/>
+              <p:nvPr/>
+            </p:nvSpPr>
+            <p:spPr>
+              <a:xfrm rot="16200000">
+                <a:off x="819282" y="4821339"/>
+                <a:ext cx="1704162" cy="307777"/>
+              </a:xfrm>
+              <a:prstGeom prst="rect">
+                <a:avLst/>
+              </a:prstGeom>
+              <a:noFill/>
+            </p:spPr>
+            <p:txBody>
+              <a:bodyPr wrap="square" rtlCol="0">
+                <a:spAutoFit/>
+              </a:bodyPr>
+              <a:lstStyle/>
+              <a:p>
+                <a:r>
+                  <a:rPr lang="en-US" sz="1400" dirty="0"/>
+                  <a:t>Electron energy</a:t>
+                </a:r>
+              </a:p>
+            </p:txBody>
+          </p:sp>
+          <p:cxnSp>
+            <p:nvCxnSpPr>
+              <p:cNvPr id="14" name="Straight Connector 13">
+                <a:extLst>
+                  <a:ext uri="{FF2B5EF4-FFF2-40B4-BE49-F238E27FC236}">
+                    <a16:creationId xmlns:a16="http://schemas.microsoft.com/office/drawing/2014/main" id="{FEE86C1C-273D-AB81-043F-342C408CA654}"/>
+                  </a:ext>
+                </a:extLst>
+              </p:cNvPr>
+              <p:cNvCxnSpPr>
+                <a:cxnSpLocks/>
+              </p:cNvCxnSpPr>
+              <p:nvPr/>
+            </p:nvCxnSpPr>
+            <p:spPr>
+              <a:xfrm flipV="1">
+                <a:off x="2441576" y="4208312"/>
+                <a:ext cx="0" cy="1846762"/>
+              </a:xfrm>
+              <a:prstGeom prst="line">
+                <a:avLst/>
+              </a:prstGeom>
+            </p:spPr>
+            <p:style>
+              <a:lnRef idx="2">
+                <a:schemeClr val="dk1"/>
+              </a:lnRef>
+              <a:fillRef idx="0">
+                <a:schemeClr val="dk1"/>
+              </a:fillRef>
+              <a:effectRef idx="1">
+                <a:schemeClr val="dk1"/>
+              </a:effectRef>
+              <a:fontRef idx="minor">
+                <a:schemeClr val="tx1"/>
+              </a:fontRef>
+            </p:style>
+          </p:cxnSp>
+        </p:grpSp>
+        <p:grpSp>
+          <p:nvGrpSpPr>
+            <p:cNvPr id="122" name="Group 121">
+              <a:extLst>
+                <a:ext uri="{FF2B5EF4-FFF2-40B4-BE49-F238E27FC236}">
+                  <a16:creationId xmlns:a16="http://schemas.microsoft.com/office/drawing/2014/main" id="{9AD5EC65-E5C8-31E8-FD27-D574816AFC70}"/>
+                </a:ext>
+              </a:extLst>
+            </p:cNvPr>
+            <p:cNvGrpSpPr/>
+            <p:nvPr/>
+          </p:nvGrpSpPr>
+          <p:grpSpPr>
+            <a:xfrm>
+              <a:off x="5947198" y="3651093"/>
+              <a:ext cx="1926238" cy="2310470"/>
+              <a:chOff x="8061378" y="923260"/>
+              <a:chExt cx="1926238" cy="2310470"/>
+            </a:xfrm>
+          </p:grpSpPr>
+          <p:sp>
+            <p:nvSpPr>
+              <p:cNvPr id="81" name="TextBox 80">
+                <a:extLst>
+                  <a:ext uri="{FF2B5EF4-FFF2-40B4-BE49-F238E27FC236}">
+                    <a16:creationId xmlns:a16="http://schemas.microsoft.com/office/drawing/2014/main" id="{08F803B8-7166-7420-83A3-7A19A3AAA12A}"/>
+                  </a:ext>
+                </a:extLst>
+              </p:cNvPr>
+              <p:cNvSpPr txBox="1"/>
+              <p:nvPr/>
+            </p:nvSpPr>
+            <p:spPr>
+              <a:xfrm rot="16200000">
+                <a:off x="7363186" y="1850718"/>
+                <a:ext cx="1704162" cy="307777"/>
+              </a:xfrm>
+              <a:prstGeom prst="rect">
+                <a:avLst/>
+              </a:prstGeom>
+              <a:noFill/>
+            </p:spPr>
+            <p:txBody>
+              <a:bodyPr wrap="square" rtlCol="0">
+                <a:spAutoFit/>
+              </a:bodyPr>
+              <a:lstStyle/>
+              <a:p>
+                <a:r>
+                  <a:rPr lang="en-US" sz="1400" dirty="0"/>
+                  <a:t>Electron energy</a:t>
+                </a:r>
+              </a:p>
+            </p:txBody>
+          </p:sp>
+          <p:sp>
+            <p:nvSpPr>
+              <p:cNvPr id="82" name="TextBox 81">
+                <a:extLst>
+                  <a:ext uri="{FF2B5EF4-FFF2-40B4-BE49-F238E27FC236}">
+                    <a16:creationId xmlns:a16="http://schemas.microsoft.com/office/drawing/2014/main" id="{B8CE9C50-5F8F-D2BF-4C47-B089EF8E3E52}"/>
+                  </a:ext>
+                </a:extLst>
+              </p:cNvPr>
+              <p:cNvSpPr txBox="1"/>
+              <p:nvPr/>
+            </p:nvSpPr>
+            <p:spPr>
+              <a:xfrm>
+                <a:off x="8160668" y="923260"/>
+                <a:ext cx="312906" cy="369332"/>
+              </a:xfrm>
+              <a:prstGeom prst="rect">
+                <a:avLst/>
+              </a:prstGeom>
+              <a:noFill/>
+            </p:spPr>
+            <p:txBody>
+              <a:bodyPr wrap="none" rtlCol="0">
+                <a:spAutoFit/>
+              </a:bodyPr>
+              <a:lstStyle/>
+              <a:p>
+                <a:r>
+                  <a:rPr lang="en-US" dirty="0"/>
+                  <a:t>E</a:t>
+                </a:r>
+              </a:p>
+            </p:txBody>
+          </p:sp>
+          <p:cxnSp>
+            <p:nvCxnSpPr>
+              <p:cNvPr id="83" name="Straight Arrow Connector 82">
+                <a:extLst>
+                  <a:ext uri="{FF2B5EF4-FFF2-40B4-BE49-F238E27FC236}">
+                    <a16:creationId xmlns:a16="http://schemas.microsoft.com/office/drawing/2014/main" id="{E4DB9E99-DE8D-B149-F382-1B30DDE5CC2D}"/>
+                  </a:ext>
+                </a:extLst>
+              </p:cNvPr>
+              <p:cNvCxnSpPr/>
+              <p:nvPr/>
+            </p:nvCxnSpPr>
+            <p:spPr>
+              <a:xfrm flipV="1">
+                <a:off x="8369156" y="1251798"/>
+                <a:ext cx="0" cy="1604889"/>
+              </a:xfrm>
+              <a:prstGeom prst="straightConnector1">
+                <a:avLst/>
+              </a:prstGeom>
+              <a:ln>
+                <a:tailEnd type="triangle"/>
+              </a:ln>
+            </p:spPr>
+            <p:style>
+              <a:lnRef idx="2">
+                <a:schemeClr val="dk1"/>
+              </a:lnRef>
+              <a:fillRef idx="0">
+                <a:schemeClr val="dk1"/>
+              </a:fillRef>
+              <a:effectRef idx="1">
+                <a:schemeClr val="dk1"/>
+              </a:effectRef>
+              <a:fontRef idx="minor">
+                <a:schemeClr val="tx1"/>
+              </a:fontRef>
+            </p:style>
+          </p:cxnSp>
+          <p:cxnSp>
+            <p:nvCxnSpPr>
+              <p:cNvPr id="84" name="Straight Connector 83">
+                <a:extLst>
+                  <a:ext uri="{FF2B5EF4-FFF2-40B4-BE49-F238E27FC236}">
+                    <a16:creationId xmlns:a16="http://schemas.microsoft.com/office/drawing/2014/main" id="{ACF8EA36-5197-EBCC-DB32-9A2AC2BA5DAC}"/>
+                  </a:ext>
+                </a:extLst>
+              </p:cNvPr>
+              <p:cNvCxnSpPr>
+                <a:cxnSpLocks/>
+              </p:cNvCxnSpPr>
+              <p:nvPr/>
+            </p:nvCxnSpPr>
+            <p:spPr>
+              <a:xfrm>
+                <a:off x="8701088" y="1231900"/>
+                <a:ext cx="893762" cy="0"/>
+              </a:xfrm>
+              <a:prstGeom prst="line">
+                <a:avLst/>
+              </a:prstGeom>
+            </p:spPr>
+            <p:style>
+              <a:lnRef idx="2">
+                <a:schemeClr val="dk1"/>
+              </a:lnRef>
+              <a:fillRef idx="0">
+                <a:schemeClr val="dk1"/>
+              </a:fillRef>
+              <a:effectRef idx="1">
+                <a:schemeClr val="dk1"/>
+              </a:effectRef>
+              <a:fontRef idx="minor">
+                <a:schemeClr val="tx1"/>
+              </a:fontRef>
+            </p:style>
+          </p:cxnSp>
+          <p:cxnSp>
+            <p:nvCxnSpPr>
+              <p:cNvPr id="85" name="Straight Connector 84">
+                <a:extLst>
+                  <a:ext uri="{FF2B5EF4-FFF2-40B4-BE49-F238E27FC236}">
+                    <a16:creationId xmlns:a16="http://schemas.microsoft.com/office/drawing/2014/main" id="{29B14F6B-AE48-DA2D-E4F7-C1C032450C74}"/>
+                  </a:ext>
+                </a:extLst>
+              </p:cNvPr>
+              <p:cNvCxnSpPr>
+                <a:cxnSpLocks/>
+              </p:cNvCxnSpPr>
+              <p:nvPr/>
+            </p:nvCxnSpPr>
+            <p:spPr>
+              <a:xfrm>
+                <a:off x="8701088" y="1747335"/>
+                <a:ext cx="893762" cy="0"/>
+              </a:xfrm>
+              <a:prstGeom prst="line">
+                <a:avLst/>
+              </a:prstGeom>
+            </p:spPr>
+            <p:style>
+              <a:lnRef idx="2">
+                <a:schemeClr val="dk1"/>
+              </a:lnRef>
+              <a:fillRef idx="0">
+                <a:schemeClr val="dk1"/>
+              </a:fillRef>
+              <a:effectRef idx="1">
+                <a:schemeClr val="dk1"/>
+              </a:effectRef>
+              <a:fontRef idx="minor">
+                <a:schemeClr val="tx1"/>
+              </a:fontRef>
+            </p:style>
+          </p:cxnSp>
+          <p:cxnSp>
+            <p:nvCxnSpPr>
+              <p:cNvPr id="86" name="Straight Connector 85">
+                <a:extLst>
+                  <a:ext uri="{FF2B5EF4-FFF2-40B4-BE49-F238E27FC236}">
+                    <a16:creationId xmlns:a16="http://schemas.microsoft.com/office/drawing/2014/main" id="{B6CB3A88-B0B4-4225-2189-7C982A0B3D55}"/>
+                  </a:ext>
+                </a:extLst>
+              </p:cNvPr>
+              <p:cNvCxnSpPr>
+                <a:cxnSpLocks/>
+              </p:cNvCxnSpPr>
+              <p:nvPr/>
+            </p:nvCxnSpPr>
+            <p:spPr>
+              <a:xfrm>
+                <a:off x="8701088" y="2341251"/>
+                <a:ext cx="893762" cy="0"/>
+              </a:xfrm>
+              <a:prstGeom prst="line">
+                <a:avLst/>
+              </a:prstGeom>
+            </p:spPr>
+            <p:style>
+              <a:lnRef idx="2">
+                <a:schemeClr val="dk1"/>
+              </a:lnRef>
+              <a:fillRef idx="0">
+                <a:schemeClr val="dk1"/>
+              </a:fillRef>
+              <a:effectRef idx="1">
+                <a:schemeClr val="dk1"/>
+              </a:effectRef>
+              <a:fontRef idx="minor">
+                <a:schemeClr val="tx1"/>
+              </a:fontRef>
+            </p:style>
+          </p:cxnSp>
+          <p:cxnSp>
+            <p:nvCxnSpPr>
+              <p:cNvPr id="87" name="Straight Connector 86">
+                <a:extLst>
+                  <a:ext uri="{FF2B5EF4-FFF2-40B4-BE49-F238E27FC236}">
+                    <a16:creationId xmlns:a16="http://schemas.microsoft.com/office/drawing/2014/main" id="{B0B653FF-1A25-40F8-6F19-D3B722292221}"/>
+                  </a:ext>
+                </a:extLst>
+              </p:cNvPr>
+              <p:cNvCxnSpPr>
+                <a:cxnSpLocks/>
+              </p:cNvCxnSpPr>
+              <p:nvPr/>
+            </p:nvCxnSpPr>
+            <p:spPr>
+              <a:xfrm>
+                <a:off x="8701088" y="2856686"/>
+                <a:ext cx="893762" cy="0"/>
+              </a:xfrm>
+              <a:prstGeom prst="line">
+                <a:avLst/>
+              </a:prstGeom>
+            </p:spPr>
+            <p:style>
+              <a:lnRef idx="2">
+                <a:schemeClr val="dk1"/>
+              </a:lnRef>
+              <a:fillRef idx="0">
+                <a:schemeClr val="dk1"/>
+              </a:fillRef>
+              <a:effectRef idx="1">
+                <a:schemeClr val="dk1"/>
+              </a:effectRef>
+              <a:fontRef idx="minor">
+                <a:schemeClr val="tx1"/>
+              </a:fontRef>
+            </p:style>
+          </p:cxnSp>
+          <p:cxnSp>
+            <p:nvCxnSpPr>
+              <p:cNvPr id="104" name="Straight Arrow Connector 103">
+                <a:extLst>
+                  <a:ext uri="{FF2B5EF4-FFF2-40B4-BE49-F238E27FC236}">
+                    <a16:creationId xmlns:a16="http://schemas.microsoft.com/office/drawing/2014/main" id="{1A5336AA-ADCB-0704-9E2F-433D738F1971}"/>
+                  </a:ext>
+                </a:extLst>
+              </p:cNvPr>
+              <p:cNvCxnSpPr>
+                <a:cxnSpLocks/>
+              </p:cNvCxnSpPr>
+              <p:nvPr/>
+            </p:nvCxnSpPr>
+            <p:spPr>
+              <a:xfrm>
+                <a:off x="8838159" y="1790761"/>
+                <a:ext cx="0" cy="534790"/>
+              </a:xfrm>
+              <a:prstGeom prst="straightConnector1">
+                <a:avLst/>
+              </a:prstGeom>
+              <a:ln>
+                <a:headEnd type="triangle"/>
+                <a:tailEnd type="triangle"/>
+              </a:ln>
+            </p:spPr>
+            <p:style>
+              <a:lnRef idx="2">
+                <a:schemeClr val="dk1"/>
+              </a:lnRef>
+              <a:fillRef idx="0">
+                <a:schemeClr val="dk1"/>
+              </a:fillRef>
+              <a:effectRef idx="1">
+                <a:schemeClr val="dk1"/>
+              </a:effectRef>
+              <a:fontRef idx="minor">
+                <a:schemeClr val="tx1"/>
+              </a:fontRef>
+            </p:style>
+          </p:cxnSp>
+          <p:sp>
+            <p:nvSpPr>
+              <p:cNvPr id="107" name="TextBox 106">
+                <a:extLst>
+                  <a:ext uri="{FF2B5EF4-FFF2-40B4-BE49-F238E27FC236}">
+                    <a16:creationId xmlns:a16="http://schemas.microsoft.com/office/drawing/2014/main" id="{F0401A80-4464-0537-6849-B898B9AA2BB3}"/>
+                  </a:ext>
+                </a:extLst>
+              </p:cNvPr>
+              <p:cNvSpPr txBox="1"/>
+              <p:nvPr/>
+            </p:nvSpPr>
+            <p:spPr>
+              <a:xfrm>
+                <a:off x="8742056" y="1190286"/>
+                <a:ext cx="811825" cy="584775"/>
+              </a:xfrm>
+              <a:prstGeom prst="rect">
+                <a:avLst/>
+              </a:prstGeom>
+              <a:noFill/>
+            </p:spPr>
+            <p:txBody>
+              <a:bodyPr wrap="none" rtlCol="0">
+                <a:spAutoFit/>
+              </a:bodyPr>
+              <a:lstStyle/>
+              <a:p>
+                <a:r>
+                  <a:rPr lang="en-US" sz="1600" dirty="0"/>
+                  <a:t>Mostly </a:t>
+                </a:r>
+              </a:p>
+              <a:p>
+                <a:r>
+                  <a:rPr lang="en-US" sz="1600" dirty="0"/>
+                  <a:t>empty</a:t>
+                </a:r>
+              </a:p>
+            </p:txBody>
+          </p:sp>
+          <p:sp>
+            <p:nvSpPr>
+              <p:cNvPr id="108" name="TextBox 107">
+                <a:extLst>
+                  <a:ext uri="{FF2B5EF4-FFF2-40B4-BE49-F238E27FC236}">
+                    <a16:creationId xmlns:a16="http://schemas.microsoft.com/office/drawing/2014/main" id="{12484F34-FAC2-4326-2DB0-12298249E732}"/>
+                  </a:ext>
+                </a:extLst>
+              </p:cNvPr>
+              <p:cNvSpPr txBox="1"/>
+              <p:nvPr/>
+            </p:nvSpPr>
+            <p:spPr>
+              <a:xfrm>
+                <a:off x="8742056" y="2290495"/>
+                <a:ext cx="811825" cy="584775"/>
+              </a:xfrm>
+              <a:prstGeom prst="rect">
+                <a:avLst/>
+              </a:prstGeom>
+              <a:noFill/>
+            </p:spPr>
+            <p:txBody>
+              <a:bodyPr wrap="none" rtlCol="0">
+                <a:spAutoFit/>
+              </a:bodyPr>
+              <a:lstStyle/>
+              <a:p>
+                <a:r>
+                  <a:rPr lang="en-US" sz="1600" dirty="0"/>
+                  <a:t>Mostly </a:t>
+                </a:r>
+              </a:p>
+              <a:p>
+                <a:r>
+                  <a:rPr lang="en-US" sz="1600" dirty="0"/>
+                  <a:t>filled</a:t>
+                </a:r>
+              </a:p>
+            </p:txBody>
+          </p:sp>
+          <mc:AlternateContent xmlns:mc="http://schemas.openxmlformats.org/markup-compatibility/2006" xmlns:a14="http://schemas.microsoft.com/office/drawing/2010/main">
+            <mc:Choice Requires="a14">
+              <p:sp>
+                <p:nvSpPr>
+                  <p:cNvPr id="109" name="TextBox 108">
+                    <a:extLst>
+                      <a:ext uri="{FF2B5EF4-FFF2-40B4-BE49-F238E27FC236}">
+                        <a16:creationId xmlns:a16="http://schemas.microsoft.com/office/drawing/2014/main" id="{12AB2AFE-654A-297B-4DAF-761A4C6A875B}"/>
+                      </a:ext>
+                    </a:extLst>
+                  </p:cNvPr>
+                  <p:cNvSpPr txBox="1"/>
+                  <p:nvPr/>
+                </p:nvSpPr>
+                <p:spPr>
+                  <a:xfrm>
+                    <a:off x="9569938" y="1107925"/>
+                    <a:ext cx="417678" cy="265201"/>
+                  </a:xfrm>
+                  <a:prstGeom prst="rect">
+                    <a:avLst/>
+                  </a:prstGeom>
+                  <a:noFill/>
+                </p:spPr>
+                <p:txBody>
+                  <a:bodyPr wrap="none" lIns="0" tIns="0" rIns="0" bIns="0" rtlCol="0">
+                    <a:spAutoFit/>
+                  </a:bodyPr>
+                  <a:lstStyle/>
+                  <a:p>
+                    <a:pPr/>
+                    <a14:m>
+                      <m:oMathPara xmlns:m="http://schemas.openxmlformats.org/officeDocument/2006/math">
+                        <m:oMathParaPr>
+                          <m:jc m:val="centerGroup"/>
+                        </m:oMathParaPr>
+                        <m:oMath xmlns:m="http://schemas.openxmlformats.org/officeDocument/2006/math">
+                          <m:sSub>
+                            <m:sSubPr>
+                              <m:ctrlPr>
+                                <a:rPr lang="en-US" sz="1600" b="0" i="1" smtClean="0">
+                                  <a:latin typeface="Cambria Math" panose="02040503050406030204" pitchFamily="18" charset="0"/>
+                                </a:rPr>
+                              </m:ctrlPr>
+                            </m:sSubPr>
+                            <m:e>
+                              <m:r>
+                                <a:rPr lang="en-US" sz="1600" b="0" i="1" smtClean="0">
+                                  <a:latin typeface="Cambria Math" panose="02040503050406030204" pitchFamily="18" charset="0"/>
+                                </a:rPr>
+                                <m:t>𝐸</m:t>
+                              </m:r>
+                            </m:e>
+                            <m:sub>
+                              <m:r>
+                                <a:rPr lang="en-US" sz="1600" b="0" i="1" smtClean="0">
+                                  <a:latin typeface="Cambria Math" panose="02040503050406030204" pitchFamily="18" charset="0"/>
+                                </a:rPr>
+                                <m:t>𝑡𝑜𝑝</m:t>
+                              </m:r>
+                            </m:sub>
+                          </m:sSub>
+                        </m:oMath>
+                      </m:oMathPara>
+                    </a14:m>
+                    <a:endParaRPr lang="en-US" dirty="0"/>
+                  </a:p>
+                </p:txBody>
+              </p:sp>
+            </mc:Choice>
+            <mc:Fallback xmlns="">
+              <p:sp>
+                <p:nvSpPr>
+                  <p:cNvPr id="109" name="TextBox 108">
+                    <a:extLst>
+                      <a:ext uri="{FF2B5EF4-FFF2-40B4-BE49-F238E27FC236}">
+                        <a16:creationId xmlns:a16="http://schemas.microsoft.com/office/drawing/2014/main" id="{12AB2AFE-654A-297B-4DAF-761A4C6A875B}"/>
+                      </a:ext>
+                    </a:extLst>
+                  </p:cNvPr>
+                  <p:cNvSpPr txBox="1">
+                    <a:spLocks noRot="1" noChangeAspect="1" noMove="1" noResize="1" noEditPoints="1" noAdjustHandles="1" noChangeArrowheads="1" noChangeShapeType="1" noTextEdit="1"/>
+                  </p:cNvSpPr>
+                  <p:nvPr/>
+                </p:nvSpPr>
+                <p:spPr>
+                  <a:xfrm>
+                    <a:off x="9569938" y="1107925"/>
+                    <a:ext cx="417678" cy="265201"/>
+                  </a:xfrm>
+                  <a:prstGeom prst="rect">
+                    <a:avLst/>
+                  </a:prstGeom>
+                  <a:blipFill>
+                    <a:blip r:embed="rId3"/>
+                    <a:stretch>
+                      <a:fillRect l="-11765" r="-7353" b="-25000"/>
+                    </a:stretch>
+                  </a:blipFill>
+                </p:spPr>
+                <p:txBody>
+                  <a:bodyPr/>
+                  <a:lstStyle/>
+                  <a:p>
+                    <a:r>
+                      <a:rPr lang="en-US">
+                        <a:noFill/>
+                      </a:rPr>
+                      <a:t> </a:t>
+                    </a:r>
+                  </a:p>
+                </p:txBody>
+              </p:sp>
+            </mc:Fallback>
+          </mc:AlternateContent>
+          <mc:AlternateContent xmlns:mc="http://schemas.openxmlformats.org/markup-compatibility/2006" xmlns:a14="http://schemas.microsoft.com/office/drawing/2010/main">
+            <mc:Choice Requires="a14">
+              <p:sp>
+                <p:nvSpPr>
+                  <p:cNvPr id="110" name="TextBox 109">
+                    <a:extLst>
+                      <a:ext uri="{FF2B5EF4-FFF2-40B4-BE49-F238E27FC236}">
+                        <a16:creationId xmlns:a16="http://schemas.microsoft.com/office/drawing/2014/main" id="{76884A33-7C8F-2E9F-5C53-152314F37746}"/>
+                      </a:ext>
+                    </a:extLst>
+                  </p:cNvPr>
+                  <p:cNvSpPr txBox="1"/>
+                  <p:nvPr/>
+                </p:nvSpPr>
+                <p:spPr>
+                  <a:xfrm>
+                    <a:off x="9569938" y="1614734"/>
+                    <a:ext cx="247504" cy="246221"/>
+                  </a:xfrm>
+                  <a:prstGeom prst="rect">
+                    <a:avLst/>
+                  </a:prstGeom>
+                  <a:noFill/>
+                </p:spPr>
+                <p:txBody>
+                  <a:bodyPr wrap="none" lIns="0" tIns="0" rIns="0" bIns="0" rtlCol="0">
+                    <a:spAutoFit/>
+                  </a:bodyPr>
+                  <a:lstStyle/>
+                  <a:p>
+                    <a:pPr/>
+                    <a14:m>
+                      <m:oMathPara xmlns:m="http://schemas.openxmlformats.org/officeDocument/2006/math">
+                        <m:oMathParaPr>
+                          <m:jc m:val="centerGroup"/>
+                        </m:oMathParaPr>
+                        <m:oMath xmlns:m="http://schemas.openxmlformats.org/officeDocument/2006/math">
+                          <m:sSub>
+                            <m:sSubPr>
+                              <m:ctrlPr>
+                                <a:rPr lang="en-US" sz="1600" b="0" i="1" smtClean="0">
+                                  <a:latin typeface="Cambria Math" panose="02040503050406030204" pitchFamily="18" charset="0"/>
+                                </a:rPr>
+                              </m:ctrlPr>
+                            </m:sSubPr>
+                            <m:e>
+                              <m:r>
+                                <a:rPr lang="en-US" sz="1600" b="0" i="1" smtClean="0">
+                                  <a:latin typeface="Cambria Math" panose="02040503050406030204" pitchFamily="18" charset="0"/>
+                                </a:rPr>
+                                <m:t>𝐸</m:t>
+                              </m:r>
+                            </m:e>
+                            <m:sub>
+                              <m:r>
+                                <a:rPr lang="en-US" sz="1600" b="0" i="1" smtClean="0">
+                                  <a:latin typeface="Cambria Math" panose="02040503050406030204" pitchFamily="18" charset="0"/>
+                                </a:rPr>
+                                <m:t>𝑐</m:t>
+                              </m:r>
+                            </m:sub>
+                          </m:sSub>
+                        </m:oMath>
+                      </m:oMathPara>
+                    </a14:m>
+                    <a:endParaRPr lang="en-US" dirty="0"/>
+                  </a:p>
+                </p:txBody>
+              </p:sp>
+            </mc:Choice>
+            <mc:Fallback xmlns="">
+              <p:sp>
+                <p:nvSpPr>
+                  <p:cNvPr id="110" name="TextBox 109">
+                    <a:extLst>
+                      <a:ext uri="{FF2B5EF4-FFF2-40B4-BE49-F238E27FC236}">
+                        <a16:creationId xmlns:a16="http://schemas.microsoft.com/office/drawing/2014/main" id="{76884A33-7C8F-2E9F-5C53-152314F37746}"/>
+                      </a:ext>
+                    </a:extLst>
+                  </p:cNvPr>
+                  <p:cNvSpPr txBox="1">
+                    <a:spLocks noRot="1" noChangeAspect="1" noMove="1" noResize="1" noEditPoints="1" noAdjustHandles="1" noChangeArrowheads="1" noChangeShapeType="1" noTextEdit="1"/>
+                  </p:cNvSpPr>
+                  <p:nvPr/>
+                </p:nvSpPr>
+                <p:spPr>
+                  <a:xfrm>
+                    <a:off x="9569938" y="1614734"/>
+                    <a:ext cx="247504" cy="246221"/>
+                  </a:xfrm>
+                  <a:prstGeom prst="rect">
+                    <a:avLst/>
+                  </a:prstGeom>
+                  <a:blipFill>
+                    <a:blip r:embed="rId4"/>
+                    <a:stretch>
+                      <a:fillRect l="-21951" b="-9756"/>
+                    </a:stretch>
+                  </a:blipFill>
+                </p:spPr>
+                <p:txBody>
+                  <a:bodyPr/>
+                  <a:lstStyle/>
+                  <a:p>
+                    <a:r>
+                      <a:rPr lang="en-US">
+                        <a:noFill/>
+                      </a:rPr>
+                      <a:t> </a:t>
+                    </a:r>
+                  </a:p>
+                </p:txBody>
+              </p:sp>
+            </mc:Fallback>
+          </mc:AlternateContent>
+          <mc:AlternateContent xmlns:mc="http://schemas.openxmlformats.org/markup-compatibility/2006" xmlns:a14="http://schemas.microsoft.com/office/drawing/2010/main">
+            <mc:Choice Requires="a14">
+              <p:sp>
+                <p:nvSpPr>
+                  <p:cNvPr id="111" name="TextBox 110">
+                    <a:extLst>
+                      <a:ext uri="{FF2B5EF4-FFF2-40B4-BE49-F238E27FC236}">
+                        <a16:creationId xmlns:a16="http://schemas.microsoft.com/office/drawing/2014/main" id="{1C8C098F-F99A-46A7-D88C-2F151B8052D2}"/>
+                      </a:ext>
+                    </a:extLst>
+                  </p:cNvPr>
+                  <p:cNvSpPr txBox="1"/>
+                  <p:nvPr/>
+                </p:nvSpPr>
+                <p:spPr>
+                  <a:xfrm>
+                    <a:off x="9569938" y="2209798"/>
+                    <a:ext cx="256159" cy="246221"/>
+                  </a:xfrm>
+                  <a:prstGeom prst="rect">
+                    <a:avLst/>
+                  </a:prstGeom>
+                  <a:noFill/>
+                </p:spPr>
+                <p:txBody>
+                  <a:bodyPr wrap="none" lIns="0" tIns="0" rIns="0" bIns="0" rtlCol="0">
+                    <a:spAutoFit/>
+                  </a:bodyPr>
+                  <a:lstStyle/>
+                  <a:p>
+                    <a:pPr/>
+                    <a14:m>
+                      <m:oMathPara xmlns:m="http://schemas.openxmlformats.org/officeDocument/2006/math">
+                        <m:oMathParaPr>
+                          <m:jc m:val="centerGroup"/>
+                        </m:oMathParaPr>
+                        <m:oMath xmlns:m="http://schemas.openxmlformats.org/officeDocument/2006/math">
+                          <m:sSub>
+                            <m:sSubPr>
+                              <m:ctrlPr>
+                                <a:rPr lang="en-US" sz="1600" b="0" i="1" smtClean="0">
+                                  <a:latin typeface="Cambria Math" panose="02040503050406030204" pitchFamily="18" charset="0"/>
+                                </a:rPr>
+                              </m:ctrlPr>
+                            </m:sSubPr>
+                            <m:e>
+                              <m:r>
+                                <a:rPr lang="en-US" sz="1600" b="0" i="1" smtClean="0">
+                                  <a:latin typeface="Cambria Math" panose="02040503050406030204" pitchFamily="18" charset="0"/>
+                                </a:rPr>
+                                <m:t>𝐸</m:t>
+                              </m:r>
+                            </m:e>
+                            <m:sub>
+                              <m:r>
+                                <a:rPr lang="en-US" sz="1600" b="0" i="1" smtClean="0">
+                                  <a:latin typeface="Cambria Math" panose="02040503050406030204" pitchFamily="18" charset="0"/>
+                                </a:rPr>
+                                <m:t>𝑣</m:t>
+                              </m:r>
+                            </m:sub>
+                          </m:sSub>
+                        </m:oMath>
+                      </m:oMathPara>
+                    </a14:m>
+                    <a:endParaRPr lang="en-US" dirty="0"/>
+                  </a:p>
+                </p:txBody>
+              </p:sp>
+            </mc:Choice>
+            <mc:Fallback xmlns="">
+              <p:sp>
+                <p:nvSpPr>
+                  <p:cNvPr id="111" name="TextBox 110">
+                    <a:extLst>
+                      <a:ext uri="{FF2B5EF4-FFF2-40B4-BE49-F238E27FC236}">
+                        <a16:creationId xmlns:a16="http://schemas.microsoft.com/office/drawing/2014/main" id="{1C8C098F-F99A-46A7-D88C-2F151B8052D2}"/>
+                      </a:ext>
+                    </a:extLst>
+                  </p:cNvPr>
+                  <p:cNvSpPr txBox="1">
+                    <a:spLocks noRot="1" noChangeAspect="1" noMove="1" noResize="1" noEditPoints="1" noAdjustHandles="1" noChangeArrowheads="1" noChangeShapeType="1" noTextEdit="1"/>
+                  </p:cNvSpPr>
+                  <p:nvPr/>
+                </p:nvSpPr>
+                <p:spPr>
+                  <a:xfrm>
+                    <a:off x="9569938" y="2209798"/>
+                    <a:ext cx="256159" cy="246221"/>
+                  </a:xfrm>
+                  <a:prstGeom prst="rect">
+                    <a:avLst/>
+                  </a:prstGeom>
+                  <a:blipFill>
+                    <a:blip r:embed="rId5"/>
+                    <a:stretch>
+                      <a:fillRect l="-19048" r="-2381" b="-12500"/>
+                    </a:stretch>
+                  </a:blipFill>
+                </p:spPr>
+                <p:txBody>
+                  <a:bodyPr/>
+                  <a:lstStyle/>
+                  <a:p>
+                    <a:r>
+                      <a:rPr lang="en-US">
+                        <a:noFill/>
+                      </a:rPr>
+                      <a:t> </a:t>
+                    </a:r>
+                  </a:p>
+                </p:txBody>
+              </p:sp>
+            </mc:Fallback>
+          </mc:AlternateContent>
+          <mc:AlternateContent xmlns:mc="http://schemas.openxmlformats.org/markup-compatibility/2006" xmlns:a14="http://schemas.microsoft.com/office/drawing/2010/main">
+            <mc:Choice Requires="a14">
+              <p:sp>
+                <p:nvSpPr>
+                  <p:cNvPr id="112" name="TextBox 111">
+                    <a:extLst>
+                      <a:ext uri="{FF2B5EF4-FFF2-40B4-BE49-F238E27FC236}">
+                        <a16:creationId xmlns:a16="http://schemas.microsoft.com/office/drawing/2014/main" id="{63879BB8-A966-7C67-4F7B-293837FA7ECB}"/>
+                      </a:ext>
+                    </a:extLst>
+                  </p:cNvPr>
+                  <p:cNvSpPr txBox="1"/>
+                  <p:nvPr/>
+                </p:nvSpPr>
+                <p:spPr>
+                  <a:xfrm>
+                    <a:off x="9569938" y="2742669"/>
+                    <a:ext cx="415114" cy="246221"/>
+                  </a:xfrm>
+                  <a:prstGeom prst="rect">
+                    <a:avLst/>
+                  </a:prstGeom>
+                  <a:noFill/>
+                </p:spPr>
+                <p:txBody>
+                  <a:bodyPr wrap="none" lIns="0" tIns="0" rIns="0" bIns="0" rtlCol="0">
+                    <a:spAutoFit/>
+                  </a:bodyPr>
+                  <a:lstStyle/>
+                  <a:p>
+                    <a:pPr/>
+                    <a14:m>
+                      <m:oMathPara xmlns:m="http://schemas.openxmlformats.org/officeDocument/2006/math">
+                        <m:oMathParaPr>
+                          <m:jc m:val="centerGroup"/>
+                        </m:oMathParaPr>
+                        <m:oMath xmlns:m="http://schemas.openxmlformats.org/officeDocument/2006/math">
+                          <m:sSub>
+                            <m:sSubPr>
+                              <m:ctrlPr>
+                                <a:rPr lang="en-US" sz="1600" b="0" i="1" smtClean="0">
+                                  <a:latin typeface="Cambria Math" panose="02040503050406030204" pitchFamily="18" charset="0"/>
+                                </a:rPr>
+                              </m:ctrlPr>
+                            </m:sSubPr>
+                            <m:e>
+                              <m:r>
+                                <a:rPr lang="en-US" sz="1600" b="0" i="1" smtClean="0">
+                                  <a:latin typeface="Cambria Math" panose="02040503050406030204" pitchFamily="18" charset="0"/>
+                                </a:rPr>
+                                <m:t>𝐸</m:t>
+                              </m:r>
+                            </m:e>
+                            <m:sub>
+                              <m:r>
+                                <a:rPr lang="en-US" sz="1600" b="0" i="1" smtClean="0">
+                                  <a:latin typeface="Cambria Math" panose="02040503050406030204" pitchFamily="18" charset="0"/>
+                                </a:rPr>
+                                <m:t>𝑏𝑜𝑡</m:t>
+                              </m:r>
+                            </m:sub>
+                          </m:sSub>
+                        </m:oMath>
+                      </m:oMathPara>
+                    </a14:m>
+                    <a:endParaRPr lang="en-US" dirty="0"/>
+                  </a:p>
+                </p:txBody>
+              </p:sp>
+            </mc:Choice>
+            <mc:Fallback xmlns="">
+              <p:sp>
+                <p:nvSpPr>
+                  <p:cNvPr id="112" name="TextBox 111">
+                    <a:extLst>
+                      <a:ext uri="{FF2B5EF4-FFF2-40B4-BE49-F238E27FC236}">
+                        <a16:creationId xmlns:a16="http://schemas.microsoft.com/office/drawing/2014/main" id="{63879BB8-A966-7C67-4F7B-293837FA7ECB}"/>
+                      </a:ext>
+                    </a:extLst>
+                  </p:cNvPr>
+                  <p:cNvSpPr txBox="1">
+                    <a:spLocks noRot="1" noChangeAspect="1" noMove="1" noResize="1" noEditPoints="1" noAdjustHandles="1" noChangeArrowheads="1" noChangeShapeType="1" noTextEdit="1"/>
+                  </p:cNvSpPr>
+                  <p:nvPr/>
+                </p:nvSpPr>
+                <p:spPr>
+                  <a:xfrm>
+                    <a:off x="9569938" y="2742669"/>
+                    <a:ext cx="415114" cy="246221"/>
+                  </a:xfrm>
+                  <a:prstGeom prst="rect">
+                    <a:avLst/>
+                  </a:prstGeom>
+                  <a:blipFill>
+                    <a:blip r:embed="rId6"/>
+                    <a:stretch>
+                      <a:fillRect l="-11765" r="-2941" b="-14634"/>
+                    </a:stretch>
+                  </a:blipFill>
+                </p:spPr>
+                <p:txBody>
+                  <a:bodyPr/>
+                  <a:lstStyle/>
+                  <a:p>
+                    <a:r>
+                      <a:rPr lang="en-US">
+                        <a:noFill/>
+                      </a:rPr>
+                      <a:t> </a:t>
+                    </a:r>
+                  </a:p>
+                </p:txBody>
+              </p:sp>
+            </mc:Fallback>
+          </mc:AlternateContent>
+          <mc:AlternateContent xmlns:mc="http://schemas.openxmlformats.org/markup-compatibility/2006" xmlns:a14="http://schemas.microsoft.com/office/drawing/2010/main">
+            <mc:Choice Requires="a14">
+              <p:sp>
+                <p:nvSpPr>
+                  <p:cNvPr id="113" name="TextBox 112">
+                    <a:extLst>
+                      <a:ext uri="{FF2B5EF4-FFF2-40B4-BE49-F238E27FC236}">
+                        <a16:creationId xmlns:a16="http://schemas.microsoft.com/office/drawing/2014/main" id="{1D1204D1-3831-FE05-AEE0-4B3E37C4AEAC}"/>
+                      </a:ext>
+                    </a:extLst>
+                  </p:cNvPr>
+                  <p:cNvSpPr txBox="1"/>
+                  <p:nvPr/>
+                </p:nvSpPr>
+                <p:spPr>
+                  <a:xfrm>
+                    <a:off x="8858098" y="1890698"/>
+                    <a:ext cx="271741" cy="246221"/>
+                  </a:xfrm>
+                  <a:prstGeom prst="rect">
+                    <a:avLst/>
+                  </a:prstGeom>
+                  <a:noFill/>
+                </p:spPr>
+                <p:txBody>
+                  <a:bodyPr wrap="none" lIns="0" tIns="0" rIns="0" bIns="0" rtlCol="0">
+                    <a:spAutoFit/>
+                  </a:bodyPr>
+                  <a:lstStyle/>
+                  <a:p>
+                    <a:pPr/>
+                    <a14:m>
+                      <m:oMathPara xmlns:m="http://schemas.openxmlformats.org/officeDocument/2006/math">
+                        <m:oMathParaPr>
+                          <m:jc m:val="centerGroup"/>
+                        </m:oMathParaPr>
+                        <m:oMath xmlns:m="http://schemas.openxmlformats.org/officeDocument/2006/math">
+                          <m:sSub>
+                            <m:sSubPr>
+                              <m:ctrlPr>
+                                <a:rPr lang="en-US" sz="1600" b="0" i="1" smtClean="0">
+                                  <a:latin typeface="Cambria Math" panose="02040503050406030204" pitchFamily="18" charset="0"/>
+                                </a:rPr>
+                              </m:ctrlPr>
+                            </m:sSubPr>
+                            <m:e>
+                              <m:r>
+                                <a:rPr lang="en-US" sz="1600" b="0" i="1" smtClean="0">
+                                  <a:latin typeface="Cambria Math" panose="02040503050406030204" pitchFamily="18" charset="0"/>
+                                </a:rPr>
+                                <m:t>𝐸</m:t>
+                              </m:r>
+                            </m:e>
+                            <m:sub>
+                              <m:r>
+                                <a:rPr lang="en-US" sz="1600" b="0" i="1" smtClean="0">
+                                  <a:latin typeface="Cambria Math" panose="02040503050406030204" pitchFamily="18" charset="0"/>
+                                </a:rPr>
+                                <m:t>𝐺</m:t>
+                              </m:r>
+                            </m:sub>
+                          </m:sSub>
+                        </m:oMath>
+                      </m:oMathPara>
+                    </a14:m>
+                    <a:endParaRPr lang="en-US" dirty="0"/>
+                  </a:p>
+                </p:txBody>
+              </p:sp>
+            </mc:Choice>
+            <mc:Fallback xmlns="">
+              <p:sp>
+                <p:nvSpPr>
+                  <p:cNvPr id="113" name="TextBox 112">
+                    <a:extLst>
+                      <a:ext uri="{FF2B5EF4-FFF2-40B4-BE49-F238E27FC236}">
+                        <a16:creationId xmlns:a16="http://schemas.microsoft.com/office/drawing/2014/main" id="{1D1204D1-3831-FE05-AEE0-4B3E37C4AEAC}"/>
+                      </a:ext>
+                    </a:extLst>
+                  </p:cNvPr>
+                  <p:cNvSpPr txBox="1">
+                    <a:spLocks noRot="1" noChangeAspect="1" noMove="1" noResize="1" noEditPoints="1" noAdjustHandles="1" noChangeArrowheads="1" noChangeShapeType="1" noTextEdit="1"/>
+                  </p:cNvSpPr>
+                  <p:nvPr/>
+                </p:nvSpPr>
+                <p:spPr>
+                  <a:xfrm>
+                    <a:off x="8858098" y="1890698"/>
+                    <a:ext cx="271741" cy="246221"/>
+                  </a:xfrm>
+                  <a:prstGeom prst="rect">
+                    <a:avLst/>
+                  </a:prstGeom>
+                  <a:blipFill>
+                    <a:blip r:embed="rId7"/>
+                    <a:stretch>
+                      <a:fillRect l="-15556" r="-4444" b="-15000"/>
+                    </a:stretch>
+                  </a:blipFill>
+                </p:spPr>
+                <p:txBody>
+                  <a:bodyPr/>
+                  <a:lstStyle/>
+                  <a:p>
+                    <a:r>
+                      <a:rPr lang="en-US">
+                        <a:noFill/>
+                      </a:rPr>
+                      <a:t> </a:t>
+                    </a:r>
+                  </a:p>
+                </p:txBody>
+              </p:sp>
+            </mc:Fallback>
+          </mc:AlternateContent>
+          <p:cxnSp>
+            <p:nvCxnSpPr>
+              <p:cNvPr id="114" name="Straight Arrow Connector 113">
+                <a:extLst>
+                  <a:ext uri="{FF2B5EF4-FFF2-40B4-BE49-F238E27FC236}">
+                    <a16:creationId xmlns:a16="http://schemas.microsoft.com/office/drawing/2014/main" id="{F491956F-510D-1BA5-59BF-3065367D3361}"/>
+                  </a:ext>
+                </a:extLst>
+              </p:cNvPr>
+              <p:cNvCxnSpPr>
+                <a:cxnSpLocks/>
+              </p:cNvCxnSpPr>
+              <p:nvPr/>
+            </p:nvCxnSpPr>
+            <p:spPr>
+              <a:xfrm>
+                <a:off x="8620913" y="3110620"/>
+                <a:ext cx="835592" cy="0"/>
+              </a:xfrm>
+              <a:prstGeom prst="straightConnector1">
+                <a:avLst/>
+              </a:prstGeom>
+              <a:ln>
+                <a:tailEnd type="triangle"/>
+              </a:ln>
+            </p:spPr>
+            <p:style>
+              <a:lnRef idx="2">
+                <a:schemeClr val="dk1"/>
+              </a:lnRef>
+              <a:fillRef idx="0">
+                <a:schemeClr val="dk1"/>
+              </a:fillRef>
+              <a:effectRef idx="1">
+                <a:schemeClr val="dk1"/>
+              </a:effectRef>
+              <a:fontRef idx="minor">
+                <a:schemeClr val="tx1"/>
+              </a:fontRef>
+            </p:style>
+          </p:cxnSp>
+          <mc:AlternateContent xmlns:mc="http://schemas.openxmlformats.org/markup-compatibility/2006" xmlns:a14="http://schemas.microsoft.com/office/drawing/2010/main">
+            <mc:Choice Requires="a14">
+              <p:sp>
+                <p:nvSpPr>
+                  <p:cNvPr id="117" name="TextBox 116">
+                    <a:extLst>
+                      <a:ext uri="{FF2B5EF4-FFF2-40B4-BE49-F238E27FC236}">
+                        <a16:creationId xmlns:a16="http://schemas.microsoft.com/office/drawing/2014/main" id="{FE7AE9D8-92E8-CCA6-CC35-5B0CD3940C56}"/>
+                      </a:ext>
+                    </a:extLst>
+                  </p:cNvPr>
+                  <p:cNvSpPr txBox="1"/>
+                  <p:nvPr/>
+                </p:nvSpPr>
+                <p:spPr>
+                  <a:xfrm>
+                    <a:off x="9553881" y="2987509"/>
+                    <a:ext cx="156902" cy="246221"/>
+                  </a:xfrm>
+                  <a:prstGeom prst="rect">
+                    <a:avLst/>
+                  </a:prstGeom>
+                  <a:noFill/>
+                </p:spPr>
+                <p:txBody>
+                  <a:bodyPr wrap="none" lIns="0" tIns="0" rIns="0" bIns="0" rtlCol="0">
+                    <a:spAutoFit/>
+                  </a:bodyPr>
+                  <a:lstStyle/>
+                  <a:p>
+                    <a:pPr/>
+                    <a14:m>
+                      <m:oMathPara xmlns:m="http://schemas.openxmlformats.org/officeDocument/2006/math">
+                        <m:oMathParaPr>
+                          <m:jc m:val="centerGroup"/>
+                        </m:oMathParaPr>
+                        <m:oMath xmlns:m="http://schemas.openxmlformats.org/officeDocument/2006/math">
+                          <m:r>
+                            <a:rPr lang="en-US" sz="1600" b="0" i="1" smtClean="0">
+                              <a:latin typeface="Cambria Math" panose="02040503050406030204" pitchFamily="18" charset="0"/>
+                            </a:rPr>
+                            <m:t>𝑥</m:t>
+                          </m:r>
+                        </m:oMath>
+                      </m:oMathPara>
+                    </a14:m>
+                    <a:endParaRPr lang="en-US" dirty="0"/>
+                  </a:p>
+                </p:txBody>
+              </p:sp>
+            </mc:Choice>
+            <mc:Fallback xmlns="">
+              <p:sp>
+                <p:nvSpPr>
+                  <p:cNvPr id="117" name="TextBox 116">
+                    <a:extLst>
+                      <a:ext uri="{FF2B5EF4-FFF2-40B4-BE49-F238E27FC236}">
+                        <a16:creationId xmlns:a16="http://schemas.microsoft.com/office/drawing/2014/main" id="{FE7AE9D8-92E8-CCA6-CC35-5B0CD3940C56}"/>
+                      </a:ext>
+                    </a:extLst>
+                  </p:cNvPr>
+                  <p:cNvSpPr txBox="1">
+                    <a:spLocks noRot="1" noChangeAspect="1" noMove="1" noResize="1" noEditPoints="1" noAdjustHandles="1" noChangeArrowheads="1" noChangeShapeType="1" noTextEdit="1"/>
+                  </p:cNvSpPr>
+                  <p:nvPr/>
+                </p:nvSpPr>
+                <p:spPr>
+                  <a:xfrm>
+                    <a:off x="9553881" y="2987509"/>
+                    <a:ext cx="156902" cy="246221"/>
+                  </a:xfrm>
+                  <a:prstGeom prst="rect">
+                    <a:avLst/>
+                  </a:prstGeom>
+                  <a:blipFill>
+                    <a:blip r:embed="rId8"/>
+                    <a:stretch>
+                      <a:fillRect l="-19231" r="-15385"/>
+                    </a:stretch>
+                  </a:blipFill>
+                </p:spPr>
+                <p:txBody>
+                  <a:bodyPr/>
+                  <a:lstStyle/>
+                  <a:p>
+                    <a:r>
+                      <a:rPr lang="en-US">
+                        <a:noFill/>
+                      </a:rPr>
+                      <a:t> </a:t>
+                    </a:r>
+                  </a:p>
+                </p:txBody>
+              </p:sp>
+            </mc:Fallback>
+          </mc:AlternateContent>
+        </p:grpSp>
+        <p:grpSp>
+          <p:nvGrpSpPr>
+            <p:cNvPr id="120" name="Group 119">
+              <a:extLst>
+                <a:ext uri="{FF2B5EF4-FFF2-40B4-BE49-F238E27FC236}">
+                  <a16:creationId xmlns:a16="http://schemas.microsoft.com/office/drawing/2014/main" id="{5981F696-31A1-1568-4D49-EC1D484BD9A8}"/>
+                </a:ext>
+              </a:extLst>
+            </p:cNvPr>
+            <p:cNvGrpSpPr/>
+            <p:nvPr/>
+          </p:nvGrpSpPr>
+          <p:grpSpPr>
+            <a:xfrm>
+              <a:off x="1756913" y="478226"/>
+              <a:ext cx="2389076" cy="2539674"/>
+              <a:chOff x="1690007" y="637895"/>
+              <a:chExt cx="2389076" cy="2539674"/>
+            </a:xfrm>
+          </p:grpSpPr>
+          <p:sp>
+            <p:nvSpPr>
+              <p:cNvPr id="16" name="Oval 15">
+                <a:extLst>
+                  <a:ext uri="{FF2B5EF4-FFF2-40B4-BE49-F238E27FC236}">
+                    <a16:creationId xmlns:a16="http://schemas.microsoft.com/office/drawing/2014/main" id="{96970E7F-13D0-1F27-54E2-B42F23FC1A93}"/>
+                  </a:ext>
+                </a:extLst>
+              </p:cNvPr>
+              <p:cNvSpPr/>
+              <p:nvPr/>
+            </p:nvSpPr>
+            <p:spPr>
+              <a:xfrm>
+                <a:off x="2259110" y="1594624"/>
+                <a:ext cx="82399" cy="82399"/>
+              </a:xfrm>
+              <a:prstGeom prst="ellipse">
+                <a:avLst/>
+              </a:prstGeom>
+            </p:spPr>
+            <p:style>
+              <a:lnRef idx="2">
+                <a:schemeClr val="dk1">
+                  <a:shade val="15000"/>
+                </a:schemeClr>
+              </a:lnRef>
+              <a:fillRef idx="1">
+                <a:schemeClr val="dk1"/>
+              </a:fillRef>
+              <a:effectRef idx="0">
+                <a:schemeClr val="dk1"/>
+              </a:effectRef>
+              <a:fontRef idx="minor">
+                <a:schemeClr val="lt1"/>
+              </a:fontRef>
+            </p:style>
+            <p:txBody>
+              <a:bodyPr rtlCol="0" anchor="ctr"/>
+              <a:lstStyle/>
+              <a:p>
+                <a:pPr algn="ctr"/>
+                <a:endParaRPr lang="en-US"/>
+              </a:p>
+            </p:txBody>
+          </p:sp>
+          <p:sp>
+            <p:nvSpPr>
+              <p:cNvPr id="17" name="Oval 16">
+                <a:extLst>
+                  <a:ext uri="{FF2B5EF4-FFF2-40B4-BE49-F238E27FC236}">
+                    <a16:creationId xmlns:a16="http://schemas.microsoft.com/office/drawing/2014/main" id="{86FC018A-E7E2-37B5-F6C4-68E072B295E9}"/>
+                  </a:ext>
+                </a:extLst>
+              </p:cNvPr>
+              <p:cNvSpPr/>
+              <p:nvPr/>
+            </p:nvSpPr>
+            <p:spPr>
+              <a:xfrm>
+                <a:off x="2392923" y="1594624"/>
+                <a:ext cx="82399" cy="82399"/>
+              </a:xfrm>
+              <a:prstGeom prst="ellipse">
+                <a:avLst/>
+              </a:prstGeom>
+            </p:spPr>
+            <p:style>
+              <a:lnRef idx="2">
+                <a:schemeClr val="dk1">
+                  <a:shade val="15000"/>
+                </a:schemeClr>
+              </a:lnRef>
+              <a:fillRef idx="1">
+                <a:schemeClr val="dk1"/>
+              </a:fillRef>
+              <a:effectRef idx="0">
+                <a:schemeClr val="dk1"/>
+              </a:effectRef>
+              <a:fontRef idx="minor">
+                <a:schemeClr val="lt1"/>
+              </a:fontRef>
+            </p:style>
+            <p:txBody>
+              <a:bodyPr rtlCol="0" anchor="ctr"/>
+              <a:lstStyle/>
+              <a:p>
+                <a:pPr algn="ctr"/>
+                <a:endParaRPr lang="en-US"/>
+              </a:p>
+            </p:txBody>
+          </p:sp>
+          <p:sp>
+            <p:nvSpPr>
+              <p:cNvPr id="18" name="Oval 17">
+                <a:extLst>
+                  <a:ext uri="{FF2B5EF4-FFF2-40B4-BE49-F238E27FC236}">
+                    <a16:creationId xmlns:a16="http://schemas.microsoft.com/office/drawing/2014/main" id="{D9E97199-9FC0-0E2F-E185-8D745A4D94A9}"/>
+                  </a:ext>
+                </a:extLst>
+              </p:cNvPr>
+              <p:cNvSpPr/>
+              <p:nvPr/>
+            </p:nvSpPr>
+            <p:spPr>
+              <a:xfrm>
+                <a:off x="2531983" y="1594624"/>
+                <a:ext cx="82399" cy="82399"/>
+              </a:xfrm>
+              <a:prstGeom prst="ellipse">
+                <a:avLst/>
+              </a:prstGeom>
+            </p:spPr>
+            <p:style>
+              <a:lnRef idx="2">
+                <a:schemeClr val="dk1">
+                  <a:shade val="15000"/>
+                </a:schemeClr>
+              </a:lnRef>
+              <a:fillRef idx="1">
+                <a:schemeClr val="dk1"/>
+              </a:fillRef>
+              <a:effectRef idx="0">
+                <a:schemeClr val="dk1"/>
+              </a:effectRef>
+              <a:fontRef idx="minor">
+                <a:schemeClr val="lt1"/>
+              </a:fontRef>
+            </p:style>
+            <p:txBody>
+              <a:bodyPr rtlCol="0" anchor="ctr"/>
+              <a:lstStyle/>
+              <a:p>
+                <a:pPr algn="ctr"/>
+                <a:endParaRPr lang="en-US"/>
+              </a:p>
+            </p:txBody>
+          </p:sp>
+          <p:sp>
+            <p:nvSpPr>
+              <p:cNvPr id="19" name="Oval 18">
+                <a:extLst>
+                  <a:ext uri="{FF2B5EF4-FFF2-40B4-BE49-F238E27FC236}">
+                    <a16:creationId xmlns:a16="http://schemas.microsoft.com/office/drawing/2014/main" id="{BFC1466D-134D-0A6E-9534-D9902C0FF3B5}"/>
+                  </a:ext>
+                </a:extLst>
+              </p:cNvPr>
+              <p:cNvSpPr/>
+              <p:nvPr/>
+            </p:nvSpPr>
+            <p:spPr>
+              <a:xfrm>
+                <a:off x="2672475" y="1594624"/>
+                <a:ext cx="82399" cy="82399"/>
+              </a:xfrm>
+              <a:prstGeom prst="ellipse">
+                <a:avLst/>
+              </a:prstGeom>
+            </p:spPr>
+            <p:style>
+              <a:lnRef idx="2">
+                <a:schemeClr val="dk1">
+                  <a:shade val="15000"/>
+                </a:schemeClr>
+              </a:lnRef>
+              <a:fillRef idx="1">
+                <a:schemeClr val="dk1"/>
+              </a:fillRef>
+              <a:effectRef idx="0">
+                <a:schemeClr val="dk1"/>
+              </a:effectRef>
+              <a:fontRef idx="minor">
+                <a:schemeClr val="lt1"/>
+              </a:fontRef>
+            </p:style>
+            <p:txBody>
+              <a:bodyPr rtlCol="0" anchor="ctr"/>
+              <a:lstStyle/>
+              <a:p>
+                <a:pPr algn="ctr"/>
+                <a:endParaRPr lang="en-US"/>
+              </a:p>
+            </p:txBody>
+          </p:sp>
+          <p:sp>
+            <p:nvSpPr>
+              <p:cNvPr id="20" name="Oval 19">
+                <a:extLst>
+                  <a:ext uri="{FF2B5EF4-FFF2-40B4-BE49-F238E27FC236}">
+                    <a16:creationId xmlns:a16="http://schemas.microsoft.com/office/drawing/2014/main" id="{7D9859E9-AEB6-4638-5F59-D0A2A95E9C65}"/>
+                  </a:ext>
+                </a:extLst>
+              </p:cNvPr>
+              <p:cNvSpPr/>
+              <p:nvPr/>
+            </p:nvSpPr>
+            <p:spPr>
+              <a:xfrm>
+                <a:off x="2259110" y="1747335"/>
+                <a:ext cx="82399" cy="82399"/>
+              </a:xfrm>
+              <a:prstGeom prst="ellipse">
+                <a:avLst/>
+              </a:prstGeom>
+            </p:spPr>
+            <p:style>
+              <a:lnRef idx="2">
+                <a:schemeClr val="dk1">
+                  <a:shade val="15000"/>
+                </a:schemeClr>
+              </a:lnRef>
+              <a:fillRef idx="1">
+                <a:schemeClr val="dk1"/>
+              </a:fillRef>
+              <a:effectRef idx="0">
+                <a:schemeClr val="dk1"/>
+              </a:effectRef>
+              <a:fontRef idx="minor">
+                <a:schemeClr val="lt1"/>
+              </a:fontRef>
+            </p:style>
+            <p:txBody>
+              <a:bodyPr rtlCol="0" anchor="ctr"/>
+              <a:lstStyle/>
+              <a:p>
+                <a:pPr algn="ctr"/>
+                <a:endParaRPr lang="en-US"/>
+              </a:p>
+            </p:txBody>
+          </p:sp>
+          <p:sp>
+            <p:nvSpPr>
+              <p:cNvPr id="21" name="Oval 20">
+                <a:extLst>
+                  <a:ext uri="{FF2B5EF4-FFF2-40B4-BE49-F238E27FC236}">
+                    <a16:creationId xmlns:a16="http://schemas.microsoft.com/office/drawing/2014/main" id="{808555C4-F8A3-538E-1DB9-C782E6A8C2E1}"/>
+                  </a:ext>
+                </a:extLst>
+              </p:cNvPr>
+              <p:cNvSpPr/>
+              <p:nvPr/>
+            </p:nvSpPr>
+            <p:spPr>
+              <a:xfrm>
+                <a:off x="2392923" y="1747335"/>
+                <a:ext cx="82399" cy="82399"/>
+              </a:xfrm>
+              <a:prstGeom prst="ellipse">
+                <a:avLst/>
+              </a:prstGeom>
+            </p:spPr>
+            <p:style>
+              <a:lnRef idx="2">
+                <a:schemeClr val="dk1">
+                  <a:shade val="15000"/>
+                </a:schemeClr>
+              </a:lnRef>
+              <a:fillRef idx="1">
+                <a:schemeClr val="dk1"/>
+              </a:fillRef>
+              <a:effectRef idx="0">
+                <a:schemeClr val="dk1"/>
+              </a:effectRef>
+              <a:fontRef idx="minor">
+                <a:schemeClr val="lt1"/>
+              </a:fontRef>
+            </p:style>
+            <p:txBody>
+              <a:bodyPr rtlCol="0" anchor="ctr"/>
+              <a:lstStyle/>
+              <a:p>
+                <a:pPr algn="ctr"/>
+                <a:endParaRPr lang="en-US"/>
+              </a:p>
+            </p:txBody>
+          </p:sp>
+          <p:sp>
+            <p:nvSpPr>
+              <p:cNvPr id="22" name="Oval 21">
+                <a:extLst>
+                  <a:ext uri="{FF2B5EF4-FFF2-40B4-BE49-F238E27FC236}">
+                    <a16:creationId xmlns:a16="http://schemas.microsoft.com/office/drawing/2014/main" id="{AAC1E904-1786-5043-7BEB-5A65FDCB67C5}"/>
+                  </a:ext>
+                </a:extLst>
+              </p:cNvPr>
+              <p:cNvSpPr/>
+              <p:nvPr/>
+            </p:nvSpPr>
+            <p:spPr>
+              <a:xfrm>
+                <a:off x="2531983" y="1747335"/>
+                <a:ext cx="82399" cy="82399"/>
+              </a:xfrm>
+              <a:prstGeom prst="ellipse">
+                <a:avLst/>
+              </a:prstGeom>
+            </p:spPr>
+            <p:style>
+              <a:lnRef idx="2">
+                <a:schemeClr val="dk1">
+                  <a:shade val="15000"/>
+                </a:schemeClr>
+              </a:lnRef>
+              <a:fillRef idx="1">
+                <a:schemeClr val="dk1"/>
+              </a:fillRef>
+              <a:effectRef idx="0">
+                <a:schemeClr val="dk1"/>
+              </a:effectRef>
+              <a:fontRef idx="minor">
+                <a:schemeClr val="lt1"/>
+              </a:fontRef>
+            </p:style>
+            <p:txBody>
+              <a:bodyPr rtlCol="0" anchor="ctr"/>
+              <a:lstStyle/>
+              <a:p>
+                <a:pPr algn="ctr"/>
+                <a:endParaRPr lang="en-US"/>
+              </a:p>
+            </p:txBody>
+          </p:sp>
+          <p:sp>
+            <p:nvSpPr>
+              <p:cNvPr id="23" name="Oval 22">
+                <a:extLst>
+                  <a:ext uri="{FF2B5EF4-FFF2-40B4-BE49-F238E27FC236}">
+                    <a16:creationId xmlns:a16="http://schemas.microsoft.com/office/drawing/2014/main" id="{7A03758D-A35C-4E58-26AA-2A9C4762B0C7}"/>
+                  </a:ext>
+                </a:extLst>
+              </p:cNvPr>
+              <p:cNvSpPr/>
+              <p:nvPr/>
+            </p:nvSpPr>
+            <p:spPr>
+              <a:xfrm>
+                <a:off x="2672475" y="1747335"/>
+                <a:ext cx="82399" cy="82399"/>
+              </a:xfrm>
+              <a:prstGeom prst="ellipse">
+                <a:avLst/>
+              </a:prstGeom>
+            </p:spPr>
+            <p:style>
+              <a:lnRef idx="2">
+                <a:schemeClr val="dk1">
+                  <a:shade val="15000"/>
+                </a:schemeClr>
+              </a:lnRef>
+              <a:fillRef idx="1">
+                <a:schemeClr val="dk1"/>
+              </a:fillRef>
+              <a:effectRef idx="0">
+                <a:schemeClr val="dk1"/>
+              </a:effectRef>
+              <a:fontRef idx="minor">
+                <a:schemeClr val="lt1"/>
+              </a:fontRef>
+            </p:style>
+            <p:txBody>
+              <a:bodyPr rtlCol="0" anchor="ctr"/>
+              <a:lstStyle/>
+              <a:p>
+                <a:pPr algn="ctr"/>
+                <a:endParaRPr lang="en-US"/>
+              </a:p>
+            </p:txBody>
+          </p:sp>
+          <p:cxnSp>
+            <p:nvCxnSpPr>
+              <p:cNvPr id="25" name="Straight Connector 24">
+                <a:extLst>
+                  <a:ext uri="{FF2B5EF4-FFF2-40B4-BE49-F238E27FC236}">
+                    <a16:creationId xmlns:a16="http://schemas.microsoft.com/office/drawing/2014/main" id="{4C9CA185-D7B4-6E65-867C-15F51493FE84}"/>
+                  </a:ext>
+                </a:extLst>
+              </p:cNvPr>
+              <p:cNvCxnSpPr>
+                <a:cxnSpLocks/>
+              </p:cNvCxnSpPr>
+              <p:nvPr/>
+            </p:nvCxnSpPr>
+            <p:spPr>
+              <a:xfrm>
+                <a:off x="2854712" y="1677023"/>
+                <a:ext cx="383788" cy="0"/>
+              </a:xfrm>
+              <a:prstGeom prst="line">
+                <a:avLst/>
+              </a:prstGeom>
+              <a:ln w="19050" cap="flat" cmpd="sng" algn="ctr">
+                <a:solidFill>
+                  <a:schemeClr val="dk1"/>
+                </a:solidFill>
+                <a:prstDash val="dash"/>
+                <a:round/>
+                <a:headEnd type="none" w="med" len="med"/>
+                <a:tailEnd type="none" w="med" len="med"/>
+              </a:ln>
+            </p:spPr>
+            <p:style>
+              <a:lnRef idx="0">
+                <a:scrgbClr r="0" g="0" b="0"/>
+              </a:lnRef>
+              <a:fillRef idx="0">
+                <a:scrgbClr r="0" g="0" b="0"/>
+              </a:fillRef>
+              <a:effectRef idx="0">
+                <a:scrgbClr r="0" g="0" b="0"/>
+              </a:effectRef>
+              <a:fontRef idx="minor">
+                <a:schemeClr val="tx1"/>
+              </a:fontRef>
+            </p:style>
+          </p:cxnSp>
+          <p:sp>
+            <p:nvSpPr>
+              <p:cNvPr id="29" name="Oval 28">
+                <a:extLst>
+                  <a:ext uri="{FF2B5EF4-FFF2-40B4-BE49-F238E27FC236}">
+                    <a16:creationId xmlns:a16="http://schemas.microsoft.com/office/drawing/2014/main" id="{8D338BED-AA01-9E78-E8CB-D4E8E50C3D8F}"/>
+                  </a:ext>
+                </a:extLst>
+              </p:cNvPr>
+              <p:cNvSpPr/>
+              <p:nvPr/>
+            </p:nvSpPr>
+            <p:spPr>
+              <a:xfrm>
+                <a:off x="3297138" y="1594624"/>
+                <a:ext cx="82399" cy="82399"/>
+              </a:xfrm>
+              <a:prstGeom prst="ellipse">
+                <a:avLst/>
+              </a:prstGeom>
+            </p:spPr>
+            <p:style>
+              <a:lnRef idx="2">
+                <a:schemeClr val="dk1">
+                  <a:shade val="15000"/>
+                </a:schemeClr>
+              </a:lnRef>
+              <a:fillRef idx="1">
+                <a:schemeClr val="dk1"/>
+              </a:fillRef>
+              <a:effectRef idx="0">
+                <a:schemeClr val="dk1"/>
+              </a:effectRef>
+              <a:fontRef idx="minor">
+                <a:schemeClr val="lt1"/>
+              </a:fontRef>
+            </p:style>
+            <p:txBody>
+              <a:bodyPr rtlCol="0" anchor="ctr"/>
+              <a:lstStyle/>
+              <a:p>
+                <a:pPr algn="ctr"/>
+                <a:endParaRPr lang="en-US"/>
+              </a:p>
+            </p:txBody>
+          </p:sp>
+          <p:sp>
+            <p:nvSpPr>
+              <p:cNvPr id="30" name="Oval 29">
+                <a:extLst>
+                  <a:ext uri="{FF2B5EF4-FFF2-40B4-BE49-F238E27FC236}">
+                    <a16:creationId xmlns:a16="http://schemas.microsoft.com/office/drawing/2014/main" id="{0DAA2C40-DEA0-0F13-1700-0337821E9F4D}"/>
+                  </a:ext>
+                </a:extLst>
+              </p:cNvPr>
+              <p:cNvSpPr/>
+              <p:nvPr/>
+            </p:nvSpPr>
+            <p:spPr>
+              <a:xfrm>
+                <a:off x="3430951" y="1594624"/>
+                <a:ext cx="82399" cy="82399"/>
+              </a:xfrm>
+              <a:prstGeom prst="ellipse">
+                <a:avLst/>
+              </a:prstGeom>
+            </p:spPr>
+            <p:style>
+              <a:lnRef idx="2">
+                <a:schemeClr val="dk1">
+                  <a:shade val="15000"/>
+                </a:schemeClr>
+              </a:lnRef>
+              <a:fillRef idx="1">
+                <a:schemeClr val="dk1"/>
+              </a:fillRef>
+              <a:effectRef idx="0">
+                <a:schemeClr val="dk1"/>
+              </a:effectRef>
+              <a:fontRef idx="minor">
+                <a:schemeClr val="lt1"/>
+              </a:fontRef>
+            </p:style>
+            <p:txBody>
+              <a:bodyPr rtlCol="0" anchor="ctr"/>
+              <a:lstStyle/>
+              <a:p>
+                <a:pPr algn="ctr"/>
+                <a:endParaRPr lang="en-US"/>
+              </a:p>
+            </p:txBody>
+          </p:sp>
+          <p:sp>
+            <p:nvSpPr>
+              <p:cNvPr id="31" name="Oval 30">
+                <a:extLst>
+                  <a:ext uri="{FF2B5EF4-FFF2-40B4-BE49-F238E27FC236}">
+                    <a16:creationId xmlns:a16="http://schemas.microsoft.com/office/drawing/2014/main" id="{CABFAE2D-5145-DE55-C246-883C619EDDE2}"/>
+                  </a:ext>
+                </a:extLst>
+              </p:cNvPr>
+              <p:cNvSpPr/>
+              <p:nvPr/>
+            </p:nvSpPr>
+            <p:spPr>
+              <a:xfrm>
+                <a:off x="3297138" y="1747335"/>
+                <a:ext cx="82399" cy="82399"/>
+              </a:xfrm>
+              <a:prstGeom prst="ellipse">
+                <a:avLst/>
+              </a:prstGeom>
+            </p:spPr>
+            <p:style>
+              <a:lnRef idx="2">
+                <a:schemeClr val="dk1">
+                  <a:shade val="15000"/>
+                </a:schemeClr>
+              </a:lnRef>
+              <a:fillRef idx="1">
+                <a:schemeClr val="dk1"/>
+              </a:fillRef>
+              <a:effectRef idx="0">
+                <a:schemeClr val="dk1"/>
+              </a:effectRef>
+              <a:fontRef idx="minor">
+                <a:schemeClr val="lt1"/>
+              </a:fontRef>
+            </p:style>
+            <p:txBody>
+              <a:bodyPr rtlCol="0" anchor="ctr"/>
+              <a:lstStyle/>
+              <a:p>
+                <a:pPr algn="ctr"/>
+                <a:endParaRPr lang="en-US"/>
+              </a:p>
+            </p:txBody>
+          </p:sp>
+          <p:sp>
+            <p:nvSpPr>
+              <p:cNvPr id="32" name="Oval 31">
+                <a:extLst>
+                  <a:ext uri="{FF2B5EF4-FFF2-40B4-BE49-F238E27FC236}">
+                    <a16:creationId xmlns:a16="http://schemas.microsoft.com/office/drawing/2014/main" id="{C951742D-95BC-A660-AB52-100029D40289}"/>
+                  </a:ext>
+                </a:extLst>
+              </p:cNvPr>
+              <p:cNvSpPr/>
+              <p:nvPr/>
+            </p:nvSpPr>
+            <p:spPr>
+              <a:xfrm>
+                <a:off x="3430951" y="1747335"/>
+                <a:ext cx="82399" cy="82399"/>
+              </a:xfrm>
+              <a:prstGeom prst="ellipse">
+                <a:avLst/>
+              </a:prstGeom>
+            </p:spPr>
+            <p:style>
+              <a:lnRef idx="2">
+                <a:schemeClr val="dk1">
+                  <a:shade val="15000"/>
+                </a:schemeClr>
+              </a:lnRef>
+              <a:fillRef idx="1">
+                <a:schemeClr val="dk1"/>
+              </a:fillRef>
+              <a:effectRef idx="0">
+                <a:schemeClr val="dk1"/>
+              </a:effectRef>
+              <a:fontRef idx="minor">
+                <a:schemeClr val="lt1"/>
+              </a:fontRef>
+            </p:style>
+            <p:txBody>
+              <a:bodyPr rtlCol="0" anchor="ctr"/>
+              <a:lstStyle/>
+              <a:p>
+                <a:pPr algn="ctr"/>
+                <a:endParaRPr lang="en-US"/>
+              </a:p>
+            </p:txBody>
+          </p:sp>
+          <p:sp>
+            <p:nvSpPr>
+              <p:cNvPr id="33" name="TextBox 32">
+                <a:extLst>
+                  <a:ext uri="{FF2B5EF4-FFF2-40B4-BE49-F238E27FC236}">
+                    <a16:creationId xmlns:a16="http://schemas.microsoft.com/office/drawing/2014/main" id="{0AB378C0-9032-DCCA-0126-2CA47E5287AA}"/>
+                  </a:ext>
+                </a:extLst>
+              </p:cNvPr>
+              <p:cNvSpPr txBox="1"/>
+              <p:nvPr/>
+            </p:nvSpPr>
+            <p:spPr>
+              <a:xfrm>
+                <a:off x="3522356" y="1386159"/>
+                <a:ext cx="314510" cy="369332"/>
+              </a:xfrm>
+              <a:prstGeom prst="rect">
+                <a:avLst/>
+              </a:prstGeom>
+              <a:noFill/>
+            </p:spPr>
+            <p:txBody>
+              <a:bodyPr wrap="none" rtlCol="0">
+                <a:spAutoFit/>
+              </a:bodyPr>
+              <a:lstStyle/>
+              <a:p>
+                <a:r>
+                  <a:rPr lang="en-US" dirty="0"/>
+                  <a:t>p</a:t>
+                </a:r>
+              </a:p>
+            </p:txBody>
+          </p:sp>
+          <p:sp>
+            <p:nvSpPr>
+              <p:cNvPr id="34" name="TextBox 33">
+                <a:extLst>
+                  <a:ext uri="{FF2B5EF4-FFF2-40B4-BE49-F238E27FC236}">
+                    <a16:creationId xmlns:a16="http://schemas.microsoft.com/office/drawing/2014/main" id="{69D61A0E-21C1-0118-F0E0-BB001D840905}"/>
+                  </a:ext>
+                </a:extLst>
+              </p:cNvPr>
+              <p:cNvSpPr txBox="1"/>
+              <p:nvPr/>
+            </p:nvSpPr>
+            <p:spPr>
+              <a:xfrm>
+                <a:off x="3548996" y="1635272"/>
+                <a:ext cx="296876" cy="369332"/>
+              </a:xfrm>
+              <a:prstGeom prst="rect">
+                <a:avLst/>
+              </a:prstGeom>
+              <a:noFill/>
+            </p:spPr>
+            <p:txBody>
+              <a:bodyPr wrap="none" rtlCol="0">
+                <a:spAutoFit/>
+              </a:bodyPr>
+              <a:lstStyle/>
+              <a:p>
+                <a:r>
+                  <a:rPr lang="en-US" dirty="0"/>
+                  <a:t>s</a:t>
+                </a:r>
+              </a:p>
+            </p:txBody>
+          </p:sp>
+          <p:sp>
+            <p:nvSpPr>
+              <p:cNvPr id="35" name="TextBox 34">
+                <a:extLst>
+                  <a:ext uri="{FF2B5EF4-FFF2-40B4-BE49-F238E27FC236}">
+                    <a16:creationId xmlns:a16="http://schemas.microsoft.com/office/drawing/2014/main" id="{F8DF2E00-CE6A-F457-F60B-948A1AAA9EF1}"/>
+                  </a:ext>
+                </a:extLst>
+              </p:cNvPr>
+              <p:cNvSpPr txBox="1"/>
+              <p:nvPr/>
+            </p:nvSpPr>
+            <p:spPr>
+              <a:xfrm>
+                <a:off x="3397259" y="1048960"/>
+                <a:ext cx="558166" cy="369332"/>
+              </a:xfrm>
+              <a:prstGeom prst="rect">
+                <a:avLst/>
+              </a:prstGeom>
+              <a:noFill/>
+            </p:spPr>
+            <p:txBody>
+              <a:bodyPr wrap="none" rtlCol="0">
+                <a:spAutoFit/>
+              </a:bodyPr>
+              <a:lstStyle/>
+              <a:p>
+                <a:r>
+                  <a:rPr lang="en-US" dirty="0"/>
+                  <a:t>n=3</a:t>
+                </a:r>
+              </a:p>
+            </p:txBody>
+          </p:sp>
+          <p:sp>
+            <p:nvSpPr>
+              <p:cNvPr id="36" name="TextBox 35">
+                <a:extLst>
+                  <a:ext uri="{FF2B5EF4-FFF2-40B4-BE49-F238E27FC236}">
+                    <a16:creationId xmlns:a16="http://schemas.microsoft.com/office/drawing/2014/main" id="{56FB4E5E-7885-B474-74BC-E42052658BA5}"/>
+                  </a:ext>
+                </a:extLst>
+              </p:cNvPr>
+              <p:cNvSpPr txBox="1"/>
+              <p:nvPr/>
+            </p:nvSpPr>
+            <p:spPr>
+              <a:xfrm>
+                <a:off x="2196708" y="1967642"/>
+                <a:ext cx="1654299" cy="338554"/>
+              </a:xfrm>
+              <a:prstGeom prst="rect">
+                <a:avLst/>
+              </a:prstGeom>
+              <a:noFill/>
+            </p:spPr>
+            <p:txBody>
+              <a:bodyPr wrap="none" rtlCol="0">
+                <a:spAutoFit/>
+              </a:bodyPr>
+              <a:lstStyle/>
+              <a:p>
+                <a:r>
+                  <a:rPr lang="en-US" sz="1600" dirty="0"/>
+                  <a:t>6N p-states total</a:t>
+                </a:r>
+              </a:p>
+            </p:txBody>
+          </p:sp>
+          <p:sp>
+            <p:nvSpPr>
+              <p:cNvPr id="37" name="TextBox 36">
+                <a:extLst>
+                  <a:ext uri="{FF2B5EF4-FFF2-40B4-BE49-F238E27FC236}">
+                    <a16:creationId xmlns:a16="http://schemas.microsoft.com/office/drawing/2014/main" id="{8DB61002-8DFD-200E-8307-A82B1C3B54F3}"/>
+                  </a:ext>
+                </a:extLst>
+              </p:cNvPr>
+              <p:cNvSpPr txBox="1"/>
+              <p:nvPr/>
+            </p:nvSpPr>
+            <p:spPr>
+              <a:xfrm>
+                <a:off x="2196708" y="2271059"/>
+                <a:ext cx="1638269" cy="338554"/>
+              </a:xfrm>
+              <a:prstGeom prst="rect">
+                <a:avLst/>
+              </a:prstGeom>
+              <a:noFill/>
+            </p:spPr>
+            <p:txBody>
+              <a:bodyPr wrap="none" rtlCol="0">
+                <a:spAutoFit/>
+              </a:bodyPr>
+              <a:lstStyle/>
+              <a:p>
+                <a:r>
+                  <a:rPr lang="en-US" sz="1600" dirty="0"/>
+                  <a:t>2N s-states total</a:t>
+                </a:r>
+              </a:p>
+            </p:txBody>
+          </p:sp>
+          <p:sp>
+            <p:nvSpPr>
+              <p:cNvPr id="38" name="TextBox 37">
+                <a:extLst>
+                  <a:ext uri="{FF2B5EF4-FFF2-40B4-BE49-F238E27FC236}">
+                    <a16:creationId xmlns:a16="http://schemas.microsoft.com/office/drawing/2014/main" id="{5BFA4C2A-B3D1-6EA4-6D64-D676EB0D5FFC}"/>
+                  </a:ext>
+                </a:extLst>
+              </p:cNvPr>
+              <p:cNvSpPr txBox="1"/>
+              <p:nvPr/>
+            </p:nvSpPr>
+            <p:spPr>
+              <a:xfrm>
+                <a:off x="2196708" y="2638566"/>
+                <a:ext cx="1882375" cy="338554"/>
+              </a:xfrm>
+              <a:prstGeom prst="rect">
+                <a:avLst/>
+              </a:prstGeom>
+              <a:noFill/>
+            </p:spPr>
+            <p:txBody>
+              <a:bodyPr wrap="none" rtlCol="0">
+                <a:spAutoFit/>
+              </a:bodyPr>
+              <a:lstStyle/>
+              <a:p>
+                <a:r>
+                  <a:rPr lang="en-US" sz="1600" dirty="0"/>
+                  <a:t>(4N electrons total)</a:t>
+                </a:r>
+              </a:p>
+            </p:txBody>
+          </p:sp>
+          <p:sp>
+            <p:nvSpPr>
+              <p:cNvPr id="39" name="TextBox 38">
+                <a:extLst>
+                  <a:ext uri="{FF2B5EF4-FFF2-40B4-BE49-F238E27FC236}">
+                    <a16:creationId xmlns:a16="http://schemas.microsoft.com/office/drawing/2014/main" id="{C21C1D4D-A888-0DFD-8BBC-B3AB5CDB4BA2}"/>
+                  </a:ext>
+                </a:extLst>
+              </p:cNvPr>
+              <p:cNvSpPr txBox="1"/>
+              <p:nvPr/>
+            </p:nvSpPr>
+            <p:spPr>
+              <a:xfrm>
+                <a:off x="2448104" y="708680"/>
+                <a:ext cx="1100892" cy="523220"/>
+              </a:xfrm>
+              <a:prstGeom prst="rect">
+                <a:avLst/>
+              </a:prstGeom>
+              <a:noFill/>
+            </p:spPr>
+            <p:txBody>
+              <a:bodyPr wrap="square" rtlCol="0">
+                <a:spAutoFit/>
+              </a:bodyPr>
+              <a:lstStyle/>
+              <a:p>
+                <a:r>
+                  <a:rPr lang="en-US" sz="1400" b="1" u="sng" dirty="0"/>
+                  <a:t>N Isolated Si atoms</a:t>
+                </a:r>
+              </a:p>
+            </p:txBody>
+          </p:sp>
+          <p:cxnSp>
+            <p:nvCxnSpPr>
+              <p:cNvPr id="40" name="Straight Arrow Connector 39">
+                <a:extLst>
+                  <a:ext uri="{FF2B5EF4-FFF2-40B4-BE49-F238E27FC236}">
+                    <a16:creationId xmlns:a16="http://schemas.microsoft.com/office/drawing/2014/main" id="{A2515EBC-C5D0-7568-0026-FE638631CF36}"/>
+                  </a:ext>
+                </a:extLst>
+              </p:cNvPr>
+              <p:cNvCxnSpPr/>
+              <p:nvPr/>
+            </p:nvCxnSpPr>
+            <p:spPr>
+              <a:xfrm flipV="1">
+                <a:off x="2096870" y="1251797"/>
+                <a:ext cx="0" cy="1604889"/>
+              </a:xfrm>
+              <a:prstGeom prst="straightConnector1">
+                <a:avLst/>
+              </a:prstGeom>
+              <a:ln>
+                <a:tailEnd type="triangle"/>
+              </a:ln>
+            </p:spPr>
+            <p:style>
+              <a:lnRef idx="2">
+                <a:schemeClr val="dk1"/>
+              </a:lnRef>
+              <a:fillRef idx="0">
+                <a:schemeClr val="dk1"/>
+              </a:fillRef>
+              <a:effectRef idx="1">
+                <a:schemeClr val="dk1"/>
+              </a:effectRef>
+              <a:fontRef idx="minor">
+                <a:schemeClr val="tx1"/>
+              </a:fontRef>
+            </p:style>
+          </p:cxnSp>
+          <p:sp>
+            <p:nvSpPr>
+              <p:cNvPr id="41" name="TextBox 40">
+                <a:extLst>
+                  <a:ext uri="{FF2B5EF4-FFF2-40B4-BE49-F238E27FC236}">
+                    <a16:creationId xmlns:a16="http://schemas.microsoft.com/office/drawing/2014/main" id="{9A669CA6-CC63-DBC6-7927-2633128E2457}"/>
+                  </a:ext>
+                </a:extLst>
+              </p:cNvPr>
+              <p:cNvSpPr txBox="1"/>
+              <p:nvPr/>
+            </p:nvSpPr>
+            <p:spPr>
+              <a:xfrm rot="16200000">
+                <a:off x="1090901" y="1850716"/>
+                <a:ext cx="1704162" cy="307777"/>
+              </a:xfrm>
+              <a:prstGeom prst="rect">
+                <a:avLst/>
+              </a:prstGeom>
+              <a:noFill/>
+            </p:spPr>
+            <p:txBody>
+              <a:bodyPr wrap="square" rtlCol="0">
+                <a:spAutoFit/>
+              </a:bodyPr>
+              <a:lstStyle/>
+              <a:p>
+                <a:r>
+                  <a:rPr lang="en-US" sz="1400" dirty="0"/>
+                  <a:t>Electron energy</a:t>
+                </a:r>
+              </a:p>
+            </p:txBody>
+          </p:sp>
+          <p:sp>
+            <p:nvSpPr>
+              <p:cNvPr id="66" name="TextBox 65">
+                <a:extLst>
+                  <a:ext uri="{FF2B5EF4-FFF2-40B4-BE49-F238E27FC236}">
+                    <a16:creationId xmlns:a16="http://schemas.microsoft.com/office/drawing/2014/main" id="{9400CA0D-6565-DF06-2FC1-C9BF1C3D46E1}"/>
+                  </a:ext>
+                </a:extLst>
+              </p:cNvPr>
+              <p:cNvSpPr txBox="1"/>
+              <p:nvPr/>
+            </p:nvSpPr>
+            <p:spPr>
+              <a:xfrm>
+                <a:off x="1911145" y="923259"/>
+                <a:ext cx="312906" cy="369332"/>
+              </a:xfrm>
+              <a:prstGeom prst="rect">
+                <a:avLst/>
+              </a:prstGeom>
+              <a:noFill/>
+            </p:spPr>
+            <p:txBody>
+              <a:bodyPr wrap="none" rtlCol="0">
+                <a:spAutoFit/>
+              </a:bodyPr>
+              <a:lstStyle/>
+              <a:p>
+                <a:r>
+                  <a:rPr lang="en-US" dirty="0"/>
+                  <a:t>E</a:t>
+                </a:r>
+              </a:p>
+            </p:txBody>
+          </p:sp>
+          <p:sp>
+            <p:nvSpPr>
+              <p:cNvPr id="118" name="Rectangle 117">
+                <a:extLst>
+                  <a:ext uri="{FF2B5EF4-FFF2-40B4-BE49-F238E27FC236}">
+                    <a16:creationId xmlns:a16="http://schemas.microsoft.com/office/drawing/2014/main" id="{E56F0A2E-5554-2251-F8A0-B5FE0F55DDB5}"/>
+                  </a:ext>
+                </a:extLst>
+              </p:cNvPr>
+              <p:cNvSpPr/>
+              <p:nvPr/>
+            </p:nvSpPr>
+            <p:spPr>
+              <a:xfrm>
+                <a:off x="1690007" y="637895"/>
+                <a:ext cx="2372590" cy="2539674"/>
+              </a:xfrm>
+              <a:prstGeom prst="rect">
+                <a:avLst/>
+              </a:prstGeom>
+              <a:noFill/>
+              <a:ln>
+                <a:solidFill>
+                  <a:schemeClr val="tx1"/>
+                </a:solidFill>
+              </a:ln>
+            </p:spPr>
+            <p:style>
+              <a:lnRef idx="2">
+                <a:schemeClr val="accent1">
+                  <a:shade val="15000"/>
+                </a:schemeClr>
+              </a:lnRef>
+              <a:fillRef idx="1">
+                <a:schemeClr val="accent1"/>
+              </a:fillRef>
+              <a:effectRef idx="0">
+                <a:schemeClr val="accent1"/>
+              </a:effectRef>
+              <a:fontRef idx="minor">
+                <a:schemeClr val="lt1"/>
+              </a:fontRef>
+            </p:style>
+            <p:txBody>
+              <a:bodyPr rtlCol="0" anchor="ctr"/>
+              <a:lstStyle/>
+              <a:p>
+                <a:pPr algn="ctr"/>
+                <a:endParaRPr lang="en-US"/>
+              </a:p>
+            </p:txBody>
+          </p:sp>
+        </p:grpSp>
+        <p:grpSp>
+          <p:nvGrpSpPr>
+            <p:cNvPr id="121" name="Group 120">
+              <a:extLst>
+                <a:ext uri="{FF2B5EF4-FFF2-40B4-BE49-F238E27FC236}">
+                  <a16:creationId xmlns:a16="http://schemas.microsoft.com/office/drawing/2014/main" id="{B200FDE9-EFCE-075B-9EC4-B878C9672F96}"/>
+                </a:ext>
+              </a:extLst>
+            </p:cNvPr>
+            <p:cNvGrpSpPr/>
+            <p:nvPr/>
+          </p:nvGrpSpPr>
+          <p:grpSpPr>
+            <a:xfrm>
+              <a:off x="4415304" y="478226"/>
+              <a:ext cx="2724984" cy="2539674"/>
+              <a:chOff x="4872646" y="637895"/>
+              <a:chExt cx="2724984" cy="2539674"/>
+            </a:xfrm>
+          </p:grpSpPr>
+          <p:cxnSp>
+            <p:nvCxnSpPr>
+              <p:cNvPr id="64" name="Straight Arrow Connector 63">
+                <a:extLst>
+                  <a:ext uri="{FF2B5EF4-FFF2-40B4-BE49-F238E27FC236}">
+                    <a16:creationId xmlns:a16="http://schemas.microsoft.com/office/drawing/2014/main" id="{DB57A34F-87BE-20E7-BD5F-86136D78D130}"/>
+                  </a:ext>
+                </a:extLst>
+              </p:cNvPr>
+              <p:cNvCxnSpPr/>
+              <p:nvPr/>
+            </p:nvCxnSpPr>
+            <p:spPr>
+              <a:xfrm flipV="1">
+                <a:off x="5224049" y="1251798"/>
+                <a:ext cx="0" cy="1604889"/>
+              </a:xfrm>
+              <a:prstGeom prst="straightConnector1">
+                <a:avLst/>
+              </a:prstGeom>
+              <a:ln>
+                <a:tailEnd type="triangle"/>
+              </a:ln>
+            </p:spPr>
+            <p:style>
+              <a:lnRef idx="2">
+                <a:schemeClr val="dk1"/>
+              </a:lnRef>
+              <a:fillRef idx="0">
+                <a:schemeClr val="dk1"/>
+              </a:fillRef>
+              <a:effectRef idx="1">
+                <a:schemeClr val="dk1"/>
+              </a:effectRef>
+              <a:fontRef idx="minor">
+                <a:schemeClr val="tx1"/>
+              </a:fontRef>
+            </p:style>
+          </p:cxnSp>
+          <p:sp>
+            <p:nvSpPr>
+              <p:cNvPr id="65" name="TextBox 64">
+                <a:extLst>
+                  <a:ext uri="{FF2B5EF4-FFF2-40B4-BE49-F238E27FC236}">
+                    <a16:creationId xmlns:a16="http://schemas.microsoft.com/office/drawing/2014/main" id="{7BC3CC36-0978-793A-CB30-AA03258CC64F}"/>
+                  </a:ext>
+                </a:extLst>
+              </p:cNvPr>
+              <p:cNvSpPr txBox="1"/>
+              <p:nvPr/>
+            </p:nvSpPr>
+            <p:spPr>
+              <a:xfrm rot="16200000">
+                <a:off x="4218080" y="1850717"/>
+                <a:ext cx="1704162" cy="307777"/>
+              </a:xfrm>
+              <a:prstGeom prst="rect">
+                <a:avLst/>
+              </a:prstGeom>
+              <a:noFill/>
+            </p:spPr>
+            <p:txBody>
+              <a:bodyPr wrap="square" rtlCol="0">
+                <a:spAutoFit/>
+              </a:bodyPr>
+              <a:lstStyle/>
+              <a:p>
+                <a:r>
+                  <a:rPr lang="en-US" sz="1400" dirty="0"/>
+                  <a:t>Electron energy</a:t>
+                </a:r>
+              </a:p>
+            </p:txBody>
+          </p:sp>
+          <p:sp>
+            <p:nvSpPr>
+              <p:cNvPr id="67" name="TextBox 66">
+                <a:extLst>
+                  <a:ext uri="{FF2B5EF4-FFF2-40B4-BE49-F238E27FC236}">
+                    <a16:creationId xmlns:a16="http://schemas.microsoft.com/office/drawing/2014/main" id="{BFB0B45D-C950-1B28-DBCB-856222EEE42F}"/>
+                  </a:ext>
+                </a:extLst>
+              </p:cNvPr>
+              <p:cNvSpPr txBox="1"/>
+              <p:nvPr/>
+            </p:nvSpPr>
+            <p:spPr>
+              <a:xfrm>
+                <a:off x="5015562" y="923259"/>
+                <a:ext cx="312906" cy="369332"/>
+              </a:xfrm>
+              <a:prstGeom prst="rect">
+                <a:avLst/>
+              </a:prstGeom>
+              <a:noFill/>
+            </p:spPr>
+            <p:txBody>
+              <a:bodyPr wrap="none" rtlCol="0">
+                <a:spAutoFit/>
+              </a:bodyPr>
+              <a:lstStyle/>
+              <a:p>
+                <a:r>
+                  <a:rPr lang="en-US" dirty="0"/>
+                  <a:t>E</a:t>
+                </a:r>
+              </a:p>
+            </p:txBody>
+          </p:sp>
+          <p:cxnSp>
+            <p:nvCxnSpPr>
+              <p:cNvPr id="69" name="Straight Arrow Connector 68">
+                <a:extLst>
+                  <a:ext uri="{FF2B5EF4-FFF2-40B4-BE49-F238E27FC236}">
+                    <a16:creationId xmlns:a16="http://schemas.microsoft.com/office/drawing/2014/main" id="{867BDDAD-56D3-0305-DF39-B2EFCD20A3BC}"/>
+                  </a:ext>
+                </a:extLst>
+              </p:cNvPr>
+              <p:cNvCxnSpPr/>
+              <p:nvPr/>
+            </p:nvCxnSpPr>
+            <p:spPr>
+              <a:xfrm>
+                <a:off x="5510759" y="1231900"/>
+                <a:ext cx="0" cy="515435"/>
+              </a:xfrm>
+              <a:prstGeom prst="straightConnector1">
+                <a:avLst/>
+              </a:prstGeom>
+              <a:ln>
+                <a:headEnd type="triangle"/>
+                <a:tailEnd type="triangle"/>
+              </a:ln>
+            </p:spPr>
+            <p:style>
+              <a:lnRef idx="2">
+                <a:schemeClr val="dk1"/>
+              </a:lnRef>
+              <a:fillRef idx="0">
+                <a:schemeClr val="dk1"/>
+              </a:fillRef>
+              <a:effectRef idx="1">
+                <a:schemeClr val="dk1"/>
+              </a:effectRef>
+              <a:fontRef idx="minor">
+                <a:schemeClr val="tx1"/>
+              </a:fontRef>
+            </p:style>
+          </p:cxnSp>
+          <p:cxnSp>
+            <p:nvCxnSpPr>
+              <p:cNvPr id="71" name="Straight Connector 70">
+                <a:extLst>
+                  <a:ext uri="{FF2B5EF4-FFF2-40B4-BE49-F238E27FC236}">
+                    <a16:creationId xmlns:a16="http://schemas.microsoft.com/office/drawing/2014/main" id="{2C04D775-A350-5727-717D-8E2EB44A5E60}"/>
+                  </a:ext>
+                </a:extLst>
+              </p:cNvPr>
+              <p:cNvCxnSpPr/>
+              <p:nvPr/>
+            </p:nvCxnSpPr>
+            <p:spPr>
+              <a:xfrm>
+                <a:off x="5329238" y="1231900"/>
+                <a:ext cx="347662" cy="0"/>
+              </a:xfrm>
+              <a:prstGeom prst="line">
+                <a:avLst/>
+              </a:prstGeom>
+            </p:spPr>
+            <p:style>
+              <a:lnRef idx="2">
+                <a:schemeClr val="dk1"/>
+              </a:lnRef>
+              <a:fillRef idx="0">
+                <a:schemeClr val="dk1"/>
+              </a:fillRef>
+              <a:effectRef idx="1">
+                <a:schemeClr val="dk1"/>
+              </a:effectRef>
+              <a:fontRef idx="minor">
+                <a:schemeClr val="tx1"/>
+              </a:fontRef>
+            </p:style>
+          </p:cxnSp>
+          <p:cxnSp>
+            <p:nvCxnSpPr>
+              <p:cNvPr id="72" name="Straight Connector 71">
+                <a:extLst>
+                  <a:ext uri="{FF2B5EF4-FFF2-40B4-BE49-F238E27FC236}">
+                    <a16:creationId xmlns:a16="http://schemas.microsoft.com/office/drawing/2014/main" id="{79A2E58C-440F-337E-7B07-EFDF6466D974}"/>
+                  </a:ext>
+                </a:extLst>
+              </p:cNvPr>
+              <p:cNvCxnSpPr/>
+              <p:nvPr/>
+            </p:nvCxnSpPr>
+            <p:spPr>
+              <a:xfrm>
+                <a:off x="5329238" y="1747335"/>
+                <a:ext cx="347662" cy="0"/>
+              </a:xfrm>
+              <a:prstGeom prst="line">
+                <a:avLst/>
+              </a:prstGeom>
+            </p:spPr>
+            <p:style>
+              <a:lnRef idx="2">
+                <a:schemeClr val="dk1"/>
+              </a:lnRef>
+              <a:fillRef idx="0">
+                <a:schemeClr val="dk1"/>
+              </a:fillRef>
+              <a:effectRef idx="1">
+                <a:schemeClr val="dk1"/>
+              </a:effectRef>
+              <a:fontRef idx="minor">
+                <a:schemeClr val="tx1"/>
+              </a:fontRef>
+            </p:style>
+          </p:cxnSp>
+          <p:cxnSp>
+            <p:nvCxnSpPr>
+              <p:cNvPr id="73" name="Straight Arrow Connector 72">
+                <a:extLst>
+                  <a:ext uri="{FF2B5EF4-FFF2-40B4-BE49-F238E27FC236}">
+                    <a16:creationId xmlns:a16="http://schemas.microsoft.com/office/drawing/2014/main" id="{42F2C75C-4D1F-F12D-83C5-B84C2DFFA1FE}"/>
+                  </a:ext>
+                </a:extLst>
+              </p:cNvPr>
+              <p:cNvCxnSpPr/>
+              <p:nvPr/>
+            </p:nvCxnSpPr>
+            <p:spPr>
+              <a:xfrm>
+                <a:off x="5510759" y="2341251"/>
+                <a:ext cx="0" cy="515435"/>
+              </a:xfrm>
+              <a:prstGeom prst="straightConnector1">
+                <a:avLst/>
+              </a:prstGeom>
+              <a:ln>
+                <a:headEnd type="triangle"/>
+                <a:tailEnd type="triangle"/>
+              </a:ln>
+            </p:spPr>
+            <p:style>
+              <a:lnRef idx="2">
+                <a:schemeClr val="dk1"/>
+              </a:lnRef>
+              <a:fillRef idx="0">
+                <a:schemeClr val="dk1"/>
+              </a:fillRef>
+              <a:effectRef idx="1">
+                <a:schemeClr val="dk1"/>
+              </a:effectRef>
+              <a:fontRef idx="minor">
+                <a:schemeClr val="tx1"/>
+              </a:fontRef>
+            </p:style>
+          </p:cxnSp>
+          <p:cxnSp>
+            <p:nvCxnSpPr>
+              <p:cNvPr id="74" name="Straight Connector 73">
+                <a:extLst>
+                  <a:ext uri="{FF2B5EF4-FFF2-40B4-BE49-F238E27FC236}">
+                    <a16:creationId xmlns:a16="http://schemas.microsoft.com/office/drawing/2014/main" id="{79EF31A9-B841-2679-DE90-D8C21D3FFD53}"/>
+                  </a:ext>
+                </a:extLst>
+              </p:cNvPr>
+              <p:cNvCxnSpPr/>
+              <p:nvPr/>
+            </p:nvCxnSpPr>
+            <p:spPr>
+              <a:xfrm>
+                <a:off x="5329238" y="2341251"/>
+                <a:ext cx="347662" cy="0"/>
+              </a:xfrm>
+              <a:prstGeom prst="line">
+                <a:avLst/>
+              </a:prstGeom>
+            </p:spPr>
+            <p:style>
+              <a:lnRef idx="2">
+                <a:schemeClr val="dk1"/>
+              </a:lnRef>
+              <a:fillRef idx="0">
+                <a:schemeClr val="dk1"/>
+              </a:fillRef>
+              <a:effectRef idx="1">
+                <a:schemeClr val="dk1"/>
+              </a:effectRef>
+              <a:fontRef idx="minor">
+                <a:schemeClr val="tx1"/>
+              </a:fontRef>
+            </p:style>
+          </p:cxnSp>
+          <p:cxnSp>
+            <p:nvCxnSpPr>
+              <p:cNvPr id="75" name="Straight Connector 74">
+                <a:extLst>
+                  <a:ext uri="{FF2B5EF4-FFF2-40B4-BE49-F238E27FC236}">
+                    <a16:creationId xmlns:a16="http://schemas.microsoft.com/office/drawing/2014/main" id="{01E03F6C-0D52-160A-17D5-28C2372EFC6B}"/>
+                  </a:ext>
+                </a:extLst>
+              </p:cNvPr>
+              <p:cNvCxnSpPr/>
+              <p:nvPr/>
+            </p:nvCxnSpPr>
+            <p:spPr>
+              <a:xfrm>
+                <a:off x="5329238" y="2856686"/>
+                <a:ext cx="347662" cy="0"/>
+              </a:xfrm>
+              <a:prstGeom prst="line">
+                <a:avLst/>
+              </a:prstGeom>
+            </p:spPr>
+            <p:style>
+              <a:lnRef idx="2">
+                <a:schemeClr val="dk1"/>
+              </a:lnRef>
+              <a:fillRef idx="0">
+                <a:schemeClr val="dk1"/>
+              </a:fillRef>
+              <a:effectRef idx="1">
+                <a:schemeClr val="dk1"/>
+              </a:effectRef>
+              <a:fontRef idx="minor">
+                <a:schemeClr val="tx1"/>
+              </a:fontRef>
+            </p:style>
+          </p:cxnSp>
+          <p:sp>
+            <p:nvSpPr>
+              <p:cNvPr id="76" name="TextBox 75">
+                <a:extLst>
+                  <a:ext uri="{FF2B5EF4-FFF2-40B4-BE49-F238E27FC236}">
+                    <a16:creationId xmlns:a16="http://schemas.microsoft.com/office/drawing/2014/main" id="{5A92A366-E767-5785-CE73-08BE619CB36C}"/>
+                  </a:ext>
+                </a:extLst>
+              </p:cNvPr>
+              <p:cNvSpPr txBox="1"/>
+              <p:nvPr/>
+            </p:nvSpPr>
+            <p:spPr>
+              <a:xfrm>
+                <a:off x="5779504" y="1170716"/>
+                <a:ext cx="1818126" cy="584775"/>
+              </a:xfrm>
+              <a:prstGeom prst="rect">
+                <a:avLst/>
+              </a:prstGeom>
+              <a:noFill/>
+            </p:spPr>
+            <p:txBody>
+              <a:bodyPr wrap="none" rtlCol="0">
+                <a:spAutoFit/>
+              </a:bodyPr>
+              <a:lstStyle/>
+              <a:p>
+                <a:r>
+                  <a:rPr lang="en-US" sz="1600" dirty="0"/>
+                  <a:t>4N allowed states</a:t>
+                </a:r>
+              </a:p>
+              <a:p>
+                <a:r>
+                  <a:rPr lang="en-US" sz="1600" dirty="0"/>
+                  <a:t>(conduction band)</a:t>
+                </a:r>
+              </a:p>
+            </p:txBody>
+          </p:sp>
+          <p:sp>
+            <p:nvSpPr>
+              <p:cNvPr id="77" name="TextBox 76">
+                <a:extLst>
+                  <a:ext uri="{FF2B5EF4-FFF2-40B4-BE49-F238E27FC236}">
+                    <a16:creationId xmlns:a16="http://schemas.microsoft.com/office/drawing/2014/main" id="{2532E835-23C7-E833-5329-A7F37B0418F1}"/>
+                  </a:ext>
+                </a:extLst>
+              </p:cNvPr>
+              <p:cNvSpPr txBox="1"/>
+              <p:nvPr/>
+            </p:nvSpPr>
+            <p:spPr>
+              <a:xfrm>
+                <a:off x="5779504" y="2325551"/>
+                <a:ext cx="1818126" cy="584775"/>
+              </a:xfrm>
+              <a:prstGeom prst="rect">
+                <a:avLst/>
+              </a:prstGeom>
+              <a:noFill/>
+            </p:spPr>
+            <p:txBody>
+              <a:bodyPr wrap="none" rtlCol="0">
+                <a:spAutoFit/>
+              </a:bodyPr>
+              <a:lstStyle/>
+              <a:p>
+                <a:r>
+                  <a:rPr lang="en-US" sz="1600" dirty="0"/>
+                  <a:t>4N allowed states</a:t>
+                </a:r>
+              </a:p>
+              <a:p>
+                <a:r>
+                  <a:rPr lang="en-US" sz="1600" dirty="0"/>
+                  <a:t>(valence band)</a:t>
+                </a:r>
+              </a:p>
+            </p:txBody>
+          </p:sp>
+          <p:sp>
+            <p:nvSpPr>
+              <p:cNvPr id="78" name="Right Brace 77">
+                <a:extLst>
+                  <a:ext uri="{FF2B5EF4-FFF2-40B4-BE49-F238E27FC236}">
+                    <a16:creationId xmlns:a16="http://schemas.microsoft.com/office/drawing/2014/main" id="{E6B4C6B0-2F92-ABA5-9B63-DFF72FE4E1AB}"/>
+                  </a:ext>
+                </a:extLst>
+              </p:cNvPr>
+              <p:cNvSpPr/>
+              <p:nvPr/>
+            </p:nvSpPr>
+            <p:spPr>
+              <a:xfrm>
+                <a:off x="5719762" y="1755490"/>
+                <a:ext cx="189095" cy="584769"/>
+              </a:xfrm>
+              <a:prstGeom prst="rightBrace">
+                <a:avLst>
+                  <a:gd name="adj1" fmla="val 43593"/>
+                  <a:gd name="adj2" fmla="val 50000"/>
+                </a:avLst>
+              </a:prstGeom>
+            </p:spPr>
+            <p:style>
+              <a:lnRef idx="2">
+                <a:schemeClr val="dk1"/>
+              </a:lnRef>
+              <a:fillRef idx="0">
+                <a:schemeClr val="dk1"/>
+              </a:fillRef>
+              <a:effectRef idx="1">
+                <a:schemeClr val="dk1"/>
+              </a:effectRef>
+              <a:fontRef idx="minor">
+                <a:schemeClr val="tx1"/>
+              </a:fontRef>
+            </p:style>
+            <p:txBody>
+              <a:bodyPr rtlCol="0" anchor="ctr"/>
+              <a:lstStyle/>
+              <a:p>
+                <a:pPr algn="ctr"/>
+                <a:endParaRPr lang="en-US"/>
+              </a:p>
+            </p:txBody>
+          </p:sp>
+          <p:sp>
+            <p:nvSpPr>
+              <p:cNvPr id="79" name="TextBox 78">
+                <a:extLst>
+                  <a:ext uri="{FF2B5EF4-FFF2-40B4-BE49-F238E27FC236}">
+                    <a16:creationId xmlns:a16="http://schemas.microsoft.com/office/drawing/2014/main" id="{83282B36-5CDF-AB12-61CF-218EA4E9E842}"/>
+                  </a:ext>
+                </a:extLst>
+              </p:cNvPr>
+              <p:cNvSpPr txBox="1"/>
+              <p:nvPr/>
+            </p:nvSpPr>
+            <p:spPr>
+              <a:xfrm>
+                <a:off x="5852184" y="1871244"/>
+                <a:ext cx="1672766" cy="338554"/>
+              </a:xfrm>
+              <a:prstGeom prst="rect">
+                <a:avLst/>
+              </a:prstGeom>
+              <a:noFill/>
+            </p:spPr>
+            <p:txBody>
+              <a:bodyPr wrap="none" rtlCol="0">
+                <a:spAutoFit/>
+              </a:bodyPr>
+              <a:lstStyle/>
+              <a:p>
+                <a:r>
+                  <a:rPr lang="en-US" sz="1600" dirty="0"/>
+                  <a:t>Forbidden states</a:t>
+                </a:r>
+              </a:p>
+            </p:txBody>
+          </p:sp>
+          <p:sp>
+            <p:nvSpPr>
+              <p:cNvPr id="80" name="TextBox 79">
+                <a:extLst>
+                  <a:ext uri="{FF2B5EF4-FFF2-40B4-BE49-F238E27FC236}">
+                    <a16:creationId xmlns:a16="http://schemas.microsoft.com/office/drawing/2014/main" id="{6BA3BCD9-3A8A-6026-260D-9330FD8B60C2}"/>
+                  </a:ext>
+                </a:extLst>
+              </p:cNvPr>
+              <p:cNvSpPr txBox="1"/>
+              <p:nvPr/>
+            </p:nvSpPr>
+            <p:spPr>
+              <a:xfrm>
+                <a:off x="6001378" y="637895"/>
+                <a:ext cx="1100892" cy="523220"/>
+              </a:xfrm>
+              <a:prstGeom prst="rect">
+                <a:avLst/>
+              </a:prstGeom>
+              <a:noFill/>
+            </p:spPr>
+            <p:txBody>
+              <a:bodyPr wrap="square" rtlCol="0">
+                <a:spAutoFit/>
+              </a:bodyPr>
+              <a:lstStyle/>
+              <a:p>
+                <a:r>
+                  <a:rPr lang="en-US" sz="1400" b="1" u="sng" dirty="0" err="1"/>
+                  <a:t>CrystallineSi</a:t>
+                </a:r>
+                <a:r>
+                  <a:rPr lang="en-US" sz="1400" b="1" u="sng" dirty="0"/>
+                  <a:t> N-atoms</a:t>
+                </a:r>
+              </a:p>
+            </p:txBody>
+          </p:sp>
+          <p:sp>
+            <p:nvSpPr>
+              <p:cNvPr id="119" name="Rectangle 118">
+                <a:extLst>
+                  <a:ext uri="{FF2B5EF4-FFF2-40B4-BE49-F238E27FC236}">
+                    <a16:creationId xmlns:a16="http://schemas.microsoft.com/office/drawing/2014/main" id="{9A274FA0-549D-3869-0EBD-FD068DCD3BC8}"/>
+                  </a:ext>
+                </a:extLst>
+              </p:cNvPr>
+              <p:cNvSpPr/>
+              <p:nvPr/>
+            </p:nvSpPr>
+            <p:spPr>
+              <a:xfrm>
+                <a:off x="4872646" y="637895"/>
+                <a:ext cx="2683826" cy="2539674"/>
+              </a:xfrm>
+              <a:prstGeom prst="rect">
+                <a:avLst/>
+              </a:prstGeom>
+              <a:noFill/>
+              <a:ln>
+                <a:solidFill>
+                  <a:schemeClr val="tx1"/>
+                </a:solidFill>
+              </a:ln>
+            </p:spPr>
+            <p:style>
+              <a:lnRef idx="2">
+                <a:schemeClr val="accent1">
+                  <a:shade val="15000"/>
+                </a:schemeClr>
+              </a:lnRef>
+              <a:fillRef idx="1">
+                <a:schemeClr val="accent1"/>
+              </a:fillRef>
+              <a:effectRef idx="0">
+                <a:schemeClr val="accent1"/>
+              </a:effectRef>
+              <a:fontRef idx="minor">
+                <a:schemeClr val="lt1"/>
+              </a:fontRef>
+            </p:style>
+            <p:txBody>
+              <a:bodyPr rtlCol="0" anchor="ctr"/>
+              <a:lstStyle/>
+              <a:p>
+                <a:pPr algn="ctr"/>
+                <a:endParaRPr lang="en-US"/>
+              </a:p>
+            </p:txBody>
+          </p:sp>
+        </p:grpSp>
+        <p:cxnSp>
+          <p:nvCxnSpPr>
+            <p:cNvPr id="124" name="Straight Arrow Connector 123">
+              <a:extLst>
+                <a:ext uri="{FF2B5EF4-FFF2-40B4-BE49-F238E27FC236}">
+                  <a16:creationId xmlns:a16="http://schemas.microsoft.com/office/drawing/2014/main" id="{CD9024B8-0C66-D396-39C0-C706B8FD1AEA}"/>
+                </a:ext>
+              </a:extLst>
+            </p:cNvPr>
+            <p:cNvCxnSpPr/>
+            <p:nvPr/>
+          </p:nvCxnSpPr>
+          <p:spPr>
+            <a:xfrm flipV="1">
+              <a:off x="2408415" y="3127022"/>
+              <a:ext cx="413365" cy="973937"/>
+            </a:xfrm>
+            <a:prstGeom prst="straightConnector1">
+              <a:avLst/>
+            </a:prstGeom>
+            <a:ln w="57150" cap="flat" cmpd="sng" algn="ctr">
+              <a:solidFill>
+                <a:schemeClr val="dk1"/>
+              </a:solidFill>
+              <a:prstDash val="solid"/>
+              <a:round/>
+              <a:headEnd type="none" w="med" len="med"/>
+              <a:tailEnd type="arrow" w="med" len="med"/>
+            </a:ln>
+          </p:spPr>
+          <p:style>
+            <a:lnRef idx="0">
+              <a:scrgbClr r="0" g="0" b="0"/>
+            </a:lnRef>
+            <a:fillRef idx="0">
+              <a:scrgbClr r="0" g="0" b="0"/>
+            </a:fillRef>
+            <a:effectRef idx="0">
+              <a:scrgbClr r="0" g="0" b="0"/>
+            </a:effectRef>
+            <a:fontRef idx="minor">
+              <a:schemeClr val="tx1"/>
+            </a:fontRef>
+          </p:style>
+        </p:cxnSp>
+        <p:cxnSp>
+          <p:nvCxnSpPr>
+            <p:cNvPr id="125" name="Straight Arrow Connector 124">
+              <a:extLst>
+                <a:ext uri="{FF2B5EF4-FFF2-40B4-BE49-F238E27FC236}">
+                  <a16:creationId xmlns:a16="http://schemas.microsoft.com/office/drawing/2014/main" id="{4DF89D63-1196-522C-9F78-B95E35D801BF}"/>
+                </a:ext>
+              </a:extLst>
+            </p:cNvPr>
+            <p:cNvCxnSpPr>
+              <a:cxnSpLocks/>
+            </p:cNvCxnSpPr>
+            <p:nvPr/>
+          </p:nvCxnSpPr>
+          <p:spPr>
+            <a:xfrm flipV="1">
+              <a:off x="4735859" y="3017900"/>
+              <a:ext cx="349973" cy="824579"/>
+            </a:xfrm>
+            <a:prstGeom prst="straightConnector1">
+              <a:avLst/>
+            </a:prstGeom>
+            <a:ln w="57150" cap="flat" cmpd="sng" algn="ctr">
+              <a:solidFill>
+                <a:schemeClr val="dk1"/>
+              </a:solidFill>
+              <a:prstDash val="solid"/>
+              <a:round/>
+              <a:headEnd type="none" w="med" len="med"/>
+              <a:tailEnd type="arrow" w="med" len="med"/>
+            </a:ln>
+          </p:spPr>
+          <p:style>
+            <a:lnRef idx="0">
+              <a:scrgbClr r="0" g="0" b="0"/>
+            </a:lnRef>
+            <a:fillRef idx="0">
+              <a:scrgbClr r="0" g="0" b="0"/>
+            </a:fillRef>
+            <a:effectRef idx="0">
+              <a:scrgbClr r="0" g="0" b="0"/>
+            </a:effectRef>
+            <a:fontRef idx="minor">
+              <a:schemeClr val="tx1"/>
+            </a:fontRef>
+          </p:style>
+        </p:cxnSp>
+      </p:grpSp>
+      <p:sp>
+        <p:nvSpPr>
+          <p:cNvPr id="129" name="TextBox 128">
+            <a:extLst>
+              <a:ext uri="{FF2B5EF4-FFF2-40B4-BE49-F238E27FC236}">
+                <a16:creationId xmlns:a16="http://schemas.microsoft.com/office/drawing/2014/main" id="{9D52739E-6BC8-C5B4-D426-F0363B82F2C5}"/>
+              </a:ext>
+            </a:extLst>
+          </p:cNvPr>
+          <p:cNvSpPr txBox="1"/>
+          <p:nvPr/>
+        </p:nvSpPr>
+        <p:spPr>
+          <a:xfrm>
+            <a:off x="244431" y="5597444"/>
+            <a:ext cx="2537361" cy="646331"/>
+          </a:xfrm>
+          <a:prstGeom prst="rect">
+            <a:avLst/>
+          </a:prstGeom>
+          <a:noFill/>
+        </p:spPr>
+        <p:txBody>
+          <a:bodyPr wrap="none" rtlCol="0">
+            <a:spAutoFit/>
+          </a:bodyPr>
+          <a:lstStyle/>
+          <a:p>
+            <a:r>
+              <a:rPr lang="en-US" dirty="0"/>
+              <a:t>Fig-semi-dev-band.png </a:t>
+            </a:r>
+          </a:p>
+          <a:p>
+            <a:r>
+              <a:rPr lang="en-US" dirty="0"/>
+              <a:t> R0 02/19/25</a:t>
+            </a:r>
+          </a:p>
+        </p:txBody>
+      </p:sp>
+      <p:sp>
+        <p:nvSpPr>
+          <p:cNvPr id="130" name="TextBox 129">
+            <a:extLst>
+              <a:ext uri="{FF2B5EF4-FFF2-40B4-BE49-F238E27FC236}">
+                <a16:creationId xmlns:a16="http://schemas.microsoft.com/office/drawing/2014/main" id="{87F059B9-88B3-C69C-9F22-FDCCA7C8293D}"/>
+              </a:ext>
+            </a:extLst>
+          </p:cNvPr>
+          <p:cNvSpPr txBox="1"/>
+          <p:nvPr/>
+        </p:nvSpPr>
+        <p:spPr>
+          <a:xfrm>
+            <a:off x="244431" y="6434401"/>
+            <a:ext cx="2229200" cy="338554"/>
+          </a:xfrm>
+          <a:prstGeom prst="rect">
+            <a:avLst/>
+          </a:prstGeom>
+          <a:noFill/>
+        </p:spPr>
+        <p:txBody>
+          <a:bodyPr wrap="none" rtlCol="0">
+            <a:spAutoFit/>
+          </a:bodyPr>
+          <a:lstStyle/>
+          <a:p>
+            <a:r>
+              <a:rPr lang="en-US" sz="1600" i="1" dirty="0"/>
+              <a:t>Ref: Fig 2.5 p-28 Pierret</a:t>
+            </a:r>
+          </a:p>
+        </p:txBody>
+      </p:sp>
+      <p:sp>
+        <p:nvSpPr>
+          <p:cNvPr id="132" name="TextBox 131">
+            <a:extLst>
+              <a:ext uri="{FF2B5EF4-FFF2-40B4-BE49-F238E27FC236}">
+                <a16:creationId xmlns:a16="http://schemas.microsoft.com/office/drawing/2014/main" id="{DC5A13CA-84D4-C633-B5EA-682DEF8F4CC9}"/>
+              </a:ext>
+            </a:extLst>
+          </p:cNvPr>
+          <p:cNvSpPr txBox="1"/>
+          <p:nvPr/>
+        </p:nvSpPr>
+        <p:spPr>
+          <a:xfrm>
+            <a:off x="278731" y="387033"/>
+            <a:ext cx="3793071" cy="1569660"/>
+          </a:xfrm>
+          <a:prstGeom prst="rect">
+            <a:avLst/>
+          </a:prstGeom>
+          <a:noFill/>
+        </p:spPr>
+        <p:txBody>
+          <a:bodyPr wrap="square">
+            <a:spAutoFit/>
+          </a:bodyPr>
+          <a:lstStyle/>
+          <a:p>
+            <a:r>
+              <a:rPr lang="en-US" sz="1600" dirty="0">
+                <a:latin typeface="Calibri" panose="020F0502020204030204" pitchFamily="34" charset="0"/>
+                <a:cs typeface="Calibri" panose="020F0502020204030204" pitchFamily="34" charset="0"/>
+              </a:rPr>
+              <a:t>Caption: Conceptual development of the energy band model starting with N isolated Si atoms on the top left, then showing the split bands for Crystalline SI N-atoms and concluding, at bottom right, with the popular version of the energy band model.</a:t>
+            </a:r>
+          </a:p>
+        </p:txBody>
+      </p:sp>
+    </p:spTree>
+    <p:extLst>
+      <p:ext uri="{BB962C8B-B14F-4D97-AF65-F5344CB8AC3E}">
+        <p14:creationId xmlns:p14="http://schemas.microsoft.com/office/powerpoint/2010/main" val="2317606830"/>
+      </p:ext>
+    </p:extLst>
+  </p:cSld>
+  <p:clrMapOvr>
+    <a:masterClrMapping/>
+  </p:clrMapOvr>
+</p:sld>
+</file>
+
+<file path=ppt/slides/slide30.xml><?xml version="1.0" encoding="utf-8"?>
 <p:sld xmlns:a="http://schemas.openxmlformats.org/drawingml/2006/main" xmlns:r="http://schemas.openxmlformats.org/officeDocument/2006/relationships" xmlns:p="http://schemas.openxmlformats.org/presentationml/2006/main">
   <p:cSld>
     <p:spTree>
@@ -16065,7 +20412,7 @@
 </p:sld>
 </file>
 
-<file path=ppt/slides/slide28.xml><?xml version="1.0" encoding="utf-8"?>
+<file path=ppt/slides/slide31.xml><?xml version="1.0" encoding="utf-8"?>
 <p:sld xmlns:a="http://schemas.openxmlformats.org/drawingml/2006/main" xmlns:r="http://schemas.openxmlformats.org/officeDocument/2006/relationships" xmlns:p="http://schemas.openxmlformats.org/presentationml/2006/main">
   <p:cSld>
     <p:spTree>
@@ -19170,7 +23517,7 @@
 </p:sld>
 </file>
 
-<file path=ppt/slides/slide29.xml><?xml version="1.0" encoding="utf-8"?>
+<file path=ppt/slides/slide32.xml><?xml version="1.0" encoding="utf-8"?>
 <p:sld xmlns:a="http://schemas.openxmlformats.org/drawingml/2006/main" xmlns:r="http://schemas.openxmlformats.org/officeDocument/2006/relationships" xmlns:p="http://schemas.openxmlformats.org/presentationml/2006/main">
   <p:cSld>
     <p:spTree>
@@ -21276,3332 +25623,7 @@
 </p:sld>
 </file>
 
-<file path=ppt/slides/slide3.xml><?xml version="1.0" encoding="utf-8"?>
-<p:sld xmlns:a="http://schemas.openxmlformats.org/drawingml/2006/main" xmlns:r="http://schemas.openxmlformats.org/officeDocument/2006/relationships" xmlns:p="http://schemas.openxmlformats.org/presentationml/2006/main">
-  <p:cSld>
-    <p:spTree>
-      <p:nvGrpSpPr>
-        <p:cNvPr id="1" name=""/>
-        <p:cNvGrpSpPr/>
-        <p:nvPr/>
-      </p:nvGrpSpPr>
-      <p:grpSpPr>
-        <a:xfrm>
-          <a:off x="0" y="0"/>
-          <a:ext cx="0" cy="0"/>
-          <a:chOff x="0" y="0"/>
-          <a:chExt cx="0" cy="0"/>
-        </a:xfrm>
-      </p:grpSpPr>
-      <p:grpSp>
-        <p:nvGrpSpPr>
-          <p:cNvPr id="128" name="Group 127">
-            <a:extLst>
-              <a:ext uri="{FF2B5EF4-FFF2-40B4-BE49-F238E27FC236}">
-                <a16:creationId xmlns:a16="http://schemas.microsoft.com/office/drawing/2014/main" id="{6AD0D0A2-E67D-4056-08A9-42909DA4813D}"/>
-              </a:ext>
-            </a:extLst>
-          </p:cNvPr>
-          <p:cNvGrpSpPr/>
-          <p:nvPr/>
-        </p:nvGrpSpPr>
-        <p:grpSpPr>
-          <a:xfrm>
-            <a:off x="4747709" y="423599"/>
-            <a:ext cx="6355962" cy="6010802"/>
-            <a:chOff x="1517474" y="478226"/>
-            <a:chExt cx="6355962" cy="6010802"/>
-          </a:xfrm>
-        </p:grpSpPr>
-        <p:grpSp>
-          <p:nvGrpSpPr>
-            <p:cNvPr id="127" name="Group 126">
-              <a:extLst>
-                <a:ext uri="{FF2B5EF4-FFF2-40B4-BE49-F238E27FC236}">
-                  <a16:creationId xmlns:a16="http://schemas.microsoft.com/office/drawing/2014/main" id="{8C5B5AE0-AE27-ECD6-F3DC-52B8C394E04C}"/>
-                </a:ext>
-              </a:extLst>
-            </p:cNvPr>
-            <p:cNvGrpSpPr/>
-            <p:nvPr/>
-          </p:nvGrpSpPr>
-          <p:grpSpPr>
-            <a:xfrm>
-              <a:off x="1517474" y="3484193"/>
-              <a:ext cx="4093709" cy="3004835"/>
-              <a:chOff x="1517474" y="3484193"/>
-              <a:chExt cx="4093709" cy="3004835"/>
-            </a:xfrm>
-          </p:grpSpPr>
-          <p:pic>
-            <p:nvPicPr>
-              <p:cNvPr id="3" name="Picture 2">
-                <a:extLst>
-                  <a:ext uri="{FF2B5EF4-FFF2-40B4-BE49-F238E27FC236}">
-                    <a16:creationId xmlns:a16="http://schemas.microsoft.com/office/drawing/2014/main" id="{EB62401B-4828-784B-0D7E-AE9ACDEB5033}"/>
-                  </a:ext>
-                </a:extLst>
-              </p:cNvPr>
-              <p:cNvPicPr>
-                <a:picLocks noChangeAspect="1"/>
-              </p:cNvPicPr>
-              <p:nvPr/>
-            </p:nvPicPr>
-            <p:blipFill>
-              <a:blip r:embed="rId2"/>
-              <a:stretch>
-                <a:fillRect/>
-              </a:stretch>
-            </p:blipFill>
-            <p:spPr>
-              <a:xfrm>
-                <a:off x="1835220" y="3484193"/>
-                <a:ext cx="3735122" cy="2147317"/>
-              </a:xfrm>
-              <a:prstGeom prst="rect">
-                <a:avLst/>
-              </a:prstGeom>
-            </p:spPr>
-          </p:pic>
-          <p:cxnSp>
-            <p:nvCxnSpPr>
-              <p:cNvPr id="5" name="Straight Arrow Connector 4">
-                <a:extLst>
-                  <a:ext uri="{FF2B5EF4-FFF2-40B4-BE49-F238E27FC236}">
-                    <a16:creationId xmlns:a16="http://schemas.microsoft.com/office/drawing/2014/main" id="{DF457D99-9AF5-7300-5E4F-CD83C02F4947}"/>
-                  </a:ext>
-                </a:extLst>
-              </p:cNvPr>
-              <p:cNvCxnSpPr>
-                <a:cxnSpLocks/>
-              </p:cNvCxnSpPr>
-              <p:nvPr/>
-            </p:nvCxnSpPr>
-            <p:spPr>
-              <a:xfrm>
-                <a:off x="2031559" y="5961563"/>
-                <a:ext cx="3579624" cy="0"/>
-              </a:xfrm>
-              <a:prstGeom prst="straightConnector1">
-                <a:avLst/>
-              </a:prstGeom>
-              <a:ln>
-                <a:tailEnd type="triangle"/>
-              </a:ln>
-            </p:spPr>
-            <p:style>
-              <a:lnRef idx="2">
-                <a:schemeClr val="dk1"/>
-              </a:lnRef>
-              <a:fillRef idx="0">
-                <a:schemeClr val="dk1"/>
-              </a:fillRef>
-              <a:effectRef idx="1">
-                <a:schemeClr val="dk1"/>
-              </a:effectRef>
-              <a:fontRef idx="minor">
-                <a:schemeClr val="tx1"/>
-              </a:fontRef>
-            </p:style>
-          </p:cxnSp>
-          <p:sp>
-            <p:nvSpPr>
-              <p:cNvPr id="7" name="TextBox 6">
-                <a:extLst>
-                  <a:ext uri="{FF2B5EF4-FFF2-40B4-BE49-F238E27FC236}">
-                    <a16:creationId xmlns:a16="http://schemas.microsoft.com/office/drawing/2014/main" id="{3F82C24C-C7BD-FFCD-8FC7-50FB8985CB2B}"/>
-                  </a:ext>
-                </a:extLst>
-              </p:cNvPr>
-              <p:cNvSpPr txBox="1"/>
-              <p:nvPr/>
-            </p:nvSpPr>
-            <p:spPr>
-              <a:xfrm>
-                <a:off x="2031559" y="5965808"/>
-                <a:ext cx="923577" cy="523220"/>
-              </a:xfrm>
-              <a:prstGeom prst="rect">
-                <a:avLst/>
-              </a:prstGeom>
-              <a:noFill/>
-            </p:spPr>
-            <p:txBody>
-              <a:bodyPr wrap="square" rtlCol="0">
-                <a:spAutoFit/>
-              </a:bodyPr>
-              <a:lstStyle/>
-              <a:p>
-                <a:r>
-                  <a:rPr lang="en-US" sz="1400" dirty="0"/>
-                  <a:t>Isolated Si atoms</a:t>
-                </a:r>
-              </a:p>
-            </p:txBody>
-          </p:sp>
-          <p:sp>
-            <p:nvSpPr>
-              <p:cNvPr id="8" name="TextBox 7">
-                <a:extLst>
-                  <a:ext uri="{FF2B5EF4-FFF2-40B4-BE49-F238E27FC236}">
-                    <a16:creationId xmlns:a16="http://schemas.microsoft.com/office/drawing/2014/main" id="{90569606-88B8-6362-A363-5F5049A94795}"/>
-                  </a:ext>
-                </a:extLst>
-              </p:cNvPr>
-              <p:cNvSpPr txBox="1"/>
-              <p:nvPr/>
-            </p:nvSpPr>
-            <p:spPr>
-              <a:xfrm>
-                <a:off x="2983444" y="5704198"/>
-                <a:ext cx="1704162" cy="523220"/>
-              </a:xfrm>
-              <a:prstGeom prst="rect">
-                <a:avLst/>
-              </a:prstGeom>
-              <a:noFill/>
-            </p:spPr>
-            <p:txBody>
-              <a:bodyPr wrap="square" rtlCol="0">
-                <a:spAutoFit/>
-              </a:bodyPr>
-              <a:lstStyle/>
-              <a:p>
-                <a:r>
-                  <a:rPr lang="en-US" sz="1400" dirty="0"/>
-                  <a:t>decreasing </a:t>
-                </a:r>
-              </a:p>
-              <a:p>
-                <a:r>
-                  <a:rPr lang="en-US" sz="1400" dirty="0"/>
-                  <a:t>atom spacing</a:t>
-                </a:r>
-              </a:p>
-            </p:txBody>
-          </p:sp>
-          <p:sp>
-            <p:nvSpPr>
-              <p:cNvPr id="9" name="TextBox 8">
-                <a:extLst>
-                  <a:ext uri="{FF2B5EF4-FFF2-40B4-BE49-F238E27FC236}">
-                    <a16:creationId xmlns:a16="http://schemas.microsoft.com/office/drawing/2014/main" id="{BBE3D9BC-0190-BBBA-8169-5AF915B59D25}"/>
-                  </a:ext>
-                </a:extLst>
-              </p:cNvPr>
-              <p:cNvSpPr txBox="1"/>
-              <p:nvPr/>
-            </p:nvSpPr>
-            <p:spPr>
-              <a:xfrm>
-                <a:off x="4687606" y="5965808"/>
-                <a:ext cx="923577" cy="523220"/>
-              </a:xfrm>
-              <a:prstGeom prst="rect">
-                <a:avLst/>
-              </a:prstGeom>
-              <a:noFill/>
-            </p:spPr>
-            <p:txBody>
-              <a:bodyPr wrap="square" rtlCol="0">
-                <a:spAutoFit/>
-              </a:bodyPr>
-              <a:lstStyle/>
-              <a:p>
-                <a:r>
-                  <a:rPr lang="en-US" sz="1400" dirty="0"/>
-                  <a:t>Si lattice spacing</a:t>
-                </a:r>
-              </a:p>
-            </p:txBody>
-          </p:sp>
-          <p:cxnSp>
-            <p:nvCxnSpPr>
-              <p:cNvPr id="11" name="Straight Arrow Connector 10">
-                <a:extLst>
-                  <a:ext uri="{FF2B5EF4-FFF2-40B4-BE49-F238E27FC236}">
-                    <a16:creationId xmlns:a16="http://schemas.microsoft.com/office/drawing/2014/main" id="{A53968FE-EE89-08B3-1D31-4BB4BD44B316}"/>
-                  </a:ext>
-                </a:extLst>
-              </p:cNvPr>
-              <p:cNvCxnSpPr/>
-              <p:nvPr/>
-            </p:nvCxnSpPr>
-            <p:spPr>
-              <a:xfrm flipV="1">
-                <a:off x="1825251" y="4222420"/>
-                <a:ext cx="0" cy="1604889"/>
-              </a:xfrm>
-              <a:prstGeom prst="straightConnector1">
-                <a:avLst/>
-              </a:prstGeom>
-              <a:ln>
-                <a:tailEnd type="triangle"/>
-              </a:ln>
-            </p:spPr>
-            <p:style>
-              <a:lnRef idx="2">
-                <a:schemeClr val="dk1"/>
-              </a:lnRef>
-              <a:fillRef idx="0">
-                <a:schemeClr val="dk1"/>
-              </a:fillRef>
-              <a:effectRef idx="1">
-                <a:schemeClr val="dk1"/>
-              </a:effectRef>
-              <a:fontRef idx="minor">
-                <a:schemeClr val="tx1"/>
-              </a:fontRef>
-            </p:style>
-          </p:cxnSp>
-          <p:sp>
-            <p:nvSpPr>
-              <p:cNvPr id="12" name="TextBox 11">
-                <a:extLst>
-                  <a:ext uri="{FF2B5EF4-FFF2-40B4-BE49-F238E27FC236}">
-                    <a16:creationId xmlns:a16="http://schemas.microsoft.com/office/drawing/2014/main" id="{0E58B66F-6762-A9BD-293A-8B5C238AC0C4}"/>
-                  </a:ext>
-                </a:extLst>
-              </p:cNvPr>
-              <p:cNvSpPr txBox="1"/>
-              <p:nvPr/>
-            </p:nvSpPr>
-            <p:spPr>
-              <a:xfrm rot="16200000">
-                <a:off x="819282" y="4821339"/>
-                <a:ext cx="1704162" cy="307777"/>
-              </a:xfrm>
-              <a:prstGeom prst="rect">
-                <a:avLst/>
-              </a:prstGeom>
-              <a:noFill/>
-            </p:spPr>
-            <p:txBody>
-              <a:bodyPr wrap="square" rtlCol="0">
-                <a:spAutoFit/>
-              </a:bodyPr>
-              <a:lstStyle/>
-              <a:p>
-                <a:r>
-                  <a:rPr lang="en-US" sz="1400" dirty="0"/>
-                  <a:t>Electron energy</a:t>
-                </a:r>
-              </a:p>
-            </p:txBody>
-          </p:sp>
-          <p:cxnSp>
-            <p:nvCxnSpPr>
-              <p:cNvPr id="14" name="Straight Connector 13">
-                <a:extLst>
-                  <a:ext uri="{FF2B5EF4-FFF2-40B4-BE49-F238E27FC236}">
-                    <a16:creationId xmlns:a16="http://schemas.microsoft.com/office/drawing/2014/main" id="{FEE86C1C-273D-AB81-043F-342C408CA654}"/>
-                  </a:ext>
-                </a:extLst>
-              </p:cNvPr>
-              <p:cNvCxnSpPr>
-                <a:cxnSpLocks/>
-              </p:cNvCxnSpPr>
-              <p:nvPr/>
-            </p:nvCxnSpPr>
-            <p:spPr>
-              <a:xfrm flipV="1">
-                <a:off x="2441576" y="4208312"/>
-                <a:ext cx="0" cy="1846762"/>
-              </a:xfrm>
-              <a:prstGeom prst="line">
-                <a:avLst/>
-              </a:prstGeom>
-            </p:spPr>
-            <p:style>
-              <a:lnRef idx="2">
-                <a:schemeClr val="dk1"/>
-              </a:lnRef>
-              <a:fillRef idx="0">
-                <a:schemeClr val="dk1"/>
-              </a:fillRef>
-              <a:effectRef idx="1">
-                <a:schemeClr val="dk1"/>
-              </a:effectRef>
-              <a:fontRef idx="minor">
-                <a:schemeClr val="tx1"/>
-              </a:fontRef>
-            </p:style>
-          </p:cxnSp>
-        </p:grpSp>
-        <p:grpSp>
-          <p:nvGrpSpPr>
-            <p:cNvPr id="122" name="Group 121">
-              <a:extLst>
-                <a:ext uri="{FF2B5EF4-FFF2-40B4-BE49-F238E27FC236}">
-                  <a16:creationId xmlns:a16="http://schemas.microsoft.com/office/drawing/2014/main" id="{9AD5EC65-E5C8-31E8-FD27-D574816AFC70}"/>
-                </a:ext>
-              </a:extLst>
-            </p:cNvPr>
-            <p:cNvGrpSpPr/>
-            <p:nvPr/>
-          </p:nvGrpSpPr>
-          <p:grpSpPr>
-            <a:xfrm>
-              <a:off x="5947198" y="3651093"/>
-              <a:ext cx="1926238" cy="2310470"/>
-              <a:chOff x="8061378" y="923260"/>
-              <a:chExt cx="1926238" cy="2310470"/>
-            </a:xfrm>
-          </p:grpSpPr>
-          <p:sp>
-            <p:nvSpPr>
-              <p:cNvPr id="81" name="TextBox 80">
-                <a:extLst>
-                  <a:ext uri="{FF2B5EF4-FFF2-40B4-BE49-F238E27FC236}">
-                    <a16:creationId xmlns:a16="http://schemas.microsoft.com/office/drawing/2014/main" id="{08F803B8-7166-7420-83A3-7A19A3AAA12A}"/>
-                  </a:ext>
-                </a:extLst>
-              </p:cNvPr>
-              <p:cNvSpPr txBox="1"/>
-              <p:nvPr/>
-            </p:nvSpPr>
-            <p:spPr>
-              <a:xfrm rot="16200000">
-                <a:off x="7363186" y="1850718"/>
-                <a:ext cx="1704162" cy="307777"/>
-              </a:xfrm>
-              <a:prstGeom prst="rect">
-                <a:avLst/>
-              </a:prstGeom>
-              <a:noFill/>
-            </p:spPr>
-            <p:txBody>
-              <a:bodyPr wrap="square" rtlCol="0">
-                <a:spAutoFit/>
-              </a:bodyPr>
-              <a:lstStyle/>
-              <a:p>
-                <a:r>
-                  <a:rPr lang="en-US" sz="1400" dirty="0"/>
-                  <a:t>Electron energy</a:t>
-                </a:r>
-              </a:p>
-            </p:txBody>
-          </p:sp>
-          <p:sp>
-            <p:nvSpPr>
-              <p:cNvPr id="82" name="TextBox 81">
-                <a:extLst>
-                  <a:ext uri="{FF2B5EF4-FFF2-40B4-BE49-F238E27FC236}">
-                    <a16:creationId xmlns:a16="http://schemas.microsoft.com/office/drawing/2014/main" id="{B8CE9C50-5F8F-D2BF-4C47-B089EF8E3E52}"/>
-                  </a:ext>
-                </a:extLst>
-              </p:cNvPr>
-              <p:cNvSpPr txBox="1"/>
-              <p:nvPr/>
-            </p:nvSpPr>
-            <p:spPr>
-              <a:xfrm>
-                <a:off x="8160668" y="923260"/>
-                <a:ext cx="312906" cy="369332"/>
-              </a:xfrm>
-              <a:prstGeom prst="rect">
-                <a:avLst/>
-              </a:prstGeom>
-              <a:noFill/>
-            </p:spPr>
-            <p:txBody>
-              <a:bodyPr wrap="none" rtlCol="0">
-                <a:spAutoFit/>
-              </a:bodyPr>
-              <a:lstStyle/>
-              <a:p>
-                <a:r>
-                  <a:rPr lang="en-US" dirty="0"/>
-                  <a:t>E</a:t>
-                </a:r>
-              </a:p>
-            </p:txBody>
-          </p:sp>
-          <p:cxnSp>
-            <p:nvCxnSpPr>
-              <p:cNvPr id="83" name="Straight Arrow Connector 82">
-                <a:extLst>
-                  <a:ext uri="{FF2B5EF4-FFF2-40B4-BE49-F238E27FC236}">
-                    <a16:creationId xmlns:a16="http://schemas.microsoft.com/office/drawing/2014/main" id="{E4DB9E99-DE8D-B149-F382-1B30DDE5CC2D}"/>
-                  </a:ext>
-                </a:extLst>
-              </p:cNvPr>
-              <p:cNvCxnSpPr/>
-              <p:nvPr/>
-            </p:nvCxnSpPr>
-            <p:spPr>
-              <a:xfrm flipV="1">
-                <a:off x="8369156" y="1251798"/>
-                <a:ext cx="0" cy="1604889"/>
-              </a:xfrm>
-              <a:prstGeom prst="straightConnector1">
-                <a:avLst/>
-              </a:prstGeom>
-              <a:ln>
-                <a:tailEnd type="triangle"/>
-              </a:ln>
-            </p:spPr>
-            <p:style>
-              <a:lnRef idx="2">
-                <a:schemeClr val="dk1"/>
-              </a:lnRef>
-              <a:fillRef idx="0">
-                <a:schemeClr val="dk1"/>
-              </a:fillRef>
-              <a:effectRef idx="1">
-                <a:schemeClr val="dk1"/>
-              </a:effectRef>
-              <a:fontRef idx="minor">
-                <a:schemeClr val="tx1"/>
-              </a:fontRef>
-            </p:style>
-          </p:cxnSp>
-          <p:cxnSp>
-            <p:nvCxnSpPr>
-              <p:cNvPr id="84" name="Straight Connector 83">
-                <a:extLst>
-                  <a:ext uri="{FF2B5EF4-FFF2-40B4-BE49-F238E27FC236}">
-                    <a16:creationId xmlns:a16="http://schemas.microsoft.com/office/drawing/2014/main" id="{ACF8EA36-5197-EBCC-DB32-9A2AC2BA5DAC}"/>
-                  </a:ext>
-                </a:extLst>
-              </p:cNvPr>
-              <p:cNvCxnSpPr>
-                <a:cxnSpLocks/>
-              </p:cNvCxnSpPr>
-              <p:nvPr/>
-            </p:nvCxnSpPr>
-            <p:spPr>
-              <a:xfrm>
-                <a:off x="8701088" y="1231900"/>
-                <a:ext cx="893762" cy="0"/>
-              </a:xfrm>
-              <a:prstGeom prst="line">
-                <a:avLst/>
-              </a:prstGeom>
-            </p:spPr>
-            <p:style>
-              <a:lnRef idx="2">
-                <a:schemeClr val="dk1"/>
-              </a:lnRef>
-              <a:fillRef idx="0">
-                <a:schemeClr val="dk1"/>
-              </a:fillRef>
-              <a:effectRef idx="1">
-                <a:schemeClr val="dk1"/>
-              </a:effectRef>
-              <a:fontRef idx="minor">
-                <a:schemeClr val="tx1"/>
-              </a:fontRef>
-            </p:style>
-          </p:cxnSp>
-          <p:cxnSp>
-            <p:nvCxnSpPr>
-              <p:cNvPr id="85" name="Straight Connector 84">
-                <a:extLst>
-                  <a:ext uri="{FF2B5EF4-FFF2-40B4-BE49-F238E27FC236}">
-                    <a16:creationId xmlns:a16="http://schemas.microsoft.com/office/drawing/2014/main" id="{29B14F6B-AE48-DA2D-E4F7-C1C032450C74}"/>
-                  </a:ext>
-                </a:extLst>
-              </p:cNvPr>
-              <p:cNvCxnSpPr>
-                <a:cxnSpLocks/>
-              </p:cNvCxnSpPr>
-              <p:nvPr/>
-            </p:nvCxnSpPr>
-            <p:spPr>
-              <a:xfrm>
-                <a:off x="8701088" y="1747335"/>
-                <a:ext cx="893762" cy="0"/>
-              </a:xfrm>
-              <a:prstGeom prst="line">
-                <a:avLst/>
-              </a:prstGeom>
-            </p:spPr>
-            <p:style>
-              <a:lnRef idx="2">
-                <a:schemeClr val="dk1"/>
-              </a:lnRef>
-              <a:fillRef idx="0">
-                <a:schemeClr val="dk1"/>
-              </a:fillRef>
-              <a:effectRef idx="1">
-                <a:schemeClr val="dk1"/>
-              </a:effectRef>
-              <a:fontRef idx="minor">
-                <a:schemeClr val="tx1"/>
-              </a:fontRef>
-            </p:style>
-          </p:cxnSp>
-          <p:cxnSp>
-            <p:nvCxnSpPr>
-              <p:cNvPr id="86" name="Straight Connector 85">
-                <a:extLst>
-                  <a:ext uri="{FF2B5EF4-FFF2-40B4-BE49-F238E27FC236}">
-                    <a16:creationId xmlns:a16="http://schemas.microsoft.com/office/drawing/2014/main" id="{B6CB3A88-B0B4-4225-2189-7C982A0B3D55}"/>
-                  </a:ext>
-                </a:extLst>
-              </p:cNvPr>
-              <p:cNvCxnSpPr>
-                <a:cxnSpLocks/>
-              </p:cNvCxnSpPr>
-              <p:nvPr/>
-            </p:nvCxnSpPr>
-            <p:spPr>
-              <a:xfrm>
-                <a:off x="8701088" y="2341251"/>
-                <a:ext cx="893762" cy="0"/>
-              </a:xfrm>
-              <a:prstGeom prst="line">
-                <a:avLst/>
-              </a:prstGeom>
-            </p:spPr>
-            <p:style>
-              <a:lnRef idx="2">
-                <a:schemeClr val="dk1"/>
-              </a:lnRef>
-              <a:fillRef idx="0">
-                <a:schemeClr val="dk1"/>
-              </a:fillRef>
-              <a:effectRef idx="1">
-                <a:schemeClr val="dk1"/>
-              </a:effectRef>
-              <a:fontRef idx="minor">
-                <a:schemeClr val="tx1"/>
-              </a:fontRef>
-            </p:style>
-          </p:cxnSp>
-          <p:cxnSp>
-            <p:nvCxnSpPr>
-              <p:cNvPr id="87" name="Straight Connector 86">
-                <a:extLst>
-                  <a:ext uri="{FF2B5EF4-FFF2-40B4-BE49-F238E27FC236}">
-                    <a16:creationId xmlns:a16="http://schemas.microsoft.com/office/drawing/2014/main" id="{B0B653FF-1A25-40F8-6F19-D3B722292221}"/>
-                  </a:ext>
-                </a:extLst>
-              </p:cNvPr>
-              <p:cNvCxnSpPr>
-                <a:cxnSpLocks/>
-              </p:cNvCxnSpPr>
-              <p:nvPr/>
-            </p:nvCxnSpPr>
-            <p:spPr>
-              <a:xfrm>
-                <a:off x="8701088" y="2856686"/>
-                <a:ext cx="893762" cy="0"/>
-              </a:xfrm>
-              <a:prstGeom prst="line">
-                <a:avLst/>
-              </a:prstGeom>
-            </p:spPr>
-            <p:style>
-              <a:lnRef idx="2">
-                <a:schemeClr val="dk1"/>
-              </a:lnRef>
-              <a:fillRef idx="0">
-                <a:schemeClr val="dk1"/>
-              </a:fillRef>
-              <a:effectRef idx="1">
-                <a:schemeClr val="dk1"/>
-              </a:effectRef>
-              <a:fontRef idx="minor">
-                <a:schemeClr val="tx1"/>
-              </a:fontRef>
-            </p:style>
-          </p:cxnSp>
-          <p:cxnSp>
-            <p:nvCxnSpPr>
-              <p:cNvPr id="104" name="Straight Arrow Connector 103">
-                <a:extLst>
-                  <a:ext uri="{FF2B5EF4-FFF2-40B4-BE49-F238E27FC236}">
-                    <a16:creationId xmlns:a16="http://schemas.microsoft.com/office/drawing/2014/main" id="{1A5336AA-ADCB-0704-9E2F-433D738F1971}"/>
-                  </a:ext>
-                </a:extLst>
-              </p:cNvPr>
-              <p:cNvCxnSpPr>
-                <a:cxnSpLocks/>
-              </p:cNvCxnSpPr>
-              <p:nvPr/>
-            </p:nvCxnSpPr>
-            <p:spPr>
-              <a:xfrm>
-                <a:off x="8838159" y="1790761"/>
-                <a:ext cx="0" cy="534790"/>
-              </a:xfrm>
-              <a:prstGeom prst="straightConnector1">
-                <a:avLst/>
-              </a:prstGeom>
-              <a:ln>
-                <a:headEnd type="triangle"/>
-                <a:tailEnd type="triangle"/>
-              </a:ln>
-            </p:spPr>
-            <p:style>
-              <a:lnRef idx="2">
-                <a:schemeClr val="dk1"/>
-              </a:lnRef>
-              <a:fillRef idx="0">
-                <a:schemeClr val="dk1"/>
-              </a:fillRef>
-              <a:effectRef idx="1">
-                <a:schemeClr val="dk1"/>
-              </a:effectRef>
-              <a:fontRef idx="minor">
-                <a:schemeClr val="tx1"/>
-              </a:fontRef>
-            </p:style>
-          </p:cxnSp>
-          <p:sp>
-            <p:nvSpPr>
-              <p:cNvPr id="107" name="TextBox 106">
-                <a:extLst>
-                  <a:ext uri="{FF2B5EF4-FFF2-40B4-BE49-F238E27FC236}">
-                    <a16:creationId xmlns:a16="http://schemas.microsoft.com/office/drawing/2014/main" id="{F0401A80-4464-0537-6849-B898B9AA2BB3}"/>
-                  </a:ext>
-                </a:extLst>
-              </p:cNvPr>
-              <p:cNvSpPr txBox="1"/>
-              <p:nvPr/>
-            </p:nvSpPr>
-            <p:spPr>
-              <a:xfrm>
-                <a:off x="8742056" y="1190286"/>
-                <a:ext cx="811825" cy="584775"/>
-              </a:xfrm>
-              <a:prstGeom prst="rect">
-                <a:avLst/>
-              </a:prstGeom>
-              <a:noFill/>
-            </p:spPr>
-            <p:txBody>
-              <a:bodyPr wrap="none" rtlCol="0">
-                <a:spAutoFit/>
-              </a:bodyPr>
-              <a:lstStyle/>
-              <a:p>
-                <a:r>
-                  <a:rPr lang="en-US" sz="1600" dirty="0"/>
-                  <a:t>Mostly </a:t>
-                </a:r>
-              </a:p>
-              <a:p>
-                <a:r>
-                  <a:rPr lang="en-US" sz="1600" dirty="0"/>
-                  <a:t>empty</a:t>
-                </a:r>
-              </a:p>
-            </p:txBody>
-          </p:sp>
-          <p:sp>
-            <p:nvSpPr>
-              <p:cNvPr id="108" name="TextBox 107">
-                <a:extLst>
-                  <a:ext uri="{FF2B5EF4-FFF2-40B4-BE49-F238E27FC236}">
-                    <a16:creationId xmlns:a16="http://schemas.microsoft.com/office/drawing/2014/main" id="{12484F34-FAC2-4326-2DB0-12298249E732}"/>
-                  </a:ext>
-                </a:extLst>
-              </p:cNvPr>
-              <p:cNvSpPr txBox="1"/>
-              <p:nvPr/>
-            </p:nvSpPr>
-            <p:spPr>
-              <a:xfrm>
-                <a:off x="8742056" y="2290495"/>
-                <a:ext cx="811825" cy="584775"/>
-              </a:xfrm>
-              <a:prstGeom prst="rect">
-                <a:avLst/>
-              </a:prstGeom>
-              <a:noFill/>
-            </p:spPr>
-            <p:txBody>
-              <a:bodyPr wrap="none" rtlCol="0">
-                <a:spAutoFit/>
-              </a:bodyPr>
-              <a:lstStyle/>
-              <a:p>
-                <a:r>
-                  <a:rPr lang="en-US" sz="1600" dirty="0"/>
-                  <a:t>Mostly </a:t>
-                </a:r>
-              </a:p>
-              <a:p>
-                <a:r>
-                  <a:rPr lang="en-US" sz="1600" dirty="0"/>
-                  <a:t>filled</a:t>
-                </a:r>
-              </a:p>
-            </p:txBody>
-          </p:sp>
-          <mc:AlternateContent xmlns:mc="http://schemas.openxmlformats.org/markup-compatibility/2006" xmlns:a14="http://schemas.microsoft.com/office/drawing/2010/main">
-            <mc:Choice Requires="a14">
-              <p:sp>
-                <p:nvSpPr>
-                  <p:cNvPr id="109" name="TextBox 108">
-                    <a:extLst>
-                      <a:ext uri="{FF2B5EF4-FFF2-40B4-BE49-F238E27FC236}">
-                        <a16:creationId xmlns:a16="http://schemas.microsoft.com/office/drawing/2014/main" id="{12AB2AFE-654A-297B-4DAF-761A4C6A875B}"/>
-                      </a:ext>
-                    </a:extLst>
-                  </p:cNvPr>
-                  <p:cNvSpPr txBox="1"/>
-                  <p:nvPr/>
-                </p:nvSpPr>
-                <p:spPr>
-                  <a:xfrm>
-                    <a:off x="9569938" y="1107925"/>
-                    <a:ext cx="417678" cy="265201"/>
-                  </a:xfrm>
-                  <a:prstGeom prst="rect">
-                    <a:avLst/>
-                  </a:prstGeom>
-                  <a:noFill/>
-                </p:spPr>
-                <p:txBody>
-                  <a:bodyPr wrap="none" lIns="0" tIns="0" rIns="0" bIns="0" rtlCol="0">
-                    <a:spAutoFit/>
-                  </a:bodyPr>
-                  <a:lstStyle/>
-                  <a:p>
-                    <a:pPr/>
-                    <a14:m>
-                      <m:oMathPara xmlns:m="http://schemas.openxmlformats.org/officeDocument/2006/math">
-                        <m:oMathParaPr>
-                          <m:jc m:val="centerGroup"/>
-                        </m:oMathParaPr>
-                        <m:oMath xmlns:m="http://schemas.openxmlformats.org/officeDocument/2006/math">
-                          <m:sSub>
-                            <m:sSubPr>
-                              <m:ctrlPr>
-                                <a:rPr lang="en-US" sz="1600" b="0" i="1" smtClean="0">
-                                  <a:latin typeface="Cambria Math" panose="02040503050406030204" pitchFamily="18" charset="0"/>
-                                </a:rPr>
-                              </m:ctrlPr>
-                            </m:sSubPr>
-                            <m:e>
-                              <m:r>
-                                <a:rPr lang="en-US" sz="1600" b="0" i="1" smtClean="0">
-                                  <a:latin typeface="Cambria Math" panose="02040503050406030204" pitchFamily="18" charset="0"/>
-                                </a:rPr>
-                                <m:t>𝐸</m:t>
-                              </m:r>
-                            </m:e>
-                            <m:sub>
-                              <m:r>
-                                <a:rPr lang="en-US" sz="1600" b="0" i="1" smtClean="0">
-                                  <a:latin typeface="Cambria Math" panose="02040503050406030204" pitchFamily="18" charset="0"/>
-                                </a:rPr>
-                                <m:t>𝑡𝑜𝑝</m:t>
-                              </m:r>
-                            </m:sub>
-                          </m:sSub>
-                        </m:oMath>
-                      </m:oMathPara>
-                    </a14:m>
-                    <a:endParaRPr lang="en-US" dirty="0"/>
-                  </a:p>
-                </p:txBody>
-              </p:sp>
-            </mc:Choice>
-            <mc:Fallback xmlns="">
-              <p:sp>
-                <p:nvSpPr>
-                  <p:cNvPr id="109" name="TextBox 108">
-                    <a:extLst>
-                      <a:ext uri="{FF2B5EF4-FFF2-40B4-BE49-F238E27FC236}">
-                        <a16:creationId xmlns:a16="http://schemas.microsoft.com/office/drawing/2014/main" id="{12AB2AFE-654A-297B-4DAF-761A4C6A875B}"/>
-                      </a:ext>
-                    </a:extLst>
-                  </p:cNvPr>
-                  <p:cNvSpPr txBox="1">
-                    <a:spLocks noRot="1" noChangeAspect="1" noMove="1" noResize="1" noEditPoints="1" noAdjustHandles="1" noChangeArrowheads="1" noChangeShapeType="1" noTextEdit="1"/>
-                  </p:cNvSpPr>
-                  <p:nvPr/>
-                </p:nvSpPr>
-                <p:spPr>
-                  <a:xfrm>
-                    <a:off x="9569938" y="1107925"/>
-                    <a:ext cx="417678" cy="265201"/>
-                  </a:xfrm>
-                  <a:prstGeom prst="rect">
-                    <a:avLst/>
-                  </a:prstGeom>
-                  <a:blipFill>
-                    <a:blip r:embed="rId3"/>
-                    <a:stretch>
-                      <a:fillRect l="-11765" r="-7353" b="-25000"/>
-                    </a:stretch>
-                  </a:blipFill>
-                </p:spPr>
-                <p:txBody>
-                  <a:bodyPr/>
-                  <a:lstStyle/>
-                  <a:p>
-                    <a:r>
-                      <a:rPr lang="en-US">
-                        <a:noFill/>
-                      </a:rPr>
-                      <a:t> </a:t>
-                    </a:r>
-                  </a:p>
-                </p:txBody>
-              </p:sp>
-            </mc:Fallback>
-          </mc:AlternateContent>
-          <mc:AlternateContent xmlns:mc="http://schemas.openxmlformats.org/markup-compatibility/2006" xmlns:a14="http://schemas.microsoft.com/office/drawing/2010/main">
-            <mc:Choice Requires="a14">
-              <p:sp>
-                <p:nvSpPr>
-                  <p:cNvPr id="110" name="TextBox 109">
-                    <a:extLst>
-                      <a:ext uri="{FF2B5EF4-FFF2-40B4-BE49-F238E27FC236}">
-                        <a16:creationId xmlns:a16="http://schemas.microsoft.com/office/drawing/2014/main" id="{76884A33-7C8F-2E9F-5C53-152314F37746}"/>
-                      </a:ext>
-                    </a:extLst>
-                  </p:cNvPr>
-                  <p:cNvSpPr txBox="1"/>
-                  <p:nvPr/>
-                </p:nvSpPr>
-                <p:spPr>
-                  <a:xfrm>
-                    <a:off x="9569938" y="1614734"/>
-                    <a:ext cx="247504" cy="246221"/>
-                  </a:xfrm>
-                  <a:prstGeom prst="rect">
-                    <a:avLst/>
-                  </a:prstGeom>
-                  <a:noFill/>
-                </p:spPr>
-                <p:txBody>
-                  <a:bodyPr wrap="none" lIns="0" tIns="0" rIns="0" bIns="0" rtlCol="0">
-                    <a:spAutoFit/>
-                  </a:bodyPr>
-                  <a:lstStyle/>
-                  <a:p>
-                    <a:pPr/>
-                    <a14:m>
-                      <m:oMathPara xmlns:m="http://schemas.openxmlformats.org/officeDocument/2006/math">
-                        <m:oMathParaPr>
-                          <m:jc m:val="centerGroup"/>
-                        </m:oMathParaPr>
-                        <m:oMath xmlns:m="http://schemas.openxmlformats.org/officeDocument/2006/math">
-                          <m:sSub>
-                            <m:sSubPr>
-                              <m:ctrlPr>
-                                <a:rPr lang="en-US" sz="1600" b="0" i="1" smtClean="0">
-                                  <a:latin typeface="Cambria Math" panose="02040503050406030204" pitchFamily="18" charset="0"/>
-                                </a:rPr>
-                              </m:ctrlPr>
-                            </m:sSubPr>
-                            <m:e>
-                              <m:r>
-                                <a:rPr lang="en-US" sz="1600" b="0" i="1" smtClean="0">
-                                  <a:latin typeface="Cambria Math" panose="02040503050406030204" pitchFamily="18" charset="0"/>
-                                </a:rPr>
-                                <m:t>𝐸</m:t>
-                              </m:r>
-                            </m:e>
-                            <m:sub>
-                              <m:r>
-                                <a:rPr lang="en-US" sz="1600" b="0" i="1" smtClean="0">
-                                  <a:latin typeface="Cambria Math" panose="02040503050406030204" pitchFamily="18" charset="0"/>
-                                </a:rPr>
-                                <m:t>𝑐</m:t>
-                              </m:r>
-                            </m:sub>
-                          </m:sSub>
-                        </m:oMath>
-                      </m:oMathPara>
-                    </a14:m>
-                    <a:endParaRPr lang="en-US" dirty="0"/>
-                  </a:p>
-                </p:txBody>
-              </p:sp>
-            </mc:Choice>
-            <mc:Fallback xmlns="">
-              <p:sp>
-                <p:nvSpPr>
-                  <p:cNvPr id="110" name="TextBox 109">
-                    <a:extLst>
-                      <a:ext uri="{FF2B5EF4-FFF2-40B4-BE49-F238E27FC236}">
-                        <a16:creationId xmlns:a16="http://schemas.microsoft.com/office/drawing/2014/main" id="{76884A33-7C8F-2E9F-5C53-152314F37746}"/>
-                      </a:ext>
-                    </a:extLst>
-                  </p:cNvPr>
-                  <p:cNvSpPr txBox="1">
-                    <a:spLocks noRot="1" noChangeAspect="1" noMove="1" noResize="1" noEditPoints="1" noAdjustHandles="1" noChangeArrowheads="1" noChangeShapeType="1" noTextEdit="1"/>
-                  </p:cNvSpPr>
-                  <p:nvPr/>
-                </p:nvSpPr>
-                <p:spPr>
-                  <a:xfrm>
-                    <a:off x="9569938" y="1614734"/>
-                    <a:ext cx="247504" cy="246221"/>
-                  </a:xfrm>
-                  <a:prstGeom prst="rect">
-                    <a:avLst/>
-                  </a:prstGeom>
-                  <a:blipFill>
-                    <a:blip r:embed="rId4"/>
-                    <a:stretch>
-                      <a:fillRect l="-21951" b="-9756"/>
-                    </a:stretch>
-                  </a:blipFill>
-                </p:spPr>
-                <p:txBody>
-                  <a:bodyPr/>
-                  <a:lstStyle/>
-                  <a:p>
-                    <a:r>
-                      <a:rPr lang="en-US">
-                        <a:noFill/>
-                      </a:rPr>
-                      <a:t> </a:t>
-                    </a:r>
-                  </a:p>
-                </p:txBody>
-              </p:sp>
-            </mc:Fallback>
-          </mc:AlternateContent>
-          <mc:AlternateContent xmlns:mc="http://schemas.openxmlformats.org/markup-compatibility/2006" xmlns:a14="http://schemas.microsoft.com/office/drawing/2010/main">
-            <mc:Choice Requires="a14">
-              <p:sp>
-                <p:nvSpPr>
-                  <p:cNvPr id="111" name="TextBox 110">
-                    <a:extLst>
-                      <a:ext uri="{FF2B5EF4-FFF2-40B4-BE49-F238E27FC236}">
-                        <a16:creationId xmlns:a16="http://schemas.microsoft.com/office/drawing/2014/main" id="{1C8C098F-F99A-46A7-D88C-2F151B8052D2}"/>
-                      </a:ext>
-                    </a:extLst>
-                  </p:cNvPr>
-                  <p:cNvSpPr txBox="1"/>
-                  <p:nvPr/>
-                </p:nvSpPr>
-                <p:spPr>
-                  <a:xfrm>
-                    <a:off x="9569938" y="2209798"/>
-                    <a:ext cx="256159" cy="246221"/>
-                  </a:xfrm>
-                  <a:prstGeom prst="rect">
-                    <a:avLst/>
-                  </a:prstGeom>
-                  <a:noFill/>
-                </p:spPr>
-                <p:txBody>
-                  <a:bodyPr wrap="none" lIns="0" tIns="0" rIns="0" bIns="0" rtlCol="0">
-                    <a:spAutoFit/>
-                  </a:bodyPr>
-                  <a:lstStyle/>
-                  <a:p>
-                    <a:pPr/>
-                    <a14:m>
-                      <m:oMathPara xmlns:m="http://schemas.openxmlformats.org/officeDocument/2006/math">
-                        <m:oMathParaPr>
-                          <m:jc m:val="centerGroup"/>
-                        </m:oMathParaPr>
-                        <m:oMath xmlns:m="http://schemas.openxmlformats.org/officeDocument/2006/math">
-                          <m:sSub>
-                            <m:sSubPr>
-                              <m:ctrlPr>
-                                <a:rPr lang="en-US" sz="1600" b="0" i="1" smtClean="0">
-                                  <a:latin typeface="Cambria Math" panose="02040503050406030204" pitchFamily="18" charset="0"/>
-                                </a:rPr>
-                              </m:ctrlPr>
-                            </m:sSubPr>
-                            <m:e>
-                              <m:r>
-                                <a:rPr lang="en-US" sz="1600" b="0" i="1" smtClean="0">
-                                  <a:latin typeface="Cambria Math" panose="02040503050406030204" pitchFamily="18" charset="0"/>
-                                </a:rPr>
-                                <m:t>𝐸</m:t>
-                              </m:r>
-                            </m:e>
-                            <m:sub>
-                              <m:r>
-                                <a:rPr lang="en-US" sz="1600" b="0" i="1" smtClean="0">
-                                  <a:latin typeface="Cambria Math" panose="02040503050406030204" pitchFamily="18" charset="0"/>
-                                </a:rPr>
-                                <m:t>𝑣</m:t>
-                              </m:r>
-                            </m:sub>
-                          </m:sSub>
-                        </m:oMath>
-                      </m:oMathPara>
-                    </a14:m>
-                    <a:endParaRPr lang="en-US" dirty="0"/>
-                  </a:p>
-                </p:txBody>
-              </p:sp>
-            </mc:Choice>
-            <mc:Fallback xmlns="">
-              <p:sp>
-                <p:nvSpPr>
-                  <p:cNvPr id="111" name="TextBox 110">
-                    <a:extLst>
-                      <a:ext uri="{FF2B5EF4-FFF2-40B4-BE49-F238E27FC236}">
-                        <a16:creationId xmlns:a16="http://schemas.microsoft.com/office/drawing/2014/main" id="{1C8C098F-F99A-46A7-D88C-2F151B8052D2}"/>
-                      </a:ext>
-                    </a:extLst>
-                  </p:cNvPr>
-                  <p:cNvSpPr txBox="1">
-                    <a:spLocks noRot="1" noChangeAspect="1" noMove="1" noResize="1" noEditPoints="1" noAdjustHandles="1" noChangeArrowheads="1" noChangeShapeType="1" noTextEdit="1"/>
-                  </p:cNvSpPr>
-                  <p:nvPr/>
-                </p:nvSpPr>
-                <p:spPr>
-                  <a:xfrm>
-                    <a:off x="9569938" y="2209798"/>
-                    <a:ext cx="256159" cy="246221"/>
-                  </a:xfrm>
-                  <a:prstGeom prst="rect">
-                    <a:avLst/>
-                  </a:prstGeom>
-                  <a:blipFill>
-                    <a:blip r:embed="rId5"/>
-                    <a:stretch>
-                      <a:fillRect l="-19048" r="-2381" b="-12500"/>
-                    </a:stretch>
-                  </a:blipFill>
-                </p:spPr>
-                <p:txBody>
-                  <a:bodyPr/>
-                  <a:lstStyle/>
-                  <a:p>
-                    <a:r>
-                      <a:rPr lang="en-US">
-                        <a:noFill/>
-                      </a:rPr>
-                      <a:t> </a:t>
-                    </a:r>
-                  </a:p>
-                </p:txBody>
-              </p:sp>
-            </mc:Fallback>
-          </mc:AlternateContent>
-          <mc:AlternateContent xmlns:mc="http://schemas.openxmlformats.org/markup-compatibility/2006" xmlns:a14="http://schemas.microsoft.com/office/drawing/2010/main">
-            <mc:Choice Requires="a14">
-              <p:sp>
-                <p:nvSpPr>
-                  <p:cNvPr id="112" name="TextBox 111">
-                    <a:extLst>
-                      <a:ext uri="{FF2B5EF4-FFF2-40B4-BE49-F238E27FC236}">
-                        <a16:creationId xmlns:a16="http://schemas.microsoft.com/office/drawing/2014/main" id="{63879BB8-A966-7C67-4F7B-293837FA7ECB}"/>
-                      </a:ext>
-                    </a:extLst>
-                  </p:cNvPr>
-                  <p:cNvSpPr txBox="1"/>
-                  <p:nvPr/>
-                </p:nvSpPr>
-                <p:spPr>
-                  <a:xfrm>
-                    <a:off x="9569938" y="2742669"/>
-                    <a:ext cx="415114" cy="246221"/>
-                  </a:xfrm>
-                  <a:prstGeom prst="rect">
-                    <a:avLst/>
-                  </a:prstGeom>
-                  <a:noFill/>
-                </p:spPr>
-                <p:txBody>
-                  <a:bodyPr wrap="none" lIns="0" tIns="0" rIns="0" bIns="0" rtlCol="0">
-                    <a:spAutoFit/>
-                  </a:bodyPr>
-                  <a:lstStyle/>
-                  <a:p>
-                    <a:pPr/>
-                    <a14:m>
-                      <m:oMathPara xmlns:m="http://schemas.openxmlformats.org/officeDocument/2006/math">
-                        <m:oMathParaPr>
-                          <m:jc m:val="centerGroup"/>
-                        </m:oMathParaPr>
-                        <m:oMath xmlns:m="http://schemas.openxmlformats.org/officeDocument/2006/math">
-                          <m:sSub>
-                            <m:sSubPr>
-                              <m:ctrlPr>
-                                <a:rPr lang="en-US" sz="1600" b="0" i="1" smtClean="0">
-                                  <a:latin typeface="Cambria Math" panose="02040503050406030204" pitchFamily="18" charset="0"/>
-                                </a:rPr>
-                              </m:ctrlPr>
-                            </m:sSubPr>
-                            <m:e>
-                              <m:r>
-                                <a:rPr lang="en-US" sz="1600" b="0" i="1" smtClean="0">
-                                  <a:latin typeface="Cambria Math" panose="02040503050406030204" pitchFamily="18" charset="0"/>
-                                </a:rPr>
-                                <m:t>𝐸</m:t>
-                              </m:r>
-                            </m:e>
-                            <m:sub>
-                              <m:r>
-                                <a:rPr lang="en-US" sz="1600" b="0" i="1" smtClean="0">
-                                  <a:latin typeface="Cambria Math" panose="02040503050406030204" pitchFamily="18" charset="0"/>
-                                </a:rPr>
-                                <m:t>𝑏𝑜𝑡</m:t>
-                              </m:r>
-                            </m:sub>
-                          </m:sSub>
-                        </m:oMath>
-                      </m:oMathPara>
-                    </a14:m>
-                    <a:endParaRPr lang="en-US" dirty="0"/>
-                  </a:p>
-                </p:txBody>
-              </p:sp>
-            </mc:Choice>
-            <mc:Fallback xmlns="">
-              <p:sp>
-                <p:nvSpPr>
-                  <p:cNvPr id="112" name="TextBox 111">
-                    <a:extLst>
-                      <a:ext uri="{FF2B5EF4-FFF2-40B4-BE49-F238E27FC236}">
-                        <a16:creationId xmlns:a16="http://schemas.microsoft.com/office/drawing/2014/main" id="{63879BB8-A966-7C67-4F7B-293837FA7ECB}"/>
-                      </a:ext>
-                    </a:extLst>
-                  </p:cNvPr>
-                  <p:cNvSpPr txBox="1">
-                    <a:spLocks noRot="1" noChangeAspect="1" noMove="1" noResize="1" noEditPoints="1" noAdjustHandles="1" noChangeArrowheads="1" noChangeShapeType="1" noTextEdit="1"/>
-                  </p:cNvSpPr>
-                  <p:nvPr/>
-                </p:nvSpPr>
-                <p:spPr>
-                  <a:xfrm>
-                    <a:off x="9569938" y="2742669"/>
-                    <a:ext cx="415114" cy="246221"/>
-                  </a:xfrm>
-                  <a:prstGeom prst="rect">
-                    <a:avLst/>
-                  </a:prstGeom>
-                  <a:blipFill>
-                    <a:blip r:embed="rId6"/>
-                    <a:stretch>
-                      <a:fillRect l="-11765" r="-2941" b="-14634"/>
-                    </a:stretch>
-                  </a:blipFill>
-                </p:spPr>
-                <p:txBody>
-                  <a:bodyPr/>
-                  <a:lstStyle/>
-                  <a:p>
-                    <a:r>
-                      <a:rPr lang="en-US">
-                        <a:noFill/>
-                      </a:rPr>
-                      <a:t> </a:t>
-                    </a:r>
-                  </a:p>
-                </p:txBody>
-              </p:sp>
-            </mc:Fallback>
-          </mc:AlternateContent>
-          <mc:AlternateContent xmlns:mc="http://schemas.openxmlformats.org/markup-compatibility/2006" xmlns:a14="http://schemas.microsoft.com/office/drawing/2010/main">
-            <mc:Choice Requires="a14">
-              <p:sp>
-                <p:nvSpPr>
-                  <p:cNvPr id="113" name="TextBox 112">
-                    <a:extLst>
-                      <a:ext uri="{FF2B5EF4-FFF2-40B4-BE49-F238E27FC236}">
-                        <a16:creationId xmlns:a16="http://schemas.microsoft.com/office/drawing/2014/main" id="{1D1204D1-3831-FE05-AEE0-4B3E37C4AEAC}"/>
-                      </a:ext>
-                    </a:extLst>
-                  </p:cNvPr>
-                  <p:cNvSpPr txBox="1"/>
-                  <p:nvPr/>
-                </p:nvSpPr>
-                <p:spPr>
-                  <a:xfrm>
-                    <a:off x="8858098" y="1890698"/>
-                    <a:ext cx="271741" cy="246221"/>
-                  </a:xfrm>
-                  <a:prstGeom prst="rect">
-                    <a:avLst/>
-                  </a:prstGeom>
-                  <a:noFill/>
-                </p:spPr>
-                <p:txBody>
-                  <a:bodyPr wrap="none" lIns="0" tIns="0" rIns="0" bIns="0" rtlCol="0">
-                    <a:spAutoFit/>
-                  </a:bodyPr>
-                  <a:lstStyle/>
-                  <a:p>
-                    <a:pPr/>
-                    <a14:m>
-                      <m:oMathPara xmlns:m="http://schemas.openxmlformats.org/officeDocument/2006/math">
-                        <m:oMathParaPr>
-                          <m:jc m:val="centerGroup"/>
-                        </m:oMathParaPr>
-                        <m:oMath xmlns:m="http://schemas.openxmlformats.org/officeDocument/2006/math">
-                          <m:sSub>
-                            <m:sSubPr>
-                              <m:ctrlPr>
-                                <a:rPr lang="en-US" sz="1600" b="0" i="1" smtClean="0">
-                                  <a:latin typeface="Cambria Math" panose="02040503050406030204" pitchFamily="18" charset="0"/>
-                                </a:rPr>
-                              </m:ctrlPr>
-                            </m:sSubPr>
-                            <m:e>
-                              <m:r>
-                                <a:rPr lang="en-US" sz="1600" b="0" i="1" smtClean="0">
-                                  <a:latin typeface="Cambria Math" panose="02040503050406030204" pitchFamily="18" charset="0"/>
-                                </a:rPr>
-                                <m:t>𝐸</m:t>
-                              </m:r>
-                            </m:e>
-                            <m:sub>
-                              <m:r>
-                                <a:rPr lang="en-US" sz="1600" b="0" i="1" smtClean="0">
-                                  <a:latin typeface="Cambria Math" panose="02040503050406030204" pitchFamily="18" charset="0"/>
-                                </a:rPr>
-                                <m:t>𝐺</m:t>
-                              </m:r>
-                            </m:sub>
-                          </m:sSub>
-                        </m:oMath>
-                      </m:oMathPara>
-                    </a14:m>
-                    <a:endParaRPr lang="en-US" dirty="0"/>
-                  </a:p>
-                </p:txBody>
-              </p:sp>
-            </mc:Choice>
-            <mc:Fallback xmlns="">
-              <p:sp>
-                <p:nvSpPr>
-                  <p:cNvPr id="113" name="TextBox 112">
-                    <a:extLst>
-                      <a:ext uri="{FF2B5EF4-FFF2-40B4-BE49-F238E27FC236}">
-                        <a16:creationId xmlns:a16="http://schemas.microsoft.com/office/drawing/2014/main" id="{1D1204D1-3831-FE05-AEE0-4B3E37C4AEAC}"/>
-                      </a:ext>
-                    </a:extLst>
-                  </p:cNvPr>
-                  <p:cNvSpPr txBox="1">
-                    <a:spLocks noRot="1" noChangeAspect="1" noMove="1" noResize="1" noEditPoints="1" noAdjustHandles="1" noChangeArrowheads="1" noChangeShapeType="1" noTextEdit="1"/>
-                  </p:cNvSpPr>
-                  <p:nvPr/>
-                </p:nvSpPr>
-                <p:spPr>
-                  <a:xfrm>
-                    <a:off x="8858098" y="1890698"/>
-                    <a:ext cx="271741" cy="246221"/>
-                  </a:xfrm>
-                  <a:prstGeom prst="rect">
-                    <a:avLst/>
-                  </a:prstGeom>
-                  <a:blipFill>
-                    <a:blip r:embed="rId7"/>
-                    <a:stretch>
-                      <a:fillRect l="-15556" r="-4444" b="-15000"/>
-                    </a:stretch>
-                  </a:blipFill>
-                </p:spPr>
-                <p:txBody>
-                  <a:bodyPr/>
-                  <a:lstStyle/>
-                  <a:p>
-                    <a:r>
-                      <a:rPr lang="en-US">
-                        <a:noFill/>
-                      </a:rPr>
-                      <a:t> </a:t>
-                    </a:r>
-                  </a:p>
-                </p:txBody>
-              </p:sp>
-            </mc:Fallback>
-          </mc:AlternateContent>
-          <p:cxnSp>
-            <p:nvCxnSpPr>
-              <p:cNvPr id="114" name="Straight Arrow Connector 113">
-                <a:extLst>
-                  <a:ext uri="{FF2B5EF4-FFF2-40B4-BE49-F238E27FC236}">
-                    <a16:creationId xmlns:a16="http://schemas.microsoft.com/office/drawing/2014/main" id="{F491956F-510D-1BA5-59BF-3065367D3361}"/>
-                  </a:ext>
-                </a:extLst>
-              </p:cNvPr>
-              <p:cNvCxnSpPr>
-                <a:cxnSpLocks/>
-              </p:cNvCxnSpPr>
-              <p:nvPr/>
-            </p:nvCxnSpPr>
-            <p:spPr>
-              <a:xfrm>
-                <a:off x="8620913" y="3110620"/>
-                <a:ext cx="835592" cy="0"/>
-              </a:xfrm>
-              <a:prstGeom prst="straightConnector1">
-                <a:avLst/>
-              </a:prstGeom>
-              <a:ln>
-                <a:tailEnd type="triangle"/>
-              </a:ln>
-            </p:spPr>
-            <p:style>
-              <a:lnRef idx="2">
-                <a:schemeClr val="dk1"/>
-              </a:lnRef>
-              <a:fillRef idx="0">
-                <a:schemeClr val="dk1"/>
-              </a:fillRef>
-              <a:effectRef idx="1">
-                <a:schemeClr val="dk1"/>
-              </a:effectRef>
-              <a:fontRef idx="minor">
-                <a:schemeClr val="tx1"/>
-              </a:fontRef>
-            </p:style>
-          </p:cxnSp>
-          <mc:AlternateContent xmlns:mc="http://schemas.openxmlformats.org/markup-compatibility/2006" xmlns:a14="http://schemas.microsoft.com/office/drawing/2010/main">
-            <mc:Choice Requires="a14">
-              <p:sp>
-                <p:nvSpPr>
-                  <p:cNvPr id="117" name="TextBox 116">
-                    <a:extLst>
-                      <a:ext uri="{FF2B5EF4-FFF2-40B4-BE49-F238E27FC236}">
-                        <a16:creationId xmlns:a16="http://schemas.microsoft.com/office/drawing/2014/main" id="{FE7AE9D8-92E8-CCA6-CC35-5B0CD3940C56}"/>
-                      </a:ext>
-                    </a:extLst>
-                  </p:cNvPr>
-                  <p:cNvSpPr txBox="1"/>
-                  <p:nvPr/>
-                </p:nvSpPr>
-                <p:spPr>
-                  <a:xfrm>
-                    <a:off x="9553881" y="2987509"/>
-                    <a:ext cx="156902" cy="246221"/>
-                  </a:xfrm>
-                  <a:prstGeom prst="rect">
-                    <a:avLst/>
-                  </a:prstGeom>
-                  <a:noFill/>
-                </p:spPr>
-                <p:txBody>
-                  <a:bodyPr wrap="none" lIns="0" tIns="0" rIns="0" bIns="0" rtlCol="0">
-                    <a:spAutoFit/>
-                  </a:bodyPr>
-                  <a:lstStyle/>
-                  <a:p>
-                    <a:pPr/>
-                    <a14:m>
-                      <m:oMathPara xmlns:m="http://schemas.openxmlformats.org/officeDocument/2006/math">
-                        <m:oMathParaPr>
-                          <m:jc m:val="centerGroup"/>
-                        </m:oMathParaPr>
-                        <m:oMath xmlns:m="http://schemas.openxmlformats.org/officeDocument/2006/math">
-                          <m:r>
-                            <a:rPr lang="en-US" sz="1600" b="0" i="1" smtClean="0">
-                              <a:latin typeface="Cambria Math" panose="02040503050406030204" pitchFamily="18" charset="0"/>
-                            </a:rPr>
-                            <m:t>𝑥</m:t>
-                          </m:r>
-                        </m:oMath>
-                      </m:oMathPara>
-                    </a14:m>
-                    <a:endParaRPr lang="en-US" dirty="0"/>
-                  </a:p>
-                </p:txBody>
-              </p:sp>
-            </mc:Choice>
-            <mc:Fallback xmlns="">
-              <p:sp>
-                <p:nvSpPr>
-                  <p:cNvPr id="117" name="TextBox 116">
-                    <a:extLst>
-                      <a:ext uri="{FF2B5EF4-FFF2-40B4-BE49-F238E27FC236}">
-                        <a16:creationId xmlns:a16="http://schemas.microsoft.com/office/drawing/2014/main" id="{FE7AE9D8-92E8-CCA6-CC35-5B0CD3940C56}"/>
-                      </a:ext>
-                    </a:extLst>
-                  </p:cNvPr>
-                  <p:cNvSpPr txBox="1">
-                    <a:spLocks noRot="1" noChangeAspect="1" noMove="1" noResize="1" noEditPoints="1" noAdjustHandles="1" noChangeArrowheads="1" noChangeShapeType="1" noTextEdit="1"/>
-                  </p:cNvSpPr>
-                  <p:nvPr/>
-                </p:nvSpPr>
-                <p:spPr>
-                  <a:xfrm>
-                    <a:off x="9553881" y="2987509"/>
-                    <a:ext cx="156902" cy="246221"/>
-                  </a:xfrm>
-                  <a:prstGeom prst="rect">
-                    <a:avLst/>
-                  </a:prstGeom>
-                  <a:blipFill>
-                    <a:blip r:embed="rId8"/>
-                    <a:stretch>
-                      <a:fillRect l="-19231" r="-15385"/>
-                    </a:stretch>
-                  </a:blipFill>
-                </p:spPr>
-                <p:txBody>
-                  <a:bodyPr/>
-                  <a:lstStyle/>
-                  <a:p>
-                    <a:r>
-                      <a:rPr lang="en-US">
-                        <a:noFill/>
-                      </a:rPr>
-                      <a:t> </a:t>
-                    </a:r>
-                  </a:p>
-                </p:txBody>
-              </p:sp>
-            </mc:Fallback>
-          </mc:AlternateContent>
-        </p:grpSp>
-        <p:grpSp>
-          <p:nvGrpSpPr>
-            <p:cNvPr id="120" name="Group 119">
-              <a:extLst>
-                <a:ext uri="{FF2B5EF4-FFF2-40B4-BE49-F238E27FC236}">
-                  <a16:creationId xmlns:a16="http://schemas.microsoft.com/office/drawing/2014/main" id="{5981F696-31A1-1568-4D49-EC1D484BD9A8}"/>
-                </a:ext>
-              </a:extLst>
-            </p:cNvPr>
-            <p:cNvGrpSpPr/>
-            <p:nvPr/>
-          </p:nvGrpSpPr>
-          <p:grpSpPr>
-            <a:xfrm>
-              <a:off x="1756913" y="478226"/>
-              <a:ext cx="2389076" cy="2539674"/>
-              <a:chOff x="1690007" y="637895"/>
-              <a:chExt cx="2389076" cy="2539674"/>
-            </a:xfrm>
-          </p:grpSpPr>
-          <p:sp>
-            <p:nvSpPr>
-              <p:cNvPr id="16" name="Oval 15">
-                <a:extLst>
-                  <a:ext uri="{FF2B5EF4-FFF2-40B4-BE49-F238E27FC236}">
-                    <a16:creationId xmlns:a16="http://schemas.microsoft.com/office/drawing/2014/main" id="{96970E7F-13D0-1F27-54E2-B42F23FC1A93}"/>
-                  </a:ext>
-                </a:extLst>
-              </p:cNvPr>
-              <p:cNvSpPr/>
-              <p:nvPr/>
-            </p:nvSpPr>
-            <p:spPr>
-              <a:xfrm>
-                <a:off x="2259110" y="1594624"/>
-                <a:ext cx="82399" cy="82399"/>
-              </a:xfrm>
-              <a:prstGeom prst="ellipse">
-                <a:avLst/>
-              </a:prstGeom>
-            </p:spPr>
-            <p:style>
-              <a:lnRef idx="2">
-                <a:schemeClr val="dk1">
-                  <a:shade val="15000"/>
-                </a:schemeClr>
-              </a:lnRef>
-              <a:fillRef idx="1">
-                <a:schemeClr val="dk1"/>
-              </a:fillRef>
-              <a:effectRef idx="0">
-                <a:schemeClr val="dk1"/>
-              </a:effectRef>
-              <a:fontRef idx="minor">
-                <a:schemeClr val="lt1"/>
-              </a:fontRef>
-            </p:style>
-            <p:txBody>
-              <a:bodyPr rtlCol="0" anchor="ctr"/>
-              <a:lstStyle/>
-              <a:p>
-                <a:pPr algn="ctr"/>
-                <a:endParaRPr lang="en-US"/>
-              </a:p>
-            </p:txBody>
-          </p:sp>
-          <p:sp>
-            <p:nvSpPr>
-              <p:cNvPr id="17" name="Oval 16">
-                <a:extLst>
-                  <a:ext uri="{FF2B5EF4-FFF2-40B4-BE49-F238E27FC236}">
-                    <a16:creationId xmlns:a16="http://schemas.microsoft.com/office/drawing/2014/main" id="{86FC018A-E7E2-37B5-F6C4-68E072B295E9}"/>
-                  </a:ext>
-                </a:extLst>
-              </p:cNvPr>
-              <p:cNvSpPr/>
-              <p:nvPr/>
-            </p:nvSpPr>
-            <p:spPr>
-              <a:xfrm>
-                <a:off x="2392923" y="1594624"/>
-                <a:ext cx="82399" cy="82399"/>
-              </a:xfrm>
-              <a:prstGeom prst="ellipse">
-                <a:avLst/>
-              </a:prstGeom>
-            </p:spPr>
-            <p:style>
-              <a:lnRef idx="2">
-                <a:schemeClr val="dk1">
-                  <a:shade val="15000"/>
-                </a:schemeClr>
-              </a:lnRef>
-              <a:fillRef idx="1">
-                <a:schemeClr val="dk1"/>
-              </a:fillRef>
-              <a:effectRef idx="0">
-                <a:schemeClr val="dk1"/>
-              </a:effectRef>
-              <a:fontRef idx="minor">
-                <a:schemeClr val="lt1"/>
-              </a:fontRef>
-            </p:style>
-            <p:txBody>
-              <a:bodyPr rtlCol="0" anchor="ctr"/>
-              <a:lstStyle/>
-              <a:p>
-                <a:pPr algn="ctr"/>
-                <a:endParaRPr lang="en-US"/>
-              </a:p>
-            </p:txBody>
-          </p:sp>
-          <p:sp>
-            <p:nvSpPr>
-              <p:cNvPr id="18" name="Oval 17">
-                <a:extLst>
-                  <a:ext uri="{FF2B5EF4-FFF2-40B4-BE49-F238E27FC236}">
-                    <a16:creationId xmlns:a16="http://schemas.microsoft.com/office/drawing/2014/main" id="{D9E97199-9FC0-0E2F-E185-8D745A4D94A9}"/>
-                  </a:ext>
-                </a:extLst>
-              </p:cNvPr>
-              <p:cNvSpPr/>
-              <p:nvPr/>
-            </p:nvSpPr>
-            <p:spPr>
-              <a:xfrm>
-                <a:off x="2531983" y="1594624"/>
-                <a:ext cx="82399" cy="82399"/>
-              </a:xfrm>
-              <a:prstGeom prst="ellipse">
-                <a:avLst/>
-              </a:prstGeom>
-            </p:spPr>
-            <p:style>
-              <a:lnRef idx="2">
-                <a:schemeClr val="dk1">
-                  <a:shade val="15000"/>
-                </a:schemeClr>
-              </a:lnRef>
-              <a:fillRef idx="1">
-                <a:schemeClr val="dk1"/>
-              </a:fillRef>
-              <a:effectRef idx="0">
-                <a:schemeClr val="dk1"/>
-              </a:effectRef>
-              <a:fontRef idx="minor">
-                <a:schemeClr val="lt1"/>
-              </a:fontRef>
-            </p:style>
-            <p:txBody>
-              <a:bodyPr rtlCol="0" anchor="ctr"/>
-              <a:lstStyle/>
-              <a:p>
-                <a:pPr algn="ctr"/>
-                <a:endParaRPr lang="en-US"/>
-              </a:p>
-            </p:txBody>
-          </p:sp>
-          <p:sp>
-            <p:nvSpPr>
-              <p:cNvPr id="19" name="Oval 18">
-                <a:extLst>
-                  <a:ext uri="{FF2B5EF4-FFF2-40B4-BE49-F238E27FC236}">
-                    <a16:creationId xmlns:a16="http://schemas.microsoft.com/office/drawing/2014/main" id="{BFC1466D-134D-0A6E-9534-D9902C0FF3B5}"/>
-                  </a:ext>
-                </a:extLst>
-              </p:cNvPr>
-              <p:cNvSpPr/>
-              <p:nvPr/>
-            </p:nvSpPr>
-            <p:spPr>
-              <a:xfrm>
-                <a:off x="2672475" y="1594624"/>
-                <a:ext cx="82399" cy="82399"/>
-              </a:xfrm>
-              <a:prstGeom prst="ellipse">
-                <a:avLst/>
-              </a:prstGeom>
-            </p:spPr>
-            <p:style>
-              <a:lnRef idx="2">
-                <a:schemeClr val="dk1">
-                  <a:shade val="15000"/>
-                </a:schemeClr>
-              </a:lnRef>
-              <a:fillRef idx="1">
-                <a:schemeClr val="dk1"/>
-              </a:fillRef>
-              <a:effectRef idx="0">
-                <a:schemeClr val="dk1"/>
-              </a:effectRef>
-              <a:fontRef idx="minor">
-                <a:schemeClr val="lt1"/>
-              </a:fontRef>
-            </p:style>
-            <p:txBody>
-              <a:bodyPr rtlCol="0" anchor="ctr"/>
-              <a:lstStyle/>
-              <a:p>
-                <a:pPr algn="ctr"/>
-                <a:endParaRPr lang="en-US"/>
-              </a:p>
-            </p:txBody>
-          </p:sp>
-          <p:sp>
-            <p:nvSpPr>
-              <p:cNvPr id="20" name="Oval 19">
-                <a:extLst>
-                  <a:ext uri="{FF2B5EF4-FFF2-40B4-BE49-F238E27FC236}">
-                    <a16:creationId xmlns:a16="http://schemas.microsoft.com/office/drawing/2014/main" id="{7D9859E9-AEB6-4638-5F59-D0A2A95E9C65}"/>
-                  </a:ext>
-                </a:extLst>
-              </p:cNvPr>
-              <p:cNvSpPr/>
-              <p:nvPr/>
-            </p:nvSpPr>
-            <p:spPr>
-              <a:xfrm>
-                <a:off x="2259110" y="1747335"/>
-                <a:ext cx="82399" cy="82399"/>
-              </a:xfrm>
-              <a:prstGeom prst="ellipse">
-                <a:avLst/>
-              </a:prstGeom>
-            </p:spPr>
-            <p:style>
-              <a:lnRef idx="2">
-                <a:schemeClr val="dk1">
-                  <a:shade val="15000"/>
-                </a:schemeClr>
-              </a:lnRef>
-              <a:fillRef idx="1">
-                <a:schemeClr val="dk1"/>
-              </a:fillRef>
-              <a:effectRef idx="0">
-                <a:schemeClr val="dk1"/>
-              </a:effectRef>
-              <a:fontRef idx="minor">
-                <a:schemeClr val="lt1"/>
-              </a:fontRef>
-            </p:style>
-            <p:txBody>
-              <a:bodyPr rtlCol="0" anchor="ctr"/>
-              <a:lstStyle/>
-              <a:p>
-                <a:pPr algn="ctr"/>
-                <a:endParaRPr lang="en-US"/>
-              </a:p>
-            </p:txBody>
-          </p:sp>
-          <p:sp>
-            <p:nvSpPr>
-              <p:cNvPr id="21" name="Oval 20">
-                <a:extLst>
-                  <a:ext uri="{FF2B5EF4-FFF2-40B4-BE49-F238E27FC236}">
-                    <a16:creationId xmlns:a16="http://schemas.microsoft.com/office/drawing/2014/main" id="{808555C4-F8A3-538E-1DB9-C782E6A8C2E1}"/>
-                  </a:ext>
-                </a:extLst>
-              </p:cNvPr>
-              <p:cNvSpPr/>
-              <p:nvPr/>
-            </p:nvSpPr>
-            <p:spPr>
-              <a:xfrm>
-                <a:off x="2392923" y="1747335"/>
-                <a:ext cx="82399" cy="82399"/>
-              </a:xfrm>
-              <a:prstGeom prst="ellipse">
-                <a:avLst/>
-              </a:prstGeom>
-            </p:spPr>
-            <p:style>
-              <a:lnRef idx="2">
-                <a:schemeClr val="dk1">
-                  <a:shade val="15000"/>
-                </a:schemeClr>
-              </a:lnRef>
-              <a:fillRef idx="1">
-                <a:schemeClr val="dk1"/>
-              </a:fillRef>
-              <a:effectRef idx="0">
-                <a:schemeClr val="dk1"/>
-              </a:effectRef>
-              <a:fontRef idx="minor">
-                <a:schemeClr val="lt1"/>
-              </a:fontRef>
-            </p:style>
-            <p:txBody>
-              <a:bodyPr rtlCol="0" anchor="ctr"/>
-              <a:lstStyle/>
-              <a:p>
-                <a:pPr algn="ctr"/>
-                <a:endParaRPr lang="en-US"/>
-              </a:p>
-            </p:txBody>
-          </p:sp>
-          <p:sp>
-            <p:nvSpPr>
-              <p:cNvPr id="22" name="Oval 21">
-                <a:extLst>
-                  <a:ext uri="{FF2B5EF4-FFF2-40B4-BE49-F238E27FC236}">
-                    <a16:creationId xmlns:a16="http://schemas.microsoft.com/office/drawing/2014/main" id="{AAC1E904-1786-5043-7BEB-5A65FDCB67C5}"/>
-                  </a:ext>
-                </a:extLst>
-              </p:cNvPr>
-              <p:cNvSpPr/>
-              <p:nvPr/>
-            </p:nvSpPr>
-            <p:spPr>
-              <a:xfrm>
-                <a:off x="2531983" y="1747335"/>
-                <a:ext cx="82399" cy="82399"/>
-              </a:xfrm>
-              <a:prstGeom prst="ellipse">
-                <a:avLst/>
-              </a:prstGeom>
-            </p:spPr>
-            <p:style>
-              <a:lnRef idx="2">
-                <a:schemeClr val="dk1">
-                  <a:shade val="15000"/>
-                </a:schemeClr>
-              </a:lnRef>
-              <a:fillRef idx="1">
-                <a:schemeClr val="dk1"/>
-              </a:fillRef>
-              <a:effectRef idx="0">
-                <a:schemeClr val="dk1"/>
-              </a:effectRef>
-              <a:fontRef idx="minor">
-                <a:schemeClr val="lt1"/>
-              </a:fontRef>
-            </p:style>
-            <p:txBody>
-              <a:bodyPr rtlCol="0" anchor="ctr"/>
-              <a:lstStyle/>
-              <a:p>
-                <a:pPr algn="ctr"/>
-                <a:endParaRPr lang="en-US"/>
-              </a:p>
-            </p:txBody>
-          </p:sp>
-          <p:sp>
-            <p:nvSpPr>
-              <p:cNvPr id="23" name="Oval 22">
-                <a:extLst>
-                  <a:ext uri="{FF2B5EF4-FFF2-40B4-BE49-F238E27FC236}">
-                    <a16:creationId xmlns:a16="http://schemas.microsoft.com/office/drawing/2014/main" id="{7A03758D-A35C-4E58-26AA-2A9C4762B0C7}"/>
-                  </a:ext>
-                </a:extLst>
-              </p:cNvPr>
-              <p:cNvSpPr/>
-              <p:nvPr/>
-            </p:nvSpPr>
-            <p:spPr>
-              <a:xfrm>
-                <a:off x="2672475" y="1747335"/>
-                <a:ext cx="82399" cy="82399"/>
-              </a:xfrm>
-              <a:prstGeom prst="ellipse">
-                <a:avLst/>
-              </a:prstGeom>
-            </p:spPr>
-            <p:style>
-              <a:lnRef idx="2">
-                <a:schemeClr val="dk1">
-                  <a:shade val="15000"/>
-                </a:schemeClr>
-              </a:lnRef>
-              <a:fillRef idx="1">
-                <a:schemeClr val="dk1"/>
-              </a:fillRef>
-              <a:effectRef idx="0">
-                <a:schemeClr val="dk1"/>
-              </a:effectRef>
-              <a:fontRef idx="minor">
-                <a:schemeClr val="lt1"/>
-              </a:fontRef>
-            </p:style>
-            <p:txBody>
-              <a:bodyPr rtlCol="0" anchor="ctr"/>
-              <a:lstStyle/>
-              <a:p>
-                <a:pPr algn="ctr"/>
-                <a:endParaRPr lang="en-US"/>
-              </a:p>
-            </p:txBody>
-          </p:sp>
-          <p:cxnSp>
-            <p:nvCxnSpPr>
-              <p:cNvPr id="25" name="Straight Connector 24">
-                <a:extLst>
-                  <a:ext uri="{FF2B5EF4-FFF2-40B4-BE49-F238E27FC236}">
-                    <a16:creationId xmlns:a16="http://schemas.microsoft.com/office/drawing/2014/main" id="{4C9CA185-D7B4-6E65-867C-15F51493FE84}"/>
-                  </a:ext>
-                </a:extLst>
-              </p:cNvPr>
-              <p:cNvCxnSpPr>
-                <a:cxnSpLocks/>
-              </p:cNvCxnSpPr>
-              <p:nvPr/>
-            </p:nvCxnSpPr>
-            <p:spPr>
-              <a:xfrm>
-                <a:off x="2854712" y="1677023"/>
-                <a:ext cx="383788" cy="0"/>
-              </a:xfrm>
-              <a:prstGeom prst="line">
-                <a:avLst/>
-              </a:prstGeom>
-              <a:ln w="19050" cap="flat" cmpd="sng" algn="ctr">
-                <a:solidFill>
-                  <a:schemeClr val="dk1"/>
-                </a:solidFill>
-                <a:prstDash val="dash"/>
-                <a:round/>
-                <a:headEnd type="none" w="med" len="med"/>
-                <a:tailEnd type="none" w="med" len="med"/>
-              </a:ln>
-            </p:spPr>
-            <p:style>
-              <a:lnRef idx="0">
-                <a:scrgbClr r="0" g="0" b="0"/>
-              </a:lnRef>
-              <a:fillRef idx="0">
-                <a:scrgbClr r="0" g="0" b="0"/>
-              </a:fillRef>
-              <a:effectRef idx="0">
-                <a:scrgbClr r="0" g="0" b="0"/>
-              </a:effectRef>
-              <a:fontRef idx="minor">
-                <a:schemeClr val="tx1"/>
-              </a:fontRef>
-            </p:style>
-          </p:cxnSp>
-          <p:sp>
-            <p:nvSpPr>
-              <p:cNvPr id="29" name="Oval 28">
-                <a:extLst>
-                  <a:ext uri="{FF2B5EF4-FFF2-40B4-BE49-F238E27FC236}">
-                    <a16:creationId xmlns:a16="http://schemas.microsoft.com/office/drawing/2014/main" id="{8D338BED-AA01-9E78-E8CB-D4E8E50C3D8F}"/>
-                  </a:ext>
-                </a:extLst>
-              </p:cNvPr>
-              <p:cNvSpPr/>
-              <p:nvPr/>
-            </p:nvSpPr>
-            <p:spPr>
-              <a:xfrm>
-                <a:off x="3297138" y="1594624"/>
-                <a:ext cx="82399" cy="82399"/>
-              </a:xfrm>
-              <a:prstGeom prst="ellipse">
-                <a:avLst/>
-              </a:prstGeom>
-            </p:spPr>
-            <p:style>
-              <a:lnRef idx="2">
-                <a:schemeClr val="dk1">
-                  <a:shade val="15000"/>
-                </a:schemeClr>
-              </a:lnRef>
-              <a:fillRef idx="1">
-                <a:schemeClr val="dk1"/>
-              </a:fillRef>
-              <a:effectRef idx="0">
-                <a:schemeClr val="dk1"/>
-              </a:effectRef>
-              <a:fontRef idx="minor">
-                <a:schemeClr val="lt1"/>
-              </a:fontRef>
-            </p:style>
-            <p:txBody>
-              <a:bodyPr rtlCol="0" anchor="ctr"/>
-              <a:lstStyle/>
-              <a:p>
-                <a:pPr algn="ctr"/>
-                <a:endParaRPr lang="en-US"/>
-              </a:p>
-            </p:txBody>
-          </p:sp>
-          <p:sp>
-            <p:nvSpPr>
-              <p:cNvPr id="30" name="Oval 29">
-                <a:extLst>
-                  <a:ext uri="{FF2B5EF4-FFF2-40B4-BE49-F238E27FC236}">
-                    <a16:creationId xmlns:a16="http://schemas.microsoft.com/office/drawing/2014/main" id="{0DAA2C40-DEA0-0F13-1700-0337821E9F4D}"/>
-                  </a:ext>
-                </a:extLst>
-              </p:cNvPr>
-              <p:cNvSpPr/>
-              <p:nvPr/>
-            </p:nvSpPr>
-            <p:spPr>
-              <a:xfrm>
-                <a:off x="3430951" y="1594624"/>
-                <a:ext cx="82399" cy="82399"/>
-              </a:xfrm>
-              <a:prstGeom prst="ellipse">
-                <a:avLst/>
-              </a:prstGeom>
-            </p:spPr>
-            <p:style>
-              <a:lnRef idx="2">
-                <a:schemeClr val="dk1">
-                  <a:shade val="15000"/>
-                </a:schemeClr>
-              </a:lnRef>
-              <a:fillRef idx="1">
-                <a:schemeClr val="dk1"/>
-              </a:fillRef>
-              <a:effectRef idx="0">
-                <a:schemeClr val="dk1"/>
-              </a:effectRef>
-              <a:fontRef idx="minor">
-                <a:schemeClr val="lt1"/>
-              </a:fontRef>
-            </p:style>
-            <p:txBody>
-              <a:bodyPr rtlCol="0" anchor="ctr"/>
-              <a:lstStyle/>
-              <a:p>
-                <a:pPr algn="ctr"/>
-                <a:endParaRPr lang="en-US"/>
-              </a:p>
-            </p:txBody>
-          </p:sp>
-          <p:sp>
-            <p:nvSpPr>
-              <p:cNvPr id="31" name="Oval 30">
-                <a:extLst>
-                  <a:ext uri="{FF2B5EF4-FFF2-40B4-BE49-F238E27FC236}">
-                    <a16:creationId xmlns:a16="http://schemas.microsoft.com/office/drawing/2014/main" id="{CABFAE2D-5145-DE55-C246-883C619EDDE2}"/>
-                  </a:ext>
-                </a:extLst>
-              </p:cNvPr>
-              <p:cNvSpPr/>
-              <p:nvPr/>
-            </p:nvSpPr>
-            <p:spPr>
-              <a:xfrm>
-                <a:off x="3297138" y="1747335"/>
-                <a:ext cx="82399" cy="82399"/>
-              </a:xfrm>
-              <a:prstGeom prst="ellipse">
-                <a:avLst/>
-              </a:prstGeom>
-            </p:spPr>
-            <p:style>
-              <a:lnRef idx="2">
-                <a:schemeClr val="dk1">
-                  <a:shade val="15000"/>
-                </a:schemeClr>
-              </a:lnRef>
-              <a:fillRef idx="1">
-                <a:schemeClr val="dk1"/>
-              </a:fillRef>
-              <a:effectRef idx="0">
-                <a:schemeClr val="dk1"/>
-              </a:effectRef>
-              <a:fontRef idx="minor">
-                <a:schemeClr val="lt1"/>
-              </a:fontRef>
-            </p:style>
-            <p:txBody>
-              <a:bodyPr rtlCol="0" anchor="ctr"/>
-              <a:lstStyle/>
-              <a:p>
-                <a:pPr algn="ctr"/>
-                <a:endParaRPr lang="en-US"/>
-              </a:p>
-            </p:txBody>
-          </p:sp>
-          <p:sp>
-            <p:nvSpPr>
-              <p:cNvPr id="32" name="Oval 31">
-                <a:extLst>
-                  <a:ext uri="{FF2B5EF4-FFF2-40B4-BE49-F238E27FC236}">
-                    <a16:creationId xmlns:a16="http://schemas.microsoft.com/office/drawing/2014/main" id="{C951742D-95BC-A660-AB52-100029D40289}"/>
-                  </a:ext>
-                </a:extLst>
-              </p:cNvPr>
-              <p:cNvSpPr/>
-              <p:nvPr/>
-            </p:nvSpPr>
-            <p:spPr>
-              <a:xfrm>
-                <a:off x="3430951" y="1747335"/>
-                <a:ext cx="82399" cy="82399"/>
-              </a:xfrm>
-              <a:prstGeom prst="ellipse">
-                <a:avLst/>
-              </a:prstGeom>
-            </p:spPr>
-            <p:style>
-              <a:lnRef idx="2">
-                <a:schemeClr val="dk1">
-                  <a:shade val="15000"/>
-                </a:schemeClr>
-              </a:lnRef>
-              <a:fillRef idx="1">
-                <a:schemeClr val="dk1"/>
-              </a:fillRef>
-              <a:effectRef idx="0">
-                <a:schemeClr val="dk1"/>
-              </a:effectRef>
-              <a:fontRef idx="minor">
-                <a:schemeClr val="lt1"/>
-              </a:fontRef>
-            </p:style>
-            <p:txBody>
-              <a:bodyPr rtlCol="0" anchor="ctr"/>
-              <a:lstStyle/>
-              <a:p>
-                <a:pPr algn="ctr"/>
-                <a:endParaRPr lang="en-US"/>
-              </a:p>
-            </p:txBody>
-          </p:sp>
-          <p:sp>
-            <p:nvSpPr>
-              <p:cNvPr id="33" name="TextBox 32">
-                <a:extLst>
-                  <a:ext uri="{FF2B5EF4-FFF2-40B4-BE49-F238E27FC236}">
-                    <a16:creationId xmlns:a16="http://schemas.microsoft.com/office/drawing/2014/main" id="{0AB378C0-9032-DCCA-0126-2CA47E5287AA}"/>
-                  </a:ext>
-                </a:extLst>
-              </p:cNvPr>
-              <p:cNvSpPr txBox="1"/>
-              <p:nvPr/>
-            </p:nvSpPr>
-            <p:spPr>
-              <a:xfrm>
-                <a:off x="3522356" y="1386159"/>
-                <a:ext cx="314510" cy="369332"/>
-              </a:xfrm>
-              <a:prstGeom prst="rect">
-                <a:avLst/>
-              </a:prstGeom>
-              <a:noFill/>
-            </p:spPr>
-            <p:txBody>
-              <a:bodyPr wrap="none" rtlCol="0">
-                <a:spAutoFit/>
-              </a:bodyPr>
-              <a:lstStyle/>
-              <a:p>
-                <a:r>
-                  <a:rPr lang="en-US" dirty="0"/>
-                  <a:t>p</a:t>
-                </a:r>
-              </a:p>
-            </p:txBody>
-          </p:sp>
-          <p:sp>
-            <p:nvSpPr>
-              <p:cNvPr id="34" name="TextBox 33">
-                <a:extLst>
-                  <a:ext uri="{FF2B5EF4-FFF2-40B4-BE49-F238E27FC236}">
-                    <a16:creationId xmlns:a16="http://schemas.microsoft.com/office/drawing/2014/main" id="{69D61A0E-21C1-0118-F0E0-BB001D840905}"/>
-                  </a:ext>
-                </a:extLst>
-              </p:cNvPr>
-              <p:cNvSpPr txBox="1"/>
-              <p:nvPr/>
-            </p:nvSpPr>
-            <p:spPr>
-              <a:xfrm>
-                <a:off x="3548996" y="1635272"/>
-                <a:ext cx="296876" cy="369332"/>
-              </a:xfrm>
-              <a:prstGeom prst="rect">
-                <a:avLst/>
-              </a:prstGeom>
-              <a:noFill/>
-            </p:spPr>
-            <p:txBody>
-              <a:bodyPr wrap="none" rtlCol="0">
-                <a:spAutoFit/>
-              </a:bodyPr>
-              <a:lstStyle/>
-              <a:p>
-                <a:r>
-                  <a:rPr lang="en-US" dirty="0"/>
-                  <a:t>s</a:t>
-                </a:r>
-              </a:p>
-            </p:txBody>
-          </p:sp>
-          <p:sp>
-            <p:nvSpPr>
-              <p:cNvPr id="35" name="TextBox 34">
-                <a:extLst>
-                  <a:ext uri="{FF2B5EF4-FFF2-40B4-BE49-F238E27FC236}">
-                    <a16:creationId xmlns:a16="http://schemas.microsoft.com/office/drawing/2014/main" id="{F8DF2E00-CE6A-F457-F60B-948A1AAA9EF1}"/>
-                  </a:ext>
-                </a:extLst>
-              </p:cNvPr>
-              <p:cNvSpPr txBox="1"/>
-              <p:nvPr/>
-            </p:nvSpPr>
-            <p:spPr>
-              <a:xfrm>
-                <a:off x="3397259" y="1048960"/>
-                <a:ext cx="558166" cy="369332"/>
-              </a:xfrm>
-              <a:prstGeom prst="rect">
-                <a:avLst/>
-              </a:prstGeom>
-              <a:noFill/>
-            </p:spPr>
-            <p:txBody>
-              <a:bodyPr wrap="none" rtlCol="0">
-                <a:spAutoFit/>
-              </a:bodyPr>
-              <a:lstStyle/>
-              <a:p>
-                <a:r>
-                  <a:rPr lang="en-US" dirty="0"/>
-                  <a:t>n=3</a:t>
-                </a:r>
-              </a:p>
-            </p:txBody>
-          </p:sp>
-          <p:sp>
-            <p:nvSpPr>
-              <p:cNvPr id="36" name="TextBox 35">
-                <a:extLst>
-                  <a:ext uri="{FF2B5EF4-FFF2-40B4-BE49-F238E27FC236}">
-                    <a16:creationId xmlns:a16="http://schemas.microsoft.com/office/drawing/2014/main" id="{56FB4E5E-7885-B474-74BC-E42052658BA5}"/>
-                  </a:ext>
-                </a:extLst>
-              </p:cNvPr>
-              <p:cNvSpPr txBox="1"/>
-              <p:nvPr/>
-            </p:nvSpPr>
-            <p:spPr>
-              <a:xfrm>
-                <a:off x="2196708" y="1967642"/>
-                <a:ext cx="1654299" cy="338554"/>
-              </a:xfrm>
-              <a:prstGeom prst="rect">
-                <a:avLst/>
-              </a:prstGeom>
-              <a:noFill/>
-            </p:spPr>
-            <p:txBody>
-              <a:bodyPr wrap="none" rtlCol="0">
-                <a:spAutoFit/>
-              </a:bodyPr>
-              <a:lstStyle/>
-              <a:p>
-                <a:r>
-                  <a:rPr lang="en-US" sz="1600" dirty="0"/>
-                  <a:t>6N p-states total</a:t>
-                </a:r>
-              </a:p>
-            </p:txBody>
-          </p:sp>
-          <p:sp>
-            <p:nvSpPr>
-              <p:cNvPr id="37" name="TextBox 36">
-                <a:extLst>
-                  <a:ext uri="{FF2B5EF4-FFF2-40B4-BE49-F238E27FC236}">
-                    <a16:creationId xmlns:a16="http://schemas.microsoft.com/office/drawing/2014/main" id="{8DB61002-8DFD-200E-8307-A82B1C3B54F3}"/>
-                  </a:ext>
-                </a:extLst>
-              </p:cNvPr>
-              <p:cNvSpPr txBox="1"/>
-              <p:nvPr/>
-            </p:nvSpPr>
-            <p:spPr>
-              <a:xfrm>
-                <a:off x="2196708" y="2271059"/>
-                <a:ext cx="1638269" cy="338554"/>
-              </a:xfrm>
-              <a:prstGeom prst="rect">
-                <a:avLst/>
-              </a:prstGeom>
-              <a:noFill/>
-            </p:spPr>
-            <p:txBody>
-              <a:bodyPr wrap="none" rtlCol="0">
-                <a:spAutoFit/>
-              </a:bodyPr>
-              <a:lstStyle/>
-              <a:p>
-                <a:r>
-                  <a:rPr lang="en-US" sz="1600" dirty="0"/>
-                  <a:t>2N s-states total</a:t>
-                </a:r>
-              </a:p>
-            </p:txBody>
-          </p:sp>
-          <p:sp>
-            <p:nvSpPr>
-              <p:cNvPr id="38" name="TextBox 37">
-                <a:extLst>
-                  <a:ext uri="{FF2B5EF4-FFF2-40B4-BE49-F238E27FC236}">
-                    <a16:creationId xmlns:a16="http://schemas.microsoft.com/office/drawing/2014/main" id="{5BFA4C2A-B3D1-6EA4-6D64-D676EB0D5FFC}"/>
-                  </a:ext>
-                </a:extLst>
-              </p:cNvPr>
-              <p:cNvSpPr txBox="1"/>
-              <p:nvPr/>
-            </p:nvSpPr>
-            <p:spPr>
-              <a:xfrm>
-                <a:off x="2196708" y="2638566"/>
-                <a:ext cx="1882375" cy="338554"/>
-              </a:xfrm>
-              <a:prstGeom prst="rect">
-                <a:avLst/>
-              </a:prstGeom>
-              <a:noFill/>
-            </p:spPr>
-            <p:txBody>
-              <a:bodyPr wrap="none" rtlCol="0">
-                <a:spAutoFit/>
-              </a:bodyPr>
-              <a:lstStyle/>
-              <a:p>
-                <a:r>
-                  <a:rPr lang="en-US" sz="1600" dirty="0"/>
-                  <a:t>(4N electrons total)</a:t>
-                </a:r>
-              </a:p>
-            </p:txBody>
-          </p:sp>
-          <p:sp>
-            <p:nvSpPr>
-              <p:cNvPr id="39" name="TextBox 38">
-                <a:extLst>
-                  <a:ext uri="{FF2B5EF4-FFF2-40B4-BE49-F238E27FC236}">
-                    <a16:creationId xmlns:a16="http://schemas.microsoft.com/office/drawing/2014/main" id="{C21C1D4D-A888-0DFD-8BBC-B3AB5CDB4BA2}"/>
-                  </a:ext>
-                </a:extLst>
-              </p:cNvPr>
-              <p:cNvSpPr txBox="1"/>
-              <p:nvPr/>
-            </p:nvSpPr>
-            <p:spPr>
-              <a:xfrm>
-                <a:off x="2448104" y="708680"/>
-                <a:ext cx="1100892" cy="523220"/>
-              </a:xfrm>
-              <a:prstGeom prst="rect">
-                <a:avLst/>
-              </a:prstGeom>
-              <a:noFill/>
-            </p:spPr>
-            <p:txBody>
-              <a:bodyPr wrap="square" rtlCol="0">
-                <a:spAutoFit/>
-              </a:bodyPr>
-              <a:lstStyle/>
-              <a:p>
-                <a:r>
-                  <a:rPr lang="en-US" sz="1400" b="1" u="sng" dirty="0"/>
-                  <a:t>N Isolated Si atoms</a:t>
-                </a:r>
-              </a:p>
-            </p:txBody>
-          </p:sp>
-          <p:cxnSp>
-            <p:nvCxnSpPr>
-              <p:cNvPr id="40" name="Straight Arrow Connector 39">
-                <a:extLst>
-                  <a:ext uri="{FF2B5EF4-FFF2-40B4-BE49-F238E27FC236}">
-                    <a16:creationId xmlns:a16="http://schemas.microsoft.com/office/drawing/2014/main" id="{A2515EBC-C5D0-7568-0026-FE638631CF36}"/>
-                  </a:ext>
-                </a:extLst>
-              </p:cNvPr>
-              <p:cNvCxnSpPr/>
-              <p:nvPr/>
-            </p:nvCxnSpPr>
-            <p:spPr>
-              <a:xfrm flipV="1">
-                <a:off x="2096870" y="1251797"/>
-                <a:ext cx="0" cy="1604889"/>
-              </a:xfrm>
-              <a:prstGeom prst="straightConnector1">
-                <a:avLst/>
-              </a:prstGeom>
-              <a:ln>
-                <a:tailEnd type="triangle"/>
-              </a:ln>
-            </p:spPr>
-            <p:style>
-              <a:lnRef idx="2">
-                <a:schemeClr val="dk1"/>
-              </a:lnRef>
-              <a:fillRef idx="0">
-                <a:schemeClr val="dk1"/>
-              </a:fillRef>
-              <a:effectRef idx="1">
-                <a:schemeClr val="dk1"/>
-              </a:effectRef>
-              <a:fontRef idx="minor">
-                <a:schemeClr val="tx1"/>
-              </a:fontRef>
-            </p:style>
-          </p:cxnSp>
-          <p:sp>
-            <p:nvSpPr>
-              <p:cNvPr id="41" name="TextBox 40">
-                <a:extLst>
-                  <a:ext uri="{FF2B5EF4-FFF2-40B4-BE49-F238E27FC236}">
-                    <a16:creationId xmlns:a16="http://schemas.microsoft.com/office/drawing/2014/main" id="{9A669CA6-CC63-DBC6-7927-2633128E2457}"/>
-                  </a:ext>
-                </a:extLst>
-              </p:cNvPr>
-              <p:cNvSpPr txBox="1"/>
-              <p:nvPr/>
-            </p:nvSpPr>
-            <p:spPr>
-              <a:xfrm rot="16200000">
-                <a:off x="1090901" y="1850716"/>
-                <a:ext cx="1704162" cy="307777"/>
-              </a:xfrm>
-              <a:prstGeom prst="rect">
-                <a:avLst/>
-              </a:prstGeom>
-              <a:noFill/>
-            </p:spPr>
-            <p:txBody>
-              <a:bodyPr wrap="square" rtlCol="0">
-                <a:spAutoFit/>
-              </a:bodyPr>
-              <a:lstStyle/>
-              <a:p>
-                <a:r>
-                  <a:rPr lang="en-US" sz="1400" dirty="0"/>
-                  <a:t>Electron energy</a:t>
-                </a:r>
-              </a:p>
-            </p:txBody>
-          </p:sp>
-          <p:sp>
-            <p:nvSpPr>
-              <p:cNvPr id="66" name="TextBox 65">
-                <a:extLst>
-                  <a:ext uri="{FF2B5EF4-FFF2-40B4-BE49-F238E27FC236}">
-                    <a16:creationId xmlns:a16="http://schemas.microsoft.com/office/drawing/2014/main" id="{9400CA0D-6565-DF06-2FC1-C9BF1C3D46E1}"/>
-                  </a:ext>
-                </a:extLst>
-              </p:cNvPr>
-              <p:cNvSpPr txBox="1"/>
-              <p:nvPr/>
-            </p:nvSpPr>
-            <p:spPr>
-              <a:xfrm>
-                <a:off x="1911145" y="923259"/>
-                <a:ext cx="312906" cy="369332"/>
-              </a:xfrm>
-              <a:prstGeom prst="rect">
-                <a:avLst/>
-              </a:prstGeom>
-              <a:noFill/>
-            </p:spPr>
-            <p:txBody>
-              <a:bodyPr wrap="none" rtlCol="0">
-                <a:spAutoFit/>
-              </a:bodyPr>
-              <a:lstStyle/>
-              <a:p>
-                <a:r>
-                  <a:rPr lang="en-US" dirty="0"/>
-                  <a:t>E</a:t>
-                </a:r>
-              </a:p>
-            </p:txBody>
-          </p:sp>
-          <p:sp>
-            <p:nvSpPr>
-              <p:cNvPr id="118" name="Rectangle 117">
-                <a:extLst>
-                  <a:ext uri="{FF2B5EF4-FFF2-40B4-BE49-F238E27FC236}">
-                    <a16:creationId xmlns:a16="http://schemas.microsoft.com/office/drawing/2014/main" id="{E56F0A2E-5554-2251-F8A0-B5FE0F55DDB5}"/>
-                  </a:ext>
-                </a:extLst>
-              </p:cNvPr>
-              <p:cNvSpPr/>
-              <p:nvPr/>
-            </p:nvSpPr>
-            <p:spPr>
-              <a:xfrm>
-                <a:off x="1690007" y="637895"/>
-                <a:ext cx="2372590" cy="2539674"/>
-              </a:xfrm>
-              <a:prstGeom prst="rect">
-                <a:avLst/>
-              </a:prstGeom>
-              <a:noFill/>
-              <a:ln>
-                <a:solidFill>
-                  <a:schemeClr val="tx1"/>
-                </a:solidFill>
-              </a:ln>
-            </p:spPr>
-            <p:style>
-              <a:lnRef idx="2">
-                <a:schemeClr val="accent1">
-                  <a:shade val="15000"/>
-                </a:schemeClr>
-              </a:lnRef>
-              <a:fillRef idx="1">
-                <a:schemeClr val="accent1"/>
-              </a:fillRef>
-              <a:effectRef idx="0">
-                <a:schemeClr val="accent1"/>
-              </a:effectRef>
-              <a:fontRef idx="minor">
-                <a:schemeClr val="lt1"/>
-              </a:fontRef>
-            </p:style>
-            <p:txBody>
-              <a:bodyPr rtlCol="0" anchor="ctr"/>
-              <a:lstStyle/>
-              <a:p>
-                <a:pPr algn="ctr"/>
-                <a:endParaRPr lang="en-US"/>
-              </a:p>
-            </p:txBody>
-          </p:sp>
-        </p:grpSp>
-        <p:grpSp>
-          <p:nvGrpSpPr>
-            <p:cNvPr id="121" name="Group 120">
-              <a:extLst>
-                <a:ext uri="{FF2B5EF4-FFF2-40B4-BE49-F238E27FC236}">
-                  <a16:creationId xmlns:a16="http://schemas.microsoft.com/office/drawing/2014/main" id="{B200FDE9-EFCE-075B-9EC4-B878C9672F96}"/>
-                </a:ext>
-              </a:extLst>
-            </p:cNvPr>
-            <p:cNvGrpSpPr/>
-            <p:nvPr/>
-          </p:nvGrpSpPr>
-          <p:grpSpPr>
-            <a:xfrm>
-              <a:off x="4415304" y="478226"/>
-              <a:ext cx="2724984" cy="2539674"/>
-              <a:chOff x="4872646" y="637895"/>
-              <a:chExt cx="2724984" cy="2539674"/>
-            </a:xfrm>
-          </p:grpSpPr>
-          <p:cxnSp>
-            <p:nvCxnSpPr>
-              <p:cNvPr id="64" name="Straight Arrow Connector 63">
-                <a:extLst>
-                  <a:ext uri="{FF2B5EF4-FFF2-40B4-BE49-F238E27FC236}">
-                    <a16:creationId xmlns:a16="http://schemas.microsoft.com/office/drawing/2014/main" id="{DB57A34F-87BE-20E7-BD5F-86136D78D130}"/>
-                  </a:ext>
-                </a:extLst>
-              </p:cNvPr>
-              <p:cNvCxnSpPr/>
-              <p:nvPr/>
-            </p:nvCxnSpPr>
-            <p:spPr>
-              <a:xfrm flipV="1">
-                <a:off x="5224049" y="1251798"/>
-                <a:ext cx="0" cy="1604889"/>
-              </a:xfrm>
-              <a:prstGeom prst="straightConnector1">
-                <a:avLst/>
-              </a:prstGeom>
-              <a:ln>
-                <a:tailEnd type="triangle"/>
-              </a:ln>
-            </p:spPr>
-            <p:style>
-              <a:lnRef idx="2">
-                <a:schemeClr val="dk1"/>
-              </a:lnRef>
-              <a:fillRef idx="0">
-                <a:schemeClr val="dk1"/>
-              </a:fillRef>
-              <a:effectRef idx="1">
-                <a:schemeClr val="dk1"/>
-              </a:effectRef>
-              <a:fontRef idx="minor">
-                <a:schemeClr val="tx1"/>
-              </a:fontRef>
-            </p:style>
-          </p:cxnSp>
-          <p:sp>
-            <p:nvSpPr>
-              <p:cNvPr id="65" name="TextBox 64">
-                <a:extLst>
-                  <a:ext uri="{FF2B5EF4-FFF2-40B4-BE49-F238E27FC236}">
-                    <a16:creationId xmlns:a16="http://schemas.microsoft.com/office/drawing/2014/main" id="{7BC3CC36-0978-793A-CB30-AA03258CC64F}"/>
-                  </a:ext>
-                </a:extLst>
-              </p:cNvPr>
-              <p:cNvSpPr txBox="1"/>
-              <p:nvPr/>
-            </p:nvSpPr>
-            <p:spPr>
-              <a:xfrm rot="16200000">
-                <a:off x="4218080" y="1850717"/>
-                <a:ext cx="1704162" cy="307777"/>
-              </a:xfrm>
-              <a:prstGeom prst="rect">
-                <a:avLst/>
-              </a:prstGeom>
-              <a:noFill/>
-            </p:spPr>
-            <p:txBody>
-              <a:bodyPr wrap="square" rtlCol="0">
-                <a:spAutoFit/>
-              </a:bodyPr>
-              <a:lstStyle/>
-              <a:p>
-                <a:r>
-                  <a:rPr lang="en-US" sz="1400" dirty="0"/>
-                  <a:t>Electron energy</a:t>
-                </a:r>
-              </a:p>
-            </p:txBody>
-          </p:sp>
-          <p:sp>
-            <p:nvSpPr>
-              <p:cNvPr id="67" name="TextBox 66">
-                <a:extLst>
-                  <a:ext uri="{FF2B5EF4-FFF2-40B4-BE49-F238E27FC236}">
-                    <a16:creationId xmlns:a16="http://schemas.microsoft.com/office/drawing/2014/main" id="{BFB0B45D-C950-1B28-DBCB-856222EEE42F}"/>
-                  </a:ext>
-                </a:extLst>
-              </p:cNvPr>
-              <p:cNvSpPr txBox="1"/>
-              <p:nvPr/>
-            </p:nvSpPr>
-            <p:spPr>
-              <a:xfrm>
-                <a:off x="5015562" y="923259"/>
-                <a:ext cx="312906" cy="369332"/>
-              </a:xfrm>
-              <a:prstGeom prst="rect">
-                <a:avLst/>
-              </a:prstGeom>
-              <a:noFill/>
-            </p:spPr>
-            <p:txBody>
-              <a:bodyPr wrap="none" rtlCol="0">
-                <a:spAutoFit/>
-              </a:bodyPr>
-              <a:lstStyle/>
-              <a:p>
-                <a:r>
-                  <a:rPr lang="en-US" dirty="0"/>
-                  <a:t>E</a:t>
-                </a:r>
-              </a:p>
-            </p:txBody>
-          </p:sp>
-          <p:cxnSp>
-            <p:nvCxnSpPr>
-              <p:cNvPr id="69" name="Straight Arrow Connector 68">
-                <a:extLst>
-                  <a:ext uri="{FF2B5EF4-FFF2-40B4-BE49-F238E27FC236}">
-                    <a16:creationId xmlns:a16="http://schemas.microsoft.com/office/drawing/2014/main" id="{867BDDAD-56D3-0305-DF39-B2EFCD20A3BC}"/>
-                  </a:ext>
-                </a:extLst>
-              </p:cNvPr>
-              <p:cNvCxnSpPr/>
-              <p:nvPr/>
-            </p:nvCxnSpPr>
-            <p:spPr>
-              <a:xfrm>
-                <a:off x="5510759" y="1231900"/>
-                <a:ext cx="0" cy="515435"/>
-              </a:xfrm>
-              <a:prstGeom prst="straightConnector1">
-                <a:avLst/>
-              </a:prstGeom>
-              <a:ln>
-                <a:headEnd type="triangle"/>
-                <a:tailEnd type="triangle"/>
-              </a:ln>
-            </p:spPr>
-            <p:style>
-              <a:lnRef idx="2">
-                <a:schemeClr val="dk1"/>
-              </a:lnRef>
-              <a:fillRef idx="0">
-                <a:schemeClr val="dk1"/>
-              </a:fillRef>
-              <a:effectRef idx="1">
-                <a:schemeClr val="dk1"/>
-              </a:effectRef>
-              <a:fontRef idx="minor">
-                <a:schemeClr val="tx1"/>
-              </a:fontRef>
-            </p:style>
-          </p:cxnSp>
-          <p:cxnSp>
-            <p:nvCxnSpPr>
-              <p:cNvPr id="71" name="Straight Connector 70">
-                <a:extLst>
-                  <a:ext uri="{FF2B5EF4-FFF2-40B4-BE49-F238E27FC236}">
-                    <a16:creationId xmlns:a16="http://schemas.microsoft.com/office/drawing/2014/main" id="{2C04D775-A350-5727-717D-8E2EB44A5E60}"/>
-                  </a:ext>
-                </a:extLst>
-              </p:cNvPr>
-              <p:cNvCxnSpPr/>
-              <p:nvPr/>
-            </p:nvCxnSpPr>
-            <p:spPr>
-              <a:xfrm>
-                <a:off x="5329238" y="1231900"/>
-                <a:ext cx="347662" cy="0"/>
-              </a:xfrm>
-              <a:prstGeom prst="line">
-                <a:avLst/>
-              </a:prstGeom>
-            </p:spPr>
-            <p:style>
-              <a:lnRef idx="2">
-                <a:schemeClr val="dk1"/>
-              </a:lnRef>
-              <a:fillRef idx="0">
-                <a:schemeClr val="dk1"/>
-              </a:fillRef>
-              <a:effectRef idx="1">
-                <a:schemeClr val="dk1"/>
-              </a:effectRef>
-              <a:fontRef idx="minor">
-                <a:schemeClr val="tx1"/>
-              </a:fontRef>
-            </p:style>
-          </p:cxnSp>
-          <p:cxnSp>
-            <p:nvCxnSpPr>
-              <p:cNvPr id="72" name="Straight Connector 71">
-                <a:extLst>
-                  <a:ext uri="{FF2B5EF4-FFF2-40B4-BE49-F238E27FC236}">
-                    <a16:creationId xmlns:a16="http://schemas.microsoft.com/office/drawing/2014/main" id="{79A2E58C-440F-337E-7B07-EFDF6466D974}"/>
-                  </a:ext>
-                </a:extLst>
-              </p:cNvPr>
-              <p:cNvCxnSpPr/>
-              <p:nvPr/>
-            </p:nvCxnSpPr>
-            <p:spPr>
-              <a:xfrm>
-                <a:off x="5329238" y="1747335"/>
-                <a:ext cx="347662" cy="0"/>
-              </a:xfrm>
-              <a:prstGeom prst="line">
-                <a:avLst/>
-              </a:prstGeom>
-            </p:spPr>
-            <p:style>
-              <a:lnRef idx="2">
-                <a:schemeClr val="dk1"/>
-              </a:lnRef>
-              <a:fillRef idx="0">
-                <a:schemeClr val="dk1"/>
-              </a:fillRef>
-              <a:effectRef idx="1">
-                <a:schemeClr val="dk1"/>
-              </a:effectRef>
-              <a:fontRef idx="minor">
-                <a:schemeClr val="tx1"/>
-              </a:fontRef>
-            </p:style>
-          </p:cxnSp>
-          <p:cxnSp>
-            <p:nvCxnSpPr>
-              <p:cNvPr id="73" name="Straight Arrow Connector 72">
-                <a:extLst>
-                  <a:ext uri="{FF2B5EF4-FFF2-40B4-BE49-F238E27FC236}">
-                    <a16:creationId xmlns:a16="http://schemas.microsoft.com/office/drawing/2014/main" id="{42F2C75C-4D1F-F12D-83C5-B84C2DFFA1FE}"/>
-                  </a:ext>
-                </a:extLst>
-              </p:cNvPr>
-              <p:cNvCxnSpPr/>
-              <p:nvPr/>
-            </p:nvCxnSpPr>
-            <p:spPr>
-              <a:xfrm>
-                <a:off x="5510759" y="2341251"/>
-                <a:ext cx="0" cy="515435"/>
-              </a:xfrm>
-              <a:prstGeom prst="straightConnector1">
-                <a:avLst/>
-              </a:prstGeom>
-              <a:ln>
-                <a:headEnd type="triangle"/>
-                <a:tailEnd type="triangle"/>
-              </a:ln>
-            </p:spPr>
-            <p:style>
-              <a:lnRef idx="2">
-                <a:schemeClr val="dk1"/>
-              </a:lnRef>
-              <a:fillRef idx="0">
-                <a:schemeClr val="dk1"/>
-              </a:fillRef>
-              <a:effectRef idx="1">
-                <a:schemeClr val="dk1"/>
-              </a:effectRef>
-              <a:fontRef idx="minor">
-                <a:schemeClr val="tx1"/>
-              </a:fontRef>
-            </p:style>
-          </p:cxnSp>
-          <p:cxnSp>
-            <p:nvCxnSpPr>
-              <p:cNvPr id="74" name="Straight Connector 73">
-                <a:extLst>
-                  <a:ext uri="{FF2B5EF4-FFF2-40B4-BE49-F238E27FC236}">
-                    <a16:creationId xmlns:a16="http://schemas.microsoft.com/office/drawing/2014/main" id="{79EF31A9-B841-2679-DE90-D8C21D3FFD53}"/>
-                  </a:ext>
-                </a:extLst>
-              </p:cNvPr>
-              <p:cNvCxnSpPr/>
-              <p:nvPr/>
-            </p:nvCxnSpPr>
-            <p:spPr>
-              <a:xfrm>
-                <a:off x="5329238" y="2341251"/>
-                <a:ext cx="347662" cy="0"/>
-              </a:xfrm>
-              <a:prstGeom prst="line">
-                <a:avLst/>
-              </a:prstGeom>
-            </p:spPr>
-            <p:style>
-              <a:lnRef idx="2">
-                <a:schemeClr val="dk1"/>
-              </a:lnRef>
-              <a:fillRef idx="0">
-                <a:schemeClr val="dk1"/>
-              </a:fillRef>
-              <a:effectRef idx="1">
-                <a:schemeClr val="dk1"/>
-              </a:effectRef>
-              <a:fontRef idx="minor">
-                <a:schemeClr val="tx1"/>
-              </a:fontRef>
-            </p:style>
-          </p:cxnSp>
-          <p:cxnSp>
-            <p:nvCxnSpPr>
-              <p:cNvPr id="75" name="Straight Connector 74">
-                <a:extLst>
-                  <a:ext uri="{FF2B5EF4-FFF2-40B4-BE49-F238E27FC236}">
-                    <a16:creationId xmlns:a16="http://schemas.microsoft.com/office/drawing/2014/main" id="{01E03F6C-0D52-160A-17D5-28C2372EFC6B}"/>
-                  </a:ext>
-                </a:extLst>
-              </p:cNvPr>
-              <p:cNvCxnSpPr/>
-              <p:nvPr/>
-            </p:nvCxnSpPr>
-            <p:spPr>
-              <a:xfrm>
-                <a:off x="5329238" y="2856686"/>
-                <a:ext cx="347662" cy="0"/>
-              </a:xfrm>
-              <a:prstGeom prst="line">
-                <a:avLst/>
-              </a:prstGeom>
-            </p:spPr>
-            <p:style>
-              <a:lnRef idx="2">
-                <a:schemeClr val="dk1"/>
-              </a:lnRef>
-              <a:fillRef idx="0">
-                <a:schemeClr val="dk1"/>
-              </a:fillRef>
-              <a:effectRef idx="1">
-                <a:schemeClr val="dk1"/>
-              </a:effectRef>
-              <a:fontRef idx="minor">
-                <a:schemeClr val="tx1"/>
-              </a:fontRef>
-            </p:style>
-          </p:cxnSp>
-          <p:sp>
-            <p:nvSpPr>
-              <p:cNvPr id="76" name="TextBox 75">
-                <a:extLst>
-                  <a:ext uri="{FF2B5EF4-FFF2-40B4-BE49-F238E27FC236}">
-                    <a16:creationId xmlns:a16="http://schemas.microsoft.com/office/drawing/2014/main" id="{5A92A366-E767-5785-CE73-08BE619CB36C}"/>
-                  </a:ext>
-                </a:extLst>
-              </p:cNvPr>
-              <p:cNvSpPr txBox="1"/>
-              <p:nvPr/>
-            </p:nvSpPr>
-            <p:spPr>
-              <a:xfrm>
-                <a:off x="5779504" y="1170716"/>
-                <a:ext cx="1818126" cy="584775"/>
-              </a:xfrm>
-              <a:prstGeom prst="rect">
-                <a:avLst/>
-              </a:prstGeom>
-              <a:noFill/>
-            </p:spPr>
-            <p:txBody>
-              <a:bodyPr wrap="none" rtlCol="0">
-                <a:spAutoFit/>
-              </a:bodyPr>
-              <a:lstStyle/>
-              <a:p>
-                <a:r>
-                  <a:rPr lang="en-US" sz="1600" dirty="0"/>
-                  <a:t>4N allowed states</a:t>
-                </a:r>
-              </a:p>
-              <a:p>
-                <a:r>
-                  <a:rPr lang="en-US" sz="1600" dirty="0"/>
-                  <a:t>(conduction band)</a:t>
-                </a:r>
-              </a:p>
-            </p:txBody>
-          </p:sp>
-          <p:sp>
-            <p:nvSpPr>
-              <p:cNvPr id="77" name="TextBox 76">
-                <a:extLst>
-                  <a:ext uri="{FF2B5EF4-FFF2-40B4-BE49-F238E27FC236}">
-                    <a16:creationId xmlns:a16="http://schemas.microsoft.com/office/drawing/2014/main" id="{2532E835-23C7-E833-5329-A7F37B0418F1}"/>
-                  </a:ext>
-                </a:extLst>
-              </p:cNvPr>
-              <p:cNvSpPr txBox="1"/>
-              <p:nvPr/>
-            </p:nvSpPr>
-            <p:spPr>
-              <a:xfrm>
-                <a:off x="5779504" y="2325551"/>
-                <a:ext cx="1818126" cy="584775"/>
-              </a:xfrm>
-              <a:prstGeom prst="rect">
-                <a:avLst/>
-              </a:prstGeom>
-              <a:noFill/>
-            </p:spPr>
-            <p:txBody>
-              <a:bodyPr wrap="none" rtlCol="0">
-                <a:spAutoFit/>
-              </a:bodyPr>
-              <a:lstStyle/>
-              <a:p>
-                <a:r>
-                  <a:rPr lang="en-US" sz="1600" dirty="0"/>
-                  <a:t>4N allowed states</a:t>
-                </a:r>
-              </a:p>
-              <a:p>
-                <a:r>
-                  <a:rPr lang="en-US" sz="1600" dirty="0"/>
-                  <a:t>(valence band)</a:t>
-                </a:r>
-              </a:p>
-            </p:txBody>
-          </p:sp>
-          <p:sp>
-            <p:nvSpPr>
-              <p:cNvPr id="78" name="Right Brace 77">
-                <a:extLst>
-                  <a:ext uri="{FF2B5EF4-FFF2-40B4-BE49-F238E27FC236}">
-                    <a16:creationId xmlns:a16="http://schemas.microsoft.com/office/drawing/2014/main" id="{E6B4C6B0-2F92-ABA5-9B63-DFF72FE4E1AB}"/>
-                  </a:ext>
-                </a:extLst>
-              </p:cNvPr>
-              <p:cNvSpPr/>
-              <p:nvPr/>
-            </p:nvSpPr>
-            <p:spPr>
-              <a:xfrm>
-                <a:off x="5719762" y="1755490"/>
-                <a:ext cx="189095" cy="584769"/>
-              </a:xfrm>
-              <a:prstGeom prst="rightBrace">
-                <a:avLst>
-                  <a:gd name="adj1" fmla="val 43593"/>
-                  <a:gd name="adj2" fmla="val 50000"/>
-                </a:avLst>
-              </a:prstGeom>
-            </p:spPr>
-            <p:style>
-              <a:lnRef idx="2">
-                <a:schemeClr val="dk1"/>
-              </a:lnRef>
-              <a:fillRef idx="0">
-                <a:schemeClr val="dk1"/>
-              </a:fillRef>
-              <a:effectRef idx="1">
-                <a:schemeClr val="dk1"/>
-              </a:effectRef>
-              <a:fontRef idx="minor">
-                <a:schemeClr val="tx1"/>
-              </a:fontRef>
-            </p:style>
-            <p:txBody>
-              <a:bodyPr rtlCol="0" anchor="ctr"/>
-              <a:lstStyle/>
-              <a:p>
-                <a:pPr algn="ctr"/>
-                <a:endParaRPr lang="en-US"/>
-              </a:p>
-            </p:txBody>
-          </p:sp>
-          <p:sp>
-            <p:nvSpPr>
-              <p:cNvPr id="79" name="TextBox 78">
-                <a:extLst>
-                  <a:ext uri="{FF2B5EF4-FFF2-40B4-BE49-F238E27FC236}">
-                    <a16:creationId xmlns:a16="http://schemas.microsoft.com/office/drawing/2014/main" id="{83282B36-5CDF-AB12-61CF-218EA4E9E842}"/>
-                  </a:ext>
-                </a:extLst>
-              </p:cNvPr>
-              <p:cNvSpPr txBox="1"/>
-              <p:nvPr/>
-            </p:nvSpPr>
-            <p:spPr>
-              <a:xfrm>
-                <a:off x="5852184" y="1871244"/>
-                <a:ext cx="1672766" cy="338554"/>
-              </a:xfrm>
-              <a:prstGeom prst="rect">
-                <a:avLst/>
-              </a:prstGeom>
-              <a:noFill/>
-            </p:spPr>
-            <p:txBody>
-              <a:bodyPr wrap="none" rtlCol="0">
-                <a:spAutoFit/>
-              </a:bodyPr>
-              <a:lstStyle/>
-              <a:p>
-                <a:r>
-                  <a:rPr lang="en-US" sz="1600" dirty="0"/>
-                  <a:t>Forbidden states</a:t>
-                </a:r>
-              </a:p>
-            </p:txBody>
-          </p:sp>
-          <p:sp>
-            <p:nvSpPr>
-              <p:cNvPr id="80" name="TextBox 79">
-                <a:extLst>
-                  <a:ext uri="{FF2B5EF4-FFF2-40B4-BE49-F238E27FC236}">
-                    <a16:creationId xmlns:a16="http://schemas.microsoft.com/office/drawing/2014/main" id="{6BA3BCD9-3A8A-6026-260D-9330FD8B60C2}"/>
-                  </a:ext>
-                </a:extLst>
-              </p:cNvPr>
-              <p:cNvSpPr txBox="1"/>
-              <p:nvPr/>
-            </p:nvSpPr>
-            <p:spPr>
-              <a:xfrm>
-                <a:off x="6001378" y="637895"/>
-                <a:ext cx="1100892" cy="523220"/>
-              </a:xfrm>
-              <a:prstGeom prst="rect">
-                <a:avLst/>
-              </a:prstGeom>
-              <a:noFill/>
-            </p:spPr>
-            <p:txBody>
-              <a:bodyPr wrap="square" rtlCol="0">
-                <a:spAutoFit/>
-              </a:bodyPr>
-              <a:lstStyle/>
-              <a:p>
-                <a:r>
-                  <a:rPr lang="en-US" sz="1400" b="1" u="sng" dirty="0" err="1"/>
-                  <a:t>CrystallineSi</a:t>
-                </a:r>
-                <a:r>
-                  <a:rPr lang="en-US" sz="1400" b="1" u="sng" dirty="0"/>
-                  <a:t> N-atoms</a:t>
-                </a:r>
-              </a:p>
-            </p:txBody>
-          </p:sp>
-          <p:sp>
-            <p:nvSpPr>
-              <p:cNvPr id="119" name="Rectangle 118">
-                <a:extLst>
-                  <a:ext uri="{FF2B5EF4-FFF2-40B4-BE49-F238E27FC236}">
-                    <a16:creationId xmlns:a16="http://schemas.microsoft.com/office/drawing/2014/main" id="{9A274FA0-549D-3869-0EBD-FD068DCD3BC8}"/>
-                  </a:ext>
-                </a:extLst>
-              </p:cNvPr>
-              <p:cNvSpPr/>
-              <p:nvPr/>
-            </p:nvSpPr>
-            <p:spPr>
-              <a:xfrm>
-                <a:off x="4872646" y="637895"/>
-                <a:ext cx="2683826" cy="2539674"/>
-              </a:xfrm>
-              <a:prstGeom prst="rect">
-                <a:avLst/>
-              </a:prstGeom>
-              <a:noFill/>
-              <a:ln>
-                <a:solidFill>
-                  <a:schemeClr val="tx1"/>
-                </a:solidFill>
-              </a:ln>
-            </p:spPr>
-            <p:style>
-              <a:lnRef idx="2">
-                <a:schemeClr val="accent1">
-                  <a:shade val="15000"/>
-                </a:schemeClr>
-              </a:lnRef>
-              <a:fillRef idx="1">
-                <a:schemeClr val="accent1"/>
-              </a:fillRef>
-              <a:effectRef idx="0">
-                <a:schemeClr val="accent1"/>
-              </a:effectRef>
-              <a:fontRef idx="minor">
-                <a:schemeClr val="lt1"/>
-              </a:fontRef>
-            </p:style>
-            <p:txBody>
-              <a:bodyPr rtlCol="0" anchor="ctr"/>
-              <a:lstStyle/>
-              <a:p>
-                <a:pPr algn="ctr"/>
-                <a:endParaRPr lang="en-US"/>
-              </a:p>
-            </p:txBody>
-          </p:sp>
-        </p:grpSp>
-        <p:cxnSp>
-          <p:nvCxnSpPr>
-            <p:cNvPr id="124" name="Straight Arrow Connector 123">
-              <a:extLst>
-                <a:ext uri="{FF2B5EF4-FFF2-40B4-BE49-F238E27FC236}">
-                  <a16:creationId xmlns:a16="http://schemas.microsoft.com/office/drawing/2014/main" id="{CD9024B8-0C66-D396-39C0-C706B8FD1AEA}"/>
-                </a:ext>
-              </a:extLst>
-            </p:cNvPr>
-            <p:cNvCxnSpPr/>
-            <p:nvPr/>
-          </p:nvCxnSpPr>
-          <p:spPr>
-            <a:xfrm flipV="1">
-              <a:off x="2408415" y="3127022"/>
-              <a:ext cx="413365" cy="973937"/>
-            </a:xfrm>
-            <a:prstGeom prst="straightConnector1">
-              <a:avLst/>
-            </a:prstGeom>
-            <a:ln w="57150" cap="flat" cmpd="sng" algn="ctr">
-              <a:solidFill>
-                <a:schemeClr val="dk1"/>
-              </a:solidFill>
-              <a:prstDash val="solid"/>
-              <a:round/>
-              <a:headEnd type="none" w="med" len="med"/>
-              <a:tailEnd type="arrow" w="med" len="med"/>
-            </a:ln>
-          </p:spPr>
-          <p:style>
-            <a:lnRef idx="0">
-              <a:scrgbClr r="0" g="0" b="0"/>
-            </a:lnRef>
-            <a:fillRef idx="0">
-              <a:scrgbClr r="0" g="0" b="0"/>
-            </a:fillRef>
-            <a:effectRef idx="0">
-              <a:scrgbClr r="0" g="0" b="0"/>
-            </a:effectRef>
-            <a:fontRef idx="minor">
-              <a:schemeClr val="tx1"/>
-            </a:fontRef>
-          </p:style>
-        </p:cxnSp>
-        <p:cxnSp>
-          <p:nvCxnSpPr>
-            <p:cNvPr id="125" name="Straight Arrow Connector 124">
-              <a:extLst>
-                <a:ext uri="{FF2B5EF4-FFF2-40B4-BE49-F238E27FC236}">
-                  <a16:creationId xmlns:a16="http://schemas.microsoft.com/office/drawing/2014/main" id="{4DF89D63-1196-522C-9F78-B95E35D801BF}"/>
-                </a:ext>
-              </a:extLst>
-            </p:cNvPr>
-            <p:cNvCxnSpPr>
-              <a:cxnSpLocks/>
-            </p:cNvCxnSpPr>
-            <p:nvPr/>
-          </p:nvCxnSpPr>
-          <p:spPr>
-            <a:xfrm flipV="1">
-              <a:off x="4735859" y="3017900"/>
-              <a:ext cx="349973" cy="824579"/>
-            </a:xfrm>
-            <a:prstGeom prst="straightConnector1">
-              <a:avLst/>
-            </a:prstGeom>
-            <a:ln w="57150" cap="flat" cmpd="sng" algn="ctr">
-              <a:solidFill>
-                <a:schemeClr val="dk1"/>
-              </a:solidFill>
-              <a:prstDash val="solid"/>
-              <a:round/>
-              <a:headEnd type="none" w="med" len="med"/>
-              <a:tailEnd type="arrow" w="med" len="med"/>
-            </a:ln>
-          </p:spPr>
-          <p:style>
-            <a:lnRef idx="0">
-              <a:scrgbClr r="0" g="0" b="0"/>
-            </a:lnRef>
-            <a:fillRef idx="0">
-              <a:scrgbClr r="0" g="0" b="0"/>
-            </a:fillRef>
-            <a:effectRef idx="0">
-              <a:scrgbClr r="0" g="0" b="0"/>
-            </a:effectRef>
-            <a:fontRef idx="minor">
-              <a:schemeClr val="tx1"/>
-            </a:fontRef>
-          </p:style>
-        </p:cxnSp>
-      </p:grpSp>
-      <p:sp>
-        <p:nvSpPr>
-          <p:cNvPr id="129" name="TextBox 128">
-            <a:extLst>
-              <a:ext uri="{FF2B5EF4-FFF2-40B4-BE49-F238E27FC236}">
-                <a16:creationId xmlns:a16="http://schemas.microsoft.com/office/drawing/2014/main" id="{9D52739E-6BC8-C5B4-D426-F0363B82F2C5}"/>
-              </a:ext>
-            </a:extLst>
-          </p:cNvPr>
-          <p:cNvSpPr txBox="1"/>
-          <p:nvPr/>
-        </p:nvSpPr>
-        <p:spPr>
-          <a:xfrm>
-            <a:off x="244431" y="5597444"/>
-            <a:ext cx="2537361" cy="646331"/>
-          </a:xfrm>
-          <a:prstGeom prst="rect">
-            <a:avLst/>
-          </a:prstGeom>
-          <a:noFill/>
-        </p:spPr>
-        <p:txBody>
-          <a:bodyPr wrap="none" rtlCol="0">
-            <a:spAutoFit/>
-          </a:bodyPr>
-          <a:lstStyle/>
-          <a:p>
-            <a:r>
-              <a:rPr lang="en-US" dirty="0"/>
-              <a:t>Fig-semi-dev-band.png </a:t>
-            </a:r>
-          </a:p>
-          <a:p>
-            <a:r>
-              <a:rPr lang="en-US" dirty="0"/>
-              <a:t> R0 02/19/25</a:t>
-            </a:r>
-          </a:p>
-        </p:txBody>
-      </p:sp>
-      <p:sp>
-        <p:nvSpPr>
-          <p:cNvPr id="130" name="TextBox 129">
-            <a:extLst>
-              <a:ext uri="{FF2B5EF4-FFF2-40B4-BE49-F238E27FC236}">
-                <a16:creationId xmlns:a16="http://schemas.microsoft.com/office/drawing/2014/main" id="{87F059B9-88B3-C69C-9F22-FDCCA7C8293D}"/>
-              </a:ext>
-            </a:extLst>
-          </p:cNvPr>
-          <p:cNvSpPr txBox="1"/>
-          <p:nvPr/>
-        </p:nvSpPr>
-        <p:spPr>
-          <a:xfrm>
-            <a:off x="244431" y="6434401"/>
-            <a:ext cx="2229200" cy="338554"/>
-          </a:xfrm>
-          <a:prstGeom prst="rect">
-            <a:avLst/>
-          </a:prstGeom>
-          <a:noFill/>
-        </p:spPr>
-        <p:txBody>
-          <a:bodyPr wrap="none" rtlCol="0">
-            <a:spAutoFit/>
-          </a:bodyPr>
-          <a:lstStyle/>
-          <a:p>
-            <a:r>
-              <a:rPr lang="en-US" sz="1600" i="1" dirty="0"/>
-              <a:t>Ref: Fig 2.5 p-28 Pierret</a:t>
-            </a:r>
-          </a:p>
-        </p:txBody>
-      </p:sp>
-      <p:sp>
-        <p:nvSpPr>
-          <p:cNvPr id="132" name="TextBox 131">
-            <a:extLst>
-              <a:ext uri="{FF2B5EF4-FFF2-40B4-BE49-F238E27FC236}">
-                <a16:creationId xmlns:a16="http://schemas.microsoft.com/office/drawing/2014/main" id="{DC5A13CA-84D4-C633-B5EA-682DEF8F4CC9}"/>
-              </a:ext>
-            </a:extLst>
-          </p:cNvPr>
-          <p:cNvSpPr txBox="1"/>
-          <p:nvPr/>
-        </p:nvSpPr>
-        <p:spPr>
-          <a:xfrm>
-            <a:off x="278731" y="387033"/>
-            <a:ext cx="3793071" cy="1569660"/>
-          </a:xfrm>
-          <a:prstGeom prst="rect">
-            <a:avLst/>
-          </a:prstGeom>
-          <a:noFill/>
-        </p:spPr>
-        <p:txBody>
-          <a:bodyPr wrap="square">
-            <a:spAutoFit/>
-          </a:bodyPr>
-          <a:lstStyle/>
-          <a:p>
-            <a:r>
-              <a:rPr lang="en-US" sz="1600" dirty="0">
-                <a:latin typeface="Calibri" panose="020F0502020204030204" pitchFamily="34" charset="0"/>
-                <a:cs typeface="Calibri" panose="020F0502020204030204" pitchFamily="34" charset="0"/>
-              </a:rPr>
-              <a:t>Caption: Conceptual development of the energy band model starting with N isolated Si atoms on the top left, then showing the split bands for Crystalline SI N-atoms and concluding, at bottom right, with the popular version of the energy band model.</a:t>
-            </a:r>
-          </a:p>
-        </p:txBody>
-      </p:sp>
-    </p:spTree>
-    <p:extLst>
-      <p:ext uri="{BB962C8B-B14F-4D97-AF65-F5344CB8AC3E}">
-        <p14:creationId xmlns:p14="http://schemas.microsoft.com/office/powerpoint/2010/main" val="2317606830"/>
-      </p:ext>
-    </p:extLst>
-  </p:cSld>
-  <p:clrMapOvr>
-    <a:masterClrMapping/>
-  </p:clrMapOvr>
-</p:sld>
-</file>
-
-<file path=ppt/slides/slide30.xml><?xml version="1.0" encoding="utf-8"?>
+<file path=ppt/slides/slide33.xml><?xml version="1.0" encoding="utf-8"?>
 <p:sld xmlns:a="http://schemas.openxmlformats.org/drawingml/2006/main" xmlns:r="http://schemas.openxmlformats.org/officeDocument/2006/relationships" xmlns:p="http://schemas.openxmlformats.org/presentationml/2006/main">
   <p:cSld>
     <p:spTree>
@@ -24689,7 +25711,7 @@
 </p:sld>
 </file>
 
-<file path=ppt/slides/slide31.xml><?xml version="1.0" encoding="utf-8"?>
+<file path=ppt/slides/slide34.xml><?xml version="1.0" encoding="utf-8"?>
 <p:sld xmlns:a="http://schemas.openxmlformats.org/drawingml/2006/main" xmlns:r="http://schemas.openxmlformats.org/officeDocument/2006/relationships" xmlns:p="http://schemas.openxmlformats.org/presentationml/2006/main">
   <p:cSld>
     <p:spTree>
@@ -24784,7 +25806,7 @@
 </p:sld>
 </file>
 
-<file path=ppt/slides/slide32.xml><?xml version="1.0" encoding="utf-8"?>
+<file path=ppt/slides/slide35.xml><?xml version="1.0" encoding="utf-8"?>
 <p:sld xmlns:a="http://schemas.openxmlformats.org/drawingml/2006/main" xmlns:r="http://schemas.openxmlformats.org/officeDocument/2006/relationships" xmlns:p="http://schemas.openxmlformats.org/presentationml/2006/main">
   <p:cSld>
     <p:spTree>
@@ -24885,7 +25907,7 @@
 </p:sld>
 </file>
 
-<file path=ppt/slides/slide33.xml><?xml version="1.0" encoding="utf-8"?>
+<file path=ppt/slides/slide36.xml><?xml version="1.0" encoding="utf-8"?>
 <p:sld xmlns:a="http://schemas.openxmlformats.org/drawingml/2006/main" xmlns:r="http://schemas.openxmlformats.org/officeDocument/2006/relationships" xmlns:p="http://schemas.openxmlformats.org/presentationml/2006/main">
   <p:cSld>
     <p:spTree>
@@ -24980,7 +26002,7 @@
 </p:sld>
 </file>
 
-<file path=ppt/slides/slide34.xml><?xml version="1.0" encoding="utf-8"?>
+<file path=ppt/slides/slide37.xml><?xml version="1.0" encoding="utf-8"?>
 <p:sld xmlns:a="http://schemas.openxmlformats.org/drawingml/2006/main" xmlns:r="http://schemas.openxmlformats.org/officeDocument/2006/relationships" xmlns:p="http://schemas.openxmlformats.org/presentationml/2006/main">
   <p:cSld>
     <p:spTree>
@@ -25075,7 +26097,7 @@
 </p:sld>
 </file>
 
-<file path=ppt/slides/slide35.xml><?xml version="1.0" encoding="utf-8"?>
+<file path=ppt/slides/slide38.xml><?xml version="1.0" encoding="utf-8"?>
 <p:sld xmlns:a="http://schemas.openxmlformats.org/drawingml/2006/main" xmlns:r="http://schemas.openxmlformats.org/officeDocument/2006/relationships" xmlns:p="http://schemas.openxmlformats.org/presentationml/2006/main">
   <p:cSld>
     <p:spTree>
@@ -25176,7 +26198,7 @@
 </p:sld>
 </file>
 
-<file path=ppt/slides/slide36.xml><?xml version="1.0" encoding="utf-8"?>
+<file path=ppt/slides/slide39.xml><?xml version="1.0" encoding="utf-8"?>
 <p:sld xmlns:a="http://schemas.openxmlformats.org/drawingml/2006/main" xmlns:r="http://schemas.openxmlformats.org/officeDocument/2006/relationships" xmlns:p="http://schemas.openxmlformats.org/presentationml/2006/main">
   <p:cSld>
     <p:spTree>
@@ -25297,553 +26319,6 @@
     <p:extLst>
       <p:ext uri="{BB962C8B-B14F-4D97-AF65-F5344CB8AC3E}">
         <p14:creationId xmlns:p14="http://schemas.microsoft.com/office/powerpoint/2010/main" val="2898292114"/>
-      </p:ext>
-    </p:extLst>
-  </p:cSld>
-  <p:clrMapOvr>
-    <a:masterClrMapping/>
-  </p:clrMapOvr>
-</p:sld>
-</file>
-
-<file path=ppt/slides/slide37.xml><?xml version="1.0" encoding="utf-8"?>
-<p:sld xmlns:a="http://schemas.openxmlformats.org/drawingml/2006/main" xmlns:r="http://schemas.openxmlformats.org/officeDocument/2006/relationships" xmlns:p="http://schemas.openxmlformats.org/presentationml/2006/main">
-  <p:cSld>
-    <p:spTree>
-      <p:nvGrpSpPr>
-        <p:cNvPr id="1" name="">
-          <a:extLst>
-            <a:ext uri="{FF2B5EF4-FFF2-40B4-BE49-F238E27FC236}">
-              <a16:creationId xmlns:a16="http://schemas.microsoft.com/office/drawing/2014/main" id="{2B4F0F6D-4BF9-D53E-9FFC-92363D446FF2}"/>
-            </a:ext>
-          </a:extLst>
-        </p:cNvPr>
-        <p:cNvGrpSpPr/>
-        <p:nvPr/>
-      </p:nvGrpSpPr>
-      <p:grpSpPr>
-        <a:xfrm>
-          <a:off x="0" y="0"/>
-          <a:ext cx="0" cy="0"/>
-          <a:chOff x="0" y="0"/>
-          <a:chExt cx="0" cy="0"/>
-        </a:xfrm>
-      </p:grpSpPr>
-      <p:sp>
-        <p:nvSpPr>
-          <p:cNvPr id="4" name="TextBox 3">
-            <a:extLst>
-              <a:ext uri="{FF2B5EF4-FFF2-40B4-BE49-F238E27FC236}">
-                <a16:creationId xmlns:a16="http://schemas.microsoft.com/office/drawing/2014/main" id="{5FD6F168-59DF-4F49-310E-1ED7C365EC38}"/>
-              </a:ext>
-            </a:extLst>
-          </p:cNvPr>
-          <p:cNvSpPr txBox="1"/>
-          <p:nvPr/>
-        </p:nvSpPr>
-        <p:spPr>
-          <a:xfrm>
-            <a:off x="273935" y="5445847"/>
-            <a:ext cx="11644130" cy="923330"/>
-          </a:xfrm>
-          <a:prstGeom prst="rect">
-            <a:avLst/>
-          </a:prstGeom>
-          <a:noFill/>
-        </p:spPr>
-        <p:txBody>
-          <a:bodyPr wrap="square" rtlCol="0">
-            <a:spAutoFit/>
-          </a:bodyPr>
-          <a:lstStyle/>
-          <a:p>
-            <a:r>
-              <a:rPr lang="en-US" dirty="0"/>
-              <a:t>Thevenin Equivalent: (a) Disconnect the load and measure the open-circuit voltage. (b) Zero all independent sources to find the equivalent resistance. (c) The </a:t>
-            </a:r>
-            <a:r>
-              <a:rPr lang="en-US" dirty="0" err="1"/>
-              <a:t>Thévenin</a:t>
-            </a:r>
-            <a:r>
-              <a:rPr lang="en-US" dirty="0"/>
-              <a:t> circuit combines the open-circuit voltage in series with the equivalent resistance.</a:t>
-            </a:r>
-          </a:p>
-        </p:txBody>
-      </p:sp>
-      <p:sp>
-        <p:nvSpPr>
-          <p:cNvPr id="5" name="TextBox 4">
-            <a:extLst>
-              <a:ext uri="{FF2B5EF4-FFF2-40B4-BE49-F238E27FC236}">
-                <a16:creationId xmlns:a16="http://schemas.microsoft.com/office/drawing/2014/main" id="{B6CF9A34-3EC7-26D6-C826-B1A6E8D50C16}"/>
-              </a:ext>
-            </a:extLst>
-          </p:cNvPr>
-          <p:cNvSpPr txBox="1"/>
-          <p:nvPr/>
-        </p:nvSpPr>
-        <p:spPr>
-          <a:xfrm>
-            <a:off x="273935" y="4955560"/>
-            <a:ext cx="3957750" cy="369332"/>
-          </a:xfrm>
-          <a:prstGeom prst="rect">
-            <a:avLst/>
-          </a:prstGeom>
-          <a:noFill/>
-        </p:spPr>
-        <p:txBody>
-          <a:bodyPr wrap="none" rtlCol="0">
-            <a:spAutoFit/>
-          </a:bodyPr>
-          <a:lstStyle/>
-          <a:p>
-            <a:r>
-              <a:rPr lang="en-US" dirty="0"/>
-              <a:t>Fig-circuits-thevenin.png  R0 01/19/25</a:t>
-            </a:r>
-          </a:p>
-        </p:txBody>
-      </p:sp>
-      <p:pic>
-        <p:nvPicPr>
-          <p:cNvPr id="6" name="Picture 5">
-            <a:extLst>
-              <a:ext uri="{FF2B5EF4-FFF2-40B4-BE49-F238E27FC236}">
-                <a16:creationId xmlns:a16="http://schemas.microsoft.com/office/drawing/2014/main" id="{254078C1-84E5-A79C-93FF-04A6092950FD}"/>
-              </a:ext>
-            </a:extLst>
-          </p:cNvPr>
-          <p:cNvPicPr>
-            <a:picLocks noChangeAspect="1"/>
-          </p:cNvPicPr>
-          <p:nvPr/>
-        </p:nvPicPr>
-        <p:blipFill>
-          <a:blip r:embed="rId2"/>
-          <a:stretch>
-            <a:fillRect/>
-          </a:stretch>
-        </p:blipFill>
-        <p:spPr>
-          <a:xfrm>
-            <a:off x="725226" y="100680"/>
-            <a:ext cx="2466975" cy="4733925"/>
-          </a:xfrm>
-          <a:prstGeom prst="rect">
-            <a:avLst/>
-          </a:prstGeom>
-        </p:spPr>
-      </p:pic>
-    </p:spTree>
-    <p:extLst>
-      <p:ext uri="{BB962C8B-B14F-4D97-AF65-F5344CB8AC3E}">
-        <p14:creationId xmlns:p14="http://schemas.microsoft.com/office/powerpoint/2010/main" val="2602897984"/>
-      </p:ext>
-    </p:extLst>
-  </p:cSld>
-  <p:clrMapOvr>
-    <a:masterClrMapping/>
-  </p:clrMapOvr>
-</p:sld>
-</file>
-
-<file path=ppt/slides/slide38.xml><?xml version="1.0" encoding="utf-8"?>
-<p:sld xmlns:a="http://schemas.openxmlformats.org/drawingml/2006/main" xmlns:r="http://schemas.openxmlformats.org/officeDocument/2006/relationships" xmlns:p="http://schemas.openxmlformats.org/presentationml/2006/main">
-  <p:cSld>
-    <p:spTree>
-      <p:nvGrpSpPr>
-        <p:cNvPr id="1" name="">
-          <a:extLst>
-            <a:ext uri="{FF2B5EF4-FFF2-40B4-BE49-F238E27FC236}">
-              <a16:creationId xmlns:a16="http://schemas.microsoft.com/office/drawing/2014/main" id="{C8C98928-B4ED-D72B-56C2-0F53528FBC21}"/>
-            </a:ext>
-          </a:extLst>
-        </p:cNvPr>
-        <p:cNvGrpSpPr/>
-        <p:nvPr/>
-      </p:nvGrpSpPr>
-      <p:grpSpPr>
-        <a:xfrm>
-          <a:off x="0" y="0"/>
-          <a:ext cx="0" cy="0"/>
-          <a:chOff x="0" y="0"/>
-          <a:chExt cx="0" cy="0"/>
-        </a:xfrm>
-      </p:grpSpPr>
-      <p:sp>
-        <p:nvSpPr>
-          <p:cNvPr id="4" name="TextBox 3">
-            <a:extLst>
-              <a:ext uri="{FF2B5EF4-FFF2-40B4-BE49-F238E27FC236}">
-                <a16:creationId xmlns:a16="http://schemas.microsoft.com/office/drawing/2014/main" id="{5327C984-D9DB-6B6B-F3E4-9564B39A5CF6}"/>
-              </a:ext>
-            </a:extLst>
-          </p:cNvPr>
-          <p:cNvSpPr txBox="1"/>
-          <p:nvPr/>
-        </p:nvSpPr>
-        <p:spPr>
-          <a:xfrm>
-            <a:off x="273935" y="5625728"/>
-            <a:ext cx="11644130" cy="923330"/>
-          </a:xfrm>
-          <a:prstGeom prst="rect">
-            <a:avLst/>
-          </a:prstGeom>
-          <a:noFill/>
-        </p:spPr>
-        <p:txBody>
-          <a:bodyPr wrap="square" rtlCol="0">
-            <a:spAutoFit/>
-          </a:bodyPr>
-          <a:lstStyle/>
-          <a:p>
-            <a:r>
-              <a:rPr lang="en-US" dirty="0"/>
-              <a:t>(a) To determine the short circuit current at the output, we short the load and measure its current. (b) To determine the equivalent resistance, we zero all the independent sources inside the block. (c) The Norton equivalent circuit is formed by putting the short circuit current  in parallel with the equivalent resistance, as determined in (a) and (b).</a:t>
-            </a:r>
-          </a:p>
-        </p:txBody>
-      </p:sp>
-      <p:sp>
-        <p:nvSpPr>
-          <p:cNvPr id="5" name="TextBox 4">
-            <a:extLst>
-              <a:ext uri="{FF2B5EF4-FFF2-40B4-BE49-F238E27FC236}">
-                <a16:creationId xmlns:a16="http://schemas.microsoft.com/office/drawing/2014/main" id="{3172ACA9-65E7-5ED4-C652-21FE9ADBC4EC}"/>
-              </a:ext>
-            </a:extLst>
-          </p:cNvPr>
-          <p:cNvSpPr txBox="1"/>
-          <p:nvPr/>
-        </p:nvSpPr>
-        <p:spPr>
-          <a:xfrm>
-            <a:off x="273935" y="5105978"/>
-            <a:ext cx="3760325" cy="369332"/>
-          </a:xfrm>
-          <a:prstGeom prst="rect">
-            <a:avLst/>
-          </a:prstGeom>
-          <a:noFill/>
-        </p:spPr>
-        <p:txBody>
-          <a:bodyPr wrap="none" rtlCol="0">
-            <a:spAutoFit/>
-          </a:bodyPr>
-          <a:lstStyle/>
-          <a:p>
-            <a:r>
-              <a:rPr lang="en-US" dirty="0"/>
-              <a:t>Fig-circuits-norton.png  R0 01/19/25</a:t>
-            </a:r>
-          </a:p>
-        </p:txBody>
-      </p:sp>
-      <p:pic>
-        <p:nvPicPr>
-          <p:cNvPr id="3" name="Picture 2">
-            <a:extLst>
-              <a:ext uri="{FF2B5EF4-FFF2-40B4-BE49-F238E27FC236}">
-                <a16:creationId xmlns:a16="http://schemas.microsoft.com/office/drawing/2014/main" id="{3DB93653-6427-83C9-C9EE-426CFC09CB3A}"/>
-              </a:ext>
-            </a:extLst>
-          </p:cNvPr>
-          <p:cNvPicPr>
-            <a:picLocks noChangeAspect="1"/>
-          </p:cNvPicPr>
-          <p:nvPr/>
-        </p:nvPicPr>
-        <p:blipFill>
-          <a:blip r:embed="rId2"/>
-          <a:stretch>
-            <a:fillRect/>
-          </a:stretch>
-        </p:blipFill>
-        <p:spPr>
-          <a:xfrm>
-            <a:off x="638800" y="308942"/>
-            <a:ext cx="2609850" cy="4752975"/>
-          </a:xfrm>
-          <a:prstGeom prst="rect">
-            <a:avLst/>
-          </a:prstGeom>
-        </p:spPr>
-      </p:pic>
-    </p:spTree>
-    <p:extLst>
-      <p:ext uri="{BB962C8B-B14F-4D97-AF65-F5344CB8AC3E}">
-        <p14:creationId xmlns:p14="http://schemas.microsoft.com/office/powerpoint/2010/main" val="3823938512"/>
-      </p:ext>
-    </p:extLst>
-  </p:cSld>
-  <p:clrMapOvr>
-    <a:masterClrMapping/>
-  </p:clrMapOvr>
-</p:sld>
-</file>
-
-<file path=ppt/slides/slide39.xml><?xml version="1.0" encoding="utf-8"?>
-<p:sld xmlns:a="http://schemas.openxmlformats.org/drawingml/2006/main" xmlns:r="http://schemas.openxmlformats.org/officeDocument/2006/relationships" xmlns:p="http://schemas.openxmlformats.org/presentationml/2006/main">
-  <p:cSld>
-    <p:spTree>
-      <p:nvGrpSpPr>
-        <p:cNvPr id="1" name=""/>
-        <p:cNvGrpSpPr/>
-        <p:nvPr/>
-      </p:nvGrpSpPr>
-      <p:grpSpPr>
-        <a:xfrm>
-          <a:off x="0" y="0"/>
-          <a:ext cx="0" cy="0"/>
-          <a:chOff x="0" y="0"/>
-          <a:chExt cx="0" cy="0"/>
-        </a:xfrm>
-      </p:grpSpPr>
-      <p:grpSp>
-        <p:nvGrpSpPr>
-          <p:cNvPr id="12" name="Group 11">
-            <a:extLst>
-              <a:ext uri="{FF2B5EF4-FFF2-40B4-BE49-F238E27FC236}">
-                <a16:creationId xmlns:a16="http://schemas.microsoft.com/office/drawing/2014/main" id="{C6BED7B3-404E-F909-337B-2D5E2EECECAD}"/>
-              </a:ext>
-            </a:extLst>
-          </p:cNvPr>
-          <p:cNvGrpSpPr/>
-          <p:nvPr/>
-        </p:nvGrpSpPr>
-        <p:grpSpPr>
-          <a:xfrm>
-            <a:off x="544644" y="2794004"/>
-            <a:ext cx="7962431" cy="2571201"/>
-            <a:chOff x="544644" y="2910196"/>
-            <a:chExt cx="7962431" cy="2571201"/>
-          </a:xfrm>
-        </p:grpSpPr>
-        <p:pic>
-          <p:nvPicPr>
-            <p:cNvPr id="3" name="Picture 2">
-              <a:extLst>
-                <a:ext uri="{FF2B5EF4-FFF2-40B4-BE49-F238E27FC236}">
-                  <a16:creationId xmlns:a16="http://schemas.microsoft.com/office/drawing/2014/main" id="{EB3AA168-E145-799E-D9F2-600006C6AFBA}"/>
-                </a:ext>
-              </a:extLst>
-            </p:cNvPr>
-            <p:cNvPicPr>
-              <a:picLocks noChangeAspect="1"/>
-            </p:cNvPicPr>
-            <p:nvPr/>
-          </p:nvPicPr>
-          <p:blipFill>
-            <a:blip r:embed="rId2"/>
-            <a:stretch>
-              <a:fillRect/>
-            </a:stretch>
-          </p:blipFill>
-          <p:spPr>
-            <a:xfrm>
-              <a:off x="544645" y="2910196"/>
-              <a:ext cx="3705224" cy="2571201"/>
-            </a:xfrm>
-            <a:prstGeom prst="rect">
-              <a:avLst/>
-            </a:prstGeom>
-          </p:spPr>
-        </p:pic>
-        <p:pic>
-          <p:nvPicPr>
-            <p:cNvPr id="5" name="Picture 4">
-              <a:extLst>
-                <a:ext uri="{FF2B5EF4-FFF2-40B4-BE49-F238E27FC236}">
-                  <a16:creationId xmlns:a16="http://schemas.microsoft.com/office/drawing/2014/main" id="{751C139A-1196-9B92-1891-D47E93450C33}"/>
-                </a:ext>
-              </a:extLst>
-            </p:cNvPr>
-            <p:cNvPicPr>
-              <a:picLocks noChangeAspect="1"/>
-            </p:cNvPicPr>
-            <p:nvPr/>
-          </p:nvPicPr>
-          <p:blipFill>
-            <a:blip r:embed="rId3"/>
-            <a:stretch>
-              <a:fillRect/>
-            </a:stretch>
-          </p:blipFill>
-          <p:spPr>
-            <a:xfrm>
-              <a:off x="4801850" y="3069680"/>
-              <a:ext cx="3705225" cy="2295525"/>
-            </a:xfrm>
-            <a:prstGeom prst="rect">
-              <a:avLst/>
-            </a:prstGeom>
-          </p:spPr>
-        </p:pic>
-        <p:sp>
-          <p:nvSpPr>
-            <p:cNvPr id="6" name="TextBox 5">
-              <a:extLst>
-                <a:ext uri="{FF2B5EF4-FFF2-40B4-BE49-F238E27FC236}">
-                  <a16:creationId xmlns:a16="http://schemas.microsoft.com/office/drawing/2014/main" id="{C902FCFB-0168-E2BE-6C16-831B54755504}"/>
-                </a:ext>
-              </a:extLst>
-            </p:cNvPr>
-            <p:cNvSpPr txBox="1"/>
-            <p:nvPr/>
-          </p:nvSpPr>
-          <p:spPr>
-            <a:xfrm>
-              <a:off x="544644" y="4789521"/>
-              <a:ext cx="460382" cy="400110"/>
-            </a:xfrm>
-            <a:prstGeom prst="rect">
-              <a:avLst/>
-            </a:prstGeom>
-            <a:noFill/>
-          </p:spPr>
-          <p:txBody>
-            <a:bodyPr wrap="none" rtlCol="0">
-              <a:spAutoFit/>
-            </a:bodyPr>
-            <a:lstStyle/>
-            <a:p>
-              <a:r>
-                <a:rPr lang="en-US" b="1" dirty="0"/>
-                <a:t>(</a:t>
-              </a:r>
-              <a:r>
-                <a:rPr lang="en-US" sz="2000" b="1" dirty="0"/>
-                <a:t>a</a:t>
-              </a:r>
-              <a:r>
-                <a:rPr lang="en-US" b="1" dirty="0"/>
-                <a:t>)</a:t>
-              </a:r>
-            </a:p>
-          </p:txBody>
-        </p:sp>
-        <p:sp>
-          <p:nvSpPr>
-            <p:cNvPr id="8" name="TextBox 7">
-              <a:extLst>
-                <a:ext uri="{FF2B5EF4-FFF2-40B4-BE49-F238E27FC236}">
-                  <a16:creationId xmlns:a16="http://schemas.microsoft.com/office/drawing/2014/main" id="{C912DCC6-32D0-2F1C-7822-A0157D509D23}"/>
-                </a:ext>
-              </a:extLst>
-            </p:cNvPr>
-            <p:cNvSpPr txBox="1"/>
-            <p:nvPr/>
-          </p:nvSpPr>
-          <p:spPr>
-            <a:xfrm>
-              <a:off x="4801850" y="4615339"/>
-              <a:ext cx="470000" cy="400110"/>
-            </a:xfrm>
-            <a:prstGeom prst="rect">
-              <a:avLst/>
-            </a:prstGeom>
-            <a:noFill/>
-          </p:spPr>
-          <p:txBody>
-            <a:bodyPr wrap="none" rtlCol="0">
-              <a:spAutoFit/>
-            </a:bodyPr>
-            <a:lstStyle/>
-            <a:p>
-              <a:r>
-                <a:rPr lang="en-US" b="1" dirty="0"/>
-                <a:t>(</a:t>
-              </a:r>
-              <a:r>
-                <a:rPr lang="en-US" sz="2000" b="1" dirty="0"/>
-                <a:t>b</a:t>
-              </a:r>
-              <a:r>
-                <a:rPr lang="en-US" b="1" dirty="0"/>
-                <a:t>)</a:t>
-              </a:r>
-            </a:p>
-          </p:txBody>
-        </p:sp>
-      </p:grpSp>
-      <p:sp>
-        <p:nvSpPr>
-          <p:cNvPr id="9" name="TextBox 8">
-            <a:extLst>
-              <a:ext uri="{FF2B5EF4-FFF2-40B4-BE49-F238E27FC236}">
-                <a16:creationId xmlns:a16="http://schemas.microsoft.com/office/drawing/2014/main" id="{E37F5C56-D43C-A057-AA1E-36AE18CC352A}"/>
-              </a:ext>
-            </a:extLst>
-          </p:cNvPr>
-          <p:cNvSpPr txBox="1"/>
-          <p:nvPr/>
-        </p:nvSpPr>
-        <p:spPr>
-          <a:xfrm>
-            <a:off x="544644" y="5481397"/>
-            <a:ext cx="4124847" cy="369332"/>
-          </a:xfrm>
-          <a:prstGeom prst="rect">
-            <a:avLst/>
-          </a:prstGeom>
-          <a:noFill/>
-        </p:spPr>
-        <p:txBody>
-          <a:bodyPr wrap="none" rtlCol="0">
-            <a:spAutoFit/>
-          </a:bodyPr>
-          <a:lstStyle/>
-          <a:p>
-            <a:r>
-              <a:rPr lang="en-US" dirty="0"/>
-              <a:t>Fig-circuits-maxpower.png  R0 01/21/25</a:t>
-            </a:r>
-          </a:p>
-        </p:txBody>
-      </p:sp>
-      <p:sp>
-        <p:nvSpPr>
-          <p:cNvPr id="11" name="TextBox 10">
-            <a:extLst>
-              <a:ext uri="{FF2B5EF4-FFF2-40B4-BE49-F238E27FC236}">
-                <a16:creationId xmlns:a16="http://schemas.microsoft.com/office/drawing/2014/main" id="{E57E9174-8835-7805-8F49-B95575465680}"/>
-              </a:ext>
-            </a:extLst>
-          </p:cNvPr>
-          <p:cNvSpPr txBox="1"/>
-          <p:nvPr/>
-        </p:nvSpPr>
-        <p:spPr>
-          <a:xfrm>
-            <a:off x="334832" y="6083113"/>
-            <a:ext cx="11120480" cy="369332"/>
-          </a:xfrm>
-          <a:prstGeom prst="rect">
-            <a:avLst/>
-          </a:prstGeom>
-          <a:noFill/>
-        </p:spPr>
-        <p:txBody>
-          <a:bodyPr wrap="none" rtlCol="0">
-            <a:spAutoFit/>
-          </a:bodyPr>
-          <a:lstStyle/>
-          <a:p>
-            <a:r>
-              <a:rPr lang="en-US" dirty="0"/>
-              <a:t>(a) Circuit used for max power transfer analysis. (b) Sketch of power delivered to the load as a function of $R_L$</a:t>
-            </a:r>
-          </a:p>
-        </p:txBody>
-      </p:sp>
-    </p:spTree>
-    <p:extLst>
-      <p:ext uri="{BB962C8B-B14F-4D97-AF65-F5344CB8AC3E}">
-        <p14:creationId xmlns:p14="http://schemas.microsoft.com/office/powerpoint/2010/main" val="2578523865"/>
       </p:ext>
     </p:extLst>
   </p:cSld>
@@ -30297,6 +30772,553 @@
 </file>
 
 <file path=ppt/slides/slide40.xml><?xml version="1.0" encoding="utf-8"?>
+<p:sld xmlns:a="http://schemas.openxmlformats.org/drawingml/2006/main" xmlns:r="http://schemas.openxmlformats.org/officeDocument/2006/relationships" xmlns:p="http://schemas.openxmlformats.org/presentationml/2006/main">
+  <p:cSld>
+    <p:spTree>
+      <p:nvGrpSpPr>
+        <p:cNvPr id="1" name="">
+          <a:extLst>
+            <a:ext uri="{FF2B5EF4-FFF2-40B4-BE49-F238E27FC236}">
+              <a16:creationId xmlns:a16="http://schemas.microsoft.com/office/drawing/2014/main" id="{2B4F0F6D-4BF9-D53E-9FFC-92363D446FF2}"/>
+            </a:ext>
+          </a:extLst>
+        </p:cNvPr>
+        <p:cNvGrpSpPr/>
+        <p:nvPr/>
+      </p:nvGrpSpPr>
+      <p:grpSpPr>
+        <a:xfrm>
+          <a:off x="0" y="0"/>
+          <a:ext cx="0" cy="0"/>
+          <a:chOff x="0" y="0"/>
+          <a:chExt cx="0" cy="0"/>
+        </a:xfrm>
+      </p:grpSpPr>
+      <p:sp>
+        <p:nvSpPr>
+          <p:cNvPr id="4" name="TextBox 3">
+            <a:extLst>
+              <a:ext uri="{FF2B5EF4-FFF2-40B4-BE49-F238E27FC236}">
+                <a16:creationId xmlns:a16="http://schemas.microsoft.com/office/drawing/2014/main" id="{5FD6F168-59DF-4F49-310E-1ED7C365EC38}"/>
+              </a:ext>
+            </a:extLst>
+          </p:cNvPr>
+          <p:cNvSpPr txBox="1"/>
+          <p:nvPr/>
+        </p:nvSpPr>
+        <p:spPr>
+          <a:xfrm>
+            <a:off x="273935" y="5445847"/>
+            <a:ext cx="11644130" cy="923330"/>
+          </a:xfrm>
+          <a:prstGeom prst="rect">
+            <a:avLst/>
+          </a:prstGeom>
+          <a:noFill/>
+        </p:spPr>
+        <p:txBody>
+          <a:bodyPr wrap="square" rtlCol="0">
+            <a:spAutoFit/>
+          </a:bodyPr>
+          <a:lstStyle/>
+          <a:p>
+            <a:r>
+              <a:rPr lang="en-US" dirty="0"/>
+              <a:t>Thevenin Equivalent: (a) Disconnect the load and measure the open-circuit voltage. (b) Zero all independent sources to find the equivalent resistance. (c) The </a:t>
+            </a:r>
+            <a:r>
+              <a:rPr lang="en-US" dirty="0" err="1"/>
+              <a:t>Thévenin</a:t>
+            </a:r>
+            <a:r>
+              <a:rPr lang="en-US" dirty="0"/>
+              <a:t> circuit combines the open-circuit voltage in series with the equivalent resistance.</a:t>
+            </a:r>
+          </a:p>
+        </p:txBody>
+      </p:sp>
+      <p:sp>
+        <p:nvSpPr>
+          <p:cNvPr id="5" name="TextBox 4">
+            <a:extLst>
+              <a:ext uri="{FF2B5EF4-FFF2-40B4-BE49-F238E27FC236}">
+                <a16:creationId xmlns:a16="http://schemas.microsoft.com/office/drawing/2014/main" id="{B6CF9A34-3EC7-26D6-C826-B1A6E8D50C16}"/>
+              </a:ext>
+            </a:extLst>
+          </p:cNvPr>
+          <p:cNvSpPr txBox="1"/>
+          <p:nvPr/>
+        </p:nvSpPr>
+        <p:spPr>
+          <a:xfrm>
+            <a:off x="273935" y="4955560"/>
+            <a:ext cx="3957750" cy="369332"/>
+          </a:xfrm>
+          <a:prstGeom prst="rect">
+            <a:avLst/>
+          </a:prstGeom>
+          <a:noFill/>
+        </p:spPr>
+        <p:txBody>
+          <a:bodyPr wrap="none" rtlCol="0">
+            <a:spAutoFit/>
+          </a:bodyPr>
+          <a:lstStyle/>
+          <a:p>
+            <a:r>
+              <a:rPr lang="en-US" dirty="0"/>
+              <a:t>Fig-circuits-thevenin.png  R0 01/19/25</a:t>
+            </a:r>
+          </a:p>
+        </p:txBody>
+      </p:sp>
+      <p:pic>
+        <p:nvPicPr>
+          <p:cNvPr id="6" name="Picture 5">
+            <a:extLst>
+              <a:ext uri="{FF2B5EF4-FFF2-40B4-BE49-F238E27FC236}">
+                <a16:creationId xmlns:a16="http://schemas.microsoft.com/office/drawing/2014/main" id="{254078C1-84E5-A79C-93FF-04A6092950FD}"/>
+              </a:ext>
+            </a:extLst>
+          </p:cNvPr>
+          <p:cNvPicPr>
+            <a:picLocks noChangeAspect="1"/>
+          </p:cNvPicPr>
+          <p:nvPr/>
+        </p:nvPicPr>
+        <p:blipFill>
+          <a:blip r:embed="rId2"/>
+          <a:stretch>
+            <a:fillRect/>
+          </a:stretch>
+        </p:blipFill>
+        <p:spPr>
+          <a:xfrm>
+            <a:off x="725226" y="100680"/>
+            <a:ext cx="2466975" cy="4733925"/>
+          </a:xfrm>
+          <a:prstGeom prst="rect">
+            <a:avLst/>
+          </a:prstGeom>
+        </p:spPr>
+      </p:pic>
+    </p:spTree>
+    <p:extLst>
+      <p:ext uri="{BB962C8B-B14F-4D97-AF65-F5344CB8AC3E}">
+        <p14:creationId xmlns:p14="http://schemas.microsoft.com/office/powerpoint/2010/main" val="2602897984"/>
+      </p:ext>
+    </p:extLst>
+  </p:cSld>
+  <p:clrMapOvr>
+    <a:masterClrMapping/>
+  </p:clrMapOvr>
+</p:sld>
+</file>
+
+<file path=ppt/slides/slide41.xml><?xml version="1.0" encoding="utf-8"?>
+<p:sld xmlns:a="http://schemas.openxmlformats.org/drawingml/2006/main" xmlns:r="http://schemas.openxmlformats.org/officeDocument/2006/relationships" xmlns:p="http://schemas.openxmlformats.org/presentationml/2006/main">
+  <p:cSld>
+    <p:spTree>
+      <p:nvGrpSpPr>
+        <p:cNvPr id="1" name="">
+          <a:extLst>
+            <a:ext uri="{FF2B5EF4-FFF2-40B4-BE49-F238E27FC236}">
+              <a16:creationId xmlns:a16="http://schemas.microsoft.com/office/drawing/2014/main" id="{C8C98928-B4ED-D72B-56C2-0F53528FBC21}"/>
+            </a:ext>
+          </a:extLst>
+        </p:cNvPr>
+        <p:cNvGrpSpPr/>
+        <p:nvPr/>
+      </p:nvGrpSpPr>
+      <p:grpSpPr>
+        <a:xfrm>
+          <a:off x="0" y="0"/>
+          <a:ext cx="0" cy="0"/>
+          <a:chOff x="0" y="0"/>
+          <a:chExt cx="0" cy="0"/>
+        </a:xfrm>
+      </p:grpSpPr>
+      <p:sp>
+        <p:nvSpPr>
+          <p:cNvPr id="4" name="TextBox 3">
+            <a:extLst>
+              <a:ext uri="{FF2B5EF4-FFF2-40B4-BE49-F238E27FC236}">
+                <a16:creationId xmlns:a16="http://schemas.microsoft.com/office/drawing/2014/main" id="{5327C984-D9DB-6B6B-F3E4-9564B39A5CF6}"/>
+              </a:ext>
+            </a:extLst>
+          </p:cNvPr>
+          <p:cNvSpPr txBox="1"/>
+          <p:nvPr/>
+        </p:nvSpPr>
+        <p:spPr>
+          <a:xfrm>
+            <a:off x="273935" y="5625728"/>
+            <a:ext cx="11644130" cy="923330"/>
+          </a:xfrm>
+          <a:prstGeom prst="rect">
+            <a:avLst/>
+          </a:prstGeom>
+          <a:noFill/>
+        </p:spPr>
+        <p:txBody>
+          <a:bodyPr wrap="square" rtlCol="0">
+            <a:spAutoFit/>
+          </a:bodyPr>
+          <a:lstStyle/>
+          <a:p>
+            <a:r>
+              <a:rPr lang="en-US" dirty="0"/>
+              <a:t>(a) To determine the short circuit current at the output, we short the load and measure its current. (b) To determine the equivalent resistance, we zero all the independent sources inside the block. (c) The Norton equivalent circuit is formed by putting the short circuit current  in parallel with the equivalent resistance, as determined in (a) and (b).</a:t>
+            </a:r>
+          </a:p>
+        </p:txBody>
+      </p:sp>
+      <p:sp>
+        <p:nvSpPr>
+          <p:cNvPr id="5" name="TextBox 4">
+            <a:extLst>
+              <a:ext uri="{FF2B5EF4-FFF2-40B4-BE49-F238E27FC236}">
+                <a16:creationId xmlns:a16="http://schemas.microsoft.com/office/drawing/2014/main" id="{3172ACA9-65E7-5ED4-C652-21FE9ADBC4EC}"/>
+              </a:ext>
+            </a:extLst>
+          </p:cNvPr>
+          <p:cNvSpPr txBox="1"/>
+          <p:nvPr/>
+        </p:nvSpPr>
+        <p:spPr>
+          <a:xfrm>
+            <a:off x="273935" y="5105978"/>
+            <a:ext cx="3760325" cy="369332"/>
+          </a:xfrm>
+          <a:prstGeom prst="rect">
+            <a:avLst/>
+          </a:prstGeom>
+          <a:noFill/>
+        </p:spPr>
+        <p:txBody>
+          <a:bodyPr wrap="none" rtlCol="0">
+            <a:spAutoFit/>
+          </a:bodyPr>
+          <a:lstStyle/>
+          <a:p>
+            <a:r>
+              <a:rPr lang="en-US" dirty="0"/>
+              <a:t>Fig-circuits-norton.png  R0 01/19/25</a:t>
+            </a:r>
+          </a:p>
+        </p:txBody>
+      </p:sp>
+      <p:pic>
+        <p:nvPicPr>
+          <p:cNvPr id="3" name="Picture 2">
+            <a:extLst>
+              <a:ext uri="{FF2B5EF4-FFF2-40B4-BE49-F238E27FC236}">
+                <a16:creationId xmlns:a16="http://schemas.microsoft.com/office/drawing/2014/main" id="{3DB93653-6427-83C9-C9EE-426CFC09CB3A}"/>
+              </a:ext>
+            </a:extLst>
+          </p:cNvPr>
+          <p:cNvPicPr>
+            <a:picLocks noChangeAspect="1"/>
+          </p:cNvPicPr>
+          <p:nvPr/>
+        </p:nvPicPr>
+        <p:blipFill>
+          <a:blip r:embed="rId2"/>
+          <a:stretch>
+            <a:fillRect/>
+          </a:stretch>
+        </p:blipFill>
+        <p:spPr>
+          <a:xfrm>
+            <a:off x="638800" y="308942"/>
+            <a:ext cx="2609850" cy="4752975"/>
+          </a:xfrm>
+          <a:prstGeom prst="rect">
+            <a:avLst/>
+          </a:prstGeom>
+        </p:spPr>
+      </p:pic>
+    </p:spTree>
+    <p:extLst>
+      <p:ext uri="{BB962C8B-B14F-4D97-AF65-F5344CB8AC3E}">
+        <p14:creationId xmlns:p14="http://schemas.microsoft.com/office/powerpoint/2010/main" val="3823938512"/>
+      </p:ext>
+    </p:extLst>
+  </p:cSld>
+  <p:clrMapOvr>
+    <a:masterClrMapping/>
+  </p:clrMapOvr>
+</p:sld>
+</file>
+
+<file path=ppt/slides/slide42.xml><?xml version="1.0" encoding="utf-8"?>
+<p:sld xmlns:a="http://schemas.openxmlformats.org/drawingml/2006/main" xmlns:r="http://schemas.openxmlformats.org/officeDocument/2006/relationships" xmlns:p="http://schemas.openxmlformats.org/presentationml/2006/main">
+  <p:cSld>
+    <p:spTree>
+      <p:nvGrpSpPr>
+        <p:cNvPr id="1" name=""/>
+        <p:cNvGrpSpPr/>
+        <p:nvPr/>
+      </p:nvGrpSpPr>
+      <p:grpSpPr>
+        <a:xfrm>
+          <a:off x="0" y="0"/>
+          <a:ext cx="0" cy="0"/>
+          <a:chOff x="0" y="0"/>
+          <a:chExt cx="0" cy="0"/>
+        </a:xfrm>
+      </p:grpSpPr>
+      <p:grpSp>
+        <p:nvGrpSpPr>
+          <p:cNvPr id="12" name="Group 11">
+            <a:extLst>
+              <a:ext uri="{FF2B5EF4-FFF2-40B4-BE49-F238E27FC236}">
+                <a16:creationId xmlns:a16="http://schemas.microsoft.com/office/drawing/2014/main" id="{C6BED7B3-404E-F909-337B-2D5E2EECECAD}"/>
+              </a:ext>
+            </a:extLst>
+          </p:cNvPr>
+          <p:cNvGrpSpPr/>
+          <p:nvPr/>
+        </p:nvGrpSpPr>
+        <p:grpSpPr>
+          <a:xfrm>
+            <a:off x="544644" y="2794004"/>
+            <a:ext cx="7962431" cy="2571201"/>
+            <a:chOff x="544644" y="2910196"/>
+            <a:chExt cx="7962431" cy="2571201"/>
+          </a:xfrm>
+        </p:grpSpPr>
+        <p:pic>
+          <p:nvPicPr>
+            <p:cNvPr id="3" name="Picture 2">
+              <a:extLst>
+                <a:ext uri="{FF2B5EF4-FFF2-40B4-BE49-F238E27FC236}">
+                  <a16:creationId xmlns:a16="http://schemas.microsoft.com/office/drawing/2014/main" id="{EB3AA168-E145-799E-D9F2-600006C6AFBA}"/>
+                </a:ext>
+              </a:extLst>
+            </p:cNvPr>
+            <p:cNvPicPr>
+              <a:picLocks noChangeAspect="1"/>
+            </p:cNvPicPr>
+            <p:nvPr/>
+          </p:nvPicPr>
+          <p:blipFill>
+            <a:blip r:embed="rId2"/>
+            <a:stretch>
+              <a:fillRect/>
+            </a:stretch>
+          </p:blipFill>
+          <p:spPr>
+            <a:xfrm>
+              <a:off x="544645" y="2910196"/>
+              <a:ext cx="3705224" cy="2571201"/>
+            </a:xfrm>
+            <a:prstGeom prst="rect">
+              <a:avLst/>
+            </a:prstGeom>
+          </p:spPr>
+        </p:pic>
+        <p:pic>
+          <p:nvPicPr>
+            <p:cNvPr id="5" name="Picture 4">
+              <a:extLst>
+                <a:ext uri="{FF2B5EF4-FFF2-40B4-BE49-F238E27FC236}">
+                  <a16:creationId xmlns:a16="http://schemas.microsoft.com/office/drawing/2014/main" id="{751C139A-1196-9B92-1891-D47E93450C33}"/>
+                </a:ext>
+              </a:extLst>
+            </p:cNvPr>
+            <p:cNvPicPr>
+              <a:picLocks noChangeAspect="1"/>
+            </p:cNvPicPr>
+            <p:nvPr/>
+          </p:nvPicPr>
+          <p:blipFill>
+            <a:blip r:embed="rId3"/>
+            <a:stretch>
+              <a:fillRect/>
+            </a:stretch>
+          </p:blipFill>
+          <p:spPr>
+            <a:xfrm>
+              <a:off x="4801850" y="3069680"/>
+              <a:ext cx="3705225" cy="2295525"/>
+            </a:xfrm>
+            <a:prstGeom prst="rect">
+              <a:avLst/>
+            </a:prstGeom>
+          </p:spPr>
+        </p:pic>
+        <p:sp>
+          <p:nvSpPr>
+            <p:cNvPr id="6" name="TextBox 5">
+              <a:extLst>
+                <a:ext uri="{FF2B5EF4-FFF2-40B4-BE49-F238E27FC236}">
+                  <a16:creationId xmlns:a16="http://schemas.microsoft.com/office/drawing/2014/main" id="{C902FCFB-0168-E2BE-6C16-831B54755504}"/>
+                </a:ext>
+              </a:extLst>
+            </p:cNvPr>
+            <p:cNvSpPr txBox="1"/>
+            <p:nvPr/>
+          </p:nvSpPr>
+          <p:spPr>
+            <a:xfrm>
+              <a:off x="544644" y="4789521"/>
+              <a:ext cx="460382" cy="400110"/>
+            </a:xfrm>
+            <a:prstGeom prst="rect">
+              <a:avLst/>
+            </a:prstGeom>
+            <a:noFill/>
+          </p:spPr>
+          <p:txBody>
+            <a:bodyPr wrap="none" rtlCol="0">
+              <a:spAutoFit/>
+            </a:bodyPr>
+            <a:lstStyle/>
+            <a:p>
+              <a:r>
+                <a:rPr lang="en-US" b="1" dirty="0"/>
+                <a:t>(</a:t>
+              </a:r>
+              <a:r>
+                <a:rPr lang="en-US" sz="2000" b="1" dirty="0"/>
+                <a:t>a</a:t>
+              </a:r>
+              <a:r>
+                <a:rPr lang="en-US" b="1" dirty="0"/>
+                <a:t>)</a:t>
+              </a:r>
+            </a:p>
+          </p:txBody>
+        </p:sp>
+        <p:sp>
+          <p:nvSpPr>
+            <p:cNvPr id="8" name="TextBox 7">
+              <a:extLst>
+                <a:ext uri="{FF2B5EF4-FFF2-40B4-BE49-F238E27FC236}">
+                  <a16:creationId xmlns:a16="http://schemas.microsoft.com/office/drawing/2014/main" id="{C912DCC6-32D0-2F1C-7822-A0157D509D23}"/>
+                </a:ext>
+              </a:extLst>
+            </p:cNvPr>
+            <p:cNvSpPr txBox="1"/>
+            <p:nvPr/>
+          </p:nvSpPr>
+          <p:spPr>
+            <a:xfrm>
+              <a:off x="4801850" y="4615339"/>
+              <a:ext cx="470000" cy="400110"/>
+            </a:xfrm>
+            <a:prstGeom prst="rect">
+              <a:avLst/>
+            </a:prstGeom>
+            <a:noFill/>
+          </p:spPr>
+          <p:txBody>
+            <a:bodyPr wrap="none" rtlCol="0">
+              <a:spAutoFit/>
+            </a:bodyPr>
+            <a:lstStyle/>
+            <a:p>
+              <a:r>
+                <a:rPr lang="en-US" b="1" dirty="0"/>
+                <a:t>(</a:t>
+              </a:r>
+              <a:r>
+                <a:rPr lang="en-US" sz="2000" b="1" dirty="0"/>
+                <a:t>b</a:t>
+              </a:r>
+              <a:r>
+                <a:rPr lang="en-US" b="1" dirty="0"/>
+                <a:t>)</a:t>
+              </a:r>
+            </a:p>
+          </p:txBody>
+        </p:sp>
+      </p:grpSp>
+      <p:sp>
+        <p:nvSpPr>
+          <p:cNvPr id="9" name="TextBox 8">
+            <a:extLst>
+              <a:ext uri="{FF2B5EF4-FFF2-40B4-BE49-F238E27FC236}">
+                <a16:creationId xmlns:a16="http://schemas.microsoft.com/office/drawing/2014/main" id="{E37F5C56-D43C-A057-AA1E-36AE18CC352A}"/>
+              </a:ext>
+            </a:extLst>
+          </p:cNvPr>
+          <p:cNvSpPr txBox="1"/>
+          <p:nvPr/>
+        </p:nvSpPr>
+        <p:spPr>
+          <a:xfrm>
+            <a:off x="544644" y="5481397"/>
+            <a:ext cx="4124847" cy="369332"/>
+          </a:xfrm>
+          <a:prstGeom prst="rect">
+            <a:avLst/>
+          </a:prstGeom>
+          <a:noFill/>
+        </p:spPr>
+        <p:txBody>
+          <a:bodyPr wrap="none" rtlCol="0">
+            <a:spAutoFit/>
+          </a:bodyPr>
+          <a:lstStyle/>
+          <a:p>
+            <a:r>
+              <a:rPr lang="en-US" dirty="0"/>
+              <a:t>Fig-circuits-maxpower.png  R0 01/21/25</a:t>
+            </a:r>
+          </a:p>
+        </p:txBody>
+      </p:sp>
+      <p:sp>
+        <p:nvSpPr>
+          <p:cNvPr id="11" name="TextBox 10">
+            <a:extLst>
+              <a:ext uri="{FF2B5EF4-FFF2-40B4-BE49-F238E27FC236}">
+                <a16:creationId xmlns:a16="http://schemas.microsoft.com/office/drawing/2014/main" id="{E57E9174-8835-7805-8F49-B95575465680}"/>
+              </a:ext>
+            </a:extLst>
+          </p:cNvPr>
+          <p:cNvSpPr txBox="1"/>
+          <p:nvPr/>
+        </p:nvSpPr>
+        <p:spPr>
+          <a:xfrm>
+            <a:off x="334832" y="6083113"/>
+            <a:ext cx="11120480" cy="369332"/>
+          </a:xfrm>
+          <a:prstGeom prst="rect">
+            <a:avLst/>
+          </a:prstGeom>
+          <a:noFill/>
+        </p:spPr>
+        <p:txBody>
+          <a:bodyPr wrap="none" rtlCol="0">
+            <a:spAutoFit/>
+          </a:bodyPr>
+          <a:lstStyle/>
+          <a:p>
+            <a:r>
+              <a:rPr lang="en-US" dirty="0"/>
+              <a:t>(a) Circuit used for max power transfer analysis. (b) Sketch of power delivered to the load as a function of $R_L$</a:t>
+            </a:r>
+          </a:p>
+        </p:txBody>
+      </p:sp>
+    </p:spTree>
+    <p:extLst>
+      <p:ext uri="{BB962C8B-B14F-4D97-AF65-F5344CB8AC3E}">
+        <p14:creationId xmlns:p14="http://schemas.microsoft.com/office/powerpoint/2010/main" val="2578523865"/>
+      </p:ext>
+    </p:extLst>
+  </p:cSld>
+  <p:clrMapOvr>
+    <a:masterClrMapping/>
+  </p:clrMapOvr>
+</p:sld>
+</file>
+
+<file path=ppt/slides/slide43.xml><?xml version="1.0" encoding="utf-8"?>
 <p:sld xmlns:a="http://schemas.openxmlformats.org/drawingml/2006/main" xmlns:r="http://schemas.openxmlformats.org/officeDocument/2006/relationships" xmlns:p="http://schemas.openxmlformats.org/presentationml/2006/main">
   <p:cSld>
     <p:spTree>

--- a/figures/fig.pptx
+++ b/figures/fig.pptx
@@ -7807,8 +7807,8 @@
         </p:nvSpPr>
         <p:spPr>
           <a:xfrm>
-            <a:off x="171051" y="403939"/>
-            <a:ext cx="5339443" cy="646331"/>
+            <a:off x="171051" y="192063"/>
+            <a:ext cx="5339443" cy="923330"/>
           </a:xfrm>
           <a:prstGeom prst="rect">
             <a:avLst/>
@@ -7823,7 +7823,7 @@
           <a:p>
             <a:r>
               <a:rPr lang="en-US" dirty="0"/>
-              <a:t>![</a:t>
+              <a:t>![(a) </a:t>
             </a:r>
             <a:r>
               <a:rPr lang="en-US" dirty="0" err="1"/>
@@ -7839,7 +7839,7 @@
             </a:r>
             <a:r>
               <a:rPr lang="en-US" dirty="0"/>
-              <a:t>) cross-section view.](figures/fig-semi-dev-</a:t>
+              <a:t>) cross-section view.  (b) Top View] (figures/fig-semi-dev-</a:t>
             </a:r>
             <a:r>
               <a:rPr lang="en-US" dirty="0" err="1"/>
@@ -7874,7 +7874,7 @@
         </p:nvSpPr>
         <p:spPr>
           <a:xfrm>
-            <a:off x="244431" y="5761563"/>
+            <a:off x="171051" y="6179732"/>
             <a:ext cx="1391728" cy="369332"/>
           </a:xfrm>
           <a:prstGeom prst="rect">
@@ -7909,7 +7909,7 @@
         </p:nvSpPr>
         <p:spPr>
           <a:xfrm>
-            <a:off x="244431" y="6200278"/>
+            <a:off x="171051" y="6454061"/>
             <a:ext cx="2342308" cy="338554"/>
           </a:xfrm>
           <a:prstGeom prst="rect">
@@ -7937,10 +7937,10 @@
       </p:sp>
       <p:grpSp>
         <p:nvGrpSpPr>
-          <p:cNvPr id="35" name="Group 34">
+          <p:cNvPr id="42" name="Group 41">
             <a:extLst>
               <a:ext uri="{FF2B5EF4-FFF2-40B4-BE49-F238E27FC236}">
-                <a16:creationId xmlns:a16="http://schemas.microsoft.com/office/drawing/2014/main" id="{F886AAE1-6120-C8E1-143B-161D8C5028D1}"/>
+                <a16:creationId xmlns:a16="http://schemas.microsoft.com/office/drawing/2014/main" id="{CAA3804C-82C4-04E9-E7E0-C3CCB78C58B7}"/>
               </a:ext>
             </a:extLst>
           </p:cNvPr>
@@ -7949,18 +7949,464 @@
         </p:nvGrpSpPr>
         <p:grpSpPr>
           <a:xfrm>
-            <a:off x="4830352" y="1811319"/>
-            <a:ext cx="6743700" cy="3950244"/>
-            <a:chOff x="4820078" y="1722307"/>
-            <a:chExt cx="6743700" cy="3950244"/>
+            <a:off x="365936" y="1241298"/>
+            <a:ext cx="11460127" cy="4375404"/>
+            <a:chOff x="634749" y="1430794"/>
+            <a:chExt cx="11460127" cy="4375404"/>
           </a:xfrm>
         </p:grpSpPr>
+        <p:grpSp>
+          <p:nvGrpSpPr>
+            <p:cNvPr id="35" name="Group 34">
+              <a:extLst>
+                <a:ext uri="{FF2B5EF4-FFF2-40B4-BE49-F238E27FC236}">
+                  <a16:creationId xmlns:a16="http://schemas.microsoft.com/office/drawing/2014/main" id="{F886AAE1-6120-C8E1-143B-161D8C5028D1}"/>
+                </a:ext>
+              </a:extLst>
+            </p:cNvPr>
+            <p:cNvGrpSpPr/>
+            <p:nvPr/>
+          </p:nvGrpSpPr>
+          <p:grpSpPr>
+            <a:xfrm>
+              <a:off x="634749" y="1430794"/>
+              <a:ext cx="6743700" cy="3950244"/>
+              <a:chOff x="4820078" y="1722307"/>
+              <a:chExt cx="6743700" cy="3950244"/>
+            </a:xfrm>
+          </p:grpSpPr>
+          <p:pic>
+            <p:nvPicPr>
+              <p:cNvPr id="6" name="Picture 5">
+                <a:extLst>
+                  <a:ext uri="{FF2B5EF4-FFF2-40B4-BE49-F238E27FC236}">
+                    <a16:creationId xmlns:a16="http://schemas.microsoft.com/office/drawing/2014/main" id="{759D47E6-1055-AF15-E697-EFC6B2A604F1}"/>
+                  </a:ext>
+                </a:extLst>
+              </p:cNvPr>
+              <p:cNvPicPr>
+                <a:picLocks noChangeAspect="1"/>
+              </p:cNvPicPr>
+              <p:nvPr/>
+            </p:nvPicPr>
+            <p:blipFill>
+              <a:blip r:embed="rId2"/>
+              <a:stretch>
+                <a:fillRect/>
+              </a:stretch>
+            </p:blipFill>
+            <p:spPr>
+              <a:xfrm>
+                <a:off x="4820078" y="1722307"/>
+                <a:ext cx="6743700" cy="3600450"/>
+              </a:xfrm>
+              <a:prstGeom prst="rect">
+                <a:avLst/>
+              </a:prstGeom>
+            </p:spPr>
+          </p:pic>
+          <p:sp>
+            <p:nvSpPr>
+              <p:cNvPr id="8" name="Rectangle 7">
+                <a:extLst>
+                  <a:ext uri="{FF2B5EF4-FFF2-40B4-BE49-F238E27FC236}">
+                    <a16:creationId xmlns:a16="http://schemas.microsoft.com/office/drawing/2014/main" id="{8CB8D689-EA19-2451-EB6D-F0EC334BA809}"/>
+                  </a:ext>
+                </a:extLst>
+              </p:cNvPr>
+              <p:cNvSpPr/>
+              <p:nvPr/>
+            </p:nvSpPr>
+            <p:spPr>
+              <a:xfrm>
+                <a:off x="6024081" y="1825049"/>
+                <a:ext cx="1517150" cy="743490"/>
+              </a:xfrm>
+              <a:prstGeom prst="rect">
+                <a:avLst/>
+              </a:prstGeom>
+            </p:spPr>
+            <p:style>
+              <a:lnRef idx="1">
+                <a:schemeClr val="accent1"/>
+              </a:lnRef>
+              <a:fillRef idx="2">
+                <a:schemeClr val="accent1"/>
+              </a:fillRef>
+              <a:effectRef idx="1">
+                <a:schemeClr val="accent1"/>
+              </a:effectRef>
+              <a:fontRef idx="minor">
+                <a:schemeClr val="dk1"/>
+              </a:fontRef>
+            </p:style>
+            <p:txBody>
+              <a:bodyPr rtlCol="0" anchor="ctr"/>
+              <a:lstStyle/>
+              <a:p>
+                <a:pPr algn="ctr"/>
+                <a:r>
+                  <a:rPr lang="en-US" b="1" dirty="0"/>
+                  <a:t>Metal-1</a:t>
+                </a:r>
+              </a:p>
+            </p:txBody>
+          </p:sp>
+          <p:sp>
+            <p:nvSpPr>
+              <p:cNvPr id="9" name="Rectangle 8">
+                <a:extLst>
+                  <a:ext uri="{FF2B5EF4-FFF2-40B4-BE49-F238E27FC236}">
+                    <a16:creationId xmlns:a16="http://schemas.microsoft.com/office/drawing/2014/main" id="{DA6E36CE-FA41-F2FA-9994-2FB4D5CBC773}"/>
+                  </a:ext>
+                </a:extLst>
+              </p:cNvPr>
+              <p:cNvSpPr/>
+              <p:nvPr/>
+            </p:nvSpPr>
+            <p:spPr>
+              <a:xfrm>
+                <a:off x="8962490" y="1825049"/>
+                <a:ext cx="1517150" cy="743490"/>
+              </a:xfrm>
+              <a:prstGeom prst="rect">
+                <a:avLst/>
+              </a:prstGeom>
+            </p:spPr>
+            <p:style>
+              <a:lnRef idx="1">
+                <a:schemeClr val="accent1"/>
+              </a:lnRef>
+              <a:fillRef idx="2">
+                <a:schemeClr val="accent1"/>
+              </a:fillRef>
+              <a:effectRef idx="1">
+                <a:schemeClr val="accent1"/>
+              </a:effectRef>
+              <a:fontRef idx="minor">
+                <a:schemeClr val="dk1"/>
+              </a:fontRef>
+            </p:style>
+            <p:txBody>
+              <a:bodyPr rtlCol="0" anchor="ctr"/>
+              <a:lstStyle/>
+              <a:p>
+                <a:pPr algn="ctr"/>
+                <a:r>
+                  <a:rPr lang="en-US" dirty="0"/>
+                  <a:t>Metal-1</a:t>
+                </a:r>
+              </a:p>
+            </p:txBody>
+          </p:sp>
+          <p:sp>
+            <p:nvSpPr>
+              <p:cNvPr id="12" name="Rectangle 11">
+                <a:extLst>
+                  <a:ext uri="{FF2B5EF4-FFF2-40B4-BE49-F238E27FC236}">
+                    <a16:creationId xmlns:a16="http://schemas.microsoft.com/office/drawing/2014/main" id="{08245D65-5BA1-8CE2-8010-580C42079F3B}"/>
+                  </a:ext>
+                </a:extLst>
+              </p:cNvPr>
+              <p:cNvSpPr/>
+              <p:nvPr/>
+            </p:nvSpPr>
+            <p:spPr>
+              <a:xfrm>
+                <a:off x="6287784" y="2568538"/>
+                <a:ext cx="1017142" cy="945223"/>
+              </a:xfrm>
+              <a:prstGeom prst="rect">
+                <a:avLst/>
+              </a:prstGeom>
+            </p:spPr>
+            <p:style>
+              <a:lnRef idx="1">
+                <a:schemeClr val="dk1"/>
+              </a:lnRef>
+              <a:fillRef idx="2">
+                <a:schemeClr val="dk1"/>
+              </a:fillRef>
+              <a:effectRef idx="1">
+                <a:schemeClr val="dk1"/>
+              </a:effectRef>
+              <a:fontRef idx="minor">
+                <a:schemeClr val="dk1"/>
+              </a:fontRef>
+            </p:style>
+            <p:txBody>
+              <a:bodyPr rtlCol="0" anchor="ctr"/>
+              <a:lstStyle/>
+              <a:p>
+                <a:pPr algn="ctr"/>
+                <a:r>
+                  <a:rPr lang="en-US" sz="1600" b="1" dirty="0"/>
+                  <a:t>Contact</a:t>
+                </a:r>
+              </a:p>
+            </p:txBody>
+          </p:sp>
+          <p:sp>
+            <p:nvSpPr>
+              <p:cNvPr id="16" name="Rectangle 15">
+                <a:extLst>
+                  <a:ext uri="{FF2B5EF4-FFF2-40B4-BE49-F238E27FC236}">
+                    <a16:creationId xmlns:a16="http://schemas.microsoft.com/office/drawing/2014/main" id="{A18FDDF0-7AA7-710F-DF30-E821304CF1F0}"/>
+                  </a:ext>
+                </a:extLst>
+              </p:cNvPr>
+              <p:cNvSpPr/>
+              <p:nvPr/>
+            </p:nvSpPr>
+            <p:spPr>
+              <a:xfrm>
+                <a:off x="9212494" y="2568538"/>
+                <a:ext cx="1017142" cy="945223"/>
+              </a:xfrm>
+              <a:prstGeom prst="rect">
+                <a:avLst/>
+              </a:prstGeom>
+            </p:spPr>
+            <p:style>
+              <a:lnRef idx="1">
+                <a:schemeClr val="dk1"/>
+              </a:lnRef>
+              <a:fillRef idx="2">
+                <a:schemeClr val="dk1"/>
+              </a:fillRef>
+              <a:effectRef idx="1">
+                <a:schemeClr val="dk1"/>
+              </a:effectRef>
+              <a:fontRef idx="minor">
+                <a:schemeClr val="dk1"/>
+              </a:fontRef>
+            </p:style>
+            <p:txBody>
+              <a:bodyPr rtlCol="0" anchor="ctr"/>
+              <a:lstStyle/>
+              <a:p>
+                <a:pPr algn="ctr"/>
+                <a:r>
+                  <a:rPr lang="en-US" sz="1600" b="1" dirty="0"/>
+                  <a:t>Contact</a:t>
+                </a:r>
+              </a:p>
+            </p:txBody>
+          </p:sp>
+          <p:cxnSp>
+            <p:nvCxnSpPr>
+              <p:cNvPr id="18" name="Straight Connector 17">
+                <a:extLst>
+                  <a:ext uri="{FF2B5EF4-FFF2-40B4-BE49-F238E27FC236}">
+                    <a16:creationId xmlns:a16="http://schemas.microsoft.com/office/drawing/2014/main" id="{F2DA29B8-1D70-EFA9-5E75-9D13C90838D0}"/>
+                  </a:ext>
+                </a:extLst>
+              </p:cNvPr>
+              <p:cNvCxnSpPr>
+                <a:cxnSpLocks/>
+              </p:cNvCxnSpPr>
+              <p:nvPr/>
+            </p:nvCxnSpPr>
+            <p:spPr>
+              <a:xfrm>
+                <a:off x="8191928" y="5374127"/>
+                <a:ext cx="438364" cy="0"/>
+              </a:xfrm>
+              <a:prstGeom prst="line">
+                <a:avLst/>
+              </a:prstGeom>
+              <a:ln w="38100">
+                <a:solidFill>
+                  <a:schemeClr val="tx1"/>
+                </a:solidFill>
+              </a:ln>
+            </p:spPr>
+            <p:style>
+              <a:lnRef idx="2">
+                <a:schemeClr val="accent1"/>
+              </a:lnRef>
+              <a:fillRef idx="0">
+                <a:schemeClr val="accent1"/>
+              </a:fillRef>
+              <a:effectRef idx="1">
+                <a:schemeClr val="accent1"/>
+              </a:effectRef>
+              <a:fontRef idx="minor">
+                <a:schemeClr val="tx1"/>
+              </a:fontRef>
+            </p:style>
+          </p:cxnSp>
+          <p:cxnSp>
+            <p:nvCxnSpPr>
+              <p:cNvPr id="21" name="Straight Connector 20">
+                <a:extLst>
+                  <a:ext uri="{FF2B5EF4-FFF2-40B4-BE49-F238E27FC236}">
+                    <a16:creationId xmlns:a16="http://schemas.microsoft.com/office/drawing/2014/main" id="{4594BAD5-3D13-BEDE-42FC-7F8604402EDE}"/>
+                  </a:ext>
+                </a:extLst>
+              </p:cNvPr>
+              <p:cNvCxnSpPr>
+                <a:cxnSpLocks/>
+              </p:cNvCxnSpPr>
+              <p:nvPr/>
+            </p:nvCxnSpPr>
+            <p:spPr>
+              <a:xfrm>
+                <a:off x="8278402" y="5487885"/>
+                <a:ext cx="261991" cy="0"/>
+              </a:xfrm>
+              <a:prstGeom prst="line">
+                <a:avLst/>
+              </a:prstGeom>
+              <a:ln w="38100">
+                <a:solidFill>
+                  <a:schemeClr val="tx1"/>
+                </a:solidFill>
+              </a:ln>
+            </p:spPr>
+            <p:style>
+              <a:lnRef idx="2">
+                <a:schemeClr val="accent1"/>
+              </a:lnRef>
+              <a:fillRef idx="0">
+                <a:schemeClr val="accent1"/>
+              </a:fillRef>
+              <a:effectRef idx="1">
+                <a:schemeClr val="accent1"/>
+              </a:effectRef>
+              <a:fontRef idx="minor">
+                <a:schemeClr val="tx1"/>
+              </a:fontRef>
+            </p:style>
+          </p:cxnSp>
+          <p:cxnSp>
+            <p:nvCxnSpPr>
+              <p:cNvPr id="23" name="Straight Connector 22">
+                <a:extLst>
+                  <a:ext uri="{FF2B5EF4-FFF2-40B4-BE49-F238E27FC236}">
+                    <a16:creationId xmlns:a16="http://schemas.microsoft.com/office/drawing/2014/main" id="{379AFDE2-6FD3-A112-4813-0916D0C36AC2}"/>
+                  </a:ext>
+                </a:extLst>
+              </p:cNvPr>
+              <p:cNvCxnSpPr>
+                <a:cxnSpLocks/>
+              </p:cNvCxnSpPr>
+              <p:nvPr/>
+            </p:nvCxnSpPr>
+            <p:spPr>
+              <a:xfrm>
+                <a:off x="8332341" y="5611175"/>
+                <a:ext cx="154112" cy="0"/>
+              </a:xfrm>
+              <a:prstGeom prst="line">
+                <a:avLst/>
+              </a:prstGeom>
+              <a:ln w="38100">
+                <a:solidFill>
+                  <a:schemeClr val="tx1"/>
+                </a:solidFill>
+              </a:ln>
+            </p:spPr>
+            <p:style>
+              <a:lnRef idx="2">
+                <a:schemeClr val="accent1"/>
+              </a:lnRef>
+              <a:fillRef idx="0">
+                <a:schemeClr val="accent1"/>
+              </a:fillRef>
+              <a:effectRef idx="1">
+                <a:schemeClr val="accent1"/>
+              </a:effectRef>
+              <a:fontRef idx="minor">
+                <a:schemeClr val="tx1"/>
+              </a:fontRef>
+            </p:style>
+          </p:cxnSp>
+          <p:cxnSp>
+            <p:nvCxnSpPr>
+              <p:cNvPr id="29" name="Straight Connector 28">
+                <a:extLst>
+                  <a:ext uri="{FF2B5EF4-FFF2-40B4-BE49-F238E27FC236}">
+                    <a16:creationId xmlns:a16="http://schemas.microsoft.com/office/drawing/2014/main" id="{AE300DCE-38B3-B1C3-F570-CACC21BCDFB5}"/>
+                  </a:ext>
+                </a:extLst>
+              </p:cNvPr>
+              <p:cNvCxnSpPr>
+                <a:cxnSpLocks/>
+              </p:cNvCxnSpPr>
+              <p:nvPr/>
+            </p:nvCxnSpPr>
+            <p:spPr>
+              <a:xfrm flipV="1">
+                <a:off x="8426066" y="5269356"/>
+                <a:ext cx="0" cy="106802"/>
+              </a:xfrm>
+              <a:prstGeom prst="line">
+                <a:avLst/>
+              </a:prstGeom>
+              <a:ln w="38100">
+                <a:solidFill>
+                  <a:schemeClr val="tx1"/>
+                </a:solidFill>
+              </a:ln>
+            </p:spPr>
+            <p:style>
+              <a:lnRef idx="2">
+                <a:schemeClr val="accent1"/>
+              </a:lnRef>
+              <a:fillRef idx="0">
+                <a:schemeClr val="accent1"/>
+              </a:fillRef>
+              <a:effectRef idx="1">
+                <a:schemeClr val="accent1"/>
+              </a:effectRef>
+              <a:fontRef idx="minor">
+                <a:schemeClr val="tx1"/>
+              </a:fontRef>
+            </p:style>
+          </p:cxnSp>
+          <p:sp>
+            <p:nvSpPr>
+              <p:cNvPr id="34" name="TextBox 33">
+                <a:extLst>
+                  <a:ext uri="{FF2B5EF4-FFF2-40B4-BE49-F238E27FC236}">
+                    <a16:creationId xmlns:a16="http://schemas.microsoft.com/office/drawing/2014/main" id="{AB39362D-A467-9A6F-761F-115FD3267EAC}"/>
+                  </a:ext>
+                </a:extLst>
+              </p:cNvPr>
+              <p:cNvSpPr txBox="1"/>
+              <p:nvPr/>
+            </p:nvSpPr>
+            <p:spPr>
+              <a:xfrm>
+                <a:off x="8660205" y="5303219"/>
+                <a:ext cx="2811604" cy="369332"/>
+              </a:xfrm>
+              <a:prstGeom prst="rect">
+                <a:avLst/>
+              </a:prstGeom>
+              <a:noFill/>
+            </p:spPr>
+            <p:txBody>
+              <a:bodyPr wrap="none" rtlCol="0">
+                <a:spAutoFit/>
+              </a:bodyPr>
+              <a:lstStyle/>
+              <a:p>
+                <a:r>
+                  <a:rPr lang="en-US" dirty="0"/>
+                  <a:t>Bulk/substrate connection</a:t>
+                </a:r>
+              </a:p>
+            </p:txBody>
+          </p:sp>
+        </p:grpSp>
         <p:pic>
           <p:nvPicPr>
-            <p:cNvPr id="6" name="Picture 5">
+            <p:cNvPr id="39" name="Picture 38">
               <a:extLst>
                 <a:ext uri="{FF2B5EF4-FFF2-40B4-BE49-F238E27FC236}">
-                  <a16:creationId xmlns:a16="http://schemas.microsoft.com/office/drawing/2014/main" id="{759D47E6-1055-AF15-E697-EFC6B2A604F1}"/>
+                  <a16:creationId xmlns:a16="http://schemas.microsoft.com/office/drawing/2014/main" id="{646304DC-BB2B-8DB8-FE1A-4A6A6F0FEC14}"/>
                 </a:ext>
               </a:extLst>
             </p:cNvPr>
@@ -7970,15 +8416,15 @@
             <p:nvPr/>
           </p:nvPicPr>
           <p:blipFill>
-            <a:blip r:embed="rId2"/>
+            <a:blip r:embed="rId3"/>
             <a:stretch>
               <a:fillRect/>
             </a:stretch>
           </p:blipFill>
           <p:spPr>
             <a:xfrm>
-              <a:off x="4820078" y="1722307"/>
-              <a:ext cx="6743700" cy="3600450"/>
+              <a:off x="7846726" y="1738262"/>
+              <a:ext cx="4248150" cy="3581400"/>
             </a:xfrm>
             <a:prstGeom prst="rect">
               <a:avLst/>
@@ -7987,370 +8433,10 @@
         </p:pic>
         <p:sp>
           <p:nvSpPr>
-            <p:cNvPr id="8" name="Rectangle 7">
+            <p:cNvPr id="40" name="TextBox 39">
               <a:extLst>
                 <a:ext uri="{FF2B5EF4-FFF2-40B4-BE49-F238E27FC236}">
-                  <a16:creationId xmlns:a16="http://schemas.microsoft.com/office/drawing/2014/main" id="{8CB8D689-EA19-2451-EB6D-F0EC334BA809}"/>
-                </a:ext>
-              </a:extLst>
-            </p:cNvPr>
-            <p:cNvSpPr/>
-            <p:nvPr/>
-          </p:nvSpPr>
-          <p:spPr>
-            <a:xfrm>
-              <a:off x="6024081" y="1825049"/>
-              <a:ext cx="1517150" cy="743490"/>
-            </a:xfrm>
-            <a:prstGeom prst="rect">
-              <a:avLst/>
-            </a:prstGeom>
-          </p:spPr>
-          <p:style>
-            <a:lnRef idx="1">
-              <a:schemeClr val="accent1"/>
-            </a:lnRef>
-            <a:fillRef idx="2">
-              <a:schemeClr val="accent1"/>
-            </a:fillRef>
-            <a:effectRef idx="1">
-              <a:schemeClr val="accent1"/>
-            </a:effectRef>
-            <a:fontRef idx="minor">
-              <a:schemeClr val="dk1"/>
-            </a:fontRef>
-          </p:style>
-          <p:txBody>
-            <a:bodyPr rtlCol="0" anchor="ctr"/>
-            <a:lstStyle/>
-            <a:p>
-              <a:pPr algn="ctr"/>
-              <a:r>
-                <a:rPr lang="en-US" b="1" dirty="0"/>
-                <a:t>Metal-1</a:t>
-              </a:r>
-            </a:p>
-          </p:txBody>
-        </p:sp>
-        <p:sp>
-          <p:nvSpPr>
-            <p:cNvPr id="9" name="Rectangle 8">
-              <a:extLst>
-                <a:ext uri="{FF2B5EF4-FFF2-40B4-BE49-F238E27FC236}">
-                  <a16:creationId xmlns:a16="http://schemas.microsoft.com/office/drawing/2014/main" id="{DA6E36CE-FA41-F2FA-9994-2FB4D5CBC773}"/>
-                </a:ext>
-              </a:extLst>
-            </p:cNvPr>
-            <p:cNvSpPr/>
-            <p:nvPr/>
-          </p:nvSpPr>
-          <p:spPr>
-            <a:xfrm>
-              <a:off x="8962490" y="1825049"/>
-              <a:ext cx="1517150" cy="743490"/>
-            </a:xfrm>
-            <a:prstGeom prst="rect">
-              <a:avLst/>
-            </a:prstGeom>
-          </p:spPr>
-          <p:style>
-            <a:lnRef idx="1">
-              <a:schemeClr val="accent1"/>
-            </a:lnRef>
-            <a:fillRef idx="2">
-              <a:schemeClr val="accent1"/>
-            </a:fillRef>
-            <a:effectRef idx="1">
-              <a:schemeClr val="accent1"/>
-            </a:effectRef>
-            <a:fontRef idx="minor">
-              <a:schemeClr val="dk1"/>
-            </a:fontRef>
-          </p:style>
-          <p:txBody>
-            <a:bodyPr rtlCol="0" anchor="ctr"/>
-            <a:lstStyle/>
-            <a:p>
-              <a:pPr algn="ctr"/>
-              <a:r>
-                <a:rPr lang="en-US" dirty="0"/>
-                <a:t>Metal-1</a:t>
-              </a:r>
-            </a:p>
-          </p:txBody>
-        </p:sp>
-        <p:sp>
-          <p:nvSpPr>
-            <p:cNvPr id="12" name="Rectangle 11">
-              <a:extLst>
-                <a:ext uri="{FF2B5EF4-FFF2-40B4-BE49-F238E27FC236}">
-                  <a16:creationId xmlns:a16="http://schemas.microsoft.com/office/drawing/2014/main" id="{08245D65-5BA1-8CE2-8010-580C42079F3B}"/>
-                </a:ext>
-              </a:extLst>
-            </p:cNvPr>
-            <p:cNvSpPr/>
-            <p:nvPr/>
-          </p:nvSpPr>
-          <p:spPr>
-            <a:xfrm>
-              <a:off x="6287784" y="2568538"/>
-              <a:ext cx="1017142" cy="945223"/>
-            </a:xfrm>
-            <a:prstGeom prst="rect">
-              <a:avLst/>
-            </a:prstGeom>
-          </p:spPr>
-          <p:style>
-            <a:lnRef idx="1">
-              <a:schemeClr val="dk1"/>
-            </a:lnRef>
-            <a:fillRef idx="2">
-              <a:schemeClr val="dk1"/>
-            </a:fillRef>
-            <a:effectRef idx="1">
-              <a:schemeClr val="dk1"/>
-            </a:effectRef>
-            <a:fontRef idx="minor">
-              <a:schemeClr val="dk1"/>
-            </a:fontRef>
-          </p:style>
-          <p:txBody>
-            <a:bodyPr rtlCol="0" anchor="ctr"/>
-            <a:lstStyle/>
-            <a:p>
-              <a:pPr algn="ctr"/>
-              <a:r>
-                <a:rPr lang="en-US" sz="1600" b="1" dirty="0"/>
-                <a:t>Contact</a:t>
-              </a:r>
-            </a:p>
-          </p:txBody>
-        </p:sp>
-        <p:sp>
-          <p:nvSpPr>
-            <p:cNvPr id="16" name="Rectangle 15">
-              <a:extLst>
-                <a:ext uri="{FF2B5EF4-FFF2-40B4-BE49-F238E27FC236}">
-                  <a16:creationId xmlns:a16="http://schemas.microsoft.com/office/drawing/2014/main" id="{A18FDDF0-7AA7-710F-DF30-E821304CF1F0}"/>
-                </a:ext>
-              </a:extLst>
-            </p:cNvPr>
-            <p:cNvSpPr/>
-            <p:nvPr/>
-          </p:nvSpPr>
-          <p:spPr>
-            <a:xfrm>
-              <a:off x="9212494" y="2568538"/>
-              <a:ext cx="1017142" cy="945223"/>
-            </a:xfrm>
-            <a:prstGeom prst="rect">
-              <a:avLst/>
-            </a:prstGeom>
-          </p:spPr>
-          <p:style>
-            <a:lnRef idx="1">
-              <a:schemeClr val="dk1"/>
-            </a:lnRef>
-            <a:fillRef idx="2">
-              <a:schemeClr val="dk1"/>
-            </a:fillRef>
-            <a:effectRef idx="1">
-              <a:schemeClr val="dk1"/>
-            </a:effectRef>
-            <a:fontRef idx="minor">
-              <a:schemeClr val="dk1"/>
-            </a:fontRef>
-          </p:style>
-          <p:txBody>
-            <a:bodyPr rtlCol="0" anchor="ctr"/>
-            <a:lstStyle/>
-            <a:p>
-              <a:pPr algn="ctr"/>
-              <a:r>
-                <a:rPr lang="en-US" sz="1600" b="1" dirty="0"/>
-                <a:t>Contact</a:t>
-              </a:r>
-            </a:p>
-          </p:txBody>
-        </p:sp>
-        <p:cxnSp>
-          <p:nvCxnSpPr>
-            <p:cNvPr id="18" name="Straight Connector 17">
-              <a:extLst>
-                <a:ext uri="{FF2B5EF4-FFF2-40B4-BE49-F238E27FC236}">
-                  <a16:creationId xmlns:a16="http://schemas.microsoft.com/office/drawing/2014/main" id="{F2DA29B8-1D70-EFA9-5E75-9D13C90838D0}"/>
-                </a:ext>
-              </a:extLst>
-            </p:cNvPr>
-            <p:cNvCxnSpPr>
-              <a:cxnSpLocks/>
-            </p:cNvCxnSpPr>
-            <p:nvPr/>
-          </p:nvCxnSpPr>
-          <p:spPr>
-            <a:xfrm>
-              <a:off x="8191928" y="5374127"/>
-              <a:ext cx="438364" cy="0"/>
-            </a:xfrm>
-            <a:prstGeom prst="line">
-              <a:avLst/>
-            </a:prstGeom>
-            <a:ln w="38100">
-              <a:solidFill>
-                <a:schemeClr val="tx1"/>
-              </a:solidFill>
-            </a:ln>
-          </p:spPr>
-          <p:style>
-            <a:lnRef idx="2">
-              <a:schemeClr val="accent1"/>
-            </a:lnRef>
-            <a:fillRef idx="0">
-              <a:schemeClr val="accent1"/>
-            </a:fillRef>
-            <a:effectRef idx="1">
-              <a:schemeClr val="accent1"/>
-            </a:effectRef>
-            <a:fontRef idx="minor">
-              <a:schemeClr val="tx1"/>
-            </a:fontRef>
-          </p:style>
-        </p:cxnSp>
-        <p:cxnSp>
-          <p:nvCxnSpPr>
-            <p:cNvPr id="21" name="Straight Connector 20">
-              <a:extLst>
-                <a:ext uri="{FF2B5EF4-FFF2-40B4-BE49-F238E27FC236}">
-                  <a16:creationId xmlns:a16="http://schemas.microsoft.com/office/drawing/2014/main" id="{4594BAD5-3D13-BEDE-42FC-7F8604402EDE}"/>
-                </a:ext>
-              </a:extLst>
-            </p:cNvPr>
-            <p:cNvCxnSpPr>
-              <a:cxnSpLocks/>
-            </p:cNvCxnSpPr>
-            <p:nvPr/>
-          </p:nvCxnSpPr>
-          <p:spPr>
-            <a:xfrm>
-              <a:off x="8278402" y="5487885"/>
-              <a:ext cx="261991" cy="0"/>
-            </a:xfrm>
-            <a:prstGeom prst="line">
-              <a:avLst/>
-            </a:prstGeom>
-            <a:ln w="38100">
-              <a:solidFill>
-                <a:schemeClr val="tx1"/>
-              </a:solidFill>
-            </a:ln>
-          </p:spPr>
-          <p:style>
-            <a:lnRef idx="2">
-              <a:schemeClr val="accent1"/>
-            </a:lnRef>
-            <a:fillRef idx="0">
-              <a:schemeClr val="accent1"/>
-            </a:fillRef>
-            <a:effectRef idx="1">
-              <a:schemeClr val="accent1"/>
-            </a:effectRef>
-            <a:fontRef idx="minor">
-              <a:schemeClr val="tx1"/>
-            </a:fontRef>
-          </p:style>
-        </p:cxnSp>
-        <p:cxnSp>
-          <p:nvCxnSpPr>
-            <p:cNvPr id="23" name="Straight Connector 22">
-              <a:extLst>
-                <a:ext uri="{FF2B5EF4-FFF2-40B4-BE49-F238E27FC236}">
-                  <a16:creationId xmlns:a16="http://schemas.microsoft.com/office/drawing/2014/main" id="{379AFDE2-6FD3-A112-4813-0916D0C36AC2}"/>
-                </a:ext>
-              </a:extLst>
-            </p:cNvPr>
-            <p:cNvCxnSpPr>
-              <a:cxnSpLocks/>
-            </p:cNvCxnSpPr>
-            <p:nvPr/>
-          </p:nvCxnSpPr>
-          <p:spPr>
-            <a:xfrm>
-              <a:off x="8332341" y="5611175"/>
-              <a:ext cx="154112" cy="0"/>
-            </a:xfrm>
-            <a:prstGeom prst="line">
-              <a:avLst/>
-            </a:prstGeom>
-            <a:ln w="38100">
-              <a:solidFill>
-                <a:schemeClr val="tx1"/>
-              </a:solidFill>
-            </a:ln>
-          </p:spPr>
-          <p:style>
-            <a:lnRef idx="2">
-              <a:schemeClr val="accent1"/>
-            </a:lnRef>
-            <a:fillRef idx="0">
-              <a:schemeClr val="accent1"/>
-            </a:fillRef>
-            <a:effectRef idx="1">
-              <a:schemeClr val="accent1"/>
-            </a:effectRef>
-            <a:fontRef idx="minor">
-              <a:schemeClr val="tx1"/>
-            </a:fontRef>
-          </p:style>
-        </p:cxnSp>
-        <p:cxnSp>
-          <p:nvCxnSpPr>
-            <p:cNvPr id="29" name="Straight Connector 28">
-              <a:extLst>
-                <a:ext uri="{FF2B5EF4-FFF2-40B4-BE49-F238E27FC236}">
-                  <a16:creationId xmlns:a16="http://schemas.microsoft.com/office/drawing/2014/main" id="{AE300DCE-38B3-B1C3-F570-CACC21BCDFB5}"/>
-                </a:ext>
-              </a:extLst>
-            </p:cNvPr>
-            <p:cNvCxnSpPr>
-              <a:cxnSpLocks/>
-            </p:cNvCxnSpPr>
-            <p:nvPr/>
-          </p:nvCxnSpPr>
-          <p:spPr>
-            <a:xfrm flipV="1">
-              <a:off x="8426066" y="5269356"/>
-              <a:ext cx="0" cy="106802"/>
-            </a:xfrm>
-            <a:prstGeom prst="line">
-              <a:avLst/>
-            </a:prstGeom>
-            <a:ln w="38100">
-              <a:solidFill>
-                <a:schemeClr val="tx1"/>
-              </a:solidFill>
-            </a:ln>
-          </p:spPr>
-          <p:style>
-            <a:lnRef idx="2">
-              <a:schemeClr val="accent1"/>
-            </a:lnRef>
-            <a:fillRef idx="0">
-              <a:schemeClr val="accent1"/>
-            </a:fillRef>
-            <a:effectRef idx="1">
-              <a:schemeClr val="accent1"/>
-            </a:effectRef>
-            <a:fontRef idx="minor">
-              <a:schemeClr val="tx1"/>
-            </a:fontRef>
-          </p:style>
-        </p:cxnSp>
-        <p:sp>
-          <p:nvSpPr>
-            <p:cNvPr id="34" name="TextBox 33">
-              <a:extLst>
-                <a:ext uri="{FF2B5EF4-FFF2-40B4-BE49-F238E27FC236}">
-                  <a16:creationId xmlns:a16="http://schemas.microsoft.com/office/drawing/2014/main" id="{AB39362D-A467-9A6F-761F-115FD3267EAC}"/>
+                  <a16:creationId xmlns:a16="http://schemas.microsoft.com/office/drawing/2014/main" id="{529E1FCE-1BD4-E2BD-BD8E-2DF6425A974E}"/>
                 </a:ext>
               </a:extLst>
             </p:cNvPr>
@@ -8359,8 +8445,8 @@
           </p:nvSpPr>
           <p:spPr>
             <a:xfrm>
-              <a:off x="8660205" y="5303219"/>
-              <a:ext cx="2811604" cy="369332"/>
+              <a:off x="863029" y="5436866"/>
+              <a:ext cx="2506905" cy="369332"/>
             </a:xfrm>
             <a:prstGeom prst="rect">
               <a:avLst/>
@@ -8375,7 +8461,58 @@
             <a:p>
               <a:r>
                 <a:rPr lang="en-US" dirty="0"/>
-                <a:t>Bulk/substrate connection</a:t>
+                <a:t>(a) </a:t>
+              </a:r>
+              <a:r>
+                <a:rPr lang="en-US" dirty="0" err="1"/>
+                <a:t>nMOS</a:t>
+              </a:r>
+              <a:r>
+                <a:rPr lang="en-US" dirty="0"/>
+                <a:t> cross-section</a:t>
+              </a:r>
+            </a:p>
+          </p:txBody>
+        </p:sp>
+        <p:sp>
+          <p:nvSpPr>
+            <p:cNvPr id="41" name="TextBox 40">
+              <a:extLst>
+                <a:ext uri="{FF2B5EF4-FFF2-40B4-BE49-F238E27FC236}">
+                  <a16:creationId xmlns:a16="http://schemas.microsoft.com/office/drawing/2014/main" id="{B8EB1AF2-281F-F0D2-83DE-2ABACCC627BA}"/>
+                </a:ext>
+              </a:extLst>
+            </p:cNvPr>
+            <p:cNvSpPr txBox="1"/>
+            <p:nvPr/>
+          </p:nvSpPr>
+          <p:spPr>
+            <a:xfrm>
+              <a:off x="8229600" y="5436866"/>
+              <a:ext cx="2005870" cy="369332"/>
+            </a:xfrm>
+            <a:prstGeom prst="rect">
+              <a:avLst/>
+            </a:prstGeom>
+            <a:noFill/>
+          </p:spPr>
+          <p:txBody>
+            <a:bodyPr wrap="none" rtlCol="0">
+              <a:spAutoFit/>
+            </a:bodyPr>
+            <a:lstStyle/>
+            <a:p>
+              <a:r>
+                <a:rPr lang="en-US" dirty="0"/>
+                <a:t>(b) </a:t>
+              </a:r>
+              <a:r>
+                <a:rPr lang="en-US" dirty="0" err="1"/>
+                <a:t>nMOS</a:t>
+              </a:r>
+              <a:r>
+                <a:rPr lang="en-US" dirty="0"/>
+                <a:t> top-view</a:t>
               </a:r>
             </a:p>
           </p:txBody>

--- a/figures/fig.pptx
+++ b/figures/fig.pptx
@@ -48,6 +48,8 @@
     <p:sldId id="270" r:id="rId42"/>
     <p:sldId id="271" r:id="rId43"/>
     <p:sldId id="272" r:id="rId44"/>
+    <p:sldId id="299" r:id="rId45"/>
+    <p:sldId id="300" r:id="rId46"/>
   </p:sldIdLst>
   <p:sldSz cx="12192000" cy="6858000"/>
   <p:notesSz cx="6858000" cy="9144000"/>
@@ -301,7 +303,7 @@
           <a:p>
             <a:fld id="{BA5A1584-706A-4ABE-803B-792AD84DBA31}" type="datetimeFigureOut">
               <a:rPr lang="en-US" smtClean="0"/>
-              <a:t>4/20/2025</a:t>
+              <a:t>6/17/2025</a:t>
             </a:fld>
             <a:endParaRPr lang="en-US"/>
           </a:p>
@@ -499,7 +501,7 @@
           <a:p>
             <a:fld id="{BA5A1584-706A-4ABE-803B-792AD84DBA31}" type="datetimeFigureOut">
               <a:rPr lang="en-US" smtClean="0"/>
-              <a:t>4/20/2025</a:t>
+              <a:t>6/17/2025</a:t>
             </a:fld>
             <a:endParaRPr lang="en-US"/>
           </a:p>
@@ -707,7 +709,7 @@
           <a:p>
             <a:fld id="{BA5A1584-706A-4ABE-803B-792AD84DBA31}" type="datetimeFigureOut">
               <a:rPr lang="en-US" smtClean="0"/>
-              <a:t>4/20/2025</a:t>
+              <a:t>6/17/2025</a:t>
             </a:fld>
             <a:endParaRPr lang="en-US"/>
           </a:p>
@@ -905,7 +907,7 @@
           <a:p>
             <a:fld id="{BA5A1584-706A-4ABE-803B-792AD84DBA31}" type="datetimeFigureOut">
               <a:rPr lang="en-US" smtClean="0"/>
-              <a:t>4/20/2025</a:t>
+              <a:t>6/17/2025</a:t>
             </a:fld>
             <a:endParaRPr lang="en-US"/>
           </a:p>
@@ -1180,7 +1182,7 @@
           <a:p>
             <a:fld id="{BA5A1584-706A-4ABE-803B-792AD84DBA31}" type="datetimeFigureOut">
               <a:rPr lang="en-US" smtClean="0"/>
-              <a:t>4/20/2025</a:t>
+              <a:t>6/17/2025</a:t>
             </a:fld>
             <a:endParaRPr lang="en-US"/>
           </a:p>
@@ -1445,7 +1447,7 @@
           <a:p>
             <a:fld id="{BA5A1584-706A-4ABE-803B-792AD84DBA31}" type="datetimeFigureOut">
               <a:rPr lang="en-US" smtClean="0"/>
-              <a:t>4/20/2025</a:t>
+              <a:t>6/17/2025</a:t>
             </a:fld>
             <a:endParaRPr lang="en-US"/>
           </a:p>
@@ -1857,7 +1859,7 @@
           <a:p>
             <a:fld id="{BA5A1584-706A-4ABE-803B-792AD84DBA31}" type="datetimeFigureOut">
               <a:rPr lang="en-US" smtClean="0"/>
-              <a:t>4/20/2025</a:t>
+              <a:t>6/17/2025</a:t>
             </a:fld>
             <a:endParaRPr lang="en-US"/>
           </a:p>
@@ -1998,7 +2000,7 @@
           <a:p>
             <a:fld id="{BA5A1584-706A-4ABE-803B-792AD84DBA31}" type="datetimeFigureOut">
               <a:rPr lang="en-US" smtClean="0"/>
-              <a:t>4/20/2025</a:t>
+              <a:t>6/17/2025</a:t>
             </a:fld>
             <a:endParaRPr lang="en-US"/>
           </a:p>
@@ -2111,7 +2113,7 @@
           <a:p>
             <a:fld id="{BA5A1584-706A-4ABE-803B-792AD84DBA31}" type="datetimeFigureOut">
               <a:rPr lang="en-US" smtClean="0"/>
-              <a:t>4/20/2025</a:t>
+              <a:t>6/17/2025</a:t>
             </a:fld>
             <a:endParaRPr lang="en-US"/>
           </a:p>
@@ -2422,7 +2424,7 @@
           <a:p>
             <a:fld id="{BA5A1584-706A-4ABE-803B-792AD84DBA31}" type="datetimeFigureOut">
               <a:rPr lang="en-US" smtClean="0"/>
-              <a:t>4/20/2025</a:t>
+              <a:t>6/17/2025</a:t>
             </a:fld>
             <a:endParaRPr lang="en-US"/>
           </a:p>
@@ -2710,7 +2712,7 @@
           <a:p>
             <a:fld id="{BA5A1584-706A-4ABE-803B-792AD84DBA31}" type="datetimeFigureOut">
               <a:rPr lang="en-US" smtClean="0"/>
-              <a:t>4/20/2025</a:t>
+              <a:t>6/17/2025</a:t>
             </a:fld>
             <a:endParaRPr lang="en-US"/>
           </a:p>
@@ -2951,7 +2953,7 @@
           <a:p>
             <a:fld id="{BA5A1584-706A-4ABE-803B-792AD84DBA31}" type="datetimeFigureOut">
               <a:rPr lang="en-US" smtClean="0"/>
-              <a:t>4/20/2025</a:t>
+              <a:t>6/17/2025</a:t>
             </a:fld>
             <a:endParaRPr lang="en-US"/>
           </a:p>
@@ -31585,6 +31587,1295 @@
 </p:sld>
 </file>
 
+<file path=ppt/slides/slide44.xml><?xml version="1.0" encoding="utf-8"?>
+<p:sld xmlns:a="http://schemas.openxmlformats.org/drawingml/2006/main" xmlns:r="http://schemas.openxmlformats.org/officeDocument/2006/relationships" xmlns:p="http://schemas.openxmlformats.org/presentationml/2006/main">
+  <p:cSld>
+    <p:spTree>
+      <p:nvGrpSpPr>
+        <p:cNvPr id="1" name="">
+          <a:extLst>
+            <a:ext uri="{FF2B5EF4-FFF2-40B4-BE49-F238E27FC236}">
+              <a16:creationId xmlns:a16="http://schemas.microsoft.com/office/drawing/2014/main" id="{F8780EC1-4707-894D-F6C2-4867C61CDF63}"/>
+            </a:ext>
+          </a:extLst>
+        </p:cNvPr>
+        <p:cNvGrpSpPr/>
+        <p:nvPr/>
+      </p:nvGrpSpPr>
+      <p:grpSpPr>
+        <a:xfrm>
+          <a:off x="0" y="0"/>
+          <a:ext cx="0" cy="0"/>
+          <a:chOff x="0" y="0"/>
+          <a:chExt cx="0" cy="0"/>
+        </a:xfrm>
+      </p:grpSpPr>
+      <p:sp>
+        <p:nvSpPr>
+          <p:cNvPr id="2" name="Title 1">
+            <a:extLst>
+              <a:ext uri="{FF2B5EF4-FFF2-40B4-BE49-F238E27FC236}">
+                <a16:creationId xmlns:a16="http://schemas.microsoft.com/office/drawing/2014/main" id="{7530F3C5-59CC-AFE0-76AB-52D9F29DE7E2}"/>
+              </a:ext>
+            </a:extLst>
+          </p:cNvPr>
+          <p:cNvSpPr>
+            <a:spLocks noGrp="1"/>
+          </p:cNvSpPr>
+          <p:nvPr>
+            <p:ph type="title"/>
+          </p:nvPr>
+        </p:nvSpPr>
+        <p:spPr/>
+        <p:txBody>
+          <a:bodyPr/>
+          <a:lstStyle/>
+          <a:p>
+            <a:r>
+              <a:rPr lang="en-US" dirty="0"/>
+              <a:t>RC  </a:t>
+            </a:r>
+            <a:r>
+              <a:rPr lang="en-US" dirty="0" err="1"/>
+              <a:t>Ckts</a:t>
+            </a:r>
+            <a:endParaRPr lang="en-US" dirty="0"/>
+          </a:p>
+        </p:txBody>
+      </p:sp>
+      <p:sp>
+        <p:nvSpPr>
+          <p:cNvPr id="3" name="Text Placeholder 2">
+            <a:extLst>
+              <a:ext uri="{FF2B5EF4-FFF2-40B4-BE49-F238E27FC236}">
+                <a16:creationId xmlns:a16="http://schemas.microsoft.com/office/drawing/2014/main" id="{AA1557A0-B7D3-5659-B401-931490D252A4}"/>
+              </a:ext>
+            </a:extLst>
+          </p:cNvPr>
+          <p:cNvSpPr>
+            <a:spLocks noGrp="1"/>
+          </p:cNvSpPr>
+          <p:nvPr>
+            <p:ph type="body" idx="1"/>
+          </p:nvPr>
+        </p:nvSpPr>
+        <p:spPr/>
+        <p:txBody>
+          <a:bodyPr/>
+          <a:lstStyle/>
+          <a:p>
+            <a:endParaRPr lang="en-US" dirty="0"/>
+          </a:p>
+        </p:txBody>
+      </p:sp>
+    </p:spTree>
+    <p:extLst>
+      <p:ext uri="{BB962C8B-B14F-4D97-AF65-F5344CB8AC3E}">
+        <p14:creationId xmlns:p14="http://schemas.microsoft.com/office/powerpoint/2010/main" val="1203157742"/>
+      </p:ext>
+    </p:extLst>
+  </p:cSld>
+  <p:clrMapOvr>
+    <a:masterClrMapping/>
+  </p:clrMapOvr>
+</p:sld>
+</file>
+
+<file path=ppt/slides/slide45.xml><?xml version="1.0" encoding="utf-8"?>
+<p:sld xmlns:a="http://schemas.openxmlformats.org/drawingml/2006/main" xmlns:r="http://schemas.openxmlformats.org/officeDocument/2006/relationships" xmlns:p="http://schemas.openxmlformats.org/presentationml/2006/main">
+  <p:cSld>
+    <p:spTree>
+      <p:nvGrpSpPr>
+        <p:cNvPr id="1" name=""/>
+        <p:cNvGrpSpPr/>
+        <p:nvPr/>
+      </p:nvGrpSpPr>
+      <p:grpSpPr>
+        <a:xfrm>
+          <a:off x="0" y="0"/>
+          <a:ext cx="0" cy="0"/>
+          <a:chOff x="0" y="0"/>
+          <a:chExt cx="0" cy="0"/>
+        </a:xfrm>
+      </p:grpSpPr>
+      <p:grpSp>
+        <p:nvGrpSpPr>
+          <p:cNvPr id="16" name="Group 15">
+            <a:extLst>
+              <a:ext uri="{FF2B5EF4-FFF2-40B4-BE49-F238E27FC236}">
+                <a16:creationId xmlns:a16="http://schemas.microsoft.com/office/drawing/2014/main" id="{91887BA3-D18D-12D3-C8B1-2792640E4972}"/>
+              </a:ext>
+            </a:extLst>
+          </p:cNvPr>
+          <p:cNvGrpSpPr/>
+          <p:nvPr/>
+        </p:nvGrpSpPr>
+        <p:grpSpPr>
+          <a:xfrm>
+            <a:off x="3983641" y="1531563"/>
+            <a:ext cx="3437187" cy="2985829"/>
+            <a:chOff x="3983641" y="1531563"/>
+            <a:chExt cx="3437187" cy="2985829"/>
+          </a:xfrm>
+        </p:grpSpPr>
+        <p:pic>
+          <p:nvPicPr>
+            <p:cNvPr id="3" name="Picture 2">
+              <a:extLst>
+                <a:ext uri="{FF2B5EF4-FFF2-40B4-BE49-F238E27FC236}">
+                  <a16:creationId xmlns:a16="http://schemas.microsoft.com/office/drawing/2014/main" id="{9F29AD9B-9E84-AC9D-3A61-01D12514AFB0}"/>
+                </a:ext>
+              </a:extLst>
+            </p:cNvPr>
+            <p:cNvPicPr>
+              <a:picLocks noChangeAspect="1"/>
+            </p:cNvPicPr>
+            <p:nvPr/>
+          </p:nvPicPr>
+          <p:blipFill>
+            <a:blip r:embed="rId2"/>
+            <a:stretch>
+              <a:fillRect/>
+            </a:stretch>
+          </p:blipFill>
+          <p:spPr>
+            <a:xfrm>
+              <a:off x="4400550" y="1531563"/>
+              <a:ext cx="2359007" cy="2985829"/>
+            </a:xfrm>
+            <a:prstGeom prst="rect">
+              <a:avLst/>
+            </a:prstGeom>
+          </p:spPr>
+        </p:pic>
+        <mc:AlternateContent xmlns:mc="http://schemas.openxmlformats.org/markup-compatibility/2006">
+          <mc:Choice xmlns:a14="http://schemas.microsoft.com/office/drawing/2010/main" Requires="a14">
+            <p:sp>
+              <p:nvSpPr>
+                <p:cNvPr id="4" name="TextBox 3">
+                  <a:extLst>
+                    <a:ext uri="{FF2B5EF4-FFF2-40B4-BE49-F238E27FC236}">
+                      <a16:creationId xmlns:a16="http://schemas.microsoft.com/office/drawing/2014/main" id="{A1A94B2A-9702-CA66-6F83-A4161D126ABE}"/>
+                    </a:ext>
+                  </a:extLst>
+                </p:cNvPr>
+                <p:cNvSpPr txBox="1"/>
+                <p:nvPr/>
+              </p:nvSpPr>
+              <p:spPr>
+                <a:xfrm>
+                  <a:off x="3983641" y="1954595"/>
+                  <a:ext cx="416909" cy="276999"/>
+                </a:xfrm>
+                <a:prstGeom prst="rect">
+                  <a:avLst/>
+                </a:prstGeom>
+                <a:noFill/>
+              </p:spPr>
+              <p:txBody>
+                <a:bodyPr wrap="none" lIns="0" tIns="0" rIns="0" bIns="0" rtlCol="0">
+                  <a:spAutoFit/>
+                </a:bodyPr>
+                <a:lstStyle/>
+                <a:p>
+                  <a14:m>
+                    <m:oMathPara xmlns:m="http://schemas.openxmlformats.org/officeDocument/2006/math">
+                      <m:oMathParaPr>
+                        <m:jc m:val="centerGroup"/>
+                      </m:oMathParaPr>
+                      <m:oMath xmlns:m="http://schemas.openxmlformats.org/officeDocument/2006/math">
+                        <m:r>
+                          <a:rPr lang="en-US" b="0" i="1" smtClean="0">
+                            <a:latin typeface="Cambria Math" panose="02040503050406030204" pitchFamily="18" charset="0"/>
+                          </a:rPr>
+                          <m:t>𝑖</m:t>
+                        </m:r>
+                        <m:r>
+                          <a:rPr lang="en-US" b="0" i="1" smtClean="0">
+                            <a:latin typeface="Cambria Math" panose="02040503050406030204" pitchFamily="18" charset="0"/>
+                          </a:rPr>
+                          <m:t>(</m:t>
+                        </m:r>
+                        <m:r>
+                          <a:rPr lang="en-US" b="0" i="1" smtClean="0">
+                            <a:latin typeface="Cambria Math" panose="02040503050406030204" pitchFamily="18" charset="0"/>
+                          </a:rPr>
+                          <m:t>𝑡</m:t>
+                        </m:r>
+                        <m:r>
+                          <a:rPr lang="en-US" b="0" i="1" smtClean="0">
+                            <a:latin typeface="Cambria Math" panose="02040503050406030204" pitchFamily="18" charset="0"/>
+                          </a:rPr>
+                          <m:t>)</m:t>
+                        </m:r>
+                      </m:oMath>
+                    </m:oMathPara>
+                  </a14:m>
+                  <a:endParaRPr lang="en-US" dirty="0"/>
+                </a:p>
+              </p:txBody>
+            </p:sp>
+          </mc:Choice>
+          <mc:Fallback>
+            <p:sp>
+              <p:nvSpPr>
+                <p:cNvPr id="4" name="TextBox 3">
+                  <a:extLst>
+                    <a:ext uri="{FF2B5EF4-FFF2-40B4-BE49-F238E27FC236}">
+                      <a16:creationId xmlns:a16="http://schemas.microsoft.com/office/drawing/2014/main" id="{A1A94B2A-9702-CA66-6F83-A4161D126ABE}"/>
+                    </a:ext>
+                  </a:extLst>
+                </p:cNvPr>
+                <p:cNvSpPr txBox="1">
+                  <a:spLocks noRot="1" noChangeAspect="1" noMove="1" noResize="1" noEditPoints="1" noAdjustHandles="1" noChangeArrowheads="1" noChangeShapeType="1" noTextEdit="1"/>
+                </p:cNvSpPr>
+                <p:nvPr/>
+              </p:nvSpPr>
+              <p:spPr>
+                <a:xfrm>
+                  <a:off x="3983641" y="1954595"/>
+                  <a:ext cx="416909" cy="276999"/>
+                </a:xfrm>
+                <a:prstGeom prst="rect">
+                  <a:avLst/>
+                </a:prstGeom>
+                <a:blipFill>
+                  <a:blip r:embed="rId3"/>
+                  <a:stretch>
+                    <a:fillRect l="-14493" t="-4444" r="-20290" b="-35556"/>
+                  </a:stretch>
+                </a:blipFill>
+              </p:spPr>
+              <p:txBody>
+                <a:bodyPr/>
+                <a:lstStyle/>
+                <a:p>
+                  <a:r>
+                    <a:rPr lang="en-US">
+                      <a:noFill/>
+                    </a:rPr>
+                    <a:t> </a:t>
+                  </a:r>
+                </a:p>
+              </p:txBody>
+            </p:sp>
+          </mc:Fallback>
+        </mc:AlternateContent>
+        <mc:AlternateContent xmlns:mc="http://schemas.openxmlformats.org/markup-compatibility/2006">
+          <mc:Choice xmlns:a14="http://schemas.microsoft.com/office/drawing/2010/main" Requires="a14">
+            <p:sp>
+              <p:nvSpPr>
+                <p:cNvPr id="5" name="TextBox 4">
+                  <a:extLst>
+                    <a:ext uri="{FF2B5EF4-FFF2-40B4-BE49-F238E27FC236}">
+                      <a16:creationId xmlns:a16="http://schemas.microsoft.com/office/drawing/2014/main" id="{E453754A-D26D-55EB-89B5-9902AA18E65A}"/>
+                    </a:ext>
+                  </a:extLst>
+                </p:cNvPr>
+                <p:cNvSpPr txBox="1"/>
+                <p:nvPr/>
+              </p:nvSpPr>
+              <p:spPr>
+                <a:xfrm>
+                  <a:off x="5284107" y="2109738"/>
+                  <a:ext cx="200696" cy="276999"/>
+                </a:xfrm>
+                <a:prstGeom prst="rect">
+                  <a:avLst/>
+                </a:prstGeom>
+                <a:noFill/>
+              </p:spPr>
+              <p:txBody>
+                <a:bodyPr wrap="none" lIns="0" tIns="0" rIns="0" bIns="0" rtlCol="0">
+                  <a:spAutoFit/>
+                </a:bodyPr>
+                <a:lstStyle/>
+                <a:p>
+                  <a14:m>
+                    <m:oMathPara xmlns:m="http://schemas.openxmlformats.org/officeDocument/2006/math">
+                      <m:oMathParaPr>
+                        <m:jc m:val="centerGroup"/>
+                      </m:oMathParaPr>
+                      <m:oMath xmlns:m="http://schemas.openxmlformats.org/officeDocument/2006/math">
+                        <m:r>
+                          <a:rPr lang="en-US" b="0" i="1" smtClean="0">
+                            <a:latin typeface="Cambria Math" panose="02040503050406030204" pitchFamily="18" charset="0"/>
+                          </a:rPr>
+                          <m:t>𝑅</m:t>
+                        </m:r>
+                      </m:oMath>
+                    </m:oMathPara>
+                  </a14:m>
+                  <a:endParaRPr lang="en-US" dirty="0"/>
+                </a:p>
+              </p:txBody>
+            </p:sp>
+          </mc:Choice>
+          <mc:Fallback>
+            <p:sp>
+              <p:nvSpPr>
+                <p:cNvPr id="5" name="TextBox 4">
+                  <a:extLst>
+                    <a:ext uri="{FF2B5EF4-FFF2-40B4-BE49-F238E27FC236}">
+                      <a16:creationId xmlns:a16="http://schemas.microsoft.com/office/drawing/2014/main" id="{E453754A-D26D-55EB-89B5-9902AA18E65A}"/>
+                    </a:ext>
+                  </a:extLst>
+                </p:cNvPr>
+                <p:cNvSpPr txBox="1">
+                  <a:spLocks noRot="1" noChangeAspect="1" noMove="1" noResize="1" noEditPoints="1" noAdjustHandles="1" noChangeArrowheads="1" noChangeShapeType="1" noTextEdit="1"/>
+                </p:cNvSpPr>
+                <p:nvPr/>
+              </p:nvSpPr>
+              <p:spPr>
+                <a:xfrm>
+                  <a:off x="5284107" y="2109738"/>
+                  <a:ext cx="200696" cy="276999"/>
+                </a:xfrm>
+                <a:prstGeom prst="rect">
+                  <a:avLst/>
+                </a:prstGeom>
+                <a:blipFill>
+                  <a:blip r:embed="rId4"/>
+                  <a:stretch>
+                    <a:fillRect l="-30303" r="-24242" b="-6522"/>
+                  </a:stretch>
+                </a:blipFill>
+              </p:spPr>
+              <p:txBody>
+                <a:bodyPr/>
+                <a:lstStyle/>
+                <a:p>
+                  <a:r>
+                    <a:rPr lang="en-US">
+                      <a:noFill/>
+                    </a:rPr>
+                    <a:t> </a:t>
+                  </a:r>
+                </a:p>
+              </p:txBody>
+            </p:sp>
+          </mc:Fallback>
+        </mc:AlternateContent>
+        <mc:AlternateContent xmlns:mc="http://schemas.openxmlformats.org/markup-compatibility/2006">
+          <mc:Choice xmlns:a14="http://schemas.microsoft.com/office/drawing/2010/main" Requires="a14">
+            <p:sp>
+              <p:nvSpPr>
+                <p:cNvPr id="6" name="TextBox 5">
+                  <a:extLst>
+                    <a:ext uri="{FF2B5EF4-FFF2-40B4-BE49-F238E27FC236}">
+                      <a16:creationId xmlns:a16="http://schemas.microsoft.com/office/drawing/2014/main" id="{C72BA0A7-1EAF-C9B9-361D-0FA5791D3A2A}"/>
+                    </a:ext>
+                  </a:extLst>
+                </p:cNvPr>
+                <p:cNvSpPr txBox="1"/>
+                <p:nvPr/>
+              </p:nvSpPr>
+              <p:spPr>
+                <a:xfrm>
+                  <a:off x="6167664" y="2109738"/>
+                  <a:ext cx="200696" cy="276999"/>
+                </a:xfrm>
+                <a:prstGeom prst="rect">
+                  <a:avLst/>
+                </a:prstGeom>
+                <a:noFill/>
+              </p:spPr>
+              <p:txBody>
+                <a:bodyPr wrap="none" lIns="0" tIns="0" rIns="0" bIns="0" rtlCol="0">
+                  <a:spAutoFit/>
+                </a:bodyPr>
+                <a:lstStyle/>
+                <a:p>
+                  <a14:m>
+                    <m:oMathPara xmlns:m="http://schemas.openxmlformats.org/officeDocument/2006/math">
+                      <m:oMathParaPr>
+                        <m:jc m:val="centerGroup"/>
+                      </m:oMathParaPr>
+                      <m:oMath xmlns:m="http://schemas.openxmlformats.org/officeDocument/2006/math">
+                        <m:r>
+                          <a:rPr lang="en-US" b="0" i="1" smtClean="0">
+                            <a:latin typeface="Cambria Math" panose="02040503050406030204" pitchFamily="18" charset="0"/>
+                          </a:rPr>
+                          <m:t>𝐶</m:t>
+                        </m:r>
+                      </m:oMath>
+                    </m:oMathPara>
+                  </a14:m>
+                  <a:endParaRPr lang="en-US" dirty="0"/>
+                </a:p>
+              </p:txBody>
+            </p:sp>
+          </mc:Choice>
+          <mc:Fallback>
+            <p:sp>
+              <p:nvSpPr>
+                <p:cNvPr id="6" name="TextBox 5">
+                  <a:extLst>
+                    <a:ext uri="{FF2B5EF4-FFF2-40B4-BE49-F238E27FC236}">
+                      <a16:creationId xmlns:a16="http://schemas.microsoft.com/office/drawing/2014/main" id="{C72BA0A7-1EAF-C9B9-361D-0FA5791D3A2A}"/>
+                    </a:ext>
+                  </a:extLst>
+                </p:cNvPr>
+                <p:cNvSpPr txBox="1">
+                  <a:spLocks noRot="1" noChangeAspect="1" noMove="1" noResize="1" noEditPoints="1" noAdjustHandles="1" noChangeArrowheads="1" noChangeShapeType="1" noTextEdit="1"/>
+                </p:cNvSpPr>
+                <p:nvPr/>
+              </p:nvSpPr>
+              <p:spPr>
+                <a:xfrm>
+                  <a:off x="6167664" y="2109738"/>
+                  <a:ext cx="200696" cy="276999"/>
+                </a:xfrm>
+                <a:prstGeom prst="rect">
+                  <a:avLst/>
+                </a:prstGeom>
+                <a:blipFill>
+                  <a:blip r:embed="rId5"/>
+                  <a:stretch>
+                    <a:fillRect l="-30303" r="-21212" b="-6522"/>
+                  </a:stretch>
+                </a:blipFill>
+              </p:spPr>
+              <p:txBody>
+                <a:bodyPr/>
+                <a:lstStyle/>
+                <a:p>
+                  <a:r>
+                    <a:rPr lang="en-US">
+                      <a:noFill/>
+                    </a:rPr>
+                    <a:t> </a:t>
+                  </a:r>
+                </a:p>
+              </p:txBody>
+            </p:sp>
+          </mc:Fallback>
+        </mc:AlternateContent>
+        <p:sp>
+          <p:nvSpPr>
+            <p:cNvPr id="7" name="TextBox 6">
+              <a:extLst>
+                <a:ext uri="{FF2B5EF4-FFF2-40B4-BE49-F238E27FC236}">
+                  <a16:creationId xmlns:a16="http://schemas.microsoft.com/office/drawing/2014/main" id="{BAB9E1FE-7367-6C24-3FB3-03ADAC686613}"/>
+                </a:ext>
+              </a:extLst>
+            </p:cNvPr>
+            <p:cNvSpPr txBox="1"/>
+            <p:nvPr/>
+          </p:nvSpPr>
+          <p:spPr>
+            <a:xfrm>
+              <a:off x="6451459" y="1723762"/>
+              <a:ext cx="308098" cy="369332"/>
+            </a:xfrm>
+            <a:prstGeom prst="rect">
+              <a:avLst/>
+            </a:prstGeom>
+            <a:noFill/>
+          </p:spPr>
+          <p:txBody>
+            <a:bodyPr wrap="none" rtlCol="0">
+              <a:spAutoFit/>
+            </a:bodyPr>
+            <a:lstStyle/>
+            <a:p>
+              <a:r>
+                <a:rPr lang="en-US" dirty="0"/>
+                <a:t>+</a:t>
+              </a:r>
+            </a:p>
+          </p:txBody>
+        </p:sp>
+        <p:sp>
+          <p:nvSpPr>
+            <p:cNvPr id="8" name="TextBox 7">
+              <a:extLst>
+                <a:ext uri="{FF2B5EF4-FFF2-40B4-BE49-F238E27FC236}">
+                  <a16:creationId xmlns:a16="http://schemas.microsoft.com/office/drawing/2014/main" id="{3A101992-D23D-8E3E-7C0C-998D3CFA8051}"/>
+                </a:ext>
+              </a:extLst>
+            </p:cNvPr>
+            <p:cNvSpPr txBox="1"/>
+            <p:nvPr/>
+          </p:nvSpPr>
+          <p:spPr>
+            <a:xfrm>
+              <a:off x="6451459" y="2100627"/>
+              <a:ext cx="263214" cy="369332"/>
+            </a:xfrm>
+            <a:prstGeom prst="rect">
+              <a:avLst/>
+            </a:prstGeom>
+            <a:noFill/>
+          </p:spPr>
+          <p:txBody>
+            <a:bodyPr wrap="none" rtlCol="0">
+              <a:spAutoFit/>
+            </a:bodyPr>
+            <a:lstStyle/>
+            <a:p>
+              <a:r>
+                <a:rPr lang="en-US" dirty="0"/>
+                <a:t>-</a:t>
+              </a:r>
+            </a:p>
+          </p:txBody>
+        </p:sp>
+        <mc:AlternateContent xmlns:mc="http://schemas.openxmlformats.org/markup-compatibility/2006">
+          <mc:Choice xmlns:a14="http://schemas.microsoft.com/office/drawing/2010/main" Requires="a14">
+            <p:sp>
+              <p:nvSpPr>
+                <p:cNvPr id="9" name="TextBox 8">
+                  <a:extLst>
+                    <a:ext uri="{FF2B5EF4-FFF2-40B4-BE49-F238E27FC236}">
+                      <a16:creationId xmlns:a16="http://schemas.microsoft.com/office/drawing/2014/main" id="{5BA1FE0C-2768-2976-5DE3-B62889E60EB9}"/>
+                    </a:ext>
+                  </a:extLst>
+                </p:cNvPr>
+                <p:cNvSpPr txBox="1"/>
+                <p:nvPr/>
+              </p:nvSpPr>
+              <p:spPr>
+                <a:xfrm>
+                  <a:off x="6842656" y="1908428"/>
+                  <a:ext cx="578172" cy="276999"/>
+                </a:xfrm>
+                <a:prstGeom prst="rect">
+                  <a:avLst/>
+                </a:prstGeom>
+                <a:noFill/>
+              </p:spPr>
+              <p:txBody>
+                <a:bodyPr wrap="none" lIns="0" tIns="0" rIns="0" bIns="0" rtlCol="0">
+                  <a:spAutoFit/>
+                </a:bodyPr>
+                <a:lstStyle/>
+                <a:p>
+                  <a14:m>
+                    <m:oMathPara xmlns:m="http://schemas.openxmlformats.org/officeDocument/2006/math">
+                      <m:oMathParaPr>
+                        <m:jc m:val="centerGroup"/>
+                      </m:oMathParaPr>
+                      <m:oMath xmlns:m="http://schemas.openxmlformats.org/officeDocument/2006/math">
+                        <m:sSub>
+                          <m:sSubPr>
+                            <m:ctrlPr>
+                              <a:rPr lang="en-US" b="0" i="1" smtClean="0">
+                                <a:latin typeface="Cambria Math" panose="02040503050406030204" pitchFamily="18" charset="0"/>
+                              </a:rPr>
+                            </m:ctrlPr>
+                          </m:sSubPr>
+                          <m:e>
+                            <m:r>
+                              <a:rPr lang="en-US" b="0" i="1" smtClean="0">
+                                <a:latin typeface="Cambria Math" panose="02040503050406030204" pitchFamily="18" charset="0"/>
+                              </a:rPr>
+                              <m:t>𝑣</m:t>
+                            </m:r>
+                          </m:e>
+                          <m:sub>
+                            <m:r>
+                              <a:rPr lang="en-US" b="0" i="1" smtClean="0">
+                                <a:latin typeface="Cambria Math" panose="02040503050406030204" pitchFamily="18" charset="0"/>
+                              </a:rPr>
+                              <m:t>𝐶</m:t>
+                            </m:r>
+                          </m:sub>
+                        </m:sSub>
+                        <m:r>
+                          <a:rPr lang="en-US" b="0" i="1" smtClean="0">
+                            <a:latin typeface="Cambria Math" panose="02040503050406030204" pitchFamily="18" charset="0"/>
+                          </a:rPr>
+                          <m:t>(</m:t>
+                        </m:r>
+                        <m:r>
+                          <a:rPr lang="en-US" b="0" i="1" smtClean="0">
+                            <a:latin typeface="Cambria Math" panose="02040503050406030204" pitchFamily="18" charset="0"/>
+                          </a:rPr>
+                          <m:t>𝑡</m:t>
+                        </m:r>
+                        <m:r>
+                          <a:rPr lang="en-US" b="0" i="1" smtClean="0">
+                            <a:latin typeface="Cambria Math" panose="02040503050406030204" pitchFamily="18" charset="0"/>
+                          </a:rPr>
+                          <m:t>)</m:t>
+                        </m:r>
+                      </m:oMath>
+                    </m:oMathPara>
+                  </a14:m>
+                  <a:endParaRPr lang="en-US" dirty="0"/>
+                </a:p>
+              </p:txBody>
+            </p:sp>
+          </mc:Choice>
+          <mc:Fallback>
+            <p:sp>
+              <p:nvSpPr>
+                <p:cNvPr id="9" name="TextBox 8">
+                  <a:extLst>
+                    <a:ext uri="{FF2B5EF4-FFF2-40B4-BE49-F238E27FC236}">
+                      <a16:creationId xmlns:a16="http://schemas.microsoft.com/office/drawing/2014/main" id="{5BA1FE0C-2768-2976-5DE3-B62889E60EB9}"/>
+                    </a:ext>
+                  </a:extLst>
+                </p:cNvPr>
+                <p:cNvSpPr txBox="1">
+                  <a:spLocks noRot="1" noChangeAspect="1" noMove="1" noResize="1" noEditPoints="1" noAdjustHandles="1" noChangeArrowheads="1" noChangeShapeType="1" noTextEdit="1"/>
+                </p:cNvSpPr>
+                <p:nvPr/>
+              </p:nvSpPr>
+              <p:spPr>
+                <a:xfrm>
+                  <a:off x="6842656" y="1908428"/>
+                  <a:ext cx="578172" cy="276999"/>
+                </a:xfrm>
+                <a:prstGeom prst="rect">
+                  <a:avLst/>
+                </a:prstGeom>
+                <a:blipFill>
+                  <a:blip r:embed="rId6"/>
+                  <a:stretch>
+                    <a:fillRect l="-6316" t="-2174" r="-14737" b="-32609"/>
+                  </a:stretch>
+                </a:blipFill>
+              </p:spPr>
+              <p:txBody>
+                <a:bodyPr/>
+                <a:lstStyle/>
+                <a:p>
+                  <a:r>
+                    <a:rPr lang="en-US">
+                      <a:noFill/>
+                    </a:rPr>
+                    <a:t> </a:t>
+                  </a:r>
+                </a:p>
+              </p:txBody>
+            </p:sp>
+          </mc:Fallback>
+        </mc:AlternateContent>
+        <mc:AlternateContent xmlns:mc="http://schemas.openxmlformats.org/markup-compatibility/2006">
+          <mc:Choice xmlns:a14="http://schemas.microsoft.com/office/drawing/2010/main" Requires="a14">
+            <p:sp>
+              <p:nvSpPr>
+                <p:cNvPr id="10" name="TextBox 9">
+                  <a:extLst>
+                    <a:ext uri="{FF2B5EF4-FFF2-40B4-BE49-F238E27FC236}">
+                      <a16:creationId xmlns:a16="http://schemas.microsoft.com/office/drawing/2014/main" id="{D2A532F2-0216-DF6D-0321-FD89D84ABE94}"/>
+                    </a:ext>
+                  </a:extLst>
+                </p:cNvPr>
+                <p:cNvSpPr txBox="1"/>
+                <p:nvPr/>
+              </p:nvSpPr>
+              <p:spPr>
+                <a:xfrm>
+                  <a:off x="4192095" y="3024814"/>
+                  <a:ext cx="416909" cy="276999"/>
+                </a:xfrm>
+                <a:prstGeom prst="rect">
+                  <a:avLst/>
+                </a:prstGeom>
+                <a:noFill/>
+              </p:spPr>
+              <p:txBody>
+                <a:bodyPr wrap="none" lIns="0" tIns="0" rIns="0" bIns="0" rtlCol="0">
+                  <a:spAutoFit/>
+                </a:bodyPr>
+                <a:lstStyle/>
+                <a:p>
+                  <a14:m>
+                    <m:oMathPara xmlns:m="http://schemas.openxmlformats.org/officeDocument/2006/math">
+                      <m:oMathParaPr>
+                        <m:jc m:val="centerGroup"/>
+                      </m:oMathParaPr>
+                      <m:oMath xmlns:m="http://schemas.openxmlformats.org/officeDocument/2006/math">
+                        <m:r>
+                          <a:rPr lang="en-US" b="0" i="1" smtClean="0">
+                            <a:latin typeface="Cambria Math" panose="02040503050406030204" pitchFamily="18" charset="0"/>
+                          </a:rPr>
+                          <m:t>𝑖</m:t>
+                        </m:r>
+                        <m:r>
+                          <a:rPr lang="en-US" b="0" i="1" smtClean="0">
+                            <a:latin typeface="Cambria Math" panose="02040503050406030204" pitchFamily="18" charset="0"/>
+                          </a:rPr>
+                          <m:t>(</m:t>
+                        </m:r>
+                        <m:r>
+                          <a:rPr lang="en-US" b="0" i="1" smtClean="0">
+                            <a:latin typeface="Cambria Math" panose="02040503050406030204" pitchFamily="18" charset="0"/>
+                          </a:rPr>
+                          <m:t>𝑡</m:t>
+                        </m:r>
+                        <m:r>
+                          <a:rPr lang="en-US" b="0" i="1" smtClean="0">
+                            <a:latin typeface="Cambria Math" panose="02040503050406030204" pitchFamily="18" charset="0"/>
+                          </a:rPr>
+                          <m:t>)</m:t>
+                        </m:r>
+                      </m:oMath>
+                    </m:oMathPara>
+                  </a14:m>
+                  <a:endParaRPr lang="en-US" dirty="0"/>
+                </a:p>
+              </p:txBody>
+            </p:sp>
+          </mc:Choice>
+          <mc:Fallback>
+            <p:sp>
+              <p:nvSpPr>
+                <p:cNvPr id="10" name="TextBox 9">
+                  <a:extLst>
+                    <a:ext uri="{FF2B5EF4-FFF2-40B4-BE49-F238E27FC236}">
+                      <a16:creationId xmlns:a16="http://schemas.microsoft.com/office/drawing/2014/main" id="{D2A532F2-0216-DF6D-0321-FD89D84ABE94}"/>
+                    </a:ext>
+                  </a:extLst>
+                </p:cNvPr>
+                <p:cNvSpPr txBox="1">
+                  <a:spLocks noRot="1" noChangeAspect="1" noMove="1" noResize="1" noEditPoints="1" noAdjustHandles="1" noChangeArrowheads="1" noChangeShapeType="1" noTextEdit="1"/>
+                </p:cNvSpPr>
+                <p:nvPr/>
+              </p:nvSpPr>
+              <p:spPr>
+                <a:xfrm>
+                  <a:off x="4192095" y="3024814"/>
+                  <a:ext cx="416909" cy="276999"/>
+                </a:xfrm>
+                <a:prstGeom prst="rect">
+                  <a:avLst/>
+                </a:prstGeom>
+                <a:blipFill>
+                  <a:blip r:embed="rId7"/>
+                  <a:stretch>
+                    <a:fillRect l="-14706" t="-2174" r="-22059" b="-32609"/>
+                  </a:stretch>
+                </a:blipFill>
+              </p:spPr>
+              <p:txBody>
+                <a:bodyPr/>
+                <a:lstStyle/>
+                <a:p>
+                  <a:r>
+                    <a:rPr lang="en-US">
+                      <a:noFill/>
+                    </a:rPr>
+                    <a:t> </a:t>
+                  </a:r>
+                </a:p>
+              </p:txBody>
+            </p:sp>
+          </mc:Fallback>
+        </mc:AlternateContent>
+        <mc:AlternateContent xmlns:mc="http://schemas.openxmlformats.org/markup-compatibility/2006">
+          <mc:Choice xmlns:a14="http://schemas.microsoft.com/office/drawing/2010/main" Requires="a14">
+            <p:sp>
+              <p:nvSpPr>
+                <p:cNvPr id="11" name="TextBox 10">
+                  <a:extLst>
+                    <a:ext uri="{FF2B5EF4-FFF2-40B4-BE49-F238E27FC236}">
+                      <a16:creationId xmlns:a16="http://schemas.microsoft.com/office/drawing/2014/main" id="{6FFBA345-A01A-9720-8D4E-64B8921FCCF6}"/>
+                    </a:ext>
+                  </a:extLst>
+                </p:cNvPr>
+                <p:cNvSpPr txBox="1"/>
+                <p:nvPr/>
+              </p:nvSpPr>
+              <p:spPr>
+                <a:xfrm>
+                  <a:off x="4111463" y="4095033"/>
+                  <a:ext cx="578172" cy="276999"/>
+                </a:xfrm>
+                <a:prstGeom prst="rect">
+                  <a:avLst/>
+                </a:prstGeom>
+                <a:noFill/>
+              </p:spPr>
+              <p:txBody>
+                <a:bodyPr wrap="none" lIns="0" tIns="0" rIns="0" bIns="0" rtlCol="0">
+                  <a:spAutoFit/>
+                </a:bodyPr>
+                <a:lstStyle/>
+                <a:p>
+                  <a14:m>
+                    <m:oMathPara xmlns:m="http://schemas.openxmlformats.org/officeDocument/2006/math">
+                      <m:oMathParaPr>
+                        <m:jc m:val="centerGroup"/>
+                      </m:oMathParaPr>
+                      <m:oMath xmlns:m="http://schemas.openxmlformats.org/officeDocument/2006/math">
+                        <m:sSub>
+                          <m:sSubPr>
+                            <m:ctrlPr>
+                              <a:rPr lang="en-US" b="0" i="1" smtClean="0">
+                                <a:latin typeface="Cambria Math" panose="02040503050406030204" pitchFamily="18" charset="0"/>
+                              </a:rPr>
+                            </m:ctrlPr>
+                          </m:sSubPr>
+                          <m:e>
+                            <m:r>
+                              <a:rPr lang="en-US" b="0" i="1" smtClean="0">
+                                <a:latin typeface="Cambria Math" panose="02040503050406030204" pitchFamily="18" charset="0"/>
+                              </a:rPr>
+                              <m:t>𝑣</m:t>
+                            </m:r>
+                          </m:e>
+                          <m:sub>
+                            <m:r>
+                              <a:rPr lang="en-US" b="0" i="1" smtClean="0">
+                                <a:latin typeface="Cambria Math" panose="02040503050406030204" pitchFamily="18" charset="0"/>
+                              </a:rPr>
+                              <m:t>𝐶</m:t>
+                            </m:r>
+                          </m:sub>
+                        </m:sSub>
+                        <m:r>
+                          <a:rPr lang="en-US" b="0" i="1" smtClean="0">
+                            <a:latin typeface="Cambria Math" panose="02040503050406030204" pitchFamily="18" charset="0"/>
+                          </a:rPr>
+                          <m:t>(</m:t>
+                        </m:r>
+                        <m:r>
+                          <a:rPr lang="en-US" b="0" i="1" smtClean="0">
+                            <a:latin typeface="Cambria Math" panose="02040503050406030204" pitchFamily="18" charset="0"/>
+                          </a:rPr>
+                          <m:t>𝑡</m:t>
+                        </m:r>
+                        <m:r>
+                          <a:rPr lang="en-US" b="0" i="1" smtClean="0">
+                            <a:latin typeface="Cambria Math" panose="02040503050406030204" pitchFamily="18" charset="0"/>
+                          </a:rPr>
+                          <m:t>)</m:t>
+                        </m:r>
+                      </m:oMath>
+                    </m:oMathPara>
+                  </a14:m>
+                  <a:endParaRPr lang="en-US" dirty="0"/>
+                </a:p>
+              </p:txBody>
+            </p:sp>
+          </mc:Choice>
+          <mc:Fallback>
+            <p:sp>
+              <p:nvSpPr>
+                <p:cNvPr id="11" name="TextBox 10">
+                  <a:extLst>
+                    <a:ext uri="{FF2B5EF4-FFF2-40B4-BE49-F238E27FC236}">
+                      <a16:creationId xmlns:a16="http://schemas.microsoft.com/office/drawing/2014/main" id="{6FFBA345-A01A-9720-8D4E-64B8921FCCF6}"/>
+                    </a:ext>
+                  </a:extLst>
+                </p:cNvPr>
+                <p:cNvSpPr txBox="1">
+                  <a:spLocks noRot="1" noChangeAspect="1" noMove="1" noResize="1" noEditPoints="1" noAdjustHandles="1" noChangeArrowheads="1" noChangeShapeType="1" noTextEdit="1"/>
+                </p:cNvSpPr>
+                <p:nvPr/>
+              </p:nvSpPr>
+              <p:spPr>
+                <a:xfrm>
+                  <a:off x="4111463" y="4095033"/>
+                  <a:ext cx="578172" cy="276999"/>
+                </a:xfrm>
+                <a:prstGeom prst="rect">
+                  <a:avLst/>
+                </a:prstGeom>
+                <a:blipFill>
+                  <a:blip r:embed="rId8"/>
+                  <a:stretch>
+                    <a:fillRect l="-6316" t="-2222" r="-14737" b="-35556"/>
+                  </a:stretch>
+                </a:blipFill>
+              </p:spPr>
+              <p:txBody>
+                <a:bodyPr/>
+                <a:lstStyle/>
+                <a:p>
+                  <a:r>
+                    <a:rPr lang="en-US">
+                      <a:noFill/>
+                    </a:rPr>
+                    <a:t> </a:t>
+                  </a:r>
+                </a:p>
+              </p:txBody>
+            </p:sp>
+          </mc:Fallback>
+        </mc:AlternateContent>
+        <mc:AlternateContent xmlns:mc="http://schemas.openxmlformats.org/markup-compatibility/2006">
+          <mc:Choice xmlns:a14="http://schemas.microsoft.com/office/drawing/2010/main" Requires="a14">
+            <p:sp>
+              <p:nvSpPr>
+                <p:cNvPr id="12" name="TextBox 11">
+                  <a:extLst>
+                    <a:ext uri="{FF2B5EF4-FFF2-40B4-BE49-F238E27FC236}">
+                      <a16:creationId xmlns:a16="http://schemas.microsoft.com/office/drawing/2014/main" id="{1AFB0A91-0AFF-8A56-D391-84A23D267368}"/>
+                    </a:ext>
+                  </a:extLst>
+                </p:cNvPr>
+                <p:cNvSpPr txBox="1"/>
+                <p:nvPr/>
+              </p:nvSpPr>
+              <p:spPr>
+                <a:xfrm>
+                  <a:off x="6451459" y="3216676"/>
+                  <a:ext cx="228460" cy="276999"/>
+                </a:xfrm>
+                <a:prstGeom prst="rect">
+                  <a:avLst/>
+                </a:prstGeom>
+                <a:noFill/>
+              </p:spPr>
+              <p:txBody>
+                <a:bodyPr wrap="none" lIns="0" tIns="0" rIns="0" bIns="0" rtlCol="0">
+                  <a:spAutoFit/>
+                </a:bodyPr>
+                <a:lstStyle/>
+                <a:p>
+                  <a14:m>
+                    <m:oMathPara xmlns:m="http://schemas.openxmlformats.org/officeDocument/2006/math">
+                      <m:oMathParaPr>
+                        <m:jc m:val="centerGroup"/>
+                      </m:oMathParaPr>
+                      <m:oMath xmlns:m="http://schemas.openxmlformats.org/officeDocument/2006/math">
+                        <m:sSub>
+                          <m:sSubPr>
+                            <m:ctrlPr>
+                              <a:rPr lang="en-US" b="0" i="1" smtClean="0">
+                                <a:latin typeface="Cambria Math" panose="02040503050406030204" pitchFamily="18" charset="0"/>
+                              </a:rPr>
+                            </m:ctrlPr>
+                          </m:sSubPr>
+                          <m:e>
+                            <m:r>
+                              <a:rPr lang="en-US" b="0" i="1" smtClean="0">
+                                <a:latin typeface="Cambria Math" panose="02040503050406030204" pitchFamily="18" charset="0"/>
+                              </a:rPr>
+                              <m:t>𝐼</m:t>
+                            </m:r>
+                          </m:e>
+                          <m:sub>
+                            <m:r>
+                              <a:rPr lang="en-US" b="0" i="1" smtClean="0">
+                                <a:latin typeface="Cambria Math" panose="02040503050406030204" pitchFamily="18" charset="0"/>
+                              </a:rPr>
+                              <m:t>0</m:t>
+                            </m:r>
+                          </m:sub>
+                        </m:sSub>
+                      </m:oMath>
+                    </m:oMathPara>
+                  </a14:m>
+                  <a:endParaRPr lang="en-US" dirty="0"/>
+                </a:p>
+              </p:txBody>
+            </p:sp>
+          </mc:Choice>
+          <mc:Fallback>
+            <p:sp>
+              <p:nvSpPr>
+                <p:cNvPr id="12" name="TextBox 11">
+                  <a:extLst>
+                    <a:ext uri="{FF2B5EF4-FFF2-40B4-BE49-F238E27FC236}">
+                      <a16:creationId xmlns:a16="http://schemas.microsoft.com/office/drawing/2014/main" id="{1AFB0A91-0AFF-8A56-D391-84A23D267368}"/>
+                    </a:ext>
+                  </a:extLst>
+                </p:cNvPr>
+                <p:cNvSpPr txBox="1">
+                  <a:spLocks noRot="1" noChangeAspect="1" noMove="1" noResize="1" noEditPoints="1" noAdjustHandles="1" noChangeArrowheads="1" noChangeShapeType="1" noTextEdit="1"/>
+                </p:cNvSpPr>
+                <p:nvPr/>
+              </p:nvSpPr>
+              <p:spPr>
+                <a:xfrm>
+                  <a:off x="6451459" y="3216676"/>
+                  <a:ext cx="228460" cy="276999"/>
+                </a:xfrm>
+                <a:prstGeom prst="rect">
+                  <a:avLst/>
+                </a:prstGeom>
+                <a:blipFill>
+                  <a:blip r:embed="rId9"/>
+                  <a:stretch>
+                    <a:fillRect l="-23684" r="-7895" b="-15556"/>
+                  </a:stretch>
+                </a:blipFill>
+              </p:spPr>
+              <p:txBody>
+                <a:bodyPr/>
+                <a:lstStyle/>
+                <a:p>
+                  <a:r>
+                    <a:rPr lang="en-US">
+                      <a:noFill/>
+                    </a:rPr>
+                    <a:t> </a:t>
+                  </a:r>
+                </a:p>
+              </p:txBody>
+            </p:sp>
+          </mc:Fallback>
+        </mc:AlternateContent>
+        <mc:AlternateContent xmlns:mc="http://schemas.openxmlformats.org/markup-compatibility/2006">
+          <mc:Choice xmlns:a14="http://schemas.microsoft.com/office/drawing/2010/main" Requires="a14">
+            <p:sp>
+              <p:nvSpPr>
+                <p:cNvPr id="13" name="TextBox 12">
+                  <a:extLst>
+                    <a:ext uri="{FF2B5EF4-FFF2-40B4-BE49-F238E27FC236}">
+                      <a16:creationId xmlns:a16="http://schemas.microsoft.com/office/drawing/2014/main" id="{DB95861D-DB02-E260-C0AF-82150E507050}"/>
+                    </a:ext>
+                  </a:extLst>
+                </p:cNvPr>
+                <p:cNvSpPr txBox="1"/>
+                <p:nvPr/>
+              </p:nvSpPr>
+              <p:spPr>
+                <a:xfrm>
+                  <a:off x="6451459" y="3865034"/>
+                  <a:ext cx="382669" cy="276999"/>
+                </a:xfrm>
+                <a:prstGeom prst="rect">
+                  <a:avLst/>
+                </a:prstGeom>
+                <a:noFill/>
+              </p:spPr>
+              <p:txBody>
+                <a:bodyPr wrap="none" lIns="0" tIns="0" rIns="0" bIns="0" rtlCol="0">
+                  <a:spAutoFit/>
+                </a:bodyPr>
+                <a:lstStyle/>
+                <a:p>
+                  <a14:m>
+                    <m:oMathPara xmlns:m="http://schemas.openxmlformats.org/officeDocument/2006/math">
+                      <m:oMathParaPr>
+                        <m:jc m:val="centerGroup"/>
+                      </m:oMathParaPr>
+                      <m:oMath xmlns:m="http://schemas.openxmlformats.org/officeDocument/2006/math">
+                        <m:sSub>
+                          <m:sSubPr>
+                            <m:ctrlPr>
+                              <a:rPr lang="en-US" b="0" i="1" smtClean="0">
+                                <a:latin typeface="Cambria Math" panose="02040503050406030204" pitchFamily="18" charset="0"/>
+                              </a:rPr>
+                            </m:ctrlPr>
+                          </m:sSubPr>
+                          <m:e>
+                            <m:r>
+                              <a:rPr lang="en-US" b="0" i="1" smtClean="0">
+                                <a:latin typeface="Cambria Math" panose="02040503050406030204" pitchFamily="18" charset="0"/>
+                              </a:rPr>
+                              <m:t>𝐼</m:t>
+                            </m:r>
+                          </m:e>
+                          <m:sub>
+                            <m:r>
+                              <a:rPr lang="en-US" b="0" i="1" smtClean="0">
+                                <a:latin typeface="Cambria Math" panose="02040503050406030204" pitchFamily="18" charset="0"/>
+                              </a:rPr>
+                              <m:t>0</m:t>
+                            </m:r>
+                          </m:sub>
+                        </m:sSub>
+                        <m:r>
+                          <a:rPr lang="en-US" b="0" i="1" smtClean="0">
+                            <a:latin typeface="Cambria Math" panose="02040503050406030204" pitchFamily="18" charset="0"/>
+                          </a:rPr>
+                          <m:t>𝑅</m:t>
+                        </m:r>
+                      </m:oMath>
+                    </m:oMathPara>
+                  </a14:m>
+                  <a:endParaRPr lang="en-US" dirty="0"/>
+                </a:p>
+              </p:txBody>
+            </p:sp>
+          </mc:Choice>
+          <mc:Fallback>
+            <p:sp>
+              <p:nvSpPr>
+                <p:cNvPr id="13" name="TextBox 12">
+                  <a:extLst>
+                    <a:ext uri="{FF2B5EF4-FFF2-40B4-BE49-F238E27FC236}">
+                      <a16:creationId xmlns:a16="http://schemas.microsoft.com/office/drawing/2014/main" id="{DB95861D-DB02-E260-C0AF-82150E507050}"/>
+                    </a:ext>
+                  </a:extLst>
+                </p:cNvPr>
+                <p:cNvSpPr txBox="1">
+                  <a:spLocks noRot="1" noChangeAspect="1" noMove="1" noResize="1" noEditPoints="1" noAdjustHandles="1" noChangeArrowheads="1" noChangeShapeType="1" noTextEdit="1"/>
+                </p:cNvSpPr>
+                <p:nvPr/>
+              </p:nvSpPr>
+              <p:spPr>
+                <a:xfrm>
+                  <a:off x="6451459" y="3865034"/>
+                  <a:ext cx="382669" cy="276999"/>
+                </a:xfrm>
+                <a:prstGeom prst="rect">
+                  <a:avLst/>
+                </a:prstGeom>
+                <a:blipFill>
+                  <a:blip r:embed="rId10"/>
+                  <a:stretch>
+                    <a:fillRect l="-14286" r="-14286" b="-15556"/>
+                  </a:stretch>
+                </a:blipFill>
+              </p:spPr>
+              <p:txBody>
+                <a:bodyPr/>
+                <a:lstStyle/>
+                <a:p>
+                  <a:r>
+                    <a:rPr lang="en-US">
+                      <a:noFill/>
+                    </a:rPr>
+                    <a:t> </a:t>
+                  </a:r>
+                </a:p>
+              </p:txBody>
+            </p:sp>
+          </mc:Fallback>
+        </mc:AlternateContent>
+        <mc:AlternateContent xmlns:mc="http://schemas.openxmlformats.org/markup-compatibility/2006">
+          <mc:Choice xmlns:a14="http://schemas.microsoft.com/office/drawing/2010/main" Requires="a14">
+            <p:sp>
+              <p:nvSpPr>
+                <p:cNvPr id="14" name="TextBox 13">
+                  <a:extLst>
+                    <a:ext uri="{FF2B5EF4-FFF2-40B4-BE49-F238E27FC236}">
+                      <a16:creationId xmlns:a16="http://schemas.microsoft.com/office/drawing/2014/main" id="{A8CDA973-28D4-5106-3895-B11688BF137E}"/>
+                    </a:ext>
+                  </a:extLst>
+                </p:cNvPr>
+                <p:cNvSpPr txBox="1"/>
+                <p:nvPr/>
+              </p:nvSpPr>
+              <p:spPr>
+                <a:xfrm>
+                  <a:off x="6714833" y="3584673"/>
+                  <a:ext cx="143501" cy="276999"/>
+                </a:xfrm>
+                <a:prstGeom prst="rect">
+                  <a:avLst/>
+                </a:prstGeom>
+                <a:noFill/>
+              </p:spPr>
+              <p:txBody>
+                <a:bodyPr wrap="none" lIns="0" tIns="0" rIns="0" bIns="0" rtlCol="0">
+                  <a:spAutoFit/>
+                </a:bodyPr>
+                <a:lstStyle/>
+                <a:p>
+                  <a14:m>
+                    <m:oMathPara xmlns:m="http://schemas.openxmlformats.org/officeDocument/2006/math">
+                      <m:oMathParaPr>
+                        <m:jc m:val="centerGroup"/>
+                      </m:oMathParaPr>
+                      <m:oMath xmlns:m="http://schemas.openxmlformats.org/officeDocument/2006/math">
+                        <m:r>
+                          <a:rPr lang="en-US" b="0" i="1" smtClean="0">
+                            <a:latin typeface="Cambria Math" panose="02040503050406030204" pitchFamily="18" charset="0"/>
+                          </a:rPr>
+                          <m:t>𝑡</m:t>
+                        </m:r>
+                      </m:oMath>
+                    </m:oMathPara>
+                  </a14:m>
+                  <a:endParaRPr lang="en-US" dirty="0"/>
+                </a:p>
+              </p:txBody>
+            </p:sp>
+          </mc:Choice>
+          <mc:Fallback>
+            <p:sp>
+              <p:nvSpPr>
+                <p:cNvPr id="14" name="TextBox 13">
+                  <a:extLst>
+                    <a:ext uri="{FF2B5EF4-FFF2-40B4-BE49-F238E27FC236}">
+                      <a16:creationId xmlns:a16="http://schemas.microsoft.com/office/drawing/2014/main" id="{A8CDA973-28D4-5106-3895-B11688BF137E}"/>
+                    </a:ext>
+                  </a:extLst>
+                </p:cNvPr>
+                <p:cNvSpPr txBox="1">
+                  <a:spLocks noRot="1" noChangeAspect="1" noMove="1" noResize="1" noEditPoints="1" noAdjustHandles="1" noChangeArrowheads="1" noChangeShapeType="1" noTextEdit="1"/>
+                </p:cNvSpPr>
+                <p:nvPr/>
+              </p:nvSpPr>
+              <p:spPr>
+                <a:xfrm>
+                  <a:off x="6714833" y="3584673"/>
+                  <a:ext cx="143501" cy="276999"/>
+                </a:xfrm>
+                <a:prstGeom prst="rect">
+                  <a:avLst/>
+                </a:prstGeom>
+                <a:blipFill>
+                  <a:blip r:embed="rId11"/>
+                  <a:stretch>
+                    <a:fillRect l="-39130" r="-34783" b="-6667"/>
+                  </a:stretch>
+                </a:blipFill>
+              </p:spPr>
+              <p:txBody>
+                <a:bodyPr/>
+                <a:lstStyle/>
+                <a:p>
+                  <a:r>
+                    <a:rPr lang="en-US">
+                      <a:noFill/>
+                    </a:rPr>
+                    <a:t> </a:t>
+                  </a:r>
+                </a:p>
+              </p:txBody>
+            </p:sp>
+          </mc:Fallback>
+        </mc:AlternateContent>
+      </p:grpSp>
+      <p:sp>
+        <p:nvSpPr>
+          <p:cNvPr id="15" name="TextBox 14">
+            <a:extLst>
+              <a:ext uri="{FF2B5EF4-FFF2-40B4-BE49-F238E27FC236}">
+                <a16:creationId xmlns:a16="http://schemas.microsoft.com/office/drawing/2014/main" id="{770E4059-4381-0981-6077-BA3E5664647E}"/>
+              </a:ext>
+            </a:extLst>
+          </p:cNvPr>
+          <p:cNvSpPr txBox="1"/>
+          <p:nvPr/>
+        </p:nvSpPr>
+        <p:spPr>
+          <a:xfrm>
+            <a:off x="328744" y="5938597"/>
+            <a:ext cx="2986651" cy="369332"/>
+          </a:xfrm>
+          <a:prstGeom prst="rect">
+            <a:avLst/>
+          </a:prstGeom>
+          <a:noFill/>
+        </p:spPr>
+        <p:txBody>
+          <a:bodyPr wrap="none" rtlCol="0">
+            <a:spAutoFit/>
+          </a:bodyPr>
+          <a:lstStyle/>
+          <a:p>
+            <a:r>
+              <a:rPr lang="en-US" dirty="0"/>
+              <a:t>Fig-rc-step.png  R0 06/17/25</a:t>
+            </a:r>
+          </a:p>
+        </p:txBody>
+      </p:sp>
+    </p:spTree>
+    <p:extLst>
+      <p:ext uri="{BB962C8B-B14F-4D97-AF65-F5344CB8AC3E}">
+        <p14:creationId xmlns:p14="http://schemas.microsoft.com/office/powerpoint/2010/main" val="3073747324"/>
+      </p:ext>
+    </p:extLst>
+  </p:cSld>
+  <p:clrMapOvr>
+    <a:masterClrMapping/>
+  </p:clrMapOvr>
+</p:sld>
+</file>
+
 <file path=ppt/slides/slide5.xml><?xml version="1.0" encoding="utf-8"?>
 <p:sld xmlns:a="http://schemas.openxmlformats.org/drawingml/2006/main" xmlns:r="http://schemas.openxmlformats.org/officeDocument/2006/relationships" xmlns:p="http://schemas.openxmlformats.org/presentationml/2006/main">
   <p:cSld>
